--- a/Presentazione/Presentazione_Progetto.pptx
+++ b/Presentazione/Presentazione_Progetto.pptx
@@ -5,10 +5,10 @@
     <p:sldMasterId id="2147483720" r:id="rId4"/>
   </p:sldMasterIdLst>
   <p:notesMasterIdLst>
-    <p:notesMasterId r:id="rId25"/>
+    <p:notesMasterId r:id="rId26"/>
   </p:notesMasterIdLst>
   <p:handoutMasterIdLst>
-    <p:handoutMasterId r:id="rId26"/>
+    <p:handoutMasterId r:id="rId27"/>
   </p:handoutMasterIdLst>
   <p:sldIdLst>
     <p:sldId id="256" r:id="rId5"/>
@@ -23,14 +23,15 @@
     <p:sldId id="309" r:id="rId14"/>
     <p:sldId id="313" r:id="rId15"/>
     <p:sldId id="302" r:id="rId16"/>
-    <p:sldId id="303" r:id="rId17"/>
-    <p:sldId id="304" r:id="rId18"/>
-    <p:sldId id="307" r:id="rId19"/>
-    <p:sldId id="314" r:id="rId20"/>
-    <p:sldId id="315" r:id="rId21"/>
-    <p:sldId id="316" r:id="rId22"/>
-    <p:sldId id="306" r:id="rId23"/>
-    <p:sldId id="310" r:id="rId24"/>
+    <p:sldId id="320" r:id="rId17"/>
+    <p:sldId id="303" r:id="rId18"/>
+    <p:sldId id="304" r:id="rId19"/>
+    <p:sldId id="307" r:id="rId20"/>
+    <p:sldId id="314" r:id="rId21"/>
+    <p:sldId id="315" r:id="rId22"/>
+    <p:sldId id="316" r:id="rId23"/>
+    <p:sldId id="306" r:id="rId24"/>
+    <p:sldId id="310" r:id="rId25"/>
   </p:sldIdLst>
   <p:sldSz cx="12192000" cy="6858000"/>
   <p:notesSz cx="6858000" cy="9144000"/>
@@ -166,7 +167,7 @@
 <file path=ppt/revisionInfo.xml><?xml version="1.0" encoding="utf-8"?>
 <p1510:revInfo xmlns:a="http://schemas.openxmlformats.org/drawingml/2006/main" xmlns:r="http://schemas.openxmlformats.org/officeDocument/2006/relationships" xmlns:p1510="http://schemas.microsoft.com/office/powerpoint/2015/10/main">
   <p1510:revLst>
-    <p1510:client id="{740BB46D-1FBD-4BE5-BEA3-98CD9E9E2715}" v="1" dt="2024-01-19T19:58:20.855"/>
+    <p1510:client id="{740BB46D-1FBD-4BE5-BEA3-98CD9E9E2715}" v="3" dt="2024-01-21T20:39:14.753"/>
   </p1510:revLst>
 </p1510:revInfo>
 </file>
@@ -176,18 +177,18 @@
   <pc:docChgLst>
     <pc:chgData name="Matteo MANGILI" userId="89c7df381375e6aa" providerId="LiveId" clId="{740BB46D-1FBD-4BE5-BEA3-98CD9E9E2715}"/>
     <pc:docChg chg="undo custSel addSld modSld">
-      <pc:chgData name="Matteo MANGILI" userId="89c7df381375e6aa" providerId="LiveId" clId="{740BB46D-1FBD-4BE5-BEA3-98CD9E9E2715}" dt="2024-01-19T20:13:30.721" v="1724" actId="20577"/>
+      <pc:chgData name="Matteo MANGILI" userId="89c7df381375e6aa" providerId="LiveId" clId="{740BB46D-1FBD-4BE5-BEA3-98CD9E9E2715}" dt="2024-01-21T20:40:04.905" v="2275" actId="20577"/>
       <pc:docMkLst>
         <pc:docMk/>
       </pc:docMkLst>
-      <pc:sldChg chg="modSp mod">
-        <pc:chgData name="Matteo MANGILI" userId="89c7df381375e6aa" providerId="LiveId" clId="{740BB46D-1FBD-4BE5-BEA3-98CD9E9E2715}" dt="2024-01-19T20:03:47.195" v="505" actId="20577"/>
+      <pc:sldChg chg="addSp delSp modSp mod">
+        <pc:chgData name="Matteo MANGILI" userId="89c7df381375e6aa" providerId="LiveId" clId="{740BB46D-1FBD-4BE5-BEA3-98CD9E9E2715}" dt="2024-01-21T20:40:04.905" v="2275" actId="20577"/>
         <pc:sldMkLst>
           <pc:docMk/>
           <pc:sldMk cId="3568766427" sldId="306"/>
         </pc:sldMkLst>
-        <pc:spChg chg="mod">
-          <ac:chgData name="Matteo MANGILI" userId="89c7df381375e6aa" providerId="LiveId" clId="{740BB46D-1FBD-4BE5-BEA3-98CD9E9E2715}" dt="2024-01-19T20:03:47.195" v="505" actId="20577"/>
+        <pc:spChg chg="add del mod">
+          <ac:chgData name="Matteo MANGILI" userId="89c7df381375e6aa" providerId="LiveId" clId="{740BB46D-1FBD-4BE5-BEA3-98CD9E9E2715}" dt="2024-01-21T20:40:04.905" v="2275" actId="20577"/>
           <ac:spMkLst>
             <pc:docMk/>
             <pc:sldMk cId="3568766427" sldId="306"/>
@@ -196,13 +197,13 @@
         </pc:spChg>
       </pc:sldChg>
       <pc:sldChg chg="modSp mod">
-        <pc:chgData name="Matteo MANGILI" userId="89c7df381375e6aa" providerId="LiveId" clId="{740BB46D-1FBD-4BE5-BEA3-98CD9E9E2715}" dt="2024-01-19T20:03:27.214" v="497" actId="20577"/>
+        <pc:chgData name="Matteo MANGILI" userId="89c7df381375e6aa" providerId="LiveId" clId="{740BB46D-1FBD-4BE5-BEA3-98CD9E9E2715}" dt="2024-01-21T20:39:32.024" v="2261" actId="20577"/>
         <pc:sldMkLst>
           <pc:docMk/>
           <pc:sldMk cId="42136755" sldId="307"/>
         </pc:sldMkLst>
         <pc:spChg chg="mod">
-          <ac:chgData name="Matteo MANGILI" userId="89c7df381375e6aa" providerId="LiveId" clId="{740BB46D-1FBD-4BE5-BEA3-98CD9E9E2715}" dt="2024-01-19T20:03:27.214" v="497" actId="20577"/>
+          <ac:chgData name="Matteo MANGILI" userId="89c7df381375e6aa" providerId="LiveId" clId="{740BB46D-1FBD-4BE5-BEA3-98CD9E9E2715}" dt="2024-01-21T20:39:32.024" v="2261" actId="20577"/>
           <ac:spMkLst>
             <pc:docMk/>
             <pc:sldMk cId="42136755" sldId="307"/>
@@ -225,14 +226,14 @@
           </ac:spMkLst>
         </pc:spChg>
       </pc:sldChg>
-      <pc:sldChg chg="modSp mod">
-        <pc:chgData name="Matteo MANGILI" userId="89c7df381375e6aa" providerId="LiveId" clId="{740BB46D-1FBD-4BE5-BEA3-98CD9E9E2715}" dt="2024-01-19T20:03:31.510" v="499" actId="20577"/>
+      <pc:sldChg chg="addSp delSp modSp mod">
+        <pc:chgData name="Matteo MANGILI" userId="89c7df381375e6aa" providerId="LiveId" clId="{740BB46D-1FBD-4BE5-BEA3-98CD9E9E2715}" dt="2024-01-21T20:39:42.621" v="2265" actId="20577"/>
         <pc:sldMkLst>
           <pc:docMk/>
           <pc:sldMk cId="2994462458" sldId="314"/>
         </pc:sldMkLst>
-        <pc:spChg chg="mod">
-          <ac:chgData name="Matteo MANGILI" userId="89c7df381375e6aa" providerId="LiveId" clId="{740BB46D-1FBD-4BE5-BEA3-98CD9E9E2715}" dt="2024-01-19T20:03:31.510" v="499" actId="20577"/>
+        <pc:spChg chg="add del mod">
+          <ac:chgData name="Matteo MANGILI" userId="89c7df381375e6aa" providerId="LiveId" clId="{740BB46D-1FBD-4BE5-BEA3-98CD9E9E2715}" dt="2024-01-21T20:39:42.621" v="2265" actId="20577"/>
           <ac:spMkLst>
             <pc:docMk/>
             <pc:sldMk cId="2994462458" sldId="314"/>
@@ -241,13 +242,13 @@
         </pc:spChg>
       </pc:sldChg>
       <pc:sldChg chg="modSp mod">
-        <pc:chgData name="Matteo MANGILI" userId="89c7df381375e6aa" providerId="LiveId" clId="{740BB46D-1FBD-4BE5-BEA3-98CD9E9E2715}" dt="2024-01-19T20:03:37.030" v="501" actId="20577"/>
+        <pc:chgData name="Matteo MANGILI" userId="89c7df381375e6aa" providerId="LiveId" clId="{740BB46D-1FBD-4BE5-BEA3-98CD9E9E2715}" dt="2024-01-21T20:39:47.889" v="2267" actId="20577"/>
         <pc:sldMkLst>
           <pc:docMk/>
           <pc:sldMk cId="1549231609" sldId="315"/>
         </pc:sldMkLst>
         <pc:spChg chg="mod">
-          <ac:chgData name="Matteo MANGILI" userId="89c7df381375e6aa" providerId="LiveId" clId="{740BB46D-1FBD-4BE5-BEA3-98CD9E9E2715}" dt="2024-01-19T20:03:37.030" v="501" actId="20577"/>
+          <ac:chgData name="Matteo MANGILI" userId="89c7df381375e6aa" providerId="LiveId" clId="{740BB46D-1FBD-4BE5-BEA3-98CD9E9E2715}" dt="2024-01-21T20:39:47.889" v="2267" actId="20577"/>
           <ac:spMkLst>
             <pc:docMk/>
             <pc:sldMk cId="1549231609" sldId="315"/>
@@ -256,13 +257,13 @@
         </pc:spChg>
       </pc:sldChg>
       <pc:sldChg chg="modSp mod">
-        <pc:chgData name="Matteo MANGILI" userId="89c7df381375e6aa" providerId="LiveId" clId="{740BB46D-1FBD-4BE5-BEA3-98CD9E9E2715}" dt="2024-01-19T20:03:42.740" v="503" actId="20577"/>
+        <pc:chgData name="Matteo MANGILI" userId="89c7df381375e6aa" providerId="LiveId" clId="{740BB46D-1FBD-4BE5-BEA3-98CD9E9E2715}" dt="2024-01-21T20:39:53.937" v="2269" actId="20577"/>
         <pc:sldMkLst>
           <pc:docMk/>
           <pc:sldMk cId="1841377636" sldId="316"/>
         </pc:sldMkLst>
         <pc:spChg chg="mod">
-          <ac:chgData name="Matteo MANGILI" userId="89c7df381375e6aa" providerId="LiveId" clId="{740BB46D-1FBD-4BE5-BEA3-98CD9E9E2715}" dt="2024-01-19T20:03:42.740" v="503" actId="20577"/>
+          <ac:chgData name="Matteo MANGILI" userId="89c7df381375e6aa" providerId="LiveId" clId="{740BB46D-1FBD-4BE5-BEA3-98CD9E9E2715}" dt="2024-01-21T20:39:53.937" v="2269" actId="20577"/>
           <ac:spMkLst>
             <pc:docMk/>
             <pc:sldMk cId="1841377636" sldId="316"/>
@@ -271,7 +272,7 @@
         </pc:spChg>
       </pc:sldChg>
       <pc:sldChg chg="addSp delSp modSp add mod">
-        <pc:chgData name="Matteo MANGILI" userId="89c7df381375e6aa" providerId="LiveId" clId="{740BB46D-1FBD-4BE5-BEA3-98CD9E9E2715}" dt="2024-01-19T20:00:45.377" v="345" actId="20577"/>
+        <pc:chgData name="Matteo MANGILI" userId="89c7df381375e6aa" providerId="LiveId" clId="{740BB46D-1FBD-4BE5-BEA3-98CD9E9E2715}" dt="2024-01-21T20:35:33.264" v="2229" actId="20577"/>
         <pc:sldMkLst>
           <pc:docMk/>
           <pc:sldMk cId="112244765" sldId="318"/>
@@ -317,7 +318,7 @@
           </ac:spMkLst>
         </pc:spChg>
         <pc:spChg chg="add mod">
-          <ac:chgData name="Matteo MANGILI" userId="89c7df381375e6aa" providerId="LiveId" clId="{740BB46D-1FBD-4BE5-BEA3-98CD9E9E2715}" dt="2024-01-19T20:00:37.205" v="334" actId="20577"/>
+          <ac:chgData name="Matteo MANGILI" userId="89c7df381375e6aa" providerId="LiveId" clId="{740BB46D-1FBD-4BE5-BEA3-98CD9E9E2715}" dt="2024-01-21T20:35:33.264" v="2229" actId="20577"/>
           <ac:spMkLst>
             <pc:docMk/>
             <pc:sldMk cId="112244765" sldId="318"/>
@@ -372,6 +373,69 @@
           </ac:picMkLst>
         </pc:picChg>
       </pc:sldChg>
+      <pc:sldChg chg="addSp delSp modSp add mod">
+        <pc:chgData name="Matteo MANGILI" userId="89c7df381375e6aa" providerId="LiveId" clId="{740BB46D-1FBD-4BE5-BEA3-98CD9E9E2715}" dt="2024-01-21T20:39:15.175" v="2259" actId="21"/>
+        <pc:sldMkLst>
+          <pc:docMk/>
+          <pc:sldMk cId="3754641538" sldId="320"/>
+        </pc:sldMkLst>
+        <pc:spChg chg="add del mod">
+          <ac:chgData name="Matteo MANGILI" userId="89c7df381375e6aa" providerId="LiveId" clId="{740BB46D-1FBD-4BE5-BEA3-98CD9E9E2715}" dt="2024-01-21T20:37:18.266" v="2239" actId="21"/>
+          <ac:spMkLst>
+            <pc:docMk/>
+            <pc:sldMk cId="3754641538" sldId="320"/>
+            <ac:spMk id="5" creationId="{5F7992E6-1116-CFF0-C8FE-03DCABE1FC02}"/>
+          </ac:spMkLst>
+        </pc:spChg>
+        <pc:spChg chg="add del mod">
+          <ac:chgData name="Matteo MANGILI" userId="89c7df381375e6aa" providerId="LiveId" clId="{740BB46D-1FBD-4BE5-BEA3-98CD9E9E2715}" dt="2024-01-21T20:37:58.935" v="2248" actId="21"/>
+          <ac:spMkLst>
+            <pc:docMk/>
+            <pc:sldMk cId="3754641538" sldId="320"/>
+            <ac:spMk id="7" creationId="{FC4C8164-9946-C53E-85B7-E6E001CE4161}"/>
+          </ac:spMkLst>
+        </pc:spChg>
+        <pc:spChg chg="add mod">
+          <ac:chgData name="Matteo MANGILI" userId="89c7df381375e6aa" providerId="LiveId" clId="{740BB46D-1FBD-4BE5-BEA3-98CD9E9E2715}" dt="2024-01-21T20:39:14.753" v="2258" actId="767"/>
+          <ac:spMkLst>
+            <pc:docMk/>
+            <pc:sldMk cId="3754641538" sldId="320"/>
+            <ac:spMk id="8" creationId="{8276D17E-C233-3E18-8C70-46B270680830}"/>
+          </ac:spMkLst>
+        </pc:spChg>
+        <pc:spChg chg="add del mod">
+          <ac:chgData name="Matteo MANGILI" userId="89c7df381375e6aa" providerId="LiveId" clId="{740BB46D-1FBD-4BE5-BEA3-98CD9E9E2715}" dt="2024-01-21T20:39:15.175" v="2259" actId="21"/>
+          <ac:spMkLst>
+            <pc:docMk/>
+            <pc:sldMk cId="3754641538" sldId="320"/>
+            <ac:spMk id="19" creationId="{8B9F0681-6C98-C87F-B39F-F7A05657163C}"/>
+          </ac:spMkLst>
+        </pc:spChg>
+        <pc:spChg chg="del">
+          <ac:chgData name="Matteo MANGILI" userId="89c7df381375e6aa" providerId="LiveId" clId="{740BB46D-1FBD-4BE5-BEA3-98CD9E9E2715}" dt="2024-01-21T20:37:32.911" v="2242" actId="21"/>
+          <ac:spMkLst>
+            <pc:docMk/>
+            <pc:sldMk cId="3754641538" sldId="320"/>
+            <ac:spMk id="20" creationId="{81FF93F6-1ED9-0763-AF79-4C131175232A}"/>
+          </ac:spMkLst>
+        </pc:spChg>
+        <pc:picChg chg="add del">
+          <ac:chgData name="Matteo MANGILI" userId="89c7df381375e6aa" providerId="LiveId" clId="{740BB46D-1FBD-4BE5-BEA3-98CD9E9E2715}" dt="2024-01-21T20:37:35.129" v="2243" actId="21"/>
+          <ac:picMkLst>
+            <pc:docMk/>
+            <pc:sldMk cId="3754641538" sldId="320"/>
+            <ac:picMk id="3" creationId="{DF52D774-0AF5-3D21-AF89-908B316763E3}"/>
+          </ac:picMkLst>
+        </pc:picChg>
+        <pc:picChg chg="del">
+          <ac:chgData name="Matteo MANGILI" userId="89c7df381375e6aa" providerId="LiveId" clId="{740BB46D-1FBD-4BE5-BEA3-98CD9E9E2715}" dt="2024-01-21T20:37:25.205" v="2241" actId="21"/>
+          <ac:picMkLst>
+            <pc:docMk/>
+            <pc:sldMk cId="3754641538" sldId="320"/>
+            <ac:picMk id="21" creationId="{17F74E82-9D2D-6343-03F7-F245968CDF1E}"/>
+          </ac:picMkLst>
+        </pc:picChg>
+      </pc:sldChg>
     </pc:docChg>
   </pc:docChgLst>
 </pc:chgInfo>
@@ -473,7 +537,7 @@
             <a:pPr rtl="0"/>
             <a:fld id="{DBC54730-5EBA-4920-A6C4-7F8458A7F940}" type="datetime1">
               <a:rPr lang="it-IT" smtClean="0"/>
-              <a:t>19/01/2024</a:t>
+              <a:t>21/01/2024</a:t>
             </a:fld>
             <a:endParaRPr lang="it-IT" dirty="0"/>
           </a:p>
@@ -655,7 +719,7 @@
             <a:fld id="{85EC1C34-318D-43A8-83F5-3AC8647FE75E}" type="datetime1">
               <a:rPr lang="it-IT" smtClean="0"/>
               <a:pPr/>
-              <a:t>19/01/2024</a:t>
+              <a:t>21/01/2024</a:t>
             </a:fld>
             <a:endParaRPr lang="it-IT" dirty="0"/>
           </a:p>
@@ -1256,7 +1320,7 @@
     </p:spTree>
     <p:extLst>
       <p:ext uri="{BB962C8B-B14F-4D97-AF65-F5344CB8AC3E}">
-        <p14:creationId xmlns:p14="http://schemas.microsoft.com/office/powerpoint/2010/main" val="3760930360"/>
+        <p14:creationId xmlns:p14="http://schemas.microsoft.com/office/powerpoint/2010/main" val="1516238829"/>
       </p:ext>
     </p:extLst>
   </p:cSld>
@@ -1341,7 +1405,7 @@
     </p:spTree>
     <p:extLst>
       <p:ext uri="{BB962C8B-B14F-4D97-AF65-F5344CB8AC3E}">
-        <p14:creationId xmlns:p14="http://schemas.microsoft.com/office/powerpoint/2010/main" val="2000366706"/>
+        <p14:creationId xmlns:p14="http://schemas.microsoft.com/office/powerpoint/2010/main" val="3760930360"/>
       </p:ext>
     </p:extLst>
   </p:cSld>
@@ -1417,7 +1481,92 @@
             <a:pPr rtl="0"/>
             <a:fld id="{D4B9A9E5-4F7F-4A7D-9DE1-899232329269}" type="slidenum">
               <a:rPr lang="it-IT" smtClean="0"/>
-              <a:t>20</a:t>
+              <a:t>15</a:t>
+            </a:fld>
+            <a:endParaRPr lang="it-IT" dirty="0"/>
+          </a:p>
+        </p:txBody>
+      </p:sp>
+    </p:spTree>
+    <p:extLst>
+      <p:ext uri="{BB962C8B-B14F-4D97-AF65-F5344CB8AC3E}">
+        <p14:creationId xmlns:p14="http://schemas.microsoft.com/office/powerpoint/2010/main" val="2000366706"/>
+      </p:ext>
+    </p:extLst>
+  </p:cSld>
+  <p:clrMapOvr>
+    <a:masterClrMapping/>
+  </p:clrMapOvr>
+</p:notes>
+</file>
+
+<file path=ppt/notesSlides/notesSlide15.xml><?xml version="1.0" encoding="utf-8"?>
+<p:notes xmlns:a="http://schemas.openxmlformats.org/drawingml/2006/main" xmlns:r="http://schemas.openxmlformats.org/officeDocument/2006/relationships" xmlns:p="http://schemas.openxmlformats.org/presentationml/2006/main">
+  <p:cSld>
+    <p:spTree>
+      <p:nvGrpSpPr>
+        <p:cNvPr id="1" name=""/>
+        <p:cNvGrpSpPr/>
+        <p:nvPr/>
+      </p:nvGrpSpPr>
+      <p:grpSpPr>
+        <a:xfrm>
+          <a:off x="0" y="0"/>
+          <a:ext cx="0" cy="0"/>
+          <a:chOff x="0" y="0"/>
+          <a:chExt cx="0" cy="0"/>
+        </a:xfrm>
+      </p:grpSpPr>
+      <p:sp>
+        <p:nvSpPr>
+          <p:cNvPr id="2" name="Segnaposto immagine diapositiva 1"/>
+          <p:cNvSpPr>
+            <a:spLocks noGrp="1" noRot="1" noChangeAspect="1"/>
+          </p:cNvSpPr>
+          <p:nvPr>
+            <p:ph type="sldImg"/>
+          </p:nvPr>
+        </p:nvSpPr>
+        <p:spPr/>
+      </p:sp>
+      <p:sp>
+        <p:nvSpPr>
+          <p:cNvPr id="3" name="Segnaposto note 2"/>
+          <p:cNvSpPr>
+            <a:spLocks noGrp="1"/>
+          </p:cNvSpPr>
+          <p:nvPr>
+            <p:ph type="body" idx="1"/>
+          </p:nvPr>
+        </p:nvSpPr>
+        <p:spPr/>
+        <p:txBody>
+          <a:bodyPr/>
+          <a:lstStyle/>
+          <a:p>
+            <a:endParaRPr lang="it-IT" dirty="0"/>
+          </a:p>
+        </p:txBody>
+      </p:sp>
+      <p:sp>
+        <p:nvSpPr>
+          <p:cNvPr id="4" name="Segnaposto numero diapositiva 3"/>
+          <p:cNvSpPr>
+            <a:spLocks noGrp="1"/>
+          </p:cNvSpPr>
+          <p:nvPr>
+            <p:ph type="sldNum" sz="quarter" idx="5"/>
+          </p:nvPr>
+        </p:nvSpPr>
+        <p:spPr/>
+        <p:txBody>
+          <a:bodyPr/>
+          <a:lstStyle/>
+          <a:p>
+            <a:pPr rtl="0"/>
+            <a:fld id="{D4B9A9E5-4F7F-4A7D-9DE1-899232329269}" type="slidenum">
+              <a:rPr lang="it-IT" smtClean="0"/>
+              <a:t>21</a:t>
             </a:fld>
             <a:endParaRPr lang="it-IT" dirty="0"/>
           </a:p>
@@ -16958,7 +17107,7 @@
             <a:pPr rtl="0"/>
             <a:r>
               <a:rPr lang="it-IT" sz="5400" b="1" dirty="0"/>
-              <a:t>Design Pattern</a:t>
+              <a:t>Architettura</a:t>
             </a:r>
           </a:p>
         </p:txBody>
@@ -17603,115 +17752,6 @@
       </p:sp>
       <p:sp>
         <p:nvSpPr>
-          <p:cNvPr id="4" name="Content Placeholder 3">
-            <a:extLst>
-              <a:ext uri="{FF2B5EF4-FFF2-40B4-BE49-F238E27FC236}">
-                <a16:creationId xmlns:a16="http://schemas.microsoft.com/office/drawing/2014/main" id="{834029E2-3A07-28E1-FE72-E1D9FA770926}"/>
-              </a:ext>
-            </a:extLst>
-          </p:cNvPr>
-          <p:cNvSpPr>
-            <a:spLocks noGrp="1"/>
-          </p:cNvSpPr>
-          <p:nvPr>
-            <p:ph idx="1"/>
-          </p:nvPr>
-        </p:nvSpPr>
-        <p:spPr>
-          <a:xfrm>
-            <a:off x="838200" y="1929384"/>
-            <a:ext cx="10515600" cy="4421993"/>
-          </a:xfrm>
-        </p:spPr>
-        <p:txBody>
-          <a:bodyPr>
-            <a:normAutofit/>
-          </a:bodyPr>
-          <a:lstStyle/>
-          <a:p>
-            <a:pPr marL="0" indent="0">
-              <a:buNone/>
-            </a:pPr>
-            <a:r>
-              <a:rPr lang="en-US" sz="2200" dirty="0"/>
-              <a:t>All’interno del nostro Progetto sono stati utilizzati vari Design Pattern:</a:t>
-            </a:r>
-          </a:p>
-          <a:p>
-            <a:pPr>
-              <a:buFont typeface="Wingdings" panose="05000000000000000000" pitchFamily="2" charset="2"/>
-              <a:buChar char="§"/>
-            </a:pPr>
-            <a:r>
-              <a:rPr lang="en-US" sz="2200" b="1" dirty="0"/>
-              <a:t>General Hierarchy Pattern</a:t>
-            </a:r>
-            <a:r>
-              <a:rPr lang="en-US" sz="2200" dirty="0"/>
-              <a:t> (per definire gerarchie tra le varie classi, in particolare tra i medici operanti)</a:t>
-            </a:r>
-          </a:p>
-          <a:p>
-            <a:pPr>
-              <a:buFont typeface="Wingdings" panose="05000000000000000000" pitchFamily="2" charset="2"/>
-              <a:buChar char="§"/>
-            </a:pPr>
-            <a:r>
-              <a:rPr lang="en-US" sz="2200" b="1" dirty="0"/>
-              <a:t>Delegation Pattern </a:t>
-            </a:r>
-            <a:r>
-              <a:rPr lang="en-US" sz="2200" dirty="0"/>
-              <a:t>(per far svolgere alla cabina di regia i giusti metodi)</a:t>
-            </a:r>
-          </a:p>
-          <a:p>
-            <a:pPr>
-              <a:buFont typeface="Wingdings" panose="05000000000000000000" pitchFamily="2" charset="2"/>
-              <a:buChar char="§"/>
-            </a:pPr>
-            <a:r>
-              <a:rPr lang="en-US" sz="2200" b="1" dirty="0"/>
-              <a:t>Façade Pattern </a:t>
-            </a:r>
-            <a:r>
-              <a:rPr lang="en-US" sz="2200" dirty="0"/>
-              <a:t>(per manipolare le diverse classi. Interfaccia di facciata fra il cliente e il Sistema di prenotazione dell’Ospedale)</a:t>
-            </a:r>
-          </a:p>
-          <a:p>
-            <a:pPr>
-              <a:buFont typeface="Wingdings" panose="05000000000000000000" pitchFamily="2" charset="2"/>
-              <a:buChar char="§"/>
-            </a:pPr>
-            <a:r>
-              <a:rPr lang="en-US" sz="2200" b="1" dirty="0"/>
-              <a:t>Factory Pattern </a:t>
-            </a:r>
-            <a:r>
-              <a:rPr lang="en-US" sz="2200" dirty="0"/>
-              <a:t>(per implementare una framework utile alla creazione di classi e oggetti dipendenti dall’applicazione)</a:t>
-            </a:r>
-          </a:p>
-          <a:p>
-            <a:pPr>
-              <a:buFont typeface="Wingdings" panose="05000000000000000000" pitchFamily="2" charset="2"/>
-              <a:buChar char="§"/>
-            </a:pPr>
-            <a:r>
-              <a:rPr lang="en-US" sz="2200" b="1" dirty="0"/>
-              <a:t>Builder Pattern </a:t>
-            </a:r>
-            <a:r>
-              <a:rPr lang="en-US" sz="2200" dirty="0"/>
-              <a:t>(per costruire un’applicazione complessa a partire da un insieme di componenti oggetti)</a:t>
-            </a:r>
-            <a:endParaRPr lang="en-US" sz="2200" b="1" dirty="0"/>
-          </a:p>
-        </p:txBody>
-      </p:sp>
-      <p:sp>
-        <p:nvSpPr>
           <p:cNvPr id="82" name="Segnaposto numero diapositiva 81">
             <a:extLst>
               <a:ext uri="{FF2B5EF4-FFF2-40B4-BE49-F238E27FC236}">
@@ -17756,10 +17796,45 @@
           </a:p>
         </p:txBody>
       </p:sp>
+      <p:sp>
+        <p:nvSpPr>
+          <p:cNvPr id="19" name="CasellaDiTesto 18">
+            <a:extLst>
+              <a:ext uri="{FF2B5EF4-FFF2-40B4-BE49-F238E27FC236}">
+                <a16:creationId xmlns:a16="http://schemas.microsoft.com/office/drawing/2014/main" id="{8B9F0681-6C98-C87F-B39F-F7A05657163C}"/>
+              </a:ext>
+            </a:extLst>
+          </p:cNvPr>
+          <p:cNvSpPr txBox="1"/>
+          <p:nvPr/>
+        </p:nvSpPr>
+        <p:spPr>
+          <a:xfrm>
+            <a:off x="669036" y="2194286"/>
+            <a:ext cx="10853928" cy="369332"/>
+          </a:xfrm>
+          <a:prstGeom prst="rect">
+            <a:avLst/>
+          </a:prstGeom>
+          <a:noFill/>
+        </p:spPr>
+        <p:txBody>
+          <a:bodyPr wrap="square" rtlCol="0">
+            <a:spAutoFit/>
+          </a:bodyPr>
+          <a:lstStyle/>
+          <a:p>
+            <a:r>
+              <a:rPr lang="it-IT" dirty="0"/>
+              <a:t>Architettura Client-Server</a:t>
+            </a:r>
+          </a:p>
+        </p:txBody>
+      </p:sp>
     </p:spTree>
     <p:extLst>
       <p:ext uri="{BB962C8B-B14F-4D97-AF65-F5344CB8AC3E}">
-        <p14:creationId xmlns:p14="http://schemas.microsoft.com/office/powerpoint/2010/main" val="2944479634"/>
+        <p14:creationId xmlns:p14="http://schemas.microsoft.com/office/powerpoint/2010/main" val="3754641538"/>
       </p:ext>
     </p:extLst>
   </p:cSld>
@@ -17885,7 +17960,7 @@
             <a:pPr rtl="0"/>
             <a:r>
               <a:rPr lang="it-IT" sz="5400" b="1" dirty="0"/>
-              <a:t>Implementazione</a:t>
+              <a:t>Design Pattern</a:t>
             </a:r>
           </a:p>
         </p:txBody>
@@ -18533,7 +18608,7 @@
           <p:cNvPr id="4" name="Content Placeholder 3">
             <a:extLst>
               <a:ext uri="{FF2B5EF4-FFF2-40B4-BE49-F238E27FC236}">
-                <a16:creationId xmlns:a16="http://schemas.microsoft.com/office/drawing/2014/main" id="{E45B50AB-E09E-377A-4B46-AFA47F523EAB}"/>
+                <a16:creationId xmlns:a16="http://schemas.microsoft.com/office/drawing/2014/main" id="{834029E2-3A07-28E1-FE72-E1D9FA770926}"/>
               </a:ext>
             </a:extLst>
           </p:cNvPr>
@@ -18547,12 +18622,12 @@
         <p:spPr>
           <a:xfrm>
             <a:off x="838200" y="1929384"/>
-            <a:ext cx="10515600" cy="4272152"/>
+            <a:ext cx="10515600" cy="4421993"/>
           </a:xfrm>
         </p:spPr>
         <p:txBody>
           <a:bodyPr>
-            <a:normAutofit fontScale="92500" lnSpcReduction="10000"/>
+            <a:normAutofit/>
           </a:bodyPr>
           <a:lstStyle/>
           <a:p>
@@ -18561,93 +18636,79 @@
             </a:pPr>
             <a:r>
               <a:rPr lang="en-US" sz="2200" dirty="0"/>
-              <a:t>Per implementare il Progetto abbiamo dovuto specificare diversi punti da soddisfare per la riuscita del software</a:t>
+              <a:t>All’interno del nostro Progetto sono stati utilizzati vari Design Pattern:</a:t>
             </a:r>
           </a:p>
           <a:p>
             <a:pPr>
               <a:buFont typeface="Wingdings" panose="05000000000000000000" pitchFamily="2" charset="2"/>
-              <a:buChar char="Ø"/>
+              <a:buChar char="§"/>
             </a:pPr>
             <a:r>
+              <a:rPr lang="en-US" sz="2200" b="1" dirty="0"/>
+              <a:t>General Hierarchy Pattern</a:t>
+            </a:r>
+            <a:r>
               <a:rPr lang="en-US" sz="2200" dirty="0"/>
-              <a:t>Registrazione</a:t>
+              <a:t> (per definire gerarchie tra le varie classi, in particolare tra i medici operanti)</a:t>
             </a:r>
           </a:p>
           <a:p>
             <a:pPr>
               <a:buFont typeface="Wingdings" panose="05000000000000000000" pitchFamily="2" charset="2"/>
-              <a:buChar char="Ø"/>
+              <a:buChar char="§"/>
             </a:pPr>
             <a:r>
+              <a:rPr lang="en-US" sz="2200" b="1" dirty="0"/>
+              <a:t>Delegation Pattern </a:t>
+            </a:r>
+            <a:r>
               <a:rPr lang="en-US" sz="2200" dirty="0"/>
-              <a:t>Autenticazione</a:t>
+              <a:t>(per far svolgere alla cabina di regia i giusti metodi)</a:t>
             </a:r>
           </a:p>
           <a:p>
             <a:pPr>
               <a:buFont typeface="Wingdings" panose="05000000000000000000" pitchFamily="2" charset="2"/>
-              <a:buChar char="Ø"/>
+              <a:buChar char="§"/>
             </a:pPr>
             <a:r>
+              <a:rPr lang="en-US" sz="2200" b="1" dirty="0"/>
+              <a:t>Façade Pattern </a:t>
+            </a:r>
+            <a:r>
               <a:rPr lang="en-US" sz="2200" dirty="0"/>
-              <a:t>Effettuare Esami</a:t>
+              <a:t>(per manipolare le diverse classi. Interfaccia di facciata fra il cliente e il Sistema di prenotazione dell’Ospedale)</a:t>
             </a:r>
           </a:p>
           <a:p>
             <a:pPr>
               <a:buFont typeface="Wingdings" panose="05000000000000000000" pitchFamily="2" charset="2"/>
-              <a:buChar char="Ø"/>
+              <a:buChar char="§"/>
             </a:pPr>
             <a:r>
+              <a:rPr lang="en-US" sz="2200" b="1" dirty="0"/>
+              <a:t>Factory Pattern </a:t>
+            </a:r>
+            <a:r>
               <a:rPr lang="en-US" sz="2200" dirty="0"/>
-              <a:t>Iscrizione alla Lista Graduatoria</a:t>
+              <a:t>(per implementare una framework utile alla creazione di classi e oggetti dipendenti dall’applicazione)</a:t>
             </a:r>
           </a:p>
           <a:p>
             <a:pPr>
               <a:buFont typeface="Wingdings" panose="05000000000000000000" pitchFamily="2" charset="2"/>
-              <a:buChar char="Ø"/>
+              <a:buChar char="§"/>
             </a:pPr>
             <a:r>
+              <a:rPr lang="en-US" sz="2200" b="1" dirty="0"/>
+              <a:t>Builder Pattern </a:t>
+            </a:r>
+            <a:r>
               <a:rPr lang="en-US" sz="2200" dirty="0"/>
-              <a:t>Intervento</a:t>
-            </a:r>
-          </a:p>
-          <a:p>
-            <a:pPr>
-              <a:buFont typeface="Wingdings" panose="05000000000000000000" pitchFamily="2" charset="2"/>
-              <a:buChar char="Ø"/>
-            </a:pPr>
-            <a:r>
-              <a:rPr lang="en-US" sz="2200" dirty="0"/>
-              <a:t>Verbale Medico</a:t>
-            </a:r>
-          </a:p>
-          <a:p>
-            <a:pPr>
-              <a:buFont typeface="Wingdings" panose="05000000000000000000" pitchFamily="2" charset="2"/>
-              <a:buChar char="Ø"/>
-            </a:pPr>
-            <a:r>
-              <a:rPr lang="en-US" sz="2200" dirty="0"/>
-              <a:t>Stampa</a:t>
-            </a:r>
-          </a:p>
-          <a:p>
-            <a:pPr marL="0" indent="0">
-              <a:buNone/>
-            </a:pPr>
-            <a:endParaRPr lang="en-US" sz="2200" dirty="0"/>
-          </a:p>
-          <a:p>
-            <a:pPr marL="0" indent="0">
-              <a:buNone/>
-            </a:pPr>
-            <a:r>
-              <a:rPr lang="en-US" sz="2200" dirty="0"/>
-              <a:t>E’ importante poter accedere alle varie liste e alla pagina anagrafica del paziente in ogni momento, per visualizzare informazioni o effettuare modifiche.</a:t>
-            </a:r>
+              <a:t>(per costruire un’applicazione complessa a partire da un insieme di componenti oggetti)</a:t>
+            </a:r>
+            <a:endParaRPr lang="en-US" sz="2200" b="1" dirty="0"/>
           </a:p>
         </p:txBody>
       </p:sp>
@@ -18700,7 +18761,7 @@
     </p:spTree>
     <p:extLst>
       <p:ext uri="{BB962C8B-B14F-4D97-AF65-F5344CB8AC3E}">
-        <p14:creationId xmlns:p14="http://schemas.microsoft.com/office/powerpoint/2010/main" val="2728347993"/>
+        <p14:creationId xmlns:p14="http://schemas.microsoft.com/office/powerpoint/2010/main" val="2944479634"/>
       </p:ext>
     </p:extLst>
   </p:cSld>
@@ -18737,7 +18798,7 @@
       </p:grpSpPr>
       <p:sp useBgFill="1">
         <p:nvSpPr>
-          <p:cNvPr id="11" name="Rectangle 10">
+          <p:cNvPr id="87" name="Rectangle 86">
             <a:extLst>
               <a:ext uri="{FF2B5EF4-FFF2-40B4-BE49-F238E27FC236}">
                 <a16:creationId xmlns:a16="http://schemas.microsoft.com/office/drawing/2014/main" id="{100EDD19-6802-4EC3-95CE-CFFAB042CFD6}"/>
@@ -18797,10 +18858,10 @@
       </p:sp>
       <p:sp>
         <p:nvSpPr>
-          <p:cNvPr id="2" name="Title 1">
+          <p:cNvPr id="2" name="Titolo 1">
             <a:extLst>
               <a:ext uri="{FF2B5EF4-FFF2-40B4-BE49-F238E27FC236}">
-                <a16:creationId xmlns:a16="http://schemas.microsoft.com/office/drawing/2014/main" id="{DDB7800B-90D1-8C4B-56B7-FA1626BB1375}"/>
+                <a16:creationId xmlns:a16="http://schemas.microsoft.com/office/drawing/2014/main" id="{75031FE9-9059-4FE8-B4AC-9771F23A1B89}"/>
               </a:ext>
             </a:extLst>
           </p:cNvPr>
@@ -18818,22 +18879,22 @@
           </a:xfrm>
         </p:spPr>
         <p:txBody>
-          <a:bodyPr>
+          <a:bodyPr rtlCol="0">
             <a:normAutofit/>
           </a:bodyPr>
           <a:lstStyle/>
           <a:p>
+            <a:pPr rtl="0"/>
             <a:r>
               <a:rPr lang="it-IT" sz="5400" b="1" dirty="0"/>
-              <a:t>Modellazione</a:t>
-            </a:r>
-            <a:endParaRPr lang="en-US" sz="5400" b="1" dirty="0"/>
+              <a:t>Implementazione</a:t>
+            </a:r>
           </a:p>
         </p:txBody>
       </p:sp>
       <p:sp>
         <p:nvSpPr>
-          <p:cNvPr id="13" name="sketch line">
+          <p:cNvPr id="89" name="sketch line">
             <a:extLst>
               <a:ext uri="{FF2B5EF4-FFF2-40B4-BE49-F238E27FC236}">
                 <a16:creationId xmlns:a16="http://schemas.microsoft.com/office/drawing/2014/main" id="{DB17E863-922E-4C26-BD64-E8FD41D28661}"/>
@@ -19471,10 +19532,10 @@
       </p:sp>
       <p:sp>
         <p:nvSpPr>
-          <p:cNvPr id="3" name="Content Placeholder 2">
+          <p:cNvPr id="4" name="Content Placeholder 3">
             <a:extLst>
               <a:ext uri="{FF2B5EF4-FFF2-40B4-BE49-F238E27FC236}">
-                <a16:creationId xmlns:a16="http://schemas.microsoft.com/office/drawing/2014/main" id="{A07BF9D8-A7CB-D3F1-7E12-AD682B8F05A3}"/>
+                <a16:creationId xmlns:a16="http://schemas.microsoft.com/office/drawing/2014/main" id="{E45B50AB-E09E-377A-4B46-AFA47F523EAB}"/>
               </a:ext>
             </a:extLst>
           </p:cNvPr>
@@ -19488,18 +19549,91 @@
         <p:spPr>
           <a:xfrm>
             <a:off x="838200" y="1929384"/>
-            <a:ext cx="10515600" cy="3900678"/>
+            <a:ext cx="10515600" cy="4272152"/>
           </a:xfrm>
         </p:spPr>
         <p:txBody>
           <a:bodyPr>
-            <a:normAutofit/>
+            <a:normAutofit fontScale="92500" lnSpcReduction="10000"/>
           </a:bodyPr>
           <a:lstStyle/>
           <a:p>
+            <a:pPr marL="0" indent="0">
+              <a:buNone/>
+            </a:pPr>
             <a:r>
               <a:rPr lang="en-US" sz="2200" dirty="0"/>
-              <a:t>Diagramma dei casi d’uso (USE CASE DIAGRAM)</a:t>
+              <a:t>Per implementare il Progetto abbiamo dovuto specificare diversi punti da soddisfare per la riuscita del software</a:t>
+            </a:r>
+          </a:p>
+          <a:p>
+            <a:pPr>
+              <a:buFont typeface="Wingdings" panose="05000000000000000000" pitchFamily="2" charset="2"/>
+              <a:buChar char="Ø"/>
+            </a:pPr>
+            <a:r>
+              <a:rPr lang="en-US" sz="2200" dirty="0"/>
+              <a:t>Registrazione</a:t>
+            </a:r>
+          </a:p>
+          <a:p>
+            <a:pPr>
+              <a:buFont typeface="Wingdings" panose="05000000000000000000" pitchFamily="2" charset="2"/>
+              <a:buChar char="Ø"/>
+            </a:pPr>
+            <a:r>
+              <a:rPr lang="en-US" sz="2200" dirty="0"/>
+              <a:t>Autenticazione</a:t>
+            </a:r>
+          </a:p>
+          <a:p>
+            <a:pPr>
+              <a:buFont typeface="Wingdings" panose="05000000000000000000" pitchFamily="2" charset="2"/>
+              <a:buChar char="Ø"/>
+            </a:pPr>
+            <a:r>
+              <a:rPr lang="en-US" sz="2200" dirty="0"/>
+              <a:t>Effettuare Esami</a:t>
+            </a:r>
+          </a:p>
+          <a:p>
+            <a:pPr>
+              <a:buFont typeface="Wingdings" panose="05000000000000000000" pitchFamily="2" charset="2"/>
+              <a:buChar char="Ø"/>
+            </a:pPr>
+            <a:r>
+              <a:rPr lang="en-US" sz="2200" dirty="0"/>
+              <a:t>Iscrizione alla Lista Graduatoria</a:t>
+            </a:r>
+          </a:p>
+          <a:p>
+            <a:pPr>
+              <a:buFont typeface="Wingdings" panose="05000000000000000000" pitchFamily="2" charset="2"/>
+              <a:buChar char="Ø"/>
+            </a:pPr>
+            <a:r>
+              <a:rPr lang="en-US" sz="2200" dirty="0"/>
+              <a:t>Intervento</a:t>
+            </a:r>
+          </a:p>
+          <a:p>
+            <a:pPr>
+              <a:buFont typeface="Wingdings" panose="05000000000000000000" pitchFamily="2" charset="2"/>
+              <a:buChar char="Ø"/>
+            </a:pPr>
+            <a:r>
+              <a:rPr lang="en-US" sz="2200" dirty="0"/>
+              <a:t>Verbale Medico</a:t>
+            </a:r>
+          </a:p>
+          <a:p>
+            <a:pPr>
+              <a:buFont typeface="Wingdings" panose="05000000000000000000" pitchFamily="2" charset="2"/>
+              <a:buChar char="Ø"/>
+            </a:pPr>
+            <a:r>
+              <a:rPr lang="en-US" sz="2200" dirty="0"/>
+              <a:t>Stampa</a:t>
             </a:r>
           </a:p>
           <a:p>
@@ -19509,49 +19643,22 @@
             <a:endParaRPr lang="en-US" sz="2200" dirty="0"/>
           </a:p>
           <a:p>
-            <a:r>
-              <a:rPr lang="en-US" sz="2200" dirty="0"/>
-              <a:t>Diagramma delle classi (CLASS DIAGRAM)</a:t>
-            </a:r>
-          </a:p>
-          <a:p>
             <a:pPr marL="0" indent="0">
               <a:buNone/>
             </a:pPr>
-            <a:endParaRPr lang="en-US" sz="2200" dirty="0"/>
-          </a:p>
-          <a:p>
             <a:r>
               <a:rPr lang="en-US" sz="2200" dirty="0"/>
-              <a:t>Diagramma di stato (STATE-CHART DIAGRAM)</a:t>
-            </a:r>
-          </a:p>
-          <a:p>
-            <a:endParaRPr lang="en-US" sz="2200" dirty="0"/>
-          </a:p>
-          <a:p>
-            <a:r>
-              <a:rPr lang="en-US" sz="2200" dirty="0"/>
-              <a:t>Diagramma di sequenza (SEQUENCE DIAGRAM)</a:t>
-            </a:r>
-          </a:p>
-          <a:p>
-            <a:endParaRPr lang="en-US" sz="2200" dirty="0"/>
-          </a:p>
-          <a:p>
-            <a:r>
-              <a:rPr lang="en-US" sz="2200" dirty="0"/>
-              <a:t>Diagramma delle attività (ACTIVITY DIAGRAM)</a:t>
+              <a:t>E’ importante poter accedere alle varie liste e alla pagina anagrafica del paziente in ogni momento, per visualizzare informazioni o effettuare modifiche.</a:t>
             </a:r>
           </a:p>
         </p:txBody>
       </p:sp>
       <p:sp>
         <p:nvSpPr>
-          <p:cNvPr id="6" name="Slide Number Placeholder 5">
+          <p:cNvPr id="82" name="Segnaposto numero diapositiva 81">
             <a:extLst>
               <a:ext uri="{FF2B5EF4-FFF2-40B4-BE49-F238E27FC236}">
-                <a16:creationId xmlns:a16="http://schemas.microsoft.com/office/drawing/2014/main" id="{07D5F90B-A703-3979-44A8-9125B7AA3463}"/>
+                <a16:creationId xmlns:a16="http://schemas.microsoft.com/office/drawing/2014/main" id="{CE36A058-BEC2-4BC5-A467-F2EB2A365051}"/>
               </a:ext>
             </a:extLst>
           </p:cNvPr>
@@ -19564,51 +19671,38 @@
         </p:nvSpPr>
         <p:spPr>
           <a:xfrm>
-            <a:off x="8610600" y="6191250"/>
-            <a:ext cx="2743200" cy="530225"/>
+            <a:off x="8610600" y="6356350"/>
+            <a:ext cx="2743200" cy="365125"/>
           </a:xfrm>
         </p:spPr>
         <p:txBody>
-          <a:bodyPr>
+          <a:bodyPr rtlCol="0">
             <a:noAutofit/>
           </a:bodyPr>
           <a:lstStyle/>
           <a:p>
             <a:pPr rtl="0">
-              <a:lnSpc>
-                <a:spcPct val="90000"/>
-              </a:lnSpc>
               <a:spcAft>
                 <a:spcPts val="600"/>
               </a:spcAft>
             </a:pPr>
-            <a:endParaRPr lang="it-IT" sz="1800" b="1" noProof="0" dirty="0"/>
-          </a:p>
-          <a:p>
-            <a:pPr rtl="0">
-              <a:lnSpc>
-                <a:spcPct val="90000"/>
-              </a:lnSpc>
-              <a:spcAft>
-                <a:spcPts val="600"/>
-              </a:spcAft>
-            </a:pPr>
-            <a:r>
-              <a:rPr lang="it-IT" sz="1800" b="1" noProof="0" dirty="0"/>
-              <a:t>1</a:t>
-            </a:r>
-            <a:r>
-              <a:rPr lang="it-IT" sz="1800" b="1" dirty="0"/>
-              <a:t>5</a:t>
-            </a:r>
-            <a:endParaRPr lang="it-IT" sz="1800" b="1" noProof="0" dirty="0"/>
+            <a:fld id="{B5CEABB6-07DC-46E8-9B57-56EC44A396E5}" type="slidenum">
+              <a:rPr lang="it-IT" sz="1800" b="1" smtClean="0"/>
+              <a:pPr rtl="0">
+                <a:spcAft>
+                  <a:spcPts val="600"/>
+                </a:spcAft>
+              </a:pPr>
+              <a:t>15</a:t>
+            </a:fld>
+            <a:endParaRPr lang="it-IT" sz="1800" b="1" dirty="0"/>
           </a:p>
         </p:txBody>
       </p:sp>
     </p:spTree>
     <p:extLst>
       <p:ext uri="{BB962C8B-B14F-4D97-AF65-F5344CB8AC3E}">
-        <p14:creationId xmlns:p14="http://schemas.microsoft.com/office/powerpoint/2010/main" val="42136755"/>
+        <p14:creationId xmlns:p14="http://schemas.microsoft.com/office/powerpoint/2010/main" val="2728347993"/>
       </p:ext>
     </p:extLst>
   </p:cSld>
@@ -19733,7 +19827,7 @@
           <a:p>
             <a:r>
               <a:rPr lang="it-IT" sz="5400" b="1" dirty="0"/>
-              <a:t>Modellazione: Diagrammi</a:t>
+              <a:t>Modellazione</a:t>
             </a:r>
             <a:endParaRPr lang="en-US" sz="5400" b="1" dirty="0"/>
           </a:p>
@@ -20377,35 +20471,83 @@
           </a:p>
         </p:txBody>
       </p:sp>
-      <p:pic>
-        <p:nvPicPr>
-          <p:cNvPr id="5" name="Segnaposto contenuto 4" descr="Immagine che contiene testo, diagramma, schizzo, disegno&#10;&#10;Descrizione generata automaticamente">
+      <p:sp>
+        <p:nvSpPr>
+          <p:cNvPr id="3" name="Content Placeholder 2">
             <a:extLst>
               <a:ext uri="{FF2B5EF4-FFF2-40B4-BE49-F238E27FC236}">
-                <a16:creationId xmlns:a16="http://schemas.microsoft.com/office/drawing/2014/main" id="{2B1C7207-78AF-C703-0371-186CE2A9C3D6}"/>
+                <a16:creationId xmlns:a16="http://schemas.microsoft.com/office/drawing/2014/main" id="{A07BF9D8-A7CB-D3F1-7E12-AD682B8F05A3}"/>
               </a:ext>
             </a:extLst>
           </p:cNvPr>
-          <p:cNvPicPr>
-            <a:picLocks noGrp="1" noChangeAspect="1"/>
-          </p:cNvPicPr>
+          <p:cNvSpPr>
+            <a:spLocks noGrp="1"/>
+          </p:cNvSpPr>
           <p:nvPr>
             <p:ph idx="1"/>
           </p:nvPr>
-        </p:nvPicPr>
-        <p:blipFill>
-          <a:blip r:embed="rId2"/>
-          <a:stretch>
-            <a:fillRect/>
-          </a:stretch>
-        </p:blipFill>
+        </p:nvSpPr>
         <p:spPr>
           <a:xfrm>
-            <a:off x="325017" y="2055813"/>
-            <a:ext cx="4426288" cy="3900487"/>
+            <a:off x="838200" y="1929384"/>
+            <a:ext cx="10515600" cy="3900678"/>
           </a:xfrm>
         </p:spPr>
-      </p:pic>
+        <p:txBody>
+          <a:bodyPr>
+            <a:normAutofit/>
+          </a:bodyPr>
+          <a:lstStyle/>
+          <a:p>
+            <a:r>
+              <a:rPr lang="en-US" sz="2200" dirty="0"/>
+              <a:t>Diagramma dei casi d’uso (USE CASE DIAGRAM)</a:t>
+            </a:r>
+          </a:p>
+          <a:p>
+            <a:pPr marL="0" indent="0">
+              <a:buNone/>
+            </a:pPr>
+            <a:endParaRPr lang="en-US" sz="2200" dirty="0"/>
+          </a:p>
+          <a:p>
+            <a:r>
+              <a:rPr lang="en-US" sz="2200" dirty="0"/>
+              <a:t>Diagramma delle classi (CLASS DIAGRAM)</a:t>
+            </a:r>
+          </a:p>
+          <a:p>
+            <a:pPr marL="0" indent="0">
+              <a:buNone/>
+            </a:pPr>
+            <a:endParaRPr lang="en-US" sz="2200" dirty="0"/>
+          </a:p>
+          <a:p>
+            <a:r>
+              <a:rPr lang="en-US" sz="2200" dirty="0"/>
+              <a:t>Diagramma di stato (STATE-CHART DIAGRAM)</a:t>
+            </a:r>
+          </a:p>
+          <a:p>
+            <a:endParaRPr lang="en-US" sz="2200" dirty="0"/>
+          </a:p>
+          <a:p>
+            <a:r>
+              <a:rPr lang="en-US" sz="2200" dirty="0"/>
+              <a:t>Diagramma di sequenza (SEQUENCE DIAGRAM)</a:t>
+            </a:r>
+          </a:p>
+          <a:p>
+            <a:endParaRPr lang="en-US" sz="2200" dirty="0"/>
+          </a:p>
+          <a:p>
+            <a:r>
+              <a:rPr lang="en-US" sz="2200" dirty="0"/>
+              <a:t>Diagramma delle attività (ACTIVITY DIAGRAM)</a:t>
+            </a:r>
+          </a:p>
+        </p:txBody>
+      </p:sp>
       <p:sp>
         <p:nvSpPr>
           <p:cNvPr id="6" name="Slide Number Placeholder 5">
@@ -20455,119 +20597,15 @@
             </a:pPr>
             <a:r>
               <a:rPr lang="it-IT" sz="1800" b="1" noProof="0" dirty="0"/>
-              <a:t>1</a:t>
-            </a:r>
-            <a:r>
-              <a:rPr lang="it-IT" sz="1800" b="1" dirty="0"/>
-              <a:t>6</a:t>
-            </a:r>
-            <a:endParaRPr lang="it-IT" sz="1800" b="1" noProof="0" dirty="0"/>
+              <a:t>16</a:t>
+            </a:r>
           </a:p>
         </p:txBody>
       </p:sp>
-      <p:sp>
-        <p:nvSpPr>
-          <p:cNvPr id="7" name="CasellaDiTesto 6">
-            <a:extLst>
-              <a:ext uri="{FF2B5EF4-FFF2-40B4-BE49-F238E27FC236}">
-                <a16:creationId xmlns:a16="http://schemas.microsoft.com/office/drawing/2014/main" id="{2F6D6524-8D26-DCE0-C8D6-6656324DC85A}"/>
-              </a:ext>
-            </a:extLst>
-          </p:cNvPr>
-          <p:cNvSpPr txBox="1"/>
-          <p:nvPr/>
-        </p:nvSpPr>
-        <p:spPr>
-          <a:xfrm>
-            <a:off x="838200" y="6298163"/>
-            <a:ext cx="2110273" cy="369332"/>
-          </a:xfrm>
-          <a:prstGeom prst="rect">
-            <a:avLst/>
-          </a:prstGeom>
-          <a:noFill/>
-        </p:spPr>
-        <p:txBody>
-          <a:bodyPr wrap="square" rtlCol="0">
-            <a:spAutoFit/>
-          </a:bodyPr>
-          <a:lstStyle/>
-          <a:p>
-            <a:r>
-              <a:rPr lang="it-IT" dirty="0"/>
-              <a:t>USE CASE DIAGRAM</a:t>
-            </a:r>
-          </a:p>
-        </p:txBody>
-      </p:sp>
-      <p:sp>
-        <p:nvSpPr>
-          <p:cNvPr id="10" name="CasellaDiTesto 9">
-            <a:extLst>
-              <a:ext uri="{FF2B5EF4-FFF2-40B4-BE49-F238E27FC236}">
-                <a16:creationId xmlns:a16="http://schemas.microsoft.com/office/drawing/2014/main" id="{6A436C8B-00CB-47DF-CE0F-3E6AF627C2BC}"/>
-              </a:ext>
-            </a:extLst>
-          </p:cNvPr>
-          <p:cNvSpPr txBox="1"/>
-          <p:nvPr/>
-        </p:nvSpPr>
-        <p:spPr>
-          <a:xfrm>
-            <a:off x="6895322" y="6382139"/>
-            <a:ext cx="2341347" cy="369332"/>
-          </a:xfrm>
-          <a:prstGeom prst="rect">
-            <a:avLst/>
-          </a:prstGeom>
-          <a:noFill/>
-        </p:spPr>
-        <p:txBody>
-          <a:bodyPr wrap="none" rtlCol="0">
-            <a:spAutoFit/>
-          </a:bodyPr>
-          <a:lstStyle/>
-          <a:p>
-            <a:r>
-              <a:rPr lang="it-IT" dirty="0"/>
-              <a:t>STATECHART DIAGRAM</a:t>
-            </a:r>
-          </a:p>
-        </p:txBody>
-      </p:sp>
-      <p:pic>
-        <p:nvPicPr>
-          <p:cNvPr id="14" name="Immagine 13">
-            <a:extLst>
-              <a:ext uri="{FF2B5EF4-FFF2-40B4-BE49-F238E27FC236}">
-                <a16:creationId xmlns:a16="http://schemas.microsoft.com/office/drawing/2014/main" id="{1FFF48D2-F50E-9EA5-159F-A795661EEE68}"/>
-              </a:ext>
-            </a:extLst>
-          </p:cNvPr>
-          <p:cNvPicPr>
-            <a:picLocks noChangeAspect="1"/>
-          </p:cNvPicPr>
-          <p:nvPr/>
-        </p:nvPicPr>
-        <p:blipFill rotWithShape="1">
-          <a:blip r:embed="rId3"/>
-          <a:srcRect r="7037"/>
-          <a:stretch/>
-        </p:blipFill>
-        <p:spPr>
-          <a:xfrm>
-            <a:off x="4896810" y="2206056"/>
-            <a:ext cx="7146636" cy="3600000"/>
-          </a:xfrm>
-          <a:prstGeom prst="rect">
-            <a:avLst/>
-          </a:prstGeom>
-        </p:spPr>
-      </p:pic>
     </p:spTree>
     <p:extLst>
       <p:ext uri="{BB962C8B-B14F-4D97-AF65-F5344CB8AC3E}">
-        <p14:creationId xmlns:p14="http://schemas.microsoft.com/office/powerpoint/2010/main" val="2994462458"/>
+        <p14:creationId xmlns:p14="http://schemas.microsoft.com/office/powerpoint/2010/main" val="42136755"/>
       </p:ext>
     </p:extLst>
   </p:cSld>
@@ -21336,6 +21374,35 @@
           </a:p>
         </p:txBody>
       </p:sp>
+      <p:pic>
+        <p:nvPicPr>
+          <p:cNvPr id="5" name="Segnaposto contenuto 4" descr="Immagine che contiene testo, diagramma, schizzo, disegno&#10;&#10;Descrizione generata automaticamente">
+            <a:extLst>
+              <a:ext uri="{FF2B5EF4-FFF2-40B4-BE49-F238E27FC236}">
+                <a16:creationId xmlns:a16="http://schemas.microsoft.com/office/drawing/2014/main" id="{2B1C7207-78AF-C703-0371-186CE2A9C3D6}"/>
+              </a:ext>
+            </a:extLst>
+          </p:cNvPr>
+          <p:cNvPicPr>
+            <a:picLocks noGrp="1" noChangeAspect="1"/>
+          </p:cNvPicPr>
+          <p:nvPr>
+            <p:ph idx="1"/>
+          </p:nvPr>
+        </p:nvPicPr>
+        <p:blipFill>
+          <a:blip r:embed="rId2"/>
+          <a:stretch>
+            <a:fillRect/>
+          </a:stretch>
+        </p:blipFill>
+        <p:spPr>
+          <a:xfrm>
+            <a:off x="325017" y="2055813"/>
+            <a:ext cx="4426288" cy="3900487"/>
+          </a:xfrm>
+        </p:spPr>
+      </p:pic>
       <p:sp>
         <p:nvSpPr>
           <p:cNvPr id="6" name="Slide Number Placeholder 5">
@@ -21385,13 +21452,8 @@
             </a:pPr>
             <a:r>
               <a:rPr lang="it-IT" sz="1800" b="1" noProof="0" dirty="0"/>
-              <a:t>1</a:t>
-            </a:r>
-            <a:r>
-              <a:rPr lang="it-IT" sz="1800" b="1" dirty="0"/>
-              <a:t>7</a:t>
-            </a:r>
-            <a:endParaRPr lang="it-IT" sz="1800" b="1" noProof="0" dirty="0"/>
+              <a:t>17</a:t>
+            </a:r>
           </a:p>
         </p:txBody>
       </p:sp>
@@ -21425,7 +21487,7 @@
           <a:p>
             <a:r>
               <a:rPr lang="it-IT" dirty="0"/>
-              <a:t>CLASS DIAGRAM</a:t>
+              <a:t>USE CASE DIAGRAM</a:t>
             </a:r>
           </a:p>
         </p:txBody>
@@ -21445,7 +21507,7 @@
         <p:spPr>
           <a:xfrm>
             <a:off x="6895322" y="6382139"/>
-            <a:ext cx="2184765" cy="369332"/>
+            <a:ext cx="2341347" cy="369332"/>
           </a:xfrm>
           <a:prstGeom prst="rect">
             <a:avLst/>
@@ -21460,45 +21522,17 @@
           <a:p>
             <a:r>
               <a:rPr lang="it-IT" dirty="0"/>
-              <a:t>SEQUENCE DIAGRAM</a:t>
+              <a:t>STATECHART DIAGRAM</a:t>
             </a:r>
           </a:p>
         </p:txBody>
       </p:sp>
       <p:pic>
         <p:nvPicPr>
-          <p:cNvPr id="12" name="Segnaposto contenuto 11">
+          <p:cNvPr id="14" name="Immagine 13">
             <a:extLst>
               <a:ext uri="{FF2B5EF4-FFF2-40B4-BE49-F238E27FC236}">
-                <a16:creationId xmlns:a16="http://schemas.microsoft.com/office/drawing/2014/main" id="{F10FD7AA-8790-87C5-FE9C-346B2D992897}"/>
-              </a:ext>
-            </a:extLst>
-          </p:cNvPr>
-          <p:cNvPicPr>
-            <a:picLocks noGrp="1" noChangeAspect="1"/>
-          </p:cNvPicPr>
-          <p:nvPr>
-            <p:ph idx="1"/>
-          </p:nvPr>
-        </p:nvPicPr>
-        <p:blipFill rotWithShape="1">
-          <a:blip r:embed="rId2"/>
-          <a:srcRect l="1817" t="6982" b="3654"/>
-          <a:stretch/>
-        </p:blipFill>
-        <p:spPr>
-          <a:xfrm>
-            <a:off x="130628" y="2471857"/>
-            <a:ext cx="5849846" cy="3600000"/>
-          </a:xfrm>
-        </p:spPr>
-      </p:pic>
-      <p:pic>
-        <p:nvPicPr>
-          <p:cNvPr id="15" name="Immagine 14">
-            <a:extLst>
-              <a:ext uri="{FF2B5EF4-FFF2-40B4-BE49-F238E27FC236}">
-                <a16:creationId xmlns:a16="http://schemas.microsoft.com/office/drawing/2014/main" id="{B857A273-6DEB-D710-9311-64C00F4354C4}"/>
+                <a16:creationId xmlns:a16="http://schemas.microsoft.com/office/drawing/2014/main" id="{1FFF48D2-F50E-9EA5-159F-A795661EEE68}"/>
               </a:ext>
             </a:extLst>
           </p:cNvPr>
@@ -21509,13 +21543,13 @@
         </p:nvPicPr>
         <p:blipFill rotWithShape="1">
           <a:blip r:embed="rId3"/>
-          <a:srcRect b="35792"/>
+          <a:srcRect r="7037"/>
           <a:stretch/>
         </p:blipFill>
         <p:spPr>
           <a:xfrm>
-            <a:off x="6211528" y="2434961"/>
-            <a:ext cx="5710209" cy="3780000"/>
+            <a:off x="4896810" y="2206056"/>
+            <a:ext cx="7146636" cy="3600000"/>
           </a:xfrm>
           <a:prstGeom prst="rect">
             <a:avLst/>
@@ -21525,7 +21559,7 @@
     </p:spTree>
     <p:extLst>
       <p:ext uri="{BB962C8B-B14F-4D97-AF65-F5344CB8AC3E}">
-        <p14:creationId xmlns:p14="http://schemas.microsoft.com/office/powerpoint/2010/main" val="1549231609"/>
+        <p14:creationId xmlns:p14="http://schemas.microsoft.com/office/powerpoint/2010/main" val="2994462458"/>
       </p:ext>
     </p:extLst>
   </p:cSld>
@@ -22343,22 +22377,17 @@
             </a:pPr>
             <a:r>
               <a:rPr lang="it-IT" sz="1800" b="1" noProof="0" dirty="0"/>
-              <a:t>1</a:t>
-            </a:r>
-            <a:r>
-              <a:rPr lang="it-IT" sz="1800" b="1" dirty="0"/>
-              <a:t>8</a:t>
-            </a:r>
-            <a:endParaRPr lang="it-IT" sz="1800" b="1" noProof="0" dirty="0"/>
+              <a:t>18</a:t>
+            </a:r>
           </a:p>
         </p:txBody>
       </p:sp>
       <p:sp>
         <p:nvSpPr>
-          <p:cNvPr id="10" name="CasellaDiTesto 9">
+          <p:cNvPr id="7" name="CasellaDiTesto 6">
             <a:extLst>
               <a:ext uri="{FF2B5EF4-FFF2-40B4-BE49-F238E27FC236}">
-                <a16:creationId xmlns:a16="http://schemas.microsoft.com/office/drawing/2014/main" id="{6A436C8B-00CB-47DF-CE0F-3E6AF627C2BC}"/>
+                <a16:creationId xmlns:a16="http://schemas.microsoft.com/office/drawing/2014/main" id="{2F6D6524-8D26-DCE0-C8D6-6656324DC85A}"/>
               </a:ext>
             </a:extLst>
           </p:cNvPr>
@@ -22367,8 +22396,8 @@
         </p:nvSpPr>
         <p:spPr>
           <a:xfrm>
-            <a:off x="4142791" y="6382139"/>
-            <a:ext cx="2230017" cy="369332"/>
+            <a:off x="838200" y="6298163"/>
+            <a:ext cx="2110273" cy="369332"/>
           </a:xfrm>
           <a:prstGeom prst="rect">
             <a:avLst/>
@@ -22383,40 +22412,107 @@
           <a:p>
             <a:r>
               <a:rPr lang="it-IT" dirty="0"/>
-              <a:t>SEQUENCE DIAGRAM</a:t>
+              <a:t>CLASS DIAGRAM</a:t>
             </a:r>
           </a:p>
         </p:txBody>
       </p:sp>
       <p:sp>
         <p:nvSpPr>
-          <p:cNvPr id="9" name="Segnaposto contenuto 8">
+          <p:cNvPr id="10" name="CasellaDiTesto 9">
             <a:extLst>
               <a:ext uri="{FF2B5EF4-FFF2-40B4-BE49-F238E27FC236}">
-                <a16:creationId xmlns:a16="http://schemas.microsoft.com/office/drawing/2014/main" id="{093A462C-9B50-FE8F-AD29-63FB46C03202}"/>
+                <a16:creationId xmlns:a16="http://schemas.microsoft.com/office/drawing/2014/main" id="{6A436C8B-00CB-47DF-CE0F-3E6AF627C2BC}"/>
               </a:ext>
             </a:extLst>
           </p:cNvPr>
-          <p:cNvSpPr>
-            <a:spLocks noGrp="1"/>
-          </p:cNvSpPr>
+          <p:cNvSpPr txBox="1"/>
+          <p:nvPr/>
+        </p:nvSpPr>
+        <p:spPr>
+          <a:xfrm>
+            <a:off x="6895322" y="6382139"/>
+            <a:ext cx="2184765" cy="369332"/>
+          </a:xfrm>
+          <a:prstGeom prst="rect">
+            <a:avLst/>
+          </a:prstGeom>
+          <a:noFill/>
+        </p:spPr>
+        <p:txBody>
+          <a:bodyPr wrap="none" rtlCol="0">
+            <a:spAutoFit/>
+          </a:bodyPr>
+          <a:lstStyle/>
+          <a:p>
+            <a:r>
+              <a:rPr lang="it-IT" dirty="0"/>
+              <a:t>SEQUENCE DIAGRAM</a:t>
+            </a:r>
+          </a:p>
+        </p:txBody>
+      </p:sp>
+      <p:pic>
+        <p:nvPicPr>
+          <p:cNvPr id="12" name="Segnaposto contenuto 11">
+            <a:extLst>
+              <a:ext uri="{FF2B5EF4-FFF2-40B4-BE49-F238E27FC236}">
+                <a16:creationId xmlns:a16="http://schemas.microsoft.com/office/drawing/2014/main" id="{F10FD7AA-8790-87C5-FE9C-346B2D992897}"/>
+              </a:ext>
+            </a:extLst>
+          </p:cNvPr>
+          <p:cNvPicPr>
+            <a:picLocks noGrp="1" noChangeAspect="1"/>
+          </p:cNvPicPr>
           <p:nvPr>
             <p:ph idx="1"/>
           </p:nvPr>
-        </p:nvSpPr>
-        <p:spPr/>
-        <p:txBody>
-          <a:bodyPr/>
-          <a:lstStyle/>
-          <a:p>
-            <a:endParaRPr lang="it-IT" dirty="0"/>
-          </a:p>
-        </p:txBody>
-      </p:sp>
+        </p:nvPicPr>
+        <p:blipFill rotWithShape="1">
+          <a:blip r:embed="rId2"/>
+          <a:srcRect l="1817" t="6982" b="3654"/>
+          <a:stretch/>
+        </p:blipFill>
+        <p:spPr>
+          <a:xfrm>
+            <a:off x="130628" y="2471857"/>
+            <a:ext cx="5849846" cy="3600000"/>
+          </a:xfrm>
+        </p:spPr>
+      </p:pic>
+      <p:pic>
+        <p:nvPicPr>
+          <p:cNvPr id="15" name="Immagine 14">
+            <a:extLst>
+              <a:ext uri="{FF2B5EF4-FFF2-40B4-BE49-F238E27FC236}">
+                <a16:creationId xmlns:a16="http://schemas.microsoft.com/office/drawing/2014/main" id="{B857A273-6DEB-D710-9311-64C00F4354C4}"/>
+              </a:ext>
+            </a:extLst>
+          </p:cNvPr>
+          <p:cNvPicPr>
+            <a:picLocks noChangeAspect="1"/>
+          </p:cNvPicPr>
+          <p:nvPr/>
+        </p:nvPicPr>
+        <p:blipFill rotWithShape="1">
+          <a:blip r:embed="rId3"/>
+          <a:srcRect b="35792"/>
+          <a:stretch/>
+        </p:blipFill>
+        <p:spPr>
+          <a:xfrm>
+            <a:off x="6211528" y="2434961"/>
+            <a:ext cx="5710209" cy="3780000"/>
+          </a:xfrm>
+          <a:prstGeom prst="rect">
+            <a:avLst/>
+          </a:prstGeom>
+        </p:spPr>
+      </p:pic>
     </p:spTree>
     <p:extLst>
       <p:ext uri="{BB962C8B-B14F-4D97-AF65-F5344CB8AC3E}">
-        <p14:creationId xmlns:p14="http://schemas.microsoft.com/office/powerpoint/2010/main" val="1841377636"/>
+        <p14:creationId xmlns:p14="http://schemas.microsoft.com/office/powerpoint/2010/main" val="1549231609"/>
       </p:ext>
     </p:extLst>
   </p:cSld>
@@ -22516,7 +22612,7 @@
           <p:cNvPr id="2" name="Title 1">
             <a:extLst>
               <a:ext uri="{FF2B5EF4-FFF2-40B4-BE49-F238E27FC236}">
-                <a16:creationId xmlns:a16="http://schemas.microsoft.com/office/drawing/2014/main" id="{806A85A7-2359-50AF-B2C8-F8FBFA3E2B3C}"/>
+                <a16:creationId xmlns:a16="http://schemas.microsoft.com/office/drawing/2014/main" id="{DDB7800B-90D1-8C4B-56B7-FA1626BB1375}"/>
               </a:ext>
             </a:extLst>
           </p:cNvPr>
@@ -22540,9 +22636,10 @@
           <a:lstStyle/>
           <a:p>
             <a:r>
-              <a:rPr lang="en-US" sz="5400" b="1" dirty="0"/>
-              <a:t>Dimostrazione</a:t>
-            </a:r>
+              <a:rPr lang="it-IT" sz="5400" b="1" dirty="0"/>
+              <a:t>Modellazione: Diagrammi</a:t>
+            </a:r>
+            <a:endParaRPr lang="en-US" sz="5400" b="1" dirty="0"/>
           </a:p>
         </p:txBody>
       </p:sp>
@@ -23186,46 +23283,10 @@
       </p:sp>
       <p:sp>
         <p:nvSpPr>
-          <p:cNvPr id="3" name="Content Placeholder 2">
+          <p:cNvPr id="6" name="Slide Number Placeholder 5">
             <a:extLst>
               <a:ext uri="{FF2B5EF4-FFF2-40B4-BE49-F238E27FC236}">
-                <a16:creationId xmlns:a16="http://schemas.microsoft.com/office/drawing/2014/main" id="{39198BC0-3DAA-3F78-1CC6-7D92405ED12E}"/>
-              </a:ext>
-            </a:extLst>
-          </p:cNvPr>
-          <p:cNvSpPr>
-            <a:spLocks noGrp="1"/>
-          </p:cNvSpPr>
-          <p:nvPr>
-            <p:ph idx="1"/>
-          </p:nvPr>
-        </p:nvSpPr>
-        <p:spPr>
-          <a:xfrm>
-            <a:off x="838200" y="1929384"/>
-            <a:ext cx="10515600" cy="3957066"/>
-          </a:xfrm>
-        </p:spPr>
-        <p:txBody>
-          <a:bodyPr>
-            <a:normAutofit/>
-          </a:bodyPr>
-          <a:lstStyle/>
-          <a:p>
-            <a:r>
-              <a:rPr lang="it-IT" sz="2200" dirty="0"/>
-              <a:t>Fare piccola demo dell’applicazione sviluppata</a:t>
-            </a:r>
-            <a:endParaRPr lang="en-US" sz="2200" dirty="0"/>
-          </a:p>
-        </p:txBody>
-      </p:sp>
-      <p:sp>
-        <p:nvSpPr>
-          <p:cNvPr id="6" name="Slide Number Placeholder 5">
-            <a:extLst>
-              <a:ext uri="{FF2B5EF4-FFF2-40B4-BE49-F238E27FC236}">
-                <a16:creationId xmlns:a16="http://schemas.microsoft.com/office/drawing/2014/main" id="{366879AD-ECAF-DDDE-26DC-9DD0D10F9AC4}"/>
+                <a16:creationId xmlns:a16="http://schemas.microsoft.com/office/drawing/2014/main" id="{07D5F90B-A703-3979-44A8-9125B7AA3463}"/>
               </a:ext>
             </a:extLst>
           </p:cNvPr>
@@ -23238,8 +23299,8 @@
         </p:nvSpPr>
         <p:spPr>
           <a:xfrm>
-            <a:off x="8610600" y="6356350"/>
-            <a:ext cx="2743200" cy="365125"/>
+            <a:off x="8610600" y="6191250"/>
+            <a:ext cx="2743200" cy="530225"/>
           </a:xfrm>
         </p:spPr>
         <p:txBody>
@@ -23249,21 +23310,95 @@
           <a:lstStyle/>
           <a:p>
             <a:pPr rtl="0">
+              <a:lnSpc>
+                <a:spcPct val="90000"/>
+              </a:lnSpc>
               <a:spcAft>
                 <a:spcPts val="600"/>
               </a:spcAft>
             </a:pPr>
+            <a:endParaRPr lang="it-IT" sz="1800" b="1" noProof="0" dirty="0"/>
+          </a:p>
+          <a:p>
+            <a:pPr rtl="0">
+              <a:lnSpc>
+                <a:spcPct val="90000"/>
+              </a:lnSpc>
+              <a:spcAft>
+                <a:spcPts val="600"/>
+              </a:spcAft>
+            </a:pPr>
             <a:r>
               <a:rPr lang="it-IT" sz="1800" b="1" noProof="0" dirty="0"/>
               <a:t>19</a:t>
             </a:r>
+          </a:p>
+        </p:txBody>
+      </p:sp>
+      <p:sp>
+        <p:nvSpPr>
+          <p:cNvPr id="10" name="CasellaDiTesto 9">
+            <a:extLst>
+              <a:ext uri="{FF2B5EF4-FFF2-40B4-BE49-F238E27FC236}">
+                <a16:creationId xmlns:a16="http://schemas.microsoft.com/office/drawing/2014/main" id="{6A436C8B-00CB-47DF-CE0F-3E6AF627C2BC}"/>
+              </a:ext>
+            </a:extLst>
+          </p:cNvPr>
+          <p:cNvSpPr txBox="1"/>
+          <p:nvPr/>
+        </p:nvSpPr>
+        <p:spPr>
+          <a:xfrm>
+            <a:off x="4142791" y="6382139"/>
+            <a:ext cx="2230017" cy="369332"/>
+          </a:xfrm>
+          <a:prstGeom prst="rect">
+            <a:avLst/>
+          </a:prstGeom>
+          <a:noFill/>
+        </p:spPr>
+        <p:txBody>
+          <a:bodyPr wrap="square" rtlCol="0">
+            <a:spAutoFit/>
+          </a:bodyPr>
+          <a:lstStyle/>
+          <a:p>
+            <a:r>
+              <a:rPr lang="it-IT" dirty="0"/>
+              <a:t>SEQUENCE DIAGRAM</a:t>
+            </a:r>
+          </a:p>
+        </p:txBody>
+      </p:sp>
+      <p:sp>
+        <p:nvSpPr>
+          <p:cNvPr id="9" name="Segnaposto contenuto 8">
+            <a:extLst>
+              <a:ext uri="{FF2B5EF4-FFF2-40B4-BE49-F238E27FC236}">
+                <a16:creationId xmlns:a16="http://schemas.microsoft.com/office/drawing/2014/main" id="{093A462C-9B50-FE8F-AD29-63FB46C03202}"/>
+              </a:ext>
+            </a:extLst>
+          </p:cNvPr>
+          <p:cNvSpPr>
+            <a:spLocks noGrp="1"/>
+          </p:cNvSpPr>
+          <p:nvPr>
+            <p:ph idx="1"/>
+          </p:nvPr>
+        </p:nvSpPr>
+        <p:spPr/>
+        <p:txBody>
+          <a:bodyPr/>
+          <a:lstStyle/>
+          <a:p>
+            <a:endParaRPr lang="it-IT" dirty="0"/>
           </a:p>
         </p:txBody>
       </p:sp>
     </p:spTree>
     <p:extLst>
       <p:ext uri="{BB962C8B-B14F-4D97-AF65-F5344CB8AC3E}">
-        <p14:creationId xmlns:p14="http://schemas.microsoft.com/office/powerpoint/2010/main" val="3568766427"/>
+        <p14:creationId xmlns:p14="http://schemas.microsoft.com/office/powerpoint/2010/main" val="1841377636"/>
       </p:ext>
     </p:extLst>
   </p:cSld>
@@ -24294,7 +24429,7 @@
       </p:grpSpPr>
       <p:sp useBgFill="1">
         <p:nvSpPr>
-          <p:cNvPr id="87" name="Rectangle 86">
+          <p:cNvPr id="11" name="Rectangle 10">
             <a:extLst>
               <a:ext uri="{FF2B5EF4-FFF2-40B4-BE49-F238E27FC236}">
                 <a16:creationId xmlns:a16="http://schemas.microsoft.com/office/drawing/2014/main" id="{100EDD19-6802-4EC3-95CE-CFFAB042CFD6}"/>
@@ -24354,10 +24489,10 @@
       </p:sp>
       <p:sp>
         <p:nvSpPr>
-          <p:cNvPr id="2" name="Titolo 1">
+          <p:cNvPr id="2" name="Title 1">
             <a:extLst>
               <a:ext uri="{FF2B5EF4-FFF2-40B4-BE49-F238E27FC236}">
-                <a16:creationId xmlns:a16="http://schemas.microsoft.com/office/drawing/2014/main" id="{75031FE9-9059-4FE8-B4AC-9771F23A1B89}"/>
+                <a16:creationId xmlns:a16="http://schemas.microsoft.com/office/drawing/2014/main" id="{806A85A7-2359-50AF-B2C8-F8FBFA3E2B3C}"/>
               </a:ext>
             </a:extLst>
           </p:cNvPr>
@@ -24375,22 +24510,21 @@
           </a:xfrm>
         </p:spPr>
         <p:txBody>
-          <a:bodyPr rtlCol="0">
+          <a:bodyPr>
             <a:normAutofit/>
           </a:bodyPr>
           <a:lstStyle/>
           <a:p>
-            <a:pPr rtl="0"/>
-            <a:r>
-              <a:rPr lang="it-IT" sz="5400" b="1" dirty="0"/>
-              <a:t>Testing</a:t>
+            <a:r>
+              <a:rPr lang="en-US" sz="5400" b="1" dirty="0"/>
+              <a:t>Dimostrazione</a:t>
             </a:r>
           </a:p>
         </p:txBody>
       </p:sp>
       <p:sp>
         <p:nvSpPr>
-          <p:cNvPr id="89" name="sketch line">
+          <p:cNvPr id="13" name="sketch line">
             <a:extLst>
               <a:ext uri="{FF2B5EF4-FFF2-40B4-BE49-F238E27FC236}">
                 <a16:creationId xmlns:a16="http://schemas.microsoft.com/office/drawing/2014/main" id="{DB17E863-922E-4C26-BD64-E8FD41D28661}"/>
@@ -25028,10 +25162,10 @@
       </p:sp>
       <p:sp>
         <p:nvSpPr>
-          <p:cNvPr id="4" name="Content Placeholder 3">
+          <p:cNvPr id="3" name="Content Placeholder 2">
             <a:extLst>
               <a:ext uri="{FF2B5EF4-FFF2-40B4-BE49-F238E27FC236}">
-                <a16:creationId xmlns:a16="http://schemas.microsoft.com/office/drawing/2014/main" id="{E45B50AB-E09E-377A-4B46-AFA47F523EAB}"/>
+                <a16:creationId xmlns:a16="http://schemas.microsoft.com/office/drawing/2014/main" id="{39198BC0-3DAA-3F78-1CC6-7D92405ED12E}"/>
               </a:ext>
             </a:extLst>
           </p:cNvPr>
@@ -25045,7 +25179,7 @@
         <p:spPr>
           <a:xfrm>
             <a:off x="838200" y="1929384"/>
-            <a:ext cx="10515600" cy="4251960"/>
+            <a:ext cx="10515600" cy="3957066"/>
           </a:xfrm>
         </p:spPr>
         <p:txBody>
@@ -25056,34 +25190,18 @@
           <a:p>
             <a:r>
               <a:rPr lang="it-IT" sz="2200" dirty="0"/>
-              <a:t>Cosa avete usato per fare testing</a:t>
-            </a:r>
-          </a:p>
-          <a:p>
-            <a:pPr lvl="1"/>
-            <a:r>
-              <a:rPr lang="it-IT" sz="2200" dirty="0"/>
-              <a:t>Manuale o automatico?</a:t>
-            </a:r>
-          </a:p>
-          <a:p>
-            <a:r>
-              <a:rPr lang="it-IT" sz="2200" dirty="0"/>
-              <a:t>Quali risultati avete ottenuto con l’attività di testing</a:t>
-            </a:r>
-          </a:p>
-          <a:p>
-            <a:pPr lvl="1"/>
+              <a:t>Fare piccola demo dell’applicazione sviluppata</a:t>
+            </a:r>
             <a:endParaRPr lang="en-US" sz="2200" dirty="0"/>
           </a:p>
         </p:txBody>
       </p:sp>
       <p:sp>
         <p:nvSpPr>
-          <p:cNvPr id="82" name="Segnaposto numero diapositiva 81">
+          <p:cNvPr id="6" name="Slide Number Placeholder 5">
             <a:extLst>
               <a:ext uri="{FF2B5EF4-FFF2-40B4-BE49-F238E27FC236}">
-                <a16:creationId xmlns:a16="http://schemas.microsoft.com/office/drawing/2014/main" id="{CE36A058-BEC2-4BC5-A467-F2EB2A365051}"/>
+                <a16:creationId xmlns:a16="http://schemas.microsoft.com/office/drawing/2014/main" id="{366879AD-ECAF-DDDE-26DC-9DD0D10F9AC4}"/>
               </a:ext>
             </a:extLst>
           </p:cNvPr>
@@ -25101,7 +25219,7 @@
           </a:xfrm>
         </p:spPr>
         <p:txBody>
-          <a:bodyPr rtlCol="0">
+          <a:bodyPr>
             <a:noAutofit/>
           </a:bodyPr>
           <a:lstStyle/>
@@ -25111,23 +25229,18 @@
                 <a:spcPts val="600"/>
               </a:spcAft>
             </a:pPr>
-            <a:fld id="{B5CEABB6-07DC-46E8-9B57-56EC44A396E5}" type="slidenum">
-              <a:rPr lang="it-IT" sz="1800" b="1" smtClean="0"/>
-              <a:pPr rtl="0">
-                <a:spcAft>
-                  <a:spcPts val="600"/>
-                </a:spcAft>
-              </a:pPr>
+            <a:r>
+              <a:rPr lang="it-IT" sz="1800" b="1" dirty="0"/>
               <a:t>20</a:t>
-            </a:fld>
-            <a:endParaRPr lang="it-IT" sz="1800" b="1" dirty="0"/>
+            </a:r>
+            <a:endParaRPr lang="it-IT" sz="1800" b="1" noProof="0" dirty="0"/>
           </a:p>
         </p:txBody>
       </p:sp>
     </p:spTree>
     <p:extLst>
       <p:ext uri="{BB962C8B-B14F-4D97-AF65-F5344CB8AC3E}">
-        <p14:creationId xmlns:p14="http://schemas.microsoft.com/office/powerpoint/2010/main" val="2214790197"/>
+        <p14:creationId xmlns:p14="http://schemas.microsoft.com/office/powerpoint/2010/main" val="3568766427"/>
       </p:ext>
     </p:extLst>
   </p:cSld>
@@ -25137,7 +25250,7 @@
 </p:sld>
 </file>
 
-<file path=ppt/slides/slide3.xml><?xml version="1.0" encoding="utf-8"?>
+<file path=ppt/slides/slide21.xml><?xml version="1.0" encoding="utf-8"?>
 <p:sld xmlns:a="http://schemas.openxmlformats.org/drawingml/2006/main" xmlns:r="http://schemas.openxmlformats.org/officeDocument/2006/relationships" xmlns:p="http://schemas.openxmlformats.org/presentationml/2006/main">
   <p:cSld>
     <p:bg>
@@ -25164,7 +25277,7 @@
       </p:grpSpPr>
       <p:sp useBgFill="1">
         <p:nvSpPr>
-          <p:cNvPr id="98" name="Rectangle 100">
+          <p:cNvPr id="87" name="Rectangle 86">
             <a:extLst>
               <a:ext uri="{FF2B5EF4-FFF2-40B4-BE49-F238E27FC236}">
                 <a16:creationId xmlns:a16="http://schemas.microsoft.com/office/drawing/2014/main" id="{100EDD19-6802-4EC3-95CE-CFFAB042CFD6}"/>
@@ -25245,21 +25358,22 @@
           </a:xfrm>
         </p:spPr>
         <p:txBody>
-          <a:bodyPr vert="horz" lIns="91440" tIns="45720" rIns="91440" bIns="45720" rtlCol="0">
+          <a:bodyPr rtlCol="0">
             <a:normAutofit/>
           </a:bodyPr>
           <a:lstStyle/>
           <a:p>
-            <a:r>
-              <a:rPr lang="en-US" sz="5400" b="1" dirty="0"/>
-              <a:t>Difficoltà Incontrate</a:t>
+            <a:pPr rtl="0"/>
+            <a:r>
+              <a:rPr lang="it-IT" sz="5400" b="1" dirty="0"/>
+              <a:t>Testing</a:t>
             </a:r>
           </a:p>
         </p:txBody>
       </p:sp>
       <p:sp>
         <p:nvSpPr>
-          <p:cNvPr id="100" name="sketch line">
+          <p:cNvPr id="89" name="sketch line">
             <a:extLst>
               <a:ext uri="{FF2B5EF4-FFF2-40B4-BE49-F238E27FC236}">
                 <a16:creationId xmlns:a16="http://schemas.microsoft.com/office/drawing/2014/main" id="{DB17E863-922E-4C26-BD64-E8FD41D28661}"/>
@@ -25900,7 +26014,7 @@
           <p:cNvPr id="4" name="Content Placeholder 3">
             <a:extLst>
               <a:ext uri="{FF2B5EF4-FFF2-40B4-BE49-F238E27FC236}">
-                <a16:creationId xmlns:a16="http://schemas.microsoft.com/office/drawing/2014/main" id="{0B9BE06A-2A10-766E-30FB-68BA1AE33F20}"/>
+                <a16:creationId xmlns:a16="http://schemas.microsoft.com/office/drawing/2014/main" id="{E45B50AB-E09E-377A-4B46-AFA47F523EAB}"/>
               </a:ext>
             </a:extLst>
           </p:cNvPr>
@@ -25914,52 +26028,36 @@
         <p:spPr>
           <a:xfrm>
             <a:off x="838200" y="1929384"/>
-            <a:ext cx="10515600" cy="3688018"/>
+            <a:ext cx="10515600" cy="4251960"/>
           </a:xfrm>
         </p:spPr>
         <p:txBody>
-          <a:bodyPr vert="horz" lIns="91440" tIns="45720" rIns="91440" bIns="45720" rtlCol="0">
+          <a:bodyPr>
             <a:normAutofit/>
           </a:bodyPr>
           <a:lstStyle/>
           <a:p>
-            <a:pPr marL="0" indent="0">
-              <a:buNone/>
-            </a:pPr>
-            <a:r>
-              <a:rPr lang="en-US" sz="2200" dirty="0"/>
-              <a:t>Le principali difficolà, incontrate durante la stesura del Progetto, sono:</a:t>
-            </a:r>
-          </a:p>
-          <a:p>
-            <a:pPr marL="0" indent="0">
-              <a:buNone/>
-            </a:pPr>
+            <a:r>
+              <a:rPr lang="it-IT" sz="2200" dirty="0"/>
+              <a:t>Cosa avete usato per fare testing</a:t>
+            </a:r>
+          </a:p>
+          <a:p>
+            <a:pPr lvl="1"/>
+            <a:r>
+              <a:rPr lang="it-IT" sz="2200" dirty="0"/>
+              <a:t>Manuale o automatico?</a:t>
+            </a:r>
+          </a:p>
+          <a:p>
+            <a:r>
+              <a:rPr lang="it-IT" sz="2200" dirty="0"/>
+              <a:t>Quali risultati avete ottenuto con l’attività di testing</a:t>
+            </a:r>
+          </a:p>
+          <a:p>
+            <a:pPr lvl="1"/>
             <a:endParaRPr lang="en-US" sz="2200" dirty="0"/>
-          </a:p>
-          <a:p>
-            <a:r>
-              <a:rPr lang="en-US" sz="2200" dirty="0"/>
-              <a:t>Coordinamento tra i componenti del team, soprattutto a livello temporale. </a:t>
-            </a:r>
-          </a:p>
-          <a:p>
-            <a:endParaRPr lang="en-US" sz="2200" dirty="0"/>
-          </a:p>
-          <a:p>
-            <a:r>
-              <a:rPr lang="en-US" sz="2200" dirty="0"/>
-              <a:t>Difficoltà nell’ottenere un programma software che rispondesse ai vari punti del problema.</a:t>
-            </a:r>
-          </a:p>
-          <a:p>
-            <a:endParaRPr lang="en-US" sz="2200" dirty="0"/>
-          </a:p>
-          <a:p>
-            <a:r>
-              <a:rPr lang="en-US" sz="2200" dirty="0"/>
-              <a:t>Conflitto nell’utilizzo di GitHub</a:t>
-            </a:r>
           </a:p>
         </p:txBody>
       </p:sp>
@@ -25981,38 +26079,38 @@
         </p:nvSpPr>
         <p:spPr>
           <a:xfrm>
-            <a:off x="8610600" y="6111552"/>
-            <a:ext cx="2743200" cy="609924"/>
+            <a:off x="8610600" y="6356350"/>
+            <a:ext cx="2743200" cy="365125"/>
           </a:xfrm>
         </p:spPr>
         <p:txBody>
-          <a:bodyPr vert="horz" lIns="91440" tIns="45720" rIns="91440" bIns="45720" rtlCol="0">
-            <a:normAutofit/>
+          <a:bodyPr rtlCol="0">
+            <a:noAutofit/>
           </a:bodyPr>
           <a:lstStyle/>
           <a:p>
-            <a:pPr>
+            <a:pPr rtl="0">
               <a:spcAft>
                 <a:spcPts val="600"/>
               </a:spcAft>
             </a:pPr>
             <a:fld id="{B5CEABB6-07DC-46E8-9B57-56EC44A396E5}" type="slidenum">
-              <a:rPr lang="en-US" sz="1800" smtClean="0"/>
-              <a:pPr>
+              <a:rPr lang="it-IT" sz="1800" b="1" smtClean="0"/>
+              <a:pPr rtl="0">
                 <a:spcAft>
                   <a:spcPts val="600"/>
                 </a:spcAft>
               </a:pPr>
-              <a:t>3</a:t>
+              <a:t>21</a:t>
             </a:fld>
-            <a:endParaRPr lang="en-US" sz="1800" dirty="0"/>
+            <a:endParaRPr lang="it-IT" sz="1800" b="1" dirty="0"/>
           </a:p>
         </p:txBody>
       </p:sp>
     </p:spTree>
     <p:extLst>
       <p:ext uri="{BB962C8B-B14F-4D97-AF65-F5344CB8AC3E}">
-        <p14:creationId xmlns:p14="http://schemas.microsoft.com/office/powerpoint/2010/main" val="1249612630"/>
+        <p14:creationId xmlns:p14="http://schemas.microsoft.com/office/powerpoint/2010/main" val="2214790197"/>
       </p:ext>
     </p:extLst>
   </p:cSld>
@@ -26022,7 +26120,7 @@
 </p:sld>
 </file>
 
-<file path=ppt/slides/slide4.xml><?xml version="1.0" encoding="utf-8"?>
+<file path=ppt/slides/slide3.xml><?xml version="1.0" encoding="utf-8"?>
 <p:sld xmlns:a="http://schemas.openxmlformats.org/drawingml/2006/main" xmlns:r="http://schemas.openxmlformats.org/officeDocument/2006/relationships" xmlns:p="http://schemas.openxmlformats.org/presentationml/2006/main">
   <p:cSld>
     <p:bg>
@@ -26136,23 +26234,9 @@
           <a:lstStyle/>
           <a:p>
             <a:r>
-              <a:rPr kumimoji="0" lang="it-IT" sz="5400" b="1" i="0" u="none" strike="noStrike" kern="1200" cap="none" spc="0" normalizeH="0" baseline="0" noProof="0" dirty="0">
-                <a:ln>
-                  <a:noFill/>
-                </a:ln>
-                <a:solidFill>
-                  <a:prstClr val="black"/>
-                </a:solidFill>
-                <a:effectLst/>
-                <a:uLnTx/>
-                <a:uFillTx/>
-                <a:latin typeface="Calibri Light" panose="020F0302020204030204"/>
-                <a:ea typeface="+mj-ea"/>
-                <a:cs typeface="+mj-cs"/>
-              </a:rPr>
-              <a:t>Paradigma di Programmazione</a:t>
-            </a:r>
-            <a:endParaRPr lang="en-US" sz="5400" b="1" dirty="0"/>
+              <a:rPr lang="en-US" sz="5400" b="1" dirty="0"/>
+              <a:t>Difficoltà Incontrate</a:t>
+            </a:r>
           </a:p>
         </p:txBody>
       </p:sp>
@@ -26794,38 +26878,74 @@
           </a:p>
         </p:txBody>
       </p:sp>
-      <p:pic>
-        <p:nvPicPr>
-          <p:cNvPr id="3" name="Segnaposto contenuto 2">
+      <p:sp>
+        <p:nvSpPr>
+          <p:cNvPr id="4" name="Content Placeholder 3">
             <a:extLst>
               <a:ext uri="{FF2B5EF4-FFF2-40B4-BE49-F238E27FC236}">
-                <a16:creationId xmlns:a16="http://schemas.microsoft.com/office/drawing/2014/main" id="{B8057E78-C79B-B48E-DB48-B7F3C18B6C3F}"/>
+                <a16:creationId xmlns:a16="http://schemas.microsoft.com/office/drawing/2014/main" id="{0B9BE06A-2A10-766E-30FB-68BA1AE33F20}"/>
               </a:ext>
             </a:extLst>
           </p:cNvPr>
-          <p:cNvPicPr>
-            <a:picLocks noGrp="1" noChangeAspect="1"/>
-          </p:cNvPicPr>
+          <p:cNvSpPr>
+            <a:spLocks noGrp="1"/>
+          </p:cNvSpPr>
           <p:nvPr>
             <p:ph idx="1"/>
           </p:nvPr>
-        </p:nvPicPr>
-        <p:blipFill>
-          <a:blip r:embed="rId3"/>
-          <a:stretch>
-            <a:fillRect/>
-          </a:stretch>
-        </p:blipFill>
+        </p:nvSpPr>
         <p:spPr>
           <a:xfrm>
-            <a:off x="581899" y="1928061"/>
-            <a:ext cx="3355619" cy="2376000"/>
+            <a:off x="838200" y="1929384"/>
+            <a:ext cx="10515600" cy="3688018"/>
           </a:xfrm>
-          <a:prstGeom prst="rect">
-            <a:avLst/>
-          </a:prstGeom>
         </p:spPr>
-      </p:pic>
+        <p:txBody>
+          <a:bodyPr vert="horz" lIns="91440" tIns="45720" rIns="91440" bIns="45720" rtlCol="0">
+            <a:normAutofit/>
+          </a:bodyPr>
+          <a:lstStyle/>
+          <a:p>
+            <a:pPr marL="0" indent="0">
+              <a:buNone/>
+            </a:pPr>
+            <a:r>
+              <a:rPr lang="en-US" sz="2200" dirty="0"/>
+              <a:t>Le principali difficolà, incontrate durante la stesura del Progetto, sono:</a:t>
+            </a:r>
+          </a:p>
+          <a:p>
+            <a:pPr marL="0" indent="0">
+              <a:buNone/>
+            </a:pPr>
+            <a:endParaRPr lang="en-US" sz="2200" dirty="0"/>
+          </a:p>
+          <a:p>
+            <a:r>
+              <a:rPr lang="en-US" sz="2200" dirty="0"/>
+              <a:t>Coordinamento tra i componenti del team, soprattutto a livello temporale. </a:t>
+            </a:r>
+          </a:p>
+          <a:p>
+            <a:endParaRPr lang="en-US" sz="2200" dirty="0"/>
+          </a:p>
+          <a:p>
+            <a:r>
+              <a:rPr lang="en-US" sz="2200" dirty="0"/>
+              <a:t>Difficoltà nell’ottenere un programma software che rispondesse ai vari punti del problema.</a:t>
+            </a:r>
+          </a:p>
+          <a:p>
+            <a:endParaRPr lang="en-US" sz="2200" dirty="0"/>
+          </a:p>
+          <a:p>
+            <a:r>
+              <a:rPr lang="en-US" sz="2200" dirty="0"/>
+              <a:t>Conflitto nell’utilizzo di GitHub</a:t>
+            </a:r>
+          </a:p>
+        </p:txBody>
+      </p:sp>
       <p:sp>
         <p:nvSpPr>
           <p:cNvPr id="82" name="Segnaposto numero diapositiva 81">
@@ -26844,8 +26964,8 @@
         </p:nvSpPr>
         <p:spPr>
           <a:xfrm>
-            <a:off x="8610600" y="6140374"/>
-            <a:ext cx="2743200" cy="581101"/>
+            <a:off x="8610600" y="6111552"/>
+            <a:ext cx="2743200" cy="609924"/>
           </a:xfrm>
         </p:spPr>
         <p:txBody>
@@ -26866,181 +26986,16 @@
                   <a:spcPts val="600"/>
                 </a:spcAft>
               </a:pPr>
-              <a:t>4</a:t>
+              <a:t>3</a:t>
             </a:fld>
             <a:endParaRPr lang="en-US" sz="1800" dirty="0"/>
-          </a:p>
-        </p:txBody>
-      </p:sp>
-      <p:pic>
-        <p:nvPicPr>
-          <p:cNvPr id="6" name="Immagine 5">
-            <a:extLst>
-              <a:ext uri="{FF2B5EF4-FFF2-40B4-BE49-F238E27FC236}">
-                <a16:creationId xmlns:a16="http://schemas.microsoft.com/office/drawing/2014/main" id="{DE0CC97B-A6DE-8CA6-E657-2E691E6C3F77}"/>
-              </a:ext>
-            </a:extLst>
-          </p:cNvPr>
-          <p:cNvPicPr>
-            <a:picLocks noChangeAspect="1"/>
-          </p:cNvPicPr>
-          <p:nvPr/>
-        </p:nvPicPr>
-        <p:blipFill>
-          <a:blip r:embed="rId4"/>
-          <a:stretch>
-            <a:fillRect/>
-          </a:stretch>
-        </p:blipFill>
-        <p:spPr>
-          <a:xfrm>
-            <a:off x="5105431" y="1985560"/>
-            <a:ext cx="2438400" cy="2438400"/>
-          </a:xfrm>
-          <a:prstGeom prst="rect">
-            <a:avLst/>
-          </a:prstGeom>
-        </p:spPr>
-      </p:pic>
-      <p:pic>
-        <p:nvPicPr>
-          <p:cNvPr id="7" name="Immagine 6">
-            <a:extLst>
-              <a:ext uri="{FF2B5EF4-FFF2-40B4-BE49-F238E27FC236}">
-                <a16:creationId xmlns:a16="http://schemas.microsoft.com/office/drawing/2014/main" id="{7AE3E7A1-BEDB-D97B-216D-E3415BE206FD}"/>
-              </a:ext>
-            </a:extLst>
-          </p:cNvPr>
-          <p:cNvPicPr>
-            <a:picLocks noChangeAspect="1"/>
-          </p:cNvPicPr>
-          <p:nvPr/>
-        </p:nvPicPr>
-        <p:blipFill>
-          <a:blip r:embed="rId5"/>
-          <a:stretch>
-            <a:fillRect/>
-          </a:stretch>
-        </p:blipFill>
-        <p:spPr>
-          <a:xfrm>
-            <a:off x="9017964" y="1892061"/>
-            <a:ext cx="2448000" cy="2448000"/>
-          </a:xfrm>
-          <a:prstGeom prst="rect">
-            <a:avLst/>
-          </a:prstGeom>
-        </p:spPr>
-      </p:pic>
-      <p:sp>
-        <p:nvSpPr>
-          <p:cNvPr id="5" name="CasellaDiTesto 4">
-            <a:extLst>
-              <a:ext uri="{FF2B5EF4-FFF2-40B4-BE49-F238E27FC236}">
-                <a16:creationId xmlns:a16="http://schemas.microsoft.com/office/drawing/2014/main" id="{94653B8F-ADAC-D01C-5C88-2E369E0B3234}"/>
-              </a:ext>
-            </a:extLst>
-          </p:cNvPr>
-          <p:cNvSpPr txBox="1"/>
-          <p:nvPr/>
-        </p:nvSpPr>
-        <p:spPr>
-          <a:xfrm>
-            <a:off x="1595534" y="4811295"/>
-            <a:ext cx="1073021" cy="369332"/>
-          </a:xfrm>
-          <a:prstGeom prst="rect">
-            <a:avLst/>
-          </a:prstGeom>
-          <a:noFill/>
-        </p:spPr>
-        <p:txBody>
-          <a:bodyPr wrap="square" rtlCol="0">
-            <a:spAutoFit/>
-          </a:bodyPr>
-          <a:lstStyle/>
-          <a:p>
-            <a:r>
-              <a:rPr lang="it-IT" dirty="0"/>
-              <a:t>StarUML</a:t>
-            </a:r>
-          </a:p>
-        </p:txBody>
-      </p:sp>
-      <p:sp>
-        <p:nvSpPr>
-          <p:cNvPr id="8" name="CasellaDiTesto 7">
-            <a:extLst>
-              <a:ext uri="{FF2B5EF4-FFF2-40B4-BE49-F238E27FC236}">
-                <a16:creationId xmlns:a16="http://schemas.microsoft.com/office/drawing/2014/main" id="{364845DF-E527-AE8E-132D-4C86AC60FCAB}"/>
-              </a:ext>
-            </a:extLst>
-          </p:cNvPr>
-          <p:cNvSpPr txBox="1"/>
-          <p:nvPr/>
-        </p:nvSpPr>
-        <p:spPr>
-          <a:xfrm>
-            <a:off x="5592178" y="4811295"/>
-            <a:ext cx="1464906" cy="369332"/>
-          </a:xfrm>
-          <a:prstGeom prst="rect">
-            <a:avLst/>
-          </a:prstGeom>
-          <a:noFill/>
-        </p:spPr>
-        <p:txBody>
-          <a:bodyPr wrap="square" rtlCol="0">
-            <a:spAutoFit/>
-          </a:bodyPr>
-          <a:lstStyle/>
-          <a:p>
-            <a:r>
-              <a:rPr lang="it-IT" dirty="0"/>
-              <a:t>Eclipse IDE</a:t>
-            </a:r>
-          </a:p>
-        </p:txBody>
-      </p:sp>
-      <p:sp>
-        <p:nvSpPr>
-          <p:cNvPr id="9" name="CasellaDiTesto 8">
-            <a:extLst>
-              <a:ext uri="{FF2B5EF4-FFF2-40B4-BE49-F238E27FC236}">
-                <a16:creationId xmlns:a16="http://schemas.microsoft.com/office/drawing/2014/main" id="{DAA31704-DD1F-62C0-B9AA-B224EB28798B}"/>
-              </a:ext>
-            </a:extLst>
-          </p:cNvPr>
-          <p:cNvSpPr txBox="1"/>
-          <p:nvPr/>
-        </p:nvSpPr>
-        <p:spPr>
-          <a:xfrm>
-            <a:off x="9187776" y="4811295"/>
-            <a:ext cx="861293" cy="369332"/>
-          </a:xfrm>
-          <a:prstGeom prst="rect">
-            <a:avLst/>
-          </a:prstGeom>
-          <a:noFill/>
-        </p:spPr>
-        <p:txBody>
-          <a:bodyPr wrap="square" rtlCol="0">
-            <a:spAutoFit/>
-          </a:bodyPr>
-          <a:lstStyle/>
-          <a:p>
-            <a:r>
-              <a:rPr lang="it-IT" dirty="0"/>
-              <a:t>GitHub</a:t>
-            </a:r>
           </a:p>
         </p:txBody>
       </p:sp>
     </p:spTree>
     <p:extLst>
       <p:ext uri="{BB962C8B-B14F-4D97-AF65-F5344CB8AC3E}">
-        <p14:creationId xmlns:p14="http://schemas.microsoft.com/office/powerpoint/2010/main" val="4188911557"/>
+        <p14:creationId xmlns:p14="http://schemas.microsoft.com/office/powerpoint/2010/main" val="1249612630"/>
       </p:ext>
     </p:extLst>
   </p:cSld>
@@ -27050,7 +27005,7 @@
 </p:sld>
 </file>
 
-<file path=ppt/slides/slide5.xml><?xml version="1.0" encoding="utf-8"?>
+<file path=ppt/slides/slide4.xml><?xml version="1.0" encoding="utf-8"?>
 <p:sld xmlns:a="http://schemas.openxmlformats.org/drawingml/2006/main" xmlns:r="http://schemas.openxmlformats.org/officeDocument/2006/relationships" xmlns:p="http://schemas.openxmlformats.org/presentationml/2006/main">
   <p:cSld>
     <p:bg>
@@ -27178,7 +27133,7 @@
                 <a:ea typeface="+mj-ea"/>
                 <a:cs typeface="+mj-cs"/>
               </a:rPr>
-              <a:t>Paradigma di Programmazione: Tools</a:t>
+              <a:t>Paradigma di Programmazione</a:t>
             </a:r>
             <a:endParaRPr lang="en-US" sz="5400" b="1" dirty="0"/>
           </a:p>
@@ -27822,6 +27777,38 @@
           </a:p>
         </p:txBody>
       </p:sp>
+      <p:pic>
+        <p:nvPicPr>
+          <p:cNvPr id="3" name="Segnaposto contenuto 2">
+            <a:extLst>
+              <a:ext uri="{FF2B5EF4-FFF2-40B4-BE49-F238E27FC236}">
+                <a16:creationId xmlns:a16="http://schemas.microsoft.com/office/drawing/2014/main" id="{B8057E78-C79B-B48E-DB48-B7F3C18B6C3F}"/>
+              </a:ext>
+            </a:extLst>
+          </p:cNvPr>
+          <p:cNvPicPr>
+            <a:picLocks noGrp="1" noChangeAspect="1"/>
+          </p:cNvPicPr>
+          <p:nvPr>
+            <p:ph idx="1"/>
+          </p:nvPr>
+        </p:nvPicPr>
+        <p:blipFill>
+          <a:blip r:embed="rId3"/>
+          <a:stretch>
+            <a:fillRect/>
+          </a:stretch>
+        </p:blipFill>
+        <p:spPr>
+          <a:xfrm>
+            <a:off x="581899" y="1928061"/>
+            <a:ext cx="3355619" cy="2376000"/>
+          </a:xfrm>
+          <a:prstGeom prst="rect">
+            <a:avLst/>
+          </a:prstGeom>
+        </p:spPr>
+      </p:pic>
       <p:sp>
         <p:nvSpPr>
           <p:cNvPr id="82" name="Segnaposto numero diapositiva 81">
@@ -27862,18 +27849,78 @@
                   <a:spcPts val="600"/>
                 </a:spcAft>
               </a:pPr>
-              <a:t>5</a:t>
+              <a:t>4</a:t>
             </a:fld>
             <a:endParaRPr lang="en-US" sz="1800" dirty="0"/>
           </a:p>
         </p:txBody>
       </p:sp>
+      <p:pic>
+        <p:nvPicPr>
+          <p:cNvPr id="6" name="Immagine 5">
+            <a:extLst>
+              <a:ext uri="{FF2B5EF4-FFF2-40B4-BE49-F238E27FC236}">
+                <a16:creationId xmlns:a16="http://schemas.microsoft.com/office/drawing/2014/main" id="{DE0CC97B-A6DE-8CA6-E657-2E691E6C3F77}"/>
+              </a:ext>
+            </a:extLst>
+          </p:cNvPr>
+          <p:cNvPicPr>
+            <a:picLocks noChangeAspect="1"/>
+          </p:cNvPicPr>
+          <p:nvPr/>
+        </p:nvPicPr>
+        <p:blipFill>
+          <a:blip r:embed="rId4"/>
+          <a:stretch>
+            <a:fillRect/>
+          </a:stretch>
+        </p:blipFill>
+        <p:spPr>
+          <a:xfrm>
+            <a:off x="5105431" y="1985560"/>
+            <a:ext cx="2438400" cy="2438400"/>
+          </a:xfrm>
+          <a:prstGeom prst="rect">
+            <a:avLst/>
+          </a:prstGeom>
+        </p:spPr>
+      </p:pic>
+      <p:pic>
+        <p:nvPicPr>
+          <p:cNvPr id="7" name="Immagine 6">
+            <a:extLst>
+              <a:ext uri="{FF2B5EF4-FFF2-40B4-BE49-F238E27FC236}">
+                <a16:creationId xmlns:a16="http://schemas.microsoft.com/office/drawing/2014/main" id="{7AE3E7A1-BEDB-D97B-216D-E3415BE206FD}"/>
+              </a:ext>
+            </a:extLst>
+          </p:cNvPr>
+          <p:cNvPicPr>
+            <a:picLocks noChangeAspect="1"/>
+          </p:cNvPicPr>
+          <p:nvPr/>
+        </p:nvPicPr>
+        <p:blipFill>
+          <a:blip r:embed="rId5"/>
+          <a:stretch>
+            <a:fillRect/>
+          </a:stretch>
+        </p:blipFill>
+        <p:spPr>
+          <a:xfrm>
+            <a:off x="9017964" y="1892061"/>
+            <a:ext cx="2448000" cy="2448000"/>
+          </a:xfrm>
+          <a:prstGeom prst="rect">
+            <a:avLst/>
+          </a:prstGeom>
+        </p:spPr>
+      </p:pic>
       <p:sp>
         <p:nvSpPr>
-          <p:cNvPr id="11" name="CasellaDiTesto 10">
+          <p:cNvPr id="5" name="CasellaDiTesto 4">
             <a:extLst>
               <a:ext uri="{FF2B5EF4-FFF2-40B4-BE49-F238E27FC236}">
-                <a16:creationId xmlns:a16="http://schemas.microsoft.com/office/drawing/2014/main" id="{C1C708C4-D7EC-7ED8-A397-AF1F95BF1686}"/>
+                <a16:creationId xmlns:a16="http://schemas.microsoft.com/office/drawing/2014/main" id="{94653B8F-ADAC-D01C-5C88-2E369E0B3234}"/>
               </a:ext>
             </a:extLst>
           </p:cNvPr>
@@ -27882,8 +27929,8 @@
         </p:nvSpPr>
         <p:spPr>
           <a:xfrm>
-            <a:off x="838200" y="1884037"/>
-            <a:ext cx="10684764" cy="923330"/>
+            <a:off x="1595534" y="4811295"/>
+            <a:ext cx="1073021" cy="369332"/>
           </a:xfrm>
           <a:prstGeom prst="rect">
             <a:avLst/>
@@ -27896,6 +27943,942 @@
           </a:bodyPr>
           <a:lstStyle/>
           <a:p>
+            <a:r>
+              <a:rPr lang="it-IT" dirty="0"/>
+              <a:t>StarUML</a:t>
+            </a:r>
+          </a:p>
+        </p:txBody>
+      </p:sp>
+      <p:sp>
+        <p:nvSpPr>
+          <p:cNvPr id="8" name="CasellaDiTesto 7">
+            <a:extLst>
+              <a:ext uri="{FF2B5EF4-FFF2-40B4-BE49-F238E27FC236}">
+                <a16:creationId xmlns:a16="http://schemas.microsoft.com/office/drawing/2014/main" id="{364845DF-E527-AE8E-132D-4C86AC60FCAB}"/>
+              </a:ext>
+            </a:extLst>
+          </p:cNvPr>
+          <p:cNvSpPr txBox="1"/>
+          <p:nvPr/>
+        </p:nvSpPr>
+        <p:spPr>
+          <a:xfrm>
+            <a:off x="5592178" y="4811295"/>
+            <a:ext cx="1464906" cy="369332"/>
+          </a:xfrm>
+          <a:prstGeom prst="rect">
+            <a:avLst/>
+          </a:prstGeom>
+          <a:noFill/>
+        </p:spPr>
+        <p:txBody>
+          <a:bodyPr wrap="square" rtlCol="0">
+            <a:spAutoFit/>
+          </a:bodyPr>
+          <a:lstStyle/>
+          <a:p>
+            <a:r>
+              <a:rPr lang="it-IT" dirty="0"/>
+              <a:t>Eclipse IDE</a:t>
+            </a:r>
+          </a:p>
+        </p:txBody>
+      </p:sp>
+      <p:sp>
+        <p:nvSpPr>
+          <p:cNvPr id="9" name="CasellaDiTesto 8">
+            <a:extLst>
+              <a:ext uri="{FF2B5EF4-FFF2-40B4-BE49-F238E27FC236}">
+                <a16:creationId xmlns:a16="http://schemas.microsoft.com/office/drawing/2014/main" id="{DAA31704-DD1F-62C0-B9AA-B224EB28798B}"/>
+              </a:ext>
+            </a:extLst>
+          </p:cNvPr>
+          <p:cNvSpPr txBox="1"/>
+          <p:nvPr/>
+        </p:nvSpPr>
+        <p:spPr>
+          <a:xfrm>
+            <a:off x="9187776" y="4811295"/>
+            <a:ext cx="861293" cy="369332"/>
+          </a:xfrm>
+          <a:prstGeom prst="rect">
+            <a:avLst/>
+          </a:prstGeom>
+          <a:noFill/>
+        </p:spPr>
+        <p:txBody>
+          <a:bodyPr wrap="square" rtlCol="0">
+            <a:spAutoFit/>
+          </a:bodyPr>
+          <a:lstStyle/>
+          <a:p>
+            <a:r>
+              <a:rPr lang="it-IT" dirty="0"/>
+              <a:t>GitHub</a:t>
+            </a:r>
+          </a:p>
+        </p:txBody>
+      </p:sp>
+    </p:spTree>
+    <p:extLst>
+      <p:ext uri="{BB962C8B-B14F-4D97-AF65-F5344CB8AC3E}">
+        <p14:creationId xmlns:p14="http://schemas.microsoft.com/office/powerpoint/2010/main" val="4188911557"/>
+      </p:ext>
+    </p:extLst>
+  </p:cSld>
+  <p:clrMapOvr>
+    <a:masterClrMapping/>
+  </p:clrMapOvr>
+</p:sld>
+</file>
+
+<file path=ppt/slides/slide5.xml><?xml version="1.0" encoding="utf-8"?>
+<p:sld xmlns:a="http://schemas.openxmlformats.org/drawingml/2006/main" xmlns:r="http://schemas.openxmlformats.org/officeDocument/2006/relationships" xmlns:p="http://schemas.openxmlformats.org/presentationml/2006/main">
+  <p:cSld>
+    <p:bg>
+      <p:bgPr>
+        <a:solidFill>
+          <a:schemeClr val="bg1"/>
+        </a:solidFill>
+        <a:effectLst/>
+      </p:bgPr>
+    </p:bg>
+    <p:spTree>
+      <p:nvGrpSpPr>
+        <p:cNvPr id="1" name=""/>
+        <p:cNvGrpSpPr/>
+        <p:nvPr/>
+      </p:nvGrpSpPr>
+      <p:grpSpPr>
+        <a:xfrm>
+          <a:off x="0" y="0"/>
+          <a:ext cx="0" cy="0"/>
+          <a:chOff x="0" y="0"/>
+          <a:chExt cx="0" cy="0"/>
+        </a:xfrm>
+      </p:grpSpPr>
+      <p:sp useBgFill="1">
+        <p:nvSpPr>
+          <p:cNvPr id="98" name="Rectangle 100">
+            <a:extLst>
+              <a:ext uri="{FF2B5EF4-FFF2-40B4-BE49-F238E27FC236}">
+                <a16:creationId xmlns:a16="http://schemas.microsoft.com/office/drawing/2014/main" id="{100EDD19-6802-4EC3-95CE-CFFAB042CFD6}"/>
+              </a:ext>
+              <a:ext uri="{C183D7F6-B498-43B3-948B-1728B52AA6E4}">
+                <adec:decorative xmlns:adec="http://schemas.microsoft.com/office/drawing/2017/decorative" val="1"/>
+              </a:ext>
+            </a:extLst>
+          </p:cNvPr>
+          <p:cNvSpPr>
+            <a:spLocks noGrp="1" noRot="1" noChangeAspect="1" noMove="1" noResize="1" noEditPoints="1" noAdjustHandles="1" noChangeArrowheads="1" noChangeShapeType="1" noTextEdit="1"/>
+          </p:cNvSpPr>
+          <p:nvPr>
+            <p:extLst>
+              <p:ext uri="{386F3935-93C4-4BCD-93E2-E3B085C9AB24}">
+                <p16:designElem xmlns:p16="http://schemas.microsoft.com/office/powerpoint/2015/main" val="1"/>
+              </p:ext>
+            </p:extLst>
+          </p:nvPr>
+        </p:nvSpPr>
+        <p:spPr>
+          <a:xfrm>
+            <a:off x="0" y="0"/>
+            <a:ext cx="12188952" cy="6858000"/>
+          </a:xfrm>
+          <a:prstGeom prst="rect">
+            <a:avLst/>
+          </a:prstGeom>
+          <a:ln>
+            <a:noFill/>
+          </a:ln>
+        </p:spPr>
+        <p:style>
+          <a:lnRef idx="2">
+            <a:schemeClr val="accent1">
+              <a:shade val="50000"/>
+            </a:schemeClr>
+          </a:lnRef>
+          <a:fillRef idx="1">
+            <a:schemeClr val="accent1"/>
+          </a:fillRef>
+          <a:effectRef idx="0">
+            <a:schemeClr val="accent1"/>
+          </a:effectRef>
+          <a:fontRef idx="minor">
+            <a:schemeClr val="lt1"/>
+          </a:fontRef>
+        </p:style>
+        <p:txBody>
+          <a:bodyPr rtlCol="0" anchor="ctr"/>
+          <a:lstStyle/>
+          <a:p>
+            <a:pPr algn="ctr"/>
+            <a:endParaRPr lang="en-US" dirty="0"/>
+          </a:p>
+        </p:txBody>
+      </p:sp>
+      <p:sp>
+        <p:nvSpPr>
+          <p:cNvPr id="2" name="Titolo 1">
+            <a:extLst>
+              <a:ext uri="{FF2B5EF4-FFF2-40B4-BE49-F238E27FC236}">
+                <a16:creationId xmlns:a16="http://schemas.microsoft.com/office/drawing/2014/main" id="{75031FE9-9059-4FE8-B4AC-9771F23A1B89}"/>
+              </a:ext>
+            </a:extLst>
+          </p:cNvPr>
+          <p:cNvSpPr>
+            <a:spLocks noGrp="1"/>
+          </p:cNvSpPr>
+          <p:nvPr>
+            <p:ph type="title"/>
+          </p:nvPr>
+        </p:nvSpPr>
+        <p:spPr>
+          <a:xfrm>
+            <a:off x="838200" y="365125"/>
+            <a:ext cx="10515600" cy="1325563"/>
+          </a:xfrm>
+        </p:spPr>
+        <p:txBody>
+          <a:bodyPr vert="horz" lIns="91440" tIns="45720" rIns="91440" bIns="45720" rtlCol="0">
+            <a:normAutofit/>
+          </a:bodyPr>
+          <a:lstStyle/>
+          <a:p>
+            <a:r>
+              <a:rPr kumimoji="0" lang="it-IT" sz="5400" b="1" i="0" u="none" strike="noStrike" kern="1200" cap="none" spc="0" normalizeH="0" baseline="0" noProof="0" dirty="0">
+                <a:ln>
+                  <a:noFill/>
+                </a:ln>
+                <a:solidFill>
+                  <a:prstClr val="black"/>
+                </a:solidFill>
+                <a:effectLst/>
+                <a:uLnTx/>
+                <a:uFillTx/>
+                <a:latin typeface="Calibri Light" panose="020F0302020204030204"/>
+                <a:ea typeface="+mj-ea"/>
+                <a:cs typeface="+mj-cs"/>
+              </a:rPr>
+              <a:t>Paradigma di Programmazione: Tools</a:t>
+            </a:r>
+            <a:endParaRPr lang="en-US" sz="5400" b="1" dirty="0"/>
+          </a:p>
+        </p:txBody>
+      </p:sp>
+      <p:sp>
+        <p:nvSpPr>
+          <p:cNvPr id="100" name="sketch line">
+            <a:extLst>
+              <a:ext uri="{FF2B5EF4-FFF2-40B4-BE49-F238E27FC236}">
+                <a16:creationId xmlns:a16="http://schemas.microsoft.com/office/drawing/2014/main" id="{DB17E863-922E-4C26-BD64-E8FD41D28661}"/>
+              </a:ext>
+              <a:ext uri="{C183D7F6-B498-43B3-948B-1728B52AA6E4}">
+                <adec:decorative xmlns:adec="http://schemas.microsoft.com/office/drawing/2017/decorative" val="1"/>
+              </a:ext>
+            </a:extLst>
+          </p:cNvPr>
+          <p:cNvSpPr>
+            <a:spLocks noGrp="1" noRot="1" noChangeAspect="1" noMove="1" noResize="1" noEditPoints="1" noAdjustHandles="1" noChangeArrowheads="1" noChangeShapeType="1" noTextEdit="1"/>
+          </p:cNvSpPr>
+          <p:nvPr>
+            <p:extLst>
+              <p:ext uri="{386F3935-93C4-4BCD-93E2-E3B085C9AB24}">
+                <p16:designElem xmlns:p16="http://schemas.microsoft.com/office/powerpoint/2015/main" val="1"/>
+              </p:ext>
+            </p:extLst>
+          </p:nvPr>
+        </p:nvSpPr>
+        <p:spPr>
+          <a:xfrm>
+            <a:off x="669036" y="1677373"/>
+            <a:ext cx="10853928" cy="18288"/>
+          </a:xfrm>
+          <a:custGeom>
+            <a:avLst/>
+            <a:gdLst>
+              <a:gd name="connsiteX0" fmla="*/ 0 w 10853928"/>
+              <a:gd name="connsiteY0" fmla="*/ 0 h 18288"/>
+              <a:gd name="connsiteX1" fmla="*/ 461292 w 10853928"/>
+              <a:gd name="connsiteY1" fmla="*/ 0 h 18288"/>
+              <a:gd name="connsiteX2" fmla="*/ 1139662 w 10853928"/>
+              <a:gd name="connsiteY2" fmla="*/ 0 h 18288"/>
+              <a:gd name="connsiteX3" fmla="*/ 1926572 w 10853928"/>
+              <a:gd name="connsiteY3" fmla="*/ 0 h 18288"/>
+              <a:gd name="connsiteX4" fmla="*/ 2279325 w 10853928"/>
+              <a:gd name="connsiteY4" fmla="*/ 0 h 18288"/>
+              <a:gd name="connsiteX5" fmla="*/ 2632078 w 10853928"/>
+              <a:gd name="connsiteY5" fmla="*/ 0 h 18288"/>
+              <a:gd name="connsiteX6" fmla="*/ 3527527 w 10853928"/>
+              <a:gd name="connsiteY6" fmla="*/ 0 h 18288"/>
+              <a:gd name="connsiteX7" fmla="*/ 4205897 w 10853928"/>
+              <a:gd name="connsiteY7" fmla="*/ 0 h 18288"/>
+              <a:gd name="connsiteX8" fmla="*/ 4558650 w 10853928"/>
+              <a:gd name="connsiteY8" fmla="*/ 0 h 18288"/>
+              <a:gd name="connsiteX9" fmla="*/ 5237020 w 10853928"/>
+              <a:gd name="connsiteY9" fmla="*/ 0 h 18288"/>
+              <a:gd name="connsiteX10" fmla="*/ 6132469 w 10853928"/>
+              <a:gd name="connsiteY10" fmla="*/ 0 h 18288"/>
+              <a:gd name="connsiteX11" fmla="*/ 6702301 w 10853928"/>
+              <a:gd name="connsiteY11" fmla="*/ 0 h 18288"/>
+              <a:gd name="connsiteX12" fmla="*/ 7272132 w 10853928"/>
+              <a:gd name="connsiteY12" fmla="*/ 0 h 18288"/>
+              <a:gd name="connsiteX13" fmla="*/ 7950502 w 10853928"/>
+              <a:gd name="connsiteY13" fmla="*/ 0 h 18288"/>
+              <a:gd name="connsiteX14" fmla="*/ 8737412 w 10853928"/>
+              <a:gd name="connsiteY14" fmla="*/ 0 h 18288"/>
+              <a:gd name="connsiteX15" fmla="*/ 9524322 w 10853928"/>
+              <a:gd name="connsiteY15" fmla="*/ 0 h 18288"/>
+              <a:gd name="connsiteX16" fmla="*/ 10853928 w 10853928"/>
+              <a:gd name="connsiteY16" fmla="*/ 0 h 18288"/>
+              <a:gd name="connsiteX17" fmla="*/ 10853928 w 10853928"/>
+              <a:gd name="connsiteY17" fmla="*/ 18288 h 18288"/>
+              <a:gd name="connsiteX18" fmla="*/ 10392636 w 10853928"/>
+              <a:gd name="connsiteY18" fmla="*/ 18288 h 18288"/>
+              <a:gd name="connsiteX19" fmla="*/ 9497187 w 10853928"/>
+              <a:gd name="connsiteY19" fmla="*/ 18288 h 18288"/>
+              <a:gd name="connsiteX20" fmla="*/ 8818817 w 10853928"/>
+              <a:gd name="connsiteY20" fmla="*/ 18288 h 18288"/>
+              <a:gd name="connsiteX21" fmla="*/ 8466064 w 10853928"/>
+              <a:gd name="connsiteY21" fmla="*/ 18288 h 18288"/>
+              <a:gd name="connsiteX22" fmla="*/ 7787693 w 10853928"/>
+              <a:gd name="connsiteY22" fmla="*/ 18288 h 18288"/>
+              <a:gd name="connsiteX23" fmla="*/ 7217862 w 10853928"/>
+              <a:gd name="connsiteY23" fmla="*/ 18288 h 18288"/>
+              <a:gd name="connsiteX24" fmla="*/ 6648031 w 10853928"/>
+              <a:gd name="connsiteY24" fmla="*/ 18288 h 18288"/>
+              <a:gd name="connsiteX25" fmla="*/ 6078200 w 10853928"/>
+              <a:gd name="connsiteY25" fmla="*/ 18288 h 18288"/>
+              <a:gd name="connsiteX26" fmla="*/ 5508368 w 10853928"/>
+              <a:gd name="connsiteY26" fmla="*/ 18288 h 18288"/>
+              <a:gd name="connsiteX27" fmla="*/ 4721459 w 10853928"/>
+              <a:gd name="connsiteY27" fmla="*/ 18288 h 18288"/>
+              <a:gd name="connsiteX28" fmla="*/ 4043088 w 10853928"/>
+              <a:gd name="connsiteY28" fmla="*/ 18288 h 18288"/>
+              <a:gd name="connsiteX29" fmla="*/ 3690336 w 10853928"/>
+              <a:gd name="connsiteY29" fmla="*/ 18288 h 18288"/>
+              <a:gd name="connsiteX30" fmla="*/ 3120504 w 10853928"/>
+              <a:gd name="connsiteY30" fmla="*/ 18288 h 18288"/>
+              <a:gd name="connsiteX31" fmla="*/ 2333595 w 10853928"/>
+              <a:gd name="connsiteY31" fmla="*/ 18288 h 18288"/>
+              <a:gd name="connsiteX32" fmla="*/ 1872303 w 10853928"/>
+              <a:gd name="connsiteY32" fmla="*/ 18288 h 18288"/>
+              <a:gd name="connsiteX33" fmla="*/ 976854 w 10853928"/>
+              <a:gd name="connsiteY33" fmla="*/ 18288 h 18288"/>
+              <a:gd name="connsiteX34" fmla="*/ 0 w 10853928"/>
+              <a:gd name="connsiteY34" fmla="*/ 18288 h 18288"/>
+              <a:gd name="connsiteX35" fmla="*/ 0 w 10853928"/>
+              <a:gd name="connsiteY35" fmla="*/ 0 h 18288"/>
+            </a:gdLst>
+            <a:ahLst/>
+            <a:cxnLst>
+              <a:cxn ang="0">
+                <a:pos x="connsiteX0" y="connsiteY0"/>
+              </a:cxn>
+              <a:cxn ang="0">
+                <a:pos x="connsiteX1" y="connsiteY1"/>
+              </a:cxn>
+              <a:cxn ang="0">
+                <a:pos x="connsiteX2" y="connsiteY2"/>
+              </a:cxn>
+              <a:cxn ang="0">
+                <a:pos x="connsiteX3" y="connsiteY3"/>
+              </a:cxn>
+              <a:cxn ang="0">
+                <a:pos x="connsiteX4" y="connsiteY4"/>
+              </a:cxn>
+              <a:cxn ang="0">
+                <a:pos x="connsiteX5" y="connsiteY5"/>
+              </a:cxn>
+              <a:cxn ang="0">
+                <a:pos x="connsiteX6" y="connsiteY6"/>
+              </a:cxn>
+              <a:cxn ang="0">
+                <a:pos x="connsiteX7" y="connsiteY7"/>
+              </a:cxn>
+              <a:cxn ang="0">
+                <a:pos x="connsiteX8" y="connsiteY8"/>
+              </a:cxn>
+              <a:cxn ang="0">
+                <a:pos x="connsiteX9" y="connsiteY9"/>
+              </a:cxn>
+              <a:cxn ang="0">
+                <a:pos x="connsiteX10" y="connsiteY10"/>
+              </a:cxn>
+              <a:cxn ang="0">
+                <a:pos x="connsiteX11" y="connsiteY11"/>
+              </a:cxn>
+              <a:cxn ang="0">
+                <a:pos x="connsiteX12" y="connsiteY12"/>
+              </a:cxn>
+              <a:cxn ang="0">
+                <a:pos x="connsiteX13" y="connsiteY13"/>
+              </a:cxn>
+              <a:cxn ang="0">
+                <a:pos x="connsiteX14" y="connsiteY14"/>
+              </a:cxn>
+              <a:cxn ang="0">
+                <a:pos x="connsiteX15" y="connsiteY15"/>
+              </a:cxn>
+              <a:cxn ang="0">
+                <a:pos x="connsiteX16" y="connsiteY16"/>
+              </a:cxn>
+              <a:cxn ang="0">
+                <a:pos x="connsiteX17" y="connsiteY17"/>
+              </a:cxn>
+              <a:cxn ang="0">
+                <a:pos x="connsiteX18" y="connsiteY18"/>
+              </a:cxn>
+              <a:cxn ang="0">
+                <a:pos x="connsiteX19" y="connsiteY19"/>
+              </a:cxn>
+              <a:cxn ang="0">
+                <a:pos x="connsiteX20" y="connsiteY20"/>
+              </a:cxn>
+              <a:cxn ang="0">
+                <a:pos x="connsiteX21" y="connsiteY21"/>
+              </a:cxn>
+              <a:cxn ang="0">
+                <a:pos x="connsiteX22" y="connsiteY22"/>
+              </a:cxn>
+              <a:cxn ang="0">
+                <a:pos x="connsiteX23" y="connsiteY23"/>
+              </a:cxn>
+              <a:cxn ang="0">
+                <a:pos x="connsiteX24" y="connsiteY24"/>
+              </a:cxn>
+              <a:cxn ang="0">
+                <a:pos x="connsiteX25" y="connsiteY25"/>
+              </a:cxn>
+              <a:cxn ang="0">
+                <a:pos x="connsiteX26" y="connsiteY26"/>
+              </a:cxn>
+              <a:cxn ang="0">
+                <a:pos x="connsiteX27" y="connsiteY27"/>
+              </a:cxn>
+              <a:cxn ang="0">
+                <a:pos x="connsiteX28" y="connsiteY28"/>
+              </a:cxn>
+              <a:cxn ang="0">
+                <a:pos x="connsiteX29" y="connsiteY29"/>
+              </a:cxn>
+              <a:cxn ang="0">
+                <a:pos x="connsiteX30" y="connsiteY30"/>
+              </a:cxn>
+              <a:cxn ang="0">
+                <a:pos x="connsiteX31" y="connsiteY31"/>
+              </a:cxn>
+              <a:cxn ang="0">
+                <a:pos x="connsiteX32" y="connsiteY32"/>
+              </a:cxn>
+              <a:cxn ang="0">
+                <a:pos x="connsiteX33" y="connsiteY33"/>
+              </a:cxn>
+              <a:cxn ang="0">
+                <a:pos x="connsiteX34" y="connsiteY34"/>
+              </a:cxn>
+              <a:cxn ang="0">
+                <a:pos x="connsiteX35" y="connsiteY35"/>
+              </a:cxn>
+            </a:cxnLst>
+            <a:rect l="l" t="t" r="r" b="b"/>
+            <a:pathLst>
+              <a:path w="10853928" h="18288" fill="none" extrusionOk="0">
+                <a:moveTo>
+                  <a:pt x="0" y="0"/>
+                </a:moveTo>
+                <a:cubicBezTo>
+                  <a:pt x="146993" y="-19076"/>
+                  <a:pt x="347684" y="-4790"/>
+                  <a:pt x="461292" y="0"/>
+                </a:cubicBezTo>
+                <a:cubicBezTo>
+                  <a:pt x="574900" y="4790"/>
+                  <a:pt x="808367" y="19821"/>
+                  <a:pt x="1139662" y="0"/>
+                </a:cubicBezTo>
+                <a:cubicBezTo>
+                  <a:pt x="1470957" y="-19821"/>
+                  <a:pt x="1627405" y="5721"/>
+                  <a:pt x="1926572" y="0"/>
+                </a:cubicBezTo>
+                <a:cubicBezTo>
+                  <a:pt x="2225739" y="-5721"/>
+                  <a:pt x="2137730" y="-3235"/>
+                  <a:pt x="2279325" y="0"/>
+                </a:cubicBezTo>
+                <a:cubicBezTo>
+                  <a:pt x="2420920" y="3235"/>
+                  <a:pt x="2456518" y="9685"/>
+                  <a:pt x="2632078" y="0"/>
+                </a:cubicBezTo>
+                <a:cubicBezTo>
+                  <a:pt x="2807638" y="-9685"/>
+                  <a:pt x="3211516" y="-43007"/>
+                  <a:pt x="3527527" y="0"/>
+                </a:cubicBezTo>
+                <a:cubicBezTo>
+                  <a:pt x="3843538" y="43007"/>
+                  <a:pt x="4058833" y="22042"/>
+                  <a:pt x="4205897" y="0"/>
+                </a:cubicBezTo>
+                <a:cubicBezTo>
+                  <a:pt x="4352961" y="-22042"/>
+                  <a:pt x="4474805" y="-11846"/>
+                  <a:pt x="4558650" y="0"/>
+                </a:cubicBezTo>
+                <a:cubicBezTo>
+                  <a:pt x="4642495" y="11846"/>
+                  <a:pt x="5041928" y="-6069"/>
+                  <a:pt x="5237020" y="0"/>
+                </a:cubicBezTo>
+                <a:cubicBezTo>
+                  <a:pt x="5432112" y="6069"/>
+                  <a:pt x="5943266" y="-17479"/>
+                  <a:pt x="6132469" y="0"/>
+                </a:cubicBezTo>
+                <a:cubicBezTo>
+                  <a:pt x="6321672" y="17479"/>
+                  <a:pt x="6483872" y="26234"/>
+                  <a:pt x="6702301" y="0"/>
+                </a:cubicBezTo>
+                <a:cubicBezTo>
+                  <a:pt x="6920730" y="-26234"/>
+                  <a:pt x="6991194" y="-15156"/>
+                  <a:pt x="7272132" y="0"/>
+                </a:cubicBezTo>
+                <a:cubicBezTo>
+                  <a:pt x="7553070" y="15156"/>
+                  <a:pt x="7684444" y="-32961"/>
+                  <a:pt x="7950502" y="0"/>
+                </a:cubicBezTo>
+                <a:cubicBezTo>
+                  <a:pt x="8216560" y="32961"/>
+                  <a:pt x="8493290" y="-10491"/>
+                  <a:pt x="8737412" y="0"/>
+                </a:cubicBezTo>
+                <a:cubicBezTo>
+                  <a:pt x="8981534" y="10491"/>
+                  <a:pt x="9191586" y="-13899"/>
+                  <a:pt x="9524322" y="0"/>
+                </a:cubicBezTo>
+                <a:cubicBezTo>
+                  <a:pt x="9857058" y="13899"/>
+                  <a:pt x="10297509" y="7485"/>
+                  <a:pt x="10853928" y="0"/>
+                </a:cubicBezTo>
+                <a:cubicBezTo>
+                  <a:pt x="10854574" y="4451"/>
+                  <a:pt x="10854418" y="9226"/>
+                  <a:pt x="10853928" y="18288"/>
+                </a:cubicBezTo>
+                <a:cubicBezTo>
+                  <a:pt x="10691638" y="28522"/>
+                  <a:pt x="10574319" y="29578"/>
+                  <a:pt x="10392636" y="18288"/>
+                </a:cubicBezTo>
+                <a:cubicBezTo>
+                  <a:pt x="10210953" y="6998"/>
+                  <a:pt x="9836277" y="-16742"/>
+                  <a:pt x="9497187" y="18288"/>
+                </a:cubicBezTo>
+                <a:cubicBezTo>
+                  <a:pt x="9158097" y="53318"/>
+                  <a:pt x="9119479" y="30714"/>
+                  <a:pt x="8818817" y="18288"/>
+                </a:cubicBezTo>
+                <a:cubicBezTo>
+                  <a:pt x="8518155" y="5863"/>
+                  <a:pt x="8640037" y="6483"/>
+                  <a:pt x="8466064" y="18288"/>
+                </a:cubicBezTo>
+                <a:cubicBezTo>
+                  <a:pt x="8292091" y="30093"/>
+                  <a:pt x="7997656" y="18914"/>
+                  <a:pt x="7787693" y="18288"/>
+                </a:cubicBezTo>
+                <a:cubicBezTo>
+                  <a:pt x="7577730" y="17662"/>
+                  <a:pt x="7412468" y="21416"/>
+                  <a:pt x="7217862" y="18288"/>
+                </a:cubicBezTo>
+                <a:cubicBezTo>
+                  <a:pt x="7023256" y="15160"/>
+                  <a:pt x="6898018" y="14824"/>
+                  <a:pt x="6648031" y="18288"/>
+                </a:cubicBezTo>
+                <a:cubicBezTo>
+                  <a:pt x="6398044" y="21752"/>
+                  <a:pt x="6254402" y="38625"/>
+                  <a:pt x="6078200" y="18288"/>
+                </a:cubicBezTo>
+                <a:cubicBezTo>
+                  <a:pt x="5901998" y="-2049"/>
+                  <a:pt x="5622886" y="3213"/>
+                  <a:pt x="5508368" y="18288"/>
+                </a:cubicBezTo>
+                <a:cubicBezTo>
+                  <a:pt x="5393850" y="33363"/>
+                  <a:pt x="5036260" y="26830"/>
+                  <a:pt x="4721459" y="18288"/>
+                </a:cubicBezTo>
+                <a:cubicBezTo>
+                  <a:pt x="4406658" y="9746"/>
+                  <a:pt x="4239221" y="41551"/>
+                  <a:pt x="4043088" y="18288"/>
+                </a:cubicBezTo>
+                <a:cubicBezTo>
+                  <a:pt x="3846955" y="-4975"/>
+                  <a:pt x="3818802" y="34658"/>
+                  <a:pt x="3690336" y="18288"/>
+                </a:cubicBezTo>
+                <a:cubicBezTo>
+                  <a:pt x="3561870" y="1918"/>
+                  <a:pt x="3265491" y="42194"/>
+                  <a:pt x="3120504" y="18288"/>
+                </a:cubicBezTo>
+                <a:cubicBezTo>
+                  <a:pt x="2975517" y="-5618"/>
+                  <a:pt x="2720254" y="36673"/>
+                  <a:pt x="2333595" y="18288"/>
+                </a:cubicBezTo>
+                <a:cubicBezTo>
+                  <a:pt x="1946936" y="-97"/>
+                  <a:pt x="2097241" y="5776"/>
+                  <a:pt x="1872303" y="18288"/>
+                </a:cubicBezTo>
+                <a:cubicBezTo>
+                  <a:pt x="1647365" y="30800"/>
+                  <a:pt x="1282708" y="45380"/>
+                  <a:pt x="976854" y="18288"/>
+                </a:cubicBezTo>
+                <a:cubicBezTo>
+                  <a:pt x="671000" y="-8804"/>
+                  <a:pt x="408401" y="-12775"/>
+                  <a:pt x="0" y="18288"/>
+                </a:cubicBezTo>
+                <a:cubicBezTo>
+                  <a:pt x="-213" y="9468"/>
+                  <a:pt x="187" y="4459"/>
+                  <a:pt x="0" y="0"/>
+                </a:cubicBezTo>
+                <a:close/>
+              </a:path>
+              <a:path w="10853928" h="18288" stroke="0" extrusionOk="0">
+                <a:moveTo>
+                  <a:pt x="0" y="0"/>
+                </a:moveTo>
+                <a:cubicBezTo>
+                  <a:pt x="267322" y="15284"/>
+                  <a:pt x="415388" y="-21048"/>
+                  <a:pt x="569831" y="0"/>
+                </a:cubicBezTo>
+                <a:cubicBezTo>
+                  <a:pt x="724274" y="21048"/>
+                  <a:pt x="769333" y="-2353"/>
+                  <a:pt x="922584" y="0"/>
+                </a:cubicBezTo>
+                <a:cubicBezTo>
+                  <a:pt x="1075835" y="2353"/>
+                  <a:pt x="1399490" y="-145"/>
+                  <a:pt x="1818033" y="0"/>
+                </a:cubicBezTo>
+                <a:cubicBezTo>
+                  <a:pt x="2236576" y="145"/>
+                  <a:pt x="2145330" y="5482"/>
+                  <a:pt x="2387864" y="0"/>
+                </a:cubicBezTo>
+                <a:cubicBezTo>
+                  <a:pt x="2630398" y="-5482"/>
+                  <a:pt x="2793207" y="18487"/>
+                  <a:pt x="2957695" y="0"/>
+                </a:cubicBezTo>
+                <a:cubicBezTo>
+                  <a:pt x="3122183" y="-18487"/>
+                  <a:pt x="3579141" y="19003"/>
+                  <a:pt x="3853144" y="0"/>
+                </a:cubicBezTo>
+                <a:cubicBezTo>
+                  <a:pt x="4127147" y="-19003"/>
+                  <a:pt x="4209857" y="12211"/>
+                  <a:pt x="4314436" y="0"/>
+                </a:cubicBezTo>
+                <a:cubicBezTo>
+                  <a:pt x="4419015" y="-12211"/>
+                  <a:pt x="4762459" y="-17220"/>
+                  <a:pt x="5209885" y="0"/>
+                </a:cubicBezTo>
+                <a:cubicBezTo>
+                  <a:pt x="5657311" y="17220"/>
+                  <a:pt x="5692663" y="-3290"/>
+                  <a:pt x="6105335" y="0"/>
+                </a:cubicBezTo>
+                <a:cubicBezTo>
+                  <a:pt x="6518007" y="3290"/>
+                  <a:pt x="6455516" y="-5124"/>
+                  <a:pt x="6783705" y="0"/>
+                </a:cubicBezTo>
+                <a:cubicBezTo>
+                  <a:pt x="7111894" y="5124"/>
+                  <a:pt x="7441941" y="-17829"/>
+                  <a:pt x="7679154" y="0"/>
+                </a:cubicBezTo>
+                <a:cubicBezTo>
+                  <a:pt x="7916367" y="17829"/>
+                  <a:pt x="8102967" y="-24363"/>
+                  <a:pt x="8248985" y="0"/>
+                </a:cubicBezTo>
+                <a:cubicBezTo>
+                  <a:pt x="8395003" y="24363"/>
+                  <a:pt x="8552393" y="25505"/>
+                  <a:pt x="8818817" y="0"/>
+                </a:cubicBezTo>
+                <a:cubicBezTo>
+                  <a:pt x="9085241" y="-25505"/>
+                  <a:pt x="9411308" y="38000"/>
+                  <a:pt x="9605726" y="0"/>
+                </a:cubicBezTo>
+                <a:cubicBezTo>
+                  <a:pt x="9800144" y="-38000"/>
+                  <a:pt x="10006468" y="-25741"/>
+                  <a:pt x="10175558" y="0"/>
+                </a:cubicBezTo>
+                <a:cubicBezTo>
+                  <a:pt x="10344648" y="25741"/>
+                  <a:pt x="10696282" y="695"/>
+                  <a:pt x="10853928" y="0"/>
+                </a:cubicBezTo>
+                <a:cubicBezTo>
+                  <a:pt x="10853521" y="8690"/>
+                  <a:pt x="10853774" y="14141"/>
+                  <a:pt x="10853928" y="18288"/>
+                </a:cubicBezTo>
+                <a:cubicBezTo>
+                  <a:pt x="10608124" y="24255"/>
+                  <a:pt x="10343415" y="22307"/>
+                  <a:pt x="10067018" y="18288"/>
+                </a:cubicBezTo>
+                <a:cubicBezTo>
+                  <a:pt x="9790621" y="14270"/>
+                  <a:pt x="9843266" y="3564"/>
+                  <a:pt x="9714266" y="18288"/>
+                </a:cubicBezTo>
+                <a:cubicBezTo>
+                  <a:pt x="9585266" y="33012"/>
+                  <a:pt x="9379484" y="1875"/>
+                  <a:pt x="9252974" y="18288"/>
+                </a:cubicBezTo>
+                <a:cubicBezTo>
+                  <a:pt x="9126464" y="34701"/>
+                  <a:pt x="8580678" y="-4904"/>
+                  <a:pt x="8357525" y="18288"/>
+                </a:cubicBezTo>
+                <a:cubicBezTo>
+                  <a:pt x="8134372" y="41480"/>
+                  <a:pt x="7903199" y="26458"/>
+                  <a:pt x="7679154" y="18288"/>
+                </a:cubicBezTo>
+                <a:cubicBezTo>
+                  <a:pt x="7455109" y="10118"/>
+                  <a:pt x="7435944" y="27109"/>
+                  <a:pt x="7217862" y="18288"/>
+                </a:cubicBezTo>
+                <a:cubicBezTo>
+                  <a:pt x="6999780" y="9467"/>
+                  <a:pt x="6680409" y="18985"/>
+                  <a:pt x="6539492" y="18288"/>
+                </a:cubicBezTo>
+                <a:cubicBezTo>
+                  <a:pt x="6398575" y="17592"/>
+                  <a:pt x="6312077" y="33018"/>
+                  <a:pt x="6186739" y="18288"/>
+                </a:cubicBezTo>
+                <a:cubicBezTo>
+                  <a:pt x="6061401" y="3558"/>
+                  <a:pt x="5947033" y="12075"/>
+                  <a:pt x="5833986" y="18288"/>
+                </a:cubicBezTo>
+                <a:cubicBezTo>
+                  <a:pt x="5720939" y="24501"/>
+                  <a:pt x="5482226" y="8586"/>
+                  <a:pt x="5155616" y="18288"/>
+                </a:cubicBezTo>
+                <a:cubicBezTo>
+                  <a:pt x="4829006" y="27991"/>
+                  <a:pt x="4841274" y="29316"/>
+                  <a:pt x="4694324" y="18288"/>
+                </a:cubicBezTo>
+                <a:cubicBezTo>
+                  <a:pt x="4547374" y="7260"/>
+                  <a:pt x="4077675" y="7013"/>
+                  <a:pt x="3907414" y="18288"/>
+                </a:cubicBezTo>
+                <a:cubicBezTo>
+                  <a:pt x="3737153" y="29564"/>
+                  <a:pt x="3538393" y="21630"/>
+                  <a:pt x="3446122" y="18288"/>
+                </a:cubicBezTo>
+                <a:cubicBezTo>
+                  <a:pt x="3353851" y="14946"/>
+                  <a:pt x="2990320" y="-8091"/>
+                  <a:pt x="2659212" y="18288"/>
+                </a:cubicBezTo>
+                <a:cubicBezTo>
+                  <a:pt x="2328104" y="44667"/>
+                  <a:pt x="2427653" y="9607"/>
+                  <a:pt x="2306460" y="18288"/>
+                </a:cubicBezTo>
+                <a:cubicBezTo>
+                  <a:pt x="2185267" y="26969"/>
+                  <a:pt x="1719763" y="3717"/>
+                  <a:pt x="1519550" y="18288"/>
+                </a:cubicBezTo>
+                <a:cubicBezTo>
+                  <a:pt x="1319337" y="32860"/>
+                  <a:pt x="1167371" y="17040"/>
+                  <a:pt x="1058258" y="18288"/>
+                </a:cubicBezTo>
+                <a:cubicBezTo>
+                  <a:pt x="949145" y="19536"/>
+                  <a:pt x="780234" y="31447"/>
+                  <a:pt x="705505" y="18288"/>
+                </a:cubicBezTo>
+                <a:cubicBezTo>
+                  <a:pt x="630776" y="5129"/>
+                  <a:pt x="215796" y="30056"/>
+                  <a:pt x="0" y="18288"/>
+                </a:cubicBezTo>
+                <a:cubicBezTo>
+                  <a:pt x="-53" y="11301"/>
+                  <a:pt x="-649" y="7756"/>
+                  <a:pt x="0" y="0"/>
+                </a:cubicBezTo>
+                <a:close/>
+              </a:path>
+            </a:pathLst>
+          </a:custGeom>
+          <a:solidFill>
+            <a:schemeClr val="accent2"/>
+          </a:solidFill>
+          <a:ln w="41275" cap="rnd">
+            <a:solidFill>
+              <a:schemeClr val="accent2"/>
+            </a:solidFill>
+            <a:round/>
+            <a:extLst>
+              <a:ext uri="{C807C97D-BFC1-408E-A445-0C87EB9F89A2}">
+                <ask:lineSketchStyleProps xmlns:ask="http://schemas.microsoft.com/office/drawing/2018/sketchyshapes" sd="1219033472">
+                  <a:prstGeom prst="rect">
+                    <a:avLst/>
+                  </a:prstGeom>
+                  <ask:type>
+                    <ask:lineSketchFreehand/>
+                  </ask:type>
+                </ask:lineSketchStyleProps>
+              </a:ext>
+            </a:extLst>
+          </a:ln>
+        </p:spPr>
+        <p:style>
+          <a:lnRef idx="2">
+            <a:schemeClr val="accent1">
+              <a:shade val="50000"/>
+            </a:schemeClr>
+          </a:lnRef>
+          <a:fillRef idx="1">
+            <a:schemeClr val="accent1"/>
+          </a:fillRef>
+          <a:effectRef idx="0">
+            <a:schemeClr val="accent1"/>
+          </a:effectRef>
+          <a:fontRef idx="minor">
+            <a:schemeClr val="lt1"/>
+          </a:fontRef>
+        </p:style>
+        <p:txBody>
+          <a:bodyPr rtlCol="0" anchor="ctr"/>
+          <a:lstStyle/>
+          <a:p>
+            <a:pPr algn="ctr"/>
+            <a:endParaRPr lang="en-US" dirty="0"/>
+          </a:p>
+        </p:txBody>
+      </p:sp>
+      <p:sp>
+        <p:nvSpPr>
+          <p:cNvPr id="82" name="Segnaposto numero diapositiva 81">
+            <a:extLst>
+              <a:ext uri="{FF2B5EF4-FFF2-40B4-BE49-F238E27FC236}">
+                <a16:creationId xmlns:a16="http://schemas.microsoft.com/office/drawing/2014/main" id="{CE36A058-BEC2-4BC5-A467-F2EB2A365051}"/>
+              </a:ext>
+            </a:extLst>
+          </p:cNvPr>
+          <p:cNvSpPr>
+            <a:spLocks noGrp="1"/>
+          </p:cNvSpPr>
+          <p:nvPr>
+            <p:ph type="sldNum" sz="quarter" idx="12"/>
+          </p:nvPr>
+        </p:nvSpPr>
+        <p:spPr>
+          <a:xfrm>
+            <a:off x="8610600" y="6140374"/>
+            <a:ext cx="2743200" cy="581101"/>
+          </a:xfrm>
+        </p:spPr>
+        <p:txBody>
+          <a:bodyPr vert="horz" lIns="91440" tIns="45720" rIns="91440" bIns="45720" rtlCol="0">
+            <a:normAutofit/>
+          </a:bodyPr>
+          <a:lstStyle/>
+          <a:p>
+            <a:pPr>
+              <a:spcAft>
+                <a:spcPts val="600"/>
+              </a:spcAft>
+            </a:pPr>
+            <a:fld id="{B5CEABB6-07DC-46E8-9B57-56EC44A396E5}" type="slidenum">
+              <a:rPr lang="en-US" sz="1800" smtClean="0"/>
+              <a:pPr>
+                <a:spcAft>
+                  <a:spcPts val="600"/>
+                </a:spcAft>
+              </a:pPr>
+              <a:t>5</a:t>
+            </a:fld>
+            <a:endParaRPr lang="en-US" sz="1800" dirty="0"/>
+          </a:p>
+        </p:txBody>
+      </p:sp>
+      <p:sp>
+        <p:nvSpPr>
+          <p:cNvPr id="11" name="CasellaDiTesto 10">
+            <a:extLst>
+              <a:ext uri="{FF2B5EF4-FFF2-40B4-BE49-F238E27FC236}">
+                <a16:creationId xmlns:a16="http://schemas.microsoft.com/office/drawing/2014/main" id="{C1C708C4-D7EC-7ED8-A397-AF1F95BF1686}"/>
+              </a:ext>
+            </a:extLst>
+          </p:cNvPr>
+          <p:cNvSpPr txBox="1"/>
+          <p:nvPr/>
+        </p:nvSpPr>
+        <p:spPr>
+          <a:xfrm>
+            <a:off x="838200" y="1884037"/>
+            <a:ext cx="10684764" cy="3139321"/>
+          </a:xfrm>
+          <a:prstGeom prst="rect">
+            <a:avLst/>
+          </a:prstGeom>
+          <a:noFill/>
+        </p:spPr>
+        <p:txBody>
+          <a:bodyPr wrap="square" rtlCol="0">
+            <a:spAutoFit/>
+          </a:bodyPr>
+          <a:lstStyle/>
+          <a:p>
             <a:pPr marL="285750" indent="-285750">
               <a:buFont typeface="Arial" panose="020B0604020202020204" pitchFamily="34" charset="0"/>
               <a:buChar char="•"/>
@@ -27918,7 +28901,144 @@
               <a:rPr lang="it-IT" dirty="0"/>
               <a:t>, per la costruzione di un’interfaccia grafica che risponda ai requisiti del problema, ma che sia anche di facile utilizzo e comprensibile agli utenti</a:t>
             </a:r>
+          </a:p>
+          <a:p>
+            <a:pPr marL="285750" indent="-285750">
+              <a:buFont typeface="Wingdings" panose="05000000000000000000" pitchFamily="2" charset="2"/>
+              <a:buChar char="q"/>
+            </a:pPr>
             <a:endParaRPr lang="it-IT" b="1" i="1" dirty="0"/>
+          </a:p>
+          <a:p>
+            <a:pPr marL="285750" indent="-285750">
+              <a:buFont typeface="Arial" panose="020B0604020202020204" pitchFamily="34" charset="0"/>
+              <a:buChar char="•"/>
+            </a:pPr>
+            <a:r>
+              <a:rPr lang="it-IT" dirty="0"/>
+              <a:t>Utilizzo di </a:t>
+            </a:r>
+            <a:r>
+              <a:rPr lang="it-IT" dirty="0" err="1"/>
+              <a:t>StarUML</a:t>
+            </a:r>
+            <a:r>
+              <a:rPr lang="it-IT" dirty="0"/>
+              <a:t> per la creazione dei vari diagrammi:</a:t>
+            </a:r>
+          </a:p>
+          <a:p>
+            <a:pPr marL="285750" indent="-285750">
+              <a:buFont typeface="Wingdings" panose="05000000000000000000" pitchFamily="2" charset="2"/>
+              <a:buChar char="q"/>
+            </a:pPr>
+            <a:r>
+              <a:rPr lang="it-IT" i="1" dirty="0"/>
+              <a:t>Use-Case </a:t>
+            </a:r>
+            <a:r>
+              <a:rPr lang="it-IT" i="1" dirty="0" err="1"/>
+              <a:t>Diagram</a:t>
+            </a:r>
+            <a:r>
+              <a:rPr lang="it-IT" dirty="0"/>
+              <a:t>, definizione di attori e casi d’uso del problema</a:t>
+            </a:r>
+            <a:endParaRPr lang="it-IT" i="1" dirty="0"/>
+          </a:p>
+          <a:p>
+            <a:pPr marL="285750" indent="-285750">
+              <a:buFont typeface="Wingdings" panose="05000000000000000000" pitchFamily="2" charset="2"/>
+              <a:buChar char="q"/>
+            </a:pPr>
+            <a:r>
+              <a:rPr lang="it-IT" i="1" dirty="0"/>
+              <a:t>Class </a:t>
+            </a:r>
+            <a:r>
+              <a:rPr lang="it-IT" i="1" dirty="0" err="1"/>
+              <a:t>Diagram</a:t>
+            </a:r>
+            <a:r>
+              <a:rPr lang="it-IT" dirty="0"/>
+              <a:t>, definizione delle classi del Sistema</a:t>
+            </a:r>
+            <a:endParaRPr lang="it-IT" i="1" dirty="0"/>
+          </a:p>
+          <a:p>
+            <a:pPr marL="285750" indent="-285750">
+              <a:buFont typeface="Wingdings" panose="05000000000000000000" pitchFamily="2" charset="2"/>
+              <a:buChar char="q"/>
+            </a:pPr>
+            <a:r>
+              <a:rPr lang="it-IT" i="1" dirty="0"/>
+              <a:t>State-Chart </a:t>
+            </a:r>
+            <a:r>
+              <a:rPr lang="it-IT" i="1" dirty="0" err="1"/>
+              <a:t>Diagram</a:t>
+            </a:r>
+            <a:r>
+              <a:rPr lang="it-IT" i="1" dirty="0"/>
+              <a:t>, </a:t>
+            </a:r>
+            <a:r>
+              <a:rPr lang="it-IT" dirty="0"/>
+              <a:t>visualizzazione dello stato del Sistema durante il suo utilizzo</a:t>
+            </a:r>
+          </a:p>
+          <a:p>
+            <a:pPr marL="285750" indent="-285750">
+              <a:buFont typeface="Wingdings" panose="05000000000000000000" pitchFamily="2" charset="2"/>
+              <a:buChar char="q"/>
+            </a:pPr>
+            <a:r>
+              <a:rPr lang="it-IT" i="1" dirty="0" err="1"/>
+              <a:t>Sequence</a:t>
+            </a:r>
+            <a:r>
+              <a:rPr lang="it-IT" i="1" dirty="0"/>
+              <a:t> </a:t>
+            </a:r>
+            <a:r>
+              <a:rPr lang="it-IT" i="1" dirty="0" err="1"/>
+              <a:t>Diagram</a:t>
+            </a:r>
+            <a:r>
+              <a:rPr lang="it-IT" dirty="0"/>
+              <a:t>, definizione delle sequenze di azioni da effettuare nell’utilizzo del Sistema</a:t>
+            </a:r>
+            <a:endParaRPr lang="it-IT" i="1" dirty="0"/>
+          </a:p>
+          <a:p>
+            <a:pPr marL="285750" indent="-285750">
+              <a:buFont typeface="Wingdings" panose="05000000000000000000" pitchFamily="2" charset="2"/>
+              <a:buChar char="q"/>
+            </a:pPr>
+            <a:r>
+              <a:rPr lang="it-IT" i="1" dirty="0"/>
+              <a:t>Activity </a:t>
+            </a:r>
+            <a:r>
+              <a:rPr lang="it-IT" i="1" dirty="0" err="1"/>
+              <a:t>Diagram</a:t>
+            </a:r>
+            <a:r>
+              <a:rPr lang="it-IT" i="1" dirty="0"/>
+              <a:t>,</a:t>
+            </a:r>
+            <a:r>
+              <a:rPr lang="it-IT" dirty="0"/>
+              <a:t> definizione delle varie attività svolte durante l’utilizzo del Sistema</a:t>
+            </a:r>
+            <a:endParaRPr lang="it-IT" i="1" dirty="0"/>
+          </a:p>
+          <a:p>
+            <a:pPr marL="285750" indent="-285750">
+              <a:buFont typeface="Wingdings" panose="05000000000000000000" pitchFamily="2" charset="2"/>
+              <a:buChar char="q"/>
+            </a:pPr>
+            <a:endParaRPr lang="it-IT" i="1" dirty="0"/>
           </a:p>
         </p:txBody>
       </p:sp>
@@ -32628,6 +33748,15 @@
 </file>
 
 <file path=customXml/item1.xml><?xml version="1.0" encoding="utf-8"?>
+<?mso-contentType ?>
+<FormTemplates xmlns="http://schemas.microsoft.com/sharepoint/v3/contenttype/forms">
+  <Display>DocumentLibraryForm</Display>
+  <Edit>DocumentLibraryForm</Edit>
+  <New>DocumentLibraryForm</New>
+</FormTemplates>
+</file>
+
+<file path=customXml/item2.xml><?xml version="1.0" encoding="utf-8"?>
 <ct:contentTypeSchema xmlns:ct="http://schemas.microsoft.com/office/2006/metadata/contentType" xmlns:ma="http://schemas.microsoft.com/office/2006/metadata/properties/metaAttributes" ct:_="" ma:_="" ma:contentTypeName="Documento" ma:contentTypeID="0x0101007CE6213B20D2F945B0D1473923EE410F" ma:contentTypeVersion="7" ma:contentTypeDescription="Creare un nuovo documento." ma:contentTypeScope="" ma:versionID="dc8ac43e96b461727accd63cf925a5cf">
   <xsd:schema xmlns:xsd="http://www.w3.org/2001/XMLSchema" xmlns:xs="http://www.w3.org/2001/XMLSchema" xmlns:p="http://schemas.microsoft.com/office/2006/metadata/properties" xmlns:ns2="243f3390-b919-40e8-8195-3613e8527352" targetNamespace="http://schemas.microsoft.com/office/2006/metadata/properties" ma:root="true" ma:fieldsID="1987007e621e1b24d40e437f012b913d" ns2:_="">
     <xsd:import namespace="243f3390-b919-40e8-8195-3613e8527352"/>
@@ -32789,15 +33918,6 @@
 </ct:contentTypeSchema>
 </file>
 
-<file path=customXml/item2.xml><?xml version="1.0" encoding="utf-8"?>
-<?mso-contentType ?>
-<FormTemplates xmlns="http://schemas.microsoft.com/sharepoint/v3/contenttype/forms">
-  <Display>DocumentLibraryForm</Display>
-  <Edit>DocumentLibraryForm</Edit>
-  <New>DocumentLibraryForm</New>
-</FormTemplates>
-</file>
-
 <file path=customXml/item3.xml><?xml version="1.0" encoding="utf-8"?>
 <p:properties xmlns:p="http://schemas.microsoft.com/office/2006/metadata/properties" xmlns:xsi="http://www.w3.org/2001/XMLSchema-instance" xmlns:pc="http://schemas.microsoft.com/office/infopath/2007/PartnerControls">
   <documentManagement/>
@@ -32805,6 +33925,14 @@
 </file>
 
 <file path=customXml/itemProps1.xml><?xml version="1.0" encoding="utf-8"?>
+<ds:datastoreItem xmlns:ds="http://schemas.openxmlformats.org/officeDocument/2006/customXml" ds:itemID="{42BC90D6-94CF-42F7-AAC4-9CF6824C54D5}">
+  <ds:schemaRefs>
+    <ds:schemaRef ds:uri="http://schemas.microsoft.com/sharepoint/v3/contenttype/forms"/>
+  </ds:schemaRefs>
+</ds:datastoreItem>
+</file>
+
+<file path=customXml/itemProps2.xml><?xml version="1.0" encoding="utf-8"?>
 <ds:datastoreItem xmlns:ds="http://schemas.openxmlformats.org/officeDocument/2006/customXml" ds:itemID="{1A503E23-9696-4358-8F00-F7F66AC755EB}">
   <ds:schemaRefs>
     <ds:schemaRef ds:uri="http://schemas.microsoft.com/office/2006/metadata/contentType"/>
@@ -32818,14 +33946,6 @@
     <ds:schemaRef ds:uri="http://purl.org/dc/elements/1.1/"/>
     <ds:schemaRef ds:uri="http://purl.org/dc/terms/"/>
     <ds:schemaRef ds:uri="http://schemas.microsoft.com/internal/obd"/>
-  </ds:schemaRefs>
-</ds:datastoreItem>
-</file>
-
-<file path=customXml/itemProps2.xml><?xml version="1.0" encoding="utf-8"?>
-<ds:datastoreItem xmlns:ds="http://schemas.openxmlformats.org/officeDocument/2006/customXml" ds:itemID="{42BC90D6-94CF-42F7-AAC4-9CF6824C54D5}">
-  <ds:schemaRefs>
-    <ds:schemaRef ds:uri="http://schemas.microsoft.com/sharepoint/v3/contenttype/forms"/>
   </ds:schemaRefs>
 </ds:datastoreItem>
 </file>

--- a/Presentazione/Presentazione_Progetto.pptx
+++ b/Presentazione/Presentazione_Progetto.pptx
@@ -177,16 +177,24 @@
   <pc:docChgLst>
     <pc:chgData name="Matteo MANGILI" userId="89c7df381375e6aa" providerId="LiveId" clId="{740BB46D-1FBD-4BE5-BEA3-98CD9E9E2715}"/>
     <pc:docChg chg="undo custSel addSld modSld">
-      <pc:chgData name="Matteo MANGILI" userId="89c7df381375e6aa" providerId="LiveId" clId="{740BB46D-1FBD-4BE5-BEA3-98CD9E9E2715}" dt="2024-01-21T20:40:04.905" v="2275" actId="20577"/>
+      <pc:chgData name="Matteo MANGILI" userId="89c7df381375e6aa" providerId="LiveId" clId="{740BB46D-1FBD-4BE5-BEA3-98CD9E9E2715}" dt="2024-01-24T20:03:10.198" v="2279" actId="5793"/>
       <pc:docMkLst>
         <pc:docMk/>
       </pc:docMkLst>
       <pc:sldChg chg="addSp delSp modSp mod">
-        <pc:chgData name="Matteo MANGILI" userId="89c7df381375e6aa" providerId="LiveId" clId="{740BB46D-1FBD-4BE5-BEA3-98CD9E9E2715}" dt="2024-01-21T20:40:04.905" v="2275" actId="20577"/>
+        <pc:chgData name="Matteo MANGILI" userId="89c7df381375e6aa" providerId="LiveId" clId="{740BB46D-1FBD-4BE5-BEA3-98CD9E9E2715}" dt="2024-01-24T20:03:05.101" v="2277" actId="5793"/>
         <pc:sldMkLst>
           <pc:docMk/>
           <pc:sldMk cId="3568766427" sldId="306"/>
         </pc:sldMkLst>
+        <pc:spChg chg="mod">
+          <ac:chgData name="Matteo MANGILI" userId="89c7df381375e6aa" providerId="LiveId" clId="{740BB46D-1FBD-4BE5-BEA3-98CD9E9E2715}" dt="2024-01-24T20:03:05.101" v="2277" actId="5793"/>
+          <ac:spMkLst>
+            <pc:docMk/>
+            <pc:sldMk cId="3568766427" sldId="306"/>
+            <ac:spMk id="3" creationId="{39198BC0-3DAA-3F78-1CC6-7D92405ED12E}"/>
+          </ac:spMkLst>
+        </pc:spChg>
         <pc:spChg chg="add del mod">
           <ac:chgData name="Matteo MANGILI" userId="89c7df381375e6aa" providerId="LiveId" clId="{740BB46D-1FBD-4BE5-BEA3-98CD9E9E2715}" dt="2024-01-21T20:40:04.905" v="2275" actId="20577"/>
           <ac:spMkLst>
@@ -223,6 +231,21 @@
             <pc:docMk/>
             <pc:sldMk cId="1581940243" sldId="309"/>
             <ac:spMk id="5" creationId="{BE1F23F2-64C7-BE07-E80F-A34081568AA8}"/>
+          </ac:spMkLst>
+        </pc:spChg>
+      </pc:sldChg>
+      <pc:sldChg chg="modSp mod">
+        <pc:chgData name="Matteo MANGILI" userId="89c7df381375e6aa" providerId="LiveId" clId="{740BB46D-1FBD-4BE5-BEA3-98CD9E9E2715}" dt="2024-01-24T20:03:10.198" v="2279" actId="5793"/>
+        <pc:sldMkLst>
+          <pc:docMk/>
+          <pc:sldMk cId="2214790197" sldId="310"/>
+        </pc:sldMkLst>
+        <pc:spChg chg="mod">
+          <ac:chgData name="Matteo MANGILI" userId="89c7df381375e6aa" providerId="LiveId" clId="{740BB46D-1FBD-4BE5-BEA3-98CD9E9E2715}" dt="2024-01-24T20:03:10.198" v="2279" actId="5793"/>
+          <ac:spMkLst>
+            <pc:docMk/>
+            <pc:sldMk cId="2214790197" sldId="310"/>
+            <ac:spMk id="4" creationId="{E45B50AB-E09E-377A-4B46-AFA47F523EAB}"/>
           </ac:spMkLst>
         </pc:spChg>
       </pc:sldChg>
@@ -537,7 +560,7 @@
             <a:pPr rtl="0"/>
             <a:fld id="{DBC54730-5EBA-4920-A6C4-7F8458A7F940}" type="datetime1">
               <a:rPr lang="it-IT" smtClean="0"/>
-              <a:t>21/01/2024</a:t>
+              <a:t>24/01/2024</a:t>
             </a:fld>
             <a:endParaRPr lang="it-IT" dirty="0"/>
           </a:p>
@@ -719,7 +742,7 @@
             <a:fld id="{85EC1C34-318D-43A8-83F5-3AC8647FE75E}" type="datetime1">
               <a:rPr lang="it-IT" smtClean="0"/>
               <a:pPr/>
-              <a:t>21/01/2024</a:t>
+              <a:t>24/01/2024</a:t>
             </a:fld>
             <a:endParaRPr lang="it-IT" dirty="0"/>
           </a:p>
@@ -25188,10 +25211,9 @@
           </a:bodyPr>
           <a:lstStyle/>
           <a:p>
-            <a:r>
-              <a:rPr lang="it-IT" sz="2200" dirty="0"/>
-              <a:t>Fare piccola demo dell’applicazione sviluppata</a:t>
-            </a:r>
+            <a:pPr marL="0" indent="0">
+              <a:buNone/>
+            </a:pPr>
             <a:endParaRPr lang="en-US" sz="2200" dirty="0"/>
           </a:p>
         </p:txBody>
@@ -26037,26 +26059,9 @@
           </a:bodyPr>
           <a:lstStyle/>
           <a:p>
-            <a:r>
-              <a:rPr lang="it-IT" sz="2200" dirty="0"/>
-              <a:t>Cosa avete usato per fare testing</a:t>
-            </a:r>
-          </a:p>
-          <a:p>
-            <a:pPr lvl="1"/>
-            <a:r>
-              <a:rPr lang="it-IT" sz="2200" dirty="0"/>
-              <a:t>Manuale o automatico?</a:t>
-            </a:r>
-          </a:p>
-          <a:p>
-            <a:r>
-              <a:rPr lang="it-IT" sz="2200" dirty="0"/>
-              <a:t>Quali risultati avete ottenuto con l’attività di testing</a:t>
-            </a:r>
-          </a:p>
-          <a:p>
-            <a:pPr lvl="1"/>
+            <a:pPr marL="457200" lvl="1" indent="0">
+              <a:buNone/>
+            </a:pPr>
             <a:endParaRPr lang="en-US" sz="2200" dirty="0"/>
           </a:p>
         </p:txBody>
@@ -33748,15 +33753,6 @@
 </file>
 
 <file path=customXml/item1.xml><?xml version="1.0" encoding="utf-8"?>
-<?mso-contentType ?>
-<FormTemplates xmlns="http://schemas.microsoft.com/sharepoint/v3/contenttype/forms">
-  <Display>DocumentLibraryForm</Display>
-  <Edit>DocumentLibraryForm</Edit>
-  <New>DocumentLibraryForm</New>
-</FormTemplates>
-</file>
-
-<file path=customXml/item2.xml><?xml version="1.0" encoding="utf-8"?>
 <ct:contentTypeSchema xmlns:ct="http://schemas.microsoft.com/office/2006/metadata/contentType" xmlns:ma="http://schemas.microsoft.com/office/2006/metadata/properties/metaAttributes" ct:_="" ma:_="" ma:contentTypeName="Documento" ma:contentTypeID="0x0101007CE6213B20D2F945B0D1473923EE410F" ma:contentTypeVersion="7" ma:contentTypeDescription="Creare un nuovo documento." ma:contentTypeScope="" ma:versionID="dc8ac43e96b461727accd63cf925a5cf">
   <xsd:schema xmlns:xsd="http://www.w3.org/2001/XMLSchema" xmlns:xs="http://www.w3.org/2001/XMLSchema" xmlns:p="http://schemas.microsoft.com/office/2006/metadata/properties" xmlns:ns2="243f3390-b919-40e8-8195-3613e8527352" targetNamespace="http://schemas.microsoft.com/office/2006/metadata/properties" ma:root="true" ma:fieldsID="1987007e621e1b24d40e437f012b913d" ns2:_="">
     <xsd:import namespace="243f3390-b919-40e8-8195-3613e8527352"/>
@@ -33918,6 +33914,15 @@
 </ct:contentTypeSchema>
 </file>
 
+<file path=customXml/item2.xml><?xml version="1.0" encoding="utf-8"?>
+<?mso-contentType ?>
+<FormTemplates xmlns="http://schemas.microsoft.com/sharepoint/v3/contenttype/forms">
+  <Display>DocumentLibraryForm</Display>
+  <Edit>DocumentLibraryForm</Edit>
+  <New>DocumentLibraryForm</New>
+</FormTemplates>
+</file>
+
 <file path=customXml/item3.xml><?xml version="1.0" encoding="utf-8"?>
 <p:properties xmlns:p="http://schemas.microsoft.com/office/2006/metadata/properties" xmlns:xsi="http://www.w3.org/2001/XMLSchema-instance" xmlns:pc="http://schemas.microsoft.com/office/infopath/2007/PartnerControls">
   <documentManagement/>
@@ -33925,14 +33930,6 @@
 </file>
 
 <file path=customXml/itemProps1.xml><?xml version="1.0" encoding="utf-8"?>
-<ds:datastoreItem xmlns:ds="http://schemas.openxmlformats.org/officeDocument/2006/customXml" ds:itemID="{42BC90D6-94CF-42F7-AAC4-9CF6824C54D5}">
-  <ds:schemaRefs>
-    <ds:schemaRef ds:uri="http://schemas.microsoft.com/sharepoint/v3/contenttype/forms"/>
-  </ds:schemaRefs>
-</ds:datastoreItem>
-</file>
-
-<file path=customXml/itemProps2.xml><?xml version="1.0" encoding="utf-8"?>
 <ds:datastoreItem xmlns:ds="http://schemas.openxmlformats.org/officeDocument/2006/customXml" ds:itemID="{1A503E23-9696-4358-8F00-F7F66AC755EB}">
   <ds:schemaRefs>
     <ds:schemaRef ds:uri="http://schemas.microsoft.com/office/2006/metadata/contentType"/>
@@ -33946,6 +33943,14 @@
     <ds:schemaRef ds:uri="http://purl.org/dc/elements/1.1/"/>
     <ds:schemaRef ds:uri="http://purl.org/dc/terms/"/>
     <ds:schemaRef ds:uri="http://schemas.microsoft.com/internal/obd"/>
+  </ds:schemaRefs>
+</ds:datastoreItem>
+</file>
+
+<file path=customXml/itemProps2.xml><?xml version="1.0" encoding="utf-8"?>
+<ds:datastoreItem xmlns:ds="http://schemas.openxmlformats.org/officeDocument/2006/customXml" ds:itemID="{42BC90D6-94CF-42F7-AAC4-9CF6824C54D5}">
+  <ds:schemaRefs>
+    <ds:schemaRef ds:uri="http://schemas.microsoft.com/sharepoint/v3/contenttype/forms"/>
   </ds:schemaRefs>
 </ds:datastoreItem>
 </file>

--- a/Presentazione/Presentazione_Progetto.pptx
+++ b/Presentazione/Presentazione_Progetto.pptx
@@ -177,7 +177,7 @@
   <pc:docChgLst>
     <pc:chgData name="Matteo MANGILI" userId="89c7df381375e6aa" providerId="LiveId" clId="{740BB46D-1FBD-4BE5-BEA3-98CD9E9E2715}"/>
     <pc:docChg chg="undo custSel addSld modSld">
-      <pc:chgData name="Matteo MANGILI" userId="89c7df381375e6aa" providerId="LiveId" clId="{740BB46D-1FBD-4BE5-BEA3-98CD9E9E2715}" dt="2024-01-24T20:03:10.198" v="2279" actId="5793"/>
+      <pc:chgData name="Matteo MANGILI" userId="89c7df381375e6aa" providerId="LiveId" clId="{740BB46D-1FBD-4BE5-BEA3-98CD9E9E2715}" dt="2024-01-24T21:05:29.202" v="2282" actId="114"/>
       <pc:docMkLst>
         <pc:docMk/>
       </pc:docMkLst>
@@ -397,7 +397,7 @@
         </pc:picChg>
       </pc:sldChg>
       <pc:sldChg chg="addSp delSp modSp add mod">
-        <pc:chgData name="Matteo MANGILI" userId="89c7df381375e6aa" providerId="LiveId" clId="{740BB46D-1FBD-4BE5-BEA3-98CD9E9E2715}" dt="2024-01-21T20:39:15.175" v="2259" actId="21"/>
+        <pc:chgData name="Matteo MANGILI" userId="89c7df381375e6aa" providerId="LiveId" clId="{740BB46D-1FBD-4BE5-BEA3-98CD9E9E2715}" dt="2024-01-24T21:05:29.202" v="2282" actId="114"/>
         <pc:sldMkLst>
           <pc:docMk/>
           <pc:sldMk cId="3754641538" sldId="320"/>
@@ -427,7 +427,7 @@
           </ac:spMkLst>
         </pc:spChg>
         <pc:spChg chg="add del mod">
-          <ac:chgData name="Matteo MANGILI" userId="89c7df381375e6aa" providerId="LiveId" clId="{740BB46D-1FBD-4BE5-BEA3-98CD9E9E2715}" dt="2024-01-21T20:39:15.175" v="2259" actId="21"/>
+          <ac:chgData name="Matteo MANGILI" userId="89c7df381375e6aa" providerId="LiveId" clId="{740BB46D-1FBD-4BE5-BEA3-98CD9E9E2715}" dt="2024-01-24T21:05:29.202" v="2282" actId="114"/>
           <ac:spMkLst>
             <pc:docMk/>
             <pc:sldMk cId="3754641538" sldId="320"/>
@@ -17833,7 +17833,7 @@
         </p:nvSpPr>
         <p:spPr>
           <a:xfrm>
-            <a:off x="669036" y="2194286"/>
+            <a:off x="667512" y="1979682"/>
             <a:ext cx="10853928" cy="369332"/>
           </a:xfrm>
           <a:prstGeom prst="rect">
@@ -17848,7 +17848,7 @@
           <a:lstStyle/>
           <a:p>
             <a:r>
-              <a:rPr lang="it-IT" dirty="0"/>
+              <a:rPr lang="it-IT" i="1" dirty="0"/>
               <a:t>Architettura Client-Server</a:t>
             </a:r>
           </a:p>
@@ -33753,6 +33753,15 @@
 </file>
 
 <file path=customXml/item1.xml><?xml version="1.0" encoding="utf-8"?>
+<?mso-contentType ?>
+<FormTemplates xmlns="http://schemas.microsoft.com/sharepoint/v3/contenttype/forms">
+  <Display>DocumentLibraryForm</Display>
+  <Edit>DocumentLibraryForm</Edit>
+  <New>DocumentLibraryForm</New>
+</FormTemplates>
+</file>
+
+<file path=customXml/item2.xml><?xml version="1.0" encoding="utf-8"?>
 <ct:contentTypeSchema xmlns:ct="http://schemas.microsoft.com/office/2006/metadata/contentType" xmlns:ma="http://schemas.microsoft.com/office/2006/metadata/properties/metaAttributes" ct:_="" ma:_="" ma:contentTypeName="Documento" ma:contentTypeID="0x0101007CE6213B20D2F945B0D1473923EE410F" ma:contentTypeVersion="7" ma:contentTypeDescription="Creare un nuovo documento." ma:contentTypeScope="" ma:versionID="dc8ac43e96b461727accd63cf925a5cf">
   <xsd:schema xmlns:xsd="http://www.w3.org/2001/XMLSchema" xmlns:xs="http://www.w3.org/2001/XMLSchema" xmlns:p="http://schemas.microsoft.com/office/2006/metadata/properties" xmlns:ns2="243f3390-b919-40e8-8195-3613e8527352" targetNamespace="http://schemas.microsoft.com/office/2006/metadata/properties" ma:root="true" ma:fieldsID="1987007e621e1b24d40e437f012b913d" ns2:_="">
     <xsd:import namespace="243f3390-b919-40e8-8195-3613e8527352"/>
@@ -33914,15 +33923,6 @@
 </ct:contentTypeSchema>
 </file>
 
-<file path=customXml/item2.xml><?xml version="1.0" encoding="utf-8"?>
-<?mso-contentType ?>
-<FormTemplates xmlns="http://schemas.microsoft.com/sharepoint/v3/contenttype/forms">
-  <Display>DocumentLibraryForm</Display>
-  <Edit>DocumentLibraryForm</Edit>
-  <New>DocumentLibraryForm</New>
-</FormTemplates>
-</file>
-
 <file path=customXml/item3.xml><?xml version="1.0" encoding="utf-8"?>
 <p:properties xmlns:p="http://schemas.microsoft.com/office/2006/metadata/properties" xmlns:xsi="http://www.w3.org/2001/XMLSchema-instance" xmlns:pc="http://schemas.microsoft.com/office/infopath/2007/PartnerControls">
   <documentManagement/>
@@ -33930,6 +33930,14 @@
 </file>
 
 <file path=customXml/itemProps1.xml><?xml version="1.0" encoding="utf-8"?>
+<ds:datastoreItem xmlns:ds="http://schemas.openxmlformats.org/officeDocument/2006/customXml" ds:itemID="{42BC90D6-94CF-42F7-AAC4-9CF6824C54D5}">
+  <ds:schemaRefs>
+    <ds:schemaRef ds:uri="http://schemas.microsoft.com/sharepoint/v3/contenttype/forms"/>
+  </ds:schemaRefs>
+</ds:datastoreItem>
+</file>
+
+<file path=customXml/itemProps2.xml><?xml version="1.0" encoding="utf-8"?>
 <ds:datastoreItem xmlns:ds="http://schemas.openxmlformats.org/officeDocument/2006/customXml" ds:itemID="{1A503E23-9696-4358-8F00-F7F66AC755EB}">
   <ds:schemaRefs>
     <ds:schemaRef ds:uri="http://schemas.microsoft.com/office/2006/metadata/contentType"/>
@@ -33943,14 +33951,6 @@
     <ds:schemaRef ds:uri="http://purl.org/dc/elements/1.1/"/>
     <ds:schemaRef ds:uri="http://purl.org/dc/terms/"/>
     <ds:schemaRef ds:uri="http://schemas.microsoft.com/internal/obd"/>
-  </ds:schemaRefs>
-</ds:datastoreItem>
-</file>
-
-<file path=customXml/itemProps2.xml><?xml version="1.0" encoding="utf-8"?>
-<ds:datastoreItem xmlns:ds="http://schemas.openxmlformats.org/officeDocument/2006/customXml" ds:itemID="{42BC90D6-94CF-42F7-AAC4-9CF6824C54D5}">
-  <ds:schemaRefs>
-    <ds:schemaRef ds:uri="http://schemas.microsoft.com/sharepoint/v3/contenttype/forms"/>
   </ds:schemaRefs>
 </ds:datastoreItem>
 </file>

--- a/Presentazione/Presentazione_Progetto.pptx
+++ b/Presentazione/Presentazione_Progetto.pptx
@@ -167,7 +167,7 @@
 <file path=ppt/revisionInfo.xml><?xml version="1.0" encoding="utf-8"?>
 <p1510:revInfo xmlns:a="http://schemas.openxmlformats.org/drawingml/2006/main" xmlns:r="http://schemas.openxmlformats.org/officeDocument/2006/relationships" xmlns:p1510="http://schemas.microsoft.com/office/powerpoint/2015/10/main">
   <p1510:revLst>
-    <p1510:client id="{740BB46D-1FBD-4BE5-BEA3-98CD9E9E2715}" v="3" dt="2024-01-21T20:39:14.753"/>
+    <p1510:client id="{740BB46D-1FBD-4BE5-BEA3-98CD9E9E2715}" v="11" dt="2024-01-25T10:27:37.514"/>
   </p1510:revLst>
 </p1510:revInfo>
 </file>
@@ -177,10 +177,70 @@
   <pc:docChgLst>
     <pc:chgData name="Matteo MANGILI" userId="89c7df381375e6aa" providerId="LiveId" clId="{740BB46D-1FBD-4BE5-BEA3-98CD9E9E2715}"/>
     <pc:docChg chg="undo custSel addSld modSld">
-      <pc:chgData name="Matteo MANGILI" userId="89c7df381375e6aa" providerId="LiveId" clId="{740BB46D-1FBD-4BE5-BEA3-98CD9E9E2715}" dt="2024-01-24T21:05:29.202" v="2282" actId="114"/>
+      <pc:chgData name="Matteo MANGILI" userId="89c7df381375e6aa" providerId="LiveId" clId="{740BB46D-1FBD-4BE5-BEA3-98CD9E9E2715}" dt="2024-01-25T10:54:16.505" v="4507" actId="20577"/>
       <pc:docMkLst>
         <pc:docMk/>
       </pc:docMkLst>
+      <pc:sldChg chg="modSp mod">
+        <pc:chgData name="Matteo MANGILI" userId="89c7df381375e6aa" providerId="LiveId" clId="{740BB46D-1FBD-4BE5-BEA3-98CD9E9E2715}" dt="2024-01-25T10:27:54.906" v="3615" actId="255"/>
+        <pc:sldMkLst>
+          <pc:docMk/>
+          <pc:sldMk cId="3250768115" sldId="296"/>
+        </pc:sldMkLst>
+        <pc:spChg chg="mod">
+          <ac:chgData name="Matteo MANGILI" userId="89c7df381375e6aa" providerId="LiveId" clId="{740BB46D-1FBD-4BE5-BEA3-98CD9E9E2715}" dt="2024-01-25T10:27:54.906" v="3615" actId="255"/>
+          <ac:spMkLst>
+            <pc:docMk/>
+            <pc:sldMk cId="3250768115" sldId="296"/>
+            <ac:spMk id="4" creationId="{6EADD32B-2BED-B9CD-8880-5933A888D00B}"/>
+          </ac:spMkLst>
+        </pc:spChg>
+      </pc:sldChg>
+      <pc:sldChg chg="modSp mod">
+        <pc:chgData name="Matteo MANGILI" userId="89c7df381375e6aa" providerId="LiveId" clId="{740BB46D-1FBD-4BE5-BEA3-98CD9E9E2715}" dt="2024-01-25T10:27:29.286" v="3614" actId="20577"/>
+        <pc:sldMkLst>
+          <pc:docMk/>
+          <pc:sldMk cId="1249612630" sldId="297"/>
+        </pc:sldMkLst>
+        <pc:spChg chg="mod">
+          <ac:chgData name="Matteo MANGILI" userId="89c7df381375e6aa" providerId="LiveId" clId="{740BB46D-1FBD-4BE5-BEA3-98CD9E9E2715}" dt="2024-01-25T10:27:29.286" v="3614" actId="20577"/>
+          <ac:spMkLst>
+            <pc:docMk/>
+            <pc:sldMk cId="1249612630" sldId="297"/>
+            <ac:spMk id="4" creationId="{0B9BE06A-2A10-766E-30FB-68BA1AE33F20}"/>
+          </ac:spMkLst>
+        </pc:spChg>
+      </pc:sldChg>
+      <pc:sldChg chg="modSp mod">
+        <pc:chgData name="Matteo MANGILI" userId="89c7df381375e6aa" providerId="LiveId" clId="{740BB46D-1FBD-4BE5-BEA3-98CD9E9E2715}" dt="2024-01-25T10:24:21.989" v="3467" actId="255"/>
+        <pc:sldMkLst>
+          <pc:docMk/>
+          <pc:sldMk cId="3996999348" sldId="298"/>
+        </pc:sldMkLst>
+        <pc:spChg chg="mod">
+          <ac:chgData name="Matteo MANGILI" userId="89c7df381375e6aa" providerId="LiveId" clId="{740BB46D-1FBD-4BE5-BEA3-98CD9E9E2715}" dt="2024-01-25T10:24:21.989" v="3467" actId="255"/>
+          <ac:spMkLst>
+            <pc:docMk/>
+            <pc:sldMk cId="3996999348" sldId="298"/>
+            <ac:spMk id="4" creationId="{747F007E-FE0A-2A87-17AB-DD88FD1E8115}"/>
+          </ac:spMkLst>
+        </pc:spChg>
+      </pc:sldChg>
+      <pc:sldChg chg="modSp mod">
+        <pc:chgData name="Matteo MANGILI" userId="89c7df381375e6aa" providerId="LiveId" clId="{740BB46D-1FBD-4BE5-BEA3-98CD9E9E2715}" dt="2024-01-25T10:28:27.599" v="3616" actId="255"/>
+        <pc:sldMkLst>
+          <pc:docMk/>
+          <pc:sldMk cId="2944479634" sldId="303"/>
+        </pc:sldMkLst>
+        <pc:spChg chg="mod">
+          <ac:chgData name="Matteo MANGILI" userId="89c7df381375e6aa" providerId="LiveId" clId="{740BB46D-1FBD-4BE5-BEA3-98CD9E9E2715}" dt="2024-01-25T10:28:27.599" v="3616" actId="255"/>
+          <ac:spMkLst>
+            <pc:docMk/>
+            <pc:sldMk cId="2944479634" sldId="303"/>
+            <ac:spMk id="4" creationId="{834029E2-3A07-28E1-FE72-E1D9FA770926}"/>
+          </ac:spMkLst>
+        </pc:spChg>
+      </pc:sldChg>
       <pc:sldChg chg="addSp delSp modSp mod">
         <pc:chgData name="Matteo MANGILI" userId="89c7df381375e6aa" providerId="LiveId" clId="{740BB46D-1FBD-4BE5-BEA3-98CD9E9E2715}" dt="2024-01-24T20:03:05.101" v="2277" actId="5793"/>
         <pc:sldMkLst>
@@ -235,13 +295,13 @@
         </pc:spChg>
       </pc:sldChg>
       <pc:sldChg chg="modSp mod">
-        <pc:chgData name="Matteo MANGILI" userId="89c7df381375e6aa" providerId="LiveId" clId="{740BB46D-1FBD-4BE5-BEA3-98CD9E9E2715}" dt="2024-01-24T20:03:10.198" v="2279" actId="5793"/>
+        <pc:chgData name="Matteo MANGILI" userId="89c7df381375e6aa" providerId="LiveId" clId="{740BB46D-1FBD-4BE5-BEA3-98CD9E9E2715}" dt="2024-01-25T10:54:16.505" v="4507" actId="20577"/>
         <pc:sldMkLst>
           <pc:docMk/>
           <pc:sldMk cId="2214790197" sldId="310"/>
         </pc:sldMkLst>
         <pc:spChg chg="mod">
-          <ac:chgData name="Matteo MANGILI" userId="89c7df381375e6aa" providerId="LiveId" clId="{740BB46D-1FBD-4BE5-BEA3-98CD9E9E2715}" dt="2024-01-24T20:03:10.198" v="2279" actId="5793"/>
+          <ac:chgData name="Matteo MANGILI" userId="89c7df381375e6aa" providerId="LiveId" clId="{740BB46D-1FBD-4BE5-BEA3-98CD9E9E2715}" dt="2024-01-25T10:54:16.505" v="4507" actId="20577"/>
           <ac:spMkLst>
             <pc:docMk/>
             <pc:sldMk cId="2214790197" sldId="310"/>
@@ -295,7 +355,7 @@
         </pc:spChg>
       </pc:sldChg>
       <pc:sldChg chg="addSp delSp modSp add mod">
-        <pc:chgData name="Matteo MANGILI" userId="89c7df381375e6aa" providerId="LiveId" clId="{740BB46D-1FBD-4BE5-BEA3-98CD9E9E2715}" dt="2024-01-21T20:35:33.264" v="2229" actId="20577"/>
+        <pc:chgData name="Matteo MANGILI" userId="89c7df381375e6aa" providerId="LiveId" clId="{740BB46D-1FBD-4BE5-BEA3-98CD9E9E2715}" dt="2024-01-25T10:24:54.457" v="3471" actId="255"/>
         <pc:sldMkLst>
           <pc:docMk/>
           <pc:sldMk cId="112244765" sldId="318"/>
@@ -341,7 +401,7 @@
           </ac:spMkLst>
         </pc:spChg>
         <pc:spChg chg="add mod">
-          <ac:chgData name="Matteo MANGILI" userId="89c7df381375e6aa" providerId="LiveId" clId="{740BB46D-1FBD-4BE5-BEA3-98CD9E9E2715}" dt="2024-01-21T20:35:33.264" v="2229" actId="20577"/>
+          <ac:chgData name="Matteo MANGILI" userId="89c7df381375e6aa" providerId="LiveId" clId="{740BB46D-1FBD-4BE5-BEA3-98CD9E9E2715}" dt="2024-01-25T10:24:54.457" v="3471" actId="255"/>
           <ac:spMkLst>
             <pc:docMk/>
             <pc:sldMk cId="112244765" sldId="318"/>
@@ -374,13 +434,13 @@
         </pc:picChg>
       </pc:sldChg>
       <pc:sldChg chg="addSp delSp modSp add mod">
-        <pc:chgData name="Matteo MANGILI" userId="89c7df381375e6aa" providerId="LiveId" clId="{740BB46D-1FBD-4BE5-BEA3-98CD9E9E2715}" dt="2024-01-19T20:12:37.154" v="1673" actId="20577"/>
+        <pc:chgData name="Matteo MANGILI" userId="89c7df381375e6aa" providerId="LiveId" clId="{740BB46D-1FBD-4BE5-BEA3-98CD9E9E2715}" dt="2024-01-25T10:19:46.099" v="3465" actId="20577"/>
         <pc:sldMkLst>
           <pc:docMk/>
           <pc:sldMk cId="762597572" sldId="319"/>
         </pc:sldMkLst>
         <pc:spChg chg="add mod">
-          <ac:chgData name="Matteo MANGILI" userId="89c7df381375e6aa" providerId="LiveId" clId="{740BB46D-1FBD-4BE5-BEA3-98CD9E9E2715}" dt="2024-01-19T20:12:37.154" v="1673" actId="20577"/>
+          <ac:chgData name="Matteo MANGILI" userId="89c7df381375e6aa" providerId="LiveId" clId="{740BB46D-1FBD-4BE5-BEA3-98CD9E9E2715}" dt="2024-01-25T10:19:46.099" v="3465" actId="20577"/>
           <ac:spMkLst>
             <pc:docMk/>
             <pc:sldMk cId="762597572" sldId="319"/>
@@ -397,7 +457,7 @@
         </pc:picChg>
       </pc:sldChg>
       <pc:sldChg chg="addSp delSp modSp add mod">
-        <pc:chgData name="Matteo MANGILI" userId="89c7df381375e6aa" providerId="LiveId" clId="{740BB46D-1FBD-4BE5-BEA3-98CD9E9E2715}" dt="2024-01-24T21:05:29.202" v="2282" actId="114"/>
+        <pc:chgData name="Matteo MANGILI" userId="89c7df381375e6aa" providerId="LiveId" clId="{740BB46D-1FBD-4BE5-BEA3-98CD9E9E2715}" dt="2024-01-25T10:41:30.807" v="4371" actId="20577"/>
         <pc:sldMkLst>
           <pc:docMk/>
           <pc:sldMk cId="3754641538" sldId="320"/>
@@ -427,7 +487,7 @@
           </ac:spMkLst>
         </pc:spChg>
         <pc:spChg chg="add del mod">
-          <ac:chgData name="Matteo MANGILI" userId="89c7df381375e6aa" providerId="LiveId" clId="{740BB46D-1FBD-4BE5-BEA3-98CD9E9E2715}" dt="2024-01-24T21:05:29.202" v="2282" actId="114"/>
+          <ac:chgData name="Matteo MANGILI" userId="89c7df381375e6aa" providerId="LiveId" clId="{740BB46D-1FBD-4BE5-BEA3-98CD9E9E2715}" dt="2024-01-25T10:41:30.807" v="4371" actId="20577"/>
           <ac:spMkLst>
             <pc:docMk/>
             <pc:sldMk cId="3754641538" sldId="320"/>
@@ -560,7 +620,7 @@
             <a:pPr rtl="0"/>
             <a:fld id="{DBC54730-5EBA-4920-A6C4-7F8458A7F940}" type="datetime1">
               <a:rPr lang="it-IT" smtClean="0"/>
-              <a:t>24/01/2024</a:t>
+              <a:t>25/01/2024</a:t>
             </a:fld>
             <a:endParaRPr lang="it-IT" dirty="0"/>
           </a:p>
@@ -742,7 +802,7 @@
             <a:fld id="{85EC1C34-318D-43A8-83F5-3AC8647FE75E}" type="datetime1">
               <a:rPr lang="it-IT" smtClean="0"/>
               <a:pPr/>
-              <a:t>24/01/2024</a:t>
+              <a:t>25/01/2024</a:t>
             </a:fld>
             <a:endParaRPr lang="it-IT" dirty="0"/>
           </a:p>
@@ -17834,7 +17894,7 @@
         <p:spPr>
           <a:xfrm>
             <a:off x="667512" y="1979682"/>
-            <a:ext cx="10853928" cy="369332"/>
+            <a:ext cx="10853928" cy="4647426"/>
           </a:xfrm>
           <a:prstGeom prst="rect">
             <a:avLst/>
@@ -17848,9 +17908,70 @@
           <a:lstStyle/>
           <a:p>
             <a:r>
-              <a:rPr lang="it-IT" i="1" dirty="0"/>
-              <a:t>Architettura Client-Server</a:t>
-            </a:r>
+              <a:rPr lang="it-IT" sz="2000" dirty="0"/>
+              <a:t>Il nostro progetto deve essere chiaro (le specifiche devono descrivere dettagliatamente le operazioni coinvolte), non ambiguo, consistente (non devono essere presenti contraddizioni), completo, comprensibile e di facile utilizzo;</a:t>
+            </a:r>
+          </a:p>
+          <a:p>
+            <a:r>
+              <a:rPr lang="it-IT" sz="2000" dirty="0"/>
+              <a:t>Si fa riferimento ad un’architettura </a:t>
+            </a:r>
+            <a:r>
+              <a:rPr lang="it-IT" sz="2000" i="1" dirty="0"/>
+              <a:t>Client-Server</a:t>
+            </a:r>
+            <a:r>
+              <a:rPr lang="it-IT" sz="2000" dirty="0"/>
+              <a:t>: il server, per rispondere alle richieste dell’utente, deve accedere ai dati memorizzati e notificare al client con le corrette informazioni ricercate.</a:t>
+            </a:r>
+          </a:p>
+          <a:p>
+            <a:r>
+              <a:rPr lang="it-IT" sz="2000" dirty="0"/>
+              <a:t>A tale scopo definiamo uno stile architetturale specifico per il progetto:</a:t>
+            </a:r>
+          </a:p>
+          <a:p>
+            <a:endParaRPr lang="it-IT" sz="2000" i="1" dirty="0"/>
+          </a:p>
+          <a:p>
+            <a:r>
+              <a:rPr lang="it-IT" sz="2000" i="1" dirty="0"/>
+              <a:t>Stile Model-</a:t>
+            </a:r>
+            <a:r>
+              <a:rPr lang="it-IT" sz="2000" i="1" dirty="0" err="1"/>
+              <a:t>View</a:t>
+            </a:r>
+            <a:r>
+              <a:rPr lang="it-IT" sz="2000" i="1" dirty="0"/>
+              <a:t>-Controller (MVC)</a:t>
+            </a:r>
+          </a:p>
+          <a:p>
+            <a:endParaRPr lang="it-IT" sz="2000" i="1" dirty="0"/>
+          </a:p>
+          <a:p>
+            <a:r>
+              <a:rPr lang="it-IT" sz="2000" dirty="0"/>
+              <a:t>Separazione tra l’interfaccia utente e l’applicazione. Il Modello gestisce direttamente i dati, la logica e le regole di applicazione in termini di dominio del problema. Una </a:t>
+            </a:r>
+            <a:r>
+              <a:rPr lang="it-IT" sz="2000" dirty="0" err="1"/>
+              <a:t>View</a:t>
+            </a:r>
+            <a:r>
+              <a:rPr lang="it-IT" sz="2000" dirty="0"/>
+              <a:t> è definita come una qualsiasi rappresentazione di output delle informazioni. Il Controller accetta l’input richiesto dall’utente e lo converte in comandi per la vista e/o per il modello.</a:t>
+            </a:r>
+            <a:endParaRPr lang="it-IT" i="1" dirty="0"/>
+          </a:p>
+          <a:p>
+            <a:endParaRPr lang="it-IT" i="1" dirty="0"/>
+          </a:p>
+          <a:p>
+            <a:endParaRPr lang="it-IT" dirty="0"/>
           </a:p>
         </p:txBody>
       </p:sp>
@@ -18658,7 +18779,7 @@
               <a:buNone/>
             </a:pPr>
             <a:r>
-              <a:rPr lang="en-US" sz="2200" dirty="0"/>
+              <a:rPr lang="en-US" sz="2000" dirty="0"/>
               <a:t>All’interno del nostro Progetto sono stati utilizzati vari Design Pattern:</a:t>
             </a:r>
           </a:p>
@@ -18668,11 +18789,11 @@
               <a:buChar char="§"/>
             </a:pPr>
             <a:r>
-              <a:rPr lang="en-US" sz="2200" b="1" dirty="0"/>
+              <a:rPr lang="en-US" sz="2000" b="1" dirty="0"/>
               <a:t>General Hierarchy Pattern</a:t>
             </a:r>
             <a:r>
-              <a:rPr lang="en-US" sz="2200" dirty="0"/>
+              <a:rPr lang="en-US" sz="2000" dirty="0"/>
               <a:t> (per definire gerarchie tra le varie classi, in particolare tra i medici operanti)</a:t>
             </a:r>
           </a:p>
@@ -18682,11 +18803,11 @@
               <a:buChar char="§"/>
             </a:pPr>
             <a:r>
-              <a:rPr lang="en-US" sz="2200" b="1" dirty="0"/>
+              <a:rPr lang="en-US" sz="2000" b="1" dirty="0"/>
               <a:t>Delegation Pattern </a:t>
             </a:r>
             <a:r>
-              <a:rPr lang="en-US" sz="2200" dirty="0"/>
+              <a:rPr lang="en-US" sz="2000" dirty="0"/>
               <a:t>(per far svolgere alla cabina di regia i giusti metodi)</a:t>
             </a:r>
           </a:p>
@@ -18696,11 +18817,11 @@
               <a:buChar char="§"/>
             </a:pPr>
             <a:r>
-              <a:rPr lang="en-US" sz="2200" b="1" dirty="0"/>
+              <a:rPr lang="en-US" sz="2000" b="1" dirty="0"/>
               <a:t>Façade Pattern </a:t>
             </a:r>
             <a:r>
-              <a:rPr lang="en-US" sz="2200" dirty="0"/>
+              <a:rPr lang="en-US" sz="2000" dirty="0"/>
               <a:t>(per manipolare le diverse classi. Interfaccia di facciata fra il cliente e il Sistema di prenotazione dell’Ospedale)</a:t>
             </a:r>
           </a:p>
@@ -18710,11 +18831,11 @@
               <a:buChar char="§"/>
             </a:pPr>
             <a:r>
-              <a:rPr lang="en-US" sz="2200" b="1" dirty="0"/>
+              <a:rPr lang="en-US" sz="2000" b="1" dirty="0"/>
               <a:t>Factory Pattern </a:t>
             </a:r>
             <a:r>
-              <a:rPr lang="en-US" sz="2200" dirty="0"/>
+              <a:rPr lang="en-US" sz="2000" dirty="0"/>
               <a:t>(per implementare una framework utile alla creazione di classi e oggetti dipendenti dall’applicazione)</a:t>
             </a:r>
           </a:p>
@@ -18724,14 +18845,14 @@
               <a:buChar char="§"/>
             </a:pPr>
             <a:r>
-              <a:rPr lang="en-US" sz="2200" b="1" dirty="0"/>
+              <a:rPr lang="en-US" sz="2000" b="1" dirty="0"/>
               <a:t>Builder Pattern </a:t>
             </a:r>
             <a:r>
-              <a:rPr lang="en-US" sz="2200" dirty="0"/>
+              <a:rPr lang="en-US" sz="2000" dirty="0"/>
               <a:t>(per costruire un’applicazione complessa a partire da un insieme di componenti oggetti)</a:t>
             </a:r>
-            <a:endParaRPr lang="en-US" sz="2200" b="1" dirty="0"/>
+            <a:endParaRPr lang="en-US" sz="2000" b="1" dirty="0"/>
           </a:p>
         </p:txBody>
       </p:sp>
@@ -24246,7 +24367,7 @@
               <a:buNone/>
             </a:pPr>
             <a:r>
-              <a:rPr lang="en-US" sz="2200" dirty="0"/>
+              <a:rPr lang="en-US" sz="2000" dirty="0"/>
               <a:t>L’obbiettivo principale del Progetto è creare un software per la gestione di un ospedale, in particolare tenere traccia del paziente e dei suoi “movimenti” rispetto al Sistema generale. Per la creazione del sistema, è necessario tenere conto di diversi fattori:</a:t>
             </a:r>
           </a:p>
@@ -24256,7 +24377,7 @@
               <a:buChar char="§"/>
             </a:pPr>
             <a:r>
-              <a:rPr lang="en-US" sz="2200" i="1" dirty="0">
+              <a:rPr lang="en-US" sz="2000" i="1" dirty="0">
                 <a:effectLst>
                   <a:outerShdw blurRad="38100" dist="38100" dir="2700000" algn="tl">
                     <a:srgbClr val="000000">
@@ -24268,11 +24389,11 @@
               <a:t>Cartella del Paziente</a:t>
             </a:r>
             <a:r>
-              <a:rPr lang="en-US" sz="2200" i="1" dirty="0"/>
+              <a:rPr lang="en-US" sz="2000" i="1" dirty="0"/>
               <a:t>, </a:t>
             </a:r>
             <a:r>
-              <a:rPr lang="en-US" sz="2200" dirty="0"/>
+              <a:rPr lang="en-US" sz="2000" dirty="0"/>
               <a:t>contenente l’anagrafica, la diagnosi, il tipo di terapia che deve seguire e gli esami da effettuare prima di sottoporsi all’intervento.</a:t>
             </a:r>
           </a:p>
@@ -24282,7 +24403,7 @@
               <a:buChar char="§"/>
             </a:pPr>
             <a:r>
-              <a:rPr lang="en-US" sz="2200" i="1" dirty="0">
+              <a:rPr lang="en-US" sz="2000" i="1" dirty="0">
                 <a:effectLst>
                   <a:outerShdw blurRad="38100" dist="38100" dir="2700000" algn="tl">
                     <a:srgbClr val="000000">
@@ -24294,11 +24415,11 @@
               <a:t>Liste Operatorie</a:t>
             </a:r>
             <a:r>
-              <a:rPr lang="en-US" sz="2200" i="1" dirty="0"/>
+              <a:rPr lang="en-US" sz="2000" i="1" dirty="0"/>
               <a:t>, </a:t>
             </a:r>
             <a:r>
-              <a:rPr lang="en-US" sz="2200" dirty="0"/>
+              <a:rPr lang="en-US" sz="2000" dirty="0"/>
               <a:t>contententi i nomi e le informazioni dei pazienti che devono sottoporsi ad un determinato intervento.</a:t>
             </a:r>
           </a:p>
@@ -24308,7 +24429,7 @@
               <a:buChar char="§"/>
             </a:pPr>
             <a:r>
-              <a:rPr lang="en-US" sz="2200" i="1" dirty="0">
+              <a:rPr lang="en-US" sz="2000" i="1" dirty="0">
                 <a:effectLst>
                   <a:outerShdw blurRad="38100" dist="38100" dir="2700000" algn="tl">
                     <a:srgbClr val="000000">
@@ -24320,7 +24441,7 @@
               <a:t>Verbale dell’Intervento</a:t>
             </a:r>
             <a:r>
-              <a:rPr lang="en-US" sz="2200" dirty="0"/>
+              <a:rPr lang="en-US" sz="2000" dirty="0"/>
               <a:t>, dove sono riportate le modalità, i tempi e i nomi dell’equipe medica che  hanno operato sull’intervento.</a:t>
             </a:r>
           </a:p>
@@ -26062,7 +26183,77 @@
             <a:pPr marL="457200" lvl="1" indent="0">
               <a:buNone/>
             </a:pPr>
-            <a:endParaRPr lang="en-US" sz="2200" dirty="0"/>
+            <a:r>
+              <a:rPr lang="en-US" sz="2000" dirty="0"/>
+              <a:t>Fasi di Test:</a:t>
+            </a:r>
+          </a:p>
+          <a:p>
+            <a:pPr lvl="1">
+              <a:buFont typeface="Wingdings" panose="05000000000000000000" pitchFamily="2" charset="2"/>
+              <a:buChar char="v"/>
+            </a:pPr>
+            <a:r>
+              <a:rPr lang="en-US" sz="2000" i="1" dirty="0"/>
+              <a:t>Test di </a:t>
+            </a:r>
+            <a:r>
+              <a:rPr lang="en-US" sz="2000" i="1" dirty="0" err="1"/>
+              <a:t>Unità</a:t>
+            </a:r>
+            <a:r>
+              <a:rPr lang="en-US" sz="2000" i="1" dirty="0"/>
+              <a:t> di Modulo e Test di </a:t>
+            </a:r>
+            <a:r>
+              <a:rPr lang="en-US" sz="2000" i="1" dirty="0" err="1"/>
+              <a:t>Integrazione</a:t>
+            </a:r>
+            <a:endParaRPr lang="en-US" sz="2000" i="1" dirty="0"/>
+          </a:p>
+          <a:p>
+            <a:pPr lvl="1">
+              <a:buFont typeface="Wingdings" panose="05000000000000000000" pitchFamily="2" charset="2"/>
+              <a:buChar char="v"/>
+            </a:pPr>
+            <a:r>
+              <a:rPr lang="en-US" sz="2000" i="1" dirty="0" err="1"/>
+              <a:t>Collaudo</a:t>
+            </a:r>
+            <a:r>
+              <a:rPr lang="en-US" sz="2000" i="1" dirty="0"/>
+              <a:t> del Sistema</a:t>
+            </a:r>
+          </a:p>
+          <a:p>
+            <a:pPr lvl="1">
+              <a:buFont typeface="Wingdings" panose="05000000000000000000" pitchFamily="2" charset="2"/>
+              <a:buChar char="v"/>
+            </a:pPr>
+            <a:r>
+              <a:rPr lang="en-US" sz="2000" i="1" dirty="0"/>
+              <a:t>Test di </a:t>
+            </a:r>
+            <a:r>
+              <a:rPr lang="en-US" sz="2000" i="1" dirty="0" err="1"/>
+              <a:t>Accettazione</a:t>
+            </a:r>
+            <a:endParaRPr lang="en-US" sz="2000" i="1" dirty="0"/>
+          </a:p>
+          <a:p>
+            <a:pPr lvl="1">
+              <a:buFont typeface="Wingdings" panose="05000000000000000000" pitchFamily="2" charset="2"/>
+              <a:buChar char="v"/>
+            </a:pPr>
+            <a:r>
+              <a:rPr lang="en-US" sz="2000" i="1" dirty="0"/>
+              <a:t>Test di </a:t>
+            </a:r>
+            <a:r>
+              <a:rPr lang="en-US" sz="2000" i="1"/>
+              <a:t>installazione</a:t>
+            </a:r>
+            <a:endParaRPr lang="en-US" sz="2000" i="1" dirty="0"/>
           </a:p>
         </p:txBody>
       </p:sp>
@@ -26907,7 +27098,7 @@
         </p:spPr>
         <p:txBody>
           <a:bodyPr vert="horz" lIns="91440" tIns="45720" rIns="91440" bIns="45720" rtlCol="0">
-            <a:normAutofit/>
+            <a:normAutofit lnSpcReduction="10000"/>
           </a:bodyPr>
           <a:lstStyle/>
           <a:p>
@@ -26915,7 +27106,7 @@
               <a:buNone/>
             </a:pPr>
             <a:r>
-              <a:rPr lang="en-US" sz="2200" dirty="0"/>
+              <a:rPr lang="en-US" sz="2000" dirty="0"/>
               <a:t>Le principali difficolà, incontrate durante la stesura del Progetto, sono:</a:t>
             </a:r>
           </a:p>
@@ -26923,31 +27114,43 @@
             <a:pPr marL="0" indent="0">
               <a:buNone/>
             </a:pPr>
-            <a:endParaRPr lang="en-US" sz="2200" dirty="0"/>
-          </a:p>
-          <a:p>
-            <a:r>
-              <a:rPr lang="en-US" sz="2200" dirty="0"/>
+            <a:endParaRPr lang="en-US" sz="2000" dirty="0"/>
+          </a:p>
+          <a:p>
+            <a:r>
+              <a:rPr lang="en-US" sz="2000" dirty="0"/>
               <a:t>Coordinamento tra i componenti del team, soprattutto a livello temporale. </a:t>
             </a:r>
           </a:p>
           <a:p>
-            <a:endParaRPr lang="en-US" sz="2200" dirty="0"/>
-          </a:p>
-          <a:p>
-            <a:r>
-              <a:rPr lang="en-US" sz="2200" dirty="0"/>
+            <a:endParaRPr lang="en-US" sz="2000" dirty="0"/>
+          </a:p>
+          <a:p>
+            <a:r>
+              <a:rPr lang="en-US" sz="2000" dirty="0"/>
               <a:t>Difficoltà nell’ottenere un programma software che rispondesse ai vari punti del problema.</a:t>
             </a:r>
           </a:p>
           <a:p>
-            <a:endParaRPr lang="en-US" sz="2200" dirty="0"/>
-          </a:p>
-          <a:p>
-            <a:r>
-              <a:rPr lang="en-US" sz="2200" dirty="0"/>
+            <a:endParaRPr lang="en-US" sz="2000" dirty="0"/>
+          </a:p>
+          <a:p>
+            <a:r>
+              <a:rPr lang="en-US" sz="2000" dirty="0"/>
               <a:t>Conflitto nell’utilizzo di GitHub</a:t>
             </a:r>
+          </a:p>
+          <a:p>
+            <a:endParaRPr lang="en-US" sz="2000" dirty="0"/>
+          </a:p>
+          <a:p>
+            <a:r>
+              <a:rPr lang="en-US" sz="2000" dirty="0"/>
+              <a:t>Possibilità di  non consegnare in tempo il Progetto, causa ritardo nella realizzazione delle singole parti del programma</a:t>
+            </a:r>
+          </a:p>
+          <a:p>
+            <a:endParaRPr lang="en-US" sz="2000" dirty="0"/>
           </a:p>
         </p:txBody>
       </p:sp>
@@ -28871,7 +29074,7 @@
         <p:spPr>
           <a:xfrm>
             <a:off x="838200" y="1884037"/>
-            <a:ext cx="10684764" cy="3139321"/>
+            <a:ext cx="10684764" cy="3447098"/>
           </a:xfrm>
           <a:prstGeom prst="rect">
             <a:avLst/>
@@ -28889,7 +29092,7 @@
               <a:buChar char="•"/>
             </a:pPr>
             <a:r>
-              <a:rPr lang="it-IT" dirty="0"/>
+              <a:rPr lang="it-IT" sz="2000" dirty="0"/>
               <a:t>Utilizzo di Linguaggio Java (alto livello) per la stesura del codice sorgente</a:t>
             </a:r>
           </a:p>
@@ -28899,11 +29102,11 @@
               <a:buChar char="q"/>
             </a:pPr>
             <a:r>
-              <a:rPr lang="it-IT" b="1" i="1" dirty="0" err="1"/>
+              <a:rPr lang="it-IT" sz="2000" b="1" i="1" dirty="0" err="1"/>
               <a:t>Windowbuilder</a:t>
             </a:r>
             <a:r>
-              <a:rPr lang="it-IT" dirty="0"/>
+              <a:rPr lang="it-IT" sz="2000" dirty="0"/>
               <a:t>, per la costruzione di un’interfaccia grafica che risponda ai requisiti del problema, ma che sia anche di facile utilizzo e comprensibile agli utenti</a:t>
             </a:r>
           </a:p>
@@ -28912,7 +29115,7 @@
               <a:buFont typeface="Wingdings" panose="05000000000000000000" pitchFamily="2" charset="2"/>
               <a:buChar char="q"/>
             </a:pPr>
-            <a:endParaRPr lang="it-IT" b="1" i="1" dirty="0"/>
+            <a:endParaRPr lang="it-IT" sz="2000" b="1" i="1" dirty="0"/>
           </a:p>
           <a:p>
             <a:pPr marL="285750" indent="-285750">
@@ -28920,15 +29123,15 @@
               <a:buChar char="•"/>
             </a:pPr>
             <a:r>
-              <a:rPr lang="it-IT" dirty="0"/>
+              <a:rPr lang="it-IT" sz="2000" dirty="0"/>
               <a:t>Utilizzo di </a:t>
             </a:r>
             <a:r>
-              <a:rPr lang="it-IT" dirty="0" err="1"/>
+              <a:rPr lang="it-IT" sz="2000" dirty="0" err="1"/>
               <a:t>StarUML</a:t>
             </a:r>
             <a:r>
-              <a:rPr lang="it-IT" dirty="0"/>
+              <a:rPr lang="it-IT" sz="2000" dirty="0"/>
               <a:t> per la creazione dei vari diagrammi:</a:t>
             </a:r>
           </a:p>
@@ -28938,18 +29141,18 @@
               <a:buChar char="q"/>
             </a:pPr>
             <a:r>
-              <a:rPr lang="it-IT" i="1" dirty="0"/>
+              <a:rPr lang="it-IT" sz="2000" i="1" dirty="0"/>
               <a:t>Use-Case </a:t>
             </a:r>
             <a:r>
-              <a:rPr lang="it-IT" i="1" dirty="0" err="1"/>
+              <a:rPr lang="it-IT" sz="2000" i="1" dirty="0" err="1"/>
               <a:t>Diagram</a:t>
             </a:r>
             <a:r>
-              <a:rPr lang="it-IT" dirty="0"/>
+              <a:rPr lang="it-IT" sz="2000" dirty="0"/>
               <a:t>, definizione di attori e casi d’uso del problema</a:t>
             </a:r>
-            <a:endParaRPr lang="it-IT" i="1" dirty="0"/>
+            <a:endParaRPr lang="it-IT" sz="2000" i="1" dirty="0"/>
           </a:p>
           <a:p>
             <a:pPr marL="285750" indent="-285750">
@@ -28957,18 +29160,18 @@
               <a:buChar char="q"/>
             </a:pPr>
             <a:r>
-              <a:rPr lang="it-IT" i="1" dirty="0"/>
+              <a:rPr lang="it-IT" sz="2000" i="1" dirty="0"/>
               <a:t>Class </a:t>
             </a:r>
             <a:r>
-              <a:rPr lang="it-IT" i="1" dirty="0" err="1"/>
+              <a:rPr lang="it-IT" sz="2000" i="1" dirty="0" err="1"/>
               <a:t>Diagram</a:t>
             </a:r>
             <a:r>
-              <a:rPr lang="it-IT" dirty="0"/>
+              <a:rPr lang="it-IT" sz="2000" dirty="0"/>
               <a:t>, definizione delle classi del Sistema</a:t>
             </a:r>
-            <a:endParaRPr lang="it-IT" i="1" dirty="0"/>
+            <a:endParaRPr lang="it-IT" sz="2000" i="1" dirty="0"/>
           </a:p>
           <a:p>
             <a:pPr marL="285750" indent="-285750">
@@ -28976,19 +29179,19 @@
               <a:buChar char="q"/>
             </a:pPr>
             <a:r>
-              <a:rPr lang="it-IT" i="1" dirty="0"/>
+              <a:rPr lang="it-IT" sz="2000" i="1" dirty="0"/>
               <a:t>State-Chart </a:t>
             </a:r>
             <a:r>
-              <a:rPr lang="it-IT" i="1" dirty="0" err="1"/>
+              <a:rPr lang="it-IT" sz="2000" i="1" dirty="0" err="1"/>
               <a:t>Diagram</a:t>
             </a:r>
             <a:r>
-              <a:rPr lang="it-IT" i="1" dirty="0"/>
+              <a:rPr lang="it-IT" sz="2000" i="1" dirty="0"/>
               <a:t>, </a:t>
             </a:r>
             <a:r>
-              <a:rPr lang="it-IT" dirty="0"/>
+              <a:rPr lang="it-IT" sz="2000" dirty="0"/>
               <a:t>visualizzazione dello stato del Sistema durante il suo utilizzo</a:t>
             </a:r>
           </a:p>
@@ -28998,22 +29201,22 @@
               <a:buChar char="q"/>
             </a:pPr>
             <a:r>
-              <a:rPr lang="it-IT" i="1" dirty="0" err="1"/>
+              <a:rPr lang="it-IT" sz="2000" i="1" dirty="0" err="1"/>
               <a:t>Sequence</a:t>
             </a:r>
             <a:r>
-              <a:rPr lang="it-IT" i="1" dirty="0"/>
+              <a:rPr lang="it-IT" sz="2000" i="1" dirty="0"/>
               <a:t> </a:t>
             </a:r>
             <a:r>
-              <a:rPr lang="it-IT" i="1" dirty="0" err="1"/>
+              <a:rPr lang="it-IT" sz="2000" i="1" dirty="0" err="1"/>
               <a:t>Diagram</a:t>
             </a:r>
             <a:r>
-              <a:rPr lang="it-IT" dirty="0"/>
+              <a:rPr lang="it-IT" sz="2000" dirty="0"/>
               <a:t>, definizione delle sequenze di azioni da effettuare nell’utilizzo del Sistema</a:t>
             </a:r>
-            <a:endParaRPr lang="it-IT" i="1" dirty="0"/>
+            <a:endParaRPr lang="it-IT" sz="2000" i="1" dirty="0"/>
           </a:p>
           <a:p>
             <a:pPr marL="285750" indent="-285750">
@@ -29021,22 +29224,22 @@
               <a:buChar char="q"/>
             </a:pPr>
             <a:r>
-              <a:rPr lang="it-IT" i="1" dirty="0"/>
+              <a:rPr lang="it-IT" sz="2000" i="1" dirty="0"/>
               <a:t>Activity </a:t>
             </a:r>
             <a:r>
-              <a:rPr lang="it-IT" i="1" dirty="0" err="1"/>
+              <a:rPr lang="it-IT" sz="2000" i="1" dirty="0" err="1"/>
               <a:t>Diagram</a:t>
             </a:r>
             <a:r>
-              <a:rPr lang="it-IT" i="1" dirty="0"/>
+              <a:rPr lang="it-IT" sz="2000" i="1" dirty="0"/>
               <a:t>,</a:t>
             </a:r>
             <a:r>
-              <a:rPr lang="it-IT" dirty="0"/>
+              <a:rPr lang="it-IT" sz="2000" dirty="0"/>
               <a:t> definizione delle varie attività svolte durante l’utilizzo del Sistema</a:t>
             </a:r>
-            <a:endParaRPr lang="it-IT" i="1" dirty="0"/>
+            <a:endParaRPr lang="it-IT" sz="2000" i="1" dirty="0"/>
           </a:p>
           <a:p>
             <a:pPr marL="285750" indent="-285750">
@@ -29851,7 +30054,7 @@
               <a:buNone/>
             </a:pPr>
             <a:r>
-              <a:rPr lang="it-IT" sz="2200" dirty="0"/>
+              <a:rPr lang="it-IT" sz="2000" dirty="0"/>
               <a:t>Per il software configuration management è stato utilizzato GitHub come programma principale</a:t>
             </a:r>
           </a:p>
@@ -29859,18 +30062,18 @@
             <a:pPr marL="0" indent="0">
               <a:buNone/>
             </a:pPr>
-            <a:endParaRPr lang="it-IT" sz="2200" dirty="0"/>
+            <a:endParaRPr lang="it-IT" sz="2000" dirty="0"/>
           </a:p>
           <a:p>
             <a:pPr marL="0" indent="0">
               <a:buNone/>
             </a:pPr>
             <a:r>
-              <a:rPr lang="it-IT" sz="2200" b="1" dirty="0"/>
+              <a:rPr lang="it-IT" sz="2000" b="1" dirty="0"/>
               <a:t>BRANCH </a:t>
             </a:r>
             <a:r>
-              <a:rPr lang="it-IT" sz="2200" dirty="0"/>
+              <a:rPr lang="it-IT" sz="2000" dirty="0"/>
               <a:t>creazione di branch diversi per ottimizzare il lavoro di squadra ed evitare eventuali  incomprensioni</a:t>
             </a:r>
           </a:p>
@@ -29878,18 +30081,18 @@
             <a:pPr marL="0" indent="0">
               <a:buNone/>
             </a:pPr>
-            <a:endParaRPr lang="it-IT" sz="2200" b="1" dirty="0"/>
+            <a:endParaRPr lang="it-IT" sz="2000" b="1" dirty="0"/>
           </a:p>
           <a:p>
             <a:pPr marL="0" indent="0">
               <a:buNone/>
             </a:pPr>
             <a:r>
-              <a:rPr lang="it-IT" sz="2200" b="1" dirty="0"/>
+              <a:rPr lang="it-IT" sz="2000" b="1" dirty="0"/>
               <a:t>ISSUE </a:t>
             </a:r>
             <a:r>
-              <a:rPr lang="it-IT" sz="2200" dirty="0"/>
+              <a:rPr lang="it-IT" sz="2000" dirty="0"/>
               <a:t>Per valutazione del progetto o modifiche importanti sono state attivati issue corrispondenti. Le varie issue vengono affidate ad uno o a tutti i membri del team e devono essere portate a compimento.</a:t>
             </a:r>
           </a:p>
@@ -29897,29 +30100,29 @@
             <a:pPr marL="0" indent="0">
               <a:buNone/>
             </a:pPr>
-            <a:endParaRPr lang="it-IT" sz="2200" dirty="0"/>
+            <a:endParaRPr lang="it-IT" sz="2000" dirty="0"/>
           </a:p>
           <a:p>
             <a:pPr marL="0" indent="0">
               <a:buNone/>
             </a:pPr>
             <a:r>
-              <a:rPr lang="it-IT" sz="2200" b="1" dirty="0"/>
+              <a:rPr lang="it-IT" sz="2000" b="1" dirty="0"/>
               <a:t>PULL REQUEST </a:t>
             </a:r>
             <a:r>
-              <a:rPr lang="it-IT" sz="2200" dirty="0"/>
+              <a:rPr lang="it-IT" sz="2000" dirty="0"/>
               <a:t>Per</a:t>
             </a:r>
             <a:r>
-              <a:rPr lang="it-IT" sz="2200" b="1" dirty="0"/>
+              <a:rPr lang="it-IT" sz="2000" b="1" dirty="0"/>
               <a:t> </a:t>
             </a:r>
             <a:r>
-              <a:rPr lang="it-IT" sz="2200" dirty="0"/>
+              <a:rPr lang="it-IT" sz="2000" dirty="0"/>
               <a:t>le modifiche importanti o azioni di merge, sono state create delle pull request, le quali venivano approvate da tutti i membri del team</a:t>
             </a:r>
-            <a:endParaRPr lang="it-IT" sz="2200" b="1" dirty="0"/>
+            <a:endParaRPr lang="it-IT" sz="2000" b="1" dirty="0"/>
           </a:p>
           <a:p>
             <a:pPr marL="0" indent="0">
@@ -31786,7 +31989,47 @@
             </a:r>
             <a:r>
               <a:rPr lang="it-IT" sz="2000" dirty="0"/>
-              <a:t>: viene eseguito un resoconto sull’andamento del progetto nella settimana passata, vengono corretti errori e si cerca di trovare una soluzione comune a problemi di comprensione in alcune parti del progetto.</a:t>
+              <a:t>: viene eseguito un resoconto sull’andamento del progetto nella settimana passata, vengono corretti errori e si cerca di trovare una soluzione comune a problemi di comprensione in alcune parti del progetto. Ogni </a:t>
+            </a:r>
+            <a:r>
+              <a:rPr lang="it-IT" sz="2000" b="1" dirty="0"/>
+              <a:t>sprint </a:t>
+            </a:r>
+            <a:r>
+              <a:rPr lang="it-IT" sz="2000" dirty="0"/>
+              <a:t>ha la</a:t>
+            </a:r>
+            <a:r>
+              <a:rPr lang="it-IT" sz="2000" b="1" dirty="0"/>
+              <a:t> </a:t>
+            </a:r>
+            <a:r>
+              <a:rPr lang="it-IT" sz="2000" dirty="0"/>
+              <a:t>durata di una settimana, entro la quale viene effettuato il </a:t>
+            </a:r>
+            <a:r>
+              <a:rPr lang="it-IT" sz="2000" dirty="0" err="1"/>
+              <a:t>weekly</a:t>
+            </a:r>
+            <a:r>
+              <a:rPr lang="it-IT" sz="2000" dirty="0"/>
+              <a:t> </a:t>
+            </a:r>
+            <a:r>
+              <a:rPr lang="it-IT" sz="2000" dirty="0" err="1"/>
+              <a:t>scrum</a:t>
+            </a:r>
+            <a:r>
+              <a:rPr lang="it-IT" sz="2000" dirty="0"/>
+              <a:t>; prima di procedere con lo sprint vero e proprio, è necessario stilare una lista di desideri/richieste, che devono essere portate a compimento entro la settimana corrente (</a:t>
+            </a:r>
+            <a:r>
+              <a:rPr lang="it-IT" sz="2000" b="1" dirty="0"/>
+              <a:t>sprint backlog</a:t>
+            </a:r>
+            <a:r>
+              <a:rPr lang="it-IT" sz="2000" dirty="0"/>
+              <a:t>).</a:t>
             </a:r>
           </a:p>
         </p:txBody>
@@ -33753,15 +33996,6 @@
 </file>
 
 <file path=customXml/item1.xml><?xml version="1.0" encoding="utf-8"?>
-<?mso-contentType ?>
-<FormTemplates xmlns="http://schemas.microsoft.com/sharepoint/v3/contenttype/forms">
-  <Display>DocumentLibraryForm</Display>
-  <Edit>DocumentLibraryForm</Edit>
-  <New>DocumentLibraryForm</New>
-</FormTemplates>
-</file>
-
-<file path=customXml/item2.xml><?xml version="1.0" encoding="utf-8"?>
 <ct:contentTypeSchema xmlns:ct="http://schemas.microsoft.com/office/2006/metadata/contentType" xmlns:ma="http://schemas.microsoft.com/office/2006/metadata/properties/metaAttributes" ct:_="" ma:_="" ma:contentTypeName="Documento" ma:contentTypeID="0x0101007CE6213B20D2F945B0D1473923EE410F" ma:contentTypeVersion="7" ma:contentTypeDescription="Creare un nuovo documento." ma:contentTypeScope="" ma:versionID="dc8ac43e96b461727accd63cf925a5cf">
   <xsd:schema xmlns:xsd="http://www.w3.org/2001/XMLSchema" xmlns:xs="http://www.w3.org/2001/XMLSchema" xmlns:p="http://schemas.microsoft.com/office/2006/metadata/properties" xmlns:ns2="243f3390-b919-40e8-8195-3613e8527352" targetNamespace="http://schemas.microsoft.com/office/2006/metadata/properties" ma:root="true" ma:fieldsID="1987007e621e1b24d40e437f012b913d" ns2:_="">
     <xsd:import namespace="243f3390-b919-40e8-8195-3613e8527352"/>
@@ -33923,6 +34157,15 @@
 </ct:contentTypeSchema>
 </file>
 
+<file path=customXml/item2.xml><?xml version="1.0" encoding="utf-8"?>
+<?mso-contentType ?>
+<FormTemplates xmlns="http://schemas.microsoft.com/sharepoint/v3/contenttype/forms">
+  <Display>DocumentLibraryForm</Display>
+  <Edit>DocumentLibraryForm</Edit>
+  <New>DocumentLibraryForm</New>
+</FormTemplates>
+</file>
+
 <file path=customXml/item3.xml><?xml version="1.0" encoding="utf-8"?>
 <p:properties xmlns:p="http://schemas.microsoft.com/office/2006/metadata/properties" xmlns:xsi="http://www.w3.org/2001/XMLSchema-instance" xmlns:pc="http://schemas.microsoft.com/office/infopath/2007/PartnerControls">
   <documentManagement/>
@@ -33930,14 +34173,6 @@
 </file>
 
 <file path=customXml/itemProps1.xml><?xml version="1.0" encoding="utf-8"?>
-<ds:datastoreItem xmlns:ds="http://schemas.openxmlformats.org/officeDocument/2006/customXml" ds:itemID="{42BC90D6-94CF-42F7-AAC4-9CF6824C54D5}">
-  <ds:schemaRefs>
-    <ds:schemaRef ds:uri="http://schemas.microsoft.com/sharepoint/v3/contenttype/forms"/>
-  </ds:schemaRefs>
-</ds:datastoreItem>
-</file>
-
-<file path=customXml/itemProps2.xml><?xml version="1.0" encoding="utf-8"?>
 <ds:datastoreItem xmlns:ds="http://schemas.openxmlformats.org/officeDocument/2006/customXml" ds:itemID="{1A503E23-9696-4358-8F00-F7F66AC755EB}">
   <ds:schemaRefs>
     <ds:schemaRef ds:uri="http://schemas.microsoft.com/office/2006/metadata/contentType"/>
@@ -33951,6 +34186,14 @@
     <ds:schemaRef ds:uri="http://purl.org/dc/elements/1.1/"/>
     <ds:schemaRef ds:uri="http://purl.org/dc/terms/"/>
     <ds:schemaRef ds:uri="http://schemas.microsoft.com/internal/obd"/>
+  </ds:schemaRefs>
+</ds:datastoreItem>
+</file>
+
+<file path=customXml/itemProps2.xml><?xml version="1.0" encoding="utf-8"?>
+<ds:datastoreItem xmlns:ds="http://schemas.openxmlformats.org/officeDocument/2006/customXml" ds:itemID="{42BC90D6-94CF-42F7-AAC4-9CF6824C54D5}">
+  <ds:schemaRefs>
+    <ds:schemaRef ds:uri="http://schemas.microsoft.com/sharepoint/v3/contenttype/forms"/>
   </ds:schemaRefs>
 </ds:datastoreItem>
 </file>

--- a/Presentazione/Presentazione_Progetto.pptx
+++ b/Presentazione/Presentazione_Progetto.pptx
@@ -167,7 +167,7 @@
 <file path=ppt/revisionInfo.xml><?xml version="1.0" encoding="utf-8"?>
 <p1510:revInfo xmlns:a="http://schemas.openxmlformats.org/drawingml/2006/main" xmlns:r="http://schemas.openxmlformats.org/officeDocument/2006/relationships" xmlns:p1510="http://schemas.microsoft.com/office/powerpoint/2015/10/main">
   <p1510:revLst>
-    <p1510:client id="{740BB46D-1FBD-4BE5-BEA3-98CD9E9E2715}" v="11" dt="2024-01-25T10:27:37.514"/>
+    <p1510:client id="{740BB46D-1FBD-4BE5-BEA3-98CD9E9E2715}" v="44" dt="2024-01-25T11:15:00.235"/>
   </p1510:revLst>
 </p1510:revInfo>
 </file>
@@ -177,7 +177,7 @@
   <pc:docChgLst>
     <pc:chgData name="Matteo MANGILI" userId="89c7df381375e6aa" providerId="LiveId" clId="{740BB46D-1FBD-4BE5-BEA3-98CD9E9E2715}"/>
     <pc:docChg chg="undo custSel addSld modSld">
-      <pc:chgData name="Matteo MANGILI" userId="89c7df381375e6aa" providerId="LiveId" clId="{740BB46D-1FBD-4BE5-BEA3-98CD9E9E2715}" dt="2024-01-25T10:54:16.505" v="4507" actId="20577"/>
+      <pc:chgData name="Matteo MANGILI" userId="89c7df381375e6aa" providerId="LiveId" clId="{740BB46D-1FBD-4BE5-BEA3-98CD9E9E2715}" dt="2024-01-25T11:22:49.029" v="5854" actId="20577"/>
       <pc:docMkLst>
         <pc:docMk/>
       </pc:docMkLst>
@@ -227,17 +227,32 @@
         </pc:spChg>
       </pc:sldChg>
       <pc:sldChg chg="modSp mod">
-        <pc:chgData name="Matteo MANGILI" userId="89c7df381375e6aa" providerId="LiveId" clId="{740BB46D-1FBD-4BE5-BEA3-98CD9E9E2715}" dt="2024-01-25T10:28:27.599" v="3616" actId="255"/>
+        <pc:chgData name="Matteo MANGILI" userId="89c7df381375e6aa" providerId="LiveId" clId="{740BB46D-1FBD-4BE5-BEA3-98CD9E9E2715}" dt="2024-01-25T11:09:11.413" v="5072" actId="20577"/>
         <pc:sldMkLst>
           <pc:docMk/>
           <pc:sldMk cId="2944479634" sldId="303"/>
         </pc:sldMkLst>
         <pc:spChg chg="mod">
-          <ac:chgData name="Matteo MANGILI" userId="89c7df381375e6aa" providerId="LiveId" clId="{740BB46D-1FBD-4BE5-BEA3-98CD9E9E2715}" dt="2024-01-25T10:28:27.599" v="3616" actId="255"/>
+          <ac:chgData name="Matteo MANGILI" userId="89c7df381375e6aa" providerId="LiveId" clId="{740BB46D-1FBD-4BE5-BEA3-98CD9E9E2715}" dt="2024-01-25T11:09:11.413" v="5072" actId="20577"/>
           <ac:spMkLst>
             <pc:docMk/>
             <pc:sldMk cId="2944479634" sldId="303"/>
             <ac:spMk id="4" creationId="{834029E2-3A07-28E1-FE72-E1D9FA770926}"/>
+          </ac:spMkLst>
+        </pc:spChg>
+      </pc:sldChg>
+      <pc:sldChg chg="modSp mod">
+        <pc:chgData name="Matteo MANGILI" userId="89c7df381375e6aa" providerId="LiveId" clId="{740BB46D-1FBD-4BE5-BEA3-98CD9E9E2715}" dt="2024-01-25T11:12:36.430" v="5153" actId="20577"/>
+        <pc:sldMkLst>
+          <pc:docMk/>
+          <pc:sldMk cId="2728347993" sldId="304"/>
+        </pc:sldMkLst>
+        <pc:spChg chg="mod">
+          <ac:chgData name="Matteo MANGILI" userId="89c7df381375e6aa" providerId="LiveId" clId="{740BB46D-1FBD-4BE5-BEA3-98CD9E9E2715}" dt="2024-01-25T11:12:36.430" v="5153" actId="20577"/>
+          <ac:spMkLst>
+            <pc:docMk/>
+            <pc:sldMk cId="2728347993" sldId="304"/>
+            <ac:spMk id="4" creationId="{E45B50AB-E09E-377A-4B46-AFA47F523EAB}"/>
           </ac:spMkLst>
         </pc:spChg>
       </pc:sldChg>
@@ -354,6 +369,21 @@
           </ac:spMkLst>
         </pc:spChg>
       </pc:sldChg>
+      <pc:sldChg chg="addSp modSp mod">
+        <pc:chgData name="Matteo MANGILI" userId="89c7df381375e6aa" providerId="LiveId" clId="{740BB46D-1FBD-4BE5-BEA3-98CD9E9E2715}" dt="2024-01-25T11:22:49.029" v="5854" actId="20577"/>
+        <pc:sldMkLst>
+          <pc:docMk/>
+          <pc:sldMk cId="1634375711" sldId="317"/>
+        </pc:sldMkLst>
+        <pc:spChg chg="add mod">
+          <ac:chgData name="Matteo MANGILI" userId="89c7df381375e6aa" providerId="LiveId" clId="{740BB46D-1FBD-4BE5-BEA3-98CD9E9E2715}" dt="2024-01-25T11:22:49.029" v="5854" actId="20577"/>
+          <ac:spMkLst>
+            <pc:docMk/>
+            <pc:sldMk cId="1634375711" sldId="317"/>
+            <ac:spMk id="3" creationId="{C091BD2F-CDA6-C472-7A74-9AFC99D67D26}"/>
+          </ac:spMkLst>
+        </pc:spChg>
+      </pc:sldChg>
       <pc:sldChg chg="addSp delSp modSp add mod">
         <pc:chgData name="Matteo MANGILI" userId="89c7df381375e6aa" providerId="LiveId" clId="{740BB46D-1FBD-4BE5-BEA3-98CD9E9E2715}" dt="2024-01-25T10:24:54.457" v="3471" actId="255"/>
         <pc:sldMkLst>
@@ -434,13 +464,13 @@
         </pc:picChg>
       </pc:sldChg>
       <pc:sldChg chg="addSp delSp modSp add mod">
-        <pc:chgData name="Matteo MANGILI" userId="89c7df381375e6aa" providerId="LiveId" clId="{740BB46D-1FBD-4BE5-BEA3-98CD9E9E2715}" dt="2024-01-25T10:19:46.099" v="3465" actId="20577"/>
+        <pc:chgData name="Matteo MANGILI" userId="89c7df381375e6aa" providerId="LiveId" clId="{740BB46D-1FBD-4BE5-BEA3-98CD9E9E2715}" dt="2024-01-25T10:57:07.591" v="4650" actId="20577"/>
         <pc:sldMkLst>
           <pc:docMk/>
           <pc:sldMk cId="762597572" sldId="319"/>
         </pc:sldMkLst>
         <pc:spChg chg="add mod">
-          <ac:chgData name="Matteo MANGILI" userId="89c7df381375e6aa" providerId="LiveId" clId="{740BB46D-1FBD-4BE5-BEA3-98CD9E9E2715}" dt="2024-01-25T10:19:46.099" v="3465" actId="20577"/>
+          <ac:chgData name="Matteo MANGILI" userId="89c7df381375e6aa" providerId="LiveId" clId="{740BB46D-1FBD-4BE5-BEA3-98CD9E9E2715}" dt="2024-01-25T10:57:07.591" v="4650" actId="20577"/>
           <ac:spMkLst>
             <pc:docMk/>
             <pc:sldMk cId="762597572" sldId="319"/>
@@ -14617,19 +14647,7 @@
               <a:rPr lang="en-US" sz="2200" dirty="0">
                 <a:cs typeface="Calibri"/>
               </a:rPr>
-              <a:t> del Sistema </a:t>
-            </a:r>
-            <a:r>
-              <a:rPr lang="en-US" sz="2200" dirty="0" err="1">
-                <a:cs typeface="Calibri"/>
-              </a:rPr>
-              <a:t>durante</a:t>
-            </a:r>
-            <a:r>
-              <a:rPr lang="en-US" sz="2200" dirty="0">
-                <a:cs typeface="Calibri"/>
-              </a:rPr>
-              <a:t> il </a:t>
+              <a:t> del Sistema durante il </a:t>
             </a:r>
             <a:r>
               <a:rPr lang="en-US" sz="2200" dirty="0" err="1">
@@ -18794,7 +18812,7 @@
             </a:r>
             <a:r>
               <a:rPr lang="en-US" sz="2000" dirty="0"/>
-              <a:t> (per definire gerarchie tra le varie classi, in particolare tra i medici operanti)</a:t>
+              <a:t> (per definire gerarchie tra le varie classi, in particolare tra i medici operanti durante l’intervento)</a:t>
             </a:r>
           </a:p>
           <a:p>
@@ -18804,12 +18822,13 @@
             </a:pPr>
             <a:r>
               <a:rPr lang="en-US" sz="2000" b="1" dirty="0"/>
-              <a:t>Delegation Pattern </a:t>
+              <a:t>Player-Role Pattern </a:t>
             </a:r>
             <a:r>
               <a:rPr lang="en-US" sz="2000" dirty="0"/>
-              <a:t>(per far svolgere alla cabina di regia i giusti metodi)</a:t>
-            </a:r>
+              <a:t>(un attore/oggetto del Sistema può “giocare” diversi ruoli in diversi contesti)</a:t>
+            </a:r>
+            <a:endParaRPr lang="en-US" sz="2000" b="1" dirty="0"/>
           </a:p>
           <a:p>
             <a:pPr>
@@ -18818,11 +18837,11 @@
             </a:pPr>
             <a:r>
               <a:rPr lang="en-US" sz="2000" b="1" dirty="0"/>
-              <a:t>Façade Pattern </a:t>
+              <a:t>Delegation Pattern </a:t>
             </a:r>
             <a:r>
               <a:rPr lang="en-US" sz="2000" dirty="0"/>
-              <a:t>(per manipolare le diverse classi. Interfaccia di facciata fra il cliente e il Sistema di prenotazione dell’Ospedale)</a:t>
+              <a:t>(per far svolgere alla cabina di regia i giusti metodi, riutilizza frammenti di codice, minimizzando i costi d’uso)</a:t>
             </a:r>
           </a:p>
           <a:p>
@@ -18832,11 +18851,25 @@
             </a:pPr>
             <a:r>
               <a:rPr lang="en-US" sz="2000" b="1" dirty="0"/>
+              <a:t>Façade Pattern </a:t>
+            </a:r>
+            <a:r>
+              <a:rPr lang="en-US" sz="2000" dirty="0"/>
+              <a:t>(per manipolare le diverse classi e nascondere la complessità di un’operazione agli utenti. Interfaccia di facciata fra il cliente e il Sistema di prenotazione dell’Ospedale)</a:t>
+            </a:r>
+          </a:p>
+          <a:p>
+            <a:pPr>
+              <a:buFont typeface="Wingdings" panose="05000000000000000000" pitchFamily="2" charset="2"/>
+              <a:buChar char="§"/>
+            </a:pPr>
+            <a:r>
+              <a:rPr lang="en-US" sz="2000" b="1" dirty="0"/>
               <a:t>Factory Pattern </a:t>
             </a:r>
             <a:r>
               <a:rPr lang="en-US" sz="2000" dirty="0"/>
-              <a:t>(per implementare una framework utile alla creazione di classi e oggetti dipendenti dall’applicazione)</a:t>
+              <a:t>(per implementare una framework utile alla creazione di classi e oggetti dipendenti dall’applicazione. Le sottoclassi devono scegliere da sole quale oggetto istanziare)</a:t>
             </a:r>
           </a:p>
           <a:p>
@@ -19716,9 +19749,34 @@
               <a:buChar char="Ø"/>
             </a:pPr>
             <a:r>
+              <a:rPr lang="en-US" sz="2200" dirty="0" err="1"/>
+              <a:t>Registrazione</a:t>
+            </a:r>
+            <a:r>
               <a:rPr lang="en-US" sz="2200" dirty="0"/>
-              <a:t>Registrazione</a:t>
-            </a:r>
+              <a:t> del </a:t>
+            </a:r>
+            <a:r>
+              <a:rPr lang="en-US" sz="2200" dirty="0" err="1"/>
+              <a:t>paziente</a:t>
+            </a:r>
+            <a:r>
+              <a:rPr lang="en-US" sz="2200" dirty="0"/>
+              <a:t> </a:t>
+            </a:r>
+            <a:r>
+              <a:rPr lang="en-US" sz="2200" dirty="0" err="1"/>
+              <a:t>nel</a:t>
+            </a:r>
+            <a:r>
+              <a:rPr lang="en-US" sz="2200" dirty="0"/>
+              <a:t> </a:t>
+            </a:r>
+            <a:r>
+              <a:rPr lang="en-US" sz="2200" dirty="0" err="1"/>
+              <a:t>sistema</a:t>
+            </a:r>
+            <a:endParaRPr lang="en-US" sz="2200" dirty="0"/>
           </a:p>
           <a:p>
             <a:pPr>
@@ -19736,9 +19794,26 @@
               <a:buChar char="Ø"/>
             </a:pPr>
             <a:r>
+              <a:rPr lang="en-US" sz="2200" dirty="0" err="1"/>
+              <a:t>Effettuare</a:t>
+            </a:r>
+            <a:r>
               <a:rPr lang="en-US" sz="2200" dirty="0"/>
-              <a:t>Effettuare Esami</a:t>
-            </a:r>
+              <a:t> </a:t>
+            </a:r>
+            <a:r>
+              <a:rPr lang="en-US" sz="2200" dirty="0" err="1"/>
+              <a:t>Esami</a:t>
+            </a:r>
+            <a:r>
+              <a:rPr lang="en-US" sz="2200" dirty="0"/>
+              <a:t> pre-</a:t>
+            </a:r>
+            <a:r>
+              <a:rPr lang="en-US" sz="2200" dirty="0" err="1"/>
+              <a:t>Intervento</a:t>
+            </a:r>
+            <a:endParaRPr lang="en-US" sz="2200" dirty="0"/>
           </a:p>
           <a:p>
             <a:pPr>
@@ -19747,8 +19822,29 @@
             </a:pPr>
             <a:r>
               <a:rPr lang="en-US" sz="2200" dirty="0"/>
-              <a:t>Iscrizione alla Lista Graduatoria</a:t>
-            </a:r>
+              <a:t>Iscrizione alla Lista </a:t>
+            </a:r>
+            <a:r>
+              <a:rPr lang="en-US" sz="2200" dirty="0" err="1"/>
+              <a:t>Graduatoria</a:t>
+            </a:r>
+            <a:r>
+              <a:rPr lang="en-US" sz="2200" dirty="0"/>
+              <a:t> </a:t>
+            </a:r>
+            <a:r>
+              <a:rPr lang="en-US" sz="2200" dirty="0" err="1"/>
+              <a:t>dell’Intervento</a:t>
+            </a:r>
+            <a:r>
+              <a:rPr lang="en-US" sz="2200" dirty="0"/>
+              <a:t> </a:t>
+            </a:r>
+            <a:r>
+              <a:rPr lang="en-US" sz="2200" dirty="0" err="1"/>
+              <a:t>spefico</a:t>
+            </a:r>
+            <a:endParaRPr lang="en-US" sz="2200" dirty="0"/>
           </a:p>
           <a:p>
             <a:pPr>
@@ -19777,7 +19873,7 @@
             </a:pPr>
             <a:r>
               <a:rPr lang="en-US" sz="2200" dirty="0"/>
-              <a:t>Stampa</a:t>
+              <a:t>Stampa Verbale</a:t>
             </a:r>
           </a:p>
           <a:p>
@@ -31897,10 +31993,15 @@
             <p:ph idx="1"/>
           </p:nvPr>
         </p:nvSpPr>
-        <p:spPr/>
+        <p:spPr>
+          <a:xfrm>
+            <a:off x="838200" y="1825624"/>
+            <a:ext cx="10515600" cy="4789779"/>
+          </a:xfrm>
+        </p:spPr>
         <p:txBody>
           <a:bodyPr>
-            <a:normAutofit/>
+            <a:normAutofit lnSpcReduction="10000"/>
           </a:bodyPr>
           <a:lstStyle/>
           <a:p>
@@ -32030,6 +32131,15 @@
             <a:r>
               <a:rPr lang="it-IT" sz="2000" dirty="0"/>
               <a:t>).</a:t>
+            </a:r>
+          </a:p>
+          <a:p>
+            <a:pPr marL="0" indent="0">
+              <a:buNone/>
+            </a:pPr>
+            <a:r>
+              <a:rPr lang="it-IT" sz="2000" dirty="0"/>
+              <a:t>La comunicazione, diretta e non, è molto importante: i membri del gruppo devono sempre essere aggiornati su nuove modifiche o richieste.</a:t>
             </a:r>
           </a:p>
         </p:txBody>
@@ -33097,6 +33207,53 @@
           </a:graphicData>
         </a:graphic>
       </p:graphicFrame>
+      <p:sp>
+        <p:nvSpPr>
+          <p:cNvPr id="3" name="CasellaDiTesto 2">
+            <a:extLst>
+              <a:ext uri="{FF2B5EF4-FFF2-40B4-BE49-F238E27FC236}">
+                <a16:creationId xmlns:a16="http://schemas.microsoft.com/office/drawing/2014/main" id="{C091BD2F-CDA6-C472-7A74-9AFC99D67D26}"/>
+              </a:ext>
+            </a:extLst>
+          </p:cNvPr>
+          <p:cNvSpPr txBox="1"/>
+          <p:nvPr/>
+        </p:nvSpPr>
+        <p:spPr>
+          <a:xfrm>
+            <a:off x="648819" y="4209865"/>
+            <a:ext cx="10515597" cy="2246769"/>
+          </a:xfrm>
+          <a:prstGeom prst="rect">
+            <a:avLst/>
+          </a:prstGeom>
+          <a:noFill/>
+        </p:spPr>
+        <p:txBody>
+          <a:bodyPr wrap="square" rtlCol="0">
+            <a:spAutoFit/>
+          </a:bodyPr>
+          <a:lstStyle/>
+          <a:p>
+            <a:r>
+              <a:rPr lang="it-IT" sz="2000" dirty="0"/>
+              <a:t>La qualità del software è definita come «il grado in cui il sistema soddisfa le esigenze/aspettative del cliente». I criteri di qualità possono essere misurati soggettivamente o oggettivamente, al fine di ottenere una misura complessiva dell’intero grado di qualità del software. </a:t>
+            </a:r>
+          </a:p>
+          <a:p>
+            <a:r>
+              <a:rPr lang="it-IT" sz="2000" dirty="0"/>
+              <a:t>Il team si è impegnato a rispondere ai requisiti di qualità tassonomici di McCall.</a:t>
+            </a:r>
+          </a:p>
+          <a:p>
+            <a:r>
+              <a:rPr lang="it-IT" sz="2000" dirty="0"/>
+              <a:t>I diversi parametri per la valutazione della qualità vengono suddivisi in tre categorie, che rispondono ad un determinato criterio di valutazione (a loro volta i singoli parametri rispondono a diverse domande, tutte inerenti a quello specifico criterio).</a:t>
+            </a:r>
+          </a:p>
+        </p:txBody>
+      </p:sp>
     </p:spTree>
     <p:extLst>
       <p:ext uri="{BB962C8B-B14F-4D97-AF65-F5344CB8AC3E}">
@@ -33996,6 +34153,15 @@
 </file>
 
 <file path=customXml/item1.xml><?xml version="1.0" encoding="utf-8"?>
+<?mso-contentType ?>
+<FormTemplates xmlns="http://schemas.microsoft.com/sharepoint/v3/contenttype/forms">
+  <Display>DocumentLibraryForm</Display>
+  <Edit>DocumentLibraryForm</Edit>
+  <New>DocumentLibraryForm</New>
+</FormTemplates>
+</file>
+
+<file path=customXml/item2.xml><?xml version="1.0" encoding="utf-8"?>
 <ct:contentTypeSchema xmlns:ct="http://schemas.microsoft.com/office/2006/metadata/contentType" xmlns:ma="http://schemas.microsoft.com/office/2006/metadata/properties/metaAttributes" ct:_="" ma:_="" ma:contentTypeName="Documento" ma:contentTypeID="0x0101007CE6213B20D2F945B0D1473923EE410F" ma:contentTypeVersion="7" ma:contentTypeDescription="Creare un nuovo documento." ma:contentTypeScope="" ma:versionID="dc8ac43e96b461727accd63cf925a5cf">
   <xsd:schema xmlns:xsd="http://www.w3.org/2001/XMLSchema" xmlns:xs="http://www.w3.org/2001/XMLSchema" xmlns:p="http://schemas.microsoft.com/office/2006/metadata/properties" xmlns:ns2="243f3390-b919-40e8-8195-3613e8527352" targetNamespace="http://schemas.microsoft.com/office/2006/metadata/properties" ma:root="true" ma:fieldsID="1987007e621e1b24d40e437f012b913d" ns2:_="">
     <xsd:import namespace="243f3390-b919-40e8-8195-3613e8527352"/>
@@ -34157,15 +34323,6 @@
 </ct:contentTypeSchema>
 </file>
 
-<file path=customXml/item2.xml><?xml version="1.0" encoding="utf-8"?>
-<?mso-contentType ?>
-<FormTemplates xmlns="http://schemas.microsoft.com/sharepoint/v3/contenttype/forms">
-  <Display>DocumentLibraryForm</Display>
-  <Edit>DocumentLibraryForm</Edit>
-  <New>DocumentLibraryForm</New>
-</FormTemplates>
-</file>
-
 <file path=customXml/item3.xml><?xml version="1.0" encoding="utf-8"?>
 <p:properties xmlns:p="http://schemas.microsoft.com/office/2006/metadata/properties" xmlns:xsi="http://www.w3.org/2001/XMLSchema-instance" xmlns:pc="http://schemas.microsoft.com/office/infopath/2007/PartnerControls">
   <documentManagement/>
@@ -34173,6 +34330,14 @@
 </file>
 
 <file path=customXml/itemProps1.xml><?xml version="1.0" encoding="utf-8"?>
+<ds:datastoreItem xmlns:ds="http://schemas.openxmlformats.org/officeDocument/2006/customXml" ds:itemID="{42BC90D6-94CF-42F7-AAC4-9CF6824C54D5}">
+  <ds:schemaRefs>
+    <ds:schemaRef ds:uri="http://schemas.microsoft.com/sharepoint/v3/contenttype/forms"/>
+  </ds:schemaRefs>
+</ds:datastoreItem>
+</file>
+
+<file path=customXml/itemProps2.xml><?xml version="1.0" encoding="utf-8"?>
 <ds:datastoreItem xmlns:ds="http://schemas.openxmlformats.org/officeDocument/2006/customXml" ds:itemID="{1A503E23-9696-4358-8F00-F7F66AC755EB}">
   <ds:schemaRefs>
     <ds:schemaRef ds:uri="http://schemas.microsoft.com/office/2006/metadata/contentType"/>
@@ -34186,14 +34351,6 @@
     <ds:schemaRef ds:uri="http://purl.org/dc/elements/1.1/"/>
     <ds:schemaRef ds:uri="http://purl.org/dc/terms/"/>
     <ds:schemaRef ds:uri="http://schemas.microsoft.com/internal/obd"/>
-  </ds:schemaRefs>
-</ds:datastoreItem>
-</file>
-
-<file path=customXml/itemProps2.xml><?xml version="1.0" encoding="utf-8"?>
-<ds:datastoreItem xmlns:ds="http://schemas.openxmlformats.org/officeDocument/2006/customXml" ds:itemID="{42BC90D6-94CF-42F7-AAC4-9CF6824C54D5}">
-  <ds:schemaRefs>
-    <ds:schemaRef ds:uri="http://schemas.microsoft.com/sharepoint/v3/contenttype/forms"/>
   </ds:schemaRefs>
 </ds:datastoreItem>
 </file>

--- a/Presentazione/Presentazione_Progetto.pptx
+++ b/Presentazione/Presentazione_Progetto.pptx
@@ -167,7 +167,7 @@
 <file path=ppt/revisionInfo.xml><?xml version="1.0" encoding="utf-8"?>
 <p1510:revInfo xmlns:a="http://schemas.openxmlformats.org/drawingml/2006/main" xmlns:r="http://schemas.openxmlformats.org/officeDocument/2006/relationships" xmlns:p1510="http://schemas.microsoft.com/office/powerpoint/2015/10/main">
   <p1510:revLst>
-    <p1510:client id="{740BB46D-1FBD-4BE5-BEA3-98CD9E9E2715}" v="44" dt="2024-01-25T11:15:00.235"/>
+    <p1510:client id="{740BB46D-1FBD-4BE5-BEA3-98CD9E9E2715}" v="45" dt="2024-02-01T16:42:57.618"/>
   </p1510:revLst>
 </p1510:revInfo>
 </file>
@@ -177,7 +177,7 @@
   <pc:docChgLst>
     <pc:chgData name="Matteo MANGILI" userId="89c7df381375e6aa" providerId="LiveId" clId="{740BB46D-1FBD-4BE5-BEA3-98CD9E9E2715}"/>
     <pc:docChg chg="undo custSel addSld modSld">
-      <pc:chgData name="Matteo MANGILI" userId="89c7df381375e6aa" providerId="LiveId" clId="{740BB46D-1FBD-4BE5-BEA3-98CD9E9E2715}" dt="2024-01-25T11:22:49.029" v="5854" actId="20577"/>
+      <pc:chgData name="Matteo MANGILI" userId="89c7df381375e6aa" providerId="LiveId" clId="{740BB46D-1FBD-4BE5-BEA3-98CD9E9E2715}" dt="2024-02-01T16:45:33.684" v="5917" actId="14100"/>
       <pc:docMkLst>
         <pc:docMk/>
       </pc:docMkLst>
@@ -339,12 +339,20 @@
           </ac:spMkLst>
         </pc:spChg>
       </pc:sldChg>
-      <pc:sldChg chg="modSp mod">
-        <pc:chgData name="Matteo MANGILI" userId="89c7df381375e6aa" providerId="LiveId" clId="{740BB46D-1FBD-4BE5-BEA3-98CD9E9E2715}" dt="2024-01-21T20:39:47.889" v="2267" actId="20577"/>
+      <pc:sldChg chg="addSp delSp modSp mod">
+        <pc:chgData name="Matteo MANGILI" userId="89c7df381375e6aa" providerId="LiveId" clId="{740BB46D-1FBD-4BE5-BEA3-98CD9E9E2715}" dt="2024-02-01T16:45:33.684" v="5917" actId="14100"/>
         <pc:sldMkLst>
           <pc:docMk/>
           <pc:sldMk cId="1549231609" sldId="315"/>
         </pc:sldMkLst>
+        <pc:spChg chg="add del mod">
+          <ac:chgData name="Matteo MANGILI" userId="89c7df381375e6aa" providerId="LiveId" clId="{740BB46D-1FBD-4BE5-BEA3-98CD9E9E2715}" dt="2024-02-01T16:42:57.618" v="5856"/>
+          <ac:spMkLst>
+            <pc:docMk/>
+            <pc:sldMk cId="1549231609" sldId="315"/>
+            <ac:spMk id="4" creationId="{BF597CE7-600C-109F-98D9-396D392A2B05}"/>
+          </ac:spMkLst>
+        </pc:spChg>
         <pc:spChg chg="mod">
           <ac:chgData name="Matteo MANGILI" userId="89c7df381375e6aa" providerId="LiveId" clId="{740BB46D-1FBD-4BE5-BEA3-98CD9E9E2715}" dt="2024-01-21T20:39:47.889" v="2267" actId="20577"/>
           <ac:spMkLst>
@@ -353,6 +361,54 @@
             <ac:spMk id="6" creationId="{07D5F90B-A703-3979-44A8-9125B7AA3463}"/>
           </ac:spMkLst>
         </pc:spChg>
+        <pc:spChg chg="add del mod">
+          <ac:chgData name="Matteo MANGILI" userId="89c7df381375e6aa" providerId="LiveId" clId="{740BB46D-1FBD-4BE5-BEA3-98CD9E9E2715}" dt="2024-02-01T16:43:51.465" v="5906" actId="22"/>
+          <ac:spMkLst>
+            <pc:docMk/>
+            <pc:sldMk cId="1549231609" sldId="315"/>
+            <ac:spMk id="9" creationId="{D7ED3545-9736-05A8-87DE-B5715F61A5BB}"/>
+          </ac:spMkLst>
+        </pc:spChg>
+        <pc:picChg chg="add del mod">
+          <ac:chgData name="Matteo MANGILI" userId="89c7df381375e6aa" providerId="LiveId" clId="{740BB46D-1FBD-4BE5-BEA3-98CD9E9E2715}" dt="2024-02-01T16:43:35.346" v="5905" actId="21"/>
+          <ac:picMkLst>
+            <pc:docMk/>
+            <pc:sldMk cId="1549231609" sldId="315"/>
+            <ac:picMk id="5" creationId="{5557F28B-416B-C811-6B68-8200EB4EACCE}"/>
+          </ac:picMkLst>
+        </pc:picChg>
+        <pc:picChg chg="del">
+          <ac:chgData name="Matteo MANGILI" userId="89c7df381375e6aa" providerId="LiveId" clId="{740BB46D-1FBD-4BE5-BEA3-98CD9E9E2715}" dt="2024-02-01T16:42:54.884" v="5855" actId="21"/>
+          <ac:picMkLst>
+            <pc:docMk/>
+            <pc:sldMk cId="1549231609" sldId="315"/>
+            <ac:picMk id="12" creationId="{F10FD7AA-8790-87C5-FE9C-346B2D992897}"/>
+          </ac:picMkLst>
+        </pc:picChg>
+        <pc:picChg chg="del mod">
+          <ac:chgData name="Matteo MANGILI" userId="89c7df381375e6aa" providerId="LiveId" clId="{740BB46D-1FBD-4BE5-BEA3-98CD9E9E2715}" dt="2024-02-01T16:43:17.094" v="5860" actId="21"/>
+          <ac:picMkLst>
+            <pc:docMk/>
+            <pc:sldMk cId="1549231609" sldId="315"/>
+            <ac:picMk id="15" creationId="{B857A273-6DEB-D710-9311-64C00F4354C4}"/>
+          </ac:picMkLst>
+        </pc:picChg>
+        <pc:picChg chg="add mod ord">
+          <ac:chgData name="Matteo MANGILI" userId="89c7df381375e6aa" providerId="LiveId" clId="{740BB46D-1FBD-4BE5-BEA3-98CD9E9E2715}" dt="2024-02-01T16:44:03.287" v="5907" actId="1076"/>
+          <ac:picMkLst>
+            <pc:docMk/>
+            <pc:sldMk cId="1549231609" sldId="315"/>
+            <ac:picMk id="16" creationId="{16F4AA7E-1FBB-80B5-4549-4C20D06C1CE6}"/>
+          </ac:picMkLst>
+        </pc:picChg>
+        <pc:picChg chg="add mod">
+          <ac:chgData name="Matteo MANGILI" userId="89c7df381375e6aa" providerId="LiveId" clId="{740BB46D-1FBD-4BE5-BEA3-98CD9E9E2715}" dt="2024-02-01T16:45:33.684" v="5917" actId="14100"/>
+          <ac:picMkLst>
+            <pc:docMk/>
+            <pc:sldMk cId="1549231609" sldId="315"/>
+            <ac:picMk id="18" creationId="{146C13CC-49B2-BCA0-6FCF-F39784C053EB}"/>
+          </ac:picMkLst>
+        </pc:picChg>
       </pc:sldChg>
       <pc:sldChg chg="modSp mod">
         <pc:chgData name="Matteo MANGILI" userId="89c7df381375e6aa" providerId="LiveId" clId="{740BB46D-1FBD-4BE5-BEA3-98CD9E9E2715}" dt="2024-01-21T20:39:53.937" v="2269" actId="20577"/>
@@ -650,7 +706,7 @@
             <a:pPr rtl="0"/>
             <a:fld id="{DBC54730-5EBA-4920-A6C4-7F8458A7F940}" type="datetime1">
               <a:rPr lang="it-IT" smtClean="0"/>
-              <a:t>25/01/2024</a:t>
+              <a:t>01/02/2024</a:t>
             </a:fld>
             <a:endParaRPr lang="it-IT" dirty="0"/>
           </a:p>
@@ -832,7 +888,7 @@
             <a:fld id="{85EC1C34-318D-43A8-83F5-3AC8647FE75E}" type="datetime1">
               <a:rPr lang="it-IT" smtClean="0"/>
               <a:pPr/>
-              <a:t>25/01/2024</a:t>
+              <a:t>01/02/2024</a:t>
             </a:fld>
             <a:endParaRPr lang="it-IT" dirty="0"/>
           </a:p>
@@ -22694,10 +22750,10 @@
       </p:sp>
       <p:pic>
         <p:nvPicPr>
-          <p:cNvPr id="12" name="Segnaposto contenuto 11">
+          <p:cNvPr id="16" name="Segnaposto contenuto 15">
             <a:extLst>
               <a:ext uri="{FF2B5EF4-FFF2-40B4-BE49-F238E27FC236}">
-                <a16:creationId xmlns:a16="http://schemas.microsoft.com/office/drawing/2014/main" id="{F10FD7AA-8790-87C5-FE9C-346B2D992897}"/>
+                <a16:creationId xmlns:a16="http://schemas.microsoft.com/office/drawing/2014/main" id="{16F4AA7E-1FBB-80B5-4549-4C20D06C1CE6}"/>
               </a:ext>
             </a:extLst>
           </p:cNvPr>
@@ -22708,24 +22764,25 @@
             <p:ph idx="1"/>
           </p:nvPr>
         </p:nvPicPr>
-        <p:blipFill rotWithShape="1">
+        <p:blipFill>
           <a:blip r:embed="rId2"/>
-          <a:srcRect l="1817" t="6982" b="3654"/>
-          <a:stretch/>
+          <a:stretch>
+            <a:fillRect/>
+          </a:stretch>
         </p:blipFill>
         <p:spPr>
           <a:xfrm>
-            <a:off x="130628" y="2471857"/>
-            <a:ext cx="5849846" cy="3600000"/>
+            <a:off x="326966" y="2305455"/>
+            <a:ext cx="5243014" cy="3596952"/>
           </a:xfrm>
         </p:spPr>
       </p:pic>
       <p:pic>
         <p:nvPicPr>
-          <p:cNvPr id="15" name="Immagine 14">
+          <p:cNvPr id="18" name="Immagine 17">
             <a:extLst>
               <a:ext uri="{FF2B5EF4-FFF2-40B4-BE49-F238E27FC236}">
-                <a16:creationId xmlns:a16="http://schemas.microsoft.com/office/drawing/2014/main" id="{B857A273-6DEB-D710-9311-64C00F4354C4}"/>
+                <a16:creationId xmlns:a16="http://schemas.microsoft.com/office/drawing/2014/main" id="{146C13CC-49B2-BCA0-6FCF-F39784C053EB}"/>
               </a:ext>
             </a:extLst>
           </p:cNvPr>
@@ -22734,15 +22791,16 @@
           </p:cNvPicPr>
           <p:nvPr/>
         </p:nvPicPr>
-        <p:blipFill rotWithShape="1">
+        <p:blipFill>
           <a:blip r:embed="rId3"/>
-          <a:srcRect b="35792"/>
-          <a:stretch/>
+          <a:stretch>
+            <a:fillRect/>
+          </a:stretch>
         </p:blipFill>
         <p:spPr>
           <a:xfrm>
-            <a:off x="6211528" y="2434961"/>
-            <a:ext cx="5710209" cy="3780000"/>
+            <a:off x="6053864" y="2316810"/>
+            <a:ext cx="5515071" cy="3600000"/>
           </a:xfrm>
           <a:prstGeom prst="rect">
             <a:avLst/>
@@ -34153,15 +34211,6 @@
 </file>
 
 <file path=customXml/item1.xml><?xml version="1.0" encoding="utf-8"?>
-<?mso-contentType ?>
-<FormTemplates xmlns="http://schemas.microsoft.com/sharepoint/v3/contenttype/forms">
-  <Display>DocumentLibraryForm</Display>
-  <Edit>DocumentLibraryForm</Edit>
-  <New>DocumentLibraryForm</New>
-</FormTemplates>
-</file>
-
-<file path=customXml/item2.xml><?xml version="1.0" encoding="utf-8"?>
 <ct:contentTypeSchema xmlns:ct="http://schemas.microsoft.com/office/2006/metadata/contentType" xmlns:ma="http://schemas.microsoft.com/office/2006/metadata/properties/metaAttributes" ct:_="" ma:_="" ma:contentTypeName="Documento" ma:contentTypeID="0x0101007CE6213B20D2F945B0D1473923EE410F" ma:contentTypeVersion="7" ma:contentTypeDescription="Creare un nuovo documento." ma:contentTypeScope="" ma:versionID="dc8ac43e96b461727accd63cf925a5cf">
   <xsd:schema xmlns:xsd="http://www.w3.org/2001/XMLSchema" xmlns:xs="http://www.w3.org/2001/XMLSchema" xmlns:p="http://schemas.microsoft.com/office/2006/metadata/properties" xmlns:ns2="243f3390-b919-40e8-8195-3613e8527352" targetNamespace="http://schemas.microsoft.com/office/2006/metadata/properties" ma:root="true" ma:fieldsID="1987007e621e1b24d40e437f012b913d" ns2:_="">
     <xsd:import namespace="243f3390-b919-40e8-8195-3613e8527352"/>
@@ -34323,6 +34372,15 @@
 </ct:contentTypeSchema>
 </file>
 
+<file path=customXml/item2.xml><?xml version="1.0" encoding="utf-8"?>
+<?mso-contentType ?>
+<FormTemplates xmlns="http://schemas.microsoft.com/sharepoint/v3/contenttype/forms">
+  <Display>DocumentLibraryForm</Display>
+  <Edit>DocumentLibraryForm</Edit>
+  <New>DocumentLibraryForm</New>
+</FormTemplates>
+</file>
+
 <file path=customXml/item3.xml><?xml version="1.0" encoding="utf-8"?>
 <p:properties xmlns:p="http://schemas.microsoft.com/office/2006/metadata/properties" xmlns:xsi="http://www.w3.org/2001/XMLSchema-instance" xmlns:pc="http://schemas.microsoft.com/office/infopath/2007/PartnerControls">
   <documentManagement/>
@@ -34330,14 +34388,6 @@
 </file>
 
 <file path=customXml/itemProps1.xml><?xml version="1.0" encoding="utf-8"?>
-<ds:datastoreItem xmlns:ds="http://schemas.openxmlformats.org/officeDocument/2006/customXml" ds:itemID="{42BC90D6-94CF-42F7-AAC4-9CF6824C54D5}">
-  <ds:schemaRefs>
-    <ds:schemaRef ds:uri="http://schemas.microsoft.com/sharepoint/v3/contenttype/forms"/>
-  </ds:schemaRefs>
-</ds:datastoreItem>
-</file>
-
-<file path=customXml/itemProps2.xml><?xml version="1.0" encoding="utf-8"?>
 <ds:datastoreItem xmlns:ds="http://schemas.openxmlformats.org/officeDocument/2006/customXml" ds:itemID="{1A503E23-9696-4358-8F00-F7F66AC755EB}">
   <ds:schemaRefs>
     <ds:schemaRef ds:uri="http://schemas.microsoft.com/office/2006/metadata/contentType"/>
@@ -34351,6 +34401,14 @@
     <ds:schemaRef ds:uri="http://purl.org/dc/elements/1.1/"/>
     <ds:schemaRef ds:uri="http://purl.org/dc/terms/"/>
     <ds:schemaRef ds:uri="http://schemas.microsoft.com/internal/obd"/>
+  </ds:schemaRefs>
+</ds:datastoreItem>
+</file>
+
+<file path=customXml/itemProps2.xml><?xml version="1.0" encoding="utf-8"?>
+<ds:datastoreItem xmlns:ds="http://schemas.openxmlformats.org/officeDocument/2006/customXml" ds:itemID="{42BC90D6-94CF-42F7-AAC4-9CF6824C54D5}">
+  <ds:schemaRefs>
+    <ds:schemaRef ds:uri="http://schemas.microsoft.com/sharepoint/v3/contenttype/forms"/>
   </ds:schemaRefs>
 </ds:datastoreItem>
 </file>

--- a/Presentazione/Presentazione_Progetto.pptx
+++ b/Presentazione/Presentazione_Progetto.pptx
@@ -5,10 +5,10 @@
     <p:sldMasterId id="2147483720" r:id="rId4"/>
   </p:sldMasterIdLst>
   <p:notesMasterIdLst>
-    <p:notesMasterId r:id="rId26"/>
+    <p:notesMasterId r:id="rId27"/>
   </p:notesMasterIdLst>
   <p:handoutMasterIdLst>
-    <p:handoutMasterId r:id="rId27"/>
+    <p:handoutMasterId r:id="rId28"/>
   </p:handoutMasterIdLst>
   <p:sldIdLst>
     <p:sldId id="256" r:id="rId5"/>
@@ -26,12 +26,13 @@
     <p:sldId id="320" r:id="rId17"/>
     <p:sldId id="303" r:id="rId18"/>
     <p:sldId id="304" r:id="rId19"/>
-    <p:sldId id="307" r:id="rId20"/>
-    <p:sldId id="314" r:id="rId21"/>
-    <p:sldId id="315" r:id="rId22"/>
-    <p:sldId id="316" r:id="rId23"/>
-    <p:sldId id="306" r:id="rId24"/>
-    <p:sldId id="310" r:id="rId25"/>
+    <p:sldId id="321" r:id="rId20"/>
+    <p:sldId id="307" r:id="rId21"/>
+    <p:sldId id="314" r:id="rId22"/>
+    <p:sldId id="315" r:id="rId23"/>
+    <p:sldId id="316" r:id="rId24"/>
+    <p:sldId id="306" r:id="rId25"/>
+    <p:sldId id="310" r:id="rId26"/>
   </p:sldIdLst>
   <p:sldSz cx="12192000" cy="6858000"/>
   <p:notesSz cx="6858000" cy="9144000"/>
@@ -167,7 +168,7 @@
 <file path=ppt/revisionInfo.xml><?xml version="1.0" encoding="utf-8"?>
 <p1510:revInfo xmlns:a="http://schemas.openxmlformats.org/drawingml/2006/main" xmlns:r="http://schemas.openxmlformats.org/officeDocument/2006/relationships" xmlns:p1510="http://schemas.microsoft.com/office/powerpoint/2015/10/main">
   <p1510:revLst>
-    <p1510:client id="{740BB46D-1FBD-4BE5-BEA3-98CD9E9E2715}" v="45" dt="2024-02-01T16:42:57.618"/>
+    <p1510:client id="{740BB46D-1FBD-4BE5-BEA3-98CD9E9E2715}" v="48" dt="2024-02-02T17:52:19.394"/>
   </p1510:revLst>
 </p1510:revInfo>
 </file>
@@ -177,7 +178,7 @@
   <pc:docChgLst>
     <pc:chgData name="Matteo MANGILI" userId="89c7df381375e6aa" providerId="LiveId" clId="{740BB46D-1FBD-4BE5-BEA3-98CD9E9E2715}"/>
     <pc:docChg chg="undo custSel addSld modSld">
-      <pc:chgData name="Matteo MANGILI" userId="89c7df381375e6aa" providerId="LiveId" clId="{740BB46D-1FBD-4BE5-BEA3-98CD9E9E2715}" dt="2024-02-01T16:45:33.684" v="5917" actId="14100"/>
+      <pc:chgData name="Matteo MANGILI" userId="89c7df381375e6aa" providerId="LiveId" clId="{740BB46D-1FBD-4BE5-BEA3-98CD9E9E2715}" dt="2024-02-02T17:59:43.943" v="6323" actId="20577"/>
       <pc:docMkLst>
         <pc:docMk/>
       </pc:docMkLst>
@@ -280,13 +281,13 @@
         </pc:spChg>
       </pc:sldChg>
       <pc:sldChg chg="modSp mod">
-        <pc:chgData name="Matteo MANGILI" userId="89c7df381375e6aa" providerId="LiveId" clId="{740BB46D-1FBD-4BE5-BEA3-98CD9E9E2715}" dt="2024-01-21T20:39:32.024" v="2261" actId="20577"/>
+        <pc:chgData name="Matteo MANGILI" userId="89c7df381375e6aa" providerId="LiveId" clId="{740BB46D-1FBD-4BE5-BEA3-98CD9E9E2715}" dt="2024-02-02T17:49:38.523" v="5939" actId="20577"/>
         <pc:sldMkLst>
           <pc:docMk/>
           <pc:sldMk cId="42136755" sldId="307"/>
         </pc:sldMkLst>
         <pc:spChg chg="mod">
-          <ac:chgData name="Matteo MANGILI" userId="89c7df381375e6aa" providerId="LiveId" clId="{740BB46D-1FBD-4BE5-BEA3-98CD9E9E2715}" dt="2024-01-21T20:39:32.024" v="2261" actId="20577"/>
+          <ac:chgData name="Matteo MANGILI" userId="89c7df381375e6aa" providerId="LiveId" clId="{740BB46D-1FBD-4BE5-BEA3-98CD9E9E2715}" dt="2024-02-02T17:49:38.523" v="5939" actId="20577"/>
           <ac:spMkLst>
             <pc:docMk/>
             <pc:sldMk cId="42136755" sldId="307"/>
@@ -325,13 +326,13 @@
         </pc:spChg>
       </pc:sldChg>
       <pc:sldChg chg="addSp delSp modSp mod">
-        <pc:chgData name="Matteo MANGILI" userId="89c7df381375e6aa" providerId="LiveId" clId="{740BB46D-1FBD-4BE5-BEA3-98CD9E9E2715}" dt="2024-01-21T20:39:42.621" v="2265" actId="20577"/>
+        <pc:chgData name="Matteo MANGILI" userId="89c7df381375e6aa" providerId="LiveId" clId="{740BB46D-1FBD-4BE5-BEA3-98CD9E9E2715}" dt="2024-02-02T17:49:44.104" v="5941" actId="20577"/>
         <pc:sldMkLst>
           <pc:docMk/>
           <pc:sldMk cId="2994462458" sldId="314"/>
         </pc:sldMkLst>
         <pc:spChg chg="add del mod">
-          <ac:chgData name="Matteo MANGILI" userId="89c7df381375e6aa" providerId="LiveId" clId="{740BB46D-1FBD-4BE5-BEA3-98CD9E9E2715}" dt="2024-01-21T20:39:42.621" v="2265" actId="20577"/>
+          <ac:chgData name="Matteo MANGILI" userId="89c7df381375e6aa" providerId="LiveId" clId="{740BB46D-1FBD-4BE5-BEA3-98CD9E9E2715}" dt="2024-02-02T17:49:44.104" v="5941" actId="20577"/>
           <ac:spMkLst>
             <pc:docMk/>
             <pc:sldMk cId="2994462458" sldId="314"/>
@@ -605,6 +606,53 @@
           </ac:picMkLst>
         </pc:picChg>
       </pc:sldChg>
+      <pc:sldChg chg="addSp delSp modSp add mod">
+        <pc:chgData name="Matteo MANGILI" userId="89c7df381375e6aa" providerId="LiveId" clId="{740BB46D-1FBD-4BE5-BEA3-98CD9E9E2715}" dt="2024-02-02T17:59:43.943" v="6323" actId="20577"/>
+        <pc:sldMkLst>
+          <pc:docMk/>
+          <pc:sldMk cId="3518618096" sldId="321"/>
+        </pc:sldMkLst>
+        <pc:spChg chg="mod">
+          <ac:chgData name="Matteo MANGILI" userId="89c7df381375e6aa" providerId="LiveId" clId="{740BB46D-1FBD-4BE5-BEA3-98CD9E9E2715}" dt="2024-02-02T17:49:01.255" v="5935" actId="27636"/>
+          <ac:spMkLst>
+            <pc:docMk/>
+            <pc:sldMk cId="3518618096" sldId="321"/>
+            <ac:spMk id="2" creationId="{82F1275C-82AF-B699-E2B0-FD8161C0228A}"/>
+          </ac:spMkLst>
+        </pc:spChg>
+        <pc:spChg chg="del mod">
+          <ac:chgData name="Matteo MANGILI" userId="89c7df381375e6aa" providerId="LiveId" clId="{740BB46D-1FBD-4BE5-BEA3-98CD9E9E2715}" dt="2024-02-02T17:51:08.859" v="5942" actId="931"/>
+          <ac:spMkLst>
+            <pc:docMk/>
+            <pc:sldMk cId="3518618096" sldId="321"/>
+            <ac:spMk id="4" creationId="{0A957A1F-E32E-C5D1-EE48-AF1B1F258A3B}"/>
+          </ac:spMkLst>
+        </pc:spChg>
+        <pc:spChg chg="add del mod">
+          <ac:chgData name="Matteo MANGILI" userId="89c7df381375e6aa" providerId="LiveId" clId="{740BB46D-1FBD-4BE5-BEA3-98CD9E9E2715}" dt="2024-02-02T17:59:28.047" v="6318"/>
+          <ac:spMkLst>
+            <pc:docMk/>
+            <pc:sldMk cId="3518618096" sldId="321"/>
+            <ac:spMk id="6" creationId="{305A648E-0A30-7311-66AD-61FE0B0F93CC}"/>
+          </ac:spMkLst>
+        </pc:spChg>
+        <pc:spChg chg="add mod">
+          <ac:chgData name="Matteo MANGILI" userId="89c7df381375e6aa" providerId="LiveId" clId="{740BB46D-1FBD-4BE5-BEA3-98CD9E9E2715}" dt="2024-02-02T17:59:43.943" v="6323" actId="20577"/>
+          <ac:spMkLst>
+            <pc:docMk/>
+            <pc:sldMk cId="3518618096" sldId="321"/>
+            <ac:spMk id="7" creationId="{1BFAFA53-B5DB-7FF0-D80B-1D38652788B6}"/>
+          </ac:spMkLst>
+        </pc:spChg>
+        <pc:picChg chg="add mod">
+          <ac:chgData name="Matteo MANGILI" userId="89c7df381375e6aa" providerId="LiveId" clId="{740BB46D-1FBD-4BE5-BEA3-98CD9E9E2715}" dt="2024-02-02T17:52:08.102" v="5974" actId="1076"/>
+          <ac:picMkLst>
+            <pc:docMk/>
+            <pc:sldMk cId="3518618096" sldId="321"/>
+            <ac:picMk id="5" creationId="{936CDABC-6D16-BB2F-AB96-5B351ADDECE5}"/>
+          </ac:picMkLst>
+        </pc:picChg>
+      </pc:sldChg>
     </pc:docChg>
   </pc:docChgLst>
 </pc:chgInfo>
@@ -706,7 +754,7 @@
             <a:pPr rtl="0"/>
             <a:fld id="{DBC54730-5EBA-4920-A6C4-7F8458A7F940}" type="datetime1">
               <a:rPr lang="it-IT" smtClean="0"/>
-              <a:t>01/02/2024</a:t>
+              <a:t>02/02/2024</a:t>
             </a:fld>
             <a:endParaRPr lang="it-IT" dirty="0"/>
           </a:p>
@@ -888,7 +936,7 @@
             <a:fld id="{85EC1C34-318D-43A8-83F5-3AC8647FE75E}" type="datetime1">
               <a:rPr lang="it-IT" smtClean="0"/>
               <a:pPr/>
-              <a:t>01/02/2024</a:t>
+              <a:t>02/02/2024</a:t>
             </a:fld>
             <a:endParaRPr lang="it-IT" dirty="0"/>
           </a:p>
@@ -1674,6 +1722,115 @@
   <p:cSld>
     <p:spTree>
       <p:nvGrpSpPr>
+        <p:cNvPr id="1" name="">
+          <a:extLst>
+            <a:ext uri="{FF2B5EF4-FFF2-40B4-BE49-F238E27FC236}">
+              <a16:creationId xmlns:a16="http://schemas.microsoft.com/office/drawing/2014/main" id="{370B9EDB-563C-708F-770C-3CDE1353460B}"/>
+            </a:ext>
+          </a:extLst>
+        </p:cNvPr>
+        <p:cNvGrpSpPr/>
+        <p:nvPr/>
+      </p:nvGrpSpPr>
+      <p:grpSpPr>
+        <a:xfrm>
+          <a:off x="0" y="0"/>
+          <a:ext cx="0" cy="0"/>
+          <a:chOff x="0" y="0"/>
+          <a:chExt cx="0" cy="0"/>
+        </a:xfrm>
+      </p:grpSpPr>
+      <p:sp>
+        <p:nvSpPr>
+          <p:cNvPr id="2" name="Segnaposto immagine diapositiva 1">
+            <a:extLst>
+              <a:ext uri="{FF2B5EF4-FFF2-40B4-BE49-F238E27FC236}">
+                <a16:creationId xmlns:a16="http://schemas.microsoft.com/office/drawing/2014/main" id="{2E1F14AB-D851-D0F5-0CDB-ED07DE0E3241}"/>
+              </a:ext>
+            </a:extLst>
+          </p:cNvPr>
+          <p:cNvSpPr>
+            <a:spLocks noGrp="1" noRot="1" noChangeAspect="1"/>
+          </p:cNvSpPr>
+          <p:nvPr>
+            <p:ph type="sldImg"/>
+          </p:nvPr>
+        </p:nvSpPr>
+        <p:spPr/>
+      </p:sp>
+      <p:sp>
+        <p:nvSpPr>
+          <p:cNvPr id="3" name="Segnaposto note 2">
+            <a:extLst>
+              <a:ext uri="{FF2B5EF4-FFF2-40B4-BE49-F238E27FC236}">
+                <a16:creationId xmlns:a16="http://schemas.microsoft.com/office/drawing/2014/main" id="{89D01B71-E261-F444-D919-B379708FE8A1}"/>
+              </a:ext>
+            </a:extLst>
+          </p:cNvPr>
+          <p:cNvSpPr>
+            <a:spLocks noGrp="1"/>
+          </p:cNvSpPr>
+          <p:nvPr>
+            <p:ph type="body" idx="1"/>
+          </p:nvPr>
+        </p:nvSpPr>
+        <p:spPr/>
+        <p:txBody>
+          <a:bodyPr/>
+          <a:lstStyle/>
+          <a:p>
+            <a:endParaRPr lang="it-IT" dirty="0"/>
+          </a:p>
+        </p:txBody>
+      </p:sp>
+      <p:sp>
+        <p:nvSpPr>
+          <p:cNvPr id="4" name="Segnaposto numero diapositiva 3">
+            <a:extLst>
+              <a:ext uri="{FF2B5EF4-FFF2-40B4-BE49-F238E27FC236}">
+                <a16:creationId xmlns:a16="http://schemas.microsoft.com/office/drawing/2014/main" id="{51C2EDF3-BB66-61AA-0FFB-B92C57661881}"/>
+              </a:ext>
+            </a:extLst>
+          </p:cNvPr>
+          <p:cNvSpPr>
+            <a:spLocks noGrp="1"/>
+          </p:cNvSpPr>
+          <p:nvPr>
+            <p:ph type="sldNum" sz="quarter" idx="5"/>
+          </p:nvPr>
+        </p:nvSpPr>
+        <p:spPr/>
+        <p:txBody>
+          <a:bodyPr/>
+          <a:lstStyle/>
+          <a:p>
+            <a:pPr rtl="0"/>
+            <a:fld id="{D4B9A9E5-4F7F-4A7D-9DE1-899232329269}" type="slidenum">
+              <a:rPr lang="it-IT" smtClean="0"/>
+              <a:t>16</a:t>
+            </a:fld>
+            <a:endParaRPr lang="it-IT" dirty="0"/>
+          </a:p>
+        </p:txBody>
+      </p:sp>
+    </p:spTree>
+    <p:extLst>
+      <p:ext uri="{BB962C8B-B14F-4D97-AF65-F5344CB8AC3E}">
+        <p14:creationId xmlns:p14="http://schemas.microsoft.com/office/powerpoint/2010/main" val="3103029514"/>
+      </p:ext>
+    </p:extLst>
+  </p:cSld>
+  <p:clrMapOvr>
+    <a:masterClrMapping/>
+  </p:clrMapOvr>
+</p:notes>
+</file>
+
+<file path=ppt/notesSlides/notesSlide16.xml><?xml version="1.0" encoding="utf-8"?>
+<p:notes xmlns:a="http://schemas.openxmlformats.org/drawingml/2006/main" xmlns:r="http://schemas.openxmlformats.org/officeDocument/2006/relationships" xmlns:p="http://schemas.openxmlformats.org/presentationml/2006/main">
+  <p:cSld>
+    <p:spTree>
+      <p:nvGrpSpPr>
         <p:cNvPr id="1" name=""/>
         <p:cNvGrpSpPr/>
         <p:nvPr/>
@@ -1735,7 +1892,7 @@
             <a:pPr rtl="0"/>
             <a:fld id="{D4B9A9E5-4F7F-4A7D-9DE1-899232329269}" type="slidenum">
               <a:rPr lang="it-IT" smtClean="0"/>
-              <a:t>21</a:t>
+              <a:t>22</a:t>
             </a:fld>
             <a:endParaRPr lang="it-IT" dirty="0"/>
           </a:p>
@@ -20021,7 +20178,13 @@
     </p:bg>
     <p:spTree>
       <p:nvGrpSpPr>
-        <p:cNvPr id="1" name=""/>
+        <p:cNvPr id="1" name="">
+          <a:extLst>
+            <a:ext uri="{FF2B5EF4-FFF2-40B4-BE49-F238E27FC236}">
+              <a16:creationId xmlns:a16="http://schemas.microsoft.com/office/drawing/2014/main" id="{94DA50DE-D253-3D56-B2B5-EF6323056B1A}"/>
+            </a:ext>
+          </a:extLst>
+        </p:cNvPr>
         <p:cNvGrpSpPr/>
         <p:nvPr/>
       </p:nvGrpSpPr>
@@ -20035,10 +20198,10 @@
       </p:grpSpPr>
       <p:sp useBgFill="1">
         <p:nvSpPr>
-          <p:cNvPr id="11" name="Rectangle 10">
+          <p:cNvPr id="87" name="Rectangle 86">
             <a:extLst>
               <a:ext uri="{FF2B5EF4-FFF2-40B4-BE49-F238E27FC236}">
-                <a16:creationId xmlns:a16="http://schemas.microsoft.com/office/drawing/2014/main" id="{100EDD19-6802-4EC3-95CE-CFFAB042CFD6}"/>
+                <a16:creationId xmlns:a16="http://schemas.microsoft.com/office/drawing/2014/main" id="{220A3D9E-38B7-40F7-5468-68B2440072D9}"/>
               </a:ext>
               <a:ext uri="{C183D7F6-B498-43B3-948B-1728B52AA6E4}">
                 <adec:decorative xmlns:adec="http://schemas.microsoft.com/office/drawing/2017/decorative" val="1"/>
@@ -20095,10 +20258,10 @@
       </p:sp>
       <p:sp>
         <p:nvSpPr>
-          <p:cNvPr id="2" name="Title 1">
+          <p:cNvPr id="2" name="Titolo 1">
             <a:extLst>
               <a:ext uri="{FF2B5EF4-FFF2-40B4-BE49-F238E27FC236}">
-                <a16:creationId xmlns:a16="http://schemas.microsoft.com/office/drawing/2014/main" id="{DDB7800B-90D1-8C4B-56B7-FA1626BB1375}"/>
+                <a16:creationId xmlns:a16="http://schemas.microsoft.com/office/drawing/2014/main" id="{82F1275C-82AF-B699-E2B0-FD8161C0228A}"/>
               </a:ext>
             </a:extLst>
           </p:cNvPr>
@@ -20116,25 +20279,25 @@
           </a:xfrm>
         </p:spPr>
         <p:txBody>
-          <a:bodyPr>
+          <a:bodyPr rtlCol="0">
             <a:normAutofit/>
           </a:bodyPr>
           <a:lstStyle/>
           <a:p>
+            <a:pPr rtl="0"/>
             <a:r>
               <a:rPr lang="it-IT" sz="5400" b="1" dirty="0"/>
-              <a:t>Modellazione</a:t>
-            </a:r>
-            <a:endParaRPr lang="en-US" sz="5400" b="1" dirty="0"/>
+              <a:t>Manutenzione</a:t>
+            </a:r>
           </a:p>
         </p:txBody>
       </p:sp>
       <p:sp>
         <p:nvSpPr>
-          <p:cNvPr id="13" name="sketch line">
+          <p:cNvPr id="89" name="sketch line">
             <a:extLst>
               <a:ext uri="{FF2B5EF4-FFF2-40B4-BE49-F238E27FC236}">
-                <a16:creationId xmlns:a16="http://schemas.microsoft.com/office/drawing/2014/main" id="{DB17E863-922E-4C26-BD64-E8FD41D28661}"/>
+                <a16:creationId xmlns:a16="http://schemas.microsoft.com/office/drawing/2014/main" id="{78C10EB6-38E0-71DA-A545-292898485D9E}"/>
               </a:ext>
               <a:ext uri="{C183D7F6-B498-43B3-948B-1728B52AA6E4}">
                 <adec:decorative xmlns:adec="http://schemas.microsoft.com/office/drawing/2017/decorative" val="1"/>
@@ -20767,89 +20930,41 @@
           </a:p>
         </p:txBody>
       </p:sp>
-      <p:sp>
-        <p:nvSpPr>
-          <p:cNvPr id="3" name="Content Placeholder 2">
+      <p:pic>
+        <p:nvPicPr>
+          <p:cNvPr id="5" name="Segnaposto contenuto 4" descr="Immagine che contiene schermata, diagramma, testo, Elementi grafici&#10;&#10;Descrizione generata automaticamente">
             <a:extLst>
               <a:ext uri="{FF2B5EF4-FFF2-40B4-BE49-F238E27FC236}">
-                <a16:creationId xmlns:a16="http://schemas.microsoft.com/office/drawing/2014/main" id="{A07BF9D8-A7CB-D3F1-7E12-AD682B8F05A3}"/>
+                <a16:creationId xmlns:a16="http://schemas.microsoft.com/office/drawing/2014/main" id="{936CDABC-6D16-BB2F-AB96-5B351ADDECE5}"/>
               </a:ext>
             </a:extLst>
           </p:cNvPr>
-          <p:cNvSpPr>
-            <a:spLocks noGrp="1"/>
-          </p:cNvSpPr>
+          <p:cNvPicPr>
+            <a:picLocks noGrp="1" noChangeAspect="1"/>
+          </p:cNvPicPr>
           <p:nvPr>
             <p:ph idx="1"/>
           </p:nvPr>
-        </p:nvSpPr>
+        </p:nvPicPr>
+        <p:blipFill>
+          <a:blip r:embed="rId3"/>
+          <a:stretch>
+            <a:fillRect/>
+          </a:stretch>
+        </p:blipFill>
         <p:spPr>
           <a:xfrm>
-            <a:off x="838200" y="1929384"/>
-            <a:ext cx="10515600" cy="3900678"/>
+            <a:off x="5698969" y="2275032"/>
+            <a:ext cx="5823262" cy="3492000"/>
           </a:xfrm>
         </p:spPr>
-        <p:txBody>
-          <a:bodyPr>
-            <a:normAutofit/>
-          </a:bodyPr>
-          <a:lstStyle/>
-          <a:p>
-            <a:r>
-              <a:rPr lang="en-US" sz="2200" dirty="0"/>
-              <a:t>Diagramma dei casi d’uso (USE CASE DIAGRAM)</a:t>
-            </a:r>
-          </a:p>
-          <a:p>
-            <a:pPr marL="0" indent="0">
-              <a:buNone/>
-            </a:pPr>
-            <a:endParaRPr lang="en-US" sz="2200" dirty="0"/>
-          </a:p>
-          <a:p>
-            <a:r>
-              <a:rPr lang="en-US" sz="2200" dirty="0"/>
-              <a:t>Diagramma delle classi (CLASS DIAGRAM)</a:t>
-            </a:r>
-          </a:p>
-          <a:p>
-            <a:pPr marL="0" indent="0">
-              <a:buNone/>
-            </a:pPr>
-            <a:endParaRPr lang="en-US" sz="2200" dirty="0"/>
-          </a:p>
-          <a:p>
-            <a:r>
-              <a:rPr lang="en-US" sz="2200" dirty="0"/>
-              <a:t>Diagramma di stato (STATE-CHART DIAGRAM)</a:t>
-            </a:r>
-          </a:p>
-          <a:p>
-            <a:endParaRPr lang="en-US" sz="2200" dirty="0"/>
-          </a:p>
-          <a:p>
-            <a:r>
-              <a:rPr lang="en-US" sz="2200" dirty="0"/>
-              <a:t>Diagramma di sequenza (SEQUENCE DIAGRAM)</a:t>
-            </a:r>
-          </a:p>
-          <a:p>
-            <a:endParaRPr lang="en-US" sz="2200" dirty="0"/>
-          </a:p>
-          <a:p>
-            <a:r>
-              <a:rPr lang="en-US" sz="2200" dirty="0"/>
-              <a:t>Diagramma delle attività (ACTIVITY DIAGRAM)</a:t>
-            </a:r>
-          </a:p>
-        </p:txBody>
-      </p:sp>
+      </p:pic>
       <p:sp>
         <p:nvSpPr>
-          <p:cNvPr id="6" name="Slide Number Placeholder 5">
+          <p:cNvPr id="82" name="Segnaposto numero diapositiva 81">
             <a:extLst>
               <a:ext uri="{FF2B5EF4-FFF2-40B4-BE49-F238E27FC236}">
-                <a16:creationId xmlns:a16="http://schemas.microsoft.com/office/drawing/2014/main" id="{07D5F90B-A703-3979-44A8-9125B7AA3463}"/>
+                <a16:creationId xmlns:a16="http://schemas.microsoft.com/office/drawing/2014/main" id="{37FC4670-6A45-D3AC-1810-F8B73268AFA3}"/>
               </a:ext>
             </a:extLst>
           </p:cNvPr>
@@ -20862,38 +20977,73 @@
         </p:nvSpPr>
         <p:spPr>
           <a:xfrm>
-            <a:off x="8610600" y="6191250"/>
-            <a:ext cx="2743200" cy="530225"/>
+            <a:off x="8610600" y="6356350"/>
+            <a:ext cx="2743200" cy="365125"/>
           </a:xfrm>
         </p:spPr>
         <p:txBody>
-          <a:bodyPr>
+          <a:bodyPr rtlCol="0">
             <a:noAutofit/>
           </a:bodyPr>
           <a:lstStyle/>
           <a:p>
             <a:pPr rtl="0">
-              <a:lnSpc>
-                <a:spcPct val="90000"/>
-              </a:lnSpc>
               <a:spcAft>
                 <a:spcPts val="600"/>
               </a:spcAft>
             </a:pPr>
-            <a:endParaRPr lang="it-IT" sz="1800" b="1" noProof="0" dirty="0"/>
-          </a:p>
-          <a:p>
-            <a:pPr rtl="0">
-              <a:lnSpc>
-                <a:spcPct val="90000"/>
-              </a:lnSpc>
-              <a:spcAft>
-                <a:spcPts val="600"/>
-              </a:spcAft>
-            </a:pPr>
-            <a:r>
-              <a:rPr lang="it-IT" sz="1800" b="1" noProof="0" dirty="0"/>
+            <a:fld id="{B5CEABB6-07DC-46E8-9B57-56EC44A396E5}" type="slidenum">
+              <a:rPr lang="it-IT" sz="1800" b="1" smtClean="0"/>
+              <a:pPr rtl="0">
+                <a:spcAft>
+                  <a:spcPts val="600"/>
+                </a:spcAft>
+              </a:pPr>
               <a:t>16</a:t>
+            </a:fld>
+            <a:endParaRPr lang="it-IT" sz="1800" b="1" dirty="0"/>
+          </a:p>
+        </p:txBody>
+      </p:sp>
+      <p:sp>
+        <p:nvSpPr>
+          <p:cNvPr id="7" name="CasellaDiTesto 6">
+            <a:extLst>
+              <a:ext uri="{FF2B5EF4-FFF2-40B4-BE49-F238E27FC236}">
+                <a16:creationId xmlns:a16="http://schemas.microsoft.com/office/drawing/2014/main" id="{1BFAFA53-B5DB-7FF0-D80B-1D38652788B6}"/>
+              </a:ext>
+            </a:extLst>
+          </p:cNvPr>
+          <p:cNvSpPr txBox="1"/>
+          <p:nvPr/>
+        </p:nvSpPr>
+        <p:spPr>
+          <a:xfrm>
+            <a:off x="669036" y="2270059"/>
+            <a:ext cx="5065043" cy="2031325"/>
+          </a:xfrm>
+          <a:prstGeom prst="rect">
+            <a:avLst/>
+          </a:prstGeom>
+          <a:noFill/>
+        </p:spPr>
+        <p:txBody>
+          <a:bodyPr wrap="square" rtlCol="0">
+            <a:spAutoFit/>
+          </a:bodyPr>
+          <a:lstStyle/>
+          <a:p>
+            <a:r>
+              <a:rPr lang="it-IT" dirty="0"/>
+              <a:t>L’attività di manutenzione (suddivisa nelle varie categorie) è iniziata subito dopo la consegna del progetto; lo scopo principale è aumentare la qualità dell’intero sistema, correggendo errori (principalmente di codice) </a:t>
+            </a:r>
+            <a:r>
+              <a:rPr lang="it-IT"/>
+              <a:t>e cercando </a:t>
+            </a:r>
+            <a:r>
+              <a:rPr lang="it-IT" dirty="0"/>
+              <a:t>di adattare il software alle richieste degli utenti ma anche dell’ambiente di utilizzo.</a:t>
             </a:r>
           </a:p>
         </p:txBody>
@@ -20901,7 +21051,7 @@
     </p:spTree>
     <p:extLst>
       <p:ext uri="{BB962C8B-B14F-4D97-AF65-F5344CB8AC3E}">
-        <p14:creationId xmlns:p14="http://schemas.microsoft.com/office/powerpoint/2010/main" val="42136755"/>
+        <p14:creationId xmlns:p14="http://schemas.microsoft.com/office/powerpoint/2010/main" val="3518618096"/>
       </p:ext>
     </p:extLst>
   </p:cSld>
@@ -21026,7 +21176,7 @@
           <a:p>
             <a:r>
               <a:rPr lang="it-IT" sz="5400" b="1" dirty="0"/>
-              <a:t>Modellazione: Diagrammi</a:t>
+              <a:t>Modellazione</a:t>
             </a:r>
             <a:endParaRPr lang="en-US" sz="5400" b="1" dirty="0"/>
           </a:p>
@@ -21670,35 +21820,83 @@
           </a:p>
         </p:txBody>
       </p:sp>
-      <p:pic>
-        <p:nvPicPr>
-          <p:cNvPr id="5" name="Segnaposto contenuto 4" descr="Immagine che contiene testo, diagramma, schizzo, disegno&#10;&#10;Descrizione generata automaticamente">
+      <p:sp>
+        <p:nvSpPr>
+          <p:cNvPr id="3" name="Content Placeholder 2">
             <a:extLst>
               <a:ext uri="{FF2B5EF4-FFF2-40B4-BE49-F238E27FC236}">
-                <a16:creationId xmlns:a16="http://schemas.microsoft.com/office/drawing/2014/main" id="{2B1C7207-78AF-C703-0371-186CE2A9C3D6}"/>
+                <a16:creationId xmlns:a16="http://schemas.microsoft.com/office/drawing/2014/main" id="{A07BF9D8-A7CB-D3F1-7E12-AD682B8F05A3}"/>
               </a:ext>
             </a:extLst>
           </p:cNvPr>
-          <p:cNvPicPr>
-            <a:picLocks noGrp="1" noChangeAspect="1"/>
-          </p:cNvPicPr>
+          <p:cNvSpPr>
+            <a:spLocks noGrp="1"/>
+          </p:cNvSpPr>
           <p:nvPr>
             <p:ph idx="1"/>
           </p:nvPr>
-        </p:nvPicPr>
-        <p:blipFill>
-          <a:blip r:embed="rId2"/>
-          <a:stretch>
-            <a:fillRect/>
-          </a:stretch>
-        </p:blipFill>
+        </p:nvSpPr>
         <p:spPr>
           <a:xfrm>
-            <a:off x="325017" y="2055813"/>
-            <a:ext cx="4426288" cy="3900487"/>
+            <a:off x="838200" y="1929384"/>
+            <a:ext cx="10515600" cy="3900678"/>
           </a:xfrm>
         </p:spPr>
-      </p:pic>
+        <p:txBody>
+          <a:bodyPr>
+            <a:normAutofit/>
+          </a:bodyPr>
+          <a:lstStyle/>
+          <a:p>
+            <a:r>
+              <a:rPr lang="en-US" sz="2200" dirty="0"/>
+              <a:t>Diagramma dei casi d’uso (USE CASE DIAGRAM)</a:t>
+            </a:r>
+          </a:p>
+          <a:p>
+            <a:pPr marL="0" indent="0">
+              <a:buNone/>
+            </a:pPr>
+            <a:endParaRPr lang="en-US" sz="2200" dirty="0"/>
+          </a:p>
+          <a:p>
+            <a:r>
+              <a:rPr lang="en-US" sz="2200" dirty="0"/>
+              <a:t>Diagramma delle classi (CLASS DIAGRAM)</a:t>
+            </a:r>
+          </a:p>
+          <a:p>
+            <a:pPr marL="0" indent="0">
+              <a:buNone/>
+            </a:pPr>
+            <a:endParaRPr lang="en-US" sz="2200" dirty="0"/>
+          </a:p>
+          <a:p>
+            <a:r>
+              <a:rPr lang="en-US" sz="2200" dirty="0"/>
+              <a:t>Diagramma di stato (STATE-CHART DIAGRAM)</a:t>
+            </a:r>
+          </a:p>
+          <a:p>
+            <a:endParaRPr lang="en-US" sz="2200" dirty="0"/>
+          </a:p>
+          <a:p>
+            <a:r>
+              <a:rPr lang="en-US" sz="2200" dirty="0"/>
+              <a:t>Diagramma di sequenza (SEQUENCE DIAGRAM)</a:t>
+            </a:r>
+          </a:p>
+          <a:p>
+            <a:endParaRPr lang="en-US" sz="2200" dirty="0"/>
+          </a:p>
+          <a:p>
+            <a:r>
+              <a:rPr lang="en-US" sz="2200" dirty="0"/>
+              <a:t>Diagramma delle attività (ACTIVITY DIAGRAM)</a:t>
+            </a:r>
+          </a:p>
+        </p:txBody>
+      </p:sp>
       <p:sp>
         <p:nvSpPr>
           <p:cNvPr id="6" name="Slide Number Placeholder 5">
@@ -21753,109 +21951,10 @@
           </a:p>
         </p:txBody>
       </p:sp>
-      <p:sp>
-        <p:nvSpPr>
-          <p:cNvPr id="7" name="CasellaDiTesto 6">
-            <a:extLst>
-              <a:ext uri="{FF2B5EF4-FFF2-40B4-BE49-F238E27FC236}">
-                <a16:creationId xmlns:a16="http://schemas.microsoft.com/office/drawing/2014/main" id="{2F6D6524-8D26-DCE0-C8D6-6656324DC85A}"/>
-              </a:ext>
-            </a:extLst>
-          </p:cNvPr>
-          <p:cNvSpPr txBox="1"/>
-          <p:nvPr/>
-        </p:nvSpPr>
-        <p:spPr>
-          <a:xfrm>
-            <a:off x="838200" y="6298163"/>
-            <a:ext cx="2110273" cy="369332"/>
-          </a:xfrm>
-          <a:prstGeom prst="rect">
-            <a:avLst/>
-          </a:prstGeom>
-          <a:noFill/>
-        </p:spPr>
-        <p:txBody>
-          <a:bodyPr wrap="square" rtlCol="0">
-            <a:spAutoFit/>
-          </a:bodyPr>
-          <a:lstStyle/>
-          <a:p>
-            <a:r>
-              <a:rPr lang="it-IT" dirty="0"/>
-              <a:t>USE CASE DIAGRAM</a:t>
-            </a:r>
-          </a:p>
-        </p:txBody>
-      </p:sp>
-      <p:sp>
-        <p:nvSpPr>
-          <p:cNvPr id="10" name="CasellaDiTesto 9">
-            <a:extLst>
-              <a:ext uri="{FF2B5EF4-FFF2-40B4-BE49-F238E27FC236}">
-                <a16:creationId xmlns:a16="http://schemas.microsoft.com/office/drawing/2014/main" id="{6A436C8B-00CB-47DF-CE0F-3E6AF627C2BC}"/>
-              </a:ext>
-            </a:extLst>
-          </p:cNvPr>
-          <p:cNvSpPr txBox="1"/>
-          <p:nvPr/>
-        </p:nvSpPr>
-        <p:spPr>
-          <a:xfrm>
-            <a:off x="6895322" y="6382139"/>
-            <a:ext cx="2341347" cy="369332"/>
-          </a:xfrm>
-          <a:prstGeom prst="rect">
-            <a:avLst/>
-          </a:prstGeom>
-          <a:noFill/>
-        </p:spPr>
-        <p:txBody>
-          <a:bodyPr wrap="none" rtlCol="0">
-            <a:spAutoFit/>
-          </a:bodyPr>
-          <a:lstStyle/>
-          <a:p>
-            <a:r>
-              <a:rPr lang="it-IT" dirty="0"/>
-              <a:t>STATECHART DIAGRAM</a:t>
-            </a:r>
-          </a:p>
-        </p:txBody>
-      </p:sp>
-      <p:pic>
-        <p:nvPicPr>
-          <p:cNvPr id="14" name="Immagine 13">
-            <a:extLst>
-              <a:ext uri="{FF2B5EF4-FFF2-40B4-BE49-F238E27FC236}">
-                <a16:creationId xmlns:a16="http://schemas.microsoft.com/office/drawing/2014/main" id="{1FFF48D2-F50E-9EA5-159F-A795661EEE68}"/>
-              </a:ext>
-            </a:extLst>
-          </p:cNvPr>
-          <p:cNvPicPr>
-            <a:picLocks noChangeAspect="1"/>
-          </p:cNvPicPr>
-          <p:nvPr/>
-        </p:nvPicPr>
-        <p:blipFill rotWithShape="1">
-          <a:blip r:embed="rId3"/>
-          <a:srcRect r="7037"/>
-          <a:stretch/>
-        </p:blipFill>
-        <p:spPr>
-          <a:xfrm>
-            <a:off x="4896810" y="2206056"/>
-            <a:ext cx="7146636" cy="3600000"/>
-          </a:xfrm>
-          <a:prstGeom prst="rect">
-            <a:avLst/>
-          </a:prstGeom>
-        </p:spPr>
-      </p:pic>
     </p:spTree>
     <p:extLst>
       <p:ext uri="{BB962C8B-B14F-4D97-AF65-F5344CB8AC3E}">
-        <p14:creationId xmlns:p14="http://schemas.microsoft.com/office/powerpoint/2010/main" val="2994462458"/>
+        <p14:creationId xmlns:p14="http://schemas.microsoft.com/office/powerpoint/2010/main" val="42136755"/>
       </p:ext>
     </p:extLst>
   </p:cSld>
@@ -22624,6 +22723,35 @@
           </a:p>
         </p:txBody>
       </p:sp>
+      <p:pic>
+        <p:nvPicPr>
+          <p:cNvPr id="5" name="Segnaposto contenuto 4" descr="Immagine che contiene testo, diagramma, schizzo, disegno&#10;&#10;Descrizione generata automaticamente">
+            <a:extLst>
+              <a:ext uri="{FF2B5EF4-FFF2-40B4-BE49-F238E27FC236}">
+                <a16:creationId xmlns:a16="http://schemas.microsoft.com/office/drawing/2014/main" id="{2B1C7207-78AF-C703-0371-186CE2A9C3D6}"/>
+              </a:ext>
+            </a:extLst>
+          </p:cNvPr>
+          <p:cNvPicPr>
+            <a:picLocks noGrp="1" noChangeAspect="1"/>
+          </p:cNvPicPr>
+          <p:nvPr>
+            <p:ph idx="1"/>
+          </p:nvPr>
+        </p:nvPicPr>
+        <p:blipFill>
+          <a:blip r:embed="rId2"/>
+          <a:stretch>
+            <a:fillRect/>
+          </a:stretch>
+        </p:blipFill>
+        <p:spPr>
+          <a:xfrm>
+            <a:off x="325017" y="2055813"/>
+            <a:ext cx="4426288" cy="3900487"/>
+          </a:xfrm>
+        </p:spPr>
+      </p:pic>
       <p:sp>
         <p:nvSpPr>
           <p:cNvPr id="6" name="Slide Number Placeholder 5">
@@ -22708,7 +22836,7 @@
           <a:p>
             <a:r>
               <a:rPr lang="it-IT" dirty="0"/>
-              <a:t>CLASS DIAGRAM</a:t>
+              <a:t>USE CASE DIAGRAM</a:t>
             </a:r>
           </a:p>
         </p:txBody>
@@ -22728,7 +22856,7 @@
         <p:spPr>
           <a:xfrm>
             <a:off x="6895322" y="6382139"/>
-            <a:ext cx="2184765" cy="369332"/>
+            <a:ext cx="2341347" cy="369332"/>
           </a:xfrm>
           <a:prstGeom prst="rect">
             <a:avLst/>
@@ -22743,46 +22871,17 @@
           <a:p>
             <a:r>
               <a:rPr lang="it-IT" dirty="0"/>
-              <a:t>SEQUENCE DIAGRAM</a:t>
+              <a:t>STATECHART DIAGRAM</a:t>
             </a:r>
           </a:p>
         </p:txBody>
       </p:sp>
       <p:pic>
         <p:nvPicPr>
-          <p:cNvPr id="16" name="Segnaposto contenuto 15">
+          <p:cNvPr id="14" name="Immagine 13">
             <a:extLst>
               <a:ext uri="{FF2B5EF4-FFF2-40B4-BE49-F238E27FC236}">
-                <a16:creationId xmlns:a16="http://schemas.microsoft.com/office/drawing/2014/main" id="{16F4AA7E-1FBB-80B5-4549-4C20D06C1CE6}"/>
-              </a:ext>
-            </a:extLst>
-          </p:cNvPr>
-          <p:cNvPicPr>
-            <a:picLocks noGrp="1" noChangeAspect="1"/>
-          </p:cNvPicPr>
-          <p:nvPr>
-            <p:ph idx="1"/>
-          </p:nvPr>
-        </p:nvPicPr>
-        <p:blipFill>
-          <a:blip r:embed="rId2"/>
-          <a:stretch>
-            <a:fillRect/>
-          </a:stretch>
-        </p:blipFill>
-        <p:spPr>
-          <a:xfrm>
-            <a:off x="326966" y="2305455"/>
-            <a:ext cx="5243014" cy="3596952"/>
-          </a:xfrm>
-        </p:spPr>
-      </p:pic>
-      <p:pic>
-        <p:nvPicPr>
-          <p:cNvPr id="18" name="Immagine 17">
-            <a:extLst>
-              <a:ext uri="{FF2B5EF4-FFF2-40B4-BE49-F238E27FC236}">
-                <a16:creationId xmlns:a16="http://schemas.microsoft.com/office/drawing/2014/main" id="{146C13CC-49B2-BCA0-6FCF-F39784C053EB}"/>
+                <a16:creationId xmlns:a16="http://schemas.microsoft.com/office/drawing/2014/main" id="{1FFF48D2-F50E-9EA5-159F-A795661EEE68}"/>
               </a:ext>
             </a:extLst>
           </p:cNvPr>
@@ -22791,16 +22890,15 @@
           </p:cNvPicPr>
           <p:nvPr/>
         </p:nvPicPr>
-        <p:blipFill>
+        <p:blipFill rotWithShape="1">
           <a:blip r:embed="rId3"/>
-          <a:stretch>
-            <a:fillRect/>
-          </a:stretch>
+          <a:srcRect r="7037"/>
+          <a:stretch/>
         </p:blipFill>
         <p:spPr>
           <a:xfrm>
-            <a:off x="6053864" y="2316810"/>
-            <a:ext cx="5515071" cy="3600000"/>
+            <a:off x="4896810" y="2206056"/>
+            <a:ext cx="7146636" cy="3600000"/>
           </a:xfrm>
           <a:prstGeom prst="rect">
             <a:avLst/>
@@ -22810,7 +22908,7 @@
     </p:spTree>
     <p:extLst>
       <p:ext uri="{BB962C8B-B14F-4D97-AF65-F5344CB8AC3E}">
-        <p14:creationId xmlns:p14="http://schemas.microsoft.com/office/powerpoint/2010/main" val="1549231609"/>
+        <p14:creationId xmlns:p14="http://schemas.microsoft.com/office/powerpoint/2010/main" val="2994462458"/>
       </p:ext>
     </p:extLst>
   </p:cSld>
@@ -23628,17 +23726,17 @@
             </a:pPr>
             <a:r>
               <a:rPr lang="it-IT" sz="1800" b="1" noProof="0" dirty="0"/>
-              <a:t>19</a:t>
+              <a:t>18</a:t>
             </a:r>
           </a:p>
         </p:txBody>
       </p:sp>
       <p:sp>
         <p:nvSpPr>
-          <p:cNvPr id="10" name="CasellaDiTesto 9">
+          <p:cNvPr id="7" name="CasellaDiTesto 6">
             <a:extLst>
               <a:ext uri="{FF2B5EF4-FFF2-40B4-BE49-F238E27FC236}">
-                <a16:creationId xmlns:a16="http://schemas.microsoft.com/office/drawing/2014/main" id="{6A436C8B-00CB-47DF-CE0F-3E6AF627C2BC}"/>
+                <a16:creationId xmlns:a16="http://schemas.microsoft.com/office/drawing/2014/main" id="{2F6D6524-8D26-DCE0-C8D6-6656324DC85A}"/>
               </a:ext>
             </a:extLst>
           </p:cNvPr>
@@ -23647,8 +23745,8 @@
         </p:nvSpPr>
         <p:spPr>
           <a:xfrm>
-            <a:off x="4142791" y="6382139"/>
-            <a:ext cx="2230017" cy="369332"/>
+            <a:off x="838200" y="6298163"/>
+            <a:ext cx="2110273" cy="369332"/>
           </a:xfrm>
           <a:prstGeom prst="rect">
             <a:avLst/>
@@ -23663,40 +23761,109 @@
           <a:p>
             <a:r>
               <a:rPr lang="it-IT" dirty="0"/>
-              <a:t>SEQUENCE DIAGRAM</a:t>
+              <a:t>CLASS DIAGRAM</a:t>
             </a:r>
           </a:p>
         </p:txBody>
       </p:sp>
       <p:sp>
         <p:nvSpPr>
-          <p:cNvPr id="9" name="Segnaposto contenuto 8">
+          <p:cNvPr id="10" name="CasellaDiTesto 9">
             <a:extLst>
               <a:ext uri="{FF2B5EF4-FFF2-40B4-BE49-F238E27FC236}">
-                <a16:creationId xmlns:a16="http://schemas.microsoft.com/office/drawing/2014/main" id="{093A462C-9B50-FE8F-AD29-63FB46C03202}"/>
+                <a16:creationId xmlns:a16="http://schemas.microsoft.com/office/drawing/2014/main" id="{6A436C8B-00CB-47DF-CE0F-3E6AF627C2BC}"/>
               </a:ext>
             </a:extLst>
           </p:cNvPr>
-          <p:cNvSpPr>
-            <a:spLocks noGrp="1"/>
-          </p:cNvSpPr>
+          <p:cNvSpPr txBox="1"/>
+          <p:nvPr/>
+        </p:nvSpPr>
+        <p:spPr>
+          <a:xfrm>
+            <a:off x="6895322" y="6382139"/>
+            <a:ext cx="2184765" cy="369332"/>
+          </a:xfrm>
+          <a:prstGeom prst="rect">
+            <a:avLst/>
+          </a:prstGeom>
+          <a:noFill/>
+        </p:spPr>
+        <p:txBody>
+          <a:bodyPr wrap="none" rtlCol="0">
+            <a:spAutoFit/>
+          </a:bodyPr>
+          <a:lstStyle/>
+          <a:p>
+            <a:r>
+              <a:rPr lang="it-IT" dirty="0"/>
+              <a:t>SEQUENCE DIAGRAM</a:t>
+            </a:r>
+          </a:p>
+        </p:txBody>
+      </p:sp>
+      <p:pic>
+        <p:nvPicPr>
+          <p:cNvPr id="16" name="Segnaposto contenuto 15">
+            <a:extLst>
+              <a:ext uri="{FF2B5EF4-FFF2-40B4-BE49-F238E27FC236}">
+                <a16:creationId xmlns:a16="http://schemas.microsoft.com/office/drawing/2014/main" id="{16F4AA7E-1FBB-80B5-4549-4C20D06C1CE6}"/>
+              </a:ext>
+            </a:extLst>
+          </p:cNvPr>
+          <p:cNvPicPr>
+            <a:picLocks noGrp="1" noChangeAspect="1"/>
+          </p:cNvPicPr>
           <p:nvPr>
             <p:ph idx="1"/>
           </p:nvPr>
-        </p:nvSpPr>
-        <p:spPr/>
-        <p:txBody>
-          <a:bodyPr/>
-          <a:lstStyle/>
-          <a:p>
-            <a:endParaRPr lang="it-IT" dirty="0"/>
-          </a:p>
-        </p:txBody>
-      </p:sp>
+        </p:nvPicPr>
+        <p:blipFill>
+          <a:blip r:embed="rId2"/>
+          <a:stretch>
+            <a:fillRect/>
+          </a:stretch>
+        </p:blipFill>
+        <p:spPr>
+          <a:xfrm>
+            <a:off x="326966" y="2305455"/>
+            <a:ext cx="5243014" cy="3596952"/>
+          </a:xfrm>
+        </p:spPr>
+      </p:pic>
+      <p:pic>
+        <p:nvPicPr>
+          <p:cNvPr id="18" name="Immagine 17">
+            <a:extLst>
+              <a:ext uri="{FF2B5EF4-FFF2-40B4-BE49-F238E27FC236}">
+                <a16:creationId xmlns:a16="http://schemas.microsoft.com/office/drawing/2014/main" id="{146C13CC-49B2-BCA0-6FCF-F39784C053EB}"/>
+              </a:ext>
+            </a:extLst>
+          </p:cNvPr>
+          <p:cNvPicPr>
+            <a:picLocks noChangeAspect="1"/>
+          </p:cNvPicPr>
+          <p:nvPr/>
+        </p:nvPicPr>
+        <p:blipFill>
+          <a:blip r:embed="rId3"/>
+          <a:stretch>
+            <a:fillRect/>
+          </a:stretch>
+        </p:blipFill>
+        <p:spPr>
+          <a:xfrm>
+            <a:off x="6053864" y="2316810"/>
+            <a:ext cx="5515071" cy="3600000"/>
+          </a:xfrm>
+          <a:prstGeom prst="rect">
+            <a:avLst/>
+          </a:prstGeom>
+        </p:spPr>
+      </p:pic>
     </p:spTree>
     <p:extLst>
       <p:ext uri="{BB962C8B-B14F-4D97-AF65-F5344CB8AC3E}">
-        <p14:creationId xmlns:p14="http://schemas.microsoft.com/office/powerpoint/2010/main" val="1841377636"/>
+        <p14:creationId xmlns:p14="http://schemas.microsoft.com/office/powerpoint/2010/main" val="1549231609"/>
       </p:ext>
     </p:extLst>
   </p:cSld>
@@ -24790,7 +24957,7 @@
           <p:cNvPr id="2" name="Title 1">
             <a:extLst>
               <a:ext uri="{FF2B5EF4-FFF2-40B4-BE49-F238E27FC236}">
-                <a16:creationId xmlns:a16="http://schemas.microsoft.com/office/drawing/2014/main" id="{806A85A7-2359-50AF-B2C8-F8FBFA3E2B3C}"/>
+                <a16:creationId xmlns:a16="http://schemas.microsoft.com/office/drawing/2014/main" id="{DDB7800B-90D1-8C4B-56B7-FA1626BB1375}"/>
               </a:ext>
             </a:extLst>
           </p:cNvPr>
@@ -24814,9 +24981,10 @@
           <a:lstStyle/>
           <a:p>
             <a:r>
-              <a:rPr lang="en-US" sz="5400" b="1" dirty="0"/>
-              <a:t>Dimostrazione</a:t>
-            </a:r>
+              <a:rPr lang="it-IT" sz="5400" b="1" dirty="0"/>
+              <a:t>Modellazione: Diagrammi</a:t>
+            </a:r>
+            <a:endParaRPr lang="en-US" sz="5400" b="1" dirty="0"/>
           </a:p>
         </p:txBody>
       </p:sp>
@@ -25460,45 +25628,10 @@
       </p:sp>
       <p:sp>
         <p:nvSpPr>
-          <p:cNvPr id="3" name="Content Placeholder 2">
+          <p:cNvPr id="6" name="Slide Number Placeholder 5">
             <a:extLst>
               <a:ext uri="{FF2B5EF4-FFF2-40B4-BE49-F238E27FC236}">
-                <a16:creationId xmlns:a16="http://schemas.microsoft.com/office/drawing/2014/main" id="{39198BC0-3DAA-3F78-1CC6-7D92405ED12E}"/>
-              </a:ext>
-            </a:extLst>
-          </p:cNvPr>
-          <p:cNvSpPr>
-            <a:spLocks noGrp="1"/>
-          </p:cNvSpPr>
-          <p:nvPr>
-            <p:ph idx="1"/>
-          </p:nvPr>
-        </p:nvSpPr>
-        <p:spPr>
-          <a:xfrm>
-            <a:off x="838200" y="1929384"/>
-            <a:ext cx="10515600" cy="3957066"/>
-          </a:xfrm>
-        </p:spPr>
-        <p:txBody>
-          <a:bodyPr>
-            <a:normAutofit/>
-          </a:bodyPr>
-          <a:lstStyle/>
-          <a:p>
-            <a:pPr marL="0" indent="0">
-              <a:buNone/>
-            </a:pPr>
-            <a:endParaRPr lang="en-US" sz="2200" dirty="0"/>
-          </a:p>
-        </p:txBody>
-      </p:sp>
-      <p:sp>
-        <p:nvSpPr>
-          <p:cNvPr id="6" name="Slide Number Placeholder 5">
-            <a:extLst>
-              <a:ext uri="{FF2B5EF4-FFF2-40B4-BE49-F238E27FC236}">
-                <a16:creationId xmlns:a16="http://schemas.microsoft.com/office/drawing/2014/main" id="{366879AD-ECAF-DDDE-26DC-9DD0D10F9AC4}"/>
+                <a16:creationId xmlns:a16="http://schemas.microsoft.com/office/drawing/2014/main" id="{07D5F90B-A703-3979-44A8-9125B7AA3463}"/>
               </a:ext>
             </a:extLst>
           </p:cNvPr>
@@ -25511,8 +25644,8 @@
         </p:nvSpPr>
         <p:spPr>
           <a:xfrm>
-            <a:off x="8610600" y="6356350"/>
-            <a:ext cx="2743200" cy="365125"/>
+            <a:off x="8610600" y="6191250"/>
+            <a:ext cx="2743200" cy="530225"/>
           </a:xfrm>
         </p:spPr>
         <p:txBody>
@@ -25522,22 +25655,95 @@
           <a:lstStyle/>
           <a:p>
             <a:pPr rtl="0">
+              <a:lnSpc>
+                <a:spcPct val="90000"/>
+              </a:lnSpc>
               <a:spcAft>
                 <a:spcPts val="600"/>
               </a:spcAft>
             </a:pPr>
-            <a:r>
-              <a:rPr lang="it-IT" sz="1800" b="1" dirty="0"/>
-              <a:t>20</a:t>
-            </a:r>
             <a:endParaRPr lang="it-IT" sz="1800" b="1" noProof="0" dirty="0"/>
+          </a:p>
+          <a:p>
+            <a:pPr rtl="0">
+              <a:lnSpc>
+                <a:spcPct val="90000"/>
+              </a:lnSpc>
+              <a:spcAft>
+                <a:spcPts val="600"/>
+              </a:spcAft>
+            </a:pPr>
+            <a:r>
+              <a:rPr lang="it-IT" sz="1800" b="1" noProof="0" dirty="0"/>
+              <a:t>19</a:t>
+            </a:r>
+          </a:p>
+        </p:txBody>
+      </p:sp>
+      <p:sp>
+        <p:nvSpPr>
+          <p:cNvPr id="10" name="CasellaDiTesto 9">
+            <a:extLst>
+              <a:ext uri="{FF2B5EF4-FFF2-40B4-BE49-F238E27FC236}">
+                <a16:creationId xmlns:a16="http://schemas.microsoft.com/office/drawing/2014/main" id="{6A436C8B-00CB-47DF-CE0F-3E6AF627C2BC}"/>
+              </a:ext>
+            </a:extLst>
+          </p:cNvPr>
+          <p:cNvSpPr txBox="1"/>
+          <p:nvPr/>
+        </p:nvSpPr>
+        <p:spPr>
+          <a:xfrm>
+            <a:off x="4142791" y="6382139"/>
+            <a:ext cx="2230017" cy="369332"/>
+          </a:xfrm>
+          <a:prstGeom prst="rect">
+            <a:avLst/>
+          </a:prstGeom>
+          <a:noFill/>
+        </p:spPr>
+        <p:txBody>
+          <a:bodyPr wrap="square" rtlCol="0">
+            <a:spAutoFit/>
+          </a:bodyPr>
+          <a:lstStyle/>
+          <a:p>
+            <a:r>
+              <a:rPr lang="it-IT" dirty="0"/>
+              <a:t>SEQUENCE DIAGRAM</a:t>
+            </a:r>
+          </a:p>
+        </p:txBody>
+      </p:sp>
+      <p:sp>
+        <p:nvSpPr>
+          <p:cNvPr id="9" name="Segnaposto contenuto 8">
+            <a:extLst>
+              <a:ext uri="{FF2B5EF4-FFF2-40B4-BE49-F238E27FC236}">
+                <a16:creationId xmlns:a16="http://schemas.microsoft.com/office/drawing/2014/main" id="{093A462C-9B50-FE8F-AD29-63FB46C03202}"/>
+              </a:ext>
+            </a:extLst>
+          </p:cNvPr>
+          <p:cNvSpPr>
+            <a:spLocks noGrp="1"/>
+          </p:cNvSpPr>
+          <p:nvPr>
+            <p:ph idx="1"/>
+          </p:nvPr>
+        </p:nvSpPr>
+        <p:spPr/>
+        <p:txBody>
+          <a:bodyPr/>
+          <a:lstStyle/>
+          <a:p>
+            <a:endParaRPr lang="it-IT" dirty="0"/>
           </a:p>
         </p:txBody>
       </p:sp>
     </p:spTree>
     <p:extLst>
       <p:ext uri="{BB962C8B-B14F-4D97-AF65-F5344CB8AC3E}">
-        <p14:creationId xmlns:p14="http://schemas.microsoft.com/office/powerpoint/2010/main" val="3568766427"/>
+        <p14:creationId xmlns:p14="http://schemas.microsoft.com/office/powerpoint/2010/main" val="1841377636"/>
       </p:ext>
     </p:extLst>
   </p:cSld>
@@ -25574,7 +25780,7 @@
       </p:grpSpPr>
       <p:sp useBgFill="1">
         <p:nvSpPr>
-          <p:cNvPr id="87" name="Rectangle 86">
+          <p:cNvPr id="11" name="Rectangle 10">
             <a:extLst>
               <a:ext uri="{FF2B5EF4-FFF2-40B4-BE49-F238E27FC236}">
                 <a16:creationId xmlns:a16="http://schemas.microsoft.com/office/drawing/2014/main" id="{100EDD19-6802-4EC3-95CE-CFFAB042CFD6}"/>
@@ -25634,10 +25840,10 @@
       </p:sp>
       <p:sp>
         <p:nvSpPr>
-          <p:cNvPr id="2" name="Titolo 1">
+          <p:cNvPr id="2" name="Title 1">
             <a:extLst>
               <a:ext uri="{FF2B5EF4-FFF2-40B4-BE49-F238E27FC236}">
-                <a16:creationId xmlns:a16="http://schemas.microsoft.com/office/drawing/2014/main" id="{75031FE9-9059-4FE8-B4AC-9771F23A1B89}"/>
+                <a16:creationId xmlns:a16="http://schemas.microsoft.com/office/drawing/2014/main" id="{806A85A7-2359-50AF-B2C8-F8FBFA3E2B3C}"/>
               </a:ext>
             </a:extLst>
           </p:cNvPr>
@@ -25655,22 +25861,21 @@
           </a:xfrm>
         </p:spPr>
         <p:txBody>
-          <a:bodyPr rtlCol="0">
+          <a:bodyPr>
             <a:normAutofit/>
           </a:bodyPr>
           <a:lstStyle/>
           <a:p>
-            <a:pPr rtl="0"/>
-            <a:r>
-              <a:rPr lang="it-IT" sz="5400" b="1" dirty="0"/>
-              <a:t>Testing</a:t>
+            <a:r>
+              <a:rPr lang="en-US" sz="5400" b="1" dirty="0"/>
+              <a:t>Dimostrazione</a:t>
             </a:r>
           </a:p>
         </p:txBody>
       </p:sp>
       <p:sp>
         <p:nvSpPr>
-          <p:cNvPr id="89" name="sketch line">
+          <p:cNvPr id="13" name="sketch line">
             <a:extLst>
               <a:ext uri="{FF2B5EF4-FFF2-40B4-BE49-F238E27FC236}">
                 <a16:creationId xmlns:a16="http://schemas.microsoft.com/office/drawing/2014/main" id="{DB17E863-922E-4C26-BD64-E8FD41D28661}"/>
@@ -26308,6 +26513,854 @@
       </p:sp>
       <p:sp>
         <p:nvSpPr>
+          <p:cNvPr id="3" name="Content Placeholder 2">
+            <a:extLst>
+              <a:ext uri="{FF2B5EF4-FFF2-40B4-BE49-F238E27FC236}">
+                <a16:creationId xmlns:a16="http://schemas.microsoft.com/office/drawing/2014/main" id="{39198BC0-3DAA-3F78-1CC6-7D92405ED12E}"/>
+              </a:ext>
+            </a:extLst>
+          </p:cNvPr>
+          <p:cNvSpPr>
+            <a:spLocks noGrp="1"/>
+          </p:cNvSpPr>
+          <p:nvPr>
+            <p:ph idx="1"/>
+          </p:nvPr>
+        </p:nvSpPr>
+        <p:spPr>
+          <a:xfrm>
+            <a:off x="838200" y="1929384"/>
+            <a:ext cx="10515600" cy="3957066"/>
+          </a:xfrm>
+        </p:spPr>
+        <p:txBody>
+          <a:bodyPr>
+            <a:normAutofit/>
+          </a:bodyPr>
+          <a:lstStyle/>
+          <a:p>
+            <a:pPr marL="0" indent="0">
+              <a:buNone/>
+            </a:pPr>
+            <a:endParaRPr lang="en-US" sz="2200" dirty="0"/>
+          </a:p>
+        </p:txBody>
+      </p:sp>
+      <p:sp>
+        <p:nvSpPr>
+          <p:cNvPr id="6" name="Slide Number Placeholder 5">
+            <a:extLst>
+              <a:ext uri="{FF2B5EF4-FFF2-40B4-BE49-F238E27FC236}">
+                <a16:creationId xmlns:a16="http://schemas.microsoft.com/office/drawing/2014/main" id="{366879AD-ECAF-DDDE-26DC-9DD0D10F9AC4}"/>
+              </a:ext>
+            </a:extLst>
+          </p:cNvPr>
+          <p:cNvSpPr>
+            <a:spLocks noGrp="1"/>
+          </p:cNvSpPr>
+          <p:nvPr>
+            <p:ph type="sldNum" sz="quarter" idx="12"/>
+          </p:nvPr>
+        </p:nvSpPr>
+        <p:spPr>
+          <a:xfrm>
+            <a:off x="8610600" y="6356350"/>
+            <a:ext cx="2743200" cy="365125"/>
+          </a:xfrm>
+        </p:spPr>
+        <p:txBody>
+          <a:bodyPr>
+            <a:noAutofit/>
+          </a:bodyPr>
+          <a:lstStyle/>
+          <a:p>
+            <a:pPr rtl="0">
+              <a:spcAft>
+                <a:spcPts val="600"/>
+              </a:spcAft>
+            </a:pPr>
+            <a:r>
+              <a:rPr lang="it-IT" sz="1800" b="1" dirty="0"/>
+              <a:t>20</a:t>
+            </a:r>
+            <a:endParaRPr lang="it-IT" sz="1800" b="1" noProof="0" dirty="0"/>
+          </a:p>
+        </p:txBody>
+      </p:sp>
+    </p:spTree>
+    <p:extLst>
+      <p:ext uri="{BB962C8B-B14F-4D97-AF65-F5344CB8AC3E}">
+        <p14:creationId xmlns:p14="http://schemas.microsoft.com/office/powerpoint/2010/main" val="3568766427"/>
+      </p:ext>
+    </p:extLst>
+  </p:cSld>
+  <p:clrMapOvr>
+    <a:masterClrMapping/>
+  </p:clrMapOvr>
+</p:sld>
+</file>
+
+<file path=ppt/slides/slide22.xml><?xml version="1.0" encoding="utf-8"?>
+<p:sld xmlns:a="http://schemas.openxmlformats.org/drawingml/2006/main" xmlns:r="http://schemas.openxmlformats.org/officeDocument/2006/relationships" xmlns:p="http://schemas.openxmlformats.org/presentationml/2006/main">
+  <p:cSld>
+    <p:bg>
+      <p:bgPr>
+        <a:solidFill>
+          <a:schemeClr val="bg1"/>
+        </a:solidFill>
+        <a:effectLst/>
+      </p:bgPr>
+    </p:bg>
+    <p:spTree>
+      <p:nvGrpSpPr>
+        <p:cNvPr id="1" name=""/>
+        <p:cNvGrpSpPr/>
+        <p:nvPr/>
+      </p:nvGrpSpPr>
+      <p:grpSpPr>
+        <a:xfrm>
+          <a:off x="0" y="0"/>
+          <a:ext cx="0" cy="0"/>
+          <a:chOff x="0" y="0"/>
+          <a:chExt cx="0" cy="0"/>
+        </a:xfrm>
+      </p:grpSpPr>
+      <p:sp useBgFill="1">
+        <p:nvSpPr>
+          <p:cNvPr id="87" name="Rectangle 86">
+            <a:extLst>
+              <a:ext uri="{FF2B5EF4-FFF2-40B4-BE49-F238E27FC236}">
+                <a16:creationId xmlns:a16="http://schemas.microsoft.com/office/drawing/2014/main" id="{100EDD19-6802-4EC3-95CE-CFFAB042CFD6}"/>
+              </a:ext>
+              <a:ext uri="{C183D7F6-B498-43B3-948B-1728B52AA6E4}">
+                <adec:decorative xmlns:adec="http://schemas.microsoft.com/office/drawing/2017/decorative" val="1"/>
+              </a:ext>
+            </a:extLst>
+          </p:cNvPr>
+          <p:cNvSpPr>
+            <a:spLocks noGrp="1" noRot="1" noChangeAspect="1" noMove="1" noResize="1" noEditPoints="1" noAdjustHandles="1" noChangeArrowheads="1" noChangeShapeType="1" noTextEdit="1"/>
+          </p:cNvSpPr>
+          <p:nvPr>
+            <p:extLst>
+              <p:ext uri="{386F3935-93C4-4BCD-93E2-E3B085C9AB24}">
+                <p16:designElem xmlns:p16="http://schemas.microsoft.com/office/powerpoint/2015/main" val="1"/>
+              </p:ext>
+            </p:extLst>
+          </p:nvPr>
+        </p:nvSpPr>
+        <p:spPr>
+          <a:xfrm>
+            <a:off x="0" y="0"/>
+            <a:ext cx="12188952" cy="6858000"/>
+          </a:xfrm>
+          <a:prstGeom prst="rect">
+            <a:avLst/>
+          </a:prstGeom>
+          <a:ln>
+            <a:noFill/>
+          </a:ln>
+        </p:spPr>
+        <p:style>
+          <a:lnRef idx="2">
+            <a:schemeClr val="accent1">
+              <a:shade val="50000"/>
+            </a:schemeClr>
+          </a:lnRef>
+          <a:fillRef idx="1">
+            <a:schemeClr val="accent1"/>
+          </a:fillRef>
+          <a:effectRef idx="0">
+            <a:schemeClr val="accent1"/>
+          </a:effectRef>
+          <a:fontRef idx="minor">
+            <a:schemeClr val="lt1"/>
+          </a:fontRef>
+        </p:style>
+        <p:txBody>
+          <a:bodyPr rtlCol="0" anchor="ctr"/>
+          <a:lstStyle/>
+          <a:p>
+            <a:pPr algn="ctr"/>
+            <a:endParaRPr lang="en-US" dirty="0"/>
+          </a:p>
+        </p:txBody>
+      </p:sp>
+      <p:sp>
+        <p:nvSpPr>
+          <p:cNvPr id="2" name="Titolo 1">
+            <a:extLst>
+              <a:ext uri="{FF2B5EF4-FFF2-40B4-BE49-F238E27FC236}">
+                <a16:creationId xmlns:a16="http://schemas.microsoft.com/office/drawing/2014/main" id="{75031FE9-9059-4FE8-B4AC-9771F23A1B89}"/>
+              </a:ext>
+            </a:extLst>
+          </p:cNvPr>
+          <p:cNvSpPr>
+            <a:spLocks noGrp="1"/>
+          </p:cNvSpPr>
+          <p:nvPr>
+            <p:ph type="title"/>
+          </p:nvPr>
+        </p:nvSpPr>
+        <p:spPr>
+          <a:xfrm>
+            <a:off x="838200" y="365125"/>
+            <a:ext cx="10515600" cy="1325563"/>
+          </a:xfrm>
+        </p:spPr>
+        <p:txBody>
+          <a:bodyPr rtlCol="0">
+            <a:normAutofit/>
+          </a:bodyPr>
+          <a:lstStyle/>
+          <a:p>
+            <a:pPr rtl="0"/>
+            <a:r>
+              <a:rPr lang="it-IT" sz="5400" b="1" dirty="0"/>
+              <a:t>Testing</a:t>
+            </a:r>
+          </a:p>
+        </p:txBody>
+      </p:sp>
+      <p:sp>
+        <p:nvSpPr>
+          <p:cNvPr id="89" name="sketch line">
+            <a:extLst>
+              <a:ext uri="{FF2B5EF4-FFF2-40B4-BE49-F238E27FC236}">
+                <a16:creationId xmlns:a16="http://schemas.microsoft.com/office/drawing/2014/main" id="{DB17E863-922E-4C26-BD64-E8FD41D28661}"/>
+              </a:ext>
+              <a:ext uri="{C183D7F6-B498-43B3-948B-1728B52AA6E4}">
+                <adec:decorative xmlns:adec="http://schemas.microsoft.com/office/drawing/2017/decorative" val="1"/>
+              </a:ext>
+            </a:extLst>
+          </p:cNvPr>
+          <p:cNvSpPr>
+            <a:spLocks noGrp="1" noRot="1" noChangeAspect="1" noMove="1" noResize="1" noEditPoints="1" noAdjustHandles="1" noChangeArrowheads="1" noChangeShapeType="1" noTextEdit="1"/>
+          </p:cNvSpPr>
+          <p:nvPr>
+            <p:extLst>
+              <p:ext uri="{386F3935-93C4-4BCD-93E2-E3B085C9AB24}">
+                <p16:designElem xmlns:p16="http://schemas.microsoft.com/office/powerpoint/2015/main" val="1"/>
+              </p:ext>
+            </p:extLst>
+          </p:nvPr>
+        </p:nvSpPr>
+        <p:spPr>
+          <a:xfrm>
+            <a:off x="669036" y="1677373"/>
+            <a:ext cx="10853928" cy="18288"/>
+          </a:xfrm>
+          <a:custGeom>
+            <a:avLst/>
+            <a:gdLst>
+              <a:gd name="connsiteX0" fmla="*/ 0 w 10853928"/>
+              <a:gd name="connsiteY0" fmla="*/ 0 h 18288"/>
+              <a:gd name="connsiteX1" fmla="*/ 461292 w 10853928"/>
+              <a:gd name="connsiteY1" fmla="*/ 0 h 18288"/>
+              <a:gd name="connsiteX2" fmla="*/ 1139662 w 10853928"/>
+              <a:gd name="connsiteY2" fmla="*/ 0 h 18288"/>
+              <a:gd name="connsiteX3" fmla="*/ 1926572 w 10853928"/>
+              <a:gd name="connsiteY3" fmla="*/ 0 h 18288"/>
+              <a:gd name="connsiteX4" fmla="*/ 2279325 w 10853928"/>
+              <a:gd name="connsiteY4" fmla="*/ 0 h 18288"/>
+              <a:gd name="connsiteX5" fmla="*/ 2632078 w 10853928"/>
+              <a:gd name="connsiteY5" fmla="*/ 0 h 18288"/>
+              <a:gd name="connsiteX6" fmla="*/ 3527527 w 10853928"/>
+              <a:gd name="connsiteY6" fmla="*/ 0 h 18288"/>
+              <a:gd name="connsiteX7" fmla="*/ 4205897 w 10853928"/>
+              <a:gd name="connsiteY7" fmla="*/ 0 h 18288"/>
+              <a:gd name="connsiteX8" fmla="*/ 4558650 w 10853928"/>
+              <a:gd name="connsiteY8" fmla="*/ 0 h 18288"/>
+              <a:gd name="connsiteX9" fmla="*/ 5237020 w 10853928"/>
+              <a:gd name="connsiteY9" fmla="*/ 0 h 18288"/>
+              <a:gd name="connsiteX10" fmla="*/ 6132469 w 10853928"/>
+              <a:gd name="connsiteY10" fmla="*/ 0 h 18288"/>
+              <a:gd name="connsiteX11" fmla="*/ 6702301 w 10853928"/>
+              <a:gd name="connsiteY11" fmla="*/ 0 h 18288"/>
+              <a:gd name="connsiteX12" fmla="*/ 7272132 w 10853928"/>
+              <a:gd name="connsiteY12" fmla="*/ 0 h 18288"/>
+              <a:gd name="connsiteX13" fmla="*/ 7950502 w 10853928"/>
+              <a:gd name="connsiteY13" fmla="*/ 0 h 18288"/>
+              <a:gd name="connsiteX14" fmla="*/ 8737412 w 10853928"/>
+              <a:gd name="connsiteY14" fmla="*/ 0 h 18288"/>
+              <a:gd name="connsiteX15" fmla="*/ 9524322 w 10853928"/>
+              <a:gd name="connsiteY15" fmla="*/ 0 h 18288"/>
+              <a:gd name="connsiteX16" fmla="*/ 10853928 w 10853928"/>
+              <a:gd name="connsiteY16" fmla="*/ 0 h 18288"/>
+              <a:gd name="connsiteX17" fmla="*/ 10853928 w 10853928"/>
+              <a:gd name="connsiteY17" fmla="*/ 18288 h 18288"/>
+              <a:gd name="connsiteX18" fmla="*/ 10392636 w 10853928"/>
+              <a:gd name="connsiteY18" fmla="*/ 18288 h 18288"/>
+              <a:gd name="connsiteX19" fmla="*/ 9497187 w 10853928"/>
+              <a:gd name="connsiteY19" fmla="*/ 18288 h 18288"/>
+              <a:gd name="connsiteX20" fmla="*/ 8818817 w 10853928"/>
+              <a:gd name="connsiteY20" fmla="*/ 18288 h 18288"/>
+              <a:gd name="connsiteX21" fmla="*/ 8466064 w 10853928"/>
+              <a:gd name="connsiteY21" fmla="*/ 18288 h 18288"/>
+              <a:gd name="connsiteX22" fmla="*/ 7787693 w 10853928"/>
+              <a:gd name="connsiteY22" fmla="*/ 18288 h 18288"/>
+              <a:gd name="connsiteX23" fmla="*/ 7217862 w 10853928"/>
+              <a:gd name="connsiteY23" fmla="*/ 18288 h 18288"/>
+              <a:gd name="connsiteX24" fmla="*/ 6648031 w 10853928"/>
+              <a:gd name="connsiteY24" fmla="*/ 18288 h 18288"/>
+              <a:gd name="connsiteX25" fmla="*/ 6078200 w 10853928"/>
+              <a:gd name="connsiteY25" fmla="*/ 18288 h 18288"/>
+              <a:gd name="connsiteX26" fmla="*/ 5508368 w 10853928"/>
+              <a:gd name="connsiteY26" fmla="*/ 18288 h 18288"/>
+              <a:gd name="connsiteX27" fmla="*/ 4721459 w 10853928"/>
+              <a:gd name="connsiteY27" fmla="*/ 18288 h 18288"/>
+              <a:gd name="connsiteX28" fmla="*/ 4043088 w 10853928"/>
+              <a:gd name="connsiteY28" fmla="*/ 18288 h 18288"/>
+              <a:gd name="connsiteX29" fmla="*/ 3690336 w 10853928"/>
+              <a:gd name="connsiteY29" fmla="*/ 18288 h 18288"/>
+              <a:gd name="connsiteX30" fmla="*/ 3120504 w 10853928"/>
+              <a:gd name="connsiteY30" fmla="*/ 18288 h 18288"/>
+              <a:gd name="connsiteX31" fmla="*/ 2333595 w 10853928"/>
+              <a:gd name="connsiteY31" fmla="*/ 18288 h 18288"/>
+              <a:gd name="connsiteX32" fmla="*/ 1872303 w 10853928"/>
+              <a:gd name="connsiteY32" fmla="*/ 18288 h 18288"/>
+              <a:gd name="connsiteX33" fmla="*/ 976854 w 10853928"/>
+              <a:gd name="connsiteY33" fmla="*/ 18288 h 18288"/>
+              <a:gd name="connsiteX34" fmla="*/ 0 w 10853928"/>
+              <a:gd name="connsiteY34" fmla="*/ 18288 h 18288"/>
+              <a:gd name="connsiteX35" fmla="*/ 0 w 10853928"/>
+              <a:gd name="connsiteY35" fmla="*/ 0 h 18288"/>
+            </a:gdLst>
+            <a:ahLst/>
+            <a:cxnLst>
+              <a:cxn ang="0">
+                <a:pos x="connsiteX0" y="connsiteY0"/>
+              </a:cxn>
+              <a:cxn ang="0">
+                <a:pos x="connsiteX1" y="connsiteY1"/>
+              </a:cxn>
+              <a:cxn ang="0">
+                <a:pos x="connsiteX2" y="connsiteY2"/>
+              </a:cxn>
+              <a:cxn ang="0">
+                <a:pos x="connsiteX3" y="connsiteY3"/>
+              </a:cxn>
+              <a:cxn ang="0">
+                <a:pos x="connsiteX4" y="connsiteY4"/>
+              </a:cxn>
+              <a:cxn ang="0">
+                <a:pos x="connsiteX5" y="connsiteY5"/>
+              </a:cxn>
+              <a:cxn ang="0">
+                <a:pos x="connsiteX6" y="connsiteY6"/>
+              </a:cxn>
+              <a:cxn ang="0">
+                <a:pos x="connsiteX7" y="connsiteY7"/>
+              </a:cxn>
+              <a:cxn ang="0">
+                <a:pos x="connsiteX8" y="connsiteY8"/>
+              </a:cxn>
+              <a:cxn ang="0">
+                <a:pos x="connsiteX9" y="connsiteY9"/>
+              </a:cxn>
+              <a:cxn ang="0">
+                <a:pos x="connsiteX10" y="connsiteY10"/>
+              </a:cxn>
+              <a:cxn ang="0">
+                <a:pos x="connsiteX11" y="connsiteY11"/>
+              </a:cxn>
+              <a:cxn ang="0">
+                <a:pos x="connsiteX12" y="connsiteY12"/>
+              </a:cxn>
+              <a:cxn ang="0">
+                <a:pos x="connsiteX13" y="connsiteY13"/>
+              </a:cxn>
+              <a:cxn ang="0">
+                <a:pos x="connsiteX14" y="connsiteY14"/>
+              </a:cxn>
+              <a:cxn ang="0">
+                <a:pos x="connsiteX15" y="connsiteY15"/>
+              </a:cxn>
+              <a:cxn ang="0">
+                <a:pos x="connsiteX16" y="connsiteY16"/>
+              </a:cxn>
+              <a:cxn ang="0">
+                <a:pos x="connsiteX17" y="connsiteY17"/>
+              </a:cxn>
+              <a:cxn ang="0">
+                <a:pos x="connsiteX18" y="connsiteY18"/>
+              </a:cxn>
+              <a:cxn ang="0">
+                <a:pos x="connsiteX19" y="connsiteY19"/>
+              </a:cxn>
+              <a:cxn ang="0">
+                <a:pos x="connsiteX20" y="connsiteY20"/>
+              </a:cxn>
+              <a:cxn ang="0">
+                <a:pos x="connsiteX21" y="connsiteY21"/>
+              </a:cxn>
+              <a:cxn ang="0">
+                <a:pos x="connsiteX22" y="connsiteY22"/>
+              </a:cxn>
+              <a:cxn ang="0">
+                <a:pos x="connsiteX23" y="connsiteY23"/>
+              </a:cxn>
+              <a:cxn ang="0">
+                <a:pos x="connsiteX24" y="connsiteY24"/>
+              </a:cxn>
+              <a:cxn ang="0">
+                <a:pos x="connsiteX25" y="connsiteY25"/>
+              </a:cxn>
+              <a:cxn ang="0">
+                <a:pos x="connsiteX26" y="connsiteY26"/>
+              </a:cxn>
+              <a:cxn ang="0">
+                <a:pos x="connsiteX27" y="connsiteY27"/>
+              </a:cxn>
+              <a:cxn ang="0">
+                <a:pos x="connsiteX28" y="connsiteY28"/>
+              </a:cxn>
+              <a:cxn ang="0">
+                <a:pos x="connsiteX29" y="connsiteY29"/>
+              </a:cxn>
+              <a:cxn ang="0">
+                <a:pos x="connsiteX30" y="connsiteY30"/>
+              </a:cxn>
+              <a:cxn ang="0">
+                <a:pos x="connsiteX31" y="connsiteY31"/>
+              </a:cxn>
+              <a:cxn ang="0">
+                <a:pos x="connsiteX32" y="connsiteY32"/>
+              </a:cxn>
+              <a:cxn ang="0">
+                <a:pos x="connsiteX33" y="connsiteY33"/>
+              </a:cxn>
+              <a:cxn ang="0">
+                <a:pos x="connsiteX34" y="connsiteY34"/>
+              </a:cxn>
+              <a:cxn ang="0">
+                <a:pos x="connsiteX35" y="connsiteY35"/>
+              </a:cxn>
+            </a:cxnLst>
+            <a:rect l="l" t="t" r="r" b="b"/>
+            <a:pathLst>
+              <a:path w="10853928" h="18288" fill="none" extrusionOk="0">
+                <a:moveTo>
+                  <a:pt x="0" y="0"/>
+                </a:moveTo>
+                <a:cubicBezTo>
+                  <a:pt x="146993" y="-19076"/>
+                  <a:pt x="347684" y="-4790"/>
+                  <a:pt x="461292" y="0"/>
+                </a:cubicBezTo>
+                <a:cubicBezTo>
+                  <a:pt x="574900" y="4790"/>
+                  <a:pt x="808367" y="19821"/>
+                  <a:pt x="1139662" y="0"/>
+                </a:cubicBezTo>
+                <a:cubicBezTo>
+                  <a:pt x="1470957" y="-19821"/>
+                  <a:pt x="1627405" y="5721"/>
+                  <a:pt x="1926572" y="0"/>
+                </a:cubicBezTo>
+                <a:cubicBezTo>
+                  <a:pt x="2225739" y="-5721"/>
+                  <a:pt x="2137730" y="-3235"/>
+                  <a:pt x="2279325" y="0"/>
+                </a:cubicBezTo>
+                <a:cubicBezTo>
+                  <a:pt x="2420920" y="3235"/>
+                  <a:pt x="2456518" y="9685"/>
+                  <a:pt x="2632078" y="0"/>
+                </a:cubicBezTo>
+                <a:cubicBezTo>
+                  <a:pt x="2807638" y="-9685"/>
+                  <a:pt x="3211516" y="-43007"/>
+                  <a:pt x="3527527" y="0"/>
+                </a:cubicBezTo>
+                <a:cubicBezTo>
+                  <a:pt x="3843538" y="43007"/>
+                  <a:pt x="4058833" y="22042"/>
+                  <a:pt x="4205897" y="0"/>
+                </a:cubicBezTo>
+                <a:cubicBezTo>
+                  <a:pt x="4352961" y="-22042"/>
+                  <a:pt x="4474805" y="-11846"/>
+                  <a:pt x="4558650" y="0"/>
+                </a:cubicBezTo>
+                <a:cubicBezTo>
+                  <a:pt x="4642495" y="11846"/>
+                  <a:pt x="5041928" y="-6069"/>
+                  <a:pt x="5237020" y="0"/>
+                </a:cubicBezTo>
+                <a:cubicBezTo>
+                  <a:pt x="5432112" y="6069"/>
+                  <a:pt x="5943266" y="-17479"/>
+                  <a:pt x="6132469" y="0"/>
+                </a:cubicBezTo>
+                <a:cubicBezTo>
+                  <a:pt x="6321672" y="17479"/>
+                  <a:pt x="6483872" y="26234"/>
+                  <a:pt x="6702301" y="0"/>
+                </a:cubicBezTo>
+                <a:cubicBezTo>
+                  <a:pt x="6920730" y="-26234"/>
+                  <a:pt x="6991194" y="-15156"/>
+                  <a:pt x="7272132" y="0"/>
+                </a:cubicBezTo>
+                <a:cubicBezTo>
+                  <a:pt x="7553070" y="15156"/>
+                  <a:pt x="7684444" y="-32961"/>
+                  <a:pt x="7950502" y="0"/>
+                </a:cubicBezTo>
+                <a:cubicBezTo>
+                  <a:pt x="8216560" y="32961"/>
+                  <a:pt x="8493290" y="-10491"/>
+                  <a:pt x="8737412" y="0"/>
+                </a:cubicBezTo>
+                <a:cubicBezTo>
+                  <a:pt x="8981534" y="10491"/>
+                  <a:pt x="9191586" y="-13899"/>
+                  <a:pt x="9524322" y="0"/>
+                </a:cubicBezTo>
+                <a:cubicBezTo>
+                  <a:pt x="9857058" y="13899"/>
+                  <a:pt x="10297509" y="7485"/>
+                  <a:pt x="10853928" y="0"/>
+                </a:cubicBezTo>
+                <a:cubicBezTo>
+                  <a:pt x="10854574" y="4451"/>
+                  <a:pt x="10854418" y="9226"/>
+                  <a:pt x="10853928" y="18288"/>
+                </a:cubicBezTo>
+                <a:cubicBezTo>
+                  <a:pt x="10691638" y="28522"/>
+                  <a:pt x="10574319" y="29578"/>
+                  <a:pt x="10392636" y="18288"/>
+                </a:cubicBezTo>
+                <a:cubicBezTo>
+                  <a:pt x="10210953" y="6998"/>
+                  <a:pt x="9836277" y="-16742"/>
+                  <a:pt x="9497187" y="18288"/>
+                </a:cubicBezTo>
+                <a:cubicBezTo>
+                  <a:pt x="9158097" y="53318"/>
+                  <a:pt x="9119479" y="30714"/>
+                  <a:pt x="8818817" y="18288"/>
+                </a:cubicBezTo>
+                <a:cubicBezTo>
+                  <a:pt x="8518155" y="5863"/>
+                  <a:pt x="8640037" y="6483"/>
+                  <a:pt x="8466064" y="18288"/>
+                </a:cubicBezTo>
+                <a:cubicBezTo>
+                  <a:pt x="8292091" y="30093"/>
+                  <a:pt x="7997656" y="18914"/>
+                  <a:pt x="7787693" y="18288"/>
+                </a:cubicBezTo>
+                <a:cubicBezTo>
+                  <a:pt x="7577730" y="17662"/>
+                  <a:pt x="7412468" y="21416"/>
+                  <a:pt x="7217862" y="18288"/>
+                </a:cubicBezTo>
+                <a:cubicBezTo>
+                  <a:pt x="7023256" y="15160"/>
+                  <a:pt x="6898018" y="14824"/>
+                  <a:pt x="6648031" y="18288"/>
+                </a:cubicBezTo>
+                <a:cubicBezTo>
+                  <a:pt x="6398044" y="21752"/>
+                  <a:pt x="6254402" y="38625"/>
+                  <a:pt x="6078200" y="18288"/>
+                </a:cubicBezTo>
+                <a:cubicBezTo>
+                  <a:pt x="5901998" y="-2049"/>
+                  <a:pt x="5622886" y="3213"/>
+                  <a:pt x="5508368" y="18288"/>
+                </a:cubicBezTo>
+                <a:cubicBezTo>
+                  <a:pt x="5393850" y="33363"/>
+                  <a:pt x="5036260" y="26830"/>
+                  <a:pt x="4721459" y="18288"/>
+                </a:cubicBezTo>
+                <a:cubicBezTo>
+                  <a:pt x="4406658" y="9746"/>
+                  <a:pt x="4239221" y="41551"/>
+                  <a:pt x="4043088" y="18288"/>
+                </a:cubicBezTo>
+                <a:cubicBezTo>
+                  <a:pt x="3846955" y="-4975"/>
+                  <a:pt x="3818802" y="34658"/>
+                  <a:pt x="3690336" y="18288"/>
+                </a:cubicBezTo>
+                <a:cubicBezTo>
+                  <a:pt x="3561870" y="1918"/>
+                  <a:pt x="3265491" y="42194"/>
+                  <a:pt x="3120504" y="18288"/>
+                </a:cubicBezTo>
+                <a:cubicBezTo>
+                  <a:pt x="2975517" y="-5618"/>
+                  <a:pt x="2720254" y="36673"/>
+                  <a:pt x="2333595" y="18288"/>
+                </a:cubicBezTo>
+                <a:cubicBezTo>
+                  <a:pt x="1946936" y="-97"/>
+                  <a:pt x="2097241" y="5776"/>
+                  <a:pt x="1872303" y="18288"/>
+                </a:cubicBezTo>
+                <a:cubicBezTo>
+                  <a:pt x="1647365" y="30800"/>
+                  <a:pt x="1282708" y="45380"/>
+                  <a:pt x="976854" y="18288"/>
+                </a:cubicBezTo>
+                <a:cubicBezTo>
+                  <a:pt x="671000" y="-8804"/>
+                  <a:pt x="408401" y="-12775"/>
+                  <a:pt x="0" y="18288"/>
+                </a:cubicBezTo>
+                <a:cubicBezTo>
+                  <a:pt x="-213" y="9468"/>
+                  <a:pt x="187" y="4459"/>
+                  <a:pt x="0" y="0"/>
+                </a:cubicBezTo>
+                <a:close/>
+              </a:path>
+              <a:path w="10853928" h="18288" stroke="0" extrusionOk="0">
+                <a:moveTo>
+                  <a:pt x="0" y="0"/>
+                </a:moveTo>
+                <a:cubicBezTo>
+                  <a:pt x="267322" y="15284"/>
+                  <a:pt x="415388" y="-21048"/>
+                  <a:pt x="569831" y="0"/>
+                </a:cubicBezTo>
+                <a:cubicBezTo>
+                  <a:pt x="724274" y="21048"/>
+                  <a:pt x="769333" y="-2353"/>
+                  <a:pt x="922584" y="0"/>
+                </a:cubicBezTo>
+                <a:cubicBezTo>
+                  <a:pt x="1075835" y="2353"/>
+                  <a:pt x="1399490" y="-145"/>
+                  <a:pt x="1818033" y="0"/>
+                </a:cubicBezTo>
+                <a:cubicBezTo>
+                  <a:pt x="2236576" y="145"/>
+                  <a:pt x="2145330" y="5482"/>
+                  <a:pt x="2387864" y="0"/>
+                </a:cubicBezTo>
+                <a:cubicBezTo>
+                  <a:pt x="2630398" y="-5482"/>
+                  <a:pt x="2793207" y="18487"/>
+                  <a:pt x="2957695" y="0"/>
+                </a:cubicBezTo>
+                <a:cubicBezTo>
+                  <a:pt x="3122183" y="-18487"/>
+                  <a:pt x="3579141" y="19003"/>
+                  <a:pt x="3853144" y="0"/>
+                </a:cubicBezTo>
+                <a:cubicBezTo>
+                  <a:pt x="4127147" y="-19003"/>
+                  <a:pt x="4209857" y="12211"/>
+                  <a:pt x="4314436" y="0"/>
+                </a:cubicBezTo>
+                <a:cubicBezTo>
+                  <a:pt x="4419015" y="-12211"/>
+                  <a:pt x="4762459" y="-17220"/>
+                  <a:pt x="5209885" y="0"/>
+                </a:cubicBezTo>
+                <a:cubicBezTo>
+                  <a:pt x="5657311" y="17220"/>
+                  <a:pt x="5692663" y="-3290"/>
+                  <a:pt x="6105335" y="0"/>
+                </a:cubicBezTo>
+                <a:cubicBezTo>
+                  <a:pt x="6518007" y="3290"/>
+                  <a:pt x="6455516" y="-5124"/>
+                  <a:pt x="6783705" y="0"/>
+                </a:cubicBezTo>
+                <a:cubicBezTo>
+                  <a:pt x="7111894" y="5124"/>
+                  <a:pt x="7441941" y="-17829"/>
+                  <a:pt x="7679154" y="0"/>
+                </a:cubicBezTo>
+                <a:cubicBezTo>
+                  <a:pt x="7916367" y="17829"/>
+                  <a:pt x="8102967" y="-24363"/>
+                  <a:pt x="8248985" y="0"/>
+                </a:cubicBezTo>
+                <a:cubicBezTo>
+                  <a:pt x="8395003" y="24363"/>
+                  <a:pt x="8552393" y="25505"/>
+                  <a:pt x="8818817" y="0"/>
+                </a:cubicBezTo>
+                <a:cubicBezTo>
+                  <a:pt x="9085241" y="-25505"/>
+                  <a:pt x="9411308" y="38000"/>
+                  <a:pt x="9605726" y="0"/>
+                </a:cubicBezTo>
+                <a:cubicBezTo>
+                  <a:pt x="9800144" y="-38000"/>
+                  <a:pt x="10006468" y="-25741"/>
+                  <a:pt x="10175558" y="0"/>
+                </a:cubicBezTo>
+                <a:cubicBezTo>
+                  <a:pt x="10344648" y="25741"/>
+                  <a:pt x="10696282" y="695"/>
+                  <a:pt x="10853928" y="0"/>
+                </a:cubicBezTo>
+                <a:cubicBezTo>
+                  <a:pt x="10853521" y="8690"/>
+                  <a:pt x="10853774" y="14141"/>
+                  <a:pt x="10853928" y="18288"/>
+                </a:cubicBezTo>
+                <a:cubicBezTo>
+                  <a:pt x="10608124" y="24255"/>
+                  <a:pt x="10343415" y="22307"/>
+                  <a:pt x="10067018" y="18288"/>
+                </a:cubicBezTo>
+                <a:cubicBezTo>
+                  <a:pt x="9790621" y="14270"/>
+                  <a:pt x="9843266" y="3564"/>
+                  <a:pt x="9714266" y="18288"/>
+                </a:cubicBezTo>
+                <a:cubicBezTo>
+                  <a:pt x="9585266" y="33012"/>
+                  <a:pt x="9379484" y="1875"/>
+                  <a:pt x="9252974" y="18288"/>
+                </a:cubicBezTo>
+                <a:cubicBezTo>
+                  <a:pt x="9126464" y="34701"/>
+                  <a:pt x="8580678" y="-4904"/>
+                  <a:pt x="8357525" y="18288"/>
+                </a:cubicBezTo>
+                <a:cubicBezTo>
+                  <a:pt x="8134372" y="41480"/>
+                  <a:pt x="7903199" y="26458"/>
+                  <a:pt x="7679154" y="18288"/>
+                </a:cubicBezTo>
+                <a:cubicBezTo>
+                  <a:pt x="7455109" y="10118"/>
+                  <a:pt x="7435944" y="27109"/>
+                  <a:pt x="7217862" y="18288"/>
+                </a:cubicBezTo>
+                <a:cubicBezTo>
+                  <a:pt x="6999780" y="9467"/>
+                  <a:pt x="6680409" y="18985"/>
+                  <a:pt x="6539492" y="18288"/>
+                </a:cubicBezTo>
+                <a:cubicBezTo>
+                  <a:pt x="6398575" y="17592"/>
+                  <a:pt x="6312077" y="33018"/>
+                  <a:pt x="6186739" y="18288"/>
+                </a:cubicBezTo>
+                <a:cubicBezTo>
+                  <a:pt x="6061401" y="3558"/>
+                  <a:pt x="5947033" y="12075"/>
+                  <a:pt x="5833986" y="18288"/>
+                </a:cubicBezTo>
+                <a:cubicBezTo>
+                  <a:pt x="5720939" y="24501"/>
+                  <a:pt x="5482226" y="8586"/>
+                  <a:pt x="5155616" y="18288"/>
+                </a:cubicBezTo>
+                <a:cubicBezTo>
+                  <a:pt x="4829006" y="27991"/>
+                  <a:pt x="4841274" y="29316"/>
+                  <a:pt x="4694324" y="18288"/>
+                </a:cubicBezTo>
+                <a:cubicBezTo>
+                  <a:pt x="4547374" y="7260"/>
+                  <a:pt x="4077675" y="7013"/>
+                  <a:pt x="3907414" y="18288"/>
+                </a:cubicBezTo>
+                <a:cubicBezTo>
+                  <a:pt x="3737153" y="29564"/>
+                  <a:pt x="3538393" y="21630"/>
+                  <a:pt x="3446122" y="18288"/>
+                </a:cubicBezTo>
+                <a:cubicBezTo>
+                  <a:pt x="3353851" y="14946"/>
+                  <a:pt x="2990320" y="-8091"/>
+                  <a:pt x="2659212" y="18288"/>
+                </a:cubicBezTo>
+                <a:cubicBezTo>
+                  <a:pt x="2328104" y="44667"/>
+                  <a:pt x="2427653" y="9607"/>
+                  <a:pt x="2306460" y="18288"/>
+                </a:cubicBezTo>
+                <a:cubicBezTo>
+                  <a:pt x="2185267" y="26969"/>
+                  <a:pt x="1719763" y="3717"/>
+                  <a:pt x="1519550" y="18288"/>
+                </a:cubicBezTo>
+                <a:cubicBezTo>
+                  <a:pt x="1319337" y="32860"/>
+                  <a:pt x="1167371" y="17040"/>
+                  <a:pt x="1058258" y="18288"/>
+                </a:cubicBezTo>
+                <a:cubicBezTo>
+                  <a:pt x="949145" y="19536"/>
+                  <a:pt x="780234" y="31447"/>
+                  <a:pt x="705505" y="18288"/>
+                </a:cubicBezTo>
+                <a:cubicBezTo>
+                  <a:pt x="630776" y="5129"/>
+                  <a:pt x="215796" y="30056"/>
+                  <a:pt x="0" y="18288"/>
+                </a:cubicBezTo>
+                <a:cubicBezTo>
+                  <a:pt x="-53" y="11301"/>
+                  <a:pt x="-649" y="7756"/>
+                  <a:pt x="0" y="0"/>
+                </a:cubicBezTo>
+                <a:close/>
+              </a:path>
+            </a:pathLst>
+          </a:custGeom>
+          <a:solidFill>
+            <a:schemeClr val="accent2"/>
+          </a:solidFill>
+          <a:ln w="41275" cap="rnd">
+            <a:solidFill>
+              <a:schemeClr val="accent2"/>
+            </a:solidFill>
+            <a:round/>
+            <a:extLst>
+              <a:ext uri="{C807C97D-BFC1-408E-A445-0C87EB9F89A2}">
+                <ask:lineSketchStyleProps xmlns:ask="http://schemas.microsoft.com/office/drawing/2018/sketchyshapes" sd="1219033472">
+                  <a:prstGeom prst="rect">
+                    <a:avLst/>
+                  </a:prstGeom>
+                  <ask:type>
+                    <ask:lineSketchFreehand/>
+                  </ask:type>
+                </ask:lineSketchStyleProps>
+              </a:ext>
+            </a:extLst>
+          </a:ln>
+        </p:spPr>
+        <p:style>
+          <a:lnRef idx="2">
+            <a:schemeClr val="accent1">
+              <a:shade val="50000"/>
+            </a:schemeClr>
+          </a:lnRef>
+          <a:fillRef idx="1">
+            <a:schemeClr val="accent1"/>
+          </a:fillRef>
+          <a:effectRef idx="0">
+            <a:schemeClr val="accent1"/>
+          </a:effectRef>
+          <a:fontRef idx="minor">
+            <a:schemeClr val="lt1"/>
+          </a:fontRef>
+        </p:style>
+        <p:txBody>
+          <a:bodyPr rtlCol="0" anchor="ctr"/>
+          <a:lstStyle/>
+          <a:p>
+            <a:pPr algn="ctr"/>
+            <a:endParaRPr lang="en-US" dirty="0"/>
+          </a:p>
+        </p:txBody>
+      </p:sp>
+      <p:sp>
+        <p:nvSpPr>
           <p:cNvPr id="4" name="Content Placeholder 3">
             <a:extLst>
               <a:ext uri="{FF2B5EF4-FFF2-40B4-BE49-F238E27FC236}">
@@ -26451,7 +27504,7 @@
                   <a:spcPts val="600"/>
                 </a:spcAft>
               </a:pPr>
-              <a:t>21</a:t>
+              <a:t>22</a:t>
             </a:fld>
             <a:endParaRPr lang="it-IT" sz="1800" b="1" dirty="0"/>
           </a:p>
@@ -34211,6 +35264,15 @@
 </file>
 
 <file path=customXml/item1.xml><?xml version="1.0" encoding="utf-8"?>
+<?mso-contentType ?>
+<FormTemplates xmlns="http://schemas.microsoft.com/sharepoint/v3/contenttype/forms">
+  <Display>DocumentLibraryForm</Display>
+  <Edit>DocumentLibraryForm</Edit>
+  <New>DocumentLibraryForm</New>
+</FormTemplates>
+</file>
+
+<file path=customXml/item2.xml><?xml version="1.0" encoding="utf-8"?>
 <ct:contentTypeSchema xmlns:ct="http://schemas.microsoft.com/office/2006/metadata/contentType" xmlns:ma="http://schemas.microsoft.com/office/2006/metadata/properties/metaAttributes" ct:_="" ma:_="" ma:contentTypeName="Documento" ma:contentTypeID="0x0101007CE6213B20D2F945B0D1473923EE410F" ma:contentTypeVersion="7" ma:contentTypeDescription="Creare un nuovo documento." ma:contentTypeScope="" ma:versionID="dc8ac43e96b461727accd63cf925a5cf">
   <xsd:schema xmlns:xsd="http://www.w3.org/2001/XMLSchema" xmlns:xs="http://www.w3.org/2001/XMLSchema" xmlns:p="http://schemas.microsoft.com/office/2006/metadata/properties" xmlns:ns2="243f3390-b919-40e8-8195-3613e8527352" targetNamespace="http://schemas.microsoft.com/office/2006/metadata/properties" ma:root="true" ma:fieldsID="1987007e621e1b24d40e437f012b913d" ns2:_="">
     <xsd:import namespace="243f3390-b919-40e8-8195-3613e8527352"/>
@@ -34372,15 +35434,6 @@
 </ct:contentTypeSchema>
 </file>
 
-<file path=customXml/item2.xml><?xml version="1.0" encoding="utf-8"?>
-<?mso-contentType ?>
-<FormTemplates xmlns="http://schemas.microsoft.com/sharepoint/v3/contenttype/forms">
-  <Display>DocumentLibraryForm</Display>
-  <Edit>DocumentLibraryForm</Edit>
-  <New>DocumentLibraryForm</New>
-</FormTemplates>
-</file>
-
 <file path=customXml/item3.xml><?xml version="1.0" encoding="utf-8"?>
 <p:properties xmlns:p="http://schemas.microsoft.com/office/2006/metadata/properties" xmlns:xsi="http://www.w3.org/2001/XMLSchema-instance" xmlns:pc="http://schemas.microsoft.com/office/infopath/2007/PartnerControls">
   <documentManagement/>
@@ -34388,6 +35441,14 @@
 </file>
 
 <file path=customXml/itemProps1.xml><?xml version="1.0" encoding="utf-8"?>
+<ds:datastoreItem xmlns:ds="http://schemas.openxmlformats.org/officeDocument/2006/customXml" ds:itemID="{42BC90D6-94CF-42F7-AAC4-9CF6824C54D5}">
+  <ds:schemaRefs>
+    <ds:schemaRef ds:uri="http://schemas.microsoft.com/sharepoint/v3/contenttype/forms"/>
+  </ds:schemaRefs>
+</ds:datastoreItem>
+</file>
+
+<file path=customXml/itemProps2.xml><?xml version="1.0" encoding="utf-8"?>
 <ds:datastoreItem xmlns:ds="http://schemas.openxmlformats.org/officeDocument/2006/customXml" ds:itemID="{1A503E23-9696-4358-8F00-F7F66AC755EB}">
   <ds:schemaRefs>
     <ds:schemaRef ds:uri="http://schemas.microsoft.com/office/2006/metadata/contentType"/>
@@ -34401,14 +35462,6 @@
     <ds:schemaRef ds:uri="http://purl.org/dc/elements/1.1/"/>
     <ds:schemaRef ds:uri="http://purl.org/dc/terms/"/>
     <ds:schemaRef ds:uri="http://schemas.microsoft.com/internal/obd"/>
-  </ds:schemaRefs>
-</ds:datastoreItem>
-</file>
-
-<file path=customXml/itemProps2.xml><?xml version="1.0" encoding="utf-8"?>
-<ds:datastoreItem xmlns:ds="http://schemas.openxmlformats.org/officeDocument/2006/customXml" ds:itemID="{42BC90D6-94CF-42F7-AAC4-9CF6824C54D5}">
-  <ds:schemaRefs>
-    <ds:schemaRef ds:uri="http://schemas.microsoft.com/sharepoint/v3/contenttype/forms"/>
   </ds:schemaRefs>
 </ds:datastoreItem>
 </file>

--- a/Presentazione/Presentazione_Progetto.pptx
+++ b/Presentazione/Presentazione_Progetto.pptx
@@ -168,7 +168,7 @@
 <file path=ppt/revisionInfo.xml><?xml version="1.0" encoding="utf-8"?>
 <p1510:revInfo xmlns:a="http://schemas.openxmlformats.org/drawingml/2006/main" xmlns:r="http://schemas.openxmlformats.org/officeDocument/2006/relationships" xmlns:p1510="http://schemas.microsoft.com/office/powerpoint/2015/10/main">
   <p1510:revLst>
-    <p1510:client id="{740BB46D-1FBD-4BE5-BEA3-98CD9E9E2715}" v="48" dt="2024-02-02T17:52:19.394"/>
+    <p1510:client id="{740BB46D-1FBD-4BE5-BEA3-98CD9E9E2715}" v="82" dt="2024-02-04T20:41:09.531"/>
   </p1510:revLst>
 </p1510:revInfo>
 </file>
@@ -178,7 +178,7 @@
   <pc:docChgLst>
     <pc:chgData name="Matteo MANGILI" userId="89c7df381375e6aa" providerId="LiveId" clId="{740BB46D-1FBD-4BE5-BEA3-98CD9E9E2715}"/>
     <pc:docChg chg="undo custSel addSld modSld">
-      <pc:chgData name="Matteo MANGILI" userId="89c7df381375e6aa" providerId="LiveId" clId="{740BB46D-1FBD-4BE5-BEA3-98CD9E9E2715}" dt="2024-02-02T17:59:43.943" v="6323" actId="20577"/>
+      <pc:chgData name="Matteo MANGILI" userId="89c7df381375e6aa" providerId="LiveId" clId="{740BB46D-1FBD-4BE5-BEA3-98CD9E9E2715}" dt="2024-02-04T20:40:58.710" v="6823" actId="20577"/>
       <pc:docMkLst>
         <pc:docMk/>
       </pc:docMkLst>
@@ -311,13 +311,13 @@
         </pc:spChg>
       </pc:sldChg>
       <pc:sldChg chg="modSp mod">
-        <pc:chgData name="Matteo MANGILI" userId="89c7df381375e6aa" providerId="LiveId" clId="{740BB46D-1FBD-4BE5-BEA3-98CD9E9E2715}" dt="2024-01-25T10:54:16.505" v="4507" actId="20577"/>
+        <pc:chgData name="Matteo MANGILI" userId="89c7df381375e6aa" providerId="LiveId" clId="{740BB46D-1FBD-4BE5-BEA3-98CD9E9E2715}" dt="2024-02-04T20:40:58.710" v="6823" actId="20577"/>
         <pc:sldMkLst>
           <pc:docMk/>
           <pc:sldMk cId="2214790197" sldId="310"/>
         </pc:sldMkLst>
         <pc:spChg chg="mod">
-          <ac:chgData name="Matteo MANGILI" userId="89c7df381375e6aa" providerId="LiveId" clId="{740BB46D-1FBD-4BE5-BEA3-98CD9E9E2715}" dt="2024-01-25T10:54:16.505" v="4507" actId="20577"/>
+          <ac:chgData name="Matteo MANGILI" userId="89c7df381375e6aa" providerId="LiveId" clId="{740BB46D-1FBD-4BE5-BEA3-98CD9E9E2715}" dt="2024-02-04T20:40:58.710" v="6823" actId="20577"/>
           <ac:spMkLst>
             <pc:docMk/>
             <pc:sldMk cId="2214790197" sldId="310"/>
@@ -754,7 +754,7 @@
             <a:pPr rtl="0"/>
             <a:fld id="{DBC54730-5EBA-4920-A6C4-7F8458A7F940}" type="datetime1">
               <a:rPr lang="it-IT" smtClean="0"/>
-              <a:t>02/02/2024</a:t>
+              <a:t>04/02/2024</a:t>
             </a:fld>
             <a:endParaRPr lang="it-IT" dirty="0"/>
           </a:p>
@@ -936,7 +936,7 @@
             <a:fld id="{85EC1C34-318D-43A8-83F5-3AC8647FE75E}" type="datetime1">
               <a:rPr lang="it-IT" smtClean="0"/>
               <a:pPr/>
-              <a:t>02/02/2024</a:t>
+              <a:t>04/02/2024</a:t>
             </a:fld>
             <a:endParaRPr lang="it-IT" dirty="0"/>
           </a:p>
@@ -19975,15 +19975,7 @@
             </a:r>
             <a:r>
               <a:rPr lang="en-US" sz="2200" dirty="0"/>
-              <a:t> </a:t>
-            </a:r>
-            <a:r>
-              <a:rPr lang="en-US" sz="2200" dirty="0" err="1"/>
-              <a:t>nel</a:t>
-            </a:r>
-            <a:r>
-              <a:rPr lang="en-US" sz="2200" dirty="0"/>
-              <a:t> </a:t>
+              <a:t> nel </a:t>
             </a:r>
             <a:r>
               <a:rPr lang="en-US" sz="2200" dirty="0" err="1"/>
@@ -27402,21 +27394,8 @@
             </a:pPr>
             <a:r>
               <a:rPr lang="en-US" sz="2000" i="1" dirty="0"/>
-              <a:t>Test di </a:t>
-            </a:r>
-            <a:r>
-              <a:rPr lang="en-US" sz="2000" i="1" dirty="0" err="1"/>
-              <a:t>Unità</a:t>
-            </a:r>
-            <a:r>
-              <a:rPr lang="en-US" sz="2000" i="1" dirty="0"/>
-              <a:t> di Modulo e Test di </a:t>
-            </a:r>
-            <a:r>
-              <a:rPr lang="en-US" sz="2000" i="1" dirty="0" err="1"/>
-              <a:t>Integrazione</a:t>
-            </a:r>
-            <a:endParaRPr lang="en-US" sz="2000" i="1" dirty="0"/>
+              <a:t>Test di Unità di Modulo e Test di Integrazione</a:t>
+            </a:r>
           </a:p>
           <a:p>
             <a:pPr lvl="1">
@@ -27424,12 +27403,8 @@
               <a:buChar char="v"/>
             </a:pPr>
             <a:r>
-              <a:rPr lang="en-US" sz="2000" i="1" dirty="0" err="1"/>
-              <a:t>Collaudo</a:t>
-            </a:r>
-            <a:r>
               <a:rPr lang="en-US" sz="2000" i="1" dirty="0"/>
-              <a:t> del Sistema</a:t>
+              <a:t>Collaudo del Sistema</a:t>
             </a:r>
           </a:p>
           <a:p>
@@ -27439,13 +27414,8 @@
             </a:pPr>
             <a:r>
               <a:rPr lang="en-US" sz="2000" i="1" dirty="0"/>
-              <a:t>Test di </a:t>
-            </a:r>
-            <a:r>
-              <a:rPr lang="en-US" sz="2000" i="1" dirty="0" err="1"/>
-              <a:t>Accettazione</a:t>
-            </a:r>
-            <a:endParaRPr lang="en-US" sz="2000" i="1" dirty="0"/>
+              <a:t>Test di Accettazione</a:t>
+            </a:r>
           </a:p>
           <a:p>
             <a:pPr lvl="1">
@@ -27454,13 +27424,66 @@
             </a:pPr>
             <a:r>
               <a:rPr lang="en-US" sz="2000" i="1" dirty="0"/>
-              <a:t>Test di </a:t>
-            </a:r>
-            <a:r>
-              <a:rPr lang="en-US" sz="2000" i="1"/>
-              <a:t>installazione</a:t>
-            </a:r>
+              <a:t>Test di Installazione</a:t>
+            </a:r>
+          </a:p>
+          <a:p>
+            <a:pPr lvl="1">
+              <a:buFont typeface="Wingdings" panose="05000000000000000000" pitchFamily="2" charset="2"/>
+              <a:buChar char="v"/>
+            </a:pPr>
             <a:endParaRPr lang="en-US" sz="2000" i="1" dirty="0"/>
+          </a:p>
+          <a:p>
+            <a:pPr marL="457200" lvl="1" indent="0">
+              <a:buNone/>
+            </a:pPr>
+            <a:r>
+              <a:rPr lang="en-US" sz="2000" dirty="0"/>
+              <a:t>Nell’effettuare un testing al nostro Progetto, abbiamo potato per un test di tipo </a:t>
+            </a:r>
+            <a:r>
+              <a:rPr lang="en-US" sz="2000" b="1" dirty="0"/>
+              <a:t>manuale</a:t>
+            </a:r>
+            <a:r>
+              <a:rPr lang="en-US" sz="2000" dirty="0"/>
+              <a:t>:</a:t>
+            </a:r>
+          </a:p>
+          <a:p>
+            <a:pPr marL="457200" lvl="1" indent="0">
+              <a:buNone/>
+            </a:pPr>
+            <a:r>
+              <a:rPr lang="en-US" sz="2000" dirty="0"/>
+              <a:t>- Lo scopo era verificare che il test non portasse a </a:t>
+            </a:r>
+            <a:r>
+              <a:rPr lang="en-US" sz="2000" i="1" dirty="0"/>
+              <a:t>malfunzionamenti </a:t>
+            </a:r>
+            <a:r>
+              <a:rPr lang="en-US" sz="2000" dirty="0"/>
+              <a:t>(funzionamento errato del programma) o </a:t>
+            </a:r>
+            <a:r>
+              <a:rPr lang="en-US" sz="2000" i="1" dirty="0"/>
+              <a:t>difetti </a:t>
+            </a:r>
+            <a:r>
+              <a:rPr lang="en-US" sz="2000" dirty="0"/>
+              <a:t>(comportamento diverso dale aspettative del programma),</a:t>
+            </a:r>
+          </a:p>
+          <a:p>
+            <a:pPr marL="457200" lvl="1" indent="0">
+              <a:buNone/>
+            </a:pPr>
+            <a:r>
+              <a:rPr lang="en-US" sz="2000" dirty="0"/>
+              <a:t>- Inseriti degli input nel codice, I tre collaboraori hanno verificato che il software si comporti in maniera corretta.</a:t>
+            </a:r>
           </a:p>
         </p:txBody>
       </p:sp>
@@ -35264,15 +35287,6 @@
 </file>
 
 <file path=customXml/item1.xml><?xml version="1.0" encoding="utf-8"?>
-<?mso-contentType ?>
-<FormTemplates xmlns="http://schemas.microsoft.com/sharepoint/v3/contenttype/forms">
-  <Display>DocumentLibraryForm</Display>
-  <Edit>DocumentLibraryForm</Edit>
-  <New>DocumentLibraryForm</New>
-</FormTemplates>
-</file>
-
-<file path=customXml/item2.xml><?xml version="1.0" encoding="utf-8"?>
 <ct:contentTypeSchema xmlns:ct="http://schemas.microsoft.com/office/2006/metadata/contentType" xmlns:ma="http://schemas.microsoft.com/office/2006/metadata/properties/metaAttributes" ct:_="" ma:_="" ma:contentTypeName="Documento" ma:contentTypeID="0x0101007CE6213B20D2F945B0D1473923EE410F" ma:contentTypeVersion="7" ma:contentTypeDescription="Creare un nuovo documento." ma:contentTypeScope="" ma:versionID="dc8ac43e96b461727accd63cf925a5cf">
   <xsd:schema xmlns:xsd="http://www.w3.org/2001/XMLSchema" xmlns:xs="http://www.w3.org/2001/XMLSchema" xmlns:p="http://schemas.microsoft.com/office/2006/metadata/properties" xmlns:ns2="243f3390-b919-40e8-8195-3613e8527352" targetNamespace="http://schemas.microsoft.com/office/2006/metadata/properties" ma:root="true" ma:fieldsID="1987007e621e1b24d40e437f012b913d" ns2:_="">
     <xsd:import namespace="243f3390-b919-40e8-8195-3613e8527352"/>
@@ -35434,6 +35448,15 @@
 </ct:contentTypeSchema>
 </file>
 
+<file path=customXml/item2.xml><?xml version="1.0" encoding="utf-8"?>
+<?mso-contentType ?>
+<FormTemplates xmlns="http://schemas.microsoft.com/sharepoint/v3/contenttype/forms">
+  <Display>DocumentLibraryForm</Display>
+  <Edit>DocumentLibraryForm</Edit>
+  <New>DocumentLibraryForm</New>
+</FormTemplates>
+</file>
+
 <file path=customXml/item3.xml><?xml version="1.0" encoding="utf-8"?>
 <p:properties xmlns:p="http://schemas.microsoft.com/office/2006/metadata/properties" xmlns:xsi="http://www.w3.org/2001/XMLSchema-instance" xmlns:pc="http://schemas.microsoft.com/office/infopath/2007/PartnerControls">
   <documentManagement/>
@@ -35441,14 +35464,6 @@
 </file>
 
 <file path=customXml/itemProps1.xml><?xml version="1.0" encoding="utf-8"?>
-<ds:datastoreItem xmlns:ds="http://schemas.openxmlformats.org/officeDocument/2006/customXml" ds:itemID="{42BC90D6-94CF-42F7-AAC4-9CF6824C54D5}">
-  <ds:schemaRefs>
-    <ds:schemaRef ds:uri="http://schemas.microsoft.com/sharepoint/v3/contenttype/forms"/>
-  </ds:schemaRefs>
-</ds:datastoreItem>
-</file>
-
-<file path=customXml/itemProps2.xml><?xml version="1.0" encoding="utf-8"?>
 <ds:datastoreItem xmlns:ds="http://schemas.openxmlformats.org/officeDocument/2006/customXml" ds:itemID="{1A503E23-9696-4358-8F00-F7F66AC755EB}">
   <ds:schemaRefs>
     <ds:schemaRef ds:uri="http://schemas.microsoft.com/office/2006/metadata/contentType"/>
@@ -35462,6 +35477,14 @@
     <ds:schemaRef ds:uri="http://purl.org/dc/elements/1.1/"/>
     <ds:schemaRef ds:uri="http://purl.org/dc/terms/"/>
     <ds:schemaRef ds:uri="http://schemas.microsoft.com/internal/obd"/>
+  </ds:schemaRefs>
+</ds:datastoreItem>
+</file>
+
+<file path=customXml/itemProps2.xml><?xml version="1.0" encoding="utf-8"?>
+<ds:datastoreItem xmlns:ds="http://schemas.openxmlformats.org/officeDocument/2006/customXml" ds:itemID="{42BC90D6-94CF-42F7-AAC4-9CF6824C54D5}">
+  <ds:schemaRefs>
+    <ds:schemaRef ds:uri="http://schemas.microsoft.com/sharepoint/v3/contenttype/forms"/>
   </ds:schemaRefs>
 </ds:datastoreItem>
 </file>

--- a/Presentazione/Presentazione_Progetto.pptx
+++ b/Presentazione/Presentazione_Progetto.pptx
@@ -178,7 +178,7 @@
   <pc:docChgLst>
     <pc:chgData name="Matteo MANGILI" userId="89c7df381375e6aa" providerId="LiveId" clId="{740BB46D-1FBD-4BE5-BEA3-98CD9E9E2715}"/>
     <pc:docChg chg="undo custSel addSld modSld">
-      <pc:chgData name="Matteo MANGILI" userId="89c7df381375e6aa" providerId="LiveId" clId="{740BB46D-1FBD-4BE5-BEA3-98CD9E9E2715}" dt="2024-02-04T20:40:58.710" v="6823" actId="20577"/>
+      <pc:chgData name="Matteo MANGILI" userId="89c7df381375e6aa" providerId="LiveId" clId="{740BB46D-1FBD-4BE5-BEA3-98CD9E9E2715}" dt="2024-02-04T20:46:58.413" v="6849" actId="113"/>
       <pc:docMkLst>
         <pc:docMk/>
       </pc:docMkLst>
@@ -325,6 +325,21 @@
           </ac:spMkLst>
         </pc:spChg>
       </pc:sldChg>
+      <pc:sldChg chg="modSp mod">
+        <pc:chgData name="Matteo MANGILI" userId="89c7df381375e6aa" providerId="LiveId" clId="{740BB46D-1FBD-4BE5-BEA3-98CD9E9E2715}" dt="2024-02-04T20:46:58.413" v="6849" actId="113"/>
+        <pc:sldMkLst>
+          <pc:docMk/>
+          <pc:sldMk cId="4188911557" sldId="312"/>
+        </pc:sldMkLst>
+        <pc:spChg chg="mod">
+          <ac:chgData name="Matteo MANGILI" userId="89c7df381375e6aa" providerId="LiveId" clId="{740BB46D-1FBD-4BE5-BEA3-98CD9E9E2715}" dt="2024-02-04T20:46:58.413" v="6849" actId="113"/>
+          <ac:spMkLst>
+            <pc:docMk/>
+            <pc:sldMk cId="4188911557" sldId="312"/>
+            <ac:spMk id="82" creationId="{CE36A058-BEC2-4BC5-A467-F2EB2A365051}"/>
+          </ac:spMkLst>
+        </pc:spChg>
+      </pc:sldChg>
       <pc:sldChg chg="addSp delSp modSp mod">
         <pc:chgData name="Matteo MANGILI" userId="89c7df381375e6aa" providerId="LiveId" clId="{740BB46D-1FBD-4BE5-BEA3-98CD9E9E2715}" dt="2024-02-02T17:49:44.104" v="5941" actId="20577"/>
         <pc:sldMkLst>
@@ -411,8 +426,8 @@
           </ac:picMkLst>
         </pc:picChg>
       </pc:sldChg>
-      <pc:sldChg chg="modSp mod">
-        <pc:chgData name="Matteo MANGILI" userId="89c7df381375e6aa" providerId="LiveId" clId="{740BB46D-1FBD-4BE5-BEA3-98CD9E9E2715}" dt="2024-01-21T20:39:53.937" v="2269" actId="20577"/>
+      <pc:sldChg chg="addSp delSp modSp mod">
+        <pc:chgData name="Matteo MANGILI" userId="89c7df381375e6aa" providerId="LiveId" clId="{740BB46D-1FBD-4BE5-BEA3-98CD9E9E2715}" dt="2024-02-04T20:45:28.023" v="6847" actId="1076"/>
         <pc:sldMkLst>
           <pc:docMk/>
           <pc:sldMk cId="1841377636" sldId="316"/>
@@ -425,6 +440,22 @@
             <ac:spMk id="6" creationId="{07D5F90B-A703-3979-44A8-9125B7AA3463}"/>
           </ac:spMkLst>
         </pc:spChg>
+        <pc:spChg chg="del">
+          <ac:chgData name="Matteo MANGILI" userId="89c7df381375e6aa" providerId="LiveId" clId="{740BB46D-1FBD-4BE5-BEA3-98CD9E9E2715}" dt="2024-02-04T20:45:15.554" v="6824" actId="22"/>
+          <ac:spMkLst>
+            <pc:docMk/>
+            <pc:sldMk cId="1841377636" sldId="316"/>
+            <ac:spMk id="9" creationId="{093A462C-9B50-FE8F-AD29-63FB46C03202}"/>
+          </ac:spMkLst>
+        </pc:spChg>
+        <pc:picChg chg="add mod ord">
+          <ac:chgData name="Matteo MANGILI" userId="89c7df381375e6aa" providerId="LiveId" clId="{740BB46D-1FBD-4BE5-BEA3-98CD9E9E2715}" dt="2024-02-04T20:45:28.023" v="6847" actId="1076"/>
+          <ac:picMkLst>
+            <pc:docMk/>
+            <pc:sldMk cId="1841377636" sldId="316"/>
+            <ac:picMk id="4" creationId="{C9478E04-5045-F213-EE5F-B0EBAAC6ED03}"/>
+          </ac:picMkLst>
+        </pc:picChg>
       </pc:sldChg>
       <pc:sldChg chg="addSp modSp mod">
         <pc:chgData name="Matteo MANGILI" userId="89c7df381375e6aa" providerId="LiveId" clId="{740BB46D-1FBD-4BE5-BEA3-98CD9E9E2715}" dt="2024-01-25T11:22:49.029" v="5854" actId="20577"/>
@@ -442,7 +473,7 @@
         </pc:spChg>
       </pc:sldChg>
       <pc:sldChg chg="addSp delSp modSp add mod">
-        <pc:chgData name="Matteo MANGILI" userId="89c7df381375e6aa" providerId="LiveId" clId="{740BB46D-1FBD-4BE5-BEA3-98CD9E9E2715}" dt="2024-01-25T10:24:54.457" v="3471" actId="255"/>
+        <pc:chgData name="Matteo MANGILI" userId="89c7df381375e6aa" providerId="LiveId" clId="{740BB46D-1FBD-4BE5-BEA3-98CD9E9E2715}" dt="2024-02-04T20:46:40.516" v="6848" actId="113"/>
         <pc:sldMkLst>
           <pc:docMk/>
           <pc:sldMk cId="112244765" sldId="318"/>
@@ -493,6 +524,14 @@
             <pc:docMk/>
             <pc:sldMk cId="112244765" sldId="318"/>
             <ac:spMk id="11" creationId="{C1C708C4-D7EC-7ED8-A397-AF1F95BF1686}"/>
+          </ac:spMkLst>
+        </pc:spChg>
+        <pc:spChg chg="mod">
+          <ac:chgData name="Matteo MANGILI" userId="89c7df381375e6aa" providerId="LiveId" clId="{740BB46D-1FBD-4BE5-BEA3-98CD9E9E2715}" dt="2024-02-04T20:46:40.516" v="6848" actId="113"/>
+          <ac:spMkLst>
+            <pc:docMk/>
+            <pc:sldMk cId="112244765" sldId="318"/>
+            <ac:spMk id="82" creationId="{CE36A058-BEC2-4BC5-A467-F2EB2A365051}"/>
           </ac:spMkLst>
         </pc:spChg>
         <pc:picChg chg="del">
@@ -25707,31 +25746,35 @@
           </a:p>
         </p:txBody>
       </p:sp>
-      <p:sp>
-        <p:nvSpPr>
-          <p:cNvPr id="9" name="Segnaposto contenuto 8">
+      <p:pic>
+        <p:nvPicPr>
+          <p:cNvPr id="4" name="Segnaposto contenuto 3">
             <a:extLst>
               <a:ext uri="{FF2B5EF4-FFF2-40B4-BE49-F238E27FC236}">
-                <a16:creationId xmlns:a16="http://schemas.microsoft.com/office/drawing/2014/main" id="{093A462C-9B50-FE8F-AD29-63FB46C03202}"/>
+                <a16:creationId xmlns:a16="http://schemas.microsoft.com/office/drawing/2014/main" id="{C9478E04-5045-F213-EE5F-B0EBAAC6ED03}"/>
               </a:ext>
             </a:extLst>
           </p:cNvPr>
-          <p:cNvSpPr>
-            <a:spLocks noGrp="1"/>
-          </p:cNvSpPr>
+          <p:cNvPicPr>
+            <a:picLocks noGrp="1" noChangeAspect="1"/>
+          </p:cNvPicPr>
           <p:nvPr>
             <p:ph idx="1"/>
           </p:nvPr>
-        </p:nvSpPr>
-        <p:spPr/>
-        <p:txBody>
-          <a:bodyPr/>
-          <a:lstStyle/>
-          <a:p>
-            <a:endParaRPr lang="it-IT" dirty="0"/>
-          </a:p>
-        </p:txBody>
-      </p:sp>
+        </p:nvPicPr>
+        <p:blipFill>
+          <a:blip r:embed="rId2"/>
+          <a:stretch>
+            <a:fillRect/>
+          </a:stretch>
+        </p:blipFill>
+        <p:spPr>
+          <a:xfrm>
+            <a:off x="2933763" y="2468705"/>
+            <a:ext cx="6321426" cy="3384000"/>
+          </a:xfrm>
+        </p:spPr>
+      </p:pic>
     </p:spTree>
     <p:extLst>
       <p:ext uri="{BB962C8B-B14F-4D97-AF65-F5344CB8AC3E}">
@@ -29281,7 +29324,7 @@
               </a:spcAft>
             </a:pPr>
             <a:fld id="{B5CEABB6-07DC-46E8-9B57-56EC44A396E5}" type="slidenum">
-              <a:rPr lang="en-US" sz="1800" smtClean="0"/>
+              <a:rPr lang="en-US" sz="1800" b="1" smtClean="0"/>
               <a:pPr>
                 <a:spcAft>
                   <a:spcPts val="600"/>
@@ -29289,7 +29332,7 @@
               </a:pPr>
               <a:t>4</a:t>
             </a:fld>
-            <a:endParaRPr lang="en-US" sz="1800" dirty="0"/>
+            <a:endParaRPr lang="en-US" sz="1800" b="1" dirty="0"/>
           </a:p>
         </p:txBody>
       </p:sp>
@@ -30277,7 +30320,7 @@
               </a:spcAft>
             </a:pPr>
             <a:fld id="{B5CEABB6-07DC-46E8-9B57-56EC44A396E5}" type="slidenum">
-              <a:rPr lang="en-US" sz="1800" smtClean="0"/>
+              <a:rPr lang="en-US" sz="1800" b="1" smtClean="0"/>
               <a:pPr>
                 <a:spcAft>
                   <a:spcPts val="600"/>
@@ -30285,7 +30328,7 @@
               </a:pPr>
               <a:t>5</a:t>
             </a:fld>
-            <a:endParaRPr lang="en-US" sz="1800" dirty="0"/>
+            <a:endParaRPr lang="en-US" sz="1800" b="1" dirty="0"/>
           </a:p>
         </p:txBody>
       </p:sp>
@@ -35287,6 +35330,15 @@
 </file>
 
 <file path=customXml/item1.xml><?xml version="1.0" encoding="utf-8"?>
+<?mso-contentType ?>
+<FormTemplates xmlns="http://schemas.microsoft.com/sharepoint/v3/contenttype/forms">
+  <Display>DocumentLibraryForm</Display>
+  <Edit>DocumentLibraryForm</Edit>
+  <New>DocumentLibraryForm</New>
+</FormTemplates>
+</file>
+
+<file path=customXml/item2.xml><?xml version="1.0" encoding="utf-8"?>
 <ct:contentTypeSchema xmlns:ct="http://schemas.microsoft.com/office/2006/metadata/contentType" xmlns:ma="http://schemas.microsoft.com/office/2006/metadata/properties/metaAttributes" ct:_="" ma:_="" ma:contentTypeName="Documento" ma:contentTypeID="0x0101007CE6213B20D2F945B0D1473923EE410F" ma:contentTypeVersion="7" ma:contentTypeDescription="Creare un nuovo documento." ma:contentTypeScope="" ma:versionID="dc8ac43e96b461727accd63cf925a5cf">
   <xsd:schema xmlns:xsd="http://www.w3.org/2001/XMLSchema" xmlns:xs="http://www.w3.org/2001/XMLSchema" xmlns:p="http://schemas.microsoft.com/office/2006/metadata/properties" xmlns:ns2="243f3390-b919-40e8-8195-3613e8527352" targetNamespace="http://schemas.microsoft.com/office/2006/metadata/properties" ma:root="true" ma:fieldsID="1987007e621e1b24d40e437f012b913d" ns2:_="">
     <xsd:import namespace="243f3390-b919-40e8-8195-3613e8527352"/>
@@ -35448,15 +35500,6 @@
 </ct:contentTypeSchema>
 </file>
 
-<file path=customXml/item2.xml><?xml version="1.0" encoding="utf-8"?>
-<?mso-contentType ?>
-<FormTemplates xmlns="http://schemas.microsoft.com/sharepoint/v3/contenttype/forms">
-  <Display>DocumentLibraryForm</Display>
-  <Edit>DocumentLibraryForm</Edit>
-  <New>DocumentLibraryForm</New>
-</FormTemplates>
-</file>
-
 <file path=customXml/item3.xml><?xml version="1.0" encoding="utf-8"?>
 <p:properties xmlns:p="http://schemas.microsoft.com/office/2006/metadata/properties" xmlns:xsi="http://www.w3.org/2001/XMLSchema-instance" xmlns:pc="http://schemas.microsoft.com/office/infopath/2007/PartnerControls">
   <documentManagement/>
@@ -35464,6 +35507,14 @@
 </file>
 
 <file path=customXml/itemProps1.xml><?xml version="1.0" encoding="utf-8"?>
+<ds:datastoreItem xmlns:ds="http://schemas.openxmlformats.org/officeDocument/2006/customXml" ds:itemID="{42BC90D6-94CF-42F7-AAC4-9CF6824C54D5}">
+  <ds:schemaRefs>
+    <ds:schemaRef ds:uri="http://schemas.microsoft.com/sharepoint/v3/contenttype/forms"/>
+  </ds:schemaRefs>
+</ds:datastoreItem>
+</file>
+
+<file path=customXml/itemProps2.xml><?xml version="1.0" encoding="utf-8"?>
 <ds:datastoreItem xmlns:ds="http://schemas.openxmlformats.org/officeDocument/2006/customXml" ds:itemID="{1A503E23-9696-4358-8F00-F7F66AC755EB}">
   <ds:schemaRefs>
     <ds:schemaRef ds:uri="http://schemas.microsoft.com/office/2006/metadata/contentType"/>
@@ -35477,14 +35528,6 @@
     <ds:schemaRef ds:uri="http://purl.org/dc/elements/1.1/"/>
     <ds:schemaRef ds:uri="http://purl.org/dc/terms/"/>
     <ds:schemaRef ds:uri="http://schemas.microsoft.com/internal/obd"/>
-  </ds:schemaRefs>
-</ds:datastoreItem>
-</file>
-
-<file path=customXml/itemProps2.xml><?xml version="1.0" encoding="utf-8"?>
-<ds:datastoreItem xmlns:ds="http://schemas.openxmlformats.org/officeDocument/2006/customXml" ds:itemID="{42BC90D6-94CF-42F7-AAC4-9CF6824C54D5}">
-  <ds:schemaRefs>
-    <ds:schemaRef ds:uri="http://schemas.microsoft.com/sharepoint/v3/contenttype/forms"/>
   </ds:schemaRefs>
 </ds:datastoreItem>
 </file>

--- a/Presentazione/Presentazione_Progetto.pptx
+++ b/Presentazione/Presentazione_Progetto.pptx
@@ -179,7 +179,7 @@
   <pc:docChgLst>
     <pc:chgData name="Matteo MANGILI" userId="89c7df381375e6aa" providerId="LiveId" clId="{740BB46D-1FBD-4BE5-BEA3-98CD9E9E2715}"/>
     <pc:docChg chg="undo custSel addSld modSld">
-      <pc:chgData name="Matteo MANGILI" userId="89c7df381375e6aa" providerId="LiveId" clId="{740BB46D-1FBD-4BE5-BEA3-98CD9E9E2715}" dt="2024-02-07T15:17:04.699" v="8767" actId="20577"/>
+      <pc:chgData name="Matteo MANGILI" userId="89c7df381375e6aa" providerId="LiveId" clId="{740BB46D-1FBD-4BE5-BEA3-98CD9E9E2715}" dt="2024-02-07T15:20:35.146" v="8836" actId="20577"/>
       <pc:docMkLst>
         <pc:docMk/>
       </pc:docMkLst>
@@ -365,13 +365,13 @@
         </pc:spChg>
       </pc:sldChg>
       <pc:sldChg chg="modSp mod">
-        <pc:chgData name="Matteo MANGILI" userId="89c7df381375e6aa" providerId="LiveId" clId="{740BB46D-1FBD-4BE5-BEA3-98CD9E9E2715}" dt="2024-02-07T15:17:04.699" v="8767" actId="20577"/>
+        <pc:chgData name="Matteo MANGILI" userId="89c7df381375e6aa" providerId="LiveId" clId="{740BB46D-1FBD-4BE5-BEA3-98CD9E9E2715}" dt="2024-02-07T15:20:35.146" v="8836" actId="20577"/>
         <pc:sldMkLst>
           <pc:docMk/>
           <pc:sldMk cId="3576197673" sldId="313"/>
         </pc:sldMkLst>
         <pc:graphicFrameChg chg="modGraphic">
-          <ac:chgData name="Matteo MANGILI" userId="89c7df381375e6aa" providerId="LiveId" clId="{740BB46D-1FBD-4BE5-BEA3-98CD9E9E2715}" dt="2024-02-07T15:17:04.699" v="8767" actId="20577"/>
+          <ac:chgData name="Matteo MANGILI" userId="89c7df381375e6aa" providerId="LiveId" clId="{740BB46D-1FBD-4BE5-BEA3-98CD9E9E2715}" dt="2024-02-07T15:20:35.146" v="8836" actId="20577"/>
           <ac:graphicFrameMkLst>
             <pc:docMk/>
             <pc:sldMk cId="3576197673" sldId="313"/>
@@ -17103,7 +17103,7 @@
             <p:ph idx="1"/>
             <p:extLst>
               <p:ext uri="{D42A27DB-BD31-4B8C-83A1-F6EECF244321}">
-                <p14:modId xmlns:p14="http://schemas.microsoft.com/office/powerpoint/2010/main" val="3526461732"/>
+                <p14:modId xmlns:p14="http://schemas.microsoft.com/office/powerpoint/2010/main" val="1984206213"/>
               </p:ext>
             </p:extLst>
           </p:nvPr>
@@ -17346,12 +17346,8 @@
                         <a:buChar char="•"/>
                       </a:pPr>
                       <a:r>
-                        <a:rPr lang="it-IT" sz="1600" dirty="0" err="1"/>
-                        <a:t>Notiche</a:t>
-                      </a:r>
-                      <a:r>
                         <a:rPr lang="it-IT" sz="1600" dirty="0"/>
-                        <a:t> Esami da effettuare</a:t>
+                        <a:t>Notifiche Esami da effettuare</a:t>
                       </a:r>
                     </a:p>
                     <a:p>
@@ -17619,6 +17615,21 @@
                         <a:rPr lang="it-IT" dirty="0"/>
                         <a:t>Stampa del Verbale medico</a:t>
                       </a:r>
+                    </a:p>
+                    <a:p>
+                      <a:pPr marL="285750" indent="-285750">
+                        <a:buFont typeface="Arial" panose="020B0604020202020204" pitchFamily="34" charset="0"/>
+                        <a:buChar char="•"/>
+                      </a:pPr>
+                      <a:r>
+                        <a:rPr lang="it-IT" dirty="0"/>
+                        <a:t>Possibilità di vedere altri medici </a:t>
+                      </a:r>
+                      <a:r>
+                        <a:rPr lang="it-IT"/>
+                        <a:t>prima dell’intervento</a:t>
+                      </a:r>
+                      <a:endParaRPr lang="it-IT" dirty="0"/>
                     </a:p>
                   </a:txBody>
                   <a:tcPr>
@@ -36581,6 +36592,15 @@
 </file>
 
 <file path=customXml/item1.xml><?xml version="1.0" encoding="utf-8"?>
+<?mso-contentType ?>
+<FormTemplates xmlns="http://schemas.microsoft.com/sharepoint/v3/contenttype/forms">
+  <Display>DocumentLibraryForm</Display>
+  <Edit>DocumentLibraryForm</Edit>
+  <New>DocumentLibraryForm</New>
+</FormTemplates>
+</file>
+
+<file path=customXml/item2.xml><?xml version="1.0" encoding="utf-8"?>
 <ct:contentTypeSchema xmlns:ct="http://schemas.microsoft.com/office/2006/metadata/contentType" xmlns:ma="http://schemas.microsoft.com/office/2006/metadata/properties/metaAttributes" ct:_="" ma:_="" ma:contentTypeName="Documento" ma:contentTypeID="0x0101007CE6213B20D2F945B0D1473923EE410F" ma:contentTypeVersion="7" ma:contentTypeDescription="Creare un nuovo documento." ma:contentTypeScope="" ma:versionID="dc8ac43e96b461727accd63cf925a5cf">
   <xsd:schema xmlns:xsd="http://www.w3.org/2001/XMLSchema" xmlns:xs="http://www.w3.org/2001/XMLSchema" xmlns:p="http://schemas.microsoft.com/office/2006/metadata/properties" xmlns:ns2="243f3390-b919-40e8-8195-3613e8527352" targetNamespace="http://schemas.microsoft.com/office/2006/metadata/properties" ma:root="true" ma:fieldsID="1987007e621e1b24d40e437f012b913d" ns2:_="">
     <xsd:import namespace="243f3390-b919-40e8-8195-3613e8527352"/>
@@ -36742,15 +36762,6 @@
 </ct:contentTypeSchema>
 </file>
 
-<file path=customXml/item2.xml><?xml version="1.0" encoding="utf-8"?>
-<?mso-contentType ?>
-<FormTemplates xmlns="http://schemas.microsoft.com/sharepoint/v3/contenttype/forms">
-  <Display>DocumentLibraryForm</Display>
-  <Edit>DocumentLibraryForm</Edit>
-  <New>DocumentLibraryForm</New>
-</FormTemplates>
-</file>
-
 <file path=customXml/item3.xml><?xml version="1.0" encoding="utf-8"?>
 <p:properties xmlns:p="http://schemas.microsoft.com/office/2006/metadata/properties" xmlns:xsi="http://www.w3.org/2001/XMLSchema-instance" xmlns:pc="http://schemas.microsoft.com/office/infopath/2007/PartnerControls">
   <documentManagement/>
@@ -36758,6 +36769,14 @@
 </file>
 
 <file path=customXml/itemProps1.xml><?xml version="1.0" encoding="utf-8"?>
+<ds:datastoreItem xmlns:ds="http://schemas.openxmlformats.org/officeDocument/2006/customXml" ds:itemID="{42BC90D6-94CF-42F7-AAC4-9CF6824C54D5}">
+  <ds:schemaRefs>
+    <ds:schemaRef ds:uri="http://schemas.microsoft.com/sharepoint/v3/contenttype/forms"/>
+  </ds:schemaRefs>
+</ds:datastoreItem>
+</file>
+
+<file path=customXml/itemProps2.xml><?xml version="1.0" encoding="utf-8"?>
 <ds:datastoreItem xmlns:ds="http://schemas.openxmlformats.org/officeDocument/2006/customXml" ds:itemID="{1A503E23-9696-4358-8F00-F7F66AC755EB}">
   <ds:schemaRefs>
     <ds:schemaRef ds:uri="http://schemas.microsoft.com/office/2006/metadata/contentType"/>
@@ -36771,14 +36790,6 @@
     <ds:schemaRef ds:uri="http://purl.org/dc/elements/1.1/"/>
     <ds:schemaRef ds:uri="http://purl.org/dc/terms/"/>
     <ds:schemaRef ds:uri="http://schemas.microsoft.com/internal/obd"/>
-  </ds:schemaRefs>
-</ds:datastoreItem>
-</file>
-
-<file path=customXml/itemProps2.xml><?xml version="1.0" encoding="utf-8"?>
-<ds:datastoreItem xmlns:ds="http://schemas.openxmlformats.org/officeDocument/2006/customXml" ds:itemID="{42BC90D6-94CF-42F7-AAC4-9CF6824C54D5}">
-  <ds:schemaRefs>
-    <ds:schemaRef ds:uri="http://schemas.microsoft.com/sharepoint/v3/contenttype/forms"/>
   </ds:schemaRefs>
 </ds:datastoreItem>
 </file>

--- a/Presentazione/Presentazione_Progetto.pptx
+++ b/Presentazione/Presentazione_Progetto.pptx
@@ -169,7 +169,7 @@
 <file path=ppt/revisionInfo.xml><?xml version="1.0" encoding="utf-8"?>
 <p1510:revInfo xmlns:a="http://schemas.openxmlformats.org/drawingml/2006/main" xmlns:r="http://schemas.openxmlformats.org/officeDocument/2006/relationships" xmlns:p1510="http://schemas.microsoft.com/office/powerpoint/2015/10/main">
   <p1510:revLst>
-    <p1510:client id="{740BB46D-1FBD-4BE5-BEA3-98CD9E9E2715}" v="110" dt="2024-02-07T15:14:02.527"/>
+    <p1510:client id="{740BB46D-1FBD-4BE5-BEA3-98CD9E9E2715}" v="161" dt="2024-02-07T21:07:06.392"/>
   </p1510:revLst>
 </p1510:revInfo>
 </file>
@@ -179,7 +179,7 @@
   <pc:docChgLst>
     <pc:chgData name="Matteo MANGILI" userId="89c7df381375e6aa" providerId="LiveId" clId="{740BB46D-1FBD-4BE5-BEA3-98CD9E9E2715}"/>
     <pc:docChg chg="undo custSel addSld modSld">
-      <pc:chgData name="Matteo MANGILI" userId="89c7df381375e6aa" providerId="LiveId" clId="{740BB46D-1FBD-4BE5-BEA3-98CD9E9E2715}" dt="2024-02-07T15:20:35.146" v="8836" actId="20577"/>
+      <pc:chgData name="Matteo MANGILI" userId="89c7df381375e6aa" providerId="LiveId" clId="{740BB46D-1FBD-4BE5-BEA3-98CD9E9E2715}" dt="2024-02-07T21:06:39.500" v="10385" actId="20577"/>
       <pc:docMkLst>
         <pc:docMk/>
       </pc:docMkLst>
@@ -222,13 +222,13 @@
         </pc:spChg>
       </pc:sldChg>
       <pc:sldChg chg="modSp mod">
-        <pc:chgData name="Matteo MANGILI" userId="89c7df381375e6aa" providerId="LiveId" clId="{740BB46D-1FBD-4BE5-BEA3-98CD9E9E2715}" dt="2024-02-07T14:53:35.845" v="8039" actId="20577"/>
+        <pc:chgData name="Matteo MANGILI" userId="89c7df381375e6aa" providerId="LiveId" clId="{740BB46D-1FBD-4BE5-BEA3-98CD9E9E2715}" dt="2024-02-07T20:25:27.426" v="9066" actId="313"/>
         <pc:sldMkLst>
           <pc:docMk/>
           <pc:sldMk cId="3996999348" sldId="298"/>
         </pc:sldMkLst>
         <pc:spChg chg="mod">
-          <ac:chgData name="Matteo MANGILI" userId="89c7df381375e6aa" providerId="LiveId" clId="{740BB46D-1FBD-4BE5-BEA3-98CD9E9E2715}" dt="2024-02-07T14:53:35.845" v="8039" actId="20577"/>
+          <ac:chgData name="Matteo MANGILI" userId="89c7df381375e6aa" providerId="LiveId" clId="{740BB46D-1FBD-4BE5-BEA3-98CD9E9E2715}" dt="2024-02-07T20:25:27.426" v="9066" actId="313"/>
           <ac:spMkLst>
             <pc:docMk/>
             <pc:sldMk cId="3996999348" sldId="298"/>
@@ -252,13 +252,13 @@
         </pc:picChg>
       </pc:sldChg>
       <pc:sldChg chg="modSp mod">
-        <pc:chgData name="Matteo MANGILI" userId="89c7df381375e6aa" providerId="LiveId" clId="{740BB46D-1FBD-4BE5-BEA3-98CD9E9E2715}" dt="2024-01-25T11:09:11.413" v="5072" actId="20577"/>
+        <pc:chgData name="Matteo MANGILI" userId="89c7df381375e6aa" providerId="LiveId" clId="{740BB46D-1FBD-4BE5-BEA3-98CD9E9E2715}" dt="2024-02-07T20:41:23.038" v="9545" actId="20577"/>
         <pc:sldMkLst>
           <pc:docMk/>
           <pc:sldMk cId="2944479634" sldId="303"/>
         </pc:sldMkLst>
         <pc:spChg chg="mod">
-          <ac:chgData name="Matteo MANGILI" userId="89c7df381375e6aa" providerId="LiveId" clId="{740BB46D-1FBD-4BE5-BEA3-98CD9E9E2715}" dt="2024-01-25T11:09:11.413" v="5072" actId="20577"/>
+          <ac:chgData name="Matteo MANGILI" userId="89c7df381375e6aa" providerId="LiveId" clId="{740BB46D-1FBD-4BE5-BEA3-98CD9E9E2715}" dt="2024-02-07T20:41:23.038" v="9545" actId="20577"/>
           <ac:spMkLst>
             <pc:docMk/>
             <pc:sldMk cId="2944479634" sldId="303"/>
@@ -267,13 +267,13 @@
         </pc:spChg>
       </pc:sldChg>
       <pc:sldChg chg="modSp mod">
-        <pc:chgData name="Matteo MANGILI" userId="89c7df381375e6aa" providerId="LiveId" clId="{740BB46D-1FBD-4BE5-BEA3-98CD9E9E2715}" dt="2024-01-25T11:12:36.430" v="5153" actId="20577"/>
+        <pc:chgData name="Matteo MANGILI" userId="89c7df381375e6aa" providerId="LiveId" clId="{740BB46D-1FBD-4BE5-BEA3-98CD9E9E2715}" dt="2024-02-07T20:49:21.341" v="9731" actId="20577"/>
         <pc:sldMkLst>
           <pc:docMk/>
           <pc:sldMk cId="2728347993" sldId="304"/>
         </pc:sldMkLst>
         <pc:spChg chg="mod">
-          <ac:chgData name="Matteo MANGILI" userId="89c7df381375e6aa" providerId="LiveId" clId="{740BB46D-1FBD-4BE5-BEA3-98CD9E9E2715}" dt="2024-01-25T11:12:36.430" v="5153" actId="20577"/>
+          <ac:chgData name="Matteo MANGILI" userId="89c7df381375e6aa" providerId="LiveId" clId="{740BB46D-1FBD-4BE5-BEA3-98CD9E9E2715}" dt="2024-02-07T20:49:21.341" v="9731" actId="20577"/>
           <ac:spMkLst>
             <pc:docMk/>
             <pc:sldMk cId="2728347993" sldId="304"/>
@@ -335,13 +335,13 @@
         </pc:spChg>
       </pc:sldChg>
       <pc:sldChg chg="modSp mod">
-        <pc:chgData name="Matteo MANGILI" userId="89c7df381375e6aa" providerId="LiveId" clId="{740BB46D-1FBD-4BE5-BEA3-98CD9E9E2715}" dt="2024-02-04T20:40:58.710" v="6823" actId="20577"/>
+        <pc:chgData name="Matteo MANGILI" userId="89c7df381375e6aa" providerId="LiveId" clId="{740BB46D-1FBD-4BE5-BEA3-98CD9E9E2715}" dt="2024-02-07T21:06:39.500" v="10385" actId="20577"/>
         <pc:sldMkLst>
           <pc:docMk/>
           <pc:sldMk cId="2214790197" sldId="310"/>
         </pc:sldMkLst>
         <pc:spChg chg="mod">
-          <ac:chgData name="Matteo MANGILI" userId="89c7df381375e6aa" providerId="LiveId" clId="{740BB46D-1FBD-4BE5-BEA3-98CD9E9E2715}" dt="2024-02-04T20:40:58.710" v="6823" actId="20577"/>
+          <ac:chgData name="Matteo MANGILI" userId="89c7df381375e6aa" providerId="LiveId" clId="{740BB46D-1FBD-4BE5-BEA3-98CD9E9E2715}" dt="2024-02-07T21:06:39.500" v="10385" actId="20577"/>
           <ac:spMkLst>
             <pc:docMk/>
             <pc:sldMk cId="2214790197" sldId="310"/>
@@ -497,13 +497,13 @@
         </pc:picChg>
       </pc:sldChg>
       <pc:sldChg chg="addSp modSp mod">
-        <pc:chgData name="Matteo MANGILI" userId="89c7df381375e6aa" providerId="LiveId" clId="{740BB46D-1FBD-4BE5-BEA3-98CD9E9E2715}" dt="2024-01-25T11:22:49.029" v="5854" actId="20577"/>
+        <pc:chgData name="Matteo MANGILI" userId="89c7df381375e6aa" providerId="LiveId" clId="{740BB46D-1FBD-4BE5-BEA3-98CD9E9E2715}" dt="2024-02-07T20:22:41.232" v="8984" actId="114"/>
         <pc:sldMkLst>
           <pc:docMk/>
           <pc:sldMk cId="1634375711" sldId="317"/>
         </pc:sldMkLst>
         <pc:spChg chg="add mod">
-          <ac:chgData name="Matteo MANGILI" userId="89c7df381375e6aa" providerId="LiveId" clId="{740BB46D-1FBD-4BE5-BEA3-98CD9E9E2715}" dt="2024-01-25T11:22:49.029" v="5854" actId="20577"/>
+          <ac:chgData name="Matteo MANGILI" userId="89c7df381375e6aa" providerId="LiveId" clId="{740BB46D-1FBD-4BE5-BEA3-98CD9E9E2715}" dt="2024-02-07T20:22:41.232" v="8984" actId="114"/>
           <ac:spMkLst>
             <pc:docMk/>
             <pc:sldMk cId="1634375711" sldId="317"/>
@@ -512,7 +512,7 @@
         </pc:spChg>
       </pc:sldChg>
       <pc:sldChg chg="addSp delSp modSp add mod">
-        <pc:chgData name="Matteo MANGILI" userId="89c7df381375e6aa" providerId="LiveId" clId="{740BB46D-1FBD-4BE5-BEA3-98CD9E9E2715}" dt="2024-02-07T14:30:37.693" v="7127" actId="20577"/>
+        <pc:chgData name="Matteo MANGILI" userId="89c7df381375e6aa" providerId="LiveId" clId="{740BB46D-1FBD-4BE5-BEA3-98CD9E9E2715}" dt="2024-02-07T20:24:23.318" v="9060" actId="20577"/>
         <pc:sldMkLst>
           <pc:docMk/>
           <pc:sldMk cId="112244765" sldId="318"/>
@@ -558,7 +558,7 @@
           </ac:spMkLst>
         </pc:spChg>
         <pc:spChg chg="add mod">
-          <ac:chgData name="Matteo MANGILI" userId="89c7df381375e6aa" providerId="LiveId" clId="{740BB46D-1FBD-4BE5-BEA3-98CD9E9E2715}" dt="2024-02-07T14:30:37.693" v="7127" actId="20577"/>
+          <ac:chgData name="Matteo MANGILI" userId="89c7df381375e6aa" providerId="LiveId" clId="{740BB46D-1FBD-4BE5-BEA3-98CD9E9E2715}" dt="2024-02-07T20:24:23.318" v="9060" actId="20577"/>
           <ac:spMkLst>
             <pc:docMk/>
             <pc:sldMk cId="112244765" sldId="318"/>
@@ -622,7 +622,7 @@
         </pc:picChg>
       </pc:sldChg>
       <pc:sldChg chg="addSp delSp modSp add mod">
-        <pc:chgData name="Matteo MANGILI" userId="89c7df381375e6aa" providerId="LiveId" clId="{740BB46D-1FBD-4BE5-BEA3-98CD9E9E2715}" dt="2024-01-25T10:41:30.807" v="4371" actId="20577"/>
+        <pc:chgData name="Matteo MANGILI" userId="89c7df381375e6aa" providerId="LiveId" clId="{740BB46D-1FBD-4BE5-BEA3-98CD9E9E2715}" dt="2024-02-07T20:36:24.674" v="9460" actId="255"/>
         <pc:sldMkLst>
           <pc:docMk/>
           <pc:sldMk cId="3754641538" sldId="320"/>
@@ -652,7 +652,7 @@
           </ac:spMkLst>
         </pc:spChg>
         <pc:spChg chg="add del mod">
-          <ac:chgData name="Matteo MANGILI" userId="89c7df381375e6aa" providerId="LiveId" clId="{740BB46D-1FBD-4BE5-BEA3-98CD9E9E2715}" dt="2024-01-25T10:41:30.807" v="4371" actId="20577"/>
+          <ac:chgData name="Matteo MANGILI" userId="89c7df381375e6aa" providerId="LiveId" clId="{740BB46D-1FBD-4BE5-BEA3-98CD9E9E2715}" dt="2024-02-07T20:36:24.674" v="9460" actId="255"/>
           <ac:spMkLst>
             <pc:docMk/>
             <pc:sldMk cId="3754641538" sldId="320"/>
@@ -685,7 +685,7 @@
         </pc:picChg>
       </pc:sldChg>
       <pc:sldChg chg="addSp delSp modSp add mod">
-        <pc:chgData name="Matteo MANGILI" userId="89c7df381375e6aa" providerId="LiveId" clId="{740BB46D-1FBD-4BE5-BEA3-98CD9E9E2715}" dt="2024-02-02T17:59:43.943" v="6323" actId="20577"/>
+        <pc:chgData name="Matteo MANGILI" userId="89c7df381375e6aa" providerId="LiveId" clId="{740BB46D-1FBD-4BE5-BEA3-98CD9E9E2715}" dt="2024-02-07T21:00:43.082" v="10209" actId="313"/>
         <pc:sldMkLst>
           <pc:docMk/>
           <pc:sldMk cId="3518618096" sldId="321"/>
@@ -715,7 +715,7 @@
           </ac:spMkLst>
         </pc:spChg>
         <pc:spChg chg="add mod">
-          <ac:chgData name="Matteo MANGILI" userId="89c7df381375e6aa" providerId="LiveId" clId="{740BB46D-1FBD-4BE5-BEA3-98CD9E9E2715}" dt="2024-02-02T17:59:43.943" v="6323" actId="20577"/>
+          <ac:chgData name="Matteo MANGILI" userId="89c7df381375e6aa" providerId="LiveId" clId="{740BB46D-1FBD-4BE5-BEA3-98CD9E9E2715}" dt="2024-02-07T21:00:43.082" v="10209" actId="313"/>
           <ac:spMkLst>
             <pc:docMk/>
             <pc:sldMk cId="3518618096" sldId="321"/>
@@ -15264,7 +15264,7 @@
         <p:spPr>
           <a:xfrm>
             <a:off x="648819" y="4209865"/>
-            <a:ext cx="10515597" cy="2246769"/>
+            <a:ext cx="10515597" cy="2554545"/>
           </a:xfrm>
           <a:prstGeom prst="rect">
             <a:avLst/>
@@ -15279,7 +15279,39 @@
           <a:p>
             <a:r>
               <a:rPr lang="it-IT" sz="2000" dirty="0"/>
-              <a:t>La qualità del software è definita come «il grado in cui il sistema soddisfa le esigenze/aspettative del cliente». I criteri di qualità possono essere misurati soggettivamente o oggettivamente, al fine di ottenere una misura complessiva dell’intero grado di qualità del software. </a:t>
+              <a:t>La qualità del software è definita come «il grado in cui il sistema soddisfa le esigenze/aspettative del cliente». I criteri di qualità possono essere misurati </a:t>
+            </a:r>
+            <a:r>
+              <a:rPr lang="it-IT" sz="2000" i="1" dirty="0"/>
+              <a:t>soggettivamente</a:t>
+            </a:r>
+            <a:r>
+              <a:rPr lang="it-IT" sz="2000" dirty="0"/>
+              <a:t> o </a:t>
+            </a:r>
+            <a:r>
+              <a:rPr lang="it-IT" sz="2000" i="1" dirty="0"/>
+              <a:t>oggettivamente</a:t>
+            </a:r>
+            <a:r>
+              <a:rPr lang="it-IT" sz="2000" dirty="0"/>
+              <a:t>, al fine di ottenere una misura complessiva dell’intero grado di qualità del software, e possono essere </a:t>
+            </a:r>
+            <a:r>
+              <a:rPr lang="it-IT" sz="2000" i="1" dirty="0"/>
+              <a:t>interni</a:t>
+            </a:r>
+            <a:r>
+              <a:rPr lang="it-IT" sz="2000" dirty="0"/>
+              <a:t> o </a:t>
+            </a:r>
+            <a:r>
+              <a:rPr lang="it-IT" sz="2000" i="1" dirty="0"/>
+              <a:t>esterni </a:t>
+            </a:r>
+            <a:r>
+              <a:rPr lang="it-IT" sz="2000" dirty="0"/>
+              <a:t>(rispettivamente, se rispondono alle esigenze degli sviluppatori o dell’utente finale). </a:t>
             </a:r>
           </a:p>
           <a:p>
@@ -19510,7 +19542,7 @@
         <p:spPr>
           <a:xfrm>
             <a:off x="667512" y="1979682"/>
-            <a:ext cx="10853928" cy="4647426"/>
+            <a:ext cx="10853928" cy="5324535"/>
           </a:xfrm>
           <a:prstGeom prst="rect">
             <a:avLst/>
@@ -19524,64 +19556,64 @@
           <a:lstStyle/>
           <a:p>
             <a:r>
-              <a:rPr lang="it-IT" sz="2000" dirty="0"/>
-              <a:t>Il nostro progetto deve essere chiaro (le specifiche devono descrivere dettagliatamente le operazioni coinvolte), non ambiguo, consistente (non devono essere presenti contraddizioni), completo, comprensibile e di facile utilizzo;</a:t>
-            </a:r>
-          </a:p>
-          <a:p>
-            <a:r>
-              <a:rPr lang="it-IT" sz="2000" dirty="0"/>
+              <a:rPr lang="it-IT" sz="1900" dirty="0"/>
+              <a:t>Il nostro progetto deve essere chiaro (le specifiche devono descrivere dettagliatamente le operazioni coinvolte), non ambiguo, consistente (non devono essere presenti contraddizioni), completo, comprensibile e di facile utilizzo; sebbene il sistema non disponga di requisiti rigidi in tempo reale, l’architettura deve essere progettata in modo tale che il software venga approvato.</a:t>
+            </a:r>
+          </a:p>
+          <a:p>
+            <a:r>
+              <a:rPr lang="it-IT" sz="1900" dirty="0"/>
               <a:t>Si fa riferimento ad un’architettura </a:t>
             </a:r>
             <a:r>
-              <a:rPr lang="it-IT" sz="2000" i="1" dirty="0"/>
+              <a:rPr lang="it-IT" sz="1900" i="1" dirty="0"/>
               <a:t>Client-Server</a:t>
             </a:r>
             <a:r>
-              <a:rPr lang="it-IT" sz="2000" dirty="0"/>
-              <a:t>: il server, per rispondere alle richieste dell’utente, deve accedere ai dati memorizzati e notificare al client con le corrette informazioni ricercate.</a:t>
-            </a:r>
-          </a:p>
-          <a:p>
-            <a:r>
-              <a:rPr lang="it-IT" sz="2000" dirty="0"/>
+              <a:rPr lang="it-IT" sz="1900" dirty="0"/>
+              <a:t>: il server, per rispondere alle richieste dell’utente, deve accedere ai dati memorizzati e notificare il client con le corrette informazioni richieste.</a:t>
+            </a:r>
+          </a:p>
+          <a:p>
+            <a:r>
+              <a:rPr lang="it-IT" sz="1900" dirty="0"/>
               <a:t>A tale scopo definiamo uno stile architetturale specifico per il progetto:</a:t>
             </a:r>
           </a:p>
           <a:p>
-            <a:endParaRPr lang="it-IT" sz="2000" i="1" dirty="0"/>
-          </a:p>
-          <a:p>
-            <a:r>
-              <a:rPr lang="it-IT" sz="2000" i="1" dirty="0"/>
+            <a:endParaRPr lang="it-IT" sz="1900" i="1" dirty="0"/>
+          </a:p>
+          <a:p>
+            <a:r>
+              <a:rPr lang="it-IT" sz="1900" i="1" dirty="0"/>
               <a:t>Stile Model-</a:t>
             </a:r>
             <a:r>
-              <a:rPr lang="it-IT" sz="2000" i="1" dirty="0" err="1"/>
+              <a:rPr lang="it-IT" sz="1900" i="1" dirty="0" err="1"/>
               <a:t>View</a:t>
             </a:r>
             <a:r>
-              <a:rPr lang="it-IT" sz="2000" i="1" dirty="0"/>
+              <a:rPr lang="it-IT" sz="1900" i="1" dirty="0"/>
               <a:t>-Controller (MVC)</a:t>
             </a:r>
           </a:p>
           <a:p>
-            <a:endParaRPr lang="it-IT" sz="2000" i="1" dirty="0"/>
-          </a:p>
-          <a:p>
-            <a:r>
-              <a:rPr lang="it-IT" sz="2000" dirty="0"/>
+            <a:endParaRPr lang="it-IT" sz="1900" i="1" dirty="0"/>
+          </a:p>
+          <a:p>
+            <a:r>
+              <a:rPr lang="it-IT" sz="1900" dirty="0"/>
               <a:t>Separazione tra l’interfaccia utente e l’applicazione. Il Modello gestisce direttamente i dati, la logica e le regole di applicazione in termini di dominio del problema. Una </a:t>
             </a:r>
             <a:r>
-              <a:rPr lang="it-IT" sz="2000" dirty="0" err="1"/>
+              <a:rPr lang="it-IT" sz="1900" dirty="0" err="1"/>
               <a:t>View</a:t>
             </a:r>
             <a:r>
-              <a:rPr lang="it-IT" sz="2000" dirty="0"/>
-              <a:t> è definita come una qualsiasi rappresentazione di output delle informazioni. Il Controller accetta l’input richiesto dall’utente e lo converte in comandi per la vista e/o per il modello.</a:t>
-            </a:r>
-            <a:endParaRPr lang="it-IT" i="1" dirty="0"/>
+              <a:rPr lang="it-IT" sz="1900" dirty="0"/>
+              <a:t> è definita come una qualsiasi rappresentazione di output delle informazioni. Il Controller accetta l’input richiesto dall’utente e lo converte in comandi per la vista e/o per il modello. I singoli componenti del modello sono raccolte di procedure e  i connettori che li uniscono sono delle chiamate di procedura (il controllo viene trasferito da un componente all’altro).</a:t>
+            </a:r>
+            <a:endParaRPr lang="it-IT" sz="1900" i="1" dirty="0"/>
           </a:p>
           <a:p>
             <a:endParaRPr lang="it-IT" i="1" dirty="0"/>
@@ -20387,7 +20419,7 @@
         </p:spPr>
         <p:txBody>
           <a:bodyPr>
-            <a:normAutofit/>
+            <a:normAutofit lnSpcReduction="10000"/>
           </a:bodyPr>
           <a:lstStyle/>
           <a:p>
@@ -20410,7 +20442,7 @@
             </a:r>
             <a:r>
               <a:rPr lang="en-US" sz="2000" dirty="0"/>
-              <a:t> (per definire gerarchie tra le varie classi, in particolare tra i medici operanti durante l’intervento)</a:t>
+              <a:t> (per definire gerarchie tra le varie classi, in particolare tra i medici e gli infermieri operanti  durante l’intervento)</a:t>
             </a:r>
           </a:p>
           <a:p>
@@ -20424,7 +20456,23 @@
             </a:r>
             <a:r>
               <a:rPr lang="en-US" sz="2000" dirty="0"/>
-              <a:t>(un attore/oggetto del Sistema può “giocare” diversi ruoli in diversi contesti)</a:t>
+              <a:t>(un attore/oggetto del Sistema può “giocare” diversi ruoli in </a:t>
+            </a:r>
+            <a:r>
+              <a:rPr lang="en-US" sz="2000" dirty="0" err="1"/>
+              <a:t>diversi</a:t>
+            </a:r>
+            <a:r>
+              <a:rPr lang="en-US" sz="2000" dirty="0"/>
+              <a:t> </a:t>
+            </a:r>
+            <a:r>
+              <a:rPr lang="en-US" sz="2000" dirty="0" err="1"/>
+              <a:t>contesti</a:t>
+            </a:r>
+            <a:r>
+              <a:rPr lang="en-US" sz="2000" dirty="0"/>
+              <a:t>, si sfruttano classi astratte)</a:t>
             </a:r>
             <a:endParaRPr lang="en-US" sz="2000" b="1" dirty="0"/>
           </a:p>
@@ -20439,7 +20487,7 @@
             </a:r>
             <a:r>
               <a:rPr lang="en-US" sz="2000" dirty="0"/>
-              <a:t>(per far svolgere alla cabina di regia i giusti metodi, riutilizza frammenti di codice, minimizzando i costi d’uso)</a:t>
+              <a:t>(per far svolgere alla cabina di regia i giusti metodi: riutilizza frammenti di codice, minimizzando i costi d’uso)</a:t>
             </a:r>
           </a:p>
           <a:p>
@@ -20453,8 +20501,13 @@
             </a:r>
             <a:r>
               <a:rPr lang="en-US" sz="2000" dirty="0"/>
-              <a:t>(per manipolare le diverse classi e nascondere la complessità di un’operazione agli utenti. Interfaccia di facciata fra il cliente e il Sistema di prenotazione dell’Ospedale)</a:t>
-            </a:r>
+              <a:t>(per manipolare le diverse classi e nascondere la complessità di un’operazione agli utenti. Interfaccia di facciata fra il cliente e il Sistema di prenotazione dell’Ospedale) </a:t>
+            </a:r>
+            <a:r>
+              <a:rPr lang="en-US" sz="2000" i="1" dirty="0"/>
+              <a:t>Strutturale</a:t>
+            </a:r>
+            <a:endParaRPr lang="en-US" sz="2000" dirty="0"/>
           </a:p>
           <a:p>
             <a:pPr>
@@ -20467,8 +20520,13 @@
             </a:r>
             <a:r>
               <a:rPr lang="en-US" sz="2000" dirty="0"/>
-              <a:t>(per implementare una framework utile alla creazione di classi e oggetti dipendenti dall’applicazione. Le sottoclassi devono scegliere da sole quale oggetto istanziare)</a:t>
-            </a:r>
+              <a:t>(per implementare una framework utile alla creazione di classi e oggetti dipendenti dall’applicazione. Le sottoclassi devono scegliere da sole quale oggetto istanziare) </a:t>
+            </a:r>
+            <a:r>
+              <a:rPr lang="en-US" sz="2000" i="1" dirty="0"/>
+              <a:t>Creazionale</a:t>
+            </a:r>
+            <a:endParaRPr lang="en-US" sz="2000" dirty="0"/>
           </a:p>
           <a:p>
             <a:pPr>
@@ -21323,8 +21381,8 @@
         </p:nvSpPr>
         <p:spPr>
           <a:xfrm>
-            <a:off x="838200" y="1929384"/>
-            <a:ext cx="10515600" cy="4272152"/>
+            <a:off x="838200" y="1929383"/>
+            <a:ext cx="10515600" cy="4792091"/>
           </a:xfrm>
         </p:spPr>
         <p:txBody>
@@ -21347,26 +21405,9 @@
               <a:buChar char="Ø"/>
             </a:pPr>
             <a:r>
-              <a:rPr lang="en-US" sz="2200" dirty="0" err="1"/>
-              <a:t>Registrazione</a:t>
-            </a:r>
-            <a:r>
               <a:rPr lang="en-US" sz="2200" dirty="0"/>
-              <a:t> del </a:t>
-            </a:r>
-            <a:r>
-              <a:rPr lang="en-US" sz="2200" dirty="0" err="1"/>
-              <a:t>paziente</a:t>
-            </a:r>
-            <a:r>
-              <a:rPr lang="en-US" sz="2200" dirty="0"/>
-              <a:t> nel </a:t>
-            </a:r>
-            <a:r>
-              <a:rPr lang="en-US" sz="2200" dirty="0" err="1"/>
-              <a:t>sistema</a:t>
-            </a:r>
-            <a:endParaRPr lang="en-US" sz="2200" dirty="0"/>
+              <a:t>Registrazione del paziente nel sistema</a:t>
+            </a:r>
           </a:p>
           <a:p>
             <a:pPr>
@@ -21384,26 +21425,9 @@
               <a:buChar char="Ø"/>
             </a:pPr>
             <a:r>
-              <a:rPr lang="en-US" sz="2200" dirty="0" err="1"/>
-              <a:t>Effettuare</a:t>
-            </a:r>
-            <a:r>
               <a:rPr lang="en-US" sz="2200" dirty="0"/>
-              <a:t> </a:t>
-            </a:r>
-            <a:r>
-              <a:rPr lang="en-US" sz="2200" dirty="0" err="1"/>
-              <a:t>Esami</a:t>
-            </a:r>
-            <a:r>
-              <a:rPr lang="en-US" sz="2200" dirty="0"/>
-              <a:t> pre-</a:t>
-            </a:r>
-            <a:r>
-              <a:rPr lang="en-US" sz="2200" dirty="0" err="1"/>
-              <a:t>Intervento</a:t>
-            </a:r>
-            <a:endParaRPr lang="en-US" sz="2200" dirty="0"/>
+              <a:t>Effettuare Esami pre Intervento</a:t>
+            </a:r>
           </a:p>
           <a:p>
             <a:pPr>
@@ -21412,29 +21436,8 @@
             </a:pPr>
             <a:r>
               <a:rPr lang="en-US" sz="2200" dirty="0"/>
-              <a:t>Iscrizione alla Lista </a:t>
-            </a:r>
-            <a:r>
-              <a:rPr lang="en-US" sz="2200" dirty="0" err="1"/>
-              <a:t>Graduatoria</a:t>
-            </a:r>
-            <a:r>
-              <a:rPr lang="en-US" sz="2200" dirty="0"/>
-              <a:t> </a:t>
-            </a:r>
-            <a:r>
-              <a:rPr lang="en-US" sz="2200" dirty="0" err="1"/>
-              <a:t>dell’Intervento</a:t>
-            </a:r>
-            <a:r>
-              <a:rPr lang="en-US" sz="2200" dirty="0"/>
-              <a:t> </a:t>
-            </a:r>
-            <a:r>
-              <a:rPr lang="en-US" sz="2200" dirty="0" err="1"/>
-              <a:t>spefico</a:t>
-            </a:r>
-            <a:endParaRPr lang="en-US" sz="2200" dirty="0"/>
+              <a:t>Iscrizione alla Lista Graduatoria dell’Intervento spefico</a:t>
+            </a:r>
           </a:p>
           <a:p>
             <a:pPr>
@@ -21470,7 +21473,10 @@
             <a:pPr marL="0" indent="0">
               <a:buNone/>
             </a:pPr>
-            <a:endParaRPr lang="en-US" sz="2200" dirty="0"/>
+            <a:r>
+              <a:rPr lang="en-US" sz="2200" dirty="0"/>
+              <a:t>E’ importante poter accedere alle varie liste e alla pagina anagrafica del paziente in ogni momento, per visualizzare informazioni o effettuare modifiche.</a:t>
+            </a:r>
           </a:p>
           <a:p>
             <a:pPr marL="0" indent="0">
@@ -21478,7 +21484,7 @@
             </a:pPr>
             <a:r>
               <a:rPr lang="en-US" sz="2200" dirty="0"/>
-              <a:t>E’ importante poter accedere alle varie liste e alla pagina anagrafica del paziente in ogni momento, per visualizzare informazioni o effettuare modifiche.</a:t>
+              <a:t>I punti dell’implementazione sono stati poi sottoposti a test  strutturali e funzionali, per accertarne l’ordine e controllarne la consistenza.</a:t>
             </a:r>
           </a:p>
         </p:txBody>
@@ -22396,8 +22402,8 @@
         </p:nvSpPr>
         <p:spPr>
           <a:xfrm>
-            <a:off x="669036" y="2270059"/>
-            <a:ext cx="5065043" cy="2031325"/>
+            <a:off x="669036" y="2055813"/>
+            <a:ext cx="5065043" cy="4247317"/>
           </a:xfrm>
           <a:prstGeom prst="rect">
             <a:avLst/>
@@ -22412,16 +22418,30 @@
           <a:p>
             <a:r>
               <a:rPr lang="it-IT" dirty="0"/>
-              <a:t>L’attività di manutenzione (suddivisa nelle varie categorie) è iniziata subito dopo la consegna del progetto; lo scopo principale è aumentare la qualità dell’intero sistema, correggendo errori (principalmente di codice) </a:t>
-            </a:r>
-            <a:r>
-              <a:rPr lang="it-IT"/>
-              <a:t>e cercando </a:t>
-            </a:r>
+              <a:t>L’attività di manutenzione (suddivisa nelle varie categorie) è iniziata subito dopo la consegna del progetto; lo scopo principale è aumentare la qualità dell’intero sistema, correggendo errori (principalmente di codice) e cercando di adattare il software alle richieste degli utenti ma anche dell’ambiente di utilizzo, al fine di aumentare il grado di manutenibilità futura.</a:t>
+            </a:r>
+          </a:p>
+          <a:p>
+            <a:endParaRPr lang="it-IT" dirty="0"/>
+          </a:p>
+          <a:p>
             <a:r>
               <a:rPr lang="it-IT" dirty="0"/>
-              <a:t>di adattare il software alle richieste degli utenti ma anche dell’ambiente di utilizzo.</a:t>
-            </a:r>
+              <a:t>L’attività di </a:t>
+            </a:r>
+            <a:r>
+              <a:rPr lang="it-IT" i="1" dirty="0" err="1"/>
+              <a:t>Refactoring</a:t>
+            </a:r>
+            <a:r>
+              <a:rPr lang="it-IT" i="1" dirty="0"/>
+              <a:t> </a:t>
+            </a:r>
+            <a:r>
+              <a:rPr lang="it-IT" dirty="0"/>
+              <a:t>è eseguita per mantenere il codice mantenibile: piccole azioni, atte ad alterare la struttura interna del codice senza modificarne il comportamento esterno. Si cerca di evitare codice duplicato, metodi lunghi, classi «pigre» o invidia tra le classi (i cosiddetti bad smells, «cattivi odori»)</a:t>
+            </a:r>
+            <a:endParaRPr lang="it-IT" i="1" dirty="0"/>
           </a:p>
         </p:txBody>
       </p:sp>
@@ -25129,7 +25149,15 @@
             </a:r>
             <a:r>
               <a:rPr lang="en-US" sz="2000" dirty="0"/>
-              <a:t>contenente l’anagrafica, la diagnosi, il tipo di terapia che deve seguire e gli esami da effettuare prima di sottoporsi all’intervento.</a:t>
+              <a:t>contenente l’anagrafica, la diagnosi, il tipo di terapia che deve seguire e gli </a:t>
+            </a:r>
+            <a:r>
+              <a:rPr lang="en-US" sz="2000" dirty="0" err="1"/>
+              <a:t>esami</a:t>
+            </a:r>
+            <a:r>
+              <a:rPr lang="en-US" sz="2000" dirty="0"/>
+              <a:t> da effettuare prima di sottoporsi all’intervento.</a:t>
             </a:r>
           </a:p>
           <a:p>
@@ -25147,7 +25175,15 @@
             </a:r>
             <a:r>
               <a:rPr lang="en-US" sz="2000" dirty="0"/>
-              <a:t>contententi i nomi e le informazioni dei pazienti che devono sottoporsi ad un determinato intervento.</a:t>
+              <a:t>contententi i nomi e le informazioni dei pazienti che devono sottoporsi ad un determinato </a:t>
+            </a:r>
+            <a:r>
+              <a:rPr lang="en-US" sz="2000" dirty="0" err="1"/>
+              <a:t>intervento</a:t>
+            </a:r>
+            <a:r>
+              <a:rPr lang="en-US" sz="2000" dirty="0"/>
+              <a:t>.</a:t>
             </a:r>
           </a:p>
           <a:p>
@@ -28855,7 +28891,32 @@
             </a:pPr>
             <a:r>
               <a:rPr lang="en-US" sz="2000" dirty="0"/>
-              <a:t>- Inseriti degli input nel codice, I tre collaboraori hanno verificato che il software si comporti in maniera corretta.</a:t>
+              <a:t>- Inseriti degli input nel codice, i tre collaboraori hanno verificato che il software si comporti in maniera corretta.</a:t>
+            </a:r>
+          </a:p>
+          <a:p>
+            <a:pPr marL="457200" lvl="1" indent="0">
+              <a:buNone/>
+            </a:pPr>
+            <a:r>
+              <a:rPr lang="en-US" sz="2000" dirty="0"/>
+              <a:t>Sono stati eseguiti test </a:t>
+            </a:r>
+            <a:r>
+              <a:rPr lang="en-US" sz="2000" i="1" dirty="0"/>
+              <a:t>black-box </a:t>
+            </a:r>
+            <a:r>
+              <a:rPr lang="en-US" sz="2000" dirty="0"/>
+              <a:t>(di natura funzionale e basati su specifiche di sistema) e test </a:t>
+            </a:r>
+            <a:r>
+              <a:rPr lang="en-US" sz="2000" i="1" dirty="0"/>
+              <a:t>white-box </a:t>
+            </a:r>
+            <a:r>
+              <a:rPr lang="en-US" sz="2000" dirty="0"/>
+              <a:t>(di natura strutturale e basati sul programma vero e proprio).</a:t>
             </a:r>
           </a:p>
         </p:txBody>
@@ -29757,15 +29818,7 @@
           <a:p>
             <a:r>
               <a:rPr lang="en-US" sz="2000" dirty="0"/>
-              <a:t>Possibilità di  non consegnare in tempo il Progetto, causa ritardo nella realizzazione delle singole parti del </a:t>
-            </a:r>
-            <a:r>
-              <a:rPr lang="en-US" sz="2000" dirty="0" err="1"/>
-              <a:t>programma</a:t>
-            </a:r>
-            <a:r>
-              <a:rPr lang="en-US" sz="2000" dirty="0"/>
-              <a:t>.</a:t>
+              <a:t>Possibilità di  non consegnare in tempo il Progetto, causa ritardo nella realizzazione delle singole parti del programma.</a:t>
             </a:r>
           </a:p>
           <a:p>
@@ -31693,7 +31746,7 @@
         <p:spPr>
           <a:xfrm>
             <a:off x="838200" y="1884037"/>
-            <a:ext cx="10684764" cy="4370427"/>
+            <a:ext cx="10684764" cy="4678204"/>
           </a:xfrm>
           <a:prstGeom prst="rect">
             <a:avLst/>
@@ -31745,7 +31798,15 @@
             </a:r>
             <a:r>
               <a:rPr lang="it-IT" sz="2000" dirty="0"/>
-              <a:t> (alto livello) per la stesura del codice sorgente</a:t>
+              <a:t> (alto livello) per la stesura del codice sorgente attraverso l’uso dell’ambiente di lavoro </a:t>
+            </a:r>
+            <a:r>
+              <a:rPr lang="it-IT" sz="2000" b="1" dirty="0"/>
+              <a:t>Eclipse</a:t>
+            </a:r>
+            <a:r>
+              <a:rPr lang="it-IT" sz="2000" dirty="0"/>
+              <a:t>:</a:t>
             </a:r>
           </a:p>
           <a:p>
@@ -33714,7 +33775,7 @@
             </a:r>
             <a:r>
               <a:rPr lang="it-IT" sz="2000" dirty="0"/>
-              <a:t>Per valutazione del progetto o modifiche importanti sono state attivati issue corrispondenti. Le varie issue vengono affidate ad uno o a tutti i membri del team e devono essere portate a compimento, prima di essere chiuse (indicate come completate).</a:t>
+              <a:t>Per valutazione del progetto o modifiche importanti sono state attivati issue corrispondenti. Le varie issue vengono affidate ad uno o a tutti i membri del team e devono essere portate a compimento, prima di essere chiuse (indicate come «completate»).</a:t>
             </a:r>
           </a:p>
           <a:p>
@@ -36592,15 +36653,6 @@
 </file>
 
 <file path=customXml/item1.xml><?xml version="1.0" encoding="utf-8"?>
-<?mso-contentType ?>
-<FormTemplates xmlns="http://schemas.microsoft.com/sharepoint/v3/contenttype/forms">
-  <Display>DocumentLibraryForm</Display>
-  <Edit>DocumentLibraryForm</Edit>
-  <New>DocumentLibraryForm</New>
-</FormTemplates>
-</file>
-
-<file path=customXml/item2.xml><?xml version="1.0" encoding="utf-8"?>
 <ct:contentTypeSchema xmlns:ct="http://schemas.microsoft.com/office/2006/metadata/contentType" xmlns:ma="http://schemas.microsoft.com/office/2006/metadata/properties/metaAttributes" ct:_="" ma:_="" ma:contentTypeName="Documento" ma:contentTypeID="0x0101007CE6213B20D2F945B0D1473923EE410F" ma:contentTypeVersion="7" ma:contentTypeDescription="Creare un nuovo documento." ma:contentTypeScope="" ma:versionID="dc8ac43e96b461727accd63cf925a5cf">
   <xsd:schema xmlns:xsd="http://www.w3.org/2001/XMLSchema" xmlns:xs="http://www.w3.org/2001/XMLSchema" xmlns:p="http://schemas.microsoft.com/office/2006/metadata/properties" xmlns:ns2="243f3390-b919-40e8-8195-3613e8527352" targetNamespace="http://schemas.microsoft.com/office/2006/metadata/properties" ma:root="true" ma:fieldsID="1987007e621e1b24d40e437f012b913d" ns2:_="">
     <xsd:import namespace="243f3390-b919-40e8-8195-3613e8527352"/>
@@ -36762,6 +36814,15 @@
 </ct:contentTypeSchema>
 </file>
 
+<file path=customXml/item2.xml><?xml version="1.0" encoding="utf-8"?>
+<?mso-contentType ?>
+<FormTemplates xmlns="http://schemas.microsoft.com/sharepoint/v3/contenttype/forms">
+  <Display>DocumentLibraryForm</Display>
+  <Edit>DocumentLibraryForm</Edit>
+  <New>DocumentLibraryForm</New>
+</FormTemplates>
+</file>
+
 <file path=customXml/item3.xml><?xml version="1.0" encoding="utf-8"?>
 <p:properties xmlns:p="http://schemas.microsoft.com/office/2006/metadata/properties" xmlns:xsi="http://www.w3.org/2001/XMLSchema-instance" xmlns:pc="http://schemas.microsoft.com/office/infopath/2007/PartnerControls">
   <documentManagement/>
@@ -36769,14 +36830,6 @@
 </file>
 
 <file path=customXml/itemProps1.xml><?xml version="1.0" encoding="utf-8"?>
-<ds:datastoreItem xmlns:ds="http://schemas.openxmlformats.org/officeDocument/2006/customXml" ds:itemID="{42BC90D6-94CF-42F7-AAC4-9CF6824C54D5}">
-  <ds:schemaRefs>
-    <ds:schemaRef ds:uri="http://schemas.microsoft.com/sharepoint/v3/contenttype/forms"/>
-  </ds:schemaRefs>
-</ds:datastoreItem>
-</file>
-
-<file path=customXml/itemProps2.xml><?xml version="1.0" encoding="utf-8"?>
 <ds:datastoreItem xmlns:ds="http://schemas.openxmlformats.org/officeDocument/2006/customXml" ds:itemID="{1A503E23-9696-4358-8F00-F7F66AC755EB}">
   <ds:schemaRefs>
     <ds:schemaRef ds:uri="http://schemas.microsoft.com/office/2006/metadata/contentType"/>
@@ -36790,6 +36843,14 @@
     <ds:schemaRef ds:uri="http://purl.org/dc/elements/1.1/"/>
     <ds:schemaRef ds:uri="http://purl.org/dc/terms/"/>
     <ds:schemaRef ds:uri="http://schemas.microsoft.com/internal/obd"/>
+  </ds:schemaRefs>
+</ds:datastoreItem>
+</file>
+
+<file path=customXml/itemProps2.xml><?xml version="1.0" encoding="utf-8"?>
+<ds:datastoreItem xmlns:ds="http://schemas.openxmlformats.org/officeDocument/2006/customXml" ds:itemID="{42BC90D6-94CF-42F7-AAC4-9CF6824C54D5}">
+  <ds:schemaRefs>
+    <ds:schemaRef ds:uri="http://schemas.microsoft.com/sharepoint/v3/contenttype/forms"/>
   </ds:schemaRefs>
 </ds:datastoreItem>
 </file>

--- a/Presentazione/Presentazione_Progetto.pptx
+++ b/Presentazione/Presentazione_Progetto.pptx
@@ -179,7 +179,7 @@
   <pc:docChgLst>
     <pc:chgData name="Matteo MANGILI" userId="89c7df381375e6aa" providerId="LiveId" clId="{740BB46D-1FBD-4BE5-BEA3-98CD9E9E2715}"/>
     <pc:docChg chg="undo custSel addSld modSld">
-      <pc:chgData name="Matteo MANGILI" userId="89c7df381375e6aa" providerId="LiveId" clId="{740BB46D-1FBD-4BE5-BEA3-98CD9E9E2715}" dt="2024-02-07T21:06:39.500" v="10385" actId="20577"/>
+      <pc:chgData name="Matteo MANGILI" userId="89c7df381375e6aa" providerId="LiveId" clId="{740BB46D-1FBD-4BE5-BEA3-98CD9E9E2715}" dt="2024-02-08T11:17:17.462" v="10461" actId="21"/>
       <pc:docMkLst>
         <pc:docMk/>
       </pc:docMkLst>
@@ -380,11 +380,19 @@
         </pc:graphicFrameChg>
       </pc:sldChg>
       <pc:sldChg chg="addSp delSp modSp mod">
-        <pc:chgData name="Matteo MANGILI" userId="89c7df381375e6aa" providerId="LiveId" clId="{740BB46D-1FBD-4BE5-BEA3-98CD9E9E2715}" dt="2024-02-07T14:31:36.470" v="7132" actId="20577"/>
+        <pc:chgData name="Matteo MANGILI" userId="89c7df381375e6aa" providerId="LiveId" clId="{740BB46D-1FBD-4BE5-BEA3-98CD9E9E2715}" dt="2024-02-08T11:13:41.762" v="10405" actId="1076"/>
         <pc:sldMkLst>
           <pc:docMk/>
           <pc:sldMk cId="2994462458" sldId="314"/>
         </pc:sldMkLst>
+        <pc:spChg chg="add del mod">
+          <ac:chgData name="Matteo MANGILI" userId="89c7df381375e6aa" providerId="LiveId" clId="{740BB46D-1FBD-4BE5-BEA3-98CD9E9E2715}" dt="2024-02-08T11:12:08.291" v="10387" actId="22"/>
+          <ac:spMkLst>
+            <pc:docMk/>
+            <pc:sldMk cId="2994462458" sldId="314"/>
+            <ac:spMk id="4" creationId="{83D33DD5-F91A-21CB-F79F-B2454585B8A0}"/>
+          </ac:spMkLst>
+        </pc:spChg>
         <pc:spChg chg="add del mod">
           <ac:chgData name="Matteo MANGILI" userId="89c7df381375e6aa" providerId="LiveId" clId="{740BB46D-1FBD-4BE5-BEA3-98CD9E9E2715}" dt="2024-02-07T14:31:36.470" v="7132" actId="20577"/>
           <ac:spMkLst>
@@ -393,13 +401,53 @@
             <ac:spMk id="6" creationId="{07D5F90B-A703-3979-44A8-9125B7AA3463}"/>
           </ac:spMkLst>
         </pc:spChg>
+        <pc:picChg chg="del">
+          <ac:chgData name="Matteo MANGILI" userId="89c7df381375e6aa" providerId="LiveId" clId="{740BB46D-1FBD-4BE5-BEA3-98CD9E9E2715}" dt="2024-02-08T11:11:59.743" v="10386" actId="21"/>
+          <ac:picMkLst>
+            <pc:docMk/>
+            <pc:sldMk cId="2994462458" sldId="314"/>
+            <ac:picMk id="5" creationId="{2B1C7207-78AF-C703-0371-186CE2A9C3D6}"/>
+          </ac:picMkLst>
+        </pc:picChg>
+        <pc:picChg chg="add mod ord">
+          <ac:chgData name="Matteo MANGILI" userId="89c7df381375e6aa" providerId="LiveId" clId="{740BB46D-1FBD-4BE5-BEA3-98CD9E9E2715}" dt="2024-02-08T11:12:15.697" v="10389" actId="1076"/>
+          <ac:picMkLst>
+            <pc:docMk/>
+            <pc:sldMk cId="2994462458" sldId="314"/>
+            <ac:picMk id="9" creationId="{D632F88F-B7F1-FCF1-6B5E-D9317E32DE52}"/>
+          </ac:picMkLst>
+        </pc:picChg>
+        <pc:picChg chg="del">
+          <ac:chgData name="Matteo MANGILI" userId="89c7df381375e6aa" providerId="LiveId" clId="{740BB46D-1FBD-4BE5-BEA3-98CD9E9E2715}" dt="2024-02-08T11:12:22.370" v="10390" actId="21"/>
+          <ac:picMkLst>
+            <pc:docMk/>
+            <pc:sldMk cId="2994462458" sldId="314"/>
+            <ac:picMk id="14" creationId="{1FFF48D2-F50E-9EA5-159F-A795661EEE68}"/>
+          </ac:picMkLst>
+        </pc:picChg>
+        <pc:picChg chg="add mod">
+          <ac:chgData name="Matteo MANGILI" userId="89c7df381375e6aa" providerId="LiveId" clId="{740BB46D-1FBD-4BE5-BEA3-98CD9E9E2715}" dt="2024-02-08T11:13:41.762" v="10405" actId="1076"/>
+          <ac:picMkLst>
+            <pc:docMk/>
+            <pc:sldMk cId="2994462458" sldId="314"/>
+            <ac:picMk id="15" creationId="{38829EC7-B73C-44B8-D4CD-DEEE234C82B3}"/>
+          </ac:picMkLst>
+        </pc:picChg>
       </pc:sldChg>
       <pc:sldChg chg="addSp delSp modSp mod">
-        <pc:chgData name="Matteo MANGILI" userId="89c7df381375e6aa" providerId="LiveId" clId="{740BB46D-1FBD-4BE5-BEA3-98CD9E9E2715}" dt="2024-02-07T14:31:40.991" v="7134" actId="20577"/>
+        <pc:chgData name="Matteo MANGILI" userId="89c7df381375e6aa" providerId="LiveId" clId="{740BB46D-1FBD-4BE5-BEA3-98CD9E9E2715}" dt="2024-02-08T11:17:07.351" v="10460" actId="1076"/>
         <pc:sldMkLst>
           <pc:docMk/>
           <pc:sldMk cId="1549231609" sldId="315"/>
         </pc:sldMkLst>
+        <pc:spChg chg="add del mod">
+          <ac:chgData name="Matteo MANGILI" userId="89c7df381375e6aa" providerId="LiveId" clId="{740BB46D-1FBD-4BE5-BEA3-98CD9E9E2715}" dt="2024-02-08T11:14:39.570" v="10407" actId="22"/>
+          <ac:spMkLst>
+            <pc:docMk/>
+            <pc:sldMk cId="1549231609" sldId="315"/>
+            <ac:spMk id="4" creationId="{75632E67-71A9-220F-0ACF-27B19A88D20B}"/>
+          </ac:spMkLst>
+        </pc:spChg>
         <pc:spChg chg="add del mod">
           <ac:chgData name="Matteo MANGILI" userId="89c7df381375e6aa" providerId="LiveId" clId="{740BB46D-1FBD-4BE5-BEA3-98CD9E9E2715}" dt="2024-02-01T16:42:57.618" v="5856"/>
           <ac:spMkLst>
@@ -432,6 +480,22 @@
             <ac:picMk id="5" creationId="{5557F28B-416B-C811-6B68-8200EB4EACCE}"/>
           </ac:picMkLst>
         </pc:picChg>
+        <pc:picChg chg="add mod ord modCrop">
+          <ac:chgData name="Matteo MANGILI" userId="89c7df381375e6aa" providerId="LiveId" clId="{740BB46D-1FBD-4BE5-BEA3-98CD9E9E2715}" dt="2024-02-08T11:15:04.420" v="10432" actId="1076"/>
+          <ac:picMkLst>
+            <pc:docMk/>
+            <pc:sldMk cId="1549231609" sldId="315"/>
+            <ac:picMk id="8" creationId="{6422998A-2562-0AB5-EB19-7C86EC90F6B5}"/>
+          </ac:picMkLst>
+        </pc:picChg>
+        <pc:picChg chg="add mod">
+          <ac:chgData name="Matteo MANGILI" userId="89c7df381375e6aa" providerId="LiveId" clId="{740BB46D-1FBD-4BE5-BEA3-98CD9E9E2715}" dt="2024-02-08T11:17:07.351" v="10460" actId="1076"/>
+          <ac:picMkLst>
+            <pc:docMk/>
+            <pc:sldMk cId="1549231609" sldId="315"/>
+            <ac:picMk id="12" creationId="{C41D60B2-F2C9-77C6-B866-A6FB4DEBDB27}"/>
+          </ac:picMkLst>
+        </pc:picChg>
         <pc:picChg chg="del">
           <ac:chgData name="Matteo MANGILI" userId="89c7df381375e6aa" providerId="LiveId" clId="{740BB46D-1FBD-4BE5-BEA3-98CD9E9E2715}" dt="2024-02-01T16:42:54.884" v="5855" actId="21"/>
           <ac:picMkLst>
@@ -448,16 +512,16 @@
             <ac:picMk id="15" creationId="{B857A273-6DEB-D710-9311-64C00F4354C4}"/>
           </ac:picMkLst>
         </pc:picChg>
-        <pc:picChg chg="add mod ord">
-          <ac:chgData name="Matteo MANGILI" userId="89c7df381375e6aa" providerId="LiveId" clId="{740BB46D-1FBD-4BE5-BEA3-98CD9E9E2715}" dt="2024-02-01T16:44:03.287" v="5907" actId="1076"/>
+        <pc:picChg chg="add del mod ord">
+          <ac:chgData name="Matteo MANGILI" userId="89c7df381375e6aa" providerId="LiveId" clId="{740BB46D-1FBD-4BE5-BEA3-98CD9E9E2715}" dt="2024-02-08T11:13:48.943" v="10406" actId="21"/>
           <ac:picMkLst>
             <pc:docMk/>
             <pc:sldMk cId="1549231609" sldId="315"/>
             <ac:picMk id="16" creationId="{16F4AA7E-1FBB-80B5-4549-4C20D06C1CE6}"/>
           </ac:picMkLst>
         </pc:picChg>
-        <pc:picChg chg="add mod">
-          <ac:chgData name="Matteo MANGILI" userId="89c7df381375e6aa" providerId="LiveId" clId="{740BB46D-1FBD-4BE5-BEA3-98CD9E9E2715}" dt="2024-02-01T16:45:33.684" v="5917" actId="14100"/>
+        <pc:picChg chg="add del mod">
+          <ac:chgData name="Matteo MANGILI" userId="89c7df381375e6aa" providerId="LiveId" clId="{740BB46D-1FBD-4BE5-BEA3-98CD9E9E2715}" dt="2024-02-08T11:15:19.434" v="10434" actId="21"/>
           <ac:picMkLst>
             <pc:docMk/>
             <pc:sldMk cId="1549231609" sldId="315"/>
@@ -466,11 +530,19 @@
         </pc:picChg>
       </pc:sldChg>
       <pc:sldChg chg="addSp delSp modSp mod">
-        <pc:chgData name="Matteo MANGILI" userId="89c7df381375e6aa" providerId="LiveId" clId="{740BB46D-1FBD-4BE5-BEA3-98CD9E9E2715}" dt="2024-02-07T14:31:48.275" v="7138" actId="20577"/>
+        <pc:chgData name="Matteo MANGILI" userId="89c7df381375e6aa" providerId="LiveId" clId="{740BB46D-1FBD-4BE5-BEA3-98CD9E9E2715}" dt="2024-02-08T11:17:17.462" v="10461" actId="21"/>
         <pc:sldMkLst>
           <pc:docMk/>
           <pc:sldMk cId="1841377636" sldId="316"/>
         </pc:sldMkLst>
+        <pc:spChg chg="add mod">
+          <ac:chgData name="Matteo MANGILI" userId="89c7df381375e6aa" providerId="LiveId" clId="{740BB46D-1FBD-4BE5-BEA3-98CD9E9E2715}" dt="2024-02-08T11:17:17.462" v="10461" actId="21"/>
+          <ac:spMkLst>
+            <pc:docMk/>
+            <pc:sldMk cId="1841377636" sldId="316"/>
+            <ac:spMk id="5" creationId="{DC453C75-5BAB-7BCF-E64F-7963EF3E8A64}"/>
+          </ac:spMkLst>
+        </pc:spChg>
         <pc:spChg chg="mod">
           <ac:chgData name="Matteo MANGILI" userId="89c7df381375e6aa" providerId="LiveId" clId="{740BB46D-1FBD-4BE5-BEA3-98CD9E9E2715}" dt="2024-02-07T14:31:48.275" v="7138" actId="20577"/>
           <ac:spMkLst>
@@ -487,8 +559,8 @@
             <ac:spMk id="9" creationId="{093A462C-9B50-FE8F-AD29-63FB46C03202}"/>
           </ac:spMkLst>
         </pc:spChg>
-        <pc:picChg chg="add mod ord">
-          <ac:chgData name="Matteo MANGILI" userId="89c7df381375e6aa" providerId="LiveId" clId="{740BB46D-1FBD-4BE5-BEA3-98CD9E9E2715}" dt="2024-02-04T20:45:28.023" v="6847" actId="1076"/>
+        <pc:picChg chg="add del mod ord">
+          <ac:chgData name="Matteo MANGILI" userId="89c7df381375e6aa" providerId="LiveId" clId="{740BB46D-1FBD-4BE5-BEA3-98CD9E9E2715}" dt="2024-02-08T11:17:17.462" v="10461" actId="21"/>
           <ac:picMkLst>
             <pc:docMk/>
             <pc:sldMk cId="1841377636" sldId="316"/>
@@ -847,7 +919,7 @@
             <a:pPr rtl="0"/>
             <a:fld id="{DBC54730-5EBA-4920-A6C4-7F8458A7F940}" type="datetime1">
               <a:rPr lang="it-IT" smtClean="0"/>
-              <a:t>07/02/2024</a:t>
+              <a:t>08/02/2024</a:t>
             </a:fld>
             <a:endParaRPr lang="it-IT" dirty="0"/>
           </a:p>
@@ -1029,7 +1101,7 @@
             <a:fld id="{85EC1C34-318D-43A8-83F5-3AC8647FE75E}" type="datetime1">
               <a:rPr lang="it-IT" smtClean="0"/>
               <a:pPr/>
-              <a:t>07/02/2024</a:t>
+              <a:t>08/02/2024</a:t>
             </a:fld>
             <a:endParaRPr lang="it-IT" dirty="0"/>
           </a:p>
@@ -24120,35 +24192,6 @@
           </a:p>
         </p:txBody>
       </p:sp>
-      <p:pic>
-        <p:nvPicPr>
-          <p:cNvPr id="5" name="Segnaposto contenuto 4" descr="Immagine che contiene testo, diagramma, schizzo, disegno&#10;&#10;Descrizione generata automaticamente">
-            <a:extLst>
-              <a:ext uri="{FF2B5EF4-FFF2-40B4-BE49-F238E27FC236}">
-                <a16:creationId xmlns:a16="http://schemas.microsoft.com/office/drawing/2014/main" id="{2B1C7207-78AF-C703-0371-186CE2A9C3D6}"/>
-              </a:ext>
-            </a:extLst>
-          </p:cNvPr>
-          <p:cNvPicPr>
-            <a:picLocks noGrp="1" noChangeAspect="1"/>
-          </p:cNvPicPr>
-          <p:nvPr>
-            <p:ph idx="1"/>
-          </p:nvPr>
-        </p:nvPicPr>
-        <p:blipFill>
-          <a:blip r:embed="rId2"/>
-          <a:stretch>
-            <a:fillRect/>
-          </a:stretch>
-        </p:blipFill>
-        <p:spPr>
-          <a:xfrm>
-            <a:off x="325017" y="2055813"/>
-            <a:ext cx="4426288" cy="3900487"/>
-          </a:xfrm>
-        </p:spPr>
-      </p:pic>
       <p:sp>
         <p:nvSpPr>
           <p:cNvPr id="6" name="Slide Number Placeholder 5">
@@ -24275,10 +24318,39 @@
       </p:sp>
       <p:pic>
         <p:nvPicPr>
-          <p:cNvPr id="14" name="Immagine 13">
+          <p:cNvPr id="9" name="Segnaposto contenuto 8">
             <a:extLst>
               <a:ext uri="{FF2B5EF4-FFF2-40B4-BE49-F238E27FC236}">
-                <a16:creationId xmlns:a16="http://schemas.microsoft.com/office/drawing/2014/main" id="{1FFF48D2-F50E-9EA5-159F-A795661EEE68}"/>
+                <a16:creationId xmlns:a16="http://schemas.microsoft.com/office/drawing/2014/main" id="{D632F88F-B7F1-FCF1-6B5E-D9317E32DE52}"/>
+              </a:ext>
+            </a:extLst>
+          </p:cNvPr>
+          <p:cNvPicPr>
+            <a:picLocks noGrp="1" noChangeAspect="1"/>
+          </p:cNvPicPr>
+          <p:nvPr>
+            <p:ph idx="1"/>
+          </p:nvPr>
+        </p:nvPicPr>
+        <p:blipFill>
+          <a:blip r:embed="rId2"/>
+          <a:stretch>
+            <a:fillRect/>
+          </a:stretch>
+        </p:blipFill>
+        <p:spPr>
+          <a:xfrm>
+            <a:off x="21225" y="1779636"/>
+            <a:ext cx="4854361" cy="4252328"/>
+          </a:xfrm>
+        </p:spPr>
+      </p:pic>
+      <p:pic>
+        <p:nvPicPr>
+          <p:cNvPr id="15" name="Immagine 14">
+            <a:extLst>
+              <a:ext uri="{FF2B5EF4-FFF2-40B4-BE49-F238E27FC236}">
+                <a16:creationId xmlns:a16="http://schemas.microsoft.com/office/drawing/2014/main" id="{38829EC7-B73C-44B8-D4CD-DEEE234C82B3}"/>
               </a:ext>
             </a:extLst>
           </p:cNvPr>
@@ -24287,15 +24359,16 @@
           </p:cNvPicPr>
           <p:nvPr/>
         </p:nvPicPr>
-        <p:blipFill rotWithShape="1">
+        <p:blipFill>
           <a:blip r:embed="rId3"/>
-          <a:srcRect r="7037"/>
-          <a:stretch/>
+          <a:stretch>
+            <a:fillRect/>
+          </a:stretch>
         </p:blipFill>
         <p:spPr>
           <a:xfrm>
-            <a:off x="4896810" y="2206056"/>
-            <a:ext cx="7146636" cy="3600000"/>
+            <a:off x="5218827" y="1943800"/>
+            <a:ext cx="6234706" cy="3924000"/>
           </a:xfrm>
           <a:prstGeom prst="rect">
             <a:avLst/>
@@ -26186,10 +26259,10 @@
       </p:sp>
       <p:pic>
         <p:nvPicPr>
-          <p:cNvPr id="16" name="Segnaposto contenuto 15">
+          <p:cNvPr id="8" name="Segnaposto contenuto 7">
             <a:extLst>
               <a:ext uri="{FF2B5EF4-FFF2-40B4-BE49-F238E27FC236}">
-                <a16:creationId xmlns:a16="http://schemas.microsoft.com/office/drawing/2014/main" id="{16F4AA7E-1FBB-80B5-4549-4C20D06C1CE6}"/>
+                <a16:creationId xmlns:a16="http://schemas.microsoft.com/office/drawing/2014/main" id="{6422998A-2562-0AB5-EB19-7C86EC90F6B5}"/>
               </a:ext>
             </a:extLst>
           </p:cNvPr>
@@ -26200,25 +26273,24 @@
             <p:ph idx="1"/>
           </p:nvPr>
         </p:nvPicPr>
-        <p:blipFill>
+        <p:blipFill rotWithShape="1">
           <a:blip r:embed="rId2"/>
-          <a:stretch>
-            <a:fillRect/>
-          </a:stretch>
+          <a:srcRect r="9803"/>
+          <a:stretch/>
         </p:blipFill>
         <p:spPr>
           <a:xfrm>
-            <a:off x="326966" y="2305455"/>
-            <a:ext cx="5243014" cy="3596952"/>
+            <a:off x="279998" y="2316810"/>
+            <a:ext cx="5773866" cy="3600000"/>
           </a:xfrm>
         </p:spPr>
       </p:pic>
       <p:pic>
         <p:nvPicPr>
-          <p:cNvPr id="18" name="Immagine 17">
+          <p:cNvPr id="12" name="Immagine 11">
             <a:extLst>
               <a:ext uri="{FF2B5EF4-FFF2-40B4-BE49-F238E27FC236}">
-                <a16:creationId xmlns:a16="http://schemas.microsoft.com/office/drawing/2014/main" id="{146C13CC-49B2-BCA0-6FCF-F39784C053EB}"/>
+                <a16:creationId xmlns:a16="http://schemas.microsoft.com/office/drawing/2014/main" id="{C41D60B2-F2C9-77C6-B866-A6FB4DEBDB27}"/>
               </a:ext>
             </a:extLst>
           </p:cNvPr>
@@ -26235,8 +26307,8 @@
         </p:blipFill>
         <p:spPr>
           <a:xfrm>
-            <a:off x="6053864" y="2316810"/>
-            <a:ext cx="5515071" cy="3600000"/>
+            <a:off x="6276323" y="2305927"/>
+            <a:ext cx="5174653" cy="3456000"/>
           </a:xfrm>
           <a:prstGeom prst="rect">
             <a:avLst/>
@@ -27105,35 +27177,31 @@
           </a:p>
         </p:txBody>
       </p:sp>
-      <p:pic>
-        <p:nvPicPr>
-          <p:cNvPr id="4" name="Segnaposto contenuto 3">
+      <p:sp>
+        <p:nvSpPr>
+          <p:cNvPr id="5" name="Segnaposto contenuto 4">
             <a:extLst>
               <a:ext uri="{FF2B5EF4-FFF2-40B4-BE49-F238E27FC236}">
-                <a16:creationId xmlns:a16="http://schemas.microsoft.com/office/drawing/2014/main" id="{C9478E04-5045-F213-EE5F-B0EBAAC6ED03}"/>
+                <a16:creationId xmlns:a16="http://schemas.microsoft.com/office/drawing/2014/main" id="{DC453C75-5BAB-7BCF-E64F-7963EF3E8A64}"/>
               </a:ext>
             </a:extLst>
           </p:cNvPr>
-          <p:cNvPicPr>
-            <a:picLocks noGrp="1" noChangeAspect="1"/>
-          </p:cNvPicPr>
+          <p:cNvSpPr>
+            <a:spLocks noGrp="1"/>
+          </p:cNvSpPr>
           <p:nvPr>
             <p:ph idx="1"/>
           </p:nvPr>
-        </p:nvPicPr>
-        <p:blipFill>
-          <a:blip r:embed="rId2"/>
-          <a:stretch>
-            <a:fillRect/>
-          </a:stretch>
-        </p:blipFill>
-        <p:spPr>
-          <a:xfrm>
-            <a:off x="2933763" y="2468705"/>
-            <a:ext cx="6321426" cy="3384000"/>
-          </a:xfrm>
-        </p:spPr>
-      </p:pic>
+        </p:nvSpPr>
+        <p:spPr/>
+        <p:txBody>
+          <a:bodyPr/>
+          <a:lstStyle/>
+          <a:p>
+            <a:endParaRPr lang="it-IT"/>
+          </a:p>
+        </p:txBody>
+      </p:sp>
     </p:spTree>
     <p:extLst>
       <p:ext uri="{BB962C8B-B14F-4D97-AF65-F5344CB8AC3E}">
@@ -36653,6 +36721,15 @@
 </file>
 
 <file path=customXml/item1.xml><?xml version="1.0" encoding="utf-8"?>
+<?mso-contentType ?>
+<FormTemplates xmlns="http://schemas.microsoft.com/sharepoint/v3/contenttype/forms">
+  <Display>DocumentLibraryForm</Display>
+  <Edit>DocumentLibraryForm</Edit>
+  <New>DocumentLibraryForm</New>
+</FormTemplates>
+</file>
+
+<file path=customXml/item2.xml><?xml version="1.0" encoding="utf-8"?>
 <ct:contentTypeSchema xmlns:ct="http://schemas.microsoft.com/office/2006/metadata/contentType" xmlns:ma="http://schemas.microsoft.com/office/2006/metadata/properties/metaAttributes" ct:_="" ma:_="" ma:contentTypeName="Documento" ma:contentTypeID="0x0101007CE6213B20D2F945B0D1473923EE410F" ma:contentTypeVersion="7" ma:contentTypeDescription="Creare un nuovo documento." ma:contentTypeScope="" ma:versionID="dc8ac43e96b461727accd63cf925a5cf">
   <xsd:schema xmlns:xsd="http://www.w3.org/2001/XMLSchema" xmlns:xs="http://www.w3.org/2001/XMLSchema" xmlns:p="http://schemas.microsoft.com/office/2006/metadata/properties" xmlns:ns2="243f3390-b919-40e8-8195-3613e8527352" targetNamespace="http://schemas.microsoft.com/office/2006/metadata/properties" ma:root="true" ma:fieldsID="1987007e621e1b24d40e437f012b913d" ns2:_="">
     <xsd:import namespace="243f3390-b919-40e8-8195-3613e8527352"/>
@@ -36814,15 +36891,6 @@
 </ct:contentTypeSchema>
 </file>
 
-<file path=customXml/item2.xml><?xml version="1.0" encoding="utf-8"?>
-<?mso-contentType ?>
-<FormTemplates xmlns="http://schemas.microsoft.com/sharepoint/v3/contenttype/forms">
-  <Display>DocumentLibraryForm</Display>
-  <Edit>DocumentLibraryForm</Edit>
-  <New>DocumentLibraryForm</New>
-</FormTemplates>
-</file>
-
 <file path=customXml/item3.xml><?xml version="1.0" encoding="utf-8"?>
 <p:properties xmlns:p="http://schemas.microsoft.com/office/2006/metadata/properties" xmlns:xsi="http://www.w3.org/2001/XMLSchema-instance" xmlns:pc="http://schemas.microsoft.com/office/infopath/2007/PartnerControls">
   <documentManagement/>
@@ -36830,6 +36898,14 @@
 </file>
 
 <file path=customXml/itemProps1.xml><?xml version="1.0" encoding="utf-8"?>
+<ds:datastoreItem xmlns:ds="http://schemas.openxmlformats.org/officeDocument/2006/customXml" ds:itemID="{42BC90D6-94CF-42F7-AAC4-9CF6824C54D5}">
+  <ds:schemaRefs>
+    <ds:schemaRef ds:uri="http://schemas.microsoft.com/sharepoint/v3/contenttype/forms"/>
+  </ds:schemaRefs>
+</ds:datastoreItem>
+</file>
+
+<file path=customXml/itemProps2.xml><?xml version="1.0" encoding="utf-8"?>
 <ds:datastoreItem xmlns:ds="http://schemas.openxmlformats.org/officeDocument/2006/customXml" ds:itemID="{1A503E23-9696-4358-8F00-F7F66AC755EB}">
   <ds:schemaRefs>
     <ds:schemaRef ds:uri="http://schemas.microsoft.com/office/2006/metadata/contentType"/>
@@ -36843,14 +36919,6 @@
     <ds:schemaRef ds:uri="http://purl.org/dc/elements/1.1/"/>
     <ds:schemaRef ds:uri="http://purl.org/dc/terms/"/>
     <ds:schemaRef ds:uri="http://schemas.microsoft.com/internal/obd"/>
-  </ds:schemaRefs>
-</ds:datastoreItem>
-</file>
-
-<file path=customXml/itemProps2.xml><?xml version="1.0" encoding="utf-8"?>
-<ds:datastoreItem xmlns:ds="http://schemas.openxmlformats.org/officeDocument/2006/customXml" ds:itemID="{42BC90D6-94CF-42F7-AAC4-9CF6824C54D5}">
-  <ds:schemaRefs>
-    <ds:schemaRef ds:uri="http://schemas.microsoft.com/sharepoint/v3/contenttype/forms"/>
   </ds:schemaRefs>
 </ds:datastoreItem>
 </file>

--- a/Presentazione/Presentazione_Progetto.pptx
+++ b/Presentazione/Presentazione_Progetto.pptx
@@ -179,7 +179,7 @@
   <pc:docChgLst>
     <pc:chgData name="Matteo MANGILI" userId="89c7df381375e6aa" providerId="LiveId" clId="{740BB46D-1FBD-4BE5-BEA3-98CD9E9E2715}"/>
     <pc:docChg chg="undo custSel addSld modSld">
-      <pc:chgData name="Matteo MANGILI" userId="89c7df381375e6aa" providerId="LiveId" clId="{740BB46D-1FBD-4BE5-BEA3-98CD9E9E2715}" dt="2024-02-08T11:17:17.462" v="10461" actId="21"/>
+      <pc:chgData name="Matteo MANGILI" userId="89c7df381375e6aa" providerId="LiveId" clId="{740BB46D-1FBD-4BE5-BEA3-98CD9E9E2715}" dt="2024-02-08T11:25:22.551" v="10473" actId="22"/>
       <pc:docMkLst>
         <pc:docMk/>
       </pc:docMkLst>
@@ -530,13 +530,13 @@
         </pc:picChg>
       </pc:sldChg>
       <pc:sldChg chg="addSp delSp modSp mod">
-        <pc:chgData name="Matteo MANGILI" userId="89c7df381375e6aa" providerId="LiveId" clId="{740BB46D-1FBD-4BE5-BEA3-98CD9E9E2715}" dt="2024-02-08T11:17:17.462" v="10461" actId="21"/>
+        <pc:chgData name="Matteo MANGILI" userId="89c7df381375e6aa" providerId="LiveId" clId="{740BB46D-1FBD-4BE5-BEA3-98CD9E9E2715}" dt="2024-02-08T11:25:22.551" v="10473" actId="22"/>
         <pc:sldMkLst>
           <pc:docMk/>
           <pc:sldMk cId="1841377636" sldId="316"/>
         </pc:sldMkLst>
-        <pc:spChg chg="add mod">
-          <ac:chgData name="Matteo MANGILI" userId="89c7df381375e6aa" providerId="LiveId" clId="{740BB46D-1FBD-4BE5-BEA3-98CD9E9E2715}" dt="2024-02-08T11:17:17.462" v="10461" actId="21"/>
+        <pc:spChg chg="add del mod">
+          <ac:chgData name="Matteo MANGILI" userId="89c7df381375e6aa" providerId="LiveId" clId="{740BB46D-1FBD-4BE5-BEA3-98CD9E9E2715}" dt="2024-02-08T11:25:22.551" v="10473" actId="22"/>
           <ac:spMkLst>
             <pc:docMk/>
             <pc:sldMk cId="1841377636" sldId="316"/>
@@ -559,6 +559,22 @@
             <ac:spMk id="9" creationId="{093A462C-9B50-FE8F-AD29-63FB46C03202}"/>
           </ac:spMkLst>
         </pc:spChg>
+        <pc:spChg chg="mod">
+          <ac:chgData name="Matteo MANGILI" userId="89c7df381375e6aa" providerId="LiveId" clId="{740BB46D-1FBD-4BE5-BEA3-98CD9E9E2715}" dt="2024-02-08T11:24:29.854" v="10472" actId="1076"/>
+          <ac:spMkLst>
+            <pc:docMk/>
+            <pc:sldMk cId="1841377636" sldId="316"/>
+            <ac:spMk id="10" creationId="{6A436C8B-00CB-47DF-CE0F-3E6AF627C2BC}"/>
+          </ac:spMkLst>
+        </pc:spChg>
+        <pc:picChg chg="add mod ord">
+          <ac:chgData name="Matteo MANGILI" userId="89c7df381375e6aa" providerId="LiveId" clId="{740BB46D-1FBD-4BE5-BEA3-98CD9E9E2715}" dt="2024-02-08T11:25:22.551" v="10473" actId="22"/>
+          <ac:picMkLst>
+            <pc:docMk/>
+            <pc:sldMk cId="1841377636" sldId="316"/>
+            <ac:picMk id="4" creationId="{64E682A3-C286-B7AC-4CF1-DE3330AAF832}"/>
+          </ac:picMkLst>
+        </pc:picChg>
         <pc:picChg chg="add del mod ord">
           <ac:chgData name="Matteo MANGILI" userId="89c7df381375e6aa" providerId="LiveId" clId="{740BB46D-1FBD-4BE5-BEA3-98CD9E9E2715}" dt="2024-02-08T11:17:17.462" v="10461" actId="21"/>
           <ac:picMkLst>
@@ -27156,7 +27172,7 @@
         </p:nvSpPr>
         <p:spPr>
           <a:xfrm>
-            <a:off x="4142791" y="6382139"/>
+            <a:off x="4979467" y="6332815"/>
             <a:ext cx="2230017" cy="369332"/>
           </a:xfrm>
           <a:prstGeom prst="rect">
@@ -27172,36 +27188,40 @@
           <a:p>
             <a:r>
               <a:rPr lang="it-IT" dirty="0"/>
-              <a:t>SEQUENCE DIAGRAM</a:t>
+              <a:t>ACTIVITY DIAGRAM</a:t>
             </a:r>
           </a:p>
         </p:txBody>
       </p:sp>
-      <p:sp>
-        <p:nvSpPr>
-          <p:cNvPr id="5" name="Segnaposto contenuto 4">
+      <p:pic>
+        <p:nvPicPr>
+          <p:cNvPr id="4" name="Segnaposto contenuto 3">
             <a:extLst>
               <a:ext uri="{FF2B5EF4-FFF2-40B4-BE49-F238E27FC236}">
-                <a16:creationId xmlns:a16="http://schemas.microsoft.com/office/drawing/2014/main" id="{DC453C75-5BAB-7BCF-E64F-7963EF3E8A64}"/>
+                <a16:creationId xmlns:a16="http://schemas.microsoft.com/office/drawing/2014/main" id="{64E682A3-C286-B7AC-4CF1-DE3330AAF832}"/>
               </a:ext>
             </a:extLst>
           </p:cNvPr>
-          <p:cNvSpPr>
-            <a:spLocks noGrp="1"/>
-          </p:cNvSpPr>
+          <p:cNvPicPr>
+            <a:picLocks noGrp="1" noChangeAspect="1"/>
+          </p:cNvPicPr>
           <p:nvPr>
             <p:ph idx="1"/>
           </p:nvPr>
-        </p:nvSpPr>
-        <p:spPr/>
-        <p:txBody>
-          <a:bodyPr/>
-          <a:lstStyle/>
-          <a:p>
-            <a:endParaRPr lang="it-IT"/>
-          </a:p>
-        </p:txBody>
-      </p:sp>
+        </p:nvPicPr>
+        <p:blipFill>
+          <a:blip r:embed="rId2"/>
+          <a:stretch>
+            <a:fillRect/>
+          </a:stretch>
+        </p:blipFill>
+        <p:spPr>
+          <a:xfrm>
+            <a:off x="2258997" y="2115180"/>
+            <a:ext cx="7674005" cy="3772227"/>
+          </a:xfrm>
+        </p:spPr>
+      </p:pic>
     </p:spTree>
     <p:extLst>
       <p:ext uri="{BB962C8B-B14F-4D97-AF65-F5344CB8AC3E}">
@@ -36721,15 +36741,6 @@
 </file>
 
 <file path=customXml/item1.xml><?xml version="1.0" encoding="utf-8"?>
-<?mso-contentType ?>
-<FormTemplates xmlns="http://schemas.microsoft.com/sharepoint/v3/contenttype/forms">
-  <Display>DocumentLibraryForm</Display>
-  <Edit>DocumentLibraryForm</Edit>
-  <New>DocumentLibraryForm</New>
-</FormTemplates>
-</file>
-
-<file path=customXml/item2.xml><?xml version="1.0" encoding="utf-8"?>
 <ct:contentTypeSchema xmlns:ct="http://schemas.microsoft.com/office/2006/metadata/contentType" xmlns:ma="http://schemas.microsoft.com/office/2006/metadata/properties/metaAttributes" ct:_="" ma:_="" ma:contentTypeName="Documento" ma:contentTypeID="0x0101007CE6213B20D2F945B0D1473923EE410F" ma:contentTypeVersion="7" ma:contentTypeDescription="Creare un nuovo documento." ma:contentTypeScope="" ma:versionID="dc8ac43e96b461727accd63cf925a5cf">
   <xsd:schema xmlns:xsd="http://www.w3.org/2001/XMLSchema" xmlns:xs="http://www.w3.org/2001/XMLSchema" xmlns:p="http://schemas.microsoft.com/office/2006/metadata/properties" xmlns:ns2="243f3390-b919-40e8-8195-3613e8527352" targetNamespace="http://schemas.microsoft.com/office/2006/metadata/properties" ma:root="true" ma:fieldsID="1987007e621e1b24d40e437f012b913d" ns2:_="">
     <xsd:import namespace="243f3390-b919-40e8-8195-3613e8527352"/>
@@ -36891,6 +36902,15 @@
 </ct:contentTypeSchema>
 </file>
 
+<file path=customXml/item2.xml><?xml version="1.0" encoding="utf-8"?>
+<?mso-contentType ?>
+<FormTemplates xmlns="http://schemas.microsoft.com/sharepoint/v3/contenttype/forms">
+  <Display>DocumentLibraryForm</Display>
+  <Edit>DocumentLibraryForm</Edit>
+  <New>DocumentLibraryForm</New>
+</FormTemplates>
+</file>
+
 <file path=customXml/item3.xml><?xml version="1.0" encoding="utf-8"?>
 <p:properties xmlns:p="http://schemas.microsoft.com/office/2006/metadata/properties" xmlns:xsi="http://www.w3.org/2001/XMLSchema-instance" xmlns:pc="http://schemas.microsoft.com/office/infopath/2007/PartnerControls">
   <documentManagement/>
@@ -36898,14 +36918,6 @@
 </file>
 
 <file path=customXml/itemProps1.xml><?xml version="1.0" encoding="utf-8"?>
-<ds:datastoreItem xmlns:ds="http://schemas.openxmlformats.org/officeDocument/2006/customXml" ds:itemID="{42BC90D6-94CF-42F7-AAC4-9CF6824C54D5}">
-  <ds:schemaRefs>
-    <ds:schemaRef ds:uri="http://schemas.microsoft.com/sharepoint/v3/contenttype/forms"/>
-  </ds:schemaRefs>
-</ds:datastoreItem>
-</file>
-
-<file path=customXml/itemProps2.xml><?xml version="1.0" encoding="utf-8"?>
 <ds:datastoreItem xmlns:ds="http://schemas.openxmlformats.org/officeDocument/2006/customXml" ds:itemID="{1A503E23-9696-4358-8F00-F7F66AC755EB}">
   <ds:schemaRefs>
     <ds:schemaRef ds:uri="http://schemas.microsoft.com/office/2006/metadata/contentType"/>
@@ -36919,6 +36931,14 @@
     <ds:schemaRef ds:uri="http://purl.org/dc/elements/1.1/"/>
     <ds:schemaRef ds:uri="http://purl.org/dc/terms/"/>
     <ds:schemaRef ds:uri="http://schemas.microsoft.com/internal/obd"/>
+  </ds:schemaRefs>
+</ds:datastoreItem>
+</file>
+
+<file path=customXml/itemProps2.xml><?xml version="1.0" encoding="utf-8"?>
+<ds:datastoreItem xmlns:ds="http://schemas.openxmlformats.org/officeDocument/2006/customXml" ds:itemID="{42BC90D6-94CF-42F7-AAC4-9CF6824C54D5}">
+  <ds:schemaRefs>
+    <ds:schemaRef ds:uri="http://schemas.microsoft.com/sharepoint/v3/contenttype/forms"/>
   </ds:schemaRefs>
 </ds:datastoreItem>
 </file>

--- a/Presentazione/Presentazione_Progetto.pptx
+++ b/Presentazione/Presentazione_Progetto.pptx
@@ -169,7 +169,7 @@
 <file path=ppt/revisionInfo.xml><?xml version="1.0" encoding="utf-8"?>
 <p1510:revInfo xmlns:a="http://schemas.openxmlformats.org/drawingml/2006/main" xmlns:r="http://schemas.openxmlformats.org/officeDocument/2006/relationships" xmlns:p1510="http://schemas.microsoft.com/office/powerpoint/2015/10/main">
   <p1510:revLst>
-    <p1510:client id="{740BB46D-1FBD-4BE5-BEA3-98CD9E9E2715}" v="161" dt="2024-02-07T21:07:06.392"/>
+    <p1510:client id="{740BB46D-1FBD-4BE5-BEA3-98CD9E9E2715}" v="167" dt="2024-02-08T21:18:42.153"/>
   </p1510:revLst>
 </p1510:revInfo>
 </file>
@@ -179,7 +179,7 @@
   <pc:docChgLst>
     <pc:chgData name="Matteo MANGILI" userId="89c7df381375e6aa" providerId="LiveId" clId="{740BB46D-1FBD-4BE5-BEA3-98CD9E9E2715}"/>
     <pc:docChg chg="undo custSel addSld modSld">
-      <pc:chgData name="Matteo MANGILI" userId="89c7df381375e6aa" providerId="LiveId" clId="{740BB46D-1FBD-4BE5-BEA3-98CD9E9E2715}" dt="2024-02-08T11:25:22.551" v="10473" actId="22"/>
+      <pc:chgData name="Matteo MANGILI" userId="89c7df381375e6aa" providerId="LiveId" clId="{740BB46D-1FBD-4BE5-BEA3-98CD9E9E2715}" dt="2024-02-08T21:18:33.320" v="10548" actId="255"/>
       <pc:docMkLst>
         <pc:docMk/>
       </pc:docMkLst>
@@ -267,13 +267,13 @@
         </pc:spChg>
       </pc:sldChg>
       <pc:sldChg chg="modSp mod">
-        <pc:chgData name="Matteo MANGILI" userId="89c7df381375e6aa" providerId="LiveId" clId="{740BB46D-1FBD-4BE5-BEA3-98CD9E9E2715}" dt="2024-02-07T20:49:21.341" v="9731" actId="20577"/>
+        <pc:chgData name="Matteo MANGILI" userId="89c7df381375e6aa" providerId="LiveId" clId="{740BB46D-1FBD-4BE5-BEA3-98CD9E9E2715}" dt="2024-02-08T21:18:33.320" v="10548" actId="255"/>
         <pc:sldMkLst>
           <pc:docMk/>
           <pc:sldMk cId="2728347993" sldId="304"/>
         </pc:sldMkLst>
         <pc:spChg chg="mod">
-          <ac:chgData name="Matteo MANGILI" userId="89c7df381375e6aa" providerId="LiveId" clId="{740BB46D-1FBD-4BE5-BEA3-98CD9E9E2715}" dt="2024-02-07T20:49:21.341" v="9731" actId="20577"/>
+          <ac:chgData name="Matteo MANGILI" userId="89c7df381375e6aa" providerId="LiveId" clId="{740BB46D-1FBD-4BE5-BEA3-98CD9E9E2715}" dt="2024-02-08T21:18:33.320" v="10548" actId="255"/>
           <ac:spMkLst>
             <pc:docMk/>
             <pc:sldMk cId="2728347993" sldId="304"/>
@@ -365,13 +365,13 @@
         </pc:spChg>
       </pc:sldChg>
       <pc:sldChg chg="modSp mod">
-        <pc:chgData name="Matteo MANGILI" userId="89c7df381375e6aa" providerId="LiveId" clId="{740BB46D-1FBD-4BE5-BEA3-98CD9E9E2715}" dt="2024-02-07T15:20:35.146" v="8836" actId="20577"/>
+        <pc:chgData name="Matteo MANGILI" userId="89c7df381375e6aa" providerId="LiveId" clId="{740BB46D-1FBD-4BE5-BEA3-98CD9E9E2715}" dt="2024-02-08T21:15:41.708" v="10488" actId="20577"/>
         <pc:sldMkLst>
           <pc:docMk/>
           <pc:sldMk cId="3576197673" sldId="313"/>
         </pc:sldMkLst>
         <pc:graphicFrameChg chg="modGraphic">
-          <ac:chgData name="Matteo MANGILI" userId="89c7df381375e6aa" providerId="LiveId" clId="{740BB46D-1FBD-4BE5-BEA3-98CD9E9E2715}" dt="2024-02-07T15:20:35.146" v="8836" actId="20577"/>
+          <ac:chgData name="Matteo MANGILI" userId="89c7df381375e6aa" providerId="LiveId" clId="{740BB46D-1FBD-4BE5-BEA3-98CD9E9E2715}" dt="2024-02-08T21:15:41.708" v="10488" actId="20577"/>
           <ac:graphicFrameMkLst>
             <pc:docMk/>
             <pc:sldMk cId="3576197673" sldId="313"/>
@@ -17223,14 +17223,14 @@
             <p:ph idx="1"/>
             <p:extLst>
               <p:ext uri="{D42A27DB-BD31-4B8C-83A1-F6EECF244321}">
-                <p14:modId xmlns:p14="http://schemas.microsoft.com/office/powerpoint/2010/main" val="1984206213"/>
+                <p14:modId xmlns:p14="http://schemas.microsoft.com/office/powerpoint/2010/main" val="990561231"/>
               </p:ext>
             </p:extLst>
           </p:nvPr>
         </p:nvGraphicFramePr>
         <p:xfrm>
           <a:off x="838200" y="1825625"/>
-          <a:ext cx="10515600" cy="4271996"/>
+          <a:ext cx="10515600" cy="4514637"/>
         </p:xfrm>
         <a:graphic>
           <a:graphicData uri="http://schemas.openxmlformats.org/drawingml/2006/table">
@@ -17322,6 +17322,16 @@
                       <a:r>
                         <a:rPr lang="it-IT" sz="1600" dirty="0"/>
                         <a:t>Registrazione nel Sistema</a:t>
+                      </a:r>
+                    </a:p>
+                    <a:p>
+                      <a:pPr marL="171450" indent="-171450">
+                        <a:buFont typeface="Arial" panose="020B0604020202020204" pitchFamily="34" charset="0"/>
+                        <a:buChar char="•"/>
+                      </a:pPr>
+                      <a:r>
+                        <a:rPr lang="it-IT" sz="1600" dirty="0"/>
+                        <a:t>Login/Logout</a:t>
                       </a:r>
                     </a:p>
                     <a:p>
@@ -17743,13 +17753,8 @@
                       </a:pPr>
                       <a:r>
                         <a:rPr lang="it-IT" dirty="0"/>
-                        <a:t>Possibilità di vedere altri medici </a:t>
+                        <a:t>Possibilità di vedere altri medici prima dell’intervento</a:t>
                       </a:r>
-                      <a:r>
-                        <a:rPr lang="it-IT"/>
-                        <a:t>prima dell’intervento</a:t>
-                      </a:r>
-                      <a:endParaRPr lang="it-IT" dirty="0"/>
                     </a:p>
                   </a:txBody>
                   <a:tcPr>
@@ -21475,7 +21480,7 @@
         </p:spPr>
         <p:txBody>
           <a:bodyPr>
-            <a:normAutofit fontScale="92500" lnSpcReduction="10000"/>
+            <a:noAutofit/>
           </a:bodyPr>
           <a:lstStyle/>
           <a:p>
@@ -21483,7 +21488,7 @@
               <a:buNone/>
             </a:pPr>
             <a:r>
-              <a:rPr lang="en-US" sz="2200" dirty="0"/>
+              <a:rPr lang="en-US" sz="1800" dirty="0"/>
               <a:t>Per implementare il Progetto abbiamo dovuto specificare diversi punti da soddisfare per la riuscita del software</a:t>
             </a:r>
           </a:p>
@@ -21493,7 +21498,7 @@
               <a:buChar char="Ø"/>
             </a:pPr>
             <a:r>
-              <a:rPr lang="en-US" sz="2200" dirty="0"/>
+              <a:rPr lang="en-US" sz="1800" dirty="0"/>
               <a:t>Registrazione del paziente nel sistema</a:t>
             </a:r>
           </a:p>
@@ -21503,7 +21508,7 @@
               <a:buChar char="Ø"/>
             </a:pPr>
             <a:r>
-              <a:rPr lang="en-US" sz="2200" dirty="0"/>
+              <a:rPr lang="en-US" sz="1800" dirty="0"/>
               <a:t>Autenticazione</a:t>
             </a:r>
           </a:p>
@@ -21513,8 +21518,8 @@
               <a:buChar char="Ø"/>
             </a:pPr>
             <a:r>
-              <a:rPr lang="en-US" sz="2200" dirty="0"/>
-              <a:t>Effettuare Esami pre Intervento</a:t>
+              <a:rPr lang="en-US" sz="1800" dirty="0"/>
+              <a:t>Iscrizione Lista Graduatoria</a:t>
             </a:r>
           </a:p>
           <a:p>
@@ -21523,8 +21528,8 @@
               <a:buChar char="Ø"/>
             </a:pPr>
             <a:r>
-              <a:rPr lang="en-US" sz="2200" dirty="0"/>
-              <a:t>Iscrizione alla Lista Graduatoria dell’Intervento spefico</a:t>
+              <a:rPr lang="en-US" sz="1800" dirty="0"/>
+              <a:t>Effettuare Esami pre Intervento</a:t>
             </a:r>
           </a:p>
           <a:p>
@@ -21533,8 +21538,8 @@
               <a:buChar char="Ø"/>
             </a:pPr>
             <a:r>
-              <a:rPr lang="en-US" sz="2200" dirty="0"/>
-              <a:t>Intervento</a:t>
+              <a:rPr lang="en-US" sz="1800" dirty="0"/>
+              <a:t>Iscrizione alla Lista Operatoria </a:t>
             </a:r>
           </a:p>
           <a:p>
@@ -21543,8 +21548,8 @@
               <a:buChar char="Ø"/>
             </a:pPr>
             <a:r>
-              <a:rPr lang="en-US" sz="2200" dirty="0"/>
-              <a:t>Verbale Medico</a:t>
+              <a:rPr lang="en-US" sz="1800" dirty="0"/>
+              <a:t>Intervento</a:t>
             </a:r>
           </a:p>
           <a:p>
@@ -21553,7 +21558,17 @@
               <a:buChar char="Ø"/>
             </a:pPr>
             <a:r>
-              <a:rPr lang="en-US" sz="2200" dirty="0"/>
+              <a:rPr lang="en-US" sz="1800" dirty="0"/>
+              <a:t>Verbale Medico</a:t>
+            </a:r>
+          </a:p>
+          <a:p>
+            <a:pPr>
+              <a:buFont typeface="Wingdings" panose="05000000000000000000" pitchFamily="2" charset="2"/>
+              <a:buChar char="Ø"/>
+            </a:pPr>
+            <a:r>
+              <a:rPr lang="en-US" sz="1800" dirty="0"/>
               <a:t>Stampa Verbale</a:t>
             </a:r>
           </a:p>
@@ -21562,7 +21577,7 @@
               <a:buNone/>
             </a:pPr>
             <a:r>
-              <a:rPr lang="en-US" sz="2200" dirty="0"/>
+              <a:rPr lang="en-US" sz="1800" dirty="0"/>
               <a:t>E’ importante poter accedere alle varie liste e alla pagina anagrafica del paziente in ogni momento, per visualizzare informazioni o effettuare modifiche.</a:t>
             </a:r>
           </a:p>
@@ -21571,7 +21586,7 @@
               <a:buNone/>
             </a:pPr>
             <a:r>
-              <a:rPr lang="en-US" sz="2200" dirty="0"/>
+              <a:rPr lang="en-US" sz="1800" dirty="0"/>
               <a:t>I punti dell’implementazione sono stati poi sottoposti a test  strutturali e funzionali, per accertarne l’ordine e controllarne la consistenza.</a:t>
             </a:r>
           </a:p>

--- a/Presentazione/Presentazione_Progetto.pptx
+++ b/Presentazione/Presentazione_Progetto.pptx
@@ -179,7 +179,7 @@
   <pc:docChgLst>
     <pc:chgData name="Matteo MANGILI" userId="89c7df381375e6aa" providerId="LiveId" clId="{740BB46D-1FBD-4BE5-BEA3-98CD9E9E2715}"/>
     <pc:docChg chg="undo custSel addSld modSld">
-      <pc:chgData name="Matteo MANGILI" userId="89c7df381375e6aa" providerId="LiveId" clId="{740BB46D-1FBD-4BE5-BEA3-98CD9E9E2715}" dt="2024-02-08T21:18:33.320" v="10548" actId="255"/>
+      <pc:chgData name="Matteo MANGILI" userId="89c7df381375e6aa" providerId="LiveId" clId="{740BB46D-1FBD-4BE5-BEA3-98CD9E9E2715}" dt="2024-02-09T17:59:30.589" v="10573" actId="113"/>
       <pc:docMkLst>
         <pc:docMk/>
       </pc:docMkLst>
@@ -365,13 +365,13 @@
         </pc:spChg>
       </pc:sldChg>
       <pc:sldChg chg="modSp mod">
-        <pc:chgData name="Matteo MANGILI" userId="89c7df381375e6aa" providerId="LiveId" clId="{740BB46D-1FBD-4BE5-BEA3-98CD9E9E2715}" dt="2024-02-08T21:15:41.708" v="10488" actId="20577"/>
+        <pc:chgData name="Matteo MANGILI" userId="89c7df381375e6aa" providerId="LiveId" clId="{740BB46D-1FBD-4BE5-BEA3-98CD9E9E2715}" dt="2024-02-09T17:59:11.732" v="10572" actId="255"/>
         <pc:sldMkLst>
           <pc:docMk/>
           <pc:sldMk cId="3576197673" sldId="313"/>
         </pc:sldMkLst>
         <pc:graphicFrameChg chg="modGraphic">
-          <ac:chgData name="Matteo MANGILI" userId="89c7df381375e6aa" providerId="LiveId" clId="{740BB46D-1FBD-4BE5-BEA3-98CD9E9E2715}" dt="2024-02-08T21:15:41.708" v="10488" actId="20577"/>
+          <ac:chgData name="Matteo MANGILI" userId="89c7df381375e6aa" providerId="LiveId" clId="{740BB46D-1FBD-4BE5-BEA3-98CD9E9E2715}" dt="2024-02-09T17:59:11.732" v="10572" actId="255"/>
           <ac:graphicFrameMkLst>
             <pc:docMk/>
             <pc:sldMk cId="3576197673" sldId="313"/>
@@ -710,7 +710,7 @@
         </pc:picChg>
       </pc:sldChg>
       <pc:sldChg chg="addSp delSp modSp add mod">
-        <pc:chgData name="Matteo MANGILI" userId="89c7df381375e6aa" providerId="LiveId" clId="{740BB46D-1FBD-4BE5-BEA3-98CD9E9E2715}" dt="2024-02-07T20:36:24.674" v="9460" actId="255"/>
+        <pc:chgData name="Matteo MANGILI" userId="89c7df381375e6aa" providerId="LiveId" clId="{740BB46D-1FBD-4BE5-BEA3-98CD9E9E2715}" dt="2024-02-09T17:59:30.589" v="10573" actId="113"/>
         <pc:sldMkLst>
           <pc:docMk/>
           <pc:sldMk cId="3754641538" sldId="320"/>
@@ -740,7 +740,7 @@
           </ac:spMkLst>
         </pc:spChg>
         <pc:spChg chg="add del mod">
-          <ac:chgData name="Matteo MANGILI" userId="89c7df381375e6aa" providerId="LiveId" clId="{740BB46D-1FBD-4BE5-BEA3-98CD9E9E2715}" dt="2024-02-07T20:36:24.674" v="9460" actId="255"/>
+          <ac:chgData name="Matteo MANGILI" userId="89c7df381375e6aa" providerId="LiveId" clId="{740BB46D-1FBD-4BE5-BEA3-98CD9E9E2715}" dt="2024-02-09T17:59:30.589" v="10573" actId="113"/>
           <ac:spMkLst>
             <pc:docMk/>
             <pc:sldMk cId="3754641538" sldId="320"/>
@@ -935,7 +935,7 @@
             <a:pPr rtl="0"/>
             <a:fld id="{DBC54730-5EBA-4920-A6C4-7F8458A7F940}" type="datetime1">
               <a:rPr lang="it-IT" smtClean="0"/>
-              <a:t>08/02/2024</a:t>
+              <a:t>09/02/2024</a:t>
             </a:fld>
             <a:endParaRPr lang="it-IT" dirty="0"/>
           </a:p>
@@ -1117,7 +1117,7 @@
             <a:fld id="{85EC1C34-318D-43A8-83F5-3AC8647FE75E}" type="datetime1">
               <a:rPr lang="it-IT" smtClean="0"/>
               <a:pPr/>
-              <a:t>08/02/2024</a:t>
+              <a:t>09/02/2024</a:t>
             </a:fld>
             <a:endParaRPr lang="it-IT" dirty="0"/>
           </a:p>
@@ -17223,7 +17223,7 @@
             <p:ph idx="1"/>
             <p:extLst>
               <p:ext uri="{D42A27DB-BD31-4B8C-83A1-F6EECF244321}">
-                <p14:modId xmlns:p14="http://schemas.microsoft.com/office/powerpoint/2010/main" val="990561231"/>
+                <p14:modId xmlns:p14="http://schemas.microsoft.com/office/powerpoint/2010/main" val="1816680977"/>
               </p:ext>
             </p:extLst>
           </p:nvPr>
@@ -17500,6 +17500,16 @@
                         <a:t>Iscrizione Lista Operatoria Intervento specifico</a:t>
                       </a:r>
                     </a:p>
+                    <a:p>
+                      <a:pPr marL="285750" indent="-285750">
+                        <a:buFont typeface="Arial" panose="020B0604020202020204" pitchFamily="34" charset="0"/>
+                        <a:buChar char="•"/>
+                      </a:pPr>
+                      <a:r>
+                        <a:rPr lang="it-IT" sz="1600" dirty="0"/>
+                        <a:t>Stampa Verbale Medico</a:t>
+                      </a:r>
+                    </a:p>
                   </a:txBody>
                   <a:tcPr>
                     <a:lnL w="12700" cap="flat" cmpd="sng" algn="ctr">
@@ -17742,17 +17752,7 @@
                         <a:buChar char="•"/>
                       </a:pPr>
                       <a:r>
-                        <a:rPr lang="it-IT" dirty="0"/>
-                        <a:t>Stampa del Verbale medico</a:t>
-                      </a:r>
-                    </a:p>
-                    <a:p>
-                      <a:pPr marL="285750" indent="-285750">
-                        <a:buFont typeface="Arial" panose="020B0604020202020204" pitchFamily="34" charset="0"/>
-                        <a:buChar char="•"/>
-                      </a:pPr>
-                      <a:r>
-                        <a:rPr lang="it-IT" dirty="0"/>
+                        <a:rPr lang="it-IT" sz="1600" dirty="0"/>
                         <a:t>Possibilità di vedere altri medici prima dell’intervento</a:t>
                       </a:r>
                     </a:p>
@@ -19678,15 +19678,15 @@
           </a:p>
           <a:p>
             <a:r>
-              <a:rPr lang="it-IT" sz="1900" i="1" dirty="0"/>
+              <a:rPr lang="it-IT" sz="1900" b="1" i="1" dirty="0"/>
               <a:t>Stile Model-</a:t>
             </a:r>
             <a:r>
-              <a:rPr lang="it-IT" sz="1900" i="1" dirty="0" err="1"/>
+              <a:rPr lang="it-IT" sz="1900" b="1" i="1" dirty="0" err="1"/>
               <a:t>View</a:t>
             </a:r>
             <a:r>
-              <a:rPr lang="it-IT" sz="1900" i="1" dirty="0"/>
+              <a:rPr lang="it-IT" sz="1900" b="1" i="1" dirty="0"/>
               <a:t>-Controller (MVC)</a:t>
             </a:r>
           </a:p>
@@ -36756,6 +36756,15 @@
 </file>
 
 <file path=customXml/item1.xml><?xml version="1.0" encoding="utf-8"?>
+<?mso-contentType ?>
+<FormTemplates xmlns="http://schemas.microsoft.com/sharepoint/v3/contenttype/forms">
+  <Display>DocumentLibraryForm</Display>
+  <Edit>DocumentLibraryForm</Edit>
+  <New>DocumentLibraryForm</New>
+</FormTemplates>
+</file>
+
+<file path=customXml/item2.xml><?xml version="1.0" encoding="utf-8"?>
 <ct:contentTypeSchema xmlns:ct="http://schemas.microsoft.com/office/2006/metadata/contentType" xmlns:ma="http://schemas.microsoft.com/office/2006/metadata/properties/metaAttributes" ct:_="" ma:_="" ma:contentTypeName="Documento" ma:contentTypeID="0x0101007CE6213B20D2F945B0D1473923EE410F" ma:contentTypeVersion="7" ma:contentTypeDescription="Creare un nuovo documento." ma:contentTypeScope="" ma:versionID="dc8ac43e96b461727accd63cf925a5cf">
   <xsd:schema xmlns:xsd="http://www.w3.org/2001/XMLSchema" xmlns:xs="http://www.w3.org/2001/XMLSchema" xmlns:p="http://schemas.microsoft.com/office/2006/metadata/properties" xmlns:ns2="243f3390-b919-40e8-8195-3613e8527352" targetNamespace="http://schemas.microsoft.com/office/2006/metadata/properties" ma:root="true" ma:fieldsID="1987007e621e1b24d40e437f012b913d" ns2:_="">
     <xsd:import namespace="243f3390-b919-40e8-8195-3613e8527352"/>
@@ -36917,15 +36926,6 @@
 </ct:contentTypeSchema>
 </file>
 
-<file path=customXml/item2.xml><?xml version="1.0" encoding="utf-8"?>
-<?mso-contentType ?>
-<FormTemplates xmlns="http://schemas.microsoft.com/sharepoint/v3/contenttype/forms">
-  <Display>DocumentLibraryForm</Display>
-  <Edit>DocumentLibraryForm</Edit>
-  <New>DocumentLibraryForm</New>
-</FormTemplates>
-</file>
-
 <file path=customXml/item3.xml><?xml version="1.0" encoding="utf-8"?>
 <p:properties xmlns:p="http://schemas.microsoft.com/office/2006/metadata/properties" xmlns:xsi="http://www.w3.org/2001/XMLSchema-instance" xmlns:pc="http://schemas.microsoft.com/office/infopath/2007/PartnerControls">
   <documentManagement/>
@@ -36933,6 +36933,14 @@
 </file>
 
 <file path=customXml/itemProps1.xml><?xml version="1.0" encoding="utf-8"?>
+<ds:datastoreItem xmlns:ds="http://schemas.openxmlformats.org/officeDocument/2006/customXml" ds:itemID="{42BC90D6-94CF-42F7-AAC4-9CF6824C54D5}">
+  <ds:schemaRefs>
+    <ds:schemaRef ds:uri="http://schemas.microsoft.com/sharepoint/v3/contenttype/forms"/>
+  </ds:schemaRefs>
+</ds:datastoreItem>
+</file>
+
+<file path=customXml/itemProps2.xml><?xml version="1.0" encoding="utf-8"?>
 <ds:datastoreItem xmlns:ds="http://schemas.openxmlformats.org/officeDocument/2006/customXml" ds:itemID="{1A503E23-9696-4358-8F00-F7F66AC755EB}">
   <ds:schemaRefs>
     <ds:schemaRef ds:uri="http://schemas.microsoft.com/office/2006/metadata/contentType"/>
@@ -36946,14 +36954,6 @@
     <ds:schemaRef ds:uri="http://purl.org/dc/elements/1.1/"/>
     <ds:schemaRef ds:uri="http://purl.org/dc/terms/"/>
     <ds:schemaRef ds:uri="http://schemas.microsoft.com/internal/obd"/>
-  </ds:schemaRefs>
-</ds:datastoreItem>
-</file>
-
-<file path=customXml/itemProps2.xml><?xml version="1.0" encoding="utf-8"?>
-<ds:datastoreItem xmlns:ds="http://schemas.openxmlformats.org/officeDocument/2006/customXml" ds:itemID="{42BC90D6-94CF-42F7-AAC4-9CF6824C54D5}">
-  <ds:schemaRefs>
-    <ds:schemaRef ds:uri="http://schemas.microsoft.com/sharepoint/v3/contenttype/forms"/>
   </ds:schemaRefs>
 </ds:datastoreItem>
 </file>

--- a/Presentazione/Presentazione_Progetto.pptx
+++ b/Presentazione/Presentazione_Progetto.pptx
@@ -179,18 +179,18 @@
   <pc:docChgLst>
     <pc:chgData name="Matteo MANGILI" userId="89c7df381375e6aa" providerId="LiveId" clId="{740BB46D-1FBD-4BE5-BEA3-98CD9E9E2715}"/>
     <pc:docChg chg="undo custSel addSld modSld">
-      <pc:chgData name="Matteo MANGILI" userId="89c7df381375e6aa" providerId="LiveId" clId="{740BB46D-1FBD-4BE5-BEA3-98CD9E9E2715}" dt="2024-02-09T17:59:30.589" v="10573" actId="113"/>
+      <pc:chgData name="Matteo MANGILI" userId="89c7df381375e6aa" providerId="LiveId" clId="{740BB46D-1FBD-4BE5-BEA3-98CD9E9E2715}" dt="2024-02-10T18:31:07.388" v="10579" actId="20577"/>
       <pc:docMkLst>
         <pc:docMk/>
       </pc:docMkLst>
       <pc:sldChg chg="modSp mod">
-        <pc:chgData name="Matteo MANGILI" userId="89c7df381375e6aa" providerId="LiveId" clId="{740BB46D-1FBD-4BE5-BEA3-98CD9E9E2715}" dt="2024-02-07T14:25:25.871" v="6857"/>
+        <pc:chgData name="Matteo MANGILI" userId="89c7df381375e6aa" providerId="LiveId" clId="{740BB46D-1FBD-4BE5-BEA3-98CD9E9E2715}" dt="2024-02-10T18:29:51.751" v="10575" actId="20577"/>
         <pc:sldMkLst>
           <pc:docMk/>
           <pc:sldMk cId="3250768115" sldId="296"/>
         </pc:sldMkLst>
         <pc:spChg chg="mod">
-          <ac:chgData name="Matteo MANGILI" userId="89c7df381375e6aa" providerId="LiveId" clId="{740BB46D-1FBD-4BE5-BEA3-98CD9E9E2715}" dt="2024-02-07T14:21:00.785" v="6851" actId="20577"/>
+          <ac:chgData name="Matteo MANGILI" userId="89c7df381375e6aa" providerId="LiveId" clId="{740BB46D-1FBD-4BE5-BEA3-98CD9E9E2715}" dt="2024-02-10T18:29:28.169" v="10574" actId="20577"/>
           <ac:spMkLst>
             <pc:docMk/>
             <pc:sldMk cId="3250768115" sldId="296"/>
@@ -198,7 +198,7 @@
           </ac:spMkLst>
         </pc:spChg>
         <pc:spChg chg="mod">
-          <ac:chgData name="Matteo MANGILI" userId="89c7df381375e6aa" providerId="LiveId" clId="{740BB46D-1FBD-4BE5-BEA3-98CD9E9E2715}" dt="2024-02-07T14:25:25.871" v="6857"/>
+          <ac:chgData name="Matteo MANGILI" userId="89c7df381375e6aa" providerId="LiveId" clId="{740BB46D-1FBD-4BE5-BEA3-98CD9E9E2715}" dt="2024-02-10T18:29:51.751" v="10575" actId="20577"/>
           <ac:spMkLst>
             <pc:docMk/>
             <pc:sldMk cId="3250768115" sldId="296"/>
@@ -207,13 +207,13 @@
         </pc:spChg>
       </pc:sldChg>
       <pc:sldChg chg="modSp mod">
-        <pc:chgData name="Matteo MANGILI" userId="89c7df381375e6aa" providerId="LiveId" clId="{740BB46D-1FBD-4BE5-BEA3-98CD9E9E2715}" dt="2024-02-07T14:27:47.017" v="6970" actId="20577"/>
+        <pc:chgData name="Matteo MANGILI" userId="89c7df381375e6aa" providerId="LiveId" clId="{740BB46D-1FBD-4BE5-BEA3-98CD9E9E2715}" dt="2024-02-10T18:31:07.388" v="10579" actId="20577"/>
         <pc:sldMkLst>
           <pc:docMk/>
           <pc:sldMk cId="1249612630" sldId="297"/>
         </pc:sldMkLst>
         <pc:spChg chg="mod">
-          <ac:chgData name="Matteo MANGILI" userId="89c7df381375e6aa" providerId="LiveId" clId="{740BB46D-1FBD-4BE5-BEA3-98CD9E9E2715}" dt="2024-02-07T14:27:47.017" v="6970" actId="20577"/>
+          <ac:chgData name="Matteo MANGILI" userId="89c7df381375e6aa" providerId="LiveId" clId="{740BB46D-1FBD-4BE5-BEA3-98CD9E9E2715}" dt="2024-02-10T18:31:07.388" v="10579" actId="20577"/>
           <ac:spMkLst>
             <pc:docMk/>
             <pc:sldMk cId="1249612630" sldId="297"/>
@@ -365,13 +365,13 @@
         </pc:spChg>
       </pc:sldChg>
       <pc:sldChg chg="modSp mod">
-        <pc:chgData name="Matteo MANGILI" userId="89c7df381375e6aa" providerId="LiveId" clId="{740BB46D-1FBD-4BE5-BEA3-98CD9E9E2715}" dt="2024-02-09T17:59:11.732" v="10572" actId="255"/>
+        <pc:chgData name="Matteo MANGILI" userId="89c7df381375e6aa" providerId="LiveId" clId="{740BB46D-1FBD-4BE5-BEA3-98CD9E9E2715}" dt="2024-02-10T18:30:58.101" v="10577" actId="20577"/>
         <pc:sldMkLst>
           <pc:docMk/>
           <pc:sldMk cId="3576197673" sldId="313"/>
         </pc:sldMkLst>
         <pc:graphicFrameChg chg="modGraphic">
-          <ac:chgData name="Matteo MANGILI" userId="89c7df381375e6aa" providerId="LiveId" clId="{740BB46D-1FBD-4BE5-BEA3-98CD9E9E2715}" dt="2024-02-09T17:59:11.732" v="10572" actId="255"/>
+          <ac:chgData name="Matteo MANGILI" userId="89c7df381375e6aa" providerId="LiveId" clId="{740BB46D-1FBD-4BE5-BEA3-98CD9E9E2715}" dt="2024-02-10T18:30:58.101" v="10577" actId="20577"/>
           <ac:graphicFrameMkLst>
             <pc:docMk/>
             <pc:sldMk cId="3576197673" sldId="313"/>
@@ -935,7 +935,7 @@
             <a:pPr rtl="0"/>
             <a:fld id="{DBC54730-5EBA-4920-A6C4-7F8458A7F940}" type="datetime1">
               <a:rPr lang="it-IT" smtClean="0"/>
-              <a:t>09/02/2024</a:t>
+              <a:t>10/02/2024</a:t>
             </a:fld>
             <a:endParaRPr lang="it-IT" dirty="0"/>
           </a:p>
@@ -1117,7 +1117,7 @@
             <a:fld id="{85EC1C34-318D-43A8-83F5-3AC8647FE75E}" type="datetime1">
               <a:rPr lang="it-IT" smtClean="0"/>
               <a:pPr/>
-              <a:t>09/02/2024</a:t>
+              <a:t>10/02/2024</a:t>
             </a:fld>
             <a:endParaRPr lang="it-IT" dirty="0"/>
           </a:p>
@@ -17223,7 +17223,7 @@
             <p:ph idx="1"/>
             <p:extLst>
               <p:ext uri="{D42A27DB-BD31-4B8C-83A1-F6EECF244321}">
-                <p14:modId xmlns:p14="http://schemas.microsoft.com/office/powerpoint/2010/main" val="1816680977"/>
+                <p14:modId xmlns:p14="http://schemas.microsoft.com/office/powerpoint/2010/main" val="1385280480"/>
               </p:ext>
             </p:extLst>
           </p:nvPr>
@@ -17632,12 +17632,8 @@
                         <a:buChar char="•"/>
                       </a:pPr>
                       <a:r>
-                        <a:rPr lang="it-IT" sz="1600"/>
-                        <a:t>Analisi statistiche </a:t>
-                      </a:r>
-                      <a:r>
                         <a:rPr lang="it-IT" sz="1600" dirty="0"/>
-                        <a:t>Interventi medici</a:t>
+                        <a:t>Analisi Statistiche Interventi medici</a:t>
                       </a:r>
                     </a:p>
                   </a:txBody>
@@ -24535,7 +24531,7 @@
             <a:pPr rtl="0"/>
             <a:r>
               <a:rPr lang="it-IT" sz="5400" b="1" dirty="0"/>
-              <a:t>Obbiettivo</a:t>
+              <a:t>Obiettivo</a:t>
             </a:r>
           </a:p>
         </p:txBody>
@@ -25234,8 +25230,12 @@
               <a:buNone/>
             </a:pPr>
             <a:r>
+              <a:rPr lang="en-US" sz="2000" dirty="0" err="1"/>
+              <a:t>L’obiettivo</a:t>
+            </a:r>
+            <a:r>
               <a:rPr lang="en-US" sz="2000" dirty="0"/>
-              <a:t>L’obbiettivo principale del Progetto è creare un software per la gestione di un ospedale, in particolare tenere traccia del paziente e dei suoi “movimenti” rispetto al Sistema generale. Per la creazione del sistema, è necessario tenere conto di diversi fattori:</a:t>
+              <a:t> principale del Progetto è creare un software per la gestione di un ospedale, in particolare tenere traccia del paziente e dei suoi “movimenti” rispetto al Sistema generale. Per la creazione del sistema, è necessario tenere conto di diversi fattori:</a:t>
             </a:r>
           </a:p>
           <a:p>
@@ -29912,7 +29912,7 @@
           <a:p>
             <a:r>
               <a:rPr lang="en-US" sz="2000" dirty="0"/>
-              <a:t>Conflitto nell’utilizzo di GitHub,</a:t>
+              <a:t>Conflitto nell’utilizzo di GitHub.</a:t>
             </a:r>
           </a:p>
           <a:p>
@@ -36756,15 +36756,6 @@
 </file>
 
 <file path=customXml/item1.xml><?xml version="1.0" encoding="utf-8"?>
-<?mso-contentType ?>
-<FormTemplates xmlns="http://schemas.microsoft.com/sharepoint/v3/contenttype/forms">
-  <Display>DocumentLibraryForm</Display>
-  <Edit>DocumentLibraryForm</Edit>
-  <New>DocumentLibraryForm</New>
-</FormTemplates>
-</file>
-
-<file path=customXml/item2.xml><?xml version="1.0" encoding="utf-8"?>
 <ct:contentTypeSchema xmlns:ct="http://schemas.microsoft.com/office/2006/metadata/contentType" xmlns:ma="http://schemas.microsoft.com/office/2006/metadata/properties/metaAttributes" ct:_="" ma:_="" ma:contentTypeName="Documento" ma:contentTypeID="0x0101007CE6213B20D2F945B0D1473923EE410F" ma:contentTypeVersion="7" ma:contentTypeDescription="Creare un nuovo documento." ma:contentTypeScope="" ma:versionID="dc8ac43e96b461727accd63cf925a5cf">
   <xsd:schema xmlns:xsd="http://www.w3.org/2001/XMLSchema" xmlns:xs="http://www.w3.org/2001/XMLSchema" xmlns:p="http://schemas.microsoft.com/office/2006/metadata/properties" xmlns:ns2="243f3390-b919-40e8-8195-3613e8527352" targetNamespace="http://schemas.microsoft.com/office/2006/metadata/properties" ma:root="true" ma:fieldsID="1987007e621e1b24d40e437f012b913d" ns2:_="">
     <xsd:import namespace="243f3390-b919-40e8-8195-3613e8527352"/>
@@ -36926,6 +36917,15 @@
 </ct:contentTypeSchema>
 </file>
 
+<file path=customXml/item2.xml><?xml version="1.0" encoding="utf-8"?>
+<?mso-contentType ?>
+<FormTemplates xmlns="http://schemas.microsoft.com/sharepoint/v3/contenttype/forms">
+  <Display>DocumentLibraryForm</Display>
+  <Edit>DocumentLibraryForm</Edit>
+  <New>DocumentLibraryForm</New>
+</FormTemplates>
+</file>
+
 <file path=customXml/item3.xml><?xml version="1.0" encoding="utf-8"?>
 <p:properties xmlns:p="http://schemas.microsoft.com/office/2006/metadata/properties" xmlns:xsi="http://www.w3.org/2001/XMLSchema-instance" xmlns:pc="http://schemas.microsoft.com/office/infopath/2007/PartnerControls">
   <documentManagement/>
@@ -36933,14 +36933,6 @@
 </file>
 
 <file path=customXml/itemProps1.xml><?xml version="1.0" encoding="utf-8"?>
-<ds:datastoreItem xmlns:ds="http://schemas.openxmlformats.org/officeDocument/2006/customXml" ds:itemID="{42BC90D6-94CF-42F7-AAC4-9CF6824C54D5}">
-  <ds:schemaRefs>
-    <ds:schemaRef ds:uri="http://schemas.microsoft.com/sharepoint/v3/contenttype/forms"/>
-  </ds:schemaRefs>
-</ds:datastoreItem>
-</file>
-
-<file path=customXml/itemProps2.xml><?xml version="1.0" encoding="utf-8"?>
 <ds:datastoreItem xmlns:ds="http://schemas.openxmlformats.org/officeDocument/2006/customXml" ds:itemID="{1A503E23-9696-4358-8F00-F7F66AC755EB}">
   <ds:schemaRefs>
     <ds:schemaRef ds:uri="http://schemas.microsoft.com/office/2006/metadata/contentType"/>
@@ -36954,6 +36946,14 @@
     <ds:schemaRef ds:uri="http://purl.org/dc/elements/1.1/"/>
     <ds:schemaRef ds:uri="http://purl.org/dc/terms/"/>
     <ds:schemaRef ds:uri="http://schemas.microsoft.com/internal/obd"/>
+  </ds:schemaRefs>
+</ds:datastoreItem>
+</file>
+
+<file path=customXml/itemProps2.xml><?xml version="1.0" encoding="utf-8"?>
+<ds:datastoreItem xmlns:ds="http://schemas.openxmlformats.org/officeDocument/2006/customXml" ds:itemID="{42BC90D6-94CF-42F7-AAC4-9CF6824C54D5}">
+  <ds:schemaRefs>
+    <ds:schemaRef ds:uri="http://schemas.microsoft.com/sharepoint/v3/contenttype/forms"/>
   </ds:schemaRefs>
 </ds:datastoreItem>
 </file>

--- a/Presentazione/Presentazione_Progetto.pptx
+++ b/Presentazione/Presentazione_Progetto.pptx
@@ -166,16 +166,32 @@
 </p:cmAuthorLst>
 </file>
 
-<file path=ppt/revisionInfo.xml><?xml version="1.0" encoding="utf-8"?>
-<p1510:revInfo xmlns:a="http://schemas.openxmlformats.org/drawingml/2006/main" xmlns:r="http://schemas.openxmlformats.org/officeDocument/2006/relationships" xmlns:p1510="http://schemas.microsoft.com/office/powerpoint/2015/10/main">
-  <p1510:revLst>
-    <p1510:client id="{740BB46D-1FBD-4BE5-BEA3-98CD9E9E2715}" v="167" dt="2024-02-08T21:18:42.153"/>
-  </p1510:revLst>
-</p1510:revInfo>
-</file>
-
 <file path=ppt/changesInfos/changesInfo1.xml><?xml version="1.0" encoding="utf-8"?>
 <pc:chgInfo xmlns:a="http://schemas.openxmlformats.org/drawingml/2006/main" xmlns:r="http://schemas.openxmlformats.org/officeDocument/2006/relationships" xmlns:ac="http://schemas.microsoft.com/office/drawing/2013/main/command" xmlns:pc="http://schemas.microsoft.com/office/powerpoint/2013/main/command">
+  <pc:docChgLst>
+    <pc:chgData name="Matteo MANGILI" userId="89c7df381375e6aa" providerId="LiveId" clId="{E6DC4EAA-0AC7-4D8A-9ABA-9B4C09DD8308}"/>
+    <pc:docChg chg="modSld">
+      <pc:chgData name="Matteo MANGILI" userId="89c7df381375e6aa" providerId="LiveId" clId="{E6DC4EAA-0AC7-4D8A-9ABA-9B4C09DD8308}" dt="2024-02-16T14:30:48.082" v="15" actId="20577"/>
+      <pc:docMkLst>
+        <pc:docMk/>
+      </pc:docMkLst>
+      <pc:sldChg chg="modSp mod">
+        <pc:chgData name="Matteo MANGILI" userId="89c7df381375e6aa" providerId="LiveId" clId="{E6DC4EAA-0AC7-4D8A-9ABA-9B4C09DD8308}" dt="2024-02-16T14:30:48.082" v="15" actId="20577"/>
+        <pc:sldMkLst>
+          <pc:docMk/>
+          <pc:sldMk cId="42136755" sldId="307"/>
+        </pc:sldMkLst>
+        <pc:spChg chg="mod">
+          <ac:chgData name="Matteo MANGILI" userId="89c7df381375e6aa" providerId="LiveId" clId="{E6DC4EAA-0AC7-4D8A-9ABA-9B4C09DD8308}" dt="2024-02-16T14:30:48.082" v="15" actId="20577"/>
+          <ac:spMkLst>
+            <pc:docMk/>
+            <pc:sldMk cId="42136755" sldId="307"/>
+            <ac:spMk id="3" creationId="{A07BF9D8-A7CB-D3F1-7E12-AD682B8F05A3}"/>
+          </ac:spMkLst>
+        </pc:spChg>
+      </pc:sldChg>
+    </pc:docChg>
+  </pc:docChgLst>
   <pc:docChgLst>
     <pc:chgData name="Matteo MANGILI" userId="89c7df381375e6aa" providerId="LiveId" clId="{740BB46D-1FBD-4BE5-BEA3-98CD9E9E2715}"/>
     <pc:docChg chg="undo custSel addSld modSld">
@@ -935,7 +951,7 @@
             <a:pPr rtl="0"/>
             <a:fld id="{DBC54730-5EBA-4920-A6C4-7F8458A7F940}" type="datetime1">
               <a:rPr lang="it-IT" smtClean="0"/>
-              <a:t>10/02/2024</a:t>
+              <a:t>16/02/2024</a:t>
             </a:fld>
             <a:endParaRPr lang="it-IT" dirty="0"/>
           </a:p>
@@ -1117,7 +1133,7 @@
             <a:fld id="{85EC1C34-318D-43A8-83F5-3AC8647FE75E}" type="datetime1">
               <a:rPr lang="it-IT" smtClean="0"/>
               <a:pPr/>
-              <a:t>10/02/2024</a:t>
+              <a:t>16/02/2024</a:t>
             </a:fld>
             <a:endParaRPr lang="it-IT" dirty="0"/>
           </a:p>
@@ -23346,7 +23362,31 @@
           <a:p>
             <a:r>
               <a:rPr lang="en-US" sz="2200" dirty="0"/>
-              <a:t>Diagramma dei casi d’uso (USE CASE DIAGRAM)</a:t>
+              <a:t>Diagramma </a:t>
+            </a:r>
+            <a:r>
+              <a:rPr lang="en-US" sz="2200" dirty="0" err="1"/>
+              <a:t>dei</a:t>
+            </a:r>
+            <a:r>
+              <a:rPr lang="en-US" sz="2200" dirty="0"/>
+              <a:t> </a:t>
+            </a:r>
+            <a:r>
+              <a:rPr lang="en-US" sz="2200" dirty="0" err="1"/>
+              <a:t>Casi</a:t>
+            </a:r>
+            <a:r>
+              <a:rPr lang="en-US" sz="2200" dirty="0"/>
+              <a:t> </a:t>
+            </a:r>
+            <a:r>
+              <a:rPr lang="en-US" sz="2200" dirty="0" err="1"/>
+              <a:t>d’Uso</a:t>
+            </a:r>
+            <a:r>
+              <a:rPr lang="en-US" sz="2200" dirty="0"/>
+              <a:t> (USE CASE DIAGRAM)</a:t>
             </a:r>
           </a:p>
           <a:p>
@@ -23358,7 +23398,23 @@
           <a:p>
             <a:r>
               <a:rPr lang="en-US" sz="2200" dirty="0"/>
-              <a:t>Diagramma delle classi (CLASS DIAGRAM)</a:t>
+              <a:t>Diagramma </a:t>
+            </a:r>
+            <a:r>
+              <a:rPr lang="en-US" sz="2200" dirty="0" err="1"/>
+              <a:t>delle</a:t>
+            </a:r>
+            <a:r>
+              <a:rPr lang="en-US" sz="2200" dirty="0"/>
+              <a:t> </a:t>
+            </a:r>
+            <a:r>
+              <a:rPr lang="en-US" sz="2200" dirty="0" err="1"/>
+              <a:t>Classi</a:t>
+            </a:r>
+            <a:r>
+              <a:rPr lang="en-US" sz="2200" dirty="0"/>
+              <a:t> (CLASS DIAGRAM)</a:t>
             </a:r>
           </a:p>
           <a:p>
@@ -23370,7 +23426,15 @@
           <a:p>
             <a:r>
               <a:rPr lang="en-US" sz="2200" dirty="0"/>
-              <a:t>Diagramma di stato (STATE-CHART DIAGRAM)</a:t>
+              <a:t>Diagramma di </a:t>
+            </a:r>
+            <a:r>
+              <a:rPr lang="en-US" sz="2200" dirty="0" err="1"/>
+              <a:t>Stato</a:t>
+            </a:r>
+            <a:r>
+              <a:rPr lang="en-US" sz="2200" dirty="0"/>
+              <a:t> (STATE-CHART DIAGRAM)</a:t>
             </a:r>
           </a:p>
           <a:p>
@@ -23379,7 +23443,15 @@
           <a:p>
             <a:r>
               <a:rPr lang="en-US" sz="2200" dirty="0"/>
-              <a:t>Diagramma di sequenza (SEQUENCE DIAGRAM)</a:t>
+              <a:t>Diagramma di </a:t>
+            </a:r>
+            <a:r>
+              <a:rPr lang="en-US" sz="2200" dirty="0" err="1"/>
+              <a:t>Sequenza</a:t>
+            </a:r>
+            <a:r>
+              <a:rPr lang="en-US" sz="2200" dirty="0"/>
+              <a:t> (SEQUENCE DIAGRAM)</a:t>
             </a:r>
           </a:p>
           <a:p>
@@ -23388,7 +23460,23 @@
           <a:p>
             <a:r>
               <a:rPr lang="en-US" sz="2200" dirty="0"/>
-              <a:t>Diagramma delle attività (ACTIVITY DIAGRAM)</a:t>
+              <a:t>Diagramma </a:t>
+            </a:r>
+            <a:r>
+              <a:rPr lang="en-US" sz="2200" dirty="0" err="1"/>
+              <a:t>delle</a:t>
+            </a:r>
+            <a:r>
+              <a:rPr lang="en-US" sz="2200" dirty="0"/>
+              <a:t> </a:t>
+            </a:r>
+            <a:r>
+              <a:rPr lang="en-US" sz="2200" dirty="0" err="1"/>
+              <a:t>Attività</a:t>
+            </a:r>
+            <a:r>
+              <a:rPr lang="en-US" sz="2200" dirty="0"/>
+              <a:t> (ACTIVITY DIAGRAM)</a:t>
             </a:r>
           </a:p>
         </p:txBody>
@@ -36756,6 +36844,15 @@
 </file>
 
 <file path=customXml/item1.xml><?xml version="1.0" encoding="utf-8"?>
+<?mso-contentType ?>
+<FormTemplates xmlns="http://schemas.microsoft.com/sharepoint/v3/contenttype/forms">
+  <Display>DocumentLibraryForm</Display>
+  <Edit>DocumentLibraryForm</Edit>
+  <New>DocumentLibraryForm</New>
+</FormTemplates>
+</file>
+
+<file path=customXml/item2.xml><?xml version="1.0" encoding="utf-8"?>
 <ct:contentTypeSchema xmlns:ct="http://schemas.microsoft.com/office/2006/metadata/contentType" xmlns:ma="http://schemas.microsoft.com/office/2006/metadata/properties/metaAttributes" ct:_="" ma:_="" ma:contentTypeName="Documento" ma:contentTypeID="0x0101007CE6213B20D2F945B0D1473923EE410F" ma:contentTypeVersion="7" ma:contentTypeDescription="Creare un nuovo documento." ma:contentTypeScope="" ma:versionID="dc8ac43e96b461727accd63cf925a5cf">
   <xsd:schema xmlns:xsd="http://www.w3.org/2001/XMLSchema" xmlns:xs="http://www.w3.org/2001/XMLSchema" xmlns:p="http://schemas.microsoft.com/office/2006/metadata/properties" xmlns:ns2="243f3390-b919-40e8-8195-3613e8527352" targetNamespace="http://schemas.microsoft.com/office/2006/metadata/properties" ma:root="true" ma:fieldsID="1987007e621e1b24d40e437f012b913d" ns2:_="">
     <xsd:import namespace="243f3390-b919-40e8-8195-3613e8527352"/>
@@ -36917,15 +37014,6 @@
 </ct:contentTypeSchema>
 </file>
 
-<file path=customXml/item2.xml><?xml version="1.0" encoding="utf-8"?>
-<?mso-contentType ?>
-<FormTemplates xmlns="http://schemas.microsoft.com/sharepoint/v3/contenttype/forms">
-  <Display>DocumentLibraryForm</Display>
-  <Edit>DocumentLibraryForm</Edit>
-  <New>DocumentLibraryForm</New>
-</FormTemplates>
-</file>
-
 <file path=customXml/item3.xml><?xml version="1.0" encoding="utf-8"?>
 <p:properties xmlns:p="http://schemas.microsoft.com/office/2006/metadata/properties" xmlns:xsi="http://www.w3.org/2001/XMLSchema-instance" xmlns:pc="http://schemas.microsoft.com/office/infopath/2007/PartnerControls">
   <documentManagement/>
@@ -36933,6 +37021,14 @@
 </file>
 
 <file path=customXml/itemProps1.xml><?xml version="1.0" encoding="utf-8"?>
+<ds:datastoreItem xmlns:ds="http://schemas.openxmlformats.org/officeDocument/2006/customXml" ds:itemID="{42BC90D6-94CF-42F7-AAC4-9CF6824C54D5}">
+  <ds:schemaRefs>
+    <ds:schemaRef ds:uri="http://schemas.microsoft.com/sharepoint/v3/contenttype/forms"/>
+  </ds:schemaRefs>
+</ds:datastoreItem>
+</file>
+
+<file path=customXml/itemProps2.xml><?xml version="1.0" encoding="utf-8"?>
 <ds:datastoreItem xmlns:ds="http://schemas.openxmlformats.org/officeDocument/2006/customXml" ds:itemID="{1A503E23-9696-4358-8F00-F7F66AC755EB}">
   <ds:schemaRefs>
     <ds:schemaRef ds:uri="http://schemas.microsoft.com/office/2006/metadata/contentType"/>
@@ -36946,14 +37042,6 @@
     <ds:schemaRef ds:uri="http://purl.org/dc/elements/1.1/"/>
     <ds:schemaRef ds:uri="http://purl.org/dc/terms/"/>
     <ds:schemaRef ds:uri="http://schemas.microsoft.com/internal/obd"/>
-  </ds:schemaRefs>
-</ds:datastoreItem>
-</file>
-
-<file path=customXml/itemProps2.xml><?xml version="1.0" encoding="utf-8"?>
-<ds:datastoreItem xmlns:ds="http://schemas.openxmlformats.org/officeDocument/2006/customXml" ds:itemID="{42BC90D6-94CF-42F7-AAC4-9CF6824C54D5}">
-  <ds:schemaRefs>
-    <ds:schemaRef ds:uri="http://schemas.microsoft.com/sharepoint/v3/contenttype/forms"/>
   </ds:schemaRefs>
 </ds:datastoreItem>
 </file>

--- a/Presentazione/Presentazione_Progetto.pptx
+++ b/Presentazione/Presentazione_Progetto.pptx
@@ -171,7 +171,7 @@
   <pc:docChgLst>
     <pc:chgData name="Matteo MANGILI" userId="89c7df381375e6aa" providerId="LiveId" clId="{E6DC4EAA-0AC7-4D8A-9ABA-9B4C09DD8308}"/>
     <pc:docChg chg="modSld">
-      <pc:chgData name="Matteo MANGILI" userId="89c7df381375e6aa" providerId="LiveId" clId="{E6DC4EAA-0AC7-4D8A-9ABA-9B4C09DD8308}" dt="2024-02-16T14:30:48.082" v="15" actId="20577"/>
+      <pc:chgData name="Matteo MANGILI" userId="89c7df381375e6aa" providerId="LiveId" clId="{E6DC4EAA-0AC7-4D8A-9ABA-9B4C09DD8308}" dt="2024-02-19T17:32:26.789" v="17" actId="14100"/>
       <pc:docMkLst>
         <pc:docMk/>
       </pc:docMkLst>
@@ -187,6 +187,36 @@
             <pc:docMk/>
             <pc:sldMk cId="42136755" sldId="307"/>
             <ac:spMk id="3" creationId="{A07BF9D8-A7CB-D3F1-7E12-AD682B8F05A3}"/>
+          </ac:spMkLst>
+        </pc:spChg>
+      </pc:sldChg>
+      <pc:sldChg chg="modSp mod">
+        <pc:chgData name="Matteo MANGILI" userId="89c7df381375e6aa" providerId="LiveId" clId="{E6DC4EAA-0AC7-4D8A-9ABA-9B4C09DD8308}" dt="2024-02-19T17:32:26.789" v="17" actId="14100"/>
+        <pc:sldMkLst>
+          <pc:docMk/>
+          <pc:sldMk cId="3576197673" sldId="313"/>
+        </pc:sldMkLst>
+        <pc:graphicFrameChg chg="modGraphic">
+          <ac:chgData name="Matteo MANGILI" userId="89c7df381375e6aa" providerId="LiveId" clId="{E6DC4EAA-0AC7-4D8A-9ABA-9B4C09DD8308}" dt="2024-02-19T17:32:26.789" v="17" actId="14100"/>
+          <ac:graphicFrameMkLst>
+            <pc:docMk/>
+            <pc:sldMk cId="3576197673" sldId="313"/>
+            <ac:graphicFrameMk id="7" creationId="{27CC74FB-BD97-33CB-0677-7767F0959E2B}"/>
+          </ac:graphicFrameMkLst>
+        </pc:graphicFrameChg>
+      </pc:sldChg>
+      <pc:sldChg chg="modSp mod">
+        <pc:chgData name="Matteo MANGILI" userId="89c7df381375e6aa" providerId="LiveId" clId="{E6DC4EAA-0AC7-4D8A-9ABA-9B4C09DD8308}" dt="2024-02-19T17:32:10.239" v="16" actId="113"/>
+        <pc:sldMkLst>
+          <pc:docMk/>
+          <pc:sldMk cId="762597572" sldId="319"/>
+        </pc:sldMkLst>
+        <pc:spChg chg="mod">
+          <ac:chgData name="Matteo MANGILI" userId="89c7df381375e6aa" providerId="LiveId" clId="{E6DC4EAA-0AC7-4D8A-9ABA-9B4C09DD8308}" dt="2024-02-19T17:32:10.239" v="16" actId="113"/>
+          <ac:spMkLst>
+            <pc:docMk/>
+            <pc:sldMk cId="762597572" sldId="319"/>
+            <ac:spMk id="5" creationId="{4C2922B9-05A6-2851-4268-32FCA9934BC2}"/>
           </ac:spMkLst>
         </pc:spChg>
       </pc:sldChg>
@@ -951,7 +981,7 @@
             <a:pPr rtl="0"/>
             <a:fld id="{DBC54730-5EBA-4920-A6C4-7F8458A7F940}" type="datetime1">
               <a:rPr lang="it-IT" smtClean="0"/>
-              <a:t>16/02/2024</a:t>
+              <a:t>19/02/2024</a:t>
             </a:fld>
             <a:endParaRPr lang="it-IT" dirty="0"/>
           </a:p>
@@ -1133,7 +1163,7 @@
             <a:fld id="{85EC1C34-318D-43A8-83F5-3AC8647FE75E}" type="datetime1">
               <a:rPr lang="it-IT" smtClean="0"/>
               <a:pPr/>
-              <a:t>16/02/2024</a:t>
+              <a:t>19/02/2024</a:t>
             </a:fld>
             <a:endParaRPr lang="it-IT" dirty="0"/>
           </a:p>
@@ -17239,14 +17269,14 @@
             <p:ph idx="1"/>
             <p:extLst>
               <p:ext uri="{D42A27DB-BD31-4B8C-83A1-F6EECF244321}">
-                <p14:modId xmlns:p14="http://schemas.microsoft.com/office/powerpoint/2010/main" val="1385280480"/>
+                <p14:modId xmlns:p14="http://schemas.microsoft.com/office/powerpoint/2010/main" val="3651947033"/>
               </p:ext>
             </p:extLst>
           </p:nvPr>
         </p:nvGraphicFramePr>
         <p:xfrm>
           <a:off x="838200" y="1825625"/>
-          <a:ext cx="10515600" cy="4514637"/>
+          <a:ext cx="10515600" cy="4453788"/>
         </p:xfrm>
         <a:graphic>
           <a:graphicData uri="http://schemas.openxmlformats.org/drawingml/2006/table">
@@ -17270,7 +17300,7 @@
                   </a:extLst>
                 </a:gridCol>
               </a:tblGrid>
-              <a:tr h="1067999">
+              <a:tr h="1274040">
                 <a:tc>
                   <a:txBody>
                     <a:bodyPr/>
@@ -17426,7 +17456,7 @@
                   </a:ext>
                 </a:extLst>
               </a:tr>
-              <a:tr h="1067999">
+              <a:tr h="1038174">
                 <a:tc>
                   <a:txBody>
                     <a:bodyPr/>
@@ -17572,7 +17602,7 @@
                   </a:ext>
                 </a:extLst>
               </a:tr>
-              <a:tr h="1067999">
+              <a:tr h="1038174">
                 <a:tc>
                   <a:txBody>
                     <a:bodyPr/>
@@ -17698,7 +17728,7 @@
                   </a:ext>
                 </a:extLst>
               </a:tr>
-              <a:tr h="1067999">
+              <a:tr h="1038174">
                 <a:tc>
                   <a:txBody>
                     <a:bodyPr/>
@@ -35810,12 +35840,16 @@
               <a:t>non appartiene ad un singolo membro del gruppo, ma viene condiviso tra tutti i collaboratori: in base alla sezione/parte del progetto su cui si sta lavorando, è stato scelto un membro come </a:t>
             </a:r>
             <a:r>
-              <a:rPr lang="it-IT" sz="2000" b="1" dirty="0" err="1"/>
+              <a:rPr lang="it-IT" sz="2000" dirty="0" err="1"/>
               <a:t>scrum</a:t>
             </a:r>
             <a:r>
+              <a:rPr lang="it-IT" sz="2000" dirty="0"/>
+              <a:t> master </a:t>
+            </a:r>
+            <a:r>
               <a:rPr lang="it-IT" sz="2000" b="1" dirty="0"/>
-              <a:t> master temporaneo</a:t>
+              <a:t>temporaneo</a:t>
             </a:r>
             <a:r>
               <a:rPr lang="it-IT" sz="2000" dirty="0"/>
@@ -36844,15 +36878,6 @@
 </file>
 
 <file path=customXml/item1.xml><?xml version="1.0" encoding="utf-8"?>
-<?mso-contentType ?>
-<FormTemplates xmlns="http://schemas.microsoft.com/sharepoint/v3/contenttype/forms">
-  <Display>DocumentLibraryForm</Display>
-  <Edit>DocumentLibraryForm</Edit>
-  <New>DocumentLibraryForm</New>
-</FormTemplates>
-</file>
-
-<file path=customXml/item2.xml><?xml version="1.0" encoding="utf-8"?>
 <ct:contentTypeSchema xmlns:ct="http://schemas.microsoft.com/office/2006/metadata/contentType" xmlns:ma="http://schemas.microsoft.com/office/2006/metadata/properties/metaAttributes" ct:_="" ma:_="" ma:contentTypeName="Documento" ma:contentTypeID="0x0101007CE6213B20D2F945B0D1473923EE410F" ma:contentTypeVersion="7" ma:contentTypeDescription="Creare un nuovo documento." ma:contentTypeScope="" ma:versionID="dc8ac43e96b461727accd63cf925a5cf">
   <xsd:schema xmlns:xsd="http://www.w3.org/2001/XMLSchema" xmlns:xs="http://www.w3.org/2001/XMLSchema" xmlns:p="http://schemas.microsoft.com/office/2006/metadata/properties" xmlns:ns2="243f3390-b919-40e8-8195-3613e8527352" targetNamespace="http://schemas.microsoft.com/office/2006/metadata/properties" ma:root="true" ma:fieldsID="1987007e621e1b24d40e437f012b913d" ns2:_="">
     <xsd:import namespace="243f3390-b919-40e8-8195-3613e8527352"/>
@@ -37014,6 +37039,15 @@
 </ct:contentTypeSchema>
 </file>
 
+<file path=customXml/item2.xml><?xml version="1.0" encoding="utf-8"?>
+<?mso-contentType ?>
+<FormTemplates xmlns="http://schemas.microsoft.com/sharepoint/v3/contenttype/forms">
+  <Display>DocumentLibraryForm</Display>
+  <Edit>DocumentLibraryForm</Edit>
+  <New>DocumentLibraryForm</New>
+</FormTemplates>
+</file>
+
 <file path=customXml/item3.xml><?xml version="1.0" encoding="utf-8"?>
 <p:properties xmlns:p="http://schemas.microsoft.com/office/2006/metadata/properties" xmlns:xsi="http://www.w3.org/2001/XMLSchema-instance" xmlns:pc="http://schemas.microsoft.com/office/infopath/2007/PartnerControls">
   <documentManagement/>
@@ -37021,14 +37055,6 @@
 </file>
 
 <file path=customXml/itemProps1.xml><?xml version="1.0" encoding="utf-8"?>
-<ds:datastoreItem xmlns:ds="http://schemas.openxmlformats.org/officeDocument/2006/customXml" ds:itemID="{42BC90D6-94CF-42F7-AAC4-9CF6824C54D5}">
-  <ds:schemaRefs>
-    <ds:schemaRef ds:uri="http://schemas.microsoft.com/sharepoint/v3/contenttype/forms"/>
-  </ds:schemaRefs>
-</ds:datastoreItem>
-</file>
-
-<file path=customXml/itemProps2.xml><?xml version="1.0" encoding="utf-8"?>
 <ds:datastoreItem xmlns:ds="http://schemas.openxmlformats.org/officeDocument/2006/customXml" ds:itemID="{1A503E23-9696-4358-8F00-F7F66AC755EB}">
   <ds:schemaRefs>
     <ds:schemaRef ds:uri="http://schemas.microsoft.com/office/2006/metadata/contentType"/>
@@ -37042,6 +37068,14 @@
     <ds:schemaRef ds:uri="http://purl.org/dc/elements/1.1/"/>
     <ds:schemaRef ds:uri="http://purl.org/dc/terms/"/>
     <ds:schemaRef ds:uri="http://schemas.microsoft.com/internal/obd"/>
+  </ds:schemaRefs>
+</ds:datastoreItem>
+</file>
+
+<file path=customXml/itemProps2.xml><?xml version="1.0" encoding="utf-8"?>
+<ds:datastoreItem xmlns:ds="http://schemas.openxmlformats.org/officeDocument/2006/customXml" ds:itemID="{42BC90D6-94CF-42F7-AAC4-9CF6824C54D5}">
+  <ds:schemaRefs>
+    <ds:schemaRef ds:uri="http://schemas.microsoft.com/sharepoint/v3/contenttype/forms"/>
   </ds:schemaRefs>
 </ds:datastoreItem>
 </file>

--- a/Presentazione/Presentazione_Progetto.pptx
+++ b/Presentazione/Presentazione_Progetto.pptx
@@ -170,8 +170,8 @@
 <pc:chgInfo xmlns:a="http://schemas.openxmlformats.org/drawingml/2006/main" xmlns:r="http://schemas.openxmlformats.org/officeDocument/2006/relationships" xmlns:ac="http://schemas.microsoft.com/office/drawing/2013/main/command" xmlns:pc="http://schemas.microsoft.com/office/powerpoint/2013/main/command">
   <pc:docChgLst>
     <pc:chgData name="Matteo MANGILI" userId="89c7df381375e6aa" providerId="LiveId" clId="{E6DC4EAA-0AC7-4D8A-9ABA-9B4C09DD8308}"/>
-    <pc:docChg chg="modSld">
-      <pc:chgData name="Matteo MANGILI" userId="89c7df381375e6aa" providerId="LiveId" clId="{E6DC4EAA-0AC7-4D8A-9ABA-9B4C09DD8308}" dt="2024-02-19T17:32:26.789" v="17" actId="14100"/>
+    <pc:docChg chg="custSel modSld">
+      <pc:chgData name="Matteo MANGILI" userId="89c7df381375e6aa" providerId="LiveId" clId="{E6DC4EAA-0AC7-4D8A-9ABA-9B4C09DD8308}" dt="2024-02-19T21:08:45.634" v="20" actId="1076"/>
       <pc:docMkLst>
         <pc:docMk/>
       </pc:docMkLst>
@@ -204,6 +204,37 @@
             <ac:graphicFrameMk id="7" creationId="{27CC74FB-BD97-33CB-0677-7767F0959E2B}"/>
           </ac:graphicFrameMkLst>
         </pc:graphicFrameChg>
+      </pc:sldChg>
+      <pc:sldChg chg="addSp delSp modSp mod">
+        <pc:chgData name="Matteo MANGILI" userId="89c7df381375e6aa" providerId="LiveId" clId="{E6DC4EAA-0AC7-4D8A-9ABA-9B4C09DD8308}" dt="2024-02-19T21:08:45.634" v="20" actId="1076"/>
+        <pc:sldMkLst>
+          <pc:docMk/>
+          <pc:sldMk cId="2994462458" sldId="314"/>
+        </pc:sldMkLst>
+        <pc:spChg chg="add del mod">
+          <ac:chgData name="Matteo MANGILI" userId="89c7df381375e6aa" providerId="LiveId" clId="{E6DC4EAA-0AC7-4D8A-9ABA-9B4C09DD8308}" dt="2024-02-19T21:08:40.195" v="19" actId="22"/>
+          <ac:spMkLst>
+            <pc:docMk/>
+            <pc:sldMk cId="2994462458" sldId="314"/>
+            <ac:spMk id="4" creationId="{1382BF33-D4C3-1609-FA12-EC09BEED9465}"/>
+          </ac:spMkLst>
+        </pc:spChg>
+        <pc:picChg chg="add mod ord">
+          <ac:chgData name="Matteo MANGILI" userId="89c7df381375e6aa" providerId="LiveId" clId="{E6DC4EAA-0AC7-4D8A-9ABA-9B4C09DD8308}" dt="2024-02-19T21:08:45.634" v="20" actId="1076"/>
+          <ac:picMkLst>
+            <pc:docMk/>
+            <pc:sldMk cId="2994462458" sldId="314"/>
+            <ac:picMk id="8" creationId="{DA974598-9005-7A60-6B66-EEBC98623935}"/>
+          </ac:picMkLst>
+        </pc:picChg>
+        <pc:picChg chg="del">
+          <ac:chgData name="Matteo MANGILI" userId="89c7df381375e6aa" providerId="LiveId" clId="{E6DC4EAA-0AC7-4D8A-9ABA-9B4C09DD8308}" dt="2024-02-19T21:08:32.864" v="18" actId="21"/>
+          <ac:picMkLst>
+            <pc:docMk/>
+            <pc:sldMk cId="2994462458" sldId="314"/>
+            <ac:picMk id="9" creationId="{D632F88F-B7F1-FCF1-6B5E-D9317E32DE52}"/>
+          </ac:picMkLst>
+        </pc:picChg>
       </pc:sldChg>
       <pc:sldChg chg="modSp mod">
         <pc:chgData name="Matteo MANGILI" userId="89c7df381375e6aa" providerId="LiveId" clId="{E6DC4EAA-0AC7-4D8A-9ABA-9B4C09DD8308}" dt="2024-02-19T17:32:10.239" v="16" actId="113"/>
@@ -24463,35 +24494,6 @@
       </p:sp>
       <p:pic>
         <p:nvPicPr>
-          <p:cNvPr id="9" name="Segnaposto contenuto 8">
-            <a:extLst>
-              <a:ext uri="{FF2B5EF4-FFF2-40B4-BE49-F238E27FC236}">
-                <a16:creationId xmlns:a16="http://schemas.microsoft.com/office/drawing/2014/main" id="{D632F88F-B7F1-FCF1-6B5E-D9317E32DE52}"/>
-              </a:ext>
-            </a:extLst>
-          </p:cNvPr>
-          <p:cNvPicPr>
-            <a:picLocks noGrp="1" noChangeAspect="1"/>
-          </p:cNvPicPr>
-          <p:nvPr>
-            <p:ph idx="1"/>
-          </p:nvPr>
-        </p:nvPicPr>
-        <p:blipFill>
-          <a:blip r:embed="rId2"/>
-          <a:stretch>
-            <a:fillRect/>
-          </a:stretch>
-        </p:blipFill>
-        <p:spPr>
-          <a:xfrm>
-            <a:off x="21225" y="1779636"/>
-            <a:ext cx="4854361" cy="4252328"/>
-          </a:xfrm>
-        </p:spPr>
-      </p:pic>
-      <p:pic>
-        <p:nvPicPr>
           <p:cNvPr id="15" name="Immagine 14">
             <a:extLst>
               <a:ext uri="{FF2B5EF4-FFF2-40B4-BE49-F238E27FC236}">
@@ -24505,7 +24507,7 @@
           <p:nvPr/>
         </p:nvPicPr>
         <p:blipFill>
-          <a:blip r:embed="rId3"/>
+          <a:blip r:embed="rId2"/>
           <a:stretch>
             <a:fillRect/>
           </a:stretch>
@@ -24518,6 +24520,35 @@
           <a:prstGeom prst="rect">
             <a:avLst/>
           </a:prstGeom>
+        </p:spPr>
+      </p:pic>
+      <p:pic>
+        <p:nvPicPr>
+          <p:cNvPr id="8" name="Segnaposto contenuto 7">
+            <a:extLst>
+              <a:ext uri="{FF2B5EF4-FFF2-40B4-BE49-F238E27FC236}">
+                <a16:creationId xmlns:a16="http://schemas.microsoft.com/office/drawing/2014/main" id="{DA974598-9005-7A60-6B66-EEBC98623935}"/>
+              </a:ext>
+            </a:extLst>
+          </p:cNvPr>
+          <p:cNvPicPr>
+            <a:picLocks noGrp="1" noChangeAspect="1"/>
+          </p:cNvPicPr>
+          <p:nvPr>
+            <p:ph idx="1"/>
+          </p:nvPr>
+        </p:nvPicPr>
+        <p:blipFill>
+          <a:blip r:embed="rId3"/>
+          <a:stretch>
+            <a:fillRect/>
+          </a:stretch>
+        </p:blipFill>
+        <p:spPr>
+          <a:xfrm>
+            <a:off x="232926" y="1839912"/>
+            <a:ext cx="4896139" cy="4351338"/>
+          </a:xfrm>
         </p:spPr>
       </p:pic>
     </p:spTree>
@@ -36878,6 +36909,15 @@
 </file>
 
 <file path=customXml/item1.xml><?xml version="1.0" encoding="utf-8"?>
+<?mso-contentType ?>
+<FormTemplates xmlns="http://schemas.microsoft.com/sharepoint/v3/contenttype/forms">
+  <Display>DocumentLibraryForm</Display>
+  <Edit>DocumentLibraryForm</Edit>
+  <New>DocumentLibraryForm</New>
+</FormTemplates>
+</file>
+
+<file path=customXml/item2.xml><?xml version="1.0" encoding="utf-8"?>
 <ct:contentTypeSchema xmlns:ct="http://schemas.microsoft.com/office/2006/metadata/contentType" xmlns:ma="http://schemas.microsoft.com/office/2006/metadata/properties/metaAttributes" ct:_="" ma:_="" ma:contentTypeName="Documento" ma:contentTypeID="0x0101007CE6213B20D2F945B0D1473923EE410F" ma:contentTypeVersion="7" ma:contentTypeDescription="Creare un nuovo documento." ma:contentTypeScope="" ma:versionID="dc8ac43e96b461727accd63cf925a5cf">
   <xsd:schema xmlns:xsd="http://www.w3.org/2001/XMLSchema" xmlns:xs="http://www.w3.org/2001/XMLSchema" xmlns:p="http://schemas.microsoft.com/office/2006/metadata/properties" xmlns:ns2="243f3390-b919-40e8-8195-3613e8527352" targetNamespace="http://schemas.microsoft.com/office/2006/metadata/properties" ma:root="true" ma:fieldsID="1987007e621e1b24d40e437f012b913d" ns2:_="">
     <xsd:import namespace="243f3390-b919-40e8-8195-3613e8527352"/>
@@ -37039,15 +37079,6 @@
 </ct:contentTypeSchema>
 </file>
 
-<file path=customXml/item2.xml><?xml version="1.0" encoding="utf-8"?>
-<?mso-contentType ?>
-<FormTemplates xmlns="http://schemas.microsoft.com/sharepoint/v3/contenttype/forms">
-  <Display>DocumentLibraryForm</Display>
-  <Edit>DocumentLibraryForm</Edit>
-  <New>DocumentLibraryForm</New>
-</FormTemplates>
-</file>
-
 <file path=customXml/item3.xml><?xml version="1.0" encoding="utf-8"?>
 <p:properties xmlns:p="http://schemas.microsoft.com/office/2006/metadata/properties" xmlns:xsi="http://www.w3.org/2001/XMLSchema-instance" xmlns:pc="http://schemas.microsoft.com/office/infopath/2007/PartnerControls">
   <documentManagement/>
@@ -37055,6 +37086,14 @@
 </file>
 
 <file path=customXml/itemProps1.xml><?xml version="1.0" encoding="utf-8"?>
+<ds:datastoreItem xmlns:ds="http://schemas.openxmlformats.org/officeDocument/2006/customXml" ds:itemID="{42BC90D6-94CF-42F7-AAC4-9CF6824C54D5}">
+  <ds:schemaRefs>
+    <ds:schemaRef ds:uri="http://schemas.microsoft.com/sharepoint/v3/contenttype/forms"/>
+  </ds:schemaRefs>
+</ds:datastoreItem>
+</file>
+
+<file path=customXml/itemProps2.xml><?xml version="1.0" encoding="utf-8"?>
 <ds:datastoreItem xmlns:ds="http://schemas.openxmlformats.org/officeDocument/2006/customXml" ds:itemID="{1A503E23-9696-4358-8F00-F7F66AC755EB}">
   <ds:schemaRefs>
     <ds:schemaRef ds:uri="http://schemas.microsoft.com/office/2006/metadata/contentType"/>
@@ -37068,14 +37107,6 @@
     <ds:schemaRef ds:uri="http://purl.org/dc/elements/1.1/"/>
     <ds:schemaRef ds:uri="http://purl.org/dc/terms/"/>
     <ds:schemaRef ds:uri="http://schemas.microsoft.com/internal/obd"/>
-  </ds:schemaRefs>
-</ds:datastoreItem>
-</file>
-
-<file path=customXml/itemProps2.xml><?xml version="1.0" encoding="utf-8"?>
-<ds:datastoreItem xmlns:ds="http://schemas.openxmlformats.org/officeDocument/2006/customXml" ds:itemID="{42BC90D6-94CF-42F7-AAC4-9CF6824C54D5}">
-  <ds:schemaRefs>
-    <ds:schemaRef ds:uri="http://schemas.microsoft.com/sharepoint/v3/contenttype/forms"/>
   </ds:schemaRefs>
 </ds:datastoreItem>
 </file>

--- a/Presentazione/Presentazione_Progetto.pptx
+++ b/Presentazione/Presentazione_Progetto.pptx
@@ -30,7 +30,7 @@
     <p:sldId id="321" r:id="rId21"/>
     <p:sldId id="307" r:id="rId22"/>
     <p:sldId id="314" r:id="rId23"/>
-    <p:sldId id="315" r:id="rId24"/>
+    <p:sldId id="323" r:id="rId24"/>
     <p:sldId id="316" r:id="rId25"/>
     <p:sldId id="306" r:id="rId26"/>
     <p:sldId id="310" r:id="rId27"/>
@@ -166,12 +166,20 @@
 </p:cmAuthorLst>
 </file>
 
+<file path=ppt/revisionInfo.xml><?xml version="1.0" encoding="utf-8"?>
+<p1510:revInfo xmlns:a="http://schemas.openxmlformats.org/drawingml/2006/main" xmlns:r="http://schemas.openxmlformats.org/officeDocument/2006/relationships" xmlns:p1510="http://schemas.microsoft.com/office/powerpoint/2015/10/main">
+  <p1510:revLst>
+    <p1510:client id="{E6DC4EAA-0AC7-4D8A-9ABA-9B4C09DD8308}" v="6" dt="2024-02-21T11:03:52.540"/>
+  </p1510:revLst>
+</p1510:revInfo>
+</file>
+
 <file path=ppt/changesInfos/changesInfo1.xml><?xml version="1.0" encoding="utf-8"?>
 <pc:chgInfo xmlns:a="http://schemas.openxmlformats.org/drawingml/2006/main" xmlns:r="http://schemas.openxmlformats.org/officeDocument/2006/relationships" xmlns:ac="http://schemas.microsoft.com/office/drawing/2013/main/command" xmlns:pc="http://schemas.microsoft.com/office/powerpoint/2013/main/command">
   <pc:docChgLst>
     <pc:chgData name="Matteo MANGILI" userId="89c7df381375e6aa" providerId="LiveId" clId="{E6DC4EAA-0AC7-4D8A-9ABA-9B4C09DD8308}"/>
-    <pc:docChg chg="custSel modSld">
-      <pc:chgData name="Matteo MANGILI" userId="89c7df381375e6aa" providerId="LiveId" clId="{E6DC4EAA-0AC7-4D8A-9ABA-9B4C09DD8308}" dt="2024-02-19T21:08:45.634" v="20" actId="1076"/>
+    <pc:docChg chg="undo custSel addSld delSld modSld sldOrd">
+      <pc:chgData name="Matteo MANGILI" userId="89c7df381375e6aa" providerId="LiveId" clId="{E6DC4EAA-0AC7-4D8A-9ABA-9B4C09DD8308}" dt="2024-02-21T11:03:31.003" v="286" actId="20577"/>
       <pc:docMkLst>
         <pc:docMk/>
       </pc:docMkLst>
@@ -236,6 +244,69 @@
           </ac:picMkLst>
         </pc:picChg>
       </pc:sldChg>
+      <pc:sldChg chg="addSp delSp modSp del mod">
+        <pc:chgData name="Matteo MANGILI" userId="89c7df381375e6aa" providerId="LiveId" clId="{E6DC4EAA-0AC7-4D8A-9ABA-9B4C09DD8308}" dt="2024-02-21T10:57:04.839" v="76" actId="2696"/>
+        <pc:sldMkLst>
+          <pc:docMk/>
+          <pc:sldMk cId="1549231609" sldId="315"/>
+        </pc:sldMkLst>
+        <pc:spChg chg="add mod">
+          <ac:chgData name="Matteo MANGILI" userId="89c7df381375e6aa" providerId="LiveId" clId="{E6DC4EAA-0AC7-4D8A-9ABA-9B4C09DD8308}" dt="2024-02-21T10:56:35.220" v="72" actId="21"/>
+          <ac:spMkLst>
+            <pc:docMk/>
+            <pc:sldMk cId="1549231609" sldId="315"/>
+            <ac:spMk id="8" creationId="{DEE4C67E-A4E9-FA36-8B0F-5A723F581540}"/>
+          </ac:spMkLst>
+        </pc:spChg>
+        <pc:spChg chg="add del mod">
+          <ac:chgData name="Matteo MANGILI" userId="89c7df381375e6aa" providerId="LiveId" clId="{E6DC4EAA-0AC7-4D8A-9ABA-9B4C09DD8308}" dt="2024-02-21T10:55:27.108" v="67"/>
+          <ac:spMkLst>
+            <pc:docMk/>
+            <pc:sldMk cId="1549231609" sldId="315"/>
+            <ac:spMk id="9" creationId="{1C5CFB60-D9FD-610D-B4CC-2295C2CA41F4}"/>
+          </ac:spMkLst>
+        </pc:spChg>
+        <pc:spChg chg="add del mod">
+          <ac:chgData name="Matteo MANGILI" userId="89c7df381375e6aa" providerId="LiveId" clId="{E6DC4EAA-0AC7-4D8A-9ABA-9B4C09DD8308}" dt="2024-02-21T10:56:22.358" v="70"/>
+          <ac:spMkLst>
+            <pc:docMk/>
+            <pc:sldMk cId="1549231609" sldId="315"/>
+            <ac:spMk id="16" creationId="{2098189D-9791-9EFE-5A81-B64280121620}"/>
+          </ac:spMkLst>
+        </pc:spChg>
+        <pc:picChg chg="add del mod">
+          <ac:chgData name="Matteo MANGILI" userId="89c7df381375e6aa" providerId="LiveId" clId="{E6DC4EAA-0AC7-4D8A-9ABA-9B4C09DD8308}" dt="2024-02-21T10:56:35.220" v="72" actId="21"/>
+          <ac:picMkLst>
+            <pc:docMk/>
+            <pc:sldMk cId="1549231609" sldId="315"/>
+            <ac:picMk id="3" creationId="{7CCB33C6-C15B-849D-5406-C914813444D0}"/>
+          </ac:picMkLst>
+        </pc:picChg>
+        <pc:picChg chg="add mod">
+          <ac:chgData name="Matteo MANGILI" userId="89c7df381375e6aa" providerId="LiveId" clId="{E6DC4EAA-0AC7-4D8A-9ABA-9B4C09DD8308}" dt="2024-02-21T10:55:11.846" v="66" actId="14100"/>
+          <ac:picMkLst>
+            <pc:docMk/>
+            <pc:sldMk cId="1549231609" sldId="315"/>
+            <ac:picMk id="4" creationId="{F66568C3-D353-C8A8-03C2-4BA2DDC28228}"/>
+          </ac:picMkLst>
+        </pc:picChg>
+        <pc:picChg chg="del">
+          <ac:chgData name="Matteo MANGILI" userId="89c7df381375e6aa" providerId="LiveId" clId="{E6DC4EAA-0AC7-4D8A-9ABA-9B4C09DD8308}" dt="2024-02-21T10:54:47.879" v="23" actId="21"/>
+          <ac:picMkLst>
+            <pc:docMk/>
+            <pc:sldMk cId="1549231609" sldId="315"/>
+            <ac:picMk id="8" creationId="{6422998A-2562-0AB5-EB19-7C86EC90F6B5}"/>
+          </ac:picMkLst>
+        </pc:picChg>
+        <pc:picChg chg="add del mod">
+          <ac:chgData name="Matteo MANGILI" userId="89c7df381375e6aa" providerId="LiveId" clId="{E6DC4EAA-0AC7-4D8A-9ABA-9B4C09DD8308}" dt="2024-02-21T10:55:34.392" v="69" actId="21"/>
+          <ac:picMkLst>
+            <pc:docMk/>
+            <pc:sldMk cId="1549231609" sldId="315"/>
+            <ac:picMk id="14" creationId="{0C701E2E-DD6C-7F3E-A234-BC1ADCF2148A}"/>
+          </ac:picMkLst>
+        </pc:picChg>
+      </pc:sldChg>
       <pc:sldChg chg="modSp mod">
         <pc:chgData name="Matteo MANGILI" userId="89c7df381375e6aa" providerId="LiveId" clId="{E6DC4EAA-0AC7-4D8A-9ABA-9B4C09DD8308}" dt="2024-02-19T17:32:10.239" v="16" actId="113"/>
         <pc:sldMkLst>
@@ -250,6 +321,77 @@
             <ac:spMk id="5" creationId="{4C2922B9-05A6-2851-4268-32FCA9934BC2}"/>
           </ac:spMkLst>
         </pc:spChg>
+      </pc:sldChg>
+      <pc:sldChg chg="addSp delSp modSp add mod ord">
+        <pc:chgData name="Matteo MANGILI" userId="89c7df381375e6aa" providerId="LiveId" clId="{E6DC4EAA-0AC7-4D8A-9ABA-9B4C09DD8308}" dt="2024-02-21T11:03:31.003" v="286" actId="20577"/>
+        <pc:sldMkLst>
+          <pc:docMk/>
+          <pc:sldMk cId="242682486" sldId="323"/>
+        </pc:sldMkLst>
+        <pc:spChg chg="mod">
+          <ac:chgData name="Matteo MANGILI" userId="89c7df381375e6aa" providerId="LiveId" clId="{E6DC4EAA-0AC7-4D8A-9ABA-9B4C09DD8308}" dt="2024-02-21T10:57:48.444" v="120" actId="27636"/>
+          <ac:spMkLst>
+            <pc:docMk/>
+            <pc:sldMk cId="242682486" sldId="323"/>
+            <ac:spMk id="2" creationId="{C32F809D-8F5C-4F9D-8B46-523C04D0F1EB}"/>
+          </ac:spMkLst>
+        </pc:spChg>
+        <pc:spChg chg="del">
+          <ac:chgData name="Matteo MANGILI" userId="89c7df381375e6aa" providerId="LiveId" clId="{E6DC4EAA-0AC7-4D8A-9ABA-9B4C09DD8308}" dt="2024-02-21T10:58:33.729" v="121" actId="22"/>
+          <ac:spMkLst>
+            <pc:docMk/>
+            <pc:sldMk cId="242682486" sldId="323"/>
+            <ac:spMk id="3" creationId="{E9830DC9-A0C4-CCB4-C7A4-402F8E0073FD}"/>
+          </ac:spMkLst>
+        </pc:spChg>
+        <pc:spChg chg="mod">
+          <ac:chgData name="Matteo MANGILI" userId="89c7df381375e6aa" providerId="LiveId" clId="{E6DC4EAA-0AC7-4D8A-9ABA-9B4C09DD8308}" dt="2024-02-21T10:57:28.205" v="80" actId="20577"/>
+          <ac:spMkLst>
+            <pc:docMk/>
+            <pc:sldMk cId="242682486" sldId="323"/>
+            <ac:spMk id="6" creationId="{9ECCC4DB-30C9-98CC-24D1-1A6751175B24}"/>
+          </ac:spMkLst>
+        </pc:spChg>
+        <pc:spChg chg="add mod">
+          <ac:chgData name="Matteo MANGILI" userId="89c7df381375e6aa" providerId="LiveId" clId="{E6DC4EAA-0AC7-4D8A-9ABA-9B4C09DD8308}" dt="2024-02-21T10:59:27.777" v="159" actId="1076"/>
+          <ac:spMkLst>
+            <pc:docMk/>
+            <pc:sldMk cId="242682486" sldId="323"/>
+            <ac:spMk id="7" creationId="{2D1D9893-C2F1-4A58-703E-42DBAC636B60}"/>
+          </ac:spMkLst>
+        </pc:spChg>
+        <pc:spChg chg="add mod">
+          <ac:chgData name="Matteo MANGILI" userId="89c7df381375e6aa" providerId="LiveId" clId="{E6DC4EAA-0AC7-4D8A-9ABA-9B4C09DD8308}" dt="2024-02-21T11:03:31.003" v="286" actId="20577"/>
+          <ac:spMkLst>
+            <pc:docMk/>
+            <pc:sldMk cId="242682486" sldId="323"/>
+            <ac:spMk id="14" creationId="{00721506-FFB9-2318-F45B-FE7F7EEAD4F5}"/>
+          </ac:spMkLst>
+        </pc:spChg>
+        <pc:picChg chg="add mod ord modCrop">
+          <ac:chgData name="Matteo MANGILI" userId="89c7df381375e6aa" providerId="LiveId" clId="{E6DC4EAA-0AC7-4D8A-9ABA-9B4C09DD8308}" dt="2024-02-21T11:02:49.679" v="266" actId="732"/>
+          <ac:picMkLst>
+            <pc:docMk/>
+            <pc:sldMk cId="242682486" sldId="323"/>
+            <ac:picMk id="5" creationId="{2579056C-1632-EA34-7609-B5BA82181028}"/>
+          </ac:picMkLst>
+        </pc:picChg>
+        <pc:picChg chg="add del mod modCrop">
+          <ac:chgData name="Matteo MANGILI" userId="89c7df381375e6aa" providerId="LiveId" clId="{E6DC4EAA-0AC7-4D8A-9ABA-9B4C09DD8308}" dt="2024-02-21T11:01:18.349" v="203" actId="21"/>
+          <ac:picMkLst>
+            <pc:docMk/>
+            <pc:sldMk cId="242682486" sldId="323"/>
+            <ac:picMk id="9" creationId="{F8D2AD4D-2009-2581-60F3-BB7E8BBEA720}"/>
+          </ac:picMkLst>
+        </pc:picChg>
+        <pc:picChg chg="add mod modCrop">
+          <ac:chgData name="Matteo MANGILI" userId="89c7df381375e6aa" providerId="LiveId" clId="{E6DC4EAA-0AC7-4D8A-9ABA-9B4C09DD8308}" dt="2024-02-21T11:02:56.102" v="267" actId="1076"/>
+          <ac:picMkLst>
+            <pc:docMk/>
+            <pc:sldMk cId="242682486" sldId="323"/>
+            <ac:picMk id="12" creationId="{E45DDE6C-A26D-719F-E8B6-2D723FFBF1EF}"/>
+          </ac:picMkLst>
+        </pc:picChg>
       </pc:sldChg>
     </pc:docChg>
   </pc:docChgLst>
@@ -1012,7 +1154,7 @@
             <a:pPr rtl="0"/>
             <a:fld id="{DBC54730-5EBA-4920-A6C4-7F8458A7F940}" type="datetime1">
               <a:rPr lang="it-IT" smtClean="0"/>
-              <a:t>19/02/2024</a:t>
+              <a:t>21/02/2024</a:t>
             </a:fld>
             <a:endParaRPr lang="it-IT" dirty="0"/>
           </a:p>
@@ -1194,7 +1336,7 @@
             <a:fld id="{85EC1C34-318D-43A8-83F5-3AC8647FE75E}" type="datetime1">
               <a:rPr lang="it-IT" smtClean="0"/>
               <a:pPr/>
-              <a:t>19/02/2024</a:t>
+              <a:t>21/02/2024</a:t>
             </a:fld>
             <a:endParaRPr lang="it-IT" dirty="0"/>
           </a:p>
@@ -25567,7 +25709,13 @@
     </p:bg>
     <p:spTree>
       <p:nvGrpSpPr>
-        <p:cNvPr id="1" name=""/>
+        <p:cNvPr id="1" name="">
+          <a:extLst>
+            <a:ext uri="{FF2B5EF4-FFF2-40B4-BE49-F238E27FC236}">
+              <a16:creationId xmlns:a16="http://schemas.microsoft.com/office/drawing/2014/main" id="{24CD37C3-07CA-C926-D2EE-232216E5CE60}"/>
+            </a:ext>
+          </a:extLst>
+        </p:cNvPr>
         <p:cNvGrpSpPr/>
         <p:nvPr/>
       </p:nvGrpSpPr>
@@ -25584,7 +25732,7 @@
           <p:cNvPr id="11" name="Rectangle 10">
             <a:extLst>
               <a:ext uri="{FF2B5EF4-FFF2-40B4-BE49-F238E27FC236}">
-                <a16:creationId xmlns:a16="http://schemas.microsoft.com/office/drawing/2014/main" id="{100EDD19-6802-4EC3-95CE-CFFAB042CFD6}"/>
+                <a16:creationId xmlns:a16="http://schemas.microsoft.com/office/drawing/2014/main" id="{A88C65A2-C88E-582C-63AF-3EBC8E61CE59}"/>
               </a:ext>
               <a:ext uri="{C183D7F6-B498-43B3-948B-1728B52AA6E4}">
                 <adec:decorative xmlns:adec="http://schemas.microsoft.com/office/drawing/2017/decorative" val="1"/>
@@ -25644,7 +25792,7 @@
           <p:cNvPr id="2" name="Title 1">
             <a:extLst>
               <a:ext uri="{FF2B5EF4-FFF2-40B4-BE49-F238E27FC236}">
-                <a16:creationId xmlns:a16="http://schemas.microsoft.com/office/drawing/2014/main" id="{DDB7800B-90D1-8C4B-56B7-FA1626BB1375}"/>
+                <a16:creationId xmlns:a16="http://schemas.microsoft.com/office/drawing/2014/main" id="{C32F809D-8F5C-4F9D-8B46-523C04D0F1EB}"/>
               </a:ext>
             </a:extLst>
           </p:cNvPr>
@@ -25668,10 +25816,9 @@
           <a:lstStyle/>
           <a:p>
             <a:r>
-              <a:rPr lang="it-IT" sz="5400" b="1" dirty="0"/>
+              <a:rPr lang="en-US" sz="5400" b="1" dirty="0"/>
               <a:t>Modellazione: Diagrammi</a:t>
             </a:r>
-            <a:endParaRPr lang="en-US" sz="5400" b="1" dirty="0"/>
           </a:p>
         </p:txBody>
       </p:sp>
@@ -25680,7 +25827,7 @@
           <p:cNvPr id="13" name="sketch line">
             <a:extLst>
               <a:ext uri="{FF2B5EF4-FFF2-40B4-BE49-F238E27FC236}">
-                <a16:creationId xmlns:a16="http://schemas.microsoft.com/office/drawing/2014/main" id="{DB17E863-922E-4C26-BD64-E8FD41D28661}"/>
+                <a16:creationId xmlns:a16="http://schemas.microsoft.com/office/drawing/2014/main" id="{9110C5A3-36D0-0C7C-E049-B7851B2F8387}"/>
               </a:ext>
               <a:ext uri="{C183D7F6-B498-43B3-948B-1728B52AA6E4}">
                 <adec:decorative xmlns:adec="http://schemas.microsoft.com/office/drawing/2017/decorative" val="1"/>
@@ -26313,12 +26460,40 @@
           </a:p>
         </p:txBody>
       </p:sp>
+      <p:pic>
+        <p:nvPicPr>
+          <p:cNvPr id="5" name="Segnaposto contenuto 4">
+            <a:extLst>
+              <a:ext uri="{FF2B5EF4-FFF2-40B4-BE49-F238E27FC236}">
+                <a16:creationId xmlns:a16="http://schemas.microsoft.com/office/drawing/2014/main" id="{2579056C-1632-EA34-7609-B5BA82181028}"/>
+              </a:ext>
+            </a:extLst>
+          </p:cNvPr>
+          <p:cNvPicPr>
+            <a:picLocks noGrp="1" noChangeAspect="1"/>
+          </p:cNvPicPr>
+          <p:nvPr>
+            <p:ph idx="1"/>
+          </p:nvPr>
+        </p:nvPicPr>
+        <p:blipFill rotWithShape="1">
+          <a:blip r:embed="rId2"/>
+          <a:srcRect r="14305"/>
+          <a:stretch/>
+        </p:blipFill>
+        <p:spPr>
+          <a:xfrm>
+            <a:off x="460660" y="2167032"/>
+            <a:ext cx="5408295" cy="3708000"/>
+          </a:xfrm>
+        </p:spPr>
+      </p:pic>
       <p:sp>
         <p:nvSpPr>
           <p:cNvPr id="6" name="Slide Number Placeholder 5">
             <a:extLst>
               <a:ext uri="{FF2B5EF4-FFF2-40B4-BE49-F238E27FC236}">
-                <a16:creationId xmlns:a16="http://schemas.microsoft.com/office/drawing/2014/main" id="{07D5F90B-A703-3979-44A8-9125B7AA3463}"/>
+                <a16:creationId xmlns:a16="http://schemas.microsoft.com/office/drawing/2014/main" id="{9ECCC4DB-30C9-98CC-24D1-1A6751175B24}"/>
               </a:ext>
             </a:extLst>
           </p:cNvPr>
@@ -26331,8 +26506,8 @@
         </p:nvSpPr>
         <p:spPr>
           <a:xfrm>
-            <a:off x="8610600" y="6191250"/>
-            <a:ext cx="2743200" cy="530225"/>
+            <a:off x="8610600" y="6356350"/>
+            <a:ext cx="2743200" cy="365125"/>
           </a:xfrm>
         </p:spPr>
         <p:txBody>
@@ -26342,28 +26517,22 @@
           <a:lstStyle/>
           <a:p>
             <a:pPr rtl="0">
-              <a:lnSpc>
-                <a:spcPct val="90000"/>
-              </a:lnSpc>
+              <a:spcAft>
+                <a:spcPts val="600"/>
+              </a:spcAft>
+            </a:pPr>
+            <a:r>
+              <a:rPr lang="it-IT" sz="1800" b="1" dirty="0"/>
+              <a:t>20</a:t>
+            </a:r>
+          </a:p>
+          <a:p>
+            <a:pPr rtl="0">
               <a:spcAft>
                 <a:spcPts val="600"/>
               </a:spcAft>
             </a:pPr>
             <a:endParaRPr lang="it-IT" sz="1800" b="1" noProof="0" dirty="0"/>
-          </a:p>
-          <a:p>
-            <a:pPr rtl="0">
-              <a:lnSpc>
-                <a:spcPct val="90000"/>
-              </a:lnSpc>
-              <a:spcAft>
-                <a:spcPts val="600"/>
-              </a:spcAft>
-            </a:pPr>
-            <a:r>
-              <a:rPr lang="it-IT" sz="1800" b="1" noProof="0" dirty="0"/>
-              <a:t>20</a:t>
-            </a:r>
           </a:p>
         </p:txBody>
       </p:sp>
@@ -26372,7 +26541,7 @@
           <p:cNvPr id="7" name="CasellaDiTesto 6">
             <a:extLst>
               <a:ext uri="{FF2B5EF4-FFF2-40B4-BE49-F238E27FC236}">
-                <a16:creationId xmlns:a16="http://schemas.microsoft.com/office/drawing/2014/main" id="{2F6D6524-8D26-DCE0-C8D6-6656324DC85A}"/>
+                <a16:creationId xmlns:a16="http://schemas.microsoft.com/office/drawing/2014/main" id="{2D1D9893-C2F1-4A58-703E-42DBAC636B60}"/>
               </a:ext>
             </a:extLst>
           </p:cNvPr>
@@ -26381,8 +26550,8 @@
         </p:nvSpPr>
         <p:spPr>
           <a:xfrm>
-            <a:off x="838200" y="6298163"/>
-            <a:ext cx="2110273" cy="369332"/>
+            <a:off x="2006082" y="6076890"/>
+            <a:ext cx="1736309" cy="369332"/>
           </a:xfrm>
           <a:prstGeom prst="rect">
             <a:avLst/>
@@ -26390,7 +26559,7 @@
           <a:noFill/>
         </p:spPr>
         <p:txBody>
-          <a:bodyPr wrap="square" rtlCol="0">
+          <a:bodyPr wrap="none" rtlCol="0">
             <a:spAutoFit/>
           </a:bodyPr>
           <a:lstStyle/>
@@ -26402,12 +26571,41 @@
           </a:p>
         </p:txBody>
       </p:sp>
+      <p:pic>
+        <p:nvPicPr>
+          <p:cNvPr id="12" name="Immagine 11">
+            <a:extLst>
+              <a:ext uri="{FF2B5EF4-FFF2-40B4-BE49-F238E27FC236}">
+                <a16:creationId xmlns:a16="http://schemas.microsoft.com/office/drawing/2014/main" id="{E45DDE6C-A26D-719F-E8B6-2D723FFBF1EF}"/>
+              </a:ext>
+            </a:extLst>
+          </p:cNvPr>
+          <p:cNvPicPr>
+            <a:picLocks noChangeAspect="1"/>
+          </p:cNvPicPr>
+          <p:nvPr/>
+        </p:nvPicPr>
+        <p:blipFill rotWithShape="1">
+          <a:blip r:embed="rId3"/>
+          <a:srcRect t="-1" r="10206" b="4837"/>
+          <a:stretch/>
+        </p:blipFill>
+        <p:spPr>
+          <a:xfrm>
+            <a:off x="6176150" y="2055813"/>
+            <a:ext cx="5177650" cy="3636000"/>
+          </a:xfrm>
+          <a:prstGeom prst="rect">
+            <a:avLst/>
+          </a:prstGeom>
+        </p:spPr>
+      </p:pic>
       <p:sp>
         <p:nvSpPr>
-          <p:cNvPr id="10" name="CasellaDiTesto 9">
+          <p:cNvPr id="14" name="CasellaDiTesto 13">
             <a:extLst>
               <a:ext uri="{FF2B5EF4-FFF2-40B4-BE49-F238E27FC236}">
-                <a16:creationId xmlns:a16="http://schemas.microsoft.com/office/drawing/2014/main" id="{6A436C8B-00CB-47DF-CE0F-3E6AF627C2BC}"/>
+                <a16:creationId xmlns:a16="http://schemas.microsoft.com/office/drawing/2014/main" id="{00721506-FFB9-2318-F45B-FE7F7EEAD4F5}"/>
               </a:ext>
             </a:extLst>
           </p:cNvPr>
@@ -26416,7 +26614,7 @@
         </p:nvSpPr>
         <p:spPr>
           <a:xfrm>
-            <a:off x="6895322" y="6382139"/>
+            <a:off x="7763069" y="6076890"/>
             <a:ext cx="2184765" cy="369332"/>
           </a:xfrm>
           <a:prstGeom prst="rect">
@@ -26437,68 +26635,10 @@
           </a:p>
         </p:txBody>
       </p:sp>
-      <p:pic>
-        <p:nvPicPr>
-          <p:cNvPr id="8" name="Segnaposto contenuto 7">
-            <a:extLst>
-              <a:ext uri="{FF2B5EF4-FFF2-40B4-BE49-F238E27FC236}">
-                <a16:creationId xmlns:a16="http://schemas.microsoft.com/office/drawing/2014/main" id="{6422998A-2562-0AB5-EB19-7C86EC90F6B5}"/>
-              </a:ext>
-            </a:extLst>
-          </p:cNvPr>
-          <p:cNvPicPr>
-            <a:picLocks noGrp="1" noChangeAspect="1"/>
-          </p:cNvPicPr>
-          <p:nvPr>
-            <p:ph idx="1"/>
-          </p:nvPr>
-        </p:nvPicPr>
-        <p:blipFill rotWithShape="1">
-          <a:blip r:embed="rId2"/>
-          <a:srcRect r="9803"/>
-          <a:stretch/>
-        </p:blipFill>
-        <p:spPr>
-          <a:xfrm>
-            <a:off x="279998" y="2316810"/>
-            <a:ext cx="5773866" cy="3600000"/>
-          </a:xfrm>
-        </p:spPr>
-      </p:pic>
-      <p:pic>
-        <p:nvPicPr>
-          <p:cNvPr id="12" name="Immagine 11">
-            <a:extLst>
-              <a:ext uri="{FF2B5EF4-FFF2-40B4-BE49-F238E27FC236}">
-                <a16:creationId xmlns:a16="http://schemas.microsoft.com/office/drawing/2014/main" id="{C41D60B2-F2C9-77C6-B866-A6FB4DEBDB27}"/>
-              </a:ext>
-            </a:extLst>
-          </p:cNvPr>
-          <p:cNvPicPr>
-            <a:picLocks noChangeAspect="1"/>
-          </p:cNvPicPr>
-          <p:nvPr/>
-        </p:nvPicPr>
-        <p:blipFill>
-          <a:blip r:embed="rId3"/>
-          <a:stretch>
-            <a:fillRect/>
-          </a:stretch>
-        </p:blipFill>
-        <p:spPr>
-          <a:xfrm>
-            <a:off x="6276323" y="2305927"/>
-            <a:ext cx="5174653" cy="3456000"/>
-          </a:xfrm>
-          <a:prstGeom prst="rect">
-            <a:avLst/>
-          </a:prstGeom>
-        </p:spPr>
-      </p:pic>
     </p:spTree>
     <p:extLst>
       <p:ext uri="{BB962C8B-B14F-4D97-AF65-F5344CB8AC3E}">
-        <p14:creationId xmlns:p14="http://schemas.microsoft.com/office/powerpoint/2010/main" val="1549231609"/>
+        <p14:creationId xmlns:p14="http://schemas.microsoft.com/office/powerpoint/2010/main" val="242682486"/>
       </p:ext>
     </p:extLst>
   </p:cSld>

--- a/Presentazione/Presentazione_Progetto.pptx
+++ b/Presentazione/Presentazione_Progetto.pptx
@@ -179,10 +179,25 @@
   <pc:docChgLst>
     <pc:chgData name="Matteo MANGILI" userId="89c7df381375e6aa" providerId="LiveId" clId="{E6DC4EAA-0AC7-4D8A-9ABA-9B4C09DD8308}"/>
     <pc:docChg chg="undo custSel addSld delSld modSld sldOrd">
-      <pc:chgData name="Matteo MANGILI" userId="89c7df381375e6aa" providerId="LiveId" clId="{E6DC4EAA-0AC7-4D8A-9ABA-9B4C09DD8308}" dt="2024-02-21T11:03:31.003" v="286" actId="20577"/>
+      <pc:chgData name="Matteo MANGILI" userId="89c7df381375e6aa" providerId="LiveId" clId="{E6DC4EAA-0AC7-4D8A-9ABA-9B4C09DD8308}" dt="2024-02-23T16:22:48.553" v="500" actId="20577"/>
       <pc:docMkLst>
         <pc:docMk/>
       </pc:docMkLst>
+      <pc:sldChg chg="modSp mod">
+        <pc:chgData name="Matteo MANGILI" userId="89c7df381375e6aa" providerId="LiveId" clId="{E6DC4EAA-0AC7-4D8A-9ABA-9B4C09DD8308}" dt="2024-02-23T16:22:48.553" v="500" actId="20577"/>
+        <pc:sldMkLst>
+          <pc:docMk/>
+          <pc:sldMk cId="2944479634" sldId="303"/>
+        </pc:sldMkLst>
+        <pc:spChg chg="mod">
+          <ac:chgData name="Matteo MANGILI" userId="89c7df381375e6aa" providerId="LiveId" clId="{E6DC4EAA-0AC7-4D8A-9ABA-9B4C09DD8308}" dt="2024-02-23T16:22:48.553" v="500" actId="20577"/>
+          <ac:spMkLst>
+            <pc:docMk/>
+            <pc:sldMk cId="2944479634" sldId="303"/>
+            <ac:spMk id="4" creationId="{834029E2-3A07-28E1-FE72-E1D9FA770926}"/>
+          </ac:spMkLst>
+        </pc:spChg>
+      </pc:sldChg>
       <pc:sldChg chg="modSp mod">
         <pc:chgData name="Matteo MANGILI" userId="89c7df381375e6aa" providerId="LiveId" clId="{E6DC4EAA-0AC7-4D8A-9ABA-9B4C09DD8308}" dt="2024-02-16T14:30:48.082" v="15" actId="20577"/>
         <pc:sldMkLst>
@@ -1154,7 +1169,7 @@
             <a:pPr rtl="0"/>
             <a:fld id="{DBC54730-5EBA-4920-A6C4-7F8458A7F940}" type="datetime1">
               <a:rPr lang="it-IT" smtClean="0"/>
-              <a:t>21/02/2024</a:t>
+              <a:t>23/02/2024</a:t>
             </a:fld>
             <a:endParaRPr lang="it-IT" dirty="0"/>
           </a:p>
@@ -1336,7 +1351,7 @@
             <a:fld id="{85EC1C34-318D-43A8-83F5-3AC8647FE75E}" type="datetime1">
               <a:rPr lang="it-IT" smtClean="0"/>
               <a:pPr/>
-              <a:t>21/02/2024</a:t>
+              <a:t>23/02/2024</a:t>
             </a:fld>
             <a:endParaRPr lang="it-IT" dirty="0"/>
           </a:p>
@@ -20727,7 +20742,7 @@
         </p:spPr>
         <p:txBody>
           <a:bodyPr>
-            <a:normAutofit lnSpcReduction="10000"/>
+            <a:normAutofit fontScale="92500"/>
           </a:bodyPr>
           <a:lstStyle/>
           <a:p>
@@ -20843,11 +20858,147 @@
             </a:pPr>
             <a:r>
               <a:rPr lang="en-US" sz="2000" b="1" dirty="0"/>
-              <a:t>Builder Pattern </a:t>
+              <a:t>Observer Pattern</a:t>
             </a:r>
             <a:r>
               <a:rPr lang="en-US" sz="2000" dirty="0"/>
-              <a:t>(per costruire un’applicazione complessa a partire da un insieme di componenti oggetti)</a:t>
+              <a:t>(</a:t>
+            </a:r>
+            <a:r>
+              <a:rPr lang="en-US" sz="2000" dirty="0" err="1"/>
+              <a:t>definisce</a:t>
+            </a:r>
+            <a:r>
+              <a:rPr lang="en-US" sz="2000" dirty="0"/>
+              <a:t> </a:t>
+            </a:r>
+            <a:r>
+              <a:rPr lang="en-US" sz="2000" dirty="0" err="1"/>
+              <a:t>una</a:t>
+            </a:r>
+            <a:r>
+              <a:rPr lang="en-US" sz="2000" dirty="0"/>
+              <a:t> </a:t>
+            </a:r>
+            <a:r>
+              <a:rPr lang="en-US" sz="2000" dirty="0" err="1"/>
+              <a:t>dipendenza</a:t>
+            </a:r>
+            <a:r>
+              <a:rPr lang="en-US" sz="2000" dirty="0"/>
+              <a:t> </a:t>
+            </a:r>
+            <a:r>
+              <a:rPr lang="en-US" sz="2000" dirty="0" err="1"/>
+              <a:t>tra</a:t>
+            </a:r>
+            <a:r>
+              <a:rPr lang="en-US" sz="2000" dirty="0"/>
+              <a:t> un </a:t>
+            </a:r>
+            <a:r>
+              <a:rPr lang="en-US" sz="2000" dirty="0" err="1"/>
+              <a:t>insieme</a:t>
+            </a:r>
+            <a:r>
+              <a:rPr lang="en-US" sz="2000" dirty="0"/>
+              <a:t> di </a:t>
+            </a:r>
+            <a:r>
+              <a:rPr lang="en-US" sz="2000" dirty="0" err="1"/>
+              <a:t>oggetti</a:t>
+            </a:r>
+            <a:r>
+              <a:rPr lang="en-US" sz="2000" dirty="0"/>
+              <a:t> “</a:t>
+            </a:r>
+            <a:r>
+              <a:rPr lang="en-US" sz="2000" dirty="0" err="1"/>
+              <a:t>osservatori</a:t>
+            </a:r>
+            <a:r>
+              <a:rPr lang="en-US" sz="2000" dirty="0"/>
+              <a:t>” </a:t>
+            </a:r>
+            <a:r>
+              <a:rPr lang="en-US" sz="2000" dirty="0" err="1"/>
+              <a:t>che</a:t>
+            </a:r>
+            <a:r>
+              <a:rPr lang="en-US" sz="2000" dirty="0"/>
+              <a:t> </a:t>
+            </a:r>
+            <a:r>
+              <a:rPr lang="en-US" sz="2000" dirty="0" err="1"/>
+              <a:t>devono</a:t>
+            </a:r>
+            <a:r>
+              <a:rPr lang="en-US" sz="2000" dirty="0"/>
+              <a:t> </a:t>
+            </a:r>
+            <a:r>
+              <a:rPr lang="en-US" sz="2000" dirty="0" err="1"/>
+              <a:t>essere</a:t>
+            </a:r>
+            <a:r>
+              <a:rPr lang="en-US" sz="2000" dirty="0"/>
+              <a:t> </a:t>
+            </a:r>
+            <a:r>
+              <a:rPr lang="en-US" sz="2000" dirty="0" err="1"/>
+              <a:t>notificati</a:t>
+            </a:r>
+            <a:r>
+              <a:rPr lang="en-US" sz="2000" dirty="0"/>
+              <a:t> del </a:t>
+            </a:r>
+            <a:r>
+              <a:rPr lang="en-US" sz="2000" dirty="0" err="1"/>
+              <a:t>cambiamento</a:t>
+            </a:r>
+            <a:r>
+              <a:rPr lang="en-US" sz="2000" dirty="0"/>
+              <a:t> di </a:t>
+            </a:r>
+            <a:r>
+              <a:rPr lang="en-US" sz="2000" dirty="0" err="1"/>
+              <a:t>stato</a:t>
+            </a:r>
+            <a:r>
+              <a:rPr lang="en-US" sz="2000" dirty="0"/>
+              <a:t> di un </a:t>
+            </a:r>
+            <a:r>
+              <a:rPr lang="en-US" sz="2000" dirty="0" err="1"/>
+              <a:t>altro</a:t>
+            </a:r>
+            <a:r>
+              <a:rPr lang="en-US" sz="2000" dirty="0"/>
+              <a:t> </a:t>
+            </a:r>
+            <a:r>
+              <a:rPr lang="en-US" sz="2000" dirty="0" err="1"/>
+              <a:t>oggetto</a:t>
+            </a:r>
+            <a:r>
+              <a:rPr lang="en-US" sz="2000" dirty="0"/>
+              <a:t> definite “</a:t>
+            </a:r>
+            <a:r>
+              <a:rPr lang="en-US" sz="2000" dirty="0" err="1"/>
+              <a:t>soggetto</a:t>
+            </a:r>
+            <a:r>
+              <a:rPr lang="en-US" sz="2000" dirty="0"/>
+              <a:t>”)</a:t>
+            </a:r>
+            <a:r>
+              <a:rPr lang="en-US" sz="2000" i="1" dirty="0"/>
+              <a:t> </a:t>
+            </a:r>
+            <a:r>
+              <a:rPr lang="en-US" sz="2000" i="1" dirty="0" err="1"/>
+              <a:t>Comportamentale</a:t>
             </a:r>
             <a:endParaRPr lang="en-US" sz="2000" b="1" dirty="0"/>
           </a:p>
@@ -37049,15 +37200,6 @@
 </file>
 
 <file path=customXml/item1.xml><?xml version="1.0" encoding="utf-8"?>
-<?mso-contentType ?>
-<FormTemplates xmlns="http://schemas.microsoft.com/sharepoint/v3/contenttype/forms">
-  <Display>DocumentLibraryForm</Display>
-  <Edit>DocumentLibraryForm</Edit>
-  <New>DocumentLibraryForm</New>
-</FormTemplates>
-</file>
-
-<file path=customXml/item2.xml><?xml version="1.0" encoding="utf-8"?>
 <ct:contentTypeSchema xmlns:ct="http://schemas.microsoft.com/office/2006/metadata/contentType" xmlns:ma="http://schemas.microsoft.com/office/2006/metadata/properties/metaAttributes" ct:_="" ma:_="" ma:contentTypeName="Documento" ma:contentTypeID="0x0101007CE6213B20D2F945B0D1473923EE410F" ma:contentTypeVersion="7" ma:contentTypeDescription="Creare un nuovo documento." ma:contentTypeScope="" ma:versionID="dc8ac43e96b461727accd63cf925a5cf">
   <xsd:schema xmlns:xsd="http://www.w3.org/2001/XMLSchema" xmlns:xs="http://www.w3.org/2001/XMLSchema" xmlns:p="http://schemas.microsoft.com/office/2006/metadata/properties" xmlns:ns2="243f3390-b919-40e8-8195-3613e8527352" targetNamespace="http://schemas.microsoft.com/office/2006/metadata/properties" ma:root="true" ma:fieldsID="1987007e621e1b24d40e437f012b913d" ns2:_="">
     <xsd:import namespace="243f3390-b919-40e8-8195-3613e8527352"/>
@@ -37219,6 +37361,15 @@
 </ct:contentTypeSchema>
 </file>
 
+<file path=customXml/item2.xml><?xml version="1.0" encoding="utf-8"?>
+<?mso-contentType ?>
+<FormTemplates xmlns="http://schemas.microsoft.com/sharepoint/v3/contenttype/forms">
+  <Display>DocumentLibraryForm</Display>
+  <Edit>DocumentLibraryForm</Edit>
+  <New>DocumentLibraryForm</New>
+</FormTemplates>
+</file>
+
 <file path=customXml/item3.xml><?xml version="1.0" encoding="utf-8"?>
 <p:properties xmlns:p="http://schemas.microsoft.com/office/2006/metadata/properties" xmlns:xsi="http://www.w3.org/2001/XMLSchema-instance" xmlns:pc="http://schemas.microsoft.com/office/infopath/2007/PartnerControls">
   <documentManagement/>
@@ -37226,14 +37377,6 @@
 </file>
 
 <file path=customXml/itemProps1.xml><?xml version="1.0" encoding="utf-8"?>
-<ds:datastoreItem xmlns:ds="http://schemas.openxmlformats.org/officeDocument/2006/customXml" ds:itemID="{42BC90D6-94CF-42F7-AAC4-9CF6824C54D5}">
-  <ds:schemaRefs>
-    <ds:schemaRef ds:uri="http://schemas.microsoft.com/sharepoint/v3/contenttype/forms"/>
-  </ds:schemaRefs>
-</ds:datastoreItem>
-</file>
-
-<file path=customXml/itemProps2.xml><?xml version="1.0" encoding="utf-8"?>
 <ds:datastoreItem xmlns:ds="http://schemas.openxmlformats.org/officeDocument/2006/customXml" ds:itemID="{1A503E23-9696-4358-8F00-F7F66AC755EB}">
   <ds:schemaRefs>
     <ds:schemaRef ds:uri="http://schemas.microsoft.com/office/2006/metadata/contentType"/>
@@ -37247,6 +37390,14 @@
     <ds:schemaRef ds:uri="http://purl.org/dc/elements/1.1/"/>
     <ds:schemaRef ds:uri="http://purl.org/dc/terms/"/>
     <ds:schemaRef ds:uri="http://schemas.microsoft.com/internal/obd"/>
+  </ds:schemaRefs>
+</ds:datastoreItem>
+</file>
+
+<file path=customXml/itemProps2.xml><?xml version="1.0" encoding="utf-8"?>
+<ds:datastoreItem xmlns:ds="http://schemas.openxmlformats.org/officeDocument/2006/customXml" ds:itemID="{42BC90D6-94CF-42F7-AAC4-9CF6824C54D5}">
+  <ds:schemaRefs>
+    <ds:schemaRef ds:uri="http://schemas.microsoft.com/sharepoint/v3/contenttype/forms"/>
   </ds:schemaRefs>
 </ds:datastoreItem>
 </file>

--- a/Presentazione/Presentazione_Progetto.pptx
+++ b/Presentazione/Presentazione_Progetto.pptx
@@ -169,7 +169,7 @@
 <file path=ppt/revisionInfo.xml><?xml version="1.0" encoding="utf-8"?>
 <p1510:revInfo xmlns:a="http://schemas.openxmlformats.org/drawingml/2006/main" xmlns:r="http://schemas.openxmlformats.org/officeDocument/2006/relationships" xmlns:p1510="http://schemas.microsoft.com/office/powerpoint/2015/10/main">
   <p1510:revLst>
-    <p1510:client id="{E6DC4EAA-0AC7-4D8A-9ABA-9B4C09DD8308}" v="6" dt="2024-02-21T11:03:52.540"/>
+    <p1510:client id="{E6DC4EAA-0AC7-4D8A-9ABA-9B4C09DD8308}" v="32" dt="2024-02-23T18:27:26.724"/>
   </p1510:revLst>
 </p1510:revInfo>
 </file>
@@ -179,18 +179,110 @@
   <pc:docChgLst>
     <pc:chgData name="Matteo MANGILI" userId="89c7df381375e6aa" providerId="LiveId" clId="{E6DC4EAA-0AC7-4D8A-9ABA-9B4C09DD8308}"/>
     <pc:docChg chg="undo custSel addSld delSld modSld sldOrd">
-      <pc:chgData name="Matteo MANGILI" userId="89c7df381375e6aa" providerId="LiveId" clId="{E6DC4EAA-0AC7-4D8A-9ABA-9B4C09DD8308}" dt="2024-02-23T16:22:48.553" v="500" actId="20577"/>
+      <pc:chgData name="Matteo MANGILI" userId="89c7df381375e6aa" providerId="LiveId" clId="{E6DC4EAA-0AC7-4D8A-9ABA-9B4C09DD8308}" dt="2024-02-23T18:27:14.016" v="962" actId="20577"/>
       <pc:docMkLst>
         <pc:docMk/>
       </pc:docMkLst>
+      <pc:sldChg chg="addSp modSp mod">
+        <pc:chgData name="Matteo MANGILI" userId="89c7df381375e6aa" providerId="LiveId" clId="{E6DC4EAA-0AC7-4D8A-9ABA-9B4C09DD8308}" dt="2024-02-23T17:57:38.745" v="631" actId="14100"/>
+        <pc:sldMkLst>
+          <pc:docMk/>
+          <pc:sldMk cId="1642425379" sldId="256"/>
+        </pc:sldMkLst>
+        <pc:spChg chg="mod">
+          <ac:chgData name="Matteo MANGILI" userId="89c7df381375e6aa" providerId="LiveId" clId="{E6DC4EAA-0AC7-4D8A-9ABA-9B4C09DD8308}" dt="2024-02-23T17:57:07.935" v="617" actId="14100"/>
+          <ac:spMkLst>
+            <pc:docMk/>
+            <pc:sldMk cId="1642425379" sldId="256"/>
+            <ac:spMk id="3" creationId="{1901B20D-4C28-4DA3-ABBD-718C22A5E58B}"/>
+          </ac:spMkLst>
+        </pc:spChg>
+        <pc:picChg chg="add mod">
+          <ac:chgData name="Matteo MANGILI" userId="89c7df381375e6aa" providerId="LiveId" clId="{E6DC4EAA-0AC7-4D8A-9ABA-9B4C09DD8308}" dt="2024-02-23T17:56:03.400" v="503" actId="1076"/>
+          <ac:picMkLst>
+            <pc:docMk/>
+            <pc:sldMk cId="1642425379" sldId="256"/>
+            <ac:picMk id="4" creationId="{ACAE673E-0113-63B7-C455-36A2E98F59E0}"/>
+          </ac:picMkLst>
+        </pc:picChg>
+        <pc:picChg chg="add mod">
+          <ac:chgData name="Matteo MANGILI" userId="89c7df381375e6aa" providerId="LiveId" clId="{E6DC4EAA-0AC7-4D8A-9ABA-9B4C09DD8308}" dt="2024-02-23T17:57:38.745" v="631" actId="14100"/>
+          <ac:picMkLst>
+            <pc:docMk/>
+            <pc:sldMk cId="1642425379" sldId="256"/>
+            <ac:picMk id="5" creationId="{06FE8080-EB40-19AA-31EE-18CFBFECA151}"/>
+          </ac:picMkLst>
+        </pc:picChg>
+      </pc:sldChg>
       <pc:sldChg chg="modSp mod">
-        <pc:chgData name="Matteo MANGILI" userId="89c7df381375e6aa" providerId="LiveId" clId="{E6DC4EAA-0AC7-4D8A-9ABA-9B4C09DD8308}" dt="2024-02-23T16:22:48.553" v="500" actId="20577"/>
+        <pc:chgData name="Matteo MANGILI" userId="89c7df381375e6aa" providerId="LiveId" clId="{E6DC4EAA-0AC7-4D8A-9ABA-9B4C09DD8308}" dt="2024-02-23T18:01:32.816" v="780" actId="20577"/>
+        <pc:sldMkLst>
+          <pc:docMk/>
+          <pc:sldMk cId="3250768115" sldId="296"/>
+        </pc:sldMkLst>
+        <pc:spChg chg="mod">
+          <ac:chgData name="Matteo MANGILI" userId="89c7df381375e6aa" providerId="LiveId" clId="{E6DC4EAA-0AC7-4D8A-9ABA-9B4C09DD8308}" dt="2024-02-23T18:01:32.816" v="780" actId="20577"/>
+          <ac:spMkLst>
+            <pc:docMk/>
+            <pc:sldMk cId="3250768115" sldId="296"/>
+            <ac:spMk id="4" creationId="{6EADD32B-2BED-B9CD-8880-5933A888D00B}"/>
+          </ac:spMkLst>
+        </pc:spChg>
+        <pc:picChg chg="mod">
+          <ac:chgData name="Matteo MANGILI" userId="89c7df381375e6aa" providerId="LiveId" clId="{E6DC4EAA-0AC7-4D8A-9ABA-9B4C09DD8308}" dt="2024-02-23T18:01:00.672" v="773" actId="1076"/>
+          <ac:picMkLst>
+            <pc:docMk/>
+            <pc:sldMk cId="3250768115" sldId="296"/>
+            <ac:picMk id="1026" creationId="{A7F9973B-346C-5A43-7527-B97E92BAF68D}"/>
+          </ac:picMkLst>
+        </pc:picChg>
+      </pc:sldChg>
+      <pc:sldChg chg="modSp mod">
+        <pc:chgData name="Matteo MANGILI" userId="89c7df381375e6aa" providerId="LiveId" clId="{E6DC4EAA-0AC7-4D8A-9ABA-9B4C09DD8308}" dt="2024-02-23T18:06:10.334" v="848" actId="113"/>
+        <pc:sldMkLst>
+          <pc:docMk/>
+          <pc:sldMk cId="1249612630" sldId="297"/>
+        </pc:sldMkLst>
+        <pc:spChg chg="mod">
+          <ac:chgData name="Matteo MANGILI" userId="89c7df381375e6aa" providerId="LiveId" clId="{E6DC4EAA-0AC7-4D8A-9ABA-9B4C09DD8308}" dt="2024-02-23T18:05:51.523" v="847" actId="20577"/>
+          <ac:spMkLst>
+            <pc:docMk/>
+            <pc:sldMk cId="1249612630" sldId="297"/>
+            <ac:spMk id="4" creationId="{0B9BE06A-2A10-766E-30FB-68BA1AE33F20}"/>
+          </ac:spMkLst>
+        </pc:spChg>
+        <pc:spChg chg="mod">
+          <ac:chgData name="Matteo MANGILI" userId="89c7df381375e6aa" providerId="LiveId" clId="{E6DC4EAA-0AC7-4D8A-9ABA-9B4C09DD8308}" dt="2024-02-23T18:06:10.334" v="848" actId="113"/>
+          <ac:spMkLst>
+            <pc:docMk/>
+            <pc:sldMk cId="1249612630" sldId="297"/>
+            <ac:spMk id="82" creationId="{CE36A058-BEC2-4BC5-A467-F2EB2A365051}"/>
+          </ac:spMkLst>
+        </pc:spChg>
+      </pc:sldChg>
+      <pc:sldChg chg="modSp mod">
+        <pc:chgData name="Matteo MANGILI" userId="89c7df381375e6aa" providerId="LiveId" clId="{E6DC4EAA-0AC7-4D8A-9ABA-9B4C09DD8308}" dt="2024-02-23T18:22:25.984" v="947" actId="20577"/>
+        <pc:sldMkLst>
+          <pc:docMk/>
+          <pc:sldMk cId="3996999348" sldId="298"/>
+        </pc:sldMkLst>
+        <pc:spChg chg="mod">
+          <ac:chgData name="Matteo MANGILI" userId="89c7df381375e6aa" providerId="LiveId" clId="{E6DC4EAA-0AC7-4D8A-9ABA-9B4C09DD8308}" dt="2024-02-23T18:22:25.984" v="947" actId="20577"/>
+          <ac:spMkLst>
+            <pc:docMk/>
+            <pc:sldMk cId="3996999348" sldId="298"/>
+            <ac:spMk id="4" creationId="{747F007E-FE0A-2A87-17AB-DD88FD1E8115}"/>
+          </ac:spMkLst>
+        </pc:spChg>
+      </pc:sldChg>
+      <pc:sldChg chg="modSp mod">
+        <pc:chgData name="Matteo MANGILI" userId="89c7df381375e6aa" providerId="LiveId" clId="{E6DC4EAA-0AC7-4D8A-9ABA-9B4C09DD8308}" dt="2024-02-23T18:27:14.016" v="962" actId="20577"/>
         <pc:sldMkLst>
           <pc:docMk/>
           <pc:sldMk cId="2944479634" sldId="303"/>
         </pc:sldMkLst>
         <pc:spChg chg="mod">
-          <ac:chgData name="Matteo MANGILI" userId="89c7df381375e6aa" providerId="LiveId" clId="{E6DC4EAA-0AC7-4D8A-9ABA-9B4C09DD8308}" dt="2024-02-23T16:22:48.553" v="500" actId="20577"/>
+          <ac:chgData name="Matteo MANGILI" userId="89c7df381375e6aa" providerId="LiveId" clId="{E6DC4EAA-0AC7-4D8A-9ABA-9B4C09DD8308}" dt="2024-02-23T18:27:14.016" v="962" actId="20577"/>
           <ac:spMkLst>
             <pc:docMk/>
             <pc:sldMk cId="2944479634" sldId="303"/>
@@ -214,13 +306,28 @@
         </pc:spChg>
       </pc:sldChg>
       <pc:sldChg chg="modSp mod">
-        <pc:chgData name="Matteo MANGILI" userId="89c7df381375e6aa" providerId="LiveId" clId="{E6DC4EAA-0AC7-4D8A-9ABA-9B4C09DD8308}" dt="2024-02-19T17:32:26.789" v="17" actId="14100"/>
+        <pc:chgData name="Matteo MANGILI" userId="89c7df381375e6aa" providerId="LiveId" clId="{E6DC4EAA-0AC7-4D8A-9ABA-9B4C09DD8308}" dt="2024-02-23T18:25:33.764" v="959" actId="20577"/>
+        <pc:sldMkLst>
+          <pc:docMk/>
+          <pc:sldMk cId="1581940243" sldId="309"/>
+        </pc:sldMkLst>
+        <pc:spChg chg="mod">
+          <ac:chgData name="Matteo MANGILI" userId="89c7df381375e6aa" providerId="LiveId" clId="{E6DC4EAA-0AC7-4D8A-9ABA-9B4C09DD8308}" dt="2024-02-23T18:25:33.764" v="959" actId="20577"/>
+          <ac:spMkLst>
+            <pc:docMk/>
+            <pc:sldMk cId="1581940243" sldId="309"/>
+            <ac:spMk id="5" creationId="{BE1F23F2-64C7-BE07-E80F-A34081568AA8}"/>
+          </ac:spMkLst>
+        </pc:spChg>
+      </pc:sldChg>
+      <pc:sldChg chg="modSp mod">
+        <pc:chgData name="Matteo MANGILI" userId="89c7df381375e6aa" providerId="LiveId" clId="{E6DC4EAA-0AC7-4D8A-9ABA-9B4C09DD8308}" dt="2024-02-23T18:24:24.447" v="957" actId="20577"/>
         <pc:sldMkLst>
           <pc:docMk/>
           <pc:sldMk cId="3576197673" sldId="313"/>
         </pc:sldMkLst>
         <pc:graphicFrameChg chg="modGraphic">
-          <ac:chgData name="Matteo MANGILI" userId="89c7df381375e6aa" providerId="LiveId" clId="{E6DC4EAA-0AC7-4D8A-9ABA-9B4C09DD8308}" dt="2024-02-19T17:32:26.789" v="17" actId="14100"/>
+          <ac:chgData name="Matteo MANGILI" userId="89c7df381375e6aa" providerId="LiveId" clId="{E6DC4EAA-0AC7-4D8A-9ABA-9B4C09DD8308}" dt="2024-02-23T18:24:24.447" v="957" actId="20577"/>
           <ac:graphicFrameMkLst>
             <pc:docMk/>
             <pc:sldMk cId="3576197673" sldId="313"/>
@@ -321,6 +428,21 @@
             <ac:picMk id="14" creationId="{0C701E2E-DD6C-7F3E-A234-BC1ADCF2148A}"/>
           </ac:picMkLst>
         </pc:picChg>
+      </pc:sldChg>
+      <pc:sldChg chg="modSp mod">
+        <pc:chgData name="Matteo MANGILI" userId="89c7df381375e6aa" providerId="LiveId" clId="{E6DC4EAA-0AC7-4D8A-9ABA-9B4C09DD8308}" dt="2024-02-23T18:12:19.786" v="865" actId="20577"/>
+        <pc:sldMkLst>
+          <pc:docMk/>
+          <pc:sldMk cId="112244765" sldId="318"/>
+        </pc:sldMkLst>
+        <pc:spChg chg="mod">
+          <ac:chgData name="Matteo MANGILI" userId="89c7df381375e6aa" providerId="LiveId" clId="{E6DC4EAA-0AC7-4D8A-9ABA-9B4C09DD8308}" dt="2024-02-23T18:12:19.786" v="865" actId="20577"/>
+          <ac:spMkLst>
+            <pc:docMk/>
+            <pc:sldMk cId="112244765" sldId="318"/>
+            <ac:spMk id="11" creationId="{C1C708C4-D7EC-7ED8-A397-AF1F95BF1686}"/>
+          </ac:spMkLst>
+        </pc:spChg>
       </pc:sldChg>
       <pc:sldChg chg="modSp mod">
         <pc:chgData name="Matteo MANGILI" userId="89c7df381375e6aa" providerId="LiveId" clId="{E6DC4EAA-0AC7-4D8A-9ABA-9B4C09DD8308}" dt="2024-02-19T17:32:10.239" v="16" actId="113"/>
@@ -14454,7 +14576,7 @@
         <p:spPr>
           <a:xfrm>
             <a:off x="838200" y="3283668"/>
-            <a:ext cx="10515600" cy="3415712"/>
+            <a:ext cx="4004388" cy="3415712"/>
           </a:xfrm>
         </p:spPr>
         <p:txBody>
@@ -14508,6 +14630,36 @@
           </a:p>
         </p:txBody>
       </p:sp>
+      <p:pic>
+        <p:nvPicPr>
+          <p:cNvPr id="5" name="Immagine 4">
+            <a:extLst>
+              <a:ext uri="{FF2B5EF4-FFF2-40B4-BE49-F238E27FC236}">
+                <a16:creationId xmlns:a16="http://schemas.microsoft.com/office/drawing/2014/main" id="{06FE8080-EB40-19AA-31EE-18CFBFECA151}"/>
+              </a:ext>
+            </a:extLst>
+          </p:cNvPr>
+          <p:cNvPicPr>
+            <a:picLocks noChangeAspect="1"/>
+          </p:cNvPicPr>
+          <p:nvPr/>
+        </p:nvPicPr>
+        <p:blipFill>
+          <a:blip r:embed="rId3"/>
+          <a:stretch>
+            <a:fillRect/>
+          </a:stretch>
+        </p:blipFill>
+        <p:spPr>
+          <a:xfrm>
+            <a:off x="5760297" y="3429000"/>
+            <a:ext cx="4320000" cy="3240000"/>
+          </a:xfrm>
+          <a:prstGeom prst="rect">
+            <a:avLst/>
+          </a:prstGeom>
+        </p:spPr>
+      </p:pic>
     </p:spTree>
     <p:extLst>
       <p:ext uri="{BB962C8B-B14F-4D97-AF65-F5344CB8AC3E}">
@@ -16499,13 +16651,13 @@
               <a:rPr lang="en-US" sz="2300" i="1" dirty="0">
                 <a:cs typeface="Calibri"/>
               </a:rPr>
-              <a:t>Validazione, </a:t>
+              <a:t>Validazione, i</a:t>
             </a:r>
             <a:r>
               <a:rPr lang="en-US" sz="2300" dirty="0">
                 <a:cs typeface="Calibri"/>
               </a:rPr>
-              <a:t>I requisiti rispettano le richieste d’utente).</a:t>
+              <a:t> requisiti rispettano le richieste d’utente).</a:t>
             </a:r>
             <a:endParaRPr lang="en-US" sz="2300" b="1" dirty="0">
               <a:cs typeface="Calibri"/>
@@ -17457,7 +17609,7 @@
             <p:ph idx="1"/>
             <p:extLst>
               <p:ext uri="{D42A27DB-BD31-4B8C-83A1-F6EECF244321}">
-                <p14:modId xmlns:p14="http://schemas.microsoft.com/office/powerpoint/2010/main" val="3651947033"/>
+                <p14:modId xmlns:p14="http://schemas.microsoft.com/office/powerpoint/2010/main" val="3153907310"/>
               </p:ext>
             </p:extLst>
           </p:nvPr>
@@ -17983,7 +18135,7 @@
                       </a:pPr>
                       <a:r>
                         <a:rPr lang="it-IT" sz="1600" dirty="0"/>
-                        <a:t>Possibilità di vedere altri medici prima dell’intervento</a:t>
+                        <a:t>Possibilità di consultare altri medici prima dell’intervento</a:t>
                       </a:r>
                     </a:p>
                   </a:txBody>
@@ -20779,23 +20931,7 @@
             </a:r>
             <a:r>
               <a:rPr lang="en-US" sz="2000" dirty="0"/>
-              <a:t>(un attore/oggetto del Sistema può “giocare” diversi ruoli in </a:t>
-            </a:r>
-            <a:r>
-              <a:rPr lang="en-US" sz="2000" dirty="0" err="1"/>
-              <a:t>diversi</a:t>
-            </a:r>
-            <a:r>
-              <a:rPr lang="en-US" sz="2000" dirty="0"/>
-              <a:t> </a:t>
-            </a:r>
-            <a:r>
-              <a:rPr lang="en-US" sz="2000" dirty="0" err="1"/>
-              <a:t>contesti</a:t>
-            </a:r>
-            <a:r>
-              <a:rPr lang="en-US" sz="2000" dirty="0"/>
-              <a:t>, si sfruttano classi astratte)</a:t>
+              <a:t>(un attore/oggetto del Sistema può “giocare” diversi ruoli in diversi contesti, si sfruttano classi astratte)</a:t>
             </a:r>
             <a:endParaRPr lang="en-US" sz="2000" b="1" dirty="0"/>
           </a:p>
@@ -20862,143 +20998,11 @@
             </a:r>
             <a:r>
               <a:rPr lang="en-US" sz="2000" dirty="0"/>
-              <a:t>(</a:t>
-            </a:r>
-            <a:r>
-              <a:rPr lang="en-US" sz="2000" dirty="0" err="1"/>
-              <a:t>definisce</a:t>
-            </a:r>
-            <a:r>
-              <a:rPr lang="en-US" sz="2000" dirty="0"/>
-              <a:t> </a:t>
-            </a:r>
-            <a:r>
-              <a:rPr lang="en-US" sz="2000" dirty="0" err="1"/>
-              <a:t>una</a:t>
-            </a:r>
-            <a:r>
-              <a:rPr lang="en-US" sz="2000" dirty="0"/>
-              <a:t> </a:t>
-            </a:r>
-            <a:r>
-              <a:rPr lang="en-US" sz="2000" dirty="0" err="1"/>
-              <a:t>dipendenza</a:t>
-            </a:r>
-            <a:r>
-              <a:rPr lang="en-US" sz="2000" dirty="0"/>
-              <a:t> </a:t>
-            </a:r>
-            <a:r>
-              <a:rPr lang="en-US" sz="2000" dirty="0" err="1"/>
-              <a:t>tra</a:t>
-            </a:r>
-            <a:r>
-              <a:rPr lang="en-US" sz="2000" dirty="0"/>
-              <a:t> un </a:t>
-            </a:r>
-            <a:r>
-              <a:rPr lang="en-US" sz="2000" dirty="0" err="1"/>
-              <a:t>insieme</a:t>
-            </a:r>
-            <a:r>
-              <a:rPr lang="en-US" sz="2000" dirty="0"/>
-              <a:t> di </a:t>
-            </a:r>
-            <a:r>
-              <a:rPr lang="en-US" sz="2000" dirty="0" err="1"/>
-              <a:t>oggetti</a:t>
-            </a:r>
-            <a:r>
-              <a:rPr lang="en-US" sz="2000" dirty="0"/>
-              <a:t> “</a:t>
-            </a:r>
-            <a:r>
-              <a:rPr lang="en-US" sz="2000" dirty="0" err="1"/>
-              <a:t>osservatori</a:t>
-            </a:r>
-            <a:r>
-              <a:rPr lang="en-US" sz="2000" dirty="0"/>
-              <a:t>” </a:t>
-            </a:r>
-            <a:r>
-              <a:rPr lang="en-US" sz="2000" dirty="0" err="1"/>
-              <a:t>che</a:t>
-            </a:r>
-            <a:r>
-              <a:rPr lang="en-US" sz="2000" dirty="0"/>
-              <a:t> </a:t>
-            </a:r>
-            <a:r>
-              <a:rPr lang="en-US" sz="2000" dirty="0" err="1"/>
-              <a:t>devono</a:t>
-            </a:r>
-            <a:r>
-              <a:rPr lang="en-US" sz="2000" dirty="0"/>
-              <a:t> </a:t>
-            </a:r>
-            <a:r>
-              <a:rPr lang="en-US" sz="2000" dirty="0" err="1"/>
-              <a:t>essere</a:t>
-            </a:r>
-            <a:r>
-              <a:rPr lang="en-US" sz="2000" dirty="0"/>
-              <a:t> </a:t>
-            </a:r>
-            <a:r>
-              <a:rPr lang="en-US" sz="2000" dirty="0" err="1"/>
-              <a:t>notificati</a:t>
-            </a:r>
-            <a:r>
-              <a:rPr lang="en-US" sz="2000" dirty="0"/>
-              <a:t> del </a:t>
-            </a:r>
-            <a:r>
-              <a:rPr lang="en-US" sz="2000" dirty="0" err="1"/>
-              <a:t>cambiamento</a:t>
-            </a:r>
-            <a:r>
-              <a:rPr lang="en-US" sz="2000" dirty="0"/>
-              <a:t> di </a:t>
-            </a:r>
-            <a:r>
-              <a:rPr lang="en-US" sz="2000" dirty="0" err="1"/>
-              <a:t>stato</a:t>
-            </a:r>
-            <a:r>
-              <a:rPr lang="en-US" sz="2000" dirty="0"/>
-              <a:t> di un </a:t>
-            </a:r>
-            <a:r>
-              <a:rPr lang="en-US" sz="2000" dirty="0" err="1"/>
-              <a:t>altro</a:t>
-            </a:r>
-            <a:r>
-              <a:rPr lang="en-US" sz="2000" dirty="0"/>
-              <a:t> </a:t>
-            </a:r>
-            <a:r>
-              <a:rPr lang="en-US" sz="2000" dirty="0" err="1"/>
-              <a:t>oggetto</a:t>
-            </a:r>
-            <a:r>
-              <a:rPr lang="en-US" sz="2000" dirty="0"/>
-              <a:t> definite “</a:t>
-            </a:r>
-            <a:r>
-              <a:rPr lang="en-US" sz="2000" dirty="0" err="1"/>
-              <a:t>soggetto</a:t>
-            </a:r>
-            <a:r>
-              <a:rPr lang="en-US" sz="2000" dirty="0"/>
-              <a:t>”)</a:t>
+              <a:t>(definisce una dipendenza tra un insieme di oggetti “osservatori” che devono essere notificati del cambiamento di stato di un altro oggetto, definito “soggetto”)</a:t>
             </a:r>
             <a:r>
               <a:rPr lang="en-US" sz="2000" i="1" dirty="0"/>
-              <a:t> </a:t>
-            </a:r>
-            <a:r>
-              <a:rPr lang="en-US" sz="2000" i="1" dirty="0" err="1"/>
-              <a:t>Comportamentale</a:t>
+              <a:t> Comportamentale</a:t>
             </a:r>
             <a:endParaRPr lang="en-US" sz="2000" b="1" dirty="0"/>
           </a:p>
@@ -23780,15 +23784,7 @@
           <a:p>
             <a:r>
               <a:rPr lang="en-US" sz="2200" dirty="0"/>
-              <a:t>Diagramma di </a:t>
-            </a:r>
-            <a:r>
-              <a:rPr lang="en-US" sz="2200" dirty="0" err="1"/>
-              <a:t>Stato</a:t>
-            </a:r>
-            <a:r>
-              <a:rPr lang="en-US" sz="2200" dirty="0"/>
-              <a:t> (STATE-CHART DIAGRAM)</a:t>
+              <a:t>Diagramma di Stato (STATE-CHART DIAGRAM)</a:t>
             </a:r>
           </a:p>
           <a:p>
@@ -25658,8 +25654,8 @@
         </p:nvSpPr>
         <p:spPr>
           <a:xfrm>
-            <a:off x="572493" y="2071315"/>
-            <a:ext cx="6713552" cy="4721371"/>
+            <a:off x="572493" y="1817437"/>
+            <a:ext cx="6910658" cy="4975249"/>
           </a:xfrm>
         </p:spPr>
         <p:txBody>
@@ -25703,7 +25699,15 @@
             </a:r>
             <a:r>
               <a:rPr lang="en-US" sz="2000" dirty="0"/>
-              <a:t> da effettuare prima di sottoporsi all’intervento.</a:t>
+              <a:t> da effettuare prima di sottoporsi </a:t>
+            </a:r>
+            <a:r>
+              <a:rPr lang="en-US" sz="2000" dirty="0" err="1"/>
+              <a:t>all’intervento</a:t>
+            </a:r>
+            <a:r>
+              <a:rPr lang="en-US" sz="2000" dirty="0"/>
+              <a:t>.</a:t>
             </a:r>
           </a:p>
           <a:p>
@@ -25712,25 +25716,106 @@
               <a:buChar char="§"/>
             </a:pPr>
             <a:r>
+              <a:rPr lang="en-US" sz="2000" b="1" i="1" dirty="0" err="1"/>
+              <a:t>Liste</a:t>
+            </a:r>
+            <a:r>
               <a:rPr lang="en-US" sz="2000" b="1" i="1" dirty="0"/>
-              <a:t>Liste Operatorie</a:t>
-            </a:r>
-            <a:r>
-              <a:rPr lang="en-US" sz="2000" i="1" dirty="0"/>
+              <a:t> di </a:t>
+            </a:r>
+            <a:r>
+              <a:rPr lang="en-US" sz="2000" b="1" i="1" dirty="0" err="1"/>
+              <a:t>Graduatoria</a:t>
+            </a:r>
+            <a:r>
+              <a:rPr lang="en-US" sz="2000" b="1" i="1" dirty="0"/>
               <a:t>, </a:t>
             </a:r>
             <a:r>
+              <a:rPr lang="en-US" sz="2000" dirty="0" err="1"/>
+              <a:t>conteneti</a:t>
+            </a:r>
+            <a:r>
               <a:rPr lang="en-US" sz="2000" dirty="0"/>
-              <a:t>contententi i nomi e le informazioni dei pazienti che devono sottoporsi ad un determinato </a:t>
+              <a:t> </a:t>
             </a:r>
             <a:r>
               <a:rPr lang="en-US" sz="2000" dirty="0" err="1"/>
-              <a:t>intervento</a:t>
+              <a:t>i</a:t>
             </a:r>
             <a:r>
               <a:rPr lang="en-US" sz="2000" dirty="0"/>
-              <a:t>.</a:t>
-            </a:r>
+              <a:t> </a:t>
+            </a:r>
+            <a:r>
+              <a:rPr lang="en-US" sz="2000" dirty="0" err="1"/>
+              <a:t>nomi</a:t>
+            </a:r>
+            <a:r>
+              <a:rPr lang="en-US" sz="2000" dirty="0"/>
+              <a:t> </a:t>
+            </a:r>
+            <a:r>
+              <a:rPr lang="en-US" sz="2000" dirty="0" err="1"/>
+              <a:t>delle</a:t>
+            </a:r>
+            <a:r>
+              <a:rPr lang="en-US" sz="2000" dirty="0"/>
+              <a:t> </a:t>
+            </a:r>
+            <a:r>
+              <a:rPr lang="en-US" sz="2000" dirty="0" err="1"/>
+              <a:t>persone</a:t>
+            </a:r>
+            <a:r>
+              <a:rPr lang="en-US" sz="2000" dirty="0"/>
+              <a:t> che devono </a:t>
+            </a:r>
+            <a:r>
+              <a:rPr lang="en-US" sz="2000" dirty="0" err="1"/>
+              <a:t>effettuare</a:t>
+            </a:r>
+            <a:r>
+              <a:rPr lang="en-US" sz="2000" dirty="0"/>
+              <a:t> </a:t>
+            </a:r>
+            <a:r>
+              <a:rPr lang="en-US" sz="2000" dirty="0" err="1"/>
+              <a:t>gli</a:t>
+            </a:r>
+            <a:r>
+              <a:rPr lang="en-US" sz="2000" dirty="0"/>
+              <a:t> </a:t>
+            </a:r>
+            <a:r>
+              <a:rPr lang="en-US" sz="2000" dirty="0" err="1"/>
+              <a:t>esami</a:t>
+            </a:r>
+            <a:r>
+              <a:rPr lang="en-US" sz="2000" dirty="0"/>
+              <a:t> per poi </a:t>
+            </a:r>
+            <a:r>
+              <a:rPr lang="en-US" sz="2000" dirty="0" err="1"/>
+              <a:t>sottoporsi</a:t>
+            </a:r>
+            <a:r>
+              <a:rPr lang="en-US" sz="2000" dirty="0"/>
+              <a:t> </a:t>
+            </a:r>
+            <a:r>
+              <a:rPr lang="en-US" sz="2000" dirty="0" err="1"/>
+              <a:t>all’intervento</a:t>
+            </a:r>
+            <a:r>
+              <a:rPr lang="en-US" sz="2000" dirty="0"/>
+              <a:t> </a:t>
+            </a:r>
+            <a:r>
+              <a:rPr lang="en-US" sz="2000" dirty="0" err="1"/>
+              <a:t>specifico</a:t>
+            </a:r>
+            <a:endParaRPr lang="en-US" sz="2000" b="1" i="1" dirty="0"/>
           </a:p>
           <a:p>
             <a:pPr>
@@ -25739,11 +25824,37 @@
             </a:pPr>
             <a:r>
               <a:rPr lang="en-US" sz="2000" b="1" i="1" dirty="0"/>
+              <a:t>Liste Operatorie</a:t>
+            </a:r>
+            <a:r>
+              <a:rPr lang="en-US" sz="2000" i="1" dirty="0"/>
+              <a:t>, </a:t>
+            </a:r>
+            <a:r>
+              <a:rPr lang="en-US" sz="2000" dirty="0"/>
+              <a:t>contententi i nomi e le informazioni dei pazienti che devono sottoporsi ad un determinato </a:t>
+            </a:r>
+            <a:r>
+              <a:rPr lang="en-US" sz="2000" dirty="0" err="1"/>
+              <a:t>intervento</a:t>
+            </a:r>
+            <a:r>
+              <a:rPr lang="en-US" sz="2000" dirty="0"/>
+              <a:t>.</a:t>
+            </a:r>
+          </a:p>
+          <a:p>
+            <a:pPr>
+              <a:buFont typeface="Wingdings" panose="05000000000000000000" pitchFamily="2" charset="2"/>
+              <a:buChar char="§"/>
+            </a:pPr>
+            <a:r>
+              <a:rPr lang="en-US" sz="2000" b="1" i="1" dirty="0"/>
               <a:t>Verbale dell’Intervento</a:t>
             </a:r>
             <a:r>
               <a:rPr lang="en-US" sz="2000" dirty="0"/>
-              <a:t>, dove sono riportate le modalità, i tempi e i nomi dell’equipe medica che  hanno operato sull’intervento.</a:t>
+              <a:t>, dove sono riportate le modalità, i tempi e i nomi dell’equipe medica che ha operato sull’intervento.</a:t>
             </a:r>
           </a:p>
         </p:txBody>
@@ -25775,7 +25886,7 @@
         </p:blipFill>
         <p:spPr bwMode="auto">
           <a:xfrm>
-            <a:off x="7604229" y="1799148"/>
+            <a:off x="8011668" y="1887880"/>
             <a:ext cx="3941064" cy="4404129"/>
           </a:xfrm>
           <a:prstGeom prst="rect">
@@ -30343,7 +30454,31 @@
             </a:r>
             <a:r>
               <a:rPr lang="en-US" sz="2000" dirty="0"/>
-              <a:t>.</a:t>
+              <a:t> e che soddisfasse </a:t>
+            </a:r>
+            <a:r>
+              <a:rPr lang="en-US" sz="2000" dirty="0" err="1"/>
+              <a:t>i</a:t>
+            </a:r>
+            <a:r>
+              <a:rPr lang="en-US" sz="2000" dirty="0"/>
+              <a:t> requsiti (del Sistema e </a:t>
+            </a:r>
+            <a:r>
+              <a:rPr lang="en-US" sz="2000" dirty="0" err="1"/>
+              <a:t>degli</a:t>
+            </a:r>
+            <a:r>
+              <a:rPr lang="en-US" sz="2000" dirty="0"/>
+              <a:t> </a:t>
+            </a:r>
+            <a:r>
+              <a:rPr lang="en-US" sz="2000" dirty="0" err="1"/>
+              <a:t>Utenti</a:t>
+            </a:r>
+            <a:r>
+              <a:rPr lang="en-US" sz="2000" dirty="0"/>
+              <a:t>).</a:t>
             </a:r>
           </a:p>
           <a:p>
@@ -30360,8 +30495,12 @@
           </a:p>
           <a:p>
             <a:r>
+              <a:rPr lang="en-US" sz="2000" dirty="0" err="1"/>
+              <a:t>Possibilità</a:t>
+            </a:r>
+            <a:r>
               <a:rPr lang="en-US" sz="2000" dirty="0"/>
-              <a:t>Possibilità di  non consegnare in tempo il Progetto, causa ritardo nella realizzazione delle singole parti del programma.</a:t>
+              <a:t> di non consegnare in tempo il Progetto, causa ritardo nella realizzazione delle singole parti del programma.</a:t>
             </a:r>
           </a:p>
           <a:p>
@@ -30403,7 +30542,7 @@
               </a:spcAft>
             </a:pPr>
             <a:fld id="{B5CEABB6-07DC-46E8-9B57-56EC44A396E5}" type="slidenum">
-              <a:rPr lang="en-US" sz="1800" smtClean="0"/>
+              <a:rPr lang="en-US" sz="1800" b="1" smtClean="0"/>
               <a:pPr>
                 <a:spcAft>
                   <a:spcPts val="600"/>
@@ -30411,7 +30550,7 @@
               </a:pPr>
               <a:t>3</a:t>
             </a:fld>
-            <a:endParaRPr lang="en-US" sz="1800" dirty="0"/>
+            <a:endParaRPr lang="en-US" sz="1800" b="1" dirty="0"/>
           </a:p>
         </p:txBody>
       </p:sp>
@@ -32316,7 +32455,7 @@
             </a:r>
             <a:r>
               <a:rPr lang="it-IT" sz="2000" dirty="0"/>
-              <a:t>, come strumento prescelto al coordinamento tra i membri del team e per tenere traccia di tutti i file e le modifiche apportate.</a:t>
+              <a:t> come strumento prescelto al coordinamento tra i membri del team, ma anche per tenere traccia di tutti i file e le modifiche apportate.</a:t>
             </a:r>
           </a:p>
           <a:p>
@@ -34318,7 +34457,7 @@
             </a:r>
             <a:r>
               <a:rPr lang="it-IT" sz="2000" dirty="0"/>
-              <a:t>Per valutazione del progetto o modifiche importanti sono state attivati issue corrispondenti. Le varie issue vengono affidate ad uno o a tutti i membri del team e devono essere portate a compimento, prima di essere chiuse (indicate come «completate»).</a:t>
+              <a:t>Per valutazione del progetto, risolvere bug, rispondere a determinati requisiti, sono state attivate issue corrispondenti. Le varie issue vengono affidate ad uno o a tutti i membri del team e devono essere portate a compimento, prima di essere chiuse (indicate come «completate»).</a:t>
             </a:r>
           </a:p>
           <a:p>
@@ -34345,7 +34484,7 @@
             </a:r>
             <a:r>
               <a:rPr lang="it-IT" sz="2000" dirty="0"/>
-              <a:t>le modifiche importanti o azioni di merge, sono state create delle pull request, le quali venivano approvate da tutti i membri del team oppure dallo SCRUM Master indicato per l’area di lavoro a cui la </a:t>
+              <a:t>le modifiche importanti o azioni di merge, sono state create delle pull request, le quali venivano approvate da tutti i membri del team oppure dallo SCRUM Master, indicato per l’area di lavoro a cui la </a:t>
             </a:r>
             <a:r>
               <a:rPr lang="it-IT" sz="2000" dirty="0" err="1"/>
@@ -37200,6 +37339,15 @@
 </file>
 
 <file path=customXml/item1.xml><?xml version="1.0" encoding="utf-8"?>
+<?mso-contentType ?>
+<FormTemplates xmlns="http://schemas.microsoft.com/sharepoint/v3/contenttype/forms">
+  <Display>DocumentLibraryForm</Display>
+  <Edit>DocumentLibraryForm</Edit>
+  <New>DocumentLibraryForm</New>
+</FormTemplates>
+</file>
+
+<file path=customXml/item2.xml><?xml version="1.0" encoding="utf-8"?>
 <ct:contentTypeSchema xmlns:ct="http://schemas.microsoft.com/office/2006/metadata/contentType" xmlns:ma="http://schemas.microsoft.com/office/2006/metadata/properties/metaAttributes" ct:_="" ma:_="" ma:contentTypeName="Documento" ma:contentTypeID="0x0101007CE6213B20D2F945B0D1473923EE410F" ma:contentTypeVersion="7" ma:contentTypeDescription="Creare un nuovo documento." ma:contentTypeScope="" ma:versionID="dc8ac43e96b461727accd63cf925a5cf">
   <xsd:schema xmlns:xsd="http://www.w3.org/2001/XMLSchema" xmlns:xs="http://www.w3.org/2001/XMLSchema" xmlns:p="http://schemas.microsoft.com/office/2006/metadata/properties" xmlns:ns2="243f3390-b919-40e8-8195-3613e8527352" targetNamespace="http://schemas.microsoft.com/office/2006/metadata/properties" ma:root="true" ma:fieldsID="1987007e621e1b24d40e437f012b913d" ns2:_="">
     <xsd:import namespace="243f3390-b919-40e8-8195-3613e8527352"/>
@@ -37361,15 +37509,6 @@
 </ct:contentTypeSchema>
 </file>
 
-<file path=customXml/item2.xml><?xml version="1.0" encoding="utf-8"?>
-<?mso-contentType ?>
-<FormTemplates xmlns="http://schemas.microsoft.com/sharepoint/v3/contenttype/forms">
-  <Display>DocumentLibraryForm</Display>
-  <Edit>DocumentLibraryForm</Edit>
-  <New>DocumentLibraryForm</New>
-</FormTemplates>
-</file>
-
 <file path=customXml/item3.xml><?xml version="1.0" encoding="utf-8"?>
 <p:properties xmlns:p="http://schemas.microsoft.com/office/2006/metadata/properties" xmlns:xsi="http://www.w3.org/2001/XMLSchema-instance" xmlns:pc="http://schemas.microsoft.com/office/infopath/2007/PartnerControls">
   <documentManagement/>
@@ -37377,6 +37516,14 @@
 </file>
 
 <file path=customXml/itemProps1.xml><?xml version="1.0" encoding="utf-8"?>
+<ds:datastoreItem xmlns:ds="http://schemas.openxmlformats.org/officeDocument/2006/customXml" ds:itemID="{42BC90D6-94CF-42F7-AAC4-9CF6824C54D5}">
+  <ds:schemaRefs>
+    <ds:schemaRef ds:uri="http://schemas.microsoft.com/sharepoint/v3/contenttype/forms"/>
+  </ds:schemaRefs>
+</ds:datastoreItem>
+</file>
+
+<file path=customXml/itemProps2.xml><?xml version="1.0" encoding="utf-8"?>
 <ds:datastoreItem xmlns:ds="http://schemas.openxmlformats.org/officeDocument/2006/customXml" ds:itemID="{1A503E23-9696-4358-8F00-F7F66AC755EB}">
   <ds:schemaRefs>
     <ds:schemaRef ds:uri="http://schemas.microsoft.com/office/2006/metadata/contentType"/>
@@ -37390,14 +37537,6 @@
     <ds:schemaRef ds:uri="http://purl.org/dc/elements/1.1/"/>
     <ds:schemaRef ds:uri="http://purl.org/dc/terms/"/>
     <ds:schemaRef ds:uri="http://schemas.microsoft.com/internal/obd"/>
-  </ds:schemaRefs>
-</ds:datastoreItem>
-</file>
-
-<file path=customXml/itemProps2.xml><?xml version="1.0" encoding="utf-8"?>
-<ds:datastoreItem xmlns:ds="http://schemas.openxmlformats.org/officeDocument/2006/customXml" ds:itemID="{42BC90D6-94CF-42F7-AAC4-9CF6824C54D5}">
-  <ds:schemaRefs>
-    <ds:schemaRef ds:uri="http://schemas.microsoft.com/sharepoint/v3/contenttype/forms"/>
   </ds:schemaRefs>
 </ds:datastoreItem>
 </file>

--- a/Presentazione/Presentazione_Progetto.pptx
+++ b/Presentazione/Presentazione_Progetto.pptx
@@ -169,7 +169,7 @@
 <file path=ppt/revisionInfo.xml><?xml version="1.0" encoding="utf-8"?>
 <p1510:revInfo xmlns:a="http://schemas.openxmlformats.org/drawingml/2006/main" xmlns:r="http://schemas.openxmlformats.org/officeDocument/2006/relationships" xmlns:p1510="http://schemas.microsoft.com/office/powerpoint/2015/10/main">
   <p1510:revLst>
-    <p1510:client id="{E6DC4EAA-0AC7-4D8A-9ABA-9B4C09DD8308}" v="32" dt="2024-02-23T18:27:26.724"/>
+    <p1510:client id="{E6DC4EAA-0AC7-4D8A-9ABA-9B4C09DD8308}" v="162" dt="2024-02-25T17:41:21.759"/>
   </p1510:revLst>
 </p1510:revInfo>
 </file>
@@ -179,18 +179,18 @@
   <pc:docChgLst>
     <pc:chgData name="Matteo MANGILI" userId="89c7df381375e6aa" providerId="LiveId" clId="{E6DC4EAA-0AC7-4D8A-9ABA-9B4C09DD8308}"/>
     <pc:docChg chg="undo custSel addSld delSld modSld sldOrd">
-      <pc:chgData name="Matteo MANGILI" userId="89c7df381375e6aa" providerId="LiveId" clId="{E6DC4EAA-0AC7-4D8A-9ABA-9B4C09DD8308}" dt="2024-02-23T18:27:14.016" v="962" actId="20577"/>
+      <pc:chgData name="Matteo MANGILI" userId="89c7df381375e6aa" providerId="LiveId" clId="{E6DC4EAA-0AC7-4D8A-9ABA-9B4C09DD8308}" dt="2024-02-25T17:59:57.820" v="3582" actId="22"/>
       <pc:docMkLst>
         <pc:docMk/>
       </pc:docMkLst>
-      <pc:sldChg chg="addSp modSp mod">
-        <pc:chgData name="Matteo MANGILI" userId="89c7df381375e6aa" providerId="LiveId" clId="{E6DC4EAA-0AC7-4D8A-9ABA-9B4C09DD8308}" dt="2024-02-23T17:57:38.745" v="631" actId="14100"/>
+      <pc:sldChg chg="addSp delSp modSp mod">
+        <pc:chgData name="Matteo MANGILI" userId="89c7df381375e6aa" providerId="LiveId" clId="{E6DC4EAA-0AC7-4D8A-9ABA-9B4C09DD8308}" dt="2024-02-25T16:05:38.987" v="964" actId="14100"/>
         <pc:sldMkLst>
           <pc:docMk/>
           <pc:sldMk cId="1642425379" sldId="256"/>
         </pc:sldMkLst>
         <pc:spChg chg="mod">
-          <ac:chgData name="Matteo MANGILI" userId="89c7df381375e6aa" providerId="LiveId" clId="{E6DC4EAA-0AC7-4D8A-9ABA-9B4C09DD8308}" dt="2024-02-23T17:57:07.935" v="617" actId="14100"/>
+          <ac:chgData name="Matteo MANGILI" userId="89c7df381375e6aa" providerId="LiveId" clId="{E6DC4EAA-0AC7-4D8A-9ABA-9B4C09DD8308}" dt="2024-02-25T16:05:38.987" v="964" actId="14100"/>
           <ac:spMkLst>
             <pc:docMk/>
             <pc:sldMk cId="1642425379" sldId="256"/>
@@ -205,8 +205,8 @@
             <ac:picMk id="4" creationId="{ACAE673E-0113-63B7-C455-36A2E98F59E0}"/>
           </ac:picMkLst>
         </pc:picChg>
-        <pc:picChg chg="add mod">
-          <ac:chgData name="Matteo MANGILI" userId="89c7df381375e6aa" providerId="LiveId" clId="{E6DC4EAA-0AC7-4D8A-9ABA-9B4C09DD8308}" dt="2024-02-23T17:57:38.745" v="631" actId="14100"/>
+        <pc:picChg chg="add del mod">
+          <ac:chgData name="Matteo MANGILI" userId="89c7df381375e6aa" providerId="LiveId" clId="{E6DC4EAA-0AC7-4D8A-9ABA-9B4C09DD8308}" dt="2024-02-25T16:05:35.459" v="963" actId="21"/>
           <ac:picMkLst>
             <pc:docMk/>
             <pc:sldMk cId="1642425379" sldId="256"/>
@@ -215,13 +215,13 @@
         </pc:picChg>
       </pc:sldChg>
       <pc:sldChg chg="modSp mod">
-        <pc:chgData name="Matteo MANGILI" userId="89c7df381375e6aa" providerId="LiveId" clId="{E6DC4EAA-0AC7-4D8A-9ABA-9B4C09DD8308}" dt="2024-02-23T18:01:32.816" v="780" actId="20577"/>
+        <pc:chgData name="Matteo MANGILI" userId="89c7df381375e6aa" providerId="LiveId" clId="{E6DC4EAA-0AC7-4D8A-9ABA-9B4C09DD8308}" dt="2024-02-25T16:14:26.905" v="1368" actId="20577"/>
         <pc:sldMkLst>
           <pc:docMk/>
           <pc:sldMk cId="3250768115" sldId="296"/>
         </pc:sldMkLst>
         <pc:spChg chg="mod">
-          <ac:chgData name="Matteo MANGILI" userId="89c7df381375e6aa" providerId="LiveId" clId="{E6DC4EAA-0AC7-4D8A-9ABA-9B4C09DD8308}" dt="2024-02-23T18:01:32.816" v="780" actId="20577"/>
+          <ac:chgData name="Matteo MANGILI" userId="89c7df381375e6aa" providerId="LiveId" clId="{E6DC4EAA-0AC7-4D8A-9ABA-9B4C09DD8308}" dt="2024-02-25T16:14:26.905" v="1368" actId="20577"/>
           <ac:spMkLst>
             <pc:docMk/>
             <pc:sldMk cId="3250768115" sldId="296"/>
@@ -238,13 +238,13 @@
         </pc:picChg>
       </pc:sldChg>
       <pc:sldChg chg="modSp mod">
-        <pc:chgData name="Matteo MANGILI" userId="89c7df381375e6aa" providerId="LiveId" clId="{E6DC4EAA-0AC7-4D8A-9ABA-9B4C09DD8308}" dt="2024-02-23T18:06:10.334" v="848" actId="113"/>
+        <pc:chgData name="Matteo MANGILI" userId="89c7df381375e6aa" providerId="LiveId" clId="{E6DC4EAA-0AC7-4D8A-9ABA-9B4C09DD8308}" dt="2024-02-25T16:21:24.799" v="1616" actId="1076"/>
         <pc:sldMkLst>
           <pc:docMk/>
           <pc:sldMk cId="1249612630" sldId="297"/>
         </pc:sldMkLst>
         <pc:spChg chg="mod">
-          <ac:chgData name="Matteo MANGILI" userId="89c7df381375e6aa" providerId="LiveId" clId="{E6DC4EAA-0AC7-4D8A-9ABA-9B4C09DD8308}" dt="2024-02-23T18:05:51.523" v="847" actId="20577"/>
+          <ac:chgData name="Matteo MANGILI" userId="89c7df381375e6aa" providerId="LiveId" clId="{E6DC4EAA-0AC7-4D8A-9ABA-9B4C09DD8308}" dt="2024-02-25T16:20:56.412" v="1613" actId="27636"/>
           <ac:spMkLst>
             <pc:docMk/>
             <pc:sldMk cId="1249612630" sldId="297"/>
@@ -252,7 +252,7 @@
           </ac:spMkLst>
         </pc:spChg>
         <pc:spChg chg="mod">
-          <ac:chgData name="Matteo MANGILI" userId="89c7df381375e6aa" providerId="LiveId" clId="{E6DC4EAA-0AC7-4D8A-9ABA-9B4C09DD8308}" dt="2024-02-23T18:06:10.334" v="848" actId="113"/>
+          <ac:chgData name="Matteo MANGILI" userId="89c7df381375e6aa" providerId="LiveId" clId="{E6DC4EAA-0AC7-4D8A-9ABA-9B4C09DD8308}" dt="2024-02-25T16:21:24.799" v="1616" actId="1076"/>
           <ac:spMkLst>
             <pc:docMk/>
             <pc:sldMk cId="1249612630" sldId="297"/>
@@ -261,13 +261,13 @@
         </pc:spChg>
       </pc:sldChg>
       <pc:sldChg chg="modSp mod">
-        <pc:chgData name="Matteo MANGILI" userId="89c7df381375e6aa" providerId="LiveId" clId="{E6DC4EAA-0AC7-4D8A-9ABA-9B4C09DD8308}" dt="2024-02-23T18:22:25.984" v="947" actId="20577"/>
+        <pc:chgData name="Matteo MANGILI" userId="89c7df381375e6aa" providerId="LiveId" clId="{E6DC4EAA-0AC7-4D8A-9ABA-9B4C09DD8308}" dt="2024-02-25T16:41:38.920" v="2092" actId="20577"/>
         <pc:sldMkLst>
           <pc:docMk/>
           <pc:sldMk cId="3996999348" sldId="298"/>
         </pc:sldMkLst>
         <pc:spChg chg="mod">
-          <ac:chgData name="Matteo MANGILI" userId="89c7df381375e6aa" providerId="LiveId" clId="{E6DC4EAA-0AC7-4D8A-9ABA-9B4C09DD8308}" dt="2024-02-23T18:22:25.984" v="947" actId="20577"/>
+          <ac:chgData name="Matteo MANGILI" userId="89c7df381375e6aa" providerId="LiveId" clId="{E6DC4EAA-0AC7-4D8A-9ABA-9B4C09DD8308}" dt="2024-02-25T16:41:38.920" v="2092" actId="20577"/>
           <ac:spMkLst>
             <pc:docMk/>
             <pc:sldMk cId="3996999348" sldId="298"/>
@@ -276,13 +276,13 @@
         </pc:spChg>
       </pc:sldChg>
       <pc:sldChg chg="modSp mod">
-        <pc:chgData name="Matteo MANGILI" userId="89c7df381375e6aa" providerId="LiveId" clId="{E6DC4EAA-0AC7-4D8A-9ABA-9B4C09DD8308}" dt="2024-02-23T18:27:14.016" v="962" actId="20577"/>
+        <pc:chgData name="Matteo MANGILI" userId="89c7df381375e6aa" providerId="LiveId" clId="{E6DC4EAA-0AC7-4D8A-9ABA-9B4C09DD8308}" dt="2024-02-25T17:28:18.441" v="3307" actId="20577"/>
         <pc:sldMkLst>
           <pc:docMk/>
           <pc:sldMk cId="2944479634" sldId="303"/>
         </pc:sldMkLst>
         <pc:spChg chg="mod">
-          <ac:chgData name="Matteo MANGILI" userId="89c7df381375e6aa" providerId="LiveId" clId="{E6DC4EAA-0AC7-4D8A-9ABA-9B4C09DD8308}" dt="2024-02-23T18:27:14.016" v="962" actId="20577"/>
+          <ac:chgData name="Matteo MANGILI" userId="89c7df381375e6aa" providerId="LiveId" clId="{E6DC4EAA-0AC7-4D8A-9ABA-9B4C09DD8308}" dt="2024-02-25T17:28:18.441" v="3307" actId="20577"/>
           <ac:spMkLst>
             <pc:docMk/>
             <pc:sldMk cId="2944479634" sldId="303"/>
@@ -291,13 +291,13 @@
         </pc:spChg>
       </pc:sldChg>
       <pc:sldChg chg="modSp mod">
-        <pc:chgData name="Matteo MANGILI" userId="89c7df381375e6aa" providerId="LiveId" clId="{E6DC4EAA-0AC7-4D8A-9ABA-9B4C09DD8308}" dt="2024-02-16T14:30:48.082" v="15" actId="20577"/>
+        <pc:chgData name="Matteo MANGILI" userId="89c7df381375e6aa" providerId="LiveId" clId="{E6DC4EAA-0AC7-4D8A-9ABA-9B4C09DD8308}" dt="2024-02-25T17:43:15.581" v="3549" actId="5793"/>
         <pc:sldMkLst>
           <pc:docMk/>
           <pc:sldMk cId="42136755" sldId="307"/>
         </pc:sldMkLst>
         <pc:spChg chg="mod">
-          <ac:chgData name="Matteo MANGILI" userId="89c7df381375e6aa" providerId="LiveId" clId="{E6DC4EAA-0AC7-4D8A-9ABA-9B4C09DD8308}" dt="2024-02-16T14:30:48.082" v="15" actId="20577"/>
+          <ac:chgData name="Matteo MANGILI" userId="89c7df381375e6aa" providerId="LiveId" clId="{E6DC4EAA-0AC7-4D8A-9ABA-9B4C09DD8308}" dt="2024-02-25T17:43:15.581" v="3549" actId="5793"/>
           <ac:spMkLst>
             <pc:docMk/>
             <pc:sldMk cId="42136755" sldId="307"/>
@@ -306,13 +306,13 @@
         </pc:spChg>
       </pc:sldChg>
       <pc:sldChg chg="modSp mod">
-        <pc:chgData name="Matteo MANGILI" userId="89c7df381375e6aa" providerId="LiveId" clId="{E6DC4EAA-0AC7-4D8A-9ABA-9B4C09DD8308}" dt="2024-02-23T18:25:33.764" v="959" actId="20577"/>
+        <pc:chgData name="Matteo MANGILI" userId="89c7df381375e6aa" providerId="LiveId" clId="{E6DC4EAA-0AC7-4D8A-9ABA-9B4C09DD8308}" dt="2024-02-25T17:09:14.935" v="3079" actId="20577"/>
         <pc:sldMkLst>
           <pc:docMk/>
           <pc:sldMk cId="1581940243" sldId="309"/>
         </pc:sldMkLst>
         <pc:spChg chg="mod">
-          <ac:chgData name="Matteo MANGILI" userId="89c7df381375e6aa" providerId="LiveId" clId="{E6DC4EAA-0AC7-4D8A-9ABA-9B4C09DD8308}" dt="2024-02-23T18:25:33.764" v="959" actId="20577"/>
+          <ac:chgData name="Matteo MANGILI" userId="89c7df381375e6aa" providerId="LiveId" clId="{E6DC4EAA-0AC7-4D8A-9ABA-9B4C09DD8308}" dt="2024-02-25T17:09:14.935" v="3079" actId="20577"/>
           <ac:spMkLst>
             <pc:docMk/>
             <pc:sldMk cId="1581940243" sldId="309"/>
@@ -321,13 +321,13 @@
         </pc:spChg>
       </pc:sldChg>
       <pc:sldChg chg="modSp mod">
-        <pc:chgData name="Matteo MANGILI" userId="89c7df381375e6aa" providerId="LiveId" clId="{E6DC4EAA-0AC7-4D8A-9ABA-9B4C09DD8308}" dt="2024-02-23T18:24:24.447" v="957" actId="20577"/>
+        <pc:chgData name="Matteo MANGILI" userId="89c7df381375e6aa" providerId="LiveId" clId="{E6DC4EAA-0AC7-4D8A-9ABA-9B4C09DD8308}" dt="2024-02-25T17:10:39.082" v="3081" actId="20577"/>
         <pc:sldMkLst>
           <pc:docMk/>
           <pc:sldMk cId="3576197673" sldId="313"/>
         </pc:sldMkLst>
         <pc:graphicFrameChg chg="modGraphic">
-          <ac:chgData name="Matteo MANGILI" userId="89c7df381375e6aa" providerId="LiveId" clId="{E6DC4EAA-0AC7-4D8A-9ABA-9B4C09DD8308}" dt="2024-02-23T18:24:24.447" v="957" actId="20577"/>
+          <ac:chgData name="Matteo MANGILI" userId="89c7df381375e6aa" providerId="LiveId" clId="{E6DC4EAA-0AC7-4D8A-9ABA-9B4C09DD8308}" dt="2024-02-25T17:10:39.082" v="3081" actId="20577"/>
           <ac:graphicFrameMkLst>
             <pc:docMk/>
             <pc:sldMk cId="3576197673" sldId="313"/>
@@ -336,7 +336,7 @@
         </pc:graphicFrameChg>
       </pc:sldChg>
       <pc:sldChg chg="addSp delSp modSp mod">
-        <pc:chgData name="Matteo MANGILI" userId="89c7df381375e6aa" providerId="LiveId" clId="{E6DC4EAA-0AC7-4D8A-9ABA-9B4C09DD8308}" dt="2024-02-19T21:08:45.634" v="20" actId="1076"/>
+        <pc:chgData name="Matteo MANGILI" userId="89c7df381375e6aa" providerId="LiveId" clId="{E6DC4EAA-0AC7-4D8A-9ABA-9B4C09DD8308}" dt="2024-02-25T17:40:12.090" v="3460" actId="1076"/>
         <pc:sldMkLst>
           <pc:docMk/>
           <pc:sldMk cId="2994462458" sldId="314"/>
@@ -349,6 +349,14 @@
             <ac:spMk id="4" creationId="{1382BF33-D4C3-1609-FA12-EC09BEED9465}"/>
           </ac:spMkLst>
         </pc:spChg>
+        <pc:picChg chg="add mod">
+          <ac:chgData name="Matteo MANGILI" userId="89c7df381375e6aa" providerId="LiveId" clId="{E6DC4EAA-0AC7-4D8A-9ABA-9B4C09DD8308}" dt="2024-02-25T17:40:12.090" v="3460" actId="1076"/>
+          <ac:picMkLst>
+            <pc:docMk/>
+            <pc:sldMk cId="2994462458" sldId="314"/>
+            <ac:picMk id="4" creationId="{FBBF433F-AF38-288E-6DBA-F555A48DC93B}"/>
+          </ac:picMkLst>
+        </pc:picChg>
         <pc:picChg chg="add mod ord">
           <ac:chgData name="Matteo MANGILI" userId="89c7df381375e6aa" providerId="LiveId" clId="{E6DC4EAA-0AC7-4D8A-9ABA-9B4C09DD8308}" dt="2024-02-19T21:08:45.634" v="20" actId="1076"/>
           <ac:picMkLst>
@@ -363,6 +371,14 @@
             <pc:docMk/>
             <pc:sldMk cId="2994462458" sldId="314"/>
             <ac:picMk id="9" creationId="{D632F88F-B7F1-FCF1-6B5E-D9317E32DE52}"/>
+          </ac:picMkLst>
+        </pc:picChg>
+        <pc:picChg chg="del">
+          <ac:chgData name="Matteo MANGILI" userId="89c7df381375e6aa" providerId="LiveId" clId="{E6DC4EAA-0AC7-4D8A-9ABA-9B4C09DD8308}" dt="2024-02-25T17:39:33.595" v="3458" actId="21"/>
+          <ac:picMkLst>
+            <pc:docMk/>
+            <pc:sldMk cId="2994462458" sldId="314"/>
+            <ac:picMk id="15" creationId="{38829EC7-B73C-44B8-D4CD-DEEE234C82B3}"/>
           </ac:picMkLst>
         </pc:picChg>
       </pc:sldChg>
@@ -429,14 +445,92 @@
           </ac:picMkLst>
         </pc:picChg>
       </pc:sldChg>
+      <pc:sldChg chg="addSp delSp modSp mod">
+        <pc:chgData name="Matteo MANGILI" userId="89c7df381375e6aa" providerId="LiveId" clId="{E6DC4EAA-0AC7-4D8A-9ABA-9B4C09DD8308}" dt="2024-02-25T17:59:57.820" v="3582" actId="22"/>
+        <pc:sldMkLst>
+          <pc:docMk/>
+          <pc:sldMk cId="1841377636" sldId="316"/>
+        </pc:sldMkLst>
+        <pc:spChg chg="add del mod">
+          <ac:chgData name="Matteo MANGILI" userId="89c7df381375e6aa" providerId="LiveId" clId="{E6DC4EAA-0AC7-4D8A-9ABA-9B4C09DD8308}" dt="2024-02-25T17:58:34.049" v="3551" actId="22"/>
+          <ac:spMkLst>
+            <pc:docMk/>
+            <pc:sldMk cId="1841377636" sldId="316"/>
+            <ac:spMk id="5" creationId="{B0F0725A-54BB-AA7A-BD20-927905CD1E60}"/>
+          </ac:spMkLst>
+        </pc:spChg>
+        <pc:spChg chg="add del mod">
+          <ac:chgData name="Matteo MANGILI" userId="89c7df381375e6aa" providerId="LiveId" clId="{E6DC4EAA-0AC7-4D8A-9ABA-9B4C09DD8308}" dt="2024-02-25T17:59:57.820" v="3582" actId="22"/>
+          <ac:spMkLst>
+            <pc:docMk/>
+            <pc:sldMk cId="1841377636" sldId="316"/>
+            <ac:spMk id="12" creationId="{D461A849-27D5-5209-4189-BF5F810E0B04}"/>
+          </ac:spMkLst>
+        </pc:spChg>
+        <pc:picChg chg="del">
+          <ac:chgData name="Matteo MANGILI" userId="89c7df381375e6aa" providerId="LiveId" clId="{E6DC4EAA-0AC7-4D8A-9ABA-9B4C09DD8308}" dt="2024-02-25T17:58:27.374" v="3550" actId="21"/>
+          <ac:picMkLst>
+            <pc:docMk/>
+            <pc:sldMk cId="1841377636" sldId="316"/>
+            <ac:picMk id="4" creationId="{64E682A3-C286-B7AC-4CF1-DE3330AAF832}"/>
+          </ac:picMkLst>
+        </pc:picChg>
+        <pc:picChg chg="add del mod ord">
+          <ac:chgData name="Matteo MANGILI" userId="89c7df381375e6aa" providerId="LiveId" clId="{E6DC4EAA-0AC7-4D8A-9ABA-9B4C09DD8308}" dt="2024-02-25T17:58:47.051" v="3581" actId="21"/>
+          <ac:picMkLst>
+            <pc:docMk/>
+            <pc:sldMk cId="1841377636" sldId="316"/>
+            <ac:picMk id="8" creationId="{5B6410A3-8AD2-C16C-DFA9-BABF18DEF8C4}"/>
+          </ac:picMkLst>
+        </pc:picChg>
+        <pc:picChg chg="add mod ord">
+          <ac:chgData name="Matteo MANGILI" userId="89c7df381375e6aa" providerId="LiveId" clId="{E6DC4EAA-0AC7-4D8A-9ABA-9B4C09DD8308}" dt="2024-02-25T17:59:57.820" v="3582" actId="22"/>
+          <ac:picMkLst>
+            <pc:docMk/>
+            <pc:sldMk cId="1841377636" sldId="316"/>
+            <ac:picMk id="15" creationId="{07B11D30-AEBE-76A2-6929-70D4FF1B76BF}"/>
+          </ac:picMkLst>
+        </pc:picChg>
+      </pc:sldChg>
       <pc:sldChg chg="modSp mod">
-        <pc:chgData name="Matteo MANGILI" userId="89c7df381375e6aa" providerId="LiveId" clId="{E6DC4EAA-0AC7-4D8A-9ABA-9B4C09DD8308}" dt="2024-02-23T18:12:19.786" v="865" actId="20577"/>
+        <pc:chgData name="Matteo MANGILI" userId="89c7df381375e6aa" providerId="LiveId" clId="{E6DC4EAA-0AC7-4D8A-9ABA-9B4C09DD8308}" dt="2024-02-25T17:00:07.800" v="2751" actId="255"/>
+        <pc:sldMkLst>
+          <pc:docMk/>
+          <pc:sldMk cId="1634375711" sldId="317"/>
+        </pc:sldMkLst>
+        <pc:spChg chg="mod">
+          <ac:chgData name="Matteo MANGILI" userId="89c7df381375e6aa" providerId="LiveId" clId="{E6DC4EAA-0AC7-4D8A-9ABA-9B4C09DD8308}" dt="2024-02-25T17:00:07.800" v="2751" actId="255"/>
+          <ac:spMkLst>
+            <pc:docMk/>
+            <pc:sldMk cId="1634375711" sldId="317"/>
+            <ac:spMk id="3" creationId="{C091BD2F-CDA6-C472-7A74-9AFC99D67D26}"/>
+          </ac:spMkLst>
+        </pc:spChg>
+        <pc:spChg chg="mod">
+          <ac:chgData name="Matteo MANGILI" userId="89c7df381375e6aa" providerId="LiveId" clId="{E6DC4EAA-0AC7-4D8A-9ABA-9B4C09DD8308}" dt="2024-02-25T16:52:48.501" v="2243" actId="14100"/>
+          <ac:spMkLst>
+            <pc:docMk/>
+            <pc:sldMk cId="1634375711" sldId="317"/>
+            <ac:spMk id="82" creationId="{CE36A058-BEC2-4BC5-A467-F2EB2A365051}"/>
+          </ac:spMkLst>
+        </pc:spChg>
+        <pc:graphicFrameChg chg="mod modGraphic">
+          <ac:chgData name="Matteo MANGILI" userId="89c7df381375e6aa" providerId="LiveId" clId="{E6DC4EAA-0AC7-4D8A-9ABA-9B4C09DD8308}" dt="2024-02-25T16:54:51.013" v="2249" actId="255"/>
+          <ac:graphicFrameMkLst>
+            <pc:docMk/>
+            <pc:sldMk cId="1634375711" sldId="317"/>
+            <ac:graphicFrameMk id="6" creationId="{D4C19112-8E86-20DC-4B1E-612DCB806B9E}"/>
+          </ac:graphicFrameMkLst>
+        </pc:graphicFrameChg>
+      </pc:sldChg>
+      <pc:sldChg chg="modSp mod">
+        <pc:chgData name="Matteo MANGILI" userId="89c7df381375e6aa" providerId="LiveId" clId="{E6DC4EAA-0AC7-4D8A-9ABA-9B4C09DD8308}" dt="2024-02-25T16:31:09.390" v="1712" actId="20577"/>
         <pc:sldMkLst>
           <pc:docMk/>
           <pc:sldMk cId="112244765" sldId="318"/>
         </pc:sldMkLst>
         <pc:spChg chg="mod">
-          <ac:chgData name="Matteo MANGILI" userId="89c7df381375e6aa" providerId="LiveId" clId="{E6DC4EAA-0AC7-4D8A-9ABA-9B4C09DD8308}" dt="2024-02-23T18:12:19.786" v="865" actId="20577"/>
+          <ac:chgData name="Matteo MANGILI" userId="89c7df381375e6aa" providerId="LiveId" clId="{E6DC4EAA-0AC7-4D8A-9ABA-9B4C09DD8308}" dt="2024-02-25T16:31:09.390" v="1712" actId="20577"/>
           <ac:spMkLst>
             <pc:docMk/>
             <pc:sldMk cId="112244765" sldId="318"/>
@@ -445,19 +539,57 @@
         </pc:spChg>
       </pc:sldChg>
       <pc:sldChg chg="modSp mod">
-        <pc:chgData name="Matteo MANGILI" userId="89c7df381375e6aa" providerId="LiveId" clId="{E6DC4EAA-0AC7-4D8A-9ABA-9B4C09DD8308}" dt="2024-02-19T17:32:10.239" v="16" actId="113"/>
+        <pc:chgData name="Matteo MANGILI" userId="89c7df381375e6aa" providerId="LiveId" clId="{E6DC4EAA-0AC7-4D8A-9ABA-9B4C09DD8308}" dt="2024-02-25T16:49:38.880" v="2240" actId="20577"/>
         <pc:sldMkLst>
           <pc:docMk/>
           <pc:sldMk cId="762597572" sldId="319"/>
         </pc:sldMkLst>
         <pc:spChg chg="mod">
-          <ac:chgData name="Matteo MANGILI" userId="89c7df381375e6aa" providerId="LiveId" clId="{E6DC4EAA-0AC7-4D8A-9ABA-9B4C09DD8308}" dt="2024-02-19T17:32:10.239" v="16" actId="113"/>
+          <ac:chgData name="Matteo MANGILI" userId="89c7df381375e6aa" providerId="LiveId" clId="{E6DC4EAA-0AC7-4D8A-9ABA-9B4C09DD8308}" dt="2024-02-25T16:49:38.880" v="2240" actId="20577"/>
           <ac:spMkLst>
             <pc:docMk/>
             <pc:sldMk cId="762597572" sldId="319"/>
             <ac:spMk id="5" creationId="{4C2922B9-05A6-2851-4268-32FCA9934BC2}"/>
           </ac:spMkLst>
         </pc:spChg>
+      </pc:sldChg>
+      <pc:sldChg chg="modSp mod">
+        <pc:chgData name="Matteo MANGILI" userId="89c7df381375e6aa" providerId="LiveId" clId="{E6DC4EAA-0AC7-4D8A-9ABA-9B4C09DD8308}" dt="2024-02-25T17:22:51.819" v="3124" actId="20577"/>
+        <pc:sldMkLst>
+          <pc:docMk/>
+          <pc:sldMk cId="3754641538" sldId="320"/>
+        </pc:sldMkLst>
+        <pc:spChg chg="mod">
+          <ac:chgData name="Matteo MANGILI" userId="89c7df381375e6aa" providerId="LiveId" clId="{E6DC4EAA-0AC7-4D8A-9ABA-9B4C09DD8308}" dt="2024-02-25T17:22:51.819" v="3124" actId="20577"/>
+          <ac:spMkLst>
+            <pc:docMk/>
+            <pc:sldMk cId="3754641538" sldId="320"/>
+            <ac:spMk id="19" creationId="{8B9F0681-6C98-C87F-B39F-F7A05657163C}"/>
+          </ac:spMkLst>
+        </pc:spChg>
+      </pc:sldChg>
+      <pc:sldChg chg="modSp mod">
+        <pc:chgData name="Matteo MANGILI" userId="89c7df381375e6aa" providerId="LiveId" clId="{E6DC4EAA-0AC7-4D8A-9ABA-9B4C09DD8308}" dt="2024-02-25T17:36:13.896" v="3387" actId="20577"/>
+        <pc:sldMkLst>
+          <pc:docMk/>
+          <pc:sldMk cId="3518618096" sldId="321"/>
+        </pc:sldMkLst>
+        <pc:spChg chg="mod">
+          <ac:chgData name="Matteo MANGILI" userId="89c7df381375e6aa" providerId="LiveId" clId="{E6DC4EAA-0AC7-4D8A-9ABA-9B4C09DD8308}" dt="2024-02-25T17:36:13.896" v="3387" actId="20577"/>
+          <ac:spMkLst>
+            <pc:docMk/>
+            <pc:sldMk cId="3518618096" sldId="321"/>
+            <ac:spMk id="7" creationId="{1BFAFA53-B5DB-7FF0-D80B-1D38652788B6}"/>
+          </ac:spMkLst>
+        </pc:spChg>
+        <pc:picChg chg="mod">
+          <ac:chgData name="Matteo MANGILI" userId="89c7df381375e6aa" providerId="LiveId" clId="{E6DC4EAA-0AC7-4D8A-9ABA-9B4C09DD8308}" dt="2024-02-25T17:35:20.429" v="3363" actId="1076"/>
+          <ac:picMkLst>
+            <pc:docMk/>
+            <pc:sldMk cId="3518618096" sldId="321"/>
+            <ac:picMk id="5" creationId="{936CDABC-6D16-BB2F-AB96-5B351ADDECE5}"/>
+          </ac:picMkLst>
+        </pc:picChg>
       </pc:sldChg>
       <pc:sldChg chg="addSp delSp modSp add mod ord">
         <pc:chgData name="Matteo MANGILI" userId="89c7df381375e6aa" providerId="LiveId" clId="{E6DC4EAA-0AC7-4D8A-9ABA-9B4C09DD8308}" dt="2024-02-21T11:03:31.003" v="286" actId="20577"/>
@@ -1291,7 +1423,7 @@
             <a:pPr rtl="0"/>
             <a:fld id="{DBC54730-5EBA-4920-A6C4-7F8458A7F940}" type="datetime1">
               <a:rPr lang="it-IT" smtClean="0"/>
-              <a:t>23/02/2024</a:t>
+              <a:t>25/02/2024</a:t>
             </a:fld>
             <a:endParaRPr lang="it-IT" dirty="0"/>
           </a:p>
@@ -1473,7 +1605,7 @@
             <a:fld id="{85EC1C34-318D-43A8-83F5-3AC8647FE75E}" type="datetime1">
               <a:rPr lang="it-IT" smtClean="0"/>
               <a:pPr/>
-              <a:t>23/02/2024</a:t>
+              <a:t>25/02/2024</a:t>
             </a:fld>
             <a:endParaRPr lang="it-IT" dirty="0"/>
           </a:p>
@@ -14576,7 +14708,7 @@
         <p:spPr>
           <a:xfrm>
             <a:off x="838200" y="3283668"/>
-            <a:ext cx="4004388" cy="3415712"/>
+            <a:ext cx="11170298" cy="3415712"/>
           </a:xfrm>
         </p:spPr>
         <p:txBody>
@@ -14630,36 +14762,6 @@
           </a:p>
         </p:txBody>
       </p:sp>
-      <p:pic>
-        <p:nvPicPr>
-          <p:cNvPr id="5" name="Immagine 4">
-            <a:extLst>
-              <a:ext uri="{FF2B5EF4-FFF2-40B4-BE49-F238E27FC236}">
-                <a16:creationId xmlns:a16="http://schemas.microsoft.com/office/drawing/2014/main" id="{06FE8080-EB40-19AA-31EE-18CFBFECA151}"/>
-              </a:ext>
-            </a:extLst>
-          </p:cNvPr>
-          <p:cNvPicPr>
-            <a:picLocks noChangeAspect="1"/>
-          </p:cNvPicPr>
-          <p:nvPr/>
-        </p:nvPicPr>
-        <p:blipFill>
-          <a:blip r:embed="rId3"/>
-          <a:stretch>
-            <a:fillRect/>
-          </a:stretch>
-        </p:blipFill>
-        <p:spPr>
-          <a:xfrm>
-            <a:off x="5760297" y="3429000"/>
-            <a:ext cx="4320000" cy="3240000"/>
-          </a:xfrm>
-          <a:prstGeom prst="rect">
-            <a:avLst/>
-          </a:prstGeom>
-        </p:spPr>
-      </p:pic>
     </p:spTree>
     <p:extLst>
       <p:ext uri="{BB962C8B-B14F-4D97-AF65-F5344CB8AC3E}">
@@ -15453,8 +15555,8 @@
         </p:nvSpPr>
         <p:spPr>
           <a:xfrm>
-            <a:off x="8610600" y="6248400"/>
-            <a:ext cx="2743200" cy="473075"/>
+            <a:off x="11522963" y="6338130"/>
+            <a:ext cx="521301" cy="473075"/>
           </a:xfrm>
         </p:spPr>
         <p:txBody>
@@ -15497,14 +15599,14 @@
             <p:ph idx="1"/>
             <p:extLst>
               <p:ext uri="{D42A27DB-BD31-4B8C-83A1-F6EECF244321}">
-                <p14:modId xmlns:p14="http://schemas.microsoft.com/office/powerpoint/2010/main" val="220860933"/>
+                <p14:modId xmlns:p14="http://schemas.microsoft.com/office/powerpoint/2010/main" val="3729470672"/>
               </p:ext>
             </p:extLst>
           </p:nvPr>
         </p:nvGraphicFramePr>
         <p:xfrm>
-          <a:off x="648820" y="1946923"/>
-          <a:ext cx="10515597" cy="2011680"/>
+          <a:off x="648820" y="1772816"/>
+          <a:ext cx="10515597" cy="1947843"/>
         </p:xfrm>
         <a:graphic>
           <a:graphicData uri="http://schemas.openxmlformats.org/drawingml/2006/table">
@@ -15535,7 +15637,7 @@
                   </a:extLst>
                 </a:gridCol>
               </a:tblGrid>
-              <a:tr h="370840">
+              <a:tr h="380582">
                 <a:tc>
                   <a:txBody>
                     <a:bodyPr/>
@@ -15581,7 +15683,7 @@
                   </a:ext>
                 </a:extLst>
               </a:tr>
-              <a:tr h="370840">
+              <a:tr h="1551603">
                 <a:tc>
                   <a:txBody>
                     <a:bodyPr/>
@@ -15592,7 +15694,7 @@
                         <a:buChar char="•"/>
                       </a:pPr>
                       <a:r>
-                        <a:rPr lang="it-IT" sz="2000" dirty="0"/>
+                        <a:rPr lang="it-IT" sz="1900" dirty="0"/>
                         <a:t>Reliability</a:t>
                       </a:r>
                     </a:p>
@@ -15602,7 +15704,7 @@
                         <a:buChar char="•"/>
                       </a:pPr>
                       <a:r>
-                        <a:rPr lang="it-IT" sz="2000" dirty="0"/>
+                        <a:rPr lang="it-IT" sz="1900" dirty="0"/>
                         <a:t>Efficiency</a:t>
                       </a:r>
                     </a:p>
@@ -15612,7 +15714,7 @@
                         <a:buChar char="•"/>
                       </a:pPr>
                       <a:r>
-                        <a:rPr lang="it-IT" sz="2000" dirty="0"/>
+                        <a:rPr lang="it-IT" sz="1900" dirty="0"/>
                         <a:t>Integrity</a:t>
                       </a:r>
                     </a:p>
@@ -15622,7 +15724,7 @@
                         <a:buChar char="•"/>
                       </a:pPr>
                       <a:r>
-                        <a:rPr lang="it-IT" sz="2000" dirty="0"/>
+                        <a:rPr lang="it-IT" sz="1900" dirty="0"/>
                         <a:t>Usability</a:t>
                       </a:r>
                     </a:p>
@@ -15632,7 +15734,7 @@
                         <a:buChar char="•"/>
                       </a:pPr>
                       <a:r>
-                        <a:rPr lang="it-IT" sz="2000" dirty="0"/>
+                        <a:rPr lang="it-IT" sz="1900" dirty="0"/>
                         <a:t>Correctness</a:t>
                       </a:r>
                     </a:p>
@@ -15649,7 +15751,7 @@
                         <a:buChar char="•"/>
                       </a:pPr>
                       <a:r>
-                        <a:rPr lang="it-IT" sz="2000" dirty="0"/>
+                        <a:rPr lang="it-IT" sz="1900" dirty="0"/>
                         <a:t>Maintainability</a:t>
                       </a:r>
                     </a:p>
@@ -15659,7 +15761,7 @@
                         <a:buChar char="•"/>
                       </a:pPr>
                       <a:r>
-                        <a:rPr lang="it-IT" sz="2000" dirty="0"/>
+                        <a:rPr lang="it-IT" sz="1900" dirty="0"/>
                         <a:t>Testability</a:t>
                       </a:r>
                     </a:p>
@@ -15669,7 +15771,7 @@
                         <a:buChar char="•"/>
                       </a:pPr>
                       <a:r>
-                        <a:rPr lang="it-IT" sz="2000" dirty="0"/>
+                        <a:rPr lang="it-IT" sz="1900" dirty="0"/>
                         <a:t>Flexibility</a:t>
                       </a:r>
                     </a:p>
@@ -15686,7 +15788,7 @@
                         <a:buChar char="•"/>
                       </a:pPr>
                       <a:r>
-                        <a:rPr lang="it-IT" sz="2000" dirty="0"/>
+                        <a:rPr lang="it-IT" sz="1900" dirty="0"/>
                         <a:t>Portability</a:t>
                       </a:r>
                     </a:p>
@@ -15696,7 +15798,7 @@
                         <a:buChar char="•"/>
                       </a:pPr>
                       <a:r>
-                        <a:rPr lang="it-IT" sz="2000" dirty="0"/>
+                        <a:rPr lang="it-IT" sz="1900" dirty="0"/>
                         <a:t>Reusability</a:t>
                       </a:r>
                     </a:p>
@@ -15706,7 +15808,7 @@
                         <a:buChar char="•"/>
                       </a:pPr>
                       <a:r>
-                        <a:rPr lang="it-IT" sz="2000" dirty="0"/>
+                        <a:rPr lang="it-IT" sz="1900" dirty="0"/>
                         <a:t>Interoperability</a:t>
                       </a:r>
                     </a:p>
@@ -15737,8 +15839,8 @@
         </p:nvSpPr>
         <p:spPr>
           <a:xfrm>
-            <a:off x="648819" y="4209865"/>
-            <a:ext cx="10515597" cy="2554545"/>
+            <a:off x="648819" y="3741079"/>
+            <a:ext cx="10515597" cy="3016210"/>
           </a:xfrm>
           <a:prstGeom prst="rect">
             <a:avLst/>
@@ -15752,53 +15854,62 @@
           <a:lstStyle/>
           <a:p>
             <a:r>
-              <a:rPr lang="it-IT" sz="2000" dirty="0"/>
+              <a:rPr lang="it-IT" sz="1900" dirty="0"/>
               <a:t>La qualità del software è definita come «il grado in cui il sistema soddisfa le esigenze/aspettative del cliente». I criteri di qualità possono essere misurati </a:t>
             </a:r>
             <a:r>
-              <a:rPr lang="it-IT" sz="2000" i="1" dirty="0"/>
+              <a:rPr lang="it-IT" sz="1900" i="1" dirty="0"/>
               <a:t>soggettivamente</a:t>
             </a:r>
             <a:r>
-              <a:rPr lang="it-IT" sz="2000" dirty="0"/>
+              <a:rPr lang="it-IT" sz="1900" dirty="0"/>
               <a:t> o </a:t>
             </a:r>
             <a:r>
-              <a:rPr lang="it-IT" sz="2000" i="1" dirty="0"/>
+              <a:rPr lang="it-IT" sz="1900" i="1" dirty="0"/>
               <a:t>oggettivamente</a:t>
             </a:r>
             <a:r>
-              <a:rPr lang="it-IT" sz="2000" dirty="0"/>
+              <a:rPr lang="it-IT" sz="1900" dirty="0"/>
               <a:t>, al fine di ottenere una misura complessiva dell’intero grado di qualità del software, e possono essere </a:t>
             </a:r>
             <a:r>
-              <a:rPr lang="it-IT" sz="2000" i="1" dirty="0"/>
+              <a:rPr lang="it-IT" sz="1900" i="1" dirty="0"/>
               <a:t>interni</a:t>
             </a:r>
             <a:r>
-              <a:rPr lang="it-IT" sz="2000" dirty="0"/>
+              <a:rPr lang="it-IT" sz="1900" dirty="0"/>
               <a:t> o </a:t>
             </a:r>
             <a:r>
-              <a:rPr lang="it-IT" sz="2000" i="1" dirty="0"/>
+              <a:rPr lang="it-IT" sz="1900" i="1" dirty="0"/>
               <a:t>esterni </a:t>
             </a:r>
             <a:r>
-              <a:rPr lang="it-IT" sz="2000" dirty="0"/>
+              <a:rPr lang="it-IT" sz="1900" dirty="0"/>
               <a:t>(rispettivamente, se rispondono alle esigenze degli sviluppatori o dell’utente finale). </a:t>
             </a:r>
           </a:p>
           <a:p>
             <a:r>
-              <a:rPr lang="it-IT" sz="2000" dirty="0"/>
+              <a:rPr lang="it-IT" sz="1900" dirty="0"/>
               <a:t>Il team si è impegnato a rispondere ai requisiti di qualità tassonomici di McCall.</a:t>
             </a:r>
           </a:p>
           <a:p>
             <a:r>
-              <a:rPr lang="it-IT" sz="2000" dirty="0"/>
-              <a:t>I diversi parametri per la valutazione della qualità vengono suddivisi in tre categorie, che rispondono ad un determinato criterio di valutazione (a loro volta i singoli parametri rispondono a diverse domande, tutte inerenti a quello specifico criterio).</a:t>
-            </a:r>
+              <a:rPr lang="it-IT" sz="1900" dirty="0"/>
+              <a:t>I diversi parametri per la valutazione della qualità vengono suddivisi in tre categorie, che rispondono ad un determinato criterio di valutazione (a loro volta i singoli parametri rispondono a diverse domande, tutte inerenti a quello specifico criterio). L’attenzione è rivolta in particolare al </a:t>
+            </a:r>
+            <a:r>
+              <a:rPr lang="it-IT" sz="1900" i="1" dirty="0"/>
+              <a:t>funzionamento e revisione del prodotto</a:t>
+            </a:r>
+            <a:r>
+              <a:rPr lang="it-IT" sz="1900" dirty="0"/>
+              <a:t>: l’obiettivo è far funzionare il programma, facendo in modo che risponda a tutti i requisiti, anche se non è possibile fare previsioni circa la commercializzazione del sistema.</a:t>
+            </a:r>
+            <a:endParaRPr lang="it-IT" sz="1900" i="1" dirty="0"/>
           </a:p>
         </p:txBody>
       </p:sp>
@@ -16592,8 +16703,8 @@
         </p:nvSpPr>
         <p:spPr>
           <a:xfrm>
-            <a:off x="499872" y="1929384"/>
-            <a:ext cx="10853928" cy="4648698"/>
+            <a:off x="499872" y="1929383"/>
+            <a:ext cx="10853928" cy="4792091"/>
           </a:xfrm>
         </p:spPr>
         <p:txBody>
@@ -16615,7 +16726,7 @@
               <a:rPr lang="en-US" sz="2300" b="1" dirty="0">
                 <a:cs typeface="Calibri"/>
               </a:rPr>
-              <a:t>Elicitazione dei rquisiti</a:t>
+              <a:t>Elicitazione dei requisiti</a:t>
             </a:r>
             <a:r>
               <a:rPr lang="en-US" sz="2300" dirty="0">
@@ -16629,11 +16740,40 @@
               </a:rPr>
               <a:t>. </a:t>
             </a:r>
+          </a:p>
+          <a:p>
+            <a:pPr marL="0" indent="0">
+              <a:buNone/>
+            </a:pPr>
             <a:r>
               <a:rPr lang="en-US" sz="2300" dirty="0">
                 <a:cs typeface="Calibri"/>
               </a:rPr>
-              <a:t>Successivamente, i requisiti vengono riconosciuti per la loro importanza e ruolo rispetto alla natura del progetto (</a:t>
+              <a:t>Una volta descritto il problema (</a:t>
+            </a:r>
+            <a:r>
+              <a:rPr lang="en-US" sz="2300" b="1" dirty="0">
+                <a:cs typeface="Calibri"/>
+              </a:rPr>
+              <a:t>Specifica dei Requisiti</a:t>
+            </a:r>
+            <a:r>
+              <a:rPr lang="en-US" sz="2300" dirty="0">
+                <a:cs typeface="Calibri"/>
+              </a:rPr>
+              <a:t>)</a:t>
+            </a:r>
+            <a:r>
+              <a:rPr lang="en-US" sz="2300" b="1" dirty="0">
+                <a:cs typeface="Calibri"/>
+              </a:rPr>
+              <a:t>,</a:t>
+            </a:r>
+            <a:r>
+              <a:rPr lang="en-US" sz="2300" dirty="0">
+                <a:cs typeface="Calibri"/>
+              </a:rPr>
+              <a:t> i requisiti devono essere valutati per la loro importanza e ruolo rispetto alla natura del progetto (</a:t>
             </a:r>
             <a:r>
               <a:rPr lang="en-US" sz="2300" i="1" dirty="0">
@@ -16651,37 +16791,81 @@
               <a:rPr lang="en-US" sz="2300" i="1" dirty="0">
                 <a:cs typeface="Calibri"/>
               </a:rPr>
-              <a:t>Validazione, i</a:t>
+              <a:t>Validazione, </a:t>
             </a:r>
             <a:r>
               <a:rPr lang="en-US" sz="2300" dirty="0">
                 <a:cs typeface="Calibri"/>
               </a:rPr>
-              <a:t> requisiti rispettano le richieste d’utente).</a:t>
-            </a:r>
-            <a:endParaRPr lang="en-US" sz="2300" b="1" dirty="0">
-              <a:cs typeface="Calibri"/>
-            </a:endParaRPr>
+              <a:t>i</a:t>
+            </a:r>
+            <a:r>
+              <a:rPr lang="en-US" sz="2300" i="1" dirty="0">
+                <a:cs typeface="Calibri"/>
+              </a:rPr>
+              <a:t> </a:t>
+            </a:r>
+            <a:r>
+              <a:rPr lang="en-US" sz="2300" dirty="0">
+                <a:cs typeface="Calibri"/>
+              </a:rPr>
+              <a:t>requisiti rispettano le richieste d’utente).</a:t>
+            </a:r>
           </a:p>
           <a:p>
             <a:pPr marL="0" indent="0">
               <a:buNone/>
             </a:pPr>
             <a:r>
+              <a:rPr lang="en-US" sz="2300" b="1" dirty="0">
+                <a:cs typeface="Calibri"/>
+              </a:rPr>
+              <a:t>Requisiti funzionali (riguardano le funzionalità del Sistema):</a:t>
+            </a:r>
+          </a:p>
+          <a:p>
+            <a:r>
               <a:rPr lang="en-US" sz="2300" dirty="0">
                 <a:cs typeface="Calibri"/>
               </a:rPr>
-              <a:t>Per la specifica dei requisiti ci siamo basati sul modello </a:t>
-            </a:r>
-            <a:r>
-              <a:rPr lang="en-US" sz="2300" b="1" dirty="0">
+              <a:t>Funzionalità del sistema;</a:t>
+            </a:r>
+          </a:p>
+          <a:p>
+            <a:r>
+              <a:rPr lang="en-US" sz="2300" dirty="0">
                 <a:cs typeface="Calibri"/>
               </a:rPr>
-              <a:t>MOSCOW.</a:t>
-            </a:r>
-            <a:endParaRPr lang="en-US" sz="2300" dirty="0">
-              <a:cs typeface="Calibri"/>
-            </a:endParaRPr>
+              <a:t>Corretta correlazione tra le varie </a:t>
+            </a:r>
+            <a:r>
+              <a:rPr lang="en-US" sz="2300" dirty="0" err="1">
+                <a:cs typeface="Calibri"/>
+              </a:rPr>
+              <a:t>classi</a:t>
+            </a:r>
+            <a:r>
+              <a:rPr lang="en-US" sz="2300" dirty="0">
+                <a:cs typeface="Calibri"/>
+              </a:rPr>
+              <a:t> del sistema;</a:t>
+            </a:r>
+          </a:p>
+          <a:p>
+            <a:r>
+              <a:rPr lang="en-US" sz="2300" dirty="0">
+                <a:cs typeface="Calibri"/>
+              </a:rPr>
+              <a:t>Comprensione e Chiarezza del sistema durante il suo utilizzo;</a:t>
+            </a:r>
+          </a:p>
+          <a:p>
+            <a:r>
+              <a:rPr lang="en-US" sz="2300" dirty="0">
+                <a:cs typeface="Calibri"/>
+              </a:rPr>
+              <a:t>Il Sistema non deve interfacciarsi con altri sistemi;</a:t>
+            </a:r>
           </a:p>
           <a:p>
             <a:pPr marL="0" indent="0">
@@ -16699,7 +16883,7 @@
               <a:rPr lang="en-US" sz="2300" b="1" dirty="0">
                 <a:cs typeface="Calibri"/>
               </a:rPr>
-              <a:t>Requisiti funzionali (riguardano le funzionalità del Sistema):</a:t>
+              <a:t>Requisiti non funzionali (linee guida da rispettare):</a:t>
             </a:r>
           </a:p>
           <a:p>
@@ -16707,7 +16891,7 @@
               <a:rPr lang="en-US" sz="2300" dirty="0">
                 <a:cs typeface="Calibri"/>
               </a:rPr>
-              <a:t>Funzionalità del Sistema</a:t>
+              <a:t>Accessibilità (i tempi di accesso devono ridursi dopo il primo utilizzo);</a:t>
             </a:r>
           </a:p>
           <a:p>
@@ -16715,7 +16899,7 @@
               <a:rPr lang="en-US" sz="2300" dirty="0">
                 <a:cs typeface="Calibri"/>
               </a:rPr>
-              <a:t>Corretta correlazione tra le varie classi del Sistema</a:t>
+              <a:t>Sicurezza del sistema;</a:t>
             </a:r>
           </a:p>
           <a:p>
@@ -16723,26 +16907,7 @@
               <a:rPr lang="en-US" sz="2300" dirty="0">
                 <a:cs typeface="Calibri"/>
               </a:rPr>
-              <a:t>Comprensione del Sistema durante il suo utilizzo</a:t>
-            </a:r>
-          </a:p>
-          <a:p>
-            <a:pPr marL="0" indent="0">
-              <a:buNone/>
-            </a:pPr>
-            <a:endParaRPr lang="en-US" sz="2300" dirty="0">
-              <a:cs typeface="Calibri"/>
-            </a:endParaRPr>
-          </a:p>
-          <a:p>
-            <a:pPr marL="0" indent="0">
-              <a:buNone/>
-            </a:pPr>
-            <a:r>
-              <a:rPr lang="en-US" sz="2300" b="1" dirty="0">
-                <a:cs typeface="Calibri"/>
-              </a:rPr>
-              <a:t>Requisiti non funzionali (linee guida da rispettare):</a:t>
+              <a:t>Qualità;</a:t>
             </a:r>
           </a:p>
           <a:p>
@@ -16750,23 +16915,7 @@
               <a:rPr lang="en-US" sz="2300" dirty="0">
                 <a:cs typeface="Calibri"/>
               </a:rPr>
-              <a:t>Accessibilità</a:t>
-            </a:r>
-          </a:p>
-          <a:p>
-            <a:r>
-              <a:rPr lang="en-US" sz="2300" dirty="0">
-                <a:cs typeface="Calibri"/>
-              </a:rPr>
-              <a:t>Sicurezza del Sistema</a:t>
-            </a:r>
-          </a:p>
-          <a:p>
-            <a:r>
-              <a:rPr lang="en-US" sz="2300" dirty="0">
-                <a:cs typeface="Calibri"/>
-              </a:rPr>
-              <a:t>Qualità</a:t>
+              <a:t>Invio di email per confermare la corretta registrazione al sistema;</a:t>
             </a:r>
           </a:p>
           <a:p>
@@ -17609,7 +17758,7 @@
             <p:ph idx="1"/>
             <p:extLst>
               <p:ext uri="{D42A27DB-BD31-4B8C-83A1-F6EECF244321}">
-                <p14:modId xmlns:p14="http://schemas.microsoft.com/office/powerpoint/2010/main" val="3153907310"/>
+                <p14:modId xmlns:p14="http://schemas.microsoft.com/office/powerpoint/2010/main" val="4108349328"/>
               </p:ext>
             </p:extLst>
           </p:nvPr>
@@ -18019,7 +18168,7 @@
                       </a:pPr>
                       <a:r>
                         <a:rPr lang="it-IT" sz="1600" dirty="0"/>
-                        <a:t>Analisi Statistiche Interventi medici</a:t>
+                        <a:t>Analisi Statistiche Interventi Medici</a:t>
                       </a:r>
                     </a:p>
                   </a:txBody>
@@ -20017,7 +20166,7 @@
         <p:spPr>
           <a:xfrm>
             <a:off x="667512" y="1979682"/>
-            <a:ext cx="10853928" cy="5324535"/>
+            <a:ext cx="10853928" cy="5032147"/>
           </a:xfrm>
           <a:prstGeom prst="rect">
             <a:avLst/>
@@ -20061,32 +20210,30 @@
           <a:p>
             <a:r>
               <a:rPr lang="it-IT" sz="1900" b="1" i="1" dirty="0"/>
-              <a:t>Stile Model-</a:t>
-            </a:r>
-            <a:r>
-              <a:rPr lang="it-IT" sz="1900" b="1" i="1" dirty="0" err="1"/>
-              <a:t>View</a:t>
-            </a:r>
-            <a:r>
-              <a:rPr lang="it-IT" sz="1900" b="1" i="1" dirty="0"/>
-              <a:t>-Controller (MVC)</a:t>
-            </a:r>
-          </a:p>
-          <a:p>
+              <a:t>Stile Model-View-Controller (MVC)</a:t>
+            </a:r>
             <a:endParaRPr lang="it-IT" sz="1900" i="1" dirty="0"/>
           </a:p>
           <a:p>
             <a:r>
               <a:rPr lang="it-IT" sz="1900" dirty="0"/>
-              <a:t>Separazione tra l’interfaccia utente e l’applicazione. Il Modello gestisce direttamente i dati, la logica e le regole di applicazione in termini di dominio del problema. Una </a:t>
-            </a:r>
-            <a:r>
-              <a:rPr lang="it-IT" sz="1900" dirty="0" err="1"/>
-              <a:t>View</a:t>
+              <a:t>Separazione tra l’interfaccia utente e l’applicazione. Il Modello gestisce direttamente i dati, la logica e le regole di applicazione in termini di dominio del problema. Una View è definita come una qualsiasi rappresentazione di output delle informazioni. Il Controller accetta l’input richiesto dall’utente e lo converte in comandi per la vista e/o per il modello. I singoli componenti del modello sono </a:t>
+            </a:r>
+            <a:r>
+              <a:rPr lang="it-IT" sz="1900" i="1" dirty="0"/>
+              <a:t>memorie </a:t>
             </a:r>
             <a:r>
               <a:rPr lang="it-IT" sz="1900" dirty="0"/>
-              <a:t> è definita come una qualsiasi rappresentazione di output delle informazioni. Il Controller accetta l’input richiesto dall’utente e lo converte in comandi per la vista e/o per il modello. I singoli componenti del modello sono raccolte di procedure e  i connettori che li uniscono sono delle chiamate di procedura (il controllo viene trasferito da un componente all’altro).</a:t>
+              <a:t>(raccolte di dati persistenti) e i connettori che li uniscono sono delle </a:t>
+            </a:r>
+            <a:r>
+              <a:rPr lang="it-IT" sz="1900" i="1" dirty="0"/>
+              <a:t>chiamate di procedur</a:t>
+            </a:r>
+            <a:r>
+              <a:rPr lang="it-IT" sz="1900" dirty="0"/>
+              <a:t>a (il controllo viene trasferito da un componente all’altro).</a:t>
             </a:r>
             <a:endParaRPr lang="it-IT" sz="1900" i="1" dirty="0"/>
           </a:p>
@@ -20894,7 +21041,7 @@
         </p:spPr>
         <p:txBody>
           <a:bodyPr>
-            <a:normAutofit fontScale="92500"/>
+            <a:normAutofit fontScale="92500" lnSpcReduction="20000"/>
           </a:bodyPr>
           <a:lstStyle/>
           <a:p>
@@ -20917,7 +21064,15 @@
             </a:r>
             <a:r>
               <a:rPr lang="en-US" sz="2000" dirty="0"/>
-              <a:t> (per definire gerarchie tra le varie classi, in particolare tra i medici e gli infermieri operanti  durante l’intervento)</a:t>
+              <a:t> (per definire gerarchie tra le varie </a:t>
+            </a:r>
+            <a:r>
+              <a:rPr lang="en-US" sz="2000" dirty="0" err="1"/>
+              <a:t>classi</a:t>
+            </a:r>
+            <a:r>
+              <a:rPr lang="en-US" sz="2000" dirty="0"/>
+              <a:t>, in particolare tra i medici e gli infermieri operanti  durante l’intervento);</a:t>
             </a:r>
           </a:p>
           <a:p>
@@ -20931,7 +21086,15 @@
             </a:r>
             <a:r>
               <a:rPr lang="en-US" sz="2000" dirty="0"/>
-              <a:t>(un attore/oggetto del Sistema può “giocare” diversi ruoli in diversi contesti, si sfruttano classi astratte)</a:t>
+              <a:t>(un attore/oggetto del Sistema può “giocare” diversi ruoli in diversi contesti, si sfruttano </a:t>
+            </a:r>
+            <a:r>
+              <a:rPr lang="en-US" sz="2000" dirty="0" err="1"/>
+              <a:t>classi</a:t>
+            </a:r>
+            <a:r>
+              <a:rPr lang="en-US" sz="2000" dirty="0"/>
+              <a:t> astratte);</a:t>
             </a:r>
             <a:endParaRPr lang="en-US" sz="2000" b="1" dirty="0"/>
           </a:p>
@@ -20946,7 +21109,15 @@
             </a:r>
             <a:r>
               <a:rPr lang="en-US" sz="2000" dirty="0"/>
-              <a:t>(per far svolgere alla cabina di regia i giusti metodi: riutilizza frammenti di codice, minimizzando i costi d’uso)</a:t>
+              <a:t>(per far svolgere alla cabina di regia i giusti metodi: riutilizza frammenti di codice, minimizzando i costi </a:t>
+            </a:r>
+            <a:r>
+              <a:rPr lang="en-US" sz="2000" dirty="0" err="1"/>
+              <a:t>d’uso</a:t>
+            </a:r>
+            <a:r>
+              <a:rPr lang="en-US" sz="2000" dirty="0"/>
+              <a:t>)</a:t>
             </a:r>
           </a:p>
           <a:p>
@@ -20960,7 +21131,15 @@
             </a:r>
             <a:r>
               <a:rPr lang="en-US" sz="2000" dirty="0"/>
-              <a:t>(per manipolare le diverse classi e nascondere la complessità di un’operazione agli utenti. Interfaccia di facciata fra il cliente e il Sistema di prenotazione dell’Ospedale) </a:t>
+              <a:t>(per manipolare le diverse </a:t>
+            </a:r>
+            <a:r>
+              <a:rPr lang="en-US" sz="2000" dirty="0" err="1"/>
+              <a:t>classi</a:t>
+            </a:r>
+            <a:r>
+              <a:rPr lang="en-US" sz="2000" dirty="0"/>
+              <a:t> e nascondere la complessità di un’operazione agli utenti, attraverso l’uso di un’interfaccia semplice. Interfaccia di facciata fra il cliente e il Sistema di prenotazione dell’Ospedale) </a:t>
             </a:r>
             <a:r>
               <a:rPr lang="en-US" sz="2000" i="1" dirty="0"/>
@@ -20979,7 +21158,15 @@
             </a:r>
             <a:r>
               <a:rPr lang="en-US" sz="2000" dirty="0"/>
-              <a:t>(per implementare una framework utile alla creazione di classi e oggetti dipendenti dall’applicazione. Le sottoclassi devono scegliere da sole quale oggetto istanziare) </a:t>
+              <a:t>(per implementare una framework utile alla creazione di </a:t>
+            </a:r>
+            <a:r>
+              <a:rPr lang="en-US" sz="2000" dirty="0" err="1"/>
+              <a:t>classi</a:t>
+            </a:r>
+            <a:r>
+              <a:rPr lang="en-US" sz="2000" dirty="0"/>
+              <a:t> e oggetti, indipendentemente dall’applicazione. Le sottoclassi devono scegliere da sole quale oggetto istanziare) </a:t>
             </a:r>
             <a:r>
               <a:rPr lang="en-US" sz="2000" i="1" dirty="0"/>
@@ -20998,7 +21185,7 @@
             </a:r>
             <a:r>
               <a:rPr lang="en-US" sz="2000" dirty="0"/>
-              <a:t>(definisce una dipendenza tra un insieme di oggetti “osservatori” che devono essere notificati del cambiamento di stato di un altro oggetto, definito “soggetto”)</a:t>
+              <a:t>(definisce una dipendenza tra un insieme di oggetti “osservatori” che devono essere notificati del cambiamento di stato di un altro oggetto, definito “soggetto”, come per esempio il verbale dell’intervento rispetto ai vari “operatori”, quali medici e infermieri)</a:t>
             </a:r>
             <a:r>
               <a:rPr lang="en-US" sz="2000" i="1" dirty="0"/>
@@ -22810,8 +22997,8 @@
         </p:blipFill>
         <p:spPr>
           <a:xfrm>
-            <a:off x="5698969" y="2275032"/>
-            <a:ext cx="5823262" cy="3492000"/>
+            <a:off x="6417654" y="2203872"/>
+            <a:ext cx="5530714" cy="3492000"/>
           </a:xfrm>
         </p:spPr>
       </p:pic>
@@ -22876,7 +23063,7 @@
         <p:spPr>
           <a:xfrm>
             <a:off x="669036" y="2055813"/>
-            <a:ext cx="5065043" cy="4247317"/>
+            <a:ext cx="5823262" cy="3970318"/>
           </a:xfrm>
           <a:prstGeom prst="rect">
             <a:avLst/>
@@ -22891,7 +23078,15 @@
           <a:p>
             <a:r>
               <a:rPr lang="it-IT" dirty="0"/>
-              <a:t>L’attività di manutenzione (suddivisa nelle varie categorie) è iniziata subito dopo la consegna del progetto; lo scopo principale è aumentare la qualità dell’intero sistema, correggendo errori (principalmente di codice) e cercando di adattare il software alle richieste degli utenti ma anche dell’ambiente di utilizzo, al fine di aumentare il grado di manutenibilità futura.</a:t>
+              <a:t>L’attività di manutenzione (suddivisa nelle varie categorie: </a:t>
+            </a:r>
+            <a:r>
+              <a:rPr lang="it-IT" i="1" dirty="0"/>
+              <a:t>Correttiva, Adattiva, Perfettiva e Preventiva</a:t>
+            </a:r>
+            <a:r>
+              <a:rPr lang="it-IT" dirty="0"/>
+              <a:t>) è iniziata subito dopo la consegna del progetto; lo scopo principale è aumentare la qualità dell’intero sistema, correggendo errori (principalmente di codice) e cercando di adattare il software alle richieste degli utenti ma anche dell’ambiente di utilizzo, al fine di aumentare il grado di manutenibilità futura.</a:t>
             </a:r>
           </a:p>
           <a:p>
@@ -22912,7 +23107,7 @@
             </a:r>
             <a:r>
               <a:rPr lang="it-IT" dirty="0"/>
-              <a:t>è eseguita per mantenere il codice mantenibile: piccole azioni, atte ad alterare la struttura interna del codice senza modificarne il comportamento esterno. Si cerca di evitare codice duplicato, metodi lunghi, classi «pigre» o invidia tra le classi (i cosiddetti bad smells, «cattivi odori»)</a:t>
+              <a:t>è eseguita per mantenere il codice mantenibile: piccole azioni atte ad alterare la struttura interna del codice senza modificarne il comportamento esterno. Si cerca di evitare codice duplicato, variabili globali, metodi lunghi, classi «pigre» o invidia tra le classi (i cosiddetti bad smells, «cattivi odori»).</a:t>
             </a:r>
             <a:endParaRPr lang="it-IT" i="1" dirty="0"/>
           </a:p>
@@ -23714,37 +23909,13 @@
         </p:spPr>
         <p:txBody>
           <a:bodyPr>
-            <a:normAutofit/>
+            <a:normAutofit fontScale="92500" lnSpcReduction="20000"/>
           </a:bodyPr>
           <a:lstStyle/>
           <a:p>
             <a:r>
               <a:rPr lang="en-US" sz="2200" dirty="0"/>
-              <a:t>Diagramma </a:t>
-            </a:r>
-            <a:r>
-              <a:rPr lang="en-US" sz="2200" dirty="0" err="1"/>
-              <a:t>dei</a:t>
-            </a:r>
-            <a:r>
-              <a:rPr lang="en-US" sz="2200" dirty="0"/>
-              <a:t> </a:t>
-            </a:r>
-            <a:r>
-              <a:rPr lang="en-US" sz="2200" dirty="0" err="1"/>
-              <a:t>Casi</a:t>
-            </a:r>
-            <a:r>
-              <a:rPr lang="en-US" sz="2200" dirty="0"/>
-              <a:t> </a:t>
-            </a:r>
-            <a:r>
-              <a:rPr lang="en-US" sz="2200" dirty="0" err="1"/>
-              <a:t>d’Uso</a:t>
-            </a:r>
-            <a:r>
-              <a:rPr lang="en-US" sz="2200" dirty="0"/>
-              <a:t> (USE CASE DIAGRAM)</a:t>
+              <a:t>Diagramma dei Casi d’Uso (USE CASE DIAGRAM)</a:t>
             </a:r>
           </a:p>
           <a:p>
@@ -23756,23 +23927,7 @@
           <a:p>
             <a:r>
               <a:rPr lang="en-US" sz="2200" dirty="0"/>
-              <a:t>Diagramma </a:t>
-            </a:r>
-            <a:r>
-              <a:rPr lang="en-US" sz="2200" dirty="0" err="1"/>
-              <a:t>delle</a:t>
-            </a:r>
-            <a:r>
-              <a:rPr lang="en-US" sz="2200" dirty="0"/>
-              <a:t> </a:t>
-            </a:r>
-            <a:r>
-              <a:rPr lang="en-US" sz="2200" dirty="0" err="1"/>
-              <a:t>Classi</a:t>
-            </a:r>
-            <a:r>
-              <a:rPr lang="en-US" sz="2200" dirty="0"/>
-              <a:t> (CLASS DIAGRAM)</a:t>
+              <a:t>Diagramma delle Classi (CLASS DIAGRAM)</a:t>
             </a:r>
           </a:p>
           <a:p>
@@ -23788,45 +23943,39 @@
             </a:r>
           </a:p>
           <a:p>
+            <a:pPr marL="0" indent="0">
+              <a:buNone/>
+            </a:pPr>
+            <a:r>
+              <a:rPr lang="en-US" sz="2200" dirty="0"/>
+              <a:t> (per comprendere lo stato del paziente rispetto alle varie liste)</a:t>
+            </a:r>
+          </a:p>
+          <a:p>
             <a:endParaRPr lang="en-US" sz="2200" dirty="0"/>
           </a:p>
           <a:p>
             <a:r>
               <a:rPr lang="en-US" sz="2200" dirty="0"/>
-              <a:t>Diagramma di </a:t>
-            </a:r>
-            <a:r>
-              <a:rPr lang="en-US" sz="2200" dirty="0" err="1"/>
-              <a:t>Sequenza</a:t>
-            </a:r>
+              <a:t>Diagramma di Sequenza (SEQUENCE DIAGRAM)</a:t>
+            </a:r>
+          </a:p>
+          <a:p>
+            <a:endParaRPr lang="en-US" sz="2200" dirty="0"/>
+          </a:p>
+          <a:p>
             <a:r>
               <a:rPr lang="en-US" sz="2200" dirty="0"/>
-              <a:t> (SEQUENCE DIAGRAM)</a:t>
-            </a:r>
-          </a:p>
-          <a:p>
-            <a:endParaRPr lang="en-US" sz="2200" dirty="0"/>
-          </a:p>
-          <a:p>
+              <a:t>Diagramma delle Attività (ACTIVITY DIAGRAM) </a:t>
+            </a:r>
+          </a:p>
+          <a:p>
+            <a:pPr marL="0" indent="0">
+              <a:buNone/>
+            </a:pPr>
             <a:r>
               <a:rPr lang="en-US" sz="2200" dirty="0"/>
-              <a:t>Diagramma </a:t>
-            </a:r>
-            <a:r>
-              <a:rPr lang="en-US" sz="2200" dirty="0" err="1"/>
-              <a:t>delle</a:t>
-            </a:r>
-            <a:r>
-              <a:rPr lang="en-US" sz="2200" dirty="0"/>
-              <a:t> </a:t>
-            </a:r>
-            <a:r>
-              <a:rPr lang="en-US" sz="2200" dirty="0" err="1"/>
-              <a:t>Attività</a:t>
-            </a:r>
-            <a:r>
-              <a:rPr lang="en-US" sz="2200" dirty="0"/>
-              <a:t> (ACTIVITY DIAGRAM)</a:t>
+              <a:t>(per Compilazione Verbale Medico e Iscrizione alla Lista Operatoria)</a:t>
             </a:r>
           </a:p>
         </p:txBody>
@@ -24783,36 +24932,6 @@
       </p:sp>
       <p:pic>
         <p:nvPicPr>
-          <p:cNvPr id="15" name="Immagine 14">
-            <a:extLst>
-              <a:ext uri="{FF2B5EF4-FFF2-40B4-BE49-F238E27FC236}">
-                <a16:creationId xmlns:a16="http://schemas.microsoft.com/office/drawing/2014/main" id="{38829EC7-B73C-44B8-D4CD-DEEE234C82B3}"/>
-              </a:ext>
-            </a:extLst>
-          </p:cNvPr>
-          <p:cNvPicPr>
-            <a:picLocks noChangeAspect="1"/>
-          </p:cNvPicPr>
-          <p:nvPr/>
-        </p:nvPicPr>
-        <p:blipFill>
-          <a:blip r:embed="rId2"/>
-          <a:stretch>
-            <a:fillRect/>
-          </a:stretch>
-        </p:blipFill>
-        <p:spPr>
-          <a:xfrm>
-            <a:off x="5218827" y="1943800"/>
-            <a:ext cx="6234706" cy="3924000"/>
-          </a:xfrm>
-          <a:prstGeom prst="rect">
-            <a:avLst/>
-          </a:prstGeom>
-        </p:spPr>
-      </p:pic>
-      <p:pic>
-        <p:nvPicPr>
           <p:cNvPr id="8" name="Segnaposto contenuto 7">
             <a:extLst>
               <a:ext uri="{FF2B5EF4-FFF2-40B4-BE49-F238E27FC236}">
@@ -24828,7 +24947,7 @@
           </p:nvPr>
         </p:nvPicPr>
         <p:blipFill>
-          <a:blip r:embed="rId3"/>
+          <a:blip r:embed="rId2"/>
           <a:stretch>
             <a:fillRect/>
           </a:stretch>
@@ -24838,6 +24957,36 @@
             <a:off x="232926" y="1839912"/>
             <a:ext cx="4896139" cy="4351338"/>
           </a:xfrm>
+        </p:spPr>
+      </p:pic>
+      <p:pic>
+        <p:nvPicPr>
+          <p:cNvPr id="4" name="Immagine 3">
+            <a:extLst>
+              <a:ext uri="{FF2B5EF4-FFF2-40B4-BE49-F238E27FC236}">
+                <a16:creationId xmlns:a16="http://schemas.microsoft.com/office/drawing/2014/main" id="{FBBF433F-AF38-288E-6DBA-F555A48DC93B}"/>
+              </a:ext>
+            </a:extLst>
+          </p:cNvPr>
+          <p:cNvPicPr>
+            <a:picLocks noChangeAspect="1"/>
+          </p:cNvPicPr>
+          <p:nvPr/>
+        </p:nvPicPr>
+        <p:blipFill>
+          <a:blip r:embed="rId3"/>
+          <a:stretch>
+            <a:fillRect/>
+          </a:stretch>
+        </p:blipFill>
+        <p:spPr>
+          <a:xfrm>
+            <a:off x="5200354" y="2349372"/>
+            <a:ext cx="6820491" cy="3558848"/>
+          </a:xfrm>
+          <a:prstGeom prst="rect">
+            <a:avLst/>
+          </a:prstGeom>
         </p:spPr>
       </p:pic>
     </p:spTree>
@@ -25654,8 +25803,8 @@
         </p:nvSpPr>
         <p:spPr>
           <a:xfrm>
-            <a:off x="572493" y="1817437"/>
-            <a:ext cx="6910658" cy="4975249"/>
+            <a:off x="572492" y="1817437"/>
+            <a:ext cx="7134593" cy="4975249"/>
           </a:xfrm>
         </p:spPr>
         <p:txBody>
@@ -25668,12 +25817,8 @@
               <a:buNone/>
             </a:pPr>
             <a:r>
-              <a:rPr lang="en-US" sz="2000" dirty="0" err="1"/>
-              <a:t>L’obiettivo</a:t>
-            </a:r>
-            <a:r>
               <a:rPr lang="en-US" sz="2000" dirty="0"/>
-              <a:t> principale del Progetto è creare un software per la gestione di un ospedale, in particolare tenere traccia del paziente e dei suoi “movimenti” rispetto al Sistema generale. Per la creazione del sistema, è necessario tenere conto di diversi fattori:</a:t>
+              <a:t>L’obiettivo principale del progetto è creare un software per la gestione di un ospedale, in particolare per tenere traccia del paziente e dei suoi “movimenti” rispetto al Sistema generale. Per la creazione del sistema, è necessario tenere conto di diversi fattori:</a:t>
             </a:r>
           </a:p>
           <a:p>
@@ -25691,23 +25836,7 @@
             </a:r>
             <a:r>
               <a:rPr lang="en-US" sz="2000" dirty="0"/>
-              <a:t>contenente l’anagrafica, la diagnosi, il tipo di terapia che deve seguire e gli </a:t>
-            </a:r>
-            <a:r>
-              <a:rPr lang="en-US" sz="2000" dirty="0" err="1"/>
-              <a:t>esami</a:t>
-            </a:r>
-            <a:r>
-              <a:rPr lang="en-US" sz="2000" dirty="0"/>
-              <a:t> da effettuare prima di sottoporsi </a:t>
-            </a:r>
-            <a:r>
-              <a:rPr lang="en-US" sz="2000" dirty="0" err="1"/>
-              <a:t>all’intervento</a:t>
-            </a:r>
-            <a:r>
-              <a:rPr lang="en-US" sz="2000" dirty="0"/>
-              <a:t>.</a:t>
+              <a:t>contenente l’anagrafica, la diagnosi, il tipo di terapia che deve seguire e gli esami da effettuare prima di sottoporsi all’intervento.</a:t>
             </a:r>
           </a:p>
           <a:p>
@@ -25716,104 +25845,12 @@
               <a:buChar char="§"/>
             </a:pPr>
             <a:r>
-              <a:rPr lang="en-US" sz="2000" b="1" i="1" dirty="0" err="1"/>
-              <a:t>Liste</a:t>
-            </a:r>
-            <a:r>
               <a:rPr lang="en-US" sz="2000" b="1" i="1" dirty="0"/>
-              <a:t> di </a:t>
-            </a:r>
-            <a:r>
-              <a:rPr lang="en-US" sz="2000" b="1" i="1" dirty="0" err="1"/>
-              <a:t>Graduatoria</a:t>
-            </a:r>
-            <a:r>
-              <a:rPr lang="en-US" sz="2000" b="1" i="1" dirty="0"/>
-              <a:t>, </a:t>
-            </a:r>
-            <a:r>
-              <a:rPr lang="en-US" sz="2000" dirty="0" err="1"/>
-              <a:t>conteneti</a:t>
+              <a:t>Liste di Graduatorie</a:t>
             </a:r>
             <a:r>
               <a:rPr lang="en-US" sz="2000" dirty="0"/>
-              <a:t> </a:t>
-            </a:r>
-            <a:r>
-              <a:rPr lang="en-US" sz="2000" dirty="0" err="1"/>
-              <a:t>i</a:t>
-            </a:r>
-            <a:r>
-              <a:rPr lang="en-US" sz="2000" dirty="0"/>
-              <a:t> </a:t>
-            </a:r>
-            <a:r>
-              <a:rPr lang="en-US" sz="2000" dirty="0" err="1"/>
-              <a:t>nomi</a:t>
-            </a:r>
-            <a:r>
-              <a:rPr lang="en-US" sz="2000" dirty="0"/>
-              <a:t> </a:t>
-            </a:r>
-            <a:r>
-              <a:rPr lang="en-US" sz="2000" dirty="0" err="1"/>
-              <a:t>delle</a:t>
-            </a:r>
-            <a:r>
-              <a:rPr lang="en-US" sz="2000" dirty="0"/>
-              <a:t> </a:t>
-            </a:r>
-            <a:r>
-              <a:rPr lang="en-US" sz="2000" dirty="0" err="1"/>
-              <a:t>persone</a:t>
-            </a:r>
-            <a:r>
-              <a:rPr lang="en-US" sz="2000" dirty="0"/>
-              <a:t> che devono </a:t>
-            </a:r>
-            <a:r>
-              <a:rPr lang="en-US" sz="2000" dirty="0" err="1"/>
-              <a:t>effettuare</a:t>
-            </a:r>
-            <a:r>
-              <a:rPr lang="en-US" sz="2000" dirty="0"/>
-              <a:t> </a:t>
-            </a:r>
-            <a:r>
-              <a:rPr lang="en-US" sz="2000" dirty="0" err="1"/>
-              <a:t>gli</a:t>
-            </a:r>
-            <a:r>
-              <a:rPr lang="en-US" sz="2000" dirty="0"/>
-              <a:t> </a:t>
-            </a:r>
-            <a:r>
-              <a:rPr lang="en-US" sz="2000" dirty="0" err="1"/>
-              <a:t>esami</a:t>
-            </a:r>
-            <a:r>
-              <a:rPr lang="en-US" sz="2000" dirty="0"/>
-              <a:t> per poi </a:t>
-            </a:r>
-            <a:r>
-              <a:rPr lang="en-US" sz="2000" dirty="0" err="1"/>
-              <a:t>sottoporsi</a:t>
-            </a:r>
-            <a:r>
-              <a:rPr lang="en-US" sz="2000" dirty="0"/>
-              <a:t> </a:t>
-            </a:r>
-            <a:r>
-              <a:rPr lang="en-US" sz="2000" dirty="0" err="1"/>
-              <a:t>all’intervento</a:t>
-            </a:r>
-            <a:r>
-              <a:rPr lang="en-US" sz="2000" dirty="0"/>
-              <a:t> </a:t>
-            </a:r>
-            <a:r>
-              <a:rPr lang="en-US" sz="2000" dirty="0" err="1"/>
-              <a:t>specifico</a:t>
+              <a:t>, liste di attesa per le persone che devono eseguire gli esami definiti dalla cabina di regia. </a:t>
             </a:r>
             <a:endParaRPr lang="en-US" sz="2000" b="1" i="1" dirty="0"/>
           </a:p>
@@ -25832,15 +25869,7 @@
             </a:r>
             <a:r>
               <a:rPr lang="en-US" sz="2000" dirty="0"/>
-              <a:t>contententi i nomi e le informazioni dei pazienti che devono sottoporsi ad un determinato </a:t>
-            </a:r>
-            <a:r>
-              <a:rPr lang="en-US" sz="2000" dirty="0" err="1"/>
-              <a:t>intervento</a:t>
-            </a:r>
-            <a:r>
-              <a:rPr lang="en-US" sz="2000" dirty="0"/>
-              <a:t>.</a:t>
+              <a:t>contententi i nomi e le informazioni dei pazienti che devono sottoporsi ad un determinato intervento (vengono definite dal medico).</a:t>
             </a:r>
           </a:p>
           <a:p>
@@ -25854,7 +25883,7 @@
             </a:r>
             <a:r>
               <a:rPr lang="en-US" sz="2000" dirty="0"/>
-              <a:t>, dove sono riportate le modalità, i tempi e i nomi dell’equipe medica che ha operato sull’intervento.</a:t>
+              <a:t>, dove sono riportate le modalità dell’operazione, gli orari delle varie fasi dell’intervento e i nomi dell’equipe medica che ha operato sull’intervento (le capacità di compilazione cambiano in base al personale medico).</a:t>
             </a:r>
           </a:p>
         </p:txBody>
@@ -27761,10 +27790,10 @@
       </p:sp>
       <p:pic>
         <p:nvPicPr>
-          <p:cNvPr id="4" name="Segnaposto contenuto 3">
+          <p:cNvPr id="15" name="Segnaposto contenuto 14">
             <a:extLst>
               <a:ext uri="{FF2B5EF4-FFF2-40B4-BE49-F238E27FC236}">
-                <a16:creationId xmlns:a16="http://schemas.microsoft.com/office/drawing/2014/main" id="{64E682A3-C286-B7AC-4CF1-DE3330AAF832}"/>
+                <a16:creationId xmlns:a16="http://schemas.microsoft.com/office/drawing/2014/main" id="{07B11D30-AEBE-76A2-6929-70D4FF1B76BF}"/>
               </a:ext>
             </a:extLst>
           </p:cNvPr>
@@ -27783,8 +27812,8 @@
         </p:blipFill>
         <p:spPr>
           <a:xfrm>
-            <a:off x="2258997" y="2115180"/>
-            <a:ext cx="7674005" cy="3772227"/>
+            <a:off x="2316152" y="2122801"/>
+            <a:ext cx="7559695" cy="3756986"/>
           </a:xfrm>
         </p:spPr>
       </p:pic>
@@ -30410,8 +30439,8 @@
         </p:nvSpPr>
         <p:spPr>
           <a:xfrm>
-            <a:off x="838200" y="1929384"/>
-            <a:ext cx="10515600" cy="3688018"/>
+            <a:off x="838200" y="1929383"/>
+            <a:ext cx="10515600" cy="4435476"/>
           </a:xfrm>
         </p:spPr>
         <p:txBody>
@@ -30437,7 +30466,7 @@
           <a:p>
             <a:r>
               <a:rPr lang="en-US" sz="2000" dirty="0"/>
-              <a:t>Coordinamento tra i componenti del team, soprattutto a livello temporale. </a:t>
+              <a:t>Coordinamento tra i componenti del team, soprattutto a livello temporale e gestione del lavoro. </a:t>
             </a:r>
           </a:p>
           <a:p>
@@ -30446,39 +30475,7 @@
           <a:p>
             <a:r>
               <a:rPr lang="en-US" sz="2000" dirty="0"/>
-              <a:t>Difficoltà nell’ottenere un programma software che rispondesse ai vari punti del </a:t>
-            </a:r>
-            <a:r>
-              <a:rPr lang="en-US" sz="2000" dirty="0" err="1"/>
-              <a:t>problema</a:t>
-            </a:r>
-            <a:r>
-              <a:rPr lang="en-US" sz="2000" dirty="0"/>
-              <a:t> e che soddisfasse </a:t>
-            </a:r>
-            <a:r>
-              <a:rPr lang="en-US" sz="2000" dirty="0" err="1"/>
-              <a:t>i</a:t>
-            </a:r>
-            <a:r>
-              <a:rPr lang="en-US" sz="2000" dirty="0"/>
-              <a:t> requsiti (del Sistema e </a:t>
-            </a:r>
-            <a:r>
-              <a:rPr lang="en-US" sz="2000" dirty="0" err="1"/>
-              <a:t>degli</a:t>
-            </a:r>
-            <a:r>
-              <a:rPr lang="en-US" sz="2000" dirty="0"/>
-              <a:t> </a:t>
-            </a:r>
-            <a:r>
-              <a:rPr lang="en-US" sz="2000" dirty="0" err="1"/>
-              <a:t>Utenti</a:t>
-            </a:r>
-            <a:r>
-              <a:rPr lang="en-US" sz="2000" dirty="0"/>
-              <a:t>).</a:t>
+              <a:t>Ottenere un programma software che risponda a tutti i punti del problema e che soddisfi i requsiti (di sistema o richiesti dagli utenti).</a:t>
             </a:r>
           </a:p>
           <a:p>
@@ -30495,13 +30492,24 @@
           </a:p>
           <a:p>
             <a:r>
-              <a:rPr lang="en-US" sz="2000" dirty="0" err="1"/>
-              <a:t>Possibilità</a:t>
-            </a:r>
-            <a:r>
               <a:rPr lang="en-US" sz="2000" dirty="0"/>
-              <a:t> di non consegnare in tempo il Progetto, causa ritardo nella realizzazione delle singole parti del programma.</a:t>
-            </a:r>
+              <a:t>Possibilità di non consegnare in tempo il Progetto, causa ritardo nella realizzazione delle singole parti del programma.</a:t>
+            </a:r>
+          </a:p>
+          <a:p>
+            <a:pPr marL="0" indent="0">
+              <a:buNone/>
+            </a:pPr>
+            <a:endParaRPr lang="en-US" sz="2000" dirty="0"/>
+          </a:p>
+          <a:p>
+            <a:r>
+              <a:rPr lang="en-US" sz="2000" dirty="0"/>
+              <a:t>Difficoltà nell’intuire quali tool e pattern sono stati utilizzati nella stesura del progetto.</a:t>
+            </a:r>
+          </a:p>
+          <a:p>
+            <a:endParaRPr lang="en-US" sz="2000" dirty="0"/>
           </a:p>
           <a:p>
             <a:endParaRPr lang="en-US" sz="2000" dirty="0"/>
@@ -30526,8 +30534,8 @@
         </p:nvSpPr>
         <p:spPr>
           <a:xfrm>
-            <a:off x="8610600" y="6111552"/>
-            <a:ext cx="2743200" cy="609924"/>
+            <a:off x="10303297" y="6189685"/>
+            <a:ext cx="1468079" cy="609924"/>
           </a:xfrm>
         </p:spPr>
         <p:txBody>
@@ -32497,12 +32505,12 @@
               <a:buChar char="q"/>
             </a:pPr>
             <a:r>
-              <a:rPr lang="it-IT" sz="2000" i="1" dirty="0" err="1"/>
+              <a:rPr lang="it-IT" sz="2000" i="1" dirty="0"/>
               <a:t>Windowbuilder</a:t>
             </a:r>
             <a:r>
               <a:rPr lang="it-IT" sz="2000" dirty="0"/>
-              <a:t>, per la costruzione di un’interfaccia grafica che risponda ai requisiti del problema, ma che sia anche di facile utilizzo e comprensibile agli utenti</a:t>
+              <a:t>, per la costruzione di un’interfaccia grafica che risponda ai requisiti del problema, ma che sia anche di facile utilizzo e comprensibile agli utenti.</a:t>
             </a:r>
           </a:p>
           <a:p>
@@ -32522,7 +32530,7 @@
               <a:t>Utilizzo di </a:t>
             </a:r>
             <a:r>
-              <a:rPr lang="it-IT" sz="2000" b="1" dirty="0" err="1"/>
+              <a:rPr lang="it-IT" sz="2000" b="1" dirty="0"/>
               <a:t>StarUML</a:t>
             </a:r>
             <a:r>
@@ -32537,15 +32545,11 @@
             </a:pPr>
             <a:r>
               <a:rPr lang="it-IT" sz="2000" i="1" dirty="0"/>
-              <a:t>Use-Case </a:t>
-            </a:r>
-            <a:r>
-              <a:rPr lang="it-IT" sz="2000" i="1" dirty="0" err="1"/>
-              <a:t>Diagram</a:t>
+              <a:t>Use-Case Diagram</a:t>
             </a:r>
             <a:r>
               <a:rPr lang="it-IT" sz="2000" dirty="0"/>
-              <a:t>, definizione di attori e casi d’uso del problema</a:t>
+              <a:t>, definizione di attori e casi d’uso del problema;</a:t>
             </a:r>
             <a:endParaRPr lang="it-IT" sz="2000" i="1" dirty="0"/>
           </a:p>
@@ -32556,15 +32560,11 @@
             </a:pPr>
             <a:r>
               <a:rPr lang="it-IT" sz="2000" i="1" dirty="0"/>
-              <a:t>Class </a:t>
-            </a:r>
-            <a:r>
-              <a:rPr lang="it-IT" sz="2000" i="1" dirty="0" err="1"/>
-              <a:t>Diagram</a:t>
+              <a:t>Class Diagram</a:t>
             </a:r>
             <a:r>
               <a:rPr lang="it-IT" sz="2000" dirty="0"/>
-              <a:t>, definizione delle classi del Sistema</a:t>
+              <a:t>, definizione delle classi del sistema, con annessi operazioni e associazioni;</a:t>
             </a:r>
             <a:endParaRPr lang="it-IT" sz="2000" i="1" dirty="0"/>
           </a:p>
@@ -32575,19 +32575,11 @@
             </a:pPr>
             <a:r>
               <a:rPr lang="it-IT" sz="2000" i="1" dirty="0"/>
-              <a:t>State-Chart </a:t>
-            </a:r>
-            <a:r>
-              <a:rPr lang="it-IT" sz="2000" i="1" dirty="0" err="1"/>
-              <a:t>Diagram</a:t>
-            </a:r>
-            <a:r>
-              <a:rPr lang="it-IT" sz="2000" i="1" dirty="0"/>
-              <a:t>, </a:t>
+              <a:t>State-Chart Diagram, </a:t>
             </a:r>
             <a:r>
               <a:rPr lang="it-IT" sz="2000" dirty="0"/>
-              <a:t>visualizzazione dello stato del Sistema durante il suo utilizzo</a:t>
+              <a:t>visualizzazione dello stato del sistema durante il suo utilizzo;</a:t>
             </a:r>
           </a:p>
           <a:p>
@@ -32596,20 +32588,12 @@
               <a:buChar char="q"/>
             </a:pPr>
             <a:r>
-              <a:rPr lang="it-IT" sz="2000" i="1" dirty="0" err="1"/>
-              <a:t>Sequence</a:t>
-            </a:r>
-            <a:r>
               <a:rPr lang="it-IT" sz="2000" i="1" dirty="0"/>
-              <a:t> </a:t>
-            </a:r>
-            <a:r>
-              <a:rPr lang="it-IT" sz="2000" i="1" dirty="0" err="1"/>
-              <a:t>Diagram</a:t>
+              <a:t>Sequence Diagram</a:t>
             </a:r>
             <a:r>
               <a:rPr lang="it-IT" sz="2000" dirty="0"/>
-              <a:t>, definizione delle sequenze di azioni da effettuare nell’utilizzo del Sistema</a:t>
+              <a:t>, definizione delle sequenze di azioni effettuate durante l’utilizzo del sistema;</a:t>
             </a:r>
             <a:endParaRPr lang="it-IT" sz="2000" i="1" dirty="0"/>
           </a:p>
@@ -32620,19 +32604,11 @@
             </a:pPr>
             <a:r>
               <a:rPr lang="it-IT" sz="2000" i="1" dirty="0"/>
-              <a:t>Activity </a:t>
-            </a:r>
-            <a:r>
-              <a:rPr lang="it-IT" sz="2000" i="1" dirty="0" err="1"/>
-              <a:t>Diagram</a:t>
-            </a:r>
-            <a:r>
-              <a:rPr lang="it-IT" sz="2000" i="1" dirty="0"/>
-              <a:t>,</a:t>
+              <a:t>Activity Diagram,</a:t>
             </a:r>
             <a:r>
               <a:rPr lang="it-IT" sz="2000" dirty="0"/>
-              <a:t> definizione delle varie attività svolte durante l’utilizzo del Sistema</a:t>
+              <a:t> definizione delle varie attività svolte da uno o più soggetti;</a:t>
             </a:r>
             <a:endParaRPr lang="it-IT" sz="2000" i="1" dirty="0"/>
           </a:p>
@@ -33579,24 +33555,16 @@
               <a:buChar char="Ø"/>
             </a:pPr>
             <a:r>
-              <a:rPr lang="it-IT" i="1" dirty="0" err="1"/>
-              <a:t>Remove</a:t>
-            </a:r>
-            <a:r>
               <a:rPr lang="it-IT" i="1" dirty="0"/>
-              <a:t> Method </a:t>
+              <a:t>Remove Method </a:t>
             </a:r>
             <a:r>
               <a:rPr lang="it-IT" dirty="0"/>
               <a:t>&amp; </a:t>
             </a:r>
             <a:r>
-              <a:rPr lang="it-IT" i="1" dirty="0" err="1"/>
-              <a:t>Remove</a:t>
-            </a:r>
-            <a:r>
               <a:rPr lang="it-IT" i="1" dirty="0"/>
-              <a:t> Field, </a:t>
+              <a:t>Remove Field, </a:t>
             </a:r>
             <a:r>
               <a:rPr lang="it-IT" dirty="0"/>
@@ -34402,7 +34370,7 @@
         </p:spPr>
         <p:txBody>
           <a:bodyPr>
-            <a:normAutofit lnSpcReduction="10000"/>
+            <a:normAutofit fontScale="92500" lnSpcReduction="10000"/>
           </a:bodyPr>
           <a:lstStyle/>
           <a:p>
@@ -34411,7 +34379,7 @@
             </a:pPr>
             <a:r>
               <a:rPr lang="it-IT" sz="2000" dirty="0"/>
-              <a:t>Per il software configuration management è stato utilizzato GitHub come programma principale</a:t>
+              <a:t>Per il software configuration management è stato utilizzato GitHub come programma principale:</a:t>
             </a:r>
           </a:p>
           <a:p>
@@ -34430,15 +34398,7 @@
             </a:r>
             <a:r>
               <a:rPr lang="it-IT" sz="2000" dirty="0"/>
-              <a:t>Creazione di branch diversi per ottimizzare il lavoro di squadra ed evitare eventuali  incomprensioni: ogni membro crea il proprio </a:t>
-            </a:r>
-            <a:r>
-              <a:rPr lang="it-IT" sz="2000" dirty="0" err="1"/>
-              <a:t>branch</a:t>
-            </a:r>
-            <a:r>
-              <a:rPr lang="it-IT" sz="2000" dirty="0"/>
-              <a:t> per lavorare sulle sue componenti, in modo tale da non confondere gli altri collaboratori, qualora si lavorasse in più persone su uno stesso aspetto.</a:t>
+              <a:t>Creazione di branch diversi per ottimizzare il lavoro di squadra ed evitare eventuali  incomprensioni: ogni membro crea uno o più branch per lavorare sulle sue componenti, in modo tale da non confondere gli altri collaboratori, qualora si lavorasse in più persone su uno stesso aspetto. Il «ramo principale» Main è il branch di default, dove verrano trasferiti i file e il codice finale per la consegna del progetto.</a:t>
             </a:r>
           </a:p>
           <a:p>
@@ -34457,7 +34417,7 @@
             </a:r>
             <a:r>
               <a:rPr lang="it-IT" sz="2000" dirty="0"/>
-              <a:t>Per valutazione del progetto, risolvere bug, rispondere a determinati requisiti, sono state attivate issue corrispondenti. Le varie issue vengono affidate ad uno o a tutti i membri del team e devono essere portate a compimento, prima di essere chiuse (indicate come «completate»).</a:t>
+              <a:t>Per valutazione del progetto/project plan, risolvere bug o rispondere a determinati requisiti, sono state attivate issue corrispondenti. Le varie issue vengono affidate ad uno o a tutti i membri del team e devono essere portate a compimento, prima di essere chiuse (indicate come «completate»). Le issue favoriscono la comunicazione tra i membri del team.</a:t>
             </a:r>
           </a:p>
           <a:p>
@@ -34484,15 +34444,7 @@
             </a:r>
             <a:r>
               <a:rPr lang="it-IT" sz="2000" dirty="0"/>
-              <a:t>le modifiche importanti o azioni di merge, sono state create delle pull request, le quali venivano approvate da tutti i membri del team oppure dallo SCRUM Master, indicato per l’area di lavoro a cui la </a:t>
-            </a:r>
-            <a:r>
-              <a:rPr lang="it-IT" sz="2000" dirty="0" err="1"/>
-              <a:t>request</a:t>
-            </a:r>
-            <a:r>
-              <a:rPr lang="it-IT" sz="2000" dirty="0"/>
-              <a:t> fa riferimento.</a:t>
+              <a:t>modifiche importanti o azioni di merge, sono state create delle pull request, le quali devono essere discusse tra tutti i membri del team e lo SCRUM Master, indicato per l’area di lavoro a cui la request fa riferimento, ha il compito di approvarla e assegnarla.</a:t>
             </a:r>
             <a:endParaRPr lang="it-IT" sz="2000" b="1" dirty="0"/>
           </a:p>
@@ -36277,7 +36229,7 @@
         </p:spPr>
         <p:txBody>
           <a:bodyPr>
-            <a:normAutofit fontScale="92500" lnSpcReduction="10000"/>
+            <a:normAutofit fontScale="92500" lnSpcReduction="20000"/>
           </a:bodyPr>
           <a:lstStyle/>
           <a:p>
@@ -36289,24 +36241,12 @@
               <a:t>Il ruolo di </a:t>
             </a:r>
             <a:r>
-              <a:rPr lang="it-IT" sz="2000" b="1" dirty="0" err="1"/>
-              <a:t>Scrum</a:t>
-            </a:r>
-            <a:r>
               <a:rPr lang="it-IT" sz="2000" b="1" dirty="0"/>
-              <a:t> Master </a:t>
+              <a:t>Scrum Master </a:t>
             </a:r>
             <a:r>
               <a:rPr lang="it-IT" sz="2000" dirty="0"/>
-              <a:t>non appartiene ad un singolo membro del gruppo, ma viene condiviso tra tutti i collaboratori: in base alla sezione/parte del progetto su cui si sta lavorando, è stato scelto un membro come </a:t>
-            </a:r>
-            <a:r>
-              <a:rPr lang="it-IT" sz="2000" dirty="0" err="1"/>
-              <a:t>scrum</a:t>
-            </a:r>
-            <a:r>
-              <a:rPr lang="it-IT" sz="2000" dirty="0"/>
-              <a:t> master </a:t>
+              <a:t>non appartiene ad un singolo membro del gruppo, ma viene condiviso tra tutti i collaboratori: in base alla sezione/parte del progetto su cui si sta lavorando, è stato scelto un membro come scrum master </a:t>
             </a:r>
             <a:r>
               <a:rPr lang="it-IT" sz="2000" b="1" dirty="0"/>
@@ -36314,15 +36254,7 @@
             </a:r>
             <a:r>
               <a:rPr lang="it-IT" sz="2000" dirty="0"/>
-              <a:t>; se gli altri membri vogliono apportare una modifica in quella parte del progetto, dovranno far riferimento a lui, per capire se tale modifica è necessaria o meno (lo </a:t>
-            </a:r>
-            <a:r>
-              <a:rPr lang="it-IT" sz="2000" dirty="0" err="1"/>
-              <a:t>scrum</a:t>
-            </a:r>
-            <a:r>
-              <a:rPr lang="it-IT" sz="2000" dirty="0"/>
-              <a:t> master ha sempre l’ultima parola).</a:t>
+              <a:t>; se gli altri membri vogliono apportare una modifica in quella parte del progetto, dovranno fare riferimento a lui, per capire se tale modifica è necessaria o meno (lo scrum master ha sempre l’ultima parola).</a:t>
             </a:r>
           </a:p>
           <a:p>
@@ -36331,31 +36263,7 @@
             </a:pPr>
             <a:r>
               <a:rPr lang="it-IT" sz="2000" dirty="0"/>
-              <a:t>Sebbene il ruolo di </a:t>
-            </a:r>
-            <a:r>
-              <a:rPr lang="it-IT" sz="2000" dirty="0" err="1"/>
-              <a:t>scrum</a:t>
-            </a:r>
-            <a:r>
-              <a:rPr lang="it-IT" sz="2000" dirty="0"/>
-              <a:t> master venga designato anticipatamente, i tre collaboratori devono   sempre confrontarsi per le nuove modifiche e dare tutti il proprio consenso: sarà compito dello </a:t>
-            </a:r>
-            <a:r>
-              <a:rPr lang="it-IT" sz="2000" dirty="0" err="1"/>
-              <a:t>scrum</a:t>
-            </a:r>
-            <a:r>
-              <a:rPr lang="it-IT" sz="2000" dirty="0"/>
-              <a:t> master verificare se i cambiamenti mantengono la qualità del software alta. Inoltre, lo </a:t>
-            </a:r>
-            <a:r>
-              <a:rPr lang="it-IT" sz="2000" dirty="0" err="1"/>
-              <a:t>scrum</a:t>
-            </a:r>
-            <a:r>
-              <a:rPr lang="it-IT" sz="2000" dirty="0"/>
-              <a:t> master deve mantenere alta la motivazione/concentrazione del gruppo, per portare a compimento le singole parti.</a:t>
+              <a:t>Sebbene il ruolo di scrum master venga designato anticipatamente, i tre collaboratori devono sempre confrontarsi per le nuove modifiche e dare tutti il proprio consenso: sarà compito dello scrum master verificare se tali cambiamenti mantengono la qualità del software alta. Inoltre, lo scrum master deve mantenere alta la motivazione/concentrazione del gruppo, per portare a compimento le singole parti ed eliminare ostacoli che rallentano il lavoro.</a:t>
             </a:r>
           </a:p>
           <a:p>
@@ -36373,52 +36281,28 @@
               <a:t>Ogni settimana i membri si incontrano per effettuare un </a:t>
             </a:r>
             <a:r>
-              <a:rPr lang="it-IT" sz="2000" b="1" dirty="0" err="1"/>
-              <a:t>weekly</a:t>
+              <a:rPr lang="it-IT" sz="2000" b="1" dirty="0"/>
+              <a:t>weekly scrum</a:t>
+            </a:r>
+            <a:r>
+              <a:rPr lang="it-IT" sz="2000" dirty="0"/>
+              <a:t>: viene eseguito un resoconto sull’andamento del progetto nella settimana passata, vengono corretti errori e si cerca di trovare una soluzione comune a problemi di comprensione/dubbi di uno o più membri. Ogni </a:t>
+            </a:r>
+            <a:r>
+              <a:rPr lang="it-IT" sz="2000" b="1" dirty="0"/>
+              <a:t>sprint </a:t>
+            </a:r>
+            <a:r>
+              <a:rPr lang="it-IT" sz="2000" dirty="0"/>
+              <a:t>ha la</a:t>
             </a:r>
             <a:r>
               <a:rPr lang="it-IT" sz="2000" b="1" dirty="0"/>
               <a:t> </a:t>
             </a:r>
             <a:r>
-              <a:rPr lang="it-IT" sz="2000" b="1" dirty="0" err="1"/>
-              <a:t>scrum</a:t>
-            </a:r>
-            <a:r>
               <a:rPr lang="it-IT" sz="2000" dirty="0"/>
-              <a:t>: viene eseguito un resoconto sull’andamento del progetto nella settimana passata, vengono corretti errori e si cerca di trovare una soluzione comune a problemi di comprensione in alcune parti del progetto. Ogni </a:t>
-            </a:r>
-            <a:r>
-              <a:rPr lang="it-IT" sz="2000" b="1" dirty="0"/>
-              <a:t>sprint </a:t>
-            </a:r>
-            <a:r>
-              <a:rPr lang="it-IT" sz="2000" dirty="0"/>
-              <a:t>ha la</a:t>
-            </a:r>
-            <a:r>
-              <a:rPr lang="it-IT" sz="2000" b="1" dirty="0"/>
-              <a:t> </a:t>
-            </a:r>
-            <a:r>
-              <a:rPr lang="it-IT" sz="2000" dirty="0"/>
-              <a:t>durata di una settimana, entro la quale viene effettuato il </a:t>
-            </a:r>
-            <a:r>
-              <a:rPr lang="it-IT" sz="2000" dirty="0" err="1"/>
-              <a:t>weekly</a:t>
-            </a:r>
-            <a:r>
-              <a:rPr lang="it-IT" sz="2000" dirty="0"/>
-              <a:t> </a:t>
-            </a:r>
-            <a:r>
-              <a:rPr lang="it-IT" sz="2000" dirty="0" err="1"/>
-              <a:t>scrum</a:t>
-            </a:r>
-            <a:r>
-              <a:rPr lang="it-IT" sz="2000" dirty="0"/>
-              <a:t>; prima di procedere con lo sprint vero e proprio, è necessario stilare una lista di desideri/richieste, che devono essere portate a compimento entro la settimana corrente (</a:t>
+              <a:t>durata di una settimana, entro la quale viene effettuato il weekly scrum; prima di procedere con lo sprint vero e proprio, è necessario stilare una lista di desideri/richieste, che devono essere portate a compimento entro la settimana corrente (</a:t>
             </a:r>
             <a:r>
               <a:rPr lang="it-IT" sz="2000" b="1" dirty="0"/>
@@ -36435,7 +36319,7 @@
             </a:pPr>
             <a:r>
               <a:rPr lang="it-IT" sz="2000" dirty="0"/>
-              <a:t>La comunicazione, diretta e non, è molto importante: i membri del gruppo devono sempre essere aggiornati su nuove modifiche o richieste.</a:t>
+              <a:t>La comunicazione, diretta e non, è molto importante: i membri del gruppo devono sempre essere aggiornati su nuove modifiche o richieste, e ciò avviene grazie ad app di messagistica o issue su GitHub.</a:t>
             </a:r>
           </a:p>
         </p:txBody>
@@ -37339,15 +37223,6 @@
 </file>
 
 <file path=customXml/item1.xml><?xml version="1.0" encoding="utf-8"?>
-<?mso-contentType ?>
-<FormTemplates xmlns="http://schemas.microsoft.com/sharepoint/v3/contenttype/forms">
-  <Display>DocumentLibraryForm</Display>
-  <Edit>DocumentLibraryForm</Edit>
-  <New>DocumentLibraryForm</New>
-</FormTemplates>
-</file>
-
-<file path=customXml/item2.xml><?xml version="1.0" encoding="utf-8"?>
 <ct:contentTypeSchema xmlns:ct="http://schemas.microsoft.com/office/2006/metadata/contentType" xmlns:ma="http://schemas.microsoft.com/office/2006/metadata/properties/metaAttributes" ct:_="" ma:_="" ma:contentTypeName="Documento" ma:contentTypeID="0x0101007CE6213B20D2F945B0D1473923EE410F" ma:contentTypeVersion="7" ma:contentTypeDescription="Creare un nuovo documento." ma:contentTypeScope="" ma:versionID="dc8ac43e96b461727accd63cf925a5cf">
   <xsd:schema xmlns:xsd="http://www.w3.org/2001/XMLSchema" xmlns:xs="http://www.w3.org/2001/XMLSchema" xmlns:p="http://schemas.microsoft.com/office/2006/metadata/properties" xmlns:ns2="243f3390-b919-40e8-8195-3613e8527352" targetNamespace="http://schemas.microsoft.com/office/2006/metadata/properties" ma:root="true" ma:fieldsID="1987007e621e1b24d40e437f012b913d" ns2:_="">
     <xsd:import namespace="243f3390-b919-40e8-8195-3613e8527352"/>
@@ -37509,6 +37384,15 @@
 </ct:contentTypeSchema>
 </file>
 
+<file path=customXml/item2.xml><?xml version="1.0" encoding="utf-8"?>
+<?mso-contentType ?>
+<FormTemplates xmlns="http://schemas.microsoft.com/sharepoint/v3/contenttype/forms">
+  <Display>DocumentLibraryForm</Display>
+  <Edit>DocumentLibraryForm</Edit>
+  <New>DocumentLibraryForm</New>
+</FormTemplates>
+</file>
+
 <file path=customXml/item3.xml><?xml version="1.0" encoding="utf-8"?>
 <p:properties xmlns:p="http://schemas.microsoft.com/office/2006/metadata/properties" xmlns:xsi="http://www.w3.org/2001/XMLSchema-instance" xmlns:pc="http://schemas.microsoft.com/office/infopath/2007/PartnerControls">
   <documentManagement/>
@@ -37516,14 +37400,6 @@
 </file>
 
 <file path=customXml/itemProps1.xml><?xml version="1.0" encoding="utf-8"?>
-<ds:datastoreItem xmlns:ds="http://schemas.openxmlformats.org/officeDocument/2006/customXml" ds:itemID="{42BC90D6-94CF-42F7-AAC4-9CF6824C54D5}">
-  <ds:schemaRefs>
-    <ds:schemaRef ds:uri="http://schemas.microsoft.com/sharepoint/v3/contenttype/forms"/>
-  </ds:schemaRefs>
-</ds:datastoreItem>
-</file>
-
-<file path=customXml/itemProps2.xml><?xml version="1.0" encoding="utf-8"?>
 <ds:datastoreItem xmlns:ds="http://schemas.openxmlformats.org/officeDocument/2006/customXml" ds:itemID="{1A503E23-9696-4358-8F00-F7F66AC755EB}">
   <ds:schemaRefs>
     <ds:schemaRef ds:uri="http://schemas.microsoft.com/office/2006/metadata/contentType"/>
@@ -37537,6 +37413,14 @@
     <ds:schemaRef ds:uri="http://purl.org/dc/elements/1.1/"/>
     <ds:schemaRef ds:uri="http://purl.org/dc/terms/"/>
     <ds:schemaRef ds:uri="http://schemas.microsoft.com/internal/obd"/>
+  </ds:schemaRefs>
+</ds:datastoreItem>
+</file>
+
+<file path=customXml/itemProps2.xml><?xml version="1.0" encoding="utf-8"?>
+<ds:datastoreItem xmlns:ds="http://schemas.openxmlformats.org/officeDocument/2006/customXml" ds:itemID="{42BC90D6-94CF-42F7-AAC4-9CF6824C54D5}">
+  <ds:schemaRefs>
+    <ds:schemaRef ds:uri="http://schemas.microsoft.com/sharepoint/v3/contenttype/forms"/>
   </ds:schemaRefs>
 </ds:datastoreItem>
 </file>

--- a/Presentazione/Presentazione_Progetto.pptx
+++ b/Presentazione/Presentazione_Progetto.pptx
@@ -179,7 +179,7 @@
   <pc:docChgLst>
     <pc:chgData name="Matteo MANGILI" userId="89c7df381375e6aa" providerId="LiveId" clId="{E6DC4EAA-0AC7-4D8A-9ABA-9B4C09DD8308}"/>
     <pc:docChg chg="undo custSel addSld delSld modSld sldOrd">
-      <pc:chgData name="Matteo MANGILI" userId="89c7df381375e6aa" providerId="LiveId" clId="{E6DC4EAA-0AC7-4D8A-9ABA-9B4C09DD8308}" dt="2024-02-25T17:59:57.820" v="3582" actId="22"/>
+      <pc:chgData name="Matteo MANGILI" userId="89c7df381375e6aa" providerId="LiveId" clId="{E6DC4EAA-0AC7-4D8A-9ABA-9B4C09DD8308}" dt="2024-02-27T09:38:17.224" v="3588" actId="20577"/>
       <pc:docMkLst>
         <pc:docMk/>
       </pc:docMkLst>
@@ -276,13 +276,13 @@
         </pc:spChg>
       </pc:sldChg>
       <pc:sldChg chg="modSp mod">
-        <pc:chgData name="Matteo MANGILI" userId="89c7df381375e6aa" providerId="LiveId" clId="{E6DC4EAA-0AC7-4D8A-9ABA-9B4C09DD8308}" dt="2024-02-25T17:28:18.441" v="3307" actId="20577"/>
+        <pc:chgData name="Matteo MANGILI" userId="89c7df381375e6aa" providerId="LiveId" clId="{E6DC4EAA-0AC7-4D8A-9ABA-9B4C09DD8308}" dt="2024-02-27T09:38:17.224" v="3588" actId="20577"/>
         <pc:sldMkLst>
           <pc:docMk/>
           <pc:sldMk cId="2944479634" sldId="303"/>
         </pc:sldMkLst>
         <pc:spChg chg="mod">
-          <ac:chgData name="Matteo MANGILI" userId="89c7df381375e6aa" providerId="LiveId" clId="{E6DC4EAA-0AC7-4D8A-9ABA-9B4C09DD8308}" dt="2024-02-25T17:28:18.441" v="3307" actId="20577"/>
+          <ac:chgData name="Matteo MANGILI" userId="89c7df381375e6aa" providerId="LiveId" clId="{E6DC4EAA-0AC7-4D8A-9ABA-9B4C09DD8308}" dt="2024-02-27T09:38:17.224" v="3588" actId="20577"/>
           <ac:spMkLst>
             <pc:docMk/>
             <pc:sldMk cId="2944479634" sldId="303"/>
@@ -1423,7 +1423,7 @@
             <a:pPr rtl="0"/>
             <a:fld id="{DBC54730-5EBA-4920-A6C4-7F8458A7F940}" type="datetime1">
               <a:rPr lang="it-IT" smtClean="0"/>
-              <a:t>25/02/2024</a:t>
+              <a:t>27/02/2024</a:t>
             </a:fld>
             <a:endParaRPr lang="it-IT" dirty="0"/>
           </a:p>
@@ -1605,7 +1605,7 @@
             <a:fld id="{85EC1C34-318D-43A8-83F5-3AC8647FE75E}" type="datetime1">
               <a:rPr lang="it-IT" smtClean="0"/>
               <a:pPr/>
-              <a:t>25/02/2024</a:t>
+              <a:t>27/02/2024</a:t>
             </a:fld>
             <a:endParaRPr lang="it-IT" dirty="0"/>
           </a:p>
@@ -21041,7 +21041,7 @@
         </p:spPr>
         <p:txBody>
           <a:bodyPr>
-            <a:normAutofit fontScale="92500" lnSpcReduction="20000"/>
+            <a:normAutofit/>
           </a:bodyPr>
           <a:lstStyle/>
           <a:p>
@@ -21060,51 +21060,6 @@
             </a:pPr>
             <a:r>
               <a:rPr lang="en-US" sz="2000" b="1" dirty="0"/>
-              <a:t>General Hierarchy Pattern</a:t>
-            </a:r>
-            <a:r>
-              <a:rPr lang="en-US" sz="2000" dirty="0"/>
-              <a:t> (per definire gerarchie tra le varie </a:t>
-            </a:r>
-            <a:r>
-              <a:rPr lang="en-US" sz="2000" dirty="0" err="1"/>
-              <a:t>classi</a:t>
-            </a:r>
-            <a:r>
-              <a:rPr lang="en-US" sz="2000" dirty="0"/>
-              <a:t>, in particolare tra i medici e gli infermieri operanti  durante l’intervento);</a:t>
-            </a:r>
-          </a:p>
-          <a:p>
-            <a:pPr>
-              <a:buFont typeface="Wingdings" panose="05000000000000000000" pitchFamily="2" charset="2"/>
-              <a:buChar char="§"/>
-            </a:pPr>
-            <a:r>
-              <a:rPr lang="en-US" sz="2000" b="1" dirty="0"/>
-              <a:t>Player-Role Pattern </a:t>
-            </a:r>
-            <a:r>
-              <a:rPr lang="en-US" sz="2000" dirty="0"/>
-              <a:t>(un attore/oggetto del Sistema può “giocare” diversi ruoli in diversi contesti, si sfruttano </a:t>
-            </a:r>
-            <a:r>
-              <a:rPr lang="en-US" sz="2000" dirty="0" err="1"/>
-              <a:t>classi</a:t>
-            </a:r>
-            <a:r>
-              <a:rPr lang="en-US" sz="2000" dirty="0"/>
-              <a:t> astratte);</a:t>
-            </a:r>
-            <a:endParaRPr lang="en-US" sz="2000" b="1" dirty="0"/>
-          </a:p>
-          <a:p>
-            <a:pPr>
-              <a:buFont typeface="Wingdings" panose="05000000000000000000" pitchFamily="2" charset="2"/>
-              <a:buChar char="§"/>
-            </a:pPr>
-            <a:r>
-              <a:rPr lang="en-US" sz="2000" b="1" dirty="0"/>
               <a:t>Delegation Pattern </a:t>
             </a:r>
             <a:r>
@@ -21119,79 +21074,6 @@
               <a:rPr lang="en-US" sz="2000" dirty="0"/>
               <a:t>)</a:t>
             </a:r>
-          </a:p>
-          <a:p>
-            <a:pPr>
-              <a:buFont typeface="Wingdings" panose="05000000000000000000" pitchFamily="2" charset="2"/>
-              <a:buChar char="§"/>
-            </a:pPr>
-            <a:r>
-              <a:rPr lang="en-US" sz="2000" b="1" dirty="0"/>
-              <a:t>Façade Pattern </a:t>
-            </a:r>
-            <a:r>
-              <a:rPr lang="en-US" sz="2000" dirty="0"/>
-              <a:t>(per manipolare le diverse </a:t>
-            </a:r>
-            <a:r>
-              <a:rPr lang="en-US" sz="2000" dirty="0" err="1"/>
-              <a:t>classi</a:t>
-            </a:r>
-            <a:r>
-              <a:rPr lang="en-US" sz="2000" dirty="0"/>
-              <a:t> e nascondere la complessità di un’operazione agli utenti, attraverso l’uso di un’interfaccia semplice. Interfaccia di facciata fra il cliente e il Sistema di prenotazione dell’Ospedale) </a:t>
-            </a:r>
-            <a:r>
-              <a:rPr lang="en-US" sz="2000" i="1" dirty="0"/>
-              <a:t>Strutturale</a:t>
-            </a:r>
-            <a:endParaRPr lang="en-US" sz="2000" dirty="0"/>
-          </a:p>
-          <a:p>
-            <a:pPr>
-              <a:buFont typeface="Wingdings" panose="05000000000000000000" pitchFamily="2" charset="2"/>
-              <a:buChar char="§"/>
-            </a:pPr>
-            <a:r>
-              <a:rPr lang="en-US" sz="2000" b="1" dirty="0"/>
-              <a:t>Factory Pattern </a:t>
-            </a:r>
-            <a:r>
-              <a:rPr lang="en-US" sz="2000" dirty="0"/>
-              <a:t>(per implementare una framework utile alla creazione di </a:t>
-            </a:r>
-            <a:r>
-              <a:rPr lang="en-US" sz="2000" dirty="0" err="1"/>
-              <a:t>classi</a:t>
-            </a:r>
-            <a:r>
-              <a:rPr lang="en-US" sz="2000" dirty="0"/>
-              <a:t> e oggetti, indipendentemente dall’applicazione. Le sottoclassi devono scegliere da sole quale oggetto istanziare) </a:t>
-            </a:r>
-            <a:r>
-              <a:rPr lang="en-US" sz="2000" i="1" dirty="0"/>
-              <a:t>Creazionale</a:t>
-            </a:r>
-            <a:endParaRPr lang="en-US" sz="2000" dirty="0"/>
-          </a:p>
-          <a:p>
-            <a:pPr>
-              <a:buFont typeface="Wingdings" panose="05000000000000000000" pitchFamily="2" charset="2"/>
-              <a:buChar char="§"/>
-            </a:pPr>
-            <a:r>
-              <a:rPr lang="en-US" sz="2000" b="1" dirty="0"/>
-              <a:t>Observer Pattern</a:t>
-            </a:r>
-            <a:r>
-              <a:rPr lang="en-US" sz="2000" dirty="0"/>
-              <a:t>(definisce una dipendenza tra un insieme di oggetti “osservatori” che devono essere notificati del cambiamento di stato di un altro oggetto, definito “soggetto”, come per esempio il verbale dell’intervento rispetto ai vari “operatori”, quali medici e infermieri)</a:t>
-            </a:r>
-            <a:r>
-              <a:rPr lang="en-US" sz="2000" i="1" dirty="0"/>
-              <a:t> Comportamentale</a:t>
-            </a:r>
-            <a:endParaRPr lang="en-US" sz="2000" b="1" dirty="0"/>
           </a:p>
         </p:txBody>
       </p:sp>
@@ -37223,6 +37105,15 @@
 </file>
 
 <file path=customXml/item1.xml><?xml version="1.0" encoding="utf-8"?>
+<?mso-contentType ?>
+<FormTemplates xmlns="http://schemas.microsoft.com/sharepoint/v3/contenttype/forms">
+  <Display>DocumentLibraryForm</Display>
+  <Edit>DocumentLibraryForm</Edit>
+  <New>DocumentLibraryForm</New>
+</FormTemplates>
+</file>
+
+<file path=customXml/item2.xml><?xml version="1.0" encoding="utf-8"?>
 <ct:contentTypeSchema xmlns:ct="http://schemas.microsoft.com/office/2006/metadata/contentType" xmlns:ma="http://schemas.microsoft.com/office/2006/metadata/properties/metaAttributes" ct:_="" ma:_="" ma:contentTypeName="Documento" ma:contentTypeID="0x0101007CE6213B20D2F945B0D1473923EE410F" ma:contentTypeVersion="7" ma:contentTypeDescription="Creare un nuovo documento." ma:contentTypeScope="" ma:versionID="dc8ac43e96b461727accd63cf925a5cf">
   <xsd:schema xmlns:xsd="http://www.w3.org/2001/XMLSchema" xmlns:xs="http://www.w3.org/2001/XMLSchema" xmlns:p="http://schemas.microsoft.com/office/2006/metadata/properties" xmlns:ns2="243f3390-b919-40e8-8195-3613e8527352" targetNamespace="http://schemas.microsoft.com/office/2006/metadata/properties" ma:root="true" ma:fieldsID="1987007e621e1b24d40e437f012b913d" ns2:_="">
     <xsd:import namespace="243f3390-b919-40e8-8195-3613e8527352"/>
@@ -37384,15 +37275,6 @@
 </ct:contentTypeSchema>
 </file>
 
-<file path=customXml/item2.xml><?xml version="1.0" encoding="utf-8"?>
-<?mso-contentType ?>
-<FormTemplates xmlns="http://schemas.microsoft.com/sharepoint/v3/contenttype/forms">
-  <Display>DocumentLibraryForm</Display>
-  <Edit>DocumentLibraryForm</Edit>
-  <New>DocumentLibraryForm</New>
-</FormTemplates>
-</file>
-
 <file path=customXml/item3.xml><?xml version="1.0" encoding="utf-8"?>
 <p:properties xmlns:p="http://schemas.microsoft.com/office/2006/metadata/properties" xmlns:xsi="http://www.w3.org/2001/XMLSchema-instance" xmlns:pc="http://schemas.microsoft.com/office/infopath/2007/PartnerControls">
   <documentManagement/>
@@ -37400,6 +37282,14 @@
 </file>
 
 <file path=customXml/itemProps1.xml><?xml version="1.0" encoding="utf-8"?>
+<ds:datastoreItem xmlns:ds="http://schemas.openxmlformats.org/officeDocument/2006/customXml" ds:itemID="{42BC90D6-94CF-42F7-AAC4-9CF6824C54D5}">
+  <ds:schemaRefs>
+    <ds:schemaRef ds:uri="http://schemas.microsoft.com/sharepoint/v3/contenttype/forms"/>
+  </ds:schemaRefs>
+</ds:datastoreItem>
+</file>
+
+<file path=customXml/itemProps2.xml><?xml version="1.0" encoding="utf-8"?>
 <ds:datastoreItem xmlns:ds="http://schemas.openxmlformats.org/officeDocument/2006/customXml" ds:itemID="{1A503E23-9696-4358-8F00-F7F66AC755EB}">
   <ds:schemaRefs>
     <ds:schemaRef ds:uri="http://schemas.microsoft.com/office/2006/metadata/contentType"/>
@@ -37413,14 +37303,6 @@
     <ds:schemaRef ds:uri="http://purl.org/dc/elements/1.1/"/>
     <ds:schemaRef ds:uri="http://purl.org/dc/terms/"/>
     <ds:schemaRef ds:uri="http://schemas.microsoft.com/internal/obd"/>
-  </ds:schemaRefs>
-</ds:datastoreItem>
-</file>
-
-<file path=customXml/itemProps2.xml><?xml version="1.0" encoding="utf-8"?>
-<ds:datastoreItem xmlns:ds="http://schemas.openxmlformats.org/officeDocument/2006/customXml" ds:itemID="{42BC90D6-94CF-42F7-AAC4-9CF6824C54D5}">
-  <ds:schemaRefs>
-    <ds:schemaRef ds:uri="http://schemas.microsoft.com/sharepoint/v3/contenttype/forms"/>
   </ds:schemaRefs>
 </ds:datastoreItem>
 </file>

--- a/Presentazione/Presentazione_Progetto.pptx
+++ b/Presentazione/Presentazione_Progetto.pptx
@@ -179,7 +179,7 @@
   <pc:docChgLst>
     <pc:chgData name="Matteo MANGILI" userId="89c7df381375e6aa" providerId="LiveId" clId="{E6DC4EAA-0AC7-4D8A-9ABA-9B4C09DD8308}"/>
     <pc:docChg chg="undo custSel addSld delSld modSld sldOrd">
-      <pc:chgData name="Matteo MANGILI" userId="89c7df381375e6aa" providerId="LiveId" clId="{E6DC4EAA-0AC7-4D8A-9ABA-9B4C09DD8308}" dt="2024-02-27T09:38:17.224" v="3588" actId="20577"/>
+      <pc:chgData name="Matteo MANGILI" userId="89c7df381375e6aa" providerId="LiveId" clId="{E6DC4EAA-0AC7-4D8A-9ABA-9B4C09DD8308}" dt="2024-02-27T12:08:45.497" v="4013" actId="20577"/>
       <pc:docMkLst>
         <pc:docMk/>
       </pc:docMkLst>
@@ -291,6 +291,21 @@
         </pc:spChg>
       </pc:sldChg>
       <pc:sldChg chg="modSp mod">
+        <pc:chgData name="Matteo MANGILI" userId="89c7df381375e6aa" providerId="LiveId" clId="{E6DC4EAA-0AC7-4D8A-9ABA-9B4C09DD8308}" dt="2024-02-27T11:53:30.186" v="3933" actId="20577"/>
+        <pc:sldMkLst>
+          <pc:docMk/>
+          <pc:sldMk cId="2728347993" sldId="304"/>
+        </pc:sldMkLst>
+        <pc:spChg chg="mod">
+          <ac:chgData name="Matteo MANGILI" userId="89c7df381375e6aa" providerId="LiveId" clId="{E6DC4EAA-0AC7-4D8A-9ABA-9B4C09DD8308}" dt="2024-02-27T11:53:30.186" v="3933" actId="20577"/>
+          <ac:spMkLst>
+            <pc:docMk/>
+            <pc:sldMk cId="2728347993" sldId="304"/>
+            <ac:spMk id="4" creationId="{E45B50AB-E09E-377A-4B46-AFA47F523EAB}"/>
+          </ac:spMkLst>
+        </pc:spChg>
+      </pc:sldChg>
+      <pc:sldChg chg="modSp mod">
         <pc:chgData name="Matteo MANGILI" userId="89c7df381375e6aa" providerId="LiveId" clId="{E6DC4EAA-0AC7-4D8A-9ABA-9B4C09DD8308}" dt="2024-02-25T17:43:15.581" v="3549" actId="5793"/>
         <pc:sldMkLst>
           <pc:docMk/>
@@ -321,13 +336,13 @@
         </pc:spChg>
       </pc:sldChg>
       <pc:sldChg chg="modSp mod">
-        <pc:chgData name="Matteo MANGILI" userId="89c7df381375e6aa" providerId="LiveId" clId="{E6DC4EAA-0AC7-4D8A-9ABA-9B4C09DD8308}" dt="2024-02-25T17:10:39.082" v="3081" actId="20577"/>
+        <pc:chgData name="Matteo MANGILI" userId="89c7df381375e6aa" providerId="LiveId" clId="{E6DC4EAA-0AC7-4D8A-9ABA-9B4C09DD8308}" dt="2024-02-27T12:08:45.497" v="4013" actId="20577"/>
         <pc:sldMkLst>
           <pc:docMk/>
           <pc:sldMk cId="3576197673" sldId="313"/>
         </pc:sldMkLst>
         <pc:graphicFrameChg chg="modGraphic">
-          <ac:chgData name="Matteo MANGILI" userId="89c7df381375e6aa" providerId="LiveId" clId="{E6DC4EAA-0AC7-4D8A-9ABA-9B4C09DD8308}" dt="2024-02-25T17:10:39.082" v="3081" actId="20577"/>
+          <ac:chgData name="Matteo MANGILI" userId="89c7df381375e6aa" providerId="LiveId" clId="{E6DC4EAA-0AC7-4D8A-9ABA-9B4C09DD8308}" dt="2024-02-27T12:08:45.497" v="4013" actId="20577"/>
           <ac:graphicFrameMkLst>
             <pc:docMk/>
             <pc:sldMk cId="3576197673" sldId="313"/>
@@ -17758,14 +17773,14 @@
             <p:ph idx="1"/>
             <p:extLst>
               <p:ext uri="{D42A27DB-BD31-4B8C-83A1-F6EECF244321}">
-                <p14:modId xmlns:p14="http://schemas.microsoft.com/office/powerpoint/2010/main" val="4108349328"/>
+                <p14:modId xmlns:p14="http://schemas.microsoft.com/office/powerpoint/2010/main" val="2894057965"/>
               </p:ext>
             </p:extLst>
           </p:nvPr>
         </p:nvGraphicFramePr>
         <p:xfrm>
           <a:off x="838200" y="1825625"/>
-          <a:ext cx="10515600" cy="4453788"/>
+          <a:ext cx="10515600" cy="4425162"/>
         </p:xfrm>
         <a:graphic>
           <a:graphicData uri="http://schemas.openxmlformats.org/drawingml/2006/table">
@@ -17856,8 +17871,13 @@
                       </a:pPr>
                       <a:r>
                         <a:rPr lang="it-IT" sz="1600" dirty="0"/>
-                        <a:t>Registrazione nel Sistema</a:t>
+                        <a:t>Registrazione </a:t>
                       </a:r>
+                      <a:r>
+                        <a:rPr lang="it-IT" sz="1600"/>
+                        <a:t>Medico al Sistema</a:t>
+                      </a:r>
+                      <a:endParaRPr lang="it-IT" sz="1600" dirty="0"/>
                     </a:p>
                     <a:p>
                       <a:pPr marL="171450" indent="-171450">
@@ -17876,7 +17896,7 @@
                       </a:pPr>
                       <a:r>
                         <a:rPr lang="it-IT" sz="1600" dirty="0"/>
-                        <a:t>Effettuare Esami corrispondenti</a:t>
+                        <a:t>Compilazione e Gestione Pagina Anagrafica Paziente</a:t>
                       </a:r>
                     </a:p>
                     <a:p>
@@ -17886,7 +17906,7 @@
                       </a:pPr>
                       <a:r>
                         <a:rPr lang="it-IT" sz="1600" dirty="0"/>
-                        <a:t>Gestione Pagina Anagrafica Paziente</a:t>
+                        <a:t>Compilazione e Gestione Lista Operatoria</a:t>
                       </a:r>
                     </a:p>
                     <a:p>
@@ -17896,7 +17916,7 @@
                       </a:pPr>
                       <a:r>
                         <a:rPr lang="it-IT" sz="1600" dirty="0"/>
-                        <a:t>Compilazione Verbale Medico</a:t>
+                        <a:t>Compilazione e Gestione Verbale Medico</a:t>
                       </a:r>
                     </a:p>
                   </a:txBody>
@@ -18023,16 +18043,6 @@
                       <a:r>
                         <a:rPr lang="it-IT" sz="1600" dirty="0"/>
                         <a:t>Iscrizione Lista Graduatoria</a:t>
-                      </a:r>
-                    </a:p>
-                    <a:p>
-                      <a:pPr marL="285750" indent="-285750">
-                        <a:buFont typeface="Arial" panose="020B0604020202020204" pitchFamily="34" charset="0"/>
-                        <a:buChar char="•"/>
-                      </a:pPr>
-                      <a:r>
-                        <a:rPr lang="it-IT" sz="1600" dirty="0"/>
-                        <a:t>Iscrizione Lista Operatoria Intervento specifico</a:t>
                       </a:r>
                     </a:p>
                     <a:p>
@@ -21937,8 +21947,12 @@
               <a:buChar char="Ø"/>
             </a:pPr>
             <a:r>
+              <a:rPr lang="en-US" sz="1800" dirty="0" err="1"/>
+              <a:t>Autenticazione</a:t>
+            </a:r>
+            <a:r>
               <a:rPr lang="en-US" sz="1800" dirty="0"/>
-              <a:t>Registrazione del paziente nel sistema</a:t>
+              <a:t> Medico</a:t>
             </a:r>
           </a:p>
           <a:p>
@@ -21947,9 +21961,10 @@
               <a:buChar char="Ø"/>
             </a:pPr>
             <a:r>
-              <a:rPr lang="en-US" sz="1800" dirty="0"/>
-              <a:t>Autenticazione</a:t>
-            </a:r>
+              <a:rPr lang="it-IT" sz="1800" dirty="0"/>
+              <a:t>Registrazione del Pagina Anagrafica paziente nel sistema</a:t>
+            </a:r>
+            <a:endParaRPr lang="en-US" sz="1800" dirty="0"/>
           </a:p>
           <a:p>
             <a:pPr>
@@ -21957,8 +21972,12 @@
               <a:buChar char="Ø"/>
             </a:pPr>
             <a:r>
+              <a:rPr lang="en-US" sz="1800" dirty="0" err="1"/>
+              <a:t>Iscrizione</a:t>
+            </a:r>
+            <a:r>
               <a:rPr lang="en-US" sz="1800" dirty="0"/>
-              <a:t>Iscrizione Lista Graduatoria</a:t>
+              <a:t> alla Lista Operatoria </a:t>
             </a:r>
           </a:p>
           <a:p>
@@ -21967,9 +21986,18 @@
               <a:buChar char="Ø"/>
             </a:pPr>
             <a:r>
+              <a:rPr lang="en-US" sz="1800" dirty="0" err="1"/>
+              <a:t>Eseguire</a:t>
+            </a:r>
+            <a:r>
               <a:rPr lang="en-US" sz="1800" dirty="0"/>
-              <a:t>Effettuare Esami pre Intervento</a:t>
-            </a:r>
+              <a:t> </a:t>
+            </a:r>
+            <a:r>
+              <a:rPr lang="en-US" sz="1800" dirty="0" err="1"/>
+              <a:t>Intervento</a:t>
+            </a:r>
+            <a:endParaRPr lang="en-US" sz="1800" dirty="0"/>
           </a:p>
           <a:p>
             <a:pPr>
@@ -21978,7 +22006,7 @@
             </a:pPr>
             <a:r>
               <a:rPr lang="en-US" sz="1800" dirty="0"/>
-              <a:t>Iscrizione alla Lista Operatoria </a:t>
+              <a:t>Verbale Medico</a:t>
             </a:r>
           </a:p>
           <a:p>
@@ -21988,26 +22016,6 @@
             </a:pPr>
             <a:r>
               <a:rPr lang="en-US" sz="1800" dirty="0"/>
-              <a:t>Intervento</a:t>
-            </a:r>
-          </a:p>
-          <a:p>
-            <a:pPr>
-              <a:buFont typeface="Wingdings" panose="05000000000000000000" pitchFamily="2" charset="2"/>
-              <a:buChar char="Ø"/>
-            </a:pPr>
-            <a:r>
-              <a:rPr lang="en-US" sz="1800" dirty="0"/>
-              <a:t>Verbale Medico</a:t>
-            </a:r>
-          </a:p>
-          <a:p>
-            <a:pPr>
-              <a:buFont typeface="Wingdings" panose="05000000000000000000" pitchFamily="2" charset="2"/>
-              <a:buChar char="Ø"/>
-            </a:pPr>
-            <a:r>
-              <a:rPr lang="en-US" sz="1800" dirty="0"/>
               <a:t>Stampa Verbale</a:t>
             </a:r>
           </a:p>
@@ -22016,8 +22024,189 @@
               <a:buNone/>
             </a:pPr>
             <a:r>
+              <a:rPr lang="en-US" sz="1800" dirty="0" err="1"/>
+              <a:t>Nell’implementazione</a:t>
+            </a:r>
+            <a:r>
               <a:rPr lang="en-US" sz="1800" dirty="0"/>
-              <a:t>E’ importante poter accedere alle varie liste e alla pagina anagrafica del paziente in ogni momento, per visualizzare informazioni o effettuare modifiche.</a:t>
+              <a:t> del </a:t>
+            </a:r>
+            <a:r>
+              <a:rPr lang="en-US" sz="1800" dirty="0" err="1"/>
+              <a:t>codice</a:t>
+            </a:r>
+            <a:r>
+              <a:rPr lang="en-US" sz="1800" dirty="0"/>
+              <a:t> </a:t>
+            </a:r>
+            <a:r>
+              <a:rPr lang="en-US" sz="1800" dirty="0" err="1"/>
+              <a:t>si</a:t>
+            </a:r>
+            <a:r>
+              <a:rPr lang="en-US" sz="1800" dirty="0"/>
+              <a:t> è tenuto </a:t>
+            </a:r>
+            <a:r>
+              <a:rPr lang="en-US" sz="1800" dirty="0" err="1"/>
+              <a:t>maggiormente</a:t>
+            </a:r>
+            <a:r>
+              <a:rPr lang="en-US" sz="1800" dirty="0"/>
+              <a:t> </a:t>
+            </a:r>
+            <a:r>
+              <a:rPr lang="en-US" sz="1800" dirty="0" err="1"/>
+              <a:t>conto</a:t>
+            </a:r>
+            <a:r>
+              <a:rPr lang="en-US" sz="1800" dirty="0"/>
+              <a:t> </a:t>
+            </a:r>
+            <a:r>
+              <a:rPr lang="en-US" sz="1800" dirty="0" err="1"/>
+              <a:t>delle</a:t>
+            </a:r>
+            <a:r>
+              <a:rPr lang="en-US" sz="1800" dirty="0"/>
+              <a:t> </a:t>
+            </a:r>
+            <a:r>
+              <a:rPr lang="en-US" sz="1800" dirty="0" err="1"/>
+              <a:t>attività</a:t>
+            </a:r>
+            <a:r>
+              <a:rPr lang="en-US" sz="1800" dirty="0"/>
+              <a:t> </a:t>
+            </a:r>
+            <a:r>
+              <a:rPr lang="en-US" sz="1800" dirty="0" err="1"/>
+              <a:t>svolte</a:t>
+            </a:r>
+            <a:r>
+              <a:rPr lang="en-US" sz="1800" dirty="0"/>
+              <a:t> dal medico, </a:t>
+            </a:r>
+            <a:r>
+              <a:rPr lang="en-US" sz="1800" dirty="0" err="1"/>
+              <a:t>piuttosto</a:t>
+            </a:r>
+            <a:r>
+              <a:rPr lang="en-US" sz="1800" dirty="0"/>
+              <a:t> </a:t>
+            </a:r>
+            <a:r>
+              <a:rPr lang="en-US" sz="1800" dirty="0" err="1"/>
+              <a:t>che</a:t>
+            </a:r>
+            <a:r>
+              <a:rPr lang="en-US" sz="1800" dirty="0"/>
+              <a:t> </a:t>
+            </a:r>
+            <a:r>
+              <a:rPr lang="en-US" sz="1800" dirty="0" err="1"/>
+              <a:t>dalle</a:t>
+            </a:r>
+            <a:r>
+              <a:rPr lang="en-US" sz="1800" dirty="0"/>
+              <a:t> mansion </a:t>
+            </a:r>
+            <a:r>
+              <a:rPr lang="en-US" sz="1800" dirty="0" err="1"/>
+              <a:t>possibili</a:t>
+            </a:r>
+            <a:r>
+              <a:rPr lang="en-US" sz="1800" dirty="0"/>
+              <a:t> di </a:t>
+            </a:r>
+            <a:r>
+              <a:rPr lang="en-US" sz="1800" dirty="0" err="1"/>
+              <a:t>infermieri</a:t>
+            </a:r>
+            <a:r>
+              <a:rPr lang="en-US" sz="1800" dirty="0"/>
+              <a:t> e </a:t>
+            </a:r>
+            <a:r>
+              <a:rPr lang="en-US" sz="1800" dirty="0" err="1"/>
+              <a:t>cabina</a:t>
+            </a:r>
+            <a:r>
+              <a:rPr lang="en-US" sz="1800" dirty="0"/>
+              <a:t> di regia.</a:t>
+            </a:r>
+          </a:p>
+          <a:p>
+            <a:pPr marL="0" indent="0">
+              <a:buNone/>
+            </a:pPr>
+            <a:r>
+              <a:rPr lang="en-US" sz="1800" dirty="0"/>
+              <a:t>E’ importante poter accedere alle </a:t>
+            </a:r>
+            <a:r>
+              <a:rPr lang="en-US" sz="1800" dirty="0" err="1"/>
+              <a:t>liste</a:t>
+            </a:r>
+            <a:r>
+              <a:rPr lang="en-US" sz="1800" dirty="0"/>
+              <a:t> </a:t>
+            </a:r>
+            <a:r>
+              <a:rPr lang="en-US" sz="1800" dirty="0" err="1"/>
+              <a:t>operatorie</a:t>
+            </a:r>
+            <a:r>
+              <a:rPr lang="en-US" sz="1800" dirty="0"/>
+              <a:t>, alle </a:t>
+            </a:r>
+            <a:r>
+              <a:rPr lang="en-US" sz="1800" dirty="0" err="1"/>
+              <a:t>singole</a:t>
+            </a:r>
+            <a:r>
+              <a:rPr lang="en-US" sz="1800" dirty="0"/>
+              <a:t> </a:t>
+            </a:r>
+            <a:r>
+              <a:rPr lang="en-US" sz="1800" dirty="0" err="1"/>
+              <a:t>pagine</a:t>
+            </a:r>
+            <a:r>
+              <a:rPr lang="en-US" sz="1800" dirty="0"/>
+              <a:t> </a:t>
+            </a:r>
+            <a:r>
+              <a:rPr lang="en-US" sz="1800" dirty="0" err="1"/>
+              <a:t>anagrafiche</a:t>
+            </a:r>
+            <a:r>
+              <a:rPr lang="en-US" sz="1800" dirty="0"/>
+              <a:t> </a:t>
+            </a:r>
+            <a:r>
+              <a:rPr lang="en-US" sz="1800" dirty="0" err="1"/>
+              <a:t>dei</a:t>
+            </a:r>
+            <a:r>
+              <a:rPr lang="en-US" sz="1800" dirty="0"/>
+              <a:t> </a:t>
+            </a:r>
+            <a:r>
+              <a:rPr lang="en-US" sz="1800" dirty="0" err="1"/>
+              <a:t>paziente</a:t>
+            </a:r>
+            <a:r>
+              <a:rPr lang="en-US" sz="1800" dirty="0"/>
+              <a:t> e al verbale </a:t>
+            </a:r>
+            <a:r>
+              <a:rPr lang="en-US" sz="1800" dirty="0" err="1"/>
+              <a:t>dell’intervento</a:t>
+            </a:r>
+            <a:r>
+              <a:rPr lang="en-US" sz="1800" dirty="0"/>
+              <a:t> in ogni momento, per visualizzare informazioni o effettuare modifiche.</a:t>
             </a:r>
           </a:p>
           <a:p>
@@ -37105,15 +37294,6 @@
 </file>
 
 <file path=customXml/item1.xml><?xml version="1.0" encoding="utf-8"?>
-<?mso-contentType ?>
-<FormTemplates xmlns="http://schemas.microsoft.com/sharepoint/v3/contenttype/forms">
-  <Display>DocumentLibraryForm</Display>
-  <Edit>DocumentLibraryForm</Edit>
-  <New>DocumentLibraryForm</New>
-</FormTemplates>
-</file>
-
-<file path=customXml/item2.xml><?xml version="1.0" encoding="utf-8"?>
 <ct:contentTypeSchema xmlns:ct="http://schemas.microsoft.com/office/2006/metadata/contentType" xmlns:ma="http://schemas.microsoft.com/office/2006/metadata/properties/metaAttributes" ct:_="" ma:_="" ma:contentTypeName="Documento" ma:contentTypeID="0x0101007CE6213B20D2F945B0D1473923EE410F" ma:contentTypeVersion="7" ma:contentTypeDescription="Creare un nuovo documento." ma:contentTypeScope="" ma:versionID="dc8ac43e96b461727accd63cf925a5cf">
   <xsd:schema xmlns:xsd="http://www.w3.org/2001/XMLSchema" xmlns:xs="http://www.w3.org/2001/XMLSchema" xmlns:p="http://schemas.microsoft.com/office/2006/metadata/properties" xmlns:ns2="243f3390-b919-40e8-8195-3613e8527352" targetNamespace="http://schemas.microsoft.com/office/2006/metadata/properties" ma:root="true" ma:fieldsID="1987007e621e1b24d40e437f012b913d" ns2:_="">
     <xsd:import namespace="243f3390-b919-40e8-8195-3613e8527352"/>
@@ -37275,6 +37455,15 @@
 </ct:contentTypeSchema>
 </file>
 
+<file path=customXml/item2.xml><?xml version="1.0" encoding="utf-8"?>
+<?mso-contentType ?>
+<FormTemplates xmlns="http://schemas.microsoft.com/sharepoint/v3/contenttype/forms">
+  <Display>DocumentLibraryForm</Display>
+  <Edit>DocumentLibraryForm</Edit>
+  <New>DocumentLibraryForm</New>
+</FormTemplates>
+</file>
+
 <file path=customXml/item3.xml><?xml version="1.0" encoding="utf-8"?>
 <p:properties xmlns:p="http://schemas.microsoft.com/office/2006/metadata/properties" xmlns:xsi="http://www.w3.org/2001/XMLSchema-instance" xmlns:pc="http://schemas.microsoft.com/office/infopath/2007/PartnerControls">
   <documentManagement/>
@@ -37282,14 +37471,6 @@
 </file>
 
 <file path=customXml/itemProps1.xml><?xml version="1.0" encoding="utf-8"?>
-<ds:datastoreItem xmlns:ds="http://schemas.openxmlformats.org/officeDocument/2006/customXml" ds:itemID="{42BC90D6-94CF-42F7-AAC4-9CF6824C54D5}">
-  <ds:schemaRefs>
-    <ds:schemaRef ds:uri="http://schemas.microsoft.com/sharepoint/v3/contenttype/forms"/>
-  </ds:schemaRefs>
-</ds:datastoreItem>
-</file>
-
-<file path=customXml/itemProps2.xml><?xml version="1.0" encoding="utf-8"?>
 <ds:datastoreItem xmlns:ds="http://schemas.openxmlformats.org/officeDocument/2006/customXml" ds:itemID="{1A503E23-9696-4358-8F00-F7F66AC755EB}">
   <ds:schemaRefs>
     <ds:schemaRef ds:uri="http://schemas.microsoft.com/office/2006/metadata/contentType"/>
@@ -37303,6 +37484,14 @@
     <ds:schemaRef ds:uri="http://purl.org/dc/elements/1.1/"/>
     <ds:schemaRef ds:uri="http://purl.org/dc/terms/"/>
     <ds:schemaRef ds:uri="http://schemas.microsoft.com/internal/obd"/>
+  </ds:schemaRefs>
+</ds:datastoreItem>
+</file>
+
+<file path=customXml/itemProps2.xml><?xml version="1.0" encoding="utf-8"?>
+<ds:datastoreItem xmlns:ds="http://schemas.openxmlformats.org/officeDocument/2006/customXml" ds:itemID="{42BC90D6-94CF-42F7-AAC4-9CF6824C54D5}">
+  <ds:schemaRefs>
+    <ds:schemaRef ds:uri="http://schemas.microsoft.com/sharepoint/v3/contenttype/forms"/>
   </ds:schemaRefs>
 </ds:datastoreItem>
 </file>

--- a/Presentazione/Presentazione_Progetto.pptx
+++ b/Presentazione/Presentazione_Progetto.pptx
@@ -169,7 +169,7 @@
 <file path=ppt/revisionInfo.xml><?xml version="1.0" encoding="utf-8"?>
 <p1510:revInfo xmlns:a="http://schemas.openxmlformats.org/drawingml/2006/main" xmlns:r="http://schemas.openxmlformats.org/officeDocument/2006/relationships" xmlns:p1510="http://schemas.microsoft.com/office/powerpoint/2015/10/main">
   <p1510:revLst>
-    <p1510:client id="{E6DC4EAA-0AC7-4D8A-9ABA-9B4C09DD8308}" v="162" dt="2024-02-25T17:41:21.759"/>
+    <p1510:client id="{E6DC4EAA-0AC7-4D8A-9ABA-9B4C09DD8308}" v="164" dt="2024-02-28T09:35:46.455"/>
   </p1510:revLst>
 </p1510:revInfo>
 </file>
@@ -179,7 +179,7 @@
   <pc:docChgLst>
     <pc:chgData name="Matteo MANGILI" userId="89c7df381375e6aa" providerId="LiveId" clId="{E6DC4EAA-0AC7-4D8A-9ABA-9B4C09DD8308}"/>
     <pc:docChg chg="undo custSel addSld delSld modSld sldOrd">
-      <pc:chgData name="Matteo MANGILI" userId="89c7df381375e6aa" providerId="LiveId" clId="{E6DC4EAA-0AC7-4D8A-9ABA-9B4C09DD8308}" dt="2024-02-27T12:08:45.497" v="4013" actId="20577"/>
+      <pc:chgData name="Matteo MANGILI" userId="89c7df381375e6aa" providerId="LiveId" clId="{E6DC4EAA-0AC7-4D8A-9ABA-9B4C09DD8308}" dt="2024-02-28T10:05:42.938" v="5005" actId="113"/>
       <pc:docMkLst>
         <pc:docMk/>
       </pc:docMkLst>
@@ -238,13 +238,13 @@
         </pc:picChg>
       </pc:sldChg>
       <pc:sldChg chg="modSp mod">
-        <pc:chgData name="Matteo MANGILI" userId="89c7df381375e6aa" providerId="LiveId" clId="{E6DC4EAA-0AC7-4D8A-9ABA-9B4C09DD8308}" dt="2024-02-25T16:21:24.799" v="1616" actId="1076"/>
+        <pc:chgData name="Matteo MANGILI" userId="89c7df381375e6aa" providerId="LiveId" clId="{E6DC4EAA-0AC7-4D8A-9ABA-9B4C09DD8308}" dt="2024-02-28T09:33:01.297" v="4060" actId="20577"/>
         <pc:sldMkLst>
           <pc:docMk/>
           <pc:sldMk cId="1249612630" sldId="297"/>
         </pc:sldMkLst>
         <pc:spChg chg="mod">
-          <ac:chgData name="Matteo MANGILI" userId="89c7df381375e6aa" providerId="LiveId" clId="{E6DC4EAA-0AC7-4D8A-9ABA-9B4C09DD8308}" dt="2024-02-25T16:20:56.412" v="1613" actId="27636"/>
+          <ac:chgData name="Matteo MANGILI" userId="89c7df381375e6aa" providerId="LiveId" clId="{E6DC4EAA-0AC7-4D8A-9ABA-9B4C09DD8308}" dt="2024-02-28T09:33:01.297" v="4060" actId="20577"/>
           <ac:spMkLst>
             <pc:docMk/>
             <pc:sldMk cId="1249612630" sldId="297"/>
@@ -261,13 +261,13 @@
         </pc:spChg>
       </pc:sldChg>
       <pc:sldChg chg="modSp mod">
-        <pc:chgData name="Matteo MANGILI" userId="89c7df381375e6aa" providerId="LiveId" clId="{E6DC4EAA-0AC7-4D8A-9ABA-9B4C09DD8308}" dt="2024-02-25T16:41:38.920" v="2092" actId="20577"/>
+        <pc:chgData name="Matteo MANGILI" userId="89c7df381375e6aa" providerId="LiveId" clId="{E6DC4EAA-0AC7-4D8A-9ABA-9B4C09DD8308}" dt="2024-02-28T09:45:26.033" v="4196" actId="20577"/>
         <pc:sldMkLst>
           <pc:docMk/>
           <pc:sldMk cId="3996999348" sldId="298"/>
         </pc:sldMkLst>
         <pc:spChg chg="mod">
-          <ac:chgData name="Matteo MANGILI" userId="89c7df381375e6aa" providerId="LiveId" clId="{E6DC4EAA-0AC7-4D8A-9ABA-9B4C09DD8308}" dt="2024-02-25T16:41:38.920" v="2092" actId="20577"/>
+          <ac:chgData name="Matteo MANGILI" userId="89c7df381375e6aa" providerId="LiveId" clId="{E6DC4EAA-0AC7-4D8A-9ABA-9B4C09DD8308}" dt="2024-02-28T09:45:26.033" v="4196" actId="20577"/>
           <ac:spMkLst>
             <pc:docMk/>
             <pc:sldMk cId="3996999348" sldId="298"/>
@@ -321,13 +321,13 @@
         </pc:spChg>
       </pc:sldChg>
       <pc:sldChg chg="modSp mod">
-        <pc:chgData name="Matteo MANGILI" userId="89c7df381375e6aa" providerId="LiveId" clId="{E6DC4EAA-0AC7-4D8A-9ABA-9B4C09DD8308}" dt="2024-02-25T17:09:14.935" v="3079" actId="20577"/>
+        <pc:chgData name="Matteo MANGILI" userId="89c7df381375e6aa" providerId="LiveId" clId="{E6DC4EAA-0AC7-4D8A-9ABA-9B4C09DD8308}" dt="2024-02-28T10:05:42.938" v="5005" actId="113"/>
         <pc:sldMkLst>
           <pc:docMk/>
           <pc:sldMk cId="1581940243" sldId="309"/>
         </pc:sldMkLst>
         <pc:spChg chg="mod">
-          <ac:chgData name="Matteo MANGILI" userId="89c7df381375e6aa" providerId="LiveId" clId="{E6DC4EAA-0AC7-4D8A-9ABA-9B4C09DD8308}" dt="2024-02-25T17:09:14.935" v="3079" actId="20577"/>
+          <ac:chgData name="Matteo MANGILI" userId="89c7df381375e6aa" providerId="LiveId" clId="{E6DC4EAA-0AC7-4D8A-9ABA-9B4C09DD8308}" dt="2024-02-28T10:05:42.938" v="5005" actId="113"/>
           <ac:spMkLst>
             <pc:docMk/>
             <pc:sldMk cId="1581940243" sldId="309"/>
@@ -508,13 +508,13 @@
         </pc:picChg>
       </pc:sldChg>
       <pc:sldChg chg="modSp mod">
-        <pc:chgData name="Matteo MANGILI" userId="89c7df381375e6aa" providerId="LiveId" clId="{E6DC4EAA-0AC7-4D8A-9ABA-9B4C09DD8308}" dt="2024-02-25T17:00:07.800" v="2751" actId="255"/>
+        <pc:chgData name="Matteo MANGILI" userId="89c7df381375e6aa" providerId="LiveId" clId="{E6DC4EAA-0AC7-4D8A-9ABA-9B4C09DD8308}" dt="2024-02-28T10:03:08.805" v="5001" actId="20577"/>
         <pc:sldMkLst>
           <pc:docMk/>
           <pc:sldMk cId="1634375711" sldId="317"/>
         </pc:sldMkLst>
         <pc:spChg chg="mod">
-          <ac:chgData name="Matteo MANGILI" userId="89c7df381375e6aa" providerId="LiveId" clId="{E6DC4EAA-0AC7-4D8A-9ABA-9B4C09DD8308}" dt="2024-02-25T17:00:07.800" v="2751" actId="255"/>
+          <ac:chgData name="Matteo MANGILI" userId="89c7df381375e6aa" providerId="LiveId" clId="{E6DC4EAA-0AC7-4D8A-9ABA-9B4C09DD8308}" dt="2024-02-28T10:03:08.805" v="5001" actId="20577"/>
           <ac:spMkLst>
             <pc:docMk/>
             <pc:sldMk cId="1634375711" sldId="317"/>
@@ -539,13 +539,13 @@
         </pc:graphicFrameChg>
       </pc:sldChg>
       <pc:sldChg chg="modSp mod">
-        <pc:chgData name="Matteo MANGILI" userId="89c7df381375e6aa" providerId="LiveId" clId="{E6DC4EAA-0AC7-4D8A-9ABA-9B4C09DD8308}" dt="2024-02-25T16:31:09.390" v="1712" actId="20577"/>
+        <pc:chgData name="Matteo MANGILI" userId="89c7df381375e6aa" providerId="LiveId" clId="{E6DC4EAA-0AC7-4D8A-9ABA-9B4C09DD8308}" dt="2024-02-28T09:37:55.100" v="4167" actId="20577"/>
         <pc:sldMkLst>
           <pc:docMk/>
           <pc:sldMk cId="112244765" sldId="318"/>
         </pc:sldMkLst>
         <pc:spChg chg="mod">
-          <ac:chgData name="Matteo MANGILI" userId="89c7df381375e6aa" providerId="LiveId" clId="{E6DC4EAA-0AC7-4D8A-9ABA-9B4C09DD8308}" dt="2024-02-25T16:31:09.390" v="1712" actId="20577"/>
+          <ac:chgData name="Matteo MANGILI" userId="89c7df381375e6aa" providerId="LiveId" clId="{E6DC4EAA-0AC7-4D8A-9ABA-9B4C09DD8308}" dt="2024-02-28T09:37:55.100" v="4167" actId="20577"/>
           <ac:spMkLst>
             <pc:docMk/>
             <pc:sldMk cId="112244765" sldId="318"/>
@@ -554,13 +554,13 @@
         </pc:spChg>
       </pc:sldChg>
       <pc:sldChg chg="modSp mod">
-        <pc:chgData name="Matteo MANGILI" userId="89c7df381375e6aa" providerId="LiveId" clId="{E6DC4EAA-0AC7-4D8A-9ABA-9B4C09DD8308}" dt="2024-02-25T16:49:38.880" v="2240" actId="20577"/>
+        <pc:chgData name="Matteo MANGILI" userId="89c7df381375e6aa" providerId="LiveId" clId="{E6DC4EAA-0AC7-4D8A-9ABA-9B4C09DD8308}" dt="2024-02-28T09:57:53.864" v="4895" actId="14100"/>
         <pc:sldMkLst>
           <pc:docMk/>
           <pc:sldMk cId="762597572" sldId="319"/>
         </pc:sldMkLst>
         <pc:spChg chg="mod">
-          <ac:chgData name="Matteo MANGILI" userId="89c7df381375e6aa" providerId="LiveId" clId="{E6DC4EAA-0AC7-4D8A-9ABA-9B4C09DD8308}" dt="2024-02-25T16:49:38.880" v="2240" actId="20577"/>
+          <ac:chgData name="Matteo MANGILI" userId="89c7df381375e6aa" providerId="LiveId" clId="{E6DC4EAA-0AC7-4D8A-9ABA-9B4C09DD8308}" dt="2024-02-28T09:57:53.864" v="4895" actId="14100"/>
           <ac:spMkLst>
             <pc:docMk/>
             <pc:sldMk cId="762597572" sldId="319"/>
@@ -1438,7 +1438,7 @@
             <a:pPr rtl="0"/>
             <a:fld id="{DBC54730-5EBA-4920-A6C4-7F8458A7F940}" type="datetime1">
               <a:rPr lang="it-IT" smtClean="0"/>
-              <a:t>27/02/2024</a:t>
+              <a:t>28/02/2024</a:t>
             </a:fld>
             <a:endParaRPr lang="it-IT" dirty="0"/>
           </a:p>
@@ -1620,7 +1620,7 @@
             <a:fld id="{85EC1C34-318D-43A8-83F5-3AC8647FE75E}" type="datetime1">
               <a:rPr lang="it-IT" smtClean="0"/>
               <a:pPr/>
-              <a:t>27/02/2024</a:t>
+              <a:t>28/02/2024</a:t>
             </a:fld>
             <a:endParaRPr lang="it-IT" dirty="0"/>
           </a:p>
@@ -15922,7 +15922,7 @@
             </a:r>
             <a:r>
               <a:rPr lang="it-IT" sz="1900" dirty="0"/>
-              <a:t>: l’obiettivo è far funzionare il programma, facendo in modo che risponda a tutti i requisiti, anche se non è possibile fare previsioni circa la commercializzazione del sistema.</a:t>
+              <a:t>: l’obiettivo è far funzionare il programma, facendo in modo che risponda a tutti i requisiti, anche se non sarà ancora pronto per la commercializzazione (si possono tuttavia fare delle ipotesi).</a:t>
             </a:r>
             <a:endParaRPr lang="it-IT" sz="1900" i="1" dirty="0"/>
           </a:p>
@@ -16791,7 +16791,7 @@
               <a:t> i requisiti devono essere valutati per la loro importanza e ruolo rispetto alla natura del progetto (</a:t>
             </a:r>
             <a:r>
-              <a:rPr lang="en-US" sz="2300" i="1" dirty="0">
+              <a:rPr lang="en-US" sz="2300" b="1" dirty="0">
                 <a:cs typeface="Calibri"/>
               </a:rPr>
               <a:t>Verifica, </a:t>
@@ -16803,10 +16803,16 @@
               <a:t>i requisiti soddisfano le esigenze del Sistema, </a:t>
             </a:r>
             <a:r>
+              <a:rPr lang="en-US" sz="2300" b="1" dirty="0">
+                <a:cs typeface="Calibri"/>
+              </a:rPr>
+              <a:t>Validazione</a:t>
+            </a:r>
+            <a:r>
               <a:rPr lang="en-US" sz="2300" i="1" dirty="0">
                 <a:cs typeface="Calibri"/>
               </a:rPr>
-              <a:t>Validazione, </a:t>
+              <a:t>, </a:t>
             </a:r>
             <a:r>
               <a:rPr lang="en-US" sz="2300" dirty="0">
@@ -30546,7 +30552,23 @@
           <a:p>
             <a:r>
               <a:rPr lang="en-US" sz="2000" dirty="0"/>
-              <a:t>Ottenere un programma software che risponda a tutti i punti del problema e che soddisfi i requsiti (di sistema o richiesti dagli utenti).</a:t>
+              <a:t>Ottenere un programma software che risponda a tutti i </a:t>
+            </a:r>
+            <a:r>
+              <a:rPr lang="en-US" sz="2000" dirty="0" err="1"/>
+              <a:t>requisiti</a:t>
+            </a:r>
+            <a:r>
+              <a:rPr lang="en-US" sz="2000" dirty="0"/>
+              <a:t> (del Sistema e </a:t>
+            </a:r>
+            <a:r>
+              <a:rPr lang="en-US" sz="2000" dirty="0" err="1"/>
+              <a:t>dell’utente</a:t>
+            </a:r>
+            <a:r>
+              <a:rPr lang="en-US" sz="2000" dirty="0"/>
+              <a:t>).</a:t>
             </a:r>
           </a:p>
           <a:p>
@@ -32507,7 +32529,7 @@
         <p:spPr>
           <a:xfrm>
             <a:off x="838200" y="1884037"/>
-            <a:ext cx="10684764" cy="4678204"/>
+            <a:ext cx="10684764" cy="4985980"/>
           </a:xfrm>
           <a:prstGeom prst="rect">
             <a:avLst/>
@@ -32534,7 +32556,23 @@
             </a:r>
             <a:r>
               <a:rPr lang="it-IT" sz="2000" dirty="0"/>
-              <a:t> come strumento prescelto al coordinamento tra i membri del team, ma anche per tenere traccia di tutti i file e le modifiche apportate.</a:t>
+              <a:t> come strumento prescelto al coordinamento tra i membri del team, ma anche per tenere traccia di tutti i file e le modifiche apportate (si sfruttano </a:t>
+            </a:r>
+            <a:r>
+              <a:rPr lang="it-IT" sz="2000" i="1" dirty="0"/>
+              <a:t>issue </a:t>
+            </a:r>
+            <a:r>
+              <a:rPr lang="it-IT" sz="2000" dirty="0"/>
+              <a:t>e </a:t>
+            </a:r>
+            <a:r>
+              <a:rPr lang="it-IT" sz="2000" i="1" dirty="0"/>
+              <a:t>branch </a:t>
+            </a:r>
+            <a:r>
+              <a:rPr lang="it-IT" sz="2000" dirty="0"/>
+              <a:t>per organizzare meglio il lavoro di squadra).</a:t>
             </a:r>
           </a:p>
           <a:p>
@@ -32581,7 +32619,7 @@
             </a:r>
             <a:r>
               <a:rPr lang="it-IT" sz="2000" dirty="0"/>
-              <a:t>, per la costruzione di un’interfaccia grafica che risponda ai requisiti del problema, ma che sia anche di facile utilizzo e comprensibile agli utenti.</a:t>
+              <a:t>, per la costruzione di un’interfaccia grafica che risponda ai requisiti del problema, ma che sia anche di facile utilizzo e comprensibile agli utenti (medici principalmente).</a:t>
             </a:r>
           </a:p>
           <a:p>
@@ -34515,14 +34553,8 @@
             </a:r>
             <a:r>
               <a:rPr lang="it-IT" sz="2000" dirty="0"/>
-              <a:t>modifiche importanti o azioni di merge, sono state create delle pull request, le quali devono essere discusse tra tutti i membri del team e lo SCRUM Master, indicato per l’area di lavoro a cui la request fa riferimento, ha il compito di approvarla e assegnarla.</a:t>
-            </a:r>
-            <a:endParaRPr lang="it-IT" sz="2000" b="1" dirty="0"/>
-          </a:p>
-          <a:p>
-            <a:pPr marL="0" indent="0">
-              <a:buNone/>
-            </a:pPr>
+              <a:t>modifiche importanti o azioni di merge, sono state create delle pull request, le quali devono essere discusse tra tutti i membri del team e lo SCRUM Master, indicato per l’area di lavoro a cui la request fa riferimento, ha il compito di approvarla ed portarla a compimento.</a:t>
+            </a:r>
             <a:endParaRPr lang="it-IT" sz="2200" b="1" dirty="0"/>
           </a:p>
           <a:p>
@@ -36294,13 +36326,13 @@
         </p:nvSpPr>
         <p:spPr>
           <a:xfrm>
-            <a:off x="838200" y="1825624"/>
-            <a:ext cx="10515600" cy="4789779"/>
+            <a:off x="838200" y="1708976"/>
+            <a:ext cx="10515600" cy="4906427"/>
           </a:xfrm>
         </p:spPr>
         <p:txBody>
           <a:bodyPr>
-            <a:normAutofit fontScale="92500" lnSpcReduction="20000"/>
+            <a:noAutofit/>
           </a:bodyPr>
           <a:lstStyle/>
           <a:p>
@@ -36308,88 +36340,99 @@
               <a:buNone/>
             </a:pPr>
             <a:r>
-              <a:rPr lang="it-IT" sz="2000" dirty="0"/>
+              <a:rPr lang="it-IT" sz="1700" dirty="0"/>
               <a:t>Il ruolo di </a:t>
             </a:r>
             <a:r>
-              <a:rPr lang="it-IT" sz="2000" b="1" dirty="0"/>
+              <a:rPr lang="it-IT" sz="1700" b="1" dirty="0"/>
               <a:t>Scrum Master </a:t>
             </a:r>
             <a:r>
-              <a:rPr lang="it-IT" sz="2000" dirty="0"/>
+              <a:rPr lang="it-IT" sz="1700" dirty="0"/>
               <a:t>non appartiene ad un singolo membro del gruppo, ma viene condiviso tra tutti i collaboratori: in base alla sezione/parte del progetto su cui si sta lavorando, è stato scelto un membro come scrum master </a:t>
             </a:r>
             <a:r>
-              <a:rPr lang="it-IT" sz="2000" b="1" dirty="0"/>
+              <a:rPr lang="it-IT" sz="1700" b="1" dirty="0"/>
               <a:t>temporaneo</a:t>
             </a:r>
             <a:r>
-              <a:rPr lang="it-IT" sz="2000" dirty="0"/>
-              <a:t>; se gli altri membri vogliono apportare una modifica in quella parte del progetto, dovranno fare riferimento a lui, per capire se tale modifica è necessaria o meno (lo scrum master ha sempre l’ultima parola).</a:t>
+              <a:rPr lang="it-IT" sz="1700" dirty="0"/>
+              <a:t>; se gli altri membri vogliono apportare una modifica in quella parte del progetto, dovranno fare riferimento a lui, per capire se tale modifica è necessaria o meno (lo scrum master ha sempre l’ultima parola). Sebbene il ruolo di scrum master venga designato anticipatamente, i tre collaboratori devono sempre confrontarsi per le nuove modifiche e dare tutti il proprio consenso: sarà compito dello scrum master verificare se tali cambiamenti mantengono la qualità del software alta. Inoltre, lo scrum master deve mantenere alta la motivazione/concentrazione del gruppo, per portare a compimento le singole parti ed eliminare ostacoli che rallentano il lavoro.</a:t>
             </a:r>
           </a:p>
           <a:p>
             <a:pPr marL="0" indent="0">
               <a:buNone/>
             </a:pPr>
-            <a:r>
-              <a:rPr lang="it-IT" sz="2000" dirty="0"/>
-              <a:t>Sebbene il ruolo di scrum master venga designato anticipatamente, i tre collaboratori devono sempre confrontarsi per le nuove modifiche e dare tutti il proprio consenso: sarà compito dello scrum master verificare se tali cambiamenti mantengono la qualità del software alta. Inoltre, lo scrum master deve mantenere alta la motivazione/concentrazione del gruppo, per portare a compimento le singole parti ed eliminare ostacoli che rallentano il lavoro.</a:t>
-            </a:r>
+            <a:endParaRPr lang="it-IT" sz="1700" dirty="0"/>
           </a:p>
           <a:p>
             <a:pPr marL="0" indent="0">
               <a:buNone/>
             </a:pPr>
-            <a:endParaRPr lang="it-IT" sz="2000" dirty="0"/>
+            <a:r>
+              <a:rPr lang="it-IT" sz="1700" dirty="0"/>
+              <a:t>Ogni settimana i membri si incontrano per effettuare un </a:t>
+            </a:r>
+            <a:r>
+              <a:rPr lang="it-IT" sz="1700" b="1" dirty="0"/>
+              <a:t>weekly scrum</a:t>
+            </a:r>
+            <a:r>
+              <a:rPr lang="it-IT" sz="1700" dirty="0"/>
+              <a:t>: viene eseguito un resoconto sull’andamento del progetto nella settimana passata, vengono corretti errori e si cerca di trovare una soluzione comune a problemi di comprensione/dubbi di uno o più membri. Ogni </a:t>
+            </a:r>
+            <a:r>
+              <a:rPr lang="it-IT" sz="1700" b="1" dirty="0"/>
+              <a:t>sprint </a:t>
+            </a:r>
+            <a:r>
+              <a:rPr lang="it-IT" sz="1700" dirty="0"/>
+              <a:t>ha la</a:t>
+            </a:r>
+            <a:r>
+              <a:rPr lang="it-IT" sz="1700" b="1" dirty="0"/>
+              <a:t> </a:t>
+            </a:r>
+            <a:r>
+              <a:rPr lang="it-IT" sz="1700" dirty="0"/>
+              <a:t>durata di una settimana, entro la quale viene effettuato il weekly scrum; prima di procedere con lo sprint vero e proprio, è necessario stilare una lista di desideri/richieste, i quali devono essere portati a compimento entro la settimana corrente (</a:t>
+            </a:r>
+            <a:r>
+              <a:rPr lang="it-IT" sz="1700" b="1" dirty="0"/>
+              <a:t>sprint backlog</a:t>
+            </a:r>
+            <a:r>
+              <a:rPr lang="it-IT" sz="1700" dirty="0"/>
+              <a:t>). Il </a:t>
+            </a:r>
+            <a:r>
+              <a:rPr lang="it-IT" sz="1700" b="1" dirty="0"/>
+              <a:t>product </a:t>
+            </a:r>
+            <a:r>
+              <a:rPr lang="it-IT" sz="1700" b="1" dirty="0" err="1"/>
+              <a:t>owner</a:t>
+            </a:r>
+            <a:r>
+              <a:rPr lang="it-IT" sz="1700" dirty="0"/>
+              <a:t>, oltre a fare da tramite tra il gruppo di lavoro e i «clienti» (ospedale), deve definire una lista di priorità (</a:t>
+            </a:r>
+            <a:r>
+              <a:rPr lang="it-IT" sz="1700" b="1" dirty="0"/>
+              <a:t>product backlog</a:t>
+            </a:r>
+            <a:r>
+              <a:rPr lang="it-IT" sz="1700" dirty="0"/>
+              <a:t>): da essa si ricavano le voci degli sprint backlog; quindi, l’obiettivo è andare a concludere tutti i punti presenti nell’elenco attraverso la sequenza di sprint.</a:t>
+            </a:r>
           </a:p>
           <a:p>
             <a:pPr marL="0" indent="0">
               <a:buNone/>
             </a:pPr>
             <a:r>
-              <a:rPr lang="it-IT" sz="2000" dirty="0"/>
-              <a:t>Ogni settimana i membri si incontrano per effettuare un </a:t>
-            </a:r>
-            <a:r>
-              <a:rPr lang="it-IT" sz="2000" b="1" dirty="0"/>
-              <a:t>weekly scrum</a:t>
-            </a:r>
-            <a:r>
-              <a:rPr lang="it-IT" sz="2000" dirty="0"/>
-              <a:t>: viene eseguito un resoconto sull’andamento del progetto nella settimana passata, vengono corretti errori e si cerca di trovare una soluzione comune a problemi di comprensione/dubbi di uno o più membri. Ogni </a:t>
-            </a:r>
-            <a:r>
-              <a:rPr lang="it-IT" sz="2000" b="1" dirty="0"/>
-              <a:t>sprint </a:t>
-            </a:r>
-            <a:r>
-              <a:rPr lang="it-IT" sz="2000" dirty="0"/>
-              <a:t>ha la</a:t>
-            </a:r>
-            <a:r>
-              <a:rPr lang="it-IT" sz="2000" b="1" dirty="0"/>
-              <a:t> </a:t>
-            </a:r>
-            <a:r>
-              <a:rPr lang="it-IT" sz="2000" dirty="0"/>
-              <a:t>durata di una settimana, entro la quale viene effettuato il weekly scrum; prima di procedere con lo sprint vero e proprio, è necessario stilare una lista di desideri/richieste, che devono essere portate a compimento entro la settimana corrente (</a:t>
-            </a:r>
-            <a:r>
-              <a:rPr lang="it-IT" sz="2000" b="1" dirty="0"/>
-              <a:t>sprint backlog</a:t>
-            </a:r>
-            <a:r>
-              <a:rPr lang="it-IT" sz="2000" dirty="0"/>
-              <a:t>).</a:t>
-            </a:r>
-          </a:p>
-          <a:p>
-            <a:pPr marL="0" indent="0">
-              <a:buNone/>
-            </a:pPr>
-            <a:r>
-              <a:rPr lang="it-IT" sz="2000" dirty="0"/>
+              <a:rPr lang="it-IT" sz="1700" dirty="0"/>
               <a:t>La comunicazione, diretta e non, è molto importante: i membri del gruppo devono sempre essere aggiornati su nuove modifiche o richieste, e ciò avviene grazie ad app di messagistica o issue su GitHub.</a:t>
             </a:r>
           </a:p>
@@ -37294,6 +37337,15 @@
 </file>
 
 <file path=customXml/item1.xml><?xml version="1.0" encoding="utf-8"?>
+<?mso-contentType ?>
+<FormTemplates xmlns="http://schemas.microsoft.com/sharepoint/v3/contenttype/forms">
+  <Display>DocumentLibraryForm</Display>
+  <Edit>DocumentLibraryForm</Edit>
+  <New>DocumentLibraryForm</New>
+</FormTemplates>
+</file>
+
+<file path=customXml/item2.xml><?xml version="1.0" encoding="utf-8"?>
 <ct:contentTypeSchema xmlns:ct="http://schemas.microsoft.com/office/2006/metadata/contentType" xmlns:ma="http://schemas.microsoft.com/office/2006/metadata/properties/metaAttributes" ct:_="" ma:_="" ma:contentTypeName="Documento" ma:contentTypeID="0x0101007CE6213B20D2F945B0D1473923EE410F" ma:contentTypeVersion="7" ma:contentTypeDescription="Creare un nuovo documento." ma:contentTypeScope="" ma:versionID="dc8ac43e96b461727accd63cf925a5cf">
   <xsd:schema xmlns:xsd="http://www.w3.org/2001/XMLSchema" xmlns:xs="http://www.w3.org/2001/XMLSchema" xmlns:p="http://schemas.microsoft.com/office/2006/metadata/properties" xmlns:ns2="243f3390-b919-40e8-8195-3613e8527352" targetNamespace="http://schemas.microsoft.com/office/2006/metadata/properties" ma:root="true" ma:fieldsID="1987007e621e1b24d40e437f012b913d" ns2:_="">
     <xsd:import namespace="243f3390-b919-40e8-8195-3613e8527352"/>
@@ -37455,15 +37507,6 @@
 </ct:contentTypeSchema>
 </file>
 
-<file path=customXml/item2.xml><?xml version="1.0" encoding="utf-8"?>
-<?mso-contentType ?>
-<FormTemplates xmlns="http://schemas.microsoft.com/sharepoint/v3/contenttype/forms">
-  <Display>DocumentLibraryForm</Display>
-  <Edit>DocumentLibraryForm</Edit>
-  <New>DocumentLibraryForm</New>
-</FormTemplates>
-</file>
-
 <file path=customXml/item3.xml><?xml version="1.0" encoding="utf-8"?>
 <p:properties xmlns:p="http://schemas.microsoft.com/office/2006/metadata/properties" xmlns:xsi="http://www.w3.org/2001/XMLSchema-instance" xmlns:pc="http://schemas.microsoft.com/office/infopath/2007/PartnerControls">
   <documentManagement/>
@@ -37471,6 +37514,14 @@
 </file>
 
 <file path=customXml/itemProps1.xml><?xml version="1.0" encoding="utf-8"?>
+<ds:datastoreItem xmlns:ds="http://schemas.openxmlformats.org/officeDocument/2006/customXml" ds:itemID="{42BC90D6-94CF-42F7-AAC4-9CF6824C54D5}">
+  <ds:schemaRefs>
+    <ds:schemaRef ds:uri="http://schemas.microsoft.com/sharepoint/v3/contenttype/forms"/>
+  </ds:schemaRefs>
+</ds:datastoreItem>
+</file>
+
+<file path=customXml/itemProps2.xml><?xml version="1.0" encoding="utf-8"?>
 <ds:datastoreItem xmlns:ds="http://schemas.openxmlformats.org/officeDocument/2006/customXml" ds:itemID="{1A503E23-9696-4358-8F00-F7F66AC755EB}">
   <ds:schemaRefs>
     <ds:schemaRef ds:uri="http://schemas.microsoft.com/office/2006/metadata/contentType"/>
@@ -37484,14 +37535,6 @@
     <ds:schemaRef ds:uri="http://purl.org/dc/elements/1.1/"/>
     <ds:schemaRef ds:uri="http://purl.org/dc/terms/"/>
     <ds:schemaRef ds:uri="http://schemas.microsoft.com/internal/obd"/>
-  </ds:schemaRefs>
-</ds:datastoreItem>
-</file>
-
-<file path=customXml/itemProps2.xml><?xml version="1.0" encoding="utf-8"?>
-<ds:datastoreItem xmlns:ds="http://schemas.openxmlformats.org/officeDocument/2006/customXml" ds:itemID="{42BC90D6-94CF-42F7-AAC4-9CF6824C54D5}">
-  <ds:schemaRefs>
-    <ds:schemaRef ds:uri="http://schemas.microsoft.com/sharepoint/v3/contenttype/forms"/>
   </ds:schemaRefs>
 </ds:datastoreItem>
 </file>

--- a/Presentazione/Presentazione_Progetto.pptx
+++ b/Presentazione/Presentazione_Progetto.pptx
@@ -169,7 +169,7 @@
 <file path=ppt/revisionInfo.xml><?xml version="1.0" encoding="utf-8"?>
 <p1510:revInfo xmlns:a="http://schemas.openxmlformats.org/drawingml/2006/main" xmlns:r="http://schemas.openxmlformats.org/officeDocument/2006/relationships" xmlns:p1510="http://schemas.microsoft.com/office/powerpoint/2015/10/main">
   <p1510:revLst>
-    <p1510:client id="{E6DC4EAA-0AC7-4D8A-9ABA-9B4C09DD8308}" v="164" dt="2024-02-28T09:35:46.455"/>
+    <p1510:client id="{E6DC4EAA-0AC7-4D8A-9ABA-9B4C09DD8308}" v="284" dt="2024-02-28T11:21:23.098"/>
   </p1510:revLst>
 </p1510:revInfo>
 </file>
@@ -179,7 +179,7 @@
   <pc:docChgLst>
     <pc:chgData name="Matteo MANGILI" userId="89c7df381375e6aa" providerId="LiveId" clId="{E6DC4EAA-0AC7-4D8A-9ABA-9B4C09DD8308}"/>
     <pc:docChg chg="undo custSel addSld delSld modSld sldOrd">
-      <pc:chgData name="Matteo MANGILI" userId="89c7df381375e6aa" providerId="LiveId" clId="{E6DC4EAA-0AC7-4D8A-9ABA-9B4C09DD8308}" dt="2024-02-28T10:05:42.938" v="5005" actId="113"/>
+      <pc:chgData name="Matteo MANGILI" userId="89c7df381375e6aa" providerId="LiveId" clId="{E6DC4EAA-0AC7-4D8A-9ABA-9B4C09DD8308}" dt="2024-02-28T11:21:16.056" v="7800" actId="20577"/>
       <pc:docMkLst>
         <pc:docMk/>
       </pc:docMkLst>
@@ -276,13 +276,13 @@
         </pc:spChg>
       </pc:sldChg>
       <pc:sldChg chg="modSp mod">
-        <pc:chgData name="Matteo MANGILI" userId="89c7df381375e6aa" providerId="LiveId" clId="{E6DC4EAA-0AC7-4D8A-9ABA-9B4C09DD8308}" dt="2024-02-27T09:38:17.224" v="3588" actId="20577"/>
+        <pc:chgData name="Matteo MANGILI" userId="89c7df381375e6aa" providerId="LiveId" clId="{E6DC4EAA-0AC7-4D8A-9ABA-9B4C09DD8308}" dt="2024-02-28T11:21:16.056" v="7800" actId="20577"/>
         <pc:sldMkLst>
           <pc:docMk/>
           <pc:sldMk cId="2944479634" sldId="303"/>
         </pc:sldMkLst>
         <pc:spChg chg="mod">
-          <ac:chgData name="Matteo MANGILI" userId="89c7df381375e6aa" providerId="LiveId" clId="{E6DC4EAA-0AC7-4D8A-9ABA-9B4C09DD8308}" dt="2024-02-27T09:38:17.224" v="3588" actId="20577"/>
+          <ac:chgData name="Matteo MANGILI" userId="89c7df381375e6aa" providerId="LiveId" clId="{E6DC4EAA-0AC7-4D8A-9ABA-9B4C09DD8308}" dt="2024-02-28T11:21:16.056" v="7800" actId="20577"/>
           <ac:spMkLst>
             <pc:docMk/>
             <pc:sldMk cId="2944479634" sldId="303"/>
@@ -291,13 +291,13 @@
         </pc:spChg>
       </pc:sldChg>
       <pc:sldChg chg="modSp mod">
-        <pc:chgData name="Matteo MANGILI" userId="89c7df381375e6aa" providerId="LiveId" clId="{E6DC4EAA-0AC7-4D8A-9ABA-9B4C09DD8308}" dt="2024-02-27T11:53:30.186" v="3933" actId="20577"/>
+        <pc:chgData name="Matteo MANGILI" userId="89c7df381375e6aa" providerId="LiveId" clId="{E6DC4EAA-0AC7-4D8A-9ABA-9B4C09DD8308}" dt="2024-02-28T10:55:14.747" v="6919" actId="20577"/>
         <pc:sldMkLst>
           <pc:docMk/>
           <pc:sldMk cId="2728347993" sldId="304"/>
         </pc:sldMkLst>
         <pc:spChg chg="mod">
-          <ac:chgData name="Matteo MANGILI" userId="89c7df381375e6aa" providerId="LiveId" clId="{E6DC4EAA-0AC7-4D8A-9ABA-9B4C09DD8308}" dt="2024-02-27T11:53:30.186" v="3933" actId="20577"/>
+          <ac:chgData name="Matteo MANGILI" userId="89c7df381375e6aa" providerId="LiveId" clId="{E6DC4EAA-0AC7-4D8A-9ABA-9B4C09DD8308}" dt="2024-02-28T10:55:14.747" v="6919" actId="20577"/>
           <ac:spMkLst>
             <pc:docMk/>
             <pc:sldMk cId="2728347993" sldId="304"/>
@@ -321,17 +321,32 @@
         </pc:spChg>
       </pc:sldChg>
       <pc:sldChg chg="modSp mod">
-        <pc:chgData name="Matteo MANGILI" userId="89c7df381375e6aa" providerId="LiveId" clId="{E6DC4EAA-0AC7-4D8A-9ABA-9B4C09DD8308}" dt="2024-02-28T10:05:42.938" v="5005" actId="113"/>
+        <pc:chgData name="Matteo MANGILI" userId="89c7df381375e6aa" providerId="LiveId" clId="{E6DC4EAA-0AC7-4D8A-9ABA-9B4C09DD8308}" dt="2024-02-28T10:14:52.059" v="5052" actId="114"/>
         <pc:sldMkLst>
           <pc:docMk/>
           <pc:sldMk cId="1581940243" sldId="309"/>
         </pc:sldMkLst>
         <pc:spChg chg="mod">
-          <ac:chgData name="Matteo MANGILI" userId="89c7df381375e6aa" providerId="LiveId" clId="{E6DC4EAA-0AC7-4D8A-9ABA-9B4C09DD8308}" dt="2024-02-28T10:05:42.938" v="5005" actId="113"/>
+          <ac:chgData name="Matteo MANGILI" userId="89c7df381375e6aa" providerId="LiveId" clId="{E6DC4EAA-0AC7-4D8A-9ABA-9B4C09DD8308}" dt="2024-02-28T10:14:52.059" v="5052" actId="114"/>
           <ac:spMkLst>
             <pc:docMk/>
             <pc:sldMk cId="1581940243" sldId="309"/>
             <ac:spMk id="5" creationId="{BE1F23F2-64C7-BE07-E80F-A34081568AA8}"/>
+          </ac:spMkLst>
+        </pc:spChg>
+      </pc:sldChg>
+      <pc:sldChg chg="modSp mod">
+        <pc:chgData name="Matteo MANGILI" userId="89c7df381375e6aa" providerId="LiveId" clId="{E6DC4EAA-0AC7-4D8A-9ABA-9B4C09DD8308}" dt="2024-02-28T11:08:01.556" v="7054" actId="20577"/>
+        <pc:sldMkLst>
+          <pc:docMk/>
+          <pc:sldMk cId="2214790197" sldId="310"/>
+        </pc:sldMkLst>
+        <pc:spChg chg="mod">
+          <ac:chgData name="Matteo MANGILI" userId="89c7df381375e6aa" providerId="LiveId" clId="{E6DC4EAA-0AC7-4D8A-9ABA-9B4C09DD8308}" dt="2024-02-28T11:08:01.556" v="7054" actId="20577"/>
+          <ac:spMkLst>
+            <pc:docMk/>
+            <pc:sldMk cId="2214790197" sldId="310"/>
+            <ac:spMk id="4" creationId="{E45B50AB-E09E-377A-4B46-AFA47F523EAB}"/>
           </ac:spMkLst>
         </pc:spChg>
       </pc:sldChg>
@@ -569,13 +584,13 @@
         </pc:spChg>
       </pc:sldChg>
       <pc:sldChg chg="modSp mod">
-        <pc:chgData name="Matteo MANGILI" userId="89c7df381375e6aa" providerId="LiveId" clId="{E6DC4EAA-0AC7-4D8A-9ABA-9B4C09DD8308}" dt="2024-02-25T17:22:51.819" v="3124" actId="20577"/>
+        <pc:chgData name="Matteo MANGILI" userId="89c7df381375e6aa" providerId="LiveId" clId="{E6DC4EAA-0AC7-4D8A-9ABA-9B4C09DD8308}" dt="2024-02-28T10:16:39.752" v="5146" actId="20577"/>
         <pc:sldMkLst>
           <pc:docMk/>
           <pc:sldMk cId="3754641538" sldId="320"/>
         </pc:sldMkLst>
         <pc:spChg chg="mod">
-          <ac:chgData name="Matteo MANGILI" userId="89c7df381375e6aa" providerId="LiveId" clId="{E6DC4EAA-0AC7-4D8A-9ABA-9B4C09DD8308}" dt="2024-02-25T17:22:51.819" v="3124" actId="20577"/>
+          <ac:chgData name="Matteo MANGILI" userId="89c7df381375e6aa" providerId="LiveId" clId="{E6DC4EAA-0AC7-4D8A-9ABA-9B4C09DD8308}" dt="2024-02-28T10:16:39.752" v="5146" actId="20577"/>
           <ac:spMkLst>
             <pc:docMk/>
             <pc:sldMk cId="3754641538" sldId="320"/>
@@ -584,21 +599,21 @@
         </pc:spChg>
       </pc:sldChg>
       <pc:sldChg chg="modSp mod">
-        <pc:chgData name="Matteo MANGILI" userId="89c7df381375e6aa" providerId="LiveId" clId="{E6DC4EAA-0AC7-4D8A-9ABA-9B4C09DD8308}" dt="2024-02-25T17:36:13.896" v="3387" actId="20577"/>
+        <pc:chgData name="Matteo MANGILI" userId="89c7df381375e6aa" providerId="LiveId" clId="{E6DC4EAA-0AC7-4D8A-9ABA-9B4C09DD8308}" dt="2024-02-28T11:11:48.132" v="7249" actId="20577"/>
         <pc:sldMkLst>
           <pc:docMk/>
           <pc:sldMk cId="3518618096" sldId="321"/>
         </pc:sldMkLst>
         <pc:spChg chg="mod">
-          <ac:chgData name="Matteo MANGILI" userId="89c7df381375e6aa" providerId="LiveId" clId="{E6DC4EAA-0AC7-4D8A-9ABA-9B4C09DD8308}" dt="2024-02-25T17:36:13.896" v="3387" actId="20577"/>
+          <ac:chgData name="Matteo MANGILI" userId="89c7df381375e6aa" providerId="LiveId" clId="{E6DC4EAA-0AC7-4D8A-9ABA-9B4C09DD8308}" dt="2024-02-28T11:11:48.132" v="7249" actId="20577"/>
           <ac:spMkLst>
             <pc:docMk/>
             <pc:sldMk cId="3518618096" sldId="321"/>
             <ac:spMk id="7" creationId="{1BFAFA53-B5DB-7FF0-D80B-1D38652788B6}"/>
           </ac:spMkLst>
         </pc:spChg>
-        <pc:picChg chg="mod">
-          <ac:chgData name="Matteo MANGILI" userId="89c7df381375e6aa" providerId="LiveId" clId="{E6DC4EAA-0AC7-4D8A-9ABA-9B4C09DD8308}" dt="2024-02-25T17:35:20.429" v="3363" actId="1076"/>
+        <pc:picChg chg="mod modCrop">
+          <ac:chgData name="Matteo MANGILI" userId="89c7df381375e6aa" providerId="LiveId" clId="{E6DC4EAA-0AC7-4D8A-9ABA-9B4C09DD8308}" dt="2024-02-28T10:58:33.231" v="7036" actId="732"/>
           <ac:picMkLst>
             <pc:docMk/>
             <pc:sldMk cId="3518618096" sldId="321"/>
@@ -16738,7 +16753,7 @@
               <a:t>Le informazioni generali per lavorare al Sistema le abbiamo prese da un’intervista effettuata dal responsabile Cattaneo verso un’infermiera dell’Ospedale Papa Giovanni XXIII di Bergamo (BG) (</a:t>
             </a:r>
             <a:r>
-              <a:rPr lang="en-US" sz="2300" b="1" dirty="0">
+              <a:rPr lang="en-US" sz="2300" b="1" i="1" dirty="0">
                 <a:cs typeface="Calibri"/>
               </a:rPr>
               <a:t>Elicitazione dei requisiti</a:t>
@@ -16767,10 +16782,16 @@
               <a:t>Una volta descritto il problema (</a:t>
             </a:r>
             <a:r>
-              <a:rPr lang="en-US" sz="2300" b="1" dirty="0">
+              <a:rPr lang="en-US" sz="2300" b="1" i="1" dirty="0">
                 <a:cs typeface="Calibri"/>
               </a:rPr>
-              <a:t>Specifica dei Requisiti</a:t>
+              <a:t>Specifica dei </a:t>
+            </a:r>
+            <a:r>
+              <a:rPr lang="en-US" sz="2300" b="1" i="1" dirty="0" err="1">
+                <a:cs typeface="Calibri"/>
+              </a:rPr>
+              <a:t>requisiti</a:t>
             </a:r>
             <a:r>
               <a:rPr lang="en-US" sz="2300" dirty="0">
@@ -16791,10 +16812,16 @@
               <a:t> i requisiti devono essere valutati per la loro importanza e ruolo rispetto alla natura del progetto (</a:t>
             </a:r>
             <a:r>
+              <a:rPr lang="en-US" sz="2300" b="1" i="1" dirty="0">
+                <a:cs typeface="Calibri"/>
+              </a:rPr>
+              <a:t>Verifica</a:t>
+            </a:r>
+            <a:r>
               <a:rPr lang="en-US" sz="2300" b="1" dirty="0">
                 <a:cs typeface="Calibri"/>
               </a:rPr>
-              <a:t>Verifica, </a:t>
+              <a:t>, </a:t>
             </a:r>
             <a:r>
               <a:rPr lang="en-US" sz="2300" dirty="0">
@@ -16803,7 +16830,7 @@
               <a:t>i requisiti soddisfano le esigenze del Sistema, </a:t>
             </a:r>
             <a:r>
-              <a:rPr lang="en-US" sz="2300" b="1" dirty="0">
+              <a:rPr lang="en-US" sz="2300" b="1" i="1" dirty="0">
                 <a:cs typeface="Calibri"/>
               </a:rPr>
               <a:t>Validazione</a:t>
@@ -16830,7 +16857,19 @@
               <a:rPr lang="en-US" sz="2300" dirty="0">
                 <a:cs typeface="Calibri"/>
               </a:rPr>
-              <a:t>requisiti rispettano le richieste d’utente).</a:t>
+              <a:t>requisiti rispettano le richieste </a:t>
+            </a:r>
+            <a:r>
+              <a:rPr lang="en-US" sz="2300" dirty="0" err="1">
+                <a:cs typeface="Calibri"/>
+              </a:rPr>
+              <a:t>d’utente</a:t>
+            </a:r>
+            <a:r>
+              <a:rPr lang="en-US" sz="2300" dirty="0">
+                <a:cs typeface="Calibri"/>
+              </a:rPr>
+              <a:t>).</a:t>
             </a:r>
           </a:p>
           <a:p>
@@ -16857,19 +16896,19 @@
               <a:rPr lang="en-US" sz="2300" dirty="0">
                 <a:cs typeface="Calibri"/>
               </a:rPr>
-              <a:t>Corretta correlazione tra le varie </a:t>
+              <a:t>Corretta </a:t>
             </a:r>
             <a:r>
               <a:rPr lang="en-US" sz="2300" dirty="0" err="1">
                 <a:cs typeface="Calibri"/>
               </a:rPr>
-              <a:t>classi</a:t>
+              <a:t>Correlazione</a:t>
             </a:r>
             <a:r>
               <a:rPr lang="en-US" sz="2300" dirty="0">
                 <a:cs typeface="Calibri"/>
               </a:rPr>
-              <a:t> del sistema;</a:t>
+              <a:t> tra le varie classi del sistema;</a:t>
             </a:r>
           </a:p>
           <a:p>
@@ -16885,7 +16924,31 @@
               <a:rPr lang="en-US" sz="2300" dirty="0">
                 <a:cs typeface="Calibri"/>
               </a:rPr>
-              <a:t>Il Sistema non deve interfacciarsi con altri sistemi;</a:t>
+              <a:t>Il Sistema non deve interfacciarsi con </a:t>
+            </a:r>
+            <a:r>
+              <a:rPr lang="en-US" sz="2300" dirty="0" err="1">
+                <a:cs typeface="Calibri"/>
+              </a:rPr>
+              <a:t>altri</a:t>
+            </a:r>
+            <a:r>
+              <a:rPr lang="en-US" sz="2300" dirty="0">
+                <a:cs typeface="Calibri"/>
+              </a:rPr>
+              <a:t> </a:t>
+            </a:r>
+            <a:r>
+              <a:rPr lang="en-US" sz="2300" dirty="0" err="1">
+                <a:cs typeface="Calibri"/>
+              </a:rPr>
+              <a:t>ambienti</a:t>
+            </a:r>
+            <a:r>
+              <a:rPr lang="en-US" sz="2300" dirty="0">
+                <a:cs typeface="Calibri"/>
+              </a:rPr>
+              <a:t> (hardware o software);</a:t>
             </a:r>
           </a:p>
           <a:p>
@@ -20182,7 +20245,7 @@
         <p:spPr>
           <a:xfrm>
             <a:off x="667512" y="1979682"/>
-            <a:ext cx="10853928" cy="5032147"/>
+            <a:ext cx="10853928" cy="5324535"/>
           </a:xfrm>
           <a:prstGeom prst="rect">
             <a:avLst/>
@@ -20197,7 +20260,7 @@
           <a:p>
             <a:r>
               <a:rPr lang="it-IT" sz="1900" dirty="0"/>
-              <a:t>Il nostro progetto deve essere chiaro (le specifiche devono descrivere dettagliatamente le operazioni coinvolte), non ambiguo, consistente (non devono essere presenti contraddizioni), completo, comprensibile e di facile utilizzo; sebbene il sistema non disponga di requisiti rigidi in tempo reale, l’architettura deve essere progettata in modo tale che il software venga approvato.</a:t>
+              <a:t>L’architettura del nostro progetto è stata implementata in modo tale che il prodotto finale sia chiaro (le specifiche devono descrivere dettagliatamente le operazioni coinvolte), non ambiguo, consistente (non devono essere presenti contraddizioni), completo, comprensibile e di facile utilizzo; sebbene il sistema non disponga di requisiti rigidi in tempo reale, l’architettura deve essere progettata in modo tale che il software venga approvato.</a:t>
             </a:r>
           </a:p>
           <a:p>
@@ -21066,29 +21129,40 @@
             </a:pPr>
             <a:r>
               <a:rPr lang="en-US" sz="2000" dirty="0"/>
-              <a:t>All’interno del nostro Progetto sono stati utilizzati vari Design Pattern:</a:t>
-            </a:r>
-          </a:p>
-          <a:p>
-            <a:pPr>
-              <a:buFont typeface="Wingdings" panose="05000000000000000000" pitchFamily="2" charset="2"/>
-              <a:buChar char="§"/>
+              <a:t>All’interno del nostro Progetto è stato utilizzato un solo tipo di Design Pattern:</a:t>
+            </a:r>
+          </a:p>
+          <a:p>
+            <a:pPr marL="0" indent="0">
+              <a:buNone/>
             </a:pPr>
             <a:r>
               <a:rPr lang="en-US" sz="2000" b="1" dirty="0"/>
               <a:t>Delegation Pattern </a:t>
             </a:r>
+          </a:p>
+          <a:p>
+            <a:pPr marL="0" indent="0">
+              <a:buNone/>
+            </a:pPr>
             <a:r>
               <a:rPr lang="en-US" sz="2000" dirty="0"/>
-              <a:t>(per far svolgere alla cabina di regia i giusti metodi: riutilizza frammenti di codice, minimizzando i costi </a:t>
-            </a:r>
-            <a:r>
-              <a:rPr lang="en-US" sz="2000" dirty="0" err="1"/>
-              <a:t>d’uso</a:t>
-            </a:r>
+              <a:t>Pattern che viene utilizzato quando, progettando un metodo di una nuova classe, ci si accorge che già un’altra classe esegue la stessa operazione. A questo scopo, viene istanziato, all’interno della nuova classe, un oggetto della nuova classe e che ne applica il metodo desiderato. Tale pattern riutilizza frammenti di codice, minimizzando i costi d’uso.</a:t>
+            </a:r>
+          </a:p>
+          <a:p>
+            <a:pPr marL="0" indent="0">
+              <a:buNone/>
+            </a:pPr>
+            <a:endParaRPr lang="en-US" sz="2000" dirty="0"/>
+          </a:p>
+          <a:p>
+            <a:pPr marL="0" indent="0">
+              <a:buNone/>
+            </a:pPr>
             <a:r>
               <a:rPr lang="en-US" sz="2000" dirty="0"/>
-              <a:t>)</a:t>
+              <a:t>Nel nostro caso, il delegation pattern è stato utilizzato per fare in modo che le classi GUI deleghino al dataService: nella costruzione delle tabelle per Liste Operatorie, Verbali Medici o semplicemnete per inserire un nuovo paziente nel Sistema, si deve tenere conto dei metodi presenti nelle classi Gui, atti alla modifica o all’inserimento/cancellazione di nuovi elementi, che verranno poi riutilizzati rispetto alla Gestione Sale.</a:t>
             </a:r>
           </a:p>
         </p:txBody>
@@ -21953,12 +22027,8 @@
               <a:buChar char="Ø"/>
             </a:pPr>
             <a:r>
-              <a:rPr lang="en-US" sz="1800" dirty="0" err="1"/>
-              <a:t>Autenticazione</a:t>
-            </a:r>
-            <a:r>
               <a:rPr lang="en-US" sz="1800" dirty="0"/>
-              <a:t> Medico</a:t>
+              <a:t>Autenticazione Medico</a:t>
             </a:r>
           </a:p>
           <a:p>
@@ -21968,9 +22038,8 @@
             </a:pPr>
             <a:r>
               <a:rPr lang="it-IT" sz="1800" dirty="0"/>
-              <a:t>Registrazione del Pagina Anagrafica paziente nel sistema</a:t>
-            </a:r>
-            <a:endParaRPr lang="en-US" sz="1800" dirty="0"/>
+              <a:t>Registrazione Paziente nel Sistema</a:t>
+            </a:r>
           </a:p>
           <a:p>
             <a:pPr>
@@ -21978,12 +22047,8 @@
               <a:buChar char="Ø"/>
             </a:pPr>
             <a:r>
-              <a:rPr lang="en-US" sz="1800" dirty="0" err="1"/>
-              <a:t>Iscrizione</a:t>
-            </a:r>
-            <a:r>
               <a:rPr lang="en-US" sz="1800" dirty="0"/>
-              <a:t> alla Lista Operatoria </a:t>
+              <a:t>Iscrizione alla Lista Operatoria </a:t>
             </a:r>
           </a:p>
           <a:p>
@@ -21992,18 +22057,9 @@
               <a:buChar char="Ø"/>
             </a:pPr>
             <a:r>
-              <a:rPr lang="en-US" sz="1800" dirty="0" err="1"/>
-              <a:t>Eseguire</a:t>
-            </a:r>
-            <a:r>
               <a:rPr lang="en-US" sz="1800" dirty="0"/>
-              <a:t> </a:t>
-            </a:r>
-            <a:r>
-              <a:rPr lang="en-US" sz="1800" dirty="0" err="1"/>
-              <a:t>Intervento</a:t>
-            </a:r>
-            <a:endParaRPr lang="en-US" sz="1800" dirty="0"/>
+              <a:t>Eseguire Intervento</a:t>
+            </a:r>
           </a:p>
           <a:p>
             <a:pPr>
@@ -22030,116 +22086,8 @@
               <a:buNone/>
             </a:pPr>
             <a:r>
-              <a:rPr lang="en-US" sz="1800" dirty="0" err="1"/>
-              <a:t>Nell’implementazione</a:t>
-            </a:r>
-            <a:r>
               <a:rPr lang="en-US" sz="1800" dirty="0"/>
-              <a:t> del </a:t>
-            </a:r>
-            <a:r>
-              <a:rPr lang="en-US" sz="1800" dirty="0" err="1"/>
-              <a:t>codice</a:t>
-            </a:r>
-            <a:r>
-              <a:rPr lang="en-US" sz="1800" dirty="0"/>
-              <a:t> </a:t>
-            </a:r>
-            <a:r>
-              <a:rPr lang="en-US" sz="1800" dirty="0" err="1"/>
-              <a:t>si</a:t>
-            </a:r>
-            <a:r>
-              <a:rPr lang="en-US" sz="1800" dirty="0"/>
-              <a:t> è tenuto </a:t>
-            </a:r>
-            <a:r>
-              <a:rPr lang="en-US" sz="1800" dirty="0" err="1"/>
-              <a:t>maggiormente</a:t>
-            </a:r>
-            <a:r>
-              <a:rPr lang="en-US" sz="1800" dirty="0"/>
-              <a:t> </a:t>
-            </a:r>
-            <a:r>
-              <a:rPr lang="en-US" sz="1800" dirty="0" err="1"/>
-              <a:t>conto</a:t>
-            </a:r>
-            <a:r>
-              <a:rPr lang="en-US" sz="1800" dirty="0"/>
-              <a:t> </a:t>
-            </a:r>
-            <a:r>
-              <a:rPr lang="en-US" sz="1800" dirty="0" err="1"/>
-              <a:t>delle</a:t>
-            </a:r>
-            <a:r>
-              <a:rPr lang="en-US" sz="1800" dirty="0"/>
-              <a:t> </a:t>
-            </a:r>
-            <a:r>
-              <a:rPr lang="en-US" sz="1800" dirty="0" err="1"/>
-              <a:t>attività</a:t>
-            </a:r>
-            <a:r>
-              <a:rPr lang="en-US" sz="1800" dirty="0"/>
-              <a:t> </a:t>
-            </a:r>
-            <a:r>
-              <a:rPr lang="en-US" sz="1800" dirty="0" err="1"/>
-              <a:t>svolte</a:t>
-            </a:r>
-            <a:r>
-              <a:rPr lang="en-US" sz="1800" dirty="0"/>
-              <a:t> dal medico, </a:t>
-            </a:r>
-            <a:r>
-              <a:rPr lang="en-US" sz="1800" dirty="0" err="1"/>
-              <a:t>piuttosto</a:t>
-            </a:r>
-            <a:r>
-              <a:rPr lang="en-US" sz="1800" dirty="0"/>
-              <a:t> </a:t>
-            </a:r>
-            <a:r>
-              <a:rPr lang="en-US" sz="1800" dirty="0" err="1"/>
-              <a:t>che</a:t>
-            </a:r>
-            <a:r>
-              <a:rPr lang="en-US" sz="1800" dirty="0"/>
-              <a:t> </a:t>
-            </a:r>
-            <a:r>
-              <a:rPr lang="en-US" sz="1800" dirty="0" err="1"/>
-              <a:t>dalle</a:t>
-            </a:r>
-            <a:r>
-              <a:rPr lang="en-US" sz="1800" dirty="0"/>
-              <a:t> mansion </a:t>
-            </a:r>
-            <a:r>
-              <a:rPr lang="en-US" sz="1800" dirty="0" err="1"/>
-              <a:t>possibili</a:t>
-            </a:r>
-            <a:r>
-              <a:rPr lang="en-US" sz="1800" dirty="0"/>
-              <a:t> di </a:t>
-            </a:r>
-            <a:r>
-              <a:rPr lang="en-US" sz="1800" dirty="0" err="1"/>
-              <a:t>infermieri</a:t>
-            </a:r>
-            <a:r>
-              <a:rPr lang="en-US" sz="1800" dirty="0"/>
-              <a:t> e </a:t>
-            </a:r>
-            <a:r>
-              <a:rPr lang="en-US" sz="1800" dirty="0" err="1"/>
-              <a:t>cabina</a:t>
-            </a:r>
-            <a:r>
-              <a:rPr lang="en-US" sz="1800" dirty="0"/>
-              <a:t> di regia.</a:t>
+              <a:t>Nell’implementazione del codice si è tenuto maggiormente conto delle attività svolte dal medico, piuttosto che dalle mansion possibili di infermieri e cabina di regia (considerando che, a livello di codice, sarebbe stato difficile fare in modo che più classi potessero agire sullo stesso oggetto).</a:t>
             </a:r>
           </a:p>
           <a:p>
@@ -22148,71 +22096,7 @@
             </a:pPr>
             <a:r>
               <a:rPr lang="en-US" sz="1800" dirty="0"/>
-              <a:t>E’ importante poter accedere alle </a:t>
-            </a:r>
-            <a:r>
-              <a:rPr lang="en-US" sz="1800" dirty="0" err="1"/>
-              <a:t>liste</a:t>
-            </a:r>
-            <a:r>
-              <a:rPr lang="en-US" sz="1800" dirty="0"/>
-              <a:t> </a:t>
-            </a:r>
-            <a:r>
-              <a:rPr lang="en-US" sz="1800" dirty="0" err="1"/>
-              <a:t>operatorie</a:t>
-            </a:r>
-            <a:r>
-              <a:rPr lang="en-US" sz="1800" dirty="0"/>
-              <a:t>, alle </a:t>
-            </a:r>
-            <a:r>
-              <a:rPr lang="en-US" sz="1800" dirty="0" err="1"/>
-              <a:t>singole</a:t>
-            </a:r>
-            <a:r>
-              <a:rPr lang="en-US" sz="1800" dirty="0"/>
-              <a:t> </a:t>
-            </a:r>
-            <a:r>
-              <a:rPr lang="en-US" sz="1800" dirty="0" err="1"/>
-              <a:t>pagine</a:t>
-            </a:r>
-            <a:r>
-              <a:rPr lang="en-US" sz="1800" dirty="0"/>
-              <a:t> </a:t>
-            </a:r>
-            <a:r>
-              <a:rPr lang="en-US" sz="1800" dirty="0" err="1"/>
-              <a:t>anagrafiche</a:t>
-            </a:r>
-            <a:r>
-              <a:rPr lang="en-US" sz="1800" dirty="0"/>
-              <a:t> </a:t>
-            </a:r>
-            <a:r>
-              <a:rPr lang="en-US" sz="1800" dirty="0" err="1"/>
-              <a:t>dei</a:t>
-            </a:r>
-            <a:r>
-              <a:rPr lang="en-US" sz="1800" dirty="0"/>
-              <a:t> </a:t>
-            </a:r>
-            <a:r>
-              <a:rPr lang="en-US" sz="1800" dirty="0" err="1"/>
-              <a:t>paziente</a:t>
-            </a:r>
-            <a:r>
-              <a:rPr lang="en-US" sz="1800" dirty="0"/>
-              <a:t> e al verbale </a:t>
-            </a:r>
-            <a:r>
-              <a:rPr lang="en-US" sz="1800" dirty="0" err="1"/>
-              <a:t>dell’intervento</a:t>
-            </a:r>
-            <a:r>
-              <a:rPr lang="en-US" sz="1800" dirty="0"/>
-              <a:t> in ogni momento, per visualizzare informazioni o effettuare modifiche.</a:t>
+              <a:t>E’ importante poter accedere alle liste operatorie, alle singole pagine anagrafiche dei pazienti e al verbale dell’intervento in ogni momento, per visualizzare informazioni o effettuare modifiche.</a:t>
             </a:r>
           </a:p>
           <a:p>
@@ -23066,16 +22950,15 @@
             <p:ph idx="1"/>
           </p:nvPr>
         </p:nvPicPr>
-        <p:blipFill>
+        <p:blipFill rotWithShape="1">
           <a:blip r:embed="rId3"/>
-          <a:stretch>
-            <a:fillRect/>
-          </a:stretch>
+          <a:srcRect t="4180"/>
+          <a:stretch/>
         </p:blipFill>
         <p:spPr>
           <a:xfrm>
-            <a:off x="6417654" y="2203872"/>
-            <a:ext cx="5530714" cy="3492000"/>
+            <a:off x="6417654" y="2349820"/>
+            <a:ext cx="5530714" cy="3346052"/>
           </a:xfrm>
         </p:spPr>
       </p:pic>
@@ -23139,8 +23022,8 @@
         </p:nvSpPr>
         <p:spPr>
           <a:xfrm>
-            <a:off x="669036" y="2055813"/>
-            <a:ext cx="5823262" cy="3970318"/>
+            <a:off x="669035" y="2055813"/>
+            <a:ext cx="6664825" cy="4524315"/>
           </a:xfrm>
           <a:prstGeom prst="rect">
             <a:avLst/>
@@ -23163,7 +23046,7 @@
             </a:r>
             <a:r>
               <a:rPr lang="it-IT" dirty="0"/>
-              <a:t>) è iniziata subito dopo la consegna del progetto; lo scopo principale è aumentare la qualità dell’intero sistema, correggendo errori (principalmente di codice) e cercando di adattare il software alle richieste degli utenti ma anche dell’ambiente di utilizzo, al fine di aumentare il grado di manutenibilità futura.</a:t>
+              <a:t>) è iniziata subito dopo la consegna del progetto; lo scopo principale è aumentare la qualità dell’intero sistema, correggendo errori (principalmente di codice) e cercando di adattare il software alle richieste degli utenti ma anche dell’ambiente di utilizzo, al fine di aumentare il grado di manutenibilità futura. La documentazione deve essere sottoposta a manutenzione, per essere sicuri che essa spieghi nel dettaglio l’intero funzionamento del programma senza contraddizioni</a:t>
             </a:r>
           </a:p>
           <a:p>
@@ -23175,16 +23058,12 @@
               <a:t>L’attività di </a:t>
             </a:r>
             <a:r>
-              <a:rPr lang="it-IT" i="1" dirty="0" err="1"/>
-              <a:t>Refactoring</a:t>
-            </a:r>
-            <a:r>
               <a:rPr lang="it-IT" i="1" dirty="0"/>
-              <a:t> </a:t>
+              <a:t>Refactoring </a:t>
             </a:r>
             <a:r>
               <a:rPr lang="it-IT" dirty="0"/>
-              <a:t>è eseguita per mantenere il codice mantenibile: piccole azioni atte ad alterare la struttura interna del codice senza modificarne il comportamento esterno. Si cerca di evitare codice duplicato, variabili globali, metodi lunghi, classi «pigre» o invidia tra le classi (i cosiddetti bad smells, «cattivi odori»).</a:t>
+              <a:t>è stata eseguita, al fine di assicurare che il codice sia mantenibile: piccole azioni atte ad alterare la struttura interna del codice senza modificarne il comportamento esterno. Si cerca di evitare codice duplicato, variabili globali, metodi lunghi, classi «pigre» o invidia tra le classi (i cosiddetti bad smells, «cattivi odori», che possono abbassare il grado di qualità finale).</a:t>
             </a:r>
             <a:endParaRPr lang="it-IT" i="1" dirty="0"/>
           </a:p>
@@ -25895,7 +25774,15 @@
             </a:pPr>
             <a:r>
               <a:rPr lang="en-US" sz="2000" dirty="0"/>
-              <a:t>L’obiettivo principale del progetto è creare un software per la gestione di un ospedale, in particolare per tenere traccia del paziente e dei suoi “movimenti” rispetto al Sistema generale. Per la creazione del sistema, è necessario tenere conto di diversi fattori:</a:t>
+              <a:t>L’obiettivo principale del progetto è creare un software per la gestione di un ospedale, in particolare per tenere traccia del paziente e dei suoi “movimenti” rispetto al Sistema generale. Per la </a:t>
+            </a:r>
+            <a:r>
+              <a:rPr lang="en-US" sz="2000" dirty="0" err="1"/>
+              <a:t>creazione</a:t>
+            </a:r>
+            <a:r>
+              <a:rPr lang="en-US" sz="2000" dirty="0"/>
+              <a:t> del sistema, è necessario tenere conto di diversi fattori:</a:t>
             </a:r>
           </a:p>
           <a:p>
@@ -25927,7 +25814,15 @@
             </a:r>
             <a:r>
               <a:rPr lang="en-US" sz="2000" dirty="0"/>
-              <a:t>, liste di attesa per le persone che devono eseguire gli esami definiti dalla cabina di regia. </a:t>
+              <a:t>, liste di attesa per le persone che devono </a:t>
+            </a:r>
+            <a:r>
+              <a:rPr lang="en-US" sz="2000" dirty="0" err="1"/>
+              <a:t>eseguire</a:t>
+            </a:r>
+            <a:r>
+              <a:rPr lang="en-US" sz="2000" dirty="0"/>
+              <a:t> gli esami definiti dalla cabina di regia. </a:t>
             </a:r>
             <a:endParaRPr lang="en-US" sz="2000" b="1" i="1" dirty="0"/>
           </a:p>
@@ -25946,7 +25841,15 @@
             </a:r>
             <a:r>
               <a:rPr lang="en-US" sz="2000" dirty="0"/>
-              <a:t>contententi i nomi e le informazioni dei pazienti che devono sottoporsi ad un determinato intervento (vengono definite dal medico).</a:t>
+              <a:t>contententi i nomi e le informazioni dei pazienti che devono sottoporsi ad un determinato </a:t>
+            </a:r>
+            <a:r>
+              <a:rPr lang="en-US" sz="2000" dirty="0" err="1"/>
+              <a:t>intervento</a:t>
+            </a:r>
+            <a:r>
+              <a:rPr lang="en-US" sz="2000" dirty="0"/>
+              <a:t> (vengono definite dal medico).</a:t>
             </a:r>
           </a:p>
           <a:p>
@@ -25956,7 +25859,11 @@
             </a:pPr>
             <a:r>
               <a:rPr lang="en-US" sz="2000" b="1" i="1" dirty="0"/>
-              <a:t>Verbale dell’Intervento</a:t>
+              <a:t>Verbale </a:t>
+            </a:r>
+            <a:r>
+              <a:rPr lang="en-US" sz="2000" b="1" i="1" dirty="0" err="1"/>
+              <a:t>dell’Intervento</a:t>
             </a:r>
             <a:r>
               <a:rPr lang="en-US" sz="2000" dirty="0"/>
@@ -29609,7 +29516,7 @@
             </a:pPr>
             <a:r>
               <a:rPr lang="en-US" sz="2000" dirty="0"/>
-              <a:t>Nell’effettuare un testing al nostro Progetto, abbiamo potato per un test di tipo </a:t>
+              <a:t>Nell’effettuare un testing al nostro Progetto, abbiamo optato per un test di tipo </a:t>
             </a:r>
             <a:r>
               <a:rPr lang="en-US" sz="2000" b="1" dirty="0"/>
@@ -29642,7 +29549,7 @@
             </a:r>
             <a:r>
               <a:rPr lang="en-US" sz="2000" dirty="0"/>
-              <a:t>(comportamento diverso dale aspettative del programma),</a:t>
+              <a:t>(comportamento diverso dalle aspettative del programma).</a:t>
             </a:r>
           </a:p>
           <a:p>
@@ -29651,7 +29558,15 @@
             </a:pPr>
             <a:r>
               <a:rPr lang="en-US" sz="2000" dirty="0"/>
-              <a:t>- Inseriti degli input nel codice, i tre collaboraori hanno verificato che il software si comporti in maniera corretta.</a:t>
+              <a:t>- Inseriti </a:t>
+            </a:r>
+            <a:r>
+              <a:rPr lang="it-IT" sz="2000" dirty="0"/>
+              <a:t>opportuni</a:t>
+            </a:r>
+            <a:r>
+              <a:rPr lang="en-US" sz="2000" dirty="0"/>
+              <a:t> input nel codice, i tre collaboratori hanno verificato che il software si comporti in maniera corretta.</a:t>
             </a:r>
           </a:p>
           <a:p>
@@ -37337,15 +37252,6 @@
 </file>
 
 <file path=customXml/item1.xml><?xml version="1.0" encoding="utf-8"?>
-<?mso-contentType ?>
-<FormTemplates xmlns="http://schemas.microsoft.com/sharepoint/v3/contenttype/forms">
-  <Display>DocumentLibraryForm</Display>
-  <Edit>DocumentLibraryForm</Edit>
-  <New>DocumentLibraryForm</New>
-</FormTemplates>
-</file>
-
-<file path=customXml/item2.xml><?xml version="1.0" encoding="utf-8"?>
 <ct:contentTypeSchema xmlns:ct="http://schemas.microsoft.com/office/2006/metadata/contentType" xmlns:ma="http://schemas.microsoft.com/office/2006/metadata/properties/metaAttributes" ct:_="" ma:_="" ma:contentTypeName="Documento" ma:contentTypeID="0x0101007CE6213B20D2F945B0D1473923EE410F" ma:contentTypeVersion="7" ma:contentTypeDescription="Creare un nuovo documento." ma:contentTypeScope="" ma:versionID="dc8ac43e96b461727accd63cf925a5cf">
   <xsd:schema xmlns:xsd="http://www.w3.org/2001/XMLSchema" xmlns:xs="http://www.w3.org/2001/XMLSchema" xmlns:p="http://schemas.microsoft.com/office/2006/metadata/properties" xmlns:ns2="243f3390-b919-40e8-8195-3613e8527352" targetNamespace="http://schemas.microsoft.com/office/2006/metadata/properties" ma:root="true" ma:fieldsID="1987007e621e1b24d40e437f012b913d" ns2:_="">
     <xsd:import namespace="243f3390-b919-40e8-8195-3613e8527352"/>
@@ -37507,6 +37413,15 @@
 </ct:contentTypeSchema>
 </file>
 
+<file path=customXml/item2.xml><?xml version="1.0" encoding="utf-8"?>
+<?mso-contentType ?>
+<FormTemplates xmlns="http://schemas.microsoft.com/sharepoint/v3/contenttype/forms">
+  <Display>DocumentLibraryForm</Display>
+  <Edit>DocumentLibraryForm</Edit>
+  <New>DocumentLibraryForm</New>
+</FormTemplates>
+</file>
+
 <file path=customXml/item3.xml><?xml version="1.0" encoding="utf-8"?>
 <p:properties xmlns:p="http://schemas.microsoft.com/office/2006/metadata/properties" xmlns:xsi="http://www.w3.org/2001/XMLSchema-instance" xmlns:pc="http://schemas.microsoft.com/office/infopath/2007/PartnerControls">
   <documentManagement/>
@@ -37514,14 +37429,6 @@
 </file>
 
 <file path=customXml/itemProps1.xml><?xml version="1.0" encoding="utf-8"?>
-<ds:datastoreItem xmlns:ds="http://schemas.openxmlformats.org/officeDocument/2006/customXml" ds:itemID="{42BC90D6-94CF-42F7-AAC4-9CF6824C54D5}">
-  <ds:schemaRefs>
-    <ds:schemaRef ds:uri="http://schemas.microsoft.com/sharepoint/v3/contenttype/forms"/>
-  </ds:schemaRefs>
-</ds:datastoreItem>
-</file>
-
-<file path=customXml/itemProps2.xml><?xml version="1.0" encoding="utf-8"?>
 <ds:datastoreItem xmlns:ds="http://schemas.openxmlformats.org/officeDocument/2006/customXml" ds:itemID="{1A503E23-9696-4358-8F00-F7F66AC755EB}">
   <ds:schemaRefs>
     <ds:schemaRef ds:uri="http://schemas.microsoft.com/office/2006/metadata/contentType"/>
@@ -37535,6 +37442,14 @@
     <ds:schemaRef ds:uri="http://purl.org/dc/elements/1.1/"/>
     <ds:schemaRef ds:uri="http://purl.org/dc/terms/"/>
     <ds:schemaRef ds:uri="http://schemas.microsoft.com/internal/obd"/>
+  </ds:schemaRefs>
+</ds:datastoreItem>
+</file>
+
+<file path=customXml/itemProps2.xml><?xml version="1.0" encoding="utf-8"?>
+<ds:datastoreItem xmlns:ds="http://schemas.openxmlformats.org/officeDocument/2006/customXml" ds:itemID="{42BC90D6-94CF-42F7-AAC4-9CF6824C54D5}">
+  <ds:schemaRefs>
+    <ds:schemaRef ds:uri="http://schemas.microsoft.com/sharepoint/v3/contenttype/forms"/>
   </ds:schemaRefs>
 </ds:datastoreItem>
 </file>

--- a/Presentazione/Presentazione_Progetto.pptx
+++ b/Presentazione/Presentazione_Progetto.pptx
@@ -169,7 +169,7 @@
 <file path=ppt/revisionInfo.xml><?xml version="1.0" encoding="utf-8"?>
 <p1510:revInfo xmlns:a="http://schemas.openxmlformats.org/drawingml/2006/main" xmlns:r="http://schemas.openxmlformats.org/officeDocument/2006/relationships" xmlns:p1510="http://schemas.microsoft.com/office/powerpoint/2015/10/main">
   <p1510:revLst>
-    <p1510:client id="{E6DC4EAA-0AC7-4D8A-9ABA-9B4C09DD8308}" v="284" dt="2024-02-28T11:21:23.098"/>
+    <p1510:client id="{E6DC4EAA-0AC7-4D8A-9ABA-9B4C09DD8308}" v="285" dt="2024-02-28T16:15:13.523"/>
   </p1510:revLst>
 </p1510:revInfo>
 </file>
@@ -179,7 +179,7 @@
   <pc:docChgLst>
     <pc:chgData name="Matteo MANGILI" userId="89c7df381375e6aa" providerId="LiveId" clId="{E6DC4EAA-0AC7-4D8A-9ABA-9B4C09DD8308}"/>
     <pc:docChg chg="undo custSel addSld delSld modSld sldOrd">
-      <pc:chgData name="Matteo MANGILI" userId="89c7df381375e6aa" providerId="LiveId" clId="{E6DC4EAA-0AC7-4D8A-9ABA-9B4C09DD8308}" dt="2024-02-28T11:21:16.056" v="7800" actId="20577"/>
+      <pc:chgData name="Matteo MANGILI" userId="89c7df381375e6aa" providerId="LiveId" clId="{E6DC4EAA-0AC7-4D8A-9ABA-9B4C09DD8308}" dt="2024-02-28T16:14:21.262" v="7802" actId="20577"/>
       <pc:docMkLst>
         <pc:docMk/>
       </pc:docMkLst>
@@ -276,13 +276,13 @@
         </pc:spChg>
       </pc:sldChg>
       <pc:sldChg chg="modSp mod">
-        <pc:chgData name="Matteo MANGILI" userId="89c7df381375e6aa" providerId="LiveId" clId="{E6DC4EAA-0AC7-4D8A-9ABA-9B4C09DD8308}" dt="2024-02-28T11:21:16.056" v="7800" actId="20577"/>
+        <pc:chgData name="Matteo MANGILI" userId="89c7df381375e6aa" providerId="LiveId" clId="{E6DC4EAA-0AC7-4D8A-9ABA-9B4C09DD8308}" dt="2024-02-28T16:14:21.262" v="7802" actId="20577"/>
         <pc:sldMkLst>
           <pc:docMk/>
           <pc:sldMk cId="2944479634" sldId="303"/>
         </pc:sldMkLst>
         <pc:spChg chg="mod">
-          <ac:chgData name="Matteo MANGILI" userId="89c7df381375e6aa" providerId="LiveId" clId="{E6DC4EAA-0AC7-4D8A-9ABA-9B4C09DD8308}" dt="2024-02-28T11:21:16.056" v="7800" actId="20577"/>
+          <ac:chgData name="Matteo MANGILI" userId="89c7df381375e6aa" providerId="LiveId" clId="{E6DC4EAA-0AC7-4D8A-9ABA-9B4C09DD8308}" dt="2024-02-28T16:14:21.262" v="7802" actId="20577"/>
           <ac:spMkLst>
             <pc:docMk/>
             <pc:sldMk cId="2944479634" sldId="303"/>
@@ -21162,7 +21162,7 @@
             </a:pPr>
             <a:r>
               <a:rPr lang="en-US" sz="2000" dirty="0"/>
-              <a:t>Nel nostro caso, il delegation pattern è stato utilizzato per fare in modo che le classi GUI deleghino al dataService: nella costruzione delle tabelle per Liste Operatorie, Verbali Medici o semplicemnete per inserire un nuovo paziente nel Sistema, si deve tenere conto dei metodi presenti nelle classi Gui, atti alla modifica o all’inserimento/cancellazione di nuovi elementi, che verranno poi riutilizzati rispetto alla Gestione Sale.</a:t>
+              <a:t>Nel nostro caso, il delegation pattern è stato utilizzato per fare in modo che le classi GUI deleghino al dataService: nella costruzione delle tabelle per Liste Operatorie, Verbali Medici o semplicemente per inserire un nuovo paziente nel Sistema, si deve tenere conto dei metodi presenti nelle classi Gui, atti alla modifica o all’inserimento/cancellazione di nuovi elementi, che verranno poi riutilizzati rispetto alla Gestione Sale.</a:t>
             </a:r>
           </a:p>
         </p:txBody>

--- a/Presentazione/Presentazione_Progetto.pptx
+++ b/Presentazione/Presentazione_Progetto.pptx
@@ -169,7 +169,7 @@
 <file path=ppt/revisionInfo.xml><?xml version="1.0" encoding="utf-8"?>
 <p1510:revInfo xmlns:a="http://schemas.openxmlformats.org/drawingml/2006/main" xmlns:r="http://schemas.openxmlformats.org/officeDocument/2006/relationships" xmlns:p1510="http://schemas.microsoft.com/office/powerpoint/2015/10/main">
   <p1510:revLst>
-    <p1510:client id="{E6DC4EAA-0AC7-4D8A-9ABA-9B4C09DD8308}" v="285" dt="2024-02-28T16:15:13.523"/>
+    <p1510:client id="{E6DC4EAA-0AC7-4D8A-9ABA-9B4C09DD8308}" v="286" dt="2024-03-03T16:40:37.939"/>
   </p1510:revLst>
 </p1510:revInfo>
 </file>
@@ -179,18 +179,18 @@
   <pc:docChgLst>
     <pc:chgData name="Matteo MANGILI" userId="89c7df381375e6aa" providerId="LiveId" clId="{E6DC4EAA-0AC7-4D8A-9ABA-9B4C09DD8308}"/>
     <pc:docChg chg="undo custSel addSld delSld modSld sldOrd">
-      <pc:chgData name="Matteo MANGILI" userId="89c7df381375e6aa" providerId="LiveId" clId="{E6DC4EAA-0AC7-4D8A-9ABA-9B4C09DD8308}" dt="2024-02-28T16:14:21.262" v="7802" actId="20577"/>
+      <pc:chgData name="Matteo MANGILI" userId="89c7df381375e6aa" providerId="LiveId" clId="{E6DC4EAA-0AC7-4D8A-9ABA-9B4C09DD8308}" dt="2024-03-03T17:12:46.390" v="8224" actId="20577"/>
       <pc:docMkLst>
         <pc:docMk/>
       </pc:docMkLst>
       <pc:sldChg chg="addSp delSp modSp mod">
-        <pc:chgData name="Matteo MANGILI" userId="89c7df381375e6aa" providerId="LiveId" clId="{E6DC4EAA-0AC7-4D8A-9ABA-9B4C09DD8308}" dt="2024-02-25T16:05:38.987" v="964" actId="14100"/>
+        <pc:chgData name="Matteo MANGILI" userId="89c7df381375e6aa" providerId="LiveId" clId="{E6DC4EAA-0AC7-4D8A-9ABA-9B4C09DD8308}" dt="2024-03-03T16:40:00.445" v="7804" actId="14100"/>
         <pc:sldMkLst>
           <pc:docMk/>
           <pc:sldMk cId="1642425379" sldId="256"/>
         </pc:sldMkLst>
         <pc:spChg chg="mod">
-          <ac:chgData name="Matteo MANGILI" userId="89c7df381375e6aa" providerId="LiveId" clId="{E6DC4EAA-0AC7-4D8A-9ABA-9B4C09DD8308}" dt="2024-02-25T16:05:38.987" v="964" actId="14100"/>
+          <ac:chgData name="Matteo MANGILI" userId="89c7df381375e6aa" providerId="LiveId" clId="{E6DC4EAA-0AC7-4D8A-9ABA-9B4C09DD8308}" dt="2024-03-03T16:40:00.445" v="7804" actId="14100"/>
           <ac:spMkLst>
             <pc:docMk/>
             <pc:sldMk cId="1642425379" sldId="256"/>
@@ -215,13 +215,13 @@
         </pc:picChg>
       </pc:sldChg>
       <pc:sldChg chg="modSp mod">
-        <pc:chgData name="Matteo MANGILI" userId="89c7df381375e6aa" providerId="LiveId" clId="{E6DC4EAA-0AC7-4D8A-9ABA-9B4C09DD8308}" dt="2024-02-25T16:14:26.905" v="1368" actId="20577"/>
+        <pc:chgData name="Matteo MANGILI" userId="89c7df381375e6aa" providerId="LiveId" clId="{E6DC4EAA-0AC7-4D8A-9ABA-9B4C09DD8308}" dt="2024-03-03T16:45:15.591" v="7872" actId="255"/>
         <pc:sldMkLst>
           <pc:docMk/>
           <pc:sldMk cId="3250768115" sldId="296"/>
         </pc:sldMkLst>
         <pc:spChg chg="mod">
-          <ac:chgData name="Matteo MANGILI" userId="89c7df381375e6aa" providerId="LiveId" clId="{E6DC4EAA-0AC7-4D8A-9ABA-9B4C09DD8308}" dt="2024-02-25T16:14:26.905" v="1368" actId="20577"/>
+          <ac:chgData name="Matteo MANGILI" userId="89c7df381375e6aa" providerId="LiveId" clId="{E6DC4EAA-0AC7-4D8A-9ABA-9B4C09DD8308}" dt="2024-03-03T16:45:15.591" v="7872" actId="255"/>
           <ac:spMkLst>
             <pc:docMk/>
             <pc:sldMk cId="3250768115" sldId="296"/>
@@ -238,13 +238,13 @@
         </pc:picChg>
       </pc:sldChg>
       <pc:sldChg chg="modSp mod">
-        <pc:chgData name="Matteo MANGILI" userId="89c7df381375e6aa" providerId="LiveId" clId="{E6DC4EAA-0AC7-4D8A-9ABA-9B4C09DD8308}" dt="2024-02-28T09:33:01.297" v="4060" actId="20577"/>
+        <pc:chgData name="Matteo MANGILI" userId="89c7df381375e6aa" providerId="LiveId" clId="{E6DC4EAA-0AC7-4D8A-9ABA-9B4C09DD8308}" dt="2024-03-03T16:45:23.898" v="7873" actId="255"/>
         <pc:sldMkLst>
           <pc:docMk/>
           <pc:sldMk cId="1249612630" sldId="297"/>
         </pc:sldMkLst>
         <pc:spChg chg="mod">
-          <ac:chgData name="Matteo MANGILI" userId="89c7df381375e6aa" providerId="LiveId" clId="{E6DC4EAA-0AC7-4D8A-9ABA-9B4C09DD8308}" dt="2024-02-28T09:33:01.297" v="4060" actId="20577"/>
+          <ac:chgData name="Matteo MANGILI" userId="89c7df381375e6aa" providerId="LiveId" clId="{E6DC4EAA-0AC7-4D8A-9ABA-9B4C09DD8308}" dt="2024-03-03T16:45:23.898" v="7873" actId="255"/>
           <ac:spMkLst>
             <pc:docMk/>
             <pc:sldMk cId="1249612630" sldId="297"/>
@@ -261,13 +261,13 @@
         </pc:spChg>
       </pc:sldChg>
       <pc:sldChg chg="modSp mod">
-        <pc:chgData name="Matteo MANGILI" userId="89c7df381375e6aa" providerId="LiveId" clId="{E6DC4EAA-0AC7-4D8A-9ABA-9B4C09DD8308}" dt="2024-02-28T09:45:26.033" v="4196" actId="20577"/>
+        <pc:chgData name="Matteo MANGILI" userId="89c7df381375e6aa" providerId="LiveId" clId="{E6DC4EAA-0AC7-4D8A-9ABA-9B4C09DD8308}" dt="2024-03-03T16:54:17.716" v="7956" actId="313"/>
         <pc:sldMkLst>
           <pc:docMk/>
           <pc:sldMk cId="3996999348" sldId="298"/>
         </pc:sldMkLst>
         <pc:spChg chg="mod">
-          <ac:chgData name="Matteo MANGILI" userId="89c7df381375e6aa" providerId="LiveId" clId="{E6DC4EAA-0AC7-4D8A-9ABA-9B4C09DD8308}" dt="2024-02-28T09:45:26.033" v="4196" actId="20577"/>
+          <ac:chgData name="Matteo MANGILI" userId="89c7df381375e6aa" providerId="LiveId" clId="{E6DC4EAA-0AC7-4D8A-9ABA-9B4C09DD8308}" dt="2024-03-03T16:54:17.716" v="7956" actId="313"/>
           <ac:spMkLst>
             <pc:docMk/>
             <pc:sldMk cId="3996999348" sldId="298"/>
@@ -276,13 +276,28 @@
         </pc:spChg>
       </pc:sldChg>
       <pc:sldChg chg="modSp mod">
-        <pc:chgData name="Matteo MANGILI" userId="89c7df381375e6aa" providerId="LiveId" clId="{E6DC4EAA-0AC7-4D8A-9ABA-9B4C09DD8308}" dt="2024-02-28T16:14:21.262" v="7802" actId="20577"/>
+        <pc:chgData name="Matteo MANGILI" userId="89c7df381375e6aa" providerId="LiveId" clId="{E6DC4EAA-0AC7-4D8A-9ABA-9B4C09DD8308}" dt="2024-03-03T16:54:57.183" v="7968" actId="1076"/>
+        <pc:sldMkLst>
+          <pc:docMk/>
+          <pc:sldMk cId="930824607" sldId="300"/>
+        </pc:sldMkLst>
+        <pc:picChg chg="mod modCrop">
+          <ac:chgData name="Matteo MANGILI" userId="89c7df381375e6aa" providerId="LiveId" clId="{E6DC4EAA-0AC7-4D8A-9ABA-9B4C09DD8308}" dt="2024-03-03T16:54:57.183" v="7968" actId="1076"/>
+          <ac:picMkLst>
+            <pc:docMk/>
+            <pc:sldMk cId="930824607" sldId="300"/>
+            <ac:picMk id="3" creationId="{00439959-3544-4100-55BB-F64ED0400005}"/>
+          </ac:picMkLst>
+        </pc:picChg>
+      </pc:sldChg>
+      <pc:sldChg chg="modSp mod">
+        <pc:chgData name="Matteo MANGILI" userId="89c7df381375e6aa" providerId="LiveId" clId="{E6DC4EAA-0AC7-4D8A-9ABA-9B4C09DD8308}" dt="2024-03-03T17:02:19.035" v="8005" actId="20577"/>
         <pc:sldMkLst>
           <pc:docMk/>
           <pc:sldMk cId="2944479634" sldId="303"/>
         </pc:sldMkLst>
         <pc:spChg chg="mod">
-          <ac:chgData name="Matteo MANGILI" userId="89c7df381375e6aa" providerId="LiveId" clId="{E6DC4EAA-0AC7-4D8A-9ABA-9B4C09DD8308}" dt="2024-02-28T16:14:21.262" v="7802" actId="20577"/>
+          <ac:chgData name="Matteo MANGILI" userId="89c7df381375e6aa" providerId="LiveId" clId="{E6DC4EAA-0AC7-4D8A-9ABA-9B4C09DD8308}" dt="2024-03-03T17:02:19.035" v="8005" actId="20577"/>
           <ac:spMkLst>
             <pc:docMk/>
             <pc:sldMk cId="2944479634" sldId="303"/>
@@ -291,13 +306,13 @@
         </pc:spChg>
       </pc:sldChg>
       <pc:sldChg chg="modSp mod">
-        <pc:chgData name="Matteo MANGILI" userId="89c7df381375e6aa" providerId="LiveId" clId="{E6DC4EAA-0AC7-4D8A-9ABA-9B4C09DD8308}" dt="2024-02-28T10:55:14.747" v="6919" actId="20577"/>
+        <pc:chgData name="Matteo MANGILI" userId="89c7df381375e6aa" providerId="LiveId" clId="{E6DC4EAA-0AC7-4D8A-9ABA-9B4C09DD8308}" dt="2024-03-03T17:07:03.699" v="8123" actId="20577"/>
         <pc:sldMkLst>
           <pc:docMk/>
           <pc:sldMk cId="2728347993" sldId="304"/>
         </pc:sldMkLst>
         <pc:spChg chg="mod">
-          <ac:chgData name="Matteo MANGILI" userId="89c7df381375e6aa" providerId="LiveId" clId="{E6DC4EAA-0AC7-4D8A-9ABA-9B4C09DD8308}" dt="2024-02-28T10:55:14.747" v="6919" actId="20577"/>
+          <ac:chgData name="Matteo MANGILI" userId="89c7df381375e6aa" providerId="LiveId" clId="{E6DC4EAA-0AC7-4D8A-9ABA-9B4C09DD8308}" dt="2024-03-03T17:07:03.699" v="8123" actId="20577"/>
           <ac:spMkLst>
             <pc:docMk/>
             <pc:sldMk cId="2728347993" sldId="304"/>
@@ -306,13 +321,13 @@
         </pc:spChg>
       </pc:sldChg>
       <pc:sldChg chg="modSp mod">
-        <pc:chgData name="Matteo MANGILI" userId="89c7df381375e6aa" providerId="LiveId" clId="{E6DC4EAA-0AC7-4D8A-9ABA-9B4C09DD8308}" dt="2024-02-25T17:43:15.581" v="3549" actId="5793"/>
+        <pc:chgData name="Matteo MANGILI" userId="89c7df381375e6aa" providerId="LiveId" clId="{E6DC4EAA-0AC7-4D8A-9ABA-9B4C09DD8308}" dt="2024-03-03T17:12:46.390" v="8224" actId="20577"/>
         <pc:sldMkLst>
           <pc:docMk/>
           <pc:sldMk cId="42136755" sldId="307"/>
         </pc:sldMkLst>
         <pc:spChg chg="mod">
-          <ac:chgData name="Matteo MANGILI" userId="89c7df381375e6aa" providerId="LiveId" clId="{E6DC4EAA-0AC7-4D8A-9ABA-9B4C09DD8308}" dt="2024-02-25T17:43:15.581" v="3549" actId="5793"/>
+          <ac:chgData name="Matteo MANGILI" userId="89c7df381375e6aa" providerId="LiveId" clId="{E6DC4EAA-0AC7-4D8A-9ABA-9B4C09DD8308}" dt="2024-03-03T17:12:46.390" v="8224" actId="20577"/>
           <ac:spMkLst>
             <pc:docMk/>
             <pc:sldMk cId="42136755" sldId="307"/>
@@ -321,13 +336,13 @@
         </pc:spChg>
       </pc:sldChg>
       <pc:sldChg chg="modSp mod">
-        <pc:chgData name="Matteo MANGILI" userId="89c7df381375e6aa" providerId="LiveId" clId="{E6DC4EAA-0AC7-4D8A-9ABA-9B4C09DD8308}" dt="2024-02-28T10:14:52.059" v="5052" actId="114"/>
+        <pc:chgData name="Matteo MANGILI" userId="89c7df381375e6aa" providerId="LiveId" clId="{E6DC4EAA-0AC7-4D8A-9ABA-9B4C09DD8308}" dt="2024-03-03T16:58:21.971" v="7983" actId="20577"/>
         <pc:sldMkLst>
           <pc:docMk/>
           <pc:sldMk cId="1581940243" sldId="309"/>
         </pc:sldMkLst>
         <pc:spChg chg="mod">
-          <ac:chgData name="Matteo MANGILI" userId="89c7df381375e6aa" providerId="LiveId" clId="{E6DC4EAA-0AC7-4D8A-9ABA-9B4C09DD8308}" dt="2024-02-28T10:14:52.059" v="5052" actId="114"/>
+          <ac:chgData name="Matteo MANGILI" userId="89c7df381375e6aa" providerId="LiveId" clId="{E6DC4EAA-0AC7-4D8A-9ABA-9B4C09DD8308}" dt="2024-03-03T16:58:21.971" v="7983" actId="20577"/>
           <ac:spMkLst>
             <pc:docMk/>
             <pc:sldMk cId="1581940243" sldId="309"/>
@@ -554,13 +569,13 @@
         </pc:graphicFrameChg>
       </pc:sldChg>
       <pc:sldChg chg="modSp mod">
-        <pc:chgData name="Matteo MANGILI" userId="89c7df381375e6aa" providerId="LiveId" clId="{E6DC4EAA-0AC7-4D8A-9ABA-9B4C09DD8308}" dt="2024-02-28T09:37:55.100" v="4167" actId="20577"/>
+        <pc:chgData name="Matteo MANGILI" userId="89c7df381375e6aa" providerId="LiveId" clId="{E6DC4EAA-0AC7-4D8A-9ABA-9B4C09DD8308}" dt="2024-03-03T16:44:57.308" v="7871" actId="20577"/>
         <pc:sldMkLst>
           <pc:docMk/>
           <pc:sldMk cId="112244765" sldId="318"/>
         </pc:sldMkLst>
         <pc:spChg chg="mod">
-          <ac:chgData name="Matteo MANGILI" userId="89c7df381375e6aa" providerId="LiveId" clId="{E6DC4EAA-0AC7-4D8A-9ABA-9B4C09DD8308}" dt="2024-02-28T09:37:55.100" v="4167" actId="20577"/>
+          <ac:chgData name="Matteo MANGILI" userId="89c7df381375e6aa" providerId="LiveId" clId="{E6DC4EAA-0AC7-4D8A-9ABA-9B4C09DD8308}" dt="2024-03-03T16:44:57.308" v="7871" actId="20577"/>
           <ac:spMkLst>
             <pc:docMk/>
             <pc:sldMk cId="112244765" sldId="318"/>
@@ -599,13 +614,13 @@
         </pc:spChg>
       </pc:sldChg>
       <pc:sldChg chg="modSp mod">
-        <pc:chgData name="Matteo MANGILI" userId="89c7df381375e6aa" providerId="LiveId" clId="{E6DC4EAA-0AC7-4D8A-9ABA-9B4C09DD8308}" dt="2024-02-28T11:11:48.132" v="7249" actId="20577"/>
+        <pc:chgData name="Matteo MANGILI" userId="89c7df381375e6aa" providerId="LiveId" clId="{E6DC4EAA-0AC7-4D8A-9ABA-9B4C09DD8308}" dt="2024-03-03T17:10:14.688" v="8140" actId="113"/>
         <pc:sldMkLst>
           <pc:docMk/>
           <pc:sldMk cId="3518618096" sldId="321"/>
         </pc:sldMkLst>
         <pc:spChg chg="mod">
-          <ac:chgData name="Matteo MANGILI" userId="89c7df381375e6aa" providerId="LiveId" clId="{E6DC4EAA-0AC7-4D8A-9ABA-9B4C09DD8308}" dt="2024-02-28T11:11:48.132" v="7249" actId="20577"/>
+          <ac:chgData name="Matteo MANGILI" userId="89c7df381375e6aa" providerId="LiveId" clId="{E6DC4EAA-0AC7-4D8A-9ABA-9B4C09DD8308}" dt="2024-03-03T17:10:14.688" v="8140" actId="113"/>
           <ac:spMkLst>
             <pc:docMk/>
             <pc:sldMk cId="3518618096" sldId="321"/>
@@ -620,6 +635,21 @@
             <ac:picMk id="5" creationId="{936CDABC-6D16-BB2F-AB96-5B351ADDECE5}"/>
           </ac:picMkLst>
         </pc:picChg>
+      </pc:sldChg>
+      <pc:sldChg chg="modSp mod">
+        <pc:chgData name="Matteo MANGILI" userId="89c7df381375e6aa" providerId="LiveId" clId="{E6DC4EAA-0AC7-4D8A-9ABA-9B4C09DD8308}" dt="2024-03-03T16:45:42.509" v="7877" actId="20577"/>
+        <pc:sldMkLst>
+          <pc:docMk/>
+          <pc:sldMk cId="243116288" sldId="322"/>
+        </pc:sldMkLst>
+        <pc:spChg chg="mod">
+          <ac:chgData name="Matteo MANGILI" userId="89c7df381375e6aa" providerId="LiveId" clId="{E6DC4EAA-0AC7-4D8A-9ABA-9B4C09DD8308}" dt="2024-03-03T16:45:42.509" v="7877" actId="20577"/>
+          <ac:spMkLst>
+            <pc:docMk/>
+            <pc:sldMk cId="243116288" sldId="322"/>
+            <ac:spMk id="11" creationId="{AAAC9B74-463D-3112-DFEE-C3D0560A5363}"/>
+          </ac:spMkLst>
+        </pc:spChg>
       </pc:sldChg>
       <pc:sldChg chg="addSp delSp modSp add mod ord">
         <pc:chgData name="Matteo MANGILI" userId="89c7df381375e6aa" providerId="LiveId" clId="{E6DC4EAA-0AC7-4D8A-9ABA-9B4C09DD8308}" dt="2024-02-21T11:03:31.003" v="286" actId="20577"/>
@@ -1453,7 +1483,7 @@
             <a:pPr rtl="0"/>
             <a:fld id="{DBC54730-5EBA-4920-A6C4-7F8458A7F940}" type="datetime1">
               <a:rPr lang="it-IT" smtClean="0"/>
-              <a:t>28/02/2024</a:t>
+              <a:t>03/03/2024</a:t>
             </a:fld>
             <a:endParaRPr lang="it-IT" dirty="0"/>
           </a:p>
@@ -1635,7 +1665,7 @@
             <a:fld id="{85EC1C34-318D-43A8-83F5-3AC8647FE75E}" type="datetime1">
               <a:rPr lang="it-IT" smtClean="0"/>
               <a:pPr/>
-              <a:t>28/02/2024</a:t>
+              <a:t>03/03/2024</a:t>
             </a:fld>
             <a:endParaRPr lang="it-IT" dirty="0"/>
           </a:p>
@@ -14737,8 +14767,8 @@
         </p:nvSpPr>
         <p:spPr>
           <a:xfrm>
-            <a:off x="838200" y="3283668"/>
-            <a:ext cx="11170298" cy="3415712"/>
+            <a:off x="233265" y="3283668"/>
+            <a:ext cx="11775233" cy="3415712"/>
           </a:xfrm>
         </p:spPr>
         <p:txBody>
@@ -14747,14 +14777,13 @@
           </a:bodyPr>
           <a:lstStyle/>
           <a:p>
-            <a:pPr algn="l"/>
             <a:r>
               <a:rPr lang="en-US" sz="2200" dirty="0"/>
               <a:t>Progetto di:</a:t>
             </a:r>
           </a:p>
           <a:p>
-            <a:pPr marL="342900" indent="-228600" algn="l">
+            <a:pPr marL="342900" indent="-228600">
               <a:buFont typeface="Arial" panose="020B0604020202020204" pitchFamily="34" charset="0"/>
               <a:buChar char="•"/>
             </a:pPr>
@@ -14764,7 +14793,7 @@
             </a:r>
           </a:p>
           <a:p>
-            <a:pPr marL="342900" indent="-228600" algn="l">
+            <a:pPr marL="342900" indent="-228600">
               <a:buFont typeface="Arial" panose="020B0604020202020204" pitchFamily="34" charset="0"/>
               <a:buChar char="•"/>
             </a:pPr>
@@ -14774,7 +14803,7 @@
             </a:r>
           </a:p>
           <a:p>
-            <a:pPr marL="342900" indent="-228600" algn="l">
+            <a:pPr marL="342900" indent="-228600">
               <a:buFont typeface="Arial" panose="020B0604020202020204" pitchFamily="34" charset="0"/>
               <a:buChar char="•"/>
             </a:pPr>
@@ -16750,7 +16779,67 @@
               <a:rPr lang="en-US" sz="2300" dirty="0">
                 <a:cs typeface="Calibri"/>
               </a:rPr>
-              <a:t>Le informazioni generali per lavorare al Sistema le abbiamo prese da un’intervista effettuata dal responsabile Cattaneo verso un’infermiera dell’Ospedale Papa Giovanni XXIII di Bergamo (BG) (</a:t>
+              <a:t>Le informazioni generali per lavorare al Sistema le </a:t>
+            </a:r>
+            <a:r>
+              <a:rPr lang="en-US" sz="2300" dirty="0" err="1">
+                <a:cs typeface="Calibri"/>
+              </a:rPr>
+              <a:t>abbiamo</a:t>
+            </a:r>
+            <a:r>
+              <a:rPr lang="en-US" sz="2300" dirty="0">
+                <a:cs typeface="Calibri"/>
+              </a:rPr>
+              <a:t> </a:t>
+            </a:r>
+            <a:r>
+              <a:rPr lang="en-US" sz="2300" dirty="0" err="1">
+                <a:cs typeface="Calibri"/>
+              </a:rPr>
+              <a:t>ricavatte</a:t>
+            </a:r>
+            <a:r>
+              <a:rPr lang="en-US" sz="2300" dirty="0">
+                <a:cs typeface="Calibri"/>
+              </a:rPr>
+              <a:t> da </a:t>
+            </a:r>
+            <a:r>
+              <a:rPr lang="en-US" sz="2300" dirty="0" err="1">
+                <a:cs typeface="Calibri"/>
+              </a:rPr>
+              <a:t>un’intervista</a:t>
+            </a:r>
+            <a:r>
+              <a:rPr lang="en-US" sz="2300" dirty="0">
+                <a:cs typeface="Calibri"/>
+              </a:rPr>
+              <a:t>, effettuata dal </a:t>
+            </a:r>
+            <a:r>
+              <a:rPr lang="en-US" sz="2300" dirty="0" err="1">
+                <a:cs typeface="Calibri"/>
+              </a:rPr>
+              <a:t>responsabile</a:t>
+            </a:r>
+            <a:r>
+              <a:rPr lang="en-US" sz="2300" dirty="0">
+                <a:cs typeface="Calibri"/>
+              </a:rPr>
+              <a:t> </a:t>
+            </a:r>
+            <a:r>
+              <a:rPr lang="en-US" sz="2300" dirty="0" err="1">
+                <a:cs typeface="Calibri"/>
+              </a:rPr>
+              <a:t>Cattaneo</a:t>
+            </a:r>
+            <a:r>
+              <a:rPr lang="en-US" sz="2300" dirty="0">
+                <a:cs typeface="Calibri"/>
+              </a:rPr>
+              <a:t>, verso un’infermiera dell’Ospedale Papa Giovanni XXIII di Bergamo (BG) (</a:t>
             </a:r>
             <a:r>
               <a:rPr lang="en-US" sz="2300" b="1" i="1" dirty="0">
@@ -16902,7 +16991,7 @@
               <a:rPr lang="en-US" sz="2300" dirty="0" err="1">
                 <a:cs typeface="Calibri"/>
               </a:rPr>
-              <a:t>Correlazione</a:t>
+              <a:t>correlazione</a:t>
             </a:r>
             <a:r>
               <a:rPr lang="en-US" sz="2300" dirty="0">
@@ -21162,7 +21251,39 @@
             </a:pPr>
             <a:r>
               <a:rPr lang="en-US" sz="2000" dirty="0"/>
-              <a:t>Nel nostro caso, il delegation pattern è stato utilizzato per fare in modo che le classi GUI deleghino al dataService: nella costruzione delle tabelle per Liste Operatorie, Verbali Medici o semplicemente per inserire un nuovo paziente nel Sistema, si deve tenere conto dei metodi presenti nelle classi Gui, atti alla modifica o all’inserimento/cancellazione di nuovi elementi, che verranno poi riutilizzati rispetto alla Gestione Sale.</a:t>
+              <a:t>Nel nostro caso, il delegation pattern è stato utilizzato per fare in modo che le classi GUI </a:t>
+            </a:r>
+            <a:r>
+              <a:rPr lang="en-US" sz="2000" dirty="0" err="1"/>
+              <a:t>deleghino</a:t>
+            </a:r>
+            <a:r>
+              <a:rPr lang="en-US" sz="2000" dirty="0"/>
+              <a:t> </a:t>
+            </a:r>
+            <a:r>
+              <a:rPr lang="en-US" sz="2000" dirty="0" err="1"/>
+              <a:t>i</a:t>
+            </a:r>
+            <a:r>
+              <a:rPr lang="en-US" sz="2000" dirty="0"/>
+              <a:t> </a:t>
+            </a:r>
+            <a:r>
+              <a:rPr lang="en-US" sz="2000" dirty="0" err="1"/>
+              <a:t>propri</a:t>
+            </a:r>
+            <a:r>
+              <a:rPr lang="en-US" sz="2000" dirty="0"/>
+              <a:t> </a:t>
+            </a:r>
+            <a:r>
+              <a:rPr lang="en-US" sz="2000" dirty="0" err="1"/>
+              <a:t>metodi</a:t>
+            </a:r>
+            <a:r>
+              <a:rPr lang="en-US" sz="2000" dirty="0"/>
+              <a:t> al dataService: nella costruzione delle tabelle per Liste Operatorie, Verbali Medici o semplicemente per inserire un nuovo paziente nel Sistema, si deve tenere conto dei metodi presenti nelle classi Gui, atti alla modifica o all’inserimento/cancellazione di nuovi elementi, che verranno poi riutilizzati rispetto alla Gestione Sale.</a:t>
             </a:r>
           </a:p>
         </p:txBody>
@@ -22027,8 +22148,12 @@
               <a:buChar char="Ø"/>
             </a:pPr>
             <a:r>
+              <a:rPr lang="en-US" sz="1800" dirty="0" err="1"/>
+              <a:t>Autenticazione</a:t>
+            </a:r>
+            <a:r>
               <a:rPr lang="en-US" sz="1800" dirty="0"/>
-              <a:t>Autenticazione Medico</a:t>
+              <a:t> Medico</a:t>
             </a:r>
           </a:p>
           <a:p>
@@ -22038,7 +22163,7 @@
             </a:pPr>
             <a:r>
               <a:rPr lang="it-IT" sz="1800" dirty="0"/>
-              <a:t>Registrazione Paziente nel Sistema</a:t>
+              <a:t>Registrazione Cartella Paziente nel Sistema</a:t>
             </a:r>
           </a:p>
           <a:p>
@@ -22047,8 +22172,20 @@
               <a:buChar char="Ø"/>
             </a:pPr>
             <a:r>
+              <a:rPr lang="en-US" sz="1800" dirty="0" err="1"/>
+              <a:t>Iscrizione</a:t>
+            </a:r>
+            <a:r>
               <a:rPr lang="en-US" sz="1800" dirty="0"/>
-              <a:t>Iscrizione alla Lista Operatoria </a:t>
+              <a:t>/Gestione alla Lista </a:t>
+            </a:r>
+            <a:r>
+              <a:rPr lang="en-US" sz="1800" dirty="0" err="1"/>
+              <a:t>Operatoria</a:t>
+            </a:r>
+            <a:r>
+              <a:rPr lang="en-US" sz="1800" dirty="0"/>
+              <a:t> </a:t>
             </a:r>
           </a:p>
           <a:p>
@@ -22057,9 +22194,18 @@
               <a:buChar char="Ø"/>
             </a:pPr>
             <a:r>
+              <a:rPr lang="en-US" sz="1800" dirty="0" err="1"/>
+              <a:t>Eseguire</a:t>
+            </a:r>
+            <a:r>
               <a:rPr lang="en-US" sz="1800" dirty="0"/>
-              <a:t>Eseguire Intervento</a:t>
-            </a:r>
+              <a:t> </a:t>
+            </a:r>
+            <a:r>
+              <a:rPr lang="en-US" sz="1800" dirty="0" err="1"/>
+              <a:t>Intervento</a:t>
+            </a:r>
+            <a:endParaRPr lang="en-US" sz="1800" dirty="0"/>
           </a:p>
           <a:p>
             <a:pPr>
@@ -22067,8 +22213,12 @@
               <a:buChar char="Ø"/>
             </a:pPr>
             <a:r>
+              <a:rPr lang="en-US" sz="1800" dirty="0" err="1"/>
+              <a:t>Compilazione</a:t>
+            </a:r>
+            <a:r>
               <a:rPr lang="en-US" sz="1800" dirty="0"/>
-              <a:t>Verbale Medico</a:t>
+              <a:t>/Gestione Verbale Medico</a:t>
             </a:r>
           </a:p>
           <a:p>
@@ -22087,7 +22237,55 @@
             </a:pPr>
             <a:r>
               <a:rPr lang="en-US" sz="1800" dirty="0"/>
-              <a:t>Nell’implementazione del codice si è tenuto maggiormente conto delle attività svolte dal medico, piuttosto che dalle mansion possibili di infermieri e cabina di regia (considerando che, a livello di codice, sarebbe stato difficile fare in modo che più classi potessero agire sullo stesso oggetto).</a:t>
+              <a:t>Nell’implementazione del codice si è tenuto maggiormente conto delle attività svolte dal medico, piuttosto </a:t>
+            </a:r>
+            <a:r>
+              <a:rPr lang="en-US" sz="1800" dirty="0" err="1"/>
+              <a:t>che</a:t>
+            </a:r>
+            <a:r>
+              <a:rPr lang="en-US" sz="1800" dirty="0"/>
+              <a:t> </a:t>
+            </a:r>
+            <a:r>
+              <a:rPr lang="en-US" sz="1800" dirty="0" err="1"/>
+              <a:t>delle</a:t>
+            </a:r>
+            <a:r>
+              <a:rPr lang="en-US" sz="1800" dirty="0"/>
+              <a:t> </a:t>
+            </a:r>
+            <a:r>
+              <a:rPr lang="en-US" sz="1800" dirty="0" err="1"/>
+              <a:t>mansioni</a:t>
+            </a:r>
+            <a:r>
+              <a:rPr lang="en-US" sz="1800" dirty="0"/>
+              <a:t> possibili di infermieri e cabina di regia (considerando che, a livello di codice, sarebbe stato difficile fare in modo che più classi potessero agire sullo </a:t>
+            </a:r>
+            <a:r>
+              <a:rPr lang="en-US" sz="1800" dirty="0" err="1"/>
+              <a:t>stesso</a:t>
+            </a:r>
+            <a:r>
+              <a:rPr lang="en-US" sz="1800" dirty="0"/>
+              <a:t> </a:t>
+            </a:r>
+            <a:r>
+              <a:rPr lang="en-US" sz="1800" dirty="0" err="1"/>
+              <a:t>oggetto</a:t>
+            </a:r>
+            <a:r>
+              <a:rPr lang="en-US" sz="1800" dirty="0"/>
+              <a:t>, quale verbale o </a:t>
+            </a:r>
+            <a:r>
+              <a:rPr lang="en-US" sz="1800" dirty="0" err="1"/>
+              <a:t>lista</a:t>
+            </a:r>
+            <a:r>
+              <a:rPr lang="en-US" sz="1800" dirty="0"/>
+              <a:t>).</a:t>
             </a:r>
           </a:p>
           <a:p>
@@ -23046,7 +23244,7 @@
             </a:r>
             <a:r>
               <a:rPr lang="it-IT" dirty="0"/>
-              <a:t>) è iniziata subito dopo la consegna del progetto; lo scopo principale è aumentare la qualità dell’intero sistema, correggendo errori (principalmente di codice) e cercando di adattare il software alle richieste degli utenti ma anche dell’ambiente di utilizzo, al fine di aumentare il grado di manutenibilità futura. La documentazione deve essere sottoposta a manutenzione, per essere sicuri che essa spieghi nel dettaglio l’intero funzionamento del programma senza contraddizioni</a:t>
+              <a:t>) è iniziata subito dopo la consegna del progetto; lo scopo principale è aumentare la qualità dell’intero sistema, correggendo errori (principalmente di codice) e cercando di adattare il software alle richieste degli utenti ma anche dell’ambiente di utilizzo, al fine di aumentare il grado di manutenibilità futura. La documentazione deve essere sottoposta a manutenzione, per essere sicuri che venga spiegato nel dettaglio l’intero funzionamento del programma, senza contraddizioni</a:t>
             </a:r>
           </a:p>
           <a:p>
@@ -23058,8 +23256,12 @@
               <a:t>L’attività di </a:t>
             </a:r>
             <a:r>
+              <a:rPr lang="it-IT" b="1" i="1" dirty="0"/>
+              <a:t>Refactoring</a:t>
+            </a:r>
+            <a:r>
               <a:rPr lang="it-IT" i="1" dirty="0"/>
-              <a:t>Refactoring </a:t>
+              <a:t> </a:t>
             </a:r>
             <a:r>
               <a:rPr lang="it-IT" dirty="0"/>
@@ -23859,13 +24061,13 @@
         </p:nvSpPr>
         <p:spPr>
           <a:xfrm>
-            <a:off x="838200" y="1929384"/>
-            <a:ext cx="10515600" cy="3900678"/>
+            <a:off x="838200" y="1929383"/>
+            <a:ext cx="10515600" cy="4563491"/>
           </a:xfrm>
         </p:spPr>
         <p:txBody>
           <a:bodyPr>
-            <a:normAutofit fontScale="92500" lnSpcReduction="20000"/>
+            <a:normAutofit fontScale="92500" lnSpcReduction="10000"/>
           </a:bodyPr>
           <a:lstStyle/>
           <a:p>
@@ -23914,6 +24116,79 @@
             <a:r>
               <a:rPr lang="en-US" sz="2200" dirty="0"/>
               <a:t>Diagramma di Sequenza (SEQUENCE DIAGRAM)</a:t>
+            </a:r>
+          </a:p>
+          <a:p>
+            <a:pPr marL="0" indent="0">
+              <a:buNone/>
+            </a:pPr>
+            <a:r>
+              <a:rPr lang="en-US" sz="2200" dirty="0"/>
+              <a:t>(</a:t>
+            </a:r>
+            <a:r>
+              <a:rPr lang="en-US" sz="2200" dirty="0" err="1"/>
+              <a:t>definire</a:t>
+            </a:r>
+            <a:r>
+              <a:rPr lang="en-US" sz="2200" dirty="0"/>
+              <a:t> la </a:t>
+            </a:r>
+            <a:r>
+              <a:rPr lang="en-US" sz="2200" dirty="0" err="1"/>
+              <a:t>sequenza</a:t>
+            </a:r>
+            <a:r>
+              <a:rPr lang="en-US" sz="2200" dirty="0"/>
+              <a:t> di </a:t>
+            </a:r>
+            <a:r>
+              <a:rPr lang="en-US" sz="2200" dirty="0" err="1"/>
+              <a:t>interazioni</a:t>
+            </a:r>
+            <a:r>
+              <a:rPr lang="en-US" sz="2200" dirty="0"/>
+              <a:t> </a:t>
+            </a:r>
+            <a:r>
+              <a:rPr lang="en-US" sz="2200" dirty="0" err="1"/>
+              <a:t>tra</a:t>
+            </a:r>
+            <a:r>
+              <a:rPr lang="en-US" sz="2200" dirty="0"/>
+              <a:t> </a:t>
+            </a:r>
+            <a:r>
+              <a:rPr lang="en-US" sz="2200" dirty="0" err="1"/>
+              <a:t>i</a:t>
+            </a:r>
+            <a:r>
+              <a:rPr lang="en-US" sz="2200" dirty="0"/>
+              <a:t> </a:t>
+            </a:r>
+            <a:r>
+              <a:rPr lang="en-US" sz="2200" dirty="0" err="1"/>
+              <a:t>vari</a:t>
+            </a:r>
+            <a:r>
+              <a:rPr lang="en-US" sz="2200" dirty="0"/>
+              <a:t> </a:t>
+            </a:r>
+            <a:r>
+              <a:rPr lang="en-US" sz="2200" dirty="0" err="1"/>
+              <a:t>attori</a:t>
+            </a:r>
+            <a:r>
+              <a:rPr lang="en-US" sz="2200" dirty="0"/>
+              <a:t> del </a:t>
+            </a:r>
+            <a:r>
+              <a:rPr lang="en-US" sz="2200" dirty="0" err="1"/>
+              <a:t>problema</a:t>
+            </a:r>
+            <a:r>
+              <a:rPr lang="en-US" sz="2200" dirty="0"/>
+              <a:t>)</a:t>
             </a:r>
           </a:p>
           <a:p>
@@ -25774,15 +26049,7 @@
             </a:pPr>
             <a:r>
               <a:rPr lang="en-US" sz="2000" dirty="0"/>
-              <a:t>L’obiettivo principale del progetto è creare un software per la gestione di un ospedale, in particolare per tenere traccia del paziente e dei suoi “movimenti” rispetto al Sistema generale. Per la </a:t>
-            </a:r>
-            <a:r>
-              <a:rPr lang="en-US" sz="2000" dirty="0" err="1"/>
-              <a:t>creazione</a:t>
-            </a:r>
-            <a:r>
-              <a:rPr lang="en-US" sz="2000" dirty="0"/>
-              <a:t> del sistema, è necessario tenere conto di diversi fattori:</a:t>
+              <a:t>L’obiettivo principale del progetto è creare un software per la gestione di un ospedale, in particolare per tenere traccia del paziente e dei suoi “movimenti” rispetto al Sistema generale. Per la creazione del sistema, è necessario tenere conto di diversi fattori:</a:t>
             </a:r>
           </a:p>
           <a:p>
@@ -25822,7 +26089,31 @@
             </a:r>
             <a:r>
               <a:rPr lang="en-US" sz="2000" dirty="0"/>
-              <a:t> gli esami definiti dalla cabina di regia. </a:t>
+              <a:t> </a:t>
+            </a:r>
+            <a:r>
+              <a:rPr lang="en-US" sz="2000" dirty="0" err="1"/>
+              <a:t>gli</a:t>
+            </a:r>
+            <a:r>
+              <a:rPr lang="en-US" sz="2000" dirty="0"/>
+              <a:t> </a:t>
+            </a:r>
+            <a:r>
+              <a:rPr lang="en-US" sz="2000" dirty="0" err="1"/>
+              <a:t>esami</a:t>
+            </a:r>
+            <a:r>
+              <a:rPr lang="en-US" sz="2000" dirty="0"/>
+              <a:t> pre-</a:t>
+            </a:r>
+            <a:r>
+              <a:rPr lang="en-US" sz="2000" dirty="0" err="1"/>
+              <a:t>intervento</a:t>
+            </a:r>
+            <a:r>
+              <a:rPr lang="en-US" sz="2000" dirty="0"/>
+              <a:t> (definite dalla cabina di regia). </a:t>
             </a:r>
             <a:endParaRPr lang="en-US" sz="2000" b="1" i="1" dirty="0"/>
           </a:p>
@@ -30445,62 +30736,70 @@
               <a:buNone/>
             </a:pPr>
             <a:r>
-              <a:rPr lang="en-US" sz="2000" dirty="0"/>
-              <a:t>Le principali difficolà, incontrate durante la stesura del Progetto, sono:</a:t>
+              <a:rPr lang="en-US" sz="2200" dirty="0"/>
+              <a:t>Le principali difficolà, incontrate durante la stesura del Progetto, </a:t>
+            </a:r>
+            <a:r>
+              <a:rPr lang="en-US" sz="2200" dirty="0" err="1"/>
+              <a:t>riguardano</a:t>
+            </a:r>
+            <a:r>
+              <a:rPr lang="en-US" sz="2200" dirty="0"/>
+              <a:t>:</a:t>
             </a:r>
           </a:p>
           <a:p>
             <a:pPr marL="0" indent="0">
               <a:buNone/>
             </a:pPr>
-            <a:endParaRPr lang="en-US" sz="2000" dirty="0"/>
-          </a:p>
-          <a:p>
-            <a:r>
-              <a:rPr lang="en-US" sz="2000" dirty="0"/>
+            <a:endParaRPr lang="en-US" sz="2200" dirty="0"/>
+          </a:p>
+          <a:p>
+            <a:r>
+              <a:rPr lang="en-US" sz="2200" dirty="0"/>
               <a:t>Coordinamento tra i componenti del team, soprattutto a livello temporale e gestione del lavoro. </a:t>
             </a:r>
           </a:p>
           <a:p>
-            <a:endParaRPr lang="en-US" sz="2000" dirty="0"/>
-          </a:p>
-          <a:p>
-            <a:r>
-              <a:rPr lang="en-US" sz="2000" dirty="0"/>
+            <a:endParaRPr lang="en-US" sz="2200" dirty="0"/>
+          </a:p>
+          <a:p>
+            <a:r>
+              <a:rPr lang="en-US" sz="2200" dirty="0"/>
               <a:t>Ottenere un programma software che risponda a tutti i </a:t>
             </a:r>
             <a:r>
-              <a:rPr lang="en-US" sz="2000" dirty="0" err="1"/>
+              <a:rPr lang="en-US" sz="2200" dirty="0" err="1"/>
               <a:t>requisiti</a:t>
             </a:r>
             <a:r>
-              <a:rPr lang="en-US" sz="2000" dirty="0"/>
+              <a:rPr lang="en-US" sz="2200" dirty="0"/>
               <a:t> (del Sistema e </a:t>
             </a:r>
             <a:r>
-              <a:rPr lang="en-US" sz="2000" dirty="0" err="1"/>
+              <a:rPr lang="en-US" sz="2200" dirty="0" err="1"/>
               <a:t>dell’utente</a:t>
             </a:r>
             <a:r>
-              <a:rPr lang="en-US" sz="2000" dirty="0"/>
+              <a:rPr lang="en-US" sz="2200" dirty="0"/>
               <a:t>).</a:t>
             </a:r>
           </a:p>
           <a:p>
-            <a:endParaRPr lang="en-US" sz="2000" dirty="0"/>
-          </a:p>
-          <a:p>
-            <a:r>
-              <a:rPr lang="en-US" sz="2000" dirty="0"/>
+            <a:endParaRPr lang="en-US" sz="2200" dirty="0"/>
+          </a:p>
+          <a:p>
+            <a:r>
+              <a:rPr lang="en-US" sz="2200" dirty="0"/>
               <a:t>Conflitto nell’utilizzo di GitHub.</a:t>
             </a:r>
           </a:p>
           <a:p>
-            <a:endParaRPr lang="en-US" sz="2000" dirty="0"/>
-          </a:p>
-          <a:p>
-            <a:r>
-              <a:rPr lang="en-US" sz="2000" dirty="0"/>
+            <a:endParaRPr lang="en-US" sz="2200" dirty="0"/>
+          </a:p>
+          <a:p>
+            <a:r>
+              <a:rPr lang="en-US" sz="2200" dirty="0"/>
               <a:t>Possibilità di non consegnare in tempo il Progetto, causa ritardo nella realizzazione delle singole parti del programma.</a:t>
             </a:r>
           </a:p>
@@ -30508,11 +30807,11 @@
             <a:pPr marL="0" indent="0">
               <a:buNone/>
             </a:pPr>
-            <a:endParaRPr lang="en-US" sz="2000" dirty="0"/>
-          </a:p>
-          <a:p>
-            <a:r>
-              <a:rPr lang="en-US" sz="2000" dirty="0"/>
+            <a:endParaRPr lang="en-US" sz="2200" dirty="0"/>
+          </a:p>
+          <a:p>
+            <a:r>
+              <a:rPr lang="en-US" sz="2200" dirty="0"/>
               <a:t>Difficoltà nell’intuire quali tool e pattern sono stati utilizzati nella stesura del progetto.</a:t>
             </a:r>
           </a:p>
@@ -32471,7 +32770,7 @@
             </a:r>
             <a:r>
               <a:rPr lang="it-IT" sz="2000" dirty="0"/>
-              <a:t> come strumento prescelto al coordinamento tra i membri del team, ma anche per tenere traccia di tutti i file e le modifiche apportate (si sfruttano </a:t>
+              <a:t> come strumento prescelto al coordinamento tra i membri del team, ma anche per tenere traccia di tutti i componenti e le modifiche apportate (si sfruttano </a:t>
             </a:r>
             <a:r>
               <a:rPr lang="it-IT" sz="2000" i="1" dirty="0"/>
@@ -32588,7 +32887,7 @@
             </a:r>
             <a:r>
               <a:rPr lang="it-IT" sz="2000" dirty="0"/>
-              <a:t>, definizione delle classi del sistema, con annessi operazioni e associazioni;</a:t>
+              <a:t>, definizione delle classi del sistema, con annessi attributi, operazioni e associazioni;</a:t>
             </a:r>
             <a:endParaRPr lang="it-IT" sz="2000" i="1" dirty="0"/>
           </a:p>
@@ -33533,11 +33832,15 @@
             </a:r>
             <a:r>
               <a:rPr lang="it-IT" i="1" dirty="0"/>
-              <a:t>Extract Local Variables</a:t>
+              <a:t>Extract Local </a:t>
+            </a:r>
+            <a:r>
+              <a:rPr lang="it-IT" i="1" dirty="0" err="1"/>
+              <a:t>Variables</a:t>
             </a:r>
             <a:r>
               <a:rPr lang="it-IT" dirty="0"/>
-              <a:t>, estrarre metodi e variabili da una classe e implementarli in un’altra, evitando la riscrittura del codice e minimizzando i costi di progettazione;</a:t>
+              <a:t>, per estrarre metodi e variabili da una classe e implementarli in un’altra, evitando la riscrittura del codice e minimizzando i costi di progettazione;</a:t>
             </a:r>
             <a:br>
               <a:rPr lang="it-IT" dirty="0"/>
@@ -34394,7 +34697,7 @@
         </p:spPr>
         <p:txBody>
           <a:bodyPr>
-            <a:normAutofit fontScale="92500" lnSpcReduction="10000"/>
+            <a:normAutofit fontScale="92500" lnSpcReduction="20000"/>
           </a:bodyPr>
           <a:lstStyle/>
           <a:p>
@@ -34441,7 +34744,7 @@
             </a:r>
             <a:r>
               <a:rPr lang="it-IT" sz="2000" dirty="0"/>
-              <a:t>Per valutazione del progetto/project plan, risolvere bug o rispondere a determinati requisiti, sono state attivate issue corrispondenti. Le varie issue vengono affidate ad uno o a tutti i membri del team e devono essere portate a compimento, prima di essere chiuse (indicate come «completate»). Le issue favoriscono la comunicazione tra i membri del team.</a:t>
+              <a:t>Per valutazione del progetto/project plan, risolvere bug o rispondere a determinati requisiti, sono state attivate issue corrispondenti. Le singole issue vengono affidate ad uno o più i membri del team e devono essere portate a compimento, prima di essere chiuse (indicate come «completate»). Le issue favoriscono la comunicazione tra i membri del team.</a:t>
             </a:r>
           </a:p>
           <a:p>
@@ -34468,7 +34771,15 @@
             </a:r>
             <a:r>
               <a:rPr lang="it-IT" sz="2000" dirty="0"/>
-              <a:t>modifiche importanti o azioni di merge, sono state create delle pull request, le quali devono essere discusse tra tutti i membri del team e lo SCRUM Master, indicato per l’area di lavoro a cui la request fa riferimento, ha il compito di approvarla ed portarla a compimento.</a:t>
+              <a:t>modifiche importanti o azioni di merge («unione di materiale da un </a:t>
+            </a:r>
+            <a:r>
+              <a:rPr lang="it-IT" sz="2000" dirty="0" err="1"/>
+              <a:t>branch</a:t>
+            </a:r>
+            <a:r>
+              <a:rPr lang="it-IT" sz="2000" dirty="0"/>
+              <a:t> ad un altro»), sono state create delle pull request, le quali devono essere discusse tra tutti i membri del team e lo SCRUM Master, indicato per l’area di lavoro a cui la request fa riferimento, ha il compito di approvarla ed portarla a compimento.</a:t>
             </a:r>
             <a:endParaRPr lang="it-IT" sz="2200" b="1" dirty="0"/>
           </a:p>
@@ -35377,13 +35688,13 @@
         </p:nvPicPr>
         <p:blipFill rotWithShape="1">
           <a:blip r:embed="rId3"/>
-          <a:srcRect b="12934"/>
+          <a:srcRect t="-1" b="18914"/>
           <a:stretch/>
         </p:blipFill>
         <p:spPr>
           <a:xfrm>
-            <a:off x="2199294" y="1853617"/>
-            <a:ext cx="7655245" cy="4043330"/>
+            <a:off x="1854057" y="1844286"/>
+            <a:ext cx="8343080" cy="4104000"/>
           </a:xfrm>
           <a:prstGeom prst="rect">
             <a:avLst/>
@@ -37252,6 +37563,15 @@
 </file>
 
 <file path=customXml/item1.xml><?xml version="1.0" encoding="utf-8"?>
+<?mso-contentType ?>
+<FormTemplates xmlns="http://schemas.microsoft.com/sharepoint/v3/contenttype/forms">
+  <Display>DocumentLibraryForm</Display>
+  <Edit>DocumentLibraryForm</Edit>
+  <New>DocumentLibraryForm</New>
+</FormTemplates>
+</file>
+
+<file path=customXml/item2.xml><?xml version="1.0" encoding="utf-8"?>
 <ct:contentTypeSchema xmlns:ct="http://schemas.microsoft.com/office/2006/metadata/contentType" xmlns:ma="http://schemas.microsoft.com/office/2006/metadata/properties/metaAttributes" ct:_="" ma:_="" ma:contentTypeName="Documento" ma:contentTypeID="0x0101007CE6213B20D2F945B0D1473923EE410F" ma:contentTypeVersion="7" ma:contentTypeDescription="Creare un nuovo documento." ma:contentTypeScope="" ma:versionID="dc8ac43e96b461727accd63cf925a5cf">
   <xsd:schema xmlns:xsd="http://www.w3.org/2001/XMLSchema" xmlns:xs="http://www.w3.org/2001/XMLSchema" xmlns:p="http://schemas.microsoft.com/office/2006/metadata/properties" xmlns:ns2="243f3390-b919-40e8-8195-3613e8527352" targetNamespace="http://schemas.microsoft.com/office/2006/metadata/properties" ma:root="true" ma:fieldsID="1987007e621e1b24d40e437f012b913d" ns2:_="">
     <xsd:import namespace="243f3390-b919-40e8-8195-3613e8527352"/>
@@ -37413,15 +37733,6 @@
 </ct:contentTypeSchema>
 </file>
 
-<file path=customXml/item2.xml><?xml version="1.0" encoding="utf-8"?>
-<?mso-contentType ?>
-<FormTemplates xmlns="http://schemas.microsoft.com/sharepoint/v3/contenttype/forms">
-  <Display>DocumentLibraryForm</Display>
-  <Edit>DocumentLibraryForm</Edit>
-  <New>DocumentLibraryForm</New>
-</FormTemplates>
-</file>
-
 <file path=customXml/item3.xml><?xml version="1.0" encoding="utf-8"?>
 <p:properties xmlns:p="http://schemas.microsoft.com/office/2006/metadata/properties" xmlns:xsi="http://www.w3.org/2001/XMLSchema-instance" xmlns:pc="http://schemas.microsoft.com/office/infopath/2007/PartnerControls">
   <documentManagement/>
@@ -37429,6 +37740,14 @@
 </file>
 
 <file path=customXml/itemProps1.xml><?xml version="1.0" encoding="utf-8"?>
+<ds:datastoreItem xmlns:ds="http://schemas.openxmlformats.org/officeDocument/2006/customXml" ds:itemID="{42BC90D6-94CF-42F7-AAC4-9CF6824C54D5}">
+  <ds:schemaRefs>
+    <ds:schemaRef ds:uri="http://schemas.microsoft.com/sharepoint/v3/contenttype/forms"/>
+  </ds:schemaRefs>
+</ds:datastoreItem>
+</file>
+
+<file path=customXml/itemProps2.xml><?xml version="1.0" encoding="utf-8"?>
 <ds:datastoreItem xmlns:ds="http://schemas.openxmlformats.org/officeDocument/2006/customXml" ds:itemID="{1A503E23-9696-4358-8F00-F7F66AC755EB}">
   <ds:schemaRefs>
     <ds:schemaRef ds:uri="http://schemas.microsoft.com/office/2006/metadata/contentType"/>
@@ -37442,14 +37761,6 @@
     <ds:schemaRef ds:uri="http://purl.org/dc/elements/1.1/"/>
     <ds:schemaRef ds:uri="http://purl.org/dc/terms/"/>
     <ds:schemaRef ds:uri="http://schemas.microsoft.com/internal/obd"/>
-  </ds:schemaRefs>
-</ds:datastoreItem>
-</file>
-
-<file path=customXml/itemProps2.xml><?xml version="1.0" encoding="utf-8"?>
-<ds:datastoreItem xmlns:ds="http://schemas.openxmlformats.org/officeDocument/2006/customXml" ds:itemID="{42BC90D6-94CF-42F7-AAC4-9CF6824C54D5}">
-  <ds:schemaRefs>
-    <ds:schemaRef ds:uri="http://schemas.microsoft.com/sharepoint/v3/contenttype/forms"/>
   </ds:schemaRefs>
 </ds:datastoreItem>
 </file>

--- a/Presentazione/Presentazione_Progetto.pptx
+++ b/Presentazione/Presentazione_Progetto.pptx
@@ -169,7 +169,7 @@
 <file path=ppt/revisionInfo.xml><?xml version="1.0" encoding="utf-8"?>
 <p1510:revInfo xmlns:a="http://schemas.openxmlformats.org/drawingml/2006/main" xmlns:r="http://schemas.openxmlformats.org/officeDocument/2006/relationships" xmlns:p1510="http://schemas.microsoft.com/office/powerpoint/2015/10/main">
   <p1510:revLst>
-    <p1510:client id="{E6DC4EAA-0AC7-4D8A-9ABA-9B4C09DD8308}" v="286" dt="2024-03-03T16:40:37.939"/>
+    <p1510:client id="{E6DC4EAA-0AC7-4D8A-9ABA-9B4C09DD8308}" v="297" dt="2024-03-17T16:29:46.724"/>
   </p1510:revLst>
 </p1510:revInfo>
 </file>
@@ -179,7 +179,7 @@
   <pc:docChgLst>
     <pc:chgData name="Matteo MANGILI" userId="89c7df381375e6aa" providerId="LiveId" clId="{E6DC4EAA-0AC7-4D8A-9ABA-9B4C09DD8308}"/>
     <pc:docChg chg="undo custSel addSld delSld modSld sldOrd">
-      <pc:chgData name="Matteo MANGILI" userId="89c7df381375e6aa" providerId="LiveId" clId="{E6DC4EAA-0AC7-4D8A-9ABA-9B4C09DD8308}" dt="2024-03-03T17:12:46.390" v="8224" actId="20577"/>
+      <pc:chgData name="Matteo MANGILI" userId="89c7df381375e6aa" providerId="LiveId" clId="{E6DC4EAA-0AC7-4D8A-9ABA-9B4C09DD8308}" dt="2024-03-17T16:23:14.072" v="8654" actId="255"/>
       <pc:docMkLst>
         <pc:docMk/>
       </pc:docMkLst>
@@ -351,13 +351,13 @@
         </pc:spChg>
       </pc:sldChg>
       <pc:sldChg chg="modSp mod">
-        <pc:chgData name="Matteo MANGILI" userId="89c7df381375e6aa" providerId="LiveId" clId="{E6DC4EAA-0AC7-4D8A-9ABA-9B4C09DD8308}" dt="2024-02-28T11:08:01.556" v="7054" actId="20577"/>
+        <pc:chgData name="Matteo MANGILI" userId="89c7df381375e6aa" providerId="LiveId" clId="{E6DC4EAA-0AC7-4D8A-9ABA-9B4C09DD8308}" dt="2024-03-17T16:20:22.576" v="8579" actId="114"/>
         <pc:sldMkLst>
           <pc:docMk/>
           <pc:sldMk cId="2214790197" sldId="310"/>
         </pc:sldMkLst>
         <pc:spChg chg="mod">
-          <ac:chgData name="Matteo MANGILI" userId="89c7df381375e6aa" providerId="LiveId" clId="{E6DC4EAA-0AC7-4D8A-9ABA-9B4C09DD8308}" dt="2024-02-28T11:08:01.556" v="7054" actId="20577"/>
+          <ac:chgData name="Matteo MANGILI" userId="89c7df381375e6aa" providerId="LiveId" clId="{E6DC4EAA-0AC7-4D8A-9ABA-9B4C09DD8308}" dt="2024-03-17T16:20:22.576" v="8579" actId="114"/>
           <ac:spMkLst>
             <pc:docMk/>
             <pc:sldMk cId="2214790197" sldId="310"/>
@@ -366,13 +366,13 @@
         </pc:spChg>
       </pc:sldChg>
       <pc:sldChg chg="modSp mod">
-        <pc:chgData name="Matteo MANGILI" userId="89c7df381375e6aa" providerId="LiveId" clId="{E6DC4EAA-0AC7-4D8A-9ABA-9B4C09DD8308}" dt="2024-02-27T12:08:45.497" v="4013" actId="20577"/>
+        <pc:chgData name="Matteo MANGILI" userId="89c7df381375e6aa" providerId="LiveId" clId="{E6DC4EAA-0AC7-4D8A-9ABA-9B4C09DD8308}" dt="2024-03-17T16:11:04.359" v="8254" actId="20577"/>
         <pc:sldMkLst>
           <pc:docMk/>
           <pc:sldMk cId="3576197673" sldId="313"/>
         </pc:sldMkLst>
         <pc:graphicFrameChg chg="modGraphic">
-          <ac:chgData name="Matteo MANGILI" userId="89c7df381375e6aa" providerId="LiveId" clId="{E6DC4EAA-0AC7-4D8A-9ABA-9B4C09DD8308}" dt="2024-02-27T12:08:45.497" v="4013" actId="20577"/>
+          <ac:chgData name="Matteo MANGILI" userId="89c7df381375e6aa" providerId="LiveId" clId="{E6DC4EAA-0AC7-4D8A-9ABA-9B4C09DD8308}" dt="2024-03-17T16:11:04.359" v="8254" actId="20577"/>
           <ac:graphicFrameMkLst>
             <pc:docMk/>
             <pc:sldMk cId="3576197673" sldId="313"/>
@@ -569,13 +569,13 @@
         </pc:graphicFrameChg>
       </pc:sldChg>
       <pc:sldChg chg="modSp mod">
-        <pc:chgData name="Matteo MANGILI" userId="89c7df381375e6aa" providerId="LiveId" clId="{E6DC4EAA-0AC7-4D8A-9ABA-9B4C09DD8308}" dt="2024-03-03T16:44:57.308" v="7871" actId="20577"/>
+        <pc:chgData name="Matteo MANGILI" userId="89c7df381375e6aa" providerId="LiveId" clId="{E6DC4EAA-0AC7-4D8A-9ABA-9B4C09DD8308}" dt="2024-03-17T16:23:14.072" v="8654" actId="255"/>
         <pc:sldMkLst>
           <pc:docMk/>
           <pc:sldMk cId="112244765" sldId="318"/>
         </pc:sldMkLst>
         <pc:spChg chg="mod">
-          <ac:chgData name="Matteo MANGILI" userId="89c7df381375e6aa" providerId="LiveId" clId="{E6DC4EAA-0AC7-4D8A-9ABA-9B4C09DD8308}" dt="2024-03-03T16:44:57.308" v="7871" actId="20577"/>
+          <ac:chgData name="Matteo MANGILI" userId="89c7df381375e6aa" providerId="LiveId" clId="{E6DC4EAA-0AC7-4D8A-9ABA-9B4C09DD8308}" dt="2024-03-17T16:23:14.072" v="8654" actId="255"/>
           <ac:spMkLst>
             <pc:docMk/>
             <pc:sldMk cId="112244765" sldId="318"/>
@@ -1483,7 +1483,7 @@
             <a:pPr rtl="0"/>
             <a:fld id="{DBC54730-5EBA-4920-A6C4-7F8458A7F940}" type="datetime1">
               <a:rPr lang="it-IT" smtClean="0"/>
-              <a:t>03/03/2024</a:t>
+              <a:t>17/03/2024</a:t>
             </a:fld>
             <a:endParaRPr lang="it-IT" dirty="0"/>
           </a:p>
@@ -1665,7 +1665,7 @@
             <a:fld id="{85EC1C34-318D-43A8-83F5-3AC8647FE75E}" type="datetime1">
               <a:rPr lang="it-IT" smtClean="0"/>
               <a:pPr/>
-              <a:t>03/03/2024</a:t>
+              <a:t>17/03/2024</a:t>
             </a:fld>
             <a:endParaRPr lang="it-IT" dirty="0"/>
           </a:p>
@@ -16779,13 +16779,37 @@
               <a:rPr lang="en-US" sz="2300" dirty="0">
                 <a:cs typeface="Calibri"/>
               </a:rPr>
-              <a:t>Le informazioni generali per lavorare al Sistema le </a:t>
+              <a:t>Le informazioni generali per lavorare al Sistema le abbiamo </a:t>
             </a:r>
             <a:r>
               <a:rPr lang="en-US" sz="2300" dirty="0" err="1">
                 <a:cs typeface="Calibri"/>
               </a:rPr>
-              <a:t>abbiamo</a:t>
+              <a:t>ricavatte</a:t>
+            </a:r>
+            <a:r>
+              <a:rPr lang="en-US" sz="2300" dirty="0">
+                <a:cs typeface="Calibri"/>
+              </a:rPr>
+              <a:t> da </a:t>
+            </a:r>
+            <a:r>
+              <a:rPr lang="en-US" sz="2300" dirty="0" err="1">
+                <a:cs typeface="Calibri"/>
+              </a:rPr>
+              <a:t>un’intervista</a:t>
+            </a:r>
+            <a:r>
+              <a:rPr lang="en-US" sz="2300" dirty="0">
+                <a:cs typeface="Calibri"/>
+              </a:rPr>
+              <a:t>, effettuata dal </a:t>
+            </a:r>
+            <a:r>
+              <a:rPr lang="en-US" sz="2300" dirty="0" err="1">
+                <a:cs typeface="Calibri"/>
+              </a:rPr>
+              <a:t>responsabile</a:t>
             </a:r>
             <a:r>
               <a:rPr lang="en-US" sz="2300" dirty="0">
@@ -16797,42 +16821,6 @@
               <a:rPr lang="en-US" sz="2300" dirty="0" err="1">
                 <a:cs typeface="Calibri"/>
               </a:rPr>
-              <a:t>ricavatte</a:t>
-            </a:r>
-            <a:r>
-              <a:rPr lang="en-US" sz="2300" dirty="0">
-                <a:cs typeface="Calibri"/>
-              </a:rPr>
-              <a:t> da </a:t>
-            </a:r>
-            <a:r>
-              <a:rPr lang="en-US" sz="2300" dirty="0" err="1">
-                <a:cs typeface="Calibri"/>
-              </a:rPr>
-              <a:t>un’intervista</a:t>
-            </a:r>
-            <a:r>
-              <a:rPr lang="en-US" sz="2300" dirty="0">
-                <a:cs typeface="Calibri"/>
-              </a:rPr>
-              <a:t>, effettuata dal </a:t>
-            </a:r>
-            <a:r>
-              <a:rPr lang="en-US" sz="2300" dirty="0" err="1">
-                <a:cs typeface="Calibri"/>
-              </a:rPr>
-              <a:t>responsabile</a:t>
-            </a:r>
-            <a:r>
-              <a:rPr lang="en-US" sz="2300" dirty="0">
-                <a:cs typeface="Calibri"/>
-              </a:rPr>
-              <a:t> </a:t>
-            </a:r>
-            <a:r>
-              <a:rPr lang="en-US" sz="2300" dirty="0" err="1">
-                <a:cs typeface="Calibri"/>
-              </a:rPr>
               <a:t>Cattaneo</a:t>
             </a:r>
             <a:r>
@@ -16898,7 +16886,19 @@
               <a:rPr lang="en-US" sz="2300" dirty="0">
                 <a:cs typeface="Calibri"/>
               </a:rPr>
-              <a:t> i requisiti devono essere valutati per la loro importanza e ruolo rispetto alla natura del progetto (</a:t>
+              <a:t> i requisiti devono essere valutati per la loro importanza e </a:t>
+            </a:r>
+            <a:r>
+              <a:rPr lang="en-US" sz="2300" dirty="0" err="1">
+                <a:cs typeface="Calibri"/>
+              </a:rPr>
+              <a:t>ruolo</a:t>
+            </a:r>
+            <a:r>
+              <a:rPr lang="en-US" sz="2300" dirty="0">
+                <a:cs typeface="Calibri"/>
+              </a:rPr>
+              <a:t> rispetto alla natura del progetto (</a:t>
             </a:r>
             <a:r>
               <a:rPr lang="en-US" sz="2300" b="1" i="1" dirty="0">
@@ -17931,14 +17931,14 @@
             <p:ph idx="1"/>
             <p:extLst>
               <p:ext uri="{D42A27DB-BD31-4B8C-83A1-F6EECF244321}">
-                <p14:modId xmlns:p14="http://schemas.microsoft.com/office/powerpoint/2010/main" val="2894057965"/>
+                <p14:modId xmlns:p14="http://schemas.microsoft.com/office/powerpoint/2010/main" val="154795556"/>
               </p:ext>
             </p:extLst>
           </p:nvPr>
         </p:nvGraphicFramePr>
         <p:xfrm>
           <a:off x="838200" y="1825625"/>
-          <a:ext cx="10515600" cy="4425162"/>
+          <a:ext cx="10515600" cy="4388562"/>
         </p:xfrm>
         <a:graphic>
           <a:graphicData uri="http://schemas.openxmlformats.org/drawingml/2006/table">
@@ -18022,21 +18022,6 @@
                   <a:txBody>
                     <a:bodyPr/>
                     <a:lstStyle/>
-                    <a:p>
-                      <a:pPr marL="171450" indent="-171450">
-                        <a:buFont typeface="Arial" panose="020B0604020202020204" pitchFamily="34" charset="0"/>
-                        <a:buChar char="•"/>
-                      </a:pPr>
-                      <a:r>
-                        <a:rPr lang="it-IT" sz="1600" dirty="0"/>
-                        <a:t>Registrazione </a:t>
-                      </a:r>
-                      <a:r>
-                        <a:rPr lang="it-IT" sz="1600"/>
-                        <a:t>Medico al Sistema</a:t>
-                      </a:r>
-                      <a:endParaRPr lang="it-IT" sz="1600" dirty="0"/>
-                    </a:p>
                     <a:p>
                       <a:pPr marL="171450" indent="-171450">
                         <a:buFont typeface="Arial" panose="020B0604020202020204" pitchFamily="34" charset="0"/>
@@ -18201,16 +18186,6 @@
                       <a:r>
                         <a:rPr lang="it-IT" sz="1600" dirty="0"/>
                         <a:t>Iscrizione Lista Graduatoria</a:t>
-                      </a:r>
-                    </a:p>
-                    <a:p>
-                      <a:pPr marL="285750" indent="-285750">
-                        <a:buFont typeface="Arial" panose="020B0604020202020204" pitchFamily="34" charset="0"/>
-                        <a:buChar char="•"/>
-                      </a:pPr>
-                      <a:r>
-                        <a:rPr lang="it-IT" sz="1600" dirty="0"/>
-                        <a:t>Stampa Verbale Medico</a:t>
                       </a:r>
                     </a:p>
                   </a:txBody>
@@ -21236,7 +21211,15 @@
             </a:pPr>
             <a:r>
               <a:rPr lang="en-US" sz="2000" dirty="0"/>
-              <a:t>Pattern che viene utilizzato quando, progettando un metodo di una nuova classe, ci si accorge che già un’altra classe esegue la stessa operazione. A questo scopo, viene istanziato, all’interno della nuova classe, un oggetto della nuova classe e che ne applica il metodo desiderato. Tale pattern riutilizza frammenti di codice, minimizzando i costi d’uso.</a:t>
+              <a:t>Pattern che viene utilizzato quando, progettando un metodo di una nuova classe, ci si accorge che già un’altra classe esegue la stessa </a:t>
+            </a:r>
+            <a:r>
+              <a:rPr lang="en-US" sz="2000" dirty="0" err="1"/>
+              <a:t>operazione</a:t>
+            </a:r>
+            <a:r>
+              <a:rPr lang="en-US" sz="2000" dirty="0"/>
+              <a:t>. A questo scopo, viene istanziato, all’interno della nuova classe, un oggetto della nuova classe e che ne applica il metodo desiderato. Tale pattern riutilizza frammenti di codice, minimizzando i costi d’uso.</a:t>
             </a:r>
           </a:p>
           <a:p>
@@ -24124,15 +24107,7 @@
             </a:pPr>
             <a:r>
               <a:rPr lang="en-US" sz="2200" dirty="0"/>
-              <a:t>(</a:t>
-            </a:r>
-            <a:r>
-              <a:rPr lang="en-US" sz="2200" dirty="0" err="1"/>
-              <a:t>definire</a:t>
-            </a:r>
-            <a:r>
-              <a:rPr lang="en-US" sz="2200" dirty="0"/>
-              <a:t> la </a:t>
+              <a:t>(definire la </a:t>
             </a:r>
             <a:r>
               <a:rPr lang="en-US" sz="2200" dirty="0" err="1"/>
@@ -29736,8 +29711,8 @@
         </p:nvSpPr>
         <p:spPr>
           <a:xfrm>
-            <a:off x="838200" y="1929384"/>
-            <a:ext cx="10515600" cy="4251960"/>
+            <a:off x="838200" y="1929383"/>
+            <a:ext cx="10515600" cy="4563491"/>
           </a:xfrm>
         </p:spPr>
         <p:txBody>
@@ -29750,8 +29725,182 @@
               <a:buNone/>
             </a:pPr>
             <a:r>
+              <a:rPr lang="en-US" sz="2000" dirty="0" err="1"/>
+              <a:t>Nell’effettuare</a:t>
+            </a:r>
+            <a:r>
               <a:rPr lang="en-US" sz="2000" dirty="0"/>
-              <a:t>Fasi di Test:</a:t>
+              <a:t> un testing al nostro Progetto, abbiamo optato per un test di tipo </a:t>
+            </a:r>
+            <a:r>
+              <a:rPr lang="en-US" sz="2000" b="1" dirty="0"/>
+              <a:t>manuale</a:t>
+            </a:r>
+            <a:r>
+              <a:rPr lang="en-US" sz="2000" dirty="0"/>
+              <a:t>:</a:t>
+            </a:r>
+          </a:p>
+          <a:p>
+            <a:pPr marL="457200" lvl="1" indent="0">
+              <a:buNone/>
+            </a:pPr>
+            <a:r>
+              <a:rPr lang="en-US" sz="2000" dirty="0"/>
+              <a:t>- Lo scopo era verificare che il test non portasse a </a:t>
+            </a:r>
+            <a:r>
+              <a:rPr lang="en-US" sz="2000" i="1" dirty="0"/>
+              <a:t>malfunzionamenti </a:t>
+            </a:r>
+            <a:r>
+              <a:rPr lang="en-US" sz="2000" dirty="0"/>
+              <a:t>(funzionamento errato del programma) o </a:t>
+            </a:r>
+            <a:r>
+              <a:rPr lang="en-US" sz="2000" i="1" dirty="0"/>
+              <a:t>difetti </a:t>
+            </a:r>
+            <a:r>
+              <a:rPr lang="en-US" sz="2000" dirty="0"/>
+              <a:t>(comportamento diverso dalle aspettative del programma).</a:t>
+            </a:r>
+          </a:p>
+          <a:p>
+            <a:pPr marL="457200" lvl="1" indent="0">
+              <a:buNone/>
+            </a:pPr>
+            <a:r>
+              <a:rPr lang="en-US" sz="2000" dirty="0"/>
+              <a:t>- Inseriti </a:t>
+            </a:r>
+            <a:r>
+              <a:rPr lang="it-IT" sz="2000" dirty="0"/>
+              <a:t>opportuni</a:t>
+            </a:r>
+            <a:r>
+              <a:rPr lang="en-US" sz="2000" dirty="0"/>
+              <a:t> input nel codice, i tre collaboratori hanno verificato che il software si comporti in maniera corretta.</a:t>
+            </a:r>
+          </a:p>
+          <a:p>
+            <a:pPr marL="457200" lvl="1" indent="0">
+              <a:buNone/>
+            </a:pPr>
+            <a:r>
+              <a:rPr lang="en-US" sz="2000" dirty="0"/>
+              <a:t>Sono stati eseguiti test </a:t>
+            </a:r>
+            <a:r>
+              <a:rPr lang="en-US" sz="2000" i="1" dirty="0"/>
+              <a:t>black-box </a:t>
+            </a:r>
+            <a:r>
+              <a:rPr lang="en-US" sz="2000" dirty="0"/>
+              <a:t>(di natura funzionale e basati su specifiche di sistema) e test </a:t>
+            </a:r>
+            <a:r>
+              <a:rPr lang="en-US" sz="2000" i="1" dirty="0"/>
+              <a:t>white-box </a:t>
+            </a:r>
+            <a:r>
+              <a:rPr lang="en-US" sz="2000" dirty="0"/>
+              <a:t>(di natura strutturale e basati sul programma vero e proprio).</a:t>
+            </a:r>
+          </a:p>
+          <a:p>
+            <a:pPr marL="457200" lvl="1" indent="0">
+              <a:buNone/>
+            </a:pPr>
+            <a:endParaRPr lang="en-US" sz="2000" dirty="0"/>
+          </a:p>
+          <a:p>
+            <a:pPr marL="457200" lvl="1" indent="0">
+              <a:buNone/>
+            </a:pPr>
+            <a:r>
+              <a:rPr lang="en-US" sz="2000" dirty="0"/>
+              <a:t>Attraverso l’uso del framework </a:t>
+            </a:r>
+            <a:r>
+              <a:rPr lang="en-US" sz="2000" b="1" dirty="0"/>
+              <a:t>JUNIT</a:t>
+            </a:r>
+            <a:r>
+              <a:rPr lang="en-US" sz="2000" dirty="0"/>
+              <a:t>, abbiamo potuto definire </a:t>
+            </a:r>
+            <a:r>
+              <a:rPr lang="en-US" sz="2000" dirty="0" err="1"/>
+              <a:t>diversi</a:t>
+            </a:r>
+            <a:r>
+              <a:rPr lang="en-US" sz="2000" dirty="0"/>
+              <a:t> </a:t>
+            </a:r>
+            <a:r>
+              <a:rPr lang="en-US" sz="2000" dirty="0" err="1"/>
+              <a:t>casi</a:t>
+            </a:r>
+            <a:r>
+              <a:rPr lang="en-US" sz="2000" dirty="0"/>
+              <a:t> di test a </a:t>
+            </a:r>
+            <a:r>
+              <a:rPr lang="en-US" sz="2000" dirty="0" err="1"/>
+              <a:t>seconda</a:t>
+            </a:r>
+            <a:r>
+              <a:rPr lang="en-US" sz="2000" dirty="0"/>
+              <a:t> </a:t>
+            </a:r>
+            <a:r>
+              <a:rPr lang="en-US" sz="2000" dirty="0" err="1"/>
+              <a:t>della</a:t>
+            </a:r>
+            <a:r>
+              <a:rPr lang="en-US" sz="2000" dirty="0"/>
+              <a:t> </a:t>
+            </a:r>
+            <a:r>
+              <a:rPr lang="en-US" sz="2000" dirty="0" err="1"/>
+              <a:t>funzionalità</a:t>
+            </a:r>
+            <a:r>
+              <a:rPr lang="en-US" sz="2000" dirty="0"/>
+              <a:t> </a:t>
+            </a:r>
+            <a:r>
+              <a:rPr lang="en-US" sz="2000" dirty="0" err="1"/>
+              <a:t>che</a:t>
+            </a:r>
+            <a:r>
+              <a:rPr lang="en-US" sz="2000" dirty="0"/>
+              <a:t> </a:t>
+            </a:r>
+            <a:r>
+              <a:rPr lang="en-US" sz="2000" dirty="0" err="1"/>
+              <a:t>si</a:t>
+            </a:r>
+            <a:r>
+              <a:rPr lang="en-US" sz="2000" dirty="0"/>
+              <a:t> </a:t>
+            </a:r>
+            <a:r>
+              <a:rPr lang="en-US" sz="2000" dirty="0" err="1"/>
+              <a:t>va</a:t>
+            </a:r>
+            <a:r>
+              <a:rPr lang="en-US" sz="2000" dirty="0"/>
+              <a:t> ad </a:t>
+            </a:r>
+            <a:r>
+              <a:rPr lang="en-US" sz="2000" dirty="0" err="1"/>
+              <a:t>implementare</a:t>
+            </a:r>
+            <a:r>
+              <a:rPr lang="en-US" sz="2000" dirty="0"/>
+              <a:t>:</a:t>
             </a:r>
           </a:p>
           <a:p>
@@ -29761,7 +29910,7 @@
             </a:pPr>
             <a:r>
               <a:rPr lang="en-US" sz="2000" i="1" dirty="0"/>
-              <a:t>Test di Unità di Modulo e Test di Integrazione</a:t>
+              <a:t>Login al Sistema</a:t>
             </a:r>
           </a:p>
           <a:p>
@@ -29771,7 +29920,7 @@
             </a:pPr>
             <a:r>
               <a:rPr lang="en-US" sz="2000" i="1" dirty="0"/>
-              <a:t>Collaudo del Sistema</a:t>
+              <a:t>Ruolo Dipendente sbagliato</a:t>
             </a:r>
           </a:p>
           <a:p>
@@ -29781,7 +29930,7 @@
             </a:pPr>
             <a:r>
               <a:rPr lang="en-US" sz="2000" i="1" dirty="0"/>
-              <a:t>Test di Accettazione</a:t>
+              <a:t>Inesistenza Verbale Medico</a:t>
             </a:r>
           </a:p>
           <a:p>
@@ -29791,98 +29940,7 @@
             </a:pPr>
             <a:r>
               <a:rPr lang="en-US" sz="2000" i="1" dirty="0"/>
-              <a:t>Test di Installazione</a:t>
-            </a:r>
-          </a:p>
-          <a:p>
-            <a:pPr lvl="1">
-              <a:buFont typeface="Wingdings" panose="05000000000000000000" pitchFamily="2" charset="2"/>
-              <a:buChar char="v"/>
-            </a:pPr>
-            <a:endParaRPr lang="en-US" sz="2000" i="1" dirty="0"/>
-          </a:p>
-          <a:p>
-            <a:pPr marL="457200" lvl="1" indent="0">
-              <a:buNone/>
-            </a:pPr>
-            <a:r>
-              <a:rPr lang="en-US" sz="2000" dirty="0"/>
-              <a:t>Nell’effettuare un testing al nostro Progetto, abbiamo optato per un test di tipo </a:t>
-            </a:r>
-            <a:r>
-              <a:rPr lang="en-US" sz="2000" b="1" dirty="0"/>
-              <a:t>manuale</a:t>
-            </a:r>
-            <a:r>
-              <a:rPr lang="en-US" sz="2000" dirty="0"/>
-              <a:t>:</a:t>
-            </a:r>
-          </a:p>
-          <a:p>
-            <a:pPr marL="457200" lvl="1" indent="0">
-              <a:buNone/>
-            </a:pPr>
-            <a:r>
-              <a:rPr lang="en-US" sz="2000" dirty="0"/>
-              <a:t>- Lo scopo era verificare che il test non portasse a </a:t>
-            </a:r>
-            <a:r>
-              <a:rPr lang="en-US" sz="2000" i="1" dirty="0"/>
-              <a:t>malfunzionamenti </a:t>
-            </a:r>
-            <a:r>
-              <a:rPr lang="en-US" sz="2000" dirty="0"/>
-              <a:t>(funzionamento errato del programma) o </a:t>
-            </a:r>
-            <a:r>
-              <a:rPr lang="en-US" sz="2000" i="1" dirty="0"/>
-              <a:t>difetti </a:t>
-            </a:r>
-            <a:r>
-              <a:rPr lang="en-US" sz="2000" dirty="0"/>
-              <a:t>(comportamento diverso dalle aspettative del programma).</a:t>
-            </a:r>
-          </a:p>
-          <a:p>
-            <a:pPr marL="457200" lvl="1" indent="0">
-              <a:buNone/>
-            </a:pPr>
-            <a:r>
-              <a:rPr lang="en-US" sz="2000" dirty="0"/>
-              <a:t>- Inseriti </a:t>
-            </a:r>
-            <a:r>
-              <a:rPr lang="it-IT" sz="2000" dirty="0"/>
-              <a:t>opportuni</a:t>
-            </a:r>
-            <a:r>
-              <a:rPr lang="en-US" sz="2000" dirty="0"/>
-              <a:t> input nel codice, i tre collaboratori hanno verificato che il software si comporti in maniera corretta.</a:t>
-            </a:r>
-          </a:p>
-          <a:p>
-            <a:pPr marL="457200" lvl="1" indent="0">
-              <a:buNone/>
-            </a:pPr>
-            <a:r>
-              <a:rPr lang="en-US" sz="2000" dirty="0"/>
-              <a:t>Sono stati eseguiti test </a:t>
-            </a:r>
-            <a:r>
-              <a:rPr lang="en-US" sz="2000" i="1" dirty="0"/>
-              <a:t>black-box </a:t>
-            </a:r>
-            <a:r>
-              <a:rPr lang="en-US" sz="2000" dirty="0"/>
-              <a:t>(di natura funzionale e basati su specifiche di sistema) e test </a:t>
-            </a:r>
-            <a:r>
-              <a:rPr lang="en-US" sz="2000" i="1" dirty="0"/>
-              <a:t>white-box </a:t>
-            </a:r>
-            <a:r>
-              <a:rPr lang="en-US" sz="2000" dirty="0"/>
-              <a:t>(di natura strutturale e basati sul programma vero e proprio).</a:t>
+              <a:t>Salvataggio Operazione</a:t>
             </a:r>
           </a:p>
         </p:txBody>
@@ -32743,7 +32801,7 @@
         <p:spPr>
           <a:xfrm>
             <a:off x="838200" y="1884037"/>
-            <a:ext cx="10684764" cy="4985980"/>
+            <a:ext cx="10684764" cy="5047536"/>
           </a:xfrm>
           <a:prstGeom prst="rect">
             <a:avLst/>
@@ -32761,31 +32819,31 @@
               <a:buChar char="•"/>
             </a:pPr>
             <a:r>
-              <a:rPr lang="it-IT" sz="2000" dirty="0"/>
+              <a:rPr lang="it-IT" sz="1900" dirty="0"/>
               <a:t>Utilizzo di </a:t>
             </a:r>
             <a:r>
-              <a:rPr lang="it-IT" sz="2000" b="1" dirty="0"/>
+              <a:rPr lang="it-IT" sz="1900" b="1" dirty="0"/>
               <a:t>GitHub</a:t>
             </a:r>
             <a:r>
-              <a:rPr lang="it-IT" sz="2000" dirty="0"/>
+              <a:rPr lang="it-IT" sz="1900" dirty="0"/>
               <a:t> come strumento prescelto al coordinamento tra i membri del team, ma anche per tenere traccia di tutti i componenti e le modifiche apportate (si sfruttano </a:t>
             </a:r>
             <a:r>
-              <a:rPr lang="it-IT" sz="2000" i="1" dirty="0"/>
+              <a:rPr lang="it-IT" sz="1900" i="1" dirty="0"/>
               <a:t>issue </a:t>
             </a:r>
             <a:r>
-              <a:rPr lang="it-IT" sz="2000" dirty="0"/>
+              <a:rPr lang="it-IT" sz="1900" dirty="0"/>
               <a:t>e </a:t>
             </a:r>
             <a:r>
-              <a:rPr lang="it-IT" sz="2000" i="1" dirty="0"/>
+              <a:rPr lang="it-IT" sz="1900" i="1" dirty="0"/>
               <a:t>branch </a:t>
             </a:r>
             <a:r>
-              <a:rPr lang="it-IT" sz="2000" dirty="0"/>
+              <a:rPr lang="it-IT" sz="1900" dirty="0"/>
               <a:t>per organizzare meglio il lavoro di squadra).</a:t>
             </a:r>
           </a:p>
@@ -32794,7 +32852,7 @@
               <a:buFont typeface="Arial" panose="020B0604020202020204" pitchFamily="34" charset="0"/>
               <a:buChar char="•"/>
             </a:pPr>
-            <a:endParaRPr lang="it-IT" sz="2000" dirty="0"/>
+            <a:endParaRPr lang="it-IT" sz="1900" dirty="0"/>
           </a:p>
           <a:p>
             <a:pPr marL="285750" indent="-285750">
@@ -32802,23 +32860,23 @@
               <a:buChar char="•"/>
             </a:pPr>
             <a:r>
-              <a:rPr lang="it-IT" sz="2000" dirty="0"/>
+              <a:rPr lang="it-IT" sz="1900" dirty="0"/>
               <a:t>Utilizzo di Linguaggio </a:t>
             </a:r>
             <a:r>
-              <a:rPr lang="it-IT" sz="2000" b="1" dirty="0"/>
+              <a:rPr lang="it-IT" sz="1900" b="1" dirty="0"/>
               <a:t>Java</a:t>
             </a:r>
             <a:r>
-              <a:rPr lang="it-IT" sz="2000" dirty="0"/>
+              <a:rPr lang="it-IT" sz="1900" dirty="0"/>
               <a:t> (alto livello) per la stesura del codice sorgente attraverso l’uso dell’ambiente di lavoro </a:t>
             </a:r>
             <a:r>
-              <a:rPr lang="it-IT" sz="2000" b="1" dirty="0"/>
+              <a:rPr lang="it-IT" sz="1900" b="1" dirty="0"/>
               <a:t>Eclipse</a:t>
             </a:r>
             <a:r>
-              <a:rPr lang="it-IT" sz="2000" dirty="0"/>
+              <a:rPr lang="it-IT" sz="1900" dirty="0"/>
               <a:t>:</a:t>
             </a:r>
           </a:p>
@@ -32828,11 +32886,11 @@
               <a:buChar char="q"/>
             </a:pPr>
             <a:r>
-              <a:rPr lang="it-IT" sz="2000" i="1" dirty="0"/>
+              <a:rPr lang="it-IT" sz="1900" i="1" dirty="0"/>
               <a:t>Windowbuilder</a:t>
             </a:r>
             <a:r>
-              <a:rPr lang="it-IT" sz="2000" dirty="0"/>
+              <a:rPr lang="it-IT" sz="1900" dirty="0"/>
               <a:t>, per la costruzione di un’interfaccia grafica che risponda ai requisiti del problema, ma che sia anche di facile utilizzo e comprensibile agli utenti (medici principalmente).</a:t>
             </a:r>
           </a:p>
@@ -32841,7 +32899,22 @@
               <a:buFont typeface="Wingdings" panose="05000000000000000000" pitchFamily="2" charset="2"/>
               <a:buChar char="q"/>
             </a:pPr>
-            <a:endParaRPr lang="it-IT" sz="2000" b="1" i="1" dirty="0"/>
+            <a:r>
+              <a:rPr lang="it-IT" sz="1900" i="1" dirty="0"/>
+              <a:t>JUNIT, </a:t>
+            </a:r>
+            <a:r>
+              <a:rPr lang="it-IT" sz="1900" dirty="0"/>
+              <a:t>framework per lo studio dei casi di test.</a:t>
+            </a:r>
+            <a:endParaRPr lang="it-IT" sz="1900" i="1" dirty="0"/>
+          </a:p>
+          <a:p>
+            <a:pPr marL="285750" indent="-285750">
+              <a:buFont typeface="Wingdings" panose="05000000000000000000" pitchFamily="2" charset="2"/>
+              <a:buChar char="q"/>
+            </a:pPr>
+            <a:endParaRPr lang="it-IT" sz="1900" b="1" i="1" dirty="0"/>
           </a:p>
           <a:p>
             <a:pPr marL="285750" indent="-285750">
@@ -32849,15 +32922,15 @@
               <a:buChar char="•"/>
             </a:pPr>
             <a:r>
-              <a:rPr lang="it-IT" sz="2000" dirty="0"/>
+              <a:rPr lang="it-IT" sz="1900" dirty="0"/>
               <a:t>Utilizzo di </a:t>
             </a:r>
             <a:r>
-              <a:rPr lang="it-IT" sz="2000" b="1" dirty="0"/>
+              <a:rPr lang="it-IT" sz="1900" b="1" dirty="0"/>
               <a:t>StarUML</a:t>
             </a:r>
             <a:r>
-              <a:rPr lang="it-IT" sz="2000" dirty="0"/>
+              <a:rPr lang="it-IT" sz="1900" dirty="0"/>
               <a:t> per la creazione dei vari diagrammi:</a:t>
             </a:r>
           </a:p>
@@ -32867,14 +32940,14 @@
               <a:buChar char="q"/>
             </a:pPr>
             <a:r>
-              <a:rPr lang="it-IT" sz="2000" i="1" dirty="0"/>
+              <a:rPr lang="it-IT" sz="1900" i="1" dirty="0"/>
               <a:t>Use-Case Diagram</a:t>
             </a:r>
             <a:r>
-              <a:rPr lang="it-IT" sz="2000" dirty="0"/>
+              <a:rPr lang="it-IT" sz="1900" dirty="0"/>
               <a:t>, definizione di attori e casi d’uso del problema;</a:t>
             </a:r>
-            <a:endParaRPr lang="it-IT" sz="2000" i="1" dirty="0"/>
+            <a:endParaRPr lang="it-IT" sz="1900" i="1" dirty="0"/>
           </a:p>
           <a:p>
             <a:pPr marL="285750" indent="-285750">
@@ -32882,14 +32955,14 @@
               <a:buChar char="q"/>
             </a:pPr>
             <a:r>
-              <a:rPr lang="it-IT" sz="2000" i="1" dirty="0"/>
+              <a:rPr lang="it-IT" sz="1900" i="1" dirty="0"/>
               <a:t>Class Diagram</a:t>
             </a:r>
             <a:r>
-              <a:rPr lang="it-IT" sz="2000" dirty="0"/>
+              <a:rPr lang="it-IT" sz="1900" dirty="0"/>
               <a:t>, definizione delle classi del sistema, con annessi attributi, operazioni e associazioni;</a:t>
             </a:r>
-            <a:endParaRPr lang="it-IT" sz="2000" i="1" dirty="0"/>
+            <a:endParaRPr lang="it-IT" sz="1900" i="1" dirty="0"/>
           </a:p>
           <a:p>
             <a:pPr marL="285750" indent="-285750">
@@ -32897,11 +32970,11 @@
               <a:buChar char="q"/>
             </a:pPr>
             <a:r>
-              <a:rPr lang="it-IT" sz="2000" i="1" dirty="0"/>
+              <a:rPr lang="it-IT" sz="1900" i="1" dirty="0"/>
               <a:t>State-Chart Diagram, </a:t>
             </a:r>
             <a:r>
-              <a:rPr lang="it-IT" sz="2000" dirty="0"/>
+              <a:rPr lang="it-IT" sz="1900" dirty="0"/>
               <a:t>visualizzazione dello stato del sistema durante il suo utilizzo;</a:t>
             </a:r>
           </a:p>
@@ -32911,14 +32984,14 @@
               <a:buChar char="q"/>
             </a:pPr>
             <a:r>
-              <a:rPr lang="it-IT" sz="2000" i="1" dirty="0"/>
+              <a:rPr lang="it-IT" sz="1900" i="1" dirty="0"/>
               <a:t>Sequence Diagram</a:t>
             </a:r>
             <a:r>
-              <a:rPr lang="it-IT" sz="2000" dirty="0"/>
+              <a:rPr lang="it-IT" sz="1900" dirty="0"/>
               <a:t>, definizione delle sequenze di azioni effettuate durante l’utilizzo del sistema;</a:t>
             </a:r>
-            <a:endParaRPr lang="it-IT" sz="2000" i="1" dirty="0"/>
+            <a:endParaRPr lang="it-IT" sz="1900" i="1" dirty="0"/>
           </a:p>
           <a:p>
             <a:pPr marL="285750" indent="-285750">
@@ -32926,14 +32999,14 @@
               <a:buChar char="q"/>
             </a:pPr>
             <a:r>
-              <a:rPr lang="it-IT" sz="2000" i="1" dirty="0"/>
+              <a:rPr lang="it-IT" sz="1900" i="1" dirty="0"/>
               <a:t>Activity Diagram,</a:t>
             </a:r>
             <a:r>
-              <a:rPr lang="it-IT" sz="2000" dirty="0"/>
+              <a:rPr lang="it-IT" sz="1900" dirty="0"/>
               <a:t> definizione delle varie attività svolte da uno o più soggetti;</a:t>
             </a:r>
-            <a:endParaRPr lang="it-IT" sz="2000" i="1" dirty="0"/>
+            <a:endParaRPr lang="it-IT" sz="1900" i="1" dirty="0"/>
           </a:p>
           <a:p>
             <a:pPr marL="285750" indent="-285750">
@@ -37563,15 +37636,6 @@
 </file>
 
 <file path=customXml/item1.xml><?xml version="1.0" encoding="utf-8"?>
-<?mso-contentType ?>
-<FormTemplates xmlns="http://schemas.microsoft.com/sharepoint/v3/contenttype/forms">
-  <Display>DocumentLibraryForm</Display>
-  <Edit>DocumentLibraryForm</Edit>
-  <New>DocumentLibraryForm</New>
-</FormTemplates>
-</file>
-
-<file path=customXml/item2.xml><?xml version="1.0" encoding="utf-8"?>
 <ct:contentTypeSchema xmlns:ct="http://schemas.microsoft.com/office/2006/metadata/contentType" xmlns:ma="http://schemas.microsoft.com/office/2006/metadata/properties/metaAttributes" ct:_="" ma:_="" ma:contentTypeName="Documento" ma:contentTypeID="0x0101007CE6213B20D2F945B0D1473923EE410F" ma:contentTypeVersion="7" ma:contentTypeDescription="Creare un nuovo documento." ma:contentTypeScope="" ma:versionID="dc8ac43e96b461727accd63cf925a5cf">
   <xsd:schema xmlns:xsd="http://www.w3.org/2001/XMLSchema" xmlns:xs="http://www.w3.org/2001/XMLSchema" xmlns:p="http://schemas.microsoft.com/office/2006/metadata/properties" xmlns:ns2="243f3390-b919-40e8-8195-3613e8527352" targetNamespace="http://schemas.microsoft.com/office/2006/metadata/properties" ma:root="true" ma:fieldsID="1987007e621e1b24d40e437f012b913d" ns2:_="">
     <xsd:import namespace="243f3390-b919-40e8-8195-3613e8527352"/>
@@ -37733,6 +37797,15 @@
 </ct:contentTypeSchema>
 </file>
 
+<file path=customXml/item2.xml><?xml version="1.0" encoding="utf-8"?>
+<?mso-contentType ?>
+<FormTemplates xmlns="http://schemas.microsoft.com/sharepoint/v3/contenttype/forms">
+  <Display>DocumentLibraryForm</Display>
+  <Edit>DocumentLibraryForm</Edit>
+  <New>DocumentLibraryForm</New>
+</FormTemplates>
+</file>
+
 <file path=customXml/item3.xml><?xml version="1.0" encoding="utf-8"?>
 <p:properties xmlns:p="http://schemas.microsoft.com/office/2006/metadata/properties" xmlns:xsi="http://www.w3.org/2001/XMLSchema-instance" xmlns:pc="http://schemas.microsoft.com/office/infopath/2007/PartnerControls">
   <documentManagement/>
@@ -37740,14 +37813,6 @@
 </file>
 
 <file path=customXml/itemProps1.xml><?xml version="1.0" encoding="utf-8"?>
-<ds:datastoreItem xmlns:ds="http://schemas.openxmlformats.org/officeDocument/2006/customXml" ds:itemID="{42BC90D6-94CF-42F7-AAC4-9CF6824C54D5}">
-  <ds:schemaRefs>
-    <ds:schemaRef ds:uri="http://schemas.microsoft.com/sharepoint/v3/contenttype/forms"/>
-  </ds:schemaRefs>
-</ds:datastoreItem>
-</file>
-
-<file path=customXml/itemProps2.xml><?xml version="1.0" encoding="utf-8"?>
 <ds:datastoreItem xmlns:ds="http://schemas.openxmlformats.org/officeDocument/2006/customXml" ds:itemID="{1A503E23-9696-4358-8F00-F7F66AC755EB}">
   <ds:schemaRefs>
     <ds:schemaRef ds:uri="http://schemas.microsoft.com/office/2006/metadata/contentType"/>
@@ -37761,6 +37826,14 @@
     <ds:schemaRef ds:uri="http://purl.org/dc/elements/1.1/"/>
     <ds:schemaRef ds:uri="http://purl.org/dc/terms/"/>
     <ds:schemaRef ds:uri="http://schemas.microsoft.com/internal/obd"/>
+  </ds:schemaRefs>
+</ds:datastoreItem>
+</file>
+
+<file path=customXml/itemProps2.xml><?xml version="1.0" encoding="utf-8"?>
+<ds:datastoreItem xmlns:ds="http://schemas.openxmlformats.org/officeDocument/2006/customXml" ds:itemID="{42BC90D6-94CF-42F7-AAC4-9CF6824C54D5}">
+  <ds:schemaRefs>
+    <ds:schemaRef ds:uri="http://schemas.microsoft.com/sharepoint/v3/contenttype/forms"/>
   </ds:schemaRefs>
 </ds:datastoreItem>
 </file>

--- a/Presentazione/Presentazione_Progetto.pptx
+++ b/Presentazione/Presentazione_Progetto.pptx
@@ -169,7 +169,7 @@
 <file path=ppt/revisionInfo.xml><?xml version="1.0" encoding="utf-8"?>
 <p1510:revInfo xmlns:a="http://schemas.openxmlformats.org/drawingml/2006/main" xmlns:r="http://schemas.openxmlformats.org/officeDocument/2006/relationships" xmlns:p1510="http://schemas.microsoft.com/office/powerpoint/2015/10/main">
   <p1510:revLst>
-    <p1510:client id="{E6DC4EAA-0AC7-4D8A-9ABA-9B4C09DD8308}" v="297" dt="2024-03-17T16:29:46.724"/>
+    <p1510:client id="{E6DC4EAA-0AC7-4D8A-9ABA-9B4C09DD8308}" v="301" dt="2024-03-17T16:50:19.425"/>
   </p1510:revLst>
 </p1510:revInfo>
 </file>
@@ -179,7 +179,7 @@
   <pc:docChgLst>
     <pc:chgData name="Matteo MANGILI" userId="89c7df381375e6aa" providerId="LiveId" clId="{E6DC4EAA-0AC7-4D8A-9ABA-9B4C09DD8308}"/>
     <pc:docChg chg="undo custSel addSld delSld modSld sldOrd">
-      <pc:chgData name="Matteo MANGILI" userId="89c7df381375e6aa" providerId="LiveId" clId="{E6DC4EAA-0AC7-4D8A-9ABA-9B4C09DD8308}" dt="2024-03-17T16:23:14.072" v="8654" actId="255"/>
+      <pc:chgData name="Matteo MANGILI" userId="89c7df381375e6aa" providerId="LiveId" clId="{E6DC4EAA-0AC7-4D8A-9ABA-9B4C09DD8308}" dt="2024-03-17T17:02:23.668" v="9288" actId="20577"/>
       <pc:docMkLst>
         <pc:docMk/>
       </pc:docMkLst>
@@ -319,6 +319,45 @@
             <ac:spMk id="4" creationId="{E45B50AB-E09E-377A-4B46-AFA47F523EAB}"/>
           </ac:spMkLst>
         </pc:spChg>
+      </pc:sldChg>
+      <pc:sldChg chg="addSp delSp modSp mod">
+        <pc:chgData name="Matteo MANGILI" userId="89c7df381375e6aa" providerId="LiveId" clId="{E6DC4EAA-0AC7-4D8A-9ABA-9B4C09DD8308}" dt="2024-03-17T17:02:23.668" v="9288" actId="20577"/>
+        <pc:sldMkLst>
+          <pc:docMk/>
+          <pc:sldMk cId="3568766427" sldId="306"/>
+        </pc:sldMkLst>
+        <pc:spChg chg="add del mod">
+          <ac:chgData name="Matteo MANGILI" userId="89c7df381375e6aa" providerId="LiveId" clId="{E6DC4EAA-0AC7-4D8A-9ABA-9B4C09DD8308}" dt="2024-03-17T17:02:23.668" v="9288" actId="20577"/>
+          <ac:spMkLst>
+            <pc:docMk/>
+            <pc:sldMk cId="3568766427" sldId="306"/>
+            <ac:spMk id="3" creationId="{39198BC0-3DAA-3F78-1CC6-7D92405ED12E}"/>
+          </ac:spMkLst>
+        </pc:spChg>
+        <pc:spChg chg="add del mod">
+          <ac:chgData name="Matteo MANGILI" userId="89c7df381375e6aa" providerId="LiveId" clId="{E6DC4EAA-0AC7-4D8A-9ABA-9B4C09DD8308}" dt="2024-03-17T16:50:56.017" v="8670"/>
+          <ac:spMkLst>
+            <pc:docMk/>
+            <pc:sldMk cId="3568766427" sldId="306"/>
+            <ac:spMk id="5" creationId="{74A5CB71-4176-D981-436C-6B31FDE92B0B}"/>
+          </ac:spMkLst>
+        </pc:spChg>
+        <pc:picChg chg="add mod">
+          <ac:chgData name="Matteo MANGILI" userId="89c7df381375e6aa" providerId="LiveId" clId="{E6DC4EAA-0AC7-4D8A-9ABA-9B4C09DD8308}" dt="2024-03-17T16:49:59.928" v="8658"/>
+          <ac:picMkLst>
+            <pc:docMk/>
+            <pc:sldMk cId="3568766427" sldId="306"/>
+            <ac:picMk id="4" creationId="{A9F0F540-20BC-7A44-5001-1332740D6CC2}"/>
+          </ac:picMkLst>
+        </pc:picChg>
+        <pc:picChg chg="add mod">
+          <ac:chgData name="Matteo MANGILI" userId="89c7df381375e6aa" providerId="LiveId" clId="{E6DC4EAA-0AC7-4D8A-9ABA-9B4C09DD8308}" dt="2024-03-17T16:57:56.838" v="8680" actId="1076"/>
+          <ac:picMkLst>
+            <pc:docMk/>
+            <pc:sldMk cId="3568766427" sldId="306"/>
+            <ac:picMk id="7" creationId="{EA8F449D-B15B-10AF-54BB-BA0E8A93809F}"/>
+          </ac:picMkLst>
+        </pc:picChg>
       </pc:sldChg>
       <pc:sldChg chg="modSp mod">
         <pc:chgData name="Matteo MANGILI" userId="89c7df381375e6aa" providerId="LiveId" clId="{E6DC4EAA-0AC7-4D8A-9ABA-9B4C09DD8308}" dt="2024-03-03T17:12:46.390" v="8224" actId="20577"/>
@@ -28856,8 +28895,8 @@
         </p:nvSpPr>
         <p:spPr>
           <a:xfrm>
-            <a:off x="838200" y="1929384"/>
-            <a:ext cx="10515600" cy="3957066"/>
+            <a:off x="302229" y="1929384"/>
+            <a:ext cx="6462465" cy="3957066"/>
           </a:xfrm>
         </p:spPr>
         <p:txBody>
@@ -28869,7 +28908,368 @@
             <a:pPr marL="0" indent="0">
               <a:buNone/>
             </a:pPr>
-            <a:endParaRPr lang="en-US" sz="2200" dirty="0"/>
+            <a:r>
+              <a:rPr lang="en-US" sz="2200" dirty="0"/>
+              <a:t>Per </a:t>
+            </a:r>
+            <a:r>
+              <a:rPr lang="en-US" sz="2200" dirty="0" err="1"/>
+              <a:t>accedere</a:t>
+            </a:r>
+            <a:r>
+              <a:rPr lang="en-US" sz="2200" dirty="0"/>
+              <a:t> </a:t>
+            </a:r>
+            <a:r>
+              <a:rPr lang="en-US" sz="2200" dirty="0" err="1"/>
+              <a:t>alla</a:t>
+            </a:r>
+            <a:r>
+              <a:rPr lang="en-US" sz="2200" dirty="0"/>
+              <a:t> </a:t>
+            </a:r>
+            <a:r>
+              <a:rPr lang="en-US" sz="2200" dirty="0" err="1"/>
+              <a:t>pagina</a:t>
+            </a:r>
+            <a:r>
+              <a:rPr lang="en-US" sz="2200" dirty="0"/>
+              <a:t> </a:t>
+            </a:r>
+            <a:r>
+              <a:rPr lang="en-US" sz="2200" dirty="0" err="1"/>
+              <a:t>personale</a:t>
+            </a:r>
+            <a:r>
+              <a:rPr lang="en-US" sz="2200" dirty="0"/>
+              <a:t> di Sistema, </a:t>
+            </a:r>
+            <a:r>
+              <a:rPr lang="en-US" sz="2200" dirty="0" err="1"/>
+              <a:t>bisogna</a:t>
+            </a:r>
+            <a:r>
+              <a:rPr lang="en-US" sz="2200" dirty="0"/>
+              <a:t> </a:t>
+            </a:r>
+            <a:r>
+              <a:rPr lang="en-US" sz="2200" dirty="0" err="1"/>
+              <a:t>inanzitutto</a:t>
+            </a:r>
+            <a:r>
+              <a:rPr lang="en-US" sz="2200" dirty="0"/>
+              <a:t> </a:t>
+            </a:r>
+            <a:r>
+              <a:rPr lang="en-US" sz="2200" dirty="0" err="1"/>
+              <a:t>inserire</a:t>
+            </a:r>
+            <a:r>
+              <a:rPr lang="en-US" sz="2200" dirty="0"/>
+              <a:t> le </a:t>
+            </a:r>
+            <a:r>
+              <a:rPr lang="en-US" sz="2200" dirty="0" err="1"/>
+              <a:t>credenziali</a:t>
+            </a:r>
+            <a:r>
+              <a:rPr lang="en-US" sz="2200" dirty="0"/>
+              <a:t> (matricula e password) </a:t>
+            </a:r>
+            <a:r>
+              <a:rPr lang="en-US" sz="2200" dirty="0" err="1"/>
+              <a:t>corrette</a:t>
+            </a:r>
+            <a:r>
+              <a:rPr lang="en-US" sz="2200" dirty="0"/>
+              <a:t>.</a:t>
+            </a:r>
+          </a:p>
+          <a:p>
+            <a:pPr marL="0" indent="0">
+              <a:buNone/>
+            </a:pPr>
+            <a:r>
+              <a:rPr lang="en-US" sz="2200" dirty="0"/>
+              <a:t>Una volta </a:t>
+            </a:r>
+            <a:r>
+              <a:rPr lang="en-US" sz="2200" dirty="0" err="1"/>
+              <a:t>dentro</a:t>
+            </a:r>
+            <a:r>
+              <a:rPr lang="en-US" sz="2200" dirty="0"/>
+              <a:t>, </a:t>
+            </a:r>
+            <a:r>
+              <a:rPr lang="en-US" sz="2200" dirty="0" err="1"/>
+              <a:t>l’utente</a:t>
+            </a:r>
+            <a:r>
+              <a:rPr lang="en-US" sz="2200" dirty="0"/>
+              <a:t> </a:t>
+            </a:r>
+            <a:r>
+              <a:rPr lang="en-US" sz="2200" dirty="0" err="1"/>
+              <a:t>può</a:t>
+            </a:r>
+            <a:r>
+              <a:rPr lang="en-US" sz="2200" dirty="0"/>
+              <a:t> registrar </a:t>
+            </a:r>
+            <a:r>
+              <a:rPr lang="en-US" sz="2200" dirty="0" err="1"/>
+              <a:t>nuovi</a:t>
+            </a:r>
+            <a:r>
+              <a:rPr lang="en-US" sz="2200" dirty="0"/>
+              <a:t> </a:t>
+            </a:r>
+            <a:r>
+              <a:rPr lang="en-US" sz="2200" dirty="0" err="1"/>
+              <a:t>pazienti</a:t>
+            </a:r>
+            <a:r>
+              <a:rPr lang="en-US" sz="2200" dirty="0"/>
+              <a:t>, </a:t>
+            </a:r>
+            <a:r>
+              <a:rPr lang="en-US" sz="2200" dirty="0" err="1"/>
+              <a:t>creare</a:t>
+            </a:r>
+            <a:r>
+              <a:rPr lang="en-US" sz="2200" dirty="0"/>
+              <a:t> </a:t>
+            </a:r>
+            <a:r>
+              <a:rPr lang="en-US" sz="2200" dirty="0" err="1"/>
+              <a:t>liste</a:t>
+            </a:r>
+            <a:r>
+              <a:rPr lang="en-US" sz="2200" dirty="0"/>
+              <a:t> </a:t>
+            </a:r>
+            <a:r>
+              <a:rPr lang="en-US" sz="2200" dirty="0" err="1"/>
+              <a:t>operatorie</a:t>
+            </a:r>
+            <a:r>
+              <a:rPr lang="en-US" sz="2200" dirty="0"/>
+              <a:t> e </a:t>
+            </a:r>
+            <a:r>
+              <a:rPr lang="en-US" sz="2200" dirty="0" err="1"/>
+              <a:t>compilare</a:t>
+            </a:r>
+            <a:r>
+              <a:rPr lang="en-US" sz="2200" dirty="0"/>
+              <a:t> </a:t>
+            </a:r>
+            <a:r>
+              <a:rPr lang="en-US" sz="2200" dirty="0" err="1"/>
+              <a:t>i</a:t>
+            </a:r>
+            <a:r>
+              <a:rPr lang="en-US" sz="2200" dirty="0"/>
+              <a:t> relative </a:t>
+            </a:r>
+            <a:r>
+              <a:rPr lang="en-US" sz="2200" dirty="0" err="1"/>
+              <a:t>verbali</a:t>
+            </a:r>
+            <a:r>
+              <a:rPr lang="en-US" sz="2200" dirty="0"/>
+              <a:t> </a:t>
+            </a:r>
+            <a:r>
+              <a:rPr lang="en-US" sz="2200" dirty="0" err="1"/>
+              <a:t>medici</a:t>
+            </a:r>
+            <a:r>
+              <a:rPr lang="en-US" sz="2200" dirty="0"/>
+              <a:t>.</a:t>
+            </a:r>
+          </a:p>
+          <a:p>
+            <a:pPr marL="0" indent="0">
+              <a:buNone/>
+            </a:pPr>
+            <a:r>
+              <a:rPr lang="en-US" sz="2200" dirty="0" err="1"/>
+              <a:t>Eliminando</a:t>
+            </a:r>
+            <a:r>
+              <a:rPr lang="en-US" sz="2200" dirty="0"/>
+              <a:t> la </a:t>
+            </a:r>
+            <a:r>
+              <a:rPr lang="en-US" sz="2200" dirty="0" err="1"/>
+              <a:t>pagina</a:t>
+            </a:r>
+            <a:r>
+              <a:rPr lang="en-US" sz="2200" dirty="0"/>
+              <a:t> </a:t>
+            </a:r>
+            <a:r>
+              <a:rPr lang="en-US" sz="2200" dirty="0" err="1"/>
+              <a:t>anagrafica</a:t>
+            </a:r>
+            <a:r>
+              <a:rPr lang="en-US" sz="2200" dirty="0"/>
+              <a:t> di un </a:t>
+            </a:r>
+            <a:r>
+              <a:rPr lang="en-US" sz="2200" dirty="0" err="1"/>
+              <a:t>certo</a:t>
+            </a:r>
+            <a:r>
+              <a:rPr lang="en-US" sz="2200" dirty="0"/>
+              <a:t> </a:t>
+            </a:r>
+            <a:r>
+              <a:rPr lang="en-US" sz="2200" dirty="0" err="1"/>
+              <a:t>paziente</a:t>
+            </a:r>
+            <a:r>
+              <a:rPr lang="en-US" sz="2200" dirty="0"/>
+              <a:t>, </a:t>
+            </a:r>
+            <a:r>
+              <a:rPr lang="en-US" sz="2200" dirty="0" err="1"/>
+              <a:t>si</a:t>
+            </a:r>
+            <a:r>
+              <a:rPr lang="en-US" sz="2200" dirty="0"/>
+              <a:t> </a:t>
+            </a:r>
+            <a:r>
+              <a:rPr lang="en-US" sz="2200" dirty="0" err="1"/>
+              <a:t>cancellani</a:t>
+            </a:r>
+            <a:r>
+              <a:rPr lang="en-US" sz="2200" dirty="0"/>
+              <a:t> le </a:t>
+            </a:r>
+            <a:r>
+              <a:rPr lang="en-US" sz="2200" dirty="0" err="1"/>
+              <a:t>liste</a:t>
+            </a:r>
+            <a:r>
+              <a:rPr lang="en-US" sz="2200" dirty="0"/>
+              <a:t> </a:t>
+            </a:r>
+            <a:r>
+              <a:rPr lang="en-US" sz="2200" dirty="0" err="1"/>
+              <a:t>operatorie</a:t>
+            </a:r>
+            <a:r>
+              <a:rPr lang="en-US" sz="2200" dirty="0"/>
+              <a:t> </a:t>
+            </a:r>
+            <a:r>
+              <a:rPr lang="en-US" sz="2200" dirty="0" err="1"/>
+              <a:t>che</a:t>
+            </a:r>
+            <a:r>
+              <a:rPr lang="en-US" sz="2200" dirty="0"/>
+              <a:t> lo </a:t>
+            </a:r>
+            <a:r>
+              <a:rPr lang="en-US" sz="2200" dirty="0" err="1"/>
+              <a:t>coinvolgono</a:t>
+            </a:r>
+            <a:r>
+              <a:rPr lang="en-US" sz="2200" dirty="0"/>
+              <a:t>; </a:t>
+            </a:r>
+            <a:r>
+              <a:rPr lang="en-US" sz="2200" dirty="0" err="1"/>
+              <a:t>similmente</a:t>
+            </a:r>
+            <a:r>
+              <a:rPr lang="en-US" sz="2200" dirty="0"/>
+              <a:t>, </a:t>
+            </a:r>
+            <a:r>
+              <a:rPr lang="en-US" sz="2200" dirty="0" err="1"/>
+              <a:t>cancellando</a:t>
+            </a:r>
+            <a:r>
+              <a:rPr lang="en-US" sz="2200" dirty="0"/>
+              <a:t> </a:t>
+            </a:r>
+            <a:r>
+              <a:rPr lang="en-US" sz="2200" dirty="0" err="1"/>
+              <a:t>una</a:t>
+            </a:r>
+            <a:r>
+              <a:rPr lang="en-US" sz="2200" dirty="0"/>
+              <a:t> </a:t>
+            </a:r>
+            <a:r>
+              <a:rPr lang="en-US" sz="2200" dirty="0" err="1"/>
+              <a:t>lista</a:t>
+            </a:r>
+            <a:r>
+              <a:rPr lang="en-US" sz="2200" dirty="0"/>
+              <a:t> operatorial </a:t>
+            </a:r>
+            <a:r>
+              <a:rPr lang="en-US" sz="2200" dirty="0" err="1"/>
+              <a:t>si</a:t>
+            </a:r>
+            <a:r>
+              <a:rPr lang="en-US" sz="2200" dirty="0"/>
+              <a:t> </a:t>
+            </a:r>
+            <a:r>
+              <a:rPr lang="en-US" sz="2200" dirty="0" err="1"/>
+              <a:t>eliminano</a:t>
+            </a:r>
+            <a:r>
+              <a:rPr lang="en-US" sz="2200" dirty="0"/>
+              <a:t> </a:t>
+            </a:r>
+            <a:r>
+              <a:rPr lang="en-US" sz="2200" dirty="0" err="1"/>
+              <a:t>i</a:t>
+            </a:r>
+            <a:r>
+              <a:rPr lang="en-US" sz="2200" dirty="0"/>
+              <a:t> </a:t>
+            </a:r>
+            <a:r>
+              <a:rPr lang="en-US" sz="2200" dirty="0" err="1"/>
+              <a:t>verbali</a:t>
+            </a:r>
+            <a:r>
+              <a:rPr lang="en-US" sz="2200" dirty="0"/>
+              <a:t> </a:t>
+            </a:r>
+            <a:r>
+              <a:rPr lang="en-US" sz="2200" dirty="0" err="1"/>
+              <a:t>medici</a:t>
+            </a:r>
+            <a:r>
+              <a:rPr lang="en-US" sz="2200" dirty="0"/>
+              <a:t> associate a </a:t>
+            </a:r>
+            <a:r>
+              <a:rPr lang="en-US" sz="2200" dirty="0" err="1"/>
+              <a:t>quella</a:t>
+            </a:r>
+            <a:r>
+              <a:rPr lang="en-US" sz="2200" dirty="0"/>
+              <a:t> </a:t>
+            </a:r>
+            <a:r>
+              <a:rPr lang="en-US" sz="2200" dirty="0" err="1"/>
+              <a:t>lista</a:t>
+            </a:r>
+            <a:r>
+              <a:rPr lang="en-US" sz="2200" dirty="0"/>
+              <a:t>.</a:t>
+            </a:r>
           </a:p>
         </p:txBody>
       </p:sp>
@@ -28921,6 +29321,36 @@
           </a:p>
         </p:txBody>
       </p:sp>
+      <p:pic>
+        <p:nvPicPr>
+          <p:cNvPr id="7" name="Immagine 6">
+            <a:extLst>
+              <a:ext uri="{FF2B5EF4-FFF2-40B4-BE49-F238E27FC236}">
+                <a16:creationId xmlns:a16="http://schemas.microsoft.com/office/drawing/2014/main" id="{EA8F449D-B15B-10AF-54BB-BA0E8A93809F}"/>
+              </a:ext>
+            </a:extLst>
+          </p:cNvPr>
+          <p:cNvPicPr>
+            <a:picLocks noChangeAspect="1"/>
+          </p:cNvPicPr>
+          <p:nvPr/>
+        </p:nvPicPr>
+        <p:blipFill>
+          <a:blip r:embed="rId2"/>
+          <a:stretch>
+            <a:fillRect/>
+          </a:stretch>
+        </p:blipFill>
+        <p:spPr>
+          <a:xfrm>
+            <a:off x="6764694" y="2635149"/>
+            <a:ext cx="5125077" cy="2268000"/>
+          </a:xfrm>
+          <a:prstGeom prst="rect">
+            <a:avLst/>
+          </a:prstGeom>
+        </p:spPr>
+      </p:pic>
     </p:spTree>
     <p:extLst>
       <p:ext uri="{BB962C8B-B14F-4D97-AF65-F5344CB8AC3E}">
@@ -37636,6 +38066,15 @@
 </file>
 
 <file path=customXml/item1.xml><?xml version="1.0" encoding="utf-8"?>
+<?mso-contentType ?>
+<FormTemplates xmlns="http://schemas.microsoft.com/sharepoint/v3/contenttype/forms">
+  <Display>DocumentLibraryForm</Display>
+  <Edit>DocumentLibraryForm</Edit>
+  <New>DocumentLibraryForm</New>
+</FormTemplates>
+</file>
+
+<file path=customXml/item2.xml><?xml version="1.0" encoding="utf-8"?>
 <ct:contentTypeSchema xmlns:ct="http://schemas.microsoft.com/office/2006/metadata/contentType" xmlns:ma="http://schemas.microsoft.com/office/2006/metadata/properties/metaAttributes" ct:_="" ma:_="" ma:contentTypeName="Documento" ma:contentTypeID="0x0101007CE6213B20D2F945B0D1473923EE410F" ma:contentTypeVersion="7" ma:contentTypeDescription="Creare un nuovo documento." ma:contentTypeScope="" ma:versionID="dc8ac43e96b461727accd63cf925a5cf">
   <xsd:schema xmlns:xsd="http://www.w3.org/2001/XMLSchema" xmlns:xs="http://www.w3.org/2001/XMLSchema" xmlns:p="http://schemas.microsoft.com/office/2006/metadata/properties" xmlns:ns2="243f3390-b919-40e8-8195-3613e8527352" targetNamespace="http://schemas.microsoft.com/office/2006/metadata/properties" ma:root="true" ma:fieldsID="1987007e621e1b24d40e437f012b913d" ns2:_="">
     <xsd:import namespace="243f3390-b919-40e8-8195-3613e8527352"/>
@@ -37797,15 +38236,6 @@
 </ct:contentTypeSchema>
 </file>
 
-<file path=customXml/item2.xml><?xml version="1.0" encoding="utf-8"?>
-<?mso-contentType ?>
-<FormTemplates xmlns="http://schemas.microsoft.com/sharepoint/v3/contenttype/forms">
-  <Display>DocumentLibraryForm</Display>
-  <Edit>DocumentLibraryForm</Edit>
-  <New>DocumentLibraryForm</New>
-</FormTemplates>
-</file>
-
 <file path=customXml/item3.xml><?xml version="1.0" encoding="utf-8"?>
 <p:properties xmlns:p="http://schemas.microsoft.com/office/2006/metadata/properties" xmlns:xsi="http://www.w3.org/2001/XMLSchema-instance" xmlns:pc="http://schemas.microsoft.com/office/infopath/2007/PartnerControls">
   <documentManagement/>
@@ -37813,6 +38243,14 @@
 </file>
 
 <file path=customXml/itemProps1.xml><?xml version="1.0" encoding="utf-8"?>
+<ds:datastoreItem xmlns:ds="http://schemas.openxmlformats.org/officeDocument/2006/customXml" ds:itemID="{42BC90D6-94CF-42F7-AAC4-9CF6824C54D5}">
+  <ds:schemaRefs>
+    <ds:schemaRef ds:uri="http://schemas.microsoft.com/sharepoint/v3/contenttype/forms"/>
+  </ds:schemaRefs>
+</ds:datastoreItem>
+</file>
+
+<file path=customXml/itemProps2.xml><?xml version="1.0" encoding="utf-8"?>
 <ds:datastoreItem xmlns:ds="http://schemas.openxmlformats.org/officeDocument/2006/customXml" ds:itemID="{1A503E23-9696-4358-8F00-F7F66AC755EB}">
   <ds:schemaRefs>
     <ds:schemaRef ds:uri="http://schemas.microsoft.com/office/2006/metadata/contentType"/>
@@ -37826,14 +38264,6 @@
     <ds:schemaRef ds:uri="http://purl.org/dc/elements/1.1/"/>
     <ds:schemaRef ds:uri="http://purl.org/dc/terms/"/>
     <ds:schemaRef ds:uri="http://schemas.microsoft.com/internal/obd"/>
-  </ds:schemaRefs>
-</ds:datastoreItem>
-</file>
-
-<file path=customXml/itemProps2.xml><?xml version="1.0" encoding="utf-8"?>
-<ds:datastoreItem xmlns:ds="http://schemas.openxmlformats.org/officeDocument/2006/customXml" ds:itemID="{42BC90D6-94CF-42F7-AAC4-9CF6824C54D5}">
-  <ds:schemaRefs>
-    <ds:schemaRef ds:uri="http://schemas.microsoft.com/sharepoint/v3/contenttype/forms"/>
   </ds:schemaRefs>
 </ds:datastoreItem>
 </file>

--- a/Presentazione/Presentazione_Progetto.pptx
+++ b/Presentazione/Presentazione_Progetto.pptx
@@ -5,10 +5,10 @@
     <p:sldMasterId id="2147483720" r:id="rId4"/>
   </p:sldMasterIdLst>
   <p:notesMasterIdLst>
-    <p:notesMasterId r:id="rId28"/>
+    <p:notesMasterId r:id="rId29"/>
   </p:notesMasterIdLst>
   <p:handoutMasterIdLst>
-    <p:handoutMasterId r:id="rId29"/>
+    <p:handoutMasterId r:id="rId30"/>
   </p:handoutMasterIdLst>
   <p:sldIdLst>
     <p:sldId id="256" r:id="rId5"/>
@@ -34,6 +34,7 @@
     <p:sldId id="316" r:id="rId25"/>
     <p:sldId id="306" r:id="rId26"/>
     <p:sldId id="310" r:id="rId27"/>
+    <p:sldId id="324" r:id="rId28"/>
   </p:sldIdLst>
   <p:sldSz cx="12192000" cy="6858000"/>
   <p:notesSz cx="6858000" cy="9144000"/>
@@ -169,7 +170,7 @@
 <file path=ppt/revisionInfo.xml><?xml version="1.0" encoding="utf-8"?>
 <p1510:revInfo xmlns:a="http://schemas.openxmlformats.org/drawingml/2006/main" xmlns:r="http://schemas.openxmlformats.org/officeDocument/2006/relationships" xmlns:p1510="http://schemas.microsoft.com/office/powerpoint/2015/10/main">
   <p1510:revLst>
-    <p1510:client id="{E6DC4EAA-0AC7-4D8A-9ABA-9B4C09DD8308}" v="301" dt="2024-03-17T16:50:19.425"/>
+    <p1510:client id="{E6DC4EAA-0AC7-4D8A-9ABA-9B4C09DD8308}" v="454" dt="2024-03-19T21:54:21.522"/>
   </p1510:revLst>
 </p1510:revInfo>
 </file>
@@ -179,7 +180,7 @@
   <pc:docChgLst>
     <pc:chgData name="Matteo MANGILI" userId="89c7df381375e6aa" providerId="LiveId" clId="{E6DC4EAA-0AC7-4D8A-9ABA-9B4C09DD8308}"/>
     <pc:docChg chg="undo custSel addSld delSld modSld sldOrd">
-      <pc:chgData name="Matteo MANGILI" userId="89c7df381375e6aa" providerId="LiveId" clId="{E6DC4EAA-0AC7-4D8A-9ABA-9B4C09DD8308}" dt="2024-03-17T17:02:23.668" v="9288" actId="20577"/>
+      <pc:chgData name="Matteo MANGILI" userId="89c7df381375e6aa" providerId="LiveId" clId="{E6DC4EAA-0AC7-4D8A-9ABA-9B4C09DD8308}" dt="2024-03-19T21:54:06.791" v="11777" actId="20577"/>
       <pc:docMkLst>
         <pc:docMk/>
       </pc:docMkLst>
@@ -215,13 +216,13 @@
         </pc:picChg>
       </pc:sldChg>
       <pc:sldChg chg="modSp mod">
-        <pc:chgData name="Matteo MANGILI" userId="89c7df381375e6aa" providerId="LiveId" clId="{E6DC4EAA-0AC7-4D8A-9ABA-9B4C09DD8308}" dt="2024-03-03T16:45:15.591" v="7872" actId="255"/>
+        <pc:chgData name="Matteo MANGILI" userId="89c7df381375e6aa" providerId="LiveId" clId="{E6DC4EAA-0AC7-4D8A-9ABA-9B4C09DD8308}" dt="2024-03-19T20:22:24.626" v="9292" actId="20577"/>
         <pc:sldMkLst>
           <pc:docMk/>
           <pc:sldMk cId="3250768115" sldId="296"/>
         </pc:sldMkLst>
         <pc:spChg chg="mod">
-          <ac:chgData name="Matteo MANGILI" userId="89c7df381375e6aa" providerId="LiveId" clId="{E6DC4EAA-0AC7-4D8A-9ABA-9B4C09DD8308}" dt="2024-03-03T16:45:15.591" v="7872" actId="255"/>
+          <ac:chgData name="Matteo MANGILI" userId="89c7df381375e6aa" providerId="LiveId" clId="{E6DC4EAA-0AC7-4D8A-9ABA-9B4C09DD8308}" dt="2024-03-19T20:22:24.626" v="9292" actId="20577"/>
           <ac:spMkLst>
             <pc:docMk/>
             <pc:sldMk cId="3250768115" sldId="296"/>
@@ -261,13 +262,13 @@
         </pc:spChg>
       </pc:sldChg>
       <pc:sldChg chg="modSp mod">
-        <pc:chgData name="Matteo MANGILI" userId="89c7df381375e6aa" providerId="LiveId" clId="{E6DC4EAA-0AC7-4D8A-9ABA-9B4C09DD8308}" dt="2024-03-03T16:54:17.716" v="7956" actId="313"/>
+        <pc:chgData name="Matteo MANGILI" userId="89c7df381375e6aa" providerId="LiveId" clId="{E6DC4EAA-0AC7-4D8A-9ABA-9B4C09DD8308}" dt="2024-03-19T20:42:16.689" v="9919" actId="20577"/>
         <pc:sldMkLst>
           <pc:docMk/>
           <pc:sldMk cId="3996999348" sldId="298"/>
         </pc:sldMkLst>
         <pc:spChg chg="mod">
-          <ac:chgData name="Matteo MANGILI" userId="89c7df381375e6aa" providerId="LiveId" clId="{E6DC4EAA-0AC7-4D8A-9ABA-9B4C09DD8308}" dt="2024-03-03T16:54:17.716" v="7956" actId="313"/>
+          <ac:chgData name="Matteo MANGILI" userId="89c7df381375e6aa" providerId="LiveId" clId="{E6DC4EAA-0AC7-4D8A-9ABA-9B4C09DD8308}" dt="2024-03-19T20:42:16.689" v="9919" actId="20577"/>
           <ac:spMkLst>
             <pc:docMk/>
             <pc:sldMk cId="3996999348" sldId="298"/>
@@ -289,6 +290,21 @@
             <ac:picMk id="3" creationId="{00439959-3544-4100-55BB-F64ED0400005}"/>
           </ac:picMkLst>
         </pc:picChg>
+      </pc:sldChg>
+      <pc:sldChg chg="modSp mod">
+        <pc:chgData name="Matteo MANGILI" userId="89c7df381375e6aa" providerId="LiveId" clId="{E6DC4EAA-0AC7-4D8A-9ABA-9B4C09DD8308}" dt="2024-03-19T21:42:33.840" v="11617"/>
+        <pc:sldMkLst>
+          <pc:docMk/>
+          <pc:sldMk cId="141201089" sldId="302"/>
+        </pc:sldMkLst>
+        <pc:spChg chg="mod">
+          <ac:chgData name="Matteo MANGILI" userId="89c7df381375e6aa" providerId="LiveId" clId="{E6DC4EAA-0AC7-4D8A-9ABA-9B4C09DD8308}" dt="2024-03-19T21:42:33.840" v="11617"/>
+          <ac:spMkLst>
+            <pc:docMk/>
+            <pc:sldMk cId="141201089" sldId="302"/>
+            <ac:spMk id="19" creationId="{8B9F0681-6C98-C87F-B39F-F7A05657163C}"/>
+          </ac:spMkLst>
+        </pc:spChg>
       </pc:sldChg>
       <pc:sldChg chg="modSp mod">
         <pc:chgData name="Matteo MANGILI" userId="89c7df381375e6aa" providerId="LiveId" clId="{E6DC4EAA-0AC7-4D8A-9ABA-9B4C09DD8308}" dt="2024-03-03T17:02:19.035" v="8005" actId="20577"/>
@@ -321,13 +337,13 @@
         </pc:spChg>
       </pc:sldChg>
       <pc:sldChg chg="addSp delSp modSp mod">
-        <pc:chgData name="Matteo MANGILI" userId="89c7df381375e6aa" providerId="LiveId" clId="{E6DC4EAA-0AC7-4D8A-9ABA-9B4C09DD8308}" dt="2024-03-17T17:02:23.668" v="9288" actId="20577"/>
+        <pc:chgData name="Matteo MANGILI" userId="89c7df381375e6aa" providerId="LiveId" clId="{E6DC4EAA-0AC7-4D8A-9ABA-9B4C09DD8308}" dt="2024-03-19T21:48:14.943" v="11691" actId="20577"/>
         <pc:sldMkLst>
           <pc:docMk/>
           <pc:sldMk cId="3568766427" sldId="306"/>
         </pc:sldMkLst>
         <pc:spChg chg="add del mod">
-          <ac:chgData name="Matteo MANGILI" userId="89c7df381375e6aa" providerId="LiveId" clId="{E6DC4EAA-0AC7-4D8A-9ABA-9B4C09DD8308}" dt="2024-03-17T17:02:23.668" v="9288" actId="20577"/>
+          <ac:chgData name="Matteo MANGILI" userId="89c7df381375e6aa" providerId="LiveId" clId="{E6DC4EAA-0AC7-4D8A-9ABA-9B4C09DD8308}" dt="2024-03-19T21:48:14.943" v="11691" actId="20577"/>
           <ac:spMkLst>
             <pc:docMk/>
             <pc:sldMk cId="3568766427" sldId="306"/>
@@ -375,13 +391,13 @@
         </pc:spChg>
       </pc:sldChg>
       <pc:sldChg chg="modSp mod">
-        <pc:chgData name="Matteo MANGILI" userId="89c7df381375e6aa" providerId="LiveId" clId="{E6DC4EAA-0AC7-4D8A-9ABA-9B4C09DD8308}" dt="2024-03-03T16:58:21.971" v="7983" actId="20577"/>
+        <pc:chgData name="Matteo MANGILI" userId="89c7df381375e6aa" providerId="LiveId" clId="{E6DC4EAA-0AC7-4D8A-9ABA-9B4C09DD8308}" dt="2024-03-19T21:41:50.340" v="11614" actId="20577"/>
         <pc:sldMkLst>
           <pc:docMk/>
           <pc:sldMk cId="1581940243" sldId="309"/>
         </pc:sldMkLst>
         <pc:spChg chg="mod">
-          <ac:chgData name="Matteo MANGILI" userId="89c7df381375e6aa" providerId="LiveId" clId="{E6DC4EAA-0AC7-4D8A-9ABA-9B4C09DD8308}" dt="2024-03-03T16:58:21.971" v="7983" actId="20577"/>
+          <ac:chgData name="Matteo MANGILI" userId="89c7df381375e6aa" providerId="LiveId" clId="{E6DC4EAA-0AC7-4D8A-9ABA-9B4C09DD8308}" dt="2024-03-19T21:41:50.340" v="11614" actId="20577"/>
           <ac:spMkLst>
             <pc:docMk/>
             <pc:sldMk cId="1581940243" sldId="309"/>
@@ -390,13 +406,13 @@
         </pc:spChg>
       </pc:sldChg>
       <pc:sldChg chg="modSp mod">
-        <pc:chgData name="Matteo MANGILI" userId="89c7df381375e6aa" providerId="LiveId" clId="{E6DC4EAA-0AC7-4D8A-9ABA-9B4C09DD8308}" dt="2024-03-17T16:20:22.576" v="8579" actId="114"/>
+        <pc:chgData name="Matteo MANGILI" userId="89c7df381375e6aa" providerId="LiveId" clId="{E6DC4EAA-0AC7-4D8A-9ABA-9B4C09DD8308}" dt="2024-03-19T21:50:46.762" v="11750" actId="20577"/>
         <pc:sldMkLst>
           <pc:docMk/>
           <pc:sldMk cId="2214790197" sldId="310"/>
         </pc:sldMkLst>
         <pc:spChg chg="mod">
-          <ac:chgData name="Matteo MANGILI" userId="89c7df381375e6aa" providerId="LiveId" clId="{E6DC4EAA-0AC7-4D8A-9ABA-9B4C09DD8308}" dt="2024-03-17T16:20:22.576" v="8579" actId="114"/>
+          <ac:chgData name="Matteo MANGILI" userId="89c7df381375e6aa" providerId="LiveId" clId="{E6DC4EAA-0AC7-4D8A-9ABA-9B4C09DD8308}" dt="2024-03-19T21:50:46.762" v="11750" actId="20577"/>
           <ac:spMkLst>
             <pc:docMk/>
             <pc:sldMk cId="2214790197" sldId="310"/>
@@ -608,13 +624,13 @@
         </pc:graphicFrameChg>
       </pc:sldChg>
       <pc:sldChg chg="modSp mod">
-        <pc:chgData name="Matteo MANGILI" userId="89c7df381375e6aa" providerId="LiveId" clId="{E6DC4EAA-0AC7-4D8A-9ABA-9B4C09DD8308}" dt="2024-03-17T16:23:14.072" v="8654" actId="255"/>
+        <pc:chgData name="Matteo MANGILI" userId="89c7df381375e6aa" providerId="LiveId" clId="{E6DC4EAA-0AC7-4D8A-9ABA-9B4C09DD8308}" dt="2024-03-19T20:27:45.967" v="9346" actId="20577"/>
         <pc:sldMkLst>
           <pc:docMk/>
           <pc:sldMk cId="112244765" sldId="318"/>
         </pc:sldMkLst>
         <pc:spChg chg="mod">
-          <ac:chgData name="Matteo MANGILI" userId="89c7df381375e6aa" providerId="LiveId" clId="{E6DC4EAA-0AC7-4D8A-9ABA-9B4C09DD8308}" dt="2024-03-17T16:23:14.072" v="8654" actId="255"/>
+          <ac:chgData name="Matteo MANGILI" userId="89c7df381375e6aa" providerId="LiveId" clId="{E6DC4EAA-0AC7-4D8A-9ABA-9B4C09DD8308}" dt="2024-03-19T20:27:45.967" v="9346" actId="20577"/>
           <ac:spMkLst>
             <pc:docMk/>
             <pc:sldMk cId="112244765" sldId="318"/>
@@ -623,17 +639,25 @@
         </pc:spChg>
       </pc:sldChg>
       <pc:sldChg chg="modSp mod">
-        <pc:chgData name="Matteo MANGILI" userId="89c7df381375e6aa" providerId="LiveId" clId="{E6DC4EAA-0AC7-4D8A-9ABA-9B4C09DD8308}" dt="2024-02-28T09:57:53.864" v="4895" actId="14100"/>
+        <pc:chgData name="Matteo MANGILI" userId="89c7df381375e6aa" providerId="LiveId" clId="{E6DC4EAA-0AC7-4D8A-9ABA-9B4C09DD8308}" dt="2024-03-19T20:43:42.003" v="9928" actId="27636"/>
         <pc:sldMkLst>
           <pc:docMk/>
           <pc:sldMk cId="762597572" sldId="319"/>
         </pc:sldMkLst>
         <pc:spChg chg="mod">
-          <ac:chgData name="Matteo MANGILI" userId="89c7df381375e6aa" providerId="LiveId" clId="{E6DC4EAA-0AC7-4D8A-9ABA-9B4C09DD8308}" dt="2024-02-28T09:57:53.864" v="4895" actId="14100"/>
+          <ac:chgData name="Matteo MANGILI" userId="89c7df381375e6aa" providerId="LiveId" clId="{E6DC4EAA-0AC7-4D8A-9ABA-9B4C09DD8308}" dt="2024-03-19T20:43:24.785" v="9925" actId="255"/>
           <ac:spMkLst>
             <pc:docMk/>
             <pc:sldMk cId="762597572" sldId="319"/>
             <ac:spMk id="5" creationId="{4C2922B9-05A6-2851-4268-32FCA9934BC2}"/>
+          </ac:spMkLst>
+        </pc:spChg>
+        <pc:spChg chg="mod">
+          <ac:chgData name="Matteo MANGILI" userId="89c7df381375e6aa" providerId="LiveId" clId="{E6DC4EAA-0AC7-4D8A-9ABA-9B4C09DD8308}" dt="2024-03-19T20:43:42.003" v="9928" actId="27636"/>
+          <ac:spMkLst>
+            <pc:docMk/>
+            <pc:sldMk cId="762597572" sldId="319"/>
+            <ac:spMk id="82" creationId="{CE36A058-BEC2-4BC5-A467-F2EB2A365051}"/>
           </ac:spMkLst>
         </pc:spChg>
       </pc:sldChg>
@@ -676,13 +700,13 @@
         </pc:picChg>
       </pc:sldChg>
       <pc:sldChg chg="modSp mod">
-        <pc:chgData name="Matteo MANGILI" userId="89c7df381375e6aa" providerId="LiveId" clId="{E6DC4EAA-0AC7-4D8A-9ABA-9B4C09DD8308}" dt="2024-03-03T16:45:42.509" v="7877" actId="20577"/>
+        <pc:chgData name="Matteo MANGILI" userId="89c7df381375e6aa" providerId="LiveId" clId="{E6DC4EAA-0AC7-4D8A-9ABA-9B4C09DD8308}" dt="2024-03-19T20:37:49.266" v="9735" actId="20577"/>
         <pc:sldMkLst>
           <pc:docMk/>
           <pc:sldMk cId="243116288" sldId="322"/>
         </pc:sldMkLst>
         <pc:spChg chg="mod">
-          <ac:chgData name="Matteo MANGILI" userId="89c7df381375e6aa" providerId="LiveId" clId="{E6DC4EAA-0AC7-4D8A-9ABA-9B4C09DD8308}" dt="2024-03-03T16:45:42.509" v="7877" actId="20577"/>
+          <ac:chgData name="Matteo MANGILI" userId="89c7df381375e6aa" providerId="LiveId" clId="{E6DC4EAA-0AC7-4D8A-9ABA-9B4C09DD8308}" dt="2024-03-19T20:37:49.266" v="9735" actId="20577"/>
           <ac:spMkLst>
             <pc:docMk/>
             <pc:sldMk cId="243116288" sldId="322"/>
@@ -760,6 +784,29 @@
             <ac:picMk id="12" creationId="{E45DDE6C-A26D-719F-E8B6-2D723FFBF1EF}"/>
           </ac:picMkLst>
         </pc:picChg>
+      </pc:sldChg>
+      <pc:sldChg chg="modSp add mod">
+        <pc:chgData name="Matteo MANGILI" userId="89c7df381375e6aa" providerId="LiveId" clId="{E6DC4EAA-0AC7-4D8A-9ABA-9B4C09DD8308}" dt="2024-03-19T21:54:06.791" v="11777" actId="20577"/>
+        <pc:sldMkLst>
+          <pc:docMk/>
+          <pc:sldMk cId="2689722702" sldId="324"/>
+        </pc:sldMkLst>
+        <pc:spChg chg="mod">
+          <ac:chgData name="Matteo MANGILI" userId="89c7df381375e6aa" providerId="LiveId" clId="{E6DC4EAA-0AC7-4D8A-9ABA-9B4C09DD8308}" dt="2024-03-19T21:19:51.086" v="10236" actId="20577"/>
+          <ac:spMkLst>
+            <pc:docMk/>
+            <pc:sldMk cId="2689722702" sldId="324"/>
+            <ac:spMk id="2" creationId="{75031FE9-9059-4FE8-B4AC-9771F23A1B89}"/>
+          </ac:spMkLst>
+        </pc:spChg>
+        <pc:spChg chg="mod">
+          <ac:chgData name="Matteo MANGILI" userId="89c7df381375e6aa" providerId="LiveId" clId="{E6DC4EAA-0AC7-4D8A-9ABA-9B4C09DD8308}" dt="2024-03-19T21:54:06.791" v="11777" actId="20577"/>
+          <ac:spMkLst>
+            <pc:docMk/>
+            <pc:sldMk cId="2689722702" sldId="324"/>
+            <ac:spMk id="4" creationId="{E45B50AB-E09E-377A-4B46-AFA47F523EAB}"/>
+          </ac:spMkLst>
+        </pc:spChg>
       </pc:sldChg>
     </pc:docChg>
   </pc:docChgLst>
@@ -1522,7 +1569,7 @@
             <a:pPr rtl="0"/>
             <a:fld id="{DBC54730-5EBA-4920-A6C4-7F8458A7F940}" type="datetime1">
               <a:rPr lang="it-IT" smtClean="0"/>
-              <a:t>17/03/2024</a:t>
+              <a:t>19/03/2024</a:t>
             </a:fld>
             <a:endParaRPr lang="it-IT" dirty="0"/>
           </a:p>
@@ -1704,7 +1751,7 @@
             <a:fld id="{85EC1C34-318D-43A8-83F5-3AC8647FE75E}" type="datetime1">
               <a:rPr lang="it-IT" smtClean="0"/>
               <a:pPr/>
-              <a:t>17/03/2024</a:t>
+              <a:t>19/03/2024</a:t>
             </a:fld>
             <a:endParaRPr lang="it-IT" dirty="0"/>
           </a:p>
@@ -2755,6 +2802,91 @@
     <p:extLst>
       <p:ext uri="{BB962C8B-B14F-4D97-AF65-F5344CB8AC3E}">
         <p14:creationId xmlns:p14="http://schemas.microsoft.com/office/powerpoint/2010/main" val="719930975"/>
+      </p:ext>
+    </p:extLst>
+  </p:cSld>
+  <p:clrMapOvr>
+    <a:masterClrMapping/>
+  </p:clrMapOvr>
+</p:notes>
+</file>
+
+<file path=ppt/notesSlides/notesSlide18.xml><?xml version="1.0" encoding="utf-8"?>
+<p:notes xmlns:a="http://schemas.openxmlformats.org/drawingml/2006/main" xmlns:r="http://schemas.openxmlformats.org/officeDocument/2006/relationships" xmlns:p="http://schemas.openxmlformats.org/presentationml/2006/main">
+  <p:cSld>
+    <p:spTree>
+      <p:nvGrpSpPr>
+        <p:cNvPr id="1" name=""/>
+        <p:cNvGrpSpPr/>
+        <p:nvPr/>
+      </p:nvGrpSpPr>
+      <p:grpSpPr>
+        <a:xfrm>
+          <a:off x="0" y="0"/>
+          <a:ext cx="0" cy="0"/>
+          <a:chOff x="0" y="0"/>
+          <a:chExt cx="0" cy="0"/>
+        </a:xfrm>
+      </p:grpSpPr>
+      <p:sp>
+        <p:nvSpPr>
+          <p:cNvPr id="2" name="Segnaposto immagine diapositiva 1"/>
+          <p:cNvSpPr>
+            <a:spLocks noGrp="1" noRot="1" noChangeAspect="1"/>
+          </p:cNvSpPr>
+          <p:nvPr>
+            <p:ph type="sldImg"/>
+          </p:nvPr>
+        </p:nvSpPr>
+        <p:spPr/>
+      </p:sp>
+      <p:sp>
+        <p:nvSpPr>
+          <p:cNvPr id="3" name="Segnaposto note 2"/>
+          <p:cNvSpPr>
+            <a:spLocks noGrp="1"/>
+          </p:cNvSpPr>
+          <p:nvPr>
+            <p:ph type="body" idx="1"/>
+          </p:nvPr>
+        </p:nvSpPr>
+        <p:spPr/>
+        <p:txBody>
+          <a:bodyPr/>
+          <a:lstStyle/>
+          <a:p>
+            <a:endParaRPr lang="it-IT" dirty="0"/>
+          </a:p>
+        </p:txBody>
+      </p:sp>
+      <p:sp>
+        <p:nvSpPr>
+          <p:cNvPr id="4" name="Segnaposto numero diapositiva 3"/>
+          <p:cNvSpPr>
+            <a:spLocks noGrp="1"/>
+          </p:cNvSpPr>
+          <p:nvPr>
+            <p:ph type="sldNum" sz="quarter" idx="5"/>
+          </p:nvPr>
+        </p:nvSpPr>
+        <p:spPr/>
+        <p:txBody>
+          <a:bodyPr/>
+          <a:lstStyle/>
+          <a:p>
+            <a:pPr rtl="0"/>
+            <a:fld id="{D4B9A9E5-4F7F-4A7D-9DE1-899232329269}" type="slidenum">
+              <a:rPr lang="it-IT" smtClean="0"/>
+              <a:t>24</a:t>
+            </a:fld>
+            <a:endParaRPr lang="it-IT" dirty="0"/>
+          </a:p>
+        </p:txBody>
+      </p:sp>
+    </p:spTree>
+    <p:extLst>
+      <p:ext uri="{BB962C8B-B14F-4D97-AF65-F5344CB8AC3E}">
+        <p14:creationId xmlns:p14="http://schemas.microsoft.com/office/powerpoint/2010/main" val="1348401067"/>
       </p:ext>
     </p:extLst>
   </p:cSld>
@@ -16818,55 +16950,7 @@
               <a:rPr lang="en-US" sz="2300" dirty="0">
                 <a:cs typeface="Calibri"/>
               </a:rPr>
-              <a:t>Le informazioni generali per lavorare al Sistema le abbiamo </a:t>
-            </a:r>
-            <a:r>
-              <a:rPr lang="en-US" sz="2300" dirty="0" err="1">
-                <a:cs typeface="Calibri"/>
-              </a:rPr>
-              <a:t>ricavatte</a:t>
-            </a:r>
-            <a:r>
-              <a:rPr lang="en-US" sz="2300" dirty="0">
-                <a:cs typeface="Calibri"/>
-              </a:rPr>
-              <a:t> da </a:t>
-            </a:r>
-            <a:r>
-              <a:rPr lang="en-US" sz="2300" dirty="0" err="1">
-                <a:cs typeface="Calibri"/>
-              </a:rPr>
-              <a:t>un’intervista</a:t>
-            </a:r>
-            <a:r>
-              <a:rPr lang="en-US" sz="2300" dirty="0">
-                <a:cs typeface="Calibri"/>
-              </a:rPr>
-              <a:t>, effettuata dal </a:t>
-            </a:r>
-            <a:r>
-              <a:rPr lang="en-US" sz="2300" dirty="0" err="1">
-                <a:cs typeface="Calibri"/>
-              </a:rPr>
-              <a:t>responsabile</a:t>
-            </a:r>
-            <a:r>
-              <a:rPr lang="en-US" sz="2300" dirty="0">
-                <a:cs typeface="Calibri"/>
-              </a:rPr>
-              <a:t> </a:t>
-            </a:r>
-            <a:r>
-              <a:rPr lang="en-US" sz="2300" dirty="0" err="1">
-                <a:cs typeface="Calibri"/>
-              </a:rPr>
-              <a:t>Cattaneo</a:t>
-            </a:r>
-            <a:r>
-              <a:rPr lang="en-US" sz="2300" dirty="0">
-                <a:cs typeface="Calibri"/>
-              </a:rPr>
-              <a:t>, verso un’infermiera dell’Ospedale Papa Giovanni XXIII di Bergamo (BG) (</a:t>
+              <a:t>Le informazioni generali per lavorare al Sistema le abbiamo ricavate da un’intervista, effettuata dal responsabile Cattaneo, verso un’infermiera dell’Ospedale Papa Giovanni XXIII di Bergamo (BG) (</a:t>
             </a:r>
             <a:r>
               <a:rPr lang="en-US" sz="2300" b="1" i="1" dirty="0">
@@ -16901,13 +16985,7 @@
               <a:rPr lang="en-US" sz="2300" b="1" i="1" dirty="0">
                 <a:cs typeface="Calibri"/>
               </a:rPr>
-              <a:t>Specifica dei </a:t>
-            </a:r>
-            <a:r>
-              <a:rPr lang="en-US" sz="2300" b="1" i="1" dirty="0" err="1">
-                <a:cs typeface="Calibri"/>
-              </a:rPr>
-              <a:t>requisiti</a:t>
+              <a:t>Specifica dei requisiti</a:t>
             </a:r>
             <a:r>
               <a:rPr lang="en-US" sz="2300" dirty="0">
@@ -16925,19 +17003,7 @@
               <a:rPr lang="en-US" sz="2300" dirty="0">
                 <a:cs typeface="Calibri"/>
               </a:rPr>
-              <a:t> i requisiti devono essere valutati per la loro importanza e </a:t>
-            </a:r>
-            <a:r>
-              <a:rPr lang="en-US" sz="2300" dirty="0" err="1">
-                <a:cs typeface="Calibri"/>
-              </a:rPr>
-              <a:t>ruolo</a:t>
-            </a:r>
-            <a:r>
-              <a:rPr lang="en-US" sz="2300" dirty="0">
-                <a:cs typeface="Calibri"/>
-              </a:rPr>
-              <a:t> rispetto alla natura del progetto (</a:t>
+              <a:t> i requisiti devono essere valutati per la loro importanza e ruolo rispetto alla natura del progetto (</a:t>
             </a:r>
             <a:r>
               <a:rPr lang="en-US" sz="2300" b="1" i="1" dirty="0">
@@ -16985,19 +17051,7 @@
               <a:rPr lang="en-US" sz="2300" dirty="0">
                 <a:cs typeface="Calibri"/>
               </a:rPr>
-              <a:t>requisiti rispettano le richieste </a:t>
-            </a:r>
-            <a:r>
-              <a:rPr lang="en-US" sz="2300" dirty="0" err="1">
-                <a:cs typeface="Calibri"/>
-              </a:rPr>
-              <a:t>d’utente</a:t>
-            </a:r>
-            <a:r>
-              <a:rPr lang="en-US" sz="2300" dirty="0">
-                <a:cs typeface="Calibri"/>
-              </a:rPr>
-              <a:t>).</a:t>
+              <a:t>requisiti rispettano le richieste d’utente).</a:t>
             </a:r>
           </a:p>
           <a:p>
@@ -17024,19 +17078,7 @@
               <a:rPr lang="en-US" sz="2300" dirty="0">
                 <a:cs typeface="Calibri"/>
               </a:rPr>
-              <a:t>Corretta </a:t>
-            </a:r>
-            <a:r>
-              <a:rPr lang="en-US" sz="2300" dirty="0" err="1">
-                <a:cs typeface="Calibri"/>
-              </a:rPr>
-              <a:t>correlazione</a:t>
-            </a:r>
-            <a:r>
-              <a:rPr lang="en-US" sz="2300" dirty="0">
-                <a:cs typeface="Calibri"/>
-              </a:rPr>
-              <a:t> tra le varie classi del sistema;</a:t>
+              <a:t>Corretta correlazione tra le varie classi del sistema;</a:t>
             </a:r>
           </a:p>
           <a:p>
@@ -17052,31 +17094,7 @@
               <a:rPr lang="en-US" sz="2300" dirty="0">
                 <a:cs typeface="Calibri"/>
               </a:rPr>
-              <a:t>Il Sistema non deve interfacciarsi con </a:t>
-            </a:r>
-            <a:r>
-              <a:rPr lang="en-US" sz="2300" dirty="0" err="1">
-                <a:cs typeface="Calibri"/>
-              </a:rPr>
-              <a:t>altri</a:t>
-            </a:r>
-            <a:r>
-              <a:rPr lang="en-US" sz="2300" dirty="0">
-                <a:cs typeface="Calibri"/>
-              </a:rPr>
-              <a:t> </a:t>
-            </a:r>
-            <a:r>
-              <a:rPr lang="en-US" sz="2300" dirty="0" err="1">
-                <a:cs typeface="Calibri"/>
-              </a:rPr>
-              <a:t>ambienti</a:t>
-            </a:r>
-            <a:r>
-              <a:rPr lang="en-US" sz="2300" dirty="0">
-                <a:cs typeface="Calibri"/>
-              </a:rPr>
-              <a:t> (hardware o software);</a:t>
+              <a:t>Il Sistema non deve interfacciarsi con altri ambienti (hardware o software);</a:t>
             </a:r>
           </a:p>
           <a:p>
@@ -19429,7 +19447,7 @@
         </p:nvSpPr>
         <p:spPr>
           <a:xfrm>
-            <a:off x="801751" y="2194286"/>
+            <a:off x="838200" y="2234526"/>
             <a:ext cx="3061122" cy="369332"/>
           </a:xfrm>
           <a:prstGeom prst="rect">
@@ -21250,15 +21268,7 @@
             </a:pPr>
             <a:r>
               <a:rPr lang="en-US" sz="2000" dirty="0"/>
-              <a:t>Pattern che viene utilizzato quando, progettando un metodo di una nuova classe, ci si accorge che già un’altra classe esegue la stessa </a:t>
-            </a:r>
-            <a:r>
-              <a:rPr lang="en-US" sz="2000" dirty="0" err="1"/>
-              <a:t>operazione</a:t>
-            </a:r>
-            <a:r>
-              <a:rPr lang="en-US" sz="2000" dirty="0"/>
-              <a:t>. A questo scopo, viene istanziato, all’interno della nuova classe, un oggetto della nuova classe e che ne applica il metodo desiderato. Tale pattern riutilizza frammenti di codice, minimizzando i costi d’uso.</a:t>
+              <a:t>Pattern che viene utilizzato quando, progettando un metodo di una nuova classe, ci si accorge che già un’altra classe esegue la stessa operazione. A questo scopo, viene istanziato, all’interno della nuova classe, un oggetto della nuova classe e che ne applica il metodo desiderato. Tale pattern riutilizza frammenti di codice, minimizzando i costi d’uso.</a:t>
             </a:r>
           </a:p>
           <a:p>
@@ -21281,11 +21291,11 @@
             </a:r>
             <a:r>
               <a:rPr lang="en-US" sz="2000" dirty="0"/>
-              <a:t> </a:t>
+              <a:t> i </a:t>
             </a:r>
             <a:r>
               <a:rPr lang="en-US" sz="2000" dirty="0" err="1"/>
-              <a:t>i</a:t>
+              <a:t>propri</a:t>
             </a:r>
             <a:r>
               <a:rPr lang="en-US" sz="2000" dirty="0"/>
@@ -21293,19 +21303,19 @@
             </a:r>
             <a:r>
               <a:rPr lang="en-US" sz="2000" dirty="0" err="1"/>
-              <a:t>propri</a:t>
+              <a:t>metodi</a:t>
             </a:r>
             <a:r>
               <a:rPr lang="en-US" sz="2000" dirty="0"/>
-              <a:t> </a:t>
+              <a:t> al </a:t>
             </a:r>
             <a:r>
               <a:rPr lang="en-US" sz="2000" dirty="0" err="1"/>
-              <a:t>metodi</a:t>
+              <a:t>dataService</a:t>
             </a:r>
             <a:r>
               <a:rPr lang="en-US" sz="2000" dirty="0"/>
-              <a:t> al dataService: nella costruzione delle tabelle per Liste Operatorie, Verbali Medici o semplicemente per inserire un nuovo paziente nel Sistema, si deve tenere conto dei metodi presenti nelle classi Gui, atti alla modifica o all’inserimento/cancellazione di nuovi elementi, che verranno poi riutilizzati rispetto alla Gestione Sale.</a:t>
+              <a:t>: nella costruzione delle tabelle per Liste Operatorie, Verbali Medici o semplicemente per inserire un nuovo paziente nel Sistema, si deve tenere conto dei metodi presenti nelle classi Gui, atti alla modifica o all’inserimento/cancellazione di nuovi elementi, che verranno poi riutilizzati rispetto alla Gestione Sale.</a:t>
             </a:r>
           </a:p>
         </p:txBody>
@@ -22170,12 +22180,8 @@
               <a:buChar char="Ø"/>
             </a:pPr>
             <a:r>
-              <a:rPr lang="en-US" sz="1800" dirty="0" err="1"/>
-              <a:t>Autenticazione</a:t>
-            </a:r>
-            <a:r>
               <a:rPr lang="en-US" sz="1800" dirty="0"/>
-              <a:t> Medico</a:t>
+              <a:t>Autenticazione Medico</a:t>
             </a:r>
           </a:p>
           <a:p>
@@ -22194,20 +22200,8 @@
               <a:buChar char="Ø"/>
             </a:pPr>
             <a:r>
-              <a:rPr lang="en-US" sz="1800" dirty="0" err="1"/>
-              <a:t>Iscrizione</a:t>
-            </a:r>
-            <a:r>
               <a:rPr lang="en-US" sz="1800" dirty="0"/>
-              <a:t>/Gestione alla Lista </a:t>
-            </a:r>
-            <a:r>
-              <a:rPr lang="en-US" sz="1800" dirty="0" err="1"/>
-              <a:t>Operatoria</a:t>
-            </a:r>
-            <a:r>
-              <a:rPr lang="en-US" sz="1800" dirty="0"/>
-              <a:t> </a:t>
+              <a:t>Iscrizione/Gestione alla Lista Operatoria </a:t>
             </a:r>
           </a:p>
           <a:p>
@@ -22216,18 +22210,9 @@
               <a:buChar char="Ø"/>
             </a:pPr>
             <a:r>
-              <a:rPr lang="en-US" sz="1800" dirty="0" err="1"/>
-              <a:t>Eseguire</a:t>
-            </a:r>
-            <a:r>
               <a:rPr lang="en-US" sz="1800" dirty="0"/>
-              <a:t> </a:t>
-            </a:r>
-            <a:r>
-              <a:rPr lang="en-US" sz="1800" dirty="0" err="1"/>
-              <a:t>Intervento</a:t>
-            </a:r>
-            <a:endParaRPr lang="en-US" sz="1800" dirty="0"/>
+              <a:t>Eseguire Intervento</a:t>
+            </a:r>
           </a:p>
           <a:p>
             <a:pPr>
@@ -22235,12 +22220,8 @@
               <a:buChar char="Ø"/>
             </a:pPr>
             <a:r>
-              <a:rPr lang="en-US" sz="1800" dirty="0" err="1"/>
-              <a:t>Compilazione</a:t>
-            </a:r>
-            <a:r>
               <a:rPr lang="en-US" sz="1800" dirty="0"/>
-              <a:t>/Gestione Verbale Medico</a:t>
+              <a:t>Compilazione/Gestione Verbale Medico</a:t>
             </a:r>
           </a:p>
           <a:p>
@@ -22259,55 +22240,7 @@
             </a:pPr>
             <a:r>
               <a:rPr lang="en-US" sz="1800" dirty="0"/>
-              <a:t>Nell’implementazione del codice si è tenuto maggiormente conto delle attività svolte dal medico, piuttosto </a:t>
-            </a:r>
-            <a:r>
-              <a:rPr lang="en-US" sz="1800" dirty="0" err="1"/>
-              <a:t>che</a:t>
-            </a:r>
-            <a:r>
-              <a:rPr lang="en-US" sz="1800" dirty="0"/>
-              <a:t> </a:t>
-            </a:r>
-            <a:r>
-              <a:rPr lang="en-US" sz="1800" dirty="0" err="1"/>
-              <a:t>delle</a:t>
-            </a:r>
-            <a:r>
-              <a:rPr lang="en-US" sz="1800" dirty="0"/>
-              <a:t> </a:t>
-            </a:r>
-            <a:r>
-              <a:rPr lang="en-US" sz="1800" dirty="0" err="1"/>
-              <a:t>mansioni</a:t>
-            </a:r>
-            <a:r>
-              <a:rPr lang="en-US" sz="1800" dirty="0"/>
-              <a:t> possibili di infermieri e cabina di regia (considerando che, a livello di codice, sarebbe stato difficile fare in modo che più classi potessero agire sullo </a:t>
-            </a:r>
-            <a:r>
-              <a:rPr lang="en-US" sz="1800" dirty="0" err="1"/>
-              <a:t>stesso</a:t>
-            </a:r>
-            <a:r>
-              <a:rPr lang="en-US" sz="1800" dirty="0"/>
-              <a:t> </a:t>
-            </a:r>
-            <a:r>
-              <a:rPr lang="en-US" sz="1800" dirty="0" err="1"/>
-              <a:t>oggetto</a:t>
-            </a:r>
-            <a:r>
-              <a:rPr lang="en-US" sz="1800" dirty="0"/>
-              <a:t>, quale verbale o </a:t>
-            </a:r>
-            <a:r>
-              <a:rPr lang="en-US" sz="1800" dirty="0" err="1"/>
-              <a:t>lista</a:t>
-            </a:r>
-            <a:r>
-              <a:rPr lang="en-US" sz="1800" dirty="0"/>
-              <a:t>).</a:t>
+              <a:t>Nell’implementazione del codice si è tenuto maggiormente conto delle attività svolte dal medico, piuttosto che delle mansioni possibili di infermieri e cabina di regia (considerando che, a livello di codice, sarebbe stato difficile fare in modo che più classi potessero agire sullo stesso oggetto, quale verbale o lista).</a:t>
             </a:r>
           </a:p>
           <a:p>
@@ -24146,63 +24079,7 @@
             </a:pPr>
             <a:r>
               <a:rPr lang="en-US" sz="2200" dirty="0"/>
-              <a:t>(definire la </a:t>
-            </a:r>
-            <a:r>
-              <a:rPr lang="en-US" sz="2200" dirty="0" err="1"/>
-              <a:t>sequenza</a:t>
-            </a:r>
-            <a:r>
-              <a:rPr lang="en-US" sz="2200" dirty="0"/>
-              <a:t> di </a:t>
-            </a:r>
-            <a:r>
-              <a:rPr lang="en-US" sz="2200" dirty="0" err="1"/>
-              <a:t>interazioni</a:t>
-            </a:r>
-            <a:r>
-              <a:rPr lang="en-US" sz="2200" dirty="0"/>
-              <a:t> </a:t>
-            </a:r>
-            <a:r>
-              <a:rPr lang="en-US" sz="2200" dirty="0" err="1"/>
-              <a:t>tra</a:t>
-            </a:r>
-            <a:r>
-              <a:rPr lang="en-US" sz="2200" dirty="0"/>
-              <a:t> </a:t>
-            </a:r>
-            <a:r>
-              <a:rPr lang="en-US" sz="2200" dirty="0" err="1"/>
-              <a:t>i</a:t>
-            </a:r>
-            <a:r>
-              <a:rPr lang="en-US" sz="2200" dirty="0"/>
-              <a:t> </a:t>
-            </a:r>
-            <a:r>
-              <a:rPr lang="en-US" sz="2200" dirty="0" err="1"/>
-              <a:t>vari</a:t>
-            </a:r>
-            <a:r>
-              <a:rPr lang="en-US" sz="2200" dirty="0"/>
-              <a:t> </a:t>
-            </a:r>
-            <a:r>
-              <a:rPr lang="en-US" sz="2200" dirty="0" err="1"/>
-              <a:t>attori</a:t>
-            </a:r>
-            <a:r>
-              <a:rPr lang="en-US" sz="2200" dirty="0"/>
-              <a:t> del </a:t>
-            </a:r>
-            <a:r>
-              <a:rPr lang="en-US" sz="2200" dirty="0" err="1"/>
-              <a:t>problema</a:t>
-            </a:r>
-            <a:r>
-              <a:rPr lang="en-US" sz="2200" dirty="0"/>
-              <a:t>)</a:t>
+              <a:t>(definire la sequenza di interazioni tra i vari attori del problema)</a:t>
             </a:r>
           </a:p>
           <a:p>
@@ -26095,39 +25972,7 @@
             </a:r>
             <a:r>
               <a:rPr lang="en-US" sz="2000" dirty="0"/>
-              <a:t>, liste di attesa per le persone che devono </a:t>
-            </a:r>
-            <a:r>
-              <a:rPr lang="en-US" sz="2000" dirty="0" err="1"/>
-              <a:t>eseguire</a:t>
-            </a:r>
-            <a:r>
-              <a:rPr lang="en-US" sz="2000" dirty="0"/>
-              <a:t> </a:t>
-            </a:r>
-            <a:r>
-              <a:rPr lang="en-US" sz="2000" dirty="0" err="1"/>
-              <a:t>gli</a:t>
-            </a:r>
-            <a:r>
-              <a:rPr lang="en-US" sz="2000" dirty="0"/>
-              <a:t> </a:t>
-            </a:r>
-            <a:r>
-              <a:rPr lang="en-US" sz="2000" dirty="0" err="1"/>
-              <a:t>esami</a:t>
-            </a:r>
-            <a:r>
-              <a:rPr lang="en-US" sz="2000" dirty="0"/>
-              <a:t> pre-</a:t>
-            </a:r>
-            <a:r>
-              <a:rPr lang="en-US" sz="2000" dirty="0" err="1"/>
-              <a:t>intervento</a:t>
-            </a:r>
-            <a:r>
-              <a:rPr lang="en-US" sz="2000" dirty="0"/>
-              <a:t> (definite dalla cabina di regia). </a:t>
+              <a:t>, liste di attesa per le persone che devono eseguire gli esami pre-intervento (definiti dalla cabina di regia). </a:t>
             </a:r>
             <a:endParaRPr lang="en-US" sz="2000" b="1" i="1" dirty="0"/>
           </a:p>
@@ -26146,15 +25991,7 @@
             </a:r>
             <a:r>
               <a:rPr lang="en-US" sz="2000" dirty="0"/>
-              <a:t>contententi i nomi e le informazioni dei pazienti che devono sottoporsi ad un determinato </a:t>
-            </a:r>
-            <a:r>
-              <a:rPr lang="en-US" sz="2000" dirty="0" err="1"/>
-              <a:t>intervento</a:t>
-            </a:r>
-            <a:r>
-              <a:rPr lang="en-US" sz="2000" dirty="0"/>
-              <a:t> (vengono definite dal medico).</a:t>
+              <a:t>contententi i nomi e le informazioni dei pazienti che devono sottoporsi ad un determinato intervento (vengono definite dal medico).</a:t>
             </a:r>
           </a:p>
           <a:p>
@@ -26164,15 +26001,19 @@
             </a:pPr>
             <a:r>
               <a:rPr lang="en-US" sz="2000" b="1" i="1" dirty="0"/>
-              <a:t>Verbale </a:t>
-            </a:r>
-            <a:r>
-              <a:rPr lang="en-US" sz="2000" b="1" i="1" dirty="0" err="1"/>
-              <a:t>dell’Intervento</a:t>
+              <a:t>Verbale dell’Intervento</a:t>
             </a:r>
             <a:r>
               <a:rPr lang="en-US" sz="2000" dirty="0"/>
-              <a:t>, dove sono riportate le modalità dell’operazione, gli orari delle varie fasi dell’intervento e i nomi dell’equipe medica che ha operato sull’intervento (le capacità di compilazione cambiano in base al personale medico).</a:t>
+              <a:t>, dove sono riportate le modalità dell’operazione, gli orari delle varie fasi dell’intervento e i nomi dell’equipe medica che ha operato sull’intervento (le capacità di </a:t>
+            </a:r>
+            <a:r>
+              <a:rPr lang="en-US" sz="2000" dirty="0" err="1"/>
+              <a:t>compilazione</a:t>
+            </a:r>
+            <a:r>
+              <a:rPr lang="en-US" sz="2000" dirty="0"/>
+              <a:t> cambiano in base al personale medico).</a:t>
             </a:r>
           </a:p>
         </p:txBody>
@@ -28910,79 +28751,7 @@
             </a:pPr>
             <a:r>
               <a:rPr lang="en-US" sz="2200" dirty="0"/>
-              <a:t>Per </a:t>
-            </a:r>
-            <a:r>
-              <a:rPr lang="en-US" sz="2200" dirty="0" err="1"/>
-              <a:t>accedere</a:t>
-            </a:r>
-            <a:r>
-              <a:rPr lang="en-US" sz="2200" dirty="0"/>
-              <a:t> </a:t>
-            </a:r>
-            <a:r>
-              <a:rPr lang="en-US" sz="2200" dirty="0" err="1"/>
-              <a:t>alla</a:t>
-            </a:r>
-            <a:r>
-              <a:rPr lang="en-US" sz="2200" dirty="0"/>
-              <a:t> </a:t>
-            </a:r>
-            <a:r>
-              <a:rPr lang="en-US" sz="2200" dirty="0" err="1"/>
-              <a:t>pagina</a:t>
-            </a:r>
-            <a:r>
-              <a:rPr lang="en-US" sz="2200" dirty="0"/>
-              <a:t> </a:t>
-            </a:r>
-            <a:r>
-              <a:rPr lang="en-US" sz="2200" dirty="0" err="1"/>
-              <a:t>personale</a:t>
-            </a:r>
-            <a:r>
-              <a:rPr lang="en-US" sz="2200" dirty="0"/>
-              <a:t> di Sistema, </a:t>
-            </a:r>
-            <a:r>
-              <a:rPr lang="en-US" sz="2200" dirty="0" err="1"/>
-              <a:t>bisogna</a:t>
-            </a:r>
-            <a:r>
-              <a:rPr lang="en-US" sz="2200" dirty="0"/>
-              <a:t> </a:t>
-            </a:r>
-            <a:r>
-              <a:rPr lang="en-US" sz="2200" dirty="0" err="1"/>
-              <a:t>inanzitutto</a:t>
-            </a:r>
-            <a:r>
-              <a:rPr lang="en-US" sz="2200" dirty="0"/>
-              <a:t> </a:t>
-            </a:r>
-            <a:r>
-              <a:rPr lang="en-US" sz="2200" dirty="0" err="1"/>
-              <a:t>inserire</a:t>
-            </a:r>
-            <a:r>
-              <a:rPr lang="en-US" sz="2200" dirty="0"/>
-              <a:t> le </a:t>
-            </a:r>
-            <a:r>
-              <a:rPr lang="en-US" sz="2200" dirty="0" err="1"/>
-              <a:t>credenziali</a:t>
-            </a:r>
-            <a:r>
-              <a:rPr lang="en-US" sz="2200" dirty="0"/>
-              <a:t> (matricula e password) </a:t>
-            </a:r>
-            <a:r>
-              <a:rPr lang="en-US" sz="2200" dirty="0" err="1"/>
-              <a:t>corrette</a:t>
-            </a:r>
-            <a:r>
-              <a:rPr lang="en-US" sz="2200" dirty="0"/>
-              <a:t>.</a:t>
+              <a:t>Per accedere alla pagina personale di Sistema, bisogna inanzitutto inserire le credenziali (matricola e password) corrette.</a:t>
             </a:r>
           </a:p>
           <a:p>
@@ -28991,103 +28760,7 @@
             </a:pPr>
             <a:r>
               <a:rPr lang="en-US" sz="2200" dirty="0"/>
-              <a:t>Una volta </a:t>
-            </a:r>
-            <a:r>
-              <a:rPr lang="en-US" sz="2200" dirty="0" err="1"/>
-              <a:t>dentro</a:t>
-            </a:r>
-            <a:r>
-              <a:rPr lang="en-US" sz="2200" dirty="0"/>
-              <a:t>, </a:t>
-            </a:r>
-            <a:r>
-              <a:rPr lang="en-US" sz="2200" dirty="0" err="1"/>
-              <a:t>l’utente</a:t>
-            </a:r>
-            <a:r>
-              <a:rPr lang="en-US" sz="2200" dirty="0"/>
-              <a:t> </a:t>
-            </a:r>
-            <a:r>
-              <a:rPr lang="en-US" sz="2200" dirty="0" err="1"/>
-              <a:t>può</a:t>
-            </a:r>
-            <a:r>
-              <a:rPr lang="en-US" sz="2200" dirty="0"/>
-              <a:t> registrar </a:t>
-            </a:r>
-            <a:r>
-              <a:rPr lang="en-US" sz="2200" dirty="0" err="1"/>
-              <a:t>nuovi</a:t>
-            </a:r>
-            <a:r>
-              <a:rPr lang="en-US" sz="2200" dirty="0"/>
-              <a:t> </a:t>
-            </a:r>
-            <a:r>
-              <a:rPr lang="en-US" sz="2200" dirty="0" err="1"/>
-              <a:t>pazienti</a:t>
-            </a:r>
-            <a:r>
-              <a:rPr lang="en-US" sz="2200" dirty="0"/>
-              <a:t>, </a:t>
-            </a:r>
-            <a:r>
-              <a:rPr lang="en-US" sz="2200" dirty="0" err="1"/>
-              <a:t>creare</a:t>
-            </a:r>
-            <a:r>
-              <a:rPr lang="en-US" sz="2200" dirty="0"/>
-              <a:t> </a:t>
-            </a:r>
-            <a:r>
-              <a:rPr lang="en-US" sz="2200" dirty="0" err="1"/>
-              <a:t>liste</a:t>
-            </a:r>
-            <a:r>
-              <a:rPr lang="en-US" sz="2200" dirty="0"/>
-              <a:t> </a:t>
-            </a:r>
-            <a:r>
-              <a:rPr lang="en-US" sz="2200" dirty="0" err="1"/>
-              <a:t>operatorie</a:t>
-            </a:r>
-            <a:r>
-              <a:rPr lang="en-US" sz="2200" dirty="0"/>
-              <a:t> e </a:t>
-            </a:r>
-            <a:r>
-              <a:rPr lang="en-US" sz="2200" dirty="0" err="1"/>
-              <a:t>compilare</a:t>
-            </a:r>
-            <a:r>
-              <a:rPr lang="en-US" sz="2200" dirty="0"/>
-              <a:t> </a:t>
-            </a:r>
-            <a:r>
-              <a:rPr lang="en-US" sz="2200" dirty="0" err="1"/>
-              <a:t>i</a:t>
-            </a:r>
-            <a:r>
-              <a:rPr lang="en-US" sz="2200" dirty="0"/>
-              <a:t> relative </a:t>
-            </a:r>
-            <a:r>
-              <a:rPr lang="en-US" sz="2200" dirty="0" err="1"/>
-              <a:t>verbali</a:t>
-            </a:r>
-            <a:r>
-              <a:rPr lang="en-US" sz="2200" dirty="0"/>
-              <a:t> </a:t>
-            </a:r>
-            <a:r>
-              <a:rPr lang="en-US" sz="2200" dirty="0" err="1"/>
-              <a:t>medici</a:t>
-            </a:r>
-            <a:r>
-              <a:rPr lang="en-US" sz="2200" dirty="0"/>
-              <a:t>.</a:t>
+              <a:t>Una volta eseguito l’accesso, l’utente può registrare nuovi pazienti, creare liste operatorie e compilare i relativi verbali medici.</a:t>
             </a:r>
           </a:p>
           <a:p>
@@ -29095,180 +28768,8 @@
               <a:buNone/>
             </a:pPr>
             <a:r>
-              <a:rPr lang="en-US" sz="2200" dirty="0" err="1"/>
-              <a:t>Eliminando</a:t>
-            </a:r>
-            <a:r>
               <a:rPr lang="en-US" sz="2200" dirty="0"/>
-              <a:t> la </a:t>
-            </a:r>
-            <a:r>
-              <a:rPr lang="en-US" sz="2200" dirty="0" err="1"/>
-              <a:t>pagina</a:t>
-            </a:r>
-            <a:r>
-              <a:rPr lang="en-US" sz="2200" dirty="0"/>
-              <a:t> </a:t>
-            </a:r>
-            <a:r>
-              <a:rPr lang="en-US" sz="2200" dirty="0" err="1"/>
-              <a:t>anagrafica</a:t>
-            </a:r>
-            <a:r>
-              <a:rPr lang="en-US" sz="2200" dirty="0"/>
-              <a:t> di un </a:t>
-            </a:r>
-            <a:r>
-              <a:rPr lang="en-US" sz="2200" dirty="0" err="1"/>
-              <a:t>certo</a:t>
-            </a:r>
-            <a:r>
-              <a:rPr lang="en-US" sz="2200" dirty="0"/>
-              <a:t> </a:t>
-            </a:r>
-            <a:r>
-              <a:rPr lang="en-US" sz="2200" dirty="0" err="1"/>
-              <a:t>paziente</a:t>
-            </a:r>
-            <a:r>
-              <a:rPr lang="en-US" sz="2200" dirty="0"/>
-              <a:t>, </a:t>
-            </a:r>
-            <a:r>
-              <a:rPr lang="en-US" sz="2200" dirty="0" err="1"/>
-              <a:t>si</a:t>
-            </a:r>
-            <a:r>
-              <a:rPr lang="en-US" sz="2200" dirty="0"/>
-              <a:t> </a:t>
-            </a:r>
-            <a:r>
-              <a:rPr lang="en-US" sz="2200" dirty="0" err="1"/>
-              <a:t>cancellani</a:t>
-            </a:r>
-            <a:r>
-              <a:rPr lang="en-US" sz="2200" dirty="0"/>
-              <a:t> le </a:t>
-            </a:r>
-            <a:r>
-              <a:rPr lang="en-US" sz="2200" dirty="0" err="1"/>
-              <a:t>liste</a:t>
-            </a:r>
-            <a:r>
-              <a:rPr lang="en-US" sz="2200" dirty="0"/>
-              <a:t> </a:t>
-            </a:r>
-            <a:r>
-              <a:rPr lang="en-US" sz="2200" dirty="0" err="1"/>
-              <a:t>operatorie</a:t>
-            </a:r>
-            <a:r>
-              <a:rPr lang="en-US" sz="2200" dirty="0"/>
-              <a:t> </a:t>
-            </a:r>
-            <a:r>
-              <a:rPr lang="en-US" sz="2200" dirty="0" err="1"/>
-              <a:t>che</a:t>
-            </a:r>
-            <a:r>
-              <a:rPr lang="en-US" sz="2200" dirty="0"/>
-              <a:t> lo </a:t>
-            </a:r>
-            <a:r>
-              <a:rPr lang="en-US" sz="2200" dirty="0" err="1"/>
-              <a:t>coinvolgono</a:t>
-            </a:r>
-            <a:r>
-              <a:rPr lang="en-US" sz="2200" dirty="0"/>
-              <a:t>; </a:t>
-            </a:r>
-            <a:r>
-              <a:rPr lang="en-US" sz="2200" dirty="0" err="1"/>
-              <a:t>similmente</a:t>
-            </a:r>
-            <a:r>
-              <a:rPr lang="en-US" sz="2200" dirty="0"/>
-              <a:t>, </a:t>
-            </a:r>
-            <a:r>
-              <a:rPr lang="en-US" sz="2200" dirty="0" err="1"/>
-              <a:t>cancellando</a:t>
-            </a:r>
-            <a:r>
-              <a:rPr lang="en-US" sz="2200" dirty="0"/>
-              <a:t> </a:t>
-            </a:r>
-            <a:r>
-              <a:rPr lang="en-US" sz="2200" dirty="0" err="1"/>
-              <a:t>una</a:t>
-            </a:r>
-            <a:r>
-              <a:rPr lang="en-US" sz="2200" dirty="0"/>
-              <a:t> </a:t>
-            </a:r>
-            <a:r>
-              <a:rPr lang="en-US" sz="2200" dirty="0" err="1"/>
-              <a:t>lista</a:t>
-            </a:r>
-            <a:r>
-              <a:rPr lang="en-US" sz="2200" dirty="0"/>
-              <a:t> operatorial </a:t>
-            </a:r>
-            <a:r>
-              <a:rPr lang="en-US" sz="2200" dirty="0" err="1"/>
-              <a:t>si</a:t>
-            </a:r>
-            <a:r>
-              <a:rPr lang="en-US" sz="2200" dirty="0"/>
-              <a:t> </a:t>
-            </a:r>
-            <a:r>
-              <a:rPr lang="en-US" sz="2200" dirty="0" err="1"/>
-              <a:t>eliminano</a:t>
-            </a:r>
-            <a:r>
-              <a:rPr lang="en-US" sz="2200" dirty="0"/>
-              <a:t> </a:t>
-            </a:r>
-            <a:r>
-              <a:rPr lang="en-US" sz="2200" dirty="0" err="1"/>
-              <a:t>i</a:t>
-            </a:r>
-            <a:r>
-              <a:rPr lang="en-US" sz="2200" dirty="0"/>
-              <a:t> </a:t>
-            </a:r>
-            <a:r>
-              <a:rPr lang="en-US" sz="2200" dirty="0" err="1"/>
-              <a:t>verbali</a:t>
-            </a:r>
-            <a:r>
-              <a:rPr lang="en-US" sz="2200" dirty="0"/>
-              <a:t> </a:t>
-            </a:r>
-            <a:r>
-              <a:rPr lang="en-US" sz="2200" dirty="0" err="1"/>
-              <a:t>medici</a:t>
-            </a:r>
-            <a:r>
-              <a:rPr lang="en-US" sz="2200" dirty="0"/>
-              <a:t> associate a </a:t>
-            </a:r>
-            <a:r>
-              <a:rPr lang="en-US" sz="2200" dirty="0" err="1"/>
-              <a:t>quella</a:t>
-            </a:r>
-            <a:r>
-              <a:rPr lang="en-US" sz="2200" dirty="0"/>
-              <a:t> </a:t>
-            </a:r>
-            <a:r>
-              <a:rPr lang="en-US" sz="2200" dirty="0" err="1"/>
-              <a:t>lista</a:t>
-            </a:r>
-            <a:r>
-              <a:rPr lang="en-US" sz="2200" dirty="0"/>
-              <a:t>.</a:t>
+              <a:t>Eliminando la pagina anagrafica di un certo paziente, si cancellano, di conseguenza, le liste operatorie che lo coinvolgono; allo stesso modo, cancellando una lista operatoria si eliminano i verbali medici associati a quella lista.</a:t>
             </a:r>
           </a:p>
         </p:txBody>
@@ -30141,13 +29642,13 @@
         </p:nvSpPr>
         <p:spPr>
           <a:xfrm>
-            <a:off x="838200" y="1929383"/>
-            <a:ext cx="10515600" cy="4563491"/>
+            <a:off x="838200" y="1708977"/>
+            <a:ext cx="10515600" cy="4783897"/>
           </a:xfrm>
         </p:spPr>
         <p:txBody>
           <a:bodyPr>
-            <a:normAutofit/>
+            <a:normAutofit lnSpcReduction="10000"/>
           </a:bodyPr>
           <a:lstStyle/>
           <a:p>
@@ -30155,12 +29656,8 @@
               <a:buNone/>
             </a:pPr>
             <a:r>
-              <a:rPr lang="en-US" sz="2000" dirty="0" err="1"/>
-              <a:t>Nell’effettuare</a:t>
-            </a:r>
-            <a:r>
               <a:rPr lang="en-US" sz="2000" dirty="0"/>
-              <a:t> un testing al nostro Progetto, abbiamo optato per un test di tipo </a:t>
+              <a:t>Nell’effettuare un testing al nostro Progetto, abbiamo optato per un test di tipo </a:t>
             </a:r>
             <a:r>
               <a:rPr lang="en-US" sz="2000" b="1" dirty="0"/>
@@ -30258,80 +29755,14 @@
             </a:r>
             <a:r>
               <a:rPr lang="en-US" sz="2000" dirty="0"/>
-              <a:t>, abbiamo potuto definire </a:t>
-            </a:r>
-            <a:r>
-              <a:rPr lang="en-US" sz="2000" dirty="0" err="1"/>
-              <a:t>diversi</a:t>
-            </a:r>
-            <a:r>
-              <a:rPr lang="en-US" sz="2000" dirty="0"/>
-              <a:t> </a:t>
-            </a:r>
-            <a:r>
-              <a:rPr lang="en-US" sz="2000" dirty="0" err="1"/>
-              <a:t>casi</a:t>
-            </a:r>
-            <a:r>
-              <a:rPr lang="en-US" sz="2000" dirty="0"/>
-              <a:t> di test a </a:t>
-            </a:r>
-            <a:r>
-              <a:rPr lang="en-US" sz="2000" dirty="0" err="1"/>
-              <a:t>seconda</a:t>
-            </a:r>
-            <a:r>
-              <a:rPr lang="en-US" sz="2000" dirty="0"/>
-              <a:t> </a:t>
-            </a:r>
-            <a:r>
-              <a:rPr lang="en-US" sz="2000" dirty="0" err="1"/>
-              <a:t>della</a:t>
-            </a:r>
-            <a:r>
-              <a:rPr lang="en-US" sz="2000" dirty="0"/>
-              <a:t> </a:t>
-            </a:r>
-            <a:r>
-              <a:rPr lang="en-US" sz="2000" dirty="0" err="1"/>
-              <a:t>funzionalità</a:t>
-            </a:r>
-            <a:r>
-              <a:rPr lang="en-US" sz="2000" dirty="0"/>
-              <a:t> </a:t>
-            </a:r>
-            <a:r>
-              <a:rPr lang="en-US" sz="2000" dirty="0" err="1"/>
-              <a:t>che</a:t>
-            </a:r>
-            <a:r>
-              <a:rPr lang="en-US" sz="2000" dirty="0"/>
-              <a:t> </a:t>
-            </a:r>
-            <a:r>
-              <a:rPr lang="en-US" sz="2000" dirty="0" err="1"/>
-              <a:t>si</a:t>
-            </a:r>
-            <a:r>
-              <a:rPr lang="en-US" sz="2000" dirty="0"/>
-              <a:t> </a:t>
-            </a:r>
-            <a:r>
-              <a:rPr lang="en-US" sz="2000" dirty="0" err="1"/>
-              <a:t>va</a:t>
-            </a:r>
-            <a:r>
-              <a:rPr lang="en-US" sz="2000" dirty="0"/>
-              <a:t> ad </a:t>
-            </a:r>
-            <a:r>
-              <a:rPr lang="en-US" sz="2000" dirty="0" err="1"/>
-              <a:t>implementare</a:t>
-            </a:r>
-            <a:r>
-              <a:rPr lang="en-US" sz="2000" dirty="0"/>
-              <a:t>:</a:t>
-            </a:r>
+              <a:t>, abbiamo potuto definire diversi casi di test a seconda della funzionalità che si va ad implementare. I test fanno riferimento al DataService, ove sono contenute le operazioni possibili accedendo alla pagina personale:</a:t>
+            </a:r>
+          </a:p>
+          <a:p>
+            <a:pPr marL="457200" lvl="1" indent="0">
+              <a:buNone/>
+            </a:pPr>
+            <a:endParaRPr lang="en-US" sz="2000" dirty="0"/>
           </a:p>
           <a:p>
             <a:pPr lvl="1">
@@ -30339,38 +29770,58 @@
               <a:buChar char="v"/>
             </a:pPr>
             <a:r>
-              <a:rPr lang="en-US" sz="2000" i="1" dirty="0"/>
+              <a:rPr lang="en-US" sz="2200" dirty="0">
+                <a:effectLst>
+                  <a:outerShdw blurRad="38100" dist="38100" dir="2700000" algn="tl">
+                    <a:srgbClr val="000000">
+                      <a:alpha val="43137"/>
+                    </a:srgbClr>
+                  </a:outerShdw>
+                </a:effectLst>
+              </a:rPr>
               <a:t>Login al Sistema</a:t>
             </a:r>
           </a:p>
           <a:p>
             <a:pPr lvl="1">
               <a:buFont typeface="Wingdings" panose="05000000000000000000" pitchFamily="2" charset="2"/>
-              <a:buChar char="v"/>
+              <a:buChar char="Ø"/>
             </a:pPr>
             <a:r>
               <a:rPr lang="en-US" sz="2000" i="1" dirty="0"/>
-              <a:t>Ruolo Dipendente sbagliato</a:t>
+              <a:t>testSuccessLogin</a:t>
+            </a:r>
+            <a:r>
+              <a:rPr lang="en-US" sz="2000" dirty="0"/>
+              <a:t>, test per l’accesso al Sistema con credenziali corrette;</a:t>
             </a:r>
           </a:p>
           <a:p>
             <a:pPr lvl="1">
               <a:buFont typeface="Wingdings" panose="05000000000000000000" pitchFamily="2" charset="2"/>
-              <a:buChar char="v"/>
+              <a:buChar char="Ø"/>
             </a:pPr>
             <a:r>
               <a:rPr lang="en-US" sz="2000" i="1" dirty="0"/>
-              <a:t>Inesistenza Verbale Medico</a:t>
+              <a:t>TestInvalidPassword</a:t>
+            </a:r>
+            <a:r>
+              <a:rPr lang="en-US" sz="2000" dirty="0"/>
+              <a:t>, test che riconosce la password inserita nel login come non idonea;</a:t>
             </a:r>
           </a:p>
           <a:p>
             <a:pPr lvl="1">
               <a:buFont typeface="Wingdings" panose="05000000000000000000" pitchFamily="2" charset="2"/>
-              <a:buChar char="v"/>
+              <a:buChar char="Ø"/>
             </a:pPr>
             <a:r>
               <a:rPr lang="en-US" sz="2000" i="1" dirty="0"/>
-              <a:t>Salvataggio Operazione</a:t>
+              <a:t>TestInvalidUsername</a:t>
+            </a:r>
+            <a:r>
+              <a:rPr lang="en-US" sz="2000" dirty="0"/>
+              <a:t>, test che riconosce lo username inserito nel login come non valido;</a:t>
             </a:r>
           </a:p>
         </p:txBody>
@@ -30434,7 +29885,7 @@
 </p:sld>
 </file>
 
-<file path=ppt/slides/slide3.xml><?xml version="1.0" encoding="utf-8"?>
+<file path=ppt/slides/slide24.xml><?xml version="1.0" encoding="utf-8"?>
 <p:sld xmlns:a="http://schemas.openxmlformats.org/drawingml/2006/main" xmlns:r="http://schemas.openxmlformats.org/officeDocument/2006/relationships" xmlns:p="http://schemas.openxmlformats.org/presentationml/2006/main">
   <p:cSld>
     <p:bg>
@@ -30461,7 +29912,7 @@
       </p:grpSpPr>
       <p:sp useBgFill="1">
         <p:nvSpPr>
-          <p:cNvPr id="98" name="Rectangle 100">
+          <p:cNvPr id="87" name="Rectangle 86">
             <a:extLst>
               <a:ext uri="{FF2B5EF4-FFF2-40B4-BE49-F238E27FC236}">
                 <a16:creationId xmlns:a16="http://schemas.microsoft.com/office/drawing/2014/main" id="{100EDD19-6802-4EC3-95CE-CFFAB042CFD6}"/>
@@ -30542,21 +29993,22 @@
           </a:xfrm>
         </p:spPr>
         <p:txBody>
-          <a:bodyPr vert="horz" lIns="91440" tIns="45720" rIns="91440" bIns="45720" rtlCol="0">
+          <a:bodyPr rtlCol="0">
             <a:normAutofit/>
           </a:bodyPr>
           <a:lstStyle/>
           <a:p>
-            <a:r>
-              <a:rPr lang="en-US" sz="5400" b="1" dirty="0"/>
-              <a:t>Difficoltà Incontrate</a:t>
+            <a:pPr rtl="0"/>
+            <a:r>
+              <a:rPr lang="it-IT" sz="5400" b="1" dirty="0"/>
+              <a:t>Testing: Casi di Test</a:t>
             </a:r>
           </a:p>
         </p:txBody>
       </p:sp>
       <p:sp>
         <p:nvSpPr>
-          <p:cNvPr id="100" name="sketch line">
+          <p:cNvPr id="89" name="sketch line">
             <a:extLst>
               <a:ext uri="{FF2B5EF4-FFF2-40B4-BE49-F238E27FC236}">
                 <a16:creationId xmlns:a16="http://schemas.microsoft.com/office/drawing/2014/main" id="{DB17E863-922E-4C26-BD64-E8FD41D28661}"/>
@@ -31197,7 +30649,7 @@
           <p:cNvPr id="4" name="Content Placeholder 3">
             <a:extLst>
               <a:ext uri="{FF2B5EF4-FFF2-40B4-BE49-F238E27FC236}">
-                <a16:creationId xmlns:a16="http://schemas.microsoft.com/office/drawing/2014/main" id="{0B9BE06A-2A10-766E-30FB-68BA1AE33F20}"/>
+                <a16:creationId xmlns:a16="http://schemas.microsoft.com/office/drawing/2014/main" id="{E45B50AB-E09E-377A-4B46-AFA47F523EAB}"/>
               </a:ext>
             </a:extLst>
           </p:cNvPr>
@@ -31210,104 +30662,433 @@
         </p:nvSpPr>
         <p:spPr>
           <a:xfrm>
-            <a:off x="838200" y="1929383"/>
-            <a:ext cx="10515600" cy="4435476"/>
+            <a:off x="838200" y="1708977"/>
+            <a:ext cx="10515600" cy="4783897"/>
           </a:xfrm>
         </p:spPr>
         <p:txBody>
-          <a:bodyPr vert="horz" lIns="91440" tIns="45720" rIns="91440" bIns="45720" rtlCol="0">
-            <a:normAutofit fontScale="92500" lnSpcReduction="10000"/>
+          <a:bodyPr>
+            <a:normAutofit/>
           </a:bodyPr>
           <a:lstStyle/>
           <a:p>
-            <a:pPr marL="0" indent="0">
+            <a:pPr marL="457200" marR="0" lvl="1" indent="0" algn="l" defTabSz="914400" rtl="0" eaLnBrk="1" fontAlgn="auto" latinLnBrk="0" hangingPunct="1">
+              <a:lnSpc>
+                <a:spcPct val="90000"/>
+              </a:lnSpc>
+              <a:spcBef>
+                <a:spcPts val="500"/>
+              </a:spcBef>
+              <a:spcAft>
+                <a:spcPts val="0"/>
+              </a:spcAft>
+              <a:buClrTx/>
+              <a:buSzTx/>
+              <a:buFont typeface="Arial" panose="020B0604020202020204" pitchFamily="34" charset="0"/>
               <a:buNone/>
+              <a:tabLst/>
+              <a:defRPr/>
             </a:pPr>
-            <a:r>
-              <a:rPr lang="en-US" sz="2200" dirty="0"/>
-              <a:t>Le principali difficolà, incontrate durante la stesura del Progetto, </a:t>
-            </a:r>
-            <a:r>
-              <a:rPr lang="en-US" sz="2200" dirty="0" err="1"/>
-              <a:t>riguardano</a:t>
-            </a:r>
-            <a:r>
-              <a:rPr lang="en-US" sz="2200" dirty="0"/>
-              <a:t>:</a:t>
-            </a:r>
-          </a:p>
-          <a:p>
-            <a:pPr marL="0" indent="0">
-              <a:buNone/>
+            <a:endParaRPr kumimoji="0" lang="en-US" sz="1900" b="0" i="0" u="none" strike="noStrike" kern="1200" cap="none" spc="0" normalizeH="0" baseline="0" noProof="0" dirty="0">
+              <a:ln>
+                <a:noFill/>
+              </a:ln>
+              <a:solidFill>
+                <a:prstClr val="black"/>
+              </a:solidFill>
+              <a:effectLst>
+                <a:outerShdw blurRad="38100" dist="38100" dir="2700000" algn="tl">
+                  <a:srgbClr val="000000">
+                    <a:alpha val="43137"/>
+                  </a:srgbClr>
+                </a:outerShdw>
+              </a:effectLst>
+              <a:uLnTx/>
+              <a:uFillTx/>
+              <a:latin typeface="Calibri" panose="020F0502020204030204"/>
+              <a:ea typeface="+mn-ea"/>
+              <a:cs typeface="+mn-cs"/>
+            </a:endParaRPr>
+          </a:p>
+          <a:p>
+            <a:pPr marL="685800" marR="0" lvl="1" indent="-228600" algn="l" defTabSz="914400" rtl="0" eaLnBrk="1" fontAlgn="auto" latinLnBrk="0" hangingPunct="1">
+              <a:lnSpc>
+                <a:spcPct val="90000"/>
+              </a:lnSpc>
+              <a:spcBef>
+                <a:spcPts val="500"/>
+              </a:spcBef>
+              <a:spcAft>
+                <a:spcPts val="0"/>
+              </a:spcAft>
+              <a:buClrTx/>
+              <a:buSzTx/>
+              <a:buFont typeface="Wingdings" panose="05000000000000000000" pitchFamily="2" charset="2"/>
+              <a:buChar char="v"/>
+              <a:tabLst/>
+              <a:defRPr/>
             </a:pPr>
-            <a:endParaRPr lang="en-US" sz="2200" dirty="0"/>
-          </a:p>
-          <a:p>
-            <a:r>
-              <a:rPr lang="en-US" sz="2200" dirty="0"/>
-              <a:t>Coordinamento tra i componenti del team, soprattutto a livello temporale e gestione del lavoro. </a:t>
-            </a:r>
-          </a:p>
-          <a:p>
-            <a:endParaRPr lang="en-US" sz="2200" dirty="0"/>
-          </a:p>
-          <a:p>
-            <a:r>
-              <a:rPr lang="en-US" sz="2200" dirty="0"/>
-              <a:t>Ottenere un programma software che risponda a tutti i </a:t>
-            </a:r>
-            <a:r>
-              <a:rPr lang="en-US" sz="2200" dirty="0" err="1"/>
-              <a:t>requisiti</a:t>
-            </a:r>
-            <a:r>
-              <a:rPr lang="en-US" sz="2200" dirty="0"/>
-              <a:t> (del Sistema e </a:t>
-            </a:r>
-            <a:r>
-              <a:rPr lang="en-US" sz="2200" dirty="0" err="1"/>
-              <a:t>dell’utente</a:t>
-            </a:r>
-            <a:r>
-              <a:rPr lang="en-US" sz="2200" dirty="0"/>
-              <a:t>).</a:t>
-            </a:r>
-          </a:p>
-          <a:p>
-            <a:endParaRPr lang="en-US" sz="2200" dirty="0"/>
-          </a:p>
-          <a:p>
-            <a:r>
-              <a:rPr lang="en-US" sz="2200" dirty="0"/>
-              <a:t>Conflitto nell’utilizzo di GitHub.</a:t>
-            </a:r>
-          </a:p>
-          <a:p>
-            <a:endParaRPr lang="en-US" sz="2200" dirty="0"/>
-          </a:p>
-          <a:p>
-            <a:r>
-              <a:rPr lang="en-US" sz="2200" dirty="0"/>
-              <a:t>Possibilità di non consegnare in tempo il Progetto, causa ritardo nella realizzazione delle singole parti del programma.</a:t>
-            </a:r>
-          </a:p>
-          <a:p>
-            <a:pPr marL="0" indent="0">
-              <a:buNone/>
+            <a:r>
+              <a:rPr kumimoji="0" lang="en-US" sz="2200" b="0" u="none" strike="noStrike" kern="1200" cap="none" spc="0" normalizeH="0" baseline="0" noProof="0" dirty="0">
+                <a:ln>
+                  <a:noFill/>
+                </a:ln>
+                <a:solidFill>
+                  <a:prstClr val="black"/>
+                </a:solidFill>
+                <a:effectLst>
+                  <a:outerShdw blurRad="38100" dist="38100" dir="2700000" algn="tl">
+                    <a:srgbClr val="000000">
+                      <a:alpha val="43137"/>
+                    </a:srgbClr>
+                  </a:outerShdw>
+                </a:effectLst>
+                <a:uLnTx/>
+                <a:uFillTx/>
+                <a:latin typeface="Calibri" panose="020F0502020204030204"/>
+                <a:ea typeface="+mn-ea"/>
+                <a:cs typeface="+mn-cs"/>
+              </a:rPr>
+              <a:t>Ruolo Dipendente </a:t>
+            </a:r>
+            <a:r>
+              <a:rPr lang="en-US" sz="2200" dirty="0">
+                <a:solidFill>
+                  <a:prstClr val="black"/>
+                </a:solidFill>
+                <a:effectLst>
+                  <a:outerShdw blurRad="38100" dist="38100" dir="2700000" algn="tl">
+                    <a:srgbClr val="000000">
+                      <a:alpha val="43137"/>
+                    </a:srgbClr>
+                  </a:outerShdw>
+                </a:effectLst>
+                <a:latin typeface="Calibri" panose="020F0502020204030204"/>
+              </a:rPr>
+              <a:t>Sbagliato</a:t>
+            </a:r>
+            <a:endParaRPr kumimoji="0" lang="en-US" sz="2200" b="0" u="none" strike="noStrike" kern="1200" cap="none" spc="0" normalizeH="0" noProof="0" dirty="0">
+              <a:ln>
+                <a:noFill/>
+              </a:ln>
+              <a:solidFill>
+                <a:prstClr val="black"/>
+              </a:solidFill>
+              <a:effectLst>
+                <a:outerShdw blurRad="38100" dist="38100" dir="2700000" algn="tl">
+                  <a:srgbClr val="000000">
+                    <a:alpha val="43137"/>
+                  </a:srgbClr>
+                </a:outerShdw>
+              </a:effectLst>
+              <a:uLnTx/>
+              <a:uFillTx/>
+              <a:latin typeface="Calibri" panose="020F0502020204030204"/>
+              <a:ea typeface="+mn-ea"/>
+              <a:cs typeface="+mn-cs"/>
+            </a:endParaRPr>
+          </a:p>
+          <a:p>
+            <a:pPr marR="0" lvl="1" algn="l" defTabSz="914400" rtl="0" eaLnBrk="1" fontAlgn="auto" latinLnBrk="0" hangingPunct="1">
+              <a:lnSpc>
+                <a:spcPct val="90000"/>
+              </a:lnSpc>
+              <a:spcBef>
+                <a:spcPts val="500"/>
+              </a:spcBef>
+              <a:spcAft>
+                <a:spcPts val="0"/>
+              </a:spcAft>
+              <a:buClrTx/>
+              <a:buSzTx/>
+              <a:buFont typeface="Wingdings" panose="05000000000000000000" pitchFamily="2" charset="2"/>
+              <a:buChar char="Ø"/>
+              <a:tabLst/>
+              <a:defRPr/>
             </a:pPr>
-            <a:endParaRPr lang="en-US" sz="2200" dirty="0"/>
-          </a:p>
-          <a:p>
-            <a:r>
-              <a:rPr lang="en-US" sz="2200" dirty="0"/>
-              <a:t>Difficoltà nell’intuire quali tool e pattern sono stati utilizzati nella stesura del progetto.</a:t>
-            </a:r>
-          </a:p>
-          <a:p>
-            <a:endParaRPr lang="en-US" sz="2000" dirty="0"/>
-          </a:p>
-          <a:p>
-            <a:endParaRPr lang="en-US" sz="2000" dirty="0"/>
+            <a:r>
+              <a:rPr kumimoji="0" lang="en-US" sz="1900" b="0" u="none" strike="noStrike" kern="1200" cap="none" spc="0" normalizeH="0" baseline="0" noProof="0" dirty="0">
+                <a:ln>
+                  <a:noFill/>
+                </a:ln>
+                <a:solidFill>
+                  <a:prstClr val="black"/>
+                </a:solidFill>
+                <a:uLnTx/>
+                <a:uFillTx/>
+                <a:latin typeface="Calibri" panose="020F0502020204030204"/>
+                <a:ea typeface="+mn-ea"/>
+                <a:cs typeface="+mn-cs"/>
+              </a:rPr>
+              <a:t>Il test riconosce come </a:t>
+            </a:r>
+            <a:r>
+              <a:rPr lang="en-US" sz="1900" dirty="0">
+                <a:solidFill>
+                  <a:prstClr val="black"/>
+                </a:solidFill>
+                <a:latin typeface="Calibri" panose="020F0502020204030204"/>
+              </a:rPr>
+              <a:t>sbagliato l’inserimento di un ruolo non corrispondente rispetto al dipendente della matriola dichiarata;</a:t>
+            </a:r>
+            <a:endParaRPr kumimoji="0" lang="en-US" sz="1900" b="0" u="none" strike="noStrike" kern="1200" cap="none" spc="0" normalizeH="0" baseline="0" noProof="0" dirty="0">
+              <a:ln>
+                <a:noFill/>
+              </a:ln>
+              <a:solidFill>
+                <a:prstClr val="black"/>
+              </a:solidFill>
+              <a:uLnTx/>
+              <a:uFillTx/>
+              <a:latin typeface="Calibri" panose="020F0502020204030204"/>
+              <a:ea typeface="+mn-ea"/>
+              <a:cs typeface="+mn-cs"/>
+            </a:endParaRPr>
+          </a:p>
+          <a:p>
+            <a:pPr marL="685800" marR="0" lvl="1" indent="-228600" algn="l" defTabSz="914400" rtl="0" eaLnBrk="1" fontAlgn="auto" latinLnBrk="0" hangingPunct="1">
+              <a:lnSpc>
+                <a:spcPct val="90000"/>
+              </a:lnSpc>
+              <a:spcBef>
+                <a:spcPts val="500"/>
+              </a:spcBef>
+              <a:spcAft>
+                <a:spcPts val="0"/>
+              </a:spcAft>
+              <a:buClrTx/>
+              <a:buSzTx/>
+              <a:buFont typeface="Wingdings" panose="05000000000000000000" pitchFamily="2" charset="2"/>
+              <a:buChar char="v"/>
+              <a:tabLst/>
+              <a:defRPr/>
+            </a:pPr>
+            <a:r>
+              <a:rPr kumimoji="0" lang="en-US" sz="2200" b="0" u="none" strike="noStrike" kern="1200" cap="none" spc="0" normalizeH="0" baseline="0" noProof="0" dirty="0">
+                <a:ln>
+                  <a:noFill/>
+                </a:ln>
+                <a:solidFill>
+                  <a:prstClr val="black"/>
+                </a:solidFill>
+                <a:effectLst>
+                  <a:outerShdw blurRad="38100" dist="38100" dir="2700000" algn="tl">
+                    <a:srgbClr val="000000">
+                      <a:alpha val="43137"/>
+                    </a:srgbClr>
+                  </a:outerShdw>
+                </a:effectLst>
+                <a:uLnTx/>
+                <a:uFillTx/>
+                <a:latin typeface="Calibri" panose="020F0502020204030204"/>
+                <a:ea typeface="+mn-ea"/>
+                <a:cs typeface="+mn-cs"/>
+              </a:rPr>
+              <a:t>Verbale Inesistente</a:t>
+            </a:r>
+          </a:p>
+          <a:p>
+            <a:pPr marR="0" lvl="1" algn="l" defTabSz="914400" rtl="0" eaLnBrk="1" fontAlgn="auto" latinLnBrk="0" hangingPunct="1">
+              <a:lnSpc>
+                <a:spcPct val="90000"/>
+              </a:lnSpc>
+              <a:spcBef>
+                <a:spcPts val="500"/>
+              </a:spcBef>
+              <a:spcAft>
+                <a:spcPts val="0"/>
+              </a:spcAft>
+              <a:buClrTx/>
+              <a:buSzTx/>
+              <a:buFont typeface="Wingdings" panose="05000000000000000000" pitchFamily="2" charset="2"/>
+              <a:buChar char="Ø"/>
+              <a:tabLst/>
+              <a:defRPr/>
+            </a:pPr>
+            <a:r>
+              <a:rPr kumimoji="0" lang="en-US" sz="1900" b="0" u="none" strike="noStrike" kern="1200" cap="none" spc="0" normalizeH="0" baseline="0" noProof="0" dirty="0">
+                <a:ln>
+                  <a:noFill/>
+                </a:ln>
+                <a:solidFill>
+                  <a:prstClr val="black"/>
+                </a:solidFill>
+                <a:uLnTx/>
+                <a:uFillTx/>
+                <a:latin typeface="Calibri" panose="020F0502020204030204"/>
+                <a:ea typeface="+mn-ea"/>
+                <a:cs typeface="+mn-cs"/>
+              </a:rPr>
+              <a:t>Inserito un codice operazione non archiviato/insesistente, il test verifica che non esiste Nessun verbale medico associato;</a:t>
+            </a:r>
+          </a:p>
+          <a:p>
+            <a:pPr marL="685800" marR="0" lvl="1" indent="-228600" algn="l" defTabSz="914400" rtl="0" eaLnBrk="1" fontAlgn="auto" latinLnBrk="0" hangingPunct="1">
+              <a:lnSpc>
+                <a:spcPct val="90000"/>
+              </a:lnSpc>
+              <a:spcBef>
+                <a:spcPts val="500"/>
+              </a:spcBef>
+              <a:spcAft>
+                <a:spcPts val="0"/>
+              </a:spcAft>
+              <a:buClrTx/>
+              <a:buSzTx/>
+              <a:buFont typeface="Wingdings" panose="05000000000000000000" pitchFamily="2" charset="2"/>
+              <a:buChar char="v"/>
+              <a:tabLst/>
+              <a:defRPr/>
+            </a:pPr>
+            <a:r>
+              <a:rPr kumimoji="0" lang="en-US" sz="2200" b="0" u="none" strike="noStrike" kern="1200" cap="none" spc="0" normalizeH="0" baseline="0" noProof="0" dirty="0">
+                <a:ln>
+                  <a:noFill/>
+                </a:ln>
+                <a:solidFill>
+                  <a:prstClr val="black"/>
+                </a:solidFill>
+                <a:effectLst>
+                  <a:outerShdw blurRad="38100" dist="38100" dir="2700000" algn="tl">
+                    <a:srgbClr val="000000">
+                      <a:alpha val="43137"/>
+                    </a:srgbClr>
+                  </a:outerShdw>
+                </a:effectLst>
+                <a:uLnTx/>
+                <a:uFillTx/>
+                <a:latin typeface="Calibri" panose="020F0502020204030204"/>
+                <a:ea typeface="+mn-ea"/>
+                <a:cs typeface="+mn-cs"/>
+              </a:rPr>
+              <a:t>Salvataggio Operazione</a:t>
+            </a:r>
+          </a:p>
+          <a:p>
+            <a:pPr marR="0" lvl="1" algn="l" defTabSz="914400" rtl="0" eaLnBrk="1" fontAlgn="auto" latinLnBrk="0" hangingPunct="1">
+              <a:lnSpc>
+                <a:spcPct val="90000"/>
+              </a:lnSpc>
+              <a:spcBef>
+                <a:spcPts val="500"/>
+              </a:spcBef>
+              <a:spcAft>
+                <a:spcPts val="0"/>
+              </a:spcAft>
+              <a:buClrTx/>
+              <a:buSzTx/>
+              <a:buFont typeface="Wingdings" panose="05000000000000000000" pitchFamily="2" charset="2"/>
+              <a:buChar char="Ø"/>
+              <a:tabLst/>
+              <a:defRPr/>
+            </a:pPr>
+            <a:r>
+              <a:rPr kumimoji="0" lang="en-US" sz="1900" b="0" i="1" u="none" strike="noStrike" kern="1200" cap="none" spc="0" normalizeH="0" baseline="0" noProof="0" dirty="0">
+                <a:ln>
+                  <a:noFill/>
+                </a:ln>
+                <a:solidFill>
+                  <a:prstClr val="black"/>
+                </a:solidFill>
+                <a:uLnTx/>
+                <a:uFillTx/>
+                <a:latin typeface="Calibri" panose="020F0502020204030204"/>
+                <a:ea typeface="+mn-ea"/>
+                <a:cs typeface="+mn-cs"/>
+              </a:rPr>
+              <a:t>SalvataggioOperazioneFallito,</a:t>
+            </a:r>
+            <a:r>
+              <a:rPr kumimoji="0" lang="en-US" sz="1900" b="0" u="none" strike="noStrike" kern="1200" cap="none" spc="0" normalizeH="0" baseline="0" noProof="0" dirty="0">
+                <a:ln>
+                  <a:noFill/>
+                </a:ln>
+                <a:solidFill>
+                  <a:prstClr val="black"/>
+                </a:solidFill>
+                <a:uLnTx/>
+                <a:uFillTx/>
+                <a:latin typeface="Calibri" panose="020F0502020204030204"/>
+                <a:ea typeface="+mn-ea"/>
+                <a:cs typeface="+mn-cs"/>
+              </a:rPr>
+              <a:t> si vuole simulare il salvataggio di un’operazione che fallisce, per mancanza di valori obbligatori;</a:t>
+            </a:r>
+          </a:p>
+          <a:p>
+            <a:pPr marR="0" lvl="1" algn="l" defTabSz="914400" rtl="0" eaLnBrk="1" fontAlgn="auto" latinLnBrk="0" hangingPunct="1">
+              <a:lnSpc>
+                <a:spcPct val="90000"/>
+              </a:lnSpc>
+              <a:spcBef>
+                <a:spcPts val="500"/>
+              </a:spcBef>
+              <a:spcAft>
+                <a:spcPts val="0"/>
+              </a:spcAft>
+              <a:buClrTx/>
+              <a:buSzTx/>
+              <a:buFont typeface="Wingdings" panose="05000000000000000000" pitchFamily="2" charset="2"/>
+              <a:buChar char="Ø"/>
+              <a:tabLst/>
+              <a:defRPr/>
+            </a:pPr>
+            <a:r>
+              <a:rPr lang="en-US" sz="1900" i="1" dirty="0">
+                <a:solidFill>
+                  <a:prstClr val="black"/>
+                </a:solidFill>
+                <a:latin typeface="Calibri" panose="020F0502020204030204"/>
+              </a:rPr>
+              <a:t>SalvataggioOperazioneRiuscito</a:t>
+            </a:r>
+            <a:r>
+              <a:rPr lang="en-US" sz="1900" dirty="0">
+                <a:solidFill>
+                  <a:prstClr val="black"/>
+                </a:solidFill>
+                <a:latin typeface="Calibri" panose="020F0502020204030204"/>
+              </a:rPr>
+              <a:t>, inseriti un insieme di valori d’operazione e il suddetto codice operazionale, il test salva tale operazione e, nel confronto con i valori salvati, ogni componente corrisponde;</a:t>
+            </a:r>
+          </a:p>
+          <a:p>
+            <a:pPr marR="0" lvl="1" algn="l" defTabSz="914400" rtl="0" eaLnBrk="1" fontAlgn="auto" latinLnBrk="0" hangingPunct="1">
+              <a:lnSpc>
+                <a:spcPct val="90000"/>
+              </a:lnSpc>
+              <a:spcBef>
+                <a:spcPts val="500"/>
+              </a:spcBef>
+              <a:spcAft>
+                <a:spcPts val="0"/>
+              </a:spcAft>
+              <a:buClrTx/>
+              <a:buSzTx/>
+              <a:buFont typeface="Wingdings" panose="05000000000000000000" pitchFamily="2" charset="2"/>
+              <a:buChar char="Ø"/>
+              <a:tabLst/>
+              <a:defRPr/>
+            </a:pPr>
+            <a:r>
+              <a:rPr lang="en-US" sz="1900" i="1" dirty="0">
+                <a:solidFill>
+                  <a:prstClr val="black"/>
+                </a:solidFill>
+                <a:latin typeface="Calibri" panose="020F0502020204030204"/>
+              </a:rPr>
+              <a:t>SalvataggioOperazioneMedicoInesistente</a:t>
+            </a:r>
+            <a:r>
+              <a:rPr lang="en-US" sz="1900" dirty="0">
+                <a:solidFill>
+                  <a:prstClr val="black"/>
+                </a:solidFill>
+                <a:latin typeface="Calibri" panose="020F0502020204030204"/>
+              </a:rPr>
+              <a:t>, test che simula il salvataggio di un’operazione ma che fallisce, per l’inserimento erratto della matricola del medico;</a:t>
+            </a:r>
+            <a:endParaRPr lang="en-US" sz="2000" i="1" dirty="0"/>
           </a:p>
         </p:txBody>
       </p:sp>
@@ -31329,38 +31110,38 @@
         </p:nvSpPr>
         <p:spPr>
           <a:xfrm>
-            <a:off x="10303297" y="6189685"/>
-            <a:ext cx="1468079" cy="609924"/>
+            <a:off x="8610600" y="6356350"/>
+            <a:ext cx="2743200" cy="365125"/>
           </a:xfrm>
         </p:spPr>
         <p:txBody>
-          <a:bodyPr vert="horz" lIns="91440" tIns="45720" rIns="91440" bIns="45720" rtlCol="0">
-            <a:normAutofit/>
+          <a:bodyPr rtlCol="0">
+            <a:noAutofit/>
           </a:bodyPr>
           <a:lstStyle/>
           <a:p>
-            <a:pPr>
+            <a:pPr rtl="0">
               <a:spcAft>
                 <a:spcPts val="600"/>
               </a:spcAft>
             </a:pPr>
             <a:fld id="{B5CEABB6-07DC-46E8-9B57-56EC44A396E5}" type="slidenum">
-              <a:rPr lang="en-US" sz="1800" b="1" smtClean="0"/>
-              <a:pPr>
+              <a:rPr lang="it-IT" sz="1800" b="1" smtClean="0"/>
+              <a:pPr rtl="0">
                 <a:spcAft>
                   <a:spcPts val="600"/>
                 </a:spcAft>
               </a:pPr>
-              <a:t>3</a:t>
+              <a:t>24</a:t>
             </a:fld>
-            <a:endParaRPr lang="en-US" sz="1800" b="1" dirty="0"/>
+            <a:endParaRPr lang="it-IT" sz="1800" b="1" dirty="0"/>
           </a:p>
         </p:txBody>
       </p:sp>
     </p:spTree>
     <p:extLst>
       <p:ext uri="{BB962C8B-B14F-4D97-AF65-F5344CB8AC3E}">
-        <p14:creationId xmlns:p14="http://schemas.microsoft.com/office/powerpoint/2010/main" val="1249612630"/>
+        <p14:creationId xmlns:p14="http://schemas.microsoft.com/office/powerpoint/2010/main" val="2689722702"/>
       </p:ext>
     </p:extLst>
   </p:cSld>
@@ -31370,7 +31151,7 @@
 </p:sld>
 </file>
 
-<file path=ppt/slides/slide4.xml><?xml version="1.0" encoding="utf-8"?>
+<file path=ppt/slides/slide3.xml><?xml version="1.0" encoding="utf-8"?>
 <p:sld xmlns:a="http://schemas.openxmlformats.org/drawingml/2006/main" xmlns:r="http://schemas.openxmlformats.org/officeDocument/2006/relationships" xmlns:p="http://schemas.openxmlformats.org/presentationml/2006/main">
   <p:cSld>
     <p:bg>
@@ -31484,23 +31265,9 @@
           <a:lstStyle/>
           <a:p>
             <a:r>
-              <a:rPr kumimoji="0" lang="it-IT" sz="5400" b="1" i="0" u="none" strike="noStrike" kern="1200" cap="none" spc="0" normalizeH="0" baseline="0" noProof="0" dirty="0">
-                <a:ln>
-                  <a:noFill/>
-                </a:ln>
-                <a:solidFill>
-                  <a:prstClr val="black"/>
-                </a:solidFill>
-                <a:effectLst/>
-                <a:uLnTx/>
-                <a:uFillTx/>
-                <a:latin typeface="Calibri Light" panose="020F0302020204030204"/>
-                <a:ea typeface="+mj-ea"/>
-                <a:cs typeface="+mj-cs"/>
-              </a:rPr>
-              <a:t>Paradigma di Programmazione</a:t>
-            </a:r>
-            <a:endParaRPr lang="en-US" sz="5400" b="1" dirty="0"/>
+              <a:rPr lang="en-US" sz="5400" b="1" dirty="0"/>
+              <a:t>Difficoltà Incontrate</a:t>
+            </a:r>
           </a:p>
         </p:txBody>
       </p:sp>
@@ -32142,38 +31909,117 @@
           </a:p>
         </p:txBody>
       </p:sp>
-      <p:pic>
-        <p:nvPicPr>
-          <p:cNvPr id="3" name="Segnaposto contenuto 2">
+      <p:sp>
+        <p:nvSpPr>
+          <p:cNvPr id="4" name="Content Placeholder 3">
             <a:extLst>
               <a:ext uri="{FF2B5EF4-FFF2-40B4-BE49-F238E27FC236}">
-                <a16:creationId xmlns:a16="http://schemas.microsoft.com/office/drawing/2014/main" id="{B8057E78-C79B-B48E-DB48-B7F3C18B6C3F}"/>
+                <a16:creationId xmlns:a16="http://schemas.microsoft.com/office/drawing/2014/main" id="{0B9BE06A-2A10-766E-30FB-68BA1AE33F20}"/>
               </a:ext>
             </a:extLst>
           </p:cNvPr>
-          <p:cNvPicPr>
-            <a:picLocks noGrp="1" noChangeAspect="1"/>
-          </p:cNvPicPr>
+          <p:cNvSpPr>
+            <a:spLocks noGrp="1"/>
+          </p:cNvSpPr>
           <p:nvPr>
             <p:ph idx="1"/>
           </p:nvPr>
-        </p:nvPicPr>
-        <p:blipFill>
-          <a:blip r:embed="rId3"/>
-          <a:stretch>
-            <a:fillRect/>
-          </a:stretch>
-        </p:blipFill>
+        </p:nvSpPr>
         <p:spPr>
           <a:xfrm>
-            <a:off x="581899" y="1928061"/>
-            <a:ext cx="3355619" cy="2376000"/>
+            <a:off x="838200" y="1929383"/>
+            <a:ext cx="10515600" cy="4435476"/>
           </a:xfrm>
-          <a:prstGeom prst="rect">
-            <a:avLst/>
-          </a:prstGeom>
         </p:spPr>
-      </p:pic>
+        <p:txBody>
+          <a:bodyPr vert="horz" lIns="91440" tIns="45720" rIns="91440" bIns="45720" rtlCol="0">
+            <a:normAutofit fontScale="92500" lnSpcReduction="10000"/>
+          </a:bodyPr>
+          <a:lstStyle/>
+          <a:p>
+            <a:pPr marL="0" indent="0">
+              <a:buNone/>
+            </a:pPr>
+            <a:r>
+              <a:rPr lang="en-US" sz="2200" dirty="0"/>
+              <a:t>Le principali difficolà, incontrate durante la stesura del Progetto, </a:t>
+            </a:r>
+            <a:r>
+              <a:rPr lang="en-US" sz="2200" dirty="0" err="1"/>
+              <a:t>riguardano</a:t>
+            </a:r>
+            <a:r>
+              <a:rPr lang="en-US" sz="2200" dirty="0"/>
+              <a:t>:</a:t>
+            </a:r>
+          </a:p>
+          <a:p>
+            <a:pPr marL="0" indent="0">
+              <a:buNone/>
+            </a:pPr>
+            <a:endParaRPr lang="en-US" sz="2200" dirty="0"/>
+          </a:p>
+          <a:p>
+            <a:r>
+              <a:rPr lang="en-US" sz="2200" dirty="0"/>
+              <a:t>Coordinamento tra i componenti del team, soprattutto a livello temporale e gestione del lavoro. </a:t>
+            </a:r>
+          </a:p>
+          <a:p>
+            <a:endParaRPr lang="en-US" sz="2200" dirty="0"/>
+          </a:p>
+          <a:p>
+            <a:r>
+              <a:rPr lang="en-US" sz="2200" dirty="0"/>
+              <a:t>Ottenere un programma software che risponda a tutti i requisiti (del Sistema e </a:t>
+            </a:r>
+            <a:r>
+              <a:rPr lang="en-US" sz="2200" dirty="0" err="1"/>
+              <a:t>dell’utente</a:t>
+            </a:r>
+            <a:r>
+              <a:rPr lang="en-US" sz="2200" dirty="0"/>
+              <a:t>).</a:t>
+            </a:r>
+          </a:p>
+          <a:p>
+            <a:endParaRPr lang="en-US" sz="2200" dirty="0"/>
+          </a:p>
+          <a:p>
+            <a:r>
+              <a:rPr lang="en-US" sz="2200" dirty="0"/>
+              <a:t>Conflitto nell’utilizzo di GitHub.</a:t>
+            </a:r>
+          </a:p>
+          <a:p>
+            <a:endParaRPr lang="en-US" sz="2200" dirty="0"/>
+          </a:p>
+          <a:p>
+            <a:r>
+              <a:rPr lang="en-US" sz="2200" dirty="0"/>
+              <a:t>Possibilità di non consegnare in tempo il Progetto, causa ritardo nella realizzazione delle singole parti del programma.</a:t>
+            </a:r>
+          </a:p>
+          <a:p>
+            <a:pPr marL="0" indent="0">
+              <a:buNone/>
+            </a:pPr>
+            <a:endParaRPr lang="en-US" sz="2200" dirty="0"/>
+          </a:p>
+          <a:p>
+            <a:r>
+              <a:rPr lang="en-US" sz="2200" dirty="0"/>
+              <a:t>Difficoltà nell’intuire quali tool e pattern sono stati utilizzati nella stesura del progetto.</a:t>
+            </a:r>
+          </a:p>
+          <a:p>
+            <a:endParaRPr lang="en-US" sz="2000" dirty="0"/>
+          </a:p>
+          <a:p>
+            <a:endParaRPr lang="en-US" sz="2000" dirty="0"/>
+          </a:p>
+        </p:txBody>
+      </p:sp>
       <p:sp>
         <p:nvSpPr>
           <p:cNvPr id="82" name="Segnaposto numero diapositiva 81">
@@ -32192,8 +32038,8 @@
         </p:nvSpPr>
         <p:spPr>
           <a:xfrm>
-            <a:off x="8610600" y="6140374"/>
-            <a:ext cx="2743200" cy="581101"/>
+            <a:off x="10303297" y="6189685"/>
+            <a:ext cx="1468079" cy="609924"/>
           </a:xfrm>
         </p:spPr>
         <p:txBody>
@@ -32214,181 +32060,16 @@
                   <a:spcPts val="600"/>
                 </a:spcAft>
               </a:pPr>
-              <a:t>4</a:t>
+              <a:t>3</a:t>
             </a:fld>
             <a:endParaRPr lang="en-US" sz="1800" b="1" dirty="0"/>
-          </a:p>
-        </p:txBody>
-      </p:sp>
-      <p:pic>
-        <p:nvPicPr>
-          <p:cNvPr id="6" name="Immagine 5">
-            <a:extLst>
-              <a:ext uri="{FF2B5EF4-FFF2-40B4-BE49-F238E27FC236}">
-                <a16:creationId xmlns:a16="http://schemas.microsoft.com/office/drawing/2014/main" id="{DE0CC97B-A6DE-8CA6-E657-2E691E6C3F77}"/>
-              </a:ext>
-            </a:extLst>
-          </p:cNvPr>
-          <p:cNvPicPr>
-            <a:picLocks noChangeAspect="1"/>
-          </p:cNvPicPr>
-          <p:nvPr/>
-        </p:nvPicPr>
-        <p:blipFill>
-          <a:blip r:embed="rId4"/>
-          <a:stretch>
-            <a:fillRect/>
-          </a:stretch>
-        </p:blipFill>
-        <p:spPr>
-          <a:xfrm>
-            <a:off x="5105431" y="1985560"/>
-            <a:ext cx="2438400" cy="2438400"/>
-          </a:xfrm>
-          <a:prstGeom prst="rect">
-            <a:avLst/>
-          </a:prstGeom>
-        </p:spPr>
-      </p:pic>
-      <p:pic>
-        <p:nvPicPr>
-          <p:cNvPr id="7" name="Immagine 6">
-            <a:extLst>
-              <a:ext uri="{FF2B5EF4-FFF2-40B4-BE49-F238E27FC236}">
-                <a16:creationId xmlns:a16="http://schemas.microsoft.com/office/drawing/2014/main" id="{7AE3E7A1-BEDB-D97B-216D-E3415BE206FD}"/>
-              </a:ext>
-            </a:extLst>
-          </p:cNvPr>
-          <p:cNvPicPr>
-            <a:picLocks noChangeAspect="1"/>
-          </p:cNvPicPr>
-          <p:nvPr/>
-        </p:nvPicPr>
-        <p:blipFill>
-          <a:blip r:embed="rId5"/>
-          <a:stretch>
-            <a:fillRect/>
-          </a:stretch>
-        </p:blipFill>
-        <p:spPr>
-          <a:xfrm>
-            <a:off x="9017964" y="1892061"/>
-            <a:ext cx="2448000" cy="2448000"/>
-          </a:xfrm>
-          <a:prstGeom prst="rect">
-            <a:avLst/>
-          </a:prstGeom>
-        </p:spPr>
-      </p:pic>
-      <p:sp>
-        <p:nvSpPr>
-          <p:cNvPr id="5" name="CasellaDiTesto 4">
-            <a:extLst>
-              <a:ext uri="{FF2B5EF4-FFF2-40B4-BE49-F238E27FC236}">
-                <a16:creationId xmlns:a16="http://schemas.microsoft.com/office/drawing/2014/main" id="{94653B8F-ADAC-D01C-5C88-2E369E0B3234}"/>
-              </a:ext>
-            </a:extLst>
-          </p:cNvPr>
-          <p:cNvSpPr txBox="1"/>
-          <p:nvPr/>
-        </p:nvSpPr>
-        <p:spPr>
-          <a:xfrm>
-            <a:off x="1595534" y="4811295"/>
-            <a:ext cx="1073021" cy="369332"/>
-          </a:xfrm>
-          <a:prstGeom prst="rect">
-            <a:avLst/>
-          </a:prstGeom>
-          <a:noFill/>
-        </p:spPr>
-        <p:txBody>
-          <a:bodyPr wrap="square" rtlCol="0">
-            <a:spAutoFit/>
-          </a:bodyPr>
-          <a:lstStyle/>
-          <a:p>
-            <a:r>
-              <a:rPr lang="it-IT" dirty="0"/>
-              <a:t>StarUML</a:t>
-            </a:r>
-          </a:p>
-        </p:txBody>
-      </p:sp>
-      <p:sp>
-        <p:nvSpPr>
-          <p:cNvPr id="8" name="CasellaDiTesto 7">
-            <a:extLst>
-              <a:ext uri="{FF2B5EF4-FFF2-40B4-BE49-F238E27FC236}">
-                <a16:creationId xmlns:a16="http://schemas.microsoft.com/office/drawing/2014/main" id="{364845DF-E527-AE8E-132D-4C86AC60FCAB}"/>
-              </a:ext>
-            </a:extLst>
-          </p:cNvPr>
-          <p:cNvSpPr txBox="1"/>
-          <p:nvPr/>
-        </p:nvSpPr>
-        <p:spPr>
-          <a:xfrm>
-            <a:off x="5592178" y="4811295"/>
-            <a:ext cx="1464906" cy="369332"/>
-          </a:xfrm>
-          <a:prstGeom prst="rect">
-            <a:avLst/>
-          </a:prstGeom>
-          <a:noFill/>
-        </p:spPr>
-        <p:txBody>
-          <a:bodyPr wrap="square" rtlCol="0">
-            <a:spAutoFit/>
-          </a:bodyPr>
-          <a:lstStyle/>
-          <a:p>
-            <a:r>
-              <a:rPr lang="it-IT" dirty="0"/>
-              <a:t>Eclipse IDE</a:t>
-            </a:r>
-          </a:p>
-        </p:txBody>
-      </p:sp>
-      <p:sp>
-        <p:nvSpPr>
-          <p:cNvPr id="9" name="CasellaDiTesto 8">
-            <a:extLst>
-              <a:ext uri="{FF2B5EF4-FFF2-40B4-BE49-F238E27FC236}">
-                <a16:creationId xmlns:a16="http://schemas.microsoft.com/office/drawing/2014/main" id="{DAA31704-DD1F-62C0-B9AA-B224EB28798B}"/>
-              </a:ext>
-            </a:extLst>
-          </p:cNvPr>
-          <p:cNvSpPr txBox="1"/>
-          <p:nvPr/>
-        </p:nvSpPr>
-        <p:spPr>
-          <a:xfrm>
-            <a:off x="9187776" y="4811295"/>
-            <a:ext cx="861293" cy="369332"/>
-          </a:xfrm>
-          <a:prstGeom prst="rect">
-            <a:avLst/>
-          </a:prstGeom>
-          <a:noFill/>
-        </p:spPr>
-        <p:txBody>
-          <a:bodyPr wrap="square" rtlCol="0">
-            <a:spAutoFit/>
-          </a:bodyPr>
-          <a:lstStyle/>
-          <a:p>
-            <a:r>
-              <a:rPr lang="it-IT" dirty="0"/>
-              <a:t>GitHub</a:t>
-            </a:r>
           </a:p>
         </p:txBody>
       </p:sp>
     </p:spTree>
     <p:extLst>
       <p:ext uri="{BB962C8B-B14F-4D97-AF65-F5344CB8AC3E}">
-        <p14:creationId xmlns:p14="http://schemas.microsoft.com/office/powerpoint/2010/main" val="4188911557"/>
+        <p14:creationId xmlns:p14="http://schemas.microsoft.com/office/powerpoint/2010/main" val="1249612630"/>
       </p:ext>
     </p:extLst>
   </p:cSld>
@@ -32398,7 +32079,7 @@
 </p:sld>
 </file>
 
-<file path=ppt/slides/slide5.xml><?xml version="1.0" encoding="utf-8"?>
+<file path=ppt/slides/slide4.xml><?xml version="1.0" encoding="utf-8"?>
 <p:sld xmlns:a="http://schemas.openxmlformats.org/drawingml/2006/main" xmlns:r="http://schemas.openxmlformats.org/officeDocument/2006/relationships" xmlns:p="http://schemas.openxmlformats.org/presentationml/2006/main">
   <p:cSld>
     <p:bg>
@@ -32526,7 +32207,7 @@
                 <a:ea typeface="+mj-ea"/>
                 <a:cs typeface="+mj-cs"/>
               </a:rPr>
-              <a:t>Paradigma di Programmazione: Tools</a:t>
+              <a:t>Paradigma di Programmazione</a:t>
             </a:r>
             <a:endParaRPr lang="en-US" sz="5400" b="1" dirty="0"/>
           </a:p>
@@ -33170,6 +32851,38 @@
           </a:p>
         </p:txBody>
       </p:sp>
+      <p:pic>
+        <p:nvPicPr>
+          <p:cNvPr id="3" name="Segnaposto contenuto 2">
+            <a:extLst>
+              <a:ext uri="{FF2B5EF4-FFF2-40B4-BE49-F238E27FC236}">
+                <a16:creationId xmlns:a16="http://schemas.microsoft.com/office/drawing/2014/main" id="{B8057E78-C79B-B48E-DB48-B7F3C18B6C3F}"/>
+              </a:ext>
+            </a:extLst>
+          </p:cNvPr>
+          <p:cNvPicPr>
+            <a:picLocks noGrp="1" noChangeAspect="1"/>
+          </p:cNvPicPr>
+          <p:nvPr>
+            <p:ph idx="1"/>
+          </p:nvPr>
+        </p:nvPicPr>
+        <p:blipFill>
+          <a:blip r:embed="rId3"/>
+          <a:stretch>
+            <a:fillRect/>
+          </a:stretch>
+        </p:blipFill>
+        <p:spPr>
+          <a:xfrm>
+            <a:off x="581899" y="1928061"/>
+            <a:ext cx="3355619" cy="2376000"/>
+          </a:xfrm>
+          <a:prstGeom prst="rect">
+            <a:avLst/>
+          </a:prstGeom>
+        </p:spPr>
+      </p:pic>
       <p:sp>
         <p:nvSpPr>
           <p:cNvPr id="82" name="Segnaposto numero diapositiva 81">
@@ -33210,18 +32923,78 @@
                   <a:spcPts val="600"/>
                 </a:spcAft>
               </a:pPr>
-              <a:t>5</a:t>
+              <a:t>4</a:t>
             </a:fld>
             <a:endParaRPr lang="en-US" sz="1800" b="1" dirty="0"/>
           </a:p>
         </p:txBody>
       </p:sp>
+      <p:pic>
+        <p:nvPicPr>
+          <p:cNvPr id="6" name="Immagine 5">
+            <a:extLst>
+              <a:ext uri="{FF2B5EF4-FFF2-40B4-BE49-F238E27FC236}">
+                <a16:creationId xmlns:a16="http://schemas.microsoft.com/office/drawing/2014/main" id="{DE0CC97B-A6DE-8CA6-E657-2E691E6C3F77}"/>
+              </a:ext>
+            </a:extLst>
+          </p:cNvPr>
+          <p:cNvPicPr>
+            <a:picLocks noChangeAspect="1"/>
+          </p:cNvPicPr>
+          <p:nvPr/>
+        </p:nvPicPr>
+        <p:blipFill>
+          <a:blip r:embed="rId4"/>
+          <a:stretch>
+            <a:fillRect/>
+          </a:stretch>
+        </p:blipFill>
+        <p:spPr>
+          <a:xfrm>
+            <a:off x="5105431" y="1985560"/>
+            <a:ext cx="2438400" cy="2438400"/>
+          </a:xfrm>
+          <a:prstGeom prst="rect">
+            <a:avLst/>
+          </a:prstGeom>
+        </p:spPr>
+      </p:pic>
+      <p:pic>
+        <p:nvPicPr>
+          <p:cNvPr id="7" name="Immagine 6">
+            <a:extLst>
+              <a:ext uri="{FF2B5EF4-FFF2-40B4-BE49-F238E27FC236}">
+                <a16:creationId xmlns:a16="http://schemas.microsoft.com/office/drawing/2014/main" id="{7AE3E7A1-BEDB-D97B-216D-E3415BE206FD}"/>
+              </a:ext>
+            </a:extLst>
+          </p:cNvPr>
+          <p:cNvPicPr>
+            <a:picLocks noChangeAspect="1"/>
+          </p:cNvPicPr>
+          <p:nvPr/>
+        </p:nvPicPr>
+        <p:blipFill>
+          <a:blip r:embed="rId5"/>
+          <a:stretch>
+            <a:fillRect/>
+          </a:stretch>
+        </p:blipFill>
+        <p:spPr>
+          <a:xfrm>
+            <a:off x="9017964" y="1892061"/>
+            <a:ext cx="2448000" cy="2448000"/>
+          </a:xfrm>
+          <a:prstGeom prst="rect">
+            <a:avLst/>
+          </a:prstGeom>
+        </p:spPr>
+      </p:pic>
       <p:sp>
         <p:nvSpPr>
-          <p:cNvPr id="11" name="CasellaDiTesto 10">
+          <p:cNvPr id="5" name="CasellaDiTesto 4">
             <a:extLst>
               <a:ext uri="{FF2B5EF4-FFF2-40B4-BE49-F238E27FC236}">
-                <a16:creationId xmlns:a16="http://schemas.microsoft.com/office/drawing/2014/main" id="{C1C708C4-D7EC-7ED8-A397-AF1F95BF1686}"/>
+                <a16:creationId xmlns:a16="http://schemas.microsoft.com/office/drawing/2014/main" id="{94653B8F-ADAC-D01C-5C88-2E369E0B3234}"/>
               </a:ext>
             </a:extLst>
           </p:cNvPr>
@@ -33230,8 +33003,8 @@
         </p:nvSpPr>
         <p:spPr>
           <a:xfrm>
-            <a:off x="838200" y="1884037"/>
-            <a:ext cx="10684764" cy="5047536"/>
+            <a:off x="1595534" y="4811295"/>
+            <a:ext cx="1073021" cy="369332"/>
           </a:xfrm>
           <a:prstGeom prst="rect">
             <a:avLst/>
@@ -33244,213 +33017,87 @@
           </a:bodyPr>
           <a:lstStyle/>
           <a:p>
-            <a:pPr marL="285750" indent="-285750">
-              <a:buFont typeface="Arial" panose="020B0604020202020204" pitchFamily="34" charset="0"/>
-              <a:buChar char="•"/>
-            </a:pPr>
-            <a:r>
-              <a:rPr lang="it-IT" sz="1900" dirty="0"/>
-              <a:t>Utilizzo di </a:t>
-            </a:r>
-            <a:r>
-              <a:rPr lang="it-IT" sz="1900" b="1" dirty="0"/>
+            <a:r>
+              <a:rPr lang="it-IT" dirty="0"/>
+              <a:t>StarUML</a:t>
+            </a:r>
+          </a:p>
+        </p:txBody>
+      </p:sp>
+      <p:sp>
+        <p:nvSpPr>
+          <p:cNvPr id="8" name="CasellaDiTesto 7">
+            <a:extLst>
+              <a:ext uri="{FF2B5EF4-FFF2-40B4-BE49-F238E27FC236}">
+                <a16:creationId xmlns:a16="http://schemas.microsoft.com/office/drawing/2014/main" id="{364845DF-E527-AE8E-132D-4C86AC60FCAB}"/>
+              </a:ext>
+            </a:extLst>
+          </p:cNvPr>
+          <p:cNvSpPr txBox="1"/>
+          <p:nvPr/>
+        </p:nvSpPr>
+        <p:spPr>
+          <a:xfrm>
+            <a:off x="5592178" y="4811295"/>
+            <a:ext cx="1464906" cy="369332"/>
+          </a:xfrm>
+          <a:prstGeom prst="rect">
+            <a:avLst/>
+          </a:prstGeom>
+          <a:noFill/>
+        </p:spPr>
+        <p:txBody>
+          <a:bodyPr wrap="square" rtlCol="0">
+            <a:spAutoFit/>
+          </a:bodyPr>
+          <a:lstStyle/>
+          <a:p>
+            <a:r>
+              <a:rPr lang="it-IT" dirty="0"/>
+              <a:t>Eclipse IDE</a:t>
+            </a:r>
+          </a:p>
+        </p:txBody>
+      </p:sp>
+      <p:sp>
+        <p:nvSpPr>
+          <p:cNvPr id="9" name="CasellaDiTesto 8">
+            <a:extLst>
+              <a:ext uri="{FF2B5EF4-FFF2-40B4-BE49-F238E27FC236}">
+                <a16:creationId xmlns:a16="http://schemas.microsoft.com/office/drawing/2014/main" id="{DAA31704-DD1F-62C0-B9AA-B224EB28798B}"/>
+              </a:ext>
+            </a:extLst>
+          </p:cNvPr>
+          <p:cNvSpPr txBox="1"/>
+          <p:nvPr/>
+        </p:nvSpPr>
+        <p:spPr>
+          <a:xfrm>
+            <a:off x="9187776" y="4811295"/>
+            <a:ext cx="861293" cy="369332"/>
+          </a:xfrm>
+          <a:prstGeom prst="rect">
+            <a:avLst/>
+          </a:prstGeom>
+          <a:noFill/>
+        </p:spPr>
+        <p:txBody>
+          <a:bodyPr wrap="square" rtlCol="0">
+            <a:spAutoFit/>
+          </a:bodyPr>
+          <a:lstStyle/>
+          <a:p>
+            <a:r>
+              <a:rPr lang="it-IT" dirty="0"/>
               <a:t>GitHub</a:t>
             </a:r>
-            <a:r>
-              <a:rPr lang="it-IT" sz="1900" dirty="0"/>
-              <a:t> come strumento prescelto al coordinamento tra i membri del team, ma anche per tenere traccia di tutti i componenti e le modifiche apportate (si sfruttano </a:t>
-            </a:r>
-            <a:r>
-              <a:rPr lang="it-IT" sz="1900" i="1" dirty="0"/>
-              <a:t>issue </a:t>
-            </a:r>
-            <a:r>
-              <a:rPr lang="it-IT" sz="1900" dirty="0"/>
-              <a:t>e </a:t>
-            </a:r>
-            <a:r>
-              <a:rPr lang="it-IT" sz="1900" i="1" dirty="0"/>
-              <a:t>branch </a:t>
-            </a:r>
-            <a:r>
-              <a:rPr lang="it-IT" sz="1900" dirty="0"/>
-              <a:t>per organizzare meglio il lavoro di squadra).</a:t>
-            </a:r>
-          </a:p>
-          <a:p>
-            <a:pPr marL="285750" indent="-285750">
-              <a:buFont typeface="Arial" panose="020B0604020202020204" pitchFamily="34" charset="0"/>
-              <a:buChar char="•"/>
-            </a:pPr>
-            <a:endParaRPr lang="it-IT" sz="1900" dirty="0"/>
-          </a:p>
-          <a:p>
-            <a:pPr marL="285750" indent="-285750">
-              <a:buFont typeface="Arial" panose="020B0604020202020204" pitchFamily="34" charset="0"/>
-              <a:buChar char="•"/>
-            </a:pPr>
-            <a:r>
-              <a:rPr lang="it-IT" sz="1900" dirty="0"/>
-              <a:t>Utilizzo di Linguaggio </a:t>
-            </a:r>
-            <a:r>
-              <a:rPr lang="it-IT" sz="1900" b="1" dirty="0"/>
-              <a:t>Java</a:t>
-            </a:r>
-            <a:r>
-              <a:rPr lang="it-IT" sz="1900" dirty="0"/>
-              <a:t> (alto livello) per la stesura del codice sorgente attraverso l’uso dell’ambiente di lavoro </a:t>
-            </a:r>
-            <a:r>
-              <a:rPr lang="it-IT" sz="1900" b="1" dirty="0"/>
-              <a:t>Eclipse</a:t>
-            </a:r>
-            <a:r>
-              <a:rPr lang="it-IT" sz="1900" dirty="0"/>
-              <a:t>:</a:t>
-            </a:r>
-          </a:p>
-          <a:p>
-            <a:pPr marL="285750" indent="-285750">
-              <a:buFont typeface="Wingdings" panose="05000000000000000000" pitchFamily="2" charset="2"/>
-              <a:buChar char="q"/>
-            </a:pPr>
-            <a:r>
-              <a:rPr lang="it-IT" sz="1900" i="1" dirty="0"/>
-              <a:t>Windowbuilder</a:t>
-            </a:r>
-            <a:r>
-              <a:rPr lang="it-IT" sz="1900" dirty="0"/>
-              <a:t>, per la costruzione di un’interfaccia grafica che risponda ai requisiti del problema, ma che sia anche di facile utilizzo e comprensibile agli utenti (medici principalmente).</a:t>
-            </a:r>
-          </a:p>
-          <a:p>
-            <a:pPr marL="285750" indent="-285750">
-              <a:buFont typeface="Wingdings" panose="05000000000000000000" pitchFamily="2" charset="2"/>
-              <a:buChar char="q"/>
-            </a:pPr>
-            <a:r>
-              <a:rPr lang="it-IT" sz="1900" i="1" dirty="0"/>
-              <a:t>JUNIT, </a:t>
-            </a:r>
-            <a:r>
-              <a:rPr lang="it-IT" sz="1900" dirty="0"/>
-              <a:t>framework per lo studio dei casi di test.</a:t>
-            </a:r>
-            <a:endParaRPr lang="it-IT" sz="1900" i="1" dirty="0"/>
-          </a:p>
-          <a:p>
-            <a:pPr marL="285750" indent="-285750">
-              <a:buFont typeface="Wingdings" panose="05000000000000000000" pitchFamily="2" charset="2"/>
-              <a:buChar char="q"/>
-            </a:pPr>
-            <a:endParaRPr lang="it-IT" sz="1900" b="1" i="1" dirty="0"/>
-          </a:p>
-          <a:p>
-            <a:pPr marL="285750" indent="-285750">
-              <a:buFont typeface="Arial" panose="020B0604020202020204" pitchFamily="34" charset="0"/>
-              <a:buChar char="•"/>
-            </a:pPr>
-            <a:r>
-              <a:rPr lang="it-IT" sz="1900" dirty="0"/>
-              <a:t>Utilizzo di </a:t>
-            </a:r>
-            <a:r>
-              <a:rPr lang="it-IT" sz="1900" b="1" dirty="0"/>
-              <a:t>StarUML</a:t>
-            </a:r>
-            <a:r>
-              <a:rPr lang="it-IT" sz="1900" dirty="0"/>
-              <a:t> per la creazione dei vari diagrammi:</a:t>
-            </a:r>
-          </a:p>
-          <a:p>
-            <a:pPr marL="285750" indent="-285750">
-              <a:buFont typeface="Wingdings" panose="05000000000000000000" pitchFamily="2" charset="2"/>
-              <a:buChar char="q"/>
-            </a:pPr>
-            <a:r>
-              <a:rPr lang="it-IT" sz="1900" i="1" dirty="0"/>
-              <a:t>Use-Case Diagram</a:t>
-            </a:r>
-            <a:r>
-              <a:rPr lang="it-IT" sz="1900" dirty="0"/>
-              <a:t>, definizione di attori e casi d’uso del problema;</a:t>
-            </a:r>
-            <a:endParaRPr lang="it-IT" sz="1900" i="1" dirty="0"/>
-          </a:p>
-          <a:p>
-            <a:pPr marL="285750" indent="-285750">
-              <a:buFont typeface="Wingdings" panose="05000000000000000000" pitchFamily="2" charset="2"/>
-              <a:buChar char="q"/>
-            </a:pPr>
-            <a:r>
-              <a:rPr lang="it-IT" sz="1900" i="1" dirty="0"/>
-              <a:t>Class Diagram</a:t>
-            </a:r>
-            <a:r>
-              <a:rPr lang="it-IT" sz="1900" dirty="0"/>
-              <a:t>, definizione delle classi del sistema, con annessi attributi, operazioni e associazioni;</a:t>
-            </a:r>
-            <a:endParaRPr lang="it-IT" sz="1900" i="1" dirty="0"/>
-          </a:p>
-          <a:p>
-            <a:pPr marL="285750" indent="-285750">
-              <a:buFont typeface="Wingdings" panose="05000000000000000000" pitchFamily="2" charset="2"/>
-              <a:buChar char="q"/>
-            </a:pPr>
-            <a:r>
-              <a:rPr lang="it-IT" sz="1900" i="1" dirty="0"/>
-              <a:t>State-Chart Diagram, </a:t>
-            </a:r>
-            <a:r>
-              <a:rPr lang="it-IT" sz="1900" dirty="0"/>
-              <a:t>visualizzazione dello stato del sistema durante il suo utilizzo;</a:t>
-            </a:r>
-          </a:p>
-          <a:p>
-            <a:pPr marL="285750" indent="-285750">
-              <a:buFont typeface="Wingdings" panose="05000000000000000000" pitchFamily="2" charset="2"/>
-              <a:buChar char="q"/>
-            </a:pPr>
-            <a:r>
-              <a:rPr lang="it-IT" sz="1900" i="1" dirty="0"/>
-              <a:t>Sequence Diagram</a:t>
-            </a:r>
-            <a:r>
-              <a:rPr lang="it-IT" sz="1900" dirty="0"/>
-              <a:t>, definizione delle sequenze di azioni effettuate durante l’utilizzo del sistema;</a:t>
-            </a:r>
-            <a:endParaRPr lang="it-IT" sz="1900" i="1" dirty="0"/>
-          </a:p>
-          <a:p>
-            <a:pPr marL="285750" indent="-285750">
-              <a:buFont typeface="Wingdings" panose="05000000000000000000" pitchFamily="2" charset="2"/>
-              <a:buChar char="q"/>
-            </a:pPr>
-            <a:r>
-              <a:rPr lang="it-IT" sz="1900" i="1" dirty="0"/>
-              <a:t>Activity Diagram,</a:t>
-            </a:r>
-            <a:r>
-              <a:rPr lang="it-IT" sz="1900" dirty="0"/>
-              <a:t> definizione delle varie attività svolte da uno o più soggetti;</a:t>
-            </a:r>
-            <a:endParaRPr lang="it-IT" sz="1900" i="1" dirty="0"/>
-          </a:p>
-          <a:p>
-            <a:pPr marL="285750" indent="-285750">
-              <a:buFont typeface="Wingdings" panose="05000000000000000000" pitchFamily="2" charset="2"/>
-              <a:buChar char="q"/>
-            </a:pPr>
-            <a:endParaRPr lang="it-IT" i="1" dirty="0"/>
           </a:p>
         </p:txBody>
       </p:sp>
     </p:spTree>
     <p:extLst>
       <p:ext uri="{BB962C8B-B14F-4D97-AF65-F5344CB8AC3E}">
-        <p14:creationId xmlns:p14="http://schemas.microsoft.com/office/powerpoint/2010/main" val="112244765"/>
+        <p14:creationId xmlns:p14="http://schemas.microsoft.com/office/powerpoint/2010/main" val="4188911557"/>
       </p:ext>
     </p:extLst>
   </p:cSld>
@@ -33460,7 +33107,7 @@
 </p:sld>
 </file>
 
-<file path=ppt/slides/slide6.xml><?xml version="1.0" encoding="utf-8"?>
+<file path=ppt/slides/slide5.xml><?xml version="1.0" encoding="utf-8"?>
 <p:sld xmlns:a="http://schemas.openxmlformats.org/drawingml/2006/main" xmlns:r="http://schemas.openxmlformats.org/officeDocument/2006/relationships" xmlns:p="http://schemas.openxmlformats.org/presentationml/2006/main">
   <p:cSld>
     <p:bg>
@@ -33473,13 +33120,7 @@
     </p:bg>
     <p:spTree>
       <p:nvGrpSpPr>
-        <p:cNvPr id="1" name="">
-          <a:extLst>
-            <a:ext uri="{FF2B5EF4-FFF2-40B4-BE49-F238E27FC236}">
-              <a16:creationId xmlns:a16="http://schemas.microsoft.com/office/drawing/2014/main" id="{BF8BBA2B-BE91-C2EE-1FE0-C361162FF36D}"/>
-            </a:ext>
-          </a:extLst>
-        </p:cNvPr>
+        <p:cNvPr id="1" name=""/>
         <p:cNvGrpSpPr/>
         <p:nvPr/>
       </p:nvGrpSpPr>
@@ -33496,7 +33137,7 @@
           <p:cNvPr id="98" name="Rectangle 100">
             <a:extLst>
               <a:ext uri="{FF2B5EF4-FFF2-40B4-BE49-F238E27FC236}">
-                <a16:creationId xmlns:a16="http://schemas.microsoft.com/office/drawing/2014/main" id="{A923AE64-B99D-0BAC-49DF-519E23056EAE}"/>
+                <a16:creationId xmlns:a16="http://schemas.microsoft.com/office/drawing/2014/main" id="{100EDD19-6802-4EC3-95CE-CFFAB042CFD6}"/>
               </a:ext>
               <a:ext uri="{C183D7F6-B498-43B3-948B-1728B52AA6E4}">
                 <adec:decorative xmlns:adec="http://schemas.microsoft.com/office/drawing/2017/decorative" val="1"/>
@@ -33556,7 +33197,7 @@
           <p:cNvPr id="2" name="Titolo 1">
             <a:extLst>
               <a:ext uri="{FF2B5EF4-FFF2-40B4-BE49-F238E27FC236}">
-                <a16:creationId xmlns:a16="http://schemas.microsoft.com/office/drawing/2014/main" id="{5C0732DC-408E-D606-584F-25FC553B9A11}"/>
+                <a16:creationId xmlns:a16="http://schemas.microsoft.com/office/drawing/2014/main" id="{75031FE9-9059-4FE8-B4AC-9771F23A1B89}"/>
               </a:ext>
             </a:extLst>
           </p:cNvPr>
@@ -33605,7 +33246,7 @@
           <p:cNvPr id="100" name="sketch line">
             <a:extLst>
               <a:ext uri="{FF2B5EF4-FFF2-40B4-BE49-F238E27FC236}">
-                <a16:creationId xmlns:a16="http://schemas.microsoft.com/office/drawing/2014/main" id="{E142B649-A08B-3709-5F51-868064DCC2A1}"/>
+                <a16:creationId xmlns:a16="http://schemas.microsoft.com/office/drawing/2014/main" id="{DB17E863-922E-4C26-BD64-E8FD41D28661}"/>
               </a:ext>
               <a:ext uri="{C183D7F6-B498-43B3-948B-1728B52AA6E4}">
                 <adec:decorative xmlns:adec="http://schemas.microsoft.com/office/drawing/2017/decorative" val="1"/>
@@ -34243,7 +33884,7 @@
           <p:cNvPr id="82" name="Segnaposto numero diapositiva 81">
             <a:extLst>
               <a:ext uri="{FF2B5EF4-FFF2-40B4-BE49-F238E27FC236}">
-                <a16:creationId xmlns:a16="http://schemas.microsoft.com/office/drawing/2014/main" id="{98F240AB-B85A-819A-7032-59F09154561A}"/>
+                <a16:creationId xmlns:a16="http://schemas.microsoft.com/office/drawing/2014/main" id="{CE36A058-BEC2-4BC5-A467-F2EB2A365051}"/>
               </a:ext>
             </a:extLst>
           </p:cNvPr>
@@ -34278,7 +33919,7 @@
                   <a:spcPts val="600"/>
                 </a:spcAft>
               </a:pPr>
-              <a:t>6</a:t>
+              <a:t>5</a:t>
             </a:fld>
             <a:endParaRPr lang="en-US" sz="1800" b="1" dirty="0"/>
           </a:p>
@@ -34289,7 +33930,7 @@
           <p:cNvPr id="11" name="CasellaDiTesto 10">
             <a:extLst>
               <a:ext uri="{FF2B5EF4-FFF2-40B4-BE49-F238E27FC236}">
-                <a16:creationId xmlns:a16="http://schemas.microsoft.com/office/drawing/2014/main" id="{AAAC9B74-463D-3112-DFEE-C3D0560A5363}"/>
+                <a16:creationId xmlns:a16="http://schemas.microsoft.com/office/drawing/2014/main" id="{C1C708C4-D7EC-7ED8-A397-AF1F95BF1686}"/>
               </a:ext>
             </a:extLst>
           </p:cNvPr>
@@ -34298,8 +33939,8 @@
         </p:nvSpPr>
         <p:spPr>
           <a:xfrm>
-            <a:off x="669036" y="1871147"/>
-            <a:ext cx="10684764" cy="2585323"/>
+            <a:off x="838200" y="1884037"/>
+            <a:ext cx="10684764" cy="5047536"/>
           </a:xfrm>
           <a:prstGeom prst="rect">
             <a:avLst/>
@@ -34312,94 +33953,205 @@
           </a:bodyPr>
           <a:lstStyle/>
           <a:p>
-            <a:r>
-              <a:rPr lang="it-IT" b="1" dirty="0"/>
-              <a:t>Principali Tools utilizzati nella stesura del codice sorgente:</a:t>
-            </a:r>
-          </a:p>
-          <a:p>
-            <a:endParaRPr lang="it-IT" b="1" dirty="0"/>
+            <a:pPr marL="285750" indent="-285750">
+              <a:buFont typeface="Arial" panose="020B0604020202020204" pitchFamily="34" charset="0"/>
+              <a:buChar char="•"/>
+            </a:pPr>
+            <a:r>
+              <a:rPr lang="it-IT" sz="1900" dirty="0"/>
+              <a:t>Utilizzo di </a:t>
+            </a:r>
+            <a:r>
+              <a:rPr lang="it-IT" sz="1900" b="1" dirty="0"/>
+              <a:t>GitHub</a:t>
+            </a:r>
+            <a:r>
+              <a:rPr lang="it-IT" sz="1900" dirty="0"/>
+              <a:t> come strumento prescelto al coordinamento tra i membri del team, ma anche per tenere traccia di tutti i componenti e le modifiche apportate (si sfruttano </a:t>
+            </a:r>
+            <a:r>
+              <a:rPr lang="it-IT" sz="1900" i="1" dirty="0"/>
+              <a:t>issue </a:t>
+            </a:r>
+            <a:r>
+              <a:rPr lang="it-IT" sz="1900" dirty="0"/>
+              <a:t>e </a:t>
+            </a:r>
+            <a:r>
+              <a:rPr lang="it-IT" sz="1900" i="1" dirty="0"/>
+              <a:t>branch </a:t>
+            </a:r>
+            <a:r>
+              <a:rPr lang="it-IT" sz="1900" dirty="0"/>
+              <a:t>per organizzare al meglio il lavoro di squadra).</a:t>
+            </a:r>
+          </a:p>
+          <a:p>
+            <a:pPr marL="285750" indent="-285750">
+              <a:buFont typeface="Arial" panose="020B0604020202020204" pitchFamily="34" charset="0"/>
+              <a:buChar char="•"/>
+            </a:pPr>
+            <a:endParaRPr lang="it-IT" sz="1900" dirty="0"/>
+          </a:p>
+          <a:p>
+            <a:pPr marL="285750" indent="-285750">
+              <a:buFont typeface="Arial" panose="020B0604020202020204" pitchFamily="34" charset="0"/>
+              <a:buChar char="•"/>
+            </a:pPr>
+            <a:r>
+              <a:rPr lang="it-IT" sz="1900" dirty="0"/>
+              <a:t>Utilizzo di Linguaggio </a:t>
+            </a:r>
+            <a:r>
+              <a:rPr lang="it-IT" sz="1900" b="1" dirty="0"/>
+              <a:t>Java</a:t>
+            </a:r>
+            <a:r>
+              <a:rPr lang="it-IT" sz="1900" dirty="0"/>
+              <a:t> (alto livello) per la stesura del codice sorgente attraverso l’uso dell’ambiente di lavoro </a:t>
+            </a:r>
+            <a:r>
+              <a:rPr lang="it-IT" sz="1900" b="1" dirty="0"/>
+              <a:t>Eclipse</a:t>
+            </a:r>
+            <a:r>
+              <a:rPr lang="it-IT" sz="1900" dirty="0"/>
+              <a:t>:</a:t>
+            </a:r>
           </a:p>
           <a:p>
             <a:pPr marL="285750" indent="-285750">
               <a:buFont typeface="Wingdings" panose="05000000000000000000" pitchFamily="2" charset="2"/>
-              <a:buChar char="Ø"/>
+              <a:buChar char="q"/>
             </a:pPr>
             <a:r>
-              <a:rPr lang="it-IT" i="1" dirty="0"/>
-              <a:t>Extract Method </a:t>
-            </a:r>
-            <a:r>
-              <a:rPr lang="it-IT" dirty="0"/>
-              <a:t>&amp; </a:t>
-            </a:r>
-            <a:r>
-              <a:rPr lang="it-IT" i="1" dirty="0"/>
-              <a:t>Extract Local </a:t>
-            </a:r>
-            <a:r>
-              <a:rPr lang="it-IT" i="1" dirty="0" err="1"/>
-              <a:t>Variables</a:t>
-            </a:r>
-            <a:r>
-              <a:rPr lang="it-IT" dirty="0"/>
-              <a:t>, per estrarre metodi e variabili da una classe e implementarli in un’altra, evitando la riscrittura del codice e minimizzando i costi di progettazione;</a:t>
-            </a:r>
-            <a:br>
-              <a:rPr lang="it-IT" dirty="0"/>
-            </a:br>
-            <a:endParaRPr lang="it-IT" dirty="0"/>
+              <a:rPr lang="it-IT" sz="1900" i="1" dirty="0"/>
+              <a:t>Windowbuilder</a:t>
+            </a:r>
+            <a:r>
+              <a:rPr lang="it-IT" sz="1900" dirty="0"/>
+              <a:t>, per la costruzione di un’interfaccia grafica che risponda ai requisiti del problema, ma che sia al tempo stesso di facile utilizzo e comprensibile agli utenti (principalmente medici).</a:t>
+            </a:r>
           </a:p>
           <a:p>
             <a:pPr marL="285750" indent="-285750">
               <a:buFont typeface="Wingdings" panose="05000000000000000000" pitchFamily="2" charset="2"/>
-              <a:buChar char="Ø"/>
+              <a:buChar char="q"/>
             </a:pPr>
             <a:r>
-              <a:rPr lang="it-IT" i="1" dirty="0"/>
-              <a:t>Push Down Method </a:t>
-            </a:r>
-            <a:r>
-              <a:rPr lang="it-IT" dirty="0"/>
-              <a:t>&amp; </a:t>
-            </a:r>
-            <a:r>
-              <a:rPr lang="it-IT" i="1" dirty="0"/>
-              <a:t>Push Down Field, </a:t>
-            </a:r>
-            <a:r>
-              <a:rPr lang="it-IT" dirty="0"/>
-              <a:t>trasferimento di campi/metodi da una superclasse ad una sottoclasse;</a:t>
-            </a:r>
+              <a:rPr lang="it-IT" sz="1900" i="1" dirty="0"/>
+              <a:t>JUNIT, </a:t>
+            </a:r>
+            <a:r>
+              <a:rPr lang="it-IT" sz="1900" dirty="0"/>
+              <a:t>framework per lo studio e l’esecuzione dei casi di test.</a:t>
+            </a:r>
+            <a:endParaRPr lang="it-IT" sz="1900" i="1" dirty="0"/>
           </a:p>
           <a:p>
             <a:pPr marL="285750" indent="-285750">
               <a:buFont typeface="Wingdings" panose="05000000000000000000" pitchFamily="2" charset="2"/>
-              <a:buChar char="Ø"/>
+              <a:buChar char="q"/>
             </a:pPr>
-            <a:endParaRPr lang="it-IT" i="1" dirty="0"/>
+            <a:endParaRPr lang="it-IT" sz="1900" b="1" i="1" dirty="0"/>
+          </a:p>
+          <a:p>
+            <a:pPr marL="285750" indent="-285750">
+              <a:buFont typeface="Arial" panose="020B0604020202020204" pitchFamily="34" charset="0"/>
+              <a:buChar char="•"/>
+            </a:pPr>
+            <a:r>
+              <a:rPr lang="it-IT" sz="1900" dirty="0"/>
+              <a:t>Utilizzo di </a:t>
+            </a:r>
+            <a:r>
+              <a:rPr lang="it-IT" sz="1900" b="1" dirty="0"/>
+              <a:t>StarUML</a:t>
+            </a:r>
+            <a:r>
+              <a:rPr lang="it-IT" sz="1900" dirty="0"/>
+              <a:t> per la creazione dei vari diagrammi:</a:t>
+            </a:r>
           </a:p>
           <a:p>
             <a:pPr marL="285750" indent="-285750">
               <a:buFont typeface="Wingdings" panose="05000000000000000000" pitchFamily="2" charset="2"/>
-              <a:buChar char="Ø"/>
+              <a:buChar char="q"/>
             </a:pPr>
             <a:r>
-              <a:rPr lang="it-IT" i="1" dirty="0"/>
-              <a:t>Remove Method </a:t>
-            </a:r>
-            <a:r>
-              <a:rPr lang="it-IT" dirty="0"/>
-              <a:t>&amp; </a:t>
-            </a:r>
-            <a:r>
-              <a:rPr lang="it-IT" i="1" dirty="0"/>
-              <a:t>Remove Field, </a:t>
-            </a:r>
-            <a:r>
-              <a:rPr lang="it-IT" dirty="0"/>
-              <a:t>rimozione di metodi/campi inutili o non strettamente necessari ai fini del progetto;</a:t>
-            </a:r>
+              <a:rPr lang="it-IT" sz="1900" i="1" dirty="0"/>
+              <a:t>Use-Case Diagram</a:t>
+            </a:r>
+            <a:r>
+              <a:rPr lang="it-IT" sz="1900" dirty="0"/>
+              <a:t>, definizione di attori e casi d’uso del problema;</a:t>
+            </a:r>
+            <a:endParaRPr lang="it-IT" sz="1900" i="1" dirty="0"/>
+          </a:p>
+          <a:p>
+            <a:pPr marL="285750" indent="-285750">
+              <a:buFont typeface="Wingdings" panose="05000000000000000000" pitchFamily="2" charset="2"/>
+              <a:buChar char="q"/>
+            </a:pPr>
+            <a:r>
+              <a:rPr lang="it-IT" sz="1900" i="1" dirty="0"/>
+              <a:t>Class Diagram</a:t>
+            </a:r>
+            <a:r>
+              <a:rPr lang="it-IT" sz="1900" dirty="0"/>
+              <a:t>, definizione delle classi del sistema, con annessi attributi, operazioni e associazioni;</a:t>
+            </a:r>
+            <a:endParaRPr lang="it-IT" sz="1900" i="1" dirty="0"/>
+          </a:p>
+          <a:p>
+            <a:pPr marL="285750" indent="-285750">
+              <a:buFont typeface="Wingdings" panose="05000000000000000000" pitchFamily="2" charset="2"/>
+              <a:buChar char="q"/>
+            </a:pPr>
+            <a:r>
+              <a:rPr lang="it-IT" sz="1900" i="1" dirty="0"/>
+              <a:t>State-Chart Diagram, </a:t>
+            </a:r>
+            <a:r>
+              <a:rPr lang="it-IT" sz="1900" dirty="0"/>
+              <a:t>visualizzazione dello stato del sistema durante il suo utilizzo;</a:t>
+            </a:r>
+          </a:p>
+          <a:p>
+            <a:pPr marL="285750" indent="-285750">
+              <a:buFont typeface="Wingdings" panose="05000000000000000000" pitchFamily="2" charset="2"/>
+              <a:buChar char="q"/>
+            </a:pPr>
+            <a:r>
+              <a:rPr lang="it-IT" sz="1900" i="1" dirty="0"/>
+              <a:t>Sequence Diagram</a:t>
+            </a:r>
+            <a:r>
+              <a:rPr lang="it-IT" sz="1900" dirty="0"/>
+              <a:t>, definizione delle sequenze di azioni effettuate durante l’utilizzo del sistema;</a:t>
+            </a:r>
+            <a:endParaRPr lang="it-IT" sz="1900" i="1" dirty="0"/>
+          </a:p>
+          <a:p>
+            <a:pPr marL="285750" indent="-285750">
+              <a:buFont typeface="Wingdings" panose="05000000000000000000" pitchFamily="2" charset="2"/>
+              <a:buChar char="q"/>
+            </a:pPr>
+            <a:r>
+              <a:rPr lang="it-IT" sz="1900" i="1" dirty="0"/>
+              <a:t>Activity Diagram,</a:t>
+            </a:r>
+            <a:r>
+              <a:rPr lang="it-IT" sz="1900" dirty="0"/>
+              <a:t> definizione delle varie attività svolte da uno o più soggetti;</a:t>
+            </a:r>
+            <a:endParaRPr lang="it-IT" sz="1900" i="1" dirty="0"/>
+          </a:p>
+          <a:p>
+            <a:pPr marL="285750" indent="-285750">
+              <a:buFont typeface="Wingdings" panose="05000000000000000000" pitchFamily="2" charset="2"/>
+              <a:buChar char="q"/>
+            </a:pPr>
             <a:endParaRPr lang="it-IT" i="1" dirty="0"/>
           </a:p>
         </p:txBody>
@@ -34407,7 +34159,7 @@
     </p:spTree>
     <p:extLst>
       <p:ext uri="{BB962C8B-B14F-4D97-AF65-F5344CB8AC3E}">
-        <p14:creationId xmlns:p14="http://schemas.microsoft.com/office/powerpoint/2010/main" val="243116288"/>
+        <p14:creationId xmlns:p14="http://schemas.microsoft.com/office/powerpoint/2010/main" val="112244765"/>
       </p:ext>
     </p:extLst>
   </p:cSld>
@@ -34417,7 +34169,7 @@
 </p:sld>
 </file>
 
-<file path=ppt/slides/slide7.xml><?xml version="1.0" encoding="utf-8"?>
+<file path=ppt/slides/slide6.xml><?xml version="1.0" encoding="utf-8"?>
 <p:sld xmlns:a="http://schemas.openxmlformats.org/drawingml/2006/main" xmlns:r="http://schemas.openxmlformats.org/officeDocument/2006/relationships" xmlns:p="http://schemas.openxmlformats.org/presentationml/2006/main">
   <p:cSld>
     <p:bg>
@@ -34430,7 +34182,13 @@
     </p:bg>
     <p:spTree>
       <p:nvGrpSpPr>
-        <p:cNvPr id="1" name=""/>
+        <p:cNvPr id="1" name="">
+          <a:extLst>
+            <a:ext uri="{FF2B5EF4-FFF2-40B4-BE49-F238E27FC236}">
+              <a16:creationId xmlns:a16="http://schemas.microsoft.com/office/drawing/2014/main" id="{BF8BBA2B-BE91-C2EE-1FE0-C361162FF36D}"/>
+            </a:ext>
+          </a:extLst>
+        </p:cNvPr>
         <p:cNvGrpSpPr/>
         <p:nvPr/>
       </p:nvGrpSpPr>
@@ -34444,10 +34202,10 @@
       </p:grpSpPr>
       <p:sp useBgFill="1">
         <p:nvSpPr>
-          <p:cNvPr id="87" name="Rectangle 86">
+          <p:cNvPr id="98" name="Rectangle 100">
             <a:extLst>
               <a:ext uri="{FF2B5EF4-FFF2-40B4-BE49-F238E27FC236}">
-                <a16:creationId xmlns:a16="http://schemas.microsoft.com/office/drawing/2014/main" id="{100EDD19-6802-4EC3-95CE-CFFAB042CFD6}"/>
+                <a16:creationId xmlns:a16="http://schemas.microsoft.com/office/drawing/2014/main" id="{A923AE64-B99D-0BAC-49DF-519E23056EAE}"/>
               </a:ext>
               <a:ext uri="{C183D7F6-B498-43B3-948B-1728B52AA6E4}">
                 <adec:decorative xmlns:adec="http://schemas.microsoft.com/office/drawing/2017/decorative" val="1"/>
@@ -34507,7 +34265,7 @@
           <p:cNvPr id="2" name="Titolo 1">
             <a:extLst>
               <a:ext uri="{FF2B5EF4-FFF2-40B4-BE49-F238E27FC236}">
-                <a16:creationId xmlns:a16="http://schemas.microsoft.com/office/drawing/2014/main" id="{75031FE9-9059-4FE8-B4AC-9771F23A1B89}"/>
+                <a16:creationId xmlns:a16="http://schemas.microsoft.com/office/drawing/2014/main" id="{5C0732DC-408E-D606-584F-25FC553B9A11}"/>
               </a:ext>
             </a:extLst>
           </p:cNvPr>
@@ -34525,25 +34283,38 @@
           </a:xfrm>
         </p:spPr>
         <p:txBody>
-          <a:bodyPr rtlCol="0">
+          <a:bodyPr vert="horz" lIns="91440" tIns="45720" rIns="91440" bIns="45720" rtlCol="0">
             <a:normAutofit/>
           </a:bodyPr>
           <a:lstStyle/>
           <a:p>
-            <a:pPr rtl="0"/>
-            <a:r>
-              <a:rPr lang="it-IT" sz="5400" b="1" dirty="0"/>
-              <a:t>Software Configuration Management</a:t>
-            </a:r>
+            <a:r>
+              <a:rPr kumimoji="0" lang="it-IT" sz="5400" b="1" i="0" u="none" strike="noStrike" kern="1200" cap="none" spc="0" normalizeH="0" baseline="0" noProof="0" dirty="0">
+                <a:ln>
+                  <a:noFill/>
+                </a:ln>
+                <a:solidFill>
+                  <a:prstClr val="black"/>
+                </a:solidFill>
+                <a:effectLst/>
+                <a:uLnTx/>
+                <a:uFillTx/>
+                <a:latin typeface="Calibri Light" panose="020F0302020204030204"/>
+                <a:ea typeface="+mj-ea"/>
+                <a:cs typeface="+mj-cs"/>
+              </a:rPr>
+              <a:t>Paradigma di Programmazione: Tools</a:t>
+            </a:r>
+            <a:endParaRPr lang="en-US" sz="5400" b="1" dirty="0"/>
           </a:p>
         </p:txBody>
       </p:sp>
       <p:sp>
         <p:nvSpPr>
-          <p:cNvPr id="89" name="sketch line">
+          <p:cNvPr id="100" name="sketch line">
             <a:extLst>
               <a:ext uri="{FF2B5EF4-FFF2-40B4-BE49-F238E27FC236}">
-                <a16:creationId xmlns:a16="http://schemas.microsoft.com/office/drawing/2014/main" id="{DB17E863-922E-4C26-BD64-E8FD41D28661}"/>
+                <a16:creationId xmlns:a16="http://schemas.microsoft.com/office/drawing/2014/main" id="{E142B649-A08B-3709-5F51-868064DCC2A1}"/>
               </a:ext>
               <a:ext uri="{C183D7F6-B498-43B3-948B-1728B52AA6E4}">
                 <adec:decorative xmlns:adec="http://schemas.microsoft.com/office/drawing/2017/decorative" val="1"/>
@@ -35178,128 +34949,10 @@
       </p:sp>
       <p:sp>
         <p:nvSpPr>
-          <p:cNvPr id="4" name="Content Placeholder 3">
-            <a:extLst>
-              <a:ext uri="{FF2B5EF4-FFF2-40B4-BE49-F238E27FC236}">
-                <a16:creationId xmlns:a16="http://schemas.microsoft.com/office/drawing/2014/main" id="{747F007E-FE0A-2A87-17AB-DD88FD1E8115}"/>
-              </a:ext>
-            </a:extLst>
-          </p:cNvPr>
-          <p:cNvSpPr>
-            <a:spLocks noGrp="1"/>
-          </p:cNvSpPr>
-          <p:nvPr>
-            <p:ph idx="1"/>
-          </p:nvPr>
-        </p:nvSpPr>
-        <p:spPr>
-          <a:xfrm>
-            <a:off x="838200" y="1929384"/>
-            <a:ext cx="10515600" cy="4563491"/>
-          </a:xfrm>
-        </p:spPr>
-        <p:txBody>
-          <a:bodyPr>
-            <a:normAutofit fontScale="92500" lnSpcReduction="20000"/>
-          </a:bodyPr>
-          <a:lstStyle/>
-          <a:p>
-            <a:pPr marL="0" indent="0">
-              <a:buNone/>
-            </a:pPr>
-            <a:r>
-              <a:rPr lang="it-IT" sz="2000" dirty="0"/>
-              <a:t>Per il software configuration management è stato utilizzato GitHub come programma principale:</a:t>
-            </a:r>
-          </a:p>
-          <a:p>
-            <a:pPr marL="0" indent="0">
-              <a:buNone/>
-            </a:pPr>
-            <a:endParaRPr lang="it-IT" sz="2000" dirty="0"/>
-          </a:p>
-          <a:p>
-            <a:pPr marL="0" indent="0">
-              <a:buNone/>
-            </a:pPr>
-            <a:r>
-              <a:rPr lang="it-IT" sz="2000" b="1" dirty="0"/>
-              <a:t>BRANCH </a:t>
-            </a:r>
-            <a:r>
-              <a:rPr lang="it-IT" sz="2000" dirty="0"/>
-              <a:t>Creazione di branch diversi per ottimizzare il lavoro di squadra ed evitare eventuali  incomprensioni: ogni membro crea uno o più branch per lavorare sulle sue componenti, in modo tale da non confondere gli altri collaboratori, qualora si lavorasse in più persone su uno stesso aspetto. Il «ramo principale» Main è il branch di default, dove verrano trasferiti i file e il codice finale per la consegna del progetto.</a:t>
-            </a:r>
-          </a:p>
-          <a:p>
-            <a:pPr marL="0" indent="0">
-              <a:buNone/>
-            </a:pPr>
-            <a:endParaRPr lang="it-IT" sz="2000" b="1" dirty="0"/>
-          </a:p>
-          <a:p>
-            <a:pPr marL="0" indent="0">
-              <a:buNone/>
-            </a:pPr>
-            <a:r>
-              <a:rPr lang="it-IT" sz="2000" b="1" dirty="0"/>
-              <a:t>ISSUE </a:t>
-            </a:r>
-            <a:r>
-              <a:rPr lang="it-IT" sz="2000" dirty="0"/>
-              <a:t>Per valutazione del progetto/project plan, risolvere bug o rispondere a determinati requisiti, sono state attivate issue corrispondenti. Le singole issue vengono affidate ad uno o più i membri del team e devono essere portate a compimento, prima di essere chiuse (indicate come «completate»). Le issue favoriscono la comunicazione tra i membri del team.</a:t>
-            </a:r>
-          </a:p>
-          <a:p>
-            <a:pPr marL="0" indent="0">
-              <a:buNone/>
-            </a:pPr>
-            <a:endParaRPr lang="it-IT" sz="2000" dirty="0"/>
-          </a:p>
-          <a:p>
-            <a:pPr marL="0" indent="0">
-              <a:buNone/>
-            </a:pPr>
-            <a:r>
-              <a:rPr lang="it-IT" sz="2000" b="1" dirty="0"/>
-              <a:t>PULL REQUEST </a:t>
-            </a:r>
-            <a:r>
-              <a:rPr lang="it-IT" sz="2000" dirty="0"/>
-              <a:t>Per</a:t>
-            </a:r>
-            <a:r>
-              <a:rPr lang="it-IT" sz="2000" b="1" dirty="0"/>
-              <a:t> </a:t>
-            </a:r>
-            <a:r>
-              <a:rPr lang="it-IT" sz="2000" dirty="0"/>
-              <a:t>modifiche importanti o azioni di merge («unione di materiale da un </a:t>
-            </a:r>
-            <a:r>
-              <a:rPr lang="it-IT" sz="2000" dirty="0" err="1"/>
-              <a:t>branch</a:t>
-            </a:r>
-            <a:r>
-              <a:rPr lang="it-IT" sz="2000" dirty="0"/>
-              <a:t> ad un altro»), sono state create delle pull request, le quali devono essere discusse tra tutti i membri del team e lo SCRUM Master, indicato per l’area di lavoro a cui la request fa riferimento, ha il compito di approvarla ed portarla a compimento.</a:t>
-            </a:r>
-            <a:endParaRPr lang="it-IT" sz="2200" b="1" dirty="0"/>
-          </a:p>
-          <a:p>
-            <a:pPr marL="0" indent="0">
-              <a:buNone/>
-            </a:pPr>
-            <a:endParaRPr lang="it-IT" sz="2200" b="1" dirty="0"/>
-          </a:p>
-        </p:txBody>
-      </p:sp>
-      <p:sp>
-        <p:nvSpPr>
           <p:cNvPr id="82" name="Segnaposto numero diapositiva 81">
             <a:extLst>
               <a:ext uri="{FF2B5EF4-FFF2-40B4-BE49-F238E27FC236}">
-                <a16:creationId xmlns:a16="http://schemas.microsoft.com/office/drawing/2014/main" id="{CE36A058-BEC2-4BC5-A467-F2EB2A365051}"/>
+                <a16:creationId xmlns:a16="http://schemas.microsoft.com/office/drawing/2014/main" id="{98F240AB-B85A-819A-7032-59F09154561A}"/>
               </a:ext>
             </a:extLst>
           </p:cNvPr>
@@ -35312,38 +34965,175 @@
         </p:nvSpPr>
         <p:spPr>
           <a:xfrm>
-            <a:off x="8610600" y="6201972"/>
-            <a:ext cx="2743200" cy="473465"/>
+            <a:off x="8610600" y="6140374"/>
+            <a:ext cx="2743200" cy="581101"/>
           </a:xfrm>
         </p:spPr>
         <p:txBody>
-          <a:bodyPr rtlCol="0">
+          <a:bodyPr vert="horz" lIns="91440" tIns="45720" rIns="91440" bIns="45720" rtlCol="0">
             <a:normAutofit/>
           </a:bodyPr>
           <a:lstStyle/>
           <a:p>
-            <a:pPr rtl="0">
+            <a:pPr>
               <a:spcAft>
                 <a:spcPts val="600"/>
               </a:spcAft>
             </a:pPr>
             <a:fld id="{B5CEABB6-07DC-46E8-9B57-56EC44A396E5}" type="slidenum">
-              <a:rPr lang="it-IT" sz="1800" b="1" smtClean="0"/>
-              <a:pPr rtl="0">
+              <a:rPr lang="en-US" sz="1800" b="1" smtClean="0"/>
+              <a:pPr>
                 <a:spcAft>
                   <a:spcPts val="600"/>
                 </a:spcAft>
               </a:pPr>
-              <a:t>7</a:t>
+              <a:t>6</a:t>
             </a:fld>
-            <a:endParaRPr lang="it-IT" sz="1800" b="1" dirty="0"/>
+            <a:endParaRPr lang="en-US" sz="1800" b="1" dirty="0"/>
+          </a:p>
+        </p:txBody>
+      </p:sp>
+      <p:sp>
+        <p:nvSpPr>
+          <p:cNvPr id="11" name="CasellaDiTesto 10">
+            <a:extLst>
+              <a:ext uri="{FF2B5EF4-FFF2-40B4-BE49-F238E27FC236}">
+                <a16:creationId xmlns:a16="http://schemas.microsoft.com/office/drawing/2014/main" id="{AAAC9B74-463D-3112-DFEE-C3D0560A5363}"/>
+              </a:ext>
+            </a:extLst>
+          </p:cNvPr>
+          <p:cNvSpPr txBox="1"/>
+          <p:nvPr/>
+        </p:nvSpPr>
+        <p:spPr>
+          <a:xfrm>
+            <a:off x="669036" y="1871147"/>
+            <a:ext cx="10684764" cy="3693319"/>
+          </a:xfrm>
+          <a:prstGeom prst="rect">
+            <a:avLst/>
+          </a:prstGeom>
+          <a:noFill/>
+        </p:spPr>
+        <p:txBody>
+          <a:bodyPr wrap="square" rtlCol="0">
+            <a:spAutoFit/>
+          </a:bodyPr>
+          <a:lstStyle/>
+          <a:p>
+            <a:r>
+              <a:rPr lang="it-IT" b="1" dirty="0"/>
+              <a:t>Principali Tools utilizzati nella stesura del codice sorgente:</a:t>
+            </a:r>
+          </a:p>
+          <a:p>
+            <a:endParaRPr lang="it-IT" b="1" dirty="0"/>
+          </a:p>
+          <a:p>
+            <a:pPr marL="285750" indent="-285750">
+              <a:buFont typeface="Wingdings" panose="05000000000000000000" pitchFamily="2" charset="2"/>
+              <a:buChar char="Ø"/>
+            </a:pPr>
+            <a:r>
+              <a:rPr lang="it-IT" i="1" dirty="0"/>
+              <a:t>Extract Method </a:t>
+            </a:r>
+            <a:r>
+              <a:rPr lang="it-IT" dirty="0"/>
+              <a:t>&amp; </a:t>
+            </a:r>
+            <a:r>
+              <a:rPr lang="it-IT" i="1" dirty="0"/>
+              <a:t>Extract Local Variables</a:t>
+            </a:r>
+            <a:r>
+              <a:rPr lang="it-IT" dirty="0"/>
+              <a:t>, per estrarre metodi e variabili da una classe e implementarli in un’altra, evitando la riscrittura del codice e minimizzando i costi di progettazione;</a:t>
+            </a:r>
+            <a:br>
+              <a:rPr lang="it-IT" dirty="0"/>
+            </a:br>
+            <a:endParaRPr lang="it-IT" dirty="0"/>
+          </a:p>
+          <a:p>
+            <a:pPr marL="285750" indent="-285750">
+              <a:buFont typeface="Wingdings" panose="05000000000000000000" pitchFamily="2" charset="2"/>
+              <a:buChar char="Ø"/>
+            </a:pPr>
+            <a:r>
+              <a:rPr lang="it-IT" i="1" dirty="0"/>
+              <a:t>Push Down Method </a:t>
+            </a:r>
+            <a:r>
+              <a:rPr lang="it-IT" dirty="0"/>
+              <a:t>&amp; </a:t>
+            </a:r>
+            <a:r>
+              <a:rPr lang="it-IT" i="1" dirty="0"/>
+              <a:t>Push Down Field, </a:t>
+            </a:r>
+            <a:r>
+              <a:rPr lang="it-IT" dirty="0"/>
+              <a:t>trasferimento di campi/metodi da una superclasse ad una sottoclasse;</a:t>
+            </a:r>
+          </a:p>
+          <a:p>
+            <a:pPr marL="285750" indent="-285750">
+              <a:buFont typeface="Wingdings" panose="05000000000000000000" pitchFamily="2" charset="2"/>
+              <a:buChar char="Ø"/>
+            </a:pPr>
+            <a:endParaRPr lang="it-IT" i="1" dirty="0"/>
+          </a:p>
+          <a:p>
+            <a:pPr marL="285750" indent="-285750">
+              <a:buFont typeface="Wingdings" panose="05000000000000000000" pitchFamily="2" charset="2"/>
+              <a:buChar char="Ø"/>
+            </a:pPr>
+            <a:r>
+              <a:rPr lang="it-IT" i="1" dirty="0"/>
+              <a:t>Remove Method </a:t>
+            </a:r>
+            <a:r>
+              <a:rPr lang="it-IT" dirty="0"/>
+              <a:t>&amp; </a:t>
+            </a:r>
+            <a:r>
+              <a:rPr lang="it-IT" i="1" dirty="0"/>
+              <a:t>Remove Field, </a:t>
+            </a:r>
+            <a:r>
+              <a:rPr lang="it-IT" dirty="0"/>
+              <a:t>rimozione di metodi/campi inutili o non strettamente necessari ai fini del progetto;</a:t>
+            </a:r>
+          </a:p>
+          <a:p>
+            <a:pPr marL="285750" indent="-285750">
+              <a:buFont typeface="Wingdings" panose="05000000000000000000" pitchFamily="2" charset="2"/>
+              <a:buChar char="Ø"/>
+            </a:pPr>
+            <a:endParaRPr lang="it-IT" i="1" dirty="0"/>
+          </a:p>
+          <a:p>
+            <a:pPr marL="285750" indent="-285750">
+              <a:buFont typeface="Wingdings" panose="05000000000000000000" pitchFamily="2" charset="2"/>
+              <a:buChar char="Ø"/>
+            </a:pPr>
+            <a:r>
+              <a:rPr lang="it-IT" i="1" dirty="0"/>
+              <a:t>Infrastructure 101, </a:t>
+            </a:r>
+            <a:r>
+              <a:rPr lang="it-IT" dirty="0"/>
+              <a:t>framework per la definizione di tools, piattaforme e sistemi per il supporto di sviluppo, manutenzione e distribuzione di applicazioni software. Comprende un’ampia gamma di strumenti in varie fasi del ciclo vita del software, tra cui il project management, testing, manutenzione e qualità del software.</a:t>
+            </a:r>
+            <a:endParaRPr lang="it-IT" i="1" dirty="0"/>
           </a:p>
         </p:txBody>
       </p:sp>
     </p:spTree>
     <p:extLst>
       <p:ext uri="{BB962C8B-B14F-4D97-AF65-F5344CB8AC3E}">
-        <p14:creationId xmlns:p14="http://schemas.microsoft.com/office/powerpoint/2010/main" val="3996999348"/>
+        <p14:creationId xmlns:p14="http://schemas.microsoft.com/office/powerpoint/2010/main" val="243116288"/>
       </p:ext>
     </p:extLst>
   </p:cSld>
@@ -35353,7 +35143,7 @@
 </p:sld>
 </file>
 
-<file path=ppt/slides/slide8.xml><?xml version="1.0" encoding="utf-8"?>
+<file path=ppt/slides/slide7.xml><?xml version="1.0" encoding="utf-8"?>
 <p:sld xmlns:a="http://schemas.openxmlformats.org/drawingml/2006/main" xmlns:r="http://schemas.openxmlformats.org/officeDocument/2006/relationships" xmlns:p="http://schemas.openxmlformats.org/presentationml/2006/main">
   <p:cSld>
     <p:bg>
@@ -35380,7 +35170,7 @@
       </p:grpSpPr>
       <p:sp useBgFill="1">
         <p:nvSpPr>
-          <p:cNvPr id="113" name="Rectangle 112">
+          <p:cNvPr id="87" name="Rectangle 86">
             <a:extLst>
               <a:ext uri="{FF2B5EF4-FFF2-40B4-BE49-F238E27FC236}">
                 <a16:creationId xmlns:a16="http://schemas.microsoft.com/office/drawing/2014/main" id="{100EDD19-6802-4EC3-95CE-CFFAB042CFD6}"/>
@@ -35461,37 +35251,22 @@
           </a:xfrm>
         </p:spPr>
         <p:txBody>
-          <a:bodyPr vert="horz" lIns="91440" tIns="45720" rIns="91440" bIns="45720" rtlCol="0">
+          <a:bodyPr rtlCol="0">
             <a:normAutofit/>
           </a:bodyPr>
           <a:lstStyle/>
           <a:p>
-            <a:r>
-              <a:rPr lang="en-US" sz="5400" b="1" kern="1200" dirty="0">
-                <a:latin typeface="+mj-lt"/>
-                <a:ea typeface="+mj-ea"/>
-                <a:cs typeface="+mj-cs"/>
-              </a:rPr>
-              <a:t>Software Life </a:t>
-            </a:r>
-            <a:r>
-              <a:rPr lang="en-US" sz="5400" b="1" dirty="0"/>
-              <a:t>C</a:t>
-            </a:r>
-            <a:r>
-              <a:rPr lang="en-US" sz="5400" b="1" kern="1200" dirty="0">
-                <a:latin typeface="+mj-lt"/>
-                <a:ea typeface="+mj-ea"/>
-                <a:cs typeface="+mj-cs"/>
-              </a:rPr>
-              <a:t>ycle</a:t>
+            <a:pPr rtl="0"/>
+            <a:r>
+              <a:rPr lang="it-IT" sz="5400" b="1" dirty="0"/>
+              <a:t>Software Configuration Management</a:t>
             </a:r>
           </a:p>
         </p:txBody>
       </p:sp>
       <p:sp>
         <p:nvSpPr>
-          <p:cNvPr id="115" name="sketch line">
+          <p:cNvPr id="89" name="sketch line">
             <a:extLst>
               <a:ext uri="{FF2B5EF4-FFF2-40B4-BE49-F238E27FC236}">
                 <a16:creationId xmlns:a16="http://schemas.microsoft.com/office/drawing/2014/main" id="{DB17E863-922E-4C26-BD64-E8FD41D28661}"/>
@@ -36129,6 +35904,132 @@
       </p:sp>
       <p:sp>
         <p:nvSpPr>
+          <p:cNvPr id="4" name="Content Placeholder 3">
+            <a:extLst>
+              <a:ext uri="{FF2B5EF4-FFF2-40B4-BE49-F238E27FC236}">
+                <a16:creationId xmlns:a16="http://schemas.microsoft.com/office/drawing/2014/main" id="{747F007E-FE0A-2A87-17AB-DD88FD1E8115}"/>
+              </a:ext>
+            </a:extLst>
+          </p:cNvPr>
+          <p:cNvSpPr>
+            <a:spLocks noGrp="1"/>
+          </p:cNvSpPr>
+          <p:nvPr>
+            <p:ph idx="1"/>
+          </p:nvPr>
+        </p:nvSpPr>
+        <p:spPr>
+          <a:xfrm>
+            <a:off x="838200" y="1929384"/>
+            <a:ext cx="10515600" cy="4563491"/>
+          </a:xfrm>
+        </p:spPr>
+        <p:txBody>
+          <a:bodyPr>
+            <a:normAutofit fontScale="92500" lnSpcReduction="20000"/>
+          </a:bodyPr>
+          <a:lstStyle/>
+          <a:p>
+            <a:pPr marL="0" indent="0">
+              <a:buNone/>
+            </a:pPr>
+            <a:r>
+              <a:rPr lang="it-IT" sz="2000" dirty="0"/>
+              <a:t>Per il software configuration management è stato utilizzato GitHub come programma principale:</a:t>
+            </a:r>
+          </a:p>
+          <a:p>
+            <a:pPr marL="0" indent="0">
+              <a:buNone/>
+            </a:pPr>
+            <a:endParaRPr lang="it-IT" sz="2000" dirty="0"/>
+          </a:p>
+          <a:p>
+            <a:pPr marL="0" indent="0">
+              <a:buNone/>
+            </a:pPr>
+            <a:r>
+              <a:rPr lang="it-IT" sz="2000" b="1" dirty="0"/>
+              <a:t>BRANCH </a:t>
+            </a:r>
+            <a:r>
+              <a:rPr lang="it-IT" sz="2000" dirty="0"/>
+              <a:t>Creazione di branch diversi per ottimizzare il lavoro di squadra ed evitare eventuali  incomprensioni: ogni membro crea uno o più branch per lavorare sulle sue componenti, in modo tale da non confondere gli altri collaboratori, qualora si lavorasse in più persone su uno stesso aspetto. Il «ramo principale» Main è il branch di default, dove verrano trasferiti i file e il codice finale per la consegna del progetto.</a:t>
+            </a:r>
+          </a:p>
+          <a:p>
+            <a:pPr marL="0" indent="0">
+              <a:buNone/>
+            </a:pPr>
+            <a:endParaRPr lang="it-IT" sz="2000" b="1" dirty="0"/>
+          </a:p>
+          <a:p>
+            <a:pPr marL="0" indent="0">
+              <a:buNone/>
+            </a:pPr>
+            <a:r>
+              <a:rPr lang="it-IT" sz="2000" b="1" dirty="0"/>
+              <a:t>ISSUE </a:t>
+            </a:r>
+            <a:r>
+              <a:rPr lang="it-IT" sz="2000" dirty="0"/>
+              <a:t>Per valutazione del progetto/project plan, risolvere bug o rispondere a determinati requisiti, sono state attivate issue corrispondenti. Le singole issue vengono affidate ad uno o più i membri del team e devono essere portate a compimento, prima di essere chiuse (indicate come «completate»). Le issue favoriscono la comunicazione tra i membri del team.</a:t>
+            </a:r>
+          </a:p>
+          <a:p>
+            <a:pPr marL="0" indent="0">
+              <a:buNone/>
+            </a:pPr>
+            <a:endParaRPr lang="it-IT" sz="2000" dirty="0"/>
+          </a:p>
+          <a:p>
+            <a:pPr marL="0" indent="0">
+              <a:buNone/>
+            </a:pPr>
+            <a:r>
+              <a:rPr lang="it-IT" sz="2000" b="1" dirty="0"/>
+              <a:t>PULL REQUEST </a:t>
+            </a:r>
+            <a:r>
+              <a:rPr lang="it-IT" sz="2000" dirty="0"/>
+              <a:t>Per</a:t>
+            </a:r>
+            <a:r>
+              <a:rPr lang="it-IT" sz="2000" b="1" dirty="0"/>
+              <a:t> </a:t>
+            </a:r>
+            <a:r>
+              <a:rPr lang="it-IT" sz="2000" dirty="0"/>
+              <a:t>modifiche importanti o azioni di merge («unione di materiale da un </a:t>
+            </a:r>
+            <a:r>
+              <a:rPr lang="it-IT" sz="2000" dirty="0" err="1"/>
+              <a:t>branch</a:t>
+            </a:r>
+            <a:r>
+              <a:rPr lang="it-IT" sz="2000" dirty="0"/>
+              <a:t> ad un altro»), sono state create delle pull request, le quali devono essere discusse tra tutti i membri del team e lo SCRUM Master, indicato per l’area di lavoro a cui la request fa riferimento, ha il compito di approvarla ed portarla a compimento. Possono essere richieste delle </a:t>
+            </a:r>
+            <a:r>
+              <a:rPr lang="it-IT" sz="2000" i="1" dirty="0"/>
+              <a:t>Review</a:t>
+            </a:r>
+            <a:r>
+              <a:rPr lang="it-IT" sz="2000" dirty="0"/>
+              <a:t>, per consentire ai membri di esaminare e discutere le modifiche proposte, che verranno poi unite nel ramo principale del repository. </a:t>
+            </a:r>
+            <a:endParaRPr lang="it-IT" sz="2200" b="1" dirty="0"/>
+          </a:p>
+          <a:p>
+            <a:pPr marL="0" indent="0">
+              <a:buNone/>
+            </a:pPr>
+            <a:endParaRPr lang="it-IT" sz="2200" b="1" dirty="0"/>
+          </a:p>
+        </p:txBody>
+      </p:sp>
+      <p:sp>
+        <p:nvSpPr>
           <p:cNvPr id="82" name="Segnaposto numero diapositiva 81">
             <a:extLst>
               <a:ext uri="{FF2B5EF4-FFF2-40B4-BE49-F238E27FC236}">
@@ -36145,69 +36046,38 @@
         </p:nvSpPr>
         <p:spPr>
           <a:xfrm>
-            <a:off x="8610600" y="6248400"/>
-            <a:ext cx="2743200" cy="473075"/>
+            <a:off x="8610600" y="6201972"/>
+            <a:ext cx="2743200" cy="473465"/>
           </a:xfrm>
         </p:spPr>
         <p:txBody>
-          <a:bodyPr vert="horz" lIns="91440" tIns="45720" rIns="91440" bIns="45720" rtlCol="0">
+          <a:bodyPr rtlCol="0">
             <a:normAutofit/>
           </a:bodyPr>
           <a:lstStyle/>
           <a:p>
-            <a:pPr>
+            <a:pPr rtl="0">
               <a:spcAft>
                 <a:spcPts val="600"/>
               </a:spcAft>
             </a:pPr>
             <a:fld id="{B5CEABB6-07DC-46E8-9B57-56EC44A396E5}" type="slidenum">
-              <a:rPr lang="en-US" sz="1800" b="1"/>
-              <a:pPr>
+              <a:rPr lang="it-IT" sz="1800" b="1" smtClean="0"/>
+              <a:pPr rtl="0">
                 <a:spcAft>
                   <a:spcPts val="600"/>
                 </a:spcAft>
               </a:pPr>
-              <a:t>8</a:t>
+              <a:t>7</a:t>
             </a:fld>
-            <a:endParaRPr lang="en-US" sz="1800" b="1" dirty="0"/>
+            <a:endParaRPr lang="it-IT" sz="1800" b="1" dirty="0"/>
           </a:p>
         </p:txBody>
       </p:sp>
-      <p:pic>
-        <p:nvPicPr>
-          <p:cNvPr id="3" name="Segnaposto contenuto 2">
-            <a:extLst>
-              <a:ext uri="{FF2B5EF4-FFF2-40B4-BE49-F238E27FC236}">
-                <a16:creationId xmlns:a16="http://schemas.microsoft.com/office/drawing/2014/main" id="{00439959-3544-4100-55BB-F64ED0400005}"/>
-              </a:ext>
-            </a:extLst>
-          </p:cNvPr>
-          <p:cNvPicPr>
-            <a:picLocks noGrp="1" noChangeAspect="1"/>
-          </p:cNvPicPr>
-          <p:nvPr>
-            <p:ph idx="1"/>
-          </p:nvPr>
-        </p:nvPicPr>
-        <p:blipFill rotWithShape="1">
-          <a:blip r:embed="rId3"/>
-          <a:srcRect t="-1" b="18914"/>
-          <a:stretch/>
-        </p:blipFill>
-        <p:spPr>
-          <a:xfrm>
-            <a:off x="1854057" y="1844286"/>
-            <a:ext cx="8343080" cy="4104000"/>
-          </a:xfrm>
-          <a:prstGeom prst="rect">
-            <a:avLst/>
-          </a:prstGeom>
-        </p:spPr>
-      </p:pic>
     </p:spTree>
     <p:extLst>
       <p:ext uri="{BB962C8B-B14F-4D97-AF65-F5344CB8AC3E}">
-        <p14:creationId xmlns:p14="http://schemas.microsoft.com/office/powerpoint/2010/main" val="930824607"/>
+        <p14:creationId xmlns:p14="http://schemas.microsoft.com/office/powerpoint/2010/main" val="3996999348"/>
       </p:ext>
     </p:extLst>
   </p:cSld>
@@ -36217,7 +36087,7 @@
 </p:sld>
 </file>
 
-<file path=ppt/slides/slide9.xml><?xml version="1.0" encoding="utf-8"?>
+<file path=ppt/slides/slide8.xml><?xml version="1.0" encoding="utf-8"?>
 <p:sld xmlns:a="http://schemas.openxmlformats.org/drawingml/2006/main" xmlns:r="http://schemas.openxmlformats.org/officeDocument/2006/relationships" xmlns:p="http://schemas.openxmlformats.org/presentationml/2006/main">
   <p:cSld>
     <p:bg>
@@ -37031,6 +36901,870 @@
                   <a:spcPts val="600"/>
                 </a:spcAft>
               </a:pPr>
+              <a:t>8</a:t>
+            </a:fld>
+            <a:endParaRPr lang="en-US" sz="1800" b="1" dirty="0"/>
+          </a:p>
+        </p:txBody>
+      </p:sp>
+      <p:pic>
+        <p:nvPicPr>
+          <p:cNvPr id="3" name="Segnaposto contenuto 2">
+            <a:extLst>
+              <a:ext uri="{FF2B5EF4-FFF2-40B4-BE49-F238E27FC236}">
+                <a16:creationId xmlns:a16="http://schemas.microsoft.com/office/drawing/2014/main" id="{00439959-3544-4100-55BB-F64ED0400005}"/>
+              </a:ext>
+            </a:extLst>
+          </p:cNvPr>
+          <p:cNvPicPr>
+            <a:picLocks noGrp="1" noChangeAspect="1"/>
+          </p:cNvPicPr>
+          <p:nvPr>
+            <p:ph idx="1"/>
+          </p:nvPr>
+        </p:nvPicPr>
+        <p:blipFill rotWithShape="1">
+          <a:blip r:embed="rId3"/>
+          <a:srcRect t="-1" b="18914"/>
+          <a:stretch/>
+        </p:blipFill>
+        <p:spPr>
+          <a:xfrm>
+            <a:off x="1854057" y="1844286"/>
+            <a:ext cx="8343080" cy="4104000"/>
+          </a:xfrm>
+          <a:prstGeom prst="rect">
+            <a:avLst/>
+          </a:prstGeom>
+        </p:spPr>
+      </p:pic>
+    </p:spTree>
+    <p:extLst>
+      <p:ext uri="{BB962C8B-B14F-4D97-AF65-F5344CB8AC3E}">
+        <p14:creationId xmlns:p14="http://schemas.microsoft.com/office/powerpoint/2010/main" val="930824607"/>
+      </p:ext>
+    </p:extLst>
+  </p:cSld>
+  <p:clrMapOvr>
+    <a:masterClrMapping/>
+  </p:clrMapOvr>
+</p:sld>
+</file>
+
+<file path=ppt/slides/slide9.xml><?xml version="1.0" encoding="utf-8"?>
+<p:sld xmlns:a="http://schemas.openxmlformats.org/drawingml/2006/main" xmlns:r="http://schemas.openxmlformats.org/officeDocument/2006/relationships" xmlns:p="http://schemas.openxmlformats.org/presentationml/2006/main">
+  <p:cSld>
+    <p:bg>
+      <p:bgPr>
+        <a:solidFill>
+          <a:schemeClr val="bg1"/>
+        </a:solidFill>
+        <a:effectLst/>
+      </p:bgPr>
+    </p:bg>
+    <p:spTree>
+      <p:nvGrpSpPr>
+        <p:cNvPr id="1" name=""/>
+        <p:cNvGrpSpPr/>
+        <p:nvPr/>
+      </p:nvGrpSpPr>
+      <p:grpSpPr>
+        <a:xfrm>
+          <a:off x="0" y="0"/>
+          <a:ext cx="0" cy="0"/>
+          <a:chOff x="0" y="0"/>
+          <a:chExt cx="0" cy="0"/>
+        </a:xfrm>
+      </p:grpSpPr>
+      <p:sp useBgFill="1">
+        <p:nvSpPr>
+          <p:cNvPr id="113" name="Rectangle 112">
+            <a:extLst>
+              <a:ext uri="{FF2B5EF4-FFF2-40B4-BE49-F238E27FC236}">
+                <a16:creationId xmlns:a16="http://schemas.microsoft.com/office/drawing/2014/main" id="{100EDD19-6802-4EC3-95CE-CFFAB042CFD6}"/>
+              </a:ext>
+              <a:ext uri="{C183D7F6-B498-43B3-948B-1728B52AA6E4}">
+                <adec:decorative xmlns:adec="http://schemas.microsoft.com/office/drawing/2017/decorative" val="1"/>
+              </a:ext>
+            </a:extLst>
+          </p:cNvPr>
+          <p:cNvSpPr>
+            <a:spLocks noGrp="1" noRot="1" noChangeAspect="1" noMove="1" noResize="1" noEditPoints="1" noAdjustHandles="1" noChangeArrowheads="1" noChangeShapeType="1" noTextEdit="1"/>
+          </p:cNvSpPr>
+          <p:nvPr>
+            <p:extLst>
+              <p:ext uri="{386F3935-93C4-4BCD-93E2-E3B085C9AB24}">
+                <p16:designElem xmlns:p16="http://schemas.microsoft.com/office/powerpoint/2015/main" val="1"/>
+              </p:ext>
+            </p:extLst>
+          </p:nvPr>
+        </p:nvSpPr>
+        <p:spPr>
+          <a:xfrm>
+            <a:off x="0" y="0"/>
+            <a:ext cx="12188952" cy="6858000"/>
+          </a:xfrm>
+          <a:prstGeom prst="rect">
+            <a:avLst/>
+          </a:prstGeom>
+          <a:ln>
+            <a:noFill/>
+          </a:ln>
+        </p:spPr>
+        <p:style>
+          <a:lnRef idx="2">
+            <a:schemeClr val="accent1">
+              <a:shade val="50000"/>
+            </a:schemeClr>
+          </a:lnRef>
+          <a:fillRef idx="1">
+            <a:schemeClr val="accent1"/>
+          </a:fillRef>
+          <a:effectRef idx="0">
+            <a:schemeClr val="accent1"/>
+          </a:effectRef>
+          <a:fontRef idx="minor">
+            <a:schemeClr val="lt1"/>
+          </a:fontRef>
+        </p:style>
+        <p:txBody>
+          <a:bodyPr rtlCol="0" anchor="ctr"/>
+          <a:lstStyle/>
+          <a:p>
+            <a:pPr algn="ctr"/>
+            <a:endParaRPr lang="en-US" dirty="0"/>
+          </a:p>
+        </p:txBody>
+      </p:sp>
+      <p:sp>
+        <p:nvSpPr>
+          <p:cNvPr id="2" name="Titolo 1">
+            <a:extLst>
+              <a:ext uri="{FF2B5EF4-FFF2-40B4-BE49-F238E27FC236}">
+                <a16:creationId xmlns:a16="http://schemas.microsoft.com/office/drawing/2014/main" id="{75031FE9-9059-4FE8-B4AC-9771F23A1B89}"/>
+              </a:ext>
+            </a:extLst>
+          </p:cNvPr>
+          <p:cNvSpPr>
+            <a:spLocks noGrp="1"/>
+          </p:cNvSpPr>
+          <p:nvPr>
+            <p:ph type="title"/>
+          </p:nvPr>
+        </p:nvSpPr>
+        <p:spPr>
+          <a:xfrm>
+            <a:off x="838200" y="365125"/>
+            <a:ext cx="10515600" cy="1325563"/>
+          </a:xfrm>
+        </p:spPr>
+        <p:txBody>
+          <a:bodyPr vert="horz" lIns="91440" tIns="45720" rIns="91440" bIns="45720" rtlCol="0">
+            <a:normAutofit/>
+          </a:bodyPr>
+          <a:lstStyle/>
+          <a:p>
+            <a:r>
+              <a:rPr lang="en-US" sz="5400" b="1" kern="1200" dirty="0">
+                <a:latin typeface="+mj-lt"/>
+                <a:ea typeface="+mj-ea"/>
+                <a:cs typeface="+mj-cs"/>
+              </a:rPr>
+              <a:t>Software Life </a:t>
+            </a:r>
+            <a:r>
+              <a:rPr lang="en-US" sz="5400" b="1" dirty="0"/>
+              <a:t>C</a:t>
+            </a:r>
+            <a:r>
+              <a:rPr lang="en-US" sz="5400" b="1" kern="1200" dirty="0">
+                <a:latin typeface="+mj-lt"/>
+                <a:ea typeface="+mj-ea"/>
+                <a:cs typeface="+mj-cs"/>
+              </a:rPr>
+              <a:t>ycle</a:t>
+            </a:r>
+          </a:p>
+        </p:txBody>
+      </p:sp>
+      <p:sp>
+        <p:nvSpPr>
+          <p:cNvPr id="115" name="sketch line">
+            <a:extLst>
+              <a:ext uri="{FF2B5EF4-FFF2-40B4-BE49-F238E27FC236}">
+                <a16:creationId xmlns:a16="http://schemas.microsoft.com/office/drawing/2014/main" id="{DB17E863-922E-4C26-BD64-E8FD41D28661}"/>
+              </a:ext>
+              <a:ext uri="{C183D7F6-B498-43B3-948B-1728B52AA6E4}">
+                <adec:decorative xmlns:adec="http://schemas.microsoft.com/office/drawing/2017/decorative" val="1"/>
+              </a:ext>
+            </a:extLst>
+          </p:cNvPr>
+          <p:cNvSpPr>
+            <a:spLocks noGrp="1" noRot="1" noChangeAspect="1" noMove="1" noResize="1" noEditPoints="1" noAdjustHandles="1" noChangeArrowheads="1" noChangeShapeType="1" noTextEdit="1"/>
+          </p:cNvSpPr>
+          <p:nvPr>
+            <p:extLst>
+              <p:ext uri="{386F3935-93C4-4BCD-93E2-E3B085C9AB24}">
+                <p16:designElem xmlns:p16="http://schemas.microsoft.com/office/powerpoint/2015/main" val="1"/>
+              </p:ext>
+            </p:extLst>
+          </p:nvPr>
+        </p:nvSpPr>
+        <p:spPr>
+          <a:xfrm>
+            <a:off x="669036" y="1677373"/>
+            <a:ext cx="10853928" cy="18288"/>
+          </a:xfrm>
+          <a:custGeom>
+            <a:avLst/>
+            <a:gdLst>
+              <a:gd name="connsiteX0" fmla="*/ 0 w 10853928"/>
+              <a:gd name="connsiteY0" fmla="*/ 0 h 18288"/>
+              <a:gd name="connsiteX1" fmla="*/ 461292 w 10853928"/>
+              <a:gd name="connsiteY1" fmla="*/ 0 h 18288"/>
+              <a:gd name="connsiteX2" fmla="*/ 1139662 w 10853928"/>
+              <a:gd name="connsiteY2" fmla="*/ 0 h 18288"/>
+              <a:gd name="connsiteX3" fmla="*/ 1926572 w 10853928"/>
+              <a:gd name="connsiteY3" fmla="*/ 0 h 18288"/>
+              <a:gd name="connsiteX4" fmla="*/ 2279325 w 10853928"/>
+              <a:gd name="connsiteY4" fmla="*/ 0 h 18288"/>
+              <a:gd name="connsiteX5" fmla="*/ 2632078 w 10853928"/>
+              <a:gd name="connsiteY5" fmla="*/ 0 h 18288"/>
+              <a:gd name="connsiteX6" fmla="*/ 3527527 w 10853928"/>
+              <a:gd name="connsiteY6" fmla="*/ 0 h 18288"/>
+              <a:gd name="connsiteX7" fmla="*/ 4205897 w 10853928"/>
+              <a:gd name="connsiteY7" fmla="*/ 0 h 18288"/>
+              <a:gd name="connsiteX8" fmla="*/ 4558650 w 10853928"/>
+              <a:gd name="connsiteY8" fmla="*/ 0 h 18288"/>
+              <a:gd name="connsiteX9" fmla="*/ 5237020 w 10853928"/>
+              <a:gd name="connsiteY9" fmla="*/ 0 h 18288"/>
+              <a:gd name="connsiteX10" fmla="*/ 6132469 w 10853928"/>
+              <a:gd name="connsiteY10" fmla="*/ 0 h 18288"/>
+              <a:gd name="connsiteX11" fmla="*/ 6702301 w 10853928"/>
+              <a:gd name="connsiteY11" fmla="*/ 0 h 18288"/>
+              <a:gd name="connsiteX12" fmla="*/ 7272132 w 10853928"/>
+              <a:gd name="connsiteY12" fmla="*/ 0 h 18288"/>
+              <a:gd name="connsiteX13" fmla="*/ 7950502 w 10853928"/>
+              <a:gd name="connsiteY13" fmla="*/ 0 h 18288"/>
+              <a:gd name="connsiteX14" fmla="*/ 8737412 w 10853928"/>
+              <a:gd name="connsiteY14" fmla="*/ 0 h 18288"/>
+              <a:gd name="connsiteX15" fmla="*/ 9524322 w 10853928"/>
+              <a:gd name="connsiteY15" fmla="*/ 0 h 18288"/>
+              <a:gd name="connsiteX16" fmla="*/ 10853928 w 10853928"/>
+              <a:gd name="connsiteY16" fmla="*/ 0 h 18288"/>
+              <a:gd name="connsiteX17" fmla="*/ 10853928 w 10853928"/>
+              <a:gd name="connsiteY17" fmla="*/ 18288 h 18288"/>
+              <a:gd name="connsiteX18" fmla="*/ 10392636 w 10853928"/>
+              <a:gd name="connsiteY18" fmla="*/ 18288 h 18288"/>
+              <a:gd name="connsiteX19" fmla="*/ 9497187 w 10853928"/>
+              <a:gd name="connsiteY19" fmla="*/ 18288 h 18288"/>
+              <a:gd name="connsiteX20" fmla="*/ 8818817 w 10853928"/>
+              <a:gd name="connsiteY20" fmla="*/ 18288 h 18288"/>
+              <a:gd name="connsiteX21" fmla="*/ 8466064 w 10853928"/>
+              <a:gd name="connsiteY21" fmla="*/ 18288 h 18288"/>
+              <a:gd name="connsiteX22" fmla="*/ 7787693 w 10853928"/>
+              <a:gd name="connsiteY22" fmla="*/ 18288 h 18288"/>
+              <a:gd name="connsiteX23" fmla="*/ 7217862 w 10853928"/>
+              <a:gd name="connsiteY23" fmla="*/ 18288 h 18288"/>
+              <a:gd name="connsiteX24" fmla="*/ 6648031 w 10853928"/>
+              <a:gd name="connsiteY24" fmla="*/ 18288 h 18288"/>
+              <a:gd name="connsiteX25" fmla="*/ 6078200 w 10853928"/>
+              <a:gd name="connsiteY25" fmla="*/ 18288 h 18288"/>
+              <a:gd name="connsiteX26" fmla="*/ 5508368 w 10853928"/>
+              <a:gd name="connsiteY26" fmla="*/ 18288 h 18288"/>
+              <a:gd name="connsiteX27" fmla="*/ 4721459 w 10853928"/>
+              <a:gd name="connsiteY27" fmla="*/ 18288 h 18288"/>
+              <a:gd name="connsiteX28" fmla="*/ 4043088 w 10853928"/>
+              <a:gd name="connsiteY28" fmla="*/ 18288 h 18288"/>
+              <a:gd name="connsiteX29" fmla="*/ 3690336 w 10853928"/>
+              <a:gd name="connsiteY29" fmla="*/ 18288 h 18288"/>
+              <a:gd name="connsiteX30" fmla="*/ 3120504 w 10853928"/>
+              <a:gd name="connsiteY30" fmla="*/ 18288 h 18288"/>
+              <a:gd name="connsiteX31" fmla="*/ 2333595 w 10853928"/>
+              <a:gd name="connsiteY31" fmla="*/ 18288 h 18288"/>
+              <a:gd name="connsiteX32" fmla="*/ 1872303 w 10853928"/>
+              <a:gd name="connsiteY32" fmla="*/ 18288 h 18288"/>
+              <a:gd name="connsiteX33" fmla="*/ 976854 w 10853928"/>
+              <a:gd name="connsiteY33" fmla="*/ 18288 h 18288"/>
+              <a:gd name="connsiteX34" fmla="*/ 0 w 10853928"/>
+              <a:gd name="connsiteY34" fmla="*/ 18288 h 18288"/>
+              <a:gd name="connsiteX35" fmla="*/ 0 w 10853928"/>
+              <a:gd name="connsiteY35" fmla="*/ 0 h 18288"/>
+            </a:gdLst>
+            <a:ahLst/>
+            <a:cxnLst>
+              <a:cxn ang="0">
+                <a:pos x="connsiteX0" y="connsiteY0"/>
+              </a:cxn>
+              <a:cxn ang="0">
+                <a:pos x="connsiteX1" y="connsiteY1"/>
+              </a:cxn>
+              <a:cxn ang="0">
+                <a:pos x="connsiteX2" y="connsiteY2"/>
+              </a:cxn>
+              <a:cxn ang="0">
+                <a:pos x="connsiteX3" y="connsiteY3"/>
+              </a:cxn>
+              <a:cxn ang="0">
+                <a:pos x="connsiteX4" y="connsiteY4"/>
+              </a:cxn>
+              <a:cxn ang="0">
+                <a:pos x="connsiteX5" y="connsiteY5"/>
+              </a:cxn>
+              <a:cxn ang="0">
+                <a:pos x="connsiteX6" y="connsiteY6"/>
+              </a:cxn>
+              <a:cxn ang="0">
+                <a:pos x="connsiteX7" y="connsiteY7"/>
+              </a:cxn>
+              <a:cxn ang="0">
+                <a:pos x="connsiteX8" y="connsiteY8"/>
+              </a:cxn>
+              <a:cxn ang="0">
+                <a:pos x="connsiteX9" y="connsiteY9"/>
+              </a:cxn>
+              <a:cxn ang="0">
+                <a:pos x="connsiteX10" y="connsiteY10"/>
+              </a:cxn>
+              <a:cxn ang="0">
+                <a:pos x="connsiteX11" y="connsiteY11"/>
+              </a:cxn>
+              <a:cxn ang="0">
+                <a:pos x="connsiteX12" y="connsiteY12"/>
+              </a:cxn>
+              <a:cxn ang="0">
+                <a:pos x="connsiteX13" y="connsiteY13"/>
+              </a:cxn>
+              <a:cxn ang="0">
+                <a:pos x="connsiteX14" y="connsiteY14"/>
+              </a:cxn>
+              <a:cxn ang="0">
+                <a:pos x="connsiteX15" y="connsiteY15"/>
+              </a:cxn>
+              <a:cxn ang="0">
+                <a:pos x="connsiteX16" y="connsiteY16"/>
+              </a:cxn>
+              <a:cxn ang="0">
+                <a:pos x="connsiteX17" y="connsiteY17"/>
+              </a:cxn>
+              <a:cxn ang="0">
+                <a:pos x="connsiteX18" y="connsiteY18"/>
+              </a:cxn>
+              <a:cxn ang="0">
+                <a:pos x="connsiteX19" y="connsiteY19"/>
+              </a:cxn>
+              <a:cxn ang="0">
+                <a:pos x="connsiteX20" y="connsiteY20"/>
+              </a:cxn>
+              <a:cxn ang="0">
+                <a:pos x="connsiteX21" y="connsiteY21"/>
+              </a:cxn>
+              <a:cxn ang="0">
+                <a:pos x="connsiteX22" y="connsiteY22"/>
+              </a:cxn>
+              <a:cxn ang="0">
+                <a:pos x="connsiteX23" y="connsiteY23"/>
+              </a:cxn>
+              <a:cxn ang="0">
+                <a:pos x="connsiteX24" y="connsiteY24"/>
+              </a:cxn>
+              <a:cxn ang="0">
+                <a:pos x="connsiteX25" y="connsiteY25"/>
+              </a:cxn>
+              <a:cxn ang="0">
+                <a:pos x="connsiteX26" y="connsiteY26"/>
+              </a:cxn>
+              <a:cxn ang="0">
+                <a:pos x="connsiteX27" y="connsiteY27"/>
+              </a:cxn>
+              <a:cxn ang="0">
+                <a:pos x="connsiteX28" y="connsiteY28"/>
+              </a:cxn>
+              <a:cxn ang="0">
+                <a:pos x="connsiteX29" y="connsiteY29"/>
+              </a:cxn>
+              <a:cxn ang="0">
+                <a:pos x="connsiteX30" y="connsiteY30"/>
+              </a:cxn>
+              <a:cxn ang="0">
+                <a:pos x="connsiteX31" y="connsiteY31"/>
+              </a:cxn>
+              <a:cxn ang="0">
+                <a:pos x="connsiteX32" y="connsiteY32"/>
+              </a:cxn>
+              <a:cxn ang="0">
+                <a:pos x="connsiteX33" y="connsiteY33"/>
+              </a:cxn>
+              <a:cxn ang="0">
+                <a:pos x="connsiteX34" y="connsiteY34"/>
+              </a:cxn>
+              <a:cxn ang="0">
+                <a:pos x="connsiteX35" y="connsiteY35"/>
+              </a:cxn>
+            </a:cxnLst>
+            <a:rect l="l" t="t" r="r" b="b"/>
+            <a:pathLst>
+              <a:path w="10853928" h="18288" fill="none" extrusionOk="0">
+                <a:moveTo>
+                  <a:pt x="0" y="0"/>
+                </a:moveTo>
+                <a:cubicBezTo>
+                  <a:pt x="146993" y="-19076"/>
+                  <a:pt x="347684" y="-4790"/>
+                  <a:pt x="461292" y="0"/>
+                </a:cubicBezTo>
+                <a:cubicBezTo>
+                  <a:pt x="574900" y="4790"/>
+                  <a:pt x="808367" y="19821"/>
+                  <a:pt x="1139662" y="0"/>
+                </a:cubicBezTo>
+                <a:cubicBezTo>
+                  <a:pt x="1470957" y="-19821"/>
+                  <a:pt x="1627405" y="5721"/>
+                  <a:pt x="1926572" y="0"/>
+                </a:cubicBezTo>
+                <a:cubicBezTo>
+                  <a:pt x="2225739" y="-5721"/>
+                  <a:pt x="2137730" y="-3235"/>
+                  <a:pt x="2279325" y="0"/>
+                </a:cubicBezTo>
+                <a:cubicBezTo>
+                  <a:pt x="2420920" y="3235"/>
+                  <a:pt x="2456518" y="9685"/>
+                  <a:pt x="2632078" y="0"/>
+                </a:cubicBezTo>
+                <a:cubicBezTo>
+                  <a:pt x="2807638" y="-9685"/>
+                  <a:pt x="3211516" y="-43007"/>
+                  <a:pt x="3527527" y="0"/>
+                </a:cubicBezTo>
+                <a:cubicBezTo>
+                  <a:pt x="3843538" y="43007"/>
+                  <a:pt x="4058833" y="22042"/>
+                  <a:pt x="4205897" y="0"/>
+                </a:cubicBezTo>
+                <a:cubicBezTo>
+                  <a:pt x="4352961" y="-22042"/>
+                  <a:pt x="4474805" y="-11846"/>
+                  <a:pt x="4558650" y="0"/>
+                </a:cubicBezTo>
+                <a:cubicBezTo>
+                  <a:pt x="4642495" y="11846"/>
+                  <a:pt x="5041928" y="-6069"/>
+                  <a:pt x="5237020" y="0"/>
+                </a:cubicBezTo>
+                <a:cubicBezTo>
+                  <a:pt x="5432112" y="6069"/>
+                  <a:pt x="5943266" y="-17479"/>
+                  <a:pt x="6132469" y="0"/>
+                </a:cubicBezTo>
+                <a:cubicBezTo>
+                  <a:pt x="6321672" y="17479"/>
+                  <a:pt x="6483872" y="26234"/>
+                  <a:pt x="6702301" y="0"/>
+                </a:cubicBezTo>
+                <a:cubicBezTo>
+                  <a:pt x="6920730" y="-26234"/>
+                  <a:pt x="6991194" y="-15156"/>
+                  <a:pt x="7272132" y="0"/>
+                </a:cubicBezTo>
+                <a:cubicBezTo>
+                  <a:pt x="7553070" y="15156"/>
+                  <a:pt x="7684444" y="-32961"/>
+                  <a:pt x="7950502" y="0"/>
+                </a:cubicBezTo>
+                <a:cubicBezTo>
+                  <a:pt x="8216560" y="32961"/>
+                  <a:pt x="8493290" y="-10491"/>
+                  <a:pt x="8737412" y="0"/>
+                </a:cubicBezTo>
+                <a:cubicBezTo>
+                  <a:pt x="8981534" y="10491"/>
+                  <a:pt x="9191586" y="-13899"/>
+                  <a:pt x="9524322" y="0"/>
+                </a:cubicBezTo>
+                <a:cubicBezTo>
+                  <a:pt x="9857058" y="13899"/>
+                  <a:pt x="10297509" y="7485"/>
+                  <a:pt x="10853928" y="0"/>
+                </a:cubicBezTo>
+                <a:cubicBezTo>
+                  <a:pt x="10854574" y="4451"/>
+                  <a:pt x="10854418" y="9226"/>
+                  <a:pt x="10853928" y="18288"/>
+                </a:cubicBezTo>
+                <a:cubicBezTo>
+                  <a:pt x="10691638" y="28522"/>
+                  <a:pt x="10574319" y="29578"/>
+                  <a:pt x="10392636" y="18288"/>
+                </a:cubicBezTo>
+                <a:cubicBezTo>
+                  <a:pt x="10210953" y="6998"/>
+                  <a:pt x="9836277" y="-16742"/>
+                  <a:pt x="9497187" y="18288"/>
+                </a:cubicBezTo>
+                <a:cubicBezTo>
+                  <a:pt x="9158097" y="53318"/>
+                  <a:pt x="9119479" y="30714"/>
+                  <a:pt x="8818817" y="18288"/>
+                </a:cubicBezTo>
+                <a:cubicBezTo>
+                  <a:pt x="8518155" y="5863"/>
+                  <a:pt x="8640037" y="6483"/>
+                  <a:pt x="8466064" y="18288"/>
+                </a:cubicBezTo>
+                <a:cubicBezTo>
+                  <a:pt x="8292091" y="30093"/>
+                  <a:pt x="7997656" y="18914"/>
+                  <a:pt x="7787693" y="18288"/>
+                </a:cubicBezTo>
+                <a:cubicBezTo>
+                  <a:pt x="7577730" y="17662"/>
+                  <a:pt x="7412468" y="21416"/>
+                  <a:pt x="7217862" y="18288"/>
+                </a:cubicBezTo>
+                <a:cubicBezTo>
+                  <a:pt x="7023256" y="15160"/>
+                  <a:pt x="6898018" y="14824"/>
+                  <a:pt x="6648031" y="18288"/>
+                </a:cubicBezTo>
+                <a:cubicBezTo>
+                  <a:pt x="6398044" y="21752"/>
+                  <a:pt x="6254402" y="38625"/>
+                  <a:pt x="6078200" y="18288"/>
+                </a:cubicBezTo>
+                <a:cubicBezTo>
+                  <a:pt x="5901998" y="-2049"/>
+                  <a:pt x="5622886" y="3213"/>
+                  <a:pt x="5508368" y="18288"/>
+                </a:cubicBezTo>
+                <a:cubicBezTo>
+                  <a:pt x="5393850" y="33363"/>
+                  <a:pt x="5036260" y="26830"/>
+                  <a:pt x="4721459" y="18288"/>
+                </a:cubicBezTo>
+                <a:cubicBezTo>
+                  <a:pt x="4406658" y="9746"/>
+                  <a:pt x="4239221" y="41551"/>
+                  <a:pt x="4043088" y="18288"/>
+                </a:cubicBezTo>
+                <a:cubicBezTo>
+                  <a:pt x="3846955" y="-4975"/>
+                  <a:pt x="3818802" y="34658"/>
+                  <a:pt x="3690336" y="18288"/>
+                </a:cubicBezTo>
+                <a:cubicBezTo>
+                  <a:pt x="3561870" y="1918"/>
+                  <a:pt x="3265491" y="42194"/>
+                  <a:pt x="3120504" y="18288"/>
+                </a:cubicBezTo>
+                <a:cubicBezTo>
+                  <a:pt x="2975517" y="-5618"/>
+                  <a:pt x="2720254" y="36673"/>
+                  <a:pt x="2333595" y="18288"/>
+                </a:cubicBezTo>
+                <a:cubicBezTo>
+                  <a:pt x="1946936" y="-97"/>
+                  <a:pt x="2097241" y="5776"/>
+                  <a:pt x="1872303" y="18288"/>
+                </a:cubicBezTo>
+                <a:cubicBezTo>
+                  <a:pt x="1647365" y="30800"/>
+                  <a:pt x="1282708" y="45380"/>
+                  <a:pt x="976854" y="18288"/>
+                </a:cubicBezTo>
+                <a:cubicBezTo>
+                  <a:pt x="671000" y="-8804"/>
+                  <a:pt x="408401" y="-12775"/>
+                  <a:pt x="0" y="18288"/>
+                </a:cubicBezTo>
+                <a:cubicBezTo>
+                  <a:pt x="-213" y="9468"/>
+                  <a:pt x="187" y="4459"/>
+                  <a:pt x="0" y="0"/>
+                </a:cubicBezTo>
+                <a:close/>
+              </a:path>
+              <a:path w="10853928" h="18288" stroke="0" extrusionOk="0">
+                <a:moveTo>
+                  <a:pt x="0" y="0"/>
+                </a:moveTo>
+                <a:cubicBezTo>
+                  <a:pt x="267322" y="15284"/>
+                  <a:pt x="415388" y="-21048"/>
+                  <a:pt x="569831" y="0"/>
+                </a:cubicBezTo>
+                <a:cubicBezTo>
+                  <a:pt x="724274" y="21048"/>
+                  <a:pt x="769333" y="-2353"/>
+                  <a:pt x="922584" y="0"/>
+                </a:cubicBezTo>
+                <a:cubicBezTo>
+                  <a:pt x="1075835" y="2353"/>
+                  <a:pt x="1399490" y="-145"/>
+                  <a:pt x="1818033" y="0"/>
+                </a:cubicBezTo>
+                <a:cubicBezTo>
+                  <a:pt x="2236576" y="145"/>
+                  <a:pt x="2145330" y="5482"/>
+                  <a:pt x="2387864" y="0"/>
+                </a:cubicBezTo>
+                <a:cubicBezTo>
+                  <a:pt x="2630398" y="-5482"/>
+                  <a:pt x="2793207" y="18487"/>
+                  <a:pt x="2957695" y="0"/>
+                </a:cubicBezTo>
+                <a:cubicBezTo>
+                  <a:pt x="3122183" y="-18487"/>
+                  <a:pt x="3579141" y="19003"/>
+                  <a:pt x="3853144" y="0"/>
+                </a:cubicBezTo>
+                <a:cubicBezTo>
+                  <a:pt x="4127147" y="-19003"/>
+                  <a:pt x="4209857" y="12211"/>
+                  <a:pt x="4314436" y="0"/>
+                </a:cubicBezTo>
+                <a:cubicBezTo>
+                  <a:pt x="4419015" y="-12211"/>
+                  <a:pt x="4762459" y="-17220"/>
+                  <a:pt x="5209885" y="0"/>
+                </a:cubicBezTo>
+                <a:cubicBezTo>
+                  <a:pt x="5657311" y="17220"/>
+                  <a:pt x="5692663" y="-3290"/>
+                  <a:pt x="6105335" y="0"/>
+                </a:cubicBezTo>
+                <a:cubicBezTo>
+                  <a:pt x="6518007" y="3290"/>
+                  <a:pt x="6455516" y="-5124"/>
+                  <a:pt x="6783705" y="0"/>
+                </a:cubicBezTo>
+                <a:cubicBezTo>
+                  <a:pt x="7111894" y="5124"/>
+                  <a:pt x="7441941" y="-17829"/>
+                  <a:pt x="7679154" y="0"/>
+                </a:cubicBezTo>
+                <a:cubicBezTo>
+                  <a:pt x="7916367" y="17829"/>
+                  <a:pt x="8102967" y="-24363"/>
+                  <a:pt x="8248985" y="0"/>
+                </a:cubicBezTo>
+                <a:cubicBezTo>
+                  <a:pt x="8395003" y="24363"/>
+                  <a:pt x="8552393" y="25505"/>
+                  <a:pt x="8818817" y="0"/>
+                </a:cubicBezTo>
+                <a:cubicBezTo>
+                  <a:pt x="9085241" y="-25505"/>
+                  <a:pt x="9411308" y="38000"/>
+                  <a:pt x="9605726" y="0"/>
+                </a:cubicBezTo>
+                <a:cubicBezTo>
+                  <a:pt x="9800144" y="-38000"/>
+                  <a:pt x="10006468" y="-25741"/>
+                  <a:pt x="10175558" y="0"/>
+                </a:cubicBezTo>
+                <a:cubicBezTo>
+                  <a:pt x="10344648" y="25741"/>
+                  <a:pt x="10696282" y="695"/>
+                  <a:pt x="10853928" y="0"/>
+                </a:cubicBezTo>
+                <a:cubicBezTo>
+                  <a:pt x="10853521" y="8690"/>
+                  <a:pt x="10853774" y="14141"/>
+                  <a:pt x="10853928" y="18288"/>
+                </a:cubicBezTo>
+                <a:cubicBezTo>
+                  <a:pt x="10608124" y="24255"/>
+                  <a:pt x="10343415" y="22307"/>
+                  <a:pt x="10067018" y="18288"/>
+                </a:cubicBezTo>
+                <a:cubicBezTo>
+                  <a:pt x="9790621" y="14270"/>
+                  <a:pt x="9843266" y="3564"/>
+                  <a:pt x="9714266" y="18288"/>
+                </a:cubicBezTo>
+                <a:cubicBezTo>
+                  <a:pt x="9585266" y="33012"/>
+                  <a:pt x="9379484" y="1875"/>
+                  <a:pt x="9252974" y="18288"/>
+                </a:cubicBezTo>
+                <a:cubicBezTo>
+                  <a:pt x="9126464" y="34701"/>
+                  <a:pt x="8580678" y="-4904"/>
+                  <a:pt x="8357525" y="18288"/>
+                </a:cubicBezTo>
+                <a:cubicBezTo>
+                  <a:pt x="8134372" y="41480"/>
+                  <a:pt x="7903199" y="26458"/>
+                  <a:pt x="7679154" y="18288"/>
+                </a:cubicBezTo>
+                <a:cubicBezTo>
+                  <a:pt x="7455109" y="10118"/>
+                  <a:pt x="7435944" y="27109"/>
+                  <a:pt x="7217862" y="18288"/>
+                </a:cubicBezTo>
+                <a:cubicBezTo>
+                  <a:pt x="6999780" y="9467"/>
+                  <a:pt x="6680409" y="18985"/>
+                  <a:pt x="6539492" y="18288"/>
+                </a:cubicBezTo>
+                <a:cubicBezTo>
+                  <a:pt x="6398575" y="17592"/>
+                  <a:pt x="6312077" y="33018"/>
+                  <a:pt x="6186739" y="18288"/>
+                </a:cubicBezTo>
+                <a:cubicBezTo>
+                  <a:pt x="6061401" y="3558"/>
+                  <a:pt x="5947033" y="12075"/>
+                  <a:pt x="5833986" y="18288"/>
+                </a:cubicBezTo>
+                <a:cubicBezTo>
+                  <a:pt x="5720939" y="24501"/>
+                  <a:pt x="5482226" y="8586"/>
+                  <a:pt x="5155616" y="18288"/>
+                </a:cubicBezTo>
+                <a:cubicBezTo>
+                  <a:pt x="4829006" y="27991"/>
+                  <a:pt x="4841274" y="29316"/>
+                  <a:pt x="4694324" y="18288"/>
+                </a:cubicBezTo>
+                <a:cubicBezTo>
+                  <a:pt x="4547374" y="7260"/>
+                  <a:pt x="4077675" y="7013"/>
+                  <a:pt x="3907414" y="18288"/>
+                </a:cubicBezTo>
+                <a:cubicBezTo>
+                  <a:pt x="3737153" y="29564"/>
+                  <a:pt x="3538393" y="21630"/>
+                  <a:pt x="3446122" y="18288"/>
+                </a:cubicBezTo>
+                <a:cubicBezTo>
+                  <a:pt x="3353851" y="14946"/>
+                  <a:pt x="2990320" y="-8091"/>
+                  <a:pt x="2659212" y="18288"/>
+                </a:cubicBezTo>
+                <a:cubicBezTo>
+                  <a:pt x="2328104" y="44667"/>
+                  <a:pt x="2427653" y="9607"/>
+                  <a:pt x="2306460" y="18288"/>
+                </a:cubicBezTo>
+                <a:cubicBezTo>
+                  <a:pt x="2185267" y="26969"/>
+                  <a:pt x="1719763" y="3717"/>
+                  <a:pt x="1519550" y="18288"/>
+                </a:cubicBezTo>
+                <a:cubicBezTo>
+                  <a:pt x="1319337" y="32860"/>
+                  <a:pt x="1167371" y="17040"/>
+                  <a:pt x="1058258" y="18288"/>
+                </a:cubicBezTo>
+                <a:cubicBezTo>
+                  <a:pt x="949145" y="19536"/>
+                  <a:pt x="780234" y="31447"/>
+                  <a:pt x="705505" y="18288"/>
+                </a:cubicBezTo>
+                <a:cubicBezTo>
+                  <a:pt x="630776" y="5129"/>
+                  <a:pt x="215796" y="30056"/>
+                  <a:pt x="0" y="18288"/>
+                </a:cubicBezTo>
+                <a:cubicBezTo>
+                  <a:pt x="-53" y="11301"/>
+                  <a:pt x="-649" y="7756"/>
+                  <a:pt x="0" y="0"/>
+                </a:cubicBezTo>
+                <a:close/>
+              </a:path>
+            </a:pathLst>
+          </a:custGeom>
+          <a:solidFill>
+            <a:schemeClr val="accent2"/>
+          </a:solidFill>
+          <a:ln w="41275" cap="rnd">
+            <a:solidFill>
+              <a:schemeClr val="accent2"/>
+            </a:solidFill>
+            <a:round/>
+            <a:extLst>
+              <a:ext uri="{C807C97D-BFC1-408E-A445-0C87EB9F89A2}">
+                <ask:lineSketchStyleProps xmlns:ask="http://schemas.microsoft.com/office/drawing/2018/sketchyshapes" sd="1219033472">
+                  <a:prstGeom prst="rect">
+                    <a:avLst/>
+                  </a:prstGeom>
+                  <ask:type>
+                    <ask:lineSketchFreehand/>
+                  </ask:type>
+                </ask:lineSketchStyleProps>
+              </a:ext>
+            </a:extLst>
+          </a:ln>
+        </p:spPr>
+        <p:style>
+          <a:lnRef idx="2">
+            <a:schemeClr val="accent1">
+              <a:shade val="50000"/>
+            </a:schemeClr>
+          </a:lnRef>
+          <a:fillRef idx="1">
+            <a:schemeClr val="accent1"/>
+          </a:fillRef>
+          <a:effectRef idx="0">
+            <a:schemeClr val="accent1"/>
+          </a:effectRef>
+          <a:fontRef idx="minor">
+            <a:schemeClr val="lt1"/>
+          </a:fontRef>
+        </p:style>
+        <p:txBody>
+          <a:bodyPr rtlCol="0" anchor="ctr"/>
+          <a:lstStyle/>
+          <a:p>
+            <a:pPr algn="ctr"/>
+            <a:endParaRPr lang="en-US" dirty="0"/>
+          </a:p>
+        </p:txBody>
+      </p:sp>
+      <p:sp>
+        <p:nvSpPr>
+          <p:cNvPr id="82" name="Segnaposto numero diapositiva 81">
+            <a:extLst>
+              <a:ext uri="{FF2B5EF4-FFF2-40B4-BE49-F238E27FC236}">
+                <a16:creationId xmlns:a16="http://schemas.microsoft.com/office/drawing/2014/main" id="{CE36A058-BEC2-4BC5-A467-F2EB2A365051}"/>
+              </a:ext>
+            </a:extLst>
+          </p:cNvPr>
+          <p:cNvSpPr>
+            <a:spLocks noGrp="1"/>
+          </p:cNvSpPr>
+          <p:nvPr>
+            <p:ph type="sldNum" sz="quarter" idx="12"/>
+          </p:nvPr>
+        </p:nvSpPr>
+        <p:spPr>
+          <a:xfrm>
+            <a:off x="11597950" y="6531428"/>
+            <a:ext cx="513183" cy="326571"/>
+          </a:xfrm>
+        </p:spPr>
+        <p:txBody>
+          <a:bodyPr vert="horz" lIns="91440" tIns="45720" rIns="91440" bIns="45720" rtlCol="0">
+            <a:normAutofit fontScale="92500" lnSpcReduction="10000"/>
+          </a:bodyPr>
+          <a:lstStyle/>
+          <a:p>
+            <a:pPr>
+              <a:spcAft>
+                <a:spcPts val="600"/>
+              </a:spcAft>
+            </a:pPr>
+            <a:fld id="{B5CEABB6-07DC-46E8-9B57-56EC44A396E5}" type="slidenum">
+              <a:rPr lang="en-US" sz="1800" b="1"/>
+              <a:pPr>
+                <a:spcAft>
+                  <a:spcPts val="600"/>
+                </a:spcAft>
+              </a:pPr>
               <a:t>9</a:t>
             </a:fld>
             <a:endParaRPr lang="en-US" sz="1800" b="1" dirty="0"/>
@@ -37055,8 +37789,8 @@
         </p:nvSpPr>
         <p:spPr>
           <a:xfrm>
-            <a:off x="838200" y="1708976"/>
-            <a:ext cx="10515600" cy="4906427"/>
+            <a:off x="669035" y="1708976"/>
+            <a:ext cx="11442099" cy="5149024"/>
           </a:xfrm>
         </p:spPr>
         <p:txBody>
@@ -37069,23 +37803,23 @@
               <a:buNone/>
             </a:pPr>
             <a:r>
-              <a:rPr lang="it-IT" sz="1700" dirty="0"/>
+              <a:rPr lang="it-IT" sz="1800" dirty="0"/>
               <a:t>Il ruolo di </a:t>
             </a:r>
             <a:r>
-              <a:rPr lang="it-IT" sz="1700" b="1" dirty="0"/>
+              <a:rPr lang="it-IT" sz="1800" b="1" dirty="0"/>
               <a:t>Scrum Master </a:t>
             </a:r>
             <a:r>
-              <a:rPr lang="it-IT" sz="1700" dirty="0"/>
+              <a:rPr lang="it-IT" sz="1800" dirty="0"/>
               <a:t>non appartiene ad un singolo membro del gruppo, ma viene condiviso tra tutti i collaboratori: in base alla sezione/parte del progetto su cui si sta lavorando, è stato scelto un membro come scrum master </a:t>
             </a:r>
             <a:r>
-              <a:rPr lang="it-IT" sz="1700" b="1" dirty="0"/>
+              <a:rPr lang="it-IT" sz="1800" b="1" dirty="0"/>
               <a:t>temporaneo</a:t>
             </a:r>
             <a:r>
-              <a:rPr lang="it-IT" sz="1700" dirty="0"/>
+              <a:rPr lang="it-IT" sz="1800" dirty="0"/>
               <a:t>; se gli altri membri vogliono apportare una modifica in quella parte del progetto, dovranno fare riferimento a lui, per capire se tale modifica è necessaria o meno (lo scrum master ha sempre l’ultima parola). Sebbene il ruolo di scrum master venga designato anticipatamente, i tre collaboratori devono sempre confrontarsi per le nuove modifiche e dare tutti il proprio consenso: sarà compito dello scrum master verificare se tali cambiamenti mantengono la qualità del software alta. Inoltre, lo scrum master deve mantenere alta la motivazione/concentrazione del gruppo, per portare a compimento le singole parti ed eliminare ostacoli che rallentano il lavoro.</a:t>
             </a:r>
           </a:p>
@@ -37093,66 +37827,62 @@
             <a:pPr marL="0" indent="0">
               <a:buNone/>
             </a:pPr>
-            <a:endParaRPr lang="it-IT" sz="1700" dirty="0"/>
+            <a:endParaRPr lang="it-IT" sz="1800" dirty="0"/>
           </a:p>
           <a:p>
             <a:pPr marL="0" indent="0">
               <a:buNone/>
             </a:pPr>
             <a:r>
-              <a:rPr lang="it-IT" sz="1700" dirty="0"/>
+              <a:rPr lang="it-IT" sz="1800" dirty="0"/>
               <a:t>Ogni settimana i membri si incontrano per effettuare un </a:t>
             </a:r>
             <a:r>
-              <a:rPr lang="it-IT" sz="1700" b="1" dirty="0"/>
+              <a:rPr lang="it-IT" sz="1800" b="1" dirty="0"/>
               <a:t>weekly scrum</a:t>
             </a:r>
             <a:r>
-              <a:rPr lang="it-IT" sz="1700" dirty="0"/>
+              <a:rPr lang="it-IT" sz="1800" dirty="0"/>
               <a:t>: viene eseguito un resoconto sull’andamento del progetto nella settimana passata, vengono corretti errori e si cerca di trovare una soluzione comune a problemi di comprensione/dubbi di uno o più membri. Ogni </a:t>
             </a:r>
             <a:r>
-              <a:rPr lang="it-IT" sz="1700" b="1" dirty="0"/>
+              <a:rPr lang="it-IT" sz="1800" b="1" dirty="0"/>
               <a:t>sprint </a:t>
             </a:r>
             <a:r>
-              <a:rPr lang="it-IT" sz="1700" dirty="0"/>
+              <a:rPr lang="it-IT" sz="1800" dirty="0"/>
               <a:t>ha la</a:t>
             </a:r>
             <a:r>
-              <a:rPr lang="it-IT" sz="1700" b="1" dirty="0"/>
+              <a:rPr lang="it-IT" sz="1800" b="1" dirty="0"/>
               <a:t> </a:t>
             </a:r>
             <a:r>
-              <a:rPr lang="it-IT" sz="1700" dirty="0"/>
+              <a:rPr lang="it-IT" sz="1800" dirty="0"/>
               <a:t>durata di una settimana, entro la quale viene effettuato il weekly scrum; prima di procedere con lo sprint vero e proprio, è necessario stilare una lista di desideri/richieste, i quali devono essere portati a compimento entro la settimana corrente (</a:t>
             </a:r>
             <a:r>
-              <a:rPr lang="it-IT" sz="1700" b="1" dirty="0"/>
+              <a:rPr lang="it-IT" sz="1800" b="1" dirty="0"/>
               <a:t>sprint backlog</a:t>
             </a:r>
             <a:r>
-              <a:rPr lang="it-IT" sz="1700" dirty="0"/>
+              <a:rPr lang="it-IT" sz="1800" dirty="0"/>
               <a:t>). Il </a:t>
             </a:r>
             <a:r>
-              <a:rPr lang="it-IT" sz="1700" b="1" dirty="0"/>
-              <a:t>product </a:t>
-            </a:r>
-            <a:r>
-              <a:rPr lang="it-IT" sz="1700" b="1" dirty="0" err="1"/>
-              <a:t>owner</a:t>
-            </a:r>
-            <a:r>
-              <a:rPr lang="it-IT" sz="1700" dirty="0"/>
+              <a:rPr lang="it-IT" sz="1800" b="1" dirty="0"/>
+              <a:t>product owner</a:t>
+            </a:r>
+            <a:r>
+              <a:rPr lang="it-IT" sz="1800" dirty="0"/>
               <a:t>, oltre a fare da tramite tra il gruppo di lavoro e i «clienti» (ospedale), deve definire una lista di priorità (</a:t>
             </a:r>
             <a:r>
-              <a:rPr lang="it-IT" sz="1700" b="1" dirty="0"/>
+              <a:rPr lang="it-IT" sz="1800" b="1" dirty="0"/>
               <a:t>product backlog</a:t>
             </a:r>
             <a:r>
-              <a:rPr lang="it-IT" sz="1700" dirty="0"/>
+              <a:rPr lang="it-IT" sz="1800" dirty="0"/>
               <a:t>): da essa si ricavano le voci degli sprint backlog; quindi, l’obiettivo è andare a concludere tutti i punti presenti nell’elenco attraverso la sequenza di sprint.</a:t>
             </a:r>
           </a:p>
@@ -37161,7 +37891,7 @@
               <a:buNone/>
             </a:pPr>
             <a:r>
-              <a:rPr lang="it-IT" sz="1700" dirty="0"/>
+              <a:rPr lang="it-IT" sz="1800" dirty="0"/>
               <a:t>La comunicazione, diretta e non, è molto importante: i membri del gruppo devono sempre essere aggiornati su nuove modifiche o richieste, e ciò avviene grazie ad app di messagistica o issue su GitHub.</a:t>
             </a:r>
           </a:p>
@@ -38066,15 +38796,6 @@
 </file>
 
 <file path=customXml/item1.xml><?xml version="1.0" encoding="utf-8"?>
-<?mso-contentType ?>
-<FormTemplates xmlns="http://schemas.microsoft.com/sharepoint/v3/contenttype/forms">
-  <Display>DocumentLibraryForm</Display>
-  <Edit>DocumentLibraryForm</Edit>
-  <New>DocumentLibraryForm</New>
-</FormTemplates>
-</file>
-
-<file path=customXml/item2.xml><?xml version="1.0" encoding="utf-8"?>
 <ct:contentTypeSchema xmlns:ct="http://schemas.microsoft.com/office/2006/metadata/contentType" xmlns:ma="http://schemas.microsoft.com/office/2006/metadata/properties/metaAttributes" ct:_="" ma:_="" ma:contentTypeName="Documento" ma:contentTypeID="0x0101007CE6213B20D2F945B0D1473923EE410F" ma:contentTypeVersion="7" ma:contentTypeDescription="Creare un nuovo documento." ma:contentTypeScope="" ma:versionID="dc8ac43e96b461727accd63cf925a5cf">
   <xsd:schema xmlns:xsd="http://www.w3.org/2001/XMLSchema" xmlns:xs="http://www.w3.org/2001/XMLSchema" xmlns:p="http://schemas.microsoft.com/office/2006/metadata/properties" xmlns:ns2="243f3390-b919-40e8-8195-3613e8527352" targetNamespace="http://schemas.microsoft.com/office/2006/metadata/properties" ma:root="true" ma:fieldsID="1987007e621e1b24d40e437f012b913d" ns2:_="">
     <xsd:import namespace="243f3390-b919-40e8-8195-3613e8527352"/>
@@ -38236,6 +38957,15 @@
 </ct:contentTypeSchema>
 </file>
 
+<file path=customXml/item2.xml><?xml version="1.0" encoding="utf-8"?>
+<?mso-contentType ?>
+<FormTemplates xmlns="http://schemas.microsoft.com/sharepoint/v3/contenttype/forms">
+  <Display>DocumentLibraryForm</Display>
+  <Edit>DocumentLibraryForm</Edit>
+  <New>DocumentLibraryForm</New>
+</FormTemplates>
+</file>
+
 <file path=customXml/item3.xml><?xml version="1.0" encoding="utf-8"?>
 <p:properties xmlns:p="http://schemas.microsoft.com/office/2006/metadata/properties" xmlns:xsi="http://www.w3.org/2001/XMLSchema-instance" xmlns:pc="http://schemas.microsoft.com/office/infopath/2007/PartnerControls">
   <documentManagement/>
@@ -38243,14 +38973,6 @@
 </file>
 
 <file path=customXml/itemProps1.xml><?xml version="1.0" encoding="utf-8"?>
-<ds:datastoreItem xmlns:ds="http://schemas.openxmlformats.org/officeDocument/2006/customXml" ds:itemID="{42BC90D6-94CF-42F7-AAC4-9CF6824C54D5}">
-  <ds:schemaRefs>
-    <ds:schemaRef ds:uri="http://schemas.microsoft.com/sharepoint/v3/contenttype/forms"/>
-  </ds:schemaRefs>
-</ds:datastoreItem>
-</file>
-
-<file path=customXml/itemProps2.xml><?xml version="1.0" encoding="utf-8"?>
 <ds:datastoreItem xmlns:ds="http://schemas.openxmlformats.org/officeDocument/2006/customXml" ds:itemID="{1A503E23-9696-4358-8F00-F7F66AC755EB}">
   <ds:schemaRefs>
     <ds:schemaRef ds:uri="http://schemas.microsoft.com/office/2006/metadata/contentType"/>
@@ -38264,6 +38986,14 @@
     <ds:schemaRef ds:uri="http://purl.org/dc/elements/1.1/"/>
     <ds:schemaRef ds:uri="http://purl.org/dc/terms/"/>
     <ds:schemaRef ds:uri="http://schemas.microsoft.com/internal/obd"/>
+  </ds:schemaRefs>
+</ds:datastoreItem>
+</file>
+
+<file path=customXml/itemProps2.xml><?xml version="1.0" encoding="utf-8"?>
+<ds:datastoreItem xmlns:ds="http://schemas.openxmlformats.org/officeDocument/2006/customXml" ds:itemID="{42BC90D6-94CF-42F7-AAC4-9CF6824C54D5}">
+  <ds:schemaRefs>
+    <ds:schemaRef ds:uri="http://schemas.microsoft.com/sharepoint/v3/contenttype/forms"/>
   </ds:schemaRefs>
 </ds:datastoreItem>
 </file>

--- a/Presentazione/Presentazione_Progetto.pptx
+++ b/Presentazione/Presentazione_Progetto.pptx
@@ -170,7 +170,7 @@
 <file path=ppt/revisionInfo.xml><?xml version="1.0" encoding="utf-8"?>
 <p1510:revInfo xmlns:a="http://schemas.openxmlformats.org/drawingml/2006/main" xmlns:r="http://schemas.openxmlformats.org/officeDocument/2006/relationships" xmlns:p1510="http://schemas.microsoft.com/office/powerpoint/2015/10/main">
   <p1510:revLst>
-    <p1510:client id="{E6DC4EAA-0AC7-4D8A-9ABA-9B4C09DD8308}" v="454" dt="2024-03-19T21:54:21.522"/>
+    <p1510:client id="{E6DC4EAA-0AC7-4D8A-9ABA-9B4C09DD8308}" v="455" dt="2024-03-20T16:24:22.856"/>
   </p1510:revLst>
 </p1510:revInfo>
 </file>
@@ -180,7 +180,7 @@
   <pc:docChgLst>
     <pc:chgData name="Matteo MANGILI" userId="89c7df381375e6aa" providerId="LiveId" clId="{E6DC4EAA-0AC7-4D8A-9ABA-9B4C09DD8308}"/>
     <pc:docChg chg="undo custSel addSld delSld modSld sldOrd">
-      <pc:chgData name="Matteo MANGILI" userId="89c7df381375e6aa" providerId="LiveId" clId="{E6DC4EAA-0AC7-4D8A-9ABA-9B4C09DD8308}" dt="2024-03-19T21:54:06.791" v="11777" actId="20577"/>
+      <pc:chgData name="Matteo MANGILI" userId="89c7df381375e6aa" providerId="LiveId" clId="{E6DC4EAA-0AC7-4D8A-9ABA-9B4C09DD8308}" dt="2024-03-20T16:24:37.933" v="11924" actId="14100"/>
       <pc:docMkLst>
         <pc:docMk/>
       </pc:docMkLst>
@@ -322,13 +322,13 @@
         </pc:spChg>
       </pc:sldChg>
       <pc:sldChg chg="modSp mod">
-        <pc:chgData name="Matteo MANGILI" userId="89c7df381375e6aa" providerId="LiveId" clId="{E6DC4EAA-0AC7-4D8A-9ABA-9B4C09DD8308}" dt="2024-03-03T17:07:03.699" v="8123" actId="20577"/>
+        <pc:chgData name="Matteo MANGILI" userId="89c7df381375e6aa" providerId="LiveId" clId="{E6DC4EAA-0AC7-4D8A-9ABA-9B4C09DD8308}" dt="2024-03-20T16:22:33.349" v="11810" actId="20577"/>
         <pc:sldMkLst>
           <pc:docMk/>
           <pc:sldMk cId="2728347993" sldId="304"/>
         </pc:sldMkLst>
         <pc:spChg chg="mod">
-          <ac:chgData name="Matteo MANGILI" userId="89c7df381375e6aa" providerId="LiveId" clId="{E6DC4EAA-0AC7-4D8A-9ABA-9B4C09DD8308}" dt="2024-03-03T17:07:03.699" v="8123" actId="20577"/>
+          <ac:chgData name="Matteo MANGILI" userId="89c7df381375e6aa" providerId="LiveId" clId="{E6DC4EAA-0AC7-4D8A-9ABA-9B4C09DD8308}" dt="2024-03-20T16:22:33.349" v="11810" actId="20577"/>
           <ac:spMkLst>
             <pc:docMk/>
             <pc:sldMk cId="2728347993" sldId="304"/>
@@ -421,13 +421,21 @@
         </pc:spChg>
       </pc:sldChg>
       <pc:sldChg chg="modSp mod">
-        <pc:chgData name="Matteo MANGILI" userId="89c7df381375e6aa" providerId="LiveId" clId="{E6DC4EAA-0AC7-4D8A-9ABA-9B4C09DD8308}" dt="2024-03-17T16:11:04.359" v="8254" actId="20577"/>
+        <pc:chgData name="Matteo MANGILI" userId="89c7df381375e6aa" providerId="LiveId" clId="{E6DC4EAA-0AC7-4D8A-9ABA-9B4C09DD8308}" dt="2024-03-20T16:24:37.933" v="11924" actId="14100"/>
         <pc:sldMkLst>
           <pc:docMk/>
           <pc:sldMk cId="3576197673" sldId="313"/>
         </pc:sldMkLst>
-        <pc:graphicFrameChg chg="modGraphic">
-          <ac:chgData name="Matteo MANGILI" userId="89c7df381375e6aa" providerId="LiveId" clId="{E6DC4EAA-0AC7-4D8A-9ABA-9B4C09DD8308}" dt="2024-03-17T16:11:04.359" v="8254" actId="20577"/>
+        <pc:spChg chg="mod">
+          <ac:chgData name="Matteo MANGILI" userId="89c7df381375e6aa" providerId="LiveId" clId="{E6DC4EAA-0AC7-4D8A-9ABA-9B4C09DD8308}" dt="2024-03-20T16:24:37.933" v="11924" actId="14100"/>
+          <ac:spMkLst>
+            <pc:docMk/>
+            <pc:sldMk cId="3576197673" sldId="313"/>
+            <ac:spMk id="6" creationId="{A21CD12A-53B2-6614-9940-D7E125574BDE}"/>
+          </ac:spMkLst>
+        </pc:spChg>
+        <pc:graphicFrameChg chg="mod modGraphic">
+          <ac:chgData name="Matteo MANGILI" userId="89c7df381375e6aa" providerId="LiveId" clId="{E6DC4EAA-0AC7-4D8A-9ABA-9B4C09DD8308}" dt="2024-03-20T16:24:29.665" v="11923" actId="20577"/>
           <ac:graphicFrameMkLst>
             <pc:docMk/>
             <pc:sldMk cId="3576197673" sldId="313"/>
@@ -1569,7 +1577,7 @@
             <a:pPr rtl="0"/>
             <a:fld id="{DBC54730-5EBA-4920-A6C4-7F8458A7F940}" type="datetime1">
               <a:rPr lang="it-IT" smtClean="0"/>
-              <a:t>19/03/2024</a:t>
+              <a:t>20/03/2024</a:t>
             </a:fld>
             <a:endParaRPr lang="it-IT" dirty="0"/>
           </a:p>
@@ -1751,7 +1759,7 @@
             <a:fld id="{85EC1C34-318D-43A8-83F5-3AC8647FE75E}" type="datetime1">
               <a:rPr lang="it-IT" smtClean="0"/>
               <a:pPr/>
-              <a:t>19/03/2024</a:t>
+              <a:t>20/03/2024</a:t>
             </a:fld>
             <a:endParaRPr lang="it-IT" dirty="0"/>
           </a:p>
@@ -17988,14 +17996,14 @@
             <p:ph idx="1"/>
             <p:extLst>
               <p:ext uri="{D42A27DB-BD31-4B8C-83A1-F6EECF244321}">
-                <p14:modId xmlns:p14="http://schemas.microsoft.com/office/powerpoint/2010/main" val="154795556"/>
+                <p14:modId xmlns:p14="http://schemas.microsoft.com/office/powerpoint/2010/main" val="3543649560"/>
               </p:ext>
             </p:extLst>
           </p:nvPr>
         </p:nvGraphicFramePr>
         <p:xfrm>
           <a:off x="838200" y="1825625"/>
-          <a:ext cx="10515600" cy="4388562"/>
+          <a:ext cx="10515600" cy="4661028"/>
         </p:xfrm>
         <a:graphic>
           <a:graphicData uri="http://schemas.openxmlformats.org/drawingml/2006/table">
@@ -18232,17 +18240,7 @@
                       </a:pPr>
                       <a:r>
                         <a:rPr lang="it-IT" sz="1600" dirty="0"/>
-                        <a:t>Notifiche Esami da effettuare</a:t>
-                      </a:r>
-                    </a:p>
-                    <a:p>
-                      <a:pPr marL="285750" indent="-285750">
-                        <a:buFont typeface="Arial" panose="020B0604020202020204" pitchFamily="34" charset="0"/>
-                        <a:buChar char="•"/>
-                      </a:pPr>
-                      <a:r>
-                        <a:rPr lang="it-IT" sz="1600" dirty="0"/>
-                        <a:t>Iscrizione Lista Graduatoria</a:t>
+                        <a:t>Controlli sulle modifiche di pagine anagrafiche, operazioni e verbali</a:t>
                       </a:r>
                     </a:p>
                   </a:txBody>
@@ -18358,17 +18356,7 @@
                       </a:pPr>
                       <a:r>
                         <a:rPr lang="it-IT" sz="1600" dirty="0"/>
-                        <a:t>Analisi Rischio sanitario</a:t>
-                      </a:r>
-                    </a:p>
-                    <a:p>
-                      <a:pPr marL="285750" indent="-285750">
-                        <a:buFont typeface="Arial" panose="020B0604020202020204" pitchFamily="34" charset="0"/>
-                        <a:buChar char="•"/>
-                      </a:pPr>
-                      <a:r>
-                        <a:rPr lang="it-IT" sz="1600" dirty="0"/>
-                        <a:t>Analisi Statistiche Interventi Medici</a:t>
+                        <a:t>Stampa PDF dei Verbali</a:t>
                       </a:r>
                     </a:p>
                   </a:txBody>
@@ -18484,8 +18472,25 @@
                       </a:pPr>
                       <a:r>
                         <a:rPr lang="it-IT" sz="1600" dirty="0"/>
-                        <a:t>Possibilità di consultare altri medici prima dell’intervento</a:t>
+                        <a:t>Gestione dell’accesso contemporaneo allo stesso elemento da parte di più operatori </a:t>
                       </a:r>
+                    </a:p>
+                    <a:p>
+                      <a:pPr marL="285750" indent="-285750">
+                        <a:buFont typeface="Arial" panose="020B0604020202020204" pitchFamily="34" charset="0"/>
+                        <a:buChar char="•"/>
+                      </a:pPr>
+                      <a:r>
+                        <a:rPr lang="it-IT" sz="1600" dirty="0"/>
+                        <a:t>Implementazione delle mansioni di infermieri e cabina di regia</a:t>
+                      </a:r>
+                    </a:p>
+                    <a:p>
+                      <a:pPr marL="285750" indent="-285750">
+                        <a:buFont typeface="Arial" panose="020B0604020202020204" pitchFamily="34" charset="0"/>
+                        <a:buChar char="•"/>
+                      </a:pPr>
+                      <a:endParaRPr lang="it-IT" sz="1600" dirty="0"/>
                     </a:p>
                   </a:txBody>
                   <a:tcPr>
@@ -18555,8 +18560,8 @@
         </p:nvSpPr>
         <p:spPr>
           <a:xfrm>
-            <a:off x="8610600" y="6120882"/>
-            <a:ext cx="2743200" cy="600593"/>
+            <a:off x="8610599" y="6120882"/>
+            <a:ext cx="3388567" cy="600593"/>
           </a:xfrm>
         </p:spPr>
         <p:txBody>
@@ -22175,72 +22180,145 @@
             </a:r>
           </a:p>
           <a:p>
-            <a:pPr>
+            <a:pPr lvl="0">
+              <a:lnSpc>
+                <a:spcPct val="107000"/>
+              </a:lnSpc>
+              <a:spcAft>
+                <a:spcPts val="800"/>
+              </a:spcAft>
               <a:buFont typeface="Wingdings" panose="05000000000000000000" pitchFamily="2" charset="2"/>
               <a:buChar char="Ø"/>
             </a:pPr>
             <a:r>
-              <a:rPr lang="en-US" sz="1800" dirty="0"/>
+              <a:rPr lang="it-IT" sz="1800" i="1" kern="100" dirty="0">
+                <a:effectLst/>
+                <a:latin typeface="Calibri" panose="020F0502020204030204" pitchFamily="34" charset="0"/>
+                <a:ea typeface="Calibri" panose="020F0502020204030204" pitchFamily="34" charset="0"/>
+                <a:cs typeface="Arial" panose="020B0604020202020204" pitchFamily="34" charset="0"/>
+              </a:rPr>
               <a:t>Autenticazione Medico</a:t>
             </a:r>
-          </a:p>
-          <a:p>
-            <a:pPr>
+            <a:endParaRPr lang="it-IT" sz="1800" kern="100" dirty="0">
+              <a:effectLst/>
+              <a:latin typeface="Calibri" panose="020F0502020204030204" pitchFamily="34" charset="0"/>
+              <a:ea typeface="Calibri" panose="020F0502020204030204" pitchFamily="34" charset="0"/>
+              <a:cs typeface="Arial" panose="020B0604020202020204" pitchFamily="34" charset="0"/>
+            </a:endParaRPr>
+          </a:p>
+          <a:p>
+            <a:pPr lvl="0">
+              <a:lnSpc>
+                <a:spcPct val="107000"/>
+              </a:lnSpc>
+              <a:spcAft>
+                <a:spcPts val="800"/>
+              </a:spcAft>
               <a:buFont typeface="Wingdings" panose="05000000000000000000" pitchFamily="2" charset="2"/>
               <a:buChar char="Ø"/>
+              <a:tabLst>
+                <a:tab pos="457200" algn="l"/>
+              </a:tabLst>
             </a:pPr>
             <a:r>
-              <a:rPr lang="it-IT" sz="1800" dirty="0"/>
-              <a:t>Registrazione Cartella Paziente nel Sistema</a:t>
-            </a:r>
-          </a:p>
-          <a:p>
-            <a:pPr>
+              <a:rPr lang="it-IT" sz="1800" i="1" kern="100" dirty="0">
+                <a:effectLst/>
+                <a:latin typeface="Calibri" panose="020F0502020204030204" pitchFamily="34" charset="0"/>
+                <a:ea typeface="Calibri" panose="020F0502020204030204" pitchFamily="34" charset="0"/>
+                <a:cs typeface="Arial" panose="020B0604020202020204" pitchFamily="34" charset="0"/>
+              </a:rPr>
+              <a:t>Registrazione e Gestione della Pagina </a:t>
+            </a:r>
+            <a:r>
+              <a:rPr lang="it-IT" sz="1800" i="1" kern="100" dirty="0">
+                <a:latin typeface="Calibri" panose="020F0502020204030204" pitchFamily="34" charset="0"/>
+                <a:ea typeface="Calibri" panose="020F0502020204030204" pitchFamily="34" charset="0"/>
+                <a:cs typeface="Arial" panose="020B0604020202020204" pitchFamily="34" charset="0"/>
+              </a:rPr>
+              <a:t>A</a:t>
+            </a:r>
+            <a:r>
+              <a:rPr lang="it-IT" sz="1800" i="1" kern="100" dirty="0">
+                <a:effectLst/>
+                <a:latin typeface="Calibri" panose="020F0502020204030204" pitchFamily="34" charset="0"/>
+                <a:ea typeface="Calibri" panose="020F0502020204030204" pitchFamily="34" charset="0"/>
+                <a:cs typeface="Arial" panose="020B0604020202020204" pitchFamily="34" charset="0"/>
+              </a:rPr>
+              <a:t>nagrafica dei Pazienti</a:t>
+            </a:r>
+            <a:endParaRPr lang="it-IT" sz="1800" kern="100" dirty="0">
+              <a:effectLst/>
+              <a:latin typeface="Calibri" panose="020F0502020204030204" pitchFamily="34" charset="0"/>
+              <a:ea typeface="Calibri" panose="020F0502020204030204" pitchFamily="34" charset="0"/>
+              <a:cs typeface="Arial" panose="020B0604020202020204" pitchFamily="34" charset="0"/>
+            </a:endParaRPr>
+          </a:p>
+          <a:p>
+            <a:pPr lvl="0">
+              <a:lnSpc>
+                <a:spcPct val="107000"/>
+              </a:lnSpc>
+              <a:spcAft>
+                <a:spcPts val="800"/>
+              </a:spcAft>
               <a:buFont typeface="Wingdings" panose="05000000000000000000" pitchFamily="2" charset="2"/>
               <a:buChar char="Ø"/>
+              <a:tabLst>
+                <a:tab pos="457200" algn="l"/>
+              </a:tabLst>
             </a:pPr>
             <a:r>
-              <a:rPr lang="en-US" sz="1800" dirty="0"/>
-              <a:t>Iscrizione/Gestione alla Lista Operatoria </a:t>
-            </a:r>
-          </a:p>
-          <a:p>
-            <a:pPr>
+              <a:rPr lang="it-IT" sz="1800" i="1" kern="100" dirty="0">
+                <a:effectLst/>
+                <a:latin typeface="Calibri" panose="020F0502020204030204" pitchFamily="34" charset="0"/>
+                <a:ea typeface="Calibri" panose="020F0502020204030204" pitchFamily="34" charset="0"/>
+                <a:cs typeface="Arial" panose="020B0604020202020204" pitchFamily="34" charset="0"/>
+              </a:rPr>
+              <a:t>Registrazione e Gestione delle Operazioni </a:t>
+            </a:r>
+            <a:endParaRPr lang="it-IT" sz="1800" kern="100" dirty="0">
+              <a:effectLst/>
+              <a:latin typeface="Calibri" panose="020F0502020204030204" pitchFamily="34" charset="0"/>
+              <a:ea typeface="Calibri" panose="020F0502020204030204" pitchFamily="34" charset="0"/>
+              <a:cs typeface="Arial" panose="020B0604020202020204" pitchFamily="34" charset="0"/>
+            </a:endParaRPr>
+          </a:p>
+          <a:p>
+            <a:pPr lvl="0">
+              <a:lnSpc>
+                <a:spcPct val="107000"/>
+              </a:lnSpc>
+              <a:spcAft>
+                <a:spcPts val="800"/>
+              </a:spcAft>
               <a:buFont typeface="Wingdings" panose="05000000000000000000" pitchFamily="2" charset="2"/>
               <a:buChar char="Ø"/>
+              <a:tabLst>
+                <a:tab pos="457200" algn="l"/>
+              </a:tabLst>
             </a:pPr>
             <a:r>
-              <a:rPr lang="en-US" sz="1800" dirty="0"/>
-              <a:t>Eseguire Intervento</a:t>
-            </a:r>
-          </a:p>
-          <a:p>
-            <a:pPr>
-              <a:buFont typeface="Wingdings" panose="05000000000000000000" pitchFamily="2" charset="2"/>
-              <a:buChar char="Ø"/>
-            </a:pPr>
-            <a:r>
-              <a:rPr lang="en-US" sz="1800" dirty="0"/>
-              <a:t>Compilazione/Gestione Verbale Medico</a:t>
-            </a:r>
-          </a:p>
-          <a:p>
-            <a:pPr>
-              <a:buFont typeface="Wingdings" panose="05000000000000000000" pitchFamily="2" charset="2"/>
-              <a:buChar char="Ø"/>
-            </a:pPr>
-            <a:r>
-              <a:rPr lang="en-US" sz="1800" dirty="0"/>
-              <a:t>Stampa Verbale</a:t>
-            </a:r>
+              <a:rPr lang="it-IT" sz="1800" i="1" kern="100" dirty="0">
+                <a:effectLst/>
+                <a:latin typeface="Calibri" panose="020F0502020204030204" pitchFamily="34" charset="0"/>
+                <a:ea typeface="Calibri" panose="020F0502020204030204" pitchFamily="34" charset="0"/>
+                <a:cs typeface="Arial" panose="020B0604020202020204" pitchFamily="34" charset="0"/>
+              </a:rPr>
+              <a:t>Registrazione e Gestione dei Verbali Medici</a:t>
+            </a:r>
+            <a:endParaRPr lang="en-US" sz="1800" dirty="0"/>
           </a:p>
           <a:p>
             <a:pPr marL="0" indent="0">
               <a:buNone/>
             </a:pPr>
             <a:r>
+              <a:rPr lang="en-US" sz="1800" dirty="0" err="1"/>
+              <a:t>Nell’implementazione</a:t>
+            </a:r>
+            <a:r>
               <a:rPr lang="en-US" sz="1800" dirty="0"/>
-              <a:t>Nell’implementazione del codice si è tenuto maggiormente conto delle attività svolte dal medico, piuttosto che delle mansioni possibili di infermieri e cabina di regia (considerando che, a livello di codice, sarebbe stato difficile fare in modo che più classi potessero agire sullo stesso oggetto, quale verbale o lista).</a:t>
+              <a:t> del codice si è tenuto maggiormente conto delle attività svolte dal medico, piuttosto che delle mansioni possibili di infermieri e cabina di regia (considerando che, a livello di codice, sarebbe stato difficile fare in modo che più classi potessero agire sullo stesso oggetto, quale verbale o lista).</a:t>
             </a:r>
           </a:p>
           <a:p>
@@ -38796,6 +38874,15 @@
 </file>
 
 <file path=customXml/item1.xml><?xml version="1.0" encoding="utf-8"?>
+<?mso-contentType ?>
+<FormTemplates xmlns="http://schemas.microsoft.com/sharepoint/v3/contenttype/forms">
+  <Display>DocumentLibraryForm</Display>
+  <Edit>DocumentLibraryForm</Edit>
+  <New>DocumentLibraryForm</New>
+</FormTemplates>
+</file>
+
+<file path=customXml/item2.xml><?xml version="1.0" encoding="utf-8"?>
 <ct:contentTypeSchema xmlns:ct="http://schemas.microsoft.com/office/2006/metadata/contentType" xmlns:ma="http://schemas.microsoft.com/office/2006/metadata/properties/metaAttributes" ct:_="" ma:_="" ma:contentTypeName="Documento" ma:contentTypeID="0x0101007CE6213B20D2F945B0D1473923EE410F" ma:contentTypeVersion="7" ma:contentTypeDescription="Creare un nuovo documento." ma:contentTypeScope="" ma:versionID="dc8ac43e96b461727accd63cf925a5cf">
   <xsd:schema xmlns:xsd="http://www.w3.org/2001/XMLSchema" xmlns:xs="http://www.w3.org/2001/XMLSchema" xmlns:p="http://schemas.microsoft.com/office/2006/metadata/properties" xmlns:ns2="243f3390-b919-40e8-8195-3613e8527352" targetNamespace="http://schemas.microsoft.com/office/2006/metadata/properties" ma:root="true" ma:fieldsID="1987007e621e1b24d40e437f012b913d" ns2:_="">
     <xsd:import namespace="243f3390-b919-40e8-8195-3613e8527352"/>
@@ -38957,15 +39044,6 @@
 </ct:contentTypeSchema>
 </file>
 
-<file path=customXml/item2.xml><?xml version="1.0" encoding="utf-8"?>
-<?mso-contentType ?>
-<FormTemplates xmlns="http://schemas.microsoft.com/sharepoint/v3/contenttype/forms">
-  <Display>DocumentLibraryForm</Display>
-  <Edit>DocumentLibraryForm</Edit>
-  <New>DocumentLibraryForm</New>
-</FormTemplates>
-</file>
-
 <file path=customXml/item3.xml><?xml version="1.0" encoding="utf-8"?>
 <p:properties xmlns:p="http://schemas.microsoft.com/office/2006/metadata/properties" xmlns:xsi="http://www.w3.org/2001/XMLSchema-instance" xmlns:pc="http://schemas.microsoft.com/office/infopath/2007/PartnerControls">
   <documentManagement/>
@@ -38973,6 +39051,14 @@
 </file>
 
 <file path=customXml/itemProps1.xml><?xml version="1.0" encoding="utf-8"?>
+<ds:datastoreItem xmlns:ds="http://schemas.openxmlformats.org/officeDocument/2006/customXml" ds:itemID="{42BC90D6-94CF-42F7-AAC4-9CF6824C54D5}">
+  <ds:schemaRefs>
+    <ds:schemaRef ds:uri="http://schemas.microsoft.com/sharepoint/v3/contenttype/forms"/>
+  </ds:schemaRefs>
+</ds:datastoreItem>
+</file>
+
+<file path=customXml/itemProps2.xml><?xml version="1.0" encoding="utf-8"?>
 <ds:datastoreItem xmlns:ds="http://schemas.openxmlformats.org/officeDocument/2006/customXml" ds:itemID="{1A503E23-9696-4358-8F00-F7F66AC755EB}">
   <ds:schemaRefs>
     <ds:schemaRef ds:uri="http://schemas.microsoft.com/office/2006/metadata/contentType"/>
@@ -38986,14 +39072,6 @@
     <ds:schemaRef ds:uri="http://purl.org/dc/elements/1.1/"/>
     <ds:schemaRef ds:uri="http://purl.org/dc/terms/"/>
     <ds:schemaRef ds:uri="http://schemas.microsoft.com/internal/obd"/>
-  </ds:schemaRefs>
-</ds:datastoreItem>
-</file>
-
-<file path=customXml/itemProps2.xml><?xml version="1.0" encoding="utf-8"?>
-<ds:datastoreItem xmlns:ds="http://schemas.openxmlformats.org/officeDocument/2006/customXml" ds:itemID="{42BC90D6-94CF-42F7-AAC4-9CF6824C54D5}">
-  <ds:schemaRefs>
-    <ds:schemaRef ds:uri="http://schemas.microsoft.com/sharepoint/v3/contenttype/forms"/>
   </ds:schemaRefs>
 </ds:datastoreItem>
 </file>

--- a/Presentazione/Presentazione_Progetto.pptx
+++ b/Presentazione/Presentazione_Progetto.pptx
@@ -170,7 +170,7 @@
 <file path=ppt/revisionInfo.xml><?xml version="1.0" encoding="utf-8"?>
 <p1510:revInfo xmlns:a="http://schemas.openxmlformats.org/drawingml/2006/main" xmlns:r="http://schemas.openxmlformats.org/officeDocument/2006/relationships" xmlns:p1510="http://schemas.microsoft.com/office/powerpoint/2015/10/main">
   <p1510:revLst>
-    <p1510:client id="{E6DC4EAA-0AC7-4D8A-9ABA-9B4C09DD8308}" v="455" dt="2024-03-20T16:24:22.856"/>
+    <p1510:client id="{E6DC4EAA-0AC7-4D8A-9ABA-9B4C09DD8308}" v="460" dt="2024-03-20T17:28:15.730"/>
   </p1510:revLst>
 </p1510:revInfo>
 </file>
@@ -180,7 +180,7 @@
   <pc:docChgLst>
     <pc:chgData name="Matteo MANGILI" userId="89c7df381375e6aa" providerId="LiveId" clId="{E6DC4EAA-0AC7-4D8A-9ABA-9B4C09DD8308}"/>
     <pc:docChg chg="undo custSel addSld delSld modSld sldOrd">
-      <pc:chgData name="Matteo MANGILI" userId="89c7df381375e6aa" providerId="LiveId" clId="{E6DC4EAA-0AC7-4D8A-9ABA-9B4C09DD8308}" dt="2024-03-20T16:24:37.933" v="11924" actId="14100"/>
+      <pc:chgData name="Matteo MANGILI" userId="89c7df381375e6aa" providerId="LiveId" clId="{E6DC4EAA-0AC7-4D8A-9ABA-9B4C09DD8308}" dt="2024-03-20T17:39:11.475" v="12975" actId="20577"/>
       <pc:docMkLst>
         <pc:docMk/>
       </pc:docMkLst>
@@ -276,14 +276,22 @@
           </ac:spMkLst>
         </pc:spChg>
       </pc:sldChg>
-      <pc:sldChg chg="modSp mod">
-        <pc:chgData name="Matteo MANGILI" userId="89c7df381375e6aa" providerId="LiveId" clId="{E6DC4EAA-0AC7-4D8A-9ABA-9B4C09DD8308}" dt="2024-03-03T16:54:57.183" v="7968" actId="1076"/>
+      <pc:sldChg chg="addSp modSp mod">
+        <pc:chgData name="Matteo MANGILI" userId="89c7df381375e6aa" providerId="LiveId" clId="{E6DC4EAA-0AC7-4D8A-9ABA-9B4C09DD8308}" dt="2024-03-20T17:28:49.309" v="12443" actId="242"/>
         <pc:sldMkLst>
           <pc:docMk/>
           <pc:sldMk cId="930824607" sldId="300"/>
         </pc:sldMkLst>
+        <pc:spChg chg="add mod">
+          <ac:chgData name="Matteo MANGILI" userId="89c7df381375e6aa" providerId="LiveId" clId="{E6DC4EAA-0AC7-4D8A-9ABA-9B4C09DD8308}" dt="2024-03-20T17:28:49.309" v="12443" actId="242"/>
+          <ac:spMkLst>
+            <pc:docMk/>
+            <pc:sldMk cId="930824607" sldId="300"/>
+            <ac:spMk id="4" creationId="{B88BF4B9-E07C-741C-1A38-C0055344970A}"/>
+          </ac:spMkLst>
+        </pc:spChg>
         <pc:picChg chg="mod modCrop">
-          <ac:chgData name="Matteo MANGILI" userId="89c7df381375e6aa" providerId="LiveId" clId="{E6DC4EAA-0AC7-4D8A-9ABA-9B4C09DD8308}" dt="2024-03-03T16:54:57.183" v="7968" actId="1076"/>
+          <ac:chgData name="Matteo MANGILI" userId="89c7df381375e6aa" providerId="LiveId" clId="{E6DC4EAA-0AC7-4D8A-9ABA-9B4C09DD8308}" dt="2024-03-20T17:28:15.040" v="12430" actId="1076"/>
           <ac:picMkLst>
             <pc:docMk/>
             <pc:sldMk cId="930824607" sldId="300"/>
@@ -391,13 +399,13 @@
         </pc:spChg>
       </pc:sldChg>
       <pc:sldChg chg="modSp mod">
-        <pc:chgData name="Matteo MANGILI" userId="89c7df381375e6aa" providerId="LiveId" clId="{E6DC4EAA-0AC7-4D8A-9ABA-9B4C09DD8308}" dt="2024-03-19T21:41:50.340" v="11614" actId="20577"/>
+        <pc:chgData name="Matteo MANGILI" userId="89c7df381375e6aa" providerId="LiveId" clId="{E6DC4EAA-0AC7-4D8A-9ABA-9B4C09DD8308}" dt="2024-03-20T17:39:11.475" v="12975" actId="20577"/>
         <pc:sldMkLst>
           <pc:docMk/>
           <pc:sldMk cId="1581940243" sldId="309"/>
         </pc:sldMkLst>
         <pc:spChg chg="mod">
-          <ac:chgData name="Matteo MANGILI" userId="89c7df381375e6aa" providerId="LiveId" clId="{E6DC4EAA-0AC7-4D8A-9ABA-9B4C09DD8308}" dt="2024-03-19T21:41:50.340" v="11614" actId="20577"/>
+          <ac:chgData name="Matteo MANGILI" userId="89c7df381375e6aa" providerId="LiveId" clId="{E6DC4EAA-0AC7-4D8A-9ABA-9B4C09DD8308}" dt="2024-03-20T17:39:11.475" v="12975" actId="20577"/>
           <ac:spMkLst>
             <pc:docMk/>
             <pc:sldMk cId="1581940243" sldId="309"/>
@@ -601,13 +609,13 @@
         </pc:picChg>
       </pc:sldChg>
       <pc:sldChg chg="modSp mod">
-        <pc:chgData name="Matteo MANGILI" userId="89c7df381375e6aa" providerId="LiveId" clId="{E6DC4EAA-0AC7-4D8A-9ABA-9B4C09DD8308}" dt="2024-02-28T10:03:08.805" v="5001" actId="20577"/>
+        <pc:chgData name="Matteo MANGILI" userId="89c7df381375e6aa" providerId="LiveId" clId="{E6DC4EAA-0AC7-4D8A-9ABA-9B4C09DD8308}" dt="2024-03-20T17:36:01.234" v="12906" actId="20577"/>
         <pc:sldMkLst>
           <pc:docMk/>
           <pc:sldMk cId="1634375711" sldId="317"/>
         </pc:sldMkLst>
         <pc:spChg chg="mod">
-          <ac:chgData name="Matteo MANGILI" userId="89c7df381375e6aa" providerId="LiveId" clId="{E6DC4EAA-0AC7-4D8A-9ABA-9B4C09DD8308}" dt="2024-02-28T10:03:08.805" v="5001" actId="20577"/>
+          <ac:chgData name="Matteo MANGILI" userId="89c7df381375e6aa" providerId="LiveId" clId="{E6DC4EAA-0AC7-4D8A-9ABA-9B4C09DD8308}" dt="2024-03-20T17:36:01.234" v="12906" actId="20577"/>
           <ac:spMkLst>
             <pc:docMk/>
             <pc:sldMk cId="1634375711" sldId="317"/>
@@ -623,7 +631,7 @@
           </ac:spMkLst>
         </pc:spChg>
         <pc:graphicFrameChg chg="mod modGraphic">
-          <ac:chgData name="Matteo MANGILI" userId="89c7df381375e6aa" providerId="LiveId" clId="{E6DC4EAA-0AC7-4D8A-9ABA-9B4C09DD8308}" dt="2024-02-25T16:54:51.013" v="2249" actId="255"/>
+          <ac:chgData name="Matteo MANGILI" userId="89c7df381375e6aa" providerId="LiveId" clId="{E6DC4EAA-0AC7-4D8A-9ABA-9B4C09DD8308}" dt="2024-03-20T17:35:03.583" v="12770" actId="313"/>
           <ac:graphicFrameMkLst>
             <pc:docMk/>
             <pc:sldMk cId="1634375711" sldId="317"/>
@@ -708,13 +716,13 @@
         </pc:picChg>
       </pc:sldChg>
       <pc:sldChg chg="modSp mod">
-        <pc:chgData name="Matteo MANGILI" userId="89c7df381375e6aa" providerId="LiveId" clId="{E6DC4EAA-0AC7-4D8A-9ABA-9B4C09DD8308}" dt="2024-03-19T20:37:49.266" v="9735" actId="20577"/>
+        <pc:chgData name="Matteo MANGILI" userId="89c7df381375e6aa" providerId="LiveId" clId="{E6DC4EAA-0AC7-4D8A-9ABA-9B4C09DD8308}" dt="2024-03-20T17:25:56.528" v="12363" actId="20577"/>
         <pc:sldMkLst>
           <pc:docMk/>
           <pc:sldMk cId="243116288" sldId="322"/>
         </pc:sldMkLst>
         <pc:spChg chg="mod">
-          <ac:chgData name="Matteo MANGILI" userId="89c7df381375e6aa" providerId="LiveId" clId="{E6DC4EAA-0AC7-4D8A-9ABA-9B4C09DD8308}" dt="2024-03-19T20:37:49.266" v="9735" actId="20577"/>
+          <ac:chgData name="Matteo MANGILI" userId="89c7df381375e6aa" providerId="LiveId" clId="{E6DC4EAA-0AC7-4D8A-9ABA-9B4C09DD8308}" dt="2024-03-20T17:25:56.528" v="12363" actId="20577"/>
           <ac:spMkLst>
             <pc:docMk/>
             <pc:sldMk cId="243116288" sldId="322"/>
@@ -15837,14 +15845,14 @@
             <p:ph idx="1"/>
             <p:extLst>
               <p:ext uri="{D42A27DB-BD31-4B8C-83A1-F6EECF244321}">
-                <p14:modId xmlns:p14="http://schemas.microsoft.com/office/powerpoint/2010/main" val="3729470672"/>
+                <p14:modId xmlns:p14="http://schemas.microsoft.com/office/powerpoint/2010/main" val="1116720233"/>
               </p:ext>
             </p:extLst>
           </p:nvPr>
         </p:nvGraphicFramePr>
         <p:xfrm>
           <a:off x="648820" y="1772816"/>
-          <a:ext cx="10515597" cy="1947843"/>
+          <a:ext cx="10515597" cy="1361556"/>
         </p:xfrm>
         <a:graphic>
           <a:graphicData uri="http://schemas.openxmlformats.org/drawingml/2006/table">
@@ -15875,7 +15883,7 @@
                   </a:extLst>
                 </a:gridCol>
               </a:tblGrid>
-              <a:tr h="380582">
+              <a:tr h="246517">
                 <a:tc>
                   <a:txBody>
                     <a:bodyPr/>
@@ -15921,7 +15929,7 @@
                   </a:ext>
                 </a:extLst>
               </a:tr>
-              <a:tr h="1551603">
+              <a:tr h="965316">
                 <a:tc>
                   <a:txBody>
                     <a:bodyPr/>
@@ -15933,7 +15941,7 @@
                       </a:pPr>
                       <a:r>
                         <a:rPr lang="it-IT" sz="1900" dirty="0"/>
-                        <a:t>Reliability</a:t>
+                        <a:t>Usabilità</a:t>
                       </a:r>
                     </a:p>
                     <a:p>
@@ -15943,37 +15951,7 @@
                       </a:pPr>
                       <a:r>
                         <a:rPr lang="it-IT" sz="1900" dirty="0"/>
-                        <a:t>Efficiency</a:t>
-                      </a:r>
-                    </a:p>
-                    <a:p>
-                      <a:pPr marL="342900" indent="-342900">
-                        <a:buFont typeface="Arial" panose="020B0604020202020204" pitchFamily="34" charset="0"/>
-                        <a:buChar char="•"/>
-                      </a:pPr>
-                      <a:r>
-                        <a:rPr lang="it-IT" sz="1900" dirty="0"/>
-                        <a:t>Integrity</a:t>
-                      </a:r>
-                    </a:p>
-                    <a:p>
-                      <a:pPr marL="342900" indent="-342900">
-                        <a:buFont typeface="Arial" panose="020B0604020202020204" pitchFamily="34" charset="0"/>
-                        <a:buChar char="•"/>
-                      </a:pPr>
-                      <a:r>
-                        <a:rPr lang="it-IT" sz="1900" dirty="0"/>
-                        <a:t>Usability</a:t>
-                      </a:r>
-                    </a:p>
-                    <a:p>
-                      <a:pPr marL="342900" indent="-342900">
-                        <a:buFont typeface="Arial" panose="020B0604020202020204" pitchFamily="34" charset="0"/>
-                        <a:buChar char="•"/>
-                      </a:pPr>
-                      <a:r>
-                        <a:rPr lang="it-IT" sz="1900" dirty="0"/>
-                        <a:t>Correctness</a:t>
+                        <a:t>Correttezza</a:t>
                       </a:r>
                     </a:p>
                   </a:txBody>
@@ -15990,7 +15968,7 @@
                       </a:pPr>
                       <a:r>
                         <a:rPr lang="it-IT" sz="1900" dirty="0"/>
-                        <a:t>Maintainability</a:t>
+                        <a:t>Manutenibilità</a:t>
                       </a:r>
                     </a:p>
                     <a:p>
@@ -16000,17 +15978,7 @@
                       </a:pPr>
                       <a:r>
                         <a:rPr lang="it-IT" sz="1900" dirty="0"/>
-                        <a:t>Testability</a:t>
-                      </a:r>
-                    </a:p>
-                    <a:p>
-                      <a:pPr marL="342900" indent="-342900">
-                        <a:buFont typeface="Arial" panose="020B0604020202020204" pitchFamily="34" charset="0"/>
-                        <a:buChar char="•"/>
-                      </a:pPr>
-                      <a:r>
-                        <a:rPr lang="it-IT" sz="1900" dirty="0"/>
-                        <a:t>Flexibility</a:t>
+                        <a:t>Testabilità</a:t>
                       </a:r>
                     </a:p>
                   </a:txBody>
@@ -16027,27 +15995,7 @@
                       </a:pPr>
                       <a:r>
                         <a:rPr lang="it-IT" sz="1900" dirty="0"/>
-                        <a:t>Portability</a:t>
-                      </a:r>
-                    </a:p>
-                    <a:p>
-                      <a:pPr marL="342900" indent="-342900">
-                        <a:buFont typeface="Arial" panose="020B0604020202020204" pitchFamily="34" charset="0"/>
-                        <a:buChar char="•"/>
-                      </a:pPr>
-                      <a:r>
-                        <a:rPr lang="it-IT" sz="1900" dirty="0"/>
-                        <a:t>Reusability</a:t>
-                      </a:r>
-                    </a:p>
-                    <a:p>
-                      <a:pPr marL="342900" indent="-342900">
-                        <a:buFont typeface="Arial" panose="020B0604020202020204" pitchFamily="34" charset="0"/>
-                        <a:buChar char="•"/>
-                      </a:pPr>
-                      <a:r>
-                        <a:rPr lang="it-IT" sz="1900" dirty="0"/>
-                        <a:t>Interoperability</a:t>
+                        <a:t>Riutilizzabilità</a:t>
                       </a:r>
                     </a:p>
                   </a:txBody>
@@ -16077,8 +16025,8 @@
         </p:nvSpPr>
         <p:spPr>
           <a:xfrm>
-            <a:off x="648819" y="3741079"/>
-            <a:ext cx="10515597" cy="3016210"/>
+            <a:off x="669036" y="3134372"/>
+            <a:ext cx="10495380" cy="3600986"/>
           </a:xfrm>
           <a:prstGeom prst="rect">
             <a:avLst/>
@@ -16131,13 +16079,16 @@
           <a:p>
             <a:r>
               <a:rPr lang="it-IT" sz="1900" dirty="0"/>
-              <a:t>Il team si è impegnato a rispondere ai requisiti di qualità tassonomici di McCall.</a:t>
-            </a:r>
+              <a:t>Il team si è impegnato a rispondere ai requisiti di qualità tassonomici di McCall: nella tabella sopra sono riportati i principali requisiti che il team si è impegnato a soddisfare, per rendere forte il progetto.</a:t>
+            </a:r>
+          </a:p>
+          <a:p>
+            <a:endParaRPr lang="it-IT" sz="1900" dirty="0"/>
           </a:p>
           <a:p>
             <a:r>
               <a:rPr lang="it-IT" sz="1900" dirty="0"/>
-              <a:t>I diversi parametri per la valutazione della qualità vengono suddivisi in tre categorie, che rispondono ad un determinato criterio di valutazione (a loro volta i singoli parametri rispondono a diverse domande, tutte inerenti a quello specifico criterio). L’attenzione è rivolta in particolare al </a:t>
+              <a:t>L’attenzione è rivolta in particolare al </a:t>
             </a:r>
             <a:r>
               <a:rPr lang="it-IT" sz="1900" i="1" dirty="0"/>
@@ -16145,7 +16096,7 @@
             </a:r>
             <a:r>
               <a:rPr lang="it-IT" sz="1900" dirty="0"/>
-              <a:t>: l’obiettivo è far funzionare il programma, facendo in modo che risponda a tutti i requisiti, anche se non sarà ancora pronto per la commercializzazione (si possono tuttavia fare delle ipotesi).</a:t>
+              <a:t>: l’obiettivo è far funzionare il programma corretto, facendo in modo che risponda a tutti i requisiti, anche se non sarà ancora pronto per la commercializzazione (si possono tuttavia fare delle ipotesi). Anche se il progetto non sarà commercializzabile completamente a fine lavoro, il team ha implementato il codice perché parte di esso/tutto possa essere riutilizzabile in futuro.</a:t>
             </a:r>
             <a:endParaRPr lang="it-IT" sz="1900" i="1" dirty="0"/>
           </a:p>
@@ -17059,7 +17010,19 @@
               <a:rPr lang="en-US" sz="2300" dirty="0">
                 <a:cs typeface="Calibri"/>
               </a:rPr>
-              <a:t>requisiti rispettano le richieste d’utente).</a:t>
+              <a:t>requisiti rispettano le richieste </a:t>
+            </a:r>
+            <a:r>
+              <a:rPr lang="en-US" sz="2300" dirty="0" err="1">
+                <a:cs typeface="Calibri"/>
+              </a:rPr>
+              <a:t>d’utente</a:t>
+            </a:r>
+            <a:r>
+              <a:rPr lang="en-US" sz="2300" dirty="0">
+                <a:cs typeface="Calibri"/>
+              </a:rPr>
+              <a:t>). </a:t>
             </a:r>
           </a:p>
           <a:p>
@@ -17137,23 +17100,51 @@
               <a:rPr lang="en-US" sz="2300" dirty="0">
                 <a:cs typeface="Calibri"/>
               </a:rPr>
-              <a:t>Sicurezza del sistema;</a:t>
-            </a:r>
-          </a:p>
-          <a:p>
+              <a:t>Sicurezza del Sistema (</a:t>
+            </a:r>
+            <a:r>
+              <a:rPr lang="en-US" sz="2300" dirty="0" err="1">
+                <a:cs typeface="Calibri"/>
+              </a:rPr>
+              <a:t>credenziali</a:t>
+            </a:r>
             <a:r>
               <a:rPr lang="en-US" sz="2300" dirty="0">
                 <a:cs typeface="Calibri"/>
               </a:rPr>
-              <a:t>Qualità;</a:t>
-            </a:r>
-          </a:p>
-          <a:p>
+              <a:t> </a:t>
+            </a:r>
+            <a:r>
+              <a:rPr lang="en-US" sz="2300">
+                <a:cs typeface="Calibri"/>
+              </a:rPr>
+              <a:t>di accesso e </a:t>
+            </a:r>
+            <a:r>
+              <a:rPr lang="en-US" sz="2300" dirty="0" err="1">
+                <a:cs typeface="Calibri"/>
+              </a:rPr>
+              <a:t>struttura</a:t>
+            </a:r>
             <a:r>
               <a:rPr lang="en-US" sz="2300" dirty="0">
                 <a:cs typeface="Calibri"/>
               </a:rPr>
-              <a:t>Invio di email per confermare la corretta registrazione al sistema;</a:t>
+              <a:t>);</a:t>
+            </a:r>
+          </a:p>
+          <a:p>
+            <a:r>
+              <a:rPr lang="en-US" sz="2300" dirty="0" err="1">
+                <a:cs typeface="Calibri"/>
+              </a:rPr>
+              <a:t>Qualità</a:t>
+            </a:r>
+            <a:r>
+              <a:rPr lang="en-US" sz="2300" dirty="0">
+                <a:cs typeface="Calibri"/>
+              </a:rPr>
+              <a:t> del Software;</a:t>
             </a:r>
           </a:p>
           <a:p>
@@ -35086,7 +35077,7 @@
         <p:spPr>
           <a:xfrm>
             <a:off x="669036" y="1871147"/>
-            <a:ext cx="10684764" cy="3693319"/>
+            <a:ext cx="10684764" cy="3970318"/>
           </a:xfrm>
           <a:prstGeom prst="rect">
             <a:avLst/>
@@ -35198,11 +35189,11 @@
             </a:pPr>
             <a:r>
               <a:rPr lang="it-IT" i="1" dirty="0"/>
-              <a:t>Infrastructure 101, </a:t>
+              <a:t>Structure 101, </a:t>
             </a:r>
             <a:r>
               <a:rPr lang="it-IT" dirty="0"/>
-              <a:t>framework per la definizione di tools, piattaforme e sistemi per il supporto di sviluppo, manutenzione e distribuzione di applicazioni software. Comprende un’ampia gamma di strumenti in varie fasi del ciclo vita del software, tra cui il project management, testing, manutenzione e qualità del software.</a:t>
+              <a:t>tool di analisi della struttura di un progetto/programma, attraverso il quale si può visualizzare la relazione tra moduli e classi, la complessità e la struttura ciclica dell’intero sistema Questo strumento è stato utile agli sviluppatori per comprendere meglio la complessità del codice e per identificare problemi di design o dipendenze indesiderate.</a:t>
             </a:r>
             <a:endParaRPr lang="it-IT" i="1" dirty="0"/>
           </a:p>
@@ -37008,14 +36999,58 @@
         </p:blipFill>
         <p:spPr>
           <a:xfrm>
-            <a:off x="1854057" y="1844286"/>
-            <a:ext cx="8343080" cy="4104000"/>
+            <a:off x="1436909" y="1851427"/>
+            <a:ext cx="8895673" cy="4392000"/>
           </a:xfrm>
           <a:prstGeom prst="rect">
             <a:avLst/>
           </a:prstGeom>
         </p:spPr>
       </p:pic>
+      <p:sp>
+        <p:nvSpPr>
+          <p:cNvPr id="4" name="CasellaDiTesto 3">
+            <a:extLst>
+              <a:ext uri="{FF2B5EF4-FFF2-40B4-BE49-F238E27FC236}">
+                <a16:creationId xmlns:a16="http://schemas.microsoft.com/office/drawing/2014/main" id="{B88BF4B9-E07C-741C-1A38-C0055344970A}"/>
+              </a:ext>
+            </a:extLst>
+          </p:cNvPr>
+          <p:cNvSpPr txBox="1"/>
+          <p:nvPr/>
+        </p:nvSpPr>
+        <p:spPr>
+          <a:xfrm>
+            <a:off x="1343609" y="2472612"/>
+            <a:ext cx="3498980" cy="369332"/>
+          </a:xfrm>
+          <a:prstGeom prst="rect">
+            <a:avLst/>
+          </a:prstGeom>
+          <a:noFill/>
+        </p:spPr>
+        <p:txBody>
+          <a:bodyPr wrap="square" rtlCol="0" anchor="ctr">
+            <a:spAutoFit/>
+          </a:bodyPr>
+          <a:lstStyle/>
+          <a:p>
+            <a:pPr algn="ctr"/>
+            <a:r>
+              <a:rPr lang="it-IT" dirty="0">
+                <a:effectLst>
+                  <a:outerShdw blurRad="38100" dist="38100" dir="2700000" algn="tl">
+                    <a:srgbClr val="000000">
+                      <a:alpha val="43137"/>
+                    </a:srgbClr>
+                  </a:outerShdw>
+                </a:effectLst>
+              </a:rPr>
+              <a:t>METODO AGILE: SCRUM LIFE CYCLE</a:t>
+            </a:r>
+          </a:p>
+        </p:txBody>
+      </p:sp>
     </p:spTree>
     <p:extLst>
       <p:ext uri="{BB962C8B-B14F-4D97-AF65-F5344CB8AC3E}">
@@ -38874,15 +38909,6 @@
 </file>
 
 <file path=customXml/item1.xml><?xml version="1.0" encoding="utf-8"?>
-<?mso-contentType ?>
-<FormTemplates xmlns="http://schemas.microsoft.com/sharepoint/v3/contenttype/forms">
-  <Display>DocumentLibraryForm</Display>
-  <Edit>DocumentLibraryForm</Edit>
-  <New>DocumentLibraryForm</New>
-</FormTemplates>
-</file>
-
-<file path=customXml/item2.xml><?xml version="1.0" encoding="utf-8"?>
 <ct:contentTypeSchema xmlns:ct="http://schemas.microsoft.com/office/2006/metadata/contentType" xmlns:ma="http://schemas.microsoft.com/office/2006/metadata/properties/metaAttributes" ct:_="" ma:_="" ma:contentTypeName="Documento" ma:contentTypeID="0x0101007CE6213B20D2F945B0D1473923EE410F" ma:contentTypeVersion="7" ma:contentTypeDescription="Creare un nuovo documento." ma:contentTypeScope="" ma:versionID="dc8ac43e96b461727accd63cf925a5cf">
   <xsd:schema xmlns:xsd="http://www.w3.org/2001/XMLSchema" xmlns:xs="http://www.w3.org/2001/XMLSchema" xmlns:p="http://schemas.microsoft.com/office/2006/metadata/properties" xmlns:ns2="243f3390-b919-40e8-8195-3613e8527352" targetNamespace="http://schemas.microsoft.com/office/2006/metadata/properties" ma:root="true" ma:fieldsID="1987007e621e1b24d40e437f012b913d" ns2:_="">
     <xsd:import namespace="243f3390-b919-40e8-8195-3613e8527352"/>
@@ -39044,6 +39070,15 @@
 </ct:contentTypeSchema>
 </file>
 
+<file path=customXml/item2.xml><?xml version="1.0" encoding="utf-8"?>
+<?mso-contentType ?>
+<FormTemplates xmlns="http://schemas.microsoft.com/sharepoint/v3/contenttype/forms">
+  <Display>DocumentLibraryForm</Display>
+  <Edit>DocumentLibraryForm</Edit>
+  <New>DocumentLibraryForm</New>
+</FormTemplates>
+</file>
+
 <file path=customXml/item3.xml><?xml version="1.0" encoding="utf-8"?>
 <p:properties xmlns:p="http://schemas.microsoft.com/office/2006/metadata/properties" xmlns:xsi="http://www.w3.org/2001/XMLSchema-instance" xmlns:pc="http://schemas.microsoft.com/office/infopath/2007/PartnerControls">
   <documentManagement/>
@@ -39051,14 +39086,6 @@
 </file>
 
 <file path=customXml/itemProps1.xml><?xml version="1.0" encoding="utf-8"?>
-<ds:datastoreItem xmlns:ds="http://schemas.openxmlformats.org/officeDocument/2006/customXml" ds:itemID="{42BC90D6-94CF-42F7-AAC4-9CF6824C54D5}">
-  <ds:schemaRefs>
-    <ds:schemaRef ds:uri="http://schemas.microsoft.com/sharepoint/v3/contenttype/forms"/>
-  </ds:schemaRefs>
-</ds:datastoreItem>
-</file>
-
-<file path=customXml/itemProps2.xml><?xml version="1.0" encoding="utf-8"?>
 <ds:datastoreItem xmlns:ds="http://schemas.openxmlformats.org/officeDocument/2006/customXml" ds:itemID="{1A503E23-9696-4358-8F00-F7F66AC755EB}">
   <ds:schemaRefs>
     <ds:schemaRef ds:uri="http://schemas.microsoft.com/office/2006/metadata/contentType"/>
@@ -39072,6 +39099,14 @@
     <ds:schemaRef ds:uri="http://purl.org/dc/elements/1.1/"/>
     <ds:schemaRef ds:uri="http://purl.org/dc/terms/"/>
     <ds:schemaRef ds:uri="http://schemas.microsoft.com/internal/obd"/>
+  </ds:schemaRefs>
+</ds:datastoreItem>
+</file>
+
+<file path=customXml/itemProps2.xml><?xml version="1.0" encoding="utf-8"?>
+<ds:datastoreItem xmlns:ds="http://schemas.openxmlformats.org/officeDocument/2006/customXml" ds:itemID="{42BC90D6-94CF-42F7-AAC4-9CF6824C54D5}">
+  <ds:schemaRefs>
+    <ds:schemaRef ds:uri="http://schemas.microsoft.com/sharepoint/v3/contenttype/forms"/>
   </ds:schemaRefs>
 </ds:datastoreItem>
 </file>

--- a/Presentazione/Presentazione_Progetto.pptx
+++ b/Presentazione/Presentazione_Progetto.pptx
@@ -170,7 +170,7 @@
 <file path=ppt/revisionInfo.xml><?xml version="1.0" encoding="utf-8"?>
 <p1510:revInfo xmlns:a="http://schemas.openxmlformats.org/drawingml/2006/main" xmlns:r="http://schemas.openxmlformats.org/officeDocument/2006/relationships" xmlns:p1510="http://schemas.microsoft.com/office/powerpoint/2015/10/main">
   <p1510:revLst>
-    <p1510:client id="{E6DC4EAA-0AC7-4D8A-9ABA-9B4C09DD8308}" v="460" dt="2024-03-20T17:28:15.730"/>
+    <p1510:client id="{E6DC4EAA-0AC7-4D8A-9ABA-9B4C09DD8308}" v="478" dt="2024-03-20T21:36:31.967"/>
   </p1510:revLst>
 </p1510:revInfo>
 </file>
@@ -180,7 +180,7 @@
   <pc:docChgLst>
     <pc:chgData name="Matteo MANGILI" userId="89c7df381375e6aa" providerId="LiveId" clId="{E6DC4EAA-0AC7-4D8A-9ABA-9B4C09DD8308}"/>
     <pc:docChg chg="undo custSel addSld delSld modSld sldOrd">
-      <pc:chgData name="Matteo MANGILI" userId="89c7df381375e6aa" providerId="LiveId" clId="{E6DC4EAA-0AC7-4D8A-9ABA-9B4C09DD8308}" dt="2024-03-20T17:39:11.475" v="12975" actId="20577"/>
+      <pc:chgData name="Matteo MANGILI" userId="89c7df381375e6aa" providerId="LiveId" clId="{E6DC4EAA-0AC7-4D8A-9ABA-9B4C09DD8308}" dt="2024-03-20T21:37:09.819" v="13254" actId="20577"/>
       <pc:docMkLst>
         <pc:docMk/>
       </pc:docMkLst>
@@ -399,13 +399,13 @@
         </pc:spChg>
       </pc:sldChg>
       <pc:sldChg chg="modSp mod">
-        <pc:chgData name="Matteo MANGILI" userId="89c7df381375e6aa" providerId="LiveId" clId="{E6DC4EAA-0AC7-4D8A-9ABA-9B4C09DD8308}" dt="2024-03-20T17:39:11.475" v="12975" actId="20577"/>
+        <pc:chgData name="Matteo MANGILI" userId="89c7df381375e6aa" providerId="LiveId" clId="{E6DC4EAA-0AC7-4D8A-9ABA-9B4C09DD8308}" dt="2024-03-20T21:35:27.209" v="13253" actId="20577"/>
         <pc:sldMkLst>
           <pc:docMk/>
           <pc:sldMk cId="1581940243" sldId="309"/>
         </pc:sldMkLst>
         <pc:spChg chg="mod">
-          <ac:chgData name="Matteo MANGILI" userId="89c7df381375e6aa" providerId="LiveId" clId="{E6DC4EAA-0AC7-4D8A-9ABA-9B4C09DD8308}" dt="2024-03-20T17:39:11.475" v="12975" actId="20577"/>
+          <ac:chgData name="Matteo MANGILI" userId="89c7df381375e6aa" providerId="LiveId" clId="{E6DC4EAA-0AC7-4D8A-9ABA-9B4C09DD8308}" dt="2024-03-20T21:35:27.209" v="13253" actId="20577"/>
           <ac:spMkLst>
             <pc:docMk/>
             <pc:sldMk cId="1581940243" sldId="309"/>
@@ -716,13 +716,13 @@
         </pc:picChg>
       </pc:sldChg>
       <pc:sldChg chg="modSp mod">
-        <pc:chgData name="Matteo MANGILI" userId="89c7df381375e6aa" providerId="LiveId" clId="{E6DC4EAA-0AC7-4D8A-9ABA-9B4C09DD8308}" dt="2024-03-20T17:25:56.528" v="12363" actId="20577"/>
+        <pc:chgData name="Matteo MANGILI" userId="89c7df381375e6aa" providerId="LiveId" clId="{E6DC4EAA-0AC7-4D8A-9ABA-9B4C09DD8308}" dt="2024-03-20T21:37:09.819" v="13254" actId="20577"/>
         <pc:sldMkLst>
           <pc:docMk/>
           <pc:sldMk cId="243116288" sldId="322"/>
         </pc:sldMkLst>
         <pc:spChg chg="mod">
-          <ac:chgData name="Matteo MANGILI" userId="89c7df381375e6aa" providerId="LiveId" clId="{E6DC4EAA-0AC7-4D8A-9ABA-9B4C09DD8308}" dt="2024-03-20T17:25:56.528" v="12363" actId="20577"/>
+          <ac:chgData name="Matteo MANGILI" userId="89c7df381375e6aa" providerId="LiveId" clId="{E6DC4EAA-0AC7-4D8A-9ABA-9B4C09DD8308}" dt="2024-03-20T21:37:09.819" v="13254" actId="20577"/>
           <ac:spMkLst>
             <pc:docMk/>
             <pc:sldMk cId="243116288" sldId="322"/>
@@ -16892,8 +16892,8 @@
         </p:nvSpPr>
         <p:spPr>
           <a:xfrm>
-            <a:off x="499872" y="1929383"/>
-            <a:ext cx="10853928" cy="4792091"/>
+            <a:off x="499871" y="1708977"/>
+            <a:ext cx="11098079" cy="5012497"/>
           </a:xfrm>
         </p:spPr>
         <p:txBody>
@@ -17022,7 +17022,30 @@
               <a:rPr lang="en-US" sz="2300" dirty="0">
                 <a:cs typeface="Calibri"/>
               </a:rPr>
-              <a:t>). </a:t>
+              <a:t>).</a:t>
+            </a:r>
+          </a:p>
+          <a:p>
+            <a:pPr marL="0" indent="0">
+              <a:buNone/>
+            </a:pPr>
+            <a:r>
+              <a:rPr lang="en-US" sz="2300" dirty="0">
+                <a:cs typeface="Calibri"/>
+              </a:rPr>
+              <a:t>Infine, i tre collaborator hanno deciso di concentrare l’attenzione sulle funzioni principalmente svolte dai medici, per non creare confusione nell’implementazione (</a:t>
+            </a:r>
+            <a:r>
+              <a:rPr lang="en-US" sz="2300" b="1" i="1" dirty="0">
+                <a:cs typeface="Calibri"/>
+              </a:rPr>
+              <a:t>Negoziazione dei requisiti</a:t>
+            </a:r>
+            <a:r>
+              <a:rPr lang="en-US" sz="2300" dirty="0">
+                <a:cs typeface="Calibri"/>
+              </a:rPr>
+              <a:t>).</a:t>
             </a:r>
           </a:p>
           <a:p>
@@ -17112,13 +17135,7 @@
               <a:rPr lang="en-US" sz="2300" dirty="0">
                 <a:cs typeface="Calibri"/>
               </a:rPr>
-              <a:t> </a:t>
-            </a:r>
-            <a:r>
-              <a:rPr lang="en-US" sz="2300">
-                <a:cs typeface="Calibri"/>
-              </a:rPr>
-              <a:t>di accesso e </a:t>
+              <a:t> di accesso e </a:t>
             </a:r>
             <a:r>
               <a:rPr lang="en-US" sz="2300" dirty="0" err="1">
@@ -22304,12 +22321,8 @@
               <a:buNone/>
             </a:pPr>
             <a:r>
-              <a:rPr lang="en-US" sz="1800" dirty="0" err="1"/>
-              <a:t>Nell’implementazione</a:t>
-            </a:r>
-            <a:r>
               <a:rPr lang="en-US" sz="1800" dirty="0"/>
-              <a:t> del codice si è tenuto maggiormente conto delle attività svolte dal medico, piuttosto che delle mansioni possibili di infermieri e cabina di regia (considerando che, a livello di codice, sarebbe stato difficile fare in modo che più classi potessero agire sullo stesso oggetto, quale verbale o lista).</a:t>
+              <a:t>Nell’implementazione del codice si è tenuto maggiormente conto delle attività svolte dal medico, piuttosto che delle mansioni possibili di infermieri e cabina di regia (considerando che, a livello di codice, sarebbe stato difficile fare in modo che più classi potessero agire sullo stesso oggetto, quale verbale o lista).</a:t>
             </a:r>
           </a:p>
           <a:p>
@@ -35193,7 +35206,15 @@
             </a:r>
             <a:r>
               <a:rPr lang="it-IT" dirty="0"/>
-              <a:t>tool di analisi della struttura di un progetto/programma, attraverso il quale si può visualizzare la relazione tra moduli e classi, la complessità e la struttura ciclica dell’intero sistema Questo strumento è stato utile agli sviluppatori per comprendere meglio la complessità del codice e per identificare problemi di design o dipendenze indesiderate.</a:t>
+              <a:t>tool di analisi della struttura di un progetto/programma, attraverso il quale si può visualizzare la relazione tra moduli e classi, la complessità e la struttura ciclica </a:t>
+            </a:r>
+            <a:r>
+              <a:rPr lang="it-IT"/>
+              <a:t>dell’intero sistema. </a:t>
+            </a:r>
+            <a:r>
+              <a:rPr lang="it-IT" dirty="0"/>
+              <a:t>Questo strumento è stato utile agli sviluppatori per comprendere meglio la complessità del codice e per identificare problemi di design o dipendenze indesiderate.</a:t>
             </a:r>
             <a:endParaRPr lang="it-IT" i="1" dirty="0"/>
           </a:p>
@@ -38909,6 +38930,15 @@
 </file>
 
 <file path=customXml/item1.xml><?xml version="1.0" encoding="utf-8"?>
+<?mso-contentType ?>
+<FormTemplates xmlns="http://schemas.microsoft.com/sharepoint/v3/contenttype/forms">
+  <Display>DocumentLibraryForm</Display>
+  <Edit>DocumentLibraryForm</Edit>
+  <New>DocumentLibraryForm</New>
+</FormTemplates>
+</file>
+
+<file path=customXml/item2.xml><?xml version="1.0" encoding="utf-8"?>
 <ct:contentTypeSchema xmlns:ct="http://schemas.microsoft.com/office/2006/metadata/contentType" xmlns:ma="http://schemas.microsoft.com/office/2006/metadata/properties/metaAttributes" ct:_="" ma:_="" ma:contentTypeName="Documento" ma:contentTypeID="0x0101007CE6213B20D2F945B0D1473923EE410F" ma:contentTypeVersion="7" ma:contentTypeDescription="Creare un nuovo documento." ma:contentTypeScope="" ma:versionID="dc8ac43e96b461727accd63cf925a5cf">
   <xsd:schema xmlns:xsd="http://www.w3.org/2001/XMLSchema" xmlns:xs="http://www.w3.org/2001/XMLSchema" xmlns:p="http://schemas.microsoft.com/office/2006/metadata/properties" xmlns:ns2="243f3390-b919-40e8-8195-3613e8527352" targetNamespace="http://schemas.microsoft.com/office/2006/metadata/properties" ma:root="true" ma:fieldsID="1987007e621e1b24d40e437f012b913d" ns2:_="">
     <xsd:import namespace="243f3390-b919-40e8-8195-3613e8527352"/>
@@ -39070,15 +39100,6 @@
 </ct:contentTypeSchema>
 </file>
 
-<file path=customXml/item2.xml><?xml version="1.0" encoding="utf-8"?>
-<?mso-contentType ?>
-<FormTemplates xmlns="http://schemas.microsoft.com/sharepoint/v3/contenttype/forms">
-  <Display>DocumentLibraryForm</Display>
-  <Edit>DocumentLibraryForm</Edit>
-  <New>DocumentLibraryForm</New>
-</FormTemplates>
-</file>
-
 <file path=customXml/item3.xml><?xml version="1.0" encoding="utf-8"?>
 <p:properties xmlns:p="http://schemas.microsoft.com/office/2006/metadata/properties" xmlns:xsi="http://www.w3.org/2001/XMLSchema-instance" xmlns:pc="http://schemas.microsoft.com/office/infopath/2007/PartnerControls">
   <documentManagement/>
@@ -39086,6 +39107,14 @@
 </file>
 
 <file path=customXml/itemProps1.xml><?xml version="1.0" encoding="utf-8"?>
+<ds:datastoreItem xmlns:ds="http://schemas.openxmlformats.org/officeDocument/2006/customXml" ds:itemID="{42BC90D6-94CF-42F7-AAC4-9CF6824C54D5}">
+  <ds:schemaRefs>
+    <ds:schemaRef ds:uri="http://schemas.microsoft.com/sharepoint/v3/contenttype/forms"/>
+  </ds:schemaRefs>
+</ds:datastoreItem>
+</file>
+
+<file path=customXml/itemProps2.xml><?xml version="1.0" encoding="utf-8"?>
 <ds:datastoreItem xmlns:ds="http://schemas.openxmlformats.org/officeDocument/2006/customXml" ds:itemID="{1A503E23-9696-4358-8F00-F7F66AC755EB}">
   <ds:schemaRefs>
     <ds:schemaRef ds:uri="http://schemas.microsoft.com/office/2006/metadata/contentType"/>
@@ -39099,14 +39128,6 @@
     <ds:schemaRef ds:uri="http://purl.org/dc/elements/1.1/"/>
     <ds:schemaRef ds:uri="http://purl.org/dc/terms/"/>
     <ds:schemaRef ds:uri="http://schemas.microsoft.com/internal/obd"/>
-  </ds:schemaRefs>
-</ds:datastoreItem>
-</file>
-
-<file path=customXml/itemProps2.xml><?xml version="1.0" encoding="utf-8"?>
-<ds:datastoreItem xmlns:ds="http://schemas.openxmlformats.org/officeDocument/2006/customXml" ds:itemID="{42BC90D6-94CF-42F7-AAC4-9CF6824C54D5}">
-  <ds:schemaRefs>
-    <ds:schemaRef ds:uri="http://schemas.microsoft.com/sharepoint/v3/contenttype/forms"/>
   </ds:schemaRefs>
 </ds:datastoreItem>
 </file>

--- a/Presentazione/Presentazione_Progetto.pptx
+++ b/Presentazione/Presentazione_Progetto.pptx
@@ -170,7 +170,7 @@
 <file path=ppt/revisionInfo.xml><?xml version="1.0" encoding="utf-8"?>
 <p1510:revInfo xmlns:a="http://schemas.openxmlformats.org/drawingml/2006/main" xmlns:r="http://schemas.openxmlformats.org/officeDocument/2006/relationships" xmlns:p1510="http://schemas.microsoft.com/office/powerpoint/2015/10/main">
   <p1510:revLst>
-    <p1510:client id="{E6DC4EAA-0AC7-4D8A-9ABA-9B4C09DD8308}" v="478" dt="2024-03-20T21:36:31.967"/>
+    <p1510:client id="{E6DC4EAA-0AC7-4D8A-9ABA-9B4C09DD8308}" v="500" dt="2024-03-21T09:12:50.137"/>
   </p1510:revLst>
 </p1510:revInfo>
 </file>
@@ -180,7 +180,7 @@
   <pc:docChgLst>
     <pc:chgData name="Matteo MANGILI" userId="89c7df381375e6aa" providerId="LiveId" clId="{E6DC4EAA-0AC7-4D8A-9ABA-9B4C09DD8308}"/>
     <pc:docChg chg="undo custSel addSld delSld modSld sldOrd">
-      <pc:chgData name="Matteo MANGILI" userId="89c7df381375e6aa" providerId="LiveId" clId="{E6DC4EAA-0AC7-4D8A-9ABA-9B4C09DD8308}" dt="2024-03-20T21:37:09.819" v="13254" actId="20577"/>
+      <pc:chgData name="Matteo MANGILI" userId="89c7df381375e6aa" providerId="LiveId" clId="{E6DC4EAA-0AC7-4D8A-9ABA-9B4C09DD8308}" dt="2024-03-21T09:15:11.030" v="14388" actId="20577"/>
       <pc:docMkLst>
         <pc:docMk/>
       </pc:docMkLst>
@@ -216,13 +216,13 @@
         </pc:picChg>
       </pc:sldChg>
       <pc:sldChg chg="modSp mod">
-        <pc:chgData name="Matteo MANGILI" userId="89c7df381375e6aa" providerId="LiveId" clId="{E6DC4EAA-0AC7-4D8A-9ABA-9B4C09DD8308}" dt="2024-03-19T20:22:24.626" v="9292" actId="20577"/>
+        <pc:chgData name="Matteo MANGILI" userId="89c7df381375e6aa" providerId="LiveId" clId="{E6DC4EAA-0AC7-4D8A-9ABA-9B4C09DD8308}" dt="2024-03-21T08:57:54.677" v="13609" actId="20577"/>
         <pc:sldMkLst>
           <pc:docMk/>
           <pc:sldMk cId="3250768115" sldId="296"/>
         </pc:sldMkLst>
         <pc:spChg chg="mod">
-          <ac:chgData name="Matteo MANGILI" userId="89c7df381375e6aa" providerId="LiveId" clId="{E6DC4EAA-0AC7-4D8A-9ABA-9B4C09DD8308}" dt="2024-03-19T20:22:24.626" v="9292" actId="20577"/>
+          <ac:chgData name="Matteo MANGILI" userId="89c7df381375e6aa" providerId="LiveId" clId="{E6DC4EAA-0AC7-4D8A-9ABA-9B4C09DD8308}" dt="2024-03-21T08:57:54.677" v="13609" actId="20577"/>
           <ac:spMkLst>
             <pc:docMk/>
             <pc:sldMk cId="3250768115" sldId="296"/>
@@ -239,13 +239,13 @@
         </pc:picChg>
       </pc:sldChg>
       <pc:sldChg chg="modSp mod">
-        <pc:chgData name="Matteo MANGILI" userId="89c7df381375e6aa" providerId="LiveId" clId="{E6DC4EAA-0AC7-4D8A-9ABA-9B4C09DD8308}" dt="2024-03-03T16:45:23.898" v="7873" actId="255"/>
+        <pc:chgData name="Matteo MANGILI" userId="89c7df381375e6aa" providerId="LiveId" clId="{E6DC4EAA-0AC7-4D8A-9ABA-9B4C09DD8308}" dt="2024-03-21T08:58:26.500" v="13613" actId="20577"/>
         <pc:sldMkLst>
           <pc:docMk/>
           <pc:sldMk cId="1249612630" sldId="297"/>
         </pc:sldMkLst>
         <pc:spChg chg="mod">
-          <ac:chgData name="Matteo MANGILI" userId="89c7df381375e6aa" providerId="LiveId" clId="{E6DC4EAA-0AC7-4D8A-9ABA-9B4C09DD8308}" dt="2024-03-03T16:45:23.898" v="7873" actId="255"/>
+          <ac:chgData name="Matteo MANGILI" userId="89c7df381375e6aa" providerId="LiveId" clId="{E6DC4EAA-0AC7-4D8A-9ABA-9B4C09DD8308}" dt="2024-03-21T08:58:26.500" v="13613" actId="20577"/>
           <ac:spMkLst>
             <pc:docMk/>
             <pc:sldMk cId="1249612630" sldId="297"/>
@@ -300,28 +300,36 @@
         </pc:picChg>
       </pc:sldChg>
       <pc:sldChg chg="modSp mod">
-        <pc:chgData name="Matteo MANGILI" userId="89c7df381375e6aa" providerId="LiveId" clId="{E6DC4EAA-0AC7-4D8A-9ABA-9B4C09DD8308}" dt="2024-03-19T21:42:33.840" v="11617"/>
+        <pc:chgData name="Matteo MANGILI" userId="89c7df381375e6aa" providerId="LiveId" clId="{E6DC4EAA-0AC7-4D8A-9ABA-9B4C09DD8308}" dt="2024-03-21T09:12:50.137" v="14258"/>
         <pc:sldMkLst>
           <pc:docMk/>
           <pc:sldMk cId="141201089" sldId="302"/>
         </pc:sldMkLst>
         <pc:spChg chg="mod">
-          <ac:chgData name="Matteo MANGILI" userId="89c7df381375e6aa" providerId="LiveId" clId="{E6DC4EAA-0AC7-4D8A-9ABA-9B4C09DD8308}" dt="2024-03-19T21:42:33.840" v="11617"/>
+          <ac:chgData name="Matteo MANGILI" userId="89c7df381375e6aa" providerId="LiveId" clId="{E6DC4EAA-0AC7-4D8A-9ABA-9B4C09DD8308}" dt="2024-03-21T09:12:45.317" v="14257"/>
           <ac:spMkLst>
             <pc:docMk/>
             <pc:sldMk cId="141201089" sldId="302"/>
             <ac:spMk id="19" creationId="{8B9F0681-6C98-C87F-B39F-F7A05657163C}"/>
           </ac:spMkLst>
         </pc:spChg>
+        <pc:spChg chg="mod">
+          <ac:chgData name="Matteo MANGILI" userId="89c7df381375e6aa" providerId="LiveId" clId="{E6DC4EAA-0AC7-4D8A-9ABA-9B4C09DD8308}" dt="2024-03-21T09:12:50.137" v="14258"/>
+          <ac:spMkLst>
+            <pc:docMk/>
+            <pc:sldMk cId="141201089" sldId="302"/>
+            <ac:spMk id="20" creationId="{81FF93F6-1ED9-0763-AF79-4C131175232A}"/>
+          </ac:spMkLst>
+        </pc:spChg>
       </pc:sldChg>
       <pc:sldChg chg="modSp mod">
-        <pc:chgData name="Matteo MANGILI" userId="89c7df381375e6aa" providerId="LiveId" clId="{E6DC4EAA-0AC7-4D8A-9ABA-9B4C09DD8308}" dt="2024-03-03T17:02:19.035" v="8005" actId="20577"/>
+        <pc:chgData name="Matteo MANGILI" userId="89c7df381375e6aa" providerId="LiveId" clId="{E6DC4EAA-0AC7-4D8A-9ABA-9B4C09DD8308}" dt="2024-03-21T09:13:04.836" v="14259" actId="20577"/>
         <pc:sldMkLst>
           <pc:docMk/>
           <pc:sldMk cId="2944479634" sldId="303"/>
         </pc:sldMkLst>
         <pc:spChg chg="mod">
-          <ac:chgData name="Matteo MANGILI" userId="89c7df381375e6aa" providerId="LiveId" clId="{E6DC4EAA-0AC7-4D8A-9ABA-9B4C09DD8308}" dt="2024-03-03T17:02:19.035" v="8005" actId="20577"/>
+          <ac:chgData name="Matteo MANGILI" userId="89c7df381375e6aa" providerId="LiveId" clId="{E6DC4EAA-0AC7-4D8A-9ABA-9B4C09DD8308}" dt="2024-03-21T09:13:04.836" v="14259" actId="20577"/>
           <ac:spMkLst>
             <pc:docMk/>
             <pc:sldMk cId="2944479634" sldId="303"/>
@@ -345,13 +353,13 @@
         </pc:spChg>
       </pc:sldChg>
       <pc:sldChg chg="addSp delSp modSp mod">
-        <pc:chgData name="Matteo MANGILI" userId="89c7df381375e6aa" providerId="LiveId" clId="{E6DC4EAA-0AC7-4D8A-9ABA-9B4C09DD8308}" dt="2024-03-19T21:48:14.943" v="11691" actId="20577"/>
+        <pc:chgData name="Matteo MANGILI" userId="89c7df381375e6aa" providerId="LiveId" clId="{E6DC4EAA-0AC7-4D8A-9ABA-9B4C09DD8308}" dt="2024-03-21T09:15:11.030" v="14388" actId="20577"/>
         <pc:sldMkLst>
           <pc:docMk/>
           <pc:sldMk cId="3568766427" sldId="306"/>
         </pc:sldMkLst>
         <pc:spChg chg="add del mod">
-          <ac:chgData name="Matteo MANGILI" userId="89c7df381375e6aa" providerId="LiveId" clId="{E6DC4EAA-0AC7-4D8A-9ABA-9B4C09DD8308}" dt="2024-03-19T21:48:14.943" v="11691" actId="20577"/>
+          <ac:chgData name="Matteo MANGILI" userId="89c7df381375e6aa" providerId="LiveId" clId="{E6DC4EAA-0AC7-4D8A-9ABA-9B4C09DD8308}" dt="2024-03-21T09:15:11.030" v="14388" actId="20577"/>
           <ac:spMkLst>
             <pc:docMk/>
             <pc:sldMk cId="3568766427" sldId="306"/>
@@ -429,7 +437,7 @@
         </pc:spChg>
       </pc:sldChg>
       <pc:sldChg chg="modSp mod">
-        <pc:chgData name="Matteo MANGILI" userId="89c7df381375e6aa" providerId="LiveId" clId="{E6DC4EAA-0AC7-4D8A-9ABA-9B4C09DD8308}" dt="2024-03-20T16:24:37.933" v="11924" actId="14100"/>
+        <pc:chgData name="Matteo MANGILI" userId="89c7df381375e6aa" providerId="LiveId" clId="{E6DC4EAA-0AC7-4D8A-9ABA-9B4C09DD8308}" dt="2024-03-21T09:12:25.874" v="14256" actId="20577"/>
         <pc:sldMkLst>
           <pc:docMk/>
           <pc:sldMk cId="3576197673" sldId="313"/>
@@ -443,7 +451,7 @@
           </ac:spMkLst>
         </pc:spChg>
         <pc:graphicFrameChg chg="mod modGraphic">
-          <ac:chgData name="Matteo MANGILI" userId="89c7df381375e6aa" providerId="LiveId" clId="{E6DC4EAA-0AC7-4D8A-9ABA-9B4C09DD8308}" dt="2024-03-20T16:24:29.665" v="11923" actId="20577"/>
+          <ac:chgData name="Matteo MANGILI" userId="89c7df381375e6aa" providerId="LiveId" clId="{E6DC4EAA-0AC7-4D8A-9ABA-9B4C09DD8308}" dt="2024-03-21T09:12:25.874" v="14256" actId="20577"/>
           <ac:graphicFrameMkLst>
             <pc:docMk/>
             <pc:sldMk cId="3576197673" sldId="313"/>
@@ -609,13 +617,13 @@
         </pc:picChg>
       </pc:sldChg>
       <pc:sldChg chg="modSp mod">
-        <pc:chgData name="Matteo MANGILI" userId="89c7df381375e6aa" providerId="LiveId" clId="{E6DC4EAA-0AC7-4D8A-9ABA-9B4C09DD8308}" dt="2024-03-20T17:36:01.234" v="12906" actId="20577"/>
+        <pc:chgData name="Matteo MANGILI" userId="89c7df381375e6aa" providerId="LiveId" clId="{E6DC4EAA-0AC7-4D8A-9ABA-9B4C09DD8308}" dt="2024-03-21T09:11:55.407" v="14240" actId="20577"/>
         <pc:sldMkLst>
           <pc:docMk/>
           <pc:sldMk cId="1634375711" sldId="317"/>
         </pc:sldMkLst>
         <pc:spChg chg="mod">
-          <ac:chgData name="Matteo MANGILI" userId="89c7df381375e6aa" providerId="LiveId" clId="{E6DC4EAA-0AC7-4D8A-9ABA-9B4C09DD8308}" dt="2024-03-20T17:36:01.234" v="12906" actId="20577"/>
+          <ac:chgData name="Matteo MANGILI" userId="89c7df381375e6aa" providerId="LiveId" clId="{E6DC4EAA-0AC7-4D8A-9ABA-9B4C09DD8308}" dt="2024-03-21T09:11:55.407" v="14240" actId="20577"/>
           <ac:spMkLst>
             <pc:docMk/>
             <pc:sldMk cId="1634375711" sldId="317"/>
@@ -640,13 +648,13 @@
         </pc:graphicFrameChg>
       </pc:sldChg>
       <pc:sldChg chg="modSp mod">
-        <pc:chgData name="Matteo MANGILI" userId="89c7df381375e6aa" providerId="LiveId" clId="{E6DC4EAA-0AC7-4D8A-9ABA-9B4C09DD8308}" dt="2024-03-19T20:27:45.967" v="9346" actId="20577"/>
+        <pc:chgData name="Matteo MANGILI" userId="89c7df381375e6aa" providerId="LiveId" clId="{E6DC4EAA-0AC7-4D8A-9ABA-9B4C09DD8308}" dt="2024-03-21T09:06:12.463" v="13764" actId="14100"/>
         <pc:sldMkLst>
           <pc:docMk/>
           <pc:sldMk cId="112244765" sldId="318"/>
         </pc:sldMkLst>
         <pc:spChg chg="mod">
-          <ac:chgData name="Matteo MANGILI" userId="89c7df381375e6aa" providerId="LiveId" clId="{E6DC4EAA-0AC7-4D8A-9ABA-9B4C09DD8308}" dt="2024-03-19T20:27:45.967" v="9346" actId="20577"/>
+          <ac:chgData name="Matteo MANGILI" userId="89c7df381375e6aa" providerId="LiveId" clId="{E6DC4EAA-0AC7-4D8A-9ABA-9B4C09DD8308}" dt="2024-03-21T09:06:12.463" v="13764" actId="14100"/>
           <ac:spMkLst>
             <pc:docMk/>
             <pc:sldMk cId="112244765" sldId="318"/>
@@ -716,13 +724,21 @@
         </pc:picChg>
       </pc:sldChg>
       <pc:sldChg chg="modSp mod">
-        <pc:chgData name="Matteo MANGILI" userId="89c7df381375e6aa" providerId="LiveId" clId="{E6DC4EAA-0AC7-4D8A-9ABA-9B4C09DD8308}" dt="2024-03-20T21:37:09.819" v="13254" actId="20577"/>
+        <pc:chgData name="Matteo MANGILI" userId="89c7df381375e6aa" providerId="LiveId" clId="{E6DC4EAA-0AC7-4D8A-9ABA-9B4C09DD8308}" dt="2024-03-21T09:09:36.561" v="14208" actId="20577"/>
         <pc:sldMkLst>
           <pc:docMk/>
           <pc:sldMk cId="243116288" sldId="322"/>
         </pc:sldMkLst>
         <pc:spChg chg="mod">
-          <ac:chgData name="Matteo MANGILI" userId="89c7df381375e6aa" providerId="LiveId" clId="{E6DC4EAA-0AC7-4D8A-9ABA-9B4C09DD8308}" dt="2024-03-20T21:37:09.819" v="13254" actId="20577"/>
+          <ac:chgData name="Matteo MANGILI" userId="89c7df381375e6aa" providerId="LiveId" clId="{E6DC4EAA-0AC7-4D8A-9ABA-9B4C09DD8308}" dt="2024-03-21T09:06:17.202" v="13767" actId="20577"/>
+          <ac:spMkLst>
+            <pc:docMk/>
+            <pc:sldMk cId="243116288" sldId="322"/>
+            <ac:spMk id="2" creationId="{5C0732DC-408E-D606-584F-25FC553B9A11}"/>
+          </ac:spMkLst>
+        </pc:spChg>
+        <pc:spChg chg="mod">
+          <ac:chgData name="Matteo MANGILI" userId="89c7df381375e6aa" providerId="LiveId" clId="{E6DC4EAA-0AC7-4D8A-9ABA-9B4C09DD8308}" dt="2024-03-21T09:09:36.561" v="14208" actId="20577"/>
           <ac:spMkLst>
             <pc:docMk/>
             <pc:sldMk cId="243116288" sldId="322"/>
@@ -1585,7 +1601,7 @@
             <a:pPr rtl="0"/>
             <a:fld id="{DBC54730-5EBA-4920-A6C4-7F8458A7F940}" type="datetime1">
               <a:rPr lang="it-IT" smtClean="0"/>
-              <a:t>20/03/2024</a:t>
+              <a:t>21/03/2024</a:t>
             </a:fld>
             <a:endParaRPr lang="it-IT" dirty="0"/>
           </a:p>
@@ -1767,7 +1783,7 @@
             <a:fld id="{85EC1C34-318D-43A8-83F5-3AC8647FE75E}" type="datetime1">
               <a:rPr lang="it-IT" smtClean="0"/>
               <a:pPr/>
-              <a:t>20/03/2024</a:t>
+              <a:t>21/03/2024</a:t>
             </a:fld>
             <a:endParaRPr lang="it-IT" dirty="0"/>
           </a:p>
@@ -16026,7 +16042,7 @@
         <p:spPr>
           <a:xfrm>
             <a:off x="669036" y="3134372"/>
-            <a:ext cx="10495380" cy="3600986"/>
+            <a:ext cx="10495380" cy="3308598"/>
           </a:xfrm>
           <a:prstGeom prst="rect">
             <a:avLst/>
@@ -16096,7 +16112,7 @@
             </a:r>
             <a:r>
               <a:rPr lang="it-IT" sz="1900" dirty="0"/>
-              <a:t>: l’obiettivo è far funzionare il programma corretto, facendo in modo che risponda a tutti i requisiti, anche se non sarà ancora pronto per la commercializzazione (si possono tuttavia fare delle ipotesi). Anche se il progetto non sarà commercializzabile completamente a fine lavoro, il team ha implementato il codice perché parte di esso/tutto possa essere riutilizzabile in futuro.</a:t>
+              <a:t>: l’obiettivo è far funzionare il programma corretto, facendo in modo che risponda ai requisiti scelti dal team. Anche se il progetto non sarà commercializzabile completamente a fine lavoro, il team ha implementato il codice perché parte di esso/tutto possa essere riutilizzabile in futuro.</a:t>
             </a:r>
             <a:endParaRPr lang="it-IT" sz="1900" i="1" dirty="0"/>
           </a:p>
@@ -18004,7 +18020,7 @@
             <p:ph idx="1"/>
             <p:extLst>
               <p:ext uri="{D42A27DB-BD31-4B8C-83A1-F6EECF244321}">
-                <p14:modId xmlns:p14="http://schemas.microsoft.com/office/powerpoint/2010/main" val="3543649560"/>
+                <p14:modId xmlns:p14="http://schemas.microsoft.com/office/powerpoint/2010/main" val="3070937035"/>
               </p:ext>
             </p:extLst>
           </p:nvPr>
@@ -18122,7 +18138,7 @@
                       </a:pPr>
                       <a:r>
                         <a:rPr lang="it-IT" sz="1600" dirty="0"/>
-                        <a:t>Compilazione e Gestione Lista Operatoria</a:t>
+                        <a:t>Compilazione e Gestione Operazione</a:t>
                       </a:r>
                     </a:p>
                     <a:p>
@@ -19475,7 +19491,15 @@
           <a:lstStyle/>
           <a:p>
             <a:r>
-              <a:rPr lang="it-IT" dirty="0"/>
+              <a:rPr lang="it-IT" dirty="0">
+                <a:effectLst>
+                  <a:outerShdw blurRad="38100" dist="38100" dir="2700000" algn="tl">
+                    <a:srgbClr val="000000">
+                      <a:alpha val="43137"/>
+                    </a:srgbClr>
+                  </a:outerShdw>
+                </a:effectLst>
+              </a:rPr>
               <a:t>Architettura Client-Server</a:t>
             </a:r>
           </a:p>
@@ -19510,7 +19534,15 @@
           <a:lstStyle/>
           <a:p>
             <a:r>
-              <a:rPr lang="it-IT" dirty="0"/>
+              <a:rPr lang="it-IT" dirty="0">
+                <a:effectLst>
+                  <a:outerShdw blurRad="38100" dist="38100" dir="2700000" algn="tl">
+                    <a:srgbClr val="000000">
+                      <a:alpha val="43137"/>
+                    </a:srgbClr>
+                  </a:outerShdw>
+                </a:effectLst>
+              </a:rPr>
               <a:t>Stile Architetturale Model-View-Controller (MVC)</a:t>
             </a:r>
           </a:p>
@@ -21281,14 +21313,16 @@
             </a:pPr>
             <a:r>
               <a:rPr lang="en-US" sz="2000" dirty="0"/>
-              <a:t>Pattern che viene utilizzato quando, progettando un metodo di una nuova classe, ci si accorge che già un’altra classe esegue la stessa operazione. A questo scopo, viene istanziato, all’interno della nuova classe, un oggetto della nuova classe e che ne applica il metodo desiderato. Tale pattern riutilizza frammenti di codice, minimizzando i costi d’uso.</a:t>
-            </a:r>
-          </a:p>
-          <a:p>
-            <a:pPr marL="0" indent="0">
-              <a:buNone/>
-            </a:pPr>
-            <a:endParaRPr lang="en-US" sz="2000" dirty="0"/>
+              <a:t>Pattern che viene utilizzato quando, progettando un metodo di una nuova classe, ci si accorge che già un’altra classe esegue la stessa operazione. A questo scopo, viene istanziato, all’interno della nuova classe, un oggetto della nuova classe e che ne applica il metodo desiderato. Tale pattern riutilizza frammenti di codice, minimizzando i costi </a:t>
+            </a:r>
+            <a:r>
+              <a:rPr lang="en-US" sz="2000" dirty="0" err="1"/>
+              <a:t>d’uso</a:t>
+            </a:r>
+            <a:r>
+              <a:rPr lang="en-US" sz="2000" dirty="0"/>
+              <a:t>.</a:t>
+            </a:r>
           </a:p>
           <a:p>
             <a:pPr marL="0" indent="0">
@@ -26007,8 +26041,8 @@
         </p:nvSpPr>
         <p:spPr>
           <a:xfrm>
-            <a:off x="572492" y="1817437"/>
-            <a:ext cx="7134593" cy="4975249"/>
+            <a:off x="382556" y="1726711"/>
+            <a:ext cx="7324530" cy="5065975"/>
           </a:xfrm>
         </p:spPr>
         <p:txBody>
@@ -26022,7 +26056,7 @@
             </a:pPr>
             <a:r>
               <a:rPr lang="en-US" sz="2000" dirty="0"/>
-              <a:t>L’obiettivo principale del progetto è creare un software per la gestione di un ospedale, in particolare per tenere traccia del paziente e dei suoi “movimenti” rispetto al Sistema generale. Per la creazione del sistema, è necessario tenere conto di diversi fattori:</a:t>
+              <a:t>L’obiettivo principale del progetto è creare un software per la gestione di un ospedale e, in particolare, per tenere traccia del paziente e dei suoi “movimenti” rispetto al Sistema generale. Per la creazione del sistema, è necessario tenere conto di diversi fattori:</a:t>
             </a:r>
           </a:p>
           <a:p>
@@ -26040,7 +26074,7 @@
             </a:r>
             <a:r>
               <a:rPr lang="en-US" sz="2000" dirty="0"/>
-              <a:t>contenente l’anagrafica, la diagnosi, il tipo di terapia che deve seguire e gli esami da effettuare prima di sottoporsi all’intervento.</a:t>
+              <a:t>contenente l’anagrafica, la diagnosi, l’anamnesi (pregressa e prossima), il tipo di terapia che deve seguire e gli esami da effettuare prima di sottoporsi all’intervento.</a:t>
             </a:r>
           </a:p>
           <a:p>
@@ -26054,7 +26088,23 @@
             </a:r>
             <a:r>
               <a:rPr lang="en-US" sz="2000" dirty="0"/>
-              <a:t>, liste di attesa per le persone che devono eseguire gli esami pre-intervento (definiti dalla cabina di regia). </a:t>
+              <a:t>, liste di attesa per le persone che </a:t>
+            </a:r>
+            <a:r>
+              <a:rPr lang="en-US" sz="2000" dirty="0" err="1"/>
+              <a:t>devono</a:t>
+            </a:r>
+            <a:r>
+              <a:rPr lang="en-US" sz="2000" dirty="0"/>
+              <a:t> </a:t>
+            </a:r>
+            <a:r>
+              <a:rPr lang="en-US" sz="2000" dirty="0" err="1"/>
+              <a:t>affrontare</a:t>
+            </a:r>
+            <a:r>
+              <a:rPr lang="en-US" sz="2000" dirty="0"/>
+              <a:t> esami pre-intervento (definiti dalla cabina di regia). </a:t>
             </a:r>
             <a:endParaRPr lang="en-US" sz="2000" b="1" i="1" dirty="0"/>
           </a:p>
@@ -26065,7 +26115,7 @@
             </a:pPr>
             <a:r>
               <a:rPr lang="en-US" sz="2000" b="1" i="1" dirty="0"/>
-              <a:t>Liste Operatorie</a:t>
+              <a:t>Operazioni</a:t>
             </a:r>
             <a:r>
               <a:rPr lang="en-US" sz="2000" i="1" dirty="0"/>
@@ -26073,7 +26123,15 @@
             </a:r>
             <a:r>
               <a:rPr lang="en-US" sz="2000" dirty="0"/>
-              <a:t>contententi i nomi e le informazioni dei pazienti che devono sottoporsi ad un determinato intervento (vengono definite dal medico).</a:t>
+              <a:t>contenenti le informazioni (blocco operatorio, numero sala, presenza anestesia…) dell’intervento associato al </a:t>
+            </a:r>
+            <a:r>
+              <a:rPr lang="en-US" sz="2000" dirty="0" err="1"/>
+              <a:t>relativo</a:t>
+            </a:r>
+            <a:r>
+              <a:rPr lang="en-US" sz="2000" dirty="0"/>
+              <a:t> paziente.</a:t>
             </a:r>
           </a:p>
           <a:p>
@@ -26087,15 +26145,7 @@
             </a:r>
             <a:r>
               <a:rPr lang="en-US" sz="2000" dirty="0"/>
-              <a:t>, dove sono riportate le modalità dell’operazione, gli orari delle varie fasi dell’intervento e i nomi dell’equipe medica che ha operato sull’intervento (le capacità di </a:t>
-            </a:r>
-            <a:r>
-              <a:rPr lang="en-US" sz="2000" dirty="0" err="1"/>
-              <a:t>compilazione</a:t>
-            </a:r>
-            <a:r>
-              <a:rPr lang="en-US" sz="2000" dirty="0"/>
-              <a:t> cambiano in base al personale medico).</a:t>
+              <a:t>, dove sono riportate le modalità dell’operazione, gli orari delle varie fasi dell’intervento e i nomi dell’equipe medica che ha operato sull’intervento (le capacità di compilazione cambiano in base al personale medico).</a:t>
             </a:r>
           </a:p>
         </p:txBody>
@@ -28824,7 +28874,7 @@
         </p:spPr>
         <p:txBody>
           <a:bodyPr>
-            <a:normAutofit/>
+            <a:normAutofit lnSpcReduction="10000"/>
           </a:bodyPr>
           <a:lstStyle/>
           <a:p>
@@ -28842,7 +28892,95 @@
             </a:pPr>
             <a:r>
               <a:rPr lang="en-US" sz="2200" dirty="0"/>
-              <a:t>Una volta eseguito l’accesso, l’utente può registrare nuovi pazienti, creare liste operatorie e compilare i relativi verbali medici.</a:t>
+              <a:t>Una volta eseguito l’accesso, l’utente può registrare nuovi pazienti, </a:t>
+            </a:r>
+            <a:r>
+              <a:rPr lang="en-US" sz="2200" dirty="0" err="1"/>
+              <a:t>generare</a:t>
+            </a:r>
+            <a:r>
+              <a:rPr lang="en-US" sz="2200" dirty="0"/>
+              <a:t> </a:t>
+            </a:r>
+            <a:r>
+              <a:rPr lang="en-US" sz="2200" dirty="0" err="1"/>
+              <a:t>nuove</a:t>
+            </a:r>
+            <a:r>
+              <a:rPr lang="en-US" sz="2200" dirty="0"/>
+              <a:t> </a:t>
+            </a:r>
+            <a:r>
+              <a:rPr lang="en-US" sz="2200" dirty="0" err="1"/>
+              <a:t>operazioni</a:t>
+            </a:r>
+            <a:r>
+              <a:rPr lang="en-US" sz="2200" dirty="0"/>
+              <a:t> (</a:t>
+            </a:r>
+            <a:r>
+              <a:rPr lang="en-US" sz="2200" dirty="0" err="1"/>
+              <a:t>partendo</a:t>
+            </a:r>
+            <a:r>
+              <a:rPr lang="en-US" sz="2200" dirty="0"/>
+              <a:t> </a:t>
+            </a:r>
+            <a:r>
+              <a:rPr lang="en-US" sz="2200" dirty="0" err="1"/>
+              <a:t>dalle</a:t>
+            </a:r>
+            <a:r>
+              <a:rPr lang="en-US" sz="2200" dirty="0"/>
+              <a:t> </a:t>
+            </a:r>
+            <a:r>
+              <a:rPr lang="en-US" sz="2200" dirty="0" err="1"/>
+              <a:t>anagrafiche</a:t>
+            </a:r>
+            <a:r>
+              <a:rPr lang="en-US" sz="2200" dirty="0"/>
+              <a:t> create) e compilare i relativi </a:t>
+            </a:r>
+            <a:r>
+              <a:rPr lang="en-US" sz="2200" dirty="0" err="1"/>
+              <a:t>verbali</a:t>
+            </a:r>
+            <a:r>
+              <a:rPr lang="en-US" sz="2200" dirty="0"/>
+              <a:t> </a:t>
+            </a:r>
+            <a:r>
+              <a:rPr lang="en-US" sz="2200" dirty="0" err="1"/>
+              <a:t>medici</a:t>
+            </a:r>
+            <a:r>
+              <a:rPr lang="en-US" sz="2200" dirty="0"/>
+              <a:t>, </a:t>
+            </a:r>
+            <a:r>
+              <a:rPr lang="en-US" sz="2200" dirty="0" err="1"/>
+              <a:t>sulla</a:t>
+            </a:r>
+            <a:r>
+              <a:rPr lang="en-US" sz="2200" dirty="0"/>
+              <a:t> base </a:t>
+            </a:r>
+            <a:r>
+              <a:rPr lang="en-US" sz="2200" dirty="0" err="1"/>
+              <a:t>delle</a:t>
+            </a:r>
+            <a:r>
+              <a:rPr lang="en-US" sz="2200" dirty="0"/>
+              <a:t> single </a:t>
+            </a:r>
+            <a:r>
+              <a:rPr lang="en-US" sz="2200" dirty="0" err="1"/>
+              <a:t>operazioni</a:t>
+            </a:r>
+            <a:r>
+              <a:rPr lang="en-US" sz="2200" dirty="0"/>
+              <a:t>.</a:t>
             </a:r>
           </a:p>
           <a:p>
@@ -29837,7 +29975,15 @@
             </a:r>
             <a:r>
               <a:rPr lang="en-US" sz="2000" dirty="0"/>
-              <a:t>, abbiamo potuto definire diversi casi di test a seconda della funzionalità che si va ad implementare. I test fanno riferimento al DataService, ove sono contenute le operazioni possibili accedendo alla pagina personale:</a:t>
+              <a:t>, abbiamo potuto definire diversi casi di test a seconda della funzionalità che si va ad implementare. I test fanno riferimento al DataService, ove sono contenute le </a:t>
+            </a:r>
+            <a:r>
+              <a:rPr lang="en-US" sz="2000" dirty="0" err="1"/>
+              <a:t>operazioni</a:t>
+            </a:r>
+            <a:r>
+              <a:rPr lang="en-US" sz="2000" dirty="0"/>
+              <a:t> possibili accedendo alla pagina personale:</a:t>
             </a:r>
           </a:p>
           <a:p>
@@ -32053,7 +32199,15 @@
           <a:p>
             <a:r>
               <a:rPr lang="en-US" sz="2200" dirty="0"/>
-              <a:t>Ottenere un programma software che risponda a tutti i requisiti (del Sistema e </a:t>
+              <a:t>Ottenere un programma software che risponda a tutti i requisiti (del </a:t>
+            </a:r>
+            <a:r>
+              <a:rPr lang="en-US" sz="2200" dirty="0" err="1"/>
+              <a:t>sistema</a:t>
+            </a:r>
+            <a:r>
+              <a:rPr lang="en-US" sz="2200" dirty="0"/>
+              <a:t> e </a:t>
             </a:r>
             <a:r>
               <a:rPr lang="en-US" sz="2200" dirty="0" err="1"/>
@@ -34049,7 +34203,7 @@
             </a:r>
             <a:r>
               <a:rPr lang="it-IT" sz="1900" dirty="0"/>
-              <a:t> come strumento prescelto al coordinamento tra i membri del team, ma anche per tenere traccia di tutti i componenti e le modifiche apportate (si sfruttano </a:t>
+              <a:t> come strumento prescelto al coordinamento tra i membri del team: le sue caratteristiche di utilizzo consentono di tenere traccia di tutti i componenti e le modifiche apportate (si sfruttano </a:t>
             </a:r>
             <a:r>
               <a:rPr lang="it-IT" sz="1900" i="1" dirty="0"/>
@@ -34112,7 +34266,7 @@
             </a:r>
             <a:r>
               <a:rPr lang="it-IT" sz="1900" dirty="0"/>
-              <a:t>, per la costruzione di un’interfaccia grafica che risponda ai requisiti del problema, ma che sia al tempo stesso di facile utilizzo e comprensibile agli utenti (principalmente medici).</a:t>
+              <a:t>, per la costruzione di un’interfaccia grafica che risponda ai requisiti del problema, ma che sia, al tempo stesso, di facile utilizzo e comprensibile agli utenti (principalmente medici).</a:t>
             </a:r>
           </a:p>
           <a:p>
@@ -35090,7 +35244,7 @@
         <p:spPr>
           <a:xfrm>
             <a:off x="669036" y="1871147"/>
-            <a:ext cx="10684764" cy="3970318"/>
+            <a:ext cx="10684764" cy="4247317"/>
           </a:xfrm>
           <a:prstGeom prst="rect">
             <a:avLst/>
@@ -35103,10 +35257,32 @@
           </a:bodyPr>
           <a:lstStyle/>
           <a:p>
+            <a:pPr marL="285750" indent="-285750">
+              <a:buFont typeface="Arial" panose="020B0604020202020204" pitchFamily="34" charset="0"/>
+              <a:buChar char="•"/>
+            </a:pPr>
+            <a:r>
+              <a:rPr lang="it-IT" b="1" dirty="0" err="1"/>
+              <a:t>Structure</a:t>
+            </a:r>
             <a:r>
               <a:rPr lang="it-IT" b="1" dirty="0"/>
-              <a:t>Principali Tools utilizzati nella stesura del codice sorgente:</a:t>
-            </a:r>
+              <a:t> 101</a:t>
+            </a:r>
+            <a:r>
+              <a:rPr lang="it-IT" dirty="0"/>
+              <a:t>, tool di analisi della struttura di un progetto/programma, attraverso il quale si può visualizzare le relazioni tra moduli e classi, la complessità e la struttura ciclica dell’intero sistema. Questo strumento è stato utile agli sviluppatori per comprendere meglio la complessità del codice e per identificare problemi di design o dipendenze indesiderate</a:t>
+            </a:r>
+            <a:r>
+              <a:rPr lang="it-IT" b="1" dirty="0"/>
+              <a:t>.</a:t>
+            </a:r>
+          </a:p>
+          <a:p>
+            <a:endParaRPr lang="it-IT" b="1" dirty="0"/>
+          </a:p>
+          <a:p>
+            <a:endParaRPr lang="it-IT" b="1" dirty="0"/>
           </a:p>
           <a:p>
             <a:endParaRPr lang="it-IT" b="1" dirty="0"/>
@@ -35193,29 +35369,6 @@
               <a:buFont typeface="Wingdings" panose="05000000000000000000" pitchFamily="2" charset="2"/>
               <a:buChar char="Ø"/>
             </a:pPr>
-            <a:endParaRPr lang="it-IT" i="1" dirty="0"/>
-          </a:p>
-          <a:p>
-            <a:pPr marL="285750" indent="-285750">
-              <a:buFont typeface="Wingdings" panose="05000000000000000000" pitchFamily="2" charset="2"/>
-              <a:buChar char="Ø"/>
-            </a:pPr>
-            <a:r>
-              <a:rPr lang="it-IT" i="1" dirty="0"/>
-              <a:t>Structure 101, </a:t>
-            </a:r>
-            <a:r>
-              <a:rPr lang="it-IT" dirty="0"/>
-              <a:t>tool di analisi della struttura di un progetto/programma, attraverso il quale si può visualizzare la relazione tra moduli e classi, la complessità e la struttura ciclica </a:t>
-            </a:r>
-            <a:r>
-              <a:rPr lang="it-IT"/>
-              <a:t>dell’intero sistema. </a:t>
-            </a:r>
-            <a:r>
-              <a:rPr lang="it-IT" dirty="0"/>
-              <a:t>Questo strumento è stato utile agli sviluppatori per comprendere meglio la complessità del codice e per identificare problemi di design o dipendenze indesiderate.</a:t>
-            </a:r>
             <a:endParaRPr lang="it-IT" i="1" dirty="0"/>
           </a:p>
         </p:txBody>
@@ -38930,15 +39083,6 @@
 </file>
 
 <file path=customXml/item1.xml><?xml version="1.0" encoding="utf-8"?>
-<?mso-contentType ?>
-<FormTemplates xmlns="http://schemas.microsoft.com/sharepoint/v3/contenttype/forms">
-  <Display>DocumentLibraryForm</Display>
-  <Edit>DocumentLibraryForm</Edit>
-  <New>DocumentLibraryForm</New>
-</FormTemplates>
-</file>
-
-<file path=customXml/item2.xml><?xml version="1.0" encoding="utf-8"?>
 <ct:contentTypeSchema xmlns:ct="http://schemas.microsoft.com/office/2006/metadata/contentType" xmlns:ma="http://schemas.microsoft.com/office/2006/metadata/properties/metaAttributes" ct:_="" ma:_="" ma:contentTypeName="Documento" ma:contentTypeID="0x0101007CE6213B20D2F945B0D1473923EE410F" ma:contentTypeVersion="7" ma:contentTypeDescription="Creare un nuovo documento." ma:contentTypeScope="" ma:versionID="dc8ac43e96b461727accd63cf925a5cf">
   <xsd:schema xmlns:xsd="http://www.w3.org/2001/XMLSchema" xmlns:xs="http://www.w3.org/2001/XMLSchema" xmlns:p="http://schemas.microsoft.com/office/2006/metadata/properties" xmlns:ns2="243f3390-b919-40e8-8195-3613e8527352" targetNamespace="http://schemas.microsoft.com/office/2006/metadata/properties" ma:root="true" ma:fieldsID="1987007e621e1b24d40e437f012b913d" ns2:_="">
     <xsd:import namespace="243f3390-b919-40e8-8195-3613e8527352"/>
@@ -39100,6 +39244,15 @@
 </ct:contentTypeSchema>
 </file>
 
+<file path=customXml/item2.xml><?xml version="1.0" encoding="utf-8"?>
+<?mso-contentType ?>
+<FormTemplates xmlns="http://schemas.microsoft.com/sharepoint/v3/contenttype/forms">
+  <Display>DocumentLibraryForm</Display>
+  <Edit>DocumentLibraryForm</Edit>
+  <New>DocumentLibraryForm</New>
+</FormTemplates>
+</file>
+
 <file path=customXml/item3.xml><?xml version="1.0" encoding="utf-8"?>
 <p:properties xmlns:p="http://schemas.microsoft.com/office/2006/metadata/properties" xmlns:xsi="http://www.w3.org/2001/XMLSchema-instance" xmlns:pc="http://schemas.microsoft.com/office/infopath/2007/PartnerControls">
   <documentManagement/>
@@ -39107,14 +39260,6 @@
 </file>
 
 <file path=customXml/itemProps1.xml><?xml version="1.0" encoding="utf-8"?>
-<ds:datastoreItem xmlns:ds="http://schemas.openxmlformats.org/officeDocument/2006/customXml" ds:itemID="{42BC90D6-94CF-42F7-AAC4-9CF6824C54D5}">
-  <ds:schemaRefs>
-    <ds:schemaRef ds:uri="http://schemas.microsoft.com/sharepoint/v3/contenttype/forms"/>
-  </ds:schemaRefs>
-</ds:datastoreItem>
-</file>
-
-<file path=customXml/itemProps2.xml><?xml version="1.0" encoding="utf-8"?>
 <ds:datastoreItem xmlns:ds="http://schemas.openxmlformats.org/officeDocument/2006/customXml" ds:itemID="{1A503E23-9696-4358-8F00-F7F66AC755EB}">
   <ds:schemaRefs>
     <ds:schemaRef ds:uri="http://schemas.microsoft.com/office/2006/metadata/contentType"/>
@@ -39128,6 +39273,14 @@
     <ds:schemaRef ds:uri="http://purl.org/dc/elements/1.1/"/>
     <ds:schemaRef ds:uri="http://purl.org/dc/terms/"/>
     <ds:schemaRef ds:uri="http://schemas.microsoft.com/internal/obd"/>
+  </ds:schemaRefs>
+</ds:datastoreItem>
+</file>
+
+<file path=customXml/itemProps2.xml><?xml version="1.0" encoding="utf-8"?>
+<ds:datastoreItem xmlns:ds="http://schemas.openxmlformats.org/officeDocument/2006/customXml" ds:itemID="{42BC90D6-94CF-42F7-AAC4-9CF6824C54D5}">
+  <ds:schemaRefs>
+    <ds:schemaRef ds:uri="http://schemas.microsoft.com/sharepoint/v3/contenttype/forms"/>
   </ds:schemaRefs>
 </ds:datastoreItem>
 </file>

--- a/Presentazione/Presentazione_Progetto.pptx
+++ b/Presentazione/Presentazione_Progetto.pptx
@@ -5,10 +5,10 @@
     <p:sldMasterId id="2147483720" r:id="rId4"/>
   </p:sldMasterIdLst>
   <p:notesMasterIdLst>
-    <p:notesMasterId r:id="rId29"/>
+    <p:notesMasterId r:id="rId30"/>
   </p:notesMasterIdLst>
   <p:handoutMasterIdLst>
-    <p:handoutMasterId r:id="rId30"/>
+    <p:handoutMasterId r:id="rId31"/>
   </p:handoutMasterIdLst>
   <p:sldIdLst>
     <p:sldId id="256" r:id="rId5"/>
@@ -28,13 +28,14 @@
     <p:sldId id="303" r:id="rId19"/>
     <p:sldId id="304" r:id="rId20"/>
     <p:sldId id="321" r:id="rId21"/>
-    <p:sldId id="307" r:id="rId22"/>
-    <p:sldId id="314" r:id="rId23"/>
-    <p:sldId id="323" r:id="rId24"/>
-    <p:sldId id="316" r:id="rId25"/>
-    <p:sldId id="306" r:id="rId26"/>
-    <p:sldId id="310" r:id="rId27"/>
-    <p:sldId id="324" r:id="rId28"/>
+    <p:sldId id="325" r:id="rId22"/>
+    <p:sldId id="307" r:id="rId23"/>
+    <p:sldId id="314" r:id="rId24"/>
+    <p:sldId id="323" r:id="rId25"/>
+    <p:sldId id="316" r:id="rId26"/>
+    <p:sldId id="306" r:id="rId27"/>
+    <p:sldId id="310" r:id="rId28"/>
+    <p:sldId id="324" r:id="rId29"/>
   </p:sldIdLst>
   <p:sldSz cx="12192000" cy="6858000"/>
   <p:notesSz cx="6858000" cy="9144000"/>
@@ -170,7 +171,7 @@
 <file path=ppt/revisionInfo.xml><?xml version="1.0" encoding="utf-8"?>
 <p1510:revInfo xmlns:a="http://schemas.openxmlformats.org/drawingml/2006/main" xmlns:r="http://schemas.openxmlformats.org/officeDocument/2006/relationships" xmlns:p1510="http://schemas.microsoft.com/office/powerpoint/2015/10/main">
   <p1510:revLst>
-    <p1510:client id="{E6DC4EAA-0AC7-4D8A-9ABA-9B4C09DD8308}" v="500" dt="2024-03-21T09:12:50.137"/>
+    <p1510:client id="{E6DC4EAA-0AC7-4D8A-9ABA-9B4C09DD8308}" v="504" dt="2024-03-21T12:02:24.686"/>
   </p1510:revLst>
 </p1510:revInfo>
 </file>
@@ -180,7 +181,7 @@
   <pc:docChgLst>
     <pc:chgData name="Matteo MANGILI" userId="89c7df381375e6aa" providerId="LiveId" clId="{E6DC4EAA-0AC7-4D8A-9ABA-9B4C09DD8308}"/>
     <pc:docChg chg="undo custSel addSld delSld modSld sldOrd">
-      <pc:chgData name="Matteo MANGILI" userId="89c7df381375e6aa" providerId="LiveId" clId="{E6DC4EAA-0AC7-4D8A-9ABA-9B4C09DD8308}" dt="2024-03-21T09:15:11.030" v="14388" actId="20577"/>
+      <pc:chgData name="Matteo MANGILI" userId="89c7df381375e6aa" providerId="LiveId" clId="{E6DC4EAA-0AC7-4D8A-9ABA-9B4C09DD8308}" dt="2024-03-21T12:19:04.154" v="15566" actId="20577"/>
       <pc:docMkLst>
         <pc:docMk/>
       </pc:docMkLst>
@@ -353,13 +354,13 @@
         </pc:spChg>
       </pc:sldChg>
       <pc:sldChg chg="addSp delSp modSp mod">
-        <pc:chgData name="Matteo MANGILI" userId="89c7df381375e6aa" providerId="LiveId" clId="{E6DC4EAA-0AC7-4D8A-9ABA-9B4C09DD8308}" dt="2024-03-21T09:15:11.030" v="14388" actId="20577"/>
+        <pc:chgData name="Matteo MANGILI" userId="89c7df381375e6aa" providerId="LiveId" clId="{E6DC4EAA-0AC7-4D8A-9ABA-9B4C09DD8308}" dt="2024-03-21T12:19:04.154" v="15566" actId="20577"/>
         <pc:sldMkLst>
           <pc:docMk/>
           <pc:sldMk cId="3568766427" sldId="306"/>
         </pc:sldMkLst>
         <pc:spChg chg="add del mod">
-          <ac:chgData name="Matteo MANGILI" userId="89c7df381375e6aa" providerId="LiveId" clId="{E6DC4EAA-0AC7-4D8A-9ABA-9B4C09DD8308}" dt="2024-03-21T09:15:11.030" v="14388" actId="20577"/>
+          <ac:chgData name="Matteo MANGILI" userId="89c7df381375e6aa" providerId="LiveId" clId="{E6DC4EAA-0AC7-4D8A-9ABA-9B4C09DD8308}" dt="2024-03-21T12:19:01.108" v="15564" actId="20577"/>
           <ac:spMkLst>
             <pc:docMk/>
             <pc:sldMk cId="3568766427" sldId="306"/>
@@ -372,6 +373,14 @@
             <pc:docMk/>
             <pc:sldMk cId="3568766427" sldId="306"/>
             <ac:spMk id="5" creationId="{74A5CB71-4176-D981-436C-6B31FDE92B0B}"/>
+          </ac:spMkLst>
+        </pc:spChg>
+        <pc:spChg chg="mod">
+          <ac:chgData name="Matteo MANGILI" userId="89c7df381375e6aa" providerId="LiveId" clId="{E6DC4EAA-0AC7-4D8A-9ABA-9B4C09DD8308}" dt="2024-03-21T12:19:04.154" v="15566" actId="20577"/>
+          <ac:spMkLst>
+            <pc:docMk/>
+            <pc:sldMk cId="3568766427" sldId="306"/>
+            <ac:spMk id="6" creationId="{366879AD-ECAF-DDDE-26DC-9DD0D10F9AC4}"/>
           </ac:spMkLst>
         </pc:spChg>
         <pc:picChg chg="add mod">
@@ -392,7 +401,7 @@
         </pc:picChg>
       </pc:sldChg>
       <pc:sldChg chg="modSp mod">
-        <pc:chgData name="Matteo MANGILI" userId="89c7df381375e6aa" providerId="LiveId" clId="{E6DC4EAA-0AC7-4D8A-9ABA-9B4C09DD8308}" dt="2024-03-03T17:12:46.390" v="8224" actId="20577"/>
+        <pc:chgData name="Matteo MANGILI" userId="89c7df381375e6aa" providerId="LiveId" clId="{E6DC4EAA-0AC7-4D8A-9ABA-9B4C09DD8308}" dt="2024-03-21T12:18:29.856" v="15549" actId="20577"/>
         <pc:sldMkLst>
           <pc:docMk/>
           <pc:sldMk cId="42136755" sldId="307"/>
@@ -403,6 +412,14 @@
             <pc:docMk/>
             <pc:sldMk cId="42136755" sldId="307"/>
             <ac:spMk id="3" creationId="{A07BF9D8-A7CB-D3F1-7E12-AD682B8F05A3}"/>
+          </ac:spMkLst>
+        </pc:spChg>
+        <pc:spChg chg="mod">
+          <ac:chgData name="Matteo MANGILI" userId="89c7df381375e6aa" providerId="LiveId" clId="{E6DC4EAA-0AC7-4D8A-9ABA-9B4C09DD8308}" dt="2024-03-21T12:18:29.856" v="15549" actId="20577"/>
+          <ac:spMkLst>
+            <pc:docMk/>
+            <pc:sldMk cId="42136755" sldId="307"/>
+            <ac:spMk id="6" creationId="{07D5F90B-A703-3979-44A8-9125B7AA3463}"/>
           </ac:spMkLst>
         </pc:spChg>
       </pc:sldChg>
@@ -460,7 +477,7 @@
         </pc:graphicFrameChg>
       </pc:sldChg>
       <pc:sldChg chg="addSp delSp modSp mod">
-        <pc:chgData name="Matteo MANGILI" userId="89c7df381375e6aa" providerId="LiveId" clId="{E6DC4EAA-0AC7-4D8A-9ABA-9B4C09DD8308}" dt="2024-02-25T17:40:12.090" v="3460" actId="1076"/>
+        <pc:chgData name="Matteo MANGILI" userId="89c7df381375e6aa" providerId="LiveId" clId="{E6DC4EAA-0AC7-4D8A-9ABA-9B4C09DD8308}" dt="2024-03-21T12:18:35.075" v="15553" actId="20577"/>
         <pc:sldMkLst>
           <pc:docMk/>
           <pc:sldMk cId="2994462458" sldId="314"/>
@@ -471,6 +488,14 @@
             <pc:docMk/>
             <pc:sldMk cId="2994462458" sldId="314"/>
             <ac:spMk id="4" creationId="{1382BF33-D4C3-1609-FA12-EC09BEED9465}"/>
+          </ac:spMkLst>
+        </pc:spChg>
+        <pc:spChg chg="mod">
+          <ac:chgData name="Matteo MANGILI" userId="89c7df381375e6aa" providerId="LiveId" clId="{E6DC4EAA-0AC7-4D8A-9ABA-9B4C09DD8308}" dt="2024-03-21T12:18:35.075" v="15553" actId="20577"/>
+          <ac:spMkLst>
+            <pc:docMk/>
+            <pc:sldMk cId="2994462458" sldId="314"/>
+            <ac:spMk id="6" creationId="{07D5F90B-A703-3979-44A8-9125B7AA3463}"/>
           </ac:spMkLst>
         </pc:spChg>
         <pc:picChg chg="add mod">
@@ -570,7 +595,7 @@
         </pc:picChg>
       </pc:sldChg>
       <pc:sldChg chg="addSp delSp modSp mod">
-        <pc:chgData name="Matteo MANGILI" userId="89c7df381375e6aa" providerId="LiveId" clId="{E6DC4EAA-0AC7-4D8A-9ABA-9B4C09DD8308}" dt="2024-02-25T17:59:57.820" v="3582" actId="22"/>
+        <pc:chgData name="Matteo MANGILI" userId="89c7df381375e6aa" providerId="LiveId" clId="{E6DC4EAA-0AC7-4D8A-9ABA-9B4C09DD8308}" dt="2024-03-21T12:18:50.032" v="15563" actId="20577"/>
         <pc:sldMkLst>
           <pc:docMk/>
           <pc:sldMk cId="1841377636" sldId="316"/>
@@ -581,6 +606,14 @@
             <pc:docMk/>
             <pc:sldMk cId="1841377636" sldId="316"/>
             <ac:spMk id="5" creationId="{B0F0725A-54BB-AA7A-BD20-927905CD1E60}"/>
+          </ac:spMkLst>
+        </pc:spChg>
+        <pc:spChg chg="mod">
+          <ac:chgData name="Matteo MANGILI" userId="89c7df381375e6aa" providerId="LiveId" clId="{E6DC4EAA-0AC7-4D8A-9ABA-9B4C09DD8308}" dt="2024-03-21T12:18:50.032" v="15563" actId="20577"/>
+          <ac:spMkLst>
+            <pc:docMk/>
+            <pc:sldMk cId="1841377636" sldId="316"/>
+            <ac:spMk id="6" creationId="{07D5F90B-A703-3979-44A8-9125B7AA3463}"/>
           </ac:spMkLst>
         </pc:spChg>
         <pc:spChg chg="add del mod">
@@ -701,13 +734,13 @@
         </pc:spChg>
       </pc:sldChg>
       <pc:sldChg chg="modSp mod">
-        <pc:chgData name="Matteo MANGILI" userId="89c7df381375e6aa" providerId="LiveId" clId="{E6DC4EAA-0AC7-4D8A-9ABA-9B4C09DD8308}" dt="2024-03-03T17:10:14.688" v="8140" actId="113"/>
+        <pc:chgData name="Matteo MANGILI" userId="89c7df381375e6aa" providerId="LiveId" clId="{E6DC4EAA-0AC7-4D8A-9ABA-9B4C09DD8308}" dt="2024-03-21T12:18:15.871" v="15547" actId="20577"/>
         <pc:sldMkLst>
           <pc:docMk/>
           <pc:sldMk cId="3518618096" sldId="321"/>
         </pc:sldMkLst>
         <pc:spChg chg="mod">
-          <ac:chgData name="Matteo MANGILI" userId="89c7df381375e6aa" providerId="LiveId" clId="{E6DC4EAA-0AC7-4D8A-9ABA-9B4C09DD8308}" dt="2024-03-03T17:10:14.688" v="8140" actId="113"/>
+          <ac:chgData name="Matteo MANGILI" userId="89c7df381375e6aa" providerId="LiveId" clId="{E6DC4EAA-0AC7-4D8A-9ABA-9B4C09DD8308}" dt="2024-03-21T12:18:15.871" v="15547" actId="20577"/>
           <ac:spMkLst>
             <pc:docMk/>
             <pc:sldMk cId="3518618096" sldId="321"/>
@@ -724,7 +757,7 @@
         </pc:picChg>
       </pc:sldChg>
       <pc:sldChg chg="modSp mod">
-        <pc:chgData name="Matteo MANGILI" userId="89c7df381375e6aa" providerId="LiveId" clId="{E6DC4EAA-0AC7-4D8A-9ABA-9B4C09DD8308}" dt="2024-03-21T09:09:36.561" v="14208" actId="20577"/>
+        <pc:chgData name="Matteo MANGILI" userId="89c7df381375e6aa" providerId="LiveId" clId="{E6DC4EAA-0AC7-4D8A-9ABA-9B4C09DD8308}" dt="2024-03-21T12:04:55.228" v="14445" actId="21"/>
         <pc:sldMkLst>
           <pc:docMk/>
           <pc:sldMk cId="243116288" sldId="322"/>
@@ -738,7 +771,7 @@
           </ac:spMkLst>
         </pc:spChg>
         <pc:spChg chg="mod">
-          <ac:chgData name="Matteo MANGILI" userId="89c7df381375e6aa" providerId="LiveId" clId="{E6DC4EAA-0AC7-4D8A-9ABA-9B4C09DD8308}" dt="2024-03-21T09:09:36.561" v="14208" actId="20577"/>
+          <ac:chgData name="Matteo MANGILI" userId="89c7df381375e6aa" providerId="LiveId" clId="{E6DC4EAA-0AC7-4D8A-9ABA-9B4C09DD8308}" dt="2024-03-21T12:04:55.228" v="14445" actId="21"/>
           <ac:spMkLst>
             <pc:docMk/>
             <pc:sldMk cId="243116288" sldId="322"/>
@@ -747,7 +780,7 @@
         </pc:spChg>
       </pc:sldChg>
       <pc:sldChg chg="addSp delSp modSp add mod ord">
-        <pc:chgData name="Matteo MANGILI" userId="89c7df381375e6aa" providerId="LiveId" clId="{E6DC4EAA-0AC7-4D8A-9ABA-9B4C09DD8308}" dt="2024-02-21T11:03:31.003" v="286" actId="20577"/>
+        <pc:chgData name="Matteo MANGILI" userId="89c7df381375e6aa" providerId="LiveId" clId="{E6DC4EAA-0AC7-4D8A-9ABA-9B4C09DD8308}" dt="2024-03-21T12:18:45.222" v="15561" actId="20577"/>
         <pc:sldMkLst>
           <pc:docMk/>
           <pc:sldMk cId="242682486" sldId="323"/>
@@ -769,7 +802,7 @@
           </ac:spMkLst>
         </pc:spChg>
         <pc:spChg chg="mod">
-          <ac:chgData name="Matteo MANGILI" userId="89c7df381375e6aa" providerId="LiveId" clId="{E6DC4EAA-0AC7-4D8A-9ABA-9B4C09DD8308}" dt="2024-02-21T10:57:28.205" v="80" actId="20577"/>
+          <ac:chgData name="Matteo MANGILI" userId="89c7df381375e6aa" providerId="LiveId" clId="{E6DC4EAA-0AC7-4D8A-9ABA-9B4C09DD8308}" dt="2024-03-21T12:18:45.222" v="15561" actId="20577"/>
           <ac:spMkLst>
             <pc:docMk/>
             <pc:sldMk cId="242682486" sldId="323"/>
@@ -839,6 +872,93 @@
             <ac:spMk id="4" creationId="{E45B50AB-E09E-377A-4B46-AFA47F523EAB}"/>
           </ac:spMkLst>
         </pc:spChg>
+      </pc:sldChg>
+      <pc:sldChg chg="addSp delSp modSp add mod">
+        <pc:chgData name="Matteo MANGILI" userId="89c7df381375e6aa" providerId="LiveId" clId="{E6DC4EAA-0AC7-4D8A-9ABA-9B4C09DD8308}" dt="2024-03-21T12:13:45.761" v="15042" actId="313"/>
+        <pc:sldMkLst>
+          <pc:docMk/>
+          <pc:sldMk cId="2813845049" sldId="325"/>
+        </pc:sldMkLst>
+        <pc:spChg chg="mod">
+          <ac:chgData name="Matteo MANGILI" userId="89c7df381375e6aa" providerId="LiveId" clId="{E6DC4EAA-0AC7-4D8A-9ABA-9B4C09DD8308}" dt="2024-03-21T12:01:10.783" v="14402" actId="20577"/>
+          <ac:spMkLst>
+            <pc:docMk/>
+            <pc:sldMk cId="2813845049" sldId="325"/>
+            <ac:spMk id="2" creationId="{82F1275C-82AF-B699-E2B0-FD8161C0228A}"/>
+          </ac:spMkLst>
+        </pc:spChg>
+        <pc:spChg chg="add del mod">
+          <ac:chgData name="Matteo MANGILI" userId="89c7df381375e6aa" providerId="LiveId" clId="{E6DC4EAA-0AC7-4D8A-9ABA-9B4C09DD8308}" dt="2024-03-21T12:01:26.231" v="14407" actId="21"/>
+          <ac:spMkLst>
+            <pc:docMk/>
+            <pc:sldMk cId="2813845049" sldId="325"/>
+            <ac:spMk id="4" creationId="{004D3CBD-A71F-DD69-EBF1-F91919D6E192}"/>
+          </ac:spMkLst>
+        </pc:spChg>
+        <pc:spChg chg="add del mod">
+          <ac:chgData name="Matteo MANGILI" userId="89c7df381375e6aa" providerId="LiveId" clId="{E6DC4EAA-0AC7-4D8A-9ABA-9B4C09DD8308}" dt="2024-03-21T12:03:12.913" v="14432"/>
+          <ac:spMkLst>
+            <pc:docMk/>
+            <pc:sldMk cId="2813845049" sldId="325"/>
+            <ac:spMk id="7" creationId="{1BFAFA53-B5DB-7FF0-D80B-1D38652788B6}"/>
+          </ac:spMkLst>
+        </pc:spChg>
+        <pc:spChg chg="add del mod">
+          <ac:chgData name="Matteo MANGILI" userId="89c7df381375e6aa" providerId="LiveId" clId="{E6DC4EAA-0AC7-4D8A-9ABA-9B4C09DD8308}" dt="2024-03-21T12:02:26.261" v="14423" actId="21"/>
+          <ac:spMkLst>
+            <pc:docMk/>
+            <pc:sldMk cId="2813845049" sldId="325"/>
+            <ac:spMk id="11" creationId="{955D1719-89FD-5A26-C4E3-6FE50FA50B6A}"/>
+          </ac:spMkLst>
+        </pc:spChg>
+        <pc:spChg chg="add del mod">
+          <ac:chgData name="Matteo MANGILI" userId="89c7df381375e6aa" providerId="LiveId" clId="{E6DC4EAA-0AC7-4D8A-9ABA-9B4C09DD8308}" dt="2024-03-21T12:02:25.263" v="14420" actId="21"/>
+          <ac:spMkLst>
+            <pc:docMk/>
+            <pc:sldMk cId="2813845049" sldId="325"/>
+            <ac:spMk id="13" creationId="{6ABD0229-A5FC-C694-9C30-63B9DCDD92B6}"/>
+          </ac:spMkLst>
+        </pc:spChg>
+        <pc:spChg chg="add mod">
+          <ac:chgData name="Matteo MANGILI" userId="89c7df381375e6aa" providerId="LiveId" clId="{E6DC4EAA-0AC7-4D8A-9ABA-9B4C09DD8308}" dt="2024-03-21T12:02:24.686" v="14417"/>
+          <ac:spMkLst>
+            <pc:docMk/>
+            <pc:sldMk cId="2813845049" sldId="325"/>
+            <ac:spMk id="14" creationId="{1BFAFA53-B5DB-7FF0-D80B-1D38652788B6}"/>
+          </ac:spMkLst>
+        </pc:spChg>
+        <pc:spChg chg="add mod">
+          <ac:chgData name="Matteo MANGILI" userId="89c7df381375e6aa" providerId="LiveId" clId="{E6DC4EAA-0AC7-4D8A-9ABA-9B4C09DD8308}" dt="2024-03-21T12:13:45.761" v="15042" actId="313"/>
+          <ac:spMkLst>
+            <pc:docMk/>
+            <pc:sldMk cId="2813845049" sldId="325"/>
+            <ac:spMk id="16" creationId="{E9D12C85-E57A-BC0F-0577-F10BE23A44BE}"/>
+          </ac:spMkLst>
+        </pc:spChg>
+        <pc:spChg chg="mod">
+          <ac:chgData name="Matteo MANGILI" userId="89c7df381375e6aa" providerId="LiveId" clId="{E6DC4EAA-0AC7-4D8A-9ABA-9B4C09DD8308}" dt="2024-03-21T12:09:47.695" v="14753" actId="14100"/>
+          <ac:spMkLst>
+            <pc:docMk/>
+            <pc:sldMk cId="2813845049" sldId="325"/>
+            <ac:spMk id="82" creationId="{37FC4670-6A45-D3AC-1810-F8B73268AFA3}"/>
+          </ac:spMkLst>
+        </pc:spChg>
+        <pc:graphicFrameChg chg="add mod">
+          <ac:chgData name="Matteo MANGILI" userId="89c7df381375e6aa" providerId="LiveId" clId="{E6DC4EAA-0AC7-4D8A-9ABA-9B4C09DD8308}" dt="2024-03-21T12:01:25.703" v="14406" actId="1957"/>
+          <ac:graphicFrameMkLst>
+            <pc:docMk/>
+            <pc:sldMk cId="2813845049" sldId="325"/>
+            <ac:graphicFrameMk id="9" creationId="{E20C2A39-CFDA-1A98-0EBD-EB1452EE8DE5}"/>
+          </ac:graphicFrameMkLst>
+        </pc:graphicFrameChg>
+        <pc:picChg chg="add del">
+          <ac:chgData name="Matteo MANGILI" userId="89c7df381375e6aa" providerId="LiveId" clId="{E6DC4EAA-0AC7-4D8A-9ABA-9B4C09DD8308}" dt="2024-03-21T12:02:40.982" v="14425" actId="21"/>
+          <ac:picMkLst>
+            <pc:docMk/>
+            <pc:sldMk cId="2813845049" sldId="325"/>
+            <ac:picMk id="5" creationId="{936CDABC-6D16-BB2F-AB96-5B351ADDECE5}"/>
+          </ac:picMkLst>
+        </pc:picChg>
       </pc:sldChg>
     </pc:docChg>
   </pc:docChgLst>
@@ -2763,7 +2883,13 @@
   <p:cSld>
     <p:spTree>
       <p:nvGrpSpPr>
-        <p:cNvPr id="1" name=""/>
+        <p:cNvPr id="1" name="">
+          <a:extLst>
+            <a:ext uri="{FF2B5EF4-FFF2-40B4-BE49-F238E27FC236}">
+              <a16:creationId xmlns:a16="http://schemas.microsoft.com/office/drawing/2014/main" id="{370B9EDB-563C-708F-770C-3CDE1353460B}"/>
+            </a:ext>
+          </a:extLst>
+        </p:cNvPr>
         <p:cNvGrpSpPr/>
         <p:nvPr/>
       </p:nvGrpSpPr>
@@ -2777,7 +2903,13 @@
       </p:grpSpPr>
       <p:sp>
         <p:nvSpPr>
-          <p:cNvPr id="2" name="Segnaposto immagine diapositiva 1"/>
+          <p:cNvPr id="2" name="Segnaposto immagine diapositiva 1">
+            <a:extLst>
+              <a:ext uri="{FF2B5EF4-FFF2-40B4-BE49-F238E27FC236}">
+                <a16:creationId xmlns:a16="http://schemas.microsoft.com/office/drawing/2014/main" id="{2E1F14AB-D851-D0F5-0CDB-ED07DE0E3241}"/>
+              </a:ext>
+            </a:extLst>
+          </p:cNvPr>
           <p:cNvSpPr>
             <a:spLocks noGrp="1" noRot="1" noChangeAspect="1"/>
           </p:cNvSpPr>
@@ -2789,7 +2921,13 @@
       </p:sp>
       <p:sp>
         <p:nvSpPr>
-          <p:cNvPr id="3" name="Segnaposto note 2"/>
+          <p:cNvPr id="3" name="Segnaposto note 2">
+            <a:extLst>
+              <a:ext uri="{FF2B5EF4-FFF2-40B4-BE49-F238E27FC236}">
+                <a16:creationId xmlns:a16="http://schemas.microsoft.com/office/drawing/2014/main" id="{89D01B71-E261-F444-D919-B379708FE8A1}"/>
+              </a:ext>
+            </a:extLst>
+          </p:cNvPr>
           <p:cNvSpPr>
             <a:spLocks noGrp="1"/>
           </p:cNvSpPr>
@@ -2808,7 +2946,13 @@
       </p:sp>
       <p:sp>
         <p:nvSpPr>
-          <p:cNvPr id="4" name="Segnaposto numero diapositiva 3"/>
+          <p:cNvPr id="4" name="Segnaposto numero diapositiva 3">
+            <a:extLst>
+              <a:ext uri="{FF2B5EF4-FFF2-40B4-BE49-F238E27FC236}">
+                <a16:creationId xmlns:a16="http://schemas.microsoft.com/office/drawing/2014/main" id="{51C2EDF3-BB66-61AA-0FFB-B92C57661881}"/>
+              </a:ext>
+            </a:extLst>
+          </p:cNvPr>
           <p:cNvSpPr>
             <a:spLocks noGrp="1"/>
           </p:cNvSpPr>
@@ -2824,7 +2968,7 @@
             <a:pPr rtl="0"/>
             <a:fld id="{D4B9A9E5-4F7F-4A7D-9DE1-899232329269}" type="slidenum">
               <a:rPr lang="it-IT" smtClean="0"/>
-              <a:t>23</a:t>
+              <a:t>18</a:t>
             </a:fld>
             <a:endParaRPr lang="it-IT" dirty="0"/>
           </a:p>
@@ -2833,7 +2977,7 @@
     </p:spTree>
     <p:extLst>
       <p:ext uri="{BB962C8B-B14F-4D97-AF65-F5344CB8AC3E}">
-        <p14:creationId xmlns:p14="http://schemas.microsoft.com/office/powerpoint/2010/main" val="719930975"/>
+        <p14:creationId xmlns:p14="http://schemas.microsoft.com/office/powerpoint/2010/main" val="3042234841"/>
       </p:ext>
     </p:extLst>
   </p:cSld>
@@ -2910,6 +3054,91 @@
             <a:fld id="{D4B9A9E5-4F7F-4A7D-9DE1-899232329269}" type="slidenum">
               <a:rPr lang="it-IT" smtClean="0"/>
               <a:t>24</a:t>
+            </a:fld>
+            <a:endParaRPr lang="it-IT" dirty="0"/>
+          </a:p>
+        </p:txBody>
+      </p:sp>
+    </p:spTree>
+    <p:extLst>
+      <p:ext uri="{BB962C8B-B14F-4D97-AF65-F5344CB8AC3E}">
+        <p14:creationId xmlns:p14="http://schemas.microsoft.com/office/powerpoint/2010/main" val="719930975"/>
+      </p:ext>
+    </p:extLst>
+  </p:cSld>
+  <p:clrMapOvr>
+    <a:masterClrMapping/>
+  </p:clrMapOvr>
+</p:notes>
+</file>
+
+<file path=ppt/notesSlides/notesSlide19.xml><?xml version="1.0" encoding="utf-8"?>
+<p:notes xmlns:a="http://schemas.openxmlformats.org/drawingml/2006/main" xmlns:r="http://schemas.openxmlformats.org/officeDocument/2006/relationships" xmlns:p="http://schemas.openxmlformats.org/presentationml/2006/main">
+  <p:cSld>
+    <p:spTree>
+      <p:nvGrpSpPr>
+        <p:cNvPr id="1" name=""/>
+        <p:cNvGrpSpPr/>
+        <p:nvPr/>
+      </p:nvGrpSpPr>
+      <p:grpSpPr>
+        <a:xfrm>
+          <a:off x="0" y="0"/>
+          <a:ext cx="0" cy="0"/>
+          <a:chOff x="0" y="0"/>
+          <a:chExt cx="0" cy="0"/>
+        </a:xfrm>
+      </p:grpSpPr>
+      <p:sp>
+        <p:nvSpPr>
+          <p:cNvPr id="2" name="Segnaposto immagine diapositiva 1"/>
+          <p:cNvSpPr>
+            <a:spLocks noGrp="1" noRot="1" noChangeAspect="1"/>
+          </p:cNvSpPr>
+          <p:nvPr>
+            <p:ph type="sldImg"/>
+          </p:nvPr>
+        </p:nvSpPr>
+        <p:spPr/>
+      </p:sp>
+      <p:sp>
+        <p:nvSpPr>
+          <p:cNvPr id="3" name="Segnaposto note 2"/>
+          <p:cNvSpPr>
+            <a:spLocks noGrp="1"/>
+          </p:cNvSpPr>
+          <p:nvPr>
+            <p:ph type="body" idx="1"/>
+          </p:nvPr>
+        </p:nvSpPr>
+        <p:spPr/>
+        <p:txBody>
+          <a:bodyPr/>
+          <a:lstStyle/>
+          <a:p>
+            <a:endParaRPr lang="it-IT" dirty="0"/>
+          </a:p>
+        </p:txBody>
+      </p:sp>
+      <p:sp>
+        <p:nvSpPr>
+          <p:cNvPr id="4" name="Segnaposto numero diapositiva 3"/>
+          <p:cNvSpPr>
+            <a:spLocks noGrp="1"/>
+          </p:cNvSpPr>
+          <p:nvPr>
+            <p:ph type="sldNum" sz="quarter" idx="5"/>
+          </p:nvPr>
+        </p:nvSpPr>
+        <p:spPr/>
+        <p:txBody>
+          <a:bodyPr/>
+          <a:lstStyle/>
+          <a:p>
+            <a:pPr rtl="0"/>
+            <a:fld id="{D4B9A9E5-4F7F-4A7D-9DE1-899232329269}" type="slidenum">
+              <a:rPr lang="it-IT" smtClean="0"/>
+              <a:t>25</a:t>
             </a:fld>
             <a:endParaRPr lang="it-IT" dirty="0"/>
           </a:p>
@@ -23292,7 +23521,7 @@
         <p:spPr>
           <a:xfrm>
             <a:off x="669035" y="2055813"/>
-            <a:ext cx="6664825" cy="4524315"/>
+            <a:ext cx="6664825" cy="4801314"/>
           </a:xfrm>
           <a:prstGeom prst="rect">
             <a:avLst/>
@@ -23315,7 +23544,7 @@
             </a:r>
             <a:r>
               <a:rPr lang="it-IT" dirty="0"/>
-              <a:t>) è iniziata subito dopo la consegna del progetto; lo scopo principale è aumentare la qualità dell’intero sistema, correggendo errori (principalmente di codice) e cercando di adattare il software alle richieste degli utenti ma anche dell’ambiente di utilizzo, al fine di aumentare il grado di manutenibilità futura. La documentazione deve essere sottoposta a manutenzione, per essere sicuri che venga spiegato nel dettaglio l’intero funzionamento del programma, senza contraddizioni</a:t>
+              <a:t>) è iniziata subito dopo la consegna del progetto; lo scopo principale è aumentare la qualità dell’intero sistema, correggendo errori (principalmente di codice) e cercando di adattare il software alle richieste degli utenti ma anche dell’ambiente di utilizzo, al fine di aumentare il grado di manutenibilità futura. La documentazione deve essere sottoposta a manutenzione, per essere sicuri che venga spiegato nel dettaglio l’intero funzionamento del programma, senza contraddizioni o incoerenze.</a:t>
             </a:r>
           </a:p>
           <a:p>
@@ -23324,21 +23553,40 @@
           <a:p>
             <a:r>
               <a:rPr lang="it-IT" dirty="0"/>
-              <a:t>L’attività di </a:t>
-            </a:r>
-            <a:r>
-              <a:rPr lang="it-IT" b="1" i="1" dirty="0"/>
-              <a:t>Refactoring</a:t>
+              <a:t>La nostra manutenzione è stata principalmente </a:t>
             </a:r>
             <a:r>
               <a:rPr lang="it-IT" i="1" dirty="0"/>
-              <a:t> </a:t>
+              <a:t>correttiva</a:t>
             </a:r>
             <a:r>
               <a:rPr lang="it-IT" dirty="0"/>
-              <a:t>è stata eseguita, al fine di assicurare che il codice sia mantenibile: piccole azioni atte ad alterare la struttura interna del codice senza modificarne il comportamento esterno. Si cerca di evitare codice duplicato, variabili globali, metodi lunghi, classi «pigre» o invidia tra le classi (i cosiddetti bad smells, «cattivi odori», che possono abbassare il grado di qualità finale).</a:t>
-            </a:r>
-            <a:endParaRPr lang="it-IT" i="1" dirty="0"/>
+              <a:t> (per risolvere errori di codice e di documentazione) e</a:t>
+            </a:r>
+            <a:r>
+              <a:rPr lang="it-IT" i="1" dirty="0"/>
+              <a:t> preventiva </a:t>
+            </a:r>
+            <a:r>
+              <a:rPr lang="it-IT" dirty="0"/>
+              <a:t>(per aumentare il grado di manutenibilità del sistema rispetto ad utilizzi futuri); la manutenzione </a:t>
+            </a:r>
+            <a:r>
+              <a:rPr lang="it-IT" i="1" dirty="0"/>
+              <a:t>adattiva </a:t>
+            </a:r>
+            <a:r>
+              <a:rPr lang="it-IT" dirty="0"/>
+              <a:t>e </a:t>
+            </a:r>
+            <a:r>
+              <a:rPr lang="it-IT" i="1" dirty="0"/>
+              <a:t>perfettiva</a:t>
+            </a:r>
+            <a:r>
+              <a:rPr lang="it-IT" dirty="0"/>
+              <a:t> non sono state prese in particolare riguardo, proprio perché non si può sapere se il progetto sarà completamente commercializzabile (si possono fare delle ipotesi tuttavia).</a:t>
+            </a:r>
           </a:p>
         </p:txBody>
       </p:sp>
@@ -23368,7 +23616,13 @@
     </p:bg>
     <p:spTree>
       <p:nvGrpSpPr>
-        <p:cNvPr id="1" name=""/>
+        <p:cNvPr id="1" name="">
+          <a:extLst>
+            <a:ext uri="{FF2B5EF4-FFF2-40B4-BE49-F238E27FC236}">
+              <a16:creationId xmlns:a16="http://schemas.microsoft.com/office/drawing/2014/main" id="{94DA50DE-D253-3D56-B2B5-EF6323056B1A}"/>
+            </a:ext>
+          </a:extLst>
+        </p:cNvPr>
         <p:cNvGrpSpPr/>
         <p:nvPr/>
       </p:nvGrpSpPr>
@@ -23382,10 +23636,10 @@
       </p:grpSpPr>
       <p:sp useBgFill="1">
         <p:nvSpPr>
-          <p:cNvPr id="11" name="Rectangle 10">
+          <p:cNvPr id="87" name="Rectangle 86">
             <a:extLst>
               <a:ext uri="{FF2B5EF4-FFF2-40B4-BE49-F238E27FC236}">
-                <a16:creationId xmlns:a16="http://schemas.microsoft.com/office/drawing/2014/main" id="{100EDD19-6802-4EC3-95CE-CFFAB042CFD6}"/>
+                <a16:creationId xmlns:a16="http://schemas.microsoft.com/office/drawing/2014/main" id="{220A3D9E-38B7-40F7-5468-68B2440072D9}"/>
               </a:ext>
               <a:ext uri="{C183D7F6-B498-43B3-948B-1728B52AA6E4}">
                 <adec:decorative xmlns:adec="http://schemas.microsoft.com/office/drawing/2017/decorative" val="1"/>
@@ -23442,10 +23696,10 @@
       </p:sp>
       <p:sp>
         <p:nvSpPr>
-          <p:cNvPr id="2" name="Title 1">
+          <p:cNvPr id="2" name="Titolo 1">
             <a:extLst>
               <a:ext uri="{FF2B5EF4-FFF2-40B4-BE49-F238E27FC236}">
-                <a16:creationId xmlns:a16="http://schemas.microsoft.com/office/drawing/2014/main" id="{DDB7800B-90D1-8C4B-56B7-FA1626BB1375}"/>
+                <a16:creationId xmlns:a16="http://schemas.microsoft.com/office/drawing/2014/main" id="{82F1275C-82AF-B699-E2B0-FD8161C0228A}"/>
               </a:ext>
             </a:extLst>
           </p:cNvPr>
@@ -23463,25 +23717,30 @@
           </a:xfrm>
         </p:spPr>
         <p:txBody>
-          <a:bodyPr>
+          <a:bodyPr rtlCol="0">
             <a:normAutofit/>
           </a:bodyPr>
           <a:lstStyle/>
           <a:p>
+            <a:pPr rtl="0"/>
             <a:r>
               <a:rPr lang="it-IT" sz="5400" b="1" dirty="0"/>
-              <a:t>Modellazione</a:t>
-            </a:r>
-            <a:endParaRPr lang="en-US" sz="5400" b="1" dirty="0"/>
+              <a:t>Manutenzione: </a:t>
+            </a:r>
+            <a:r>
+              <a:rPr lang="it-IT" sz="5400" b="1" dirty="0" err="1"/>
+              <a:t>Refactoring</a:t>
+            </a:r>
+            <a:endParaRPr lang="it-IT" sz="5400" b="1" dirty="0"/>
           </a:p>
         </p:txBody>
       </p:sp>
       <p:sp>
         <p:nvSpPr>
-          <p:cNvPr id="13" name="sketch line">
+          <p:cNvPr id="89" name="sketch line">
             <a:extLst>
               <a:ext uri="{FF2B5EF4-FFF2-40B4-BE49-F238E27FC236}">
-                <a16:creationId xmlns:a16="http://schemas.microsoft.com/office/drawing/2014/main" id="{DB17E863-922E-4C26-BD64-E8FD41D28661}"/>
+                <a16:creationId xmlns:a16="http://schemas.microsoft.com/office/drawing/2014/main" id="{78C10EB6-38E0-71DA-A545-292898485D9E}"/>
               </a:ext>
               <a:ext uri="{C183D7F6-B498-43B3-948B-1728B52AA6E4}">
                 <adec:decorative xmlns:adec="http://schemas.microsoft.com/office/drawing/2017/decorative" val="1"/>
@@ -24116,10 +24375,56 @@
       </p:sp>
       <p:sp>
         <p:nvSpPr>
-          <p:cNvPr id="3" name="Content Placeholder 2">
+          <p:cNvPr id="82" name="Segnaposto numero diapositiva 81">
             <a:extLst>
               <a:ext uri="{FF2B5EF4-FFF2-40B4-BE49-F238E27FC236}">
-                <a16:creationId xmlns:a16="http://schemas.microsoft.com/office/drawing/2014/main" id="{A07BF9D8-A7CB-D3F1-7E12-AD682B8F05A3}"/>
+                <a16:creationId xmlns:a16="http://schemas.microsoft.com/office/drawing/2014/main" id="{37FC4670-6A45-D3AC-1810-F8B73268AFA3}"/>
+              </a:ext>
+            </a:extLst>
+          </p:cNvPr>
+          <p:cNvSpPr>
+            <a:spLocks noGrp="1"/>
+          </p:cNvSpPr>
+          <p:nvPr>
+            <p:ph type="sldNum" sz="quarter" idx="12"/>
+          </p:nvPr>
+        </p:nvSpPr>
+        <p:spPr>
+          <a:xfrm>
+            <a:off x="11010121" y="6356350"/>
+            <a:ext cx="765111" cy="365125"/>
+          </a:xfrm>
+        </p:spPr>
+        <p:txBody>
+          <a:bodyPr rtlCol="0">
+            <a:noAutofit/>
+          </a:bodyPr>
+          <a:lstStyle/>
+          <a:p>
+            <a:pPr rtl="0">
+              <a:spcAft>
+                <a:spcPts val="600"/>
+              </a:spcAft>
+            </a:pPr>
+            <a:fld id="{B5CEABB6-07DC-46E8-9B57-56EC44A396E5}" type="slidenum">
+              <a:rPr lang="it-IT" sz="1800" b="1" smtClean="0"/>
+              <a:pPr rtl="0">
+                <a:spcAft>
+                  <a:spcPts val="600"/>
+                </a:spcAft>
+              </a:pPr>
+              <a:t>18</a:t>
+            </a:fld>
+            <a:endParaRPr lang="it-IT" sz="1800" b="1" dirty="0"/>
+          </a:p>
+        </p:txBody>
+      </p:sp>
+      <p:sp>
+        <p:nvSpPr>
+          <p:cNvPr id="16" name="Segnaposto contenuto 15">
+            <a:extLst>
+              <a:ext uri="{FF2B5EF4-FFF2-40B4-BE49-F238E27FC236}">
+                <a16:creationId xmlns:a16="http://schemas.microsoft.com/office/drawing/2014/main" id="{E9D12C85-E57A-BC0F-0577-F10BE23A44BE}"/>
               </a:ext>
             </a:extLst>
           </p:cNvPr>
@@ -24132,8 +24437,8 @@
         </p:nvSpPr>
         <p:spPr>
           <a:xfrm>
-            <a:off x="838200" y="1929383"/>
-            <a:ext cx="10515600" cy="4563491"/>
+            <a:off x="669035" y="1690688"/>
+            <a:ext cx="10853927" cy="5130736"/>
           </a:xfrm>
         </p:spPr>
         <p:txBody>
@@ -24142,33 +24447,45 @@
           </a:bodyPr>
           <a:lstStyle/>
           <a:p>
-            <a:r>
-              <a:rPr lang="en-US" sz="2200" dirty="0"/>
-              <a:t>Diagramma dei Casi d’Uso (USE CASE DIAGRAM)</a:t>
-            </a:r>
-          </a:p>
-          <a:p>
             <a:pPr marL="0" indent="0">
               <a:buNone/>
             </a:pPr>
-            <a:endParaRPr lang="en-US" sz="2200" dirty="0"/>
-          </a:p>
-          <a:p>
-            <a:r>
-              <a:rPr lang="en-US" sz="2200" dirty="0"/>
-              <a:t>Diagramma delle Classi (CLASS DIAGRAM)</a:t>
+            <a:r>
+              <a:rPr lang="it-IT" sz="1900" dirty="0"/>
+              <a:t>L’attività di </a:t>
+            </a:r>
+            <a:r>
+              <a:rPr lang="it-IT" sz="1900" dirty="0" err="1"/>
+              <a:t>Refactoring</a:t>
+            </a:r>
+            <a:r>
+              <a:rPr lang="it-IT" sz="1900" dirty="0"/>
+              <a:t> è stata eseguita al fine di assicurare che il codice sia mantenibile: piccole azioni atte ad alterare la struttura interna del codice, senza modificarne il comportamento esterno. Un altro obiettivo imposto è quello di evitare i cosiddetti «</a:t>
+            </a:r>
+            <a:r>
+              <a:rPr lang="it-IT" sz="1900" dirty="0" err="1"/>
+              <a:t>bad</a:t>
+            </a:r>
+            <a:r>
+              <a:rPr lang="it-IT" sz="1900" dirty="0"/>
+              <a:t> </a:t>
+            </a:r>
+            <a:r>
+              <a:rPr lang="it-IT" sz="1900" dirty="0" err="1"/>
+              <a:t>smells</a:t>
+            </a:r>
+            <a:r>
+              <a:rPr lang="it-IT" sz="1900" dirty="0"/>
+              <a:t>», che nel nostro progetto equivalgono a:</a:t>
             </a:r>
           </a:p>
           <a:p>
             <a:pPr marL="0" indent="0">
               <a:buNone/>
             </a:pPr>
-            <a:endParaRPr lang="en-US" sz="2200" dirty="0"/>
-          </a:p>
-          <a:p>
-            <a:r>
-              <a:rPr lang="en-US" sz="2200" dirty="0"/>
-              <a:t>Diagramma di Stato (STATE-CHART DIAGRAM)</a:t>
+            <a:r>
+              <a:rPr lang="it-IT" sz="1900" dirty="0"/>
+              <a:t>• Codice duplicato;</a:t>
             </a:r>
           </a:p>
           <a:p>
@@ -24176,17 +24493,8 @@
               <a:buNone/>
             </a:pPr>
             <a:r>
-              <a:rPr lang="en-US" sz="2200" dirty="0"/>
-              <a:t> (per comprendere lo stato del paziente rispetto alle varie liste)</a:t>
-            </a:r>
-          </a:p>
-          <a:p>
-            <a:endParaRPr lang="en-US" sz="2200" dirty="0"/>
-          </a:p>
-          <a:p>
-            <a:r>
-              <a:rPr lang="en-US" sz="2200" dirty="0"/>
-              <a:t>Diagramma di Sequenza (SEQUENCE DIAGRAM)</a:t>
+              <a:rPr lang="it-IT" sz="1900" dirty="0"/>
+              <a:t>• Uso di variabili globali;</a:t>
             </a:r>
           </a:p>
           <a:p>
@@ -24194,17 +24502,8 @@
               <a:buNone/>
             </a:pPr>
             <a:r>
-              <a:rPr lang="en-US" sz="2200" dirty="0"/>
-              <a:t>(definire la sequenza di interazioni tra i vari attori del problema)</a:t>
-            </a:r>
-          </a:p>
-          <a:p>
-            <a:endParaRPr lang="en-US" sz="2200" dirty="0"/>
-          </a:p>
-          <a:p>
-            <a:r>
-              <a:rPr lang="en-US" sz="2200" dirty="0"/>
-              <a:t>Diagramma delle Attività (ACTIVITY DIAGRAM) </a:t>
+              <a:rPr lang="it-IT" sz="1900" dirty="0"/>
+              <a:t>• Utilizzo di metodi troppo lunghi;</a:t>
             </a:r>
           </a:p>
           <a:p>
@@ -24212,70 +24511,160 @@
               <a:buNone/>
             </a:pPr>
             <a:r>
-              <a:rPr lang="en-US" sz="2200" dirty="0"/>
-              <a:t>(per Compilazione Verbale Medico e Iscrizione alla Lista Operatoria)</a:t>
-            </a:r>
-          </a:p>
-        </p:txBody>
-      </p:sp>
-      <p:sp>
-        <p:nvSpPr>
-          <p:cNvPr id="6" name="Slide Number Placeholder 5">
-            <a:extLst>
-              <a:ext uri="{FF2B5EF4-FFF2-40B4-BE49-F238E27FC236}">
-                <a16:creationId xmlns:a16="http://schemas.microsoft.com/office/drawing/2014/main" id="{07D5F90B-A703-3979-44A8-9125B7AA3463}"/>
-              </a:ext>
-            </a:extLst>
-          </p:cNvPr>
-          <p:cNvSpPr>
-            <a:spLocks noGrp="1"/>
-          </p:cNvSpPr>
-          <p:nvPr>
-            <p:ph type="sldNum" sz="quarter" idx="12"/>
-          </p:nvPr>
-        </p:nvSpPr>
-        <p:spPr>
-          <a:xfrm>
-            <a:off x="8610600" y="6191250"/>
-            <a:ext cx="2743200" cy="530225"/>
-          </a:xfrm>
-        </p:spPr>
-        <p:txBody>
-          <a:bodyPr>
-            <a:noAutofit/>
-          </a:bodyPr>
-          <a:lstStyle/>
-          <a:p>
-            <a:pPr rtl="0">
-              <a:lnSpc>
-                <a:spcPct val="90000"/>
-              </a:lnSpc>
-              <a:spcAft>
-                <a:spcPts val="600"/>
-              </a:spcAft>
+              <a:rPr lang="it-IT" sz="1900" dirty="0"/>
+              <a:t>• Classi pigre (impiegano più tempo del dovuto a completare una funzione);</a:t>
+            </a:r>
+          </a:p>
+          <a:p>
+            <a:pPr marL="0" indent="0">
+              <a:buNone/>
             </a:pPr>
-            <a:endParaRPr lang="it-IT" sz="1800" b="1" noProof="0" dirty="0"/>
-          </a:p>
-          <a:p>
-            <a:pPr rtl="0">
-              <a:lnSpc>
-                <a:spcPct val="90000"/>
-              </a:lnSpc>
-              <a:spcAft>
-                <a:spcPts val="600"/>
-              </a:spcAft>
+            <a:r>
+              <a:rPr lang="it-IT" sz="1900" dirty="0"/>
+              <a:t>• Invidia tra le classi (porterebbe a scontri tra più classi, compromettendo la qualità del sistema);</a:t>
+            </a:r>
+          </a:p>
+          <a:p>
+            <a:pPr marL="0" indent="0">
+              <a:buNone/>
             </a:pPr>
-            <a:r>
-              <a:rPr lang="it-IT" sz="1800" b="1" noProof="0" dirty="0"/>
-              <a:t>18</a:t>
-            </a:r>
+            <a:endParaRPr lang="it-IT" sz="1900" dirty="0"/>
+          </a:p>
+          <a:p>
+            <a:pPr marL="0" indent="0">
+              <a:buNone/>
+            </a:pPr>
+            <a:r>
+              <a:rPr lang="it-IT" sz="1900" dirty="0"/>
+              <a:t>Al fine di risolvere tali </a:t>
+            </a:r>
+            <a:r>
+              <a:rPr lang="it-IT" sz="1900" dirty="0" err="1"/>
+              <a:t>bad</a:t>
+            </a:r>
+            <a:r>
+              <a:rPr lang="it-IT" sz="1900" dirty="0"/>
+              <a:t> </a:t>
+            </a:r>
+            <a:r>
+              <a:rPr lang="it-IT" sz="1900" dirty="0" err="1"/>
+              <a:t>smells</a:t>
+            </a:r>
+            <a:r>
+              <a:rPr lang="it-IT" sz="1900" dirty="0"/>
+              <a:t> e per portare a compimento l’attività di </a:t>
+            </a:r>
+            <a:r>
+              <a:rPr lang="it-IT" sz="1900" dirty="0" err="1"/>
+              <a:t>refactoring</a:t>
+            </a:r>
+            <a:r>
+              <a:rPr lang="it-IT" sz="1900" dirty="0"/>
+              <a:t>/manutenzione, sono stati utilizzati diversi metodi, il cui utilizzo permette di accelerare l’attività di revisione e di correggere problemi di codice:  </a:t>
+            </a:r>
+          </a:p>
+          <a:p>
+            <a:pPr>
+              <a:buFont typeface="Wingdings" panose="05000000000000000000" pitchFamily="2" charset="2"/>
+              <a:buChar char="Ø"/>
+            </a:pPr>
+            <a:r>
+              <a:rPr lang="it-IT" sz="1900" i="1" dirty="0" err="1"/>
+              <a:t>Extract</a:t>
+            </a:r>
+            <a:r>
+              <a:rPr lang="it-IT" sz="1900" i="1" dirty="0"/>
+              <a:t> Method &amp; </a:t>
+            </a:r>
+            <a:r>
+              <a:rPr lang="it-IT" sz="1900" i="1" dirty="0" err="1"/>
+              <a:t>Extract</a:t>
+            </a:r>
+            <a:r>
+              <a:rPr lang="it-IT" sz="1900" i="1" dirty="0"/>
+              <a:t> Local </a:t>
+            </a:r>
+            <a:r>
+              <a:rPr lang="it-IT" sz="1900" i="1" dirty="0" err="1"/>
+              <a:t>Variables</a:t>
+            </a:r>
+            <a:r>
+              <a:rPr lang="it-IT" sz="1900" dirty="0"/>
+              <a:t>, per estrarre metodi e variabili da una classe e implementarli in un’altra, evitando la riscrittura del codice e minimizzando i costi di progettazione;</a:t>
+            </a:r>
+          </a:p>
+          <a:p>
+            <a:pPr>
+              <a:buFont typeface="Wingdings" panose="05000000000000000000" pitchFamily="2" charset="2"/>
+              <a:buChar char="Ø"/>
+            </a:pPr>
+            <a:r>
+              <a:rPr lang="it-IT" sz="1900" i="1" dirty="0" err="1"/>
+              <a:t>Push</a:t>
+            </a:r>
+            <a:r>
+              <a:rPr lang="it-IT" sz="1900" i="1" dirty="0"/>
+              <a:t> Down Method </a:t>
+            </a:r>
+            <a:r>
+              <a:rPr lang="it-IT" sz="1900" dirty="0"/>
+              <a:t>&amp; </a:t>
+            </a:r>
+            <a:r>
+              <a:rPr lang="it-IT" sz="1900" i="1" dirty="0" err="1"/>
+              <a:t>Push</a:t>
+            </a:r>
+            <a:r>
+              <a:rPr lang="it-IT" sz="1900" i="1" dirty="0"/>
+              <a:t> Down Field</a:t>
+            </a:r>
+            <a:r>
+              <a:rPr lang="it-IT" sz="1900" dirty="0"/>
+              <a:t>, trasferimento di campi/metodi da una superclasse ad una sottoclasse;</a:t>
+            </a:r>
+          </a:p>
+          <a:p>
+            <a:pPr>
+              <a:buFont typeface="Wingdings" panose="05000000000000000000" pitchFamily="2" charset="2"/>
+              <a:buChar char="Ø"/>
+            </a:pPr>
+            <a:r>
+              <a:rPr lang="it-IT" sz="1900" i="1" dirty="0" err="1"/>
+              <a:t>Remove</a:t>
+            </a:r>
+            <a:r>
+              <a:rPr lang="it-IT" sz="1900" i="1" dirty="0"/>
+              <a:t> Method </a:t>
+            </a:r>
+            <a:r>
+              <a:rPr lang="it-IT" sz="1900" dirty="0"/>
+              <a:t>&amp; </a:t>
+            </a:r>
+            <a:r>
+              <a:rPr lang="it-IT" sz="1900" i="1" dirty="0" err="1"/>
+              <a:t>Remove</a:t>
+            </a:r>
+            <a:r>
+              <a:rPr lang="it-IT" sz="1900" i="1" dirty="0"/>
+              <a:t> Field</a:t>
+            </a:r>
+            <a:r>
+              <a:rPr lang="it-IT" sz="1900" dirty="0"/>
+              <a:t>, rimozione di metodi/campi inutili o non strettamente necessari ai fini del progetto;</a:t>
+            </a:r>
+          </a:p>
+          <a:p>
+            <a:pPr marL="0" indent="0">
+              <a:buNone/>
+            </a:pPr>
+            <a:endParaRPr lang="it-IT" sz="1800" dirty="0"/>
           </a:p>
         </p:txBody>
       </p:sp>
     </p:spTree>
     <p:extLst>
       <p:ext uri="{BB962C8B-B14F-4D97-AF65-F5344CB8AC3E}">
-        <p14:creationId xmlns:p14="http://schemas.microsoft.com/office/powerpoint/2010/main" val="42136755"/>
+        <p14:creationId xmlns:p14="http://schemas.microsoft.com/office/powerpoint/2010/main" val="2813845049"/>
       </p:ext>
     </p:extLst>
   </p:cSld>
@@ -24400,7 +24789,7 @@
           <a:p>
             <a:r>
               <a:rPr lang="it-IT" sz="5400" b="1" dirty="0"/>
-              <a:t>Modellazione: Diagrammi</a:t>
+              <a:t>Modellazione</a:t>
             </a:r>
             <a:endParaRPr lang="en-US" sz="5400" b="1" dirty="0"/>
           </a:p>
@@ -25046,6 +25435,110 @@
       </p:sp>
       <p:sp>
         <p:nvSpPr>
+          <p:cNvPr id="3" name="Content Placeholder 2">
+            <a:extLst>
+              <a:ext uri="{FF2B5EF4-FFF2-40B4-BE49-F238E27FC236}">
+                <a16:creationId xmlns:a16="http://schemas.microsoft.com/office/drawing/2014/main" id="{A07BF9D8-A7CB-D3F1-7E12-AD682B8F05A3}"/>
+              </a:ext>
+            </a:extLst>
+          </p:cNvPr>
+          <p:cNvSpPr>
+            <a:spLocks noGrp="1"/>
+          </p:cNvSpPr>
+          <p:nvPr>
+            <p:ph idx="1"/>
+          </p:nvPr>
+        </p:nvSpPr>
+        <p:spPr>
+          <a:xfrm>
+            <a:off x="838200" y="1929383"/>
+            <a:ext cx="10515600" cy="4563491"/>
+          </a:xfrm>
+        </p:spPr>
+        <p:txBody>
+          <a:bodyPr>
+            <a:normAutofit fontScale="92500" lnSpcReduction="10000"/>
+          </a:bodyPr>
+          <a:lstStyle/>
+          <a:p>
+            <a:r>
+              <a:rPr lang="en-US" sz="2200" dirty="0"/>
+              <a:t>Diagramma dei Casi d’Uso (USE CASE DIAGRAM)</a:t>
+            </a:r>
+          </a:p>
+          <a:p>
+            <a:pPr marL="0" indent="0">
+              <a:buNone/>
+            </a:pPr>
+            <a:endParaRPr lang="en-US" sz="2200" dirty="0"/>
+          </a:p>
+          <a:p>
+            <a:r>
+              <a:rPr lang="en-US" sz="2200" dirty="0"/>
+              <a:t>Diagramma delle Classi (CLASS DIAGRAM)</a:t>
+            </a:r>
+          </a:p>
+          <a:p>
+            <a:pPr marL="0" indent="0">
+              <a:buNone/>
+            </a:pPr>
+            <a:endParaRPr lang="en-US" sz="2200" dirty="0"/>
+          </a:p>
+          <a:p>
+            <a:r>
+              <a:rPr lang="en-US" sz="2200" dirty="0"/>
+              <a:t>Diagramma di Stato (STATE-CHART DIAGRAM)</a:t>
+            </a:r>
+          </a:p>
+          <a:p>
+            <a:pPr marL="0" indent="0">
+              <a:buNone/>
+            </a:pPr>
+            <a:r>
+              <a:rPr lang="en-US" sz="2200" dirty="0"/>
+              <a:t> (per comprendere lo stato del paziente rispetto alle varie liste)</a:t>
+            </a:r>
+          </a:p>
+          <a:p>
+            <a:endParaRPr lang="en-US" sz="2200" dirty="0"/>
+          </a:p>
+          <a:p>
+            <a:r>
+              <a:rPr lang="en-US" sz="2200" dirty="0"/>
+              <a:t>Diagramma di Sequenza (SEQUENCE DIAGRAM)</a:t>
+            </a:r>
+          </a:p>
+          <a:p>
+            <a:pPr marL="0" indent="0">
+              <a:buNone/>
+            </a:pPr>
+            <a:r>
+              <a:rPr lang="en-US" sz="2200" dirty="0"/>
+              <a:t>(definire la sequenza di interazioni tra i vari attori del problema)</a:t>
+            </a:r>
+          </a:p>
+          <a:p>
+            <a:endParaRPr lang="en-US" sz="2200" dirty="0"/>
+          </a:p>
+          <a:p>
+            <a:r>
+              <a:rPr lang="en-US" sz="2200" dirty="0"/>
+              <a:t>Diagramma delle Attività (ACTIVITY DIAGRAM) </a:t>
+            </a:r>
+          </a:p>
+          <a:p>
+            <a:pPr marL="0" indent="0">
+              <a:buNone/>
+            </a:pPr>
+            <a:r>
+              <a:rPr lang="en-US" sz="2200" dirty="0"/>
+              <a:t>(per Compilazione Verbale Medico e Iscrizione alla Lista Operatoria)</a:t>
+            </a:r>
+          </a:p>
+        </p:txBody>
+      </p:sp>
+      <p:sp>
+        <p:nvSpPr>
           <p:cNvPr id="6" name="Slide Number Placeholder 5">
             <a:extLst>
               <a:ext uri="{FF2B5EF4-FFF2-40B4-BE49-F238E27FC236}">
@@ -25098,139 +25591,10 @@
           </a:p>
         </p:txBody>
       </p:sp>
-      <p:sp>
-        <p:nvSpPr>
-          <p:cNvPr id="7" name="CasellaDiTesto 6">
-            <a:extLst>
-              <a:ext uri="{FF2B5EF4-FFF2-40B4-BE49-F238E27FC236}">
-                <a16:creationId xmlns:a16="http://schemas.microsoft.com/office/drawing/2014/main" id="{2F6D6524-8D26-DCE0-C8D6-6656324DC85A}"/>
-              </a:ext>
-            </a:extLst>
-          </p:cNvPr>
-          <p:cNvSpPr txBox="1"/>
-          <p:nvPr/>
-        </p:nvSpPr>
-        <p:spPr>
-          <a:xfrm>
-            <a:off x="838200" y="6298163"/>
-            <a:ext cx="2110273" cy="369332"/>
-          </a:xfrm>
-          <a:prstGeom prst="rect">
-            <a:avLst/>
-          </a:prstGeom>
-          <a:noFill/>
-        </p:spPr>
-        <p:txBody>
-          <a:bodyPr wrap="square" rtlCol="0">
-            <a:spAutoFit/>
-          </a:bodyPr>
-          <a:lstStyle/>
-          <a:p>
-            <a:r>
-              <a:rPr lang="it-IT" dirty="0"/>
-              <a:t>USE CASE DIAGRAM</a:t>
-            </a:r>
-          </a:p>
-        </p:txBody>
-      </p:sp>
-      <p:sp>
-        <p:nvSpPr>
-          <p:cNvPr id="10" name="CasellaDiTesto 9">
-            <a:extLst>
-              <a:ext uri="{FF2B5EF4-FFF2-40B4-BE49-F238E27FC236}">
-                <a16:creationId xmlns:a16="http://schemas.microsoft.com/office/drawing/2014/main" id="{6A436C8B-00CB-47DF-CE0F-3E6AF627C2BC}"/>
-              </a:ext>
-            </a:extLst>
-          </p:cNvPr>
-          <p:cNvSpPr txBox="1"/>
-          <p:nvPr/>
-        </p:nvSpPr>
-        <p:spPr>
-          <a:xfrm>
-            <a:off x="6895322" y="6382139"/>
-            <a:ext cx="2341347" cy="369332"/>
-          </a:xfrm>
-          <a:prstGeom prst="rect">
-            <a:avLst/>
-          </a:prstGeom>
-          <a:noFill/>
-        </p:spPr>
-        <p:txBody>
-          <a:bodyPr wrap="none" rtlCol="0">
-            <a:spAutoFit/>
-          </a:bodyPr>
-          <a:lstStyle/>
-          <a:p>
-            <a:r>
-              <a:rPr lang="it-IT" dirty="0"/>
-              <a:t>STATECHART DIAGRAM</a:t>
-            </a:r>
-          </a:p>
-        </p:txBody>
-      </p:sp>
-      <p:pic>
-        <p:nvPicPr>
-          <p:cNvPr id="8" name="Segnaposto contenuto 7">
-            <a:extLst>
-              <a:ext uri="{FF2B5EF4-FFF2-40B4-BE49-F238E27FC236}">
-                <a16:creationId xmlns:a16="http://schemas.microsoft.com/office/drawing/2014/main" id="{DA974598-9005-7A60-6B66-EEBC98623935}"/>
-              </a:ext>
-            </a:extLst>
-          </p:cNvPr>
-          <p:cNvPicPr>
-            <a:picLocks noGrp="1" noChangeAspect="1"/>
-          </p:cNvPicPr>
-          <p:nvPr>
-            <p:ph idx="1"/>
-          </p:nvPr>
-        </p:nvPicPr>
-        <p:blipFill>
-          <a:blip r:embed="rId2"/>
-          <a:stretch>
-            <a:fillRect/>
-          </a:stretch>
-        </p:blipFill>
-        <p:spPr>
-          <a:xfrm>
-            <a:off x="232926" y="1839912"/>
-            <a:ext cx="4896139" cy="4351338"/>
-          </a:xfrm>
-        </p:spPr>
-      </p:pic>
-      <p:pic>
-        <p:nvPicPr>
-          <p:cNvPr id="4" name="Immagine 3">
-            <a:extLst>
-              <a:ext uri="{FF2B5EF4-FFF2-40B4-BE49-F238E27FC236}">
-                <a16:creationId xmlns:a16="http://schemas.microsoft.com/office/drawing/2014/main" id="{FBBF433F-AF38-288E-6DBA-F555A48DC93B}"/>
-              </a:ext>
-            </a:extLst>
-          </p:cNvPr>
-          <p:cNvPicPr>
-            <a:picLocks noChangeAspect="1"/>
-          </p:cNvPicPr>
-          <p:nvPr/>
-        </p:nvPicPr>
-        <p:blipFill>
-          <a:blip r:embed="rId3"/>
-          <a:stretch>
-            <a:fillRect/>
-          </a:stretch>
-        </p:blipFill>
-        <p:spPr>
-          <a:xfrm>
-            <a:off x="5200354" y="2349372"/>
-            <a:ext cx="6820491" cy="3558848"/>
-          </a:xfrm>
-          <a:prstGeom prst="rect">
-            <a:avLst/>
-          </a:prstGeom>
-        </p:spPr>
-      </p:pic>
     </p:spTree>
     <p:extLst>
       <p:ext uri="{BB962C8B-B14F-4D97-AF65-F5344CB8AC3E}">
-        <p14:creationId xmlns:p14="http://schemas.microsoft.com/office/powerpoint/2010/main" val="2994462458"/>
+        <p14:creationId xmlns:p14="http://schemas.microsoft.com/office/powerpoint/2010/main" val="42136755"/>
       </p:ext>
     </p:extLst>
   </p:cSld>
@@ -26262,13 +26626,7 @@
     </p:bg>
     <p:spTree>
       <p:nvGrpSpPr>
-        <p:cNvPr id="1" name="">
-          <a:extLst>
-            <a:ext uri="{FF2B5EF4-FFF2-40B4-BE49-F238E27FC236}">
-              <a16:creationId xmlns:a16="http://schemas.microsoft.com/office/drawing/2014/main" id="{24CD37C3-07CA-C926-D2EE-232216E5CE60}"/>
-            </a:ext>
-          </a:extLst>
-        </p:cNvPr>
+        <p:cNvPr id="1" name=""/>
         <p:cNvGrpSpPr/>
         <p:nvPr/>
       </p:nvGrpSpPr>
@@ -26285,7 +26643,7 @@
           <p:cNvPr id="11" name="Rectangle 10">
             <a:extLst>
               <a:ext uri="{FF2B5EF4-FFF2-40B4-BE49-F238E27FC236}">
-                <a16:creationId xmlns:a16="http://schemas.microsoft.com/office/drawing/2014/main" id="{A88C65A2-C88E-582C-63AF-3EBC8E61CE59}"/>
+                <a16:creationId xmlns:a16="http://schemas.microsoft.com/office/drawing/2014/main" id="{100EDD19-6802-4EC3-95CE-CFFAB042CFD6}"/>
               </a:ext>
               <a:ext uri="{C183D7F6-B498-43B3-948B-1728B52AA6E4}">
                 <adec:decorative xmlns:adec="http://schemas.microsoft.com/office/drawing/2017/decorative" val="1"/>
@@ -26345,7 +26703,7 @@
           <p:cNvPr id="2" name="Title 1">
             <a:extLst>
               <a:ext uri="{FF2B5EF4-FFF2-40B4-BE49-F238E27FC236}">
-                <a16:creationId xmlns:a16="http://schemas.microsoft.com/office/drawing/2014/main" id="{C32F809D-8F5C-4F9D-8B46-523C04D0F1EB}"/>
+                <a16:creationId xmlns:a16="http://schemas.microsoft.com/office/drawing/2014/main" id="{DDB7800B-90D1-8C4B-56B7-FA1626BB1375}"/>
               </a:ext>
             </a:extLst>
           </p:cNvPr>
@@ -26369,9 +26727,10 @@
           <a:lstStyle/>
           <a:p>
             <a:r>
-              <a:rPr lang="en-US" sz="5400" b="1" dirty="0"/>
+              <a:rPr lang="it-IT" sz="5400" b="1" dirty="0"/>
               <a:t>Modellazione: Diagrammi</a:t>
             </a:r>
+            <a:endParaRPr lang="en-US" sz="5400" b="1" dirty="0"/>
           </a:p>
         </p:txBody>
       </p:sp>
@@ -26380,7 +26739,7 @@
           <p:cNvPr id="13" name="sketch line">
             <a:extLst>
               <a:ext uri="{FF2B5EF4-FFF2-40B4-BE49-F238E27FC236}">
-                <a16:creationId xmlns:a16="http://schemas.microsoft.com/office/drawing/2014/main" id="{9110C5A3-36D0-0C7C-E049-B7851B2F8387}"/>
+                <a16:creationId xmlns:a16="http://schemas.microsoft.com/office/drawing/2014/main" id="{DB17E863-922E-4C26-BD64-E8FD41D28661}"/>
               </a:ext>
               <a:ext uri="{C183D7F6-B498-43B3-948B-1728B52AA6E4}">
                 <adec:decorative xmlns:adec="http://schemas.microsoft.com/office/drawing/2017/decorative" val="1"/>
@@ -27013,40 +27372,12 @@
           </a:p>
         </p:txBody>
       </p:sp>
-      <p:pic>
-        <p:nvPicPr>
-          <p:cNvPr id="5" name="Segnaposto contenuto 4">
-            <a:extLst>
-              <a:ext uri="{FF2B5EF4-FFF2-40B4-BE49-F238E27FC236}">
-                <a16:creationId xmlns:a16="http://schemas.microsoft.com/office/drawing/2014/main" id="{2579056C-1632-EA34-7609-B5BA82181028}"/>
-              </a:ext>
-            </a:extLst>
-          </p:cNvPr>
-          <p:cNvPicPr>
-            <a:picLocks noGrp="1" noChangeAspect="1"/>
-          </p:cNvPicPr>
-          <p:nvPr>
-            <p:ph idx="1"/>
-          </p:nvPr>
-        </p:nvPicPr>
-        <p:blipFill rotWithShape="1">
-          <a:blip r:embed="rId2"/>
-          <a:srcRect r="14305"/>
-          <a:stretch/>
-        </p:blipFill>
-        <p:spPr>
-          <a:xfrm>
-            <a:off x="460660" y="2167032"/>
-            <a:ext cx="5408295" cy="3708000"/>
-          </a:xfrm>
-        </p:spPr>
-      </p:pic>
       <p:sp>
         <p:nvSpPr>
           <p:cNvPr id="6" name="Slide Number Placeholder 5">
             <a:extLst>
               <a:ext uri="{FF2B5EF4-FFF2-40B4-BE49-F238E27FC236}">
-                <a16:creationId xmlns:a16="http://schemas.microsoft.com/office/drawing/2014/main" id="{9ECCC4DB-30C9-98CC-24D1-1A6751175B24}"/>
+                <a16:creationId xmlns:a16="http://schemas.microsoft.com/office/drawing/2014/main" id="{07D5F90B-A703-3979-44A8-9125B7AA3463}"/>
               </a:ext>
             </a:extLst>
           </p:cNvPr>
@@ -27059,8 +27390,8 @@
         </p:nvSpPr>
         <p:spPr>
           <a:xfrm>
-            <a:off x="8610600" y="6356350"/>
-            <a:ext cx="2743200" cy="365125"/>
+            <a:off x="8610600" y="6191250"/>
+            <a:ext cx="2743200" cy="530225"/>
           </a:xfrm>
         </p:spPr>
         <p:txBody>
@@ -27070,21 +27401,28 @@
           <a:lstStyle/>
           <a:p>
             <a:pPr rtl="0">
+              <a:lnSpc>
+                <a:spcPct val="90000"/>
+              </a:lnSpc>
               <a:spcAft>
                 <a:spcPts val="600"/>
               </a:spcAft>
             </a:pPr>
-            <a:r>
-              <a:rPr lang="it-IT" sz="1800" b="1" dirty="0"/>
-              <a:t>20</a:t>
-            </a:r>
+            <a:endParaRPr lang="it-IT" sz="1800" b="1" noProof="0" dirty="0"/>
           </a:p>
           <a:p>
             <a:pPr rtl="0">
+              <a:lnSpc>
+                <a:spcPct val="90000"/>
+              </a:lnSpc>
               <a:spcAft>
                 <a:spcPts val="600"/>
               </a:spcAft>
             </a:pPr>
+            <a:r>
+              <a:rPr lang="it-IT" sz="1800" b="1" dirty="0"/>
+              <a:t>20</a:t>
+            </a:r>
             <a:endParaRPr lang="it-IT" sz="1800" b="1" noProof="0" dirty="0"/>
           </a:p>
         </p:txBody>
@@ -27094,7 +27432,7 @@
           <p:cNvPr id="7" name="CasellaDiTesto 6">
             <a:extLst>
               <a:ext uri="{FF2B5EF4-FFF2-40B4-BE49-F238E27FC236}">
-                <a16:creationId xmlns:a16="http://schemas.microsoft.com/office/drawing/2014/main" id="{2D1D9893-C2F1-4A58-703E-42DBAC636B60}"/>
+                <a16:creationId xmlns:a16="http://schemas.microsoft.com/office/drawing/2014/main" id="{2F6D6524-8D26-DCE0-C8D6-6656324DC85A}"/>
               </a:ext>
             </a:extLst>
           </p:cNvPr>
@@ -27103,8 +27441,43 @@
         </p:nvSpPr>
         <p:spPr>
           <a:xfrm>
-            <a:off x="2006082" y="6076890"/>
-            <a:ext cx="1736309" cy="369332"/>
+            <a:off x="838200" y="6298163"/>
+            <a:ext cx="2110273" cy="369332"/>
+          </a:xfrm>
+          <a:prstGeom prst="rect">
+            <a:avLst/>
+          </a:prstGeom>
+          <a:noFill/>
+        </p:spPr>
+        <p:txBody>
+          <a:bodyPr wrap="square" rtlCol="0">
+            <a:spAutoFit/>
+          </a:bodyPr>
+          <a:lstStyle/>
+          <a:p>
+            <a:r>
+              <a:rPr lang="it-IT" dirty="0"/>
+              <a:t>USE CASE DIAGRAM</a:t>
+            </a:r>
+          </a:p>
+        </p:txBody>
+      </p:sp>
+      <p:sp>
+        <p:nvSpPr>
+          <p:cNvPr id="10" name="CasellaDiTesto 9">
+            <a:extLst>
+              <a:ext uri="{FF2B5EF4-FFF2-40B4-BE49-F238E27FC236}">
+                <a16:creationId xmlns:a16="http://schemas.microsoft.com/office/drawing/2014/main" id="{6A436C8B-00CB-47DF-CE0F-3E6AF627C2BC}"/>
+              </a:ext>
+            </a:extLst>
+          </p:cNvPr>
+          <p:cNvSpPr txBox="1"/>
+          <p:nvPr/>
+        </p:nvSpPr>
+        <p:spPr>
+          <a:xfrm>
+            <a:off x="6895322" y="6382139"/>
+            <a:ext cx="2341347" cy="369332"/>
           </a:xfrm>
           <a:prstGeom prst="rect">
             <a:avLst/>
@@ -27119,17 +27492,46 @@
           <a:p>
             <a:r>
               <a:rPr lang="it-IT" dirty="0"/>
-              <a:t>CLASS DIAGRAM</a:t>
+              <a:t>STATECHART DIAGRAM</a:t>
             </a:r>
           </a:p>
         </p:txBody>
       </p:sp>
       <p:pic>
         <p:nvPicPr>
-          <p:cNvPr id="12" name="Immagine 11">
+          <p:cNvPr id="8" name="Segnaposto contenuto 7">
             <a:extLst>
               <a:ext uri="{FF2B5EF4-FFF2-40B4-BE49-F238E27FC236}">
-                <a16:creationId xmlns:a16="http://schemas.microsoft.com/office/drawing/2014/main" id="{E45DDE6C-A26D-719F-E8B6-2D723FFBF1EF}"/>
+                <a16:creationId xmlns:a16="http://schemas.microsoft.com/office/drawing/2014/main" id="{DA974598-9005-7A60-6B66-EEBC98623935}"/>
+              </a:ext>
+            </a:extLst>
+          </p:cNvPr>
+          <p:cNvPicPr>
+            <a:picLocks noGrp="1" noChangeAspect="1"/>
+          </p:cNvPicPr>
+          <p:nvPr>
+            <p:ph idx="1"/>
+          </p:nvPr>
+        </p:nvPicPr>
+        <p:blipFill>
+          <a:blip r:embed="rId2"/>
+          <a:stretch>
+            <a:fillRect/>
+          </a:stretch>
+        </p:blipFill>
+        <p:spPr>
+          <a:xfrm>
+            <a:off x="232926" y="1839912"/>
+            <a:ext cx="4896139" cy="4351338"/>
+          </a:xfrm>
+        </p:spPr>
+      </p:pic>
+      <p:pic>
+        <p:nvPicPr>
+          <p:cNvPr id="4" name="Immagine 3">
+            <a:extLst>
+              <a:ext uri="{FF2B5EF4-FFF2-40B4-BE49-F238E27FC236}">
+                <a16:creationId xmlns:a16="http://schemas.microsoft.com/office/drawing/2014/main" id="{FBBF433F-AF38-288E-6DBA-F555A48DC93B}"/>
               </a:ext>
             </a:extLst>
           </p:cNvPr>
@@ -27138,60 +27540,26 @@
           </p:cNvPicPr>
           <p:nvPr/>
         </p:nvPicPr>
-        <p:blipFill rotWithShape="1">
+        <p:blipFill>
           <a:blip r:embed="rId3"/>
-          <a:srcRect t="-1" r="10206" b="4837"/>
-          <a:stretch/>
+          <a:stretch>
+            <a:fillRect/>
+          </a:stretch>
         </p:blipFill>
         <p:spPr>
           <a:xfrm>
-            <a:off x="6176150" y="2055813"/>
-            <a:ext cx="5177650" cy="3636000"/>
+            <a:off x="5200354" y="2349372"/>
+            <a:ext cx="6820491" cy="3558848"/>
           </a:xfrm>
           <a:prstGeom prst="rect">
             <a:avLst/>
           </a:prstGeom>
         </p:spPr>
       </p:pic>
-      <p:sp>
-        <p:nvSpPr>
-          <p:cNvPr id="14" name="CasellaDiTesto 13">
-            <a:extLst>
-              <a:ext uri="{FF2B5EF4-FFF2-40B4-BE49-F238E27FC236}">
-                <a16:creationId xmlns:a16="http://schemas.microsoft.com/office/drawing/2014/main" id="{00721506-FFB9-2318-F45B-FE7F7EEAD4F5}"/>
-              </a:ext>
-            </a:extLst>
-          </p:cNvPr>
-          <p:cNvSpPr txBox="1"/>
-          <p:nvPr/>
-        </p:nvSpPr>
-        <p:spPr>
-          <a:xfrm>
-            <a:off x="7763069" y="6076890"/>
-            <a:ext cx="2184765" cy="369332"/>
-          </a:xfrm>
-          <a:prstGeom prst="rect">
-            <a:avLst/>
-          </a:prstGeom>
-          <a:noFill/>
-        </p:spPr>
-        <p:txBody>
-          <a:bodyPr wrap="none" rtlCol="0">
-            <a:spAutoFit/>
-          </a:bodyPr>
-          <a:lstStyle/>
-          <a:p>
-            <a:r>
-              <a:rPr lang="it-IT" dirty="0"/>
-              <a:t>SEQUENCE DIAGRAM</a:t>
-            </a:r>
-          </a:p>
-        </p:txBody>
-      </p:sp>
     </p:spTree>
     <p:extLst>
       <p:ext uri="{BB962C8B-B14F-4D97-AF65-F5344CB8AC3E}">
-        <p14:creationId xmlns:p14="http://schemas.microsoft.com/office/powerpoint/2010/main" val="242682486"/>
+        <p14:creationId xmlns:p14="http://schemas.microsoft.com/office/powerpoint/2010/main" val="2994462458"/>
       </p:ext>
     </p:extLst>
   </p:cSld>
@@ -27214,7 +27582,13 @@
     </p:bg>
     <p:spTree>
       <p:nvGrpSpPr>
-        <p:cNvPr id="1" name=""/>
+        <p:cNvPr id="1" name="">
+          <a:extLst>
+            <a:ext uri="{FF2B5EF4-FFF2-40B4-BE49-F238E27FC236}">
+              <a16:creationId xmlns:a16="http://schemas.microsoft.com/office/drawing/2014/main" id="{24CD37C3-07CA-C926-D2EE-232216E5CE60}"/>
+            </a:ext>
+          </a:extLst>
+        </p:cNvPr>
         <p:cNvGrpSpPr/>
         <p:nvPr/>
       </p:nvGrpSpPr>
@@ -27231,7 +27605,7 @@
           <p:cNvPr id="11" name="Rectangle 10">
             <a:extLst>
               <a:ext uri="{FF2B5EF4-FFF2-40B4-BE49-F238E27FC236}">
-                <a16:creationId xmlns:a16="http://schemas.microsoft.com/office/drawing/2014/main" id="{100EDD19-6802-4EC3-95CE-CFFAB042CFD6}"/>
+                <a16:creationId xmlns:a16="http://schemas.microsoft.com/office/drawing/2014/main" id="{A88C65A2-C88E-582C-63AF-3EBC8E61CE59}"/>
               </a:ext>
               <a:ext uri="{C183D7F6-B498-43B3-948B-1728B52AA6E4}">
                 <adec:decorative xmlns:adec="http://schemas.microsoft.com/office/drawing/2017/decorative" val="1"/>
@@ -27291,7 +27665,7 @@
           <p:cNvPr id="2" name="Title 1">
             <a:extLst>
               <a:ext uri="{FF2B5EF4-FFF2-40B4-BE49-F238E27FC236}">
-                <a16:creationId xmlns:a16="http://schemas.microsoft.com/office/drawing/2014/main" id="{DDB7800B-90D1-8C4B-56B7-FA1626BB1375}"/>
+                <a16:creationId xmlns:a16="http://schemas.microsoft.com/office/drawing/2014/main" id="{C32F809D-8F5C-4F9D-8B46-523C04D0F1EB}"/>
               </a:ext>
             </a:extLst>
           </p:cNvPr>
@@ -27315,10 +27689,9 @@
           <a:lstStyle/>
           <a:p>
             <a:r>
-              <a:rPr lang="it-IT" sz="5400" b="1" dirty="0"/>
+              <a:rPr lang="en-US" sz="5400" b="1" dirty="0"/>
               <a:t>Modellazione: Diagrammi</a:t>
             </a:r>
-            <a:endParaRPr lang="en-US" sz="5400" b="1" dirty="0"/>
           </a:p>
         </p:txBody>
       </p:sp>
@@ -27327,7 +27700,7 @@
           <p:cNvPr id="13" name="sketch line">
             <a:extLst>
               <a:ext uri="{FF2B5EF4-FFF2-40B4-BE49-F238E27FC236}">
-                <a16:creationId xmlns:a16="http://schemas.microsoft.com/office/drawing/2014/main" id="{DB17E863-922E-4C26-BD64-E8FD41D28661}"/>
+                <a16:creationId xmlns:a16="http://schemas.microsoft.com/office/drawing/2014/main" id="{9110C5A3-36D0-0C7C-E049-B7851B2F8387}"/>
               </a:ext>
               <a:ext uri="{C183D7F6-B498-43B3-948B-1728B52AA6E4}">
                 <adec:decorative xmlns:adec="http://schemas.microsoft.com/office/drawing/2017/decorative" val="1"/>
@@ -27960,12 +28333,40 @@
           </a:p>
         </p:txBody>
       </p:sp>
+      <p:pic>
+        <p:nvPicPr>
+          <p:cNvPr id="5" name="Segnaposto contenuto 4">
+            <a:extLst>
+              <a:ext uri="{FF2B5EF4-FFF2-40B4-BE49-F238E27FC236}">
+                <a16:creationId xmlns:a16="http://schemas.microsoft.com/office/drawing/2014/main" id="{2579056C-1632-EA34-7609-B5BA82181028}"/>
+              </a:ext>
+            </a:extLst>
+          </p:cNvPr>
+          <p:cNvPicPr>
+            <a:picLocks noGrp="1" noChangeAspect="1"/>
+          </p:cNvPicPr>
+          <p:nvPr>
+            <p:ph idx="1"/>
+          </p:nvPr>
+        </p:nvPicPr>
+        <p:blipFill rotWithShape="1">
+          <a:blip r:embed="rId2"/>
+          <a:srcRect r="14305"/>
+          <a:stretch/>
+        </p:blipFill>
+        <p:spPr>
+          <a:xfrm>
+            <a:off x="460660" y="2167032"/>
+            <a:ext cx="5408295" cy="3708000"/>
+          </a:xfrm>
+        </p:spPr>
+      </p:pic>
       <p:sp>
         <p:nvSpPr>
           <p:cNvPr id="6" name="Slide Number Placeholder 5">
             <a:extLst>
               <a:ext uri="{FF2B5EF4-FFF2-40B4-BE49-F238E27FC236}">
-                <a16:creationId xmlns:a16="http://schemas.microsoft.com/office/drawing/2014/main" id="{07D5F90B-A703-3979-44A8-9125B7AA3463}"/>
+                <a16:creationId xmlns:a16="http://schemas.microsoft.com/office/drawing/2014/main" id="{9ECCC4DB-30C9-98CC-24D1-1A6751175B24}"/>
               </a:ext>
             </a:extLst>
           </p:cNvPr>
@@ -27978,8 +28379,8 @@
         </p:nvSpPr>
         <p:spPr>
           <a:xfrm>
-            <a:off x="8610600" y="6191250"/>
-            <a:ext cx="2743200" cy="530225"/>
+            <a:off x="8610600" y="6356350"/>
+            <a:ext cx="2743200" cy="365125"/>
           </a:xfrm>
         </p:spPr>
         <p:txBody>
@@ -27989,38 +28390,31 @@
           <a:lstStyle/>
           <a:p>
             <a:pPr rtl="0">
-              <a:lnSpc>
-                <a:spcPct val="90000"/>
-              </a:lnSpc>
+              <a:spcAft>
+                <a:spcPts val="600"/>
+              </a:spcAft>
+            </a:pPr>
+            <a:r>
+              <a:rPr lang="it-IT" sz="1800" b="1" dirty="0"/>
+              <a:t>21</a:t>
+            </a:r>
+          </a:p>
+          <a:p>
+            <a:pPr rtl="0">
               <a:spcAft>
                 <a:spcPts val="600"/>
               </a:spcAft>
             </a:pPr>
             <a:endParaRPr lang="it-IT" sz="1800" b="1" noProof="0" dirty="0"/>
           </a:p>
-          <a:p>
-            <a:pPr rtl="0">
-              <a:lnSpc>
-                <a:spcPct val="90000"/>
-              </a:lnSpc>
-              <a:spcAft>
-                <a:spcPts val="600"/>
-              </a:spcAft>
-            </a:pPr>
-            <a:r>
-              <a:rPr lang="it-IT" sz="1800" b="1" dirty="0"/>
-              <a:t>21</a:t>
-            </a:r>
-            <a:endParaRPr lang="it-IT" sz="1800" b="1" noProof="0" dirty="0"/>
-          </a:p>
         </p:txBody>
       </p:sp>
       <p:sp>
         <p:nvSpPr>
-          <p:cNvPr id="10" name="CasellaDiTesto 9">
+          <p:cNvPr id="7" name="CasellaDiTesto 6">
             <a:extLst>
               <a:ext uri="{FF2B5EF4-FFF2-40B4-BE49-F238E27FC236}">
-                <a16:creationId xmlns:a16="http://schemas.microsoft.com/office/drawing/2014/main" id="{6A436C8B-00CB-47DF-CE0F-3E6AF627C2BC}"/>
+                <a16:creationId xmlns:a16="http://schemas.microsoft.com/office/drawing/2014/main" id="{2D1D9893-C2F1-4A58-703E-42DBAC636B60}"/>
               </a:ext>
             </a:extLst>
           </p:cNvPr>
@@ -28029,8 +28423,8 @@
         </p:nvSpPr>
         <p:spPr>
           <a:xfrm>
-            <a:off x="4979467" y="6332815"/>
-            <a:ext cx="2230017" cy="369332"/>
+            <a:off x="2006082" y="6076890"/>
+            <a:ext cx="1736309" cy="369332"/>
           </a:xfrm>
           <a:prstGeom prst="rect">
             <a:avLst/>
@@ -28038,51 +28432,86 @@
           <a:noFill/>
         </p:spPr>
         <p:txBody>
-          <a:bodyPr wrap="square" rtlCol="0">
+          <a:bodyPr wrap="none" rtlCol="0">
             <a:spAutoFit/>
           </a:bodyPr>
           <a:lstStyle/>
           <a:p>
             <a:r>
               <a:rPr lang="it-IT" dirty="0"/>
-              <a:t>ACTIVITY DIAGRAM</a:t>
+              <a:t>CLASS DIAGRAM</a:t>
             </a:r>
           </a:p>
         </p:txBody>
       </p:sp>
       <p:pic>
         <p:nvPicPr>
-          <p:cNvPr id="15" name="Segnaposto contenuto 14">
+          <p:cNvPr id="12" name="Immagine 11">
             <a:extLst>
               <a:ext uri="{FF2B5EF4-FFF2-40B4-BE49-F238E27FC236}">
-                <a16:creationId xmlns:a16="http://schemas.microsoft.com/office/drawing/2014/main" id="{07B11D30-AEBE-76A2-6929-70D4FF1B76BF}"/>
+                <a16:creationId xmlns:a16="http://schemas.microsoft.com/office/drawing/2014/main" id="{E45DDE6C-A26D-719F-E8B6-2D723FFBF1EF}"/>
               </a:ext>
             </a:extLst>
           </p:cNvPr>
           <p:cNvPicPr>
-            <a:picLocks noGrp="1" noChangeAspect="1"/>
+            <a:picLocks noChangeAspect="1"/>
           </p:cNvPicPr>
-          <p:nvPr>
-            <p:ph idx="1"/>
-          </p:nvPr>
+          <p:nvPr/>
         </p:nvPicPr>
-        <p:blipFill>
-          <a:blip r:embed="rId2"/>
-          <a:stretch>
-            <a:fillRect/>
-          </a:stretch>
+        <p:blipFill rotWithShape="1">
+          <a:blip r:embed="rId3"/>
+          <a:srcRect t="-1" r="10206" b="4837"/>
+          <a:stretch/>
         </p:blipFill>
         <p:spPr>
           <a:xfrm>
-            <a:off x="2316152" y="2122801"/>
-            <a:ext cx="7559695" cy="3756986"/>
+            <a:off x="6176150" y="2055813"/>
+            <a:ext cx="5177650" cy="3636000"/>
           </a:xfrm>
+          <a:prstGeom prst="rect">
+            <a:avLst/>
+          </a:prstGeom>
         </p:spPr>
       </p:pic>
+      <p:sp>
+        <p:nvSpPr>
+          <p:cNvPr id="14" name="CasellaDiTesto 13">
+            <a:extLst>
+              <a:ext uri="{FF2B5EF4-FFF2-40B4-BE49-F238E27FC236}">
+                <a16:creationId xmlns:a16="http://schemas.microsoft.com/office/drawing/2014/main" id="{00721506-FFB9-2318-F45B-FE7F7EEAD4F5}"/>
+              </a:ext>
+            </a:extLst>
+          </p:cNvPr>
+          <p:cNvSpPr txBox="1"/>
+          <p:nvPr/>
+        </p:nvSpPr>
+        <p:spPr>
+          <a:xfrm>
+            <a:off x="7763069" y="6076890"/>
+            <a:ext cx="2184765" cy="369332"/>
+          </a:xfrm>
+          <a:prstGeom prst="rect">
+            <a:avLst/>
+          </a:prstGeom>
+          <a:noFill/>
+        </p:spPr>
+        <p:txBody>
+          <a:bodyPr wrap="none" rtlCol="0">
+            <a:spAutoFit/>
+          </a:bodyPr>
+          <a:lstStyle/>
+          <a:p>
+            <a:r>
+              <a:rPr lang="it-IT" dirty="0"/>
+              <a:t>SEQUENCE DIAGRAM</a:t>
+            </a:r>
+          </a:p>
+        </p:txBody>
+      </p:sp>
     </p:spTree>
     <p:extLst>
       <p:ext uri="{BB962C8B-B14F-4D97-AF65-F5344CB8AC3E}">
-        <p14:creationId xmlns:p14="http://schemas.microsoft.com/office/powerpoint/2010/main" val="1841377636"/>
+        <p14:creationId xmlns:p14="http://schemas.microsoft.com/office/powerpoint/2010/main" val="242682486"/>
       </p:ext>
     </p:extLst>
   </p:cSld>
@@ -28182,7 +28611,7 @@
           <p:cNvPr id="2" name="Title 1">
             <a:extLst>
               <a:ext uri="{FF2B5EF4-FFF2-40B4-BE49-F238E27FC236}">
-                <a16:creationId xmlns:a16="http://schemas.microsoft.com/office/drawing/2014/main" id="{806A85A7-2359-50AF-B2C8-F8FBFA3E2B3C}"/>
+                <a16:creationId xmlns:a16="http://schemas.microsoft.com/office/drawing/2014/main" id="{DDB7800B-90D1-8C4B-56B7-FA1626BB1375}"/>
               </a:ext>
             </a:extLst>
           </p:cNvPr>
@@ -28206,9 +28635,10 @@
           <a:lstStyle/>
           <a:p>
             <a:r>
-              <a:rPr lang="en-US" sz="5400" b="1" dirty="0"/>
-              <a:t>Dimostrazione</a:t>
-            </a:r>
+              <a:rPr lang="it-IT" sz="5400" b="1" dirty="0"/>
+              <a:t>Modellazione: Diagrammi</a:t>
+            </a:r>
+            <a:endParaRPr lang="en-US" sz="5400" b="1" dirty="0"/>
           </a:p>
         </p:txBody>
       </p:sp>
@@ -28852,154 +29282,10 @@
       </p:sp>
       <p:sp>
         <p:nvSpPr>
-          <p:cNvPr id="3" name="Content Placeholder 2">
-            <a:extLst>
-              <a:ext uri="{FF2B5EF4-FFF2-40B4-BE49-F238E27FC236}">
-                <a16:creationId xmlns:a16="http://schemas.microsoft.com/office/drawing/2014/main" id="{39198BC0-3DAA-3F78-1CC6-7D92405ED12E}"/>
-              </a:ext>
-            </a:extLst>
-          </p:cNvPr>
-          <p:cNvSpPr>
-            <a:spLocks noGrp="1"/>
-          </p:cNvSpPr>
-          <p:nvPr>
-            <p:ph idx="1"/>
-          </p:nvPr>
-        </p:nvSpPr>
-        <p:spPr>
-          <a:xfrm>
-            <a:off x="302229" y="1929384"/>
-            <a:ext cx="6462465" cy="3957066"/>
-          </a:xfrm>
-        </p:spPr>
-        <p:txBody>
-          <a:bodyPr>
-            <a:normAutofit lnSpcReduction="10000"/>
-          </a:bodyPr>
-          <a:lstStyle/>
-          <a:p>
-            <a:pPr marL="0" indent="0">
-              <a:buNone/>
-            </a:pPr>
-            <a:r>
-              <a:rPr lang="en-US" sz="2200" dirty="0"/>
-              <a:t>Per accedere alla pagina personale di Sistema, bisogna inanzitutto inserire le credenziali (matricola e password) corrette.</a:t>
-            </a:r>
-          </a:p>
-          <a:p>
-            <a:pPr marL="0" indent="0">
-              <a:buNone/>
-            </a:pPr>
-            <a:r>
-              <a:rPr lang="en-US" sz="2200" dirty="0"/>
-              <a:t>Una volta eseguito l’accesso, l’utente può registrare nuovi pazienti, </a:t>
-            </a:r>
-            <a:r>
-              <a:rPr lang="en-US" sz="2200" dirty="0" err="1"/>
-              <a:t>generare</a:t>
-            </a:r>
-            <a:r>
-              <a:rPr lang="en-US" sz="2200" dirty="0"/>
-              <a:t> </a:t>
-            </a:r>
-            <a:r>
-              <a:rPr lang="en-US" sz="2200" dirty="0" err="1"/>
-              <a:t>nuove</a:t>
-            </a:r>
-            <a:r>
-              <a:rPr lang="en-US" sz="2200" dirty="0"/>
-              <a:t> </a:t>
-            </a:r>
-            <a:r>
-              <a:rPr lang="en-US" sz="2200" dirty="0" err="1"/>
-              <a:t>operazioni</a:t>
-            </a:r>
-            <a:r>
-              <a:rPr lang="en-US" sz="2200" dirty="0"/>
-              <a:t> (</a:t>
-            </a:r>
-            <a:r>
-              <a:rPr lang="en-US" sz="2200" dirty="0" err="1"/>
-              <a:t>partendo</a:t>
-            </a:r>
-            <a:r>
-              <a:rPr lang="en-US" sz="2200" dirty="0"/>
-              <a:t> </a:t>
-            </a:r>
-            <a:r>
-              <a:rPr lang="en-US" sz="2200" dirty="0" err="1"/>
-              <a:t>dalle</a:t>
-            </a:r>
-            <a:r>
-              <a:rPr lang="en-US" sz="2200" dirty="0"/>
-              <a:t> </a:t>
-            </a:r>
-            <a:r>
-              <a:rPr lang="en-US" sz="2200" dirty="0" err="1"/>
-              <a:t>anagrafiche</a:t>
-            </a:r>
-            <a:r>
-              <a:rPr lang="en-US" sz="2200" dirty="0"/>
-              <a:t> create) e compilare i relativi </a:t>
-            </a:r>
-            <a:r>
-              <a:rPr lang="en-US" sz="2200" dirty="0" err="1"/>
-              <a:t>verbali</a:t>
-            </a:r>
-            <a:r>
-              <a:rPr lang="en-US" sz="2200" dirty="0"/>
-              <a:t> </a:t>
-            </a:r>
-            <a:r>
-              <a:rPr lang="en-US" sz="2200" dirty="0" err="1"/>
-              <a:t>medici</a:t>
-            </a:r>
-            <a:r>
-              <a:rPr lang="en-US" sz="2200" dirty="0"/>
-              <a:t>, </a:t>
-            </a:r>
-            <a:r>
-              <a:rPr lang="en-US" sz="2200" dirty="0" err="1"/>
-              <a:t>sulla</a:t>
-            </a:r>
-            <a:r>
-              <a:rPr lang="en-US" sz="2200" dirty="0"/>
-              <a:t> base </a:t>
-            </a:r>
-            <a:r>
-              <a:rPr lang="en-US" sz="2200" dirty="0" err="1"/>
-              <a:t>delle</a:t>
-            </a:r>
-            <a:r>
-              <a:rPr lang="en-US" sz="2200" dirty="0"/>
-              <a:t> single </a:t>
-            </a:r>
-            <a:r>
-              <a:rPr lang="en-US" sz="2200" dirty="0" err="1"/>
-              <a:t>operazioni</a:t>
-            </a:r>
-            <a:r>
-              <a:rPr lang="en-US" sz="2200" dirty="0"/>
-              <a:t>.</a:t>
-            </a:r>
-          </a:p>
-          <a:p>
-            <a:pPr marL="0" indent="0">
-              <a:buNone/>
-            </a:pPr>
-            <a:r>
-              <a:rPr lang="en-US" sz="2200" dirty="0"/>
-              <a:t>Eliminando la pagina anagrafica di un certo paziente, si cancellano, di conseguenza, le liste operatorie che lo coinvolgono; allo stesso modo, cancellando una lista operatoria si eliminano i verbali medici associati a quella lista.</a:t>
-            </a:r>
-          </a:p>
-        </p:txBody>
-      </p:sp>
-      <p:sp>
-        <p:nvSpPr>
           <p:cNvPr id="6" name="Slide Number Placeholder 5">
             <a:extLst>
               <a:ext uri="{FF2B5EF4-FFF2-40B4-BE49-F238E27FC236}">
-                <a16:creationId xmlns:a16="http://schemas.microsoft.com/office/drawing/2014/main" id="{366879AD-ECAF-DDDE-26DC-9DD0D10F9AC4}"/>
+                <a16:creationId xmlns:a16="http://schemas.microsoft.com/office/drawing/2014/main" id="{07D5F90B-A703-3979-44A8-9125B7AA3463}"/>
               </a:ext>
             </a:extLst>
           </p:cNvPr>
@@ -29012,8 +29298,8 @@
         </p:nvSpPr>
         <p:spPr>
           <a:xfrm>
-            <a:off x="8610600" y="6356350"/>
-            <a:ext cx="2743200" cy="365125"/>
+            <a:off x="8610600" y="6191250"/>
+            <a:ext cx="2743200" cy="530225"/>
           </a:xfrm>
         </p:spPr>
         <p:txBody>
@@ -29023,38 +29309,82 @@
           <a:lstStyle/>
           <a:p>
             <a:pPr rtl="0">
-              <a:spcAft>
-                <a:spcPts val="600"/>
-              </a:spcAft>
-            </a:pPr>
-            <a:r>
-              <a:rPr lang="it-IT" sz="1800" b="1" dirty="0"/>
-              <a:t>22</a:t>
-            </a:r>
-          </a:p>
-          <a:p>
-            <a:pPr rtl="0">
+              <a:lnSpc>
+                <a:spcPct val="90000"/>
+              </a:lnSpc>
               <a:spcAft>
                 <a:spcPts val="600"/>
               </a:spcAft>
             </a:pPr>
             <a:endParaRPr lang="it-IT" sz="1800" b="1" noProof="0" dirty="0"/>
           </a:p>
+          <a:p>
+            <a:pPr rtl="0">
+              <a:lnSpc>
+                <a:spcPct val="90000"/>
+              </a:lnSpc>
+              <a:spcAft>
+                <a:spcPts val="600"/>
+              </a:spcAft>
+            </a:pPr>
+            <a:r>
+              <a:rPr lang="it-IT" sz="1800" b="1" dirty="0"/>
+              <a:t>22</a:t>
+            </a:r>
+            <a:endParaRPr lang="it-IT" sz="1800" b="1" noProof="0" dirty="0"/>
+          </a:p>
+        </p:txBody>
+      </p:sp>
+      <p:sp>
+        <p:nvSpPr>
+          <p:cNvPr id="10" name="CasellaDiTesto 9">
+            <a:extLst>
+              <a:ext uri="{FF2B5EF4-FFF2-40B4-BE49-F238E27FC236}">
+                <a16:creationId xmlns:a16="http://schemas.microsoft.com/office/drawing/2014/main" id="{6A436C8B-00CB-47DF-CE0F-3E6AF627C2BC}"/>
+              </a:ext>
+            </a:extLst>
+          </p:cNvPr>
+          <p:cNvSpPr txBox="1"/>
+          <p:nvPr/>
+        </p:nvSpPr>
+        <p:spPr>
+          <a:xfrm>
+            <a:off x="4979467" y="6332815"/>
+            <a:ext cx="2230017" cy="369332"/>
+          </a:xfrm>
+          <a:prstGeom prst="rect">
+            <a:avLst/>
+          </a:prstGeom>
+          <a:noFill/>
+        </p:spPr>
+        <p:txBody>
+          <a:bodyPr wrap="square" rtlCol="0">
+            <a:spAutoFit/>
+          </a:bodyPr>
+          <a:lstStyle/>
+          <a:p>
+            <a:r>
+              <a:rPr lang="it-IT" dirty="0"/>
+              <a:t>ACTIVITY DIAGRAM</a:t>
+            </a:r>
+          </a:p>
         </p:txBody>
       </p:sp>
       <p:pic>
         <p:nvPicPr>
-          <p:cNvPr id="7" name="Immagine 6">
+          <p:cNvPr id="15" name="Segnaposto contenuto 14">
             <a:extLst>
               <a:ext uri="{FF2B5EF4-FFF2-40B4-BE49-F238E27FC236}">
-                <a16:creationId xmlns:a16="http://schemas.microsoft.com/office/drawing/2014/main" id="{EA8F449D-B15B-10AF-54BB-BA0E8A93809F}"/>
+                <a16:creationId xmlns:a16="http://schemas.microsoft.com/office/drawing/2014/main" id="{07B11D30-AEBE-76A2-6929-70D4FF1B76BF}"/>
               </a:ext>
             </a:extLst>
           </p:cNvPr>
           <p:cNvPicPr>
-            <a:picLocks noChangeAspect="1"/>
+            <a:picLocks noGrp="1" noChangeAspect="1"/>
           </p:cNvPicPr>
-          <p:nvPr/>
+          <p:nvPr>
+            <p:ph idx="1"/>
+          </p:nvPr>
         </p:nvPicPr>
         <p:blipFill>
           <a:blip r:embed="rId2"/>
@@ -29064,18 +29394,15 @@
         </p:blipFill>
         <p:spPr>
           <a:xfrm>
-            <a:off x="6764694" y="2635149"/>
-            <a:ext cx="5125077" cy="2268000"/>
+            <a:off x="2316152" y="2122801"/>
+            <a:ext cx="7559695" cy="3756986"/>
           </a:xfrm>
-          <a:prstGeom prst="rect">
-            <a:avLst/>
-          </a:prstGeom>
         </p:spPr>
       </p:pic>
     </p:spTree>
     <p:extLst>
       <p:ext uri="{BB962C8B-B14F-4D97-AF65-F5344CB8AC3E}">
-        <p14:creationId xmlns:p14="http://schemas.microsoft.com/office/powerpoint/2010/main" val="3568766427"/>
+        <p14:creationId xmlns:p14="http://schemas.microsoft.com/office/powerpoint/2010/main" val="1841377636"/>
       </p:ext>
     </p:extLst>
   </p:cSld>
@@ -29112,7 +29439,7 @@
       </p:grpSpPr>
       <p:sp useBgFill="1">
         <p:nvSpPr>
-          <p:cNvPr id="87" name="Rectangle 86">
+          <p:cNvPr id="11" name="Rectangle 10">
             <a:extLst>
               <a:ext uri="{FF2B5EF4-FFF2-40B4-BE49-F238E27FC236}">
                 <a16:creationId xmlns:a16="http://schemas.microsoft.com/office/drawing/2014/main" id="{100EDD19-6802-4EC3-95CE-CFFAB042CFD6}"/>
@@ -29172,10 +29499,10 @@
       </p:sp>
       <p:sp>
         <p:nvSpPr>
-          <p:cNvPr id="2" name="Titolo 1">
+          <p:cNvPr id="2" name="Title 1">
             <a:extLst>
               <a:ext uri="{FF2B5EF4-FFF2-40B4-BE49-F238E27FC236}">
-                <a16:creationId xmlns:a16="http://schemas.microsoft.com/office/drawing/2014/main" id="{75031FE9-9059-4FE8-B4AC-9771F23A1B89}"/>
+                <a16:creationId xmlns:a16="http://schemas.microsoft.com/office/drawing/2014/main" id="{806A85A7-2359-50AF-B2C8-F8FBFA3E2B3C}"/>
               </a:ext>
             </a:extLst>
           </p:cNvPr>
@@ -29193,22 +29520,21 @@
           </a:xfrm>
         </p:spPr>
         <p:txBody>
-          <a:bodyPr rtlCol="0">
+          <a:bodyPr>
             <a:normAutofit/>
           </a:bodyPr>
           <a:lstStyle/>
           <a:p>
-            <a:pPr rtl="0"/>
-            <a:r>
-              <a:rPr lang="it-IT" sz="5400" b="1" dirty="0"/>
-              <a:t>Testing</a:t>
+            <a:r>
+              <a:rPr lang="en-US" sz="5400" b="1" dirty="0"/>
+              <a:t>Dimostrazione</a:t>
             </a:r>
           </a:p>
         </p:txBody>
       </p:sp>
       <p:sp>
         <p:nvSpPr>
-          <p:cNvPr id="89" name="sketch line">
+          <p:cNvPr id="13" name="sketch line">
             <a:extLst>
               <a:ext uri="{FF2B5EF4-FFF2-40B4-BE49-F238E27FC236}">
                 <a16:creationId xmlns:a16="http://schemas.microsoft.com/office/drawing/2014/main" id="{DB17E863-922E-4C26-BD64-E8FD41D28661}"/>
@@ -29846,10 +30172,10 @@
       </p:sp>
       <p:sp>
         <p:nvSpPr>
-          <p:cNvPr id="4" name="Content Placeholder 3">
+          <p:cNvPr id="3" name="Content Placeholder 2">
             <a:extLst>
               <a:ext uri="{FF2B5EF4-FFF2-40B4-BE49-F238E27FC236}">
-                <a16:creationId xmlns:a16="http://schemas.microsoft.com/office/drawing/2014/main" id="{E45B50AB-E09E-377A-4B46-AFA47F523EAB}"/>
+                <a16:creationId xmlns:a16="http://schemas.microsoft.com/office/drawing/2014/main" id="{39198BC0-3DAA-3F78-1CC6-7D92405ED12E}"/>
               </a:ext>
             </a:extLst>
           </p:cNvPr>
@@ -29862,8 +30188,8 @@
         </p:nvSpPr>
         <p:spPr>
           <a:xfrm>
-            <a:off x="838200" y="1708977"/>
-            <a:ext cx="10515600" cy="4783897"/>
+            <a:off x="302229" y="1929384"/>
+            <a:ext cx="6462465" cy="3957066"/>
           </a:xfrm>
         </p:spPr>
         <p:txBody>
@@ -29872,194 +30198,136 @@
           </a:bodyPr>
           <a:lstStyle/>
           <a:p>
-            <a:pPr marL="457200" lvl="1" indent="0">
+            <a:pPr marL="0" indent="0">
               <a:buNone/>
             </a:pPr>
             <a:r>
-              <a:rPr lang="en-US" sz="2000" dirty="0"/>
-              <a:t>Nell’effettuare un testing al nostro Progetto, abbiamo optato per un test di tipo </a:t>
-            </a:r>
-            <a:r>
-              <a:rPr lang="en-US" sz="2000" b="1" dirty="0"/>
-              <a:t>manuale</a:t>
-            </a:r>
-            <a:r>
-              <a:rPr lang="en-US" sz="2000" dirty="0"/>
-              <a:t>:</a:t>
-            </a:r>
-          </a:p>
-          <a:p>
-            <a:pPr marL="457200" lvl="1" indent="0">
+              <a:rPr lang="en-US" sz="2200" dirty="0"/>
+              <a:t>Per accedere alla pagina personale di Sistema, bisogna inanzitutto inserire le credenziali (matricola e password) corrette.</a:t>
+            </a:r>
+          </a:p>
+          <a:p>
+            <a:pPr marL="0" indent="0">
               <a:buNone/>
             </a:pPr>
             <a:r>
-              <a:rPr lang="en-US" sz="2000" dirty="0"/>
-              <a:t>- Lo scopo era verificare che il test non portasse a </a:t>
-            </a:r>
-            <a:r>
-              <a:rPr lang="en-US" sz="2000" i="1" dirty="0"/>
-              <a:t>malfunzionamenti </a:t>
-            </a:r>
-            <a:r>
-              <a:rPr lang="en-US" sz="2000" dirty="0"/>
-              <a:t>(funzionamento errato del programma) o </a:t>
-            </a:r>
-            <a:r>
-              <a:rPr lang="en-US" sz="2000" i="1" dirty="0"/>
-              <a:t>difetti </a:t>
-            </a:r>
-            <a:r>
-              <a:rPr lang="en-US" sz="2000" dirty="0"/>
-              <a:t>(comportamento diverso dalle aspettative del programma).</a:t>
-            </a:r>
-          </a:p>
-          <a:p>
-            <a:pPr marL="457200" lvl="1" indent="0">
+              <a:rPr lang="en-US" sz="2200" dirty="0"/>
+              <a:t>Una volta eseguito l’accesso, l’utente può registrare nuovi pazienti, </a:t>
+            </a:r>
+            <a:r>
+              <a:rPr lang="en-US" sz="2200" dirty="0" err="1"/>
+              <a:t>generare</a:t>
+            </a:r>
+            <a:r>
+              <a:rPr lang="en-US" sz="2200" dirty="0"/>
+              <a:t> </a:t>
+            </a:r>
+            <a:r>
+              <a:rPr lang="en-US" sz="2200" dirty="0" err="1"/>
+              <a:t>nuove</a:t>
+            </a:r>
+            <a:r>
+              <a:rPr lang="en-US" sz="2200" dirty="0"/>
+              <a:t> </a:t>
+            </a:r>
+            <a:r>
+              <a:rPr lang="en-US" sz="2200" dirty="0" err="1"/>
+              <a:t>operazioni</a:t>
+            </a:r>
+            <a:r>
+              <a:rPr lang="en-US" sz="2200" dirty="0"/>
+              <a:t> (</a:t>
+            </a:r>
+            <a:r>
+              <a:rPr lang="en-US" sz="2200" dirty="0" err="1"/>
+              <a:t>partendo</a:t>
+            </a:r>
+            <a:r>
+              <a:rPr lang="en-US" sz="2200" dirty="0"/>
+              <a:t> </a:t>
+            </a:r>
+            <a:r>
+              <a:rPr lang="en-US" sz="2200" dirty="0" err="1"/>
+              <a:t>dalle</a:t>
+            </a:r>
+            <a:r>
+              <a:rPr lang="en-US" sz="2200" dirty="0"/>
+              <a:t> </a:t>
+            </a:r>
+            <a:r>
+              <a:rPr lang="en-US" sz="2200" dirty="0" err="1"/>
+              <a:t>anagrafiche</a:t>
+            </a:r>
+            <a:r>
+              <a:rPr lang="en-US" sz="2200" dirty="0"/>
+              <a:t> create) e compilare i relativi </a:t>
+            </a:r>
+            <a:r>
+              <a:rPr lang="en-US" sz="2200" dirty="0" err="1"/>
+              <a:t>verbali</a:t>
+            </a:r>
+            <a:r>
+              <a:rPr lang="en-US" sz="2200" dirty="0"/>
+              <a:t> </a:t>
+            </a:r>
+            <a:r>
+              <a:rPr lang="en-US" sz="2200" dirty="0" err="1"/>
+              <a:t>medici</a:t>
+            </a:r>
+            <a:r>
+              <a:rPr lang="en-US" sz="2200" dirty="0"/>
+              <a:t>, </a:t>
+            </a:r>
+            <a:r>
+              <a:rPr lang="en-US" sz="2200" dirty="0" err="1"/>
+              <a:t>sulla</a:t>
+            </a:r>
+            <a:r>
+              <a:rPr lang="en-US" sz="2200" dirty="0"/>
+              <a:t> base </a:t>
+            </a:r>
+            <a:r>
+              <a:rPr lang="en-US" sz="2200" dirty="0" err="1"/>
+              <a:t>delle</a:t>
+            </a:r>
+            <a:r>
+              <a:rPr lang="en-US" sz="2200" dirty="0"/>
+              <a:t> </a:t>
+            </a:r>
+            <a:r>
+              <a:rPr lang="en-US" sz="2200" dirty="0" err="1"/>
+              <a:t>singole</a:t>
+            </a:r>
+            <a:r>
+              <a:rPr lang="en-US" sz="2200" dirty="0"/>
+              <a:t> </a:t>
+            </a:r>
+            <a:r>
+              <a:rPr lang="en-US" sz="2200" dirty="0" err="1"/>
+              <a:t>operazioni</a:t>
+            </a:r>
+            <a:r>
+              <a:rPr lang="en-US" sz="2200" dirty="0"/>
+              <a:t>.</a:t>
+            </a:r>
+          </a:p>
+          <a:p>
+            <a:pPr marL="0" indent="0">
               <a:buNone/>
             </a:pPr>
             <a:r>
-              <a:rPr lang="en-US" sz="2000" dirty="0"/>
-              <a:t>- Inseriti </a:t>
-            </a:r>
-            <a:r>
-              <a:rPr lang="it-IT" sz="2000" dirty="0"/>
-              <a:t>opportuni</a:t>
-            </a:r>
-            <a:r>
-              <a:rPr lang="en-US" sz="2000" dirty="0"/>
-              <a:t> input nel codice, i tre collaboratori hanno verificato che il software si comporti in maniera corretta.</a:t>
-            </a:r>
-          </a:p>
-          <a:p>
-            <a:pPr marL="457200" lvl="1" indent="0">
-              <a:buNone/>
-            </a:pPr>
-            <a:r>
-              <a:rPr lang="en-US" sz="2000" dirty="0"/>
-              <a:t>Sono stati eseguiti test </a:t>
-            </a:r>
-            <a:r>
-              <a:rPr lang="en-US" sz="2000" i="1" dirty="0"/>
-              <a:t>black-box </a:t>
-            </a:r>
-            <a:r>
-              <a:rPr lang="en-US" sz="2000" dirty="0"/>
-              <a:t>(di natura funzionale e basati su specifiche di sistema) e test </a:t>
-            </a:r>
-            <a:r>
-              <a:rPr lang="en-US" sz="2000" i="1" dirty="0"/>
-              <a:t>white-box </a:t>
-            </a:r>
-            <a:r>
-              <a:rPr lang="en-US" sz="2000" dirty="0"/>
-              <a:t>(di natura strutturale e basati sul programma vero e proprio).</a:t>
-            </a:r>
-          </a:p>
-          <a:p>
-            <a:pPr marL="457200" lvl="1" indent="0">
-              <a:buNone/>
-            </a:pPr>
-            <a:endParaRPr lang="en-US" sz="2000" dirty="0"/>
-          </a:p>
-          <a:p>
-            <a:pPr marL="457200" lvl="1" indent="0">
-              <a:buNone/>
-            </a:pPr>
-            <a:r>
-              <a:rPr lang="en-US" sz="2000" dirty="0"/>
-              <a:t>Attraverso l’uso del framework </a:t>
-            </a:r>
-            <a:r>
-              <a:rPr lang="en-US" sz="2000" b="1" dirty="0"/>
-              <a:t>JUNIT</a:t>
-            </a:r>
-            <a:r>
-              <a:rPr lang="en-US" sz="2000" dirty="0"/>
-              <a:t>, abbiamo potuto definire diversi casi di test a seconda della funzionalità che si va ad implementare. I test fanno riferimento al DataService, ove sono contenute le </a:t>
-            </a:r>
-            <a:r>
-              <a:rPr lang="en-US" sz="2000" dirty="0" err="1"/>
-              <a:t>operazioni</a:t>
-            </a:r>
-            <a:r>
-              <a:rPr lang="en-US" sz="2000" dirty="0"/>
-              <a:t> possibili accedendo alla pagina personale:</a:t>
-            </a:r>
-          </a:p>
-          <a:p>
-            <a:pPr marL="457200" lvl="1" indent="0">
-              <a:buNone/>
-            </a:pPr>
-            <a:endParaRPr lang="en-US" sz="2000" dirty="0"/>
-          </a:p>
-          <a:p>
-            <a:pPr lvl="1">
-              <a:buFont typeface="Wingdings" panose="05000000000000000000" pitchFamily="2" charset="2"/>
-              <a:buChar char="v"/>
-            </a:pPr>
-            <a:r>
-              <a:rPr lang="en-US" sz="2200" dirty="0">
-                <a:effectLst>
-                  <a:outerShdw blurRad="38100" dist="38100" dir="2700000" algn="tl">
-                    <a:srgbClr val="000000">
-                      <a:alpha val="43137"/>
-                    </a:srgbClr>
-                  </a:outerShdw>
-                </a:effectLst>
-              </a:rPr>
-              <a:t>Login al Sistema</a:t>
-            </a:r>
-          </a:p>
-          <a:p>
-            <a:pPr lvl="1">
-              <a:buFont typeface="Wingdings" panose="05000000000000000000" pitchFamily="2" charset="2"/>
-              <a:buChar char="Ø"/>
-            </a:pPr>
-            <a:r>
-              <a:rPr lang="en-US" sz="2000" i="1" dirty="0"/>
-              <a:t>testSuccessLogin</a:t>
-            </a:r>
-            <a:r>
-              <a:rPr lang="en-US" sz="2000" dirty="0"/>
-              <a:t>, test per l’accesso al Sistema con credenziali corrette;</a:t>
-            </a:r>
-          </a:p>
-          <a:p>
-            <a:pPr lvl="1">
-              <a:buFont typeface="Wingdings" panose="05000000000000000000" pitchFamily="2" charset="2"/>
-              <a:buChar char="Ø"/>
-            </a:pPr>
-            <a:r>
-              <a:rPr lang="en-US" sz="2000" i="1" dirty="0"/>
-              <a:t>TestInvalidPassword</a:t>
-            </a:r>
-            <a:r>
-              <a:rPr lang="en-US" sz="2000" dirty="0"/>
-              <a:t>, test che riconosce la password inserita nel login come non idonea;</a:t>
-            </a:r>
-          </a:p>
-          <a:p>
-            <a:pPr lvl="1">
-              <a:buFont typeface="Wingdings" panose="05000000000000000000" pitchFamily="2" charset="2"/>
-              <a:buChar char="Ø"/>
-            </a:pPr>
-            <a:r>
-              <a:rPr lang="en-US" sz="2000" i="1" dirty="0"/>
-              <a:t>TestInvalidUsername</a:t>
-            </a:r>
-            <a:r>
-              <a:rPr lang="en-US" sz="2000" dirty="0"/>
-              <a:t>, test che riconosce lo username inserito nel login come non valido;</a:t>
+              <a:rPr lang="en-US" sz="2200" dirty="0"/>
+              <a:t>Eliminando la pagina anagrafica di un certo paziente, si cancellano, di conseguenza, le liste operatorie che lo coinvolgono; allo stesso modo, cancellando una lista operatoria si eliminano i verbali medici associati a quella lista.</a:t>
             </a:r>
           </a:p>
         </p:txBody>
       </p:sp>
       <p:sp>
         <p:nvSpPr>
-          <p:cNvPr id="82" name="Segnaposto numero diapositiva 81">
+          <p:cNvPr id="6" name="Slide Number Placeholder 5">
             <a:extLst>
               <a:ext uri="{FF2B5EF4-FFF2-40B4-BE49-F238E27FC236}">
-                <a16:creationId xmlns:a16="http://schemas.microsoft.com/office/drawing/2014/main" id="{CE36A058-BEC2-4BC5-A467-F2EB2A365051}"/>
+                <a16:creationId xmlns:a16="http://schemas.microsoft.com/office/drawing/2014/main" id="{366879AD-ECAF-DDDE-26DC-9DD0D10F9AC4}"/>
               </a:ext>
             </a:extLst>
           </p:cNvPr>
@@ -30077,7 +30345,7 @@
           </a:xfrm>
         </p:spPr>
         <p:txBody>
-          <a:bodyPr rtlCol="0">
+          <a:bodyPr>
             <a:noAutofit/>
           </a:bodyPr>
           <a:lstStyle/>
@@ -30087,23 +30355,55 @@
                 <a:spcPts val="600"/>
               </a:spcAft>
             </a:pPr>
-            <a:fld id="{B5CEABB6-07DC-46E8-9B57-56EC44A396E5}" type="slidenum">
-              <a:rPr lang="it-IT" sz="1800" b="1" smtClean="0"/>
-              <a:pPr rtl="0">
-                <a:spcAft>
-                  <a:spcPts val="600"/>
-                </a:spcAft>
-              </a:pPr>
+            <a:r>
+              <a:rPr lang="it-IT" sz="1800" b="1" dirty="0"/>
               <a:t>23</a:t>
-            </a:fld>
-            <a:endParaRPr lang="it-IT" sz="1800" b="1" dirty="0"/>
+            </a:r>
+          </a:p>
+          <a:p>
+            <a:pPr rtl="0">
+              <a:spcAft>
+                <a:spcPts val="600"/>
+              </a:spcAft>
+            </a:pPr>
+            <a:endParaRPr lang="it-IT" sz="1800" b="1" noProof="0" dirty="0"/>
           </a:p>
         </p:txBody>
       </p:sp>
+      <p:pic>
+        <p:nvPicPr>
+          <p:cNvPr id="7" name="Immagine 6">
+            <a:extLst>
+              <a:ext uri="{FF2B5EF4-FFF2-40B4-BE49-F238E27FC236}">
+                <a16:creationId xmlns:a16="http://schemas.microsoft.com/office/drawing/2014/main" id="{EA8F449D-B15B-10AF-54BB-BA0E8A93809F}"/>
+              </a:ext>
+            </a:extLst>
+          </p:cNvPr>
+          <p:cNvPicPr>
+            <a:picLocks noChangeAspect="1"/>
+          </p:cNvPicPr>
+          <p:nvPr/>
+        </p:nvPicPr>
+        <p:blipFill>
+          <a:blip r:embed="rId2"/>
+          <a:stretch>
+            <a:fillRect/>
+          </a:stretch>
+        </p:blipFill>
+        <p:spPr>
+          <a:xfrm>
+            <a:off x="6764694" y="2635149"/>
+            <a:ext cx="5125077" cy="2268000"/>
+          </a:xfrm>
+          <a:prstGeom prst="rect">
+            <a:avLst/>
+          </a:prstGeom>
+        </p:spPr>
+      </p:pic>
     </p:spTree>
     <p:extLst>
       <p:ext uri="{BB962C8B-B14F-4D97-AF65-F5344CB8AC3E}">
-        <p14:creationId xmlns:p14="http://schemas.microsoft.com/office/powerpoint/2010/main" val="2214790197"/>
+        <p14:creationId xmlns:p14="http://schemas.microsoft.com/office/powerpoint/2010/main" val="3568766427"/>
       </p:ext>
     </p:extLst>
   </p:cSld>
@@ -30229,7 +30529,7 @@
             <a:pPr rtl="0"/>
             <a:r>
               <a:rPr lang="it-IT" sz="5400" b="1" dirty="0"/>
-              <a:t>Testing: Casi di Test</a:t>
+              <a:t>Testing</a:t>
             </a:r>
           </a:p>
         </p:txBody>
@@ -30896,74 +31196,137 @@
         </p:spPr>
         <p:txBody>
           <a:bodyPr>
-            <a:normAutofit/>
+            <a:normAutofit lnSpcReduction="10000"/>
           </a:bodyPr>
           <a:lstStyle/>
           <a:p>
-            <a:pPr marL="457200" marR="0" lvl="1" indent="0" algn="l" defTabSz="914400" rtl="0" eaLnBrk="1" fontAlgn="auto" latinLnBrk="0" hangingPunct="1">
-              <a:lnSpc>
-                <a:spcPct val="90000"/>
-              </a:lnSpc>
-              <a:spcBef>
-                <a:spcPts val="500"/>
-              </a:spcBef>
-              <a:spcAft>
-                <a:spcPts val="0"/>
-              </a:spcAft>
-              <a:buClrTx/>
-              <a:buSzTx/>
-              <a:buFont typeface="Arial" panose="020B0604020202020204" pitchFamily="34" charset="0"/>
+            <a:pPr marL="457200" lvl="1" indent="0">
               <a:buNone/>
-              <a:tabLst/>
-              <a:defRPr/>
             </a:pPr>
-            <a:endParaRPr kumimoji="0" lang="en-US" sz="1900" b="0" i="0" u="none" strike="noStrike" kern="1200" cap="none" spc="0" normalizeH="0" baseline="0" noProof="0" dirty="0">
-              <a:ln>
-                <a:noFill/>
-              </a:ln>
-              <a:solidFill>
-                <a:prstClr val="black"/>
-              </a:solidFill>
-              <a:effectLst>
-                <a:outerShdw blurRad="38100" dist="38100" dir="2700000" algn="tl">
-                  <a:srgbClr val="000000">
-                    <a:alpha val="43137"/>
-                  </a:srgbClr>
-                </a:outerShdw>
-              </a:effectLst>
-              <a:uLnTx/>
-              <a:uFillTx/>
-              <a:latin typeface="Calibri" panose="020F0502020204030204"/>
-              <a:ea typeface="+mn-ea"/>
-              <a:cs typeface="+mn-cs"/>
-            </a:endParaRPr>
-          </a:p>
-          <a:p>
-            <a:pPr marL="685800" marR="0" lvl="1" indent="-228600" algn="l" defTabSz="914400" rtl="0" eaLnBrk="1" fontAlgn="auto" latinLnBrk="0" hangingPunct="1">
-              <a:lnSpc>
-                <a:spcPct val="90000"/>
-              </a:lnSpc>
-              <a:spcBef>
-                <a:spcPts val="500"/>
-              </a:spcBef>
-              <a:spcAft>
-                <a:spcPts val="0"/>
-              </a:spcAft>
-              <a:buClrTx/>
-              <a:buSzTx/>
+            <a:r>
+              <a:rPr lang="en-US" sz="2000" dirty="0"/>
+              <a:t>Nell’effettuare un testing al nostro Progetto, abbiamo optato per un test di tipo </a:t>
+            </a:r>
+            <a:r>
+              <a:rPr lang="en-US" sz="2000" b="1" dirty="0"/>
+              <a:t>manuale</a:t>
+            </a:r>
+            <a:r>
+              <a:rPr lang="en-US" sz="2000" dirty="0"/>
+              <a:t>:</a:t>
+            </a:r>
+          </a:p>
+          <a:p>
+            <a:pPr marL="457200" lvl="1" indent="0">
+              <a:buNone/>
+            </a:pPr>
+            <a:r>
+              <a:rPr lang="en-US" sz="2000" dirty="0"/>
+              <a:t>- Lo scopo era verificare che il test non portasse a </a:t>
+            </a:r>
+            <a:r>
+              <a:rPr lang="en-US" sz="2000" i="1" dirty="0"/>
+              <a:t>malfunzionamenti </a:t>
+            </a:r>
+            <a:r>
+              <a:rPr lang="en-US" sz="2000" dirty="0"/>
+              <a:t>(funzionamento errato del programma) o </a:t>
+            </a:r>
+            <a:r>
+              <a:rPr lang="en-US" sz="2000" i="1" dirty="0"/>
+              <a:t>difetti </a:t>
+            </a:r>
+            <a:r>
+              <a:rPr lang="en-US" sz="2000" dirty="0"/>
+              <a:t>(comportamento diverso dalle aspettative del programma).</a:t>
+            </a:r>
+          </a:p>
+          <a:p>
+            <a:pPr marL="457200" lvl="1" indent="0">
+              <a:buNone/>
+            </a:pPr>
+            <a:r>
+              <a:rPr lang="en-US" sz="2000" dirty="0"/>
+              <a:t>- Inseriti </a:t>
+            </a:r>
+            <a:r>
+              <a:rPr lang="it-IT" sz="2000" dirty="0"/>
+              <a:t>opportuni</a:t>
+            </a:r>
+            <a:r>
+              <a:rPr lang="en-US" sz="2000" dirty="0"/>
+              <a:t> input nel codice, i tre collaboratori hanno verificato che il software si comporti in maniera corretta.</a:t>
+            </a:r>
+          </a:p>
+          <a:p>
+            <a:pPr marL="457200" lvl="1" indent="0">
+              <a:buNone/>
+            </a:pPr>
+            <a:r>
+              <a:rPr lang="en-US" sz="2000" dirty="0"/>
+              <a:t>Sono stati eseguiti test </a:t>
+            </a:r>
+            <a:r>
+              <a:rPr lang="en-US" sz="2000" i="1" dirty="0"/>
+              <a:t>black-box </a:t>
+            </a:r>
+            <a:r>
+              <a:rPr lang="en-US" sz="2000" dirty="0"/>
+              <a:t>(di natura funzionale e basati su specifiche di sistema) e test </a:t>
+            </a:r>
+            <a:r>
+              <a:rPr lang="en-US" sz="2000" i="1" dirty="0"/>
+              <a:t>white-box </a:t>
+            </a:r>
+            <a:r>
+              <a:rPr lang="en-US" sz="2000" dirty="0"/>
+              <a:t>(di natura strutturale e basati sul programma vero e proprio).</a:t>
+            </a:r>
+          </a:p>
+          <a:p>
+            <a:pPr marL="457200" lvl="1" indent="0">
+              <a:buNone/>
+            </a:pPr>
+            <a:endParaRPr lang="en-US" sz="2000" dirty="0"/>
+          </a:p>
+          <a:p>
+            <a:pPr marL="457200" lvl="1" indent="0">
+              <a:buNone/>
+            </a:pPr>
+            <a:r>
+              <a:rPr lang="en-US" sz="2000" dirty="0"/>
+              <a:t>Attraverso l’uso del framework </a:t>
+            </a:r>
+            <a:r>
+              <a:rPr lang="en-US" sz="2000" b="1" dirty="0"/>
+              <a:t>JUNIT</a:t>
+            </a:r>
+            <a:r>
+              <a:rPr lang="en-US" sz="2000" dirty="0"/>
+              <a:t>, abbiamo potuto definire diversi casi di test a seconda della funzionalità che si va ad implementare. I test fanno riferimento al DataService, ove sono contenute le </a:t>
+            </a:r>
+            <a:r>
+              <a:rPr lang="en-US" sz="2000" dirty="0" err="1"/>
+              <a:t>operazioni</a:t>
+            </a:r>
+            <a:r>
+              <a:rPr lang="en-US" sz="2000" dirty="0"/>
+              <a:t> possibili accedendo alla pagina personale:</a:t>
+            </a:r>
+          </a:p>
+          <a:p>
+            <a:pPr marL="457200" lvl="1" indent="0">
+              <a:buNone/>
+            </a:pPr>
+            <a:endParaRPr lang="en-US" sz="2000" dirty="0"/>
+          </a:p>
+          <a:p>
+            <a:pPr lvl="1">
               <a:buFont typeface="Wingdings" panose="05000000000000000000" pitchFamily="2" charset="2"/>
               <a:buChar char="v"/>
-              <a:tabLst/>
-              <a:defRPr/>
             </a:pPr>
             <a:r>
-              <a:rPr kumimoji="0" lang="en-US" sz="2200" b="0" u="none" strike="noStrike" kern="1200" cap="none" spc="0" normalizeH="0" baseline="0" noProof="0" dirty="0">
-                <a:ln>
-                  <a:noFill/>
-                </a:ln>
-                <a:solidFill>
-                  <a:prstClr val="black"/>
-                </a:solidFill>
+              <a:rPr lang="en-US" sz="2200" dirty="0">
                 <a:effectLst>
                   <a:outerShdw blurRad="38100" dist="38100" dir="2700000" algn="tl">
                     <a:srgbClr val="000000">
@@ -30971,352 +31334,51 @@
                     </a:srgbClr>
                   </a:outerShdw>
                 </a:effectLst>
-                <a:uLnTx/>
-                <a:uFillTx/>
-                <a:latin typeface="Calibri" panose="020F0502020204030204"/>
-                <a:ea typeface="+mn-ea"/>
-                <a:cs typeface="+mn-cs"/>
               </a:rPr>
-              <a:t>Ruolo Dipendente </a:t>
-            </a:r>
-            <a:r>
-              <a:rPr lang="en-US" sz="2200" dirty="0">
-                <a:solidFill>
-                  <a:prstClr val="black"/>
-                </a:solidFill>
-                <a:effectLst>
-                  <a:outerShdw blurRad="38100" dist="38100" dir="2700000" algn="tl">
-                    <a:srgbClr val="000000">
-                      <a:alpha val="43137"/>
-                    </a:srgbClr>
-                  </a:outerShdw>
-                </a:effectLst>
-                <a:latin typeface="Calibri" panose="020F0502020204030204"/>
-              </a:rPr>
-              <a:t>Sbagliato</a:t>
-            </a:r>
-            <a:endParaRPr kumimoji="0" lang="en-US" sz="2200" b="0" u="none" strike="noStrike" kern="1200" cap="none" spc="0" normalizeH="0" noProof="0" dirty="0">
-              <a:ln>
-                <a:noFill/>
-              </a:ln>
-              <a:solidFill>
-                <a:prstClr val="black"/>
-              </a:solidFill>
-              <a:effectLst>
-                <a:outerShdw blurRad="38100" dist="38100" dir="2700000" algn="tl">
-                  <a:srgbClr val="000000">
-                    <a:alpha val="43137"/>
-                  </a:srgbClr>
-                </a:outerShdw>
-              </a:effectLst>
-              <a:uLnTx/>
-              <a:uFillTx/>
-              <a:latin typeface="Calibri" panose="020F0502020204030204"/>
-              <a:ea typeface="+mn-ea"/>
-              <a:cs typeface="+mn-cs"/>
-            </a:endParaRPr>
-          </a:p>
-          <a:p>
-            <a:pPr marR="0" lvl="1" algn="l" defTabSz="914400" rtl="0" eaLnBrk="1" fontAlgn="auto" latinLnBrk="0" hangingPunct="1">
-              <a:lnSpc>
-                <a:spcPct val="90000"/>
-              </a:lnSpc>
-              <a:spcBef>
-                <a:spcPts val="500"/>
-              </a:spcBef>
-              <a:spcAft>
-                <a:spcPts val="0"/>
-              </a:spcAft>
-              <a:buClrTx/>
-              <a:buSzTx/>
+              <a:t>Login al Sistema</a:t>
+            </a:r>
+          </a:p>
+          <a:p>
+            <a:pPr lvl="1">
               <a:buFont typeface="Wingdings" panose="05000000000000000000" pitchFamily="2" charset="2"/>
               <a:buChar char="Ø"/>
-              <a:tabLst/>
-              <a:defRPr/>
             </a:pPr>
             <a:r>
-              <a:rPr kumimoji="0" lang="en-US" sz="1900" b="0" u="none" strike="noStrike" kern="1200" cap="none" spc="0" normalizeH="0" baseline="0" noProof="0" dirty="0">
-                <a:ln>
-                  <a:noFill/>
-                </a:ln>
-                <a:solidFill>
-                  <a:prstClr val="black"/>
-                </a:solidFill>
-                <a:uLnTx/>
-                <a:uFillTx/>
-                <a:latin typeface="Calibri" panose="020F0502020204030204"/>
-                <a:ea typeface="+mn-ea"/>
-                <a:cs typeface="+mn-cs"/>
-              </a:rPr>
-              <a:t>Il test riconosce come </a:t>
-            </a:r>
-            <a:r>
-              <a:rPr lang="en-US" sz="1900" dirty="0">
-                <a:solidFill>
-                  <a:prstClr val="black"/>
-                </a:solidFill>
-                <a:latin typeface="Calibri" panose="020F0502020204030204"/>
-              </a:rPr>
-              <a:t>sbagliato l’inserimento di un ruolo non corrispondente rispetto al dipendente della matriola dichiarata;</a:t>
-            </a:r>
-            <a:endParaRPr kumimoji="0" lang="en-US" sz="1900" b="0" u="none" strike="noStrike" kern="1200" cap="none" spc="0" normalizeH="0" baseline="0" noProof="0" dirty="0">
-              <a:ln>
-                <a:noFill/>
-              </a:ln>
-              <a:solidFill>
-                <a:prstClr val="black"/>
-              </a:solidFill>
-              <a:uLnTx/>
-              <a:uFillTx/>
-              <a:latin typeface="Calibri" panose="020F0502020204030204"/>
-              <a:ea typeface="+mn-ea"/>
-              <a:cs typeface="+mn-cs"/>
-            </a:endParaRPr>
-          </a:p>
-          <a:p>
-            <a:pPr marL="685800" marR="0" lvl="1" indent="-228600" algn="l" defTabSz="914400" rtl="0" eaLnBrk="1" fontAlgn="auto" latinLnBrk="0" hangingPunct="1">
-              <a:lnSpc>
-                <a:spcPct val="90000"/>
-              </a:lnSpc>
-              <a:spcBef>
-                <a:spcPts val="500"/>
-              </a:spcBef>
-              <a:spcAft>
-                <a:spcPts val="0"/>
-              </a:spcAft>
-              <a:buClrTx/>
-              <a:buSzTx/>
-              <a:buFont typeface="Wingdings" panose="05000000000000000000" pitchFamily="2" charset="2"/>
-              <a:buChar char="v"/>
-              <a:tabLst/>
-              <a:defRPr/>
-            </a:pPr>
-            <a:r>
-              <a:rPr kumimoji="0" lang="en-US" sz="2200" b="0" u="none" strike="noStrike" kern="1200" cap="none" spc="0" normalizeH="0" baseline="0" noProof="0" dirty="0">
-                <a:ln>
-                  <a:noFill/>
-                </a:ln>
-                <a:solidFill>
-                  <a:prstClr val="black"/>
-                </a:solidFill>
-                <a:effectLst>
-                  <a:outerShdw blurRad="38100" dist="38100" dir="2700000" algn="tl">
-                    <a:srgbClr val="000000">
-                      <a:alpha val="43137"/>
-                    </a:srgbClr>
-                  </a:outerShdw>
-                </a:effectLst>
-                <a:uLnTx/>
-                <a:uFillTx/>
-                <a:latin typeface="Calibri" panose="020F0502020204030204"/>
-                <a:ea typeface="+mn-ea"/>
-                <a:cs typeface="+mn-cs"/>
-              </a:rPr>
-              <a:t>Verbale Inesistente</a:t>
-            </a:r>
-          </a:p>
-          <a:p>
-            <a:pPr marR="0" lvl="1" algn="l" defTabSz="914400" rtl="0" eaLnBrk="1" fontAlgn="auto" latinLnBrk="0" hangingPunct="1">
-              <a:lnSpc>
-                <a:spcPct val="90000"/>
-              </a:lnSpc>
-              <a:spcBef>
-                <a:spcPts val="500"/>
-              </a:spcBef>
-              <a:spcAft>
-                <a:spcPts val="0"/>
-              </a:spcAft>
-              <a:buClrTx/>
-              <a:buSzTx/>
+              <a:rPr lang="en-US" sz="2000" i="1" dirty="0"/>
+              <a:t>testSuccessLogin</a:t>
+            </a:r>
+            <a:r>
+              <a:rPr lang="en-US" sz="2000" dirty="0"/>
+              <a:t>, test per l’accesso al Sistema con credenziali corrette;</a:t>
+            </a:r>
+          </a:p>
+          <a:p>
+            <a:pPr lvl="1">
               <a:buFont typeface="Wingdings" panose="05000000000000000000" pitchFamily="2" charset="2"/>
               <a:buChar char="Ø"/>
-              <a:tabLst/>
-              <a:defRPr/>
             </a:pPr>
             <a:r>
-              <a:rPr kumimoji="0" lang="en-US" sz="1900" b="0" u="none" strike="noStrike" kern="1200" cap="none" spc="0" normalizeH="0" baseline="0" noProof="0" dirty="0">
-                <a:ln>
-                  <a:noFill/>
-                </a:ln>
-                <a:solidFill>
-                  <a:prstClr val="black"/>
-                </a:solidFill>
-                <a:uLnTx/>
-                <a:uFillTx/>
-                <a:latin typeface="Calibri" panose="020F0502020204030204"/>
-                <a:ea typeface="+mn-ea"/>
-                <a:cs typeface="+mn-cs"/>
-              </a:rPr>
-              <a:t>Inserito un codice operazione non archiviato/insesistente, il test verifica che non esiste Nessun verbale medico associato;</a:t>
-            </a:r>
-          </a:p>
-          <a:p>
-            <a:pPr marL="685800" marR="0" lvl="1" indent="-228600" algn="l" defTabSz="914400" rtl="0" eaLnBrk="1" fontAlgn="auto" latinLnBrk="0" hangingPunct="1">
-              <a:lnSpc>
-                <a:spcPct val="90000"/>
-              </a:lnSpc>
-              <a:spcBef>
-                <a:spcPts val="500"/>
-              </a:spcBef>
-              <a:spcAft>
-                <a:spcPts val="0"/>
-              </a:spcAft>
-              <a:buClrTx/>
-              <a:buSzTx/>
-              <a:buFont typeface="Wingdings" panose="05000000000000000000" pitchFamily="2" charset="2"/>
-              <a:buChar char="v"/>
-              <a:tabLst/>
-              <a:defRPr/>
-            </a:pPr>
-            <a:r>
-              <a:rPr kumimoji="0" lang="en-US" sz="2200" b="0" u="none" strike="noStrike" kern="1200" cap="none" spc="0" normalizeH="0" baseline="0" noProof="0" dirty="0">
-                <a:ln>
-                  <a:noFill/>
-                </a:ln>
-                <a:solidFill>
-                  <a:prstClr val="black"/>
-                </a:solidFill>
-                <a:effectLst>
-                  <a:outerShdw blurRad="38100" dist="38100" dir="2700000" algn="tl">
-                    <a:srgbClr val="000000">
-                      <a:alpha val="43137"/>
-                    </a:srgbClr>
-                  </a:outerShdw>
-                </a:effectLst>
-                <a:uLnTx/>
-                <a:uFillTx/>
-                <a:latin typeface="Calibri" panose="020F0502020204030204"/>
-                <a:ea typeface="+mn-ea"/>
-                <a:cs typeface="+mn-cs"/>
-              </a:rPr>
-              <a:t>Salvataggio Operazione</a:t>
-            </a:r>
-          </a:p>
-          <a:p>
-            <a:pPr marR="0" lvl="1" algn="l" defTabSz="914400" rtl="0" eaLnBrk="1" fontAlgn="auto" latinLnBrk="0" hangingPunct="1">
-              <a:lnSpc>
-                <a:spcPct val="90000"/>
-              </a:lnSpc>
-              <a:spcBef>
-                <a:spcPts val="500"/>
-              </a:spcBef>
-              <a:spcAft>
-                <a:spcPts val="0"/>
-              </a:spcAft>
-              <a:buClrTx/>
-              <a:buSzTx/>
+              <a:rPr lang="en-US" sz="2000" i="1" dirty="0"/>
+              <a:t>TestInvalidPassword</a:t>
+            </a:r>
+            <a:r>
+              <a:rPr lang="en-US" sz="2000" dirty="0"/>
+              <a:t>, test che riconosce la password inserita nel login come non idonea;</a:t>
+            </a:r>
+          </a:p>
+          <a:p>
+            <a:pPr lvl="1">
               <a:buFont typeface="Wingdings" panose="05000000000000000000" pitchFamily="2" charset="2"/>
               <a:buChar char="Ø"/>
-              <a:tabLst/>
-              <a:defRPr/>
             </a:pPr>
             <a:r>
-              <a:rPr kumimoji="0" lang="en-US" sz="1900" b="0" i="1" u="none" strike="noStrike" kern="1200" cap="none" spc="0" normalizeH="0" baseline="0" noProof="0" dirty="0">
-                <a:ln>
-                  <a:noFill/>
-                </a:ln>
-                <a:solidFill>
-                  <a:prstClr val="black"/>
-                </a:solidFill>
-                <a:uLnTx/>
-                <a:uFillTx/>
-                <a:latin typeface="Calibri" panose="020F0502020204030204"/>
-                <a:ea typeface="+mn-ea"/>
-                <a:cs typeface="+mn-cs"/>
-              </a:rPr>
-              <a:t>SalvataggioOperazioneFallito,</a:t>
-            </a:r>
-            <a:r>
-              <a:rPr kumimoji="0" lang="en-US" sz="1900" b="0" u="none" strike="noStrike" kern="1200" cap="none" spc="0" normalizeH="0" baseline="0" noProof="0" dirty="0">
-                <a:ln>
-                  <a:noFill/>
-                </a:ln>
-                <a:solidFill>
-                  <a:prstClr val="black"/>
-                </a:solidFill>
-                <a:uLnTx/>
-                <a:uFillTx/>
-                <a:latin typeface="Calibri" panose="020F0502020204030204"/>
-                <a:ea typeface="+mn-ea"/>
-                <a:cs typeface="+mn-cs"/>
-              </a:rPr>
-              <a:t> si vuole simulare il salvataggio di un’operazione che fallisce, per mancanza di valori obbligatori;</a:t>
-            </a:r>
-          </a:p>
-          <a:p>
-            <a:pPr marR="0" lvl="1" algn="l" defTabSz="914400" rtl="0" eaLnBrk="1" fontAlgn="auto" latinLnBrk="0" hangingPunct="1">
-              <a:lnSpc>
-                <a:spcPct val="90000"/>
-              </a:lnSpc>
-              <a:spcBef>
-                <a:spcPts val="500"/>
-              </a:spcBef>
-              <a:spcAft>
-                <a:spcPts val="0"/>
-              </a:spcAft>
-              <a:buClrTx/>
-              <a:buSzTx/>
-              <a:buFont typeface="Wingdings" panose="05000000000000000000" pitchFamily="2" charset="2"/>
-              <a:buChar char="Ø"/>
-              <a:tabLst/>
-              <a:defRPr/>
-            </a:pPr>
-            <a:r>
-              <a:rPr lang="en-US" sz="1900" i="1" dirty="0">
-                <a:solidFill>
-                  <a:prstClr val="black"/>
-                </a:solidFill>
-                <a:latin typeface="Calibri" panose="020F0502020204030204"/>
-              </a:rPr>
-              <a:t>SalvataggioOperazioneRiuscito</a:t>
-            </a:r>
-            <a:r>
-              <a:rPr lang="en-US" sz="1900" dirty="0">
-                <a:solidFill>
-                  <a:prstClr val="black"/>
-                </a:solidFill>
-                <a:latin typeface="Calibri" panose="020F0502020204030204"/>
-              </a:rPr>
-              <a:t>, inseriti un insieme di valori d’operazione e il suddetto codice operazionale, il test salva tale operazione e, nel confronto con i valori salvati, ogni componente corrisponde;</a:t>
-            </a:r>
-          </a:p>
-          <a:p>
-            <a:pPr marR="0" lvl="1" algn="l" defTabSz="914400" rtl="0" eaLnBrk="1" fontAlgn="auto" latinLnBrk="0" hangingPunct="1">
-              <a:lnSpc>
-                <a:spcPct val="90000"/>
-              </a:lnSpc>
-              <a:spcBef>
-                <a:spcPts val="500"/>
-              </a:spcBef>
-              <a:spcAft>
-                <a:spcPts val="0"/>
-              </a:spcAft>
-              <a:buClrTx/>
-              <a:buSzTx/>
-              <a:buFont typeface="Wingdings" panose="05000000000000000000" pitchFamily="2" charset="2"/>
-              <a:buChar char="Ø"/>
-              <a:tabLst/>
-              <a:defRPr/>
-            </a:pPr>
-            <a:r>
-              <a:rPr lang="en-US" sz="1900" i="1" dirty="0">
-                <a:solidFill>
-                  <a:prstClr val="black"/>
-                </a:solidFill>
-                <a:latin typeface="Calibri" panose="020F0502020204030204"/>
-              </a:rPr>
-              <a:t>SalvataggioOperazioneMedicoInesistente</a:t>
-            </a:r>
-            <a:r>
-              <a:rPr lang="en-US" sz="1900" dirty="0">
-                <a:solidFill>
-                  <a:prstClr val="black"/>
-                </a:solidFill>
-                <a:latin typeface="Calibri" panose="020F0502020204030204"/>
-              </a:rPr>
-              <a:t>, test che simula il salvataggio di un’operazione ma che fallisce, per l’inserimento erratto della matricola del medico;</a:t>
-            </a:r>
-            <a:endParaRPr lang="en-US" sz="2000" i="1" dirty="0"/>
+              <a:rPr lang="en-US" sz="2000" i="1" dirty="0"/>
+              <a:t>TestInvalidUsername</a:t>
+            </a:r>
+            <a:r>
+              <a:rPr lang="en-US" sz="2000" dirty="0"/>
+              <a:t>, test che riconosce lo username inserito nel login come non valido;</a:t>
+            </a:r>
           </a:p>
         </p:txBody>
       </p:sp>
@@ -31369,7 +31431,7 @@
     </p:spTree>
     <p:extLst>
       <p:ext uri="{BB962C8B-B14F-4D97-AF65-F5344CB8AC3E}">
-        <p14:creationId xmlns:p14="http://schemas.microsoft.com/office/powerpoint/2010/main" val="2689722702"/>
+        <p14:creationId xmlns:p14="http://schemas.microsoft.com/office/powerpoint/2010/main" val="2214790197"/>
       </p:ext>
     </p:extLst>
   </p:cSld>
@@ -31379,7 +31441,7 @@
 </p:sld>
 </file>
 
-<file path=ppt/slides/slide3.xml><?xml version="1.0" encoding="utf-8"?>
+<file path=ppt/slides/slide25.xml><?xml version="1.0" encoding="utf-8"?>
 <p:sld xmlns:a="http://schemas.openxmlformats.org/drawingml/2006/main" xmlns:r="http://schemas.openxmlformats.org/officeDocument/2006/relationships" xmlns:p="http://schemas.openxmlformats.org/presentationml/2006/main">
   <p:cSld>
     <p:bg>
@@ -31406,7 +31468,7 @@
       </p:grpSpPr>
       <p:sp useBgFill="1">
         <p:nvSpPr>
-          <p:cNvPr id="98" name="Rectangle 100">
+          <p:cNvPr id="87" name="Rectangle 86">
             <a:extLst>
               <a:ext uri="{FF2B5EF4-FFF2-40B4-BE49-F238E27FC236}">
                 <a16:creationId xmlns:a16="http://schemas.microsoft.com/office/drawing/2014/main" id="{100EDD19-6802-4EC3-95CE-CFFAB042CFD6}"/>
@@ -31487,21 +31549,22 @@
           </a:xfrm>
         </p:spPr>
         <p:txBody>
-          <a:bodyPr vert="horz" lIns="91440" tIns="45720" rIns="91440" bIns="45720" rtlCol="0">
+          <a:bodyPr rtlCol="0">
             <a:normAutofit/>
           </a:bodyPr>
           <a:lstStyle/>
           <a:p>
-            <a:r>
-              <a:rPr lang="en-US" sz="5400" b="1" dirty="0"/>
-              <a:t>Difficoltà Incontrate</a:t>
+            <a:pPr rtl="0"/>
+            <a:r>
+              <a:rPr lang="it-IT" sz="5400" b="1" dirty="0"/>
+              <a:t>Testing: Casi di Test</a:t>
             </a:r>
           </a:p>
         </p:txBody>
       </p:sp>
       <p:sp>
         <p:nvSpPr>
-          <p:cNvPr id="100" name="sketch line">
+          <p:cNvPr id="89" name="sketch line">
             <a:extLst>
               <a:ext uri="{FF2B5EF4-FFF2-40B4-BE49-F238E27FC236}">
                 <a16:creationId xmlns:a16="http://schemas.microsoft.com/office/drawing/2014/main" id="{DB17E863-922E-4C26-BD64-E8FD41D28661}"/>
@@ -32142,7 +32205,7 @@
           <p:cNvPr id="4" name="Content Placeholder 3">
             <a:extLst>
               <a:ext uri="{FF2B5EF4-FFF2-40B4-BE49-F238E27FC236}">
-                <a16:creationId xmlns:a16="http://schemas.microsoft.com/office/drawing/2014/main" id="{0B9BE06A-2A10-766E-30FB-68BA1AE33F20}"/>
+                <a16:creationId xmlns:a16="http://schemas.microsoft.com/office/drawing/2014/main" id="{E45B50AB-E09E-377A-4B46-AFA47F523EAB}"/>
               </a:ext>
             </a:extLst>
           </p:cNvPr>
@@ -32155,104 +32218,433 @@
         </p:nvSpPr>
         <p:spPr>
           <a:xfrm>
-            <a:off x="838200" y="1929383"/>
-            <a:ext cx="10515600" cy="4435476"/>
+            <a:off x="838200" y="1708977"/>
+            <a:ext cx="10515600" cy="4783897"/>
           </a:xfrm>
         </p:spPr>
         <p:txBody>
-          <a:bodyPr vert="horz" lIns="91440" tIns="45720" rIns="91440" bIns="45720" rtlCol="0">
-            <a:normAutofit fontScale="92500" lnSpcReduction="10000"/>
+          <a:bodyPr>
+            <a:normAutofit/>
           </a:bodyPr>
           <a:lstStyle/>
           <a:p>
-            <a:pPr marL="0" indent="0">
+            <a:pPr marL="457200" marR="0" lvl="1" indent="0" algn="l" defTabSz="914400" rtl="0" eaLnBrk="1" fontAlgn="auto" latinLnBrk="0" hangingPunct="1">
+              <a:lnSpc>
+                <a:spcPct val="90000"/>
+              </a:lnSpc>
+              <a:spcBef>
+                <a:spcPts val="500"/>
+              </a:spcBef>
+              <a:spcAft>
+                <a:spcPts val="0"/>
+              </a:spcAft>
+              <a:buClrTx/>
+              <a:buSzTx/>
+              <a:buFont typeface="Arial" panose="020B0604020202020204" pitchFamily="34" charset="0"/>
               <a:buNone/>
+              <a:tabLst/>
+              <a:defRPr/>
             </a:pPr>
-            <a:r>
-              <a:rPr lang="en-US" sz="2200" dirty="0"/>
-              <a:t>Le principali difficolà, incontrate durante la stesura del Progetto, </a:t>
-            </a:r>
-            <a:r>
-              <a:rPr lang="en-US" sz="2200" dirty="0" err="1"/>
-              <a:t>riguardano</a:t>
-            </a:r>
-            <a:r>
-              <a:rPr lang="en-US" sz="2200" dirty="0"/>
-              <a:t>:</a:t>
-            </a:r>
-          </a:p>
-          <a:p>
-            <a:pPr marL="0" indent="0">
-              <a:buNone/>
+            <a:endParaRPr kumimoji="0" lang="en-US" sz="1900" b="0" i="0" u="none" strike="noStrike" kern="1200" cap="none" spc="0" normalizeH="0" baseline="0" noProof="0" dirty="0">
+              <a:ln>
+                <a:noFill/>
+              </a:ln>
+              <a:solidFill>
+                <a:prstClr val="black"/>
+              </a:solidFill>
+              <a:effectLst>
+                <a:outerShdw blurRad="38100" dist="38100" dir="2700000" algn="tl">
+                  <a:srgbClr val="000000">
+                    <a:alpha val="43137"/>
+                  </a:srgbClr>
+                </a:outerShdw>
+              </a:effectLst>
+              <a:uLnTx/>
+              <a:uFillTx/>
+              <a:latin typeface="Calibri" panose="020F0502020204030204"/>
+              <a:ea typeface="+mn-ea"/>
+              <a:cs typeface="+mn-cs"/>
+            </a:endParaRPr>
+          </a:p>
+          <a:p>
+            <a:pPr marL="685800" marR="0" lvl="1" indent="-228600" algn="l" defTabSz="914400" rtl="0" eaLnBrk="1" fontAlgn="auto" latinLnBrk="0" hangingPunct="1">
+              <a:lnSpc>
+                <a:spcPct val="90000"/>
+              </a:lnSpc>
+              <a:spcBef>
+                <a:spcPts val="500"/>
+              </a:spcBef>
+              <a:spcAft>
+                <a:spcPts val="0"/>
+              </a:spcAft>
+              <a:buClrTx/>
+              <a:buSzTx/>
+              <a:buFont typeface="Wingdings" panose="05000000000000000000" pitchFamily="2" charset="2"/>
+              <a:buChar char="v"/>
+              <a:tabLst/>
+              <a:defRPr/>
             </a:pPr>
-            <a:endParaRPr lang="en-US" sz="2200" dirty="0"/>
-          </a:p>
-          <a:p>
-            <a:r>
-              <a:rPr lang="en-US" sz="2200" dirty="0"/>
-              <a:t>Coordinamento tra i componenti del team, soprattutto a livello temporale e gestione del lavoro. </a:t>
-            </a:r>
-          </a:p>
-          <a:p>
-            <a:endParaRPr lang="en-US" sz="2200" dirty="0"/>
-          </a:p>
-          <a:p>
-            <a:r>
-              <a:rPr lang="en-US" sz="2200" dirty="0"/>
-              <a:t>Ottenere un programma software che risponda a tutti i requisiti (del </a:t>
-            </a:r>
-            <a:r>
-              <a:rPr lang="en-US" sz="2200" dirty="0" err="1"/>
-              <a:t>sistema</a:t>
-            </a:r>
-            <a:r>
-              <a:rPr lang="en-US" sz="2200" dirty="0"/>
-              <a:t> e </a:t>
-            </a:r>
-            <a:r>
-              <a:rPr lang="en-US" sz="2200" dirty="0" err="1"/>
-              <a:t>dell’utente</a:t>
-            </a:r>
-            <a:r>
-              <a:rPr lang="en-US" sz="2200" dirty="0"/>
-              <a:t>).</a:t>
-            </a:r>
-          </a:p>
-          <a:p>
-            <a:endParaRPr lang="en-US" sz="2200" dirty="0"/>
-          </a:p>
-          <a:p>
-            <a:r>
-              <a:rPr lang="en-US" sz="2200" dirty="0"/>
-              <a:t>Conflitto nell’utilizzo di GitHub.</a:t>
-            </a:r>
-          </a:p>
-          <a:p>
-            <a:endParaRPr lang="en-US" sz="2200" dirty="0"/>
-          </a:p>
-          <a:p>
-            <a:r>
-              <a:rPr lang="en-US" sz="2200" dirty="0"/>
-              <a:t>Possibilità di non consegnare in tempo il Progetto, causa ritardo nella realizzazione delle singole parti del programma.</a:t>
-            </a:r>
-          </a:p>
-          <a:p>
-            <a:pPr marL="0" indent="0">
-              <a:buNone/>
+            <a:r>
+              <a:rPr kumimoji="0" lang="en-US" sz="2200" b="0" u="none" strike="noStrike" kern="1200" cap="none" spc="0" normalizeH="0" baseline="0" noProof="0" dirty="0">
+                <a:ln>
+                  <a:noFill/>
+                </a:ln>
+                <a:solidFill>
+                  <a:prstClr val="black"/>
+                </a:solidFill>
+                <a:effectLst>
+                  <a:outerShdw blurRad="38100" dist="38100" dir="2700000" algn="tl">
+                    <a:srgbClr val="000000">
+                      <a:alpha val="43137"/>
+                    </a:srgbClr>
+                  </a:outerShdw>
+                </a:effectLst>
+                <a:uLnTx/>
+                <a:uFillTx/>
+                <a:latin typeface="Calibri" panose="020F0502020204030204"/>
+                <a:ea typeface="+mn-ea"/>
+                <a:cs typeface="+mn-cs"/>
+              </a:rPr>
+              <a:t>Ruolo Dipendente </a:t>
+            </a:r>
+            <a:r>
+              <a:rPr lang="en-US" sz="2200" dirty="0">
+                <a:solidFill>
+                  <a:prstClr val="black"/>
+                </a:solidFill>
+                <a:effectLst>
+                  <a:outerShdw blurRad="38100" dist="38100" dir="2700000" algn="tl">
+                    <a:srgbClr val="000000">
+                      <a:alpha val="43137"/>
+                    </a:srgbClr>
+                  </a:outerShdw>
+                </a:effectLst>
+                <a:latin typeface="Calibri" panose="020F0502020204030204"/>
+              </a:rPr>
+              <a:t>Sbagliato</a:t>
+            </a:r>
+            <a:endParaRPr kumimoji="0" lang="en-US" sz="2200" b="0" u="none" strike="noStrike" kern="1200" cap="none" spc="0" normalizeH="0" noProof="0" dirty="0">
+              <a:ln>
+                <a:noFill/>
+              </a:ln>
+              <a:solidFill>
+                <a:prstClr val="black"/>
+              </a:solidFill>
+              <a:effectLst>
+                <a:outerShdw blurRad="38100" dist="38100" dir="2700000" algn="tl">
+                  <a:srgbClr val="000000">
+                    <a:alpha val="43137"/>
+                  </a:srgbClr>
+                </a:outerShdw>
+              </a:effectLst>
+              <a:uLnTx/>
+              <a:uFillTx/>
+              <a:latin typeface="Calibri" panose="020F0502020204030204"/>
+              <a:ea typeface="+mn-ea"/>
+              <a:cs typeface="+mn-cs"/>
+            </a:endParaRPr>
+          </a:p>
+          <a:p>
+            <a:pPr marR="0" lvl="1" algn="l" defTabSz="914400" rtl="0" eaLnBrk="1" fontAlgn="auto" latinLnBrk="0" hangingPunct="1">
+              <a:lnSpc>
+                <a:spcPct val="90000"/>
+              </a:lnSpc>
+              <a:spcBef>
+                <a:spcPts val="500"/>
+              </a:spcBef>
+              <a:spcAft>
+                <a:spcPts val="0"/>
+              </a:spcAft>
+              <a:buClrTx/>
+              <a:buSzTx/>
+              <a:buFont typeface="Wingdings" panose="05000000000000000000" pitchFamily="2" charset="2"/>
+              <a:buChar char="Ø"/>
+              <a:tabLst/>
+              <a:defRPr/>
             </a:pPr>
-            <a:endParaRPr lang="en-US" sz="2200" dirty="0"/>
-          </a:p>
-          <a:p>
-            <a:r>
-              <a:rPr lang="en-US" sz="2200" dirty="0"/>
-              <a:t>Difficoltà nell’intuire quali tool e pattern sono stati utilizzati nella stesura del progetto.</a:t>
-            </a:r>
-          </a:p>
-          <a:p>
-            <a:endParaRPr lang="en-US" sz="2000" dirty="0"/>
-          </a:p>
-          <a:p>
-            <a:endParaRPr lang="en-US" sz="2000" dirty="0"/>
+            <a:r>
+              <a:rPr kumimoji="0" lang="en-US" sz="1900" b="0" u="none" strike="noStrike" kern="1200" cap="none" spc="0" normalizeH="0" baseline="0" noProof="0" dirty="0">
+                <a:ln>
+                  <a:noFill/>
+                </a:ln>
+                <a:solidFill>
+                  <a:prstClr val="black"/>
+                </a:solidFill>
+                <a:uLnTx/>
+                <a:uFillTx/>
+                <a:latin typeface="Calibri" panose="020F0502020204030204"/>
+                <a:ea typeface="+mn-ea"/>
+                <a:cs typeface="+mn-cs"/>
+              </a:rPr>
+              <a:t>Il test riconosce come </a:t>
+            </a:r>
+            <a:r>
+              <a:rPr lang="en-US" sz="1900" dirty="0">
+                <a:solidFill>
+                  <a:prstClr val="black"/>
+                </a:solidFill>
+                <a:latin typeface="Calibri" panose="020F0502020204030204"/>
+              </a:rPr>
+              <a:t>sbagliato l’inserimento di un ruolo non corrispondente rispetto al dipendente della matriola dichiarata;</a:t>
+            </a:r>
+            <a:endParaRPr kumimoji="0" lang="en-US" sz="1900" b="0" u="none" strike="noStrike" kern="1200" cap="none" spc="0" normalizeH="0" baseline="0" noProof="0" dirty="0">
+              <a:ln>
+                <a:noFill/>
+              </a:ln>
+              <a:solidFill>
+                <a:prstClr val="black"/>
+              </a:solidFill>
+              <a:uLnTx/>
+              <a:uFillTx/>
+              <a:latin typeface="Calibri" panose="020F0502020204030204"/>
+              <a:ea typeface="+mn-ea"/>
+              <a:cs typeface="+mn-cs"/>
+            </a:endParaRPr>
+          </a:p>
+          <a:p>
+            <a:pPr marL="685800" marR="0" lvl="1" indent="-228600" algn="l" defTabSz="914400" rtl="0" eaLnBrk="1" fontAlgn="auto" latinLnBrk="0" hangingPunct="1">
+              <a:lnSpc>
+                <a:spcPct val="90000"/>
+              </a:lnSpc>
+              <a:spcBef>
+                <a:spcPts val="500"/>
+              </a:spcBef>
+              <a:spcAft>
+                <a:spcPts val="0"/>
+              </a:spcAft>
+              <a:buClrTx/>
+              <a:buSzTx/>
+              <a:buFont typeface="Wingdings" panose="05000000000000000000" pitchFamily="2" charset="2"/>
+              <a:buChar char="v"/>
+              <a:tabLst/>
+              <a:defRPr/>
+            </a:pPr>
+            <a:r>
+              <a:rPr kumimoji="0" lang="en-US" sz="2200" b="0" u="none" strike="noStrike" kern="1200" cap="none" spc="0" normalizeH="0" baseline="0" noProof="0" dirty="0">
+                <a:ln>
+                  <a:noFill/>
+                </a:ln>
+                <a:solidFill>
+                  <a:prstClr val="black"/>
+                </a:solidFill>
+                <a:effectLst>
+                  <a:outerShdw blurRad="38100" dist="38100" dir="2700000" algn="tl">
+                    <a:srgbClr val="000000">
+                      <a:alpha val="43137"/>
+                    </a:srgbClr>
+                  </a:outerShdw>
+                </a:effectLst>
+                <a:uLnTx/>
+                <a:uFillTx/>
+                <a:latin typeface="Calibri" panose="020F0502020204030204"/>
+                <a:ea typeface="+mn-ea"/>
+                <a:cs typeface="+mn-cs"/>
+              </a:rPr>
+              <a:t>Verbale Inesistente</a:t>
+            </a:r>
+          </a:p>
+          <a:p>
+            <a:pPr marR="0" lvl="1" algn="l" defTabSz="914400" rtl="0" eaLnBrk="1" fontAlgn="auto" latinLnBrk="0" hangingPunct="1">
+              <a:lnSpc>
+                <a:spcPct val="90000"/>
+              </a:lnSpc>
+              <a:spcBef>
+                <a:spcPts val="500"/>
+              </a:spcBef>
+              <a:spcAft>
+                <a:spcPts val="0"/>
+              </a:spcAft>
+              <a:buClrTx/>
+              <a:buSzTx/>
+              <a:buFont typeface="Wingdings" panose="05000000000000000000" pitchFamily="2" charset="2"/>
+              <a:buChar char="Ø"/>
+              <a:tabLst/>
+              <a:defRPr/>
+            </a:pPr>
+            <a:r>
+              <a:rPr kumimoji="0" lang="en-US" sz="1900" b="0" u="none" strike="noStrike" kern="1200" cap="none" spc="0" normalizeH="0" baseline="0" noProof="0" dirty="0">
+                <a:ln>
+                  <a:noFill/>
+                </a:ln>
+                <a:solidFill>
+                  <a:prstClr val="black"/>
+                </a:solidFill>
+                <a:uLnTx/>
+                <a:uFillTx/>
+                <a:latin typeface="Calibri" panose="020F0502020204030204"/>
+                <a:ea typeface="+mn-ea"/>
+                <a:cs typeface="+mn-cs"/>
+              </a:rPr>
+              <a:t>Inserito un codice operazione non archiviato/insesistente, il test verifica che non esiste Nessun verbale medico associato;</a:t>
+            </a:r>
+          </a:p>
+          <a:p>
+            <a:pPr marL="685800" marR="0" lvl="1" indent="-228600" algn="l" defTabSz="914400" rtl="0" eaLnBrk="1" fontAlgn="auto" latinLnBrk="0" hangingPunct="1">
+              <a:lnSpc>
+                <a:spcPct val="90000"/>
+              </a:lnSpc>
+              <a:spcBef>
+                <a:spcPts val="500"/>
+              </a:spcBef>
+              <a:spcAft>
+                <a:spcPts val="0"/>
+              </a:spcAft>
+              <a:buClrTx/>
+              <a:buSzTx/>
+              <a:buFont typeface="Wingdings" panose="05000000000000000000" pitchFamily="2" charset="2"/>
+              <a:buChar char="v"/>
+              <a:tabLst/>
+              <a:defRPr/>
+            </a:pPr>
+            <a:r>
+              <a:rPr kumimoji="0" lang="en-US" sz="2200" b="0" u="none" strike="noStrike" kern="1200" cap="none" spc="0" normalizeH="0" baseline="0" noProof="0" dirty="0">
+                <a:ln>
+                  <a:noFill/>
+                </a:ln>
+                <a:solidFill>
+                  <a:prstClr val="black"/>
+                </a:solidFill>
+                <a:effectLst>
+                  <a:outerShdw blurRad="38100" dist="38100" dir="2700000" algn="tl">
+                    <a:srgbClr val="000000">
+                      <a:alpha val="43137"/>
+                    </a:srgbClr>
+                  </a:outerShdw>
+                </a:effectLst>
+                <a:uLnTx/>
+                <a:uFillTx/>
+                <a:latin typeface="Calibri" panose="020F0502020204030204"/>
+                <a:ea typeface="+mn-ea"/>
+                <a:cs typeface="+mn-cs"/>
+              </a:rPr>
+              <a:t>Salvataggio Operazione</a:t>
+            </a:r>
+          </a:p>
+          <a:p>
+            <a:pPr marR="0" lvl="1" algn="l" defTabSz="914400" rtl="0" eaLnBrk="1" fontAlgn="auto" latinLnBrk="0" hangingPunct="1">
+              <a:lnSpc>
+                <a:spcPct val="90000"/>
+              </a:lnSpc>
+              <a:spcBef>
+                <a:spcPts val="500"/>
+              </a:spcBef>
+              <a:spcAft>
+                <a:spcPts val="0"/>
+              </a:spcAft>
+              <a:buClrTx/>
+              <a:buSzTx/>
+              <a:buFont typeface="Wingdings" panose="05000000000000000000" pitchFamily="2" charset="2"/>
+              <a:buChar char="Ø"/>
+              <a:tabLst/>
+              <a:defRPr/>
+            </a:pPr>
+            <a:r>
+              <a:rPr kumimoji="0" lang="en-US" sz="1900" b="0" i="1" u="none" strike="noStrike" kern="1200" cap="none" spc="0" normalizeH="0" baseline="0" noProof="0" dirty="0">
+                <a:ln>
+                  <a:noFill/>
+                </a:ln>
+                <a:solidFill>
+                  <a:prstClr val="black"/>
+                </a:solidFill>
+                <a:uLnTx/>
+                <a:uFillTx/>
+                <a:latin typeface="Calibri" panose="020F0502020204030204"/>
+                <a:ea typeface="+mn-ea"/>
+                <a:cs typeface="+mn-cs"/>
+              </a:rPr>
+              <a:t>SalvataggioOperazioneFallito,</a:t>
+            </a:r>
+            <a:r>
+              <a:rPr kumimoji="0" lang="en-US" sz="1900" b="0" u="none" strike="noStrike" kern="1200" cap="none" spc="0" normalizeH="0" baseline="0" noProof="0" dirty="0">
+                <a:ln>
+                  <a:noFill/>
+                </a:ln>
+                <a:solidFill>
+                  <a:prstClr val="black"/>
+                </a:solidFill>
+                <a:uLnTx/>
+                <a:uFillTx/>
+                <a:latin typeface="Calibri" panose="020F0502020204030204"/>
+                <a:ea typeface="+mn-ea"/>
+                <a:cs typeface="+mn-cs"/>
+              </a:rPr>
+              <a:t> si vuole simulare il salvataggio di un’operazione che fallisce, per mancanza di valori obbligatori;</a:t>
+            </a:r>
+          </a:p>
+          <a:p>
+            <a:pPr marR="0" lvl="1" algn="l" defTabSz="914400" rtl="0" eaLnBrk="1" fontAlgn="auto" latinLnBrk="0" hangingPunct="1">
+              <a:lnSpc>
+                <a:spcPct val="90000"/>
+              </a:lnSpc>
+              <a:spcBef>
+                <a:spcPts val="500"/>
+              </a:spcBef>
+              <a:spcAft>
+                <a:spcPts val="0"/>
+              </a:spcAft>
+              <a:buClrTx/>
+              <a:buSzTx/>
+              <a:buFont typeface="Wingdings" panose="05000000000000000000" pitchFamily="2" charset="2"/>
+              <a:buChar char="Ø"/>
+              <a:tabLst/>
+              <a:defRPr/>
+            </a:pPr>
+            <a:r>
+              <a:rPr lang="en-US" sz="1900" i="1" dirty="0">
+                <a:solidFill>
+                  <a:prstClr val="black"/>
+                </a:solidFill>
+                <a:latin typeface="Calibri" panose="020F0502020204030204"/>
+              </a:rPr>
+              <a:t>SalvataggioOperazioneRiuscito</a:t>
+            </a:r>
+            <a:r>
+              <a:rPr lang="en-US" sz="1900" dirty="0">
+                <a:solidFill>
+                  <a:prstClr val="black"/>
+                </a:solidFill>
+                <a:latin typeface="Calibri" panose="020F0502020204030204"/>
+              </a:rPr>
+              <a:t>, inseriti un insieme di valori d’operazione e il suddetto codice operazionale, il test salva tale operazione e, nel confronto con i valori salvati, ogni componente corrisponde;</a:t>
+            </a:r>
+          </a:p>
+          <a:p>
+            <a:pPr marR="0" lvl="1" algn="l" defTabSz="914400" rtl="0" eaLnBrk="1" fontAlgn="auto" latinLnBrk="0" hangingPunct="1">
+              <a:lnSpc>
+                <a:spcPct val="90000"/>
+              </a:lnSpc>
+              <a:spcBef>
+                <a:spcPts val="500"/>
+              </a:spcBef>
+              <a:spcAft>
+                <a:spcPts val="0"/>
+              </a:spcAft>
+              <a:buClrTx/>
+              <a:buSzTx/>
+              <a:buFont typeface="Wingdings" panose="05000000000000000000" pitchFamily="2" charset="2"/>
+              <a:buChar char="Ø"/>
+              <a:tabLst/>
+              <a:defRPr/>
+            </a:pPr>
+            <a:r>
+              <a:rPr lang="en-US" sz="1900" i="1" dirty="0">
+                <a:solidFill>
+                  <a:prstClr val="black"/>
+                </a:solidFill>
+                <a:latin typeface="Calibri" panose="020F0502020204030204"/>
+              </a:rPr>
+              <a:t>SalvataggioOperazioneMedicoInesistente</a:t>
+            </a:r>
+            <a:r>
+              <a:rPr lang="en-US" sz="1900" dirty="0">
+                <a:solidFill>
+                  <a:prstClr val="black"/>
+                </a:solidFill>
+                <a:latin typeface="Calibri" panose="020F0502020204030204"/>
+              </a:rPr>
+              <a:t>, test che simula il salvataggio di un’operazione ma che fallisce, per l’inserimento erratto della matricola del medico;</a:t>
+            </a:r>
+            <a:endParaRPr lang="en-US" sz="2000" i="1" dirty="0"/>
           </a:p>
         </p:txBody>
       </p:sp>
@@ -32274,38 +32666,38 @@
         </p:nvSpPr>
         <p:spPr>
           <a:xfrm>
-            <a:off x="10303297" y="6189685"/>
-            <a:ext cx="1468079" cy="609924"/>
+            <a:off x="8610600" y="6356350"/>
+            <a:ext cx="2743200" cy="365125"/>
           </a:xfrm>
         </p:spPr>
         <p:txBody>
-          <a:bodyPr vert="horz" lIns="91440" tIns="45720" rIns="91440" bIns="45720" rtlCol="0">
-            <a:normAutofit/>
+          <a:bodyPr rtlCol="0">
+            <a:noAutofit/>
           </a:bodyPr>
           <a:lstStyle/>
           <a:p>
-            <a:pPr>
+            <a:pPr rtl="0">
               <a:spcAft>
                 <a:spcPts val="600"/>
               </a:spcAft>
             </a:pPr>
             <a:fld id="{B5CEABB6-07DC-46E8-9B57-56EC44A396E5}" type="slidenum">
-              <a:rPr lang="en-US" sz="1800" b="1" smtClean="0"/>
-              <a:pPr>
+              <a:rPr lang="it-IT" sz="1800" b="1" smtClean="0"/>
+              <a:pPr rtl="0">
                 <a:spcAft>
                   <a:spcPts val="600"/>
                 </a:spcAft>
               </a:pPr>
-              <a:t>3</a:t>
+              <a:t>25</a:t>
             </a:fld>
-            <a:endParaRPr lang="en-US" sz="1800" b="1" dirty="0"/>
+            <a:endParaRPr lang="it-IT" sz="1800" b="1" dirty="0"/>
           </a:p>
         </p:txBody>
       </p:sp>
     </p:spTree>
     <p:extLst>
       <p:ext uri="{BB962C8B-B14F-4D97-AF65-F5344CB8AC3E}">
-        <p14:creationId xmlns:p14="http://schemas.microsoft.com/office/powerpoint/2010/main" val="1249612630"/>
+        <p14:creationId xmlns:p14="http://schemas.microsoft.com/office/powerpoint/2010/main" val="2689722702"/>
       </p:ext>
     </p:extLst>
   </p:cSld>
@@ -32315,7 +32707,7 @@
 </p:sld>
 </file>
 
-<file path=ppt/slides/slide4.xml><?xml version="1.0" encoding="utf-8"?>
+<file path=ppt/slides/slide3.xml><?xml version="1.0" encoding="utf-8"?>
 <p:sld xmlns:a="http://schemas.openxmlformats.org/drawingml/2006/main" xmlns:r="http://schemas.openxmlformats.org/officeDocument/2006/relationships" xmlns:p="http://schemas.openxmlformats.org/presentationml/2006/main">
   <p:cSld>
     <p:bg>
@@ -32429,23 +32821,9 @@
           <a:lstStyle/>
           <a:p>
             <a:r>
-              <a:rPr kumimoji="0" lang="it-IT" sz="5400" b="1" i="0" u="none" strike="noStrike" kern="1200" cap="none" spc="0" normalizeH="0" baseline="0" noProof="0" dirty="0">
-                <a:ln>
-                  <a:noFill/>
-                </a:ln>
-                <a:solidFill>
-                  <a:prstClr val="black"/>
-                </a:solidFill>
-                <a:effectLst/>
-                <a:uLnTx/>
-                <a:uFillTx/>
-                <a:latin typeface="Calibri Light" panose="020F0302020204030204"/>
-                <a:ea typeface="+mj-ea"/>
-                <a:cs typeface="+mj-cs"/>
-              </a:rPr>
-              <a:t>Paradigma di Programmazione</a:t>
-            </a:r>
-            <a:endParaRPr lang="en-US" sz="5400" b="1" dirty="0"/>
+              <a:rPr lang="en-US" sz="5400" b="1" dirty="0"/>
+              <a:t>Difficoltà Incontrate</a:t>
+            </a:r>
           </a:p>
         </p:txBody>
       </p:sp>
@@ -33087,38 +33465,125 @@
           </a:p>
         </p:txBody>
       </p:sp>
-      <p:pic>
-        <p:nvPicPr>
-          <p:cNvPr id="3" name="Segnaposto contenuto 2">
+      <p:sp>
+        <p:nvSpPr>
+          <p:cNvPr id="4" name="Content Placeholder 3">
             <a:extLst>
               <a:ext uri="{FF2B5EF4-FFF2-40B4-BE49-F238E27FC236}">
-                <a16:creationId xmlns:a16="http://schemas.microsoft.com/office/drawing/2014/main" id="{B8057E78-C79B-B48E-DB48-B7F3C18B6C3F}"/>
+                <a16:creationId xmlns:a16="http://schemas.microsoft.com/office/drawing/2014/main" id="{0B9BE06A-2A10-766E-30FB-68BA1AE33F20}"/>
               </a:ext>
             </a:extLst>
           </p:cNvPr>
-          <p:cNvPicPr>
-            <a:picLocks noGrp="1" noChangeAspect="1"/>
-          </p:cNvPicPr>
+          <p:cNvSpPr>
+            <a:spLocks noGrp="1"/>
+          </p:cNvSpPr>
           <p:nvPr>
             <p:ph idx="1"/>
           </p:nvPr>
-        </p:nvPicPr>
-        <p:blipFill>
-          <a:blip r:embed="rId3"/>
-          <a:stretch>
-            <a:fillRect/>
-          </a:stretch>
-        </p:blipFill>
+        </p:nvSpPr>
         <p:spPr>
           <a:xfrm>
-            <a:off x="581899" y="1928061"/>
-            <a:ext cx="3355619" cy="2376000"/>
+            <a:off x="838200" y="1929383"/>
+            <a:ext cx="10515600" cy="4435476"/>
           </a:xfrm>
-          <a:prstGeom prst="rect">
-            <a:avLst/>
-          </a:prstGeom>
         </p:spPr>
-      </p:pic>
+        <p:txBody>
+          <a:bodyPr vert="horz" lIns="91440" tIns="45720" rIns="91440" bIns="45720" rtlCol="0">
+            <a:normAutofit fontScale="92500" lnSpcReduction="10000"/>
+          </a:bodyPr>
+          <a:lstStyle/>
+          <a:p>
+            <a:pPr marL="0" indent="0">
+              <a:buNone/>
+            </a:pPr>
+            <a:r>
+              <a:rPr lang="en-US" sz="2200" dirty="0"/>
+              <a:t>Le principali difficolà, incontrate durante la stesura del Progetto, </a:t>
+            </a:r>
+            <a:r>
+              <a:rPr lang="en-US" sz="2200" dirty="0" err="1"/>
+              <a:t>riguardano</a:t>
+            </a:r>
+            <a:r>
+              <a:rPr lang="en-US" sz="2200" dirty="0"/>
+              <a:t>:</a:t>
+            </a:r>
+          </a:p>
+          <a:p>
+            <a:pPr marL="0" indent="0">
+              <a:buNone/>
+            </a:pPr>
+            <a:endParaRPr lang="en-US" sz="2200" dirty="0"/>
+          </a:p>
+          <a:p>
+            <a:r>
+              <a:rPr lang="en-US" sz="2200" dirty="0"/>
+              <a:t>Coordinamento tra i componenti del team, soprattutto a livello temporale e gestione del lavoro. </a:t>
+            </a:r>
+          </a:p>
+          <a:p>
+            <a:endParaRPr lang="en-US" sz="2200" dirty="0"/>
+          </a:p>
+          <a:p>
+            <a:r>
+              <a:rPr lang="en-US" sz="2200" dirty="0"/>
+              <a:t>Ottenere un programma software che risponda a tutti i requisiti (del </a:t>
+            </a:r>
+            <a:r>
+              <a:rPr lang="en-US" sz="2200" dirty="0" err="1"/>
+              <a:t>sistema</a:t>
+            </a:r>
+            <a:r>
+              <a:rPr lang="en-US" sz="2200" dirty="0"/>
+              <a:t> e </a:t>
+            </a:r>
+            <a:r>
+              <a:rPr lang="en-US" sz="2200" dirty="0" err="1"/>
+              <a:t>dell’utente</a:t>
+            </a:r>
+            <a:r>
+              <a:rPr lang="en-US" sz="2200" dirty="0"/>
+              <a:t>).</a:t>
+            </a:r>
+          </a:p>
+          <a:p>
+            <a:endParaRPr lang="en-US" sz="2200" dirty="0"/>
+          </a:p>
+          <a:p>
+            <a:r>
+              <a:rPr lang="en-US" sz="2200" dirty="0"/>
+              <a:t>Conflitto nell’utilizzo di GitHub.</a:t>
+            </a:r>
+          </a:p>
+          <a:p>
+            <a:endParaRPr lang="en-US" sz="2200" dirty="0"/>
+          </a:p>
+          <a:p>
+            <a:r>
+              <a:rPr lang="en-US" sz="2200" dirty="0"/>
+              <a:t>Possibilità di non consegnare in tempo il Progetto, causa ritardo nella realizzazione delle singole parti del programma.</a:t>
+            </a:r>
+          </a:p>
+          <a:p>
+            <a:pPr marL="0" indent="0">
+              <a:buNone/>
+            </a:pPr>
+            <a:endParaRPr lang="en-US" sz="2200" dirty="0"/>
+          </a:p>
+          <a:p>
+            <a:r>
+              <a:rPr lang="en-US" sz="2200" dirty="0"/>
+              <a:t>Difficoltà nell’intuire quali tool e pattern sono stati utilizzati nella stesura del progetto.</a:t>
+            </a:r>
+          </a:p>
+          <a:p>
+            <a:endParaRPr lang="en-US" sz="2000" dirty="0"/>
+          </a:p>
+          <a:p>
+            <a:endParaRPr lang="en-US" sz="2000" dirty="0"/>
+          </a:p>
+        </p:txBody>
+      </p:sp>
       <p:sp>
         <p:nvSpPr>
           <p:cNvPr id="82" name="Segnaposto numero diapositiva 81">
@@ -33137,8 +33602,8 @@
         </p:nvSpPr>
         <p:spPr>
           <a:xfrm>
-            <a:off x="8610600" y="6140374"/>
-            <a:ext cx="2743200" cy="581101"/>
+            <a:off x="10303297" y="6189685"/>
+            <a:ext cx="1468079" cy="609924"/>
           </a:xfrm>
         </p:spPr>
         <p:txBody>
@@ -33159,181 +33624,16 @@
                   <a:spcPts val="600"/>
                 </a:spcAft>
               </a:pPr>
-              <a:t>4</a:t>
+              <a:t>3</a:t>
             </a:fld>
             <a:endParaRPr lang="en-US" sz="1800" b="1" dirty="0"/>
-          </a:p>
-        </p:txBody>
-      </p:sp>
-      <p:pic>
-        <p:nvPicPr>
-          <p:cNvPr id="6" name="Immagine 5">
-            <a:extLst>
-              <a:ext uri="{FF2B5EF4-FFF2-40B4-BE49-F238E27FC236}">
-                <a16:creationId xmlns:a16="http://schemas.microsoft.com/office/drawing/2014/main" id="{DE0CC97B-A6DE-8CA6-E657-2E691E6C3F77}"/>
-              </a:ext>
-            </a:extLst>
-          </p:cNvPr>
-          <p:cNvPicPr>
-            <a:picLocks noChangeAspect="1"/>
-          </p:cNvPicPr>
-          <p:nvPr/>
-        </p:nvPicPr>
-        <p:blipFill>
-          <a:blip r:embed="rId4"/>
-          <a:stretch>
-            <a:fillRect/>
-          </a:stretch>
-        </p:blipFill>
-        <p:spPr>
-          <a:xfrm>
-            <a:off x="5105431" y="1985560"/>
-            <a:ext cx="2438400" cy="2438400"/>
-          </a:xfrm>
-          <a:prstGeom prst="rect">
-            <a:avLst/>
-          </a:prstGeom>
-        </p:spPr>
-      </p:pic>
-      <p:pic>
-        <p:nvPicPr>
-          <p:cNvPr id="7" name="Immagine 6">
-            <a:extLst>
-              <a:ext uri="{FF2B5EF4-FFF2-40B4-BE49-F238E27FC236}">
-                <a16:creationId xmlns:a16="http://schemas.microsoft.com/office/drawing/2014/main" id="{7AE3E7A1-BEDB-D97B-216D-E3415BE206FD}"/>
-              </a:ext>
-            </a:extLst>
-          </p:cNvPr>
-          <p:cNvPicPr>
-            <a:picLocks noChangeAspect="1"/>
-          </p:cNvPicPr>
-          <p:nvPr/>
-        </p:nvPicPr>
-        <p:blipFill>
-          <a:blip r:embed="rId5"/>
-          <a:stretch>
-            <a:fillRect/>
-          </a:stretch>
-        </p:blipFill>
-        <p:spPr>
-          <a:xfrm>
-            <a:off x="9017964" y="1892061"/>
-            <a:ext cx="2448000" cy="2448000"/>
-          </a:xfrm>
-          <a:prstGeom prst="rect">
-            <a:avLst/>
-          </a:prstGeom>
-        </p:spPr>
-      </p:pic>
-      <p:sp>
-        <p:nvSpPr>
-          <p:cNvPr id="5" name="CasellaDiTesto 4">
-            <a:extLst>
-              <a:ext uri="{FF2B5EF4-FFF2-40B4-BE49-F238E27FC236}">
-                <a16:creationId xmlns:a16="http://schemas.microsoft.com/office/drawing/2014/main" id="{94653B8F-ADAC-D01C-5C88-2E369E0B3234}"/>
-              </a:ext>
-            </a:extLst>
-          </p:cNvPr>
-          <p:cNvSpPr txBox="1"/>
-          <p:nvPr/>
-        </p:nvSpPr>
-        <p:spPr>
-          <a:xfrm>
-            <a:off x="1595534" y="4811295"/>
-            <a:ext cx="1073021" cy="369332"/>
-          </a:xfrm>
-          <a:prstGeom prst="rect">
-            <a:avLst/>
-          </a:prstGeom>
-          <a:noFill/>
-        </p:spPr>
-        <p:txBody>
-          <a:bodyPr wrap="square" rtlCol="0">
-            <a:spAutoFit/>
-          </a:bodyPr>
-          <a:lstStyle/>
-          <a:p>
-            <a:r>
-              <a:rPr lang="it-IT" dirty="0"/>
-              <a:t>StarUML</a:t>
-            </a:r>
-          </a:p>
-        </p:txBody>
-      </p:sp>
-      <p:sp>
-        <p:nvSpPr>
-          <p:cNvPr id="8" name="CasellaDiTesto 7">
-            <a:extLst>
-              <a:ext uri="{FF2B5EF4-FFF2-40B4-BE49-F238E27FC236}">
-                <a16:creationId xmlns:a16="http://schemas.microsoft.com/office/drawing/2014/main" id="{364845DF-E527-AE8E-132D-4C86AC60FCAB}"/>
-              </a:ext>
-            </a:extLst>
-          </p:cNvPr>
-          <p:cNvSpPr txBox="1"/>
-          <p:nvPr/>
-        </p:nvSpPr>
-        <p:spPr>
-          <a:xfrm>
-            <a:off x="5592178" y="4811295"/>
-            <a:ext cx="1464906" cy="369332"/>
-          </a:xfrm>
-          <a:prstGeom prst="rect">
-            <a:avLst/>
-          </a:prstGeom>
-          <a:noFill/>
-        </p:spPr>
-        <p:txBody>
-          <a:bodyPr wrap="square" rtlCol="0">
-            <a:spAutoFit/>
-          </a:bodyPr>
-          <a:lstStyle/>
-          <a:p>
-            <a:r>
-              <a:rPr lang="it-IT" dirty="0"/>
-              <a:t>Eclipse IDE</a:t>
-            </a:r>
-          </a:p>
-        </p:txBody>
-      </p:sp>
-      <p:sp>
-        <p:nvSpPr>
-          <p:cNvPr id="9" name="CasellaDiTesto 8">
-            <a:extLst>
-              <a:ext uri="{FF2B5EF4-FFF2-40B4-BE49-F238E27FC236}">
-                <a16:creationId xmlns:a16="http://schemas.microsoft.com/office/drawing/2014/main" id="{DAA31704-DD1F-62C0-B9AA-B224EB28798B}"/>
-              </a:ext>
-            </a:extLst>
-          </p:cNvPr>
-          <p:cNvSpPr txBox="1"/>
-          <p:nvPr/>
-        </p:nvSpPr>
-        <p:spPr>
-          <a:xfrm>
-            <a:off x="9187776" y="4811295"/>
-            <a:ext cx="861293" cy="369332"/>
-          </a:xfrm>
-          <a:prstGeom prst="rect">
-            <a:avLst/>
-          </a:prstGeom>
-          <a:noFill/>
-        </p:spPr>
-        <p:txBody>
-          <a:bodyPr wrap="square" rtlCol="0">
-            <a:spAutoFit/>
-          </a:bodyPr>
-          <a:lstStyle/>
-          <a:p>
-            <a:r>
-              <a:rPr lang="it-IT" dirty="0"/>
-              <a:t>GitHub</a:t>
-            </a:r>
           </a:p>
         </p:txBody>
       </p:sp>
     </p:spTree>
     <p:extLst>
       <p:ext uri="{BB962C8B-B14F-4D97-AF65-F5344CB8AC3E}">
-        <p14:creationId xmlns:p14="http://schemas.microsoft.com/office/powerpoint/2010/main" val="4188911557"/>
+        <p14:creationId xmlns:p14="http://schemas.microsoft.com/office/powerpoint/2010/main" val="1249612630"/>
       </p:ext>
     </p:extLst>
   </p:cSld>
@@ -33343,7 +33643,7 @@
 </p:sld>
 </file>
 
-<file path=ppt/slides/slide5.xml><?xml version="1.0" encoding="utf-8"?>
+<file path=ppt/slides/slide4.xml><?xml version="1.0" encoding="utf-8"?>
 <p:sld xmlns:a="http://schemas.openxmlformats.org/drawingml/2006/main" xmlns:r="http://schemas.openxmlformats.org/officeDocument/2006/relationships" xmlns:p="http://schemas.openxmlformats.org/presentationml/2006/main">
   <p:cSld>
     <p:bg>
@@ -33471,7 +33771,7 @@
                 <a:ea typeface="+mj-ea"/>
                 <a:cs typeface="+mj-cs"/>
               </a:rPr>
-              <a:t>Paradigma di Programmazione: Tools</a:t>
+              <a:t>Paradigma di Programmazione</a:t>
             </a:r>
             <a:endParaRPr lang="en-US" sz="5400" b="1" dirty="0"/>
           </a:p>
@@ -34115,6 +34415,38 @@
           </a:p>
         </p:txBody>
       </p:sp>
+      <p:pic>
+        <p:nvPicPr>
+          <p:cNvPr id="3" name="Segnaposto contenuto 2">
+            <a:extLst>
+              <a:ext uri="{FF2B5EF4-FFF2-40B4-BE49-F238E27FC236}">
+                <a16:creationId xmlns:a16="http://schemas.microsoft.com/office/drawing/2014/main" id="{B8057E78-C79B-B48E-DB48-B7F3C18B6C3F}"/>
+              </a:ext>
+            </a:extLst>
+          </p:cNvPr>
+          <p:cNvPicPr>
+            <a:picLocks noGrp="1" noChangeAspect="1"/>
+          </p:cNvPicPr>
+          <p:nvPr>
+            <p:ph idx="1"/>
+          </p:nvPr>
+        </p:nvPicPr>
+        <p:blipFill>
+          <a:blip r:embed="rId3"/>
+          <a:stretch>
+            <a:fillRect/>
+          </a:stretch>
+        </p:blipFill>
+        <p:spPr>
+          <a:xfrm>
+            <a:off x="581899" y="1928061"/>
+            <a:ext cx="3355619" cy="2376000"/>
+          </a:xfrm>
+          <a:prstGeom prst="rect">
+            <a:avLst/>
+          </a:prstGeom>
+        </p:spPr>
+      </p:pic>
       <p:sp>
         <p:nvSpPr>
           <p:cNvPr id="82" name="Segnaposto numero diapositiva 81">
@@ -34155,18 +34487,78 @@
                   <a:spcPts val="600"/>
                 </a:spcAft>
               </a:pPr>
-              <a:t>5</a:t>
+              <a:t>4</a:t>
             </a:fld>
             <a:endParaRPr lang="en-US" sz="1800" b="1" dirty="0"/>
           </a:p>
         </p:txBody>
       </p:sp>
+      <p:pic>
+        <p:nvPicPr>
+          <p:cNvPr id="6" name="Immagine 5">
+            <a:extLst>
+              <a:ext uri="{FF2B5EF4-FFF2-40B4-BE49-F238E27FC236}">
+                <a16:creationId xmlns:a16="http://schemas.microsoft.com/office/drawing/2014/main" id="{DE0CC97B-A6DE-8CA6-E657-2E691E6C3F77}"/>
+              </a:ext>
+            </a:extLst>
+          </p:cNvPr>
+          <p:cNvPicPr>
+            <a:picLocks noChangeAspect="1"/>
+          </p:cNvPicPr>
+          <p:nvPr/>
+        </p:nvPicPr>
+        <p:blipFill>
+          <a:blip r:embed="rId4"/>
+          <a:stretch>
+            <a:fillRect/>
+          </a:stretch>
+        </p:blipFill>
+        <p:spPr>
+          <a:xfrm>
+            <a:off x="5105431" y="1985560"/>
+            <a:ext cx="2438400" cy="2438400"/>
+          </a:xfrm>
+          <a:prstGeom prst="rect">
+            <a:avLst/>
+          </a:prstGeom>
+        </p:spPr>
+      </p:pic>
+      <p:pic>
+        <p:nvPicPr>
+          <p:cNvPr id="7" name="Immagine 6">
+            <a:extLst>
+              <a:ext uri="{FF2B5EF4-FFF2-40B4-BE49-F238E27FC236}">
+                <a16:creationId xmlns:a16="http://schemas.microsoft.com/office/drawing/2014/main" id="{7AE3E7A1-BEDB-D97B-216D-E3415BE206FD}"/>
+              </a:ext>
+            </a:extLst>
+          </p:cNvPr>
+          <p:cNvPicPr>
+            <a:picLocks noChangeAspect="1"/>
+          </p:cNvPicPr>
+          <p:nvPr/>
+        </p:nvPicPr>
+        <p:blipFill>
+          <a:blip r:embed="rId5"/>
+          <a:stretch>
+            <a:fillRect/>
+          </a:stretch>
+        </p:blipFill>
+        <p:spPr>
+          <a:xfrm>
+            <a:off x="9017964" y="1892061"/>
+            <a:ext cx="2448000" cy="2448000"/>
+          </a:xfrm>
+          <a:prstGeom prst="rect">
+            <a:avLst/>
+          </a:prstGeom>
+        </p:spPr>
+      </p:pic>
       <p:sp>
         <p:nvSpPr>
-          <p:cNvPr id="11" name="CasellaDiTesto 10">
+          <p:cNvPr id="5" name="CasellaDiTesto 4">
             <a:extLst>
               <a:ext uri="{FF2B5EF4-FFF2-40B4-BE49-F238E27FC236}">
-                <a16:creationId xmlns:a16="http://schemas.microsoft.com/office/drawing/2014/main" id="{C1C708C4-D7EC-7ED8-A397-AF1F95BF1686}"/>
+                <a16:creationId xmlns:a16="http://schemas.microsoft.com/office/drawing/2014/main" id="{94653B8F-ADAC-D01C-5C88-2E369E0B3234}"/>
               </a:ext>
             </a:extLst>
           </p:cNvPr>
@@ -34175,8 +34567,8 @@
         </p:nvSpPr>
         <p:spPr>
           <a:xfrm>
-            <a:off x="838200" y="1884037"/>
-            <a:ext cx="10684764" cy="5047536"/>
+            <a:off x="1595534" y="4811295"/>
+            <a:ext cx="1073021" cy="369332"/>
           </a:xfrm>
           <a:prstGeom prst="rect">
             <a:avLst/>
@@ -34189,213 +34581,87 @@
           </a:bodyPr>
           <a:lstStyle/>
           <a:p>
-            <a:pPr marL="285750" indent="-285750">
-              <a:buFont typeface="Arial" panose="020B0604020202020204" pitchFamily="34" charset="0"/>
-              <a:buChar char="•"/>
-            </a:pPr>
-            <a:r>
-              <a:rPr lang="it-IT" sz="1900" dirty="0"/>
-              <a:t>Utilizzo di </a:t>
-            </a:r>
-            <a:r>
-              <a:rPr lang="it-IT" sz="1900" b="1" dirty="0"/>
+            <a:r>
+              <a:rPr lang="it-IT" dirty="0"/>
+              <a:t>StarUML</a:t>
+            </a:r>
+          </a:p>
+        </p:txBody>
+      </p:sp>
+      <p:sp>
+        <p:nvSpPr>
+          <p:cNvPr id="8" name="CasellaDiTesto 7">
+            <a:extLst>
+              <a:ext uri="{FF2B5EF4-FFF2-40B4-BE49-F238E27FC236}">
+                <a16:creationId xmlns:a16="http://schemas.microsoft.com/office/drawing/2014/main" id="{364845DF-E527-AE8E-132D-4C86AC60FCAB}"/>
+              </a:ext>
+            </a:extLst>
+          </p:cNvPr>
+          <p:cNvSpPr txBox="1"/>
+          <p:nvPr/>
+        </p:nvSpPr>
+        <p:spPr>
+          <a:xfrm>
+            <a:off x="5592178" y="4811295"/>
+            <a:ext cx="1464906" cy="369332"/>
+          </a:xfrm>
+          <a:prstGeom prst="rect">
+            <a:avLst/>
+          </a:prstGeom>
+          <a:noFill/>
+        </p:spPr>
+        <p:txBody>
+          <a:bodyPr wrap="square" rtlCol="0">
+            <a:spAutoFit/>
+          </a:bodyPr>
+          <a:lstStyle/>
+          <a:p>
+            <a:r>
+              <a:rPr lang="it-IT" dirty="0"/>
+              <a:t>Eclipse IDE</a:t>
+            </a:r>
+          </a:p>
+        </p:txBody>
+      </p:sp>
+      <p:sp>
+        <p:nvSpPr>
+          <p:cNvPr id="9" name="CasellaDiTesto 8">
+            <a:extLst>
+              <a:ext uri="{FF2B5EF4-FFF2-40B4-BE49-F238E27FC236}">
+                <a16:creationId xmlns:a16="http://schemas.microsoft.com/office/drawing/2014/main" id="{DAA31704-DD1F-62C0-B9AA-B224EB28798B}"/>
+              </a:ext>
+            </a:extLst>
+          </p:cNvPr>
+          <p:cNvSpPr txBox="1"/>
+          <p:nvPr/>
+        </p:nvSpPr>
+        <p:spPr>
+          <a:xfrm>
+            <a:off x="9187776" y="4811295"/>
+            <a:ext cx="861293" cy="369332"/>
+          </a:xfrm>
+          <a:prstGeom prst="rect">
+            <a:avLst/>
+          </a:prstGeom>
+          <a:noFill/>
+        </p:spPr>
+        <p:txBody>
+          <a:bodyPr wrap="square" rtlCol="0">
+            <a:spAutoFit/>
+          </a:bodyPr>
+          <a:lstStyle/>
+          <a:p>
+            <a:r>
+              <a:rPr lang="it-IT" dirty="0"/>
               <a:t>GitHub</a:t>
             </a:r>
-            <a:r>
-              <a:rPr lang="it-IT" sz="1900" dirty="0"/>
-              <a:t> come strumento prescelto al coordinamento tra i membri del team: le sue caratteristiche di utilizzo consentono di tenere traccia di tutti i componenti e le modifiche apportate (si sfruttano </a:t>
-            </a:r>
-            <a:r>
-              <a:rPr lang="it-IT" sz="1900" i="1" dirty="0"/>
-              <a:t>issue </a:t>
-            </a:r>
-            <a:r>
-              <a:rPr lang="it-IT" sz="1900" dirty="0"/>
-              <a:t>e </a:t>
-            </a:r>
-            <a:r>
-              <a:rPr lang="it-IT" sz="1900" i="1" dirty="0"/>
-              <a:t>branch </a:t>
-            </a:r>
-            <a:r>
-              <a:rPr lang="it-IT" sz="1900" dirty="0"/>
-              <a:t>per organizzare al meglio il lavoro di squadra).</a:t>
-            </a:r>
-          </a:p>
-          <a:p>
-            <a:pPr marL="285750" indent="-285750">
-              <a:buFont typeface="Arial" panose="020B0604020202020204" pitchFamily="34" charset="0"/>
-              <a:buChar char="•"/>
-            </a:pPr>
-            <a:endParaRPr lang="it-IT" sz="1900" dirty="0"/>
-          </a:p>
-          <a:p>
-            <a:pPr marL="285750" indent="-285750">
-              <a:buFont typeface="Arial" panose="020B0604020202020204" pitchFamily="34" charset="0"/>
-              <a:buChar char="•"/>
-            </a:pPr>
-            <a:r>
-              <a:rPr lang="it-IT" sz="1900" dirty="0"/>
-              <a:t>Utilizzo di Linguaggio </a:t>
-            </a:r>
-            <a:r>
-              <a:rPr lang="it-IT" sz="1900" b="1" dirty="0"/>
-              <a:t>Java</a:t>
-            </a:r>
-            <a:r>
-              <a:rPr lang="it-IT" sz="1900" dirty="0"/>
-              <a:t> (alto livello) per la stesura del codice sorgente attraverso l’uso dell’ambiente di lavoro </a:t>
-            </a:r>
-            <a:r>
-              <a:rPr lang="it-IT" sz="1900" b="1" dirty="0"/>
-              <a:t>Eclipse</a:t>
-            </a:r>
-            <a:r>
-              <a:rPr lang="it-IT" sz="1900" dirty="0"/>
-              <a:t>:</a:t>
-            </a:r>
-          </a:p>
-          <a:p>
-            <a:pPr marL="285750" indent="-285750">
-              <a:buFont typeface="Wingdings" panose="05000000000000000000" pitchFamily="2" charset="2"/>
-              <a:buChar char="q"/>
-            </a:pPr>
-            <a:r>
-              <a:rPr lang="it-IT" sz="1900" i="1" dirty="0"/>
-              <a:t>Windowbuilder</a:t>
-            </a:r>
-            <a:r>
-              <a:rPr lang="it-IT" sz="1900" dirty="0"/>
-              <a:t>, per la costruzione di un’interfaccia grafica che risponda ai requisiti del problema, ma che sia, al tempo stesso, di facile utilizzo e comprensibile agli utenti (principalmente medici).</a:t>
-            </a:r>
-          </a:p>
-          <a:p>
-            <a:pPr marL="285750" indent="-285750">
-              <a:buFont typeface="Wingdings" panose="05000000000000000000" pitchFamily="2" charset="2"/>
-              <a:buChar char="q"/>
-            </a:pPr>
-            <a:r>
-              <a:rPr lang="it-IT" sz="1900" i="1" dirty="0"/>
-              <a:t>JUNIT, </a:t>
-            </a:r>
-            <a:r>
-              <a:rPr lang="it-IT" sz="1900" dirty="0"/>
-              <a:t>framework per lo studio e l’esecuzione dei casi di test.</a:t>
-            </a:r>
-            <a:endParaRPr lang="it-IT" sz="1900" i="1" dirty="0"/>
-          </a:p>
-          <a:p>
-            <a:pPr marL="285750" indent="-285750">
-              <a:buFont typeface="Wingdings" panose="05000000000000000000" pitchFamily="2" charset="2"/>
-              <a:buChar char="q"/>
-            </a:pPr>
-            <a:endParaRPr lang="it-IT" sz="1900" b="1" i="1" dirty="0"/>
-          </a:p>
-          <a:p>
-            <a:pPr marL="285750" indent="-285750">
-              <a:buFont typeface="Arial" panose="020B0604020202020204" pitchFamily="34" charset="0"/>
-              <a:buChar char="•"/>
-            </a:pPr>
-            <a:r>
-              <a:rPr lang="it-IT" sz="1900" dirty="0"/>
-              <a:t>Utilizzo di </a:t>
-            </a:r>
-            <a:r>
-              <a:rPr lang="it-IT" sz="1900" b="1" dirty="0"/>
-              <a:t>StarUML</a:t>
-            </a:r>
-            <a:r>
-              <a:rPr lang="it-IT" sz="1900" dirty="0"/>
-              <a:t> per la creazione dei vari diagrammi:</a:t>
-            </a:r>
-          </a:p>
-          <a:p>
-            <a:pPr marL="285750" indent="-285750">
-              <a:buFont typeface="Wingdings" panose="05000000000000000000" pitchFamily="2" charset="2"/>
-              <a:buChar char="q"/>
-            </a:pPr>
-            <a:r>
-              <a:rPr lang="it-IT" sz="1900" i="1" dirty="0"/>
-              <a:t>Use-Case Diagram</a:t>
-            </a:r>
-            <a:r>
-              <a:rPr lang="it-IT" sz="1900" dirty="0"/>
-              <a:t>, definizione di attori e casi d’uso del problema;</a:t>
-            </a:r>
-            <a:endParaRPr lang="it-IT" sz="1900" i="1" dirty="0"/>
-          </a:p>
-          <a:p>
-            <a:pPr marL="285750" indent="-285750">
-              <a:buFont typeface="Wingdings" panose="05000000000000000000" pitchFamily="2" charset="2"/>
-              <a:buChar char="q"/>
-            </a:pPr>
-            <a:r>
-              <a:rPr lang="it-IT" sz="1900" i="1" dirty="0"/>
-              <a:t>Class Diagram</a:t>
-            </a:r>
-            <a:r>
-              <a:rPr lang="it-IT" sz="1900" dirty="0"/>
-              <a:t>, definizione delle classi del sistema, con annessi attributi, operazioni e associazioni;</a:t>
-            </a:r>
-            <a:endParaRPr lang="it-IT" sz="1900" i="1" dirty="0"/>
-          </a:p>
-          <a:p>
-            <a:pPr marL="285750" indent="-285750">
-              <a:buFont typeface="Wingdings" panose="05000000000000000000" pitchFamily="2" charset="2"/>
-              <a:buChar char="q"/>
-            </a:pPr>
-            <a:r>
-              <a:rPr lang="it-IT" sz="1900" i="1" dirty="0"/>
-              <a:t>State-Chart Diagram, </a:t>
-            </a:r>
-            <a:r>
-              <a:rPr lang="it-IT" sz="1900" dirty="0"/>
-              <a:t>visualizzazione dello stato del sistema durante il suo utilizzo;</a:t>
-            </a:r>
-          </a:p>
-          <a:p>
-            <a:pPr marL="285750" indent="-285750">
-              <a:buFont typeface="Wingdings" panose="05000000000000000000" pitchFamily="2" charset="2"/>
-              <a:buChar char="q"/>
-            </a:pPr>
-            <a:r>
-              <a:rPr lang="it-IT" sz="1900" i="1" dirty="0"/>
-              <a:t>Sequence Diagram</a:t>
-            </a:r>
-            <a:r>
-              <a:rPr lang="it-IT" sz="1900" dirty="0"/>
-              <a:t>, definizione delle sequenze di azioni effettuate durante l’utilizzo del sistema;</a:t>
-            </a:r>
-            <a:endParaRPr lang="it-IT" sz="1900" i="1" dirty="0"/>
-          </a:p>
-          <a:p>
-            <a:pPr marL="285750" indent="-285750">
-              <a:buFont typeface="Wingdings" panose="05000000000000000000" pitchFamily="2" charset="2"/>
-              <a:buChar char="q"/>
-            </a:pPr>
-            <a:r>
-              <a:rPr lang="it-IT" sz="1900" i="1" dirty="0"/>
-              <a:t>Activity Diagram,</a:t>
-            </a:r>
-            <a:r>
-              <a:rPr lang="it-IT" sz="1900" dirty="0"/>
-              <a:t> definizione delle varie attività svolte da uno o più soggetti;</a:t>
-            </a:r>
-            <a:endParaRPr lang="it-IT" sz="1900" i="1" dirty="0"/>
-          </a:p>
-          <a:p>
-            <a:pPr marL="285750" indent="-285750">
-              <a:buFont typeface="Wingdings" panose="05000000000000000000" pitchFamily="2" charset="2"/>
-              <a:buChar char="q"/>
-            </a:pPr>
-            <a:endParaRPr lang="it-IT" i="1" dirty="0"/>
           </a:p>
         </p:txBody>
       </p:sp>
     </p:spTree>
     <p:extLst>
       <p:ext uri="{BB962C8B-B14F-4D97-AF65-F5344CB8AC3E}">
-        <p14:creationId xmlns:p14="http://schemas.microsoft.com/office/powerpoint/2010/main" val="112244765"/>
+        <p14:creationId xmlns:p14="http://schemas.microsoft.com/office/powerpoint/2010/main" val="4188911557"/>
       </p:ext>
     </p:extLst>
   </p:cSld>
@@ -34405,7 +34671,7 @@
 </p:sld>
 </file>
 
-<file path=ppt/slides/slide6.xml><?xml version="1.0" encoding="utf-8"?>
+<file path=ppt/slides/slide5.xml><?xml version="1.0" encoding="utf-8"?>
 <p:sld xmlns:a="http://schemas.openxmlformats.org/drawingml/2006/main" xmlns:r="http://schemas.openxmlformats.org/officeDocument/2006/relationships" xmlns:p="http://schemas.openxmlformats.org/presentationml/2006/main">
   <p:cSld>
     <p:bg>
@@ -34418,13 +34684,7 @@
     </p:bg>
     <p:spTree>
       <p:nvGrpSpPr>
-        <p:cNvPr id="1" name="">
-          <a:extLst>
-            <a:ext uri="{FF2B5EF4-FFF2-40B4-BE49-F238E27FC236}">
-              <a16:creationId xmlns:a16="http://schemas.microsoft.com/office/drawing/2014/main" id="{BF8BBA2B-BE91-C2EE-1FE0-C361162FF36D}"/>
-            </a:ext>
-          </a:extLst>
-        </p:cNvPr>
+        <p:cNvPr id="1" name=""/>
         <p:cNvGrpSpPr/>
         <p:nvPr/>
       </p:nvGrpSpPr>
@@ -34441,7 +34701,7 @@
           <p:cNvPr id="98" name="Rectangle 100">
             <a:extLst>
               <a:ext uri="{FF2B5EF4-FFF2-40B4-BE49-F238E27FC236}">
-                <a16:creationId xmlns:a16="http://schemas.microsoft.com/office/drawing/2014/main" id="{A923AE64-B99D-0BAC-49DF-519E23056EAE}"/>
+                <a16:creationId xmlns:a16="http://schemas.microsoft.com/office/drawing/2014/main" id="{100EDD19-6802-4EC3-95CE-CFFAB042CFD6}"/>
               </a:ext>
               <a:ext uri="{C183D7F6-B498-43B3-948B-1728B52AA6E4}">
                 <adec:decorative xmlns:adec="http://schemas.microsoft.com/office/drawing/2017/decorative" val="1"/>
@@ -34501,7 +34761,7 @@
           <p:cNvPr id="2" name="Titolo 1">
             <a:extLst>
               <a:ext uri="{FF2B5EF4-FFF2-40B4-BE49-F238E27FC236}">
-                <a16:creationId xmlns:a16="http://schemas.microsoft.com/office/drawing/2014/main" id="{5C0732DC-408E-D606-584F-25FC553B9A11}"/>
+                <a16:creationId xmlns:a16="http://schemas.microsoft.com/office/drawing/2014/main" id="{75031FE9-9059-4FE8-B4AC-9771F23A1B89}"/>
               </a:ext>
             </a:extLst>
           </p:cNvPr>
@@ -34550,7 +34810,7 @@
           <p:cNvPr id="100" name="sketch line">
             <a:extLst>
               <a:ext uri="{FF2B5EF4-FFF2-40B4-BE49-F238E27FC236}">
-                <a16:creationId xmlns:a16="http://schemas.microsoft.com/office/drawing/2014/main" id="{E142B649-A08B-3709-5F51-868064DCC2A1}"/>
+                <a16:creationId xmlns:a16="http://schemas.microsoft.com/office/drawing/2014/main" id="{DB17E863-922E-4C26-BD64-E8FD41D28661}"/>
               </a:ext>
               <a:ext uri="{C183D7F6-B498-43B3-948B-1728B52AA6E4}">
                 <adec:decorative xmlns:adec="http://schemas.microsoft.com/office/drawing/2017/decorative" val="1"/>
@@ -35188,7 +35448,7 @@
           <p:cNvPr id="82" name="Segnaposto numero diapositiva 81">
             <a:extLst>
               <a:ext uri="{FF2B5EF4-FFF2-40B4-BE49-F238E27FC236}">
-                <a16:creationId xmlns:a16="http://schemas.microsoft.com/office/drawing/2014/main" id="{98F240AB-B85A-819A-7032-59F09154561A}"/>
+                <a16:creationId xmlns:a16="http://schemas.microsoft.com/office/drawing/2014/main" id="{CE36A058-BEC2-4BC5-A467-F2EB2A365051}"/>
               </a:ext>
             </a:extLst>
           </p:cNvPr>
@@ -35223,7 +35483,7 @@
                   <a:spcPts val="600"/>
                 </a:spcAft>
               </a:pPr>
-              <a:t>6</a:t>
+              <a:t>5</a:t>
             </a:fld>
             <a:endParaRPr lang="en-US" sz="1800" b="1" dirty="0"/>
           </a:p>
@@ -35234,7 +35494,7 @@
           <p:cNvPr id="11" name="CasellaDiTesto 10">
             <a:extLst>
               <a:ext uri="{FF2B5EF4-FFF2-40B4-BE49-F238E27FC236}">
-                <a16:creationId xmlns:a16="http://schemas.microsoft.com/office/drawing/2014/main" id="{AAAC9B74-463D-3112-DFEE-C3D0560A5363}"/>
+                <a16:creationId xmlns:a16="http://schemas.microsoft.com/office/drawing/2014/main" id="{C1C708C4-D7EC-7ED8-A397-AF1F95BF1686}"/>
               </a:ext>
             </a:extLst>
           </p:cNvPr>
@@ -35243,8 +35503,8 @@
         </p:nvSpPr>
         <p:spPr>
           <a:xfrm>
-            <a:off x="669036" y="1871147"/>
-            <a:ext cx="10684764" cy="4247317"/>
+            <a:off x="838200" y="1884037"/>
+            <a:ext cx="10684764" cy="5047536"/>
           </a:xfrm>
           <a:prstGeom prst="rect">
             <a:avLst/>
@@ -35262,6 +35522,1074 @@
               <a:buChar char="•"/>
             </a:pPr>
             <a:r>
+              <a:rPr lang="it-IT" sz="1900" dirty="0"/>
+              <a:t>Utilizzo di </a:t>
+            </a:r>
+            <a:r>
+              <a:rPr lang="it-IT" sz="1900" b="1" dirty="0"/>
+              <a:t>GitHub</a:t>
+            </a:r>
+            <a:r>
+              <a:rPr lang="it-IT" sz="1900" dirty="0"/>
+              <a:t> come strumento prescelto al coordinamento tra i membri del team: le sue caratteristiche di utilizzo consentono di tenere traccia di tutti i componenti e le modifiche apportate (si sfruttano </a:t>
+            </a:r>
+            <a:r>
+              <a:rPr lang="it-IT" sz="1900" i="1" dirty="0"/>
+              <a:t>issue </a:t>
+            </a:r>
+            <a:r>
+              <a:rPr lang="it-IT" sz="1900" dirty="0"/>
+              <a:t>e </a:t>
+            </a:r>
+            <a:r>
+              <a:rPr lang="it-IT" sz="1900" i="1" dirty="0"/>
+              <a:t>branch </a:t>
+            </a:r>
+            <a:r>
+              <a:rPr lang="it-IT" sz="1900" dirty="0"/>
+              <a:t>per organizzare al meglio il lavoro di squadra).</a:t>
+            </a:r>
+          </a:p>
+          <a:p>
+            <a:pPr marL="285750" indent="-285750">
+              <a:buFont typeface="Arial" panose="020B0604020202020204" pitchFamily="34" charset="0"/>
+              <a:buChar char="•"/>
+            </a:pPr>
+            <a:endParaRPr lang="it-IT" sz="1900" dirty="0"/>
+          </a:p>
+          <a:p>
+            <a:pPr marL="285750" indent="-285750">
+              <a:buFont typeface="Arial" panose="020B0604020202020204" pitchFamily="34" charset="0"/>
+              <a:buChar char="•"/>
+            </a:pPr>
+            <a:r>
+              <a:rPr lang="it-IT" sz="1900" dirty="0"/>
+              <a:t>Utilizzo di Linguaggio </a:t>
+            </a:r>
+            <a:r>
+              <a:rPr lang="it-IT" sz="1900" b="1" dirty="0"/>
+              <a:t>Java</a:t>
+            </a:r>
+            <a:r>
+              <a:rPr lang="it-IT" sz="1900" dirty="0"/>
+              <a:t> (alto livello) per la stesura del codice sorgente attraverso l’uso dell’ambiente di lavoro </a:t>
+            </a:r>
+            <a:r>
+              <a:rPr lang="it-IT" sz="1900" b="1" dirty="0"/>
+              <a:t>Eclipse</a:t>
+            </a:r>
+            <a:r>
+              <a:rPr lang="it-IT" sz="1900" dirty="0"/>
+              <a:t>:</a:t>
+            </a:r>
+          </a:p>
+          <a:p>
+            <a:pPr marL="285750" indent="-285750">
+              <a:buFont typeface="Wingdings" panose="05000000000000000000" pitchFamily="2" charset="2"/>
+              <a:buChar char="q"/>
+            </a:pPr>
+            <a:r>
+              <a:rPr lang="it-IT" sz="1900" i="1" dirty="0"/>
+              <a:t>Windowbuilder</a:t>
+            </a:r>
+            <a:r>
+              <a:rPr lang="it-IT" sz="1900" dirty="0"/>
+              <a:t>, per la costruzione di un’interfaccia grafica che risponda ai requisiti del problema, ma che sia, al tempo stesso, di facile utilizzo e comprensibile agli utenti (principalmente medici).</a:t>
+            </a:r>
+          </a:p>
+          <a:p>
+            <a:pPr marL="285750" indent="-285750">
+              <a:buFont typeface="Wingdings" panose="05000000000000000000" pitchFamily="2" charset="2"/>
+              <a:buChar char="q"/>
+            </a:pPr>
+            <a:r>
+              <a:rPr lang="it-IT" sz="1900" i="1" dirty="0"/>
+              <a:t>JUNIT, </a:t>
+            </a:r>
+            <a:r>
+              <a:rPr lang="it-IT" sz="1900" dirty="0"/>
+              <a:t>framework per lo studio e l’esecuzione dei casi di test.</a:t>
+            </a:r>
+            <a:endParaRPr lang="it-IT" sz="1900" i="1" dirty="0"/>
+          </a:p>
+          <a:p>
+            <a:pPr marL="285750" indent="-285750">
+              <a:buFont typeface="Wingdings" panose="05000000000000000000" pitchFamily="2" charset="2"/>
+              <a:buChar char="q"/>
+            </a:pPr>
+            <a:endParaRPr lang="it-IT" sz="1900" b="1" i="1" dirty="0"/>
+          </a:p>
+          <a:p>
+            <a:pPr marL="285750" indent="-285750">
+              <a:buFont typeface="Arial" panose="020B0604020202020204" pitchFamily="34" charset="0"/>
+              <a:buChar char="•"/>
+            </a:pPr>
+            <a:r>
+              <a:rPr lang="it-IT" sz="1900" dirty="0"/>
+              <a:t>Utilizzo di </a:t>
+            </a:r>
+            <a:r>
+              <a:rPr lang="it-IT" sz="1900" b="1" dirty="0"/>
+              <a:t>StarUML</a:t>
+            </a:r>
+            <a:r>
+              <a:rPr lang="it-IT" sz="1900" dirty="0"/>
+              <a:t> per la creazione dei vari diagrammi:</a:t>
+            </a:r>
+          </a:p>
+          <a:p>
+            <a:pPr marL="285750" indent="-285750">
+              <a:buFont typeface="Wingdings" panose="05000000000000000000" pitchFamily="2" charset="2"/>
+              <a:buChar char="q"/>
+            </a:pPr>
+            <a:r>
+              <a:rPr lang="it-IT" sz="1900" i="1" dirty="0"/>
+              <a:t>Use-Case Diagram</a:t>
+            </a:r>
+            <a:r>
+              <a:rPr lang="it-IT" sz="1900" dirty="0"/>
+              <a:t>, definizione di attori e casi d’uso del problema;</a:t>
+            </a:r>
+            <a:endParaRPr lang="it-IT" sz="1900" i="1" dirty="0"/>
+          </a:p>
+          <a:p>
+            <a:pPr marL="285750" indent="-285750">
+              <a:buFont typeface="Wingdings" panose="05000000000000000000" pitchFamily="2" charset="2"/>
+              <a:buChar char="q"/>
+            </a:pPr>
+            <a:r>
+              <a:rPr lang="it-IT" sz="1900" i="1" dirty="0"/>
+              <a:t>Class Diagram</a:t>
+            </a:r>
+            <a:r>
+              <a:rPr lang="it-IT" sz="1900" dirty="0"/>
+              <a:t>, definizione delle classi del sistema, con annessi attributi, operazioni e associazioni;</a:t>
+            </a:r>
+            <a:endParaRPr lang="it-IT" sz="1900" i="1" dirty="0"/>
+          </a:p>
+          <a:p>
+            <a:pPr marL="285750" indent="-285750">
+              <a:buFont typeface="Wingdings" panose="05000000000000000000" pitchFamily="2" charset="2"/>
+              <a:buChar char="q"/>
+            </a:pPr>
+            <a:r>
+              <a:rPr lang="it-IT" sz="1900" i="1" dirty="0"/>
+              <a:t>State-Chart Diagram, </a:t>
+            </a:r>
+            <a:r>
+              <a:rPr lang="it-IT" sz="1900" dirty="0"/>
+              <a:t>visualizzazione dello stato del sistema durante il suo utilizzo;</a:t>
+            </a:r>
+          </a:p>
+          <a:p>
+            <a:pPr marL="285750" indent="-285750">
+              <a:buFont typeface="Wingdings" panose="05000000000000000000" pitchFamily="2" charset="2"/>
+              <a:buChar char="q"/>
+            </a:pPr>
+            <a:r>
+              <a:rPr lang="it-IT" sz="1900" i="1" dirty="0"/>
+              <a:t>Sequence Diagram</a:t>
+            </a:r>
+            <a:r>
+              <a:rPr lang="it-IT" sz="1900" dirty="0"/>
+              <a:t>, definizione delle sequenze di azioni effettuate durante l’utilizzo del sistema;</a:t>
+            </a:r>
+            <a:endParaRPr lang="it-IT" sz="1900" i="1" dirty="0"/>
+          </a:p>
+          <a:p>
+            <a:pPr marL="285750" indent="-285750">
+              <a:buFont typeface="Wingdings" panose="05000000000000000000" pitchFamily="2" charset="2"/>
+              <a:buChar char="q"/>
+            </a:pPr>
+            <a:r>
+              <a:rPr lang="it-IT" sz="1900" i="1" dirty="0"/>
+              <a:t>Activity Diagram,</a:t>
+            </a:r>
+            <a:r>
+              <a:rPr lang="it-IT" sz="1900" dirty="0"/>
+              <a:t> definizione delle varie attività svolte da uno o più soggetti;</a:t>
+            </a:r>
+            <a:endParaRPr lang="it-IT" sz="1900" i="1" dirty="0"/>
+          </a:p>
+          <a:p>
+            <a:pPr marL="285750" indent="-285750">
+              <a:buFont typeface="Wingdings" panose="05000000000000000000" pitchFamily="2" charset="2"/>
+              <a:buChar char="q"/>
+            </a:pPr>
+            <a:endParaRPr lang="it-IT" i="1" dirty="0"/>
+          </a:p>
+        </p:txBody>
+      </p:sp>
+    </p:spTree>
+    <p:extLst>
+      <p:ext uri="{BB962C8B-B14F-4D97-AF65-F5344CB8AC3E}">
+        <p14:creationId xmlns:p14="http://schemas.microsoft.com/office/powerpoint/2010/main" val="112244765"/>
+      </p:ext>
+    </p:extLst>
+  </p:cSld>
+  <p:clrMapOvr>
+    <a:masterClrMapping/>
+  </p:clrMapOvr>
+</p:sld>
+</file>
+
+<file path=ppt/slides/slide6.xml><?xml version="1.0" encoding="utf-8"?>
+<p:sld xmlns:a="http://schemas.openxmlformats.org/drawingml/2006/main" xmlns:r="http://schemas.openxmlformats.org/officeDocument/2006/relationships" xmlns:p="http://schemas.openxmlformats.org/presentationml/2006/main">
+  <p:cSld>
+    <p:bg>
+      <p:bgPr>
+        <a:solidFill>
+          <a:schemeClr val="bg1"/>
+        </a:solidFill>
+        <a:effectLst/>
+      </p:bgPr>
+    </p:bg>
+    <p:spTree>
+      <p:nvGrpSpPr>
+        <p:cNvPr id="1" name="">
+          <a:extLst>
+            <a:ext uri="{FF2B5EF4-FFF2-40B4-BE49-F238E27FC236}">
+              <a16:creationId xmlns:a16="http://schemas.microsoft.com/office/drawing/2014/main" id="{BF8BBA2B-BE91-C2EE-1FE0-C361162FF36D}"/>
+            </a:ext>
+          </a:extLst>
+        </p:cNvPr>
+        <p:cNvGrpSpPr/>
+        <p:nvPr/>
+      </p:nvGrpSpPr>
+      <p:grpSpPr>
+        <a:xfrm>
+          <a:off x="0" y="0"/>
+          <a:ext cx="0" cy="0"/>
+          <a:chOff x="0" y="0"/>
+          <a:chExt cx="0" cy="0"/>
+        </a:xfrm>
+      </p:grpSpPr>
+      <p:sp useBgFill="1">
+        <p:nvSpPr>
+          <p:cNvPr id="98" name="Rectangle 100">
+            <a:extLst>
+              <a:ext uri="{FF2B5EF4-FFF2-40B4-BE49-F238E27FC236}">
+                <a16:creationId xmlns:a16="http://schemas.microsoft.com/office/drawing/2014/main" id="{A923AE64-B99D-0BAC-49DF-519E23056EAE}"/>
+              </a:ext>
+              <a:ext uri="{C183D7F6-B498-43B3-948B-1728B52AA6E4}">
+                <adec:decorative xmlns:adec="http://schemas.microsoft.com/office/drawing/2017/decorative" val="1"/>
+              </a:ext>
+            </a:extLst>
+          </p:cNvPr>
+          <p:cNvSpPr>
+            <a:spLocks noGrp="1" noRot="1" noChangeAspect="1" noMove="1" noResize="1" noEditPoints="1" noAdjustHandles="1" noChangeArrowheads="1" noChangeShapeType="1" noTextEdit="1"/>
+          </p:cNvSpPr>
+          <p:nvPr>
+            <p:extLst>
+              <p:ext uri="{386F3935-93C4-4BCD-93E2-E3B085C9AB24}">
+                <p16:designElem xmlns:p16="http://schemas.microsoft.com/office/powerpoint/2015/main" val="1"/>
+              </p:ext>
+            </p:extLst>
+          </p:nvPr>
+        </p:nvSpPr>
+        <p:spPr>
+          <a:xfrm>
+            <a:off x="0" y="0"/>
+            <a:ext cx="12188952" cy="6858000"/>
+          </a:xfrm>
+          <a:prstGeom prst="rect">
+            <a:avLst/>
+          </a:prstGeom>
+          <a:ln>
+            <a:noFill/>
+          </a:ln>
+        </p:spPr>
+        <p:style>
+          <a:lnRef idx="2">
+            <a:schemeClr val="accent1">
+              <a:shade val="50000"/>
+            </a:schemeClr>
+          </a:lnRef>
+          <a:fillRef idx="1">
+            <a:schemeClr val="accent1"/>
+          </a:fillRef>
+          <a:effectRef idx="0">
+            <a:schemeClr val="accent1"/>
+          </a:effectRef>
+          <a:fontRef idx="minor">
+            <a:schemeClr val="lt1"/>
+          </a:fontRef>
+        </p:style>
+        <p:txBody>
+          <a:bodyPr rtlCol="0" anchor="ctr"/>
+          <a:lstStyle/>
+          <a:p>
+            <a:pPr algn="ctr"/>
+            <a:endParaRPr lang="en-US" dirty="0"/>
+          </a:p>
+        </p:txBody>
+      </p:sp>
+      <p:sp>
+        <p:nvSpPr>
+          <p:cNvPr id="2" name="Titolo 1">
+            <a:extLst>
+              <a:ext uri="{FF2B5EF4-FFF2-40B4-BE49-F238E27FC236}">
+                <a16:creationId xmlns:a16="http://schemas.microsoft.com/office/drawing/2014/main" id="{5C0732DC-408E-D606-584F-25FC553B9A11}"/>
+              </a:ext>
+            </a:extLst>
+          </p:cNvPr>
+          <p:cNvSpPr>
+            <a:spLocks noGrp="1"/>
+          </p:cNvSpPr>
+          <p:nvPr>
+            <p:ph type="title"/>
+          </p:nvPr>
+        </p:nvSpPr>
+        <p:spPr>
+          <a:xfrm>
+            <a:off x="838200" y="365125"/>
+            <a:ext cx="10515600" cy="1325563"/>
+          </a:xfrm>
+        </p:spPr>
+        <p:txBody>
+          <a:bodyPr vert="horz" lIns="91440" tIns="45720" rIns="91440" bIns="45720" rtlCol="0">
+            <a:normAutofit/>
+          </a:bodyPr>
+          <a:lstStyle/>
+          <a:p>
+            <a:r>
+              <a:rPr kumimoji="0" lang="it-IT" sz="5400" b="1" i="0" u="none" strike="noStrike" kern="1200" cap="none" spc="0" normalizeH="0" baseline="0" noProof="0" dirty="0">
+                <a:ln>
+                  <a:noFill/>
+                </a:ln>
+                <a:solidFill>
+                  <a:prstClr val="black"/>
+                </a:solidFill>
+                <a:effectLst/>
+                <a:uLnTx/>
+                <a:uFillTx/>
+                <a:latin typeface="Calibri Light" panose="020F0302020204030204"/>
+                <a:ea typeface="+mj-ea"/>
+                <a:cs typeface="+mj-cs"/>
+              </a:rPr>
+              <a:t>Paradigma di Programmazione: Tools</a:t>
+            </a:r>
+            <a:endParaRPr lang="en-US" sz="5400" b="1" dirty="0"/>
+          </a:p>
+        </p:txBody>
+      </p:sp>
+      <p:sp>
+        <p:nvSpPr>
+          <p:cNvPr id="100" name="sketch line">
+            <a:extLst>
+              <a:ext uri="{FF2B5EF4-FFF2-40B4-BE49-F238E27FC236}">
+                <a16:creationId xmlns:a16="http://schemas.microsoft.com/office/drawing/2014/main" id="{E142B649-A08B-3709-5F51-868064DCC2A1}"/>
+              </a:ext>
+              <a:ext uri="{C183D7F6-B498-43B3-948B-1728B52AA6E4}">
+                <adec:decorative xmlns:adec="http://schemas.microsoft.com/office/drawing/2017/decorative" val="1"/>
+              </a:ext>
+            </a:extLst>
+          </p:cNvPr>
+          <p:cNvSpPr>
+            <a:spLocks noGrp="1" noRot="1" noChangeAspect="1" noMove="1" noResize="1" noEditPoints="1" noAdjustHandles="1" noChangeArrowheads="1" noChangeShapeType="1" noTextEdit="1"/>
+          </p:cNvSpPr>
+          <p:nvPr>
+            <p:extLst>
+              <p:ext uri="{386F3935-93C4-4BCD-93E2-E3B085C9AB24}">
+                <p16:designElem xmlns:p16="http://schemas.microsoft.com/office/powerpoint/2015/main" val="1"/>
+              </p:ext>
+            </p:extLst>
+          </p:nvPr>
+        </p:nvSpPr>
+        <p:spPr>
+          <a:xfrm>
+            <a:off x="669036" y="1677373"/>
+            <a:ext cx="10853928" cy="18288"/>
+          </a:xfrm>
+          <a:custGeom>
+            <a:avLst/>
+            <a:gdLst>
+              <a:gd name="connsiteX0" fmla="*/ 0 w 10853928"/>
+              <a:gd name="connsiteY0" fmla="*/ 0 h 18288"/>
+              <a:gd name="connsiteX1" fmla="*/ 461292 w 10853928"/>
+              <a:gd name="connsiteY1" fmla="*/ 0 h 18288"/>
+              <a:gd name="connsiteX2" fmla="*/ 1139662 w 10853928"/>
+              <a:gd name="connsiteY2" fmla="*/ 0 h 18288"/>
+              <a:gd name="connsiteX3" fmla="*/ 1926572 w 10853928"/>
+              <a:gd name="connsiteY3" fmla="*/ 0 h 18288"/>
+              <a:gd name="connsiteX4" fmla="*/ 2279325 w 10853928"/>
+              <a:gd name="connsiteY4" fmla="*/ 0 h 18288"/>
+              <a:gd name="connsiteX5" fmla="*/ 2632078 w 10853928"/>
+              <a:gd name="connsiteY5" fmla="*/ 0 h 18288"/>
+              <a:gd name="connsiteX6" fmla="*/ 3527527 w 10853928"/>
+              <a:gd name="connsiteY6" fmla="*/ 0 h 18288"/>
+              <a:gd name="connsiteX7" fmla="*/ 4205897 w 10853928"/>
+              <a:gd name="connsiteY7" fmla="*/ 0 h 18288"/>
+              <a:gd name="connsiteX8" fmla="*/ 4558650 w 10853928"/>
+              <a:gd name="connsiteY8" fmla="*/ 0 h 18288"/>
+              <a:gd name="connsiteX9" fmla="*/ 5237020 w 10853928"/>
+              <a:gd name="connsiteY9" fmla="*/ 0 h 18288"/>
+              <a:gd name="connsiteX10" fmla="*/ 6132469 w 10853928"/>
+              <a:gd name="connsiteY10" fmla="*/ 0 h 18288"/>
+              <a:gd name="connsiteX11" fmla="*/ 6702301 w 10853928"/>
+              <a:gd name="connsiteY11" fmla="*/ 0 h 18288"/>
+              <a:gd name="connsiteX12" fmla="*/ 7272132 w 10853928"/>
+              <a:gd name="connsiteY12" fmla="*/ 0 h 18288"/>
+              <a:gd name="connsiteX13" fmla="*/ 7950502 w 10853928"/>
+              <a:gd name="connsiteY13" fmla="*/ 0 h 18288"/>
+              <a:gd name="connsiteX14" fmla="*/ 8737412 w 10853928"/>
+              <a:gd name="connsiteY14" fmla="*/ 0 h 18288"/>
+              <a:gd name="connsiteX15" fmla="*/ 9524322 w 10853928"/>
+              <a:gd name="connsiteY15" fmla="*/ 0 h 18288"/>
+              <a:gd name="connsiteX16" fmla="*/ 10853928 w 10853928"/>
+              <a:gd name="connsiteY16" fmla="*/ 0 h 18288"/>
+              <a:gd name="connsiteX17" fmla="*/ 10853928 w 10853928"/>
+              <a:gd name="connsiteY17" fmla="*/ 18288 h 18288"/>
+              <a:gd name="connsiteX18" fmla="*/ 10392636 w 10853928"/>
+              <a:gd name="connsiteY18" fmla="*/ 18288 h 18288"/>
+              <a:gd name="connsiteX19" fmla="*/ 9497187 w 10853928"/>
+              <a:gd name="connsiteY19" fmla="*/ 18288 h 18288"/>
+              <a:gd name="connsiteX20" fmla="*/ 8818817 w 10853928"/>
+              <a:gd name="connsiteY20" fmla="*/ 18288 h 18288"/>
+              <a:gd name="connsiteX21" fmla="*/ 8466064 w 10853928"/>
+              <a:gd name="connsiteY21" fmla="*/ 18288 h 18288"/>
+              <a:gd name="connsiteX22" fmla="*/ 7787693 w 10853928"/>
+              <a:gd name="connsiteY22" fmla="*/ 18288 h 18288"/>
+              <a:gd name="connsiteX23" fmla="*/ 7217862 w 10853928"/>
+              <a:gd name="connsiteY23" fmla="*/ 18288 h 18288"/>
+              <a:gd name="connsiteX24" fmla="*/ 6648031 w 10853928"/>
+              <a:gd name="connsiteY24" fmla="*/ 18288 h 18288"/>
+              <a:gd name="connsiteX25" fmla="*/ 6078200 w 10853928"/>
+              <a:gd name="connsiteY25" fmla="*/ 18288 h 18288"/>
+              <a:gd name="connsiteX26" fmla="*/ 5508368 w 10853928"/>
+              <a:gd name="connsiteY26" fmla="*/ 18288 h 18288"/>
+              <a:gd name="connsiteX27" fmla="*/ 4721459 w 10853928"/>
+              <a:gd name="connsiteY27" fmla="*/ 18288 h 18288"/>
+              <a:gd name="connsiteX28" fmla="*/ 4043088 w 10853928"/>
+              <a:gd name="connsiteY28" fmla="*/ 18288 h 18288"/>
+              <a:gd name="connsiteX29" fmla="*/ 3690336 w 10853928"/>
+              <a:gd name="connsiteY29" fmla="*/ 18288 h 18288"/>
+              <a:gd name="connsiteX30" fmla="*/ 3120504 w 10853928"/>
+              <a:gd name="connsiteY30" fmla="*/ 18288 h 18288"/>
+              <a:gd name="connsiteX31" fmla="*/ 2333595 w 10853928"/>
+              <a:gd name="connsiteY31" fmla="*/ 18288 h 18288"/>
+              <a:gd name="connsiteX32" fmla="*/ 1872303 w 10853928"/>
+              <a:gd name="connsiteY32" fmla="*/ 18288 h 18288"/>
+              <a:gd name="connsiteX33" fmla="*/ 976854 w 10853928"/>
+              <a:gd name="connsiteY33" fmla="*/ 18288 h 18288"/>
+              <a:gd name="connsiteX34" fmla="*/ 0 w 10853928"/>
+              <a:gd name="connsiteY34" fmla="*/ 18288 h 18288"/>
+              <a:gd name="connsiteX35" fmla="*/ 0 w 10853928"/>
+              <a:gd name="connsiteY35" fmla="*/ 0 h 18288"/>
+            </a:gdLst>
+            <a:ahLst/>
+            <a:cxnLst>
+              <a:cxn ang="0">
+                <a:pos x="connsiteX0" y="connsiteY0"/>
+              </a:cxn>
+              <a:cxn ang="0">
+                <a:pos x="connsiteX1" y="connsiteY1"/>
+              </a:cxn>
+              <a:cxn ang="0">
+                <a:pos x="connsiteX2" y="connsiteY2"/>
+              </a:cxn>
+              <a:cxn ang="0">
+                <a:pos x="connsiteX3" y="connsiteY3"/>
+              </a:cxn>
+              <a:cxn ang="0">
+                <a:pos x="connsiteX4" y="connsiteY4"/>
+              </a:cxn>
+              <a:cxn ang="0">
+                <a:pos x="connsiteX5" y="connsiteY5"/>
+              </a:cxn>
+              <a:cxn ang="0">
+                <a:pos x="connsiteX6" y="connsiteY6"/>
+              </a:cxn>
+              <a:cxn ang="0">
+                <a:pos x="connsiteX7" y="connsiteY7"/>
+              </a:cxn>
+              <a:cxn ang="0">
+                <a:pos x="connsiteX8" y="connsiteY8"/>
+              </a:cxn>
+              <a:cxn ang="0">
+                <a:pos x="connsiteX9" y="connsiteY9"/>
+              </a:cxn>
+              <a:cxn ang="0">
+                <a:pos x="connsiteX10" y="connsiteY10"/>
+              </a:cxn>
+              <a:cxn ang="0">
+                <a:pos x="connsiteX11" y="connsiteY11"/>
+              </a:cxn>
+              <a:cxn ang="0">
+                <a:pos x="connsiteX12" y="connsiteY12"/>
+              </a:cxn>
+              <a:cxn ang="0">
+                <a:pos x="connsiteX13" y="connsiteY13"/>
+              </a:cxn>
+              <a:cxn ang="0">
+                <a:pos x="connsiteX14" y="connsiteY14"/>
+              </a:cxn>
+              <a:cxn ang="0">
+                <a:pos x="connsiteX15" y="connsiteY15"/>
+              </a:cxn>
+              <a:cxn ang="0">
+                <a:pos x="connsiteX16" y="connsiteY16"/>
+              </a:cxn>
+              <a:cxn ang="0">
+                <a:pos x="connsiteX17" y="connsiteY17"/>
+              </a:cxn>
+              <a:cxn ang="0">
+                <a:pos x="connsiteX18" y="connsiteY18"/>
+              </a:cxn>
+              <a:cxn ang="0">
+                <a:pos x="connsiteX19" y="connsiteY19"/>
+              </a:cxn>
+              <a:cxn ang="0">
+                <a:pos x="connsiteX20" y="connsiteY20"/>
+              </a:cxn>
+              <a:cxn ang="0">
+                <a:pos x="connsiteX21" y="connsiteY21"/>
+              </a:cxn>
+              <a:cxn ang="0">
+                <a:pos x="connsiteX22" y="connsiteY22"/>
+              </a:cxn>
+              <a:cxn ang="0">
+                <a:pos x="connsiteX23" y="connsiteY23"/>
+              </a:cxn>
+              <a:cxn ang="0">
+                <a:pos x="connsiteX24" y="connsiteY24"/>
+              </a:cxn>
+              <a:cxn ang="0">
+                <a:pos x="connsiteX25" y="connsiteY25"/>
+              </a:cxn>
+              <a:cxn ang="0">
+                <a:pos x="connsiteX26" y="connsiteY26"/>
+              </a:cxn>
+              <a:cxn ang="0">
+                <a:pos x="connsiteX27" y="connsiteY27"/>
+              </a:cxn>
+              <a:cxn ang="0">
+                <a:pos x="connsiteX28" y="connsiteY28"/>
+              </a:cxn>
+              <a:cxn ang="0">
+                <a:pos x="connsiteX29" y="connsiteY29"/>
+              </a:cxn>
+              <a:cxn ang="0">
+                <a:pos x="connsiteX30" y="connsiteY30"/>
+              </a:cxn>
+              <a:cxn ang="0">
+                <a:pos x="connsiteX31" y="connsiteY31"/>
+              </a:cxn>
+              <a:cxn ang="0">
+                <a:pos x="connsiteX32" y="connsiteY32"/>
+              </a:cxn>
+              <a:cxn ang="0">
+                <a:pos x="connsiteX33" y="connsiteY33"/>
+              </a:cxn>
+              <a:cxn ang="0">
+                <a:pos x="connsiteX34" y="connsiteY34"/>
+              </a:cxn>
+              <a:cxn ang="0">
+                <a:pos x="connsiteX35" y="connsiteY35"/>
+              </a:cxn>
+            </a:cxnLst>
+            <a:rect l="l" t="t" r="r" b="b"/>
+            <a:pathLst>
+              <a:path w="10853928" h="18288" fill="none" extrusionOk="0">
+                <a:moveTo>
+                  <a:pt x="0" y="0"/>
+                </a:moveTo>
+                <a:cubicBezTo>
+                  <a:pt x="146993" y="-19076"/>
+                  <a:pt x="347684" y="-4790"/>
+                  <a:pt x="461292" y="0"/>
+                </a:cubicBezTo>
+                <a:cubicBezTo>
+                  <a:pt x="574900" y="4790"/>
+                  <a:pt x="808367" y="19821"/>
+                  <a:pt x="1139662" y="0"/>
+                </a:cubicBezTo>
+                <a:cubicBezTo>
+                  <a:pt x="1470957" y="-19821"/>
+                  <a:pt x="1627405" y="5721"/>
+                  <a:pt x="1926572" y="0"/>
+                </a:cubicBezTo>
+                <a:cubicBezTo>
+                  <a:pt x="2225739" y="-5721"/>
+                  <a:pt x="2137730" y="-3235"/>
+                  <a:pt x="2279325" y="0"/>
+                </a:cubicBezTo>
+                <a:cubicBezTo>
+                  <a:pt x="2420920" y="3235"/>
+                  <a:pt x="2456518" y="9685"/>
+                  <a:pt x="2632078" y="0"/>
+                </a:cubicBezTo>
+                <a:cubicBezTo>
+                  <a:pt x="2807638" y="-9685"/>
+                  <a:pt x="3211516" y="-43007"/>
+                  <a:pt x="3527527" y="0"/>
+                </a:cubicBezTo>
+                <a:cubicBezTo>
+                  <a:pt x="3843538" y="43007"/>
+                  <a:pt x="4058833" y="22042"/>
+                  <a:pt x="4205897" y="0"/>
+                </a:cubicBezTo>
+                <a:cubicBezTo>
+                  <a:pt x="4352961" y="-22042"/>
+                  <a:pt x="4474805" y="-11846"/>
+                  <a:pt x="4558650" y="0"/>
+                </a:cubicBezTo>
+                <a:cubicBezTo>
+                  <a:pt x="4642495" y="11846"/>
+                  <a:pt x="5041928" y="-6069"/>
+                  <a:pt x="5237020" y="0"/>
+                </a:cubicBezTo>
+                <a:cubicBezTo>
+                  <a:pt x="5432112" y="6069"/>
+                  <a:pt x="5943266" y="-17479"/>
+                  <a:pt x="6132469" y="0"/>
+                </a:cubicBezTo>
+                <a:cubicBezTo>
+                  <a:pt x="6321672" y="17479"/>
+                  <a:pt x="6483872" y="26234"/>
+                  <a:pt x="6702301" y="0"/>
+                </a:cubicBezTo>
+                <a:cubicBezTo>
+                  <a:pt x="6920730" y="-26234"/>
+                  <a:pt x="6991194" y="-15156"/>
+                  <a:pt x="7272132" y="0"/>
+                </a:cubicBezTo>
+                <a:cubicBezTo>
+                  <a:pt x="7553070" y="15156"/>
+                  <a:pt x="7684444" y="-32961"/>
+                  <a:pt x="7950502" y="0"/>
+                </a:cubicBezTo>
+                <a:cubicBezTo>
+                  <a:pt x="8216560" y="32961"/>
+                  <a:pt x="8493290" y="-10491"/>
+                  <a:pt x="8737412" y="0"/>
+                </a:cubicBezTo>
+                <a:cubicBezTo>
+                  <a:pt x="8981534" y="10491"/>
+                  <a:pt x="9191586" y="-13899"/>
+                  <a:pt x="9524322" y="0"/>
+                </a:cubicBezTo>
+                <a:cubicBezTo>
+                  <a:pt x="9857058" y="13899"/>
+                  <a:pt x="10297509" y="7485"/>
+                  <a:pt x="10853928" y="0"/>
+                </a:cubicBezTo>
+                <a:cubicBezTo>
+                  <a:pt x="10854574" y="4451"/>
+                  <a:pt x="10854418" y="9226"/>
+                  <a:pt x="10853928" y="18288"/>
+                </a:cubicBezTo>
+                <a:cubicBezTo>
+                  <a:pt x="10691638" y="28522"/>
+                  <a:pt x="10574319" y="29578"/>
+                  <a:pt x="10392636" y="18288"/>
+                </a:cubicBezTo>
+                <a:cubicBezTo>
+                  <a:pt x="10210953" y="6998"/>
+                  <a:pt x="9836277" y="-16742"/>
+                  <a:pt x="9497187" y="18288"/>
+                </a:cubicBezTo>
+                <a:cubicBezTo>
+                  <a:pt x="9158097" y="53318"/>
+                  <a:pt x="9119479" y="30714"/>
+                  <a:pt x="8818817" y="18288"/>
+                </a:cubicBezTo>
+                <a:cubicBezTo>
+                  <a:pt x="8518155" y="5863"/>
+                  <a:pt x="8640037" y="6483"/>
+                  <a:pt x="8466064" y="18288"/>
+                </a:cubicBezTo>
+                <a:cubicBezTo>
+                  <a:pt x="8292091" y="30093"/>
+                  <a:pt x="7997656" y="18914"/>
+                  <a:pt x="7787693" y="18288"/>
+                </a:cubicBezTo>
+                <a:cubicBezTo>
+                  <a:pt x="7577730" y="17662"/>
+                  <a:pt x="7412468" y="21416"/>
+                  <a:pt x="7217862" y="18288"/>
+                </a:cubicBezTo>
+                <a:cubicBezTo>
+                  <a:pt x="7023256" y="15160"/>
+                  <a:pt x="6898018" y="14824"/>
+                  <a:pt x="6648031" y="18288"/>
+                </a:cubicBezTo>
+                <a:cubicBezTo>
+                  <a:pt x="6398044" y="21752"/>
+                  <a:pt x="6254402" y="38625"/>
+                  <a:pt x="6078200" y="18288"/>
+                </a:cubicBezTo>
+                <a:cubicBezTo>
+                  <a:pt x="5901998" y="-2049"/>
+                  <a:pt x="5622886" y="3213"/>
+                  <a:pt x="5508368" y="18288"/>
+                </a:cubicBezTo>
+                <a:cubicBezTo>
+                  <a:pt x="5393850" y="33363"/>
+                  <a:pt x="5036260" y="26830"/>
+                  <a:pt x="4721459" y="18288"/>
+                </a:cubicBezTo>
+                <a:cubicBezTo>
+                  <a:pt x="4406658" y="9746"/>
+                  <a:pt x="4239221" y="41551"/>
+                  <a:pt x="4043088" y="18288"/>
+                </a:cubicBezTo>
+                <a:cubicBezTo>
+                  <a:pt x="3846955" y="-4975"/>
+                  <a:pt x="3818802" y="34658"/>
+                  <a:pt x="3690336" y="18288"/>
+                </a:cubicBezTo>
+                <a:cubicBezTo>
+                  <a:pt x="3561870" y="1918"/>
+                  <a:pt x="3265491" y="42194"/>
+                  <a:pt x="3120504" y="18288"/>
+                </a:cubicBezTo>
+                <a:cubicBezTo>
+                  <a:pt x="2975517" y="-5618"/>
+                  <a:pt x="2720254" y="36673"/>
+                  <a:pt x="2333595" y="18288"/>
+                </a:cubicBezTo>
+                <a:cubicBezTo>
+                  <a:pt x="1946936" y="-97"/>
+                  <a:pt x="2097241" y="5776"/>
+                  <a:pt x="1872303" y="18288"/>
+                </a:cubicBezTo>
+                <a:cubicBezTo>
+                  <a:pt x="1647365" y="30800"/>
+                  <a:pt x="1282708" y="45380"/>
+                  <a:pt x="976854" y="18288"/>
+                </a:cubicBezTo>
+                <a:cubicBezTo>
+                  <a:pt x="671000" y="-8804"/>
+                  <a:pt x="408401" y="-12775"/>
+                  <a:pt x="0" y="18288"/>
+                </a:cubicBezTo>
+                <a:cubicBezTo>
+                  <a:pt x="-213" y="9468"/>
+                  <a:pt x="187" y="4459"/>
+                  <a:pt x="0" y="0"/>
+                </a:cubicBezTo>
+                <a:close/>
+              </a:path>
+              <a:path w="10853928" h="18288" stroke="0" extrusionOk="0">
+                <a:moveTo>
+                  <a:pt x="0" y="0"/>
+                </a:moveTo>
+                <a:cubicBezTo>
+                  <a:pt x="267322" y="15284"/>
+                  <a:pt x="415388" y="-21048"/>
+                  <a:pt x="569831" y="0"/>
+                </a:cubicBezTo>
+                <a:cubicBezTo>
+                  <a:pt x="724274" y="21048"/>
+                  <a:pt x="769333" y="-2353"/>
+                  <a:pt x="922584" y="0"/>
+                </a:cubicBezTo>
+                <a:cubicBezTo>
+                  <a:pt x="1075835" y="2353"/>
+                  <a:pt x="1399490" y="-145"/>
+                  <a:pt x="1818033" y="0"/>
+                </a:cubicBezTo>
+                <a:cubicBezTo>
+                  <a:pt x="2236576" y="145"/>
+                  <a:pt x="2145330" y="5482"/>
+                  <a:pt x="2387864" y="0"/>
+                </a:cubicBezTo>
+                <a:cubicBezTo>
+                  <a:pt x="2630398" y="-5482"/>
+                  <a:pt x="2793207" y="18487"/>
+                  <a:pt x="2957695" y="0"/>
+                </a:cubicBezTo>
+                <a:cubicBezTo>
+                  <a:pt x="3122183" y="-18487"/>
+                  <a:pt x="3579141" y="19003"/>
+                  <a:pt x="3853144" y="0"/>
+                </a:cubicBezTo>
+                <a:cubicBezTo>
+                  <a:pt x="4127147" y="-19003"/>
+                  <a:pt x="4209857" y="12211"/>
+                  <a:pt x="4314436" y="0"/>
+                </a:cubicBezTo>
+                <a:cubicBezTo>
+                  <a:pt x="4419015" y="-12211"/>
+                  <a:pt x="4762459" y="-17220"/>
+                  <a:pt x="5209885" y="0"/>
+                </a:cubicBezTo>
+                <a:cubicBezTo>
+                  <a:pt x="5657311" y="17220"/>
+                  <a:pt x="5692663" y="-3290"/>
+                  <a:pt x="6105335" y="0"/>
+                </a:cubicBezTo>
+                <a:cubicBezTo>
+                  <a:pt x="6518007" y="3290"/>
+                  <a:pt x="6455516" y="-5124"/>
+                  <a:pt x="6783705" y="0"/>
+                </a:cubicBezTo>
+                <a:cubicBezTo>
+                  <a:pt x="7111894" y="5124"/>
+                  <a:pt x="7441941" y="-17829"/>
+                  <a:pt x="7679154" y="0"/>
+                </a:cubicBezTo>
+                <a:cubicBezTo>
+                  <a:pt x="7916367" y="17829"/>
+                  <a:pt x="8102967" y="-24363"/>
+                  <a:pt x="8248985" y="0"/>
+                </a:cubicBezTo>
+                <a:cubicBezTo>
+                  <a:pt x="8395003" y="24363"/>
+                  <a:pt x="8552393" y="25505"/>
+                  <a:pt x="8818817" y="0"/>
+                </a:cubicBezTo>
+                <a:cubicBezTo>
+                  <a:pt x="9085241" y="-25505"/>
+                  <a:pt x="9411308" y="38000"/>
+                  <a:pt x="9605726" y="0"/>
+                </a:cubicBezTo>
+                <a:cubicBezTo>
+                  <a:pt x="9800144" y="-38000"/>
+                  <a:pt x="10006468" y="-25741"/>
+                  <a:pt x="10175558" y="0"/>
+                </a:cubicBezTo>
+                <a:cubicBezTo>
+                  <a:pt x="10344648" y="25741"/>
+                  <a:pt x="10696282" y="695"/>
+                  <a:pt x="10853928" y="0"/>
+                </a:cubicBezTo>
+                <a:cubicBezTo>
+                  <a:pt x="10853521" y="8690"/>
+                  <a:pt x="10853774" y="14141"/>
+                  <a:pt x="10853928" y="18288"/>
+                </a:cubicBezTo>
+                <a:cubicBezTo>
+                  <a:pt x="10608124" y="24255"/>
+                  <a:pt x="10343415" y="22307"/>
+                  <a:pt x="10067018" y="18288"/>
+                </a:cubicBezTo>
+                <a:cubicBezTo>
+                  <a:pt x="9790621" y="14270"/>
+                  <a:pt x="9843266" y="3564"/>
+                  <a:pt x="9714266" y="18288"/>
+                </a:cubicBezTo>
+                <a:cubicBezTo>
+                  <a:pt x="9585266" y="33012"/>
+                  <a:pt x="9379484" y="1875"/>
+                  <a:pt x="9252974" y="18288"/>
+                </a:cubicBezTo>
+                <a:cubicBezTo>
+                  <a:pt x="9126464" y="34701"/>
+                  <a:pt x="8580678" y="-4904"/>
+                  <a:pt x="8357525" y="18288"/>
+                </a:cubicBezTo>
+                <a:cubicBezTo>
+                  <a:pt x="8134372" y="41480"/>
+                  <a:pt x="7903199" y="26458"/>
+                  <a:pt x="7679154" y="18288"/>
+                </a:cubicBezTo>
+                <a:cubicBezTo>
+                  <a:pt x="7455109" y="10118"/>
+                  <a:pt x="7435944" y="27109"/>
+                  <a:pt x="7217862" y="18288"/>
+                </a:cubicBezTo>
+                <a:cubicBezTo>
+                  <a:pt x="6999780" y="9467"/>
+                  <a:pt x="6680409" y="18985"/>
+                  <a:pt x="6539492" y="18288"/>
+                </a:cubicBezTo>
+                <a:cubicBezTo>
+                  <a:pt x="6398575" y="17592"/>
+                  <a:pt x="6312077" y="33018"/>
+                  <a:pt x="6186739" y="18288"/>
+                </a:cubicBezTo>
+                <a:cubicBezTo>
+                  <a:pt x="6061401" y="3558"/>
+                  <a:pt x="5947033" y="12075"/>
+                  <a:pt x="5833986" y="18288"/>
+                </a:cubicBezTo>
+                <a:cubicBezTo>
+                  <a:pt x="5720939" y="24501"/>
+                  <a:pt x="5482226" y="8586"/>
+                  <a:pt x="5155616" y="18288"/>
+                </a:cubicBezTo>
+                <a:cubicBezTo>
+                  <a:pt x="4829006" y="27991"/>
+                  <a:pt x="4841274" y="29316"/>
+                  <a:pt x="4694324" y="18288"/>
+                </a:cubicBezTo>
+                <a:cubicBezTo>
+                  <a:pt x="4547374" y="7260"/>
+                  <a:pt x="4077675" y="7013"/>
+                  <a:pt x="3907414" y="18288"/>
+                </a:cubicBezTo>
+                <a:cubicBezTo>
+                  <a:pt x="3737153" y="29564"/>
+                  <a:pt x="3538393" y="21630"/>
+                  <a:pt x="3446122" y="18288"/>
+                </a:cubicBezTo>
+                <a:cubicBezTo>
+                  <a:pt x="3353851" y="14946"/>
+                  <a:pt x="2990320" y="-8091"/>
+                  <a:pt x="2659212" y="18288"/>
+                </a:cubicBezTo>
+                <a:cubicBezTo>
+                  <a:pt x="2328104" y="44667"/>
+                  <a:pt x="2427653" y="9607"/>
+                  <a:pt x="2306460" y="18288"/>
+                </a:cubicBezTo>
+                <a:cubicBezTo>
+                  <a:pt x="2185267" y="26969"/>
+                  <a:pt x="1719763" y="3717"/>
+                  <a:pt x="1519550" y="18288"/>
+                </a:cubicBezTo>
+                <a:cubicBezTo>
+                  <a:pt x="1319337" y="32860"/>
+                  <a:pt x="1167371" y="17040"/>
+                  <a:pt x="1058258" y="18288"/>
+                </a:cubicBezTo>
+                <a:cubicBezTo>
+                  <a:pt x="949145" y="19536"/>
+                  <a:pt x="780234" y="31447"/>
+                  <a:pt x="705505" y="18288"/>
+                </a:cubicBezTo>
+                <a:cubicBezTo>
+                  <a:pt x="630776" y="5129"/>
+                  <a:pt x="215796" y="30056"/>
+                  <a:pt x="0" y="18288"/>
+                </a:cubicBezTo>
+                <a:cubicBezTo>
+                  <a:pt x="-53" y="11301"/>
+                  <a:pt x="-649" y="7756"/>
+                  <a:pt x="0" y="0"/>
+                </a:cubicBezTo>
+                <a:close/>
+              </a:path>
+            </a:pathLst>
+          </a:custGeom>
+          <a:solidFill>
+            <a:schemeClr val="accent2"/>
+          </a:solidFill>
+          <a:ln w="41275" cap="rnd">
+            <a:solidFill>
+              <a:schemeClr val="accent2"/>
+            </a:solidFill>
+            <a:round/>
+            <a:extLst>
+              <a:ext uri="{C807C97D-BFC1-408E-A445-0C87EB9F89A2}">
+                <ask:lineSketchStyleProps xmlns:ask="http://schemas.microsoft.com/office/drawing/2018/sketchyshapes" sd="1219033472">
+                  <a:prstGeom prst="rect">
+                    <a:avLst/>
+                  </a:prstGeom>
+                  <ask:type>
+                    <ask:lineSketchFreehand/>
+                  </ask:type>
+                </ask:lineSketchStyleProps>
+              </a:ext>
+            </a:extLst>
+          </a:ln>
+        </p:spPr>
+        <p:style>
+          <a:lnRef idx="2">
+            <a:schemeClr val="accent1">
+              <a:shade val="50000"/>
+            </a:schemeClr>
+          </a:lnRef>
+          <a:fillRef idx="1">
+            <a:schemeClr val="accent1"/>
+          </a:fillRef>
+          <a:effectRef idx="0">
+            <a:schemeClr val="accent1"/>
+          </a:effectRef>
+          <a:fontRef idx="minor">
+            <a:schemeClr val="lt1"/>
+          </a:fontRef>
+        </p:style>
+        <p:txBody>
+          <a:bodyPr rtlCol="0" anchor="ctr"/>
+          <a:lstStyle/>
+          <a:p>
+            <a:pPr algn="ctr"/>
+            <a:endParaRPr lang="en-US" dirty="0"/>
+          </a:p>
+        </p:txBody>
+      </p:sp>
+      <p:sp>
+        <p:nvSpPr>
+          <p:cNvPr id="82" name="Segnaposto numero diapositiva 81">
+            <a:extLst>
+              <a:ext uri="{FF2B5EF4-FFF2-40B4-BE49-F238E27FC236}">
+                <a16:creationId xmlns:a16="http://schemas.microsoft.com/office/drawing/2014/main" id="{98F240AB-B85A-819A-7032-59F09154561A}"/>
+              </a:ext>
+            </a:extLst>
+          </p:cNvPr>
+          <p:cNvSpPr>
+            <a:spLocks noGrp="1"/>
+          </p:cNvSpPr>
+          <p:nvPr>
+            <p:ph type="sldNum" sz="quarter" idx="12"/>
+          </p:nvPr>
+        </p:nvSpPr>
+        <p:spPr>
+          <a:xfrm>
+            <a:off x="8610600" y="6140374"/>
+            <a:ext cx="2743200" cy="581101"/>
+          </a:xfrm>
+        </p:spPr>
+        <p:txBody>
+          <a:bodyPr vert="horz" lIns="91440" tIns="45720" rIns="91440" bIns="45720" rtlCol="0">
+            <a:normAutofit/>
+          </a:bodyPr>
+          <a:lstStyle/>
+          <a:p>
+            <a:pPr>
+              <a:spcAft>
+                <a:spcPts val="600"/>
+              </a:spcAft>
+            </a:pPr>
+            <a:fld id="{B5CEABB6-07DC-46E8-9B57-56EC44A396E5}" type="slidenum">
+              <a:rPr lang="en-US" sz="1800" b="1" smtClean="0"/>
+              <a:pPr>
+                <a:spcAft>
+                  <a:spcPts val="600"/>
+                </a:spcAft>
+              </a:pPr>
+              <a:t>6</a:t>
+            </a:fld>
+            <a:endParaRPr lang="en-US" sz="1800" b="1" dirty="0"/>
+          </a:p>
+        </p:txBody>
+      </p:sp>
+      <p:sp>
+        <p:nvSpPr>
+          <p:cNvPr id="11" name="CasellaDiTesto 10">
+            <a:extLst>
+              <a:ext uri="{FF2B5EF4-FFF2-40B4-BE49-F238E27FC236}">
+                <a16:creationId xmlns:a16="http://schemas.microsoft.com/office/drawing/2014/main" id="{AAAC9B74-463D-3112-DFEE-C3D0560A5363}"/>
+              </a:ext>
+            </a:extLst>
+          </p:cNvPr>
+          <p:cNvSpPr txBox="1"/>
+          <p:nvPr/>
+        </p:nvSpPr>
+        <p:spPr>
+          <a:xfrm>
+            <a:off x="669036" y="1871147"/>
+            <a:ext cx="10684764" cy="2308324"/>
+          </a:xfrm>
+          <a:prstGeom prst="rect">
+            <a:avLst/>
+          </a:prstGeom>
+          <a:noFill/>
+        </p:spPr>
+        <p:txBody>
+          <a:bodyPr wrap="square" rtlCol="0">
+            <a:spAutoFit/>
+          </a:bodyPr>
+          <a:lstStyle/>
+          <a:p>
+            <a:pPr marL="285750" indent="-285750">
+              <a:buFont typeface="Arial" panose="020B0604020202020204" pitchFamily="34" charset="0"/>
+              <a:buChar char="•"/>
+            </a:pPr>
+            <a:r>
               <a:rPr lang="it-IT" b="1" dirty="0" err="1"/>
               <a:t>Structure</a:t>
             </a:r>
@@ -35286,83 +36614,6 @@
           </a:p>
           <a:p>
             <a:endParaRPr lang="it-IT" b="1" dirty="0"/>
-          </a:p>
-          <a:p>
-            <a:pPr marL="285750" indent="-285750">
-              <a:buFont typeface="Wingdings" panose="05000000000000000000" pitchFamily="2" charset="2"/>
-              <a:buChar char="Ø"/>
-            </a:pPr>
-            <a:r>
-              <a:rPr lang="it-IT" i="1" dirty="0"/>
-              <a:t>Extract Method </a:t>
-            </a:r>
-            <a:r>
-              <a:rPr lang="it-IT" dirty="0"/>
-              <a:t>&amp; </a:t>
-            </a:r>
-            <a:r>
-              <a:rPr lang="it-IT" i="1" dirty="0"/>
-              <a:t>Extract Local Variables</a:t>
-            </a:r>
-            <a:r>
-              <a:rPr lang="it-IT" dirty="0"/>
-              <a:t>, per estrarre metodi e variabili da una classe e implementarli in un’altra, evitando la riscrittura del codice e minimizzando i costi di progettazione;</a:t>
-            </a:r>
-            <a:br>
-              <a:rPr lang="it-IT" dirty="0"/>
-            </a:br>
-            <a:endParaRPr lang="it-IT" dirty="0"/>
-          </a:p>
-          <a:p>
-            <a:pPr marL="285750" indent="-285750">
-              <a:buFont typeface="Wingdings" panose="05000000000000000000" pitchFamily="2" charset="2"/>
-              <a:buChar char="Ø"/>
-            </a:pPr>
-            <a:r>
-              <a:rPr lang="it-IT" i="1" dirty="0"/>
-              <a:t>Push Down Method </a:t>
-            </a:r>
-            <a:r>
-              <a:rPr lang="it-IT" dirty="0"/>
-              <a:t>&amp; </a:t>
-            </a:r>
-            <a:r>
-              <a:rPr lang="it-IT" i="1" dirty="0"/>
-              <a:t>Push Down Field, </a:t>
-            </a:r>
-            <a:r>
-              <a:rPr lang="it-IT" dirty="0"/>
-              <a:t>trasferimento di campi/metodi da una superclasse ad una sottoclasse;</a:t>
-            </a:r>
-          </a:p>
-          <a:p>
-            <a:pPr marL="285750" indent="-285750">
-              <a:buFont typeface="Wingdings" panose="05000000000000000000" pitchFamily="2" charset="2"/>
-              <a:buChar char="Ø"/>
-            </a:pPr>
-            <a:endParaRPr lang="it-IT" i="1" dirty="0"/>
-          </a:p>
-          <a:p>
-            <a:pPr marL="285750" indent="-285750">
-              <a:buFont typeface="Wingdings" panose="05000000000000000000" pitchFamily="2" charset="2"/>
-              <a:buChar char="Ø"/>
-            </a:pPr>
-            <a:r>
-              <a:rPr lang="it-IT" i="1" dirty="0"/>
-              <a:t>Remove Method </a:t>
-            </a:r>
-            <a:r>
-              <a:rPr lang="it-IT" dirty="0"/>
-              <a:t>&amp; </a:t>
-            </a:r>
-            <a:r>
-              <a:rPr lang="it-IT" i="1" dirty="0"/>
-              <a:t>Remove Field, </a:t>
-            </a:r>
-            <a:r>
-              <a:rPr lang="it-IT" dirty="0"/>
-              <a:t>rimozione di metodi/campi inutili o non strettamente necessari ai fini del progetto;</a:t>
-            </a:r>
           </a:p>
           <a:p>
             <a:pPr marL="285750" indent="-285750">
@@ -39083,6 +40334,15 @@
 </file>
 
 <file path=customXml/item1.xml><?xml version="1.0" encoding="utf-8"?>
+<?mso-contentType ?>
+<FormTemplates xmlns="http://schemas.microsoft.com/sharepoint/v3/contenttype/forms">
+  <Display>DocumentLibraryForm</Display>
+  <Edit>DocumentLibraryForm</Edit>
+  <New>DocumentLibraryForm</New>
+</FormTemplates>
+</file>
+
+<file path=customXml/item2.xml><?xml version="1.0" encoding="utf-8"?>
 <ct:contentTypeSchema xmlns:ct="http://schemas.microsoft.com/office/2006/metadata/contentType" xmlns:ma="http://schemas.microsoft.com/office/2006/metadata/properties/metaAttributes" ct:_="" ma:_="" ma:contentTypeName="Documento" ma:contentTypeID="0x0101007CE6213B20D2F945B0D1473923EE410F" ma:contentTypeVersion="7" ma:contentTypeDescription="Creare un nuovo documento." ma:contentTypeScope="" ma:versionID="dc8ac43e96b461727accd63cf925a5cf">
   <xsd:schema xmlns:xsd="http://www.w3.org/2001/XMLSchema" xmlns:xs="http://www.w3.org/2001/XMLSchema" xmlns:p="http://schemas.microsoft.com/office/2006/metadata/properties" xmlns:ns2="243f3390-b919-40e8-8195-3613e8527352" targetNamespace="http://schemas.microsoft.com/office/2006/metadata/properties" ma:root="true" ma:fieldsID="1987007e621e1b24d40e437f012b913d" ns2:_="">
     <xsd:import namespace="243f3390-b919-40e8-8195-3613e8527352"/>
@@ -39244,15 +40504,6 @@
 </ct:contentTypeSchema>
 </file>
 
-<file path=customXml/item2.xml><?xml version="1.0" encoding="utf-8"?>
-<?mso-contentType ?>
-<FormTemplates xmlns="http://schemas.microsoft.com/sharepoint/v3/contenttype/forms">
-  <Display>DocumentLibraryForm</Display>
-  <Edit>DocumentLibraryForm</Edit>
-  <New>DocumentLibraryForm</New>
-</FormTemplates>
-</file>
-
 <file path=customXml/item3.xml><?xml version="1.0" encoding="utf-8"?>
 <p:properties xmlns:p="http://schemas.microsoft.com/office/2006/metadata/properties" xmlns:xsi="http://www.w3.org/2001/XMLSchema-instance" xmlns:pc="http://schemas.microsoft.com/office/infopath/2007/PartnerControls">
   <documentManagement/>
@@ -39260,6 +40511,14 @@
 </file>
 
 <file path=customXml/itemProps1.xml><?xml version="1.0" encoding="utf-8"?>
+<ds:datastoreItem xmlns:ds="http://schemas.openxmlformats.org/officeDocument/2006/customXml" ds:itemID="{42BC90D6-94CF-42F7-AAC4-9CF6824C54D5}">
+  <ds:schemaRefs>
+    <ds:schemaRef ds:uri="http://schemas.microsoft.com/sharepoint/v3/contenttype/forms"/>
+  </ds:schemaRefs>
+</ds:datastoreItem>
+</file>
+
+<file path=customXml/itemProps2.xml><?xml version="1.0" encoding="utf-8"?>
 <ds:datastoreItem xmlns:ds="http://schemas.openxmlformats.org/officeDocument/2006/customXml" ds:itemID="{1A503E23-9696-4358-8F00-F7F66AC755EB}">
   <ds:schemaRefs>
     <ds:schemaRef ds:uri="http://schemas.microsoft.com/office/2006/metadata/contentType"/>
@@ -39273,14 +40532,6 @@
     <ds:schemaRef ds:uri="http://purl.org/dc/elements/1.1/"/>
     <ds:schemaRef ds:uri="http://purl.org/dc/terms/"/>
     <ds:schemaRef ds:uri="http://schemas.microsoft.com/internal/obd"/>
-  </ds:schemaRefs>
-</ds:datastoreItem>
-</file>
-
-<file path=customXml/itemProps2.xml><?xml version="1.0" encoding="utf-8"?>
-<ds:datastoreItem xmlns:ds="http://schemas.openxmlformats.org/officeDocument/2006/customXml" ds:itemID="{42BC90D6-94CF-42F7-AAC4-9CF6824C54D5}">
-  <ds:schemaRefs>
-    <ds:schemaRef ds:uri="http://schemas.microsoft.com/sharepoint/v3/contenttype/forms"/>
   </ds:schemaRefs>
 </ds:datastoreItem>
 </file>

--- a/Presentazione/Presentazione_Progetto.pptx
+++ b/Presentazione/Presentazione_Progetto.pptx
@@ -181,7 +181,7 @@
   <pc:docChgLst>
     <pc:chgData name="Matteo MANGILI" userId="89c7df381375e6aa" providerId="LiveId" clId="{E6DC4EAA-0AC7-4D8A-9ABA-9B4C09DD8308}"/>
     <pc:docChg chg="undo custSel addSld delSld modSld sldOrd">
-      <pc:chgData name="Matteo MANGILI" userId="89c7df381375e6aa" providerId="LiveId" clId="{E6DC4EAA-0AC7-4D8A-9ABA-9B4C09DD8308}" dt="2024-03-21T12:19:04.154" v="15566" actId="20577"/>
+      <pc:chgData name="Matteo MANGILI" userId="89c7df381375e6aa" providerId="LiveId" clId="{E6DC4EAA-0AC7-4D8A-9ABA-9B4C09DD8308}" dt="2024-03-21T21:03:49.006" v="16407" actId="20577"/>
       <pc:docMkLst>
         <pc:docMk/>
       </pc:docMkLst>
@@ -681,13 +681,13 @@
         </pc:graphicFrameChg>
       </pc:sldChg>
       <pc:sldChg chg="modSp mod">
-        <pc:chgData name="Matteo MANGILI" userId="89c7df381375e6aa" providerId="LiveId" clId="{E6DC4EAA-0AC7-4D8A-9ABA-9B4C09DD8308}" dt="2024-03-21T09:06:12.463" v="13764" actId="14100"/>
+        <pc:chgData name="Matteo MANGILI" userId="89c7df381375e6aa" providerId="LiveId" clId="{E6DC4EAA-0AC7-4D8A-9ABA-9B4C09DD8308}" dt="2024-03-21T21:03:49.006" v="16407" actId="20577"/>
         <pc:sldMkLst>
           <pc:docMk/>
           <pc:sldMk cId="112244765" sldId="318"/>
         </pc:sldMkLst>
         <pc:spChg chg="mod">
-          <ac:chgData name="Matteo MANGILI" userId="89c7df381375e6aa" providerId="LiveId" clId="{E6DC4EAA-0AC7-4D8A-9ABA-9B4C09DD8308}" dt="2024-03-21T09:06:12.463" v="13764" actId="14100"/>
+          <ac:chgData name="Matteo MANGILI" userId="89c7df381375e6aa" providerId="LiveId" clId="{E6DC4EAA-0AC7-4D8A-9ABA-9B4C09DD8308}" dt="2024-03-21T21:03:49.006" v="16407" actId="20577"/>
           <ac:spMkLst>
             <pc:docMk/>
             <pc:sldMk cId="112244765" sldId="318"/>
@@ -734,13 +734,13 @@
         </pc:spChg>
       </pc:sldChg>
       <pc:sldChg chg="modSp mod">
-        <pc:chgData name="Matteo MANGILI" userId="89c7df381375e6aa" providerId="LiveId" clId="{E6DC4EAA-0AC7-4D8A-9ABA-9B4C09DD8308}" dt="2024-03-21T12:18:15.871" v="15547" actId="20577"/>
+        <pc:chgData name="Matteo MANGILI" userId="89c7df381375e6aa" providerId="LiveId" clId="{E6DC4EAA-0AC7-4D8A-9ABA-9B4C09DD8308}" dt="2024-03-21T20:56:38.150" v="16123" actId="20577"/>
         <pc:sldMkLst>
           <pc:docMk/>
           <pc:sldMk cId="3518618096" sldId="321"/>
         </pc:sldMkLst>
         <pc:spChg chg="mod">
-          <ac:chgData name="Matteo MANGILI" userId="89c7df381375e6aa" providerId="LiveId" clId="{E6DC4EAA-0AC7-4D8A-9ABA-9B4C09DD8308}" dt="2024-03-21T12:18:15.871" v="15547" actId="20577"/>
+          <ac:chgData name="Matteo MANGILI" userId="89c7df381375e6aa" providerId="LiveId" clId="{E6DC4EAA-0AC7-4D8A-9ABA-9B4C09DD8308}" dt="2024-03-21T20:56:38.150" v="16123" actId="20577"/>
           <ac:spMkLst>
             <pc:docMk/>
             <pc:sldMk cId="3518618096" sldId="321"/>
@@ -757,7 +757,7 @@
         </pc:picChg>
       </pc:sldChg>
       <pc:sldChg chg="modSp mod">
-        <pc:chgData name="Matteo MANGILI" userId="89c7df381375e6aa" providerId="LiveId" clId="{E6DC4EAA-0AC7-4D8A-9ABA-9B4C09DD8308}" dt="2024-03-21T12:04:55.228" v="14445" actId="21"/>
+        <pc:chgData name="Matteo MANGILI" userId="89c7df381375e6aa" providerId="LiveId" clId="{E6DC4EAA-0AC7-4D8A-9ABA-9B4C09DD8308}" dt="2024-03-21T21:02:54.100" v="16326" actId="20577"/>
         <pc:sldMkLst>
           <pc:docMk/>
           <pc:sldMk cId="243116288" sldId="322"/>
@@ -771,7 +771,7 @@
           </ac:spMkLst>
         </pc:spChg>
         <pc:spChg chg="mod">
-          <ac:chgData name="Matteo MANGILI" userId="89c7df381375e6aa" providerId="LiveId" clId="{E6DC4EAA-0AC7-4D8A-9ABA-9B4C09DD8308}" dt="2024-03-21T12:04:55.228" v="14445" actId="21"/>
+          <ac:chgData name="Matteo MANGILI" userId="89c7df381375e6aa" providerId="LiveId" clId="{E6DC4EAA-0AC7-4D8A-9ABA-9B4C09DD8308}" dt="2024-03-21T21:02:54.100" v="16326" actId="20577"/>
           <ac:spMkLst>
             <pc:docMk/>
             <pc:sldMk cId="243116288" sldId="322"/>
@@ -23521,7 +23521,7 @@
         <p:spPr>
           <a:xfrm>
             <a:off x="669035" y="2055813"/>
-            <a:ext cx="6664825" cy="4801314"/>
+            <a:ext cx="6664825" cy="5078313"/>
           </a:xfrm>
           <a:prstGeom prst="rect">
             <a:avLst/>
@@ -23544,7 +23544,7 @@
             </a:r>
             <a:r>
               <a:rPr lang="it-IT" dirty="0"/>
-              <a:t>) è iniziata subito dopo la consegna del progetto; lo scopo principale è aumentare la qualità dell’intero sistema, correggendo errori (principalmente di codice) e cercando di adattare il software alle richieste degli utenti ma anche dell’ambiente di utilizzo, al fine di aumentare il grado di manutenibilità futura. La documentazione deve essere sottoposta a manutenzione, per essere sicuri che venga spiegato nel dettaglio l’intero funzionamento del programma, senza contraddizioni o incoerenze.</a:t>
+              <a:t>) è iniziata subito dopo la consegna del progetto; lo scopo principale è aumentare la qualità dell’intero sistema, correggendo errori (principalmente di codice) e cercando di adattare il software alle richieste degli utenti (per quanto possibile rispetto alle esigenze di sviluppo del software), al fine di aumentare il grado di manutenibilità futura. La documentazione deve essere sottoposta a manutenzione, per essere sicuri che venga spiegato nel dettaglio l’intero funzionamento del programma, senza la presenza di contraddizioni o incoerenze.</a:t>
             </a:r>
           </a:p>
           <a:p>
@@ -23553,40 +23553,28 @@
           <a:p>
             <a:r>
               <a:rPr lang="it-IT" dirty="0"/>
-              <a:t>La nostra manutenzione è stata principalmente </a:t>
-            </a:r>
-            <a:r>
-              <a:rPr lang="it-IT" i="1" dirty="0"/>
-              <a:t>correttiva</a:t>
-            </a:r>
+              <a:t>Rispetto al nostro progetto, le attività di manutenzione hanno portato alla rilevazione e correzione di «codice eccessivo», gerarchie di classe improprie, classi «pigre» e utilizzo improprio di tool.</a:t>
+            </a:r>
+          </a:p>
+          <a:p>
+            <a:endParaRPr lang="it-IT" dirty="0"/>
+          </a:p>
+          <a:p>
             <a:r>
               <a:rPr lang="it-IT" dirty="0"/>
-              <a:t> (per risolvere errori di codice e di documentazione) e</a:t>
-            </a:r>
-            <a:r>
-              <a:rPr lang="it-IT" i="1" dirty="0"/>
-              <a:t> preventiva </a:t>
+              <a:t>L’attività di manutenzione è stata eseguita sulla base dei dati raccolti grazie al </a:t>
+            </a:r>
+            <a:r>
+              <a:rPr lang="it-IT" dirty="0" err="1"/>
+              <a:t>Refactoring</a:t>
             </a:r>
             <a:r>
               <a:rPr lang="it-IT" dirty="0"/>
-              <a:t>(per aumentare il grado di manutenibilità del sistema rispetto ad utilizzi futuri); la manutenzione </a:t>
-            </a:r>
-            <a:r>
-              <a:rPr lang="it-IT" i="1" dirty="0"/>
-              <a:t>adattiva </a:t>
-            </a:r>
-            <a:r>
-              <a:rPr lang="it-IT" dirty="0"/>
-              <a:t>e </a:t>
-            </a:r>
-            <a:r>
-              <a:rPr lang="it-IT" i="1" dirty="0"/>
-              <a:t>perfettiva</a:t>
-            </a:r>
-            <a:r>
-              <a:rPr lang="it-IT" dirty="0"/>
-              <a:t> non sono state prese in particolare riguardo, proprio perché non si può sapere se il progetto sarà completamente commercializzabile (si possono fare delle ipotesi tuttavia).</a:t>
-            </a:r>
+              <a:t> e al Testing.</a:t>
+            </a:r>
+          </a:p>
+          <a:p>
+            <a:endParaRPr lang="it-IT" dirty="0"/>
           </a:p>
         </p:txBody>
       </p:sp>
@@ -35504,7 +35492,7 @@
         <p:spPr>
           <a:xfrm>
             <a:off x="838200" y="1884037"/>
-            <a:ext cx="10684764" cy="5047536"/>
+            <a:ext cx="10684764" cy="5339923"/>
           </a:xfrm>
           <a:prstGeom prst="rect">
             <a:avLst/>
@@ -35634,8 +35622,13 @@
             </a:r>
             <a:r>
               <a:rPr lang="it-IT" sz="1900" dirty="0"/>
-              <a:t> per la creazione dei vari diagrammi:</a:t>
-            </a:r>
+              <a:t> per la creazione dei vari diagrammi (definiti rispetto al sistema generale o </a:t>
+            </a:r>
+            <a:r>
+              <a:rPr lang="it-IT" sz="1900"/>
+              <a:t>semplicemente rispetto ai medici):</a:t>
+            </a:r>
+            <a:endParaRPr lang="it-IT" sz="1900" dirty="0"/>
           </a:p>
           <a:p>
             <a:pPr marL="285750" indent="-285750">
@@ -36572,7 +36565,7 @@
         <p:spPr>
           <a:xfrm>
             <a:off x="669036" y="1871147"/>
-            <a:ext cx="10684764" cy="2308324"/>
+            <a:ext cx="10684764" cy="2585323"/>
           </a:xfrm>
           <a:prstGeom prst="rect">
             <a:avLst/>
@@ -36599,7 +36592,7 @@
             </a:r>
             <a:r>
               <a:rPr lang="it-IT" dirty="0"/>
-              <a:t>, tool di analisi della struttura di un progetto/programma, attraverso il quale si può visualizzare le relazioni tra moduli e classi, la complessità e la struttura ciclica dell’intero sistema. Questo strumento è stato utile agli sviluppatori per comprendere meglio la complessità del codice e per identificare problemi di design o dipendenze indesiderate</a:t>
+              <a:t>, tool di analisi della struttura e le dipendenze di un progetto/programma, attraverso il quale si può visualizzare le relazioni tra moduli e classi, la complessità e la struttura ciclica dell’intero sistema. L’utilizzo di questo tool ha permesso di definire relazioni tra le classi del codice, al fine di semplificare la definizione dei diversi metodi interessati. Questo strumento è stato utile agli sviluppatori per comprendere meglio la complessità del codice e per identificare problemi di design o dipendenze indesiderate</a:t>
             </a:r>
             <a:r>
               <a:rPr lang="it-IT" b="1" dirty="0"/>
@@ -40334,15 +40327,6 @@
 </file>
 
 <file path=customXml/item1.xml><?xml version="1.0" encoding="utf-8"?>
-<?mso-contentType ?>
-<FormTemplates xmlns="http://schemas.microsoft.com/sharepoint/v3/contenttype/forms">
-  <Display>DocumentLibraryForm</Display>
-  <Edit>DocumentLibraryForm</Edit>
-  <New>DocumentLibraryForm</New>
-</FormTemplates>
-</file>
-
-<file path=customXml/item2.xml><?xml version="1.0" encoding="utf-8"?>
 <ct:contentTypeSchema xmlns:ct="http://schemas.microsoft.com/office/2006/metadata/contentType" xmlns:ma="http://schemas.microsoft.com/office/2006/metadata/properties/metaAttributes" ct:_="" ma:_="" ma:contentTypeName="Documento" ma:contentTypeID="0x0101007CE6213B20D2F945B0D1473923EE410F" ma:contentTypeVersion="7" ma:contentTypeDescription="Creare un nuovo documento." ma:contentTypeScope="" ma:versionID="dc8ac43e96b461727accd63cf925a5cf">
   <xsd:schema xmlns:xsd="http://www.w3.org/2001/XMLSchema" xmlns:xs="http://www.w3.org/2001/XMLSchema" xmlns:p="http://schemas.microsoft.com/office/2006/metadata/properties" xmlns:ns2="243f3390-b919-40e8-8195-3613e8527352" targetNamespace="http://schemas.microsoft.com/office/2006/metadata/properties" ma:root="true" ma:fieldsID="1987007e621e1b24d40e437f012b913d" ns2:_="">
     <xsd:import namespace="243f3390-b919-40e8-8195-3613e8527352"/>
@@ -40504,6 +40488,15 @@
 </ct:contentTypeSchema>
 </file>
 
+<file path=customXml/item2.xml><?xml version="1.0" encoding="utf-8"?>
+<?mso-contentType ?>
+<FormTemplates xmlns="http://schemas.microsoft.com/sharepoint/v3/contenttype/forms">
+  <Display>DocumentLibraryForm</Display>
+  <Edit>DocumentLibraryForm</Edit>
+  <New>DocumentLibraryForm</New>
+</FormTemplates>
+</file>
+
 <file path=customXml/item3.xml><?xml version="1.0" encoding="utf-8"?>
 <p:properties xmlns:p="http://schemas.microsoft.com/office/2006/metadata/properties" xmlns:xsi="http://www.w3.org/2001/XMLSchema-instance" xmlns:pc="http://schemas.microsoft.com/office/infopath/2007/PartnerControls">
   <documentManagement/>
@@ -40511,14 +40504,6 @@
 </file>
 
 <file path=customXml/itemProps1.xml><?xml version="1.0" encoding="utf-8"?>
-<ds:datastoreItem xmlns:ds="http://schemas.openxmlformats.org/officeDocument/2006/customXml" ds:itemID="{42BC90D6-94CF-42F7-AAC4-9CF6824C54D5}">
-  <ds:schemaRefs>
-    <ds:schemaRef ds:uri="http://schemas.microsoft.com/sharepoint/v3/contenttype/forms"/>
-  </ds:schemaRefs>
-</ds:datastoreItem>
-</file>
-
-<file path=customXml/itemProps2.xml><?xml version="1.0" encoding="utf-8"?>
 <ds:datastoreItem xmlns:ds="http://schemas.openxmlformats.org/officeDocument/2006/customXml" ds:itemID="{1A503E23-9696-4358-8F00-F7F66AC755EB}">
   <ds:schemaRefs>
     <ds:schemaRef ds:uri="http://schemas.microsoft.com/office/2006/metadata/contentType"/>
@@ -40532,6 +40517,14 @@
     <ds:schemaRef ds:uri="http://purl.org/dc/elements/1.1/"/>
     <ds:schemaRef ds:uri="http://purl.org/dc/terms/"/>
     <ds:schemaRef ds:uri="http://schemas.microsoft.com/internal/obd"/>
+  </ds:schemaRefs>
+</ds:datastoreItem>
+</file>
+
+<file path=customXml/itemProps2.xml><?xml version="1.0" encoding="utf-8"?>
+<ds:datastoreItem xmlns:ds="http://schemas.openxmlformats.org/officeDocument/2006/customXml" ds:itemID="{42BC90D6-94CF-42F7-AAC4-9CF6824C54D5}">
+  <ds:schemaRefs>
+    <ds:schemaRef ds:uri="http://schemas.microsoft.com/sharepoint/v3/contenttype/forms"/>
   </ds:schemaRefs>
 </ds:datastoreItem>
 </file>

--- a/Presentazione/Presentazione_Progetto.pptx
+++ b/Presentazione/Presentazione_Progetto.pptx
@@ -181,7 +181,7 @@
   <pc:docChgLst>
     <pc:chgData name="Matteo MANGILI" userId="89c7df381375e6aa" providerId="LiveId" clId="{E6DC4EAA-0AC7-4D8A-9ABA-9B4C09DD8308}"/>
     <pc:docChg chg="undo custSel addSld delSld modSld sldOrd">
-      <pc:chgData name="Matteo MANGILI" userId="89c7df381375e6aa" providerId="LiveId" clId="{E6DC4EAA-0AC7-4D8A-9ABA-9B4C09DD8308}" dt="2024-03-21T21:03:49.006" v="16407" actId="20577"/>
+      <pc:chgData name="Matteo MANGILI" userId="89c7df381375e6aa" providerId="LiveId" clId="{E6DC4EAA-0AC7-4D8A-9ABA-9B4C09DD8308}" dt="2024-03-21T21:34:01.430" v="16533" actId="20577"/>
       <pc:docMkLst>
         <pc:docMk/>
       </pc:docMkLst>
@@ -650,13 +650,13 @@
         </pc:picChg>
       </pc:sldChg>
       <pc:sldChg chg="modSp mod">
-        <pc:chgData name="Matteo MANGILI" userId="89c7df381375e6aa" providerId="LiveId" clId="{E6DC4EAA-0AC7-4D8A-9ABA-9B4C09DD8308}" dt="2024-03-21T09:11:55.407" v="14240" actId="20577"/>
+        <pc:chgData name="Matteo MANGILI" userId="89c7df381375e6aa" providerId="LiveId" clId="{E6DC4EAA-0AC7-4D8A-9ABA-9B4C09DD8308}" dt="2024-03-21T21:34:01.430" v="16533" actId="20577"/>
         <pc:sldMkLst>
           <pc:docMk/>
           <pc:sldMk cId="1634375711" sldId="317"/>
         </pc:sldMkLst>
         <pc:spChg chg="mod">
-          <ac:chgData name="Matteo MANGILI" userId="89c7df381375e6aa" providerId="LiveId" clId="{E6DC4EAA-0AC7-4D8A-9ABA-9B4C09DD8308}" dt="2024-03-21T09:11:55.407" v="14240" actId="20577"/>
+          <ac:chgData name="Matteo MANGILI" userId="89c7df381375e6aa" providerId="LiveId" clId="{E6DC4EAA-0AC7-4D8A-9ABA-9B4C09DD8308}" dt="2024-03-21T21:34:01.430" v="16533" actId="20577"/>
           <ac:spMkLst>
             <pc:docMk/>
             <pc:sldMk cId="1634375711" sldId="317"/>
@@ -672,7 +672,7 @@
           </ac:spMkLst>
         </pc:spChg>
         <pc:graphicFrameChg chg="mod modGraphic">
-          <ac:chgData name="Matteo MANGILI" userId="89c7df381375e6aa" providerId="LiveId" clId="{E6DC4EAA-0AC7-4D8A-9ABA-9B4C09DD8308}" dt="2024-03-20T17:35:03.583" v="12770" actId="313"/>
+          <ac:chgData name="Matteo MANGILI" userId="89c7df381375e6aa" providerId="LiveId" clId="{E6DC4EAA-0AC7-4D8A-9ABA-9B4C09DD8308}" dt="2024-03-21T21:32:22.245" v="16435" actId="20577"/>
           <ac:graphicFrameMkLst>
             <pc:docMk/>
             <pc:sldMk cId="1634375711" sldId="317"/>
@@ -16090,14 +16090,14 @@
             <p:ph idx="1"/>
             <p:extLst>
               <p:ext uri="{D42A27DB-BD31-4B8C-83A1-F6EECF244321}">
-                <p14:modId xmlns:p14="http://schemas.microsoft.com/office/powerpoint/2010/main" val="1116720233"/>
+                <p14:modId xmlns:p14="http://schemas.microsoft.com/office/powerpoint/2010/main" val="1643355825"/>
               </p:ext>
             </p:extLst>
           </p:nvPr>
         </p:nvGraphicFramePr>
         <p:xfrm>
           <a:off x="648820" y="1772816"/>
-          <a:ext cx="10515597" cy="1361556"/>
+          <a:ext cx="10515597" cy="1935480"/>
         </p:xfrm>
         <a:graphic>
           <a:graphicData uri="http://schemas.openxmlformats.org/drawingml/2006/table">
@@ -16199,6 +16199,33 @@
                         <a:t>Correttezza</a:t>
                       </a:r>
                     </a:p>
+                    <a:p>
+                      <a:pPr marL="342900" indent="-342900">
+                        <a:buFont typeface="Arial" panose="020B0604020202020204" pitchFamily="34" charset="0"/>
+                        <a:buChar char="•"/>
+                      </a:pPr>
+                      <a:r>
+                        <a:rPr lang="it-IT" sz="1900" dirty="0"/>
+                        <a:t>Integrità</a:t>
+                      </a:r>
+                    </a:p>
+                    <a:p>
+                      <a:pPr marL="342900" indent="-342900">
+                        <a:buFont typeface="Arial" panose="020B0604020202020204" pitchFamily="34" charset="0"/>
+                        <a:buChar char="•"/>
+                      </a:pPr>
+                      <a:r>
+                        <a:rPr lang="it-IT" sz="1900" dirty="0"/>
+                        <a:t>Affidabilità</a:t>
+                      </a:r>
+                    </a:p>
+                    <a:p>
+                      <a:pPr marL="342900" indent="-342900">
+                        <a:buFont typeface="Arial" panose="020B0604020202020204" pitchFamily="34" charset="0"/>
+                        <a:buChar char="•"/>
+                      </a:pPr>
+                      <a:endParaRPr lang="it-IT" sz="1900" dirty="0"/>
+                    </a:p>
                   </a:txBody>
                   <a:tcPr/>
                 </a:tc>
@@ -16270,7 +16297,7 @@
         </p:nvSpPr>
         <p:spPr>
           <a:xfrm>
-            <a:off x="669036" y="3134372"/>
+            <a:off x="669037" y="3627201"/>
             <a:ext cx="10495380" cy="3308598"/>
           </a:xfrm>
           <a:prstGeom prst="rect">
@@ -16286,39 +16313,7 @@
           <a:p>
             <a:r>
               <a:rPr lang="it-IT" sz="1900" dirty="0"/>
-              <a:t>La qualità del software è definita come «il grado in cui il sistema soddisfa le esigenze/aspettative del cliente». I criteri di qualità possono essere misurati </a:t>
-            </a:r>
-            <a:r>
-              <a:rPr lang="it-IT" sz="1900" i="1" dirty="0"/>
-              <a:t>soggettivamente</a:t>
-            </a:r>
-            <a:r>
-              <a:rPr lang="it-IT" sz="1900" dirty="0"/>
-              <a:t> o </a:t>
-            </a:r>
-            <a:r>
-              <a:rPr lang="it-IT" sz="1900" i="1" dirty="0"/>
-              <a:t>oggettivamente</a:t>
-            </a:r>
-            <a:r>
-              <a:rPr lang="it-IT" sz="1900" dirty="0"/>
-              <a:t>, al fine di ottenere una misura complessiva dell’intero grado di qualità del software, e possono essere </a:t>
-            </a:r>
-            <a:r>
-              <a:rPr lang="it-IT" sz="1900" i="1" dirty="0"/>
-              <a:t>interni</a:t>
-            </a:r>
-            <a:r>
-              <a:rPr lang="it-IT" sz="1900" dirty="0"/>
-              <a:t> o </a:t>
-            </a:r>
-            <a:r>
-              <a:rPr lang="it-IT" sz="1900" i="1" dirty="0"/>
-              <a:t>esterni </a:t>
-            </a:r>
-            <a:r>
-              <a:rPr lang="it-IT" sz="1900" dirty="0"/>
-              <a:t>(rispettivamente, se rispondono alle esigenze degli sviluppatori o dell’utente finale). </a:t>
+              <a:t>La qualità del software è definita come «il grado in cui il sistema soddisfa le esigenze/aspettative del cliente». I criteri di qualità possono essere misurati soggettivamente o oggettivamente, al fine di ottenere una misura complessiva dell’intero grado di qualità del software, e possono essere interni o esterni (rispettivamente, se rispondono alle esigenze degli sviluppatori o dell’utente finale, l’ospedale). </a:t>
             </a:r>
           </a:p>
           <a:p>
@@ -16333,17 +16328,16 @@
           <a:p>
             <a:r>
               <a:rPr lang="it-IT" sz="1900" dirty="0"/>
-              <a:t>L’attenzione è rivolta in particolare al </a:t>
-            </a:r>
-            <a:r>
-              <a:rPr lang="it-IT" sz="1900" i="1" dirty="0"/>
-              <a:t>funzionamento e revisione del prodotto</a:t>
+              <a:t>L’attenzione è rivolta in particolare al funzionamento e revisione del prodotto: l’obiettivo è permettere al programma di funzionare in modo corretto, rispondendo ai requisiti designati dal team. Anche se il progetto non sarà commercializzabile completamente a fine lavoro, il team ha implementato il codice perché parte di </a:t>
+            </a:r>
+            <a:r>
+              <a:rPr lang="it-IT" sz="1900"/>
+              <a:t>esso o tutto </a:t>
             </a:r>
             <a:r>
               <a:rPr lang="it-IT" sz="1900" dirty="0"/>
-              <a:t>: l’obiettivo è far funzionare il programma corretto, facendo in modo che risponda ai requisiti scelti dal team. Anche se il progetto non sarà commercializzabile completamente a fine lavoro, il team ha implementato il codice perché parte di esso/tutto possa essere riutilizzabile in futuro.</a:t>
-            </a:r>
-            <a:endParaRPr lang="it-IT" sz="1900" i="1" dirty="0"/>
+              <a:t>possa essere riutilizzabile in futuro.</a:t>
+            </a:r>
           </a:p>
         </p:txBody>
       </p:sp>
@@ -40327,6 +40321,15 @@
 </file>
 
 <file path=customXml/item1.xml><?xml version="1.0" encoding="utf-8"?>
+<?mso-contentType ?>
+<FormTemplates xmlns="http://schemas.microsoft.com/sharepoint/v3/contenttype/forms">
+  <Display>DocumentLibraryForm</Display>
+  <Edit>DocumentLibraryForm</Edit>
+  <New>DocumentLibraryForm</New>
+</FormTemplates>
+</file>
+
+<file path=customXml/item2.xml><?xml version="1.0" encoding="utf-8"?>
 <ct:contentTypeSchema xmlns:ct="http://schemas.microsoft.com/office/2006/metadata/contentType" xmlns:ma="http://schemas.microsoft.com/office/2006/metadata/properties/metaAttributes" ct:_="" ma:_="" ma:contentTypeName="Documento" ma:contentTypeID="0x0101007CE6213B20D2F945B0D1473923EE410F" ma:contentTypeVersion="7" ma:contentTypeDescription="Creare un nuovo documento." ma:contentTypeScope="" ma:versionID="dc8ac43e96b461727accd63cf925a5cf">
   <xsd:schema xmlns:xsd="http://www.w3.org/2001/XMLSchema" xmlns:xs="http://www.w3.org/2001/XMLSchema" xmlns:p="http://schemas.microsoft.com/office/2006/metadata/properties" xmlns:ns2="243f3390-b919-40e8-8195-3613e8527352" targetNamespace="http://schemas.microsoft.com/office/2006/metadata/properties" ma:root="true" ma:fieldsID="1987007e621e1b24d40e437f012b913d" ns2:_="">
     <xsd:import namespace="243f3390-b919-40e8-8195-3613e8527352"/>
@@ -40488,15 +40491,6 @@
 </ct:contentTypeSchema>
 </file>
 
-<file path=customXml/item2.xml><?xml version="1.0" encoding="utf-8"?>
-<?mso-contentType ?>
-<FormTemplates xmlns="http://schemas.microsoft.com/sharepoint/v3/contenttype/forms">
-  <Display>DocumentLibraryForm</Display>
-  <Edit>DocumentLibraryForm</Edit>
-  <New>DocumentLibraryForm</New>
-</FormTemplates>
-</file>
-
 <file path=customXml/item3.xml><?xml version="1.0" encoding="utf-8"?>
 <p:properties xmlns:p="http://schemas.microsoft.com/office/2006/metadata/properties" xmlns:xsi="http://www.w3.org/2001/XMLSchema-instance" xmlns:pc="http://schemas.microsoft.com/office/infopath/2007/PartnerControls">
   <documentManagement/>
@@ -40504,6 +40498,14 @@
 </file>
 
 <file path=customXml/itemProps1.xml><?xml version="1.0" encoding="utf-8"?>
+<ds:datastoreItem xmlns:ds="http://schemas.openxmlformats.org/officeDocument/2006/customXml" ds:itemID="{42BC90D6-94CF-42F7-AAC4-9CF6824C54D5}">
+  <ds:schemaRefs>
+    <ds:schemaRef ds:uri="http://schemas.microsoft.com/sharepoint/v3/contenttype/forms"/>
+  </ds:schemaRefs>
+</ds:datastoreItem>
+</file>
+
+<file path=customXml/itemProps2.xml><?xml version="1.0" encoding="utf-8"?>
 <ds:datastoreItem xmlns:ds="http://schemas.openxmlformats.org/officeDocument/2006/customXml" ds:itemID="{1A503E23-9696-4358-8F00-F7F66AC755EB}">
   <ds:schemaRefs>
     <ds:schemaRef ds:uri="http://schemas.microsoft.com/office/2006/metadata/contentType"/>
@@ -40517,14 +40519,6 @@
     <ds:schemaRef ds:uri="http://purl.org/dc/elements/1.1/"/>
     <ds:schemaRef ds:uri="http://purl.org/dc/terms/"/>
     <ds:schemaRef ds:uri="http://schemas.microsoft.com/internal/obd"/>
-  </ds:schemaRefs>
-</ds:datastoreItem>
-</file>
-
-<file path=customXml/itemProps2.xml><?xml version="1.0" encoding="utf-8"?>
-<ds:datastoreItem xmlns:ds="http://schemas.openxmlformats.org/officeDocument/2006/customXml" ds:itemID="{42BC90D6-94CF-42F7-AAC4-9CF6824C54D5}">
-  <ds:schemaRefs>
-    <ds:schemaRef ds:uri="http://schemas.microsoft.com/sharepoint/v3/contenttype/forms"/>
   </ds:schemaRefs>
 </ds:datastoreItem>
 </file>

--- a/Presentazione/Presentazione_Progetto.pptx
+++ b/Presentazione/Presentazione_Progetto.pptx
@@ -181,7 +181,7 @@
   <pc:docChgLst>
     <pc:chgData name="Matteo MANGILI" userId="89c7df381375e6aa" providerId="LiveId" clId="{E6DC4EAA-0AC7-4D8A-9ABA-9B4C09DD8308}"/>
     <pc:docChg chg="undo custSel addSld delSld modSld sldOrd">
-      <pc:chgData name="Matteo MANGILI" userId="89c7df381375e6aa" providerId="LiveId" clId="{E6DC4EAA-0AC7-4D8A-9ABA-9B4C09DD8308}" dt="2024-03-21T21:34:01.430" v="16533" actId="20577"/>
+      <pc:chgData name="Matteo MANGILI" userId="89c7df381375e6aa" providerId="LiveId" clId="{E6DC4EAA-0AC7-4D8A-9ABA-9B4C09DD8308}" dt="2024-03-22T10:16:38.270" v="17022" actId="20577"/>
       <pc:docMkLst>
         <pc:docMk/>
       </pc:docMkLst>
@@ -719,13 +719,13 @@
         </pc:spChg>
       </pc:sldChg>
       <pc:sldChg chg="modSp mod">
-        <pc:chgData name="Matteo MANGILI" userId="89c7df381375e6aa" providerId="LiveId" clId="{E6DC4EAA-0AC7-4D8A-9ABA-9B4C09DD8308}" dt="2024-02-28T10:16:39.752" v="5146" actId="20577"/>
+        <pc:chgData name="Matteo MANGILI" userId="89c7df381375e6aa" providerId="LiveId" clId="{E6DC4EAA-0AC7-4D8A-9ABA-9B4C09DD8308}" dt="2024-03-22T10:16:38.270" v="17022" actId="20577"/>
         <pc:sldMkLst>
           <pc:docMk/>
           <pc:sldMk cId="3754641538" sldId="320"/>
         </pc:sldMkLst>
         <pc:spChg chg="mod">
-          <ac:chgData name="Matteo MANGILI" userId="89c7df381375e6aa" providerId="LiveId" clId="{E6DC4EAA-0AC7-4D8A-9ABA-9B4C09DD8308}" dt="2024-02-28T10:16:39.752" v="5146" actId="20577"/>
+          <ac:chgData name="Matteo MANGILI" userId="89c7df381375e6aa" providerId="LiveId" clId="{E6DC4EAA-0AC7-4D8A-9ABA-9B4C09DD8308}" dt="2024-03-22T10:16:38.270" v="17022" actId="20577"/>
           <ac:spMkLst>
             <pc:docMk/>
             <pc:sldMk cId="3754641538" sldId="320"/>
@@ -1721,7 +1721,7 @@
             <a:pPr rtl="0"/>
             <a:fld id="{DBC54730-5EBA-4920-A6C4-7F8458A7F940}" type="datetime1">
               <a:rPr lang="it-IT" smtClean="0"/>
-              <a:t>21/03/2024</a:t>
+              <a:t>22/03/2024</a:t>
             </a:fld>
             <a:endParaRPr lang="it-IT" dirty="0"/>
           </a:p>
@@ -1903,7 +1903,7 @@
             <a:fld id="{85EC1C34-318D-43A8-83F5-3AC8647FE75E}" type="datetime1">
               <a:rPr lang="it-IT" smtClean="0"/>
               <a:pPr/>
-              <a:t>21/03/2024</a:t>
+              <a:t>22/03/2024</a:t>
             </a:fld>
             <a:endParaRPr lang="it-IT" dirty="0"/>
           </a:p>
@@ -20634,7 +20634,7 @@
         <p:spPr>
           <a:xfrm>
             <a:off x="667512" y="1979682"/>
-            <a:ext cx="10853928" cy="5324535"/>
+            <a:ext cx="10853928" cy="4755148"/>
           </a:xfrm>
           <a:prstGeom prst="rect">
             <a:avLst/>
@@ -20663,7 +20663,7 @@
             </a:r>
             <a:r>
               <a:rPr lang="it-IT" sz="1900" dirty="0"/>
-              <a:t>: il server, per rispondere alle richieste dell’utente, deve accedere ai dati memorizzati e notificare il client con le corrette informazioni richieste.</a:t>
+              <a:t>: il server, per rispondere alle richieste dell’utente (il medico), deve accedere ai dati memorizzati e notificare il client con le corrette informazioni richieste.</a:t>
             </a:r>
           </a:p>
           <a:p>
@@ -20685,27 +20685,36 @@
           <a:p>
             <a:r>
               <a:rPr lang="it-IT" sz="1900" dirty="0"/>
-              <a:t>Separazione tra l’interfaccia utente e l’applicazione. Il Modello gestisce direttamente i dati, la logica e le regole di applicazione in termini di dominio del problema. Una View è definita come una qualsiasi rappresentazione di output delle informazioni. Il Controller accetta l’input richiesto dall’utente e lo converte in comandi per la vista e/o per il modello. I singoli componenti del modello sono </a:t>
+              <a:t>Separazione tra l’interfaccia utente e l’applicazione. Il Controller (</a:t>
+            </a:r>
+            <a:r>
+              <a:rPr lang="it-IT" sz="1900" dirty="0" err="1"/>
+              <a:t>DataService</a:t>
+            </a:r>
+            <a:r>
+              <a:rPr lang="it-IT" sz="1900" dirty="0"/>
+              <a:t>) accetta l’input richiesto dall’utente medico (</a:t>
             </a:r>
             <a:r>
               <a:rPr lang="it-IT" sz="1900" i="1" dirty="0"/>
-              <a:t>memorie </a:t>
+              <a:t>Compilazione/Modifica/Eliminazione di Pagina Anagrafica/Operazioni/Verbale)</a:t>
             </a:r>
             <a:r>
               <a:rPr lang="it-IT" sz="1900" dirty="0"/>
-              <a:t>(raccolte di dati persistenti) e i connettori che li uniscono sono delle </a:t>
-            </a:r>
-            <a:r>
-              <a:rPr lang="it-IT" sz="1900" i="1" dirty="0"/>
-              <a:t>chiamate di procedur</a:t>
+              <a:t> e lo converte in comandi per la vista e/o per il modello. Il Model (</a:t>
+            </a:r>
+            <a:r>
+              <a:rPr lang="it-IT" sz="1900" dirty="0" err="1"/>
+              <a:t>DataBase</a:t>
             </a:r>
             <a:r>
               <a:rPr lang="it-IT" sz="1900" dirty="0"/>
-              <a:t>a (il controllo viene trasferito da un componente all’altro).</a:t>
-            </a:r>
-            <a:endParaRPr lang="it-IT" sz="1900" i="1" dirty="0"/>
-          </a:p>
-          <a:p>
+              <a:t>) deve fornire i dati necessari perché il controller possa lavorare con le sue funzionalità, in seguito alla richiesta del medico per operare sulle </a:t>
+            </a:r>
+            <a:r>
+              <a:rPr lang="it-IT" sz="1900"/>
+              <a:t>sue componenti.</a:t>
+            </a:r>
             <a:endParaRPr lang="it-IT" i="1" dirty="0"/>
           </a:p>
           <a:p>
@@ -40321,15 +40330,6 @@
 </file>
 
 <file path=customXml/item1.xml><?xml version="1.0" encoding="utf-8"?>
-<?mso-contentType ?>
-<FormTemplates xmlns="http://schemas.microsoft.com/sharepoint/v3/contenttype/forms">
-  <Display>DocumentLibraryForm</Display>
-  <Edit>DocumentLibraryForm</Edit>
-  <New>DocumentLibraryForm</New>
-</FormTemplates>
-</file>
-
-<file path=customXml/item2.xml><?xml version="1.0" encoding="utf-8"?>
 <ct:contentTypeSchema xmlns:ct="http://schemas.microsoft.com/office/2006/metadata/contentType" xmlns:ma="http://schemas.microsoft.com/office/2006/metadata/properties/metaAttributes" ct:_="" ma:_="" ma:contentTypeName="Documento" ma:contentTypeID="0x0101007CE6213B20D2F945B0D1473923EE410F" ma:contentTypeVersion="7" ma:contentTypeDescription="Creare un nuovo documento." ma:contentTypeScope="" ma:versionID="dc8ac43e96b461727accd63cf925a5cf">
   <xsd:schema xmlns:xsd="http://www.w3.org/2001/XMLSchema" xmlns:xs="http://www.w3.org/2001/XMLSchema" xmlns:p="http://schemas.microsoft.com/office/2006/metadata/properties" xmlns:ns2="243f3390-b919-40e8-8195-3613e8527352" targetNamespace="http://schemas.microsoft.com/office/2006/metadata/properties" ma:root="true" ma:fieldsID="1987007e621e1b24d40e437f012b913d" ns2:_="">
     <xsd:import namespace="243f3390-b919-40e8-8195-3613e8527352"/>
@@ -40491,6 +40491,15 @@
 </ct:contentTypeSchema>
 </file>
 
+<file path=customXml/item2.xml><?xml version="1.0" encoding="utf-8"?>
+<?mso-contentType ?>
+<FormTemplates xmlns="http://schemas.microsoft.com/sharepoint/v3/contenttype/forms">
+  <Display>DocumentLibraryForm</Display>
+  <Edit>DocumentLibraryForm</Edit>
+  <New>DocumentLibraryForm</New>
+</FormTemplates>
+</file>
+
 <file path=customXml/item3.xml><?xml version="1.0" encoding="utf-8"?>
 <p:properties xmlns:p="http://schemas.microsoft.com/office/2006/metadata/properties" xmlns:xsi="http://www.w3.org/2001/XMLSchema-instance" xmlns:pc="http://schemas.microsoft.com/office/infopath/2007/PartnerControls">
   <documentManagement/>
@@ -40498,14 +40507,6 @@
 </file>
 
 <file path=customXml/itemProps1.xml><?xml version="1.0" encoding="utf-8"?>
-<ds:datastoreItem xmlns:ds="http://schemas.openxmlformats.org/officeDocument/2006/customXml" ds:itemID="{42BC90D6-94CF-42F7-AAC4-9CF6824C54D5}">
-  <ds:schemaRefs>
-    <ds:schemaRef ds:uri="http://schemas.microsoft.com/sharepoint/v3/contenttype/forms"/>
-  </ds:schemaRefs>
-</ds:datastoreItem>
-</file>
-
-<file path=customXml/itemProps2.xml><?xml version="1.0" encoding="utf-8"?>
 <ds:datastoreItem xmlns:ds="http://schemas.openxmlformats.org/officeDocument/2006/customXml" ds:itemID="{1A503E23-9696-4358-8F00-F7F66AC755EB}">
   <ds:schemaRefs>
     <ds:schemaRef ds:uri="http://schemas.microsoft.com/office/2006/metadata/contentType"/>
@@ -40519,6 +40520,14 @@
     <ds:schemaRef ds:uri="http://purl.org/dc/elements/1.1/"/>
     <ds:schemaRef ds:uri="http://purl.org/dc/terms/"/>
     <ds:schemaRef ds:uri="http://schemas.microsoft.com/internal/obd"/>
+  </ds:schemaRefs>
+</ds:datastoreItem>
+</file>
+
+<file path=customXml/itemProps2.xml><?xml version="1.0" encoding="utf-8"?>
+<ds:datastoreItem xmlns:ds="http://schemas.openxmlformats.org/officeDocument/2006/customXml" ds:itemID="{42BC90D6-94CF-42F7-AAC4-9CF6824C54D5}">
+  <ds:schemaRefs>
+    <ds:schemaRef ds:uri="http://schemas.microsoft.com/sharepoint/v3/contenttype/forms"/>
   </ds:schemaRefs>
 </ds:datastoreItem>
 </file>

--- a/Presentazione/Presentazione_Progetto.pptx
+++ b/Presentazione/Presentazione_Progetto.pptx
@@ -181,7 +181,7 @@
   <pc:docChgLst>
     <pc:chgData name="Matteo MANGILI" userId="89c7df381375e6aa" providerId="LiveId" clId="{E6DC4EAA-0AC7-4D8A-9ABA-9B4C09DD8308}"/>
     <pc:docChg chg="undo custSel addSld delSld modSld sldOrd">
-      <pc:chgData name="Matteo MANGILI" userId="89c7df381375e6aa" providerId="LiveId" clId="{E6DC4EAA-0AC7-4D8A-9ABA-9B4C09DD8308}" dt="2024-03-22T10:16:38.270" v="17022" actId="20577"/>
+      <pc:chgData name="Matteo MANGILI" userId="89c7df381375e6aa" providerId="LiveId" clId="{E6DC4EAA-0AC7-4D8A-9ABA-9B4C09DD8308}" dt="2024-03-22T10:40:52.023" v="17383" actId="20577"/>
       <pc:docMkLst>
         <pc:docMk/>
       </pc:docMkLst>
@@ -339,13 +339,13 @@
         </pc:spChg>
       </pc:sldChg>
       <pc:sldChg chg="modSp mod">
-        <pc:chgData name="Matteo MANGILI" userId="89c7df381375e6aa" providerId="LiveId" clId="{E6DC4EAA-0AC7-4D8A-9ABA-9B4C09DD8308}" dt="2024-03-20T16:22:33.349" v="11810" actId="20577"/>
+        <pc:chgData name="Matteo MANGILI" userId="89c7df381375e6aa" providerId="LiveId" clId="{E6DC4EAA-0AC7-4D8A-9ABA-9B4C09DD8308}" dt="2024-03-22T10:24:26.500" v="17023" actId="20577"/>
         <pc:sldMkLst>
           <pc:docMk/>
           <pc:sldMk cId="2728347993" sldId="304"/>
         </pc:sldMkLst>
         <pc:spChg chg="mod">
-          <ac:chgData name="Matteo MANGILI" userId="89c7df381375e6aa" providerId="LiveId" clId="{E6DC4EAA-0AC7-4D8A-9ABA-9B4C09DD8308}" dt="2024-03-20T16:22:33.349" v="11810" actId="20577"/>
+          <ac:chgData name="Matteo MANGILI" userId="89c7df381375e6aa" providerId="LiveId" clId="{E6DC4EAA-0AC7-4D8A-9ABA-9B4C09DD8308}" dt="2024-03-22T10:24:26.500" v="17023" actId="20577"/>
           <ac:spMkLst>
             <pc:docMk/>
             <pc:sldMk cId="2728347993" sldId="304"/>
@@ -401,13 +401,13 @@
         </pc:picChg>
       </pc:sldChg>
       <pc:sldChg chg="modSp mod">
-        <pc:chgData name="Matteo MANGILI" userId="89c7df381375e6aa" providerId="LiveId" clId="{E6DC4EAA-0AC7-4D8A-9ABA-9B4C09DD8308}" dt="2024-03-21T12:18:29.856" v="15549" actId="20577"/>
+        <pc:chgData name="Matteo MANGILI" userId="89c7df381375e6aa" providerId="LiveId" clId="{E6DC4EAA-0AC7-4D8A-9ABA-9B4C09DD8308}" dt="2024-03-22T10:40:52.023" v="17383" actId="20577"/>
         <pc:sldMkLst>
           <pc:docMk/>
           <pc:sldMk cId="42136755" sldId="307"/>
         </pc:sldMkLst>
         <pc:spChg chg="mod">
-          <ac:chgData name="Matteo MANGILI" userId="89c7df381375e6aa" providerId="LiveId" clId="{E6DC4EAA-0AC7-4D8A-9ABA-9B4C09DD8308}" dt="2024-03-03T17:12:46.390" v="8224" actId="20577"/>
+          <ac:chgData name="Matteo MANGILI" userId="89c7df381375e6aa" providerId="LiveId" clId="{E6DC4EAA-0AC7-4D8A-9ABA-9B4C09DD8308}" dt="2024-03-22T10:40:52.023" v="17383" actId="20577"/>
           <ac:spMkLst>
             <pc:docMk/>
             <pc:sldMk cId="42136755" sldId="307"/>
@@ -734,13 +734,13 @@
         </pc:spChg>
       </pc:sldChg>
       <pc:sldChg chg="modSp mod">
-        <pc:chgData name="Matteo MANGILI" userId="89c7df381375e6aa" providerId="LiveId" clId="{E6DC4EAA-0AC7-4D8A-9ABA-9B4C09DD8308}" dt="2024-03-21T20:56:38.150" v="16123" actId="20577"/>
+        <pc:chgData name="Matteo MANGILI" userId="89c7df381375e6aa" providerId="LiveId" clId="{E6DC4EAA-0AC7-4D8A-9ABA-9B4C09DD8308}" dt="2024-03-22T10:36:02.013" v="17032" actId="20577"/>
         <pc:sldMkLst>
           <pc:docMk/>
           <pc:sldMk cId="3518618096" sldId="321"/>
         </pc:sldMkLst>
         <pc:spChg chg="mod">
-          <ac:chgData name="Matteo MANGILI" userId="89c7df381375e6aa" providerId="LiveId" clId="{E6DC4EAA-0AC7-4D8A-9ABA-9B4C09DD8308}" dt="2024-03-21T20:56:38.150" v="16123" actId="20577"/>
+          <ac:chgData name="Matteo MANGILI" userId="89c7df381375e6aa" providerId="LiveId" clId="{E6DC4EAA-0AC7-4D8A-9ABA-9B4C09DD8308}" dt="2024-03-22T10:36:02.013" v="17032" actId="20577"/>
           <ac:spMkLst>
             <pc:docMk/>
             <pc:sldMk cId="3518618096" sldId="321"/>
@@ -748,7 +748,7 @@
           </ac:spMkLst>
         </pc:spChg>
         <pc:picChg chg="mod modCrop">
-          <ac:chgData name="Matteo MANGILI" userId="89c7df381375e6aa" providerId="LiveId" clId="{E6DC4EAA-0AC7-4D8A-9ABA-9B4C09DD8308}" dt="2024-02-28T10:58:33.231" v="7036" actId="732"/>
+          <ac:chgData name="Matteo MANGILI" userId="89c7df381375e6aa" providerId="LiveId" clId="{E6DC4EAA-0AC7-4D8A-9ABA-9B4C09DD8308}" dt="2024-03-22T10:35:54.070" v="17030" actId="732"/>
           <ac:picMkLst>
             <pc:docMk/>
             <pc:sldMk cId="3518618096" sldId="321"/>
@@ -874,7 +874,7 @@
         </pc:spChg>
       </pc:sldChg>
       <pc:sldChg chg="addSp delSp modSp add mod">
-        <pc:chgData name="Matteo MANGILI" userId="89c7df381375e6aa" providerId="LiveId" clId="{E6DC4EAA-0AC7-4D8A-9ABA-9B4C09DD8308}" dt="2024-03-21T12:13:45.761" v="15042" actId="313"/>
+        <pc:chgData name="Matteo MANGILI" userId="89c7df381375e6aa" providerId="LiveId" clId="{E6DC4EAA-0AC7-4D8A-9ABA-9B4C09DD8308}" dt="2024-03-22T10:36:10.520" v="17034" actId="20577"/>
         <pc:sldMkLst>
           <pc:docMk/>
           <pc:sldMk cId="2813845049" sldId="325"/>
@@ -928,7 +928,7 @@
           </ac:spMkLst>
         </pc:spChg>
         <pc:spChg chg="add mod">
-          <ac:chgData name="Matteo MANGILI" userId="89c7df381375e6aa" providerId="LiveId" clId="{E6DC4EAA-0AC7-4D8A-9ABA-9B4C09DD8308}" dt="2024-03-21T12:13:45.761" v="15042" actId="313"/>
+          <ac:chgData name="Matteo MANGILI" userId="89c7df381375e6aa" providerId="LiveId" clId="{E6DC4EAA-0AC7-4D8A-9ABA-9B4C09DD8308}" dt="2024-03-22T10:36:10.520" v="17034" actId="20577"/>
           <ac:spMkLst>
             <pc:docMk/>
             <pc:sldMk cId="2813845049" sldId="325"/>
@@ -22606,7 +22606,7 @@
             </a:pPr>
             <a:r>
               <a:rPr lang="en-US" sz="1800" dirty="0"/>
-              <a:t>I punti dell’implementazione sono stati poi sottoposti a test  strutturali e funzionali, per accertarne l’ordine e controllarne la consistenza.</a:t>
+              <a:t>I punti dell’implementazione sono stati poi sottoposti a test strutturali e funzionali, per accertarne l’ordine e controllarne la consistenza.</a:t>
             </a:r>
           </a:p>
         </p:txBody>
@@ -23453,13 +23453,13 @@
         </p:nvPicPr>
         <p:blipFill rotWithShape="1">
           <a:blip r:embed="rId3"/>
-          <a:srcRect t="4180"/>
+          <a:srcRect l="14710" t="4180"/>
           <a:stretch/>
         </p:blipFill>
         <p:spPr>
           <a:xfrm>
-            <a:off x="6417654" y="2349820"/>
-            <a:ext cx="5530714" cy="3346052"/>
+            <a:off x="7231224" y="2349820"/>
+            <a:ext cx="4717144" cy="3346052"/>
           </a:xfrm>
         </p:spPr>
       </p:pic>
@@ -23569,11 +23569,11 @@
             </a:r>
             <a:r>
               <a:rPr lang="it-IT" dirty="0" err="1"/>
-              <a:t>Refactoring</a:t>
+              <a:t>refactoring</a:t>
             </a:r>
             <a:r>
               <a:rPr lang="it-IT" dirty="0"/>
-              <a:t> e al Testing.</a:t>
+              <a:t> e al testing.</a:t>
             </a:r>
           </a:p>
           <a:p>
@@ -24447,7 +24447,7 @@
             </a:r>
             <a:r>
               <a:rPr lang="it-IT" sz="1900" dirty="0" err="1"/>
-              <a:t>Refactoring</a:t>
+              <a:t>refactoring</a:t>
             </a:r>
             <a:r>
               <a:rPr lang="it-IT" sz="1900" dirty="0"/>
@@ -25442,88 +25442,297 @@
         </p:nvSpPr>
         <p:spPr>
           <a:xfrm>
-            <a:off x="838200" y="1929383"/>
-            <a:ext cx="10515600" cy="4563491"/>
+            <a:off x="838200" y="1809767"/>
+            <a:ext cx="10515600" cy="4683107"/>
           </a:xfrm>
         </p:spPr>
         <p:txBody>
           <a:bodyPr>
-            <a:normAutofit fontScale="92500" lnSpcReduction="10000"/>
+            <a:normAutofit/>
           </a:bodyPr>
           <a:lstStyle/>
-          <a:p>
-            <a:r>
-              <a:rPr lang="en-US" sz="2200" dirty="0"/>
-              <a:t>Diagramma dei Casi d’Uso (USE CASE DIAGRAM)</a:t>
-            </a:r>
-          </a:p>
           <a:p>
             <a:pPr marL="0" indent="0">
               <a:buNone/>
             </a:pPr>
-            <a:endParaRPr lang="en-US" sz="2200" dirty="0"/>
-          </a:p>
-          <a:p>
-            <a:r>
-              <a:rPr lang="en-US" sz="2200" dirty="0"/>
-              <a:t>Diagramma delle Classi (CLASS DIAGRAM)</a:t>
+            <a:r>
+              <a:rPr lang="en-US" sz="1900" dirty="0"/>
+              <a:t>Per </a:t>
+            </a:r>
+            <a:r>
+              <a:rPr lang="en-US" sz="1900" dirty="0" err="1"/>
+              <a:t>modellare</a:t>
+            </a:r>
+            <a:r>
+              <a:rPr lang="en-US" sz="1900" dirty="0"/>
+              <a:t> il </a:t>
+            </a:r>
+            <a:r>
+              <a:rPr lang="en-US" sz="1900" dirty="0" err="1"/>
+              <a:t>contesto</a:t>
+            </a:r>
+            <a:r>
+              <a:rPr lang="en-US" sz="1900" dirty="0"/>
+              <a:t> del </a:t>
+            </a:r>
+            <a:r>
+              <a:rPr lang="en-US" sz="1900" dirty="0" err="1"/>
+              <a:t>problema</a:t>
+            </a:r>
+            <a:r>
+              <a:rPr lang="en-US" sz="1900" dirty="0"/>
+              <a:t>, </a:t>
+            </a:r>
+            <a:r>
+              <a:rPr lang="en-US" sz="1900" dirty="0" err="1"/>
+              <a:t>sono</a:t>
+            </a:r>
+            <a:r>
+              <a:rPr lang="en-US" sz="1900" dirty="0"/>
+              <a:t> </a:t>
+            </a:r>
+            <a:r>
+              <a:rPr lang="en-US" sz="1900" dirty="0" err="1"/>
+              <a:t>stati</a:t>
+            </a:r>
+            <a:r>
+              <a:rPr lang="en-US" sz="1900" dirty="0"/>
+              <a:t> </a:t>
+            </a:r>
+            <a:r>
+              <a:rPr lang="en-US" sz="1900" dirty="0" err="1"/>
+              <a:t>strutturati</a:t>
+            </a:r>
+            <a:r>
+              <a:rPr lang="en-US" sz="1900" dirty="0"/>
+              <a:t> </a:t>
+            </a:r>
+            <a:r>
+              <a:rPr lang="en-US" sz="1900" dirty="0" err="1"/>
+              <a:t>diversi</a:t>
+            </a:r>
+            <a:r>
+              <a:rPr lang="en-US" sz="1900" dirty="0"/>
+              <a:t> </a:t>
+            </a:r>
+            <a:r>
+              <a:rPr lang="en-US" sz="1900" dirty="0" err="1"/>
+              <a:t>diagrammi</a:t>
+            </a:r>
+            <a:r>
+              <a:rPr lang="en-US" sz="1900" dirty="0"/>
+              <a:t> UML:</a:t>
+            </a:r>
+          </a:p>
+          <a:p>
+            <a:r>
+              <a:rPr lang="en-US" sz="1900" dirty="0" err="1"/>
+              <a:t>Diagramma</a:t>
+            </a:r>
+            <a:r>
+              <a:rPr lang="en-US" sz="1900" dirty="0"/>
+              <a:t> dei Casi d’Uso (USE CASE DIAGRAM)</a:t>
             </a:r>
           </a:p>
           <a:p>
             <a:pPr marL="0" indent="0">
               <a:buNone/>
             </a:pPr>
-            <a:endParaRPr lang="en-US" sz="2200" dirty="0"/>
-          </a:p>
-          <a:p>
-            <a:r>
-              <a:rPr lang="en-US" sz="2200" dirty="0"/>
-              <a:t>Diagramma di Stato (STATE-CHART DIAGRAM)</a:t>
+            <a:endParaRPr lang="en-US" sz="1900" dirty="0"/>
+          </a:p>
+          <a:p>
+            <a:r>
+              <a:rPr lang="en-US" sz="1900" dirty="0"/>
+              <a:t>Diagramma delle Classi (CLASS DIAGRAM)</a:t>
             </a:r>
           </a:p>
           <a:p>
             <a:pPr marL="0" indent="0">
               <a:buNone/>
             </a:pPr>
-            <a:r>
-              <a:rPr lang="en-US" sz="2200" dirty="0"/>
-              <a:t> (per comprendere lo stato del paziente rispetto alle varie liste)</a:t>
-            </a:r>
-          </a:p>
-          <a:p>
-            <a:endParaRPr lang="en-US" sz="2200" dirty="0"/>
-          </a:p>
-          <a:p>
-            <a:r>
-              <a:rPr lang="en-US" sz="2200" dirty="0"/>
-              <a:t>Diagramma di Sequenza (SEQUENCE DIAGRAM)</a:t>
+            <a:endParaRPr lang="en-US" sz="1900" dirty="0"/>
+          </a:p>
+          <a:p>
+            <a:r>
+              <a:rPr lang="en-US" sz="1900" dirty="0"/>
+              <a:t>Diagramma di Stato (STATE-CHART DIAGRAM)</a:t>
             </a:r>
           </a:p>
           <a:p>
             <a:pPr marL="0" indent="0">
               <a:buNone/>
             </a:pPr>
-            <a:r>
-              <a:rPr lang="en-US" sz="2200" dirty="0"/>
-              <a:t>(definire la sequenza di interazioni tra i vari attori del problema)</a:t>
-            </a:r>
-          </a:p>
-          <a:p>
-            <a:endParaRPr lang="en-US" sz="2200" dirty="0"/>
-          </a:p>
-          <a:p>
-            <a:r>
-              <a:rPr lang="en-US" sz="2200" dirty="0"/>
-              <a:t>Diagramma delle Attività (ACTIVITY DIAGRAM) </a:t>
+            <a:endParaRPr lang="en-US" sz="1900" dirty="0"/>
+          </a:p>
+          <a:p>
+            <a:r>
+              <a:rPr lang="en-US" sz="1900" dirty="0" err="1"/>
+              <a:t>Diagramma</a:t>
+            </a:r>
+            <a:r>
+              <a:rPr lang="en-US" sz="1900" dirty="0"/>
+              <a:t> di Sequenza (SEQUENCE DIAGRAM)</a:t>
             </a:r>
           </a:p>
           <a:p>
             <a:pPr marL="0" indent="0">
               <a:buNone/>
             </a:pPr>
-            <a:r>
-              <a:rPr lang="en-US" sz="2200" dirty="0"/>
-              <a:t>(per Compilazione Verbale Medico e Iscrizione alla Lista Operatoria)</a:t>
+            <a:endParaRPr lang="en-US" sz="1900" dirty="0"/>
+          </a:p>
+          <a:p>
+            <a:r>
+              <a:rPr lang="en-US" sz="1900" dirty="0" err="1"/>
+              <a:t>Diagramma</a:t>
+            </a:r>
+            <a:r>
+              <a:rPr lang="en-US" sz="1900" dirty="0"/>
+              <a:t> </a:t>
+            </a:r>
+            <a:r>
+              <a:rPr lang="en-US" sz="1900" dirty="0" err="1"/>
+              <a:t>delle</a:t>
+            </a:r>
+            <a:r>
+              <a:rPr lang="en-US" sz="1900" dirty="0"/>
+              <a:t> Attività (ACTIVITY DIAGRAM) </a:t>
+            </a:r>
+          </a:p>
+          <a:p>
+            <a:pPr marL="0" indent="0">
+              <a:buNone/>
+            </a:pPr>
+            <a:r>
+              <a:rPr lang="en-US" sz="1900" dirty="0"/>
+              <a:t>Nelle </a:t>
+            </a:r>
+            <a:r>
+              <a:rPr lang="en-US" sz="1900" dirty="0" err="1"/>
+              <a:t>prossime</a:t>
+            </a:r>
+            <a:r>
+              <a:rPr lang="en-US" sz="1900" dirty="0"/>
+              <a:t> slide, </a:t>
+            </a:r>
+            <a:r>
+              <a:rPr lang="en-US" sz="1900" dirty="0" err="1"/>
+              <a:t>sono</a:t>
+            </a:r>
+            <a:r>
+              <a:rPr lang="en-US" sz="1900" dirty="0"/>
+              <a:t> </a:t>
+            </a:r>
+            <a:r>
+              <a:rPr lang="en-US" sz="1900" dirty="0" err="1"/>
+              <a:t>mostrati</a:t>
+            </a:r>
+            <a:r>
+              <a:rPr lang="en-US" sz="1900" dirty="0"/>
+              <a:t> </a:t>
+            </a:r>
+            <a:r>
+              <a:rPr lang="en-US" sz="1900" dirty="0" err="1"/>
+              <a:t>i</a:t>
+            </a:r>
+            <a:r>
+              <a:rPr lang="en-US" sz="1900" dirty="0"/>
+              <a:t> </a:t>
+            </a:r>
+            <a:r>
+              <a:rPr lang="en-US" sz="1900" dirty="0" err="1"/>
+              <a:t>diagrammi</a:t>
+            </a:r>
+            <a:r>
+              <a:rPr lang="en-US" sz="1900" dirty="0"/>
+              <a:t> rispetto alle </a:t>
+            </a:r>
+            <a:r>
+              <a:rPr lang="en-US" sz="1900" dirty="0" err="1"/>
+              <a:t>attività</a:t>
+            </a:r>
+            <a:r>
+              <a:rPr lang="en-US" sz="1900" dirty="0"/>
+              <a:t> del medico, ma </a:t>
+            </a:r>
+            <a:r>
+              <a:rPr lang="en-US" sz="1900" dirty="0" err="1"/>
+              <a:t>all’interno</a:t>
+            </a:r>
+            <a:r>
+              <a:rPr lang="en-US" sz="1900" dirty="0"/>
+              <a:t> </a:t>
+            </a:r>
+            <a:r>
+              <a:rPr lang="en-US" sz="1900" dirty="0" err="1"/>
+              <a:t>della</a:t>
+            </a:r>
+            <a:r>
+              <a:rPr lang="en-US" sz="1900" dirty="0"/>
+              <a:t> repository </a:t>
+            </a:r>
+            <a:r>
+              <a:rPr lang="en-US" sz="1900" dirty="0" err="1"/>
+              <a:t>sono</a:t>
+            </a:r>
+            <a:r>
+              <a:rPr lang="en-US" sz="1900" dirty="0"/>
+              <a:t> </a:t>
+            </a:r>
+            <a:r>
+              <a:rPr lang="en-US" sz="1900" dirty="0" err="1"/>
+              <a:t>presenti</a:t>
+            </a:r>
+            <a:r>
+              <a:rPr lang="en-US" sz="1900" dirty="0"/>
+              <a:t> </a:t>
+            </a:r>
+            <a:r>
+              <a:rPr lang="en-US" sz="1900" dirty="0" err="1"/>
+              <a:t>altri</a:t>
+            </a:r>
+            <a:r>
+              <a:rPr lang="en-US" sz="1900" dirty="0"/>
+              <a:t> </a:t>
+            </a:r>
+            <a:r>
+              <a:rPr lang="en-US" sz="1900" dirty="0" err="1"/>
+              <a:t>diagrammi</a:t>
+            </a:r>
+            <a:r>
+              <a:rPr lang="en-US" sz="1900" dirty="0"/>
+              <a:t> </a:t>
+            </a:r>
+            <a:r>
+              <a:rPr lang="en-US" sz="1900" dirty="0" err="1"/>
+              <a:t>che</a:t>
+            </a:r>
+            <a:r>
+              <a:rPr lang="en-US" sz="1900" dirty="0"/>
+              <a:t> </a:t>
+            </a:r>
+            <a:r>
+              <a:rPr lang="en-US" sz="1900" dirty="0" err="1"/>
+              <a:t>descrivono</a:t>
+            </a:r>
+            <a:r>
+              <a:rPr lang="en-US" sz="1900" dirty="0"/>
+              <a:t> </a:t>
+            </a:r>
+            <a:r>
+              <a:rPr lang="en-US" sz="1900" dirty="0" err="1"/>
+              <a:t>l’inero</a:t>
+            </a:r>
+            <a:r>
+              <a:rPr lang="en-US" sz="1900" dirty="0"/>
+              <a:t> Sistema </a:t>
+            </a:r>
+            <a:r>
+              <a:rPr lang="en-US" sz="1900" dirty="0" err="1"/>
+              <a:t>dell’ospedale</a:t>
+            </a:r>
+            <a:r>
+              <a:rPr lang="en-US" sz="1900" dirty="0"/>
+              <a:t>.</a:t>
             </a:r>
           </a:p>
         </p:txBody>
@@ -40330,6 +40539,15 @@
 </file>
 
 <file path=customXml/item1.xml><?xml version="1.0" encoding="utf-8"?>
+<?mso-contentType ?>
+<FormTemplates xmlns="http://schemas.microsoft.com/sharepoint/v3/contenttype/forms">
+  <Display>DocumentLibraryForm</Display>
+  <Edit>DocumentLibraryForm</Edit>
+  <New>DocumentLibraryForm</New>
+</FormTemplates>
+</file>
+
+<file path=customXml/item2.xml><?xml version="1.0" encoding="utf-8"?>
 <ct:contentTypeSchema xmlns:ct="http://schemas.microsoft.com/office/2006/metadata/contentType" xmlns:ma="http://schemas.microsoft.com/office/2006/metadata/properties/metaAttributes" ct:_="" ma:_="" ma:contentTypeName="Documento" ma:contentTypeID="0x0101007CE6213B20D2F945B0D1473923EE410F" ma:contentTypeVersion="7" ma:contentTypeDescription="Creare un nuovo documento." ma:contentTypeScope="" ma:versionID="dc8ac43e96b461727accd63cf925a5cf">
   <xsd:schema xmlns:xsd="http://www.w3.org/2001/XMLSchema" xmlns:xs="http://www.w3.org/2001/XMLSchema" xmlns:p="http://schemas.microsoft.com/office/2006/metadata/properties" xmlns:ns2="243f3390-b919-40e8-8195-3613e8527352" targetNamespace="http://schemas.microsoft.com/office/2006/metadata/properties" ma:root="true" ma:fieldsID="1987007e621e1b24d40e437f012b913d" ns2:_="">
     <xsd:import namespace="243f3390-b919-40e8-8195-3613e8527352"/>
@@ -40491,15 +40709,6 @@
 </ct:contentTypeSchema>
 </file>
 
-<file path=customXml/item2.xml><?xml version="1.0" encoding="utf-8"?>
-<?mso-contentType ?>
-<FormTemplates xmlns="http://schemas.microsoft.com/sharepoint/v3/contenttype/forms">
-  <Display>DocumentLibraryForm</Display>
-  <Edit>DocumentLibraryForm</Edit>
-  <New>DocumentLibraryForm</New>
-</FormTemplates>
-</file>
-
 <file path=customXml/item3.xml><?xml version="1.0" encoding="utf-8"?>
 <p:properties xmlns:p="http://schemas.microsoft.com/office/2006/metadata/properties" xmlns:xsi="http://www.w3.org/2001/XMLSchema-instance" xmlns:pc="http://schemas.microsoft.com/office/infopath/2007/PartnerControls">
   <documentManagement/>
@@ -40507,6 +40716,14 @@
 </file>
 
 <file path=customXml/itemProps1.xml><?xml version="1.0" encoding="utf-8"?>
+<ds:datastoreItem xmlns:ds="http://schemas.openxmlformats.org/officeDocument/2006/customXml" ds:itemID="{42BC90D6-94CF-42F7-AAC4-9CF6824C54D5}">
+  <ds:schemaRefs>
+    <ds:schemaRef ds:uri="http://schemas.microsoft.com/sharepoint/v3/contenttype/forms"/>
+  </ds:schemaRefs>
+</ds:datastoreItem>
+</file>
+
+<file path=customXml/itemProps2.xml><?xml version="1.0" encoding="utf-8"?>
 <ds:datastoreItem xmlns:ds="http://schemas.openxmlformats.org/officeDocument/2006/customXml" ds:itemID="{1A503E23-9696-4358-8F00-F7F66AC755EB}">
   <ds:schemaRefs>
     <ds:schemaRef ds:uri="http://schemas.microsoft.com/office/2006/metadata/contentType"/>
@@ -40520,14 +40737,6 @@
     <ds:schemaRef ds:uri="http://purl.org/dc/elements/1.1/"/>
     <ds:schemaRef ds:uri="http://purl.org/dc/terms/"/>
     <ds:schemaRef ds:uri="http://schemas.microsoft.com/internal/obd"/>
-  </ds:schemaRefs>
-</ds:datastoreItem>
-</file>
-
-<file path=customXml/itemProps2.xml><?xml version="1.0" encoding="utf-8"?>
-<ds:datastoreItem xmlns:ds="http://schemas.openxmlformats.org/officeDocument/2006/customXml" ds:itemID="{42BC90D6-94CF-42F7-AAC4-9CF6824C54D5}">
-  <ds:schemaRefs>
-    <ds:schemaRef ds:uri="http://schemas.microsoft.com/sharepoint/v3/contenttype/forms"/>
   </ds:schemaRefs>
 </ds:datastoreItem>
 </file>

--- a/Presentazione/Presentazione_Progetto.pptx
+++ b/Presentazione/Presentazione_Progetto.pptx
@@ -171,7 +171,7 @@
 <file path=ppt/revisionInfo.xml><?xml version="1.0" encoding="utf-8"?>
 <p1510:revInfo xmlns:a="http://schemas.openxmlformats.org/drawingml/2006/main" xmlns:r="http://schemas.openxmlformats.org/officeDocument/2006/relationships" xmlns:p1510="http://schemas.microsoft.com/office/powerpoint/2015/10/main">
   <p1510:revLst>
-    <p1510:client id="{E6DC4EAA-0AC7-4D8A-9ABA-9B4C09DD8308}" v="504" dt="2024-03-21T12:02:24.686"/>
+    <p1510:client id="{E6DC4EAA-0AC7-4D8A-9ABA-9B4C09DD8308}" v="535" dt="2024-03-22T17:04:16.280"/>
   </p1510:revLst>
 </p1510:revInfo>
 </file>
@@ -181,7 +181,7 @@
   <pc:docChgLst>
     <pc:chgData name="Matteo MANGILI" userId="89c7df381375e6aa" providerId="LiveId" clId="{E6DC4EAA-0AC7-4D8A-9ABA-9B4C09DD8308}"/>
     <pc:docChg chg="undo custSel addSld delSld modSld sldOrd">
-      <pc:chgData name="Matteo MANGILI" userId="89c7df381375e6aa" providerId="LiveId" clId="{E6DC4EAA-0AC7-4D8A-9ABA-9B4C09DD8308}" dt="2024-03-22T10:40:52.023" v="17383" actId="20577"/>
+      <pc:chgData name="Matteo MANGILI" userId="89c7df381375e6aa" providerId="LiveId" clId="{E6DC4EAA-0AC7-4D8A-9ABA-9B4C09DD8308}" dt="2024-03-22T17:03:49.471" v="18311" actId="20577"/>
       <pc:docMkLst>
         <pc:docMk/>
       </pc:docMkLst>
@@ -424,13 +424,13 @@
         </pc:spChg>
       </pc:sldChg>
       <pc:sldChg chg="modSp mod">
-        <pc:chgData name="Matteo MANGILI" userId="89c7df381375e6aa" providerId="LiveId" clId="{E6DC4EAA-0AC7-4D8A-9ABA-9B4C09DD8308}" dt="2024-03-20T21:35:27.209" v="13253" actId="20577"/>
+        <pc:chgData name="Matteo MANGILI" userId="89c7df381375e6aa" providerId="LiveId" clId="{E6DC4EAA-0AC7-4D8A-9ABA-9B4C09DD8308}" dt="2024-03-22T16:47:40.929" v="18308" actId="20577"/>
         <pc:sldMkLst>
           <pc:docMk/>
           <pc:sldMk cId="1581940243" sldId="309"/>
         </pc:sldMkLst>
         <pc:spChg chg="mod">
-          <ac:chgData name="Matteo MANGILI" userId="89c7df381375e6aa" providerId="LiveId" clId="{E6DC4EAA-0AC7-4D8A-9ABA-9B4C09DD8308}" dt="2024-03-20T21:35:27.209" v="13253" actId="20577"/>
+          <ac:chgData name="Matteo MANGILI" userId="89c7df381375e6aa" providerId="LiveId" clId="{E6DC4EAA-0AC7-4D8A-9ABA-9B4C09DD8308}" dt="2024-03-22T16:47:40.929" v="18308" actId="20577"/>
           <ac:spMkLst>
             <pc:docMk/>
             <pc:sldMk cId="1581940243" sldId="309"/>
@@ -719,13 +719,13 @@
         </pc:spChg>
       </pc:sldChg>
       <pc:sldChg chg="modSp mod">
-        <pc:chgData name="Matteo MANGILI" userId="89c7df381375e6aa" providerId="LiveId" clId="{E6DC4EAA-0AC7-4D8A-9ABA-9B4C09DD8308}" dt="2024-03-22T10:16:38.270" v="17022" actId="20577"/>
+        <pc:chgData name="Matteo MANGILI" userId="89c7df381375e6aa" providerId="LiveId" clId="{E6DC4EAA-0AC7-4D8A-9ABA-9B4C09DD8308}" dt="2024-03-22T17:03:49.471" v="18311" actId="20577"/>
         <pc:sldMkLst>
           <pc:docMk/>
           <pc:sldMk cId="3754641538" sldId="320"/>
         </pc:sldMkLst>
         <pc:spChg chg="mod">
-          <ac:chgData name="Matteo MANGILI" userId="89c7df381375e6aa" providerId="LiveId" clId="{E6DC4EAA-0AC7-4D8A-9ABA-9B4C09DD8308}" dt="2024-03-22T10:16:38.270" v="17022" actId="20577"/>
+          <ac:chgData name="Matteo MANGILI" userId="89c7df381375e6aa" providerId="LiveId" clId="{E6DC4EAA-0AC7-4D8A-9ABA-9B4C09DD8308}" dt="2024-03-22T17:03:49.471" v="18311" actId="20577"/>
           <ac:spMkLst>
             <pc:docMk/>
             <pc:sldMk cId="3754641538" sldId="320"/>
@@ -734,13 +734,13 @@
         </pc:spChg>
       </pc:sldChg>
       <pc:sldChg chg="modSp mod">
-        <pc:chgData name="Matteo MANGILI" userId="89c7df381375e6aa" providerId="LiveId" clId="{E6DC4EAA-0AC7-4D8A-9ABA-9B4C09DD8308}" dt="2024-03-22T10:36:02.013" v="17032" actId="20577"/>
+        <pc:chgData name="Matteo MANGILI" userId="89c7df381375e6aa" providerId="LiveId" clId="{E6DC4EAA-0AC7-4D8A-9ABA-9B4C09DD8308}" dt="2024-03-22T16:01:48.648" v="18093" actId="1076"/>
         <pc:sldMkLst>
           <pc:docMk/>
           <pc:sldMk cId="3518618096" sldId="321"/>
         </pc:sldMkLst>
         <pc:spChg chg="mod">
-          <ac:chgData name="Matteo MANGILI" userId="89c7df381375e6aa" providerId="LiveId" clId="{E6DC4EAA-0AC7-4D8A-9ABA-9B4C09DD8308}" dt="2024-03-22T10:36:02.013" v="17032" actId="20577"/>
+          <ac:chgData name="Matteo MANGILI" userId="89c7df381375e6aa" providerId="LiveId" clId="{E6DC4EAA-0AC7-4D8A-9ABA-9B4C09DD8308}" dt="2024-03-22T16:01:30.654" v="18091" actId="14100"/>
           <ac:spMkLst>
             <pc:docMk/>
             <pc:sldMk cId="3518618096" sldId="321"/>
@@ -748,7 +748,7 @@
           </ac:spMkLst>
         </pc:spChg>
         <pc:picChg chg="mod modCrop">
-          <ac:chgData name="Matteo MANGILI" userId="89c7df381375e6aa" providerId="LiveId" clId="{E6DC4EAA-0AC7-4D8A-9ABA-9B4C09DD8308}" dt="2024-03-22T10:35:54.070" v="17030" actId="732"/>
+          <ac:chgData name="Matteo MANGILI" userId="89c7df381375e6aa" providerId="LiveId" clId="{E6DC4EAA-0AC7-4D8A-9ABA-9B4C09DD8308}" dt="2024-03-22T16:01:48.648" v="18093" actId="1076"/>
           <ac:picMkLst>
             <pc:docMk/>
             <pc:sldMk cId="3518618096" sldId="321"/>
@@ -874,7 +874,7 @@
         </pc:spChg>
       </pc:sldChg>
       <pc:sldChg chg="addSp delSp modSp add mod">
-        <pc:chgData name="Matteo MANGILI" userId="89c7df381375e6aa" providerId="LiveId" clId="{E6DC4EAA-0AC7-4D8A-9ABA-9B4C09DD8308}" dt="2024-03-22T10:36:10.520" v="17034" actId="20577"/>
+        <pc:chgData name="Matteo MANGILI" userId="89c7df381375e6aa" providerId="LiveId" clId="{E6DC4EAA-0AC7-4D8A-9ABA-9B4C09DD8308}" dt="2024-03-22T16:03:38.998" v="18128" actId="20577"/>
         <pc:sldMkLst>
           <pc:docMk/>
           <pc:sldMk cId="2813845049" sldId="325"/>
@@ -928,7 +928,7 @@
           </ac:spMkLst>
         </pc:spChg>
         <pc:spChg chg="add mod">
-          <ac:chgData name="Matteo MANGILI" userId="89c7df381375e6aa" providerId="LiveId" clId="{E6DC4EAA-0AC7-4D8A-9ABA-9B4C09DD8308}" dt="2024-03-22T10:36:10.520" v="17034" actId="20577"/>
+          <ac:chgData name="Matteo MANGILI" userId="89c7df381375e6aa" providerId="LiveId" clId="{E6DC4EAA-0AC7-4D8A-9ABA-9B4C09DD8308}" dt="2024-03-22T16:03:38.998" v="18128" actId="20577"/>
           <ac:spMkLst>
             <pc:docMk/>
             <pc:sldMk cId="2813845049" sldId="325"/>
@@ -17132,12 +17132,12 @@
         <p:spPr>
           <a:xfrm>
             <a:off x="499871" y="1708977"/>
-            <a:ext cx="11098079" cy="5012497"/>
+            <a:ext cx="11098079" cy="5130735"/>
           </a:xfrm>
         </p:spPr>
         <p:txBody>
           <a:bodyPr vert="horz" lIns="91440" tIns="45720" rIns="91440" bIns="45720" rtlCol="0">
-            <a:normAutofit fontScale="77500" lnSpcReduction="20000"/>
+            <a:normAutofit fontScale="55000" lnSpcReduction="20000"/>
           </a:bodyPr>
           <a:lstStyle/>
           <a:p>
@@ -17145,25 +17145,25 @@
               <a:buNone/>
             </a:pPr>
             <a:r>
-              <a:rPr lang="en-US" sz="2300" dirty="0">
+              <a:rPr lang="en-US" sz="3300" dirty="0">
                 <a:cs typeface="Calibri"/>
               </a:rPr>
-              <a:t>Le informazioni generali per lavorare al Sistema le abbiamo ricavate da un’intervista, effettuata dal responsabile Cattaneo, verso un’infermiera dell’Ospedale Papa Giovanni XXIII di Bergamo (BG) (</a:t>
-            </a:r>
-            <a:r>
-              <a:rPr lang="en-US" sz="2300" b="1" i="1" dirty="0">
+              <a:t>Le informazioni generali per lavorare al sistema le abbiamo ricavate da un’intervista, effettuata dal responsabile Cattaneo, verso un’infermiera dell’Ospedale Papa Giovanni XXIII di Bergamo (BG) (</a:t>
+            </a:r>
+            <a:r>
+              <a:rPr lang="en-US" sz="3300" b="1" i="1" dirty="0">
                 <a:cs typeface="Calibri"/>
               </a:rPr>
               <a:t>Elicitazione dei requisiti</a:t>
             </a:r>
             <a:r>
-              <a:rPr lang="en-US" sz="2300" dirty="0">
+              <a:rPr lang="en-US" sz="3300" dirty="0">
                 <a:cs typeface="Calibri"/>
               </a:rPr>
               <a:t>)</a:t>
             </a:r>
             <a:r>
-              <a:rPr lang="en-US" sz="2300" b="1" dirty="0">
+              <a:rPr lang="en-US" sz="3300" b="1" dirty="0">
                 <a:cs typeface="Calibri"/>
               </a:rPr>
               <a:t>. </a:t>
@@ -17174,91 +17174,102 @@
               <a:buNone/>
             </a:pPr>
             <a:r>
-              <a:rPr lang="en-US" sz="2300" dirty="0">
+              <a:rPr lang="en-US" sz="3300" dirty="0">
                 <a:cs typeface="Calibri"/>
               </a:rPr>
-              <a:t>Una volta descritto il problema (</a:t>
-            </a:r>
-            <a:r>
-              <a:rPr lang="en-US" sz="2300" b="1" i="1" dirty="0">
+              <a:t>Una volta descritto il problema e l’obiettivo del progetto (</a:t>
+            </a:r>
+            <a:r>
+              <a:rPr lang="en-US" sz="3300" b="1" i="1" dirty="0">
                 <a:cs typeface="Calibri"/>
               </a:rPr>
               <a:t>Specifica dei requisiti</a:t>
             </a:r>
             <a:r>
-              <a:rPr lang="en-US" sz="2300" dirty="0">
+              <a:rPr lang="en-US" sz="3300" dirty="0">
                 <a:cs typeface="Calibri"/>
               </a:rPr>
               <a:t>)</a:t>
             </a:r>
             <a:r>
-              <a:rPr lang="en-US" sz="2300" b="1" dirty="0">
+              <a:rPr lang="en-US" sz="3300" b="1" dirty="0">
                 <a:cs typeface="Calibri"/>
               </a:rPr>
               <a:t>,</a:t>
             </a:r>
             <a:r>
-              <a:rPr lang="en-US" sz="2300" dirty="0">
+              <a:rPr lang="en-US" sz="3300" dirty="0">
                 <a:cs typeface="Calibri"/>
               </a:rPr>
               <a:t> i requisiti devono essere valutati per la loro importanza e ruolo rispetto alla natura del progetto (</a:t>
             </a:r>
             <a:r>
-              <a:rPr lang="en-US" sz="2300" b="1" i="1" dirty="0">
+              <a:rPr lang="en-US" sz="3300" b="1" i="1" dirty="0">
                 <a:cs typeface="Calibri"/>
               </a:rPr>
               <a:t>Verifica</a:t>
             </a:r>
             <a:r>
-              <a:rPr lang="en-US" sz="2300" b="1" dirty="0">
+              <a:rPr lang="en-US" sz="3300" b="1" dirty="0">
                 <a:cs typeface="Calibri"/>
               </a:rPr>
               <a:t>, </a:t>
             </a:r>
             <a:r>
-              <a:rPr lang="en-US" sz="2300" dirty="0">
+              <a:rPr lang="en-US" sz="3300" dirty="0">
                 <a:cs typeface="Calibri"/>
               </a:rPr>
               <a:t>i requisiti soddisfano le esigenze del Sistema, </a:t>
             </a:r>
             <a:r>
-              <a:rPr lang="en-US" sz="2300" b="1" i="1" dirty="0">
+              <a:rPr lang="en-US" sz="3300" b="1" i="1" dirty="0">
                 <a:cs typeface="Calibri"/>
               </a:rPr>
               <a:t>Validazione</a:t>
             </a:r>
             <a:r>
-              <a:rPr lang="en-US" sz="2300" i="1" dirty="0">
+              <a:rPr lang="en-US" sz="3300" i="1" dirty="0">
                 <a:cs typeface="Calibri"/>
               </a:rPr>
               <a:t>, </a:t>
             </a:r>
             <a:r>
-              <a:rPr lang="en-US" sz="2300" dirty="0">
+              <a:rPr lang="en-US" sz="3300" dirty="0">
                 <a:cs typeface="Calibri"/>
               </a:rPr>
               <a:t>i</a:t>
             </a:r>
             <a:r>
-              <a:rPr lang="en-US" sz="2300" i="1" dirty="0">
+              <a:rPr lang="en-US" sz="3300" i="1" dirty="0">
                 <a:cs typeface="Calibri"/>
               </a:rPr>
               <a:t> </a:t>
             </a:r>
             <a:r>
-              <a:rPr lang="en-US" sz="2300" dirty="0">
+              <a:rPr lang="en-US" sz="3300" dirty="0">
                 <a:cs typeface="Calibri"/>
               </a:rPr>
-              <a:t>requisiti rispettano le richieste </a:t>
-            </a:r>
-            <a:r>
-              <a:rPr lang="en-US" sz="2300" dirty="0" err="1">
+              <a:t>requisiti rispettano le richieste d’utente).</a:t>
+            </a:r>
+          </a:p>
+          <a:p>
+            <a:pPr marL="0" indent="0">
+              <a:buNone/>
+            </a:pPr>
+            <a:r>
+              <a:rPr lang="en-US" sz="3300" dirty="0">
                 <a:cs typeface="Calibri"/>
               </a:rPr>
-              <a:t>d’utente</a:t>
-            </a:r>
-            <a:r>
-              <a:rPr lang="en-US" sz="2300" dirty="0">
+              <a:t>Infine, i tre collaboratori hanno deciso di concentrare l’attenzione sulle funzioni svolte dai medici, per non creare confusione nell’implementazione e per ottimizzare un progetto software non troppo complesso nei tempi prestabiliti (</a:t>
+            </a:r>
+            <a:r>
+              <a:rPr lang="en-US" sz="3300" b="1" i="1" dirty="0">
+                <a:cs typeface="Calibri"/>
+              </a:rPr>
+              <a:t>Negoziazione dei requisiti</a:t>
+            </a:r>
+            <a:r>
+              <a:rPr lang="en-US" sz="3300" dirty="0">
                 <a:cs typeface="Calibri"/>
               </a:rPr>
               <a:t>).</a:t>
@@ -17269,81 +17280,58 @@
               <a:buNone/>
             </a:pPr>
             <a:r>
-              <a:rPr lang="en-US" sz="2300" dirty="0">
+              <a:rPr lang="en-US" sz="3300" b="1" dirty="0">
                 <a:cs typeface="Calibri"/>
               </a:rPr>
-              <a:t>Infine, i tre collaborator hanno deciso di concentrare l’attenzione sulle funzioni principalmente svolte dai medici, per non creare confusione nell’implementazione (</a:t>
-            </a:r>
-            <a:r>
-              <a:rPr lang="en-US" sz="2300" b="1" i="1" dirty="0">
+              <a:t>Requisiti funzionali (riguardano le funzionalità del Sistema):</a:t>
+            </a:r>
+          </a:p>
+          <a:p>
+            <a:r>
+              <a:rPr lang="en-US" sz="3300" dirty="0">
                 <a:cs typeface="Calibri"/>
               </a:rPr>
-              <a:t>Negoziazione dei requisiti</a:t>
-            </a:r>
-            <a:r>
-              <a:rPr lang="en-US" sz="2300" dirty="0">
+              <a:t>Funzionalità del sistema;</a:t>
+            </a:r>
+          </a:p>
+          <a:p>
+            <a:r>
+              <a:rPr lang="en-US" sz="3300" dirty="0">
                 <a:cs typeface="Calibri"/>
               </a:rPr>
-              <a:t>).</a:t>
+              <a:t>Corretta correlazione tra le varie classi del sistema;</a:t>
+            </a:r>
+          </a:p>
+          <a:p>
+            <a:r>
+              <a:rPr lang="en-US" sz="3300" dirty="0">
+                <a:cs typeface="Calibri"/>
+              </a:rPr>
+              <a:t>Comprensione e Chiarezza del sistema durante il suo utilizzo;</a:t>
+            </a:r>
+          </a:p>
+          <a:p>
+            <a:r>
+              <a:rPr lang="en-US" sz="3300" dirty="0">
+                <a:cs typeface="Calibri"/>
+              </a:rPr>
+              <a:t>Il Sistema non deve interfacciarsi con altri ambienti (hardware o software);</a:t>
             </a:r>
           </a:p>
           <a:p>
             <a:pPr marL="0" indent="0">
               <a:buNone/>
             </a:pPr>
-            <a:r>
-              <a:rPr lang="en-US" sz="2300" b="1" dirty="0">
-                <a:cs typeface="Calibri"/>
-              </a:rPr>
-              <a:t>Requisiti funzionali (riguardano le funzionalità del Sistema):</a:t>
-            </a:r>
-          </a:p>
-          <a:p>
-            <a:r>
-              <a:rPr lang="en-US" sz="2300" dirty="0">
-                <a:cs typeface="Calibri"/>
-              </a:rPr>
-              <a:t>Funzionalità del sistema;</a:t>
-            </a:r>
-          </a:p>
-          <a:p>
-            <a:r>
-              <a:rPr lang="en-US" sz="2300" dirty="0">
-                <a:cs typeface="Calibri"/>
-              </a:rPr>
-              <a:t>Corretta correlazione tra le varie classi del sistema;</a:t>
-            </a:r>
-          </a:p>
-          <a:p>
-            <a:r>
-              <a:rPr lang="en-US" sz="2300" dirty="0">
-                <a:cs typeface="Calibri"/>
-              </a:rPr>
-              <a:t>Comprensione e Chiarezza del sistema durante il suo utilizzo;</a:t>
-            </a:r>
-          </a:p>
-          <a:p>
-            <a:r>
-              <a:rPr lang="en-US" sz="2300" dirty="0">
-                <a:cs typeface="Calibri"/>
-              </a:rPr>
-              <a:t>Il Sistema non deve interfacciarsi con altri ambienti (hardware o software);</a:t>
-            </a:r>
+            <a:endParaRPr lang="en-US" sz="3300" dirty="0">
+              <a:cs typeface="Calibri"/>
+            </a:endParaRPr>
           </a:p>
           <a:p>
             <a:pPr marL="0" indent="0">
               <a:buNone/>
             </a:pPr>
-            <a:endParaRPr lang="en-US" sz="2300" dirty="0">
-              <a:cs typeface="Calibri"/>
-            </a:endParaRPr>
-          </a:p>
-          <a:p>
-            <a:pPr marL="0" indent="0">
-              <a:buNone/>
-            </a:pPr>
-            <a:r>
-              <a:rPr lang="en-US" sz="2300" b="1" dirty="0">
+            <a:r>
+              <a:rPr lang="en-US" sz="3300" b="1" dirty="0">
                 <a:cs typeface="Calibri"/>
               </a:rPr>
               <a:t>Requisiti non funzionali (linee guida da rispettare):</a:t>
@@ -17351,7 +17339,7 @@
           </a:p>
           <a:p>
             <a:r>
-              <a:rPr lang="en-US" sz="2300" dirty="0">
+              <a:rPr lang="en-US" sz="3300" dirty="0">
                 <a:cs typeface="Calibri"/>
               </a:rPr>
               <a:t>Accessibilità (i tempi di accesso devono ridursi dopo il primo utilizzo);</a:t>
@@ -17359,48 +17347,18 @@
           </a:p>
           <a:p>
             <a:r>
-              <a:rPr lang="en-US" sz="2300" dirty="0">
+              <a:rPr lang="en-US" sz="3300" dirty="0">
                 <a:cs typeface="Calibri"/>
               </a:rPr>
-              <a:t>Sicurezza del Sistema (</a:t>
-            </a:r>
-            <a:r>
-              <a:rPr lang="en-US" sz="2300" dirty="0" err="1">
+              <a:t>Sicurezza del Sistema (credenziali di accesso e struttura interna);</a:t>
+            </a:r>
+          </a:p>
+          <a:p>
+            <a:r>
+              <a:rPr lang="en-US" sz="3300" dirty="0">
                 <a:cs typeface="Calibri"/>
               </a:rPr>
-              <a:t>credenziali</a:t>
-            </a:r>
-            <a:r>
-              <a:rPr lang="en-US" sz="2300" dirty="0">
-                <a:cs typeface="Calibri"/>
-              </a:rPr>
-              <a:t> di accesso e </a:t>
-            </a:r>
-            <a:r>
-              <a:rPr lang="en-US" sz="2300" dirty="0" err="1">
-                <a:cs typeface="Calibri"/>
-              </a:rPr>
-              <a:t>struttura</a:t>
-            </a:r>
-            <a:r>
-              <a:rPr lang="en-US" sz="2300" dirty="0">
-                <a:cs typeface="Calibri"/>
-              </a:rPr>
-              <a:t>);</a:t>
-            </a:r>
-          </a:p>
-          <a:p>
-            <a:r>
-              <a:rPr lang="en-US" sz="2300" dirty="0" err="1">
-                <a:cs typeface="Calibri"/>
-              </a:rPr>
-              <a:t>Qualità</a:t>
-            </a:r>
-            <a:r>
-              <a:rPr lang="en-US" sz="2300" dirty="0">
-                <a:cs typeface="Calibri"/>
-              </a:rPr>
-              <a:t> del Software;</a:t>
+              <a:t>Qualità del Software;</a:t>
             </a:r>
           </a:p>
           <a:p>
@@ -20663,7 +20621,7 @@
             </a:r>
             <a:r>
               <a:rPr lang="it-IT" sz="1900" dirty="0"/>
-              <a:t>: il server, per rispondere alle richieste dell’utente (il medico), deve accedere ai dati memorizzati e notificare il client con le corrette informazioni richieste.</a:t>
+              <a:t>: il server, per rispondere alle richieste dell’utente (il medico), deve accedere ai dati memorizzati e notificare il client con le corrette informazioni.</a:t>
             </a:r>
           </a:p>
           <a:p>
@@ -20685,15 +20643,7 @@
           <a:p>
             <a:r>
               <a:rPr lang="it-IT" sz="1900" dirty="0"/>
-              <a:t>Separazione tra l’interfaccia utente e l’applicazione. Il Controller (</a:t>
-            </a:r>
-            <a:r>
-              <a:rPr lang="it-IT" sz="1900" dirty="0" err="1"/>
-              <a:t>DataService</a:t>
-            </a:r>
-            <a:r>
-              <a:rPr lang="it-IT" sz="1900" dirty="0"/>
-              <a:t>) accetta l’input richiesto dall’utente medico (</a:t>
+              <a:t>Separazione tra l’interfaccia utente e l’applicazione. Il Controller (DataService) accetta l’input richiesto dall’utente medico (</a:t>
             </a:r>
             <a:r>
               <a:rPr lang="it-IT" sz="1900" i="1" dirty="0"/>
@@ -20701,19 +20651,7 @@
             </a:r>
             <a:r>
               <a:rPr lang="it-IT" sz="1900" dirty="0"/>
-              <a:t> e lo converte in comandi per la vista e/o per il modello. Il Model (</a:t>
-            </a:r>
-            <a:r>
-              <a:rPr lang="it-IT" sz="1900" dirty="0" err="1"/>
-              <a:t>DataBase</a:t>
-            </a:r>
-            <a:r>
-              <a:rPr lang="it-IT" sz="1900" dirty="0"/>
-              <a:t>) deve fornire i dati necessari perché il controller possa lavorare con le sue funzionalità, in seguito alla richiesta del medico per operare sulle </a:t>
-            </a:r>
-            <a:r>
-              <a:rPr lang="it-IT" sz="1900"/>
-              <a:t>sue componenti.</a:t>
+              <a:t> e lo converte in comandi per la vista e/o per il modello. Il Model (DataBase) deve fornire i dati necessari perché il controller possa lavorare con le sue funzionalità, in seguito alla richiesta del medico per operare sulle sue componenti.</a:t>
             </a:r>
             <a:endParaRPr lang="it-IT" i="1" dirty="0"/>
           </a:p>
@@ -23453,13 +23391,13 @@
         </p:nvPicPr>
         <p:blipFill rotWithShape="1">
           <a:blip r:embed="rId3"/>
-          <a:srcRect l="14710" t="4180"/>
+          <a:srcRect l="14711" t="4180" r="16758"/>
           <a:stretch/>
         </p:blipFill>
         <p:spPr>
           <a:xfrm>
-            <a:off x="7231224" y="2349820"/>
-            <a:ext cx="4717144" cy="3346052"/>
+            <a:off x="8201591" y="2273361"/>
+            <a:ext cx="3790241" cy="3346052"/>
           </a:xfrm>
         </p:spPr>
       </p:pic>
@@ -23523,8 +23461,8 @@
         </p:nvSpPr>
         <p:spPr>
           <a:xfrm>
-            <a:off x="669035" y="2055813"/>
-            <a:ext cx="6664825" cy="5078313"/>
+            <a:off x="669035" y="1690687"/>
+            <a:ext cx="7457928" cy="5355312"/>
           </a:xfrm>
           <a:prstGeom prst="rect">
             <a:avLst/>
@@ -23547,8 +23485,21 @@
             </a:r>
             <a:r>
               <a:rPr lang="it-IT" dirty="0"/>
-              <a:t>) è iniziata subito dopo la consegna del progetto; lo scopo principale è aumentare la qualità dell’intero sistema, correggendo errori (principalmente di codice) e cercando di adattare il software alle richieste degli utenti (per quanto possibile rispetto alle esigenze di sviluppo del software), al fine di aumentare il grado di manutenibilità futura. La documentazione deve essere sottoposta a manutenzione, per essere sicuri che venga spiegato nel dettaglio l’intero funzionamento del programma, senza la presenza di contraddizioni o incoerenze.</a:t>
-            </a:r>
+              <a:t>) è iniziata subito dopo la consegna del progetto; lo scopo principale è aumentare la qualità dell’intero sistema, correggendo errori (principalmente di codice), al fine di aumentare il grado di manutenibilità futura. La documentazione deve essere sottoposta a manutenzione, per essere sicuri che venga spiegato nel dettaglio l’intero funzionamento del programma, senza la presenza di contraddizioni o incoerenze. Poiché il nostro progetto è stato implementato da poco, non si sono verificati cambiamenti nell’ambiente di sviluppo o richieste da parte degli utenti, e ciò è ha portato ad una manutenzione prevalentemente </a:t>
+            </a:r>
+            <a:r>
+              <a:rPr lang="it-IT" i="1" dirty="0"/>
+              <a:t>correttiva </a:t>
+            </a:r>
+            <a:r>
+              <a:rPr lang="it-IT" dirty="0"/>
+              <a:t>e </a:t>
+            </a:r>
+            <a:r>
+              <a:rPr lang="it-IT" i="1" dirty="0"/>
+              <a:t>preventiva.</a:t>
+            </a:r>
+            <a:endParaRPr lang="it-IT" dirty="0"/>
           </a:p>
           <a:p>
             <a:endParaRPr lang="it-IT" dirty="0"/>
@@ -23565,15 +23516,7 @@
           <a:p>
             <a:r>
               <a:rPr lang="it-IT" dirty="0"/>
-              <a:t>L’attività di manutenzione è stata eseguita sulla base dei dati raccolti grazie al </a:t>
-            </a:r>
-            <a:r>
-              <a:rPr lang="it-IT" dirty="0" err="1"/>
-              <a:t>refactoring</a:t>
-            </a:r>
-            <a:r>
-              <a:rPr lang="it-IT" dirty="0"/>
-              <a:t> e al testing.</a:t>
+              <a:t>L’attività di manutenzione è stata eseguita sulla base dei dati raccolti grazie al refactoring e al testing.</a:t>
             </a:r>
           </a:p>
           <a:p>
@@ -23716,13 +23659,8 @@
             <a:pPr rtl="0"/>
             <a:r>
               <a:rPr lang="it-IT" sz="5400" b="1" dirty="0"/>
-              <a:t>Manutenzione: </a:t>
-            </a:r>
-            <a:r>
-              <a:rPr lang="it-IT" sz="5400" b="1" dirty="0" err="1"/>
-              <a:t>Refactoring</a:t>
-            </a:r>
-            <a:endParaRPr lang="it-IT" sz="5400" b="1" dirty="0"/>
+              <a:t>Manutenzione: Refactoring</a:t>
+            </a:r>
           </a:p>
         </p:txBody>
       </p:sp>
@@ -24443,31 +24381,7 @@
             </a:pPr>
             <a:r>
               <a:rPr lang="it-IT" sz="1900" dirty="0"/>
-              <a:t>L’attività di </a:t>
-            </a:r>
-            <a:r>
-              <a:rPr lang="it-IT" sz="1900" dirty="0" err="1"/>
-              <a:t>refactoring</a:t>
-            </a:r>
-            <a:r>
-              <a:rPr lang="it-IT" sz="1900" dirty="0"/>
-              <a:t> è stata eseguita al fine di assicurare che il codice sia mantenibile: piccole azioni atte ad alterare la struttura interna del codice, senza modificarne il comportamento esterno. Un altro obiettivo imposto è quello di evitare i cosiddetti «</a:t>
-            </a:r>
-            <a:r>
-              <a:rPr lang="it-IT" sz="1900" dirty="0" err="1"/>
-              <a:t>bad</a:t>
-            </a:r>
-            <a:r>
-              <a:rPr lang="it-IT" sz="1900" dirty="0"/>
-              <a:t> </a:t>
-            </a:r>
-            <a:r>
-              <a:rPr lang="it-IT" sz="1900" dirty="0" err="1"/>
-              <a:t>smells</a:t>
-            </a:r>
-            <a:r>
-              <a:rPr lang="it-IT" sz="1900" dirty="0"/>
-              <a:t>», che nel nostro progetto equivalgono a:</a:t>
+              <a:t>L’attività di refactoring è stata eseguita al fine di assicurare che il codice sia mantenibile: piccole azioni atte ad alterare la struttura interna del codice, senza modificarne il comportamento esterno. Un altro obiettivo imposto è quello di evitare i cosiddetti «bad smells», che nel nostro progetto equivalgono a:</a:t>
             </a:r>
           </a:p>
           <a:p>
@@ -24503,7 +24417,7 @@
             </a:pPr>
             <a:r>
               <a:rPr lang="it-IT" sz="1900" dirty="0"/>
-              <a:t>• Classi pigre (impiegano più tempo del dovuto a completare una funzione);</a:t>
+              <a:t>• Classi pigre (impiegano più tempo del previsto a completare le proprie funzione);</a:t>
             </a:r>
           </a:p>
           <a:p>
@@ -24512,7 +24426,7 @@
             </a:pPr>
             <a:r>
               <a:rPr lang="it-IT" sz="1900" dirty="0"/>
-              <a:t>• Invidia tra le classi (porterebbe a scontri tra più classi, compromettendo la qualità del sistema);</a:t>
+              <a:t>• Invidia tra le classi (porterebbe a scontri tra più classi, compromettendo la qualità di sistema);</a:t>
             </a:r>
           </a:p>
           <a:p>
@@ -24527,31 +24441,7 @@
             </a:pPr>
             <a:r>
               <a:rPr lang="it-IT" sz="1900" dirty="0"/>
-              <a:t>Al fine di risolvere tali </a:t>
-            </a:r>
-            <a:r>
-              <a:rPr lang="it-IT" sz="1900" dirty="0" err="1"/>
-              <a:t>bad</a:t>
-            </a:r>
-            <a:r>
-              <a:rPr lang="it-IT" sz="1900" dirty="0"/>
-              <a:t> </a:t>
-            </a:r>
-            <a:r>
-              <a:rPr lang="it-IT" sz="1900" dirty="0" err="1"/>
-              <a:t>smells</a:t>
-            </a:r>
-            <a:r>
-              <a:rPr lang="it-IT" sz="1900" dirty="0"/>
-              <a:t> e per portare a compimento l’attività di </a:t>
-            </a:r>
-            <a:r>
-              <a:rPr lang="it-IT" sz="1900" dirty="0" err="1"/>
-              <a:t>refactoring</a:t>
-            </a:r>
-            <a:r>
-              <a:rPr lang="it-IT" sz="1900" dirty="0"/>
-              <a:t>/manutenzione, sono stati utilizzati diversi metodi, il cui utilizzo permette di accelerare l’attività di revisione e di correggere problemi di codice:  </a:t>
+              <a:t>Al fine di risolvere tali bad smells e per portare a compimento l’attività di refactoring/manutenzione, sono stati utilizzati diversi metodi, il cui utilizzo permette di accelerare l’attività di revisione e di correggere problemi di codice:  </a:t>
             </a:r>
           </a:p>
           <a:p>
@@ -24560,24 +24450,8 @@
               <a:buChar char="Ø"/>
             </a:pPr>
             <a:r>
-              <a:rPr lang="it-IT" sz="1900" i="1" dirty="0" err="1"/>
-              <a:t>Extract</a:t>
-            </a:r>
-            <a:r>
               <a:rPr lang="it-IT" sz="1900" i="1" dirty="0"/>
-              <a:t> Method &amp; </a:t>
-            </a:r>
-            <a:r>
-              <a:rPr lang="it-IT" sz="1900" i="1" dirty="0" err="1"/>
-              <a:t>Extract</a:t>
-            </a:r>
-            <a:r>
-              <a:rPr lang="it-IT" sz="1900" i="1" dirty="0"/>
-              <a:t> Local </a:t>
-            </a:r>
-            <a:r>
-              <a:rPr lang="it-IT" sz="1900" i="1" dirty="0" err="1"/>
-              <a:t>Variables</a:t>
+              <a:t>Extract Method &amp; Extract Local Variables</a:t>
             </a:r>
             <a:r>
               <a:rPr lang="it-IT" sz="1900" dirty="0"/>
@@ -24590,24 +24464,16 @@
               <a:buChar char="Ø"/>
             </a:pPr>
             <a:r>
-              <a:rPr lang="it-IT" sz="1900" i="1" dirty="0" err="1"/>
-              <a:t>Push</a:t>
-            </a:r>
-            <a:r>
               <a:rPr lang="it-IT" sz="1900" i="1" dirty="0"/>
-              <a:t> Down Method </a:t>
+              <a:t>Push Down Method </a:t>
             </a:r>
             <a:r>
               <a:rPr lang="it-IT" sz="1900" dirty="0"/>
               <a:t>&amp; </a:t>
             </a:r>
             <a:r>
-              <a:rPr lang="it-IT" sz="1900" i="1" dirty="0" err="1"/>
-              <a:t>Push</a:t>
-            </a:r>
-            <a:r>
               <a:rPr lang="it-IT" sz="1900" i="1" dirty="0"/>
-              <a:t> Down Field</a:t>
+              <a:t>Push Down Field</a:t>
             </a:r>
             <a:r>
               <a:rPr lang="it-IT" sz="1900" dirty="0"/>
@@ -24620,24 +24486,16 @@
               <a:buChar char="Ø"/>
             </a:pPr>
             <a:r>
-              <a:rPr lang="it-IT" sz="1900" i="1" dirty="0" err="1"/>
-              <a:t>Remove</a:t>
-            </a:r>
-            <a:r>
               <a:rPr lang="it-IT" sz="1900" i="1" dirty="0"/>
-              <a:t> Method </a:t>
+              <a:t>Remove Method </a:t>
             </a:r>
             <a:r>
               <a:rPr lang="it-IT" sz="1900" dirty="0"/>
               <a:t>&amp; </a:t>
             </a:r>
             <a:r>
-              <a:rPr lang="it-IT" sz="1900" i="1" dirty="0" err="1"/>
-              <a:t>Remove</a:t>
-            </a:r>
-            <a:r>
               <a:rPr lang="it-IT" sz="1900" i="1" dirty="0"/>
-              <a:t> Field</a:t>
+              <a:t>Remove Field</a:t>
             </a:r>
             <a:r>
               <a:rPr lang="it-IT" sz="1900" dirty="0"/>
@@ -25473,15 +25331,7 @@
             </a:r>
             <a:r>
               <a:rPr lang="en-US" sz="1900" dirty="0"/>
-              <a:t> del </a:t>
-            </a:r>
-            <a:r>
-              <a:rPr lang="en-US" sz="1900" dirty="0" err="1"/>
-              <a:t>problema</a:t>
-            </a:r>
-            <a:r>
-              <a:rPr lang="en-US" sz="1900" dirty="0"/>
-              <a:t>, </a:t>
+              <a:t> del problema, </a:t>
             </a:r>
             <a:r>
               <a:rPr lang="en-US" sz="1900" dirty="0" err="1"/>
@@ -33727,15 +33577,7 @@
           <a:p>
             <a:r>
               <a:rPr lang="en-US" sz="2200" dirty="0"/>
-              <a:t>Ottenere un programma software che risponda a tutti i requisiti (del </a:t>
-            </a:r>
-            <a:r>
-              <a:rPr lang="en-US" sz="2200" dirty="0" err="1"/>
-              <a:t>sistema</a:t>
-            </a:r>
-            <a:r>
-              <a:rPr lang="en-US" sz="2200" dirty="0"/>
-              <a:t> e </a:t>
+              <a:t>Ottenere un programma software che risponda a tutti i requisiti (del sistema e </a:t>
             </a:r>
             <a:r>
               <a:rPr lang="en-US" sz="2200" dirty="0" err="1"/>
@@ -40539,15 +40381,6 @@
 </file>
 
 <file path=customXml/item1.xml><?xml version="1.0" encoding="utf-8"?>
-<?mso-contentType ?>
-<FormTemplates xmlns="http://schemas.microsoft.com/sharepoint/v3/contenttype/forms">
-  <Display>DocumentLibraryForm</Display>
-  <Edit>DocumentLibraryForm</Edit>
-  <New>DocumentLibraryForm</New>
-</FormTemplates>
-</file>
-
-<file path=customXml/item2.xml><?xml version="1.0" encoding="utf-8"?>
 <ct:contentTypeSchema xmlns:ct="http://schemas.microsoft.com/office/2006/metadata/contentType" xmlns:ma="http://schemas.microsoft.com/office/2006/metadata/properties/metaAttributes" ct:_="" ma:_="" ma:contentTypeName="Documento" ma:contentTypeID="0x0101007CE6213B20D2F945B0D1473923EE410F" ma:contentTypeVersion="7" ma:contentTypeDescription="Creare un nuovo documento." ma:contentTypeScope="" ma:versionID="dc8ac43e96b461727accd63cf925a5cf">
   <xsd:schema xmlns:xsd="http://www.w3.org/2001/XMLSchema" xmlns:xs="http://www.w3.org/2001/XMLSchema" xmlns:p="http://schemas.microsoft.com/office/2006/metadata/properties" xmlns:ns2="243f3390-b919-40e8-8195-3613e8527352" targetNamespace="http://schemas.microsoft.com/office/2006/metadata/properties" ma:root="true" ma:fieldsID="1987007e621e1b24d40e437f012b913d" ns2:_="">
     <xsd:import namespace="243f3390-b919-40e8-8195-3613e8527352"/>
@@ -40709,6 +40542,15 @@
 </ct:contentTypeSchema>
 </file>
 
+<file path=customXml/item2.xml><?xml version="1.0" encoding="utf-8"?>
+<?mso-contentType ?>
+<FormTemplates xmlns="http://schemas.microsoft.com/sharepoint/v3/contenttype/forms">
+  <Display>DocumentLibraryForm</Display>
+  <Edit>DocumentLibraryForm</Edit>
+  <New>DocumentLibraryForm</New>
+</FormTemplates>
+</file>
+
 <file path=customXml/item3.xml><?xml version="1.0" encoding="utf-8"?>
 <p:properties xmlns:p="http://schemas.microsoft.com/office/2006/metadata/properties" xmlns:xsi="http://www.w3.org/2001/XMLSchema-instance" xmlns:pc="http://schemas.microsoft.com/office/infopath/2007/PartnerControls">
   <documentManagement/>
@@ -40716,14 +40558,6 @@
 </file>
 
 <file path=customXml/itemProps1.xml><?xml version="1.0" encoding="utf-8"?>
-<ds:datastoreItem xmlns:ds="http://schemas.openxmlformats.org/officeDocument/2006/customXml" ds:itemID="{42BC90D6-94CF-42F7-AAC4-9CF6824C54D5}">
-  <ds:schemaRefs>
-    <ds:schemaRef ds:uri="http://schemas.microsoft.com/sharepoint/v3/contenttype/forms"/>
-  </ds:schemaRefs>
-</ds:datastoreItem>
-</file>
-
-<file path=customXml/itemProps2.xml><?xml version="1.0" encoding="utf-8"?>
 <ds:datastoreItem xmlns:ds="http://schemas.openxmlformats.org/officeDocument/2006/customXml" ds:itemID="{1A503E23-9696-4358-8F00-F7F66AC755EB}">
   <ds:schemaRefs>
     <ds:schemaRef ds:uri="http://schemas.microsoft.com/office/2006/metadata/contentType"/>
@@ -40737,6 +40571,14 @@
     <ds:schemaRef ds:uri="http://purl.org/dc/elements/1.1/"/>
     <ds:schemaRef ds:uri="http://purl.org/dc/terms/"/>
     <ds:schemaRef ds:uri="http://schemas.microsoft.com/internal/obd"/>
+  </ds:schemaRefs>
+</ds:datastoreItem>
+</file>
+
+<file path=customXml/itemProps2.xml><?xml version="1.0" encoding="utf-8"?>
+<ds:datastoreItem xmlns:ds="http://schemas.openxmlformats.org/officeDocument/2006/customXml" ds:itemID="{42BC90D6-94CF-42F7-AAC4-9CF6824C54D5}">
+  <ds:schemaRefs>
+    <ds:schemaRef ds:uri="http://schemas.microsoft.com/sharepoint/v3/contenttype/forms"/>
   </ds:schemaRefs>
 </ds:datastoreItem>
 </file>

--- a/Presentazione/Presentazione_Progetto.pptx
+++ b/Presentazione/Presentazione_Progetto.pptx
@@ -171,7 +171,7 @@
 <file path=ppt/revisionInfo.xml><?xml version="1.0" encoding="utf-8"?>
 <p1510:revInfo xmlns:a="http://schemas.openxmlformats.org/drawingml/2006/main" xmlns:r="http://schemas.openxmlformats.org/officeDocument/2006/relationships" xmlns:p1510="http://schemas.microsoft.com/office/powerpoint/2015/10/main">
   <p1510:revLst>
-    <p1510:client id="{E6DC4EAA-0AC7-4D8A-9ABA-9B4C09DD8308}" v="535" dt="2024-03-22T17:04:16.280"/>
+    <p1510:client id="{E6DC4EAA-0AC7-4D8A-9ABA-9B4C09DD8308}" v="536" dt="2024-03-22T19:02:19.194"/>
   </p1510:revLst>
 </p1510:revInfo>
 </file>
@@ -181,7 +181,7 @@
   <pc:docChgLst>
     <pc:chgData name="Matteo MANGILI" userId="89c7df381375e6aa" providerId="LiveId" clId="{E6DC4EAA-0AC7-4D8A-9ABA-9B4C09DD8308}"/>
     <pc:docChg chg="undo custSel addSld delSld modSld sldOrd">
-      <pc:chgData name="Matteo MANGILI" userId="89c7df381375e6aa" providerId="LiveId" clId="{E6DC4EAA-0AC7-4D8A-9ABA-9B4C09DD8308}" dt="2024-03-22T17:03:49.471" v="18311" actId="20577"/>
+      <pc:chgData name="Matteo MANGILI" userId="89c7df381375e6aa" providerId="LiveId" clId="{E6DC4EAA-0AC7-4D8A-9ABA-9B4C09DD8308}" dt="2024-03-22T19:04:43.825" v="18530" actId="20577"/>
       <pc:docMkLst>
         <pc:docMk/>
       </pc:docMkLst>
@@ -263,13 +263,13 @@
         </pc:spChg>
       </pc:sldChg>
       <pc:sldChg chg="modSp mod">
-        <pc:chgData name="Matteo MANGILI" userId="89c7df381375e6aa" providerId="LiveId" clId="{E6DC4EAA-0AC7-4D8A-9ABA-9B4C09DD8308}" dt="2024-03-19T20:42:16.689" v="9919" actId="20577"/>
+        <pc:chgData name="Matteo MANGILI" userId="89c7df381375e6aa" providerId="LiveId" clId="{E6DC4EAA-0AC7-4D8A-9ABA-9B4C09DD8308}" dt="2024-03-22T19:04:43.825" v="18530" actId="20577"/>
         <pc:sldMkLst>
           <pc:docMk/>
           <pc:sldMk cId="3996999348" sldId="298"/>
         </pc:sldMkLst>
         <pc:spChg chg="mod">
-          <ac:chgData name="Matteo MANGILI" userId="89c7df381375e6aa" providerId="LiveId" clId="{E6DC4EAA-0AC7-4D8A-9ABA-9B4C09DD8308}" dt="2024-03-19T20:42:16.689" v="9919" actId="20577"/>
+          <ac:chgData name="Matteo MANGILI" userId="89c7df381375e6aa" providerId="LiveId" clId="{E6DC4EAA-0AC7-4D8A-9ABA-9B4C09DD8308}" dt="2024-03-22T19:04:43.825" v="18530" actId="20577"/>
           <ac:spMkLst>
             <pc:docMk/>
             <pc:sldMk cId="3996999348" sldId="298"/>
@@ -35676,13 +35676,8 @@
             </a:r>
             <a:r>
               <a:rPr lang="it-IT" sz="1900" dirty="0"/>
-              <a:t> per la creazione dei vari diagrammi (definiti rispetto al sistema generale o </a:t>
-            </a:r>
-            <a:r>
-              <a:rPr lang="it-IT" sz="1900"/>
-              <a:t>semplicemente rispetto ai medici):</a:t>
-            </a:r>
-            <a:endParaRPr lang="it-IT" sz="1900" dirty="0"/>
+              <a:t> per la creazione dei vari diagrammi (definiti rispetto al sistema generale o semplicemente rispetto ai medici):</a:t>
+            </a:r>
           </a:p>
           <a:p>
             <a:pPr marL="285750" indent="-285750">
@@ -37461,8 +37456,8 @@
         </p:nvSpPr>
         <p:spPr>
           <a:xfrm>
-            <a:off x="838200" y="1929384"/>
-            <a:ext cx="10515600" cy="4563491"/>
+            <a:off x="838200" y="1810140"/>
+            <a:ext cx="10515600" cy="4682736"/>
           </a:xfrm>
         </p:spPr>
         <p:txBody>
@@ -37495,7 +37490,7 @@
             </a:r>
             <a:r>
               <a:rPr lang="it-IT" sz="2000" dirty="0"/>
-              <a:t>Creazione di branch diversi per ottimizzare il lavoro di squadra ed evitare eventuali  incomprensioni: ogni membro crea uno o più branch per lavorare sulle sue componenti, in modo tale da non confondere gli altri collaboratori, qualora si lavorasse in più persone su uno stesso aspetto. Il «ramo principale» Main è il branch di default, dove verrano trasferiti i file e il codice finale per la consegna del progetto.</a:t>
+              <a:t>La creazione di branch diversi ottimizza il lavoro di squadra e permette di evitare eventuali  incomprensioni: ogni membro crea uno o più branch per lavorare sulle sue componenti, in modo tale da non confondere gli altri collaboratori, qualora si lavorasse in più persone su uno stesso aspetto (i branch sono, tuttavia, aperti a tutti i membri, per favorire il confronto). Il «ramo principale» Main è il branch di default, dove verrano trasferiti i file e il codice finale per la consegna del progetto.</a:t>
             </a:r>
           </a:p>
           <a:p>
@@ -37514,7 +37509,7 @@
             </a:r>
             <a:r>
               <a:rPr lang="it-IT" sz="2000" dirty="0"/>
-              <a:t>Per valutazione del progetto/project plan, risolvere bug o rispondere a determinati requisiti, sono state attivate issue corrispondenti. Le singole issue vengono affidate ad uno o più i membri del team e devono essere portate a compimento, prima di essere chiuse (indicate come «completate»). Le issue favoriscono la comunicazione tra i membri del team.</a:t>
+              <a:t>Per valutazione del progetto/project plan, risolvere bug o rispondere a determinati requisiti, sono state attivate issue corrispondenti. Le singole issue vengono affidate ad uno o più i membri del team e devono essere portate a compimento (risolvendo il problema indicato), prima di essere chiuse (indicate come «completate»). Le issue favoriscono la comunicazione tra i membri del team.</a:t>
             </a:r>
           </a:p>
           <a:p>
@@ -37541,15 +37536,15 @@
             </a:r>
             <a:r>
               <a:rPr lang="it-IT" sz="2000" dirty="0"/>
-              <a:t>modifiche importanti o azioni di merge («unione di materiale da un </a:t>
-            </a:r>
-            <a:r>
-              <a:rPr lang="it-IT" sz="2000" dirty="0" err="1"/>
-              <a:t>branch</a:t>
+              <a:t>modifiche importanti o azioni di merge («unione di materiale da un branch ad un altro»), sono state attivate apposite pull request, le quali devono essere discusse tra tutti i membri del team e lo SCRUM Master, indicato per l’area di lavoro a cui la request fa riferimento, ha il compito di </a:t>
+            </a:r>
+            <a:r>
+              <a:rPr lang="it-IT" sz="2000"/>
+              <a:t>approvarla e portarla </a:t>
             </a:r>
             <a:r>
               <a:rPr lang="it-IT" sz="2000" dirty="0"/>
-              <a:t> ad un altro»), sono state create delle pull request, le quali devono essere discusse tra tutti i membri del team e lo SCRUM Master, indicato per l’area di lavoro a cui la request fa riferimento, ha il compito di approvarla ed portarla a compimento. Possono essere richieste delle </a:t>
+              <a:t>a compimento. Possono essere richieste delle </a:t>
             </a:r>
             <a:r>
               <a:rPr lang="it-IT" sz="2000" i="1" dirty="0"/>
@@ -40381,6 +40376,15 @@
 </file>
 
 <file path=customXml/item1.xml><?xml version="1.0" encoding="utf-8"?>
+<?mso-contentType ?>
+<FormTemplates xmlns="http://schemas.microsoft.com/sharepoint/v3/contenttype/forms">
+  <Display>DocumentLibraryForm</Display>
+  <Edit>DocumentLibraryForm</Edit>
+  <New>DocumentLibraryForm</New>
+</FormTemplates>
+</file>
+
+<file path=customXml/item2.xml><?xml version="1.0" encoding="utf-8"?>
 <ct:contentTypeSchema xmlns:ct="http://schemas.microsoft.com/office/2006/metadata/contentType" xmlns:ma="http://schemas.microsoft.com/office/2006/metadata/properties/metaAttributes" ct:_="" ma:_="" ma:contentTypeName="Documento" ma:contentTypeID="0x0101007CE6213B20D2F945B0D1473923EE410F" ma:contentTypeVersion="7" ma:contentTypeDescription="Creare un nuovo documento." ma:contentTypeScope="" ma:versionID="dc8ac43e96b461727accd63cf925a5cf">
   <xsd:schema xmlns:xsd="http://www.w3.org/2001/XMLSchema" xmlns:xs="http://www.w3.org/2001/XMLSchema" xmlns:p="http://schemas.microsoft.com/office/2006/metadata/properties" xmlns:ns2="243f3390-b919-40e8-8195-3613e8527352" targetNamespace="http://schemas.microsoft.com/office/2006/metadata/properties" ma:root="true" ma:fieldsID="1987007e621e1b24d40e437f012b913d" ns2:_="">
     <xsd:import namespace="243f3390-b919-40e8-8195-3613e8527352"/>
@@ -40542,15 +40546,6 @@
 </ct:contentTypeSchema>
 </file>
 
-<file path=customXml/item2.xml><?xml version="1.0" encoding="utf-8"?>
-<?mso-contentType ?>
-<FormTemplates xmlns="http://schemas.microsoft.com/sharepoint/v3/contenttype/forms">
-  <Display>DocumentLibraryForm</Display>
-  <Edit>DocumentLibraryForm</Edit>
-  <New>DocumentLibraryForm</New>
-</FormTemplates>
-</file>
-
 <file path=customXml/item3.xml><?xml version="1.0" encoding="utf-8"?>
 <p:properties xmlns:p="http://schemas.microsoft.com/office/2006/metadata/properties" xmlns:xsi="http://www.w3.org/2001/XMLSchema-instance" xmlns:pc="http://schemas.microsoft.com/office/infopath/2007/PartnerControls">
   <documentManagement/>
@@ -40558,6 +40553,14 @@
 </file>
 
 <file path=customXml/itemProps1.xml><?xml version="1.0" encoding="utf-8"?>
+<ds:datastoreItem xmlns:ds="http://schemas.openxmlformats.org/officeDocument/2006/customXml" ds:itemID="{42BC90D6-94CF-42F7-AAC4-9CF6824C54D5}">
+  <ds:schemaRefs>
+    <ds:schemaRef ds:uri="http://schemas.microsoft.com/sharepoint/v3/contenttype/forms"/>
+  </ds:schemaRefs>
+</ds:datastoreItem>
+</file>
+
+<file path=customXml/itemProps2.xml><?xml version="1.0" encoding="utf-8"?>
 <ds:datastoreItem xmlns:ds="http://schemas.openxmlformats.org/officeDocument/2006/customXml" ds:itemID="{1A503E23-9696-4358-8F00-F7F66AC755EB}">
   <ds:schemaRefs>
     <ds:schemaRef ds:uri="http://schemas.microsoft.com/office/2006/metadata/contentType"/>
@@ -40571,14 +40574,6 @@
     <ds:schemaRef ds:uri="http://purl.org/dc/elements/1.1/"/>
     <ds:schemaRef ds:uri="http://purl.org/dc/terms/"/>
     <ds:schemaRef ds:uri="http://schemas.microsoft.com/internal/obd"/>
-  </ds:schemaRefs>
-</ds:datastoreItem>
-</file>
-
-<file path=customXml/itemProps2.xml><?xml version="1.0" encoding="utf-8"?>
-<ds:datastoreItem xmlns:ds="http://schemas.openxmlformats.org/officeDocument/2006/customXml" ds:itemID="{42BC90D6-94CF-42F7-AAC4-9CF6824C54D5}">
-  <ds:schemaRefs>
-    <ds:schemaRef ds:uri="http://schemas.microsoft.com/sharepoint/v3/contenttype/forms"/>
   </ds:schemaRefs>
 </ds:datastoreItem>
 </file>

--- a/Presentazione/Presentazione_Progetto.pptx
+++ b/Presentazione/Presentazione_Progetto.pptx
@@ -5,10 +5,10 @@
     <p:sldMasterId id="2147483720" r:id="rId4"/>
   </p:sldMasterIdLst>
   <p:notesMasterIdLst>
-    <p:notesMasterId r:id="rId30"/>
+    <p:notesMasterId r:id="rId29"/>
   </p:notesMasterIdLst>
   <p:handoutMasterIdLst>
-    <p:handoutMasterId r:id="rId31"/>
+    <p:handoutMasterId r:id="rId30"/>
   </p:handoutMasterIdLst>
   <p:sldIdLst>
     <p:sldId id="256" r:id="rId5"/>
@@ -16,26 +16,25 @@
     <p:sldId id="297" r:id="rId7"/>
     <p:sldId id="312" r:id="rId8"/>
     <p:sldId id="318" r:id="rId9"/>
-    <p:sldId id="322" r:id="rId10"/>
-    <p:sldId id="298" r:id="rId11"/>
-    <p:sldId id="300" r:id="rId12"/>
-    <p:sldId id="319" r:id="rId13"/>
-    <p:sldId id="317" r:id="rId14"/>
-    <p:sldId id="309" r:id="rId15"/>
-    <p:sldId id="313" r:id="rId16"/>
-    <p:sldId id="302" r:id="rId17"/>
-    <p:sldId id="320" r:id="rId18"/>
-    <p:sldId id="303" r:id="rId19"/>
-    <p:sldId id="304" r:id="rId20"/>
-    <p:sldId id="321" r:id="rId21"/>
-    <p:sldId id="325" r:id="rId22"/>
-    <p:sldId id="307" r:id="rId23"/>
-    <p:sldId id="314" r:id="rId24"/>
-    <p:sldId id="323" r:id="rId25"/>
-    <p:sldId id="316" r:id="rId26"/>
-    <p:sldId id="306" r:id="rId27"/>
-    <p:sldId id="310" r:id="rId28"/>
-    <p:sldId id="324" r:id="rId29"/>
+    <p:sldId id="298" r:id="rId10"/>
+    <p:sldId id="300" r:id="rId11"/>
+    <p:sldId id="319" r:id="rId12"/>
+    <p:sldId id="317" r:id="rId13"/>
+    <p:sldId id="309" r:id="rId14"/>
+    <p:sldId id="313" r:id="rId15"/>
+    <p:sldId id="302" r:id="rId16"/>
+    <p:sldId id="320" r:id="rId17"/>
+    <p:sldId id="303" r:id="rId18"/>
+    <p:sldId id="304" r:id="rId19"/>
+    <p:sldId id="321" r:id="rId20"/>
+    <p:sldId id="325" r:id="rId21"/>
+    <p:sldId id="307" r:id="rId22"/>
+    <p:sldId id="314" r:id="rId23"/>
+    <p:sldId id="323" r:id="rId24"/>
+    <p:sldId id="316" r:id="rId25"/>
+    <p:sldId id="306" r:id="rId26"/>
+    <p:sldId id="310" r:id="rId27"/>
+    <p:sldId id="324" r:id="rId28"/>
   </p:sldIdLst>
   <p:sldSz cx="12192000" cy="6858000"/>
   <p:notesSz cx="6858000" cy="9144000"/>
@@ -171,7 +170,7 @@
 <file path=ppt/revisionInfo.xml><?xml version="1.0" encoding="utf-8"?>
 <p1510:revInfo xmlns:a="http://schemas.openxmlformats.org/drawingml/2006/main" xmlns:r="http://schemas.openxmlformats.org/officeDocument/2006/relationships" xmlns:p1510="http://schemas.microsoft.com/office/powerpoint/2015/10/main">
   <p1510:revLst>
-    <p1510:client id="{E6DC4EAA-0AC7-4D8A-9ABA-9B4C09DD8308}" v="536" dt="2024-03-22T19:02:19.194"/>
+    <p1510:client id="{E6DC4EAA-0AC7-4D8A-9ABA-9B4C09DD8308}" v="556" dt="2024-03-22T19:57:27.590"/>
   </p1510:revLst>
 </p1510:revInfo>
 </file>
@@ -181,7 +180,7 @@
   <pc:docChgLst>
     <pc:chgData name="Matteo MANGILI" userId="89c7df381375e6aa" providerId="LiveId" clId="{E6DC4EAA-0AC7-4D8A-9ABA-9B4C09DD8308}"/>
     <pc:docChg chg="undo custSel addSld delSld modSld sldOrd">
-      <pc:chgData name="Matteo MANGILI" userId="89c7df381375e6aa" providerId="LiveId" clId="{E6DC4EAA-0AC7-4D8A-9ABA-9B4C09DD8308}" dt="2024-03-22T19:04:43.825" v="18530" actId="20577"/>
+      <pc:chgData name="Matteo MANGILI" userId="89c7df381375e6aa" providerId="LiveId" clId="{E6DC4EAA-0AC7-4D8A-9ABA-9B4C09DD8308}" dt="2024-03-22T20:11:20.492" v="19280" actId="27636"/>
       <pc:docMkLst>
         <pc:docMk/>
       </pc:docMkLst>
@@ -324,13 +323,13 @@
         </pc:spChg>
       </pc:sldChg>
       <pc:sldChg chg="modSp mod">
-        <pc:chgData name="Matteo MANGILI" userId="89c7df381375e6aa" providerId="LiveId" clId="{E6DC4EAA-0AC7-4D8A-9ABA-9B4C09DD8308}" dt="2024-03-21T09:13:04.836" v="14259" actId="20577"/>
+        <pc:chgData name="Matteo MANGILI" userId="89c7df381375e6aa" providerId="LiveId" clId="{E6DC4EAA-0AC7-4D8A-9ABA-9B4C09DD8308}" dt="2024-03-22T19:57:09.729" v="18880" actId="20577"/>
         <pc:sldMkLst>
           <pc:docMk/>
           <pc:sldMk cId="2944479634" sldId="303"/>
         </pc:sldMkLst>
         <pc:spChg chg="mod">
-          <ac:chgData name="Matteo MANGILI" userId="89c7df381375e6aa" providerId="LiveId" clId="{E6DC4EAA-0AC7-4D8A-9ABA-9B4C09DD8308}" dt="2024-03-21T09:13:04.836" v="14259" actId="20577"/>
+          <ac:chgData name="Matteo MANGILI" userId="89c7df381375e6aa" providerId="LiveId" clId="{E6DC4EAA-0AC7-4D8A-9ABA-9B4C09DD8308}" dt="2024-03-22T19:57:09.729" v="18880" actId="20577"/>
           <ac:spMkLst>
             <pc:docMk/>
             <pc:sldMk cId="2944479634" sldId="303"/>
@@ -354,7 +353,7 @@
         </pc:spChg>
       </pc:sldChg>
       <pc:sldChg chg="addSp delSp modSp mod">
-        <pc:chgData name="Matteo MANGILI" userId="89c7df381375e6aa" providerId="LiveId" clId="{E6DC4EAA-0AC7-4D8A-9ABA-9B4C09DD8308}" dt="2024-03-21T12:19:04.154" v="15566" actId="20577"/>
+        <pc:chgData name="Matteo MANGILI" userId="89c7df381375e6aa" providerId="LiveId" clId="{E6DC4EAA-0AC7-4D8A-9ABA-9B4C09DD8308}" dt="2024-03-22T20:05:33.783" v="19276" actId="20577"/>
         <pc:sldMkLst>
           <pc:docMk/>
           <pc:sldMk cId="3568766427" sldId="306"/>
@@ -376,7 +375,7 @@
           </ac:spMkLst>
         </pc:spChg>
         <pc:spChg chg="mod">
-          <ac:chgData name="Matteo MANGILI" userId="89c7df381375e6aa" providerId="LiveId" clId="{E6DC4EAA-0AC7-4D8A-9ABA-9B4C09DD8308}" dt="2024-03-21T12:19:04.154" v="15566" actId="20577"/>
+          <ac:chgData name="Matteo MANGILI" userId="89c7df381375e6aa" providerId="LiveId" clId="{E6DC4EAA-0AC7-4D8A-9ABA-9B4C09DD8308}" dt="2024-03-22T20:05:33.783" v="19276" actId="20577"/>
           <ac:spMkLst>
             <pc:docMk/>
             <pc:sldMk cId="3568766427" sldId="306"/>
@@ -401,13 +400,13 @@
         </pc:picChg>
       </pc:sldChg>
       <pc:sldChg chg="modSp mod">
-        <pc:chgData name="Matteo MANGILI" userId="89c7df381375e6aa" providerId="LiveId" clId="{E6DC4EAA-0AC7-4D8A-9ABA-9B4C09DD8308}" dt="2024-03-22T10:40:52.023" v="17383" actId="20577"/>
+        <pc:chgData name="Matteo MANGILI" userId="89c7df381375e6aa" providerId="LiveId" clId="{E6DC4EAA-0AC7-4D8A-9ABA-9B4C09DD8308}" dt="2024-03-22T20:04:52.385" v="19263" actId="27636"/>
         <pc:sldMkLst>
           <pc:docMk/>
           <pc:sldMk cId="42136755" sldId="307"/>
         </pc:sldMkLst>
         <pc:spChg chg="mod">
-          <ac:chgData name="Matteo MANGILI" userId="89c7df381375e6aa" providerId="LiveId" clId="{E6DC4EAA-0AC7-4D8A-9ABA-9B4C09DD8308}" dt="2024-03-22T10:40:52.023" v="17383" actId="20577"/>
+          <ac:chgData name="Matteo MANGILI" userId="89c7df381375e6aa" providerId="LiveId" clId="{E6DC4EAA-0AC7-4D8A-9ABA-9B4C09DD8308}" dt="2024-03-22T20:04:52.385" v="19263" actId="27636"/>
           <ac:spMkLst>
             <pc:docMk/>
             <pc:sldMk cId="42136755" sldId="307"/>
@@ -415,7 +414,7 @@
           </ac:spMkLst>
         </pc:spChg>
         <pc:spChg chg="mod">
-          <ac:chgData name="Matteo MANGILI" userId="89c7df381375e6aa" providerId="LiveId" clId="{E6DC4EAA-0AC7-4D8A-9ABA-9B4C09DD8308}" dt="2024-03-21T12:18:29.856" v="15549" actId="20577"/>
+          <ac:chgData name="Matteo MANGILI" userId="89c7df381375e6aa" providerId="LiveId" clId="{E6DC4EAA-0AC7-4D8A-9ABA-9B4C09DD8308}" dt="2024-03-22T20:04:40.084" v="19258" actId="20577"/>
           <ac:spMkLst>
             <pc:docMk/>
             <pc:sldMk cId="42136755" sldId="307"/>
@@ -424,13 +423,13 @@
         </pc:spChg>
       </pc:sldChg>
       <pc:sldChg chg="modSp mod">
-        <pc:chgData name="Matteo MANGILI" userId="89c7df381375e6aa" providerId="LiveId" clId="{E6DC4EAA-0AC7-4D8A-9ABA-9B4C09DD8308}" dt="2024-03-22T16:47:40.929" v="18308" actId="20577"/>
+        <pc:chgData name="Matteo MANGILI" userId="89c7df381375e6aa" providerId="LiveId" clId="{E6DC4EAA-0AC7-4D8A-9ABA-9B4C09DD8308}" dt="2024-03-22T20:11:20.492" v="19280" actId="27636"/>
         <pc:sldMkLst>
           <pc:docMk/>
           <pc:sldMk cId="1581940243" sldId="309"/>
         </pc:sldMkLst>
         <pc:spChg chg="mod">
-          <ac:chgData name="Matteo MANGILI" userId="89c7df381375e6aa" providerId="LiveId" clId="{E6DC4EAA-0AC7-4D8A-9ABA-9B4C09DD8308}" dt="2024-03-22T16:47:40.929" v="18308" actId="20577"/>
+          <ac:chgData name="Matteo MANGILI" userId="89c7df381375e6aa" providerId="LiveId" clId="{E6DC4EAA-0AC7-4D8A-9ABA-9B4C09DD8308}" dt="2024-03-22T20:11:20.492" v="19280" actId="27636"/>
           <ac:spMkLst>
             <pc:docMk/>
             <pc:sldMk cId="1581940243" sldId="309"/>
@@ -477,7 +476,7 @@
         </pc:graphicFrameChg>
       </pc:sldChg>
       <pc:sldChg chg="addSp delSp modSp mod">
-        <pc:chgData name="Matteo MANGILI" userId="89c7df381375e6aa" providerId="LiveId" clId="{E6DC4EAA-0AC7-4D8A-9ABA-9B4C09DD8308}" dt="2024-03-21T12:18:35.075" v="15553" actId="20577"/>
+        <pc:chgData name="Matteo MANGILI" userId="89c7df381375e6aa" providerId="LiveId" clId="{E6DC4EAA-0AC7-4D8A-9ABA-9B4C09DD8308}" dt="2024-03-22T20:05:02.970" v="19267" actId="20577"/>
         <pc:sldMkLst>
           <pc:docMk/>
           <pc:sldMk cId="2994462458" sldId="314"/>
@@ -491,7 +490,7 @@
           </ac:spMkLst>
         </pc:spChg>
         <pc:spChg chg="mod">
-          <ac:chgData name="Matteo MANGILI" userId="89c7df381375e6aa" providerId="LiveId" clId="{E6DC4EAA-0AC7-4D8A-9ABA-9B4C09DD8308}" dt="2024-03-21T12:18:35.075" v="15553" actId="20577"/>
+          <ac:chgData name="Matteo MANGILI" userId="89c7df381375e6aa" providerId="LiveId" clId="{E6DC4EAA-0AC7-4D8A-9ABA-9B4C09DD8308}" dt="2024-03-22T20:05:02.970" v="19267" actId="20577"/>
           <ac:spMkLst>
             <pc:docMk/>
             <pc:sldMk cId="2994462458" sldId="314"/>
@@ -595,7 +594,7 @@
         </pc:picChg>
       </pc:sldChg>
       <pc:sldChg chg="addSp delSp modSp mod">
-        <pc:chgData name="Matteo MANGILI" userId="89c7df381375e6aa" providerId="LiveId" clId="{E6DC4EAA-0AC7-4D8A-9ABA-9B4C09DD8308}" dt="2024-03-21T12:18:50.032" v="15563" actId="20577"/>
+        <pc:chgData name="Matteo MANGILI" userId="89c7df381375e6aa" providerId="LiveId" clId="{E6DC4EAA-0AC7-4D8A-9ABA-9B4C09DD8308}" dt="2024-03-22T20:05:25.487" v="19274" actId="20577"/>
         <pc:sldMkLst>
           <pc:docMk/>
           <pc:sldMk cId="1841377636" sldId="316"/>
@@ -609,7 +608,7 @@
           </ac:spMkLst>
         </pc:spChg>
         <pc:spChg chg="mod">
-          <ac:chgData name="Matteo MANGILI" userId="89c7df381375e6aa" providerId="LiveId" clId="{E6DC4EAA-0AC7-4D8A-9ABA-9B4C09DD8308}" dt="2024-03-21T12:18:50.032" v="15563" actId="20577"/>
+          <ac:chgData name="Matteo MANGILI" userId="89c7df381375e6aa" providerId="LiveId" clId="{E6DC4EAA-0AC7-4D8A-9ABA-9B4C09DD8308}" dt="2024-03-22T20:05:25.487" v="19274" actId="20577"/>
           <ac:spMkLst>
             <pc:docMk/>
             <pc:sldMk cId="1841377636" sldId="316"/>
@@ -681,17 +680,25 @@
         </pc:graphicFrameChg>
       </pc:sldChg>
       <pc:sldChg chg="modSp mod">
-        <pc:chgData name="Matteo MANGILI" userId="89c7df381375e6aa" providerId="LiveId" clId="{E6DC4EAA-0AC7-4D8A-9ABA-9B4C09DD8308}" dt="2024-03-21T21:03:49.006" v="16407" actId="20577"/>
+        <pc:chgData name="Matteo MANGILI" userId="89c7df381375e6aa" providerId="LiveId" clId="{E6DC4EAA-0AC7-4D8A-9ABA-9B4C09DD8308}" dt="2024-03-22T20:04:10.543" v="19254" actId="20577"/>
         <pc:sldMkLst>
           <pc:docMk/>
           <pc:sldMk cId="112244765" sldId="318"/>
         </pc:sldMkLst>
         <pc:spChg chg="mod">
-          <ac:chgData name="Matteo MANGILI" userId="89c7df381375e6aa" providerId="LiveId" clId="{E6DC4EAA-0AC7-4D8A-9ABA-9B4C09DD8308}" dt="2024-03-21T21:03:49.006" v="16407" actId="20577"/>
+          <ac:chgData name="Matteo MANGILI" userId="89c7df381375e6aa" providerId="LiveId" clId="{E6DC4EAA-0AC7-4D8A-9ABA-9B4C09DD8308}" dt="2024-03-22T20:04:10.543" v="19254" actId="20577"/>
           <ac:spMkLst>
             <pc:docMk/>
             <pc:sldMk cId="112244765" sldId="318"/>
             <ac:spMk id="11" creationId="{C1C708C4-D7EC-7ED8-A397-AF1F95BF1686}"/>
+          </ac:spMkLst>
+        </pc:spChg>
+        <pc:spChg chg="mod">
+          <ac:chgData name="Matteo MANGILI" userId="89c7df381375e6aa" providerId="LiveId" clId="{E6DC4EAA-0AC7-4D8A-9ABA-9B4C09DD8308}" dt="2024-03-22T20:03:29.212" v="19213" actId="1076"/>
+          <ac:spMkLst>
+            <pc:docMk/>
+            <pc:sldMk cId="112244765" sldId="318"/>
+            <ac:spMk id="82" creationId="{CE36A058-BEC2-4BC5-A467-F2EB2A365051}"/>
           </ac:spMkLst>
         </pc:spChg>
       </pc:sldChg>
@@ -756,8 +763,8 @@
           </ac:picMkLst>
         </pc:picChg>
       </pc:sldChg>
-      <pc:sldChg chg="modSp mod">
-        <pc:chgData name="Matteo MANGILI" userId="89c7df381375e6aa" providerId="LiveId" clId="{E6DC4EAA-0AC7-4D8A-9ABA-9B4C09DD8308}" dt="2024-03-21T21:02:54.100" v="16326" actId="20577"/>
+      <pc:sldChg chg="modSp del mod">
+        <pc:chgData name="Matteo MANGILI" userId="89c7df381375e6aa" providerId="LiveId" clId="{E6DC4EAA-0AC7-4D8A-9ABA-9B4C09DD8308}" dt="2024-03-22T20:00:49.101" v="18904" actId="2696"/>
         <pc:sldMkLst>
           <pc:docMk/>
           <pc:sldMk cId="243116288" sldId="322"/>
@@ -780,7 +787,7 @@
         </pc:spChg>
       </pc:sldChg>
       <pc:sldChg chg="addSp delSp modSp add mod ord">
-        <pc:chgData name="Matteo MANGILI" userId="89c7df381375e6aa" providerId="LiveId" clId="{E6DC4EAA-0AC7-4D8A-9ABA-9B4C09DD8308}" dt="2024-03-21T12:18:45.222" v="15561" actId="20577"/>
+        <pc:chgData name="Matteo MANGILI" userId="89c7df381375e6aa" providerId="LiveId" clId="{E6DC4EAA-0AC7-4D8A-9ABA-9B4C09DD8308}" dt="2024-03-22T20:05:17.091" v="19272" actId="20577"/>
         <pc:sldMkLst>
           <pc:docMk/>
           <pc:sldMk cId="242682486" sldId="323"/>
@@ -802,7 +809,7 @@
           </ac:spMkLst>
         </pc:spChg>
         <pc:spChg chg="mod">
-          <ac:chgData name="Matteo MANGILI" userId="89c7df381375e6aa" providerId="LiveId" clId="{E6DC4EAA-0AC7-4D8A-9ABA-9B4C09DD8308}" dt="2024-03-21T12:18:45.222" v="15561" actId="20577"/>
+          <ac:chgData name="Matteo MANGILI" userId="89c7df381375e6aa" providerId="LiveId" clId="{E6DC4EAA-0AC7-4D8A-9ABA-9B4C09DD8308}" dt="2024-03-22T20:05:17.091" v="19272" actId="20577"/>
           <ac:spMkLst>
             <pc:docMk/>
             <pc:sldMk cId="242682486" sldId="323"/>
@@ -2334,7 +2341,7 @@
     </p:spTree>
     <p:extLst>
       <p:ext uri="{BB962C8B-B14F-4D97-AF65-F5344CB8AC3E}">
-        <p14:creationId xmlns:p14="http://schemas.microsoft.com/office/powerpoint/2010/main" val="4163758333"/>
+        <p14:creationId xmlns:p14="http://schemas.microsoft.com/office/powerpoint/2010/main" val="3054411599"/>
       </p:ext>
     </p:extLst>
   </p:cSld>
@@ -2410,7 +2417,7 @@
             <a:pPr rtl="0"/>
             <a:fld id="{D4B9A9E5-4F7F-4A7D-9DE1-899232329269}" type="slidenum">
               <a:rPr lang="it-IT" smtClean="0"/>
-              <a:t>11</a:t>
+              <a:t>12</a:t>
             </a:fld>
             <a:endParaRPr lang="it-IT" dirty="0"/>
           </a:p>
@@ -2419,7 +2426,7 @@
     </p:spTree>
     <p:extLst>
       <p:ext uri="{BB962C8B-B14F-4D97-AF65-F5344CB8AC3E}">
-        <p14:creationId xmlns:p14="http://schemas.microsoft.com/office/powerpoint/2010/main" val="3054411599"/>
+        <p14:creationId xmlns:p14="http://schemas.microsoft.com/office/powerpoint/2010/main" val="579736977"/>
       </p:ext>
     </p:extLst>
   </p:cSld>
@@ -2504,7 +2511,7 @@
     </p:spTree>
     <p:extLst>
       <p:ext uri="{BB962C8B-B14F-4D97-AF65-F5344CB8AC3E}">
-        <p14:creationId xmlns:p14="http://schemas.microsoft.com/office/powerpoint/2010/main" val="579736977"/>
+        <p14:creationId xmlns:p14="http://schemas.microsoft.com/office/powerpoint/2010/main" val="1516238829"/>
       </p:ext>
     </p:extLst>
   </p:cSld>
@@ -2589,7 +2596,7 @@
     </p:spTree>
     <p:extLst>
       <p:ext uri="{BB962C8B-B14F-4D97-AF65-F5344CB8AC3E}">
-        <p14:creationId xmlns:p14="http://schemas.microsoft.com/office/powerpoint/2010/main" val="1516238829"/>
+        <p14:creationId xmlns:p14="http://schemas.microsoft.com/office/powerpoint/2010/main" val="3760930360"/>
       </p:ext>
     </p:extLst>
   </p:cSld>
@@ -2674,7 +2681,7 @@
     </p:spTree>
     <p:extLst>
       <p:ext uri="{BB962C8B-B14F-4D97-AF65-F5344CB8AC3E}">
-        <p14:creationId xmlns:p14="http://schemas.microsoft.com/office/powerpoint/2010/main" val="3760930360"/>
+        <p14:creationId xmlns:p14="http://schemas.microsoft.com/office/powerpoint/2010/main" val="2000366706"/>
       </p:ext>
     </p:extLst>
   </p:cSld>
@@ -2685,6 +2692,224 @@
 </file>
 
 <file path=ppt/notesSlides/notesSlide15.xml><?xml version="1.0" encoding="utf-8"?>
+<p:notes xmlns:a="http://schemas.openxmlformats.org/drawingml/2006/main" xmlns:r="http://schemas.openxmlformats.org/officeDocument/2006/relationships" xmlns:p="http://schemas.openxmlformats.org/presentationml/2006/main">
+  <p:cSld>
+    <p:spTree>
+      <p:nvGrpSpPr>
+        <p:cNvPr id="1" name="">
+          <a:extLst>
+            <a:ext uri="{FF2B5EF4-FFF2-40B4-BE49-F238E27FC236}">
+              <a16:creationId xmlns:a16="http://schemas.microsoft.com/office/drawing/2014/main" id="{370B9EDB-563C-708F-770C-3CDE1353460B}"/>
+            </a:ext>
+          </a:extLst>
+        </p:cNvPr>
+        <p:cNvGrpSpPr/>
+        <p:nvPr/>
+      </p:nvGrpSpPr>
+      <p:grpSpPr>
+        <a:xfrm>
+          <a:off x="0" y="0"/>
+          <a:ext cx="0" cy="0"/>
+          <a:chOff x="0" y="0"/>
+          <a:chExt cx="0" cy="0"/>
+        </a:xfrm>
+      </p:grpSpPr>
+      <p:sp>
+        <p:nvSpPr>
+          <p:cNvPr id="2" name="Segnaposto immagine diapositiva 1">
+            <a:extLst>
+              <a:ext uri="{FF2B5EF4-FFF2-40B4-BE49-F238E27FC236}">
+                <a16:creationId xmlns:a16="http://schemas.microsoft.com/office/drawing/2014/main" id="{2E1F14AB-D851-D0F5-0CDB-ED07DE0E3241}"/>
+              </a:ext>
+            </a:extLst>
+          </p:cNvPr>
+          <p:cNvSpPr>
+            <a:spLocks noGrp="1" noRot="1" noChangeAspect="1"/>
+          </p:cNvSpPr>
+          <p:nvPr>
+            <p:ph type="sldImg"/>
+          </p:nvPr>
+        </p:nvSpPr>
+        <p:spPr/>
+      </p:sp>
+      <p:sp>
+        <p:nvSpPr>
+          <p:cNvPr id="3" name="Segnaposto note 2">
+            <a:extLst>
+              <a:ext uri="{FF2B5EF4-FFF2-40B4-BE49-F238E27FC236}">
+                <a16:creationId xmlns:a16="http://schemas.microsoft.com/office/drawing/2014/main" id="{89D01B71-E261-F444-D919-B379708FE8A1}"/>
+              </a:ext>
+            </a:extLst>
+          </p:cNvPr>
+          <p:cNvSpPr>
+            <a:spLocks noGrp="1"/>
+          </p:cNvSpPr>
+          <p:nvPr>
+            <p:ph type="body" idx="1"/>
+          </p:nvPr>
+        </p:nvSpPr>
+        <p:spPr/>
+        <p:txBody>
+          <a:bodyPr/>
+          <a:lstStyle/>
+          <a:p>
+            <a:endParaRPr lang="it-IT" dirty="0"/>
+          </a:p>
+        </p:txBody>
+      </p:sp>
+      <p:sp>
+        <p:nvSpPr>
+          <p:cNvPr id="4" name="Segnaposto numero diapositiva 3">
+            <a:extLst>
+              <a:ext uri="{FF2B5EF4-FFF2-40B4-BE49-F238E27FC236}">
+                <a16:creationId xmlns:a16="http://schemas.microsoft.com/office/drawing/2014/main" id="{51C2EDF3-BB66-61AA-0FFB-B92C57661881}"/>
+              </a:ext>
+            </a:extLst>
+          </p:cNvPr>
+          <p:cNvSpPr>
+            <a:spLocks noGrp="1"/>
+          </p:cNvSpPr>
+          <p:nvPr>
+            <p:ph type="sldNum" sz="quarter" idx="5"/>
+          </p:nvPr>
+        </p:nvSpPr>
+        <p:spPr/>
+        <p:txBody>
+          <a:bodyPr/>
+          <a:lstStyle/>
+          <a:p>
+            <a:pPr rtl="0"/>
+            <a:fld id="{D4B9A9E5-4F7F-4A7D-9DE1-899232329269}" type="slidenum">
+              <a:rPr lang="it-IT" smtClean="0"/>
+              <a:t>16</a:t>
+            </a:fld>
+            <a:endParaRPr lang="it-IT" dirty="0"/>
+          </a:p>
+        </p:txBody>
+      </p:sp>
+    </p:spTree>
+    <p:extLst>
+      <p:ext uri="{BB962C8B-B14F-4D97-AF65-F5344CB8AC3E}">
+        <p14:creationId xmlns:p14="http://schemas.microsoft.com/office/powerpoint/2010/main" val="3103029514"/>
+      </p:ext>
+    </p:extLst>
+  </p:cSld>
+  <p:clrMapOvr>
+    <a:masterClrMapping/>
+  </p:clrMapOvr>
+</p:notes>
+</file>
+
+<file path=ppt/notesSlides/notesSlide16.xml><?xml version="1.0" encoding="utf-8"?>
+<p:notes xmlns:a="http://schemas.openxmlformats.org/drawingml/2006/main" xmlns:r="http://schemas.openxmlformats.org/officeDocument/2006/relationships" xmlns:p="http://schemas.openxmlformats.org/presentationml/2006/main">
+  <p:cSld>
+    <p:spTree>
+      <p:nvGrpSpPr>
+        <p:cNvPr id="1" name="">
+          <a:extLst>
+            <a:ext uri="{FF2B5EF4-FFF2-40B4-BE49-F238E27FC236}">
+              <a16:creationId xmlns:a16="http://schemas.microsoft.com/office/drawing/2014/main" id="{370B9EDB-563C-708F-770C-3CDE1353460B}"/>
+            </a:ext>
+          </a:extLst>
+        </p:cNvPr>
+        <p:cNvGrpSpPr/>
+        <p:nvPr/>
+      </p:nvGrpSpPr>
+      <p:grpSpPr>
+        <a:xfrm>
+          <a:off x="0" y="0"/>
+          <a:ext cx="0" cy="0"/>
+          <a:chOff x="0" y="0"/>
+          <a:chExt cx="0" cy="0"/>
+        </a:xfrm>
+      </p:grpSpPr>
+      <p:sp>
+        <p:nvSpPr>
+          <p:cNvPr id="2" name="Segnaposto immagine diapositiva 1">
+            <a:extLst>
+              <a:ext uri="{FF2B5EF4-FFF2-40B4-BE49-F238E27FC236}">
+                <a16:creationId xmlns:a16="http://schemas.microsoft.com/office/drawing/2014/main" id="{2E1F14AB-D851-D0F5-0CDB-ED07DE0E3241}"/>
+              </a:ext>
+            </a:extLst>
+          </p:cNvPr>
+          <p:cNvSpPr>
+            <a:spLocks noGrp="1" noRot="1" noChangeAspect="1"/>
+          </p:cNvSpPr>
+          <p:nvPr>
+            <p:ph type="sldImg"/>
+          </p:nvPr>
+        </p:nvSpPr>
+        <p:spPr/>
+      </p:sp>
+      <p:sp>
+        <p:nvSpPr>
+          <p:cNvPr id="3" name="Segnaposto note 2">
+            <a:extLst>
+              <a:ext uri="{FF2B5EF4-FFF2-40B4-BE49-F238E27FC236}">
+                <a16:creationId xmlns:a16="http://schemas.microsoft.com/office/drawing/2014/main" id="{89D01B71-E261-F444-D919-B379708FE8A1}"/>
+              </a:ext>
+            </a:extLst>
+          </p:cNvPr>
+          <p:cNvSpPr>
+            <a:spLocks noGrp="1"/>
+          </p:cNvSpPr>
+          <p:nvPr>
+            <p:ph type="body" idx="1"/>
+          </p:nvPr>
+        </p:nvSpPr>
+        <p:spPr/>
+        <p:txBody>
+          <a:bodyPr/>
+          <a:lstStyle/>
+          <a:p>
+            <a:endParaRPr lang="it-IT" dirty="0"/>
+          </a:p>
+        </p:txBody>
+      </p:sp>
+      <p:sp>
+        <p:nvSpPr>
+          <p:cNvPr id="4" name="Segnaposto numero diapositiva 3">
+            <a:extLst>
+              <a:ext uri="{FF2B5EF4-FFF2-40B4-BE49-F238E27FC236}">
+                <a16:creationId xmlns:a16="http://schemas.microsoft.com/office/drawing/2014/main" id="{51C2EDF3-BB66-61AA-0FFB-B92C57661881}"/>
+              </a:ext>
+            </a:extLst>
+          </p:cNvPr>
+          <p:cNvSpPr>
+            <a:spLocks noGrp="1"/>
+          </p:cNvSpPr>
+          <p:nvPr>
+            <p:ph type="sldNum" sz="quarter" idx="5"/>
+          </p:nvPr>
+        </p:nvSpPr>
+        <p:spPr/>
+        <p:txBody>
+          <a:bodyPr/>
+          <a:lstStyle/>
+          <a:p>
+            <a:pPr rtl="0"/>
+            <a:fld id="{D4B9A9E5-4F7F-4A7D-9DE1-899232329269}" type="slidenum">
+              <a:rPr lang="it-IT" smtClean="0"/>
+              <a:t>17</a:t>
+            </a:fld>
+            <a:endParaRPr lang="it-IT" dirty="0"/>
+          </a:p>
+        </p:txBody>
+      </p:sp>
+    </p:spTree>
+    <p:extLst>
+      <p:ext uri="{BB962C8B-B14F-4D97-AF65-F5344CB8AC3E}">
+        <p14:creationId xmlns:p14="http://schemas.microsoft.com/office/powerpoint/2010/main" val="3042234841"/>
+      </p:ext>
+    </p:extLst>
+  </p:cSld>
+  <p:clrMapOvr>
+    <a:masterClrMapping/>
+  </p:clrMapOvr>
+</p:notes>
+</file>
+
+<file path=ppt/notesSlides/notesSlide17.xml><?xml version="1.0" encoding="utf-8"?>
 <p:notes xmlns:a="http://schemas.openxmlformats.org/drawingml/2006/main" xmlns:r="http://schemas.openxmlformats.org/officeDocument/2006/relationships" xmlns:p="http://schemas.openxmlformats.org/presentationml/2006/main">
   <p:cSld>
     <p:spTree>
@@ -2750,7 +2975,7 @@
             <a:pPr rtl="0"/>
             <a:fld id="{D4B9A9E5-4F7F-4A7D-9DE1-899232329269}" type="slidenum">
               <a:rPr lang="it-IT" smtClean="0"/>
-              <a:t>16</a:t>
+              <a:t>23</a:t>
             </a:fld>
             <a:endParaRPr lang="it-IT" dirty="0"/>
           </a:p>
@@ -2759,225 +2984,7 @@
     </p:spTree>
     <p:extLst>
       <p:ext uri="{BB962C8B-B14F-4D97-AF65-F5344CB8AC3E}">
-        <p14:creationId xmlns:p14="http://schemas.microsoft.com/office/powerpoint/2010/main" val="2000366706"/>
-      </p:ext>
-    </p:extLst>
-  </p:cSld>
-  <p:clrMapOvr>
-    <a:masterClrMapping/>
-  </p:clrMapOvr>
-</p:notes>
-</file>
-
-<file path=ppt/notesSlides/notesSlide16.xml><?xml version="1.0" encoding="utf-8"?>
-<p:notes xmlns:a="http://schemas.openxmlformats.org/drawingml/2006/main" xmlns:r="http://schemas.openxmlformats.org/officeDocument/2006/relationships" xmlns:p="http://schemas.openxmlformats.org/presentationml/2006/main">
-  <p:cSld>
-    <p:spTree>
-      <p:nvGrpSpPr>
-        <p:cNvPr id="1" name="">
-          <a:extLst>
-            <a:ext uri="{FF2B5EF4-FFF2-40B4-BE49-F238E27FC236}">
-              <a16:creationId xmlns:a16="http://schemas.microsoft.com/office/drawing/2014/main" id="{370B9EDB-563C-708F-770C-3CDE1353460B}"/>
-            </a:ext>
-          </a:extLst>
-        </p:cNvPr>
-        <p:cNvGrpSpPr/>
-        <p:nvPr/>
-      </p:nvGrpSpPr>
-      <p:grpSpPr>
-        <a:xfrm>
-          <a:off x="0" y="0"/>
-          <a:ext cx="0" cy="0"/>
-          <a:chOff x="0" y="0"/>
-          <a:chExt cx="0" cy="0"/>
-        </a:xfrm>
-      </p:grpSpPr>
-      <p:sp>
-        <p:nvSpPr>
-          <p:cNvPr id="2" name="Segnaposto immagine diapositiva 1">
-            <a:extLst>
-              <a:ext uri="{FF2B5EF4-FFF2-40B4-BE49-F238E27FC236}">
-                <a16:creationId xmlns:a16="http://schemas.microsoft.com/office/drawing/2014/main" id="{2E1F14AB-D851-D0F5-0CDB-ED07DE0E3241}"/>
-              </a:ext>
-            </a:extLst>
-          </p:cNvPr>
-          <p:cNvSpPr>
-            <a:spLocks noGrp="1" noRot="1" noChangeAspect="1"/>
-          </p:cNvSpPr>
-          <p:nvPr>
-            <p:ph type="sldImg"/>
-          </p:nvPr>
-        </p:nvSpPr>
-        <p:spPr/>
-      </p:sp>
-      <p:sp>
-        <p:nvSpPr>
-          <p:cNvPr id="3" name="Segnaposto note 2">
-            <a:extLst>
-              <a:ext uri="{FF2B5EF4-FFF2-40B4-BE49-F238E27FC236}">
-                <a16:creationId xmlns:a16="http://schemas.microsoft.com/office/drawing/2014/main" id="{89D01B71-E261-F444-D919-B379708FE8A1}"/>
-              </a:ext>
-            </a:extLst>
-          </p:cNvPr>
-          <p:cNvSpPr>
-            <a:spLocks noGrp="1"/>
-          </p:cNvSpPr>
-          <p:nvPr>
-            <p:ph type="body" idx="1"/>
-          </p:nvPr>
-        </p:nvSpPr>
-        <p:spPr/>
-        <p:txBody>
-          <a:bodyPr/>
-          <a:lstStyle/>
-          <a:p>
-            <a:endParaRPr lang="it-IT" dirty="0"/>
-          </a:p>
-        </p:txBody>
-      </p:sp>
-      <p:sp>
-        <p:nvSpPr>
-          <p:cNvPr id="4" name="Segnaposto numero diapositiva 3">
-            <a:extLst>
-              <a:ext uri="{FF2B5EF4-FFF2-40B4-BE49-F238E27FC236}">
-                <a16:creationId xmlns:a16="http://schemas.microsoft.com/office/drawing/2014/main" id="{51C2EDF3-BB66-61AA-0FFB-B92C57661881}"/>
-              </a:ext>
-            </a:extLst>
-          </p:cNvPr>
-          <p:cNvSpPr>
-            <a:spLocks noGrp="1"/>
-          </p:cNvSpPr>
-          <p:nvPr>
-            <p:ph type="sldNum" sz="quarter" idx="5"/>
-          </p:nvPr>
-        </p:nvSpPr>
-        <p:spPr/>
-        <p:txBody>
-          <a:bodyPr/>
-          <a:lstStyle/>
-          <a:p>
-            <a:pPr rtl="0"/>
-            <a:fld id="{D4B9A9E5-4F7F-4A7D-9DE1-899232329269}" type="slidenum">
-              <a:rPr lang="it-IT" smtClean="0"/>
-              <a:t>17</a:t>
-            </a:fld>
-            <a:endParaRPr lang="it-IT" dirty="0"/>
-          </a:p>
-        </p:txBody>
-      </p:sp>
-    </p:spTree>
-    <p:extLst>
-      <p:ext uri="{BB962C8B-B14F-4D97-AF65-F5344CB8AC3E}">
-        <p14:creationId xmlns:p14="http://schemas.microsoft.com/office/powerpoint/2010/main" val="3103029514"/>
-      </p:ext>
-    </p:extLst>
-  </p:cSld>
-  <p:clrMapOvr>
-    <a:masterClrMapping/>
-  </p:clrMapOvr>
-</p:notes>
-</file>
-
-<file path=ppt/notesSlides/notesSlide17.xml><?xml version="1.0" encoding="utf-8"?>
-<p:notes xmlns:a="http://schemas.openxmlformats.org/drawingml/2006/main" xmlns:r="http://schemas.openxmlformats.org/officeDocument/2006/relationships" xmlns:p="http://schemas.openxmlformats.org/presentationml/2006/main">
-  <p:cSld>
-    <p:spTree>
-      <p:nvGrpSpPr>
-        <p:cNvPr id="1" name="">
-          <a:extLst>
-            <a:ext uri="{FF2B5EF4-FFF2-40B4-BE49-F238E27FC236}">
-              <a16:creationId xmlns:a16="http://schemas.microsoft.com/office/drawing/2014/main" id="{370B9EDB-563C-708F-770C-3CDE1353460B}"/>
-            </a:ext>
-          </a:extLst>
-        </p:cNvPr>
-        <p:cNvGrpSpPr/>
-        <p:nvPr/>
-      </p:nvGrpSpPr>
-      <p:grpSpPr>
-        <a:xfrm>
-          <a:off x="0" y="0"/>
-          <a:ext cx="0" cy="0"/>
-          <a:chOff x="0" y="0"/>
-          <a:chExt cx="0" cy="0"/>
-        </a:xfrm>
-      </p:grpSpPr>
-      <p:sp>
-        <p:nvSpPr>
-          <p:cNvPr id="2" name="Segnaposto immagine diapositiva 1">
-            <a:extLst>
-              <a:ext uri="{FF2B5EF4-FFF2-40B4-BE49-F238E27FC236}">
-                <a16:creationId xmlns:a16="http://schemas.microsoft.com/office/drawing/2014/main" id="{2E1F14AB-D851-D0F5-0CDB-ED07DE0E3241}"/>
-              </a:ext>
-            </a:extLst>
-          </p:cNvPr>
-          <p:cNvSpPr>
-            <a:spLocks noGrp="1" noRot="1" noChangeAspect="1"/>
-          </p:cNvSpPr>
-          <p:nvPr>
-            <p:ph type="sldImg"/>
-          </p:nvPr>
-        </p:nvSpPr>
-        <p:spPr/>
-      </p:sp>
-      <p:sp>
-        <p:nvSpPr>
-          <p:cNvPr id="3" name="Segnaposto note 2">
-            <a:extLst>
-              <a:ext uri="{FF2B5EF4-FFF2-40B4-BE49-F238E27FC236}">
-                <a16:creationId xmlns:a16="http://schemas.microsoft.com/office/drawing/2014/main" id="{89D01B71-E261-F444-D919-B379708FE8A1}"/>
-              </a:ext>
-            </a:extLst>
-          </p:cNvPr>
-          <p:cNvSpPr>
-            <a:spLocks noGrp="1"/>
-          </p:cNvSpPr>
-          <p:nvPr>
-            <p:ph type="body" idx="1"/>
-          </p:nvPr>
-        </p:nvSpPr>
-        <p:spPr/>
-        <p:txBody>
-          <a:bodyPr/>
-          <a:lstStyle/>
-          <a:p>
-            <a:endParaRPr lang="it-IT" dirty="0"/>
-          </a:p>
-        </p:txBody>
-      </p:sp>
-      <p:sp>
-        <p:nvSpPr>
-          <p:cNvPr id="4" name="Segnaposto numero diapositiva 3">
-            <a:extLst>
-              <a:ext uri="{FF2B5EF4-FFF2-40B4-BE49-F238E27FC236}">
-                <a16:creationId xmlns:a16="http://schemas.microsoft.com/office/drawing/2014/main" id="{51C2EDF3-BB66-61AA-0FFB-B92C57661881}"/>
-              </a:ext>
-            </a:extLst>
-          </p:cNvPr>
-          <p:cNvSpPr>
-            <a:spLocks noGrp="1"/>
-          </p:cNvSpPr>
-          <p:nvPr>
-            <p:ph type="sldNum" sz="quarter" idx="5"/>
-          </p:nvPr>
-        </p:nvSpPr>
-        <p:spPr/>
-        <p:txBody>
-          <a:bodyPr/>
-          <a:lstStyle/>
-          <a:p>
-            <a:pPr rtl="0"/>
-            <a:fld id="{D4B9A9E5-4F7F-4A7D-9DE1-899232329269}" type="slidenum">
-              <a:rPr lang="it-IT" smtClean="0"/>
-              <a:t>18</a:t>
-            </a:fld>
-            <a:endParaRPr lang="it-IT" dirty="0"/>
-          </a:p>
-        </p:txBody>
-      </p:sp>
-    </p:spTree>
-    <p:extLst>
-      <p:ext uri="{BB962C8B-B14F-4D97-AF65-F5344CB8AC3E}">
-        <p14:creationId xmlns:p14="http://schemas.microsoft.com/office/powerpoint/2010/main" val="3042234841"/>
+        <p14:creationId xmlns:p14="http://schemas.microsoft.com/office/powerpoint/2010/main" val="719930975"/>
       </p:ext>
     </p:extLst>
   </p:cSld>
@@ -3054,91 +3061,6 @@
             <a:fld id="{D4B9A9E5-4F7F-4A7D-9DE1-899232329269}" type="slidenum">
               <a:rPr lang="it-IT" smtClean="0"/>
               <a:t>24</a:t>
-            </a:fld>
-            <a:endParaRPr lang="it-IT" dirty="0"/>
-          </a:p>
-        </p:txBody>
-      </p:sp>
-    </p:spTree>
-    <p:extLst>
-      <p:ext uri="{BB962C8B-B14F-4D97-AF65-F5344CB8AC3E}">
-        <p14:creationId xmlns:p14="http://schemas.microsoft.com/office/powerpoint/2010/main" val="719930975"/>
-      </p:ext>
-    </p:extLst>
-  </p:cSld>
-  <p:clrMapOvr>
-    <a:masterClrMapping/>
-  </p:clrMapOvr>
-</p:notes>
-</file>
-
-<file path=ppt/notesSlides/notesSlide19.xml><?xml version="1.0" encoding="utf-8"?>
-<p:notes xmlns:a="http://schemas.openxmlformats.org/drawingml/2006/main" xmlns:r="http://schemas.openxmlformats.org/officeDocument/2006/relationships" xmlns:p="http://schemas.openxmlformats.org/presentationml/2006/main">
-  <p:cSld>
-    <p:spTree>
-      <p:nvGrpSpPr>
-        <p:cNvPr id="1" name=""/>
-        <p:cNvGrpSpPr/>
-        <p:nvPr/>
-      </p:nvGrpSpPr>
-      <p:grpSpPr>
-        <a:xfrm>
-          <a:off x="0" y="0"/>
-          <a:ext cx="0" cy="0"/>
-          <a:chOff x="0" y="0"/>
-          <a:chExt cx="0" cy="0"/>
-        </a:xfrm>
-      </p:grpSpPr>
-      <p:sp>
-        <p:nvSpPr>
-          <p:cNvPr id="2" name="Segnaposto immagine diapositiva 1"/>
-          <p:cNvSpPr>
-            <a:spLocks noGrp="1" noRot="1" noChangeAspect="1"/>
-          </p:cNvSpPr>
-          <p:nvPr>
-            <p:ph type="sldImg"/>
-          </p:nvPr>
-        </p:nvSpPr>
-        <p:spPr/>
-      </p:sp>
-      <p:sp>
-        <p:nvSpPr>
-          <p:cNvPr id="3" name="Segnaposto note 2"/>
-          <p:cNvSpPr>
-            <a:spLocks noGrp="1"/>
-          </p:cNvSpPr>
-          <p:nvPr>
-            <p:ph type="body" idx="1"/>
-          </p:nvPr>
-        </p:nvSpPr>
-        <p:spPr/>
-        <p:txBody>
-          <a:bodyPr/>
-          <a:lstStyle/>
-          <a:p>
-            <a:endParaRPr lang="it-IT" dirty="0"/>
-          </a:p>
-        </p:txBody>
-      </p:sp>
-      <p:sp>
-        <p:nvSpPr>
-          <p:cNvPr id="4" name="Segnaposto numero diapositiva 3"/>
-          <p:cNvSpPr>
-            <a:spLocks noGrp="1"/>
-          </p:cNvSpPr>
-          <p:nvPr>
-            <p:ph type="sldNum" sz="quarter" idx="5"/>
-          </p:nvPr>
-        </p:nvSpPr>
-        <p:spPr/>
-        <p:txBody>
-          <a:bodyPr/>
-          <a:lstStyle/>
-          <a:p>
-            <a:pPr rtl="0"/>
-            <a:fld id="{D4B9A9E5-4F7F-4A7D-9DE1-899232329269}" type="slidenum">
-              <a:rPr lang="it-IT" smtClean="0"/>
-              <a:t>25</a:t>
             </a:fld>
             <a:endParaRPr lang="it-IT" dirty="0"/>
           </a:p>
@@ -3502,13 +3424,7 @@
   <p:cSld>
     <p:spTree>
       <p:nvGrpSpPr>
-        <p:cNvPr id="1" name="">
-          <a:extLst>
-            <a:ext uri="{FF2B5EF4-FFF2-40B4-BE49-F238E27FC236}">
-              <a16:creationId xmlns:a16="http://schemas.microsoft.com/office/drawing/2014/main" id="{0DC65C06-32A1-E051-540C-A58BFDA0B183}"/>
-            </a:ext>
-          </a:extLst>
-        </p:cNvPr>
+        <p:cNvPr id="1" name=""/>
         <p:cNvGrpSpPr/>
         <p:nvPr/>
       </p:nvGrpSpPr>
@@ -3522,13 +3438,7 @@
       </p:grpSpPr>
       <p:sp>
         <p:nvSpPr>
-          <p:cNvPr id="2" name="Segnaposto immagine diapositiva 1">
-            <a:extLst>
-              <a:ext uri="{FF2B5EF4-FFF2-40B4-BE49-F238E27FC236}">
-                <a16:creationId xmlns:a16="http://schemas.microsoft.com/office/drawing/2014/main" id="{432F6719-48CD-BA1A-BF59-F19A33ACC1FB}"/>
-              </a:ext>
-            </a:extLst>
-          </p:cNvPr>
+          <p:cNvPr id="2" name="Segnaposto immagine diapositiva 1"/>
           <p:cNvSpPr>
             <a:spLocks noGrp="1" noRot="1" noChangeAspect="1"/>
           </p:cNvSpPr>
@@ -3540,13 +3450,7 @@
       </p:sp>
       <p:sp>
         <p:nvSpPr>
-          <p:cNvPr id="3" name="Segnaposto note 2">
-            <a:extLst>
-              <a:ext uri="{FF2B5EF4-FFF2-40B4-BE49-F238E27FC236}">
-                <a16:creationId xmlns:a16="http://schemas.microsoft.com/office/drawing/2014/main" id="{C57F8F74-F253-0279-BE7C-BA185117C7EC}"/>
-              </a:ext>
-            </a:extLst>
-          </p:cNvPr>
+          <p:cNvPr id="3" name="Segnaposto note 2"/>
           <p:cNvSpPr>
             <a:spLocks noGrp="1"/>
           </p:cNvSpPr>
@@ -3565,13 +3469,7 @@
       </p:sp>
       <p:sp>
         <p:nvSpPr>
-          <p:cNvPr id="4" name="Segnaposto numero diapositiva 3">
-            <a:extLst>
-              <a:ext uri="{FF2B5EF4-FFF2-40B4-BE49-F238E27FC236}">
-                <a16:creationId xmlns:a16="http://schemas.microsoft.com/office/drawing/2014/main" id="{CACC121D-BA2A-74E1-4586-5E7CBDBBCA43}"/>
-              </a:ext>
-            </a:extLst>
-          </p:cNvPr>
+          <p:cNvPr id="4" name="Segnaposto numero diapositiva 3"/>
           <p:cNvSpPr>
             <a:spLocks noGrp="1"/>
           </p:cNvSpPr>
@@ -3596,7 +3494,7 @@
     </p:spTree>
     <p:extLst>
       <p:ext uri="{BB962C8B-B14F-4D97-AF65-F5344CB8AC3E}">
-        <p14:creationId xmlns:p14="http://schemas.microsoft.com/office/powerpoint/2010/main" val="113674702"/>
+        <p14:creationId xmlns:p14="http://schemas.microsoft.com/office/powerpoint/2010/main" val="745069816"/>
       </p:ext>
     </p:extLst>
   </p:cSld>
@@ -3681,7 +3579,7 @@
     </p:spTree>
     <p:extLst>
       <p:ext uri="{BB962C8B-B14F-4D97-AF65-F5344CB8AC3E}">
-        <p14:creationId xmlns:p14="http://schemas.microsoft.com/office/powerpoint/2010/main" val="745069816"/>
+        <p14:creationId xmlns:p14="http://schemas.microsoft.com/office/powerpoint/2010/main" val="1366984130"/>
       </p:ext>
     </p:extLst>
   </p:cSld>
@@ -3766,7 +3664,7 @@
     </p:spTree>
     <p:extLst>
       <p:ext uri="{BB962C8B-B14F-4D97-AF65-F5344CB8AC3E}">
-        <p14:creationId xmlns:p14="http://schemas.microsoft.com/office/powerpoint/2010/main" val="1366984130"/>
+        <p14:creationId xmlns:p14="http://schemas.microsoft.com/office/powerpoint/2010/main" val="1371373273"/>
       </p:ext>
     </p:extLst>
   </p:cSld>
@@ -3851,7 +3749,7 @@
     </p:spTree>
     <p:extLst>
       <p:ext uri="{BB962C8B-B14F-4D97-AF65-F5344CB8AC3E}">
-        <p14:creationId xmlns:p14="http://schemas.microsoft.com/office/powerpoint/2010/main" val="1371373273"/>
+        <p14:creationId xmlns:p14="http://schemas.microsoft.com/office/powerpoint/2010/main" val="4163758333"/>
       </p:ext>
     </p:extLst>
   </p:cSld>
@@ -15293,7 +15191,7 @@
       </p:grpSpPr>
       <p:sp useBgFill="1">
         <p:nvSpPr>
-          <p:cNvPr id="113" name="Rectangle 112">
+          <p:cNvPr id="87" name="Rectangle 86">
             <a:extLst>
               <a:ext uri="{FF2B5EF4-FFF2-40B4-BE49-F238E27FC236}">
                 <a16:creationId xmlns:a16="http://schemas.microsoft.com/office/drawing/2014/main" id="{100EDD19-6802-4EC3-95CE-CFFAB042CFD6}"/>
@@ -15374,25 +15272,22 @@
           </a:xfrm>
         </p:spPr>
         <p:txBody>
-          <a:bodyPr vert="horz" lIns="91440" tIns="45720" rIns="91440" bIns="45720" rtlCol="0">
+          <a:bodyPr rtlCol="0">
             <a:normAutofit/>
           </a:bodyPr>
           <a:lstStyle/>
           <a:p>
-            <a:r>
-              <a:rPr lang="en-US" sz="5400" b="1" kern="1200" dirty="0">
-                <a:latin typeface="+mj-lt"/>
-                <a:ea typeface="+mj-ea"/>
-                <a:cs typeface="+mj-cs"/>
-              </a:rPr>
-              <a:t>Qualità del Software</a:t>
+            <a:pPr rtl="0"/>
+            <a:r>
+              <a:rPr lang="it-IT" sz="5400" b="1" dirty="0"/>
+              <a:t>Requisiti</a:t>
             </a:r>
           </a:p>
         </p:txBody>
       </p:sp>
       <p:sp>
         <p:nvSpPr>
-          <p:cNvPr id="115" name="sketch line">
+          <p:cNvPr id="89" name="sketch line">
             <a:extLst>
               <a:ext uri="{FF2B5EF4-FFF2-40B4-BE49-F238E27FC236}">
                 <a16:creationId xmlns:a16="http://schemas.microsoft.com/office/drawing/2014/main" id="{DB17E863-922E-4C26-BD64-E8FD41D28661}"/>
@@ -16030,1091 +15925,6 @@
       </p:sp>
       <p:sp>
         <p:nvSpPr>
-          <p:cNvPr id="82" name="Segnaposto numero diapositiva 81">
-            <a:extLst>
-              <a:ext uri="{FF2B5EF4-FFF2-40B4-BE49-F238E27FC236}">
-                <a16:creationId xmlns:a16="http://schemas.microsoft.com/office/drawing/2014/main" id="{CE36A058-BEC2-4BC5-A467-F2EB2A365051}"/>
-              </a:ext>
-            </a:extLst>
-          </p:cNvPr>
-          <p:cNvSpPr>
-            <a:spLocks noGrp="1"/>
-          </p:cNvSpPr>
-          <p:nvPr>
-            <p:ph type="sldNum" sz="quarter" idx="12"/>
-          </p:nvPr>
-        </p:nvSpPr>
-        <p:spPr>
-          <a:xfrm>
-            <a:off x="11522963" y="6338130"/>
-            <a:ext cx="521301" cy="473075"/>
-          </a:xfrm>
-        </p:spPr>
-        <p:txBody>
-          <a:bodyPr vert="horz" lIns="91440" tIns="45720" rIns="91440" bIns="45720" rtlCol="0">
-            <a:normAutofit/>
-          </a:bodyPr>
-          <a:lstStyle/>
-          <a:p>
-            <a:pPr>
-              <a:spcAft>
-                <a:spcPts val="600"/>
-              </a:spcAft>
-            </a:pPr>
-            <a:fld id="{B5CEABB6-07DC-46E8-9B57-56EC44A396E5}" type="slidenum">
-              <a:rPr lang="en-US" sz="1800" b="1"/>
-              <a:pPr>
-                <a:spcAft>
-                  <a:spcPts val="600"/>
-                </a:spcAft>
-              </a:pPr>
-              <a:t>10</a:t>
-            </a:fld>
-            <a:endParaRPr lang="en-US" sz="1800" b="1" dirty="0"/>
-          </a:p>
-        </p:txBody>
-      </p:sp>
-      <p:graphicFrame>
-        <p:nvGraphicFramePr>
-          <p:cNvPr id="6" name="Segnaposto contenuto 5">
-            <a:extLst>
-              <a:ext uri="{FF2B5EF4-FFF2-40B4-BE49-F238E27FC236}">
-                <a16:creationId xmlns:a16="http://schemas.microsoft.com/office/drawing/2014/main" id="{D4C19112-8E86-20DC-4B1E-612DCB806B9E}"/>
-              </a:ext>
-            </a:extLst>
-          </p:cNvPr>
-          <p:cNvGraphicFramePr>
-            <a:graphicFrameLocks noGrp="1"/>
-          </p:cNvGraphicFramePr>
-          <p:nvPr>
-            <p:ph idx="1"/>
-            <p:extLst>
-              <p:ext uri="{D42A27DB-BD31-4B8C-83A1-F6EECF244321}">
-                <p14:modId xmlns:p14="http://schemas.microsoft.com/office/powerpoint/2010/main" val="1643355825"/>
-              </p:ext>
-            </p:extLst>
-          </p:nvPr>
-        </p:nvGraphicFramePr>
-        <p:xfrm>
-          <a:off x="648820" y="1772816"/>
-          <a:ext cx="10515597" cy="1935480"/>
-        </p:xfrm>
-        <a:graphic>
-          <a:graphicData uri="http://schemas.openxmlformats.org/drawingml/2006/table">
-            <a:tbl>
-              <a:tblPr firstRow="1" bandRow="1">
-                <a:tableStyleId>{21E4AEA4-8DFA-4A89-87EB-49C32662AFE0}</a:tableStyleId>
-              </a:tblPr>
-              <a:tblGrid>
-                <a:gridCol w="3505199">
-                  <a:extLst>
-                    <a:ext uri="{9D8B030D-6E8A-4147-A177-3AD203B41FA5}">
-                      <a16:colId xmlns:a16="http://schemas.microsoft.com/office/drawing/2014/main" val="2118300434"/>
-                    </a:ext>
-                  </a:extLst>
-                </a:gridCol>
-                <a:gridCol w="3505199">
-                  <a:extLst>
-                    <a:ext uri="{9D8B030D-6E8A-4147-A177-3AD203B41FA5}">
-                      <a16:colId xmlns:a16="http://schemas.microsoft.com/office/drawing/2014/main" val="3583236644"/>
-                    </a:ext>
-                  </a:extLst>
-                </a:gridCol>
-                <a:gridCol w="3505199">
-                  <a:extLst>
-                    <a:ext uri="{9D8B030D-6E8A-4147-A177-3AD203B41FA5}">
-                      <a16:colId xmlns:a16="http://schemas.microsoft.com/office/drawing/2014/main" val="383665298"/>
-                    </a:ext>
-                  </a:extLst>
-                </a:gridCol>
-              </a:tblGrid>
-              <a:tr h="246517">
-                <a:tc>
-                  <a:txBody>
-                    <a:bodyPr/>
-                    <a:lstStyle/>
-                    <a:p>
-                      <a:r>
-                        <a:rPr lang="it-IT" sz="2000" dirty="0"/>
-                        <a:t>Funzionamento del Prodotto</a:t>
-                      </a:r>
-                    </a:p>
-                  </a:txBody>
-                  <a:tcPr/>
-                </a:tc>
-                <a:tc>
-                  <a:txBody>
-                    <a:bodyPr/>
-                    <a:lstStyle/>
-                    <a:p>
-                      <a:r>
-                        <a:rPr lang="it-IT" sz="2000" dirty="0"/>
-                        <a:t>Revisione del Prodotto</a:t>
-                      </a:r>
-                    </a:p>
-                  </a:txBody>
-                  <a:tcPr/>
-                </a:tc>
-                <a:tc>
-                  <a:txBody>
-                    <a:bodyPr/>
-                    <a:lstStyle/>
-                    <a:p>
-                      <a:r>
-                        <a:rPr lang="it-IT" sz="2000" dirty="0"/>
-                        <a:t>Transizione del Prodotto</a:t>
-                      </a:r>
-                    </a:p>
-                  </a:txBody>
-                  <a:tcPr/>
-                </a:tc>
-                <a:extLst>
-                  <a:ext uri="{0D108BD9-81ED-4DB2-BD59-A6C34878D82A}">
-                    <a16:rowId xmlns:a16="http://schemas.microsoft.com/office/drawing/2014/main" val="861850672"/>
-                  </a:ext>
-                </a:extLst>
-              </a:tr>
-              <a:tr h="965316">
-                <a:tc>
-                  <a:txBody>
-                    <a:bodyPr/>
-                    <a:lstStyle/>
-                    <a:p>
-                      <a:pPr marL="342900" indent="-342900">
-                        <a:buFont typeface="Arial" panose="020B0604020202020204" pitchFamily="34" charset="0"/>
-                        <a:buChar char="•"/>
-                      </a:pPr>
-                      <a:r>
-                        <a:rPr lang="it-IT" sz="1900" dirty="0"/>
-                        <a:t>Usabilità</a:t>
-                      </a:r>
-                    </a:p>
-                    <a:p>
-                      <a:pPr marL="342900" indent="-342900">
-                        <a:buFont typeface="Arial" panose="020B0604020202020204" pitchFamily="34" charset="0"/>
-                        <a:buChar char="•"/>
-                      </a:pPr>
-                      <a:r>
-                        <a:rPr lang="it-IT" sz="1900" dirty="0"/>
-                        <a:t>Correttezza</a:t>
-                      </a:r>
-                    </a:p>
-                    <a:p>
-                      <a:pPr marL="342900" indent="-342900">
-                        <a:buFont typeface="Arial" panose="020B0604020202020204" pitchFamily="34" charset="0"/>
-                        <a:buChar char="•"/>
-                      </a:pPr>
-                      <a:r>
-                        <a:rPr lang="it-IT" sz="1900" dirty="0"/>
-                        <a:t>Integrità</a:t>
-                      </a:r>
-                    </a:p>
-                    <a:p>
-                      <a:pPr marL="342900" indent="-342900">
-                        <a:buFont typeface="Arial" panose="020B0604020202020204" pitchFamily="34" charset="0"/>
-                        <a:buChar char="•"/>
-                      </a:pPr>
-                      <a:r>
-                        <a:rPr lang="it-IT" sz="1900" dirty="0"/>
-                        <a:t>Affidabilità</a:t>
-                      </a:r>
-                    </a:p>
-                    <a:p>
-                      <a:pPr marL="342900" indent="-342900">
-                        <a:buFont typeface="Arial" panose="020B0604020202020204" pitchFamily="34" charset="0"/>
-                        <a:buChar char="•"/>
-                      </a:pPr>
-                      <a:endParaRPr lang="it-IT" sz="1900" dirty="0"/>
-                    </a:p>
-                  </a:txBody>
-                  <a:tcPr/>
-                </a:tc>
-                <a:tc>
-                  <a:txBody>
-                    <a:bodyPr/>
-                    <a:lstStyle/>
-                    <a:p>
-                      <a:pPr marL="342900" indent="-342900">
-                        <a:buFont typeface="Arial" panose="020B0604020202020204" pitchFamily="34" charset="0"/>
-                        <a:buChar char="•"/>
-                      </a:pPr>
-                      <a:r>
-                        <a:rPr lang="it-IT" sz="1900" dirty="0"/>
-                        <a:t>Manutenibilità</a:t>
-                      </a:r>
-                    </a:p>
-                    <a:p>
-                      <a:pPr marL="342900" indent="-342900">
-                        <a:buFont typeface="Arial" panose="020B0604020202020204" pitchFamily="34" charset="0"/>
-                        <a:buChar char="•"/>
-                      </a:pPr>
-                      <a:r>
-                        <a:rPr lang="it-IT" sz="1900" dirty="0"/>
-                        <a:t>Testabilità</a:t>
-                      </a:r>
-                    </a:p>
-                  </a:txBody>
-                  <a:tcPr/>
-                </a:tc>
-                <a:tc>
-                  <a:txBody>
-                    <a:bodyPr/>
-                    <a:lstStyle/>
-                    <a:p>
-                      <a:pPr marL="342900" indent="-342900">
-                        <a:buFont typeface="Arial" panose="020B0604020202020204" pitchFamily="34" charset="0"/>
-                        <a:buChar char="•"/>
-                      </a:pPr>
-                      <a:r>
-                        <a:rPr lang="it-IT" sz="1900" dirty="0"/>
-                        <a:t>Riutilizzabilità</a:t>
-                      </a:r>
-                    </a:p>
-                  </a:txBody>
-                  <a:tcPr/>
-                </a:tc>
-                <a:extLst>
-                  <a:ext uri="{0D108BD9-81ED-4DB2-BD59-A6C34878D82A}">
-                    <a16:rowId xmlns:a16="http://schemas.microsoft.com/office/drawing/2014/main" val="3972584351"/>
-                  </a:ext>
-                </a:extLst>
-              </a:tr>
-            </a:tbl>
-          </a:graphicData>
-        </a:graphic>
-      </p:graphicFrame>
-      <p:sp>
-        <p:nvSpPr>
-          <p:cNvPr id="3" name="CasellaDiTesto 2">
-            <a:extLst>
-              <a:ext uri="{FF2B5EF4-FFF2-40B4-BE49-F238E27FC236}">
-                <a16:creationId xmlns:a16="http://schemas.microsoft.com/office/drawing/2014/main" id="{C091BD2F-CDA6-C472-7A74-9AFC99D67D26}"/>
-              </a:ext>
-            </a:extLst>
-          </p:cNvPr>
-          <p:cNvSpPr txBox="1"/>
-          <p:nvPr/>
-        </p:nvSpPr>
-        <p:spPr>
-          <a:xfrm>
-            <a:off x="669037" y="3627201"/>
-            <a:ext cx="10495380" cy="3308598"/>
-          </a:xfrm>
-          <a:prstGeom prst="rect">
-            <a:avLst/>
-          </a:prstGeom>
-          <a:noFill/>
-        </p:spPr>
-        <p:txBody>
-          <a:bodyPr wrap="square" rtlCol="0">
-            <a:spAutoFit/>
-          </a:bodyPr>
-          <a:lstStyle/>
-          <a:p>
-            <a:r>
-              <a:rPr lang="it-IT" sz="1900" dirty="0"/>
-              <a:t>La qualità del software è definita come «il grado in cui il sistema soddisfa le esigenze/aspettative del cliente». I criteri di qualità possono essere misurati soggettivamente o oggettivamente, al fine di ottenere una misura complessiva dell’intero grado di qualità del software, e possono essere interni o esterni (rispettivamente, se rispondono alle esigenze degli sviluppatori o dell’utente finale, l’ospedale). </a:t>
-            </a:r>
-          </a:p>
-          <a:p>
-            <a:r>
-              <a:rPr lang="it-IT" sz="1900" dirty="0"/>
-              <a:t>Il team si è impegnato a rispondere ai requisiti di qualità tassonomici di McCall: nella tabella sopra sono riportati i principali requisiti che il team si è impegnato a soddisfare, per rendere forte il progetto.</a:t>
-            </a:r>
-          </a:p>
-          <a:p>
-            <a:endParaRPr lang="it-IT" sz="1900" dirty="0"/>
-          </a:p>
-          <a:p>
-            <a:r>
-              <a:rPr lang="it-IT" sz="1900" dirty="0"/>
-              <a:t>L’attenzione è rivolta in particolare al funzionamento e revisione del prodotto: l’obiettivo è permettere al programma di funzionare in modo corretto, rispondendo ai requisiti designati dal team. Anche se il progetto non sarà commercializzabile completamente a fine lavoro, il team ha implementato il codice perché parte di </a:t>
-            </a:r>
-            <a:r>
-              <a:rPr lang="it-IT" sz="1900"/>
-              <a:t>esso o tutto </a:t>
-            </a:r>
-            <a:r>
-              <a:rPr lang="it-IT" sz="1900" dirty="0"/>
-              <a:t>possa essere riutilizzabile in futuro.</a:t>
-            </a:r>
-          </a:p>
-        </p:txBody>
-      </p:sp>
-    </p:spTree>
-    <p:extLst>
-      <p:ext uri="{BB962C8B-B14F-4D97-AF65-F5344CB8AC3E}">
-        <p14:creationId xmlns:p14="http://schemas.microsoft.com/office/powerpoint/2010/main" val="1634375711"/>
-      </p:ext>
-    </p:extLst>
-  </p:cSld>
-  <p:clrMapOvr>
-    <a:masterClrMapping/>
-  </p:clrMapOvr>
-</p:sld>
-</file>
-
-<file path=ppt/slides/slide11.xml><?xml version="1.0" encoding="utf-8"?>
-<p:sld xmlns:a="http://schemas.openxmlformats.org/drawingml/2006/main" xmlns:r="http://schemas.openxmlformats.org/officeDocument/2006/relationships" xmlns:p="http://schemas.openxmlformats.org/presentationml/2006/main">
-  <p:cSld>
-    <p:bg>
-      <p:bgPr>
-        <a:solidFill>
-          <a:schemeClr val="bg1"/>
-        </a:solidFill>
-        <a:effectLst/>
-      </p:bgPr>
-    </p:bg>
-    <p:spTree>
-      <p:nvGrpSpPr>
-        <p:cNvPr id="1" name=""/>
-        <p:cNvGrpSpPr/>
-        <p:nvPr/>
-      </p:nvGrpSpPr>
-      <p:grpSpPr>
-        <a:xfrm>
-          <a:off x="0" y="0"/>
-          <a:ext cx="0" cy="0"/>
-          <a:chOff x="0" y="0"/>
-          <a:chExt cx="0" cy="0"/>
-        </a:xfrm>
-      </p:grpSpPr>
-      <p:sp useBgFill="1">
-        <p:nvSpPr>
-          <p:cNvPr id="87" name="Rectangle 86">
-            <a:extLst>
-              <a:ext uri="{FF2B5EF4-FFF2-40B4-BE49-F238E27FC236}">
-                <a16:creationId xmlns:a16="http://schemas.microsoft.com/office/drawing/2014/main" id="{100EDD19-6802-4EC3-95CE-CFFAB042CFD6}"/>
-              </a:ext>
-              <a:ext uri="{C183D7F6-B498-43B3-948B-1728B52AA6E4}">
-                <adec:decorative xmlns:adec="http://schemas.microsoft.com/office/drawing/2017/decorative" val="1"/>
-              </a:ext>
-            </a:extLst>
-          </p:cNvPr>
-          <p:cNvSpPr>
-            <a:spLocks noGrp="1" noRot="1" noChangeAspect="1" noMove="1" noResize="1" noEditPoints="1" noAdjustHandles="1" noChangeArrowheads="1" noChangeShapeType="1" noTextEdit="1"/>
-          </p:cNvSpPr>
-          <p:nvPr>
-            <p:extLst>
-              <p:ext uri="{386F3935-93C4-4BCD-93E2-E3B085C9AB24}">
-                <p16:designElem xmlns:p16="http://schemas.microsoft.com/office/powerpoint/2015/main" val="1"/>
-              </p:ext>
-            </p:extLst>
-          </p:nvPr>
-        </p:nvSpPr>
-        <p:spPr>
-          <a:xfrm>
-            <a:off x="0" y="0"/>
-            <a:ext cx="12188952" cy="6858000"/>
-          </a:xfrm>
-          <a:prstGeom prst="rect">
-            <a:avLst/>
-          </a:prstGeom>
-          <a:ln>
-            <a:noFill/>
-          </a:ln>
-        </p:spPr>
-        <p:style>
-          <a:lnRef idx="2">
-            <a:schemeClr val="accent1">
-              <a:shade val="50000"/>
-            </a:schemeClr>
-          </a:lnRef>
-          <a:fillRef idx="1">
-            <a:schemeClr val="accent1"/>
-          </a:fillRef>
-          <a:effectRef idx="0">
-            <a:schemeClr val="accent1"/>
-          </a:effectRef>
-          <a:fontRef idx="minor">
-            <a:schemeClr val="lt1"/>
-          </a:fontRef>
-        </p:style>
-        <p:txBody>
-          <a:bodyPr rtlCol="0" anchor="ctr"/>
-          <a:lstStyle/>
-          <a:p>
-            <a:pPr algn="ctr"/>
-            <a:endParaRPr lang="en-US" dirty="0"/>
-          </a:p>
-        </p:txBody>
-      </p:sp>
-      <p:sp>
-        <p:nvSpPr>
-          <p:cNvPr id="2" name="Titolo 1">
-            <a:extLst>
-              <a:ext uri="{FF2B5EF4-FFF2-40B4-BE49-F238E27FC236}">
-                <a16:creationId xmlns:a16="http://schemas.microsoft.com/office/drawing/2014/main" id="{75031FE9-9059-4FE8-B4AC-9771F23A1B89}"/>
-              </a:ext>
-            </a:extLst>
-          </p:cNvPr>
-          <p:cNvSpPr>
-            <a:spLocks noGrp="1"/>
-          </p:cNvSpPr>
-          <p:nvPr>
-            <p:ph type="title"/>
-          </p:nvPr>
-        </p:nvSpPr>
-        <p:spPr>
-          <a:xfrm>
-            <a:off x="838200" y="365125"/>
-            <a:ext cx="10515600" cy="1325563"/>
-          </a:xfrm>
-        </p:spPr>
-        <p:txBody>
-          <a:bodyPr rtlCol="0">
-            <a:normAutofit/>
-          </a:bodyPr>
-          <a:lstStyle/>
-          <a:p>
-            <a:pPr rtl="0"/>
-            <a:r>
-              <a:rPr lang="it-IT" sz="5400" b="1" dirty="0"/>
-              <a:t>Requisiti</a:t>
-            </a:r>
-          </a:p>
-        </p:txBody>
-      </p:sp>
-      <p:sp>
-        <p:nvSpPr>
-          <p:cNvPr id="89" name="sketch line">
-            <a:extLst>
-              <a:ext uri="{FF2B5EF4-FFF2-40B4-BE49-F238E27FC236}">
-                <a16:creationId xmlns:a16="http://schemas.microsoft.com/office/drawing/2014/main" id="{DB17E863-922E-4C26-BD64-E8FD41D28661}"/>
-              </a:ext>
-              <a:ext uri="{C183D7F6-B498-43B3-948B-1728B52AA6E4}">
-                <adec:decorative xmlns:adec="http://schemas.microsoft.com/office/drawing/2017/decorative" val="1"/>
-              </a:ext>
-            </a:extLst>
-          </p:cNvPr>
-          <p:cNvSpPr>
-            <a:spLocks noGrp="1" noRot="1" noChangeAspect="1" noMove="1" noResize="1" noEditPoints="1" noAdjustHandles="1" noChangeArrowheads="1" noChangeShapeType="1" noTextEdit="1"/>
-          </p:cNvSpPr>
-          <p:nvPr>
-            <p:extLst>
-              <p:ext uri="{386F3935-93C4-4BCD-93E2-E3B085C9AB24}">
-                <p16:designElem xmlns:p16="http://schemas.microsoft.com/office/powerpoint/2015/main" val="1"/>
-              </p:ext>
-            </p:extLst>
-          </p:nvPr>
-        </p:nvSpPr>
-        <p:spPr>
-          <a:xfrm>
-            <a:off x="669036" y="1677373"/>
-            <a:ext cx="10853928" cy="18288"/>
-          </a:xfrm>
-          <a:custGeom>
-            <a:avLst/>
-            <a:gdLst>
-              <a:gd name="connsiteX0" fmla="*/ 0 w 10853928"/>
-              <a:gd name="connsiteY0" fmla="*/ 0 h 18288"/>
-              <a:gd name="connsiteX1" fmla="*/ 461292 w 10853928"/>
-              <a:gd name="connsiteY1" fmla="*/ 0 h 18288"/>
-              <a:gd name="connsiteX2" fmla="*/ 1139662 w 10853928"/>
-              <a:gd name="connsiteY2" fmla="*/ 0 h 18288"/>
-              <a:gd name="connsiteX3" fmla="*/ 1926572 w 10853928"/>
-              <a:gd name="connsiteY3" fmla="*/ 0 h 18288"/>
-              <a:gd name="connsiteX4" fmla="*/ 2279325 w 10853928"/>
-              <a:gd name="connsiteY4" fmla="*/ 0 h 18288"/>
-              <a:gd name="connsiteX5" fmla="*/ 2632078 w 10853928"/>
-              <a:gd name="connsiteY5" fmla="*/ 0 h 18288"/>
-              <a:gd name="connsiteX6" fmla="*/ 3527527 w 10853928"/>
-              <a:gd name="connsiteY6" fmla="*/ 0 h 18288"/>
-              <a:gd name="connsiteX7" fmla="*/ 4205897 w 10853928"/>
-              <a:gd name="connsiteY7" fmla="*/ 0 h 18288"/>
-              <a:gd name="connsiteX8" fmla="*/ 4558650 w 10853928"/>
-              <a:gd name="connsiteY8" fmla="*/ 0 h 18288"/>
-              <a:gd name="connsiteX9" fmla="*/ 5237020 w 10853928"/>
-              <a:gd name="connsiteY9" fmla="*/ 0 h 18288"/>
-              <a:gd name="connsiteX10" fmla="*/ 6132469 w 10853928"/>
-              <a:gd name="connsiteY10" fmla="*/ 0 h 18288"/>
-              <a:gd name="connsiteX11" fmla="*/ 6702301 w 10853928"/>
-              <a:gd name="connsiteY11" fmla="*/ 0 h 18288"/>
-              <a:gd name="connsiteX12" fmla="*/ 7272132 w 10853928"/>
-              <a:gd name="connsiteY12" fmla="*/ 0 h 18288"/>
-              <a:gd name="connsiteX13" fmla="*/ 7950502 w 10853928"/>
-              <a:gd name="connsiteY13" fmla="*/ 0 h 18288"/>
-              <a:gd name="connsiteX14" fmla="*/ 8737412 w 10853928"/>
-              <a:gd name="connsiteY14" fmla="*/ 0 h 18288"/>
-              <a:gd name="connsiteX15" fmla="*/ 9524322 w 10853928"/>
-              <a:gd name="connsiteY15" fmla="*/ 0 h 18288"/>
-              <a:gd name="connsiteX16" fmla="*/ 10853928 w 10853928"/>
-              <a:gd name="connsiteY16" fmla="*/ 0 h 18288"/>
-              <a:gd name="connsiteX17" fmla="*/ 10853928 w 10853928"/>
-              <a:gd name="connsiteY17" fmla="*/ 18288 h 18288"/>
-              <a:gd name="connsiteX18" fmla="*/ 10392636 w 10853928"/>
-              <a:gd name="connsiteY18" fmla="*/ 18288 h 18288"/>
-              <a:gd name="connsiteX19" fmla="*/ 9497187 w 10853928"/>
-              <a:gd name="connsiteY19" fmla="*/ 18288 h 18288"/>
-              <a:gd name="connsiteX20" fmla="*/ 8818817 w 10853928"/>
-              <a:gd name="connsiteY20" fmla="*/ 18288 h 18288"/>
-              <a:gd name="connsiteX21" fmla="*/ 8466064 w 10853928"/>
-              <a:gd name="connsiteY21" fmla="*/ 18288 h 18288"/>
-              <a:gd name="connsiteX22" fmla="*/ 7787693 w 10853928"/>
-              <a:gd name="connsiteY22" fmla="*/ 18288 h 18288"/>
-              <a:gd name="connsiteX23" fmla="*/ 7217862 w 10853928"/>
-              <a:gd name="connsiteY23" fmla="*/ 18288 h 18288"/>
-              <a:gd name="connsiteX24" fmla="*/ 6648031 w 10853928"/>
-              <a:gd name="connsiteY24" fmla="*/ 18288 h 18288"/>
-              <a:gd name="connsiteX25" fmla="*/ 6078200 w 10853928"/>
-              <a:gd name="connsiteY25" fmla="*/ 18288 h 18288"/>
-              <a:gd name="connsiteX26" fmla="*/ 5508368 w 10853928"/>
-              <a:gd name="connsiteY26" fmla="*/ 18288 h 18288"/>
-              <a:gd name="connsiteX27" fmla="*/ 4721459 w 10853928"/>
-              <a:gd name="connsiteY27" fmla="*/ 18288 h 18288"/>
-              <a:gd name="connsiteX28" fmla="*/ 4043088 w 10853928"/>
-              <a:gd name="connsiteY28" fmla="*/ 18288 h 18288"/>
-              <a:gd name="connsiteX29" fmla="*/ 3690336 w 10853928"/>
-              <a:gd name="connsiteY29" fmla="*/ 18288 h 18288"/>
-              <a:gd name="connsiteX30" fmla="*/ 3120504 w 10853928"/>
-              <a:gd name="connsiteY30" fmla="*/ 18288 h 18288"/>
-              <a:gd name="connsiteX31" fmla="*/ 2333595 w 10853928"/>
-              <a:gd name="connsiteY31" fmla="*/ 18288 h 18288"/>
-              <a:gd name="connsiteX32" fmla="*/ 1872303 w 10853928"/>
-              <a:gd name="connsiteY32" fmla="*/ 18288 h 18288"/>
-              <a:gd name="connsiteX33" fmla="*/ 976854 w 10853928"/>
-              <a:gd name="connsiteY33" fmla="*/ 18288 h 18288"/>
-              <a:gd name="connsiteX34" fmla="*/ 0 w 10853928"/>
-              <a:gd name="connsiteY34" fmla="*/ 18288 h 18288"/>
-              <a:gd name="connsiteX35" fmla="*/ 0 w 10853928"/>
-              <a:gd name="connsiteY35" fmla="*/ 0 h 18288"/>
-            </a:gdLst>
-            <a:ahLst/>
-            <a:cxnLst>
-              <a:cxn ang="0">
-                <a:pos x="connsiteX0" y="connsiteY0"/>
-              </a:cxn>
-              <a:cxn ang="0">
-                <a:pos x="connsiteX1" y="connsiteY1"/>
-              </a:cxn>
-              <a:cxn ang="0">
-                <a:pos x="connsiteX2" y="connsiteY2"/>
-              </a:cxn>
-              <a:cxn ang="0">
-                <a:pos x="connsiteX3" y="connsiteY3"/>
-              </a:cxn>
-              <a:cxn ang="0">
-                <a:pos x="connsiteX4" y="connsiteY4"/>
-              </a:cxn>
-              <a:cxn ang="0">
-                <a:pos x="connsiteX5" y="connsiteY5"/>
-              </a:cxn>
-              <a:cxn ang="0">
-                <a:pos x="connsiteX6" y="connsiteY6"/>
-              </a:cxn>
-              <a:cxn ang="0">
-                <a:pos x="connsiteX7" y="connsiteY7"/>
-              </a:cxn>
-              <a:cxn ang="0">
-                <a:pos x="connsiteX8" y="connsiteY8"/>
-              </a:cxn>
-              <a:cxn ang="0">
-                <a:pos x="connsiteX9" y="connsiteY9"/>
-              </a:cxn>
-              <a:cxn ang="0">
-                <a:pos x="connsiteX10" y="connsiteY10"/>
-              </a:cxn>
-              <a:cxn ang="0">
-                <a:pos x="connsiteX11" y="connsiteY11"/>
-              </a:cxn>
-              <a:cxn ang="0">
-                <a:pos x="connsiteX12" y="connsiteY12"/>
-              </a:cxn>
-              <a:cxn ang="0">
-                <a:pos x="connsiteX13" y="connsiteY13"/>
-              </a:cxn>
-              <a:cxn ang="0">
-                <a:pos x="connsiteX14" y="connsiteY14"/>
-              </a:cxn>
-              <a:cxn ang="0">
-                <a:pos x="connsiteX15" y="connsiteY15"/>
-              </a:cxn>
-              <a:cxn ang="0">
-                <a:pos x="connsiteX16" y="connsiteY16"/>
-              </a:cxn>
-              <a:cxn ang="0">
-                <a:pos x="connsiteX17" y="connsiteY17"/>
-              </a:cxn>
-              <a:cxn ang="0">
-                <a:pos x="connsiteX18" y="connsiteY18"/>
-              </a:cxn>
-              <a:cxn ang="0">
-                <a:pos x="connsiteX19" y="connsiteY19"/>
-              </a:cxn>
-              <a:cxn ang="0">
-                <a:pos x="connsiteX20" y="connsiteY20"/>
-              </a:cxn>
-              <a:cxn ang="0">
-                <a:pos x="connsiteX21" y="connsiteY21"/>
-              </a:cxn>
-              <a:cxn ang="0">
-                <a:pos x="connsiteX22" y="connsiteY22"/>
-              </a:cxn>
-              <a:cxn ang="0">
-                <a:pos x="connsiteX23" y="connsiteY23"/>
-              </a:cxn>
-              <a:cxn ang="0">
-                <a:pos x="connsiteX24" y="connsiteY24"/>
-              </a:cxn>
-              <a:cxn ang="0">
-                <a:pos x="connsiteX25" y="connsiteY25"/>
-              </a:cxn>
-              <a:cxn ang="0">
-                <a:pos x="connsiteX26" y="connsiteY26"/>
-              </a:cxn>
-              <a:cxn ang="0">
-                <a:pos x="connsiteX27" y="connsiteY27"/>
-              </a:cxn>
-              <a:cxn ang="0">
-                <a:pos x="connsiteX28" y="connsiteY28"/>
-              </a:cxn>
-              <a:cxn ang="0">
-                <a:pos x="connsiteX29" y="connsiteY29"/>
-              </a:cxn>
-              <a:cxn ang="0">
-                <a:pos x="connsiteX30" y="connsiteY30"/>
-              </a:cxn>
-              <a:cxn ang="0">
-                <a:pos x="connsiteX31" y="connsiteY31"/>
-              </a:cxn>
-              <a:cxn ang="0">
-                <a:pos x="connsiteX32" y="connsiteY32"/>
-              </a:cxn>
-              <a:cxn ang="0">
-                <a:pos x="connsiteX33" y="connsiteY33"/>
-              </a:cxn>
-              <a:cxn ang="0">
-                <a:pos x="connsiteX34" y="connsiteY34"/>
-              </a:cxn>
-              <a:cxn ang="0">
-                <a:pos x="connsiteX35" y="connsiteY35"/>
-              </a:cxn>
-            </a:cxnLst>
-            <a:rect l="l" t="t" r="r" b="b"/>
-            <a:pathLst>
-              <a:path w="10853928" h="18288" fill="none" extrusionOk="0">
-                <a:moveTo>
-                  <a:pt x="0" y="0"/>
-                </a:moveTo>
-                <a:cubicBezTo>
-                  <a:pt x="146993" y="-19076"/>
-                  <a:pt x="347684" y="-4790"/>
-                  <a:pt x="461292" y="0"/>
-                </a:cubicBezTo>
-                <a:cubicBezTo>
-                  <a:pt x="574900" y="4790"/>
-                  <a:pt x="808367" y="19821"/>
-                  <a:pt x="1139662" y="0"/>
-                </a:cubicBezTo>
-                <a:cubicBezTo>
-                  <a:pt x="1470957" y="-19821"/>
-                  <a:pt x="1627405" y="5721"/>
-                  <a:pt x="1926572" y="0"/>
-                </a:cubicBezTo>
-                <a:cubicBezTo>
-                  <a:pt x="2225739" y="-5721"/>
-                  <a:pt x="2137730" y="-3235"/>
-                  <a:pt x="2279325" y="0"/>
-                </a:cubicBezTo>
-                <a:cubicBezTo>
-                  <a:pt x="2420920" y="3235"/>
-                  <a:pt x="2456518" y="9685"/>
-                  <a:pt x="2632078" y="0"/>
-                </a:cubicBezTo>
-                <a:cubicBezTo>
-                  <a:pt x="2807638" y="-9685"/>
-                  <a:pt x="3211516" y="-43007"/>
-                  <a:pt x="3527527" y="0"/>
-                </a:cubicBezTo>
-                <a:cubicBezTo>
-                  <a:pt x="3843538" y="43007"/>
-                  <a:pt x="4058833" y="22042"/>
-                  <a:pt x="4205897" y="0"/>
-                </a:cubicBezTo>
-                <a:cubicBezTo>
-                  <a:pt x="4352961" y="-22042"/>
-                  <a:pt x="4474805" y="-11846"/>
-                  <a:pt x="4558650" y="0"/>
-                </a:cubicBezTo>
-                <a:cubicBezTo>
-                  <a:pt x="4642495" y="11846"/>
-                  <a:pt x="5041928" y="-6069"/>
-                  <a:pt x="5237020" y="0"/>
-                </a:cubicBezTo>
-                <a:cubicBezTo>
-                  <a:pt x="5432112" y="6069"/>
-                  <a:pt x="5943266" y="-17479"/>
-                  <a:pt x="6132469" y="0"/>
-                </a:cubicBezTo>
-                <a:cubicBezTo>
-                  <a:pt x="6321672" y="17479"/>
-                  <a:pt x="6483872" y="26234"/>
-                  <a:pt x="6702301" y="0"/>
-                </a:cubicBezTo>
-                <a:cubicBezTo>
-                  <a:pt x="6920730" y="-26234"/>
-                  <a:pt x="6991194" y="-15156"/>
-                  <a:pt x="7272132" y="0"/>
-                </a:cubicBezTo>
-                <a:cubicBezTo>
-                  <a:pt x="7553070" y="15156"/>
-                  <a:pt x="7684444" y="-32961"/>
-                  <a:pt x="7950502" y="0"/>
-                </a:cubicBezTo>
-                <a:cubicBezTo>
-                  <a:pt x="8216560" y="32961"/>
-                  <a:pt x="8493290" y="-10491"/>
-                  <a:pt x="8737412" y="0"/>
-                </a:cubicBezTo>
-                <a:cubicBezTo>
-                  <a:pt x="8981534" y="10491"/>
-                  <a:pt x="9191586" y="-13899"/>
-                  <a:pt x="9524322" y="0"/>
-                </a:cubicBezTo>
-                <a:cubicBezTo>
-                  <a:pt x="9857058" y="13899"/>
-                  <a:pt x="10297509" y="7485"/>
-                  <a:pt x="10853928" y="0"/>
-                </a:cubicBezTo>
-                <a:cubicBezTo>
-                  <a:pt x="10854574" y="4451"/>
-                  <a:pt x="10854418" y="9226"/>
-                  <a:pt x="10853928" y="18288"/>
-                </a:cubicBezTo>
-                <a:cubicBezTo>
-                  <a:pt x="10691638" y="28522"/>
-                  <a:pt x="10574319" y="29578"/>
-                  <a:pt x="10392636" y="18288"/>
-                </a:cubicBezTo>
-                <a:cubicBezTo>
-                  <a:pt x="10210953" y="6998"/>
-                  <a:pt x="9836277" y="-16742"/>
-                  <a:pt x="9497187" y="18288"/>
-                </a:cubicBezTo>
-                <a:cubicBezTo>
-                  <a:pt x="9158097" y="53318"/>
-                  <a:pt x="9119479" y="30714"/>
-                  <a:pt x="8818817" y="18288"/>
-                </a:cubicBezTo>
-                <a:cubicBezTo>
-                  <a:pt x="8518155" y="5863"/>
-                  <a:pt x="8640037" y="6483"/>
-                  <a:pt x="8466064" y="18288"/>
-                </a:cubicBezTo>
-                <a:cubicBezTo>
-                  <a:pt x="8292091" y="30093"/>
-                  <a:pt x="7997656" y="18914"/>
-                  <a:pt x="7787693" y="18288"/>
-                </a:cubicBezTo>
-                <a:cubicBezTo>
-                  <a:pt x="7577730" y="17662"/>
-                  <a:pt x="7412468" y="21416"/>
-                  <a:pt x="7217862" y="18288"/>
-                </a:cubicBezTo>
-                <a:cubicBezTo>
-                  <a:pt x="7023256" y="15160"/>
-                  <a:pt x="6898018" y="14824"/>
-                  <a:pt x="6648031" y="18288"/>
-                </a:cubicBezTo>
-                <a:cubicBezTo>
-                  <a:pt x="6398044" y="21752"/>
-                  <a:pt x="6254402" y="38625"/>
-                  <a:pt x="6078200" y="18288"/>
-                </a:cubicBezTo>
-                <a:cubicBezTo>
-                  <a:pt x="5901998" y="-2049"/>
-                  <a:pt x="5622886" y="3213"/>
-                  <a:pt x="5508368" y="18288"/>
-                </a:cubicBezTo>
-                <a:cubicBezTo>
-                  <a:pt x="5393850" y="33363"/>
-                  <a:pt x="5036260" y="26830"/>
-                  <a:pt x="4721459" y="18288"/>
-                </a:cubicBezTo>
-                <a:cubicBezTo>
-                  <a:pt x="4406658" y="9746"/>
-                  <a:pt x="4239221" y="41551"/>
-                  <a:pt x="4043088" y="18288"/>
-                </a:cubicBezTo>
-                <a:cubicBezTo>
-                  <a:pt x="3846955" y="-4975"/>
-                  <a:pt x="3818802" y="34658"/>
-                  <a:pt x="3690336" y="18288"/>
-                </a:cubicBezTo>
-                <a:cubicBezTo>
-                  <a:pt x="3561870" y="1918"/>
-                  <a:pt x="3265491" y="42194"/>
-                  <a:pt x="3120504" y="18288"/>
-                </a:cubicBezTo>
-                <a:cubicBezTo>
-                  <a:pt x="2975517" y="-5618"/>
-                  <a:pt x="2720254" y="36673"/>
-                  <a:pt x="2333595" y="18288"/>
-                </a:cubicBezTo>
-                <a:cubicBezTo>
-                  <a:pt x="1946936" y="-97"/>
-                  <a:pt x="2097241" y="5776"/>
-                  <a:pt x="1872303" y="18288"/>
-                </a:cubicBezTo>
-                <a:cubicBezTo>
-                  <a:pt x="1647365" y="30800"/>
-                  <a:pt x="1282708" y="45380"/>
-                  <a:pt x="976854" y="18288"/>
-                </a:cubicBezTo>
-                <a:cubicBezTo>
-                  <a:pt x="671000" y="-8804"/>
-                  <a:pt x="408401" y="-12775"/>
-                  <a:pt x="0" y="18288"/>
-                </a:cubicBezTo>
-                <a:cubicBezTo>
-                  <a:pt x="-213" y="9468"/>
-                  <a:pt x="187" y="4459"/>
-                  <a:pt x="0" y="0"/>
-                </a:cubicBezTo>
-                <a:close/>
-              </a:path>
-              <a:path w="10853928" h="18288" stroke="0" extrusionOk="0">
-                <a:moveTo>
-                  <a:pt x="0" y="0"/>
-                </a:moveTo>
-                <a:cubicBezTo>
-                  <a:pt x="267322" y="15284"/>
-                  <a:pt x="415388" y="-21048"/>
-                  <a:pt x="569831" y="0"/>
-                </a:cubicBezTo>
-                <a:cubicBezTo>
-                  <a:pt x="724274" y="21048"/>
-                  <a:pt x="769333" y="-2353"/>
-                  <a:pt x="922584" y="0"/>
-                </a:cubicBezTo>
-                <a:cubicBezTo>
-                  <a:pt x="1075835" y="2353"/>
-                  <a:pt x="1399490" y="-145"/>
-                  <a:pt x="1818033" y="0"/>
-                </a:cubicBezTo>
-                <a:cubicBezTo>
-                  <a:pt x="2236576" y="145"/>
-                  <a:pt x="2145330" y="5482"/>
-                  <a:pt x="2387864" y="0"/>
-                </a:cubicBezTo>
-                <a:cubicBezTo>
-                  <a:pt x="2630398" y="-5482"/>
-                  <a:pt x="2793207" y="18487"/>
-                  <a:pt x="2957695" y="0"/>
-                </a:cubicBezTo>
-                <a:cubicBezTo>
-                  <a:pt x="3122183" y="-18487"/>
-                  <a:pt x="3579141" y="19003"/>
-                  <a:pt x="3853144" y="0"/>
-                </a:cubicBezTo>
-                <a:cubicBezTo>
-                  <a:pt x="4127147" y="-19003"/>
-                  <a:pt x="4209857" y="12211"/>
-                  <a:pt x="4314436" y="0"/>
-                </a:cubicBezTo>
-                <a:cubicBezTo>
-                  <a:pt x="4419015" y="-12211"/>
-                  <a:pt x="4762459" y="-17220"/>
-                  <a:pt x="5209885" y="0"/>
-                </a:cubicBezTo>
-                <a:cubicBezTo>
-                  <a:pt x="5657311" y="17220"/>
-                  <a:pt x="5692663" y="-3290"/>
-                  <a:pt x="6105335" y="0"/>
-                </a:cubicBezTo>
-                <a:cubicBezTo>
-                  <a:pt x="6518007" y="3290"/>
-                  <a:pt x="6455516" y="-5124"/>
-                  <a:pt x="6783705" y="0"/>
-                </a:cubicBezTo>
-                <a:cubicBezTo>
-                  <a:pt x="7111894" y="5124"/>
-                  <a:pt x="7441941" y="-17829"/>
-                  <a:pt x="7679154" y="0"/>
-                </a:cubicBezTo>
-                <a:cubicBezTo>
-                  <a:pt x="7916367" y="17829"/>
-                  <a:pt x="8102967" y="-24363"/>
-                  <a:pt x="8248985" y="0"/>
-                </a:cubicBezTo>
-                <a:cubicBezTo>
-                  <a:pt x="8395003" y="24363"/>
-                  <a:pt x="8552393" y="25505"/>
-                  <a:pt x="8818817" y="0"/>
-                </a:cubicBezTo>
-                <a:cubicBezTo>
-                  <a:pt x="9085241" y="-25505"/>
-                  <a:pt x="9411308" y="38000"/>
-                  <a:pt x="9605726" y="0"/>
-                </a:cubicBezTo>
-                <a:cubicBezTo>
-                  <a:pt x="9800144" y="-38000"/>
-                  <a:pt x="10006468" y="-25741"/>
-                  <a:pt x="10175558" y="0"/>
-                </a:cubicBezTo>
-                <a:cubicBezTo>
-                  <a:pt x="10344648" y="25741"/>
-                  <a:pt x="10696282" y="695"/>
-                  <a:pt x="10853928" y="0"/>
-                </a:cubicBezTo>
-                <a:cubicBezTo>
-                  <a:pt x="10853521" y="8690"/>
-                  <a:pt x="10853774" y="14141"/>
-                  <a:pt x="10853928" y="18288"/>
-                </a:cubicBezTo>
-                <a:cubicBezTo>
-                  <a:pt x="10608124" y="24255"/>
-                  <a:pt x="10343415" y="22307"/>
-                  <a:pt x="10067018" y="18288"/>
-                </a:cubicBezTo>
-                <a:cubicBezTo>
-                  <a:pt x="9790621" y="14270"/>
-                  <a:pt x="9843266" y="3564"/>
-                  <a:pt x="9714266" y="18288"/>
-                </a:cubicBezTo>
-                <a:cubicBezTo>
-                  <a:pt x="9585266" y="33012"/>
-                  <a:pt x="9379484" y="1875"/>
-                  <a:pt x="9252974" y="18288"/>
-                </a:cubicBezTo>
-                <a:cubicBezTo>
-                  <a:pt x="9126464" y="34701"/>
-                  <a:pt x="8580678" y="-4904"/>
-                  <a:pt x="8357525" y="18288"/>
-                </a:cubicBezTo>
-                <a:cubicBezTo>
-                  <a:pt x="8134372" y="41480"/>
-                  <a:pt x="7903199" y="26458"/>
-                  <a:pt x="7679154" y="18288"/>
-                </a:cubicBezTo>
-                <a:cubicBezTo>
-                  <a:pt x="7455109" y="10118"/>
-                  <a:pt x="7435944" y="27109"/>
-                  <a:pt x="7217862" y="18288"/>
-                </a:cubicBezTo>
-                <a:cubicBezTo>
-                  <a:pt x="6999780" y="9467"/>
-                  <a:pt x="6680409" y="18985"/>
-                  <a:pt x="6539492" y="18288"/>
-                </a:cubicBezTo>
-                <a:cubicBezTo>
-                  <a:pt x="6398575" y="17592"/>
-                  <a:pt x="6312077" y="33018"/>
-                  <a:pt x="6186739" y="18288"/>
-                </a:cubicBezTo>
-                <a:cubicBezTo>
-                  <a:pt x="6061401" y="3558"/>
-                  <a:pt x="5947033" y="12075"/>
-                  <a:pt x="5833986" y="18288"/>
-                </a:cubicBezTo>
-                <a:cubicBezTo>
-                  <a:pt x="5720939" y="24501"/>
-                  <a:pt x="5482226" y="8586"/>
-                  <a:pt x="5155616" y="18288"/>
-                </a:cubicBezTo>
-                <a:cubicBezTo>
-                  <a:pt x="4829006" y="27991"/>
-                  <a:pt x="4841274" y="29316"/>
-                  <a:pt x="4694324" y="18288"/>
-                </a:cubicBezTo>
-                <a:cubicBezTo>
-                  <a:pt x="4547374" y="7260"/>
-                  <a:pt x="4077675" y="7013"/>
-                  <a:pt x="3907414" y="18288"/>
-                </a:cubicBezTo>
-                <a:cubicBezTo>
-                  <a:pt x="3737153" y="29564"/>
-                  <a:pt x="3538393" y="21630"/>
-                  <a:pt x="3446122" y="18288"/>
-                </a:cubicBezTo>
-                <a:cubicBezTo>
-                  <a:pt x="3353851" y="14946"/>
-                  <a:pt x="2990320" y="-8091"/>
-                  <a:pt x="2659212" y="18288"/>
-                </a:cubicBezTo>
-                <a:cubicBezTo>
-                  <a:pt x="2328104" y="44667"/>
-                  <a:pt x="2427653" y="9607"/>
-                  <a:pt x="2306460" y="18288"/>
-                </a:cubicBezTo>
-                <a:cubicBezTo>
-                  <a:pt x="2185267" y="26969"/>
-                  <a:pt x="1719763" y="3717"/>
-                  <a:pt x="1519550" y="18288"/>
-                </a:cubicBezTo>
-                <a:cubicBezTo>
-                  <a:pt x="1319337" y="32860"/>
-                  <a:pt x="1167371" y="17040"/>
-                  <a:pt x="1058258" y="18288"/>
-                </a:cubicBezTo>
-                <a:cubicBezTo>
-                  <a:pt x="949145" y="19536"/>
-                  <a:pt x="780234" y="31447"/>
-                  <a:pt x="705505" y="18288"/>
-                </a:cubicBezTo>
-                <a:cubicBezTo>
-                  <a:pt x="630776" y="5129"/>
-                  <a:pt x="215796" y="30056"/>
-                  <a:pt x="0" y="18288"/>
-                </a:cubicBezTo>
-                <a:cubicBezTo>
-                  <a:pt x="-53" y="11301"/>
-                  <a:pt x="-649" y="7756"/>
-                  <a:pt x="0" y="0"/>
-                </a:cubicBezTo>
-                <a:close/>
-              </a:path>
-            </a:pathLst>
-          </a:custGeom>
-          <a:solidFill>
-            <a:schemeClr val="accent2"/>
-          </a:solidFill>
-          <a:ln w="41275" cap="rnd">
-            <a:solidFill>
-              <a:schemeClr val="accent2"/>
-            </a:solidFill>
-            <a:round/>
-            <a:extLst>
-              <a:ext uri="{C807C97D-BFC1-408E-A445-0C87EB9F89A2}">
-                <ask:lineSketchStyleProps xmlns:ask="http://schemas.microsoft.com/office/drawing/2018/sketchyshapes" sd="1219033472">
-                  <a:prstGeom prst="rect">
-                    <a:avLst/>
-                  </a:prstGeom>
-                  <ask:type>
-                    <ask:lineSketchFreehand/>
-                  </ask:type>
-                </ask:lineSketchStyleProps>
-              </a:ext>
-            </a:extLst>
-          </a:ln>
-        </p:spPr>
-        <p:style>
-          <a:lnRef idx="2">
-            <a:schemeClr val="accent1">
-              <a:shade val="50000"/>
-            </a:schemeClr>
-          </a:lnRef>
-          <a:fillRef idx="1">
-            <a:schemeClr val="accent1"/>
-          </a:fillRef>
-          <a:effectRef idx="0">
-            <a:schemeClr val="accent1"/>
-          </a:effectRef>
-          <a:fontRef idx="minor">
-            <a:schemeClr val="lt1"/>
-          </a:fontRef>
-        </p:style>
-        <p:txBody>
-          <a:bodyPr rtlCol="0" anchor="ctr"/>
-          <a:lstStyle/>
-          <a:p>
-            <a:pPr algn="ctr"/>
-            <a:endParaRPr lang="en-US" dirty="0"/>
-          </a:p>
-        </p:txBody>
-      </p:sp>
-      <p:sp>
-        <p:nvSpPr>
           <p:cNvPr id="5" name="Content Placeholder 4">
             <a:extLst>
               <a:ext uri="{FF2B5EF4-FFF2-40B4-BE49-F238E27FC236}">
@@ -17266,7 +16076,13 @@
               <a:rPr lang="en-US" sz="3300" b="1" i="1" dirty="0">
                 <a:cs typeface="Calibri"/>
               </a:rPr>
-              <a:t>Negoziazione dei requisiti</a:t>
+              <a:t>Negoziazione dei </a:t>
+            </a:r>
+            <a:r>
+              <a:rPr lang="en-US" sz="3300" b="1" i="1" dirty="0" err="1">
+                <a:cs typeface="Calibri"/>
+              </a:rPr>
+              <a:t>requisiti</a:t>
             </a:r>
             <a:r>
               <a:rPr lang="en-US" sz="3300" dirty="0">
@@ -17408,7 +16224,7 @@
                   <a:spcPts val="600"/>
                 </a:spcAft>
               </a:pPr>
-              <a:t>11</a:t>
+              <a:t>10</a:t>
             </a:fld>
             <a:endParaRPr lang="it-IT" sz="1800" b="1" dirty="0"/>
           </a:p>
@@ -17427,7 +16243,7 @@
 </p:sld>
 </file>
 
-<file path=ppt/slides/slide12.xml><?xml version="1.0" encoding="utf-8"?>
+<file path=ppt/slides/slide11.xml><?xml version="1.0" encoding="utf-8"?>
 <p:sld xmlns:a="http://schemas.openxmlformats.org/drawingml/2006/main" xmlns:r="http://schemas.openxmlformats.org/officeDocument/2006/relationships" xmlns:p="http://schemas.openxmlformats.org/presentationml/2006/main">
   <p:cSld>
     <p:bg>
@@ -18787,7 +17603,7 @@
                   <a:spcPts val="600"/>
                 </a:spcAft>
               </a:pPr>
-              <a:t>12</a:t>
+              <a:t>11</a:t>
             </a:fld>
             <a:endParaRPr lang="it-IT" sz="1800" b="1" noProof="0" dirty="0"/>
           </a:p>
@@ -18806,7 +17622,7 @@
 </p:sld>
 </file>
 
-<file path=ppt/slides/slide13.xml><?xml version="1.0" encoding="utf-8"?>
+<file path=ppt/slides/slide12.xml><?xml version="1.0" encoding="utf-8"?>
 <p:sld xmlns:a="http://schemas.openxmlformats.org/drawingml/2006/main" xmlns:r="http://schemas.openxmlformats.org/officeDocument/2006/relationships" xmlns:p="http://schemas.openxmlformats.org/presentationml/2006/main">
   <p:cSld>
     <p:bg>
@@ -19637,7 +18453,7 @@
                   <a:spcPts val="600"/>
                 </a:spcAft>
               </a:pPr>
-              <a:t>13</a:t>
+              <a:t>12</a:t>
             </a:fld>
             <a:endParaRPr lang="it-IT" sz="1800" b="1" dirty="0"/>
           </a:p>
@@ -19772,7 +18588,7 @@
 </p:sld>
 </file>
 
-<file path=ppt/slides/slide14.xml><?xml version="1.0" encoding="utf-8"?>
+<file path=ppt/slides/slide13.xml><?xml version="1.0" encoding="utf-8"?>
 <p:sld xmlns:a="http://schemas.openxmlformats.org/drawingml/2006/main" xmlns:r="http://schemas.openxmlformats.org/officeDocument/2006/relationships" xmlns:p="http://schemas.openxmlformats.org/presentationml/2006/main">
   <p:cSld>
     <p:bg>
@@ -20571,7 +19387,7 @@
                   <a:spcPts val="600"/>
                 </a:spcAft>
               </a:pPr>
-              <a:t>14</a:t>
+              <a:t>13</a:t>
             </a:fld>
             <a:endParaRPr lang="it-IT" sz="1800" b="1" dirty="0"/>
           </a:p>
@@ -20673,7 +19489,7 @@
 </p:sld>
 </file>
 
-<file path=ppt/slides/slide15.xml><?xml version="1.0" encoding="utf-8"?>
+<file path=ppt/slides/slide14.xml><?xml version="1.0" encoding="utf-8"?>
 <p:sld xmlns:a="http://schemas.openxmlformats.org/drawingml/2006/main" xmlns:r="http://schemas.openxmlformats.org/officeDocument/2006/relationships" xmlns:p="http://schemas.openxmlformats.org/presentationml/2006/main">
   <p:cSld>
     <p:bg>
@@ -21483,15 +20299,7 @@
             </a:pPr>
             <a:r>
               <a:rPr lang="en-US" sz="2000" dirty="0"/>
-              <a:t>Pattern che viene utilizzato quando, progettando un metodo di una nuova classe, ci si accorge che già un’altra classe esegue la stessa operazione. A questo scopo, viene istanziato, all’interno della nuova classe, un oggetto della nuova classe e che ne applica il metodo desiderato. Tale pattern riutilizza frammenti di codice, minimizzando i costi </a:t>
-            </a:r>
-            <a:r>
-              <a:rPr lang="en-US" sz="2000" dirty="0" err="1"/>
-              <a:t>d’uso</a:t>
-            </a:r>
-            <a:r>
-              <a:rPr lang="en-US" sz="2000" dirty="0"/>
-              <a:t>.</a:t>
+              <a:t>Pattern che viene utilizzato quando, progettando un metodo di una nuova classe, ci si accorge che già un’altra classe esegue la stessa operazione. A questo scopo, viene istanziato, all’interno della nuova classe, un oggetto: grazie a tale oggetto, è possible richiamare il metodo della classe originale nella nuova classe, adattandolo al contesto specifico.</a:t>
             </a:r>
           </a:p>
           <a:p>
@@ -21500,39 +20308,24 @@
             </a:pPr>
             <a:r>
               <a:rPr lang="en-US" sz="2000" dirty="0"/>
-              <a:t>Nel nostro caso, il delegation pattern è stato utilizzato per fare in modo che le classi GUI </a:t>
-            </a:r>
-            <a:r>
-              <a:rPr lang="en-US" sz="2000" dirty="0" err="1"/>
-              <a:t>deleghino</a:t>
-            </a:r>
+              <a:t>Tale pattern riutilizza frammenti di codice, minimizzando i costi d’uso.</a:t>
+            </a:r>
+          </a:p>
+          <a:p>
+            <a:pPr marL="0" indent="0">
+              <a:buNone/>
+            </a:pPr>
             <a:r>
               <a:rPr lang="en-US" sz="2000" dirty="0"/>
-              <a:t> i </a:t>
-            </a:r>
-            <a:r>
-              <a:rPr lang="en-US" sz="2000" dirty="0" err="1"/>
-              <a:t>propri</a:t>
+              <a:t>Nel nostro caso, il delegation pattern è stato utilizzato per fare in modo che le classi GUI (</a:t>
+            </a:r>
+            <a:r>
+              <a:rPr lang="it-IT" sz="2000" dirty="0"/>
+              <a:t>dove vengono specificati i metodi riguardanti login del medico, modifica delle liste operatorie e compilazione verbale) </a:t>
             </a:r>
             <a:r>
               <a:rPr lang="en-US" sz="2000" dirty="0"/>
-              <a:t> </a:t>
-            </a:r>
-            <a:r>
-              <a:rPr lang="en-US" sz="2000" dirty="0" err="1"/>
-              <a:t>metodi</a:t>
-            </a:r>
-            <a:r>
-              <a:rPr lang="en-US" sz="2000" dirty="0"/>
-              <a:t> al </a:t>
-            </a:r>
-            <a:r>
-              <a:rPr lang="en-US" sz="2000" dirty="0" err="1"/>
-              <a:t>dataService</a:t>
-            </a:r>
-            <a:r>
-              <a:rPr lang="en-US" sz="2000" dirty="0"/>
-              <a:t>: nella costruzione delle tabelle per Liste Operatorie, Verbali Medici o semplicemente per inserire un nuovo paziente nel Sistema, si deve tenere conto dei metodi presenti nelle classi Gui, atti alla modifica o all’inserimento/cancellazione di nuovi elementi, che verranno poi riutilizzati rispetto alla Gestione Sale.</a:t>
+              <a:t>deleghino i propri metodi al DataService: nella costruzione di tabelle per Liste Operatorie, Verbali Medici o semplicemente per inserire un nuovo paziente nel Sistema, si deve tenere conto dei metodi presenti nelle classi GUI, atti alla modifica o all’inserimento/cancellazione di nuovi elementi, che verranno poi riutilizzati rispetto alla Gestione Sale.</a:t>
             </a:r>
           </a:p>
         </p:txBody>
@@ -21577,7 +20370,7 @@
                   <a:spcPts val="600"/>
                 </a:spcAft>
               </a:pPr>
-              <a:t>15</a:t>
+              <a:t>14</a:t>
             </a:fld>
             <a:endParaRPr lang="it-IT" sz="1800" b="1" dirty="0"/>
           </a:p>
@@ -21596,7 +20389,7 @@
 </p:sld>
 </file>
 
-<file path=ppt/slides/slide16.xml><?xml version="1.0" encoding="utf-8"?>
+<file path=ppt/slides/slide15.xml><?xml version="1.0" encoding="utf-8"?>
 <p:sld xmlns:a="http://schemas.openxmlformats.org/drawingml/2006/main" xmlns:r="http://schemas.openxmlformats.org/officeDocument/2006/relationships" xmlns:p="http://schemas.openxmlformats.org/presentationml/2006/main">
   <p:cSld>
     <p:bg>
@@ -22589,7 +21382,7 @@
                   <a:spcPts val="600"/>
                 </a:spcAft>
               </a:pPr>
-              <a:t>16</a:t>
+              <a:t>15</a:t>
             </a:fld>
             <a:endParaRPr lang="it-IT" sz="1800" b="1" dirty="0"/>
           </a:p>
@@ -22608,7 +21401,7 @@
 </p:sld>
 </file>
 
-<file path=ppt/slides/slide17.xml><?xml version="1.0" encoding="utf-8"?>
+<file path=ppt/slides/slide16.xml><?xml version="1.0" encoding="utf-8"?>
 <p:sld xmlns:a="http://schemas.openxmlformats.org/drawingml/2006/main" xmlns:r="http://schemas.openxmlformats.org/officeDocument/2006/relationships" xmlns:p="http://schemas.openxmlformats.org/presentationml/2006/main">
   <p:cSld>
     <p:bg>
@@ -23441,7 +22234,7 @@
                   <a:spcPts val="600"/>
                 </a:spcAft>
               </a:pPr>
-              <a:t>17</a:t>
+              <a:t>16</a:t>
             </a:fld>
             <a:endParaRPr lang="it-IT" sz="1800" b="1" dirty="0"/>
           </a:p>
@@ -23537,7 +22330,7 @@
 </p:sld>
 </file>
 
-<file path=ppt/slides/slide18.xml><?xml version="1.0" encoding="utf-8"?>
+<file path=ppt/slides/slide17.xml><?xml version="1.0" encoding="utf-8"?>
 <p:sld xmlns:a="http://schemas.openxmlformats.org/drawingml/2006/main" xmlns:r="http://schemas.openxmlformats.org/officeDocument/2006/relationships" xmlns:p="http://schemas.openxmlformats.org/presentationml/2006/main">
   <p:cSld>
     <p:bg>
@@ -24342,7 +23135,7 @@
                   <a:spcPts val="600"/>
                 </a:spcAft>
               </a:pPr>
-              <a:t>18</a:t>
+              <a:t>17</a:t>
             </a:fld>
             <a:endParaRPr lang="it-IT" sz="1800" b="1" dirty="0"/>
           </a:p>
@@ -24523,7 +23316,7 @@
 </p:sld>
 </file>
 
-<file path=ppt/slides/slide19.xml><?xml version="1.0" encoding="utf-8"?>
+<file path=ppt/slides/slide18.xml><?xml version="1.0" encoding="utf-8"?>
 <p:sld xmlns:a="http://schemas.openxmlformats.org/drawingml/2006/main" xmlns:r="http://schemas.openxmlformats.org/officeDocument/2006/relationships" xmlns:p="http://schemas.openxmlformats.org/presentationml/2006/main">
   <p:cSld>
     <p:bg>
@@ -25323,15 +24116,7 @@
             </a:r>
             <a:r>
               <a:rPr lang="en-US" sz="1900" dirty="0"/>
-              <a:t> il </a:t>
-            </a:r>
-            <a:r>
-              <a:rPr lang="en-US" sz="1900" dirty="0" err="1"/>
-              <a:t>contesto</a:t>
-            </a:r>
-            <a:r>
-              <a:rPr lang="en-US" sz="1900" dirty="0"/>
-              <a:t> del problema, </a:t>
+              <a:t> il contesto del problema, </a:t>
             </a:r>
             <a:r>
               <a:rPr lang="en-US" sz="1900" dirty="0" err="1"/>
@@ -25381,7 +24166,15 @@
             </a:r>
             <a:r>
               <a:rPr lang="en-US" sz="1900" dirty="0"/>
-              <a:t> dei Casi d’Uso (USE CASE DIAGRAM)</a:t>
+              <a:t> dei Casi </a:t>
+            </a:r>
+            <a:r>
+              <a:rPr lang="en-US" sz="1900" dirty="0" err="1"/>
+              <a:t>d’Uso</a:t>
+            </a:r>
+            <a:r>
+              <a:rPr lang="en-US" sz="1900" dirty="0"/>
+              <a:t> (USE CASE DIAGRAM)</a:t>
             </a:r>
           </a:p>
           <a:p>
@@ -25510,15 +24303,7 @@
             </a:r>
             <a:r>
               <a:rPr lang="en-US" sz="1900" dirty="0"/>
-              <a:t> </a:t>
-            </a:r>
-            <a:r>
-              <a:rPr lang="en-US" sz="1900" dirty="0" err="1"/>
-              <a:t>della</a:t>
-            </a:r>
-            <a:r>
-              <a:rPr lang="en-US" sz="1900" dirty="0"/>
-              <a:t> repository </a:t>
+              <a:t> della repository </a:t>
             </a:r>
             <a:r>
               <a:rPr lang="en-US" sz="1900" dirty="0" err="1"/>
@@ -25645,6 +24430,961 @@
     <p:extLst>
       <p:ext uri="{BB962C8B-B14F-4D97-AF65-F5344CB8AC3E}">
         <p14:creationId xmlns:p14="http://schemas.microsoft.com/office/powerpoint/2010/main" val="42136755"/>
+      </p:ext>
+    </p:extLst>
+  </p:cSld>
+  <p:clrMapOvr>
+    <a:masterClrMapping/>
+  </p:clrMapOvr>
+</p:sld>
+</file>
+
+<file path=ppt/slides/slide19.xml><?xml version="1.0" encoding="utf-8"?>
+<p:sld xmlns:a="http://schemas.openxmlformats.org/drawingml/2006/main" xmlns:r="http://schemas.openxmlformats.org/officeDocument/2006/relationships" xmlns:p="http://schemas.openxmlformats.org/presentationml/2006/main">
+  <p:cSld>
+    <p:bg>
+      <p:bgPr>
+        <a:solidFill>
+          <a:schemeClr val="bg1"/>
+        </a:solidFill>
+        <a:effectLst/>
+      </p:bgPr>
+    </p:bg>
+    <p:spTree>
+      <p:nvGrpSpPr>
+        <p:cNvPr id="1" name=""/>
+        <p:cNvGrpSpPr/>
+        <p:nvPr/>
+      </p:nvGrpSpPr>
+      <p:grpSpPr>
+        <a:xfrm>
+          <a:off x="0" y="0"/>
+          <a:ext cx="0" cy="0"/>
+          <a:chOff x="0" y="0"/>
+          <a:chExt cx="0" cy="0"/>
+        </a:xfrm>
+      </p:grpSpPr>
+      <p:sp useBgFill="1">
+        <p:nvSpPr>
+          <p:cNvPr id="11" name="Rectangle 10">
+            <a:extLst>
+              <a:ext uri="{FF2B5EF4-FFF2-40B4-BE49-F238E27FC236}">
+                <a16:creationId xmlns:a16="http://schemas.microsoft.com/office/drawing/2014/main" id="{100EDD19-6802-4EC3-95CE-CFFAB042CFD6}"/>
+              </a:ext>
+              <a:ext uri="{C183D7F6-B498-43B3-948B-1728B52AA6E4}">
+                <adec:decorative xmlns:adec="http://schemas.microsoft.com/office/drawing/2017/decorative" val="1"/>
+              </a:ext>
+            </a:extLst>
+          </p:cNvPr>
+          <p:cNvSpPr>
+            <a:spLocks noGrp="1" noRot="1" noChangeAspect="1" noMove="1" noResize="1" noEditPoints="1" noAdjustHandles="1" noChangeArrowheads="1" noChangeShapeType="1" noTextEdit="1"/>
+          </p:cNvSpPr>
+          <p:nvPr>
+            <p:extLst>
+              <p:ext uri="{386F3935-93C4-4BCD-93E2-E3B085C9AB24}">
+                <p16:designElem xmlns:p16="http://schemas.microsoft.com/office/powerpoint/2015/main" val="1"/>
+              </p:ext>
+            </p:extLst>
+          </p:nvPr>
+        </p:nvSpPr>
+        <p:spPr>
+          <a:xfrm>
+            <a:off x="0" y="0"/>
+            <a:ext cx="12188952" cy="6858000"/>
+          </a:xfrm>
+          <a:prstGeom prst="rect">
+            <a:avLst/>
+          </a:prstGeom>
+          <a:ln>
+            <a:noFill/>
+          </a:ln>
+        </p:spPr>
+        <p:style>
+          <a:lnRef idx="2">
+            <a:schemeClr val="accent1">
+              <a:shade val="50000"/>
+            </a:schemeClr>
+          </a:lnRef>
+          <a:fillRef idx="1">
+            <a:schemeClr val="accent1"/>
+          </a:fillRef>
+          <a:effectRef idx="0">
+            <a:schemeClr val="accent1"/>
+          </a:effectRef>
+          <a:fontRef idx="minor">
+            <a:schemeClr val="lt1"/>
+          </a:fontRef>
+        </p:style>
+        <p:txBody>
+          <a:bodyPr rtlCol="0" anchor="ctr"/>
+          <a:lstStyle/>
+          <a:p>
+            <a:pPr algn="ctr"/>
+            <a:endParaRPr lang="en-US" dirty="0"/>
+          </a:p>
+        </p:txBody>
+      </p:sp>
+      <p:sp>
+        <p:nvSpPr>
+          <p:cNvPr id="2" name="Title 1">
+            <a:extLst>
+              <a:ext uri="{FF2B5EF4-FFF2-40B4-BE49-F238E27FC236}">
+                <a16:creationId xmlns:a16="http://schemas.microsoft.com/office/drawing/2014/main" id="{DDB7800B-90D1-8C4B-56B7-FA1626BB1375}"/>
+              </a:ext>
+            </a:extLst>
+          </p:cNvPr>
+          <p:cNvSpPr>
+            <a:spLocks noGrp="1"/>
+          </p:cNvSpPr>
+          <p:nvPr>
+            <p:ph type="title"/>
+          </p:nvPr>
+        </p:nvSpPr>
+        <p:spPr>
+          <a:xfrm>
+            <a:off x="838200" y="365125"/>
+            <a:ext cx="10515600" cy="1325563"/>
+          </a:xfrm>
+        </p:spPr>
+        <p:txBody>
+          <a:bodyPr>
+            <a:normAutofit/>
+          </a:bodyPr>
+          <a:lstStyle/>
+          <a:p>
+            <a:r>
+              <a:rPr lang="it-IT" sz="5400" b="1" dirty="0"/>
+              <a:t>Modellazione: Diagrammi</a:t>
+            </a:r>
+            <a:endParaRPr lang="en-US" sz="5400" b="1" dirty="0"/>
+          </a:p>
+        </p:txBody>
+      </p:sp>
+      <p:sp>
+        <p:nvSpPr>
+          <p:cNvPr id="13" name="sketch line">
+            <a:extLst>
+              <a:ext uri="{FF2B5EF4-FFF2-40B4-BE49-F238E27FC236}">
+                <a16:creationId xmlns:a16="http://schemas.microsoft.com/office/drawing/2014/main" id="{DB17E863-922E-4C26-BD64-E8FD41D28661}"/>
+              </a:ext>
+              <a:ext uri="{C183D7F6-B498-43B3-948B-1728B52AA6E4}">
+                <adec:decorative xmlns:adec="http://schemas.microsoft.com/office/drawing/2017/decorative" val="1"/>
+              </a:ext>
+            </a:extLst>
+          </p:cNvPr>
+          <p:cNvSpPr>
+            <a:spLocks noGrp="1" noRot="1" noChangeAspect="1" noMove="1" noResize="1" noEditPoints="1" noAdjustHandles="1" noChangeArrowheads="1" noChangeShapeType="1" noTextEdit="1"/>
+          </p:cNvSpPr>
+          <p:nvPr>
+            <p:extLst>
+              <p:ext uri="{386F3935-93C4-4BCD-93E2-E3B085C9AB24}">
+                <p16:designElem xmlns:p16="http://schemas.microsoft.com/office/powerpoint/2015/main" val="1"/>
+              </p:ext>
+            </p:extLst>
+          </p:nvPr>
+        </p:nvSpPr>
+        <p:spPr>
+          <a:xfrm>
+            <a:off x="669036" y="1677373"/>
+            <a:ext cx="10853928" cy="18288"/>
+          </a:xfrm>
+          <a:custGeom>
+            <a:avLst/>
+            <a:gdLst>
+              <a:gd name="connsiteX0" fmla="*/ 0 w 10853928"/>
+              <a:gd name="connsiteY0" fmla="*/ 0 h 18288"/>
+              <a:gd name="connsiteX1" fmla="*/ 461292 w 10853928"/>
+              <a:gd name="connsiteY1" fmla="*/ 0 h 18288"/>
+              <a:gd name="connsiteX2" fmla="*/ 1139662 w 10853928"/>
+              <a:gd name="connsiteY2" fmla="*/ 0 h 18288"/>
+              <a:gd name="connsiteX3" fmla="*/ 1926572 w 10853928"/>
+              <a:gd name="connsiteY3" fmla="*/ 0 h 18288"/>
+              <a:gd name="connsiteX4" fmla="*/ 2279325 w 10853928"/>
+              <a:gd name="connsiteY4" fmla="*/ 0 h 18288"/>
+              <a:gd name="connsiteX5" fmla="*/ 2632078 w 10853928"/>
+              <a:gd name="connsiteY5" fmla="*/ 0 h 18288"/>
+              <a:gd name="connsiteX6" fmla="*/ 3527527 w 10853928"/>
+              <a:gd name="connsiteY6" fmla="*/ 0 h 18288"/>
+              <a:gd name="connsiteX7" fmla="*/ 4205897 w 10853928"/>
+              <a:gd name="connsiteY7" fmla="*/ 0 h 18288"/>
+              <a:gd name="connsiteX8" fmla="*/ 4558650 w 10853928"/>
+              <a:gd name="connsiteY8" fmla="*/ 0 h 18288"/>
+              <a:gd name="connsiteX9" fmla="*/ 5237020 w 10853928"/>
+              <a:gd name="connsiteY9" fmla="*/ 0 h 18288"/>
+              <a:gd name="connsiteX10" fmla="*/ 6132469 w 10853928"/>
+              <a:gd name="connsiteY10" fmla="*/ 0 h 18288"/>
+              <a:gd name="connsiteX11" fmla="*/ 6702301 w 10853928"/>
+              <a:gd name="connsiteY11" fmla="*/ 0 h 18288"/>
+              <a:gd name="connsiteX12" fmla="*/ 7272132 w 10853928"/>
+              <a:gd name="connsiteY12" fmla="*/ 0 h 18288"/>
+              <a:gd name="connsiteX13" fmla="*/ 7950502 w 10853928"/>
+              <a:gd name="connsiteY13" fmla="*/ 0 h 18288"/>
+              <a:gd name="connsiteX14" fmla="*/ 8737412 w 10853928"/>
+              <a:gd name="connsiteY14" fmla="*/ 0 h 18288"/>
+              <a:gd name="connsiteX15" fmla="*/ 9524322 w 10853928"/>
+              <a:gd name="connsiteY15" fmla="*/ 0 h 18288"/>
+              <a:gd name="connsiteX16" fmla="*/ 10853928 w 10853928"/>
+              <a:gd name="connsiteY16" fmla="*/ 0 h 18288"/>
+              <a:gd name="connsiteX17" fmla="*/ 10853928 w 10853928"/>
+              <a:gd name="connsiteY17" fmla="*/ 18288 h 18288"/>
+              <a:gd name="connsiteX18" fmla="*/ 10392636 w 10853928"/>
+              <a:gd name="connsiteY18" fmla="*/ 18288 h 18288"/>
+              <a:gd name="connsiteX19" fmla="*/ 9497187 w 10853928"/>
+              <a:gd name="connsiteY19" fmla="*/ 18288 h 18288"/>
+              <a:gd name="connsiteX20" fmla="*/ 8818817 w 10853928"/>
+              <a:gd name="connsiteY20" fmla="*/ 18288 h 18288"/>
+              <a:gd name="connsiteX21" fmla="*/ 8466064 w 10853928"/>
+              <a:gd name="connsiteY21" fmla="*/ 18288 h 18288"/>
+              <a:gd name="connsiteX22" fmla="*/ 7787693 w 10853928"/>
+              <a:gd name="connsiteY22" fmla="*/ 18288 h 18288"/>
+              <a:gd name="connsiteX23" fmla="*/ 7217862 w 10853928"/>
+              <a:gd name="connsiteY23" fmla="*/ 18288 h 18288"/>
+              <a:gd name="connsiteX24" fmla="*/ 6648031 w 10853928"/>
+              <a:gd name="connsiteY24" fmla="*/ 18288 h 18288"/>
+              <a:gd name="connsiteX25" fmla="*/ 6078200 w 10853928"/>
+              <a:gd name="connsiteY25" fmla="*/ 18288 h 18288"/>
+              <a:gd name="connsiteX26" fmla="*/ 5508368 w 10853928"/>
+              <a:gd name="connsiteY26" fmla="*/ 18288 h 18288"/>
+              <a:gd name="connsiteX27" fmla="*/ 4721459 w 10853928"/>
+              <a:gd name="connsiteY27" fmla="*/ 18288 h 18288"/>
+              <a:gd name="connsiteX28" fmla="*/ 4043088 w 10853928"/>
+              <a:gd name="connsiteY28" fmla="*/ 18288 h 18288"/>
+              <a:gd name="connsiteX29" fmla="*/ 3690336 w 10853928"/>
+              <a:gd name="connsiteY29" fmla="*/ 18288 h 18288"/>
+              <a:gd name="connsiteX30" fmla="*/ 3120504 w 10853928"/>
+              <a:gd name="connsiteY30" fmla="*/ 18288 h 18288"/>
+              <a:gd name="connsiteX31" fmla="*/ 2333595 w 10853928"/>
+              <a:gd name="connsiteY31" fmla="*/ 18288 h 18288"/>
+              <a:gd name="connsiteX32" fmla="*/ 1872303 w 10853928"/>
+              <a:gd name="connsiteY32" fmla="*/ 18288 h 18288"/>
+              <a:gd name="connsiteX33" fmla="*/ 976854 w 10853928"/>
+              <a:gd name="connsiteY33" fmla="*/ 18288 h 18288"/>
+              <a:gd name="connsiteX34" fmla="*/ 0 w 10853928"/>
+              <a:gd name="connsiteY34" fmla="*/ 18288 h 18288"/>
+              <a:gd name="connsiteX35" fmla="*/ 0 w 10853928"/>
+              <a:gd name="connsiteY35" fmla="*/ 0 h 18288"/>
+            </a:gdLst>
+            <a:ahLst/>
+            <a:cxnLst>
+              <a:cxn ang="0">
+                <a:pos x="connsiteX0" y="connsiteY0"/>
+              </a:cxn>
+              <a:cxn ang="0">
+                <a:pos x="connsiteX1" y="connsiteY1"/>
+              </a:cxn>
+              <a:cxn ang="0">
+                <a:pos x="connsiteX2" y="connsiteY2"/>
+              </a:cxn>
+              <a:cxn ang="0">
+                <a:pos x="connsiteX3" y="connsiteY3"/>
+              </a:cxn>
+              <a:cxn ang="0">
+                <a:pos x="connsiteX4" y="connsiteY4"/>
+              </a:cxn>
+              <a:cxn ang="0">
+                <a:pos x="connsiteX5" y="connsiteY5"/>
+              </a:cxn>
+              <a:cxn ang="0">
+                <a:pos x="connsiteX6" y="connsiteY6"/>
+              </a:cxn>
+              <a:cxn ang="0">
+                <a:pos x="connsiteX7" y="connsiteY7"/>
+              </a:cxn>
+              <a:cxn ang="0">
+                <a:pos x="connsiteX8" y="connsiteY8"/>
+              </a:cxn>
+              <a:cxn ang="0">
+                <a:pos x="connsiteX9" y="connsiteY9"/>
+              </a:cxn>
+              <a:cxn ang="0">
+                <a:pos x="connsiteX10" y="connsiteY10"/>
+              </a:cxn>
+              <a:cxn ang="0">
+                <a:pos x="connsiteX11" y="connsiteY11"/>
+              </a:cxn>
+              <a:cxn ang="0">
+                <a:pos x="connsiteX12" y="connsiteY12"/>
+              </a:cxn>
+              <a:cxn ang="0">
+                <a:pos x="connsiteX13" y="connsiteY13"/>
+              </a:cxn>
+              <a:cxn ang="0">
+                <a:pos x="connsiteX14" y="connsiteY14"/>
+              </a:cxn>
+              <a:cxn ang="0">
+                <a:pos x="connsiteX15" y="connsiteY15"/>
+              </a:cxn>
+              <a:cxn ang="0">
+                <a:pos x="connsiteX16" y="connsiteY16"/>
+              </a:cxn>
+              <a:cxn ang="0">
+                <a:pos x="connsiteX17" y="connsiteY17"/>
+              </a:cxn>
+              <a:cxn ang="0">
+                <a:pos x="connsiteX18" y="connsiteY18"/>
+              </a:cxn>
+              <a:cxn ang="0">
+                <a:pos x="connsiteX19" y="connsiteY19"/>
+              </a:cxn>
+              <a:cxn ang="0">
+                <a:pos x="connsiteX20" y="connsiteY20"/>
+              </a:cxn>
+              <a:cxn ang="0">
+                <a:pos x="connsiteX21" y="connsiteY21"/>
+              </a:cxn>
+              <a:cxn ang="0">
+                <a:pos x="connsiteX22" y="connsiteY22"/>
+              </a:cxn>
+              <a:cxn ang="0">
+                <a:pos x="connsiteX23" y="connsiteY23"/>
+              </a:cxn>
+              <a:cxn ang="0">
+                <a:pos x="connsiteX24" y="connsiteY24"/>
+              </a:cxn>
+              <a:cxn ang="0">
+                <a:pos x="connsiteX25" y="connsiteY25"/>
+              </a:cxn>
+              <a:cxn ang="0">
+                <a:pos x="connsiteX26" y="connsiteY26"/>
+              </a:cxn>
+              <a:cxn ang="0">
+                <a:pos x="connsiteX27" y="connsiteY27"/>
+              </a:cxn>
+              <a:cxn ang="0">
+                <a:pos x="connsiteX28" y="connsiteY28"/>
+              </a:cxn>
+              <a:cxn ang="0">
+                <a:pos x="connsiteX29" y="connsiteY29"/>
+              </a:cxn>
+              <a:cxn ang="0">
+                <a:pos x="connsiteX30" y="connsiteY30"/>
+              </a:cxn>
+              <a:cxn ang="0">
+                <a:pos x="connsiteX31" y="connsiteY31"/>
+              </a:cxn>
+              <a:cxn ang="0">
+                <a:pos x="connsiteX32" y="connsiteY32"/>
+              </a:cxn>
+              <a:cxn ang="0">
+                <a:pos x="connsiteX33" y="connsiteY33"/>
+              </a:cxn>
+              <a:cxn ang="0">
+                <a:pos x="connsiteX34" y="connsiteY34"/>
+              </a:cxn>
+              <a:cxn ang="0">
+                <a:pos x="connsiteX35" y="connsiteY35"/>
+              </a:cxn>
+            </a:cxnLst>
+            <a:rect l="l" t="t" r="r" b="b"/>
+            <a:pathLst>
+              <a:path w="10853928" h="18288" fill="none" extrusionOk="0">
+                <a:moveTo>
+                  <a:pt x="0" y="0"/>
+                </a:moveTo>
+                <a:cubicBezTo>
+                  <a:pt x="146993" y="-19076"/>
+                  <a:pt x="347684" y="-4790"/>
+                  <a:pt x="461292" y="0"/>
+                </a:cubicBezTo>
+                <a:cubicBezTo>
+                  <a:pt x="574900" y="4790"/>
+                  <a:pt x="808367" y="19821"/>
+                  <a:pt x="1139662" y="0"/>
+                </a:cubicBezTo>
+                <a:cubicBezTo>
+                  <a:pt x="1470957" y="-19821"/>
+                  <a:pt x="1627405" y="5721"/>
+                  <a:pt x="1926572" y="0"/>
+                </a:cubicBezTo>
+                <a:cubicBezTo>
+                  <a:pt x="2225739" y="-5721"/>
+                  <a:pt x="2137730" y="-3235"/>
+                  <a:pt x="2279325" y="0"/>
+                </a:cubicBezTo>
+                <a:cubicBezTo>
+                  <a:pt x="2420920" y="3235"/>
+                  <a:pt x="2456518" y="9685"/>
+                  <a:pt x="2632078" y="0"/>
+                </a:cubicBezTo>
+                <a:cubicBezTo>
+                  <a:pt x="2807638" y="-9685"/>
+                  <a:pt x="3211516" y="-43007"/>
+                  <a:pt x="3527527" y="0"/>
+                </a:cubicBezTo>
+                <a:cubicBezTo>
+                  <a:pt x="3843538" y="43007"/>
+                  <a:pt x="4058833" y="22042"/>
+                  <a:pt x="4205897" y="0"/>
+                </a:cubicBezTo>
+                <a:cubicBezTo>
+                  <a:pt x="4352961" y="-22042"/>
+                  <a:pt x="4474805" y="-11846"/>
+                  <a:pt x="4558650" y="0"/>
+                </a:cubicBezTo>
+                <a:cubicBezTo>
+                  <a:pt x="4642495" y="11846"/>
+                  <a:pt x="5041928" y="-6069"/>
+                  <a:pt x="5237020" y="0"/>
+                </a:cubicBezTo>
+                <a:cubicBezTo>
+                  <a:pt x="5432112" y="6069"/>
+                  <a:pt x="5943266" y="-17479"/>
+                  <a:pt x="6132469" y="0"/>
+                </a:cubicBezTo>
+                <a:cubicBezTo>
+                  <a:pt x="6321672" y="17479"/>
+                  <a:pt x="6483872" y="26234"/>
+                  <a:pt x="6702301" y="0"/>
+                </a:cubicBezTo>
+                <a:cubicBezTo>
+                  <a:pt x="6920730" y="-26234"/>
+                  <a:pt x="6991194" y="-15156"/>
+                  <a:pt x="7272132" y="0"/>
+                </a:cubicBezTo>
+                <a:cubicBezTo>
+                  <a:pt x="7553070" y="15156"/>
+                  <a:pt x="7684444" y="-32961"/>
+                  <a:pt x="7950502" y="0"/>
+                </a:cubicBezTo>
+                <a:cubicBezTo>
+                  <a:pt x="8216560" y="32961"/>
+                  <a:pt x="8493290" y="-10491"/>
+                  <a:pt x="8737412" y="0"/>
+                </a:cubicBezTo>
+                <a:cubicBezTo>
+                  <a:pt x="8981534" y="10491"/>
+                  <a:pt x="9191586" y="-13899"/>
+                  <a:pt x="9524322" y="0"/>
+                </a:cubicBezTo>
+                <a:cubicBezTo>
+                  <a:pt x="9857058" y="13899"/>
+                  <a:pt x="10297509" y="7485"/>
+                  <a:pt x="10853928" y="0"/>
+                </a:cubicBezTo>
+                <a:cubicBezTo>
+                  <a:pt x="10854574" y="4451"/>
+                  <a:pt x="10854418" y="9226"/>
+                  <a:pt x="10853928" y="18288"/>
+                </a:cubicBezTo>
+                <a:cubicBezTo>
+                  <a:pt x="10691638" y="28522"/>
+                  <a:pt x="10574319" y="29578"/>
+                  <a:pt x="10392636" y="18288"/>
+                </a:cubicBezTo>
+                <a:cubicBezTo>
+                  <a:pt x="10210953" y="6998"/>
+                  <a:pt x="9836277" y="-16742"/>
+                  <a:pt x="9497187" y="18288"/>
+                </a:cubicBezTo>
+                <a:cubicBezTo>
+                  <a:pt x="9158097" y="53318"/>
+                  <a:pt x="9119479" y="30714"/>
+                  <a:pt x="8818817" y="18288"/>
+                </a:cubicBezTo>
+                <a:cubicBezTo>
+                  <a:pt x="8518155" y="5863"/>
+                  <a:pt x="8640037" y="6483"/>
+                  <a:pt x="8466064" y="18288"/>
+                </a:cubicBezTo>
+                <a:cubicBezTo>
+                  <a:pt x="8292091" y="30093"/>
+                  <a:pt x="7997656" y="18914"/>
+                  <a:pt x="7787693" y="18288"/>
+                </a:cubicBezTo>
+                <a:cubicBezTo>
+                  <a:pt x="7577730" y="17662"/>
+                  <a:pt x="7412468" y="21416"/>
+                  <a:pt x="7217862" y="18288"/>
+                </a:cubicBezTo>
+                <a:cubicBezTo>
+                  <a:pt x="7023256" y="15160"/>
+                  <a:pt x="6898018" y="14824"/>
+                  <a:pt x="6648031" y="18288"/>
+                </a:cubicBezTo>
+                <a:cubicBezTo>
+                  <a:pt x="6398044" y="21752"/>
+                  <a:pt x="6254402" y="38625"/>
+                  <a:pt x="6078200" y="18288"/>
+                </a:cubicBezTo>
+                <a:cubicBezTo>
+                  <a:pt x="5901998" y="-2049"/>
+                  <a:pt x="5622886" y="3213"/>
+                  <a:pt x="5508368" y="18288"/>
+                </a:cubicBezTo>
+                <a:cubicBezTo>
+                  <a:pt x="5393850" y="33363"/>
+                  <a:pt x="5036260" y="26830"/>
+                  <a:pt x="4721459" y="18288"/>
+                </a:cubicBezTo>
+                <a:cubicBezTo>
+                  <a:pt x="4406658" y="9746"/>
+                  <a:pt x="4239221" y="41551"/>
+                  <a:pt x="4043088" y="18288"/>
+                </a:cubicBezTo>
+                <a:cubicBezTo>
+                  <a:pt x="3846955" y="-4975"/>
+                  <a:pt x="3818802" y="34658"/>
+                  <a:pt x="3690336" y="18288"/>
+                </a:cubicBezTo>
+                <a:cubicBezTo>
+                  <a:pt x="3561870" y="1918"/>
+                  <a:pt x="3265491" y="42194"/>
+                  <a:pt x="3120504" y="18288"/>
+                </a:cubicBezTo>
+                <a:cubicBezTo>
+                  <a:pt x="2975517" y="-5618"/>
+                  <a:pt x="2720254" y="36673"/>
+                  <a:pt x="2333595" y="18288"/>
+                </a:cubicBezTo>
+                <a:cubicBezTo>
+                  <a:pt x="1946936" y="-97"/>
+                  <a:pt x="2097241" y="5776"/>
+                  <a:pt x="1872303" y="18288"/>
+                </a:cubicBezTo>
+                <a:cubicBezTo>
+                  <a:pt x="1647365" y="30800"/>
+                  <a:pt x="1282708" y="45380"/>
+                  <a:pt x="976854" y="18288"/>
+                </a:cubicBezTo>
+                <a:cubicBezTo>
+                  <a:pt x="671000" y="-8804"/>
+                  <a:pt x="408401" y="-12775"/>
+                  <a:pt x="0" y="18288"/>
+                </a:cubicBezTo>
+                <a:cubicBezTo>
+                  <a:pt x="-213" y="9468"/>
+                  <a:pt x="187" y="4459"/>
+                  <a:pt x="0" y="0"/>
+                </a:cubicBezTo>
+                <a:close/>
+              </a:path>
+              <a:path w="10853928" h="18288" stroke="0" extrusionOk="0">
+                <a:moveTo>
+                  <a:pt x="0" y="0"/>
+                </a:moveTo>
+                <a:cubicBezTo>
+                  <a:pt x="267322" y="15284"/>
+                  <a:pt x="415388" y="-21048"/>
+                  <a:pt x="569831" y="0"/>
+                </a:cubicBezTo>
+                <a:cubicBezTo>
+                  <a:pt x="724274" y="21048"/>
+                  <a:pt x="769333" y="-2353"/>
+                  <a:pt x="922584" y="0"/>
+                </a:cubicBezTo>
+                <a:cubicBezTo>
+                  <a:pt x="1075835" y="2353"/>
+                  <a:pt x="1399490" y="-145"/>
+                  <a:pt x="1818033" y="0"/>
+                </a:cubicBezTo>
+                <a:cubicBezTo>
+                  <a:pt x="2236576" y="145"/>
+                  <a:pt x="2145330" y="5482"/>
+                  <a:pt x="2387864" y="0"/>
+                </a:cubicBezTo>
+                <a:cubicBezTo>
+                  <a:pt x="2630398" y="-5482"/>
+                  <a:pt x="2793207" y="18487"/>
+                  <a:pt x="2957695" y="0"/>
+                </a:cubicBezTo>
+                <a:cubicBezTo>
+                  <a:pt x="3122183" y="-18487"/>
+                  <a:pt x="3579141" y="19003"/>
+                  <a:pt x="3853144" y="0"/>
+                </a:cubicBezTo>
+                <a:cubicBezTo>
+                  <a:pt x="4127147" y="-19003"/>
+                  <a:pt x="4209857" y="12211"/>
+                  <a:pt x="4314436" y="0"/>
+                </a:cubicBezTo>
+                <a:cubicBezTo>
+                  <a:pt x="4419015" y="-12211"/>
+                  <a:pt x="4762459" y="-17220"/>
+                  <a:pt x="5209885" y="0"/>
+                </a:cubicBezTo>
+                <a:cubicBezTo>
+                  <a:pt x="5657311" y="17220"/>
+                  <a:pt x="5692663" y="-3290"/>
+                  <a:pt x="6105335" y="0"/>
+                </a:cubicBezTo>
+                <a:cubicBezTo>
+                  <a:pt x="6518007" y="3290"/>
+                  <a:pt x="6455516" y="-5124"/>
+                  <a:pt x="6783705" y="0"/>
+                </a:cubicBezTo>
+                <a:cubicBezTo>
+                  <a:pt x="7111894" y="5124"/>
+                  <a:pt x="7441941" y="-17829"/>
+                  <a:pt x="7679154" y="0"/>
+                </a:cubicBezTo>
+                <a:cubicBezTo>
+                  <a:pt x="7916367" y="17829"/>
+                  <a:pt x="8102967" y="-24363"/>
+                  <a:pt x="8248985" y="0"/>
+                </a:cubicBezTo>
+                <a:cubicBezTo>
+                  <a:pt x="8395003" y="24363"/>
+                  <a:pt x="8552393" y="25505"/>
+                  <a:pt x="8818817" y="0"/>
+                </a:cubicBezTo>
+                <a:cubicBezTo>
+                  <a:pt x="9085241" y="-25505"/>
+                  <a:pt x="9411308" y="38000"/>
+                  <a:pt x="9605726" y="0"/>
+                </a:cubicBezTo>
+                <a:cubicBezTo>
+                  <a:pt x="9800144" y="-38000"/>
+                  <a:pt x="10006468" y="-25741"/>
+                  <a:pt x="10175558" y="0"/>
+                </a:cubicBezTo>
+                <a:cubicBezTo>
+                  <a:pt x="10344648" y="25741"/>
+                  <a:pt x="10696282" y="695"/>
+                  <a:pt x="10853928" y="0"/>
+                </a:cubicBezTo>
+                <a:cubicBezTo>
+                  <a:pt x="10853521" y="8690"/>
+                  <a:pt x="10853774" y="14141"/>
+                  <a:pt x="10853928" y="18288"/>
+                </a:cubicBezTo>
+                <a:cubicBezTo>
+                  <a:pt x="10608124" y="24255"/>
+                  <a:pt x="10343415" y="22307"/>
+                  <a:pt x="10067018" y="18288"/>
+                </a:cubicBezTo>
+                <a:cubicBezTo>
+                  <a:pt x="9790621" y="14270"/>
+                  <a:pt x="9843266" y="3564"/>
+                  <a:pt x="9714266" y="18288"/>
+                </a:cubicBezTo>
+                <a:cubicBezTo>
+                  <a:pt x="9585266" y="33012"/>
+                  <a:pt x="9379484" y="1875"/>
+                  <a:pt x="9252974" y="18288"/>
+                </a:cubicBezTo>
+                <a:cubicBezTo>
+                  <a:pt x="9126464" y="34701"/>
+                  <a:pt x="8580678" y="-4904"/>
+                  <a:pt x="8357525" y="18288"/>
+                </a:cubicBezTo>
+                <a:cubicBezTo>
+                  <a:pt x="8134372" y="41480"/>
+                  <a:pt x="7903199" y="26458"/>
+                  <a:pt x="7679154" y="18288"/>
+                </a:cubicBezTo>
+                <a:cubicBezTo>
+                  <a:pt x="7455109" y="10118"/>
+                  <a:pt x="7435944" y="27109"/>
+                  <a:pt x="7217862" y="18288"/>
+                </a:cubicBezTo>
+                <a:cubicBezTo>
+                  <a:pt x="6999780" y="9467"/>
+                  <a:pt x="6680409" y="18985"/>
+                  <a:pt x="6539492" y="18288"/>
+                </a:cubicBezTo>
+                <a:cubicBezTo>
+                  <a:pt x="6398575" y="17592"/>
+                  <a:pt x="6312077" y="33018"/>
+                  <a:pt x="6186739" y="18288"/>
+                </a:cubicBezTo>
+                <a:cubicBezTo>
+                  <a:pt x="6061401" y="3558"/>
+                  <a:pt x="5947033" y="12075"/>
+                  <a:pt x="5833986" y="18288"/>
+                </a:cubicBezTo>
+                <a:cubicBezTo>
+                  <a:pt x="5720939" y="24501"/>
+                  <a:pt x="5482226" y="8586"/>
+                  <a:pt x="5155616" y="18288"/>
+                </a:cubicBezTo>
+                <a:cubicBezTo>
+                  <a:pt x="4829006" y="27991"/>
+                  <a:pt x="4841274" y="29316"/>
+                  <a:pt x="4694324" y="18288"/>
+                </a:cubicBezTo>
+                <a:cubicBezTo>
+                  <a:pt x="4547374" y="7260"/>
+                  <a:pt x="4077675" y="7013"/>
+                  <a:pt x="3907414" y="18288"/>
+                </a:cubicBezTo>
+                <a:cubicBezTo>
+                  <a:pt x="3737153" y="29564"/>
+                  <a:pt x="3538393" y="21630"/>
+                  <a:pt x="3446122" y="18288"/>
+                </a:cubicBezTo>
+                <a:cubicBezTo>
+                  <a:pt x="3353851" y="14946"/>
+                  <a:pt x="2990320" y="-8091"/>
+                  <a:pt x="2659212" y="18288"/>
+                </a:cubicBezTo>
+                <a:cubicBezTo>
+                  <a:pt x="2328104" y="44667"/>
+                  <a:pt x="2427653" y="9607"/>
+                  <a:pt x="2306460" y="18288"/>
+                </a:cubicBezTo>
+                <a:cubicBezTo>
+                  <a:pt x="2185267" y="26969"/>
+                  <a:pt x="1719763" y="3717"/>
+                  <a:pt x="1519550" y="18288"/>
+                </a:cubicBezTo>
+                <a:cubicBezTo>
+                  <a:pt x="1319337" y="32860"/>
+                  <a:pt x="1167371" y="17040"/>
+                  <a:pt x="1058258" y="18288"/>
+                </a:cubicBezTo>
+                <a:cubicBezTo>
+                  <a:pt x="949145" y="19536"/>
+                  <a:pt x="780234" y="31447"/>
+                  <a:pt x="705505" y="18288"/>
+                </a:cubicBezTo>
+                <a:cubicBezTo>
+                  <a:pt x="630776" y="5129"/>
+                  <a:pt x="215796" y="30056"/>
+                  <a:pt x="0" y="18288"/>
+                </a:cubicBezTo>
+                <a:cubicBezTo>
+                  <a:pt x="-53" y="11301"/>
+                  <a:pt x="-649" y="7756"/>
+                  <a:pt x="0" y="0"/>
+                </a:cubicBezTo>
+                <a:close/>
+              </a:path>
+            </a:pathLst>
+          </a:custGeom>
+          <a:solidFill>
+            <a:schemeClr val="accent2"/>
+          </a:solidFill>
+          <a:ln w="41275" cap="rnd">
+            <a:solidFill>
+              <a:schemeClr val="accent2"/>
+            </a:solidFill>
+            <a:round/>
+            <a:extLst>
+              <a:ext uri="{C807C97D-BFC1-408E-A445-0C87EB9F89A2}">
+                <ask:lineSketchStyleProps xmlns:ask="http://schemas.microsoft.com/office/drawing/2018/sketchyshapes" sd="1219033472">
+                  <a:prstGeom prst="rect">
+                    <a:avLst/>
+                  </a:prstGeom>
+                  <ask:type>
+                    <ask:lineSketchFreehand/>
+                  </ask:type>
+                </ask:lineSketchStyleProps>
+              </a:ext>
+            </a:extLst>
+          </a:ln>
+        </p:spPr>
+        <p:style>
+          <a:lnRef idx="2">
+            <a:schemeClr val="accent1">
+              <a:shade val="50000"/>
+            </a:schemeClr>
+          </a:lnRef>
+          <a:fillRef idx="1">
+            <a:schemeClr val="accent1"/>
+          </a:fillRef>
+          <a:effectRef idx="0">
+            <a:schemeClr val="accent1"/>
+          </a:effectRef>
+          <a:fontRef idx="minor">
+            <a:schemeClr val="lt1"/>
+          </a:fontRef>
+        </p:style>
+        <p:txBody>
+          <a:bodyPr rtlCol="0" anchor="ctr"/>
+          <a:lstStyle/>
+          <a:p>
+            <a:pPr algn="ctr"/>
+            <a:endParaRPr lang="en-US" dirty="0"/>
+          </a:p>
+        </p:txBody>
+      </p:sp>
+      <p:sp>
+        <p:nvSpPr>
+          <p:cNvPr id="6" name="Slide Number Placeholder 5">
+            <a:extLst>
+              <a:ext uri="{FF2B5EF4-FFF2-40B4-BE49-F238E27FC236}">
+                <a16:creationId xmlns:a16="http://schemas.microsoft.com/office/drawing/2014/main" id="{07D5F90B-A703-3979-44A8-9125B7AA3463}"/>
+              </a:ext>
+            </a:extLst>
+          </p:cNvPr>
+          <p:cNvSpPr>
+            <a:spLocks noGrp="1"/>
+          </p:cNvSpPr>
+          <p:nvPr>
+            <p:ph type="sldNum" sz="quarter" idx="12"/>
+          </p:nvPr>
+        </p:nvSpPr>
+        <p:spPr>
+          <a:xfrm>
+            <a:off x="8610600" y="6191250"/>
+            <a:ext cx="2743200" cy="530225"/>
+          </a:xfrm>
+        </p:spPr>
+        <p:txBody>
+          <a:bodyPr>
+            <a:noAutofit/>
+          </a:bodyPr>
+          <a:lstStyle/>
+          <a:p>
+            <a:pPr rtl="0">
+              <a:lnSpc>
+                <a:spcPct val="90000"/>
+              </a:lnSpc>
+              <a:spcAft>
+                <a:spcPts val="600"/>
+              </a:spcAft>
+            </a:pPr>
+            <a:endParaRPr lang="it-IT" sz="1800" b="1" noProof="0" dirty="0"/>
+          </a:p>
+          <a:p>
+            <a:pPr rtl="0">
+              <a:lnSpc>
+                <a:spcPct val="90000"/>
+              </a:lnSpc>
+              <a:spcAft>
+                <a:spcPts val="600"/>
+              </a:spcAft>
+            </a:pPr>
+            <a:r>
+              <a:rPr lang="it-IT" sz="1800" b="1" noProof="0" dirty="0"/>
+              <a:t>19</a:t>
+            </a:r>
+          </a:p>
+        </p:txBody>
+      </p:sp>
+      <p:sp>
+        <p:nvSpPr>
+          <p:cNvPr id="7" name="CasellaDiTesto 6">
+            <a:extLst>
+              <a:ext uri="{FF2B5EF4-FFF2-40B4-BE49-F238E27FC236}">
+                <a16:creationId xmlns:a16="http://schemas.microsoft.com/office/drawing/2014/main" id="{2F6D6524-8D26-DCE0-C8D6-6656324DC85A}"/>
+              </a:ext>
+            </a:extLst>
+          </p:cNvPr>
+          <p:cNvSpPr txBox="1"/>
+          <p:nvPr/>
+        </p:nvSpPr>
+        <p:spPr>
+          <a:xfrm>
+            <a:off x="838200" y="6298163"/>
+            <a:ext cx="2110273" cy="369332"/>
+          </a:xfrm>
+          <a:prstGeom prst="rect">
+            <a:avLst/>
+          </a:prstGeom>
+          <a:noFill/>
+        </p:spPr>
+        <p:txBody>
+          <a:bodyPr wrap="square" rtlCol="0">
+            <a:spAutoFit/>
+          </a:bodyPr>
+          <a:lstStyle/>
+          <a:p>
+            <a:r>
+              <a:rPr lang="it-IT" dirty="0"/>
+              <a:t>USE CASE DIAGRAM</a:t>
+            </a:r>
+          </a:p>
+        </p:txBody>
+      </p:sp>
+      <p:sp>
+        <p:nvSpPr>
+          <p:cNvPr id="10" name="CasellaDiTesto 9">
+            <a:extLst>
+              <a:ext uri="{FF2B5EF4-FFF2-40B4-BE49-F238E27FC236}">
+                <a16:creationId xmlns:a16="http://schemas.microsoft.com/office/drawing/2014/main" id="{6A436C8B-00CB-47DF-CE0F-3E6AF627C2BC}"/>
+              </a:ext>
+            </a:extLst>
+          </p:cNvPr>
+          <p:cNvSpPr txBox="1"/>
+          <p:nvPr/>
+        </p:nvSpPr>
+        <p:spPr>
+          <a:xfrm>
+            <a:off x="6895322" y="6382139"/>
+            <a:ext cx="2341347" cy="369332"/>
+          </a:xfrm>
+          <a:prstGeom prst="rect">
+            <a:avLst/>
+          </a:prstGeom>
+          <a:noFill/>
+        </p:spPr>
+        <p:txBody>
+          <a:bodyPr wrap="none" rtlCol="0">
+            <a:spAutoFit/>
+          </a:bodyPr>
+          <a:lstStyle/>
+          <a:p>
+            <a:r>
+              <a:rPr lang="it-IT" dirty="0"/>
+              <a:t>STATECHART DIAGRAM</a:t>
+            </a:r>
+          </a:p>
+        </p:txBody>
+      </p:sp>
+      <p:pic>
+        <p:nvPicPr>
+          <p:cNvPr id="8" name="Segnaposto contenuto 7">
+            <a:extLst>
+              <a:ext uri="{FF2B5EF4-FFF2-40B4-BE49-F238E27FC236}">
+                <a16:creationId xmlns:a16="http://schemas.microsoft.com/office/drawing/2014/main" id="{DA974598-9005-7A60-6B66-EEBC98623935}"/>
+              </a:ext>
+            </a:extLst>
+          </p:cNvPr>
+          <p:cNvPicPr>
+            <a:picLocks noGrp="1" noChangeAspect="1"/>
+          </p:cNvPicPr>
+          <p:nvPr>
+            <p:ph idx="1"/>
+          </p:nvPr>
+        </p:nvPicPr>
+        <p:blipFill>
+          <a:blip r:embed="rId2"/>
+          <a:stretch>
+            <a:fillRect/>
+          </a:stretch>
+        </p:blipFill>
+        <p:spPr>
+          <a:xfrm>
+            <a:off x="232926" y="1839912"/>
+            <a:ext cx="4896139" cy="4351338"/>
+          </a:xfrm>
+        </p:spPr>
+      </p:pic>
+      <p:pic>
+        <p:nvPicPr>
+          <p:cNvPr id="4" name="Immagine 3">
+            <a:extLst>
+              <a:ext uri="{FF2B5EF4-FFF2-40B4-BE49-F238E27FC236}">
+                <a16:creationId xmlns:a16="http://schemas.microsoft.com/office/drawing/2014/main" id="{FBBF433F-AF38-288E-6DBA-F555A48DC93B}"/>
+              </a:ext>
+            </a:extLst>
+          </p:cNvPr>
+          <p:cNvPicPr>
+            <a:picLocks noChangeAspect="1"/>
+          </p:cNvPicPr>
+          <p:nvPr/>
+        </p:nvPicPr>
+        <p:blipFill>
+          <a:blip r:embed="rId3"/>
+          <a:stretch>
+            <a:fillRect/>
+          </a:stretch>
+        </p:blipFill>
+        <p:spPr>
+          <a:xfrm>
+            <a:off x="5200354" y="2349372"/>
+            <a:ext cx="6820491" cy="3558848"/>
+          </a:xfrm>
+          <a:prstGeom prst="rect">
+            <a:avLst/>
+          </a:prstGeom>
+        </p:spPr>
+      </p:pic>
+    </p:spTree>
+    <p:extLst>
+      <p:ext uri="{BB962C8B-B14F-4D97-AF65-F5344CB8AC3E}">
+        <p14:creationId xmlns:p14="http://schemas.microsoft.com/office/powerpoint/2010/main" val="2994462458"/>
       </p:ext>
     </p:extLst>
   </p:cSld>
@@ -26676,7 +26416,13 @@
     </p:bg>
     <p:spTree>
       <p:nvGrpSpPr>
-        <p:cNvPr id="1" name=""/>
+        <p:cNvPr id="1" name="">
+          <a:extLst>
+            <a:ext uri="{FF2B5EF4-FFF2-40B4-BE49-F238E27FC236}">
+              <a16:creationId xmlns:a16="http://schemas.microsoft.com/office/drawing/2014/main" id="{24CD37C3-07CA-C926-D2EE-232216E5CE60}"/>
+            </a:ext>
+          </a:extLst>
+        </p:cNvPr>
         <p:cNvGrpSpPr/>
         <p:nvPr/>
       </p:nvGrpSpPr>
@@ -26693,7 +26439,7 @@
           <p:cNvPr id="11" name="Rectangle 10">
             <a:extLst>
               <a:ext uri="{FF2B5EF4-FFF2-40B4-BE49-F238E27FC236}">
-                <a16:creationId xmlns:a16="http://schemas.microsoft.com/office/drawing/2014/main" id="{100EDD19-6802-4EC3-95CE-CFFAB042CFD6}"/>
+                <a16:creationId xmlns:a16="http://schemas.microsoft.com/office/drawing/2014/main" id="{A88C65A2-C88E-582C-63AF-3EBC8E61CE59}"/>
               </a:ext>
               <a:ext uri="{C183D7F6-B498-43B3-948B-1728B52AA6E4}">
                 <adec:decorative xmlns:adec="http://schemas.microsoft.com/office/drawing/2017/decorative" val="1"/>
@@ -26753,7 +26499,7 @@
           <p:cNvPr id="2" name="Title 1">
             <a:extLst>
               <a:ext uri="{FF2B5EF4-FFF2-40B4-BE49-F238E27FC236}">
-                <a16:creationId xmlns:a16="http://schemas.microsoft.com/office/drawing/2014/main" id="{DDB7800B-90D1-8C4B-56B7-FA1626BB1375}"/>
+                <a16:creationId xmlns:a16="http://schemas.microsoft.com/office/drawing/2014/main" id="{C32F809D-8F5C-4F9D-8B46-523C04D0F1EB}"/>
               </a:ext>
             </a:extLst>
           </p:cNvPr>
@@ -26777,10 +26523,9 @@
           <a:lstStyle/>
           <a:p>
             <a:r>
-              <a:rPr lang="it-IT" sz="5400" b="1" dirty="0"/>
+              <a:rPr lang="en-US" sz="5400" b="1" dirty="0"/>
               <a:t>Modellazione: Diagrammi</a:t>
             </a:r>
-            <a:endParaRPr lang="en-US" sz="5400" b="1" dirty="0"/>
           </a:p>
         </p:txBody>
       </p:sp>
@@ -26789,7 +26534,7 @@
           <p:cNvPr id="13" name="sketch line">
             <a:extLst>
               <a:ext uri="{FF2B5EF4-FFF2-40B4-BE49-F238E27FC236}">
-                <a16:creationId xmlns:a16="http://schemas.microsoft.com/office/drawing/2014/main" id="{DB17E863-922E-4C26-BD64-E8FD41D28661}"/>
+                <a16:creationId xmlns:a16="http://schemas.microsoft.com/office/drawing/2014/main" id="{9110C5A3-36D0-0C7C-E049-B7851B2F8387}"/>
               </a:ext>
               <a:ext uri="{C183D7F6-B498-43B3-948B-1728B52AA6E4}">
                 <adec:decorative xmlns:adec="http://schemas.microsoft.com/office/drawing/2017/decorative" val="1"/>
@@ -27422,12 +27167,40 @@
           </a:p>
         </p:txBody>
       </p:sp>
+      <p:pic>
+        <p:nvPicPr>
+          <p:cNvPr id="5" name="Segnaposto contenuto 4">
+            <a:extLst>
+              <a:ext uri="{FF2B5EF4-FFF2-40B4-BE49-F238E27FC236}">
+                <a16:creationId xmlns:a16="http://schemas.microsoft.com/office/drawing/2014/main" id="{2579056C-1632-EA34-7609-B5BA82181028}"/>
+              </a:ext>
+            </a:extLst>
+          </p:cNvPr>
+          <p:cNvPicPr>
+            <a:picLocks noGrp="1" noChangeAspect="1"/>
+          </p:cNvPicPr>
+          <p:nvPr>
+            <p:ph idx="1"/>
+          </p:nvPr>
+        </p:nvPicPr>
+        <p:blipFill rotWithShape="1">
+          <a:blip r:embed="rId2"/>
+          <a:srcRect r="14305"/>
+          <a:stretch/>
+        </p:blipFill>
+        <p:spPr>
+          <a:xfrm>
+            <a:off x="460660" y="2167032"/>
+            <a:ext cx="5408295" cy="3708000"/>
+          </a:xfrm>
+        </p:spPr>
+      </p:pic>
       <p:sp>
         <p:nvSpPr>
           <p:cNvPr id="6" name="Slide Number Placeholder 5">
             <a:extLst>
               <a:ext uri="{FF2B5EF4-FFF2-40B4-BE49-F238E27FC236}">
-                <a16:creationId xmlns:a16="http://schemas.microsoft.com/office/drawing/2014/main" id="{07D5F90B-A703-3979-44A8-9125B7AA3463}"/>
+                <a16:creationId xmlns:a16="http://schemas.microsoft.com/office/drawing/2014/main" id="{9ECCC4DB-30C9-98CC-24D1-1A6751175B24}"/>
               </a:ext>
             </a:extLst>
           </p:cNvPr>
@@ -27440,8 +27213,8 @@
         </p:nvSpPr>
         <p:spPr>
           <a:xfrm>
-            <a:off x="8610600" y="6191250"/>
-            <a:ext cx="2743200" cy="530225"/>
+            <a:off x="11019452" y="6675756"/>
+            <a:ext cx="895739" cy="45719"/>
           </a:xfrm>
         </p:spPr>
         <p:txBody>
@@ -27451,28 +27224,21 @@
           <a:lstStyle/>
           <a:p>
             <a:pPr rtl="0">
-              <a:lnSpc>
-                <a:spcPct val="90000"/>
-              </a:lnSpc>
               <a:spcAft>
                 <a:spcPts val="600"/>
               </a:spcAft>
             </a:pPr>
-            <a:endParaRPr lang="it-IT" sz="1800" b="1" noProof="0" dirty="0"/>
+            <a:r>
+              <a:rPr lang="it-IT" sz="1800" b="1" dirty="0"/>
+              <a:t>20</a:t>
+            </a:r>
           </a:p>
           <a:p>
             <a:pPr rtl="0">
-              <a:lnSpc>
-                <a:spcPct val="90000"/>
-              </a:lnSpc>
               <a:spcAft>
                 <a:spcPts val="600"/>
               </a:spcAft>
             </a:pPr>
-            <a:r>
-              <a:rPr lang="it-IT" sz="1800" b="1" dirty="0"/>
-              <a:t>20</a:t>
-            </a:r>
             <a:endParaRPr lang="it-IT" sz="1800" b="1" noProof="0" dirty="0"/>
           </a:p>
         </p:txBody>
@@ -27482,7 +27248,7 @@
           <p:cNvPr id="7" name="CasellaDiTesto 6">
             <a:extLst>
               <a:ext uri="{FF2B5EF4-FFF2-40B4-BE49-F238E27FC236}">
-                <a16:creationId xmlns:a16="http://schemas.microsoft.com/office/drawing/2014/main" id="{2F6D6524-8D26-DCE0-C8D6-6656324DC85A}"/>
+                <a16:creationId xmlns:a16="http://schemas.microsoft.com/office/drawing/2014/main" id="{2D1D9893-C2F1-4A58-703E-42DBAC636B60}"/>
               </a:ext>
             </a:extLst>
           </p:cNvPr>
@@ -27491,43 +27257,8 @@
         </p:nvSpPr>
         <p:spPr>
           <a:xfrm>
-            <a:off x="838200" y="6298163"/>
-            <a:ext cx="2110273" cy="369332"/>
-          </a:xfrm>
-          <a:prstGeom prst="rect">
-            <a:avLst/>
-          </a:prstGeom>
-          <a:noFill/>
-        </p:spPr>
-        <p:txBody>
-          <a:bodyPr wrap="square" rtlCol="0">
-            <a:spAutoFit/>
-          </a:bodyPr>
-          <a:lstStyle/>
-          <a:p>
-            <a:r>
-              <a:rPr lang="it-IT" dirty="0"/>
-              <a:t>USE CASE DIAGRAM</a:t>
-            </a:r>
-          </a:p>
-        </p:txBody>
-      </p:sp>
-      <p:sp>
-        <p:nvSpPr>
-          <p:cNvPr id="10" name="CasellaDiTesto 9">
-            <a:extLst>
-              <a:ext uri="{FF2B5EF4-FFF2-40B4-BE49-F238E27FC236}">
-                <a16:creationId xmlns:a16="http://schemas.microsoft.com/office/drawing/2014/main" id="{6A436C8B-00CB-47DF-CE0F-3E6AF627C2BC}"/>
-              </a:ext>
-            </a:extLst>
-          </p:cNvPr>
-          <p:cNvSpPr txBox="1"/>
-          <p:nvPr/>
-        </p:nvSpPr>
-        <p:spPr>
-          <a:xfrm>
-            <a:off x="6895322" y="6382139"/>
-            <a:ext cx="2341347" cy="369332"/>
+            <a:off x="2006082" y="6076890"/>
+            <a:ext cx="1736309" cy="369332"/>
           </a:xfrm>
           <a:prstGeom prst="rect">
             <a:avLst/>
@@ -27542,46 +27273,17 @@
           <a:p>
             <a:r>
               <a:rPr lang="it-IT" dirty="0"/>
-              <a:t>STATECHART DIAGRAM</a:t>
+              <a:t>CLASS DIAGRAM</a:t>
             </a:r>
           </a:p>
         </p:txBody>
       </p:sp>
       <p:pic>
         <p:nvPicPr>
-          <p:cNvPr id="8" name="Segnaposto contenuto 7">
+          <p:cNvPr id="12" name="Immagine 11">
             <a:extLst>
               <a:ext uri="{FF2B5EF4-FFF2-40B4-BE49-F238E27FC236}">
-                <a16:creationId xmlns:a16="http://schemas.microsoft.com/office/drawing/2014/main" id="{DA974598-9005-7A60-6B66-EEBC98623935}"/>
-              </a:ext>
-            </a:extLst>
-          </p:cNvPr>
-          <p:cNvPicPr>
-            <a:picLocks noGrp="1" noChangeAspect="1"/>
-          </p:cNvPicPr>
-          <p:nvPr>
-            <p:ph idx="1"/>
-          </p:nvPr>
-        </p:nvPicPr>
-        <p:blipFill>
-          <a:blip r:embed="rId2"/>
-          <a:stretch>
-            <a:fillRect/>
-          </a:stretch>
-        </p:blipFill>
-        <p:spPr>
-          <a:xfrm>
-            <a:off x="232926" y="1839912"/>
-            <a:ext cx="4896139" cy="4351338"/>
-          </a:xfrm>
-        </p:spPr>
-      </p:pic>
-      <p:pic>
-        <p:nvPicPr>
-          <p:cNvPr id="4" name="Immagine 3">
-            <a:extLst>
-              <a:ext uri="{FF2B5EF4-FFF2-40B4-BE49-F238E27FC236}">
-                <a16:creationId xmlns:a16="http://schemas.microsoft.com/office/drawing/2014/main" id="{FBBF433F-AF38-288E-6DBA-F555A48DC93B}"/>
+                <a16:creationId xmlns:a16="http://schemas.microsoft.com/office/drawing/2014/main" id="{E45DDE6C-A26D-719F-E8B6-2D723FFBF1EF}"/>
               </a:ext>
             </a:extLst>
           </p:cNvPr>
@@ -27590,26 +27292,60 @@
           </p:cNvPicPr>
           <p:nvPr/>
         </p:nvPicPr>
-        <p:blipFill>
+        <p:blipFill rotWithShape="1">
           <a:blip r:embed="rId3"/>
-          <a:stretch>
-            <a:fillRect/>
-          </a:stretch>
+          <a:srcRect t="-1" r="10206" b="4837"/>
+          <a:stretch/>
         </p:blipFill>
         <p:spPr>
           <a:xfrm>
-            <a:off x="5200354" y="2349372"/>
-            <a:ext cx="6820491" cy="3558848"/>
+            <a:off x="6176150" y="2055813"/>
+            <a:ext cx="5177650" cy="3636000"/>
           </a:xfrm>
           <a:prstGeom prst="rect">
             <a:avLst/>
           </a:prstGeom>
         </p:spPr>
       </p:pic>
+      <p:sp>
+        <p:nvSpPr>
+          <p:cNvPr id="14" name="CasellaDiTesto 13">
+            <a:extLst>
+              <a:ext uri="{FF2B5EF4-FFF2-40B4-BE49-F238E27FC236}">
+                <a16:creationId xmlns:a16="http://schemas.microsoft.com/office/drawing/2014/main" id="{00721506-FFB9-2318-F45B-FE7F7EEAD4F5}"/>
+              </a:ext>
+            </a:extLst>
+          </p:cNvPr>
+          <p:cNvSpPr txBox="1"/>
+          <p:nvPr/>
+        </p:nvSpPr>
+        <p:spPr>
+          <a:xfrm>
+            <a:off x="7763069" y="6076890"/>
+            <a:ext cx="2184765" cy="369332"/>
+          </a:xfrm>
+          <a:prstGeom prst="rect">
+            <a:avLst/>
+          </a:prstGeom>
+          <a:noFill/>
+        </p:spPr>
+        <p:txBody>
+          <a:bodyPr wrap="none" rtlCol="0">
+            <a:spAutoFit/>
+          </a:bodyPr>
+          <a:lstStyle/>
+          <a:p>
+            <a:r>
+              <a:rPr lang="it-IT" dirty="0"/>
+              <a:t>SEQUENCE DIAGRAM</a:t>
+            </a:r>
+          </a:p>
+        </p:txBody>
+      </p:sp>
     </p:spTree>
     <p:extLst>
       <p:ext uri="{BB962C8B-B14F-4D97-AF65-F5344CB8AC3E}">
-        <p14:creationId xmlns:p14="http://schemas.microsoft.com/office/powerpoint/2010/main" val="2994462458"/>
+        <p14:creationId xmlns:p14="http://schemas.microsoft.com/office/powerpoint/2010/main" val="242682486"/>
       </p:ext>
     </p:extLst>
   </p:cSld>
@@ -27632,13 +27368,7 @@
     </p:bg>
     <p:spTree>
       <p:nvGrpSpPr>
-        <p:cNvPr id="1" name="">
-          <a:extLst>
-            <a:ext uri="{FF2B5EF4-FFF2-40B4-BE49-F238E27FC236}">
-              <a16:creationId xmlns:a16="http://schemas.microsoft.com/office/drawing/2014/main" id="{24CD37C3-07CA-C926-D2EE-232216E5CE60}"/>
-            </a:ext>
-          </a:extLst>
-        </p:cNvPr>
+        <p:cNvPr id="1" name=""/>
         <p:cNvGrpSpPr/>
         <p:nvPr/>
       </p:nvGrpSpPr>
@@ -27655,7 +27385,7 @@
           <p:cNvPr id="11" name="Rectangle 10">
             <a:extLst>
               <a:ext uri="{FF2B5EF4-FFF2-40B4-BE49-F238E27FC236}">
-                <a16:creationId xmlns:a16="http://schemas.microsoft.com/office/drawing/2014/main" id="{A88C65A2-C88E-582C-63AF-3EBC8E61CE59}"/>
+                <a16:creationId xmlns:a16="http://schemas.microsoft.com/office/drawing/2014/main" id="{100EDD19-6802-4EC3-95CE-CFFAB042CFD6}"/>
               </a:ext>
               <a:ext uri="{C183D7F6-B498-43B3-948B-1728B52AA6E4}">
                 <adec:decorative xmlns:adec="http://schemas.microsoft.com/office/drawing/2017/decorative" val="1"/>
@@ -27715,7 +27445,7 @@
           <p:cNvPr id="2" name="Title 1">
             <a:extLst>
               <a:ext uri="{FF2B5EF4-FFF2-40B4-BE49-F238E27FC236}">
-                <a16:creationId xmlns:a16="http://schemas.microsoft.com/office/drawing/2014/main" id="{C32F809D-8F5C-4F9D-8B46-523C04D0F1EB}"/>
+                <a16:creationId xmlns:a16="http://schemas.microsoft.com/office/drawing/2014/main" id="{DDB7800B-90D1-8C4B-56B7-FA1626BB1375}"/>
               </a:ext>
             </a:extLst>
           </p:cNvPr>
@@ -27739,9 +27469,10 @@
           <a:lstStyle/>
           <a:p>
             <a:r>
-              <a:rPr lang="en-US" sz="5400" b="1" dirty="0"/>
+              <a:rPr lang="it-IT" sz="5400" b="1" dirty="0"/>
               <a:t>Modellazione: Diagrammi</a:t>
             </a:r>
+            <a:endParaRPr lang="en-US" sz="5400" b="1" dirty="0"/>
           </a:p>
         </p:txBody>
       </p:sp>
@@ -27750,7 +27481,7 @@
           <p:cNvPr id="13" name="sketch line">
             <a:extLst>
               <a:ext uri="{FF2B5EF4-FFF2-40B4-BE49-F238E27FC236}">
-                <a16:creationId xmlns:a16="http://schemas.microsoft.com/office/drawing/2014/main" id="{9110C5A3-36D0-0C7C-E049-B7851B2F8387}"/>
+                <a16:creationId xmlns:a16="http://schemas.microsoft.com/office/drawing/2014/main" id="{DB17E863-922E-4C26-BD64-E8FD41D28661}"/>
               </a:ext>
               <a:ext uri="{C183D7F6-B498-43B3-948B-1728B52AA6E4}">
                 <adec:decorative xmlns:adec="http://schemas.microsoft.com/office/drawing/2017/decorative" val="1"/>
@@ -28383,40 +28114,12 @@
           </a:p>
         </p:txBody>
       </p:sp>
-      <p:pic>
-        <p:nvPicPr>
-          <p:cNvPr id="5" name="Segnaposto contenuto 4">
-            <a:extLst>
-              <a:ext uri="{FF2B5EF4-FFF2-40B4-BE49-F238E27FC236}">
-                <a16:creationId xmlns:a16="http://schemas.microsoft.com/office/drawing/2014/main" id="{2579056C-1632-EA34-7609-B5BA82181028}"/>
-              </a:ext>
-            </a:extLst>
-          </p:cNvPr>
-          <p:cNvPicPr>
-            <a:picLocks noGrp="1" noChangeAspect="1"/>
-          </p:cNvPicPr>
-          <p:nvPr>
-            <p:ph idx="1"/>
-          </p:nvPr>
-        </p:nvPicPr>
-        <p:blipFill rotWithShape="1">
-          <a:blip r:embed="rId2"/>
-          <a:srcRect r="14305"/>
-          <a:stretch/>
-        </p:blipFill>
-        <p:spPr>
-          <a:xfrm>
-            <a:off x="460660" y="2167032"/>
-            <a:ext cx="5408295" cy="3708000"/>
-          </a:xfrm>
-        </p:spPr>
-      </p:pic>
       <p:sp>
         <p:nvSpPr>
           <p:cNvPr id="6" name="Slide Number Placeholder 5">
             <a:extLst>
               <a:ext uri="{FF2B5EF4-FFF2-40B4-BE49-F238E27FC236}">
-                <a16:creationId xmlns:a16="http://schemas.microsoft.com/office/drawing/2014/main" id="{9ECCC4DB-30C9-98CC-24D1-1A6751175B24}"/>
+                <a16:creationId xmlns:a16="http://schemas.microsoft.com/office/drawing/2014/main" id="{07D5F90B-A703-3979-44A8-9125B7AA3463}"/>
               </a:ext>
             </a:extLst>
           </p:cNvPr>
@@ -28429,8 +28132,8 @@
         </p:nvSpPr>
         <p:spPr>
           <a:xfrm>
-            <a:off x="8610600" y="6356350"/>
-            <a:ext cx="2743200" cy="365125"/>
+            <a:off x="8610600" y="6191250"/>
+            <a:ext cx="2743200" cy="530225"/>
           </a:xfrm>
         </p:spPr>
         <p:txBody>
@@ -28440,31 +28143,38 @@
           <a:lstStyle/>
           <a:p>
             <a:pPr rtl="0">
-              <a:spcAft>
-                <a:spcPts val="600"/>
-              </a:spcAft>
-            </a:pPr>
-            <a:r>
-              <a:rPr lang="it-IT" sz="1800" b="1" dirty="0"/>
-              <a:t>21</a:t>
-            </a:r>
-          </a:p>
-          <a:p>
-            <a:pPr rtl="0">
+              <a:lnSpc>
+                <a:spcPct val="90000"/>
+              </a:lnSpc>
               <a:spcAft>
                 <a:spcPts val="600"/>
               </a:spcAft>
             </a:pPr>
             <a:endParaRPr lang="it-IT" sz="1800" b="1" noProof="0" dirty="0"/>
           </a:p>
+          <a:p>
+            <a:pPr rtl="0">
+              <a:lnSpc>
+                <a:spcPct val="90000"/>
+              </a:lnSpc>
+              <a:spcAft>
+                <a:spcPts val="600"/>
+              </a:spcAft>
+            </a:pPr>
+            <a:r>
+              <a:rPr lang="it-IT" sz="1800" b="1" dirty="0"/>
+              <a:t>21</a:t>
+            </a:r>
+            <a:endParaRPr lang="it-IT" sz="1800" b="1" noProof="0" dirty="0"/>
+          </a:p>
         </p:txBody>
       </p:sp>
       <p:sp>
         <p:nvSpPr>
-          <p:cNvPr id="7" name="CasellaDiTesto 6">
+          <p:cNvPr id="10" name="CasellaDiTesto 9">
             <a:extLst>
               <a:ext uri="{FF2B5EF4-FFF2-40B4-BE49-F238E27FC236}">
-                <a16:creationId xmlns:a16="http://schemas.microsoft.com/office/drawing/2014/main" id="{2D1D9893-C2F1-4A58-703E-42DBAC636B60}"/>
+                <a16:creationId xmlns:a16="http://schemas.microsoft.com/office/drawing/2014/main" id="{6A436C8B-00CB-47DF-CE0F-3E6AF627C2BC}"/>
               </a:ext>
             </a:extLst>
           </p:cNvPr>
@@ -28473,8 +28183,8 @@
         </p:nvSpPr>
         <p:spPr>
           <a:xfrm>
-            <a:off x="2006082" y="6076890"/>
-            <a:ext cx="1736309" cy="369332"/>
+            <a:off x="4979467" y="6332815"/>
+            <a:ext cx="2230017" cy="369332"/>
           </a:xfrm>
           <a:prstGeom prst="rect">
             <a:avLst/>
@@ -28482,86 +28192,51 @@
           <a:noFill/>
         </p:spPr>
         <p:txBody>
-          <a:bodyPr wrap="none" rtlCol="0">
+          <a:bodyPr wrap="square" rtlCol="0">
             <a:spAutoFit/>
           </a:bodyPr>
           <a:lstStyle/>
           <a:p>
             <a:r>
               <a:rPr lang="it-IT" dirty="0"/>
-              <a:t>CLASS DIAGRAM</a:t>
+              <a:t>ACTIVITY DIAGRAM</a:t>
             </a:r>
           </a:p>
         </p:txBody>
       </p:sp>
       <p:pic>
         <p:nvPicPr>
-          <p:cNvPr id="12" name="Immagine 11">
+          <p:cNvPr id="15" name="Segnaposto contenuto 14">
             <a:extLst>
               <a:ext uri="{FF2B5EF4-FFF2-40B4-BE49-F238E27FC236}">
-                <a16:creationId xmlns:a16="http://schemas.microsoft.com/office/drawing/2014/main" id="{E45DDE6C-A26D-719F-E8B6-2D723FFBF1EF}"/>
+                <a16:creationId xmlns:a16="http://schemas.microsoft.com/office/drawing/2014/main" id="{07B11D30-AEBE-76A2-6929-70D4FF1B76BF}"/>
               </a:ext>
             </a:extLst>
           </p:cNvPr>
           <p:cNvPicPr>
-            <a:picLocks noChangeAspect="1"/>
+            <a:picLocks noGrp="1" noChangeAspect="1"/>
           </p:cNvPicPr>
-          <p:nvPr/>
+          <p:nvPr>
+            <p:ph idx="1"/>
+          </p:nvPr>
         </p:nvPicPr>
-        <p:blipFill rotWithShape="1">
-          <a:blip r:embed="rId3"/>
-          <a:srcRect t="-1" r="10206" b="4837"/>
-          <a:stretch/>
+        <p:blipFill>
+          <a:blip r:embed="rId2"/>
+          <a:stretch>
+            <a:fillRect/>
+          </a:stretch>
         </p:blipFill>
         <p:spPr>
           <a:xfrm>
-            <a:off x="6176150" y="2055813"/>
-            <a:ext cx="5177650" cy="3636000"/>
+            <a:off x="2316152" y="2122801"/>
+            <a:ext cx="7559695" cy="3756986"/>
           </a:xfrm>
-          <a:prstGeom prst="rect">
-            <a:avLst/>
-          </a:prstGeom>
         </p:spPr>
       </p:pic>
-      <p:sp>
-        <p:nvSpPr>
-          <p:cNvPr id="14" name="CasellaDiTesto 13">
-            <a:extLst>
-              <a:ext uri="{FF2B5EF4-FFF2-40B4-BE49-F238E27FC236}">
-                <a16:creationId xmlns:a16="http://schemas.microsoft.com/office/drawing/2014/main" id="{00721506-FFB9-2318-F45B-FE7F7EEAD4F5}"/>
-              </a:ext>
-            </a:extLst>
-          </p:cNvPr>
-          <p:cNvSpPr txBox="1"/>
-          <p:nvPr/>
-        </p:nvSpPr>
-        <p:spPr>
-          <a:xfrm>
-            <a:off x="7763069" y="6076890"/>
-            <a:ext cx="2184765" cy="369332"/>
-          </a:xfrm>
-          <a:prstGeom prst="rect">
-            <a:avLst/>
-          </a:prstGeom>
-          <a:noFill/>
-        </p:spPr>
-        <p:txBody>
-          <a:bodyPr wrap="none" rtlCol="0">
-            <a:spAutoFit/>
-          </a:bodyPr>
-          <a:lstStyle/>
-          <a:p>
-            <a:r>
-              <a:rPr lang="it-IT" dirty="0"/>
-              <a:t>SEQUENCE DIAGRAM</a:t>
-            </a:r>
-          </a:p>
-        </p:txBody>
-      </p:sp>
     </p:spTree>
     <p:extLst>
       <p:ext uri="{BB962C8B-B14F-4D97-AF65-F5344CB8AC3E}">
-        <p14:creationId xmlns:p14="http://schemas.microsoft.com/office/powerpoint/2010/main" val="242682486"/>
+        <p14:creationId xmlns:p14="http://schemas.microsoft.com/office/powerpoint/2010/main" val="1841377636"/>
       </p:ext>
     </p:extLst>
   </p:cSld>
@@ -28661,7 +28336,7 @@
           <p:cNvPr id="2" name="Title 1">
             <a:extLst>
               <a:ext uri="{FF2B5EF4-FFF2-40B4-BE49-F238E27FC236}">
-                <a16:creationId xmlns:a16="http://schemas.microsoft.com/office/drawing/2014/main" id="{DDB7800B-90D1-8C4B-56B7-FA1626BB1375}"/>
+                <a16:creationId xmlns:a16="http://schemas.microsoft.com/office/drawing/2014/main" id="{806A85A7-2359-50AF-B2C8-F8FBFA3E2B3C}"/>
               </a:ext>
             </a:extLst>
           </p:cNvPr>
@@ -28685,10 +28360,9 @@
           <a:lstStyle/>
           <a:p>
             <a:r>
-              <a:rPr lang="it-IT" sz="5400" b="1" dirty="0"/>
-              <a:t>Modellazione: Diagrammi</a:t>
-            </a:r>
-            <a:endParaRPr lang="en-US" sz="5400" b="1" dirty="0"/>
+              <a:rPr lang="en-US" sz="5400" b="1" dirty="0"/>
+              <a:t>Dimostrazione</a:t>
+            </a:r>
           </a:p>
         </p:txBody>
       </p:sp>
@@ -29332,10 +29006,162 @@
       </p:sp>
       <p:sp>
         <p:nvSpPr>
+          <p:cNvPr id="3" name="Content Placeholder 2">
+            <a:extLst>
+              <a:ext uri="{FF2B5EF4-FFF2-40B4-BE49-F238E27FC236}">
+                <a16:creationId xmlns:a16="http://schemas.microsoft.com/office/drawing/2014/main" id="{39198BC0-3DAA-3F78-1CC6-7D92405ED12E}"/>
+              </a:ext>
+            </a:extLst>
+          </p:cNvPr>
+          <p:cNvSpPr>
+            <a:spLocks noGrp="1"/>
+          </p:cNvSpPr>
+          <p:nvPr>
+            <p:ph idx="1"/>
+          </p:nvPr>
+        </p:nvSpPr>
+        <p:spPr>
+          <a:xfrm>
+            <a:off x="302229" y="1929384"/>
+            <a:ext cx="6462465" cy="3957066"/>
+          </a:xfrm>
+        </p:spPr>
+        <p:txBody>
+          <a:bodyPr>
+            <a:normAutofit lnSpcReduction="10000"/>
+          </a:bodyPr>
+          <a:lstStyle/>
+          <a:p>
+            <a:pPr marL="0" indent="0">
+              <a:buNone/>
+            </a:pPr>
+            <a:r>
+              <a:rPr lang="en-US" sz="2200" dirty="0"/>
+              <a:t>Per accedere alla pagina personale di Sistema, bisogna inanzitutto inserire le credenziali (matricola e password) corrette.</a:t>
+            </a:r>
+          </a:p>
+          <a:p>
+            <a:pPr marL="0" indent="0">
+              <a:buNone/>
+            </a:pPr>
+            <a:r>
+              <a:rPr lang="en-US" sz="2200" dirty="0"/>
+              <a:t>Una volta eseguito l’accesso, l’utente può registrare nuovi pazienti, </a:t>
+            </a:r>
+            <a:r>
+              <a:rPr lang="en-US" sz="2200" dirty="0" err="1"/>
+              <a:t>generare</a:t>
+            </a:r>
+            <a:r>
+              <a:rPr lang="en-US" sz="2200" dirty="0"/>
+              <a:t> </a:t>
+            </a:r>
+            <a:r>
+              <a:rPr lang="en-US" sz="2200" dirty="0" err="1"/>
+              <a:t>nuove</a:t>
+            </a:r>
+            <a:r>
+              <a:rPr lang="en-US" sz="2200" dirty="0"/>
+              <a:t> </a:t>
+            </a:r>
+            <a:r>
+              <a:rPr lang="en-US" sz="2200" dirty="0" err="1"/>
+              <a:t>operazioni</a:t>
+            </a:r>
+            <a:r>
+              <a:rPr lang="en-US" sz="2200" dirty="0"/>
+              <a:t> (</a:t>
+            </a:r>
+            <a:r>
+              <a:rPr lang="en-US" sz="2200" dirty="0" err="1"/>
+              <a:t>partendo</a:t>
+            </a:r>
+            <a:r>
+              <a:rPr lang="en-US" sz="2200" dirty="0"/>
+              <a:t> </a:t>
+            </a:r>
+            <a:r>
+              <a:rPr lang="en-US" sz="2200" dirty="0" err="1"/>
+              <a:t>dalle</a:t>
+            </a:r>
+            <a:r>
+              <a:rPr lang="en-US" sz="2200" dirty="0"/>
+              <a:t> </a:t>
+            </a:r>
+            <a:r>
+              <a:rPr lang="en-US" sz="2200" dirty="0" err="1"/>
+              <a:t>anagrafiche</a:t>
+            </a:r>
+            <a:r>
+              <a:rPr lang="en-US" sz="2200" dirty="0"/>
+              <a:t> create) e compilare i relativi </a:t>
+            </a:r>
+            <a:r>
+              <a:rPr lang="en-US" sz="2200" dirty="0" err="1"/>
+              <a:t>verbali</a:t>
+            </a:r>
+            <a:r>
+              <a:rPr lang="en-US" sz="2200" dirty="0"/>
+              <a:t> </a:t>
+            </a:r>
+            <a:r>
+              <a:rPr lang="en-US" sz="2200" dirty="0" err="1"/>
+              <a:t>medici</a:t>
+            </a:r>
+            <a:r>
+              <a:rPr lang="en-US" sz="2200" dirty="0"/>
+              <a:t>, </a:t>
+            </a:r>
+            <a:r>
+              <a:rPr lang="en-US" sz="2200" dirty="0" err="1"/>
+              <a:t>sulla</a:t>
+            </a:r>
+            <a:r>
+              <a:rPr lang="en-US" sz="2200" dirty="0"/>
+              <a:t> base </a:t>
+            </a:r>
+            <a:r>
+              <a:rPr lang="en-US" sz="2200" dirty="0" err="1"/>
+              <a:t>delle</a:t>
+            </a:r>
+            <a:r>
+              <a:rPr lang="en-US" sz="2200" dirty="0"/>
+              <a:t> </a:t>
+            </a:r>
+            <a:r>
+              <a:rPr lang="en-US" sz="2200" dirty="0" err="1"/>
+              <a:t>singole</a:t>
+            </a:r>
+            <a:r>
+              <a:rPr lang="en-US" sz="2200" dirty="0"/>
+              <a:t> </a:t>
+            </a:r>
+            <a:r>
+              <a:rPr lang="en-US" sz="2200" dirty="0" err="1"/>
+              <a:t>operazioni</a:t>
+            </a:r>
+            <a:r>
+              <a:rPr lang="en-US" sz="2200" dirty="0"/>
+              <a:t>.</a:t>
+            </a:r>
+          </a:p>
+          <a:p>
+            <a:pPr marL="0" indent="0">
+              <a:buNone/>
+            </a:pPr>
+            <a:r>
+              <a:rPr lang="en-US" sz="2200" dirty="0"/>
+              <a:t>Eliminando la pagina anagrafica di un certo paziente, si cancellano, di conseguenza, le liste operatorie che lo coinvolgono; allo stesso modo, cancellando una lista operatoria si eliminano i verbali medici associati a quella lista.</a:t>
+            </a:r>
+          </a:p>
+        </p:txBody>
+      </p:sp>
+      <p:sp>
+        <p:nvSpPr>
           <p:cNvPr id="6" name="Slide Number Placeholder 5">
             <a:extLst>
               <a:ext uri="{FF2B5EF4-FFF2-40B4-BE49-F238E27FC236}">
-                <a16:creationId xmlns:a16="http://schemas.microsoft.com/office/drawing/2014/main" id="{07D5F90B-A703-3979-44A8-9125B7AA3463}"/>
+                <a16:creationId xmlns:a16="http://schemas.microsoft.com/office/drawing/2014/main" id="{366879AD-ECAF-DDDE-26DC-9DD0D10F9AC4}"/>
               </a:ext>
             </a:extLst>
           </p:cNvPr>
@@ -29348,8 +29174,8 @@
         </p:nvSpPr>
         <p:spPr>
           <a:xfrm>
-            <a:off x="8610600" y="6191250"/>
-            <a:ext cx="2743200" cy="530225"/>
+            <a:off x="8610600" y="6356350"/>
+            <a:ext cx="2743200" cy="365125"/>
           </a:xfrm>
         </p:spPr>
         <p:txBody>
@@ -29359,82 +29185,38 @@
           <a:lstStyle/>
           <a:p>
             <a:pPr rtl="0">
-              <a:lnSpc>
-                <a:spcPct val="90000"/>
-              </a:lnSpc>
+              <a:spcAft>
+                <a:spcPts val="600"/>
+              </a:spcAft>
+            </a:pPr>
+            <a:r>
+              <a:rPr lang="it-IT" sz="1800" b="1" dirty="0"/>
+              <a:t>22</a:t>
+            </a:r>
+          </a:p>
+          <a:p>
+            <a:pPr rtl="0">
               <a:spcAft>
                 <a:spcPts val="600"/>
               </a:spcAft>
             </a:pPr>
             <a:endParaRPr lang="it-IT" sz="1800" b="1" noProof="0" dirty="0"/>
           </a:p>
-          <a:p>
-            <a:pPr rtl="0">
-              <a:lnSpc>
-                <a:spcPct val="90000"/>
-              </a:lnSpc>
-              <a:spcAft>
-                <a:spcPts val="600"/>
-              </a:spcAft>
-            </a:pPr>
-            <a:r>
-              <a:rPr lang="it-IT" sz="1800" b="1" dirty="0"/>
-              <a:t>22</a:t>
-            </a:r>
-            <a:endParaRPr lang="it-IT" sz="1800" b="1" noProof="0" dirty="0"/>
-          </a:p>
-        </p:txBody>
-      </p:sp>
-      <p:sp>
-        <p:nvSpPr>
-          <p:cNvPr id="10" name="CasellaDiTesto 9">
-            <a:extLst>
-              <a:ext uri="{FF2B5EF4-FFF2-40B4-BE49-F238E27FC236}">
-                <a16:creationId xmlns:a16="http://schemas.microsoft.com/office/drawing/2014/main" id="{6A436C8B-00CB-47DF-CE0F-3E6AF627C2BC}"/>
-              </a:ext>
-            </a:extLst>
-          </p:cNvPr>
-          <p:cNvSpPr txBox="1"/>
-          <p:nvPr/>
-        </p:nvSpPr>
-        <p:spPr>
-          <a:xfrm>
-            <a:off x="4979467" y="6332815"/>
-            <a:ext cx="2230017" cy="369332"/>
-          </a:xfrm>
-          <a:prstGeom prst="rect">
-            <a:avLst/>
-          </a:prstGeom>
-          <a:noFill/>
-        </p:spPr>
-        <p:txBody>
-          <a:bodyPr wrap="square" rtlCol="0">
-            <a:spAutoFit/>
-          </a:bodyPr>
-          <a:lstStyle/>
-          <a:p>
-            <a:r>
-              <a:rPr lang="it-IT" dirty="0"/>
-              <a:t>ACTIVITY DIAGRAM</a:t>
-            </a:r>
-          </a:p>
         </p:txBody>
       </p:sp>
       <p:pic>
         <p:nvPicPr>
-          <p:cNvPr id="15" name="Segnaposto contenuto 14">
+          <p:cNvPr id="7" name="Immagine 6">
             <a:extLst>
               <a:ext uri="{FF2B5EF4-FFF2-40B4-BE49-F238E27FC236}">
-                <a16:creationId xmlns:a16="http://schemas.microsoft.com/office/drawing/2014/main" id="{07B11D30-AEBE-76A2-6929-70D4FF1B76BF}"/>
+                <a16:creationId xmlns:a16="http://schemas.microsoft.com/office/drawing/2014/main" id="{EA8F449D-B15B-10AF-54BB-BA0E8A93809F}"/>
               </a:ext>
             </a:extLst>
           </p:cNvPr>
           <p:cNvPicPr>
-            <a:picLocks noGrp="1" noChangeAspect="1"/>
+            <a:picLocks noChangeAspect="1"/>
           </p:cNvPicPr>
-          <p:nvPr>
-            <p:ph idx="1"/>
-          </p:nvPr>
+          <p:nvPr/>
         </p:nvPicPr>
         <p:blipFill>
           <a:blip r:embed="rId2"/>
@@ -29444,15 +29226,18 @@
         </p:blipFill>
         <p:spPr>
           <a:xfrm>
-            <a:off x="2316152" y="2122801"/>
-            <a:ext cx="7559695" cy="3756986"/>
+            <a:off x="6764694" y="2635149"/>
+            <a:ext cx="5125077" cy="2268000"/>
           </a:xfrm>
+          <a:prstGeom prst="rect">
+            <a:avLst/>
+          </a:prstGeom>
         </p:spPr>
       </p:pic>
     </p:spTree>
     <p:extLst>
       <p:ext uri="{BB962C8B-B14F-4D97-AF65-F5344CB8AC3E}">
-        <p14:creationId xmlns:p14="http://schemas.microsoft.com/office/powerpoint/2010/main" val="1841377636"/>
+        <p14:creationId xmlns:p14="http://schemas.microsoft.com/office/powerpoint/2010/main" val="3568766427"/>
       </p:ext>
     </p:extLst>
   </p:cSld>
@@ -29489,7 +29274,7 @@
       </p:grpSpPr>
       <p:sp useBgFill="1">
         <p:nvSpPr>
-          <p:cNvPr id="11" name="Rectangle 10">
+          <p:cNvPr id="87" name="Rectangle 86">
             <a:extLst>
               <a:ext uri="{FF2B5EF4-FFF2-40B4-BE49-F238E27FC236}">
                 <a16:creationId xmlns:a16="http://schemas.microsoft.com/office/drawing/2014/main" id="{100EDD19-6802-4EC3-95CE-CFFAB042CFD6}"/>
@@ -29549,10 +29334,10 @@
       </p:sp>
       <p:sp>
         <p:nvSpPr>
-          <p:cNvPr id="2" name="Title 1">
+          <p:cNvPr id="2" name="Titolo 1">
             <a:extLst>
               <a:ext uri="{FF2B5EF4-FFF2-40B4-BE49-F238E27FC236}">
-                <a16:creationId xmlns:a16="http://schemas.microsoft.com/office/drawing/2014/main" id="{806A85A7-2359-50AF-B2C8-F8FBFA3E2B3C}"/>
+                <a16:creationId xmlns:a16="http://schemas.microsoft.com/office/drawing/2014/main" id="{75031FE9-9059-4FE8-B4AC-9771F23A1B89}"/>
               </a:ext>
             </a:extLst>
           </p:cNvPr>
@@ -29570,21 +29355,22 @@
           </a:xfrm>
         </p:spPr>
         <p:txBody>
-          <a:bodyPr>
+          <a:bodyPr rtlCol="0">
             <a:normAutofit/>
           </a:bodyPr>
           <a:lstStyle/>
           <a:p>
-            <a:r>
-              <a:rPr lang="en-US" sz="5400" b="1" dirty="0"/>
-              <a:t>Dimostrazione</a:t>
+            <a:pPr rtl="0"/>
+            <a:r>
+              <a:rPr lang="it-IT" sz="5400" b="1" dirty="0"/>
+              <a:t>Testing</a:t>
             </a:r>
           </a:p>
         </p:txBody>
       </p:sp>
       <p:sp>
         <p:nvSpPr>
-          <p:cNvPr id="13" name="sketch line">
+          <p:cNvPr id="89" name="sketch line">
             <a:extLst>
               <a:ext uri="{FF2B5EF4-FFF2-40B4-BE49-F238E27FC236}">
                 <a16:creationId xmlns:a16="http://schemas.microsoft.com/office/drawing/2014/main" id="{DB17E863-922E-4C26-BD64-E8FD41D28661}"/>
@@ -30222,10 +30008,10 @@
       </p:sp>
       <p:sp>
         <p:nvSpPr>
-          <p:cNvPr id="3" name="Content Placeholder 2">
+          <p:cNvPr id="4" name="Content Placeholder 3">
             <a:extLst>
               <a:ext uri="{FF2B5EF4-FFF2-40B4-BE49-F238E27FC236}">
-                <a16:creationId xmlns:a16="http://schemas.microsoft.com/office/drawing/2014/main" id="{39198BC0-3DAA-3F78-1CC6-7D92405ED12E}"/>
+                <a16:creationId xmlns:a16="http://schemas.microsoft.com/office/drawing/2014/main" id="{E45B50AB-E09E-377A-4B46-AFA47F523EAB}"/>
               </a:ext>
             </a:extLst>
           </p:cNvPr>
@@ -30238,8 +30024,8 @@
         </p:nvSpPr>
         <p:spPr>
           <a:xfrm>
-            <a:off x="302229" y="1929384"/>
-            <a:ext cx="6462465" cy="3957066"/>
+            <a:off x="838200" y="1708977"/>
+            <a:ext cx="10515600" cy="4783897"/>
           </a:xfrm>
         </p:spPr>
         <p:txBody>
@@ -30248,136 +30034,194 @@
           </a:bodyPr>
           <a:lstStyle/>
           <a:p>
-            <a:pPr marL="0" indent="0">
+            <a:pPr marL="457200" lvl="1" indent="0">
               <a:buNone/>
             </a:pPr>
             <a:r>
-              <a:rPr lang="en-US" sz="2200" dirty="0"/>
-              <a:t>Per accedere alla pagina personale di Sistema, bisogna inanzitutto inserire le credenziali (matricola e password) corrette.</a:t>
-            </a:r>
-          </a:p>
-          <a:p>
-            <a:pPr marL="0" indent="0">
+              <a:rPr lang="en-US" sz="2000" dirty="0"/>
+              <a:t>Nell’effettuare un testing al nostro Progetto, abbiamo optato per un test di tipo </a:t>
+            </a:r>
+            <a:r>
+              <a:rPr lang="en-US" sz="2000" b="1" dirty="0"/>
+              <a:t>manuale</a:t>
+            </a:r>
+            <a:r>
+              <a:rPr lang="en-US" sz="2000" dirty="0"/>
+              <a:t>:</a:t>
+            </a:r>
+          </a:p>
+          <a:p>
+            <a:pPr marL="457200" lvl="1" indent="0">
               <a:buNone/>
             </a:pPr>
             <a:r>
-              <a:rPr lang="en-US" sz="2200" dirty="0"/>
-              <a:t>Una volta eseguito l’accesso, l’utente può registrare nuovi pazienti, </a:t>
-            </a:r>
-            <a:r>
-              <a:rPr lang="en-US" sz="2200" dirty="0" err="1"/>
-              <a:t>generare</a:t>
-            </a:r>
-            <a:r>
-              <a:rPr lang="en-US" sz="2200" dirty="0"/>
-              <a:t> </a:t>
-            </a:r>
-            <a:r>
-              <a:rPr lang="en-US" sz="2200" dirty="0" err="1"/>
-              <a:t>nuove</a:t>
-            </a:r>
-            <a:r>
-              <a:rPr lang="en-US" sz="2200" dirty="0"/>
-              <a:t> </a:t>
-            </a:r>
-            <a:r>
-              <a:rPr lang="en-US" sz="2200" dirty="0" err="1"/>
-              <a:t>operazioni</a:t>
-            </a:r>
-            <a:r>
-              <a:rPr lang="en-US" sz="2200" dirty="0"/>
-              <a:t> (</a:t>
-            </a:r>
-            <a:r>
-              <a:rPr lang="en-US" sz="2200" dirty="0" err="1"/>
-              <a:t>partendo</a:t>
-            </a:r>
-            <a:r>
-              <a:rPr lang="en-US" sz="2200" dirty="0"/>
-              <a:t> </a:t>
-            </a:r>
-            <a:r>
-              <a:rPr lang="en-US" sz="2200" dirty="0" err="1"/>
-              <a:t>dalle</a:t>
-            </a:r>
-            <a:r>
-              <a:rPr lang="en-US" sz="2200" dirty="0"/>
-              <a:t> </a:t>
-            </a:r>
-            <a:r>
-              <a:rPr lang="en-US" sz="2200" dirty="0" err="1"/>
-              <a:t>anagrafiche</a:t>
-            </a:r>
-            <a:r>
-              <a:rPr lang="en-US" sz="2200" dirty="0"/>
-              <a:t> create) e compilare i relativi </a:t>
-            </a:r>
-            <a:r>
-              <a:rPr lang="en-US" sz="2200" dirty="0" err="1"/>
-              <a:t>verbali</a:t>
-            </a:r>
-            <a:r>
-              <a:rPr lang="en-US" sz="2200" dirty="0"/>
-              <a:t> </a:t>
-            </a:r>
-            <a:r>
-              <a:rPr lang="en-US" sz="2200" dirty="0" err="1"/>
-              <a:t>medici</a:t>
-            </a:r>
-            <a:r>
-              <a:rPr lang="en-US" sz="2200" dirty="0"/>
-              <a:t>, </a:t>
-            </a:r>
-            <a:r>
-              <a:rPr lang="en-US" sz="2200" dirty="0" err="1"/>
-              <a:t>sulla</a:t>
-            </a:r>
-            <a:r>
-              <a:rPr lang="en-US" sz="2200" dirty="0"/>
-              <a:t> base </a:t>
-            </a:r>
-            <a:r>
-              <a:rPr lang="en-US" sz="2200" dirty="0" err="1"/>
-              <a:t>delle</a:t>
-            </a:r>
-            <a:r>
-              <a:rPr lang="en-US" sz="2200" dirty="0"/>
-              <a:t> </a:t>
-            </a:r>
-            <a:r>
-              <a:rPr lang="en-US" sz="2200" dirty="0" err="1"/>
-              <a:t>singole</a:t>
-            </a:r>
-            <a:r>
-              <a:rPr lang="en-US" sz="2200" dirty="0"/>
-              <a:t> </a:t>
-            </a:r>
-            <a:r>
-              <a:rPr lang="en-US" sz="2200" dirty="0" err="1"/>
-              <a:t>operazioni</a:t>
-            </a:r>
-            <a:r>
-              <a:rPr lang="en-US" sz="2200" dirty="0"/>
-              <a:t>.</a:t>
-            </a:r>
-          </a:p>
-          <a:p>
-            <a:pPr marL="0" indent="0">
+              <a:rPr lang="en-US" sz="2000" dirty="0"/>
+              <a:t>- Lo scopo era verificare che il test non portasse a </a:t>
+            </a:r>
+            <a:r>
+              <a:rPr lang="en-US" sz="2000" i="1" dirty="0"/>
+              <a:t>malfunzionamenti </a:t>
+            </a:r>
+            <a:r>
+              <a:rPr lang="en-US" sz="2000" dirty="0"/>
+              <a:t>(funzionamento errato del programma) o </a:t>
+            </a:r>
+            <a:r>
+              <a:rPr lang="en-US" sz="2000" i="1" dirty="0"/>
+              <a:t>difetti </a:t>
+            </a:r>
+            <a:r>
+              <a:rPr lang="en-US" sz="2000" dirty="0"/>
+              <a:t>(comportamento diverso dalle aspettative del programma).</a:t>
+            </a:r>
+          </a:p>
+          <a:p>
+            <a:pPr marL="457200" lvl="1" indent="0">
               <a:buNone/>
             </a:pPr>
             <a:r>
-              <a:rPr lang="en-US" sz="2200" dirty="0"/>
-              <a:t>Eliminando la pagina anagrafica di un certo paziente, si cancellano, di conseguenza, le liste operatorie che lo coinvolgono; allo stesso modo, cancellando una lista operatoria si eliminano i verbali medici associati a quella lista.</a:t>
+              <a:rPr lang="en-US" sz="2000" dirty="0"/>
+              <a:t>- Inseriti </a:t>
+            </a:r>
+            <a:r>
+              <a:rPr lang="it-IT" sz="2000" dirty="0"/>
+              <a:t>opportuni</a:t>
+            </a:r>
+            <a:r>
+              <a:rPr lang="en-US" sz="2000" dirty="0"/>
+              <a:t> input nel codice, i tre collaboratori hanno verificato che il software si comporti in maniera corretta.</a:t>
+            </a:r>
+          </a:p>
+          <a:p>
+            <a:pPr marL="457200" lvl="1" indent="0">
+              <a:buNone/>
+            </a:pPr>
+            <a:r>
+              <a:rPr lang="en-US" sz="2000" dirty="0"/>
+              <a:t>Sono stati eseguiti test </a:t>
+            </a:r>
+            <a:r>
+              <a:rPr lang="en-US" sz="2000" i="1" dirty="0"/>
+              <a:t>black-box </a:t>
+            </a:r>
+            <a:r>
+              <a:rPr lang="en-US" sz="2000" dirty="0"/>
+              <a:t>(di natura funzionale e basati su specifiche di sistema) e test </a:t>
+            </a:r>
+            <a:r>
+              <a:rPr lang="en-US" sz="2000" i="1" dirty="0"/>
+              <a:t>white-box </a:t>
+            </a:r>
+            <a:r>
+              <a:rPr lang="en-US" sz="2000" dirty="0"/>
+              <a:t>(di natura strutturale e basati sul programma vero e proprio).</a:t>
+            </a:r>
+          </a:p>
+          <a:p>
+            <a:pPr marL="457200" lvl="1" indent="0">
+              <a:buNone/>
+            </a:pPr>
+            <a:endParaRPr lang="en-US" sz="2000" dirty="0"/>
+          </a:p>
+          <a:p>
+            <a:pPr marL="457200" lvl="1" indent="0">
+              <a:buNone/>
+            </a:pPr>
+            <a:r>
+              <a:rPr lang="en-US" sz="2000" dirty="0"/>
+              <a:t>Attraverso l’uso del framework </a:t>
+            </a:r>
+            <a:r>
+              <a:rPr lang="en-US" sz="2000" b="1" dirty="0"/>
+              <a:t>JUNIT</a:t>
+            </a:r>
+            <a:r>
+              <a:rPr lang="en-US" sz="2000" dirty="0"/>
+              <a:t>, abbiamo potuto definire diversi casi di test a seconda della funzionalità che si va ad implementare. I test fanno riferimento al DataService, ove sono contenute le </a:t>
+            </a:r>
+            <a:r>
+              <a:rPr lang="en-US" sz="2000" dirty="0" err="1"/>
+              <a:t>operazioni</a:t>
+            </a:r>
+            <a:r>
+              <a:rPr lang="en-US" sz="2000" dirty="0"/>
+              <a:t> possibili accedendo alla pagina personale:</a:t>
+            </a:r>
+          </a:p>
+          <a:p>
+            <a:pPr marL="457200" lvl="1" indent="0">
+              <a:buNone/>
+            </a:pPr>
+            <a:endParaRPr lang="en-US" sz="2000" dirty="0"/>
+          </a:p>
+          <a:p>
+            <a:pPr lvl="1">
+              <a:buFont typeface="Wingdings" panose="05000000000000000000" pitchFamily="2" charset="2"/>
+              <a:buChar char="v"/>
+            </a:pPr>
+            <a:r>
+              <a:rPr lang="en-US" sz="2200" dirty="0">
+                <a:effectLst>
+                  <a:outerShdw blurRad="38100" dist="38100" dir="2700000" algn="tl">
+                    <a:srgbClr val="000000">
+                      <a:alpha val="43137"/>
+                    </a:srgbClr>
+                  </a:outerShdw>
+                </a:effectLst>
+              </a:rPr>
+              <a:t>Login al Sistema</a:t>
+            </a:r>
+          </a:p>
+          <a:p>
+            <a:pPr lvl="1">
+              <a:buFont typeface="Wingdings" panose="05000000000000000000" pitchFamily="2" charset="2"/>
+              <a:buChar char="Ø"/>
+            </a:pPr>
+            <a:r>
+              <a:rPr lang="en-US" sz="2000" i="1" dirty="0"/>
+              <a:t>testSuccessLogin</a:t>
+            </a:r>
+            <a:r>
+              <a:rPr lang="en-US" sz="2000" dirty="0"/>
+              <a:t>, test per l’accesso al Sistema con credenziali corrette;</a:t>
+            </a:r>
+          </a:p>
+          <a:p>
+            <a:pPr lvl="1">
+              <a:buFont typeface="Wingdings" panose="05000000000000000000" pitchFamily="2" charset="2"/>
+              <a:buChar char="Ø"/>
+            </a:pPr>
+            <a:r>
+              <a:rPr lang="en-US" sz="2000" i="1" dirty="0"/>
+              <a:t>TestInvalidPassword</a:t>
+            </a:r>
+            <a:r>
+              <a:rPr lang="en-US" sz="2000" dirty="0"/>
+              <a:t>, test che riconosce la password inserita nel login come non idonea;</a:t>
+            </a:r>
+          </a:p>
+          <a:p>
+            <a:pPr lvl="1">
+              <a:buFont typeface="Wingdings" panose="05000000000000000000" pitchFamily="2" charset="2"/>
+              <a:buChar char="Ø"/>
+            </a:pPr>
+            <a:r>
+              <a:rPr lang="en-US" sz="2000" i="1" dirty="0"/>
+              <a:t>TestInvalidUsername</a:t>
+            </a:r>
+            <a:r>
+              <a:rPr lang="en-US" sz="2000" dirty="0"/>
+              <a:t>, test che riconosce lo username inserito nel login come non valido;</a:t>
             </a:r>
           </a:p>
         </p:txBody>
       </p:sp>
       <p:sp>
         <p:nvSpPr>
-          <p:cNvPr id="6" name="Slide Number Placeholder 5">
+          <p:cNvPr id="82" name="Segnaposto numero diapositiva 81">
             <a:extLst>
               <a:ext uri="{FF2B5EF4-FFF2-40B4-BE49-F238E27FC236}">
-                <a16:creationId xmlns:a16="http://schemas.microsoft.com/office/drawing/2014/main" id="{366879AD-ECAF-DDDE-26DC-9DD0D10F9AC4}"/>
+                <a16:creationId xmlns:a16="http://schemas.microsoft.com/office/drawing/2014/main" id="{CE36A058-BEC2-4BC5-A467-F2EB2A365051}"/>
               </a:ext>
             </a:extLst>
           </p:cNvPr>
@@ -30395,7 +30239,7 @@
           </a:xfrm>
         </p:spPr>
         <p:txBody>
-          <a:bodyPr>
+          <a:bodyPr rtlCol="0">
             <a:noAutofit/>
           </a:bodyPr>
           <a:lstStyle/>
@@ -30405,55 +30249,23 @@
                 <a:spcPts val="600"/>
               </a:spcAft>
             </a:pPr>
-            <a:r>
-              <a:rPr lang="it-IT" sz="1800" b="1" dirty="0"/>
+            <a:fld id="{B5CEABB6-07DC-46E8-9B57-56EC44A396E5}" type="slidenum">
+              <a:rPr lang="it-IT" sz="1800" b="1" smtClean="0"/>
+              <a:pPr rtl="0">
+                <a:spcAft>
+                  <a:spcPts val="600"/>
+                </a:spcAft>
+              </a:pPr>
               <a:t>23</a:t>
-            </a:r>
-          </a:p>
-          <a:p>
-            <a:pPr rtl="0">
-              <a:spcAft>
-                <a:spcPts val="600"/>
-              </a:spcAft>
-            </a:pPr>
-            <a:endParaRPr lang="it-IT" sz="1800" b="1" noProof="0" dirty="0"/>
+            </a:fld>
+            <a:endParaRPr lang="it-IT" sz="1800" b="1" dirty="0"/>
           </a:p>
         </p:txBody>
       </p:sp>
-      <p:pic>
-        <p:nvPicPr>
-          <p:cNvPr id="7" name="Immagine 6">
-            <a:extLst>
-              <a:ext uri="{FF2B5EF4-FFF2-40B4-BE49-F238E27FC236}">
-                <a16:creationId xmlns:a16="http://schemas.microsoft.com/office/drawing/2014/main" id="{EA8F449D-B15B-10AF-54BB-BA0E8A93809F}"/>
-              </a:ext>
-            </a:extLst>
-          </p:cNvPr>
-          <p:cNvPicPr>
-            <a:picLocks noChangeAspect="1"/>
-          </p:cNvPicPr>
-          <p:nvPr/>
-        </p:nvPicPr>
-        <p:blipFill>
-          <a:blip r:embed="rId2"/>
-          <a:stretch>
-            <a:fillRect/>
-          </a:stretch>
-        </p:blipFill>
-        <p:spPr>
-          <a:xfrm>
-            <a:off x="6764694" y="2635149"/>
-            <a:ext cx="5125077" cy="2268000"/>
-          </a:xfrm>
-          <a:prstGeom prst="rect">
-            <a:avLst/>
-          </a:prstGeom>
-        </p:spPr>
-      </p:pic>
     </p:spTree>
     <p:extLst>
       <p:ext uri="{BB962C8B-B14F-4D97-AF65-F5344CB8AC3E}">
-        <p14:creationId xmlns:p14="http://schemas.microsoft.com/office/powerpoint/2010/main" val="3568766427"/>
+        <p14:creationId xmlns:p14="http://schemas.microsoft.com/office/powerpoint/2010/main" val="2214790197"/>
       </p:ext>
     </p:extLst>
   </p:cSld>
@@ -30579,7 +30391,7 @@
             <a:pPr rtl="0"/>
             <a:r>
               <a:rPr lang="it-IT" sz="5400" b="1" dirty="0"/>
-              <a:t>Testing</a:t>
+              <a:t>Testing: Casi di Test</a:t>
             </a:r>
           </a:p>
         </p:txBody>
@@ -31246,137 +31058,74 @@
         </p:spPr>
         <p:txBody>
           <a:bodyPr>
-            <a:normAutofit lnSpcReduction="10000"/>
+            <a:normAutofit/>
           </a:bodyPr>
           <a:lstStyle/>
           <a:p>
-            <a:pPr marL="457200" lvl="1" indent="0">
+            <a:pPr marL="457200" marR="0" lvl="1" indent="0" algn="l" defTabSz="914400" rtl="0" eaLnBrk="1" fontAlgn="auto" latinLnBrk="0" hangingPunct="1">
+              <a:lnSpc>
+                <a:spcPct val="90000"/>
+              </a:lnSpc>
+              <a:spcBef>
+                <a:spcPts val="500"/>
+              </a:spcBef>
+              <a:spcAft>
+                <a:spcPts val="0"/>
+              </a:spcAft>
+              <a:buClrTx/>
+              <a:buSzTx/>
+              <a:buFont typeface="Arial" panose="020B0604020202020204" pitchFamily="34" charset="0"/>
               <a:buNone/>
+              <a:tabLst/>
+              <a:defRPr/>
             </a:pPr>
-            <a:r>
-              <a:rPr lang="en-US" sz="2000" dirty="0"/>
-              <a:t>Nell’effettuare un testing al nostro Progetto, abbiamo optato per un test di tipo </a:t>
-            </a:r>
-            <a:r>
-              <a:rPr lang="en-US" sz="2000" b="1" dirty="0"/>
-              <a:t>manuale</a:t>
-            </a:r>
-            <a:r>
-              <a:rPr lang="en-US" sz="2000" dirty="0"/>
-              <a:t>:</a:t>
-            </a:r>
-          </a:p>
-          <a:p>
-            <a:pPr marL="457200" lvl="1" indent="0">
-              <a:buNone/>
-            </a:pPr>
-            <a:r>
-              <a:rPr lang="en-US" sz="2000" dirty="0"/>
-              <a:t>- Lo scopo era verificare che il test non portasse a </a:t>
-            </a:r>
-            <a:r>
-              <a:rPr lang="en-US" sz="2000" i="1" dirty="0"/>
-              <a:t>malfunzionamenti </a:t>
-            </a:r>
-            <a:r>
-              <a:rPr lang="en-US" sz="2000" dirty="0"/>
-              <a:t>(funzionamento errato del programma) o </a:t>
-            </a:r>
-            <a:r>
-              <a:rPr lang="en-US" sz="2000" i="1" dirty="0"/>
-              <a:t>difetti </a:t>
-            </a:r>
-            <a:r>
-              <a:rPr lang="en-US" sz="2000" dirty="0"/>
-              <a:t>(comportamento diverso dalle aspettative del programma).</a:t>
-            </a:r>
-          </a:p>
-          <a:p>
-            <a:pPr marL="457200" lvl="1" indent="0">
-              <a:buNone/>
-            </a:pPr>
-            <a:r>
-              <a:rPr lang="en-US" sz="2000" dirty="0"/>
-              <a:t>- Inseriti </a:t>
-            </a:r>
-            <a:r>
-              <a:rPr lang="it-IT" sz="2000" dirty="0"/>
-              <a:t>opportuni</a:t>
-            </a:r>
-            <a:r>
-              <a:rPr lang="en-US" sz="2000" dirty="0"/>
-              <a:t> input nel codice, i tre collaboratori hanno verificato che il software si comporti in maniera corretta.</a:t>
-            </a:r>
-          </a:p>
-          <a:p>
-            <a:pPr marL="457200" lvl="1" indent="0">
-              <a:buNone/>
-            </a:pPr>
-            <a:r>
-              <a:rPr lang="en-US" sz="2000" dirty="0"/>
-              <a:t>Sono stati eseguiti test </a:t>
-            </a:r>
-            <a:r>
-              <a:rPr lang="en-US" sz="2000" i="1" dirty="0"/>
-              <a:t>black-box </a:t>
-            </a:r>
-            <a:r>
-              <a:rPr lang="en-US" sz="2000" dirty="0"/>
-              <a:t>(di natura funzionale e basati su specifiche di sistema) e test </a:t>
-            </a:r>
-            <a:r>
-              <a:rPr lang="en-US" sz="2000" i="1" dirty="0"/>
-              <a:t>white-box </a:t>
-            </a:r>
-            <a:r>
-              <a:rPr lang="en-US" sz="2000" dirty="0"/>
-              <a:t>(di natura strutturale e basati sul programma vero e proprio).</a:t>
-            </a:r>
-          </a:p>
-          <a:p>
-            <a:pPr marL="457200" lvl="1" indent="0">
-              <a:buNone/>
-            </a:pPr>
-            <a:endParaRPr lang="en-US" sz="2000" dirty="0"/>
-          </a:p>
-          <a:p>
-            <a:pPr marL="457200" lvl="1" indent="0">
-              <a:buNone/>
-            </a:pPr>
-            <a:r>
-              <a:rPr lang="en-US" sz="2000" dirty="0"/>
-              <a:t>Attraverso l’uso del framework </a:t>
-            </a:r>
-            <a:r>
-              <a:rPr lang="en-US" sz="2000" b="1" dirty="0"/>
-              <a:t>JUNIT</a:t>
-            </a:r>
-            <a:r>
-              <a:rPr lang="en-US" sz="2000" dirty="0"/>
-              <a:t>, abbiamo potuto definire diversi casi di test a seconda della funzionalità che si va ad implementare. I test fanno riferimento al DataService, ove sono contenute le </a:t>
-            </a:r>
-            <a:r>
-              <a:rPr lang="en-US" sz="2000" dirty="0" err="1"/>
-              <a:t>operazioni</a:t>
-            </a:r>
-            <a:r>
-              <a:rPr lang="en-US" sz="2000" dirty="0"/>
-              <a:t> possibili accedendo alla pagina personale:</a:t>
-            </a:r>
-          </a:p>
-          <a:p>
-            <a:pPr marL="457200" lvl="1" indent="0">
-              <a:buNone/>
-            </a:pPr>
-            <a:endParaRPr lang="en-US" sz="2000" dirty="0"/>
-          </a:p>
-          <a:p>
-            <a:pPr lvl="1">
+            <a:endParaRPr kumimoji="0" lang="en-US" sz="1900" b="0" i="0" u="none" strike="noStrike" kern="1200" cap="none" spc="0" normalizeH="0" baseline="0" noProof="0" dirty="0">
+              <a:ln>
+                <a:noFill/>
+              </a:ln>
+              <a:solidFill>
+                <a:prstClr val="black"/>
+              </a:solidFill>
+              <a:effectLst>
+                <a:outerShdw blurRad="38100" dist="38100" dir="2700000" algn="tl">
+                  <a:srgbClr val="000000">
+                    <a:alpha val="43137"/>
+                  </a:srgbClr>
+                </a:outerShdw>
+              </a:effectLst>
+              <a:uLnTx/>
+              <a:uFillTx/>
+              <a:latin typeface="Calibri" panose="020F0502020204030204"/>
+              <a:ea typeface="+mn-ea"/>
+              <a:cs typeface="+mn-cs"/>
+            </a:endParaRPr>
+          </a:p>
+          <a:p>
+            <a:pPr marL="685800" marR="0" lvl="1" indent="-228600" algn="l" defTabSz="914400" rtl="0" eaLnBrk="1" fontAlgn="auto" latinLnBrk="0" hangingPunct="1">
+              <a:lnSpc>
+                <a:spcPct val="90000"/>
+              </a:lnSpc>
+              <a:spcBef>
+                <a:spcPts val="500"/>
+              </a:spcBef>
+              <a:spcAft>
+                <a:spcPts val="0"/>
+              </a:spcAft>
+              <a:buClrTx/>
+              <a:buSzTx/>
               <a:buFont typeface="Wingdings" panose="05000000000000000000" pitchFamily="2" charset="2"/>
               <a:buChar char="v"/>
+              <a:tabLst/>
+              <a:defRPr/>
             </a:pPr>
             <a:r>
-              <a:rPr lang="en-US" sz="2200" dirty="0">
+              <a:rPr kumimoji="0" lang="en-US" sz="2200" b="0" u="none" strike="noStrike" kern="1200" cap="none" spc="0" normalizeH="0" baseline="0" noProof="0" dirty="0">
+                <a:ln>
+                  <a:noFill/>
+                </a:ln>
+                <a:solidFill>
+                  <a:prstClr val="black"/>
+                </a:solidFill>
                 <a:effectLst>
                   <a:outerShdw blurRad="38100" dist="38100" dir="2700000" algn="tl">
                     <a:srgbClr val="000000">
@@ -31384,51 +31133,352 @@
                     </a:srgbClr>
                   </a:outerShdw>
                 </a:effectLst>
+                <a:uLnTx/>
+                <a:uFillTx/>
+                <a:latin typeface="Calibri" panose="020F0502020204030204"/>
+                <a:ea typeface="+mn-ea"/>
+                <a:cs typeface="+mn-cs"/>
               </a:rPr>
-              <a:t>Login al Sistema</a:t>
-            </a:r>
-          </a:p>
-          <a:p>
-            <a:pPr lvl="1">
+              <a:t>Ruolo Dipendente </a:t>
+            </a:r>
+            <a:r>
+              <a:rPr lang="en-US" sz="2200" dirty="0">
+                <a:solidFill>
+                  <a:prstClr val="black"/>
+                </a:solidFill>
+                <a:effectLst>
+                  <a:outerShdw blurRad="38100" dist="38100" dir="2700000" algn="tl">
+                    <a:srgbClr val="000000">
+                      <a:alpha val="43137"/>
+                    </a:srgbClr>
+                  </a:outerShdw>
+                </a:effectLst>
+                <a:latin typeface="Calibri" panose="020F0502020204030204"/>
+              </a:rPr>
+              <a:t>Sbagliato</a:t>
+            </a:r>
+            <a:endParaRPr kumimoji="0" lang="en-US" sz="2200" b="0" u="none" strike="noStrike" kern="1200" cap="none" spc="0" normalizeH="0" noProof="0" dirty="0">
+              <a:ln>
+                <a:noFill/>
+              </a:ln>
+              <a:solidFill>
+                <a:prstClr val="black"/>
+              </a:solidFill>
+              <a:effectLst>
+                <a:outerShdw blurRad="38100" dist="38100" dir="2700000" algn="tl">
+                  <a:srgbClr val="000000">
+                    <a:alpha val="43137"/>
+                  </a:srgbClr>
+                </a:outerShdw>
+              </a:effectLst>
+              <a:uLnTx/>
+              <a:uFillTx/>
+              <a:latin typeface="Calibri" panose="020F0502020204030204"/>
+              <a:ea typeface="+mn-ea"/>
+              <a:cs typeface="+mn-cs"/>
+            </a:endParaRPr>
+          </a:p>
+          <a:p>
+            <a:pPr marR="0" lvl="1" algn="l" defTabSz="914400" rtl="0" eaLnBrk="1" fontAlgn="auto" latinLnBrk="0" hangingPunct="1">
+              <a:lnSpc>
+                <a:spcPct val="90000"/>
+              </a:lnSpc>
+              <a:spcBef>
+                <a:spcPts val="500"/>
+              </a:spcBef>
+              <a:spcAft>
+                <a:spcPts val="0"/>
+              </a:spcAft>
+              <a:buClrTx/>
+              <a:buSzTx/>
               <a:buFont typeface="Wingdings" panose="05000000000000000000" pitchFamily="2" charset="2"/>
               <a:buChar char="Ø"/>
+              <a:tabLst/>
+              <a:defRPr/>
             </a:pPr>
             <a:r>
-              <a:rPr lang="en-US" sz="2000" i="1" dirty="0"/>
-              <a:t>testSuccessLogin</a:t>
-            </a:r>
-            <a:r>
-              <a:rPr lang="en-US" sz="2000" dirty="0"/>
-              <a:t>, test per l’accesso al Sistema con credenziali corrette;</a:t>
-            </a:r>
-          </a:p>
-          <a:p>
-            <a:pPr lvl="1">
+              <a:rPr kumimoji="0" lang="en-US" sz="1900" b="0" u="none" strike="noStrike" kern="1200" cap="none" spc="0" normalizeH="0" baseline="0" noProof="0" dirty="0">
+                <a:ln>
+                  <a:noFill/>
+                </a:ln>
+                <a:solidFill>
+                  <a:prstClr val="black"/>
+                </a:solidFill>
+                <a:uLnTx/>
+                <a:uFillTx/>
+                <a:latin typeface="Calibri" panose="020F0502020204030204"/>
+                <a:ea typeface="+mn-ea"/>
+                <a:cs typeface="+mn-cs"/>
+              </a:rPr>
+              <a:t>Il test riconosce come </a:t>
+            </a:r>
+            <a:r>
+              <a:rPr lang="en-US" sz="1900" dirty="0">
+                <a:solidFill>
+                  <a:prstClr val="black"/>
+                </a:solidFill>
+                <a:latin typeface="Calibri" panose="020F0502020204030204"/>
+              </a:rPr>
+              <a:t>sbagliato l’inserimento di un ruolo non corrispondente rispetto al dipendente della matriola dichiarata;</a:t>
+            </a:r>
+            <a:endParaRPr kumimoji="0" lang="en-US" sz="1900" b="0" u="none" strike="noStrike" kern="1200" cap="none" spc="0" normalizeH="0" baseline="0" noProof="0" dirty="0">
+              <a:ln>
+                <a:noFill/>
+              </a:ln>
+              <a:solidFill>
+                <a:prstClr val="black"/>
+              </a:solidFill>
+              <a:uLnTx/>
+              <a:uFillTx/>
+              <a:latin typeface="Calibri" panose="020F0502020204030204"/>
+              <a:ea typeface="+mn-ea"/>
+              <a:cs typeface="+mn-cs"/>
+            </a:endParaRPr>
+          </a:p>
+          <a:p>
+            <a:pPr marL="685800" marR="0" lvl="1" indent="-228600" algn="l" defTabSz="914400" rtl="0" eaLnBrk="1" fontAlgn="auto" latinLnBrk="0" hangingPunct="1">
+              <a:lnSpc>
+                <a:spcPct val="90000"/>
+              </a:lnSpc>
+              <a:spcBef>
+                <a:spcPts val="500"/>
+              </a:spcBef>
+              <a:spcAft>
+                <a:spcPts val="0"/>
+              </a:spcAft>
+              <a:buClrTx/>
+              <a:buSzTx/>
+              <a:buFont typeface="Wingdings" panose="05000000000000000000" pitchFamily="2" charset="2"/>
+              <a:buChar char="v"/>
+              <a:tabLst/>
+              <a:defRPr/>
+            </a:pPr>
+            <a:r>
+              <a:rPr kumimoji="0" lang="en-US" sz="2200" b="0" u="none" strike="noStrike" kern="1200" cap="none" spc="0" normalizeH="0" baseline="0" noProof="0" dirty="0">
+                <a:ln>
+                  <a:noFill/>
+                </a:ln>
+                <a:solidFill>
+                  <a:prstClr val="black"/>
+                </a:solidFill>
+                <a:effectLst>
+                  <a:outerShdw blurRad="38100" dist="38100" dir="2700000" algn="tl">
+                    <a:srgbClr val="000000">
+                      <a:alpha val="43137"/>
+                    </a:srgbClr>
+                  </a:outerShdw>
+                </a:effectLst>
+                <a:uLnTx/>
+                <a:uFillTx/>
+                <a:latin typeface="Calibri" panose="020F0502020204030204"/>
+                <a:ea typeface="+mn-ea"/>
+                <a:cs typeface="+mn-cs"/>
+              </a:rPr>
+              <a:t>Verbale Inesistente</a:t>
+            </a:r>
+          </a:p>
+          <a:p>
+            <a:pPr marR="0" lvl="1" algn="l" defTabSz="914400" rtl="0" eaLnBrk="1" fontAlgn="auto" latinLnBrk="0" hangingPunct="1">
+              <a:lnSpc>
+                <a:spcPct val="90000"/>
+              </a:lnSpc>
+              <a:spcBef>
+                <a:spcPts val="500"/>
+              </a:spcBef>
+              <a:spcAft>
+                <a:spcPts val="0"/>
+              </a:spcAft>
+              <a:buClrTx/>
+              <a:buSzTx/>
               <a:buFont typeface="Wingdings" panose="05000000000000000000" pitchFamily="2" charset="2"/>
               <a:buChar char="Ø"/>
+              <a:tabLst/>
+              <a:defRPr/>
             </a:pPr>
             <a:r>
-              <a:rPr lang="en-US" sz="2000" i="1" dirty="0"/>
-              <a:t>TestInvalidPassword</a:t>
-            </a:r>
-            <a:r>
-              <a:rPr lang="en-US" sz="2000" dirty="0"/>
-              <a:t>, test che riconosce la password inserita nel login come non idonea;</a:t>
-            </a:r>
-          </a:p>
-          <a:p>
-            <a:pPr lvl="1">
+              <a:rPr kumimoji="0" lang="en-US" sz="1900" b="0" u="none" strike="noStrike" kern="1200" cap="none" spc="0" normalizeH="0" baseline="0" noProof="0" dirty="0">
+                <a:ln>
+                  <a:noFill/>
+                </a:ln>
+                <a:solidFill>
+                  <a:prstClr val="black"/>
+                </a:solidFill>
+                <a:uLnTx/>
+                <a:uFillTx/>
+                <a:latin typeface="Calibri" panose="020F0502020204030204"/>
+                <a:ea typeface="+mn-ea"/>
+                <a:cs typeface="+mn-cs"/>
+              </a:rPr>
+              <a:t>Inserito un codice operazione non archiviato/insesistente, il test verifica che non esiste Nessun verbale medico associato;</a:t>
+            </a:r>
+          </a:p>
+          <a:p>
+            <a:pPr marL="685800" marR="0" lvl="1" indent="-228600" algn="l" defTabSz="914400" rtl="0" eaLnBrk="1" fontAlgn="auto" latinLnBrk="0" hangingPunct="1">
+              <a:lnSpc>
+                <a:spcPct val="90000"/>
+              </a:lnSpc>
+              <a:spcBef>
+                <a:spcPts val="500"/>
+              </a:spcBef>
+              <a:spcAft>
+                <a:spcPts val="0"/>
+              </a:spcAft>
+              <a:buClrTx/>
+              <a:buSzTx/>
+              <a:buFont typeface="Wingdings" panose="05000000000000000000" pitchFamily="2" charset="2"/>
+              <a:buChar char="v"/>
+              <a:tabLst/>
+              <a:defRPr/>
+            </a:pPr>
+            <a:r>
+              <a:rPr kumimoji="0" lang="en-US" sz="2200" b="0" u="none" strike="noStrike" kern="1200" cap="none" spc="0" normalizeH="0" baseline="0" noProof="0" dirty="0">
+                <a:ln>
+                  <a:noFill/>
+                </a:ln>
+                <a:solidFill>
+                  <a:prstClr val="black"/>
+                </a:solidFill>
+                <a:effectLst>
+                  <a:outerShdw blurRad="38100" dist="38100" dir="2700000" algn="tl">
+                    <a:srgbClr val="000000">
+                      <a:alpha val="43137"/>
+                    </a:srgbClr>
+                  </a:outerShdw>
+                </a:effectLst>
+                <a:uLnTx/>
+                <a:uFillTx/>
+                <a:latin typeface="Calibri" panose="020F0502020204030204"/>
+                <a:ea typeface="+mn-ea"/>
+                <a:cs typeface="+mn-cs"/>
+              </a:rPr>
+              <a:t>Salvataggio Operazione</a:t>
+            </a:r>
+          </a:p>
+          <a:p>
+            <a:pPr marR="0" lvl="1" algn="l" defTabSz="914400" rtl="0" eaLnBrk="1" fontAlgn="auto" latinLnBrk="0" hangingPunct="1">
+              <a:lnSpc>
+                <a:spcPct val="90000"/>
+              </a:lnSpc>
+              <a:spcBef>
+                <a:spcPts val="500"/>
+              </a:spcBef>
+              <a:spcAft>
+                <a:spcPts val="0"/>
+              </a:spcAft>
+              <a:buClrTx/>
+              <a:buSzTx/>
               <a:buFont typeface="Wingdings" panose="05000000000000000000" pitchFamily="2" charset="2"/>
               <a:buChar char="Ø"/>
+              <a:tabLst/>
+              <a:defRPr/>
             </a:pPr>
             <a:r>
-              <a:rPr lang="en-US" sz="2000" i="1" dirty="0"/>
-              <a:t>TestInvalidUsername</a:t>
-            </a:r>
-            <a:r>
-              <a:rPr lang="en-US" sz="2000" dirty="0"/>
-              <a:t>, test che riconosce lo username inserito nel login come non valido;</a:t>
-            </a:r>
+              <a:rPr kumimoji="0" lang="en-US" sz="1900" b="0" i="1" u="none" strike="noStrike" kern="1200" cap="none" spc="0" normalizeH="0" baseline="0" noProof="0" dirty="0">
+                <a:ln>
+                  <a:noFill/>
+                </a:ln>
+                <a:solidFill>
+                  <a:prstClr val="black"/>
+                </a:solidFill>
+                <a:uLnTx/>
+                <a:uFillTx/>
+                <a:latin typeface="Calibri" panose="020F0502020204030204"/>
+                <a:ea typeface="+mn-ea"/>
+                <a:cs typeface="+mn-cs"/>
+              </a:rPr>
+              <a:t>SalvataggioOperazioneFallito,</a:t>
+            </a:r>
+            <a:r>
+              <a:rPr kumimoji="0" lang="en-US" sz="1900" b="0" u="none" strike="noStrike" kern="1200" cap="none" spc="0" normalizeH="0" baseline="0" noProof="0" dirty="0">
+                <a:ln>
+                  <a:noFill/>
+                </a:ln>
+                <a:solidFill>
+                  <a:prstClr val="black"/>
+                </a:solidFill>
+                <a:uLnTx/>
+                <a:uFillTx/>
+                <a:latin typeface="Calibri" panose="020F0502020204030204"/>
+                <a:ea typeface="+mn-ea"/>
+                <a:cs typeface="+mn-cs"/>
+              </a:rPr>
+              <a:t> si vuole simulare il salvataggio di un’operazione che fallisce, per mancanza di valori obbligatori;</a:t>
+            </a:r>
+          </a:p>
+          <a:p>
+            <a:pPr marR="0" lvl="1" algn="l" defTabSz="914400" rtl="0" eaLnBrk="1" fontAlgn="auto" latinLnBrk="0" hangingPunct="1">
+              <a:lnSpc>
+                <a:spcPct val="90000"/>
+              </a:lnSpc>
+              <a:spcBef>
+                <a:spcPts val="500"/>
+              </a:spcBef>
+              <a:spcAft>
+                <a:spcPts val="0"/>
+              </a:spcAft>
+              <a:buClrTx/>
+              <a:buSzTx/>
+              <a:buFont typeface="Wingdings" panose="05000000000000000000" pitchFamily="2" charset="2"/>
+              <a:buChar char="Ø"/>
+              <a:tabLst/>
+              <a:defRPr/>
+            </a:pPr>
+            <a:r>
+              <a:rPr lang="en-US" sz="1900" i="1" dirty="0">
+                <a:solidFill>
+                  <a:prstClr val="black"/>
+                </a:solidFill>
+                <a:latin typeface="Calibri" panose="020F0502020204030204"/>
+              </a:rPr>
+              <a:t>SalvataggioOperazioneRiuscito</a:t>
+            </a:r>
+            <a:r>
+              <a:rPr lang="en-US" sz="1900" dirty="0">
+                <a:solidFill>
+                  <a:prstClr val="black"/>
+                </a:solidFill>
+                <a:latin typeface="Calibri" panose="020F0502020204030204"/>
+              </a:rPr>
+              <a:t>, inseriti un insieme di valori d’operazione e il suddetto codice operazionale, il test salva tale operazione e, nel confronto con i valori salvati, ogni componente corrisponde;</a:t>
+            </a:r>
+          </a:p>
+          <a:p>
+            <a:pPr marR="0" lvl="1" algn="l" defTabSz="914400" rtl="0" eaLnBrk="1" fontAlgn="auto" latinLnBrk="0" hangingPunct="1">
+              <a:lnSpc>
+                <a:spcPct val="90000"/>
+              </a:lnSpc>
+              <a:spcBef>
+                <a:spcPts val="500"/>
+              </a:spcBef>
+              <a:spcAft>
+                <a:spcPts val="0"/>
+              </a:spcAft>
+              <a:buClrTx/>
+              <a:buSzTx/>
+              <a:buFont typeface="Wingdings" panose="05000000000000000000" pitchFamily="2" charset="2"/>
+              <a:buChar char="Ø"/>
+              <a:tabLst/>
+              <a:defRPr/>
+            </a:pPr>
+            <a:r>
+              <a:rPr lang="en-US" sz="1900" i="1" dirty="0">
+                <a:solidFill>
+                  <a:prstClr val="black"/>
+                </a:solidFill>
+                <a:latin typeface="Calibri" panose="020F0502020204030204"/>
+              </a:rPr>
+              <a:t>SalvataggioOperazioneMedicoInesistente</a:t>
+            </a:r>
+            <a:r>
+              <a:rPr lang="en-US" sz="1900" dirty="0">
+                <a:solidFill>
+                  <a:prstClr val="black"/>
+                </a:solidFill>
+                <a:latin typeface="Calibri" panose="020F0502020204030204"/>
+              </a:rPr>
+              <a:t>, test che simula il salvataggio di un’operazione ma che fallisce, per l’inserimento erratto della matricola del medico;</a:t>
+            </a:r>
+            <a:endParaRPr lang="en-US" sz="2000" i="1" dirty="0"/>
           </a:p>
         </p:txBody>
       </p:sp>
@@ -31481,7 +31531,7 @@
     </p:spTree>
     <p:extLst>
       <p:ext uri="{BB962C8B-B14F-4D97-AF65-F5344CB8AC3E}">
-        <p14:creationId xmlns:p14="http://schemas.microsoft.com/office/powerpoint/2010/main" val="2214790197"/>
+        <p14:creationId xmlns:p14="http://schemas.microsoft.com/office/powerpoint/2010/main" val="2689722702"/>
       </p:ext>
     </p:extLst>
   </p:cSld>
@@ -31491,7 +31541,7 @@
 </p:sld>
 </file>
 
-<file path=ppt/slides/slide25.xml><?xml version="1.0" encoding="utf-8"?>
+<file path=ppt/slides/slide3.xml><?xml version="1.0" encoding="utf-8"?>
 <p:sld xmlns:a="http://schemas.openxmlformats.org/drawingml/2006/main" xmlns:r="http://schemas.openxmlformats.org/officeDocument/2006/relationships" xmlns:p="http://schemas.openxmlformats.org/presentationml/2006/main">
   <p:cSld>
     <p:bg>
@@ -31518,7 +31568,7 @@
       </p:grpSpPr>
       <p:sp useBgFill="1">
         <p:nvSpPr>
-          <p:cNvPr id="87" name="Rectangle 86">
+          <p:cNvPr id="98" name="Rectangle 100">
             <a:extLst>
               <a:ext uri="{FF2B5EF4-FFF2-40B4-BE49-F238E27FC236}">
                 <a16:creationId xmlns:a16="http://schemas.microsoft.com/office/drawing/2014/main" id="{100EDD19-6802-4EC3-95CE-CFFAB042CFD6}"/>
@@ -31599,22 +31649,21 @@
           </a:xfrm>
         </p:spPr>
         <p:txBody>
-          <a:bodyPr rtlCol="0">
+          <a:bodyPr vert="horz" lIns="91440" tIns="45720" rIns="91440" bIns="45720" rtlCol="0">
             <a:normAutofit/>
           </a:bodyPr>
           <a:lstStyle/>
           <a:p>
-            <a:pPr rtl="0"/>
-            <a:r>
-              <a:rPr lang="it-IT" sz="5400" b="1" dirty="0"/>
-              <a:t>Testing: Casi di Test</a:t>
+            <a:r>
+              <a:rPr lang="en-US" sz="5400" b="1" dirty="0"/>
+              <a:t>Difficoltà Incontrate</a:t>
             </a:r>
           </a:p>
         </p:txBody>
       </p:sp>
       <p:sp>
         <p:nvSpPr>
-          <p:cNvPr id="89" name="sketch line">
+          <p:cNvPr id="100" name="sketch line">
             <a:extLst>
               <a:ext uri="{FF2B5EF4-FFF2-40B4-BE49-F238E27FC236}">
                 <a16:creationId xmlns:a16="http://schemas.microsoft.com/office/drawing/2014/main" id="{DB17E863-922E-4C26-BD64-E8FD41D28661}"/>
@@ -32255,7 +32304,7 @@
           <p:cNvPr id="4" name="Content Placeholder 3">
             <a:extLst>
               <a:ext uri="{FF2B5EF4-FFF2-40B4-BE49-F238E27FC236}">
-                <a16:creationId xmlns:a16="http://schemas.microsoft.com/office/drawing/2014/main" id="{E45B50AB-E09E-377A-4B46-AFA47F523EAB}"/>
+                <a16:creationId xmlns:a16="http://schemas.microsoft.com/office/drawing/2014/main" id="{0B9BE06A-2A10-766E-30FB-68BA1AE33F20}"/>
               </a:ext>
             </a:extLst>
           </p:cNvPr>
@@ -32268,433 +32317,96 @@
         </p:nvSpPr>
         <p:spPr>
           <a:xfrm>
-            <a:off x="838200" y="1708977"/>
-            <a:ext cx="10515600" cy="4783897"/>
+            <a:off x="838200" y="1929383"/>
+            <a:ext cx="10515600" cy="4435476"/>
           </a:xfrm>
         </p:spPr>
         <p:txBody>
-          <a:bodyPr>
-            <a:normAutofit/>
+          <a:bodyPr vert="horz" lIns="91440" tIns="45720" rIns="91440" bIns="45720" rtlCol="0">
+            <a:normAutofit fontScale="92500" lnSpcReduction="10000"/>
           </a:bodyPr>
           <a:lstStyle/>
           <a:p>
-            <a:pPr marL="457200" marR="0" lvl="1" indent="0" algn="l" defTabSz="914400" rtl="0" eaLnBrk="1" fontAlgn="auto" latinLnBrk="0" hangingPunct="1">
-              <a:lnSpc>
-                <a:spcPct val="90000"/>
-              </a:lnSpc>
-              <a:spcBef>
-                <a:spcPts val="500"/>
-              </a:spcBef>
-              <a:spcAft>
-                <a:spcPts val="0"/>
-              </a:spcAft>
-              <a:buClrTx/>
-              <a:buSzTx/>
-              <a:buFont typeface="Arial" panose="020B0604020202020204" pitchFamily="34" charset="0"/>
+            <a:pPr marL="0" indent="0">
               <a:buNone/>
-              <a:tabLst/>
-              <a:defRPr/>
             </a:pPr>
-            <a:endParaRPr kumimoji="0" lang="en-US" sz="1900" b="0" i="0" u="none" strike="noStrike" kern="1200" cap="none" spc="0" normalizeH="0" baseline="0" noProof="0" dirty="0">
-              <a:ln>
-                <a:noFill/>
-              </a:ln>
-              <a:solidFill>
-                <a:prstClr val="black"/>
-              </a:solidFill>
-              <a:effectLst>
-                <a:outerShdw blurRad="38100" dist="38100" dir="2700000" algn="tl">
-                  <a:srgbClr val="000000">
-                    <a:alpha val="43137"/>
-                  </a:srgbClr>
-                </a:outerShdw>
-              </a:effectLst>
-              <a:uLnTx/>
-              <a:uFillTx/>
-              <a:latin typeface="Calibri" panose="020F0502020204030204"/>
-              <a:ea typeface="+mn-ea"/>
-              <a:cs typeface="+mn-cs"/>
-            </a:endParaRPr>
-          </a:p>
-          <a:p>
-            <a:pPr marL="685800" marR="0" lvl="1" indent="-228600" algn="l" defTabSz="914400" rtl="0" eaLnBrk="1" fontAlgn="auto" latinLnBrk="0" hangingPunct="1">
-              <a:lnSpc>
-                <a:spcPct val="90000"/>
-              </a:lnSpc>
-              <a:spcBef>
-                <a:spcPts val="500"/>
-              </a:spcBef>
-              <a:spcAft>
-                <a:spcPts val="0"/>
-              </a:spcAft>
-              <a:buClrTx/>
-              <a:buSzTx/>
-              <a:buFont typeface="Wingdings" panose="05000000000000000000" pitchFamily="2" charset="2"/>
-              <a:buChar char="v"/>
-              <a:tabLst/>
-              <a:defRPr/>
+            <a:r>
+              <a:rPr lang="en-US" sz="2200" dirty="0"/>
+              <a:t>Le principali difficolà, incontrate durante la stesura del Progetto, </a:t>
+            </a:r>
+            <a:r>
+              <a:rPr lang="en-US" sz="2200" dirty="0" err="1"/>
+              <a:t>riguardano</a:t>
+            </a:r>
+            <a:r>
+              <a:rPr lang="en-US" sz="2200" dirty="0"/>
+              <a:t>:</a:t>
+            </a:r>
+          </a:p>
+          <a:p>
+            <a:pPr marL="0" indent="0">
+              <a:buNone/>
             </a:pPr>
-            <a:r>
-              <a:rPr kumimoji="0" lang="en-US" sz="2200" b="0" u="none" strike="noStrike" kern="1200" cap="none" spc="0" normalizeH="0" baseline="0" noProof="0" dirty="0">
-                <a:ln>
-                  <a:noFill/>
-                </a:ln>
-                <a:solidFill>
-                  <a:prstClr val="black"/>
-                </a:solidFill>
-                <a:effectLst>
-                  <a:outerShdw blurRad="38100" dist="38100" dir="2700000" algn="tl">
-                    <a:srgbClr val="000000">
-                      <a:alpha val="43137"/>
-                    </a:srgbClr>
-                  </a:outerShdw>
-                </a:effectLst>
-                <a:uLnTx/>
-                <a:uFillTx/>
-                <a:latin typeface="Calibri" panose="020F0502020204030204"/>
-                <a:ea typeface="+mn-ea"/>
-                <a:cs typeface="+mn-cs"/>
-              </a:rPr>
-              <a:t>Ruolo Dipendente </a:t>
-            </a:r>
-            <a:r>
-              <a:rPr lang="en-US" sz="2200" dirty="0">
-                <a:solidFill>
-                  <a:prstClr val="black"/>
-                </a:solidFill>
-                <a:effectLst>
-                  <a:outerShdw blurRad="38100" dist="38100" dir="2700000" algn="tl">
-                    <a:srgbClr val="000000">
-                      <a:alpha val="43137"/>
-                    </a:srgbClr>
-                  </a:outerShdw>
-                </a:effectLst>
-                <a:latin typeface="Calibri" panose="020F0502020204030204"/>
-              </a:rPr>
-              <a:t>Sbagliato</a:t>
-            </a:r>
-            <a:endParaRPr kumimoji="0" lang="en-US" sz="2200" b="0" u="none" strike="noStrike" kern="1200" cap="none" spc="0" normalizeH="0" noProof="0" dirty="0">
-              <a:ln>
-                <a:noFill/>
-              </a:ln>
-              <a:solidFill>
-                <a:prstClr val="black"/>
-              </a:solidFill>
-              <a:effectLst>
-                <a:outerShdw blurRad="38100" dist="38100" dir="2700000" algn="tl">
-                  <a:srgbClr val="000000">
-                    <a:alpha val="43137"/>
-                  </a:srgbClr>
-                </a:outerShdw>
-              </a:effectLst>
-              <a:uLnTx/>
-              <a:uFillTx/>
-              <a:latin typeface="Calibri" panose="020F0502020204030204"/>
-              <a:ea typeface="+mn-ea"/>
-              <a:cs typeface="+mn-cs"/>
-            </a:endParaRPr>
-          </a:p>
-          <a:p>
-            <a:pPr marR="0" lvl="1" algn="l" defTabSz="914400" rtl="0" eaLnBrk="1" fontAlgn="auto" latinLnBrk="0" hangingPunct="1">
-              <a:lnSpc>
-                <a:spcPct val="90000"/>
-              </a:lnSpc>
-              <a:spcBef>
-                <a:spcPts val="500"/>
-              </a:spcBef>
-              <a:spcAft>
-                <a:spcPts val="0"/>
-              </a:spcAft>
-              <a:buClrTx/>
-              <a:buSzTx/>
-              <a:buFont typeface="Wingdings" panose="05000000000000000000" pitchFamily="2" charset="2"/>
-              <a:buChar char="Ø"/>
-              <a:tabLst/>
-              <a:defRPr/>
+            <a:endParaRPr lang="en-US" sz="2200" dirty="0"/>
+          </a:p>
+          <a:p>
+            <a:r>
+              <a:rPr lang="en-US" sz="2200" dirty="0"/>
+              <a:t>Coordinamento tra i componenti del team, soprattutto a livello temporale e gestione del lavoro. </a:t>
+            </a:r>
+          </a:p>
+          <a:p>
+            <a:endParaRPr lang="en-US" sz="2200" dirty="0"/>
+          </a:p>
+          <a:p>
+            <a:r>
+              <a:rPr lang="en-US" sz="2200" dirty="0"/>
+              <a:t>Ottenere un programma software che risponda a tutti i requisiti (del sistema e </a:t>
+            </a:r>
+            <a:r>
+              <a:rPr lang="en-US" sz="2200" dirty="0" err="1"/>
+              <a:t>dell’utente</a:t>
+            </a:r>
+            <a:r>
+              <a:rPr lang="en-US" sz="2200" dirty="0"/>
+              <a:t>).</a:t>
+            </a:r>
+          </a:p>
+          <a:p>
+            <a:endParaRPr lang="en-US" sz="2200" dirty="0"/>
+          </a:p>
+          <a:p>
+            <a:r>
+              <a:rPr lang="en-US" sz="2200" dirty="0"/>
+              <a:t>Conflitto nell’utilizzo di GitHub.</a:t>
+            </a:r>
+          </a:p>
+          <a:p>
+            <a:endParaRPr lang="en-US" sz="2200" dirty="0"/>
+          </a:p>
+          <a:p>
+            <a:r>
+              <a:rPr lang="en-US" sz="2200" dirty="0"/>
+              <a:t>Possibilità di non consegnare in tempo il Progetto, causa ritardo nella realizzazione delle singole parti del programma.</a:t>
+            </a:r>
+          </a:p>
+          <a:p>
+            <a:pPr marL="0" indent="0">
+              <a:buNone/>
             </a:pPr>
-            <a:r>
-              <a:rPr kumimoji="0" lang="en-US" sz="1900" b="0" u="none" strike="noStrike" kern="1200" cap="none" spc="0" normalizeH="0" baseline="0" noProof="0" dirty="0">
-                <a:ln>
-                  <a:noFill/>
-                </a:ln>
-                <a:solidFill>
-                  <a:prstClr val="black"/>
-                </a:solidFill>
-                <a:uLnTx/>
-                <a:uFillTx/>
-                <a:latin typeface="Calibri" panose="020F0502020204030204"/>
-                <a:ea typeface="+mn-ea"/>
-                <a:cs typeface="+mn-cs"/>
-              </a:rPr>
-              <a:t>Il test riconosce come </a:t>
-            </a:r>
-            <a:r>
-              <a:rPr lang="en-US" sz="1900" dirty="0">
-                <a:solidFill>
-                  <a:prstClr val="black"/>
-                </a:solidFill>
-                <a:latin typeface="Calibri" panose="020F0502020204030204"/>
-              </a:rPr>
-              <a:t>sbagliato l’inserimento di un ruolo non corrispondente rispetto al dipendente della matriola dichiarata;</a:t>
-            </a:r>
-            <a:endParaRPr kumimoji="0" lang="en-US" sz="1900" b="0" u="none" strike="noStrike" kern="1200" cap="none" spc="0" normalizeH="0" baseline="0" noProof="0" dirty="0">
-              <a:ln>
-                <a:noFill/>
-              </a:ln>
-              <a:solidFill>
-                <a:prstClr val="black"/>
-              </a:solidFill>
-              <a:uLnTx/>
-              <a:uFillTx/>
-              <a:latin typeface="Calibri" panose="020F0502020204030204"/>
-              <a:ea typeface="+mn-ea"/>
-              <a:cs typeface="+mn-cs"/>
-            </a:endParaRPr>
-          </a:p>
-          <a:p>
-            <a:pPr marL="685800" marR="0" lvl="1" indent="-228600" algn="l" defTabSz="914400" rtl="0" eaLnBrk="1" fontAlgn="auto" latinLnBrk="0" hangingPunct="1">
-              <a:lnSpc>
-                <a:spcPct val="90000"/>
-              </a:lnSpc>
-              <a:spcBef>
-                <a:spcPts val="500"/>
-              </a:spcBef>
-              <a:spcAft>
-                <a:spcPts val="0"/>
-              </a:spcAft>
-              <a:buClrTx/>
-              <a:buSzTx/>
-              <a:buFont typeface="Wingdings" panose="05000000000000000000" pitchFamily="2" charset="2"/>
-              <a:buChar char="v"/>
-              <a:tabLst/>
-              <a:defRPr/>
-            </a:pPr>
-            <a:r>
-              <a:rPr kumimoji="0" lang="en-US" sz="2200" b="0" u="none" strike="noStrike" kern="1200" cap="none" spc="0" normalizeH="0" baseline="0" noProof="0" dirty="0">
-                <a:ln>
-                  <a:noFill/>
-                </a:ln>
-                <a:solidFill>
-                  <a:prstClr val="black"/>
-                </a:solidFill>
-                <a:effectLst>
-                  <a:outerShdw blurRad="38100" dist="38100" dir="2700000" algn="tl">
-                    <a:srgbClr val="000000">
-                      <a:alpha val="43137"/>
-                    </a:srgbClr>
-                  </a:outerShdw>
-                </a:effectLst>
-                <a:uLnTx/>
-                <a:uFillTx/>
-                <a:latin typeface="Calibri" panose="020F0502020204030204"/>
-                <a:ea typeface="+mn-ea"/>
-                <a:cs typeface="+mn-cs"/>
-              </a:rPr>
-              <a:t>Verbale Inesistente</a:t>
-            </a:r>
-          </a:p>
-          <a:p>
-            <a:pPr marR="0" lvl="1" algn="l" defTabSz="914400" rtl="0" eaLnBrk="1" fontAlgn="auto" latinLnBrk="0" hangingPunct="1">
-              <a:lnSpc>
-                <a:spcPct val="90000"/>
-              </a:lnSpc>
-              <a:spcBef>
-                <a:spcPts val="500"/>
-              </a:spcBef>
-              <a:spcAft>
-                <a:spcPts val="0"/>
-              </a:spcAft>
-              <a:buClrTx/>
-              <a:buSzTx/>
-              <a:buFont typeface="Wingdings" panose="05000000000000000000" pitchFamily="2" charset="2"/>
-              <a:buChar char="Ø"/>
-              <a:tabLst/>
-              <a:defRPr/>
-            </a:pPr>
-            <a:r>
-              <a:rPr kumimoji="0" lang="en-US" sz="1900" b="0" u="none" strike="noStrike" kern="1200" cap="none" spc="0" normalizeH="0" baseline="0" noProof="0" dirty="0">
-                <a:ln>
-                  <a:noFill/>
-                </a:ln>
-                <a:solidFill>
-                  <a:prstClr val="black"/>
-                </a:solidFill>
-                <a:uLnTx/>
-                <a:uFillTx/>
-                <a:latin typeface="Calibri" panose="020F0502020204030204"/>
-                <a:ea typeface="+mn-ea"/>
-                <a:cs typeface="+mn-cs"/>
-              </a:rPr>
-              <a:t>Inserito un codice operazione non archiviato/insesistente, il test verifica che non esiste Nessun verbale medico associato;</a:t>
-            </a:r>
-          </a:p>
-          <a:p>
-            <a:pPr marL="685800" marR="0" lvl="1" indent="-228600" algn="l" defTabSz="914400" rtl="0" eaLnBrk="1" fontAlgn="auto" latinLnBrk="0" hangingPunct="1">
-              <a:lnSpc>
-                <a:spcPct val="90000"/>
-              </a:lnSpc>
-              <a:spcBef>
-                <a:spcPts val="500"/>
-              </a:spcBef>
-              <a:spcAft>
-                <a:spcPts val="0"/>
-              </a:spcAft>
-              <a:buClrTx/>
-              <a:buSzTx/>
-              <a:buFont typeface="Wingdings" panose="05000000000000000000" pitchFamily="2" charset="2"/>
-              <a:buChar char="v"/>
-              <a:tabLst/>
-              <a:defRPr/>
-            </a:pPr>
-            <a:r>
-              <a:rPr kumimoji="0" lang="en-US" sz="2200" b="0" u="none" strike="noStrike" kern="1200" cap="none" spc="0" normalizeH="0" baseline="0" noProof="0" dirty="0">
-                <a:ln>
-                  <a:noFill/>
-                </a:ln>
-                <a:solidFill>
-                  <a:prstClr val="black"/>
-                </a:solidFill>
-                <a:effectLst>
-                  <a:outerShdw blurRad="38100" dist="38100" dir="2700000" algn="tl">
-                    <a:srgbClr val="000000">
-                      <a:alpha val="43137"/>
-                    </a:srgbClr>
-                  </a:outerShdw>
-                </a:effectLst>
-                <a:uLnTx/>
-                <a:uFillTx/>
-                <a:latin typeface="Calibri" panose="020F0502020204030204"/>
-                <a:ea typeface="+mn-ea"/>
-                <a:cs typeface="+mn-cs"/>
-              </a:rPr>
-              <a:t>Salvataggio Operazione</a:t>
-            </a:r>
-          </a:p>
-          <a:p>
-            <a:pPr marR="0" lvl="1" algn="l" defTabSz="914400" rtl="0" eaLnBrk="1" fontAlgn="auto" latinLnBrk="0" hangingPunct="1">
-              <a:lnSpc>
-                <a:spcPct val="90000"/>
-              </a:lnSpc>
-              <a:spcBef>
-                <a:spcPts val="500"/>
-              </a:spcBef>
-              <a:spcAft>
-                <a:spcPts val="0"/>
-              </a:spcAft>
-              <a:buClrTx/>
-              <a:buSzTx/>
-              <a:buFont typeface="Wingdings" panose="05000000000000000000" pitchFamily="2" charset="2"/>
-              <a:buChar char="Ø"/>
-              <a:tabLst/>
-              <a:defRPr/>
-            </a:pPr>
-            <a:r>
-              <a:rPr kumimoji="0" lang="en-US" sz="1900" b="0" i="1" u="none" strike="noStrike" kern="1200" cap="none" spc="0" normalizeH="0" baseline="0" noProof="0" dirty="0">
-                <a:ln>
-                  <a:noFill/>
-                </a:ln>
-                <a:solidFill>
-                  <a:prstClr val="black"/>
-                </a:solidFill>
-                <a:uLnTx/>
-                <a:uFillTx/>
-                <a:latin typeface="Calibri" panose="020F0502020204030204"/>
-                <a:ea typeface="+mn-ea"/>
-                <a:cs typeface="+mn-cs"/>
-              </a:rPr>
-              <a:t>SalvataggioOperazioneFallito,</a:t>
-            </a:r>
-            <a:r>
-              <a:rPr kumimoji="0" lang="en-US" sz="1900" b="0" u="none" strike="noStrike" kern="1200" cap="none" spc="0" normalizeH="0" baseline="0" noProof="0" dirty="0">
-                <a:ln>
-                  <a:noFill/>
-                </a:ln>
-                <a:solidFill>
-                  <a:prstClr val="black"/>
-                </a:solidFill>
-                <a:uLnTx/>
-                <a:uFillTx/>
-                <a:latin typeface="Calibri" panose="020F0502020204030204"/>
-                <a:ea typeface="+mn-ea"/>
-                <a:cs typeface="+mn-cs"/>
-              </a:rPr>
-              <a:t> si vuole simulare il salvataggio di un’operazione che fallisce, per mancanza di valori obbligatori;</a:t>
-            </a:r>
-          </a:p>
-          <a:p>
-            <a:pPr marR="0" lvl="1" algn="l" defTabSz="914400" rtl="0" eaLnBrk="1" fontAlgn="auto" latinLnBrk="0" hangingPunct="1">
-              <a:lnSpc>
-                <a:spcPct val="90000"/>
-              </a:lnSpc>
-              <a:spcBef>
-                <a:spcPts val="500"/>
-              </a:spcBef>
-              <a:spcAft>
-                <a:spcPts val="0"/>
-              </a:spcAft>
-              <a:buClrTx/>
-              <a:buSzTx/>
-              <a:buFont typeface="Wingdings" panose="05000000000000000000" pitchFamily="2" charset="2"/>
-              <a:buChar char="Ø"/>
-              <a:tabLst/>
-              <a:defRPr/>
-            </a:pPr>
-            <a:r>
-              <a:rPr lang="en-US" sz="1900" i="1" dirty="0">
-                <a:solidFill>
-                  <a:prstClr val="black"/>
-                </a:solidFill>
-                <a:latin typeface="Calibri" panose="020F0502020204030204"/>
-              </a:rPr>
-              <a:t>SalvataggioOperazioneRiuscito</a:t>
-            </a:r>
-            <a:r>
-              <a:rPr lang="en-US" sz="1900" dirty="0">
-                <a:solidFill>
-                  <a:prstClr val="black"/>
-                </a:solidFill>
-                <a:latin typeface="Calibri" panose="020F0502020204030204"/>
-              </a:rPr>
-              <a:t>, inseriti un insieme di valori d’operazione e il suddetto codice operazionale, il test salva tale operazione e, nel confronto con i valori salvati, ogni componente corrisponde;</a:t>
-            </a:r>
-          </a:p>
-          <a:p>
-            <a:pPr marR="0" lvl="1" algn="l" defTabSz="914400" rtl="0" eaLnBrk="1" fontAlgn="auto" latinLnBrk="0" hangingPunct="1">
-              <a:lnSpc>
-                <a:spcPct val="90000"/>
-              </a:lnSpc>
-              <a:spcBef>
-                <a:spcPts val="500"/>
-              </a:spcBef>
-              <a:spcAft>
-                <a:spcPts val="0"/>
-              </a:spcAft>
-              <a:buClrTx/>
-              <a:buSzTx/>
-              <a:buFont typeface="Wingdings" panose="05000000000000000000" pitchFamily="2" charset="2"/>
-              <a:buChar char="Ø"/>
-              <a:tabLst/>
-              <a:defRPr/>
-            </a:pPr>
-            <a:r>
-              <a:rPr lang="en-US" sz="1900" i="1" dirty="0">
-                <a:solidFill>
-                  <a:prstClr val="black"/>
-                </a:solidFill>
-                <a:latin typeface="Calibri" panose="020F0502020204030204"/>
-              </a:rPr>
-              <a:t>SalvataggioOperazioneMedicoInesistente</a:t>
-            </a:r>
-            <a:r>
-              <a:rPr lang="en-US" sz="1900" dirty="0">
-                <a:solidFill>
-                  <a:prstClr val="black"/>
-                </a:solidFill>
-                <a:latin typeface="Calibri" panose="020F0502020204030204"/>
-              </a:rPr>
-              <a:t>, test che simula il salvataggio di un’operazione ma che fallisce, per l’inserimento erratto della matricola del medico;</a:t>
-            </a:r>
-            <a:endParaRPr lang="en-US" sz="2000" i="1" dirty="0"/>
+            <a:endParaRPr lang="en-US" sz="2200" dirty="0"/>
+          </a:p>
+          <a:p>
+            <a:r>
+              <a:rPr lang="en-US" sz="2200" dirty="0"/>
+              <a:t>Difficoltà nell’intuire quali tool e pattern sono stati utilizzati nella stesura del progetto.</a:t>
+            </a:r>
+          </a:p>
+          <a:p>
+            <a:endParaRPr lang="en-US" sz="2000" dirty="0"/>
+          </a:p>
+          <a:p>
+            <a:endParaRPr lang="en-US" sz="2000" dirty="0"/>
           </a:p>
         </p:txBody>
       </p:sp>
@@ -32716,38 +32428,38 @@
         </p:nvSpPr>
         <p:spPr>
           <a:xfrm>
-            <a:off x="8610600" y="6356350"/>
-            <a:ext cx="2743200" cy="365125"/>
+            <a:off x="10303297" y="6189685"/>
+            <a:ext cx="1468079" cy="609924"/>
           </a:xfrm>
         </p:spPr>
         <p:txBody>
-          <a:bodyPr rtlCol="0">
-            <a:noAutofit/>
+          <a:bodyPr vert="horz" lIns="91440" tIns="45720" rIns="91440" bIns="45720" rtlCol="0">
+            <a:normAutofit/>
           </a:bodyPr>
           <a:lstStyle/>
           <a:p>
-            <a:pPr rtl="0">
+            <a:pPr>
               <a:spcAft>
                 <a:spcPts val="600"/>
               </a:spcAft>
             </a:pPr>
             <a:fld id="{B5CEABB6-07DC-46E8-9B57-56EC44A396E5}" type="slidenum">
-              <a:rPr lang="it-IT" sz="1800" b="1" smtClean="0"/>
-              <a:pPr rtl="0">
+              <a:rPr lang="en-US" sz="1800" b="1" smtClean="0"/>
+              <a:pPr>
                 <a:spcAft>
                   <a:spcPts val="600"/>
                 </a:spcAft>
               </a:pPr>
-              <a:t>25</a:t>
+              <a:t>3</a:t>
             </a:fld>
-            <a:endParaRPr lang="it-IT" sz="1800" b="1" dirty="0"/>
+            <a:endParaRPr lang="en-US" sz="1800" b="1" dirty="0"/>
           </a:p>
         </p:txBody>
       </p:sp>
     </p:spTree>
     <p:extLst>
       <p:ext uri="{BB962C8B-B14F-4D97-AF65-F5344CB8AC3E}">
-        <p14:creationId xmlns:p14="http://schemas.microsoft.com/office/powerpoint/2010/main" val="2689722702"/>
+        <p14:creationId xmlns:p14="http://schemas.microsoft.com/office/powerpoint/2010/main" val="1249612630"/>
       </p:ext>
     </p:extLst>
   </p:cSld>
@@ -32757,7 +32469,7 @@
 </p:sld>
 </file>
 
-<file path=ppt/slides/slide3.xml><?xml version="1.0" encoding="utf-8"?>
+<file path=ppt/slides/slide4.xml><?xml version="1.0" encoding="utf-8"?>
 <p:sld xmlns:a="http://schemas.openxmlformats.org/drawingml/2006/main" xmlns:r="http://schemas.openxmlformats.org/officeDocument/2006/relationships" xmlns:p="http://schemas.openxmlformats.org/presentationml/2006/main">
   <p:cSld>
     <p:bg>
@@ -32871,9 +32583,23 @@
           <a:lstStyle/>
           <a:p>
             <a:r>
-              <a:rPr lang="en-US" sz="5400" b="1" dirty="0"/>
-              <a:t>Difficoltà Incontrate</a:t>
-            </a:r>
+              <a:rPr kumimoji="0" lang="it-IT" sz="5400" b="1" i="0" u="none" strike="noStrike" kern="1200" cap="none" spc="0" normalizeH="0" baseline="0" noProof="0" dirty="0">
+                <a:ln>
+                  <a:noFill/>
+                </a:ln>
+                <a:solidFill>
+                  <a:prstClr val="black"/>
+                </a:solidFill>
+                <a:effectLst/>
+                <a:uLnTx/>
+                <a:uFillTx/>
+                <a:latin typeface="Calibri Light" panose="020F0302020204030204"/>
+                <a:ea typeface="+mj-ea"/>
+                <a:cs typeface="+mj-cs"/>
+              </a:rPr>
+              <a:t>Paradigma di Programmazione</a:t>
+            </a:r>
+            <a:endParaRPr lang="en-US" sz="5400" b="1" dirty="0"/>
           </a:p>
         </p:txBody>
       </p:sp>
@@ -33515,117 +33241,38 @@
           </a:p>
         </p:txBody>
       </p:sp>
-      <p:sp>
-        <p:nvSpPr>
-          <p:cNvPr id="4" name="Content Placeholder 3">
+      <p:pic>
+        <p:nvPicPr>
+          <p:cNvPr id="3" name="Segnaposto contenuto 2">
             <a:extLst>
               <a:ext uri="{FF2B5EF4-FFF2-40B4-BE49-F238E27FC236}">
-                <a16:creationId xmlns:a16="http://schemas.microsoft.com/office/drawing/2014/main" id="{0B9BE06A-2A10-766E-30FB-68BA1AE33F20}"/>
+                <a16:creationId xmlns:a16="http://schemas.microsoft.com/office/drawing/2014/main" id="{B8057E78-C79B-B48E-DB48-B7F3C18B6C3F}"/>
               </a:ext>
             </a:extLst>
           </p:cNvPr>
-          <p:cNvSpPr>
-            <a:spLocks noGrp="1"/>
-          </p:cNvSpPr>
+          <p:cNvPicPr>
+            <a:picLocks noGrp="1" noChangeAspect="1"/>
+          </p:cNvPicPr>
           <p:nvPr>
             <p:ph idx="1"/>
           </p:nvPr>
-        </p:nvSpPr>
+        </p:nvPicPr>
+        <p:blipFill>
+          <a:blip r:embed="rId3"/>
+          <a:stretch>
+            <a:fillRect/>
+          </a:stretch>
+        </p:blipFill>
         <p:spPr>
           <a:xfrm>
-            <a:off x="838200" y="1929383"/>
-            <a:ext cx="10515600" cy="4435476"/>
+            <a:off x="581899" y="1928061"/>
+            <a:ext cx="3355619" cy="2376000"/>
           </a:xfrm>
+          <a:prstGeom prst="rect">
+            <a:avLst/>
+          </a:prstGeom>
         </p:spPr>
-        <p:txBody>
-          <a:bodyPr vert="horz" lIns="91440" tIns="45720" rIns="91440" bIns="45720" rtlCol="0">
-            <a:normAutofit fontScale="92500" lnSpcReduction="10000"/>
-          </a:bodyPr>
-          <a:lstStyle/>
-          <a:p>
-            <a:pPr marL="0" indent="0">
-              <a:buNone/>
-            </a:pPr>
-            <a:r>
-              <a:rPr lang="en-US" sz="2200" dirty="0"/>
-              <a:t>Le principali difficolà, incontrate durante la stesura del Progetto, </a:t>
-            </a:r>
-            <a:r>
-              <a:rPr lang="en-US" sz="2200" dirty="0" err="1"/>
-              <a:t>riguardano</a:t>
-            </a:r>
-            <a:r>
-              <a:rPr lang="en-US" sz="2200" dirty="0"/>
-              <a:t>:</a:t>
-            </a:r>
-          </a:p>
-          <a:p>
-            <a:pPr marL="0" indent="0">
-              <a:buNone/>
-            </a:pPr>
-            <a:endParaRPr lang="en-US" sz="2200" dirty="0"/>
-          </a:p>
-          <a:p>
-            <a:r>
-              <a:rPr lang="en-US" sz="2200" dirty="0"/>
-              <a:t>Coordinamento tra i componenti del team, soprattutto a livello temporale e gestione del lavoro. </a:t>
-            </a:r>
-          </a:p>
-          <a:p>
-            <a:endParaRPr lang="en-US" sz="2200" dirty="0"/>
-          </a:p>
-          <a:p>
-            <a:r>
-              <a:rPr lang="en-US" sz="2200" dirty="0"/>
-              <a:t>Ottenere un programma software che risponda a tutti i requisiti (del sistema e </a:t>
-            </a:r>
-            <a:r>
-              <a:rPr lang="en-US" sz="2200" dirty="0" err="1"/>
-              <a:t>dell’utente</a:t>
-            </a:r>
-            <a:r>
-              <a:rPr lang="en-US" sz="2200" dirty="0"/>
-              <a:t>).</a:t>
-            </a:r>
-          </a:p>
-          <a:p>
-            <a:endParaRPr lang="en-US" sz="2200" dirty="0"/>
-          </a:p>
-          <a:p>
-            <a:r>
-              <a:rPr lang="en-US" sz="2200" dirty="0"/>
-              <a:t>Conflitto nell’utilizzo di GitHub.</a:t>
-            </a:r>
-          </a:p>
-          <a:p>
-            <a:endParaRPr lang="en-US" sz="2200" dirty="0"/>
-          </a:p>
-          <a:p>
-            <a:r>
-              <a:rPr lang="en-US" sz="2200" dirty="0"/>
-              <a:t>Possibilità di non consegnare in tempo il Progetto, causa ritardo nella realizzazione delle singole parti del programma.</a:t>
-            </a:r>
-          </a:p>
-          <a:p>
-            <a:pPr marL="0" indent="0">
-              <a:buNone/>
-            </a:pPr>
-            <a:endParaRPr lang="en-US" sz="2200" dirty="0"/>
-          </a:p>
-          <a:p>
-            <a:r>
-              <a:rPr lang="en-US" sz="2200" dirty="0"/>
-              <a:t>Difficoltà nell’intuire quali tool e pattern sono stati utilizzati nella stesura del progetto.</a:t>
-            </a:r>
-          </a:p>
-          <a:p>
-            <a:endParaRPr lang="en-US" sz="2000" dirty="0"/>
-          </a:p>
-          <a:p>
-            <a:endParaRPr lang="en-US" sz="2000" dirty="0"/>
-          </a:p>
-        </p:txBody>
-      </p:sp>
+      </p:pic>
       <p:sp>
         <p:nvSpPr>
           <p:cNvPr id="82" name="Segnaposto numero diapositiva 81">
@@ -33644,8 +33291,8 @@
         </p:nvSpPr>
         <p:spPr>
           <a:xfrm>
-            <a:off x="10303297" y="6189685"/>
-            <a:ext cx="1468079" cy="609924"/>
+            <a:off x="8610600" y="6140374"/>
+            <a:ext cx="2743200" cy="581101"/>
           </a:xfrm>
         </p:spPr>
         <p:txBody>
@@ -33666,16 +33313,181 @@
                   <a:spcPts val="600"/>
                 </a:spcAft>
               </a:pPr>
-              <a:t>3</a:t>
+              <a:t>4</a:t>
             </a:fld>
             <a:endParaRPr lang="en-US" sz="1800" b="1" dirty="0"/>
+          </a:p>
+        </p:txBody>
+      </p:sp>
+      <p:pic>
+        <p:nvPicPr>
+          <p:cNvPr id="6" name="Immagine 5">
+            <a:extLst>
+              <a:ext uri="{FF2B5EF4-FFF2-40B4-BE49-F238E27FC236}">
+                <a16:creationId xmlns:a16="http://schemas.microsoft.com/office/drawing/2014/main" id="{DE0CC97B-A6DE-8CA6-E657-2E691E6C3F77}"/>
+              </a:ext>
+            </a:extLst>
+          </p:cNvPr>
+          <p:cNvPicPr>
+            <a:picLocks noChangeAspect="1"/>
+          </p:cNvPicPr>
+          <p:nvPr/>
+        </p:nvPicPr>
+        <p:blipFill>
+          <a:blip r:embed="rId4"/>
+          <a:stretch>
+            <a:fillRect/>
+          </a:stretch>
+        </p:blipFill>
+        <p:spPr>
+          <a:xfrm>
+            <a:off x="5105431" y="1985560"/>
+            <a:ext cx="2438400" cy="2438400"/>
+          </a:xfrm>
+          <a:prstGeom prst="rect">
+            <a:avLst/>
+          </a:prstGeom>
+        </p:spPr>
+      </p:pic>
+      <p:pic>
+        <p:nvPicPr>
+          <p:cNvPr id="7" name="Immagine 6">
+            <a:extLst>
+              <a:ext uri="{FF2B5EF4-FFF2-40B4-BE49-F238E27FC236}">
+                <a16:creationId xmlns:a16="http://schemas.microsoft.com/office/drawing/2014/main" id="{7AE3E7A1-BEDB-D97B-216D-E3415BE206FD}"/>
+              </a:ext>
+            </a:extLst>
+          </p:cNvPr>
+          <p:cNvPicPr>
+            <a:picLocks noChangeAspect="1"/>
+          </p:cNvPicPr>
+          <p:nvPr/>
+        </p:nvPicPr>
+        <p:blipFill>
+          <a:blip r:embed="rId5"/>
+          <a:stretch>
+            <a:fillRect/>
+          </a:stretch>
+        </p:blipFill>
+        <p:spPr>
+          <a:xfrm>
+            <a:off x="9017964" y="1892061"/>
+            <a:ext cx="2448000" cy="2448000"/>
+          </a:xfrm>
+          <a:prstGeom prst="rect">
+            <a:avLst/>
+          </a:prstGeom>
+        </p:spPr>
+      </p:pic>
+      <p:sp>
+        <p:nvSpPr>
+          <p:cNvPr id="5" name="CasellaDiTesto 4">
+            <a:extLst>
+              <a:ext uri="{FF2B5EF4-FFF2-40B4-BE49-F238E27FC236}">
+                <a16:creationId xmlns:a16="http://schemas.microsoft.com/office/drawing/2014/main" id="{94653B8F-ADAC-D01C-5C88-2E369E0B3234}"/>
+              </a:ext>
+            </a:extLst>
+          </p:cNvPr>
+          <p:cNvSpPr txBox="1"/>
+          <p:nvPr/>
+        </p:nvSpPr>
+        <p:spPr>
+          <a:xfrm>
+            <a:off x="1595534" y="4811295"/>
+            <a:ext cx="1073021" cy="369332"/>
+          </a:xfrm>
+          <a:prstGeom prst="rect">
+            <a:avLst/>
+          </a:prstGeom>
+          <a:noFill/>
+        </p:spPr>
+        <p:txBody>
+          <a:bodyPr wrap="square" rtlCol="0">
+            <a:spAutoFit/>
+          </a:bodyPr>
+          <a:lstStyle/>
+          <a:p>
+            <a:r>
+              <a:rPr lang="it-IT" dirty="0"/>
+              <a:t>StarUML</a:t>
+            </a:r>
+          </a:p>
+        </p:txBody>
+      </p:sp>
+      <p:sp>
+        <p:nvSpPr>
+          <p:cNvPr id="8" name="CasellaDiTesto 7">
+            <a:extLst>
+              <a:ext uri="{FF2B5EF4-FFF2-40B4-BE49-F238E27FC236}">
+                <a16:creationId xmlns:a16="http://schemas.microsoft.com/office/drawing/2014/main" id="{364845DF-E527-AE8E-132D-4C86AC60FCAB}"/>
+              </a:ext>
+            </a:extLst>
+          </p:cNvPr>
+          <p:cNvSpPr txBox="1"/>
+          <p:nvPr/>
+        </p:nvSpPr>
+        <p:spPr>
+          <a:xfrm>
+            <a:off x="5592178" y="4811295"/>
+            <a:ext cx="1464906" cy="369332"/>
+          </a:xfrm>
+          <a:prstGeom prst="rect">
+            <a:avLst/>
+          </a:prstGeom>
+          <a:noFill/>
+        </p:spPr>
+        <p:txBody>
+          <a:bodyPr wrap="square" rtlCol="0">
+            <a:spAutoFit/>
+          </a:bodyPr>
+          <a:lstStyle/>
+          <a:p>
+            <a:r>
+              <a:rPr lang="it-IT" dirty="0"/>
+              <a:t>Eclipse IDE</a:t>
+            </a:r>
+          </a:p>
+        </p:txBody>
+      </p:sp>
+      <p:sp>
+        <p:nvSpPr>
+          <p:cNvPr id="9" name="CasellaDiTesto 8">
+            <a:extLst>
+              <a:ext uri="{FF2B5EF4-FFF2-40B4-BE49-F238E27FC236}">
+                <a16:creationId xmlns:a16="http://schemas.microsoft.com/office/drawing/2014/main" id="{DAA31704-DD1F-62C0-B9AA-B224EB28798B}"/>
+              </a:ext>
+            </a:extLst>
+          </p:cNvPr>
+          <p:cNvSpPr txBox="1"/>
+          <p:nvPr/>
+        </p:nvSpPr>
+        <p:spPr>
+          <a:xfrm>
+            <a:off x="9187776" y="4811295"/>
+            <a:ext cx="861293" cy="369332"/>
+          </a:xfrm>
+          <a:prstGeom prst="rect">
+            <a:avLst/>
+          </a:prstGeom>
+          <a:noFill/>
+        </p:spPr>
+        <p:txBody>
+          <a:bodyPr wrap="square" rtlCol="0">
+            <a:spAutoFit/>
+          </a:bodyPr>
+          <a:lstStyle/>
+          <a:p>
+            <a:r>
+              <a:rPr lang="it-IT" dirty="0"/>
+              <a:t>GitHub</a:t>
+            </a:r>
           </a:p>
         </p:txBody>
       </p:sp>
     </p:spTree>
     <p:extLst>
       <p:ext uri="{BB962C8B-B14F-4D97-AF65-F5344CB8AC3E}">
-        <p14:creationId xmlns:p14="http://schemas.microsoft.com/office/powerpoint/2010/main" val="1249612630"/>
+        <p14:creationId xmlns:p14="http://schemas.microsoft.com/office/powerpoint/2010/main" val="4188911557"/>
       </p:ext>
     </p:extLst>
   </p:cSld>
@@ -33685,7 +33497,7 @@
 </p:sld>
 </file>
 
-<file path=ppt/slides/slide4.xml><?xml version="1.0" encoding="utf-8"?>
+<file path=ppt/slides/slide5.xml><?xml version="1.0" encoding="utf-8"?>
 <p:sld xmlns:a="http://schemas.openxmlformats.org/drawingml/2006/main" xmlns:r="http://schemas.openxmlformats.org/officeDocument/2006/relationships" xmlns:p="http://schemas.openxmlformats.org/presentationml/2006/main">
   <p:cSld>
     <p:bg>
@@ -33813,7 +33625,7 @@
                 <a:ea typeface="+mj-ea"/>
                 <a:cs typeface="+mj-cs"/>
               </a:rPr>
-              <a:t>Paradigma di Programmazione</a:t>
+              <a:t>Paradigma di Programmazione: Tools</a:t>
             </a:r>
             <a:endParaRPr lang="en-US" sz="5400" b="1" dirty="0"/>
           </a:p>
@@ -34457,38 +34269,6 @@
           </a:p>
         </p:txBody>
       </p:sp>
-      <p:pic>
-        <p:nvPicPr>
-          <p:cNvPr id="3" name="Segnaposto contenuto 2">
-            <a:extLst>
-              <a:ext uri="{FF2B5EF4-FFF2-40B4-BE49-F238E27FC236}">
-                <a16:creationId xmlns:a16="http://schemas.microsoft.com/office/drawing/2014/main" id="{B8057E78-C79B-B48E-DB48-B7F3C18B6C3F}"/>
-              </a:ext>
-            </a:extLst>
-          </p:cNvPr>
-          <p:cNvPicPr>
-            <a:picLocks noGrp="1" noChangeAspect="1"/>
-          </p:cNvPicPr>
-          <p:nvPr>
-            <p:ph idx="1"/>
-          </p:nvPr>
-        </p:nvPicPr>
-        <p:blipFill>
-          <a:blip r:embed="rId3"/>
-          <a:stretch>
-            <a:fillRect/>
-          </a:stretch>
-        </p:blipFill>
-        <p:spPr>
-          <a:xfrm>
-            <a:off x="581899" y="1928061"/>
-            <a:ext cx="3355619" cy="2376000"/>
-          </a:xfrm>
-          <a:prstGeom prst="rect">
-            <a:avLst/>
-          </a:prstGeom>
-        </p:spPr>
-      </p:pic>
       <p:sp>
         <p:nvSpPr>
           <p:cNvPr id="82" name="Segnaposto numero diapositiva 81">
@@ -34507,8 +34287,8 @@
         </p:nvSpPr>
         <p:spPr>
           <a:xfrm>
-            <a:off x="8610600" y="6140374"/>
-            <a:ext cx="2743200" cy="581101"/>
+            <a:off x="11522964" y="6276899"/>
+            <a:ext cx="566057" cy="581101"/>
           </a:xfrm>
         </p:spPr>
         <p:txBody>
@@ -34529,78 +34309,18 @@
                   <a:spcPts val="600"/>
                 </a:spcAft>
               </a:pPr>
-              <a:t>4</a:t>
+              <a:t>5</a:t>
             </a:fld>
             <a:endParaRPr lang="en-US" sz="1800" b="1" dirty="0"/>
           </a:p>
         </p:txBody>
       </p:sp>
-      <p:pic>
-        <p:nvPicPr>
-          <p:cNvPr id="6" name="Immagine 5">
+      <p:sp>
+        <p:nvSpPr>
+          <p:cNvPr id="11" name="CasellaDiTesto 10">
             <a:extLst>
               <a:ext uri="{FF2B5EF4-FFF2-40B4-BE49-F238E27FC236}">
-                <a16:creationId xmlns:a16="http://schemas.microsoft.com/office/drawing/2014/main" id="{DE0CC97B-A6DE-8CA6-E657-2E691E6C3F77}"/>
-              </a:ext>
-            </a:extLst>
-          </p:cNvPr>
-          <p:cNvPicPr>
-            <a:picLocks noChangeAspect="1"/>
-          </p:cNvPicPr>
-          <p:nvPr/>
-        </p:nvPicPr>
-        <p:blipFill>
-          <a:blip r:embed="rId4"/>
-          <a:stretch>
-            <a:fillRect/>
-          </a:stretch>
-        </p:blipFill>
-        <p:spPr>
-          <a:xfrm>
-            <a:off x="5105431" y="1985560"/>
-            <a:ext cx="2438400" cy="2438400"/>
-          </a:xfrm>
-          <a:prstGeom prst="rect">
-            <a:avLst/>
-          </a:prstGeom>
-        </p:spPr>
-      </p:pic>
-      <p:pic>
-        <p:nvPicPr>
-          <p:cNvPr id="7" name="Immagine 6">
-            <a:extLst>
-              <a:ext uri="{FF2B5EF4-FFF2-40B4-BE49-F238E27FC236}">
-                <a16:creationId xmlns:a16="http://schemas.microsoft.com/office/drawing/2014/main" id="{7AE3E7A1-BEDB-D97B-216D-E3415BE206FD}"/>
-              </a:ext>
-            </a:extLst>
-          </p:cNvPr>
-          <p:cNvPicPr>
-            <a:picLocks noChangeAspect="1"/>
-          </p:cNvPicPr>
-          <p:nvPr/>
-        </p:nvPicPr>
-        <p:blipFill>
-          <a:blip r:embed="rId5"/>
-          <a:stretch>
-            <a:fillRect/>
-          </a:stretch>
-        </p:blipFill>
-        <p:spPr>
-          <a:xfrm>
-            <a:off x="9017964" y="1892061"/>
-            <a:ext cx="2448000" cy="2448000"/>
-          </a:xfrm>
-          <a:prstGeom prst="rect">
-            <a:avLst/>
-          </a:prstGeom>
-        </p:spPr>
-      </p:pic>
-      <p:sp>
-        <p:nvSpPr>
-          <p:cNvPr id="5" name="CasellaDiTesto 4">
-            <a:extLst>
-              <a:ext uri="{FF2B5EF4-FFF2-40B4-BE49-F238E27FC236}">
-                <a16:creationId xmlns:a16="http://schemas.microsoft.com/office/drawing/2014/main" id="{94653B8F-ADAC-D01C-5C88-2E369E0B3234}"/>
+                <a16:creationId xmlns:a16="http://schemas.microsoft.com/office/drawing/2014/main" id="{C1C708C4-D7EC-7ED8-A397-AF1F95BF1686}"/>
               </a:ext>
             </a:extLst>
           </p:cNvPr>
@@ -34609,8 +34329,8 @@
         </p:nvSpPr>
         <p:spPr>
           <a:xfrm>
-            <a:off x="1595534" y="4811295"/>
-            <a:ext cx="1073021" cy="369332"/>
+            <a:off x="0" y="1884037"/>
+            <a:ext cx="12188952" cy="5093702"/>
           </a:xfrm>
           <a:prstGeom prst="rect">
             <a:avLst/>
@@ -34623,87 +34343,189 @@
           </a:bodyPr>
           <a:lstStyle/>
           <a:p>
+            <a:pPr marL="285750" indent="-285750">
+              <a:buFont typeface="Arial" panose="020B0604020202020204" pitchFamily="34" charset="0"/>
+              <a:buChar char="•"/>
+            </a:pPr>
             <a:r>
               <a:rPr lang="it-IT" dirty="0"/>
+              <a:t>Utilizzo di </a:t>
+            </a:r>
+            <a:r>
+              <a:rPr lang="it-IT" b="1" dirty="0"/>
+              <a:t>GitHub</a:t>
+            </a:r>
+            <a:r>
+              <a:rPr lang="it-IT" dirty="0"/>
+              <a:t> come strumento prescelto al coordinamento tra i membri del team: le sue caratteristiche di utilizzo consentono di tenere traccia di tutti le modifiche apportate (si sfruttano </a:t>
+            </a:r>
+            <a:r>
+              <a:rPr lang="it-IT" i="1" dirty="0"/>
+              <a:t>issue </a:t>
+            </a:r>
+            <a:r>
+              <a:rPr lang="it-IT" dirty="0"/>
+              <a:t>e </a:t>
+            </a:r>
+            <a:r>
+              <a:rPr lang="it-IT" i="1" dirty="0"/>
+              <a:t>branch </a:t>
+            </a:r>
+            <a:r>
+              <a:rPr lang="it-IT" dirty="0"/>
+              <a:t>per organizzare al meglio il lavoro di squadra).</a:t>
+            </a:r>
+          </a:p>
+          <a:p>
+            <a:pPr marL="285750" indent="-285750">
+              <a:buFont typeface="Arial" panose="020B0604020202020204" pitchFamily="34" charset="0"/>
+              <a:buChar char="•"/>
+            </a:pPr>
+            <a:endParaRPr lang="it-IT" dirty="0"/>
+          </a:p>
+          <a:p>
+            <a:pPr marL="285750" indent="-285750">
+              <a:buFont typeface="Arial" panose="020B0604020202020204" pitchFamily="34" charset="0"/>
+              <a:buChar char="•"/>
+            </a:pPr>
+            <a:r>
+              <a:rPr lang="it-IT" dirty="0"/>
+              <a:t>Utilizzo di Linguaggio </a:t>
+            </a:r>
+            <a:r>
+              <a:rPr lang="it-IT" b="1" dirty="0"/>
+              <a:t>Java</a:t>
+            </a:r>
+            <a:r>
+              <a:rPr lang="it-IT" dirty="0"/>
+              <a:t> (alto livello) per la stesura del codice sorgente attraverso l’uso dell’ambiente di lavoro </a:t>
+            </a:r>
+            <a:r>
+              <a:rPr lang="it-IT" b="1" dirty="0"/>
+              <a:t>Eclipse</a:t>
+            </a:r>
+            <a:r>
+              <a:rPr lang="it-IT" dirty="0"/>
+              <a:t>:</a:t>
+            </a:r>
+          </a:p>
+          <a:p>
+            <a:pPr marL="285750" indent="-285750">
+              <a:buFont typeface="Wingdings" panose="05000000000000000000" pitchFamily="2" charset="2"/>
+              <a:buChar char="q"/>
+            </a:pPr>
+            <a:r>
+              <a:rPr lang="it-IT" i="1" dirty="0"/>
+              <a:t>Windowbuilder</a:t>
+            </a:r>
+            <a:r>
+              <a:rPr lang="it-IT" dirty="0"/>
+              <a:t>, per la costruzione di un’interfaccia grafica che risponda ai requisiti del problema, ma che sia, al tempo stesso, di facile utilizzo e comprensibile agli utenti (principalmente medici).</a:t>
+            </a:r>
+          </a:p>
+          <a:p>
+            <a:pPr marL="285750" indent="-285750">
+              <a:buFont typeface="Wingdings" panose="05000000000000000000" pitchFamily="2" charset="2"/>
+              <a:buChar char="q"/>
+            </a:pPr>
+            <a:r>
+              <a:rPr lang="it-IT" i="1" dirty="0"/>
+              <a:t>JUNIT, </a:t>
+            </a:r>
+            <a:r>
+              <a:rPr lang="it-IT" dirty="0"/>
+              <a:t>framework per lo studio e l’esecuzione dei casi di test.</a:t>
+            </a:r>
+            <a:endParaRPr lang="it-IT" i="1" dirty="0"/>
+          </a:p>
+          <a:p>
+            <a:pPr marL="285750" indent="-285750">
+              <a:buFont typeface="Wingdings" panose="05000000000000000000" pitchFamily="2" charset="2"/>
+              <a:buChar char="q"/>
+            </a:pPr>
+            <a:endParaRPr lang="it-IT" b="1" i="1" dirty="0"/>
+          </a:p>
+          <a:p>
+            <a:pPr marL="285750" indent="-285750">
+              <a:buFont typeface="Arial" panose="020B0604020202020204" pitchFamily="34" charset="0"/>
+              <a:buChar char="•"/>
+            </a:pPr>
+            <a:r>
+              <a:rPr lang="it-IT" dirty="0"/>
+              <a:t>Utilizzo di </a:t>
+            </a:r>
+            <a:r>
+              <a:rPr lang="it-IT" b="1" dirty="0"/>
               <a:t>StarUML</a:t>
             </a:r>
-          </a:p>
-        </p:txBody>
-      </p:sp>
-      <p:sp>
-        <p:nvSpPr>
-          <p:cNvPr id="8" name="CasellaDiTesto 7">
-            <a:extLst>
-              <a:ext uri="{FF2B5EF4-FFF2-40B4-BE49-F238E27FC236}">
-                <a16:creationId xmlns:a16="http://schemas.microsoft.com/office/drawing/2014/main" id="{364845DF-E527-AE8E-132D-4C86AC60FCAB}"/>
-              </a:ext>
-            </a:extLst>
-          </p:cNvPr>
-          <p:cNvSpPr txBox="1"/>
-          <p:nvPr/>
-        </p:nvSpPr>
-        <p:spPr>
-          <a:xfrm>
-            <a:off x="5592178" y="4811295"/>
-            <a:ext cx="1464906" cy="369332"/>
-          </a:xfrm>
-          <a:prstGeom prst="rect">
-            <a:avLst/>
-          </a:prstGeom>
-          <a:noFill/>
-        </p:spPr>
-        <p:txBody>
-          <a:bodyPr wrap="square" rtlCol="0">
-            <a:spAutoFit/>
-          </a:bodyPr>
-          <a:lstStyle/>
-          <a:p>
             <a:r>
               <a:rPr lang="it-IT" dirty="0"/>
-              <a:t>Eclipse IDE</a:t>
-            </a:r>
-          </a:p>
-        </p:txBody>
-      </p:sp>
-      <p:sp>
-        <p:nvSpPr>
-          <p:cNvPr id="9" name="CasellaDiTesto 8">
-            <a:extLst>
-              <a:ext uri="{FF2B5EF4-FFF2-40B4-BE49-F238E27FC236}">
-                <a16:creationId xmlns:a16="http://schemas.microsoft.com/office/drawing/2014/main" id="{DAA31704-DD1F-62C0-B9AA-B224EB28798B}"/>
-              </a:ext>
-            </a:extLst>
-          </p:cNvPr>
-          <p:cNvSpPr txBox="1"/>
-          <p:nvPr/>
-        </p:nvSpPr>
-        <p:spPr>
-          <a:xfrm>
-            <a:off x="9187776" y="4811295"/>
-            <a:ext cx="861293" cy="369332"/>
-          </a:xfrm>
-          <a:prstGeom prst="rect">
-            <a:avLst/>
-          </a:prstGeom>
-          <a:noFill/>
-        </p:spPr>
-        <p:txBody>
-          <a:bodyPr wrap="square" rtlCol="0">
-            <a:spAutoFit/>
-          </a:bodyPr>
-          <a:lstStyle/>
-          <a:p>
+              <a:t> per la creazione dei vari diagrammi (definiti rispetto al sistema generale o semplicemente rispetto ai medici);</a:t>
+            </a:r>
+          </a:p>
+          <a:p>
+            <a:pPr marL="285750" indent="-285750">
+              <a:buFont typeface="Arial" panose="020B0604020202020204" pitchFamily="34" charset="0"/>
+              <a:buChar char="•"/>
+            </a:pPr>
+            <a:endParaRPr lang="it-IT" i="1" dirty="0"/>
+          </a:p>
+          <a:p>
+            <a:pPr marL="285750" indent="-285750">
+              <a:buFont typeface="Arial" panose="020B0604020202020204" pitchFamily="34" charset="0"/>
+              <a:buChar char="•"/>
+            </a:pPr>
+            <a:r>
+              <a:rPr lang="it-IT" b="1" dirty="0" err="1"/>
+              <a:t>Structure</a:t>
+            </a:r>
+            <a:r>
+              <a:rPr lang="it-IT" b="1" dirty="0"/>
+              <a:t> 101</a:t>
+            </a:r>
             <a:r>
               <a:rPr lang="it-IT" dirty="0"/>
-              <a:t>GitHub</a:t>
-            </a:r>
+              <a:t>, tool di analisi della struttura e le dipendenze di un progetto/programma, attraverso il quale si può visualizzare le relazioni tra moduli e classi </a:t>
+            </a:r>
+            <a:r>
+              <a:rPr lang="it-IT" i="1" dirty="0"/>
+              <a:t>(accoppiamento </a:t>
+            </a:r>
+            <a:r>
+              <a:rPr lang="it-IT" dirty="0"/>
+              <a:t>e </a:t>
+            </a:r>
+            <a:r>
+              <a:rPr lang="it-IT" i="1" dirty="0"/>
+              <a:t>coesione</a:t>
+            </a:r>
+            <a:r>
+              <a:rPr lang="it-IT" dirty="0"/>
+              <a:t>)</a:t>
+            </a:r>
+            <a:r>
+              <a:rPr lang="it-IT" i="1" dirty="0"/>
+              <a:t>,</a:t>
+            </a:r>
+            <a:r>
+              <a:rPr lang="it-IT" dirty="0"/>
+              <a:t> nonché la complessità e la struttura ciclica dell’intero sistema. L’utilizzo di questo tool ha permesso di definire relazioni tra le classi del codice, al fine di semplificare la definizione dei diversi metodi interessati. Questo strumento è stato utile agli sviluppatori per comprendere meglio la complessità del codice e per identificare problemi di design o dipendenze indesiderate.</a:t>
+            </a:r>
+            <a:endParaRPr lang="it-IT" b="1" dirty="0"/>
+          </a:p>
+          <a:p>
+            <a:pPr marL="285750" indent="-285750">
+              <a:buFont typeface="Arial" panose="020B0604020202020204" pitchFamily="34" charset="0"/>
+              <a:buChar char="•"/>
+            </a:pPr>
+            <a:endParaRPr lang="it-IT" sz="1900" dirty="0"/>
           </a:p>
         </p:txBody>
       </p:sp>
     </p:spTree>
     <p:extLst>
       <p:ext uri="{BB962C8B-B14F-4D97-AF65-F5344CB8AC3E}">
-        <p14:creationId xmlns:p14="http://schemas.microsoft.com/office/powerpoint/2010/main" val="4188911557"/>
+        <p14:creationId xmlns:p14="http://schemas.microsoft.com/office/powerpoint/2010/main" val="112244765"/>
       </p:ext>
     </p:extLst>
   </p:cSld>
@@ -34713,7 +34535,7 @@
 </p:sld>
 </file>
 
-<file path=ppt/slides/slide5.xml><?xml version="1.0" encoding="utf-8"?>
+<file path=ppt/slides/slide6.xml><?xml version="1.0" encoding="utf-8"?>
 <p:sld xmlns:a="http://schemas.openxmlformats.org/drawingml/2006/main" xmlns:r="http://schemas.openxmlformats.org/officeDocument/2006/relationships" xmlns:p="http://schemas.openxmlformats.org/presentationml/2006/main">
   <p:cSld>
     <p:bg>
@@ -34740,7 +34562,7 @@
       </p:grpSpPr>
       <p:sp useBgFill="1">
         <p:nvSpPr>
-          <p:cNvPr id="98" name="Rectangle 100">
+          <p:cNvPr id="87" name="Rectangle 86">
             <a:extLst>
               <a:ext uri="{FF2B5EF4-FFF2-40B4-BE49-F238E27FC236}">
                 <a16:creationId xmlns:a16="http://schemas.microsoft.com/office/drawing/2014/main" id="{100EDD19-6802-4EC3-95CE-CFFAB042CFD6}"/>
@@ -34821,35 +34643,22 @@
           </a:xfrm>
         </p:spPr>
         <p:txBody>
-          <a:bodyPr vert="horz" lIns="91440" tIns="45720" rIns="91440" bIns="45720" rtlCol="0">
+          <a:bodyPr rtlCol="0">
             <a:normAutofit/>
           </a:bodyPr>
           <a:lstStyle/>
           <a:p>
-            <a:r>
-              <a:rPr kumimoji="0" lang="it-IT" sz="5400" b="1" i="0" u="none" strike="noStrike" kern="1200" cap="none" spc="0" normalizeH="0" baseline="0" noProof="0" dirty="0">
-                <a:ln>
-                  <a:noFill/>
-                </a:ln>
-                <a:solidFill>
-                  <a:prstClr val="black"/>
-                </a:solidFill>
-                <a:effectLst/>
-                <a:uLnTx/>
-                <a:uFillTx/>
-                <a:latin typeface="Calibri Light" panose="020F0302020204030204"/>
-                <a:ea typeface="+mj-ea"/>
-                <a:cs typeface="+mj-cs"/>
-              </a:rPr>
-              <a:t>Paradigma di Programmazione: Tools</a:t>
-            </a:r>
-            <a:endParaRPr lang="en-US" sz="5400" b="1" dirty="0"/>
+            <a:pPr rtl="0"/>
+            <a:r>
+              <a:rPr lang="it-IT" sz="5400" b="1" dirty="0"/>
+              <a:t>Software Configuration Management</a:t>
+            </a:r>
           </a:p>
         </p:txBody>
       </p:sp>
       <p:sp>
         <p:nvSpPr>
-          <p:cNvPr id="100" name="sketch line">
+          <p:cNvPr id="89" name="sketch line">
             <a:extLst>
               <a:ext uri="{FF2B5EF4-FFF2-40B4-BE49-F238E27FC236}">
                 <a16:creationId xmlns:a16="http://schemas.microsoft.com/office/drawing/2014/main" id="{DB17E863-922E-4C26-BD64-E8FD41D28661}"/>
@@ -35487,6 +35296,132 @@
       </p:sp>
       <p:sp>
         <p:nvSpPr>
+          <p:cNvPr id="4" name="Content Placeholder 3">
+            <a:extLst>
+              <a:ext uri="{FF2B5EF4-FFF2-40B4-BE49-F238E27FC236}">
+                <a16:creationId xmlns:a16="http://schemas.microsoft.com/office/drawing/2014/main" id="{747F007E-FE0A-2A87-17AB-DD88FD1E8115}"/>
+              </a:ext>
+            </a:extLst>
+          </p:cNvPr>
+          <p:cNvSpPr>
+            <a:spLocks noGrp="1"/>
+          </p:cNvSpPr>
+          <p:nvPr>
+            <p:ph idx="1"/>
+          </p:nvPr>
+        </p:nvSpPr>
+        <p:spPr>
+          <a:xfrm>
+            <a:off x="838200" y="1810140"/>
+            <a:ext cx="10515600" cy="4682736"/>
+          </a:xfrm>
+        </p:spPr>
+        <p:txBody>
+          <a:bodyPr>
+            <a:normAutofit fontScale="92500" lnSpcReduction="20000"/>
+          </a:bodyPr>
+          <a:lstStyle/>
+          <a:p>
+            <a:pPr marL="0" indent="0">
+              <a:buNone/>
+            </a:pPr>
+            <a:r>
+              <a:rPr lang="it-IT" sz="2000" dirty="0"/>
+              <a:t>Per il software configuration management è stato utilizzato GitHub come programma principale:</a:t>
+            </a:r>
+          </a:p>
+          <a:p>
+            <a:pPr marL="0" indent="0">
+              <a:buNone/>
+            </a:pPr>
+            <a:endParaRPr lang="it-IT" sz="2000" dirty="0"/>
+          </a:p>
+          <a:p>
+            <a:pPr marL="0" indent="0">
+              <a:buNone/>
+            </a:pPr>
+            <a:r>
+              <a:rPr lang="it-IT" sz="2000" b="1" dirty="0"/>
+              <a:t>BRANCH </a:t>
+            </a:r>
+            <a:r>
+              <a:rPr lang="it-IT" sz="2000" dirty="0"/>
+              <a:t>La creazione di branch diversi ottimizza il lavoro di squadra e permette di evitare eventuali  incomprensioni: ogni membro crea uno o più branch per lavorare sulle sue componenti, in modo tale da non confondere gli altri collaboratori, qualora si lavorasse in più persone su uno stesso aspetto (i branch sono, tuttavia, aperti a tutti i membri, per favorire il confronto). Il «ramo principale» Main è il branch di default, dove verrano trasferiti i file e il codice finale per la consegna del progetto.</a:t>
+            </a:r>
+          </a:p>
+          <a:p>
+            <a:pPr marL="0" indent="0">
+              <a:buNone/>
+            </a:pPr>
+            <a:endParaRPr lang="it-IT" sz="2000" b="1" dirty="0"/>
+          </a:p>
+          <a:p>
+            <a:pPr marL="0" indent="0">
+              <a:buNone/>
+            </a:pPr>
+            <a:r>
+              <a:rPr lang="it-IT" sz="2000" b="1" dirty="0"/>
+              <a:t>ISSUE </a:t>
+            </a:r>
+            <a:r>
+              <a:rPr lang="it-IT" sz="2000" dirty="0"/>
+              <a:t>Per valutazione del progetto/project plan, risolvere bug o rispondere a determinati requisiti, sono state attivate issue corrispondenti. Le singole issue vengono affidate ad uno o più i membri del team e devono essere portate a compimento (risolvendo il problema indicato), prima di essere chiuse (indicate come «completate»). Le issue favoriscono la comunicazione tra i membri del team.</a:t>
+            </a:r>
+          </a:p>
+          <a:p>
+            <a:pPr marL="0" indent="0">
+              <a:buNone/>
+            </a:pPr>
+            <a:endParaRPr lang="it-IT" sz="2000" dirty="0"/>
+          </a:p>
+          <a:p>
+            <a:pPr marL="0" indent="0">
+              <a:buNone/>
+            </a:pPr>
+            <a:r>
+              <a:rPr lang="it-IT" sz="2000" b="1" dirty="0"/>
+              <a:t>PULL REQUEST </a:t>
+            </a:r>
+            <a:r>
+              <a:rPr lang="it-IT" sz="2000" dirty="0"/>
+              <a:t>Per</a:t>
+            </a:r>
+            <a:r>
+              <a:rPr lang="it-IT" sz="2000" b="1" dirty="0"/>
+              <a:t> </a:t>
+            </a:r>
+            <a:r>
+              <a:rPr lang="it-IT" sz="2000" dirty="0"/>
+              <a:t>modifiche importanti o azioni di merge («unione di materiale da un branch ad un altro»), sono state attivate apposite pull request, le quali devono essere discusse tra tutti i membri del team e lo SCRUM Master, indicato per l’area di lavoro a cui la request fa riferimento, ha il compito di </a:t>
+            </a:r>
+            <a:r>
+              <a:rPr lang="it-IT" sz="2000"/>
+              <a:t>approvarla e portarla </a:t>
+            </a:r>
+            <a:r>
+              <a:rPr lang="it-IT" sz="2000" dirty="0"/>
+              <a:t>a compimento. Possono essere richieste delle </a:t>
+            </a:r>
+            <a:r>
+              <a:rPr lang="it-IT" sz="2000" i="1" dirty="0"/>
+              <a:t>Review</a:t>
+            </a:r>
+            <a:r>
+              <a:rPr lang="it-IT" sz="2000" dirty="0"/>
+              <a:t>, per consentire ai membri di esaminare e discutere le modifiche proposte, che verranno poi unite nel ramo principale del repository. </a:t>
+            </a:r>
+            <a:endParaRPr lang="it-IT" sz="2200" b="1" dirty="0"/>
+          </a:p>
+          <a:p>
+            <a:pPr marL="0" indent="0">
+              <a:buNone/>
+            </a:pPr>
+            <a:endParaRPr lang="it-IT" sz="2200" b="1" dirty="0"/>
+          </a:p>
+        </p:txBody>
+      </p:sp>
+      <p:sp>
+        <p:nvSpPr>
           <p:cNvPr id="82" name="Segnaposto numero diapositiva 81">
             <a:extLst>
               <a:ext uri="{FF2B5EF4-FFF2-40B4-BE49-F238E27FC236}">
@@ -35503,269 +35438,38 @@
         </p:nvSpPr>
         <p:spPr>
           <a:xfrm>
-            <a:off x="8610600" y="6140374"/>
-            <a:ext cx="2743200" cy="581101"/>
+            <a:off x="8610600" y="6201972"/>
+            <a:ext cx="2743200" cy="473465"/>
           </a:xfrm>
         </p:spPr>
         <p:txBody>
-          <a:bodyPr vert="horz" lIns="91440" tIns="45720" rIns="91440" bIns="45720" rtlCol="0">
+          <a:bodyPr rtlCol="0">
             <a:normAutofit/>
           </a:bodyPr>
           <a:lstStyle/>
           <a:p>
-            <a:pPr>
+            <a:pPr rtl="0">
               <a:spcAft>
                 <a:spcPts val="600"/>
               </a:spcAft>
             </a:pPr>
             <a:fld id="{B5CEABB6-07DC-46E8-9B57-56EC44A396E5}" type="slidenum">
-              <a:rPr lang="en-US" sz="1800" b="1" smtClean="0"/>
-              <a:pPr>
+              <a:rPr lang="it-IT" sz="1800" b="1" smtClean="0"/>
+              <a:pPr rtl="0">
                 <a:spcAft>
                   <a:spcPts val="600"/>
                 </a:spcAft>
               </a:pPr>
-              <a:t>5</a:t>
+              <a:t>6</a:t>
             </a:fld>
-            <a:endParaRPr lang="en-US" sz="1800" b="1" dirty="0"/>
-          </a:p>
-        </p:txBody>
-      </p:sp>
-      <p:sp>
-        <p:nvSpPr>
-          <p:cNvPr id="11" name="CasellaDiTesto 10">
-            <a:extLst>
-              <a:ext uri="{FF2B5EF4-FFF2-40B4-BE49-F238E27FC236}">
-                <a16:creationId xmlns:a16="http://schemas.microsoft.com/office/drawing/2014/main" id="{C1C708C4-D7EC-7ED8-A397-AF1F95BF1686}"/>
-              </a:ext>
-            </a:extLst>
-          </p:cNvPr>
-          <p:cNvSpPr txBox="1"/>
-          <p:nvPr/>
-        </p:nvSpPr>
-        <p:spPr>
-          <a:xfrm>
-            <a:off x="838200" y="1884037"/>
-            <a:ext cx="10684764" cy="5339923"/>
-          </a:xfrm>
-          <a:prstGeom prst="rect">
-            <a:avLst/>
-          </a:prstGeom>
-          <a:noFill/>
-        </p:spPr>
-        <p:txBody>
-          <a:bodyPr wrap="square" rtlCol="0">
-            <a:spAutoFit/>
-          </a:bodyPr>
-          <a:lstStyle/>
-          <a:p>
-            <a:pPr marL="285750" indent="-285750">
-              <a:buFont typeface="Arial" panose="020B0604020202020204" pitchFamily="34" charset="0"/>
-              <a:buChar char="•"/>
-            </a:pPr>
-            <a:r>
-              <a:rPr lang="it-IT" sz="1900" dirty="0"/>
-              <a:t>Utilizzo di </a:t>
-            </a:r>
-            <a:r>
-              <a:rPr lang="it-IT" sz="1900" b="1" dirty="0"/>
-              <a:t>GitHub</a:t>
-            </a:r>
-            <a:r>
-              <a:rPr lang="it-IT" sz="1900" dirty="0"/>
-              <a:t> come strumento prescelto al coordinamento tra i membri del team: le sue caratteristiche di utilizzo consentono di tenere traccia di tutti i componenti e le modifiche apportate (si sfruttano </a:t>
-            </a:r>
-            <a:r>
-              <a:rPr lang="it-IT" sz="1900" i="1" dirty="0"/>
-              <a:t>issue </a:t>
-            </a:r>
-            <a:r>
-              <a:rPr lang="it-IT" sz="1900" dirty="0"/>
-              <a:t>e </a:t>
-            </a:r>
-            <a:r>
-              <a:rPr lang="it-IT" sz="1900" i="1" dirty="0"/>
-              <a:t>branch </a:t>
-            </a:r>
-            <a:r>
-              <a:rPr lang="it-IT" sz="1900" dirty="0"/>
-              <a:t>per organizzare al meglio il lavoro di squadra).</a:t>
-            </a:r>
-          </a:p>
-          <a:p>
-            <a:pPr marL="285750" indent="-285750">
-              <a:buFont typeface="Arial" panose="020B0604020202020204" pitchFamily="34" charset="0"/>
-              <a:buChar char="•"/>
-            </a:pPr>
-            <a:endParaRPr lang="it-IT" sz="1900" dirty="0"/>
-          </a:p>
-          <a:p>
-            <a:pPr marL="285750" indent="-285750">
-              <a:buFont typeface="Arial" panose="020B0604020202020204" pitchFamily="34" charset="0"/>
-              <a:buChar char="•"/>
-            </a:pPr>
-            <a:r>
-              <a:rPr lang="it-IT" sz="1900" dirty="0"/>
-              <a:t>Utilizzo di Linguaggio </a:t>
-            </a:r>
-            <a:r>
-              <a:rPr lang="it-IT" sz="1900" b="1" dirty="0"/>
-              <a:t>Java</a:t>
-            </a:r>
-            <a:r>
-              <a:rPr lang="it-IT" sz="1900" dirty="0"/>
-              <a:t> (alto livello) per la stesura del codice sorgente attraverso l’uso dell’ambiente di lavoro </a:t>
-            </a:r>
-            <a:r>
-              <a:rPr lang="it-IT" sz="1900" b="1" dirty="0"/>
-              <a:t>Eclipse</a:t>
-            </a:r>
-            <a:r>
-              <a:rPr lang="it-IT" sz="1900" dirty="0"/>
-              <a:t>:</a:t>
-            </a:r>
-          </a:p>
-          <a:p>
-            <a:pPr marL="285750" indent="-285750">
-              <a:buFont typeface="Wingdings" panose="05000000000000000000" pitchFamily="2" charset="2"/>
-              <a:buChar char="q"/>
-            </a:pPr>
-            <a:r>
-              <a:rPr lang="it-IT" sz="1900" i="1" dirty="0"/>
-              <a:t>Windowbuilder</a:t>
-            </a:r>
-            <a:r>
-              <a:rPr lang="it-IT" sz="1900" dirty="0"/>
-              <a:t>, per la costruzione di un’interfaccia grafica che risponda ai requisiti del problema, ma che sia, al tempo stesso, di facile utilizzo e comprensibile agli utenti (principalmente medici).</a:t>
-            </a:r>
-          </a:p>
-          <a:p>
-            <a:pPr marL="285750" indent="-285750">
-              <a:buFont typeface="Wingdings" panose="05000000000000000000" pitchFamily="2" charset="2"/>
-              <a:buChar char="q"/>
-            </a:pPr>
-            <a:r>
-              <a:rPr lang="it-IT" sz="1900" i="1" dirty="0"/>
-              <a:t>JUNIT, </a:t>
-            </a:r>
-            <a:r>
-              <a:rPr lang="it-IT" sz="1900" dirty="0"/>
-              <a:t>framework per lo studio e l’esecuzione dei casi di test.</a:t>
-            </a:r>
-            <a:endParaRPr lang="it-IT" sz="1900" i="1" dirty="0"/>
-          </a:p>
-          <a:p>
-            <a:pPr marL="285750" indent="-285750">
-              <a:buFont typeface="Wingdings" panose="05000000000000000000" pitchFamily="2" charset="2"/>
-              <a:buChar char="q"/>
-            </a:pPr>
-            <a:endParaRPr lang="it-IT" sz="1900" b="1" i="1" dirty="0"/>
-          </a:p>
-          <a:p>
-            <a:pPr marL="285750" indent="-285750">
-              <a:buFont typeface="Arial" panose="020B0604020202020204" pitchFamily="34" charset="0"/>
-              <a:buChar char="•"/>
-            </a:pPr>
-            <a:r>
-              <a:rPr lang="it-IT" sz="1900" dirty="0"/>
-              <a:t>Utilizzo di </a:t>
-            </a:r>
-            <a:r>
-              <a:rPr lang="it-IT" sz="1900" b="1" dirty="0"/>
-              <a:t>StarUML</a:t>
-            </a:r>
-            <a:r>
-              <a:rPr lang="it-IT" sz="1900" dirty="0"/>
-              <a:t> per la creazione dei vari diagrammi (definiti rispetto al sistema generale o semplicemente rispetto ai medici):</a:t>
-            </a:r>
-          </a:p>
-          <a:p>
-            <a:pPr marL="285750" indent="-285750">
-              <a:buFont typeface="Wingdings" panose="05000000000000000000" pitchFamily="2" charset="2"/>
-              <a:buChar char="q"/>
-            </a:pPr>
-            <a:r>
-              <a:rPr lang="it-IT" sz="1900" i="1" dirty="0"/>
-              <a:t>Use-Case Diagram</a:t>
-            </a:r>
-            <a:r>
-              <a:rPr lang="it-IT" sz="1900" dirty="0"/>
-              <a:t>, definizione di attori e casi d’uso del problema;</a:t>
-            </a:r>
-            <a:endParaRPr lang="it-IT" sz="1900" i="1" dirty="0"/>
-          </a:p>
-          <a:p>
-            <a:pPr marL="285750" indent="-285750">
-              <a:buFont typeface="Wingdings" panose="05000000000000000000" pitchFamily="2" charset="2"/>
-              <a:buChar char="q"/>
-            </a:pPr>
-            <a:r>
-              <a:rPr lang="it-IT" sz="1900" i="1" dirty="0"/>
-              <a:t>Class Diagram</a:t>
-            </a:r>
-            <a:r>
-              <a:rPr lang="it-IT" sz="1900" dirty="0"/>
-              <a:t>, definizione delle classi del sistema, con annessi attributi, operazioni e associazioni;</a:t>
-            </a:r>
-            <a:endParaRPr lang="it-IT" sz="1900" i="1" dirty="0"/>
-          </a:p>
-          <a:p>
-            <a:pPr marL="285750" indent="-285750">
-              <a:buFont typeface="Wingdings" panose="05000000000000000000" pitchFamily="2" charset="2"/>
-              <a:buChar char="q"/>
-            </a:pPr>
-            <a:r>
-              <a:rPr lang="it-IT" sz="1900" i="1" dirty="0"/>
-              <a:t>State-Chart Diagram, </a:t>
-            </a:r>
-            <a:r>
-              <a:rPr lang="it-IT" sz="1900" dirty="0"/>
-              <a:t>visualizzazione dello stato del sistema durante il suo utilizzo;</a:t>
-            </a:r>
-          </a:p>
-          <a:p>
-            <a:pPr marL="285750" indent="-285750">
-              <a:buFont typeface="Wingdings" panose="05000000000000000000" pitchFamily="2" charset="2"/>
-              <a:buChar char="q"/>
-            </a:pPr>
-            <a:r>
-              <a:rPr lang="it-IT" sz="1900" i="1" dirty="0"/>
-              <a:t>Sequence Diagram</a:t>
-            </a:r>
-            <a:r>
-              <a:rPr lang="it-IT" sz="1900" dirty="0"/>
-              <a:t>, definizione delle sequenze di azioni effettuate durante l’utilizzo del sistema;</a:t>
-            </a:r>
-            <a:endParaRPr lang="it-IT" sz="1900" i="1" dirty="0"/>
-          </a:p>
-          <a:p>
-            <a:pPr marL="285750" indent="-285750">
-              <a:buFont typeface="Wingdings" panose="05000000000000000000" pitchFamily="2" charset="2"/>
-              <a:buChar char="q"/>
-            </a:pPr>
-            <a:r>
-              <a:rPr lang="it-IT" sz="1900" i="1" dirty="0"/>
-              <a:t>Activity Diagram,</a:t>
-            </a:r>
-            <a:r>
-              <a:rPr lang="it-IT" sz="1900" dirty="0"/>
-              <a:t> definizione delle varie attività svolte da uno o più soggetti;</a:t>
-            </a:r>
-            <a:endParaRPr lang="it-IT" sz="1900" i="1" dirty="0"/>
-          </a:p>
-          <a:p>
-            <a:pPr marL="285750" indent="-285750">
-              <a:buFont typeface="Wingdings" panose="05000000000000000000" pitchFamily="2" charset="2"/>
-              <a:buChar char="q"/>
-            </a:pPr>
-            <a:endParaRPr lang="it-IT" i="1" dirty="0"/>
+            <a:endParaRPr lang="it-IT" sz="1800" b="1" dirty="0"/>
           </a:p>
         </p:txBody>
       </p:sp>
     </p:spTree>
     <p:extLst>
       <p:ext uri="{BB962C8B-B14F-4D97-AF65-F5344CB8AC3E}">
-        <p14:creationId xmlns:p14="http://schemas.microsoft.com/office/powerpoint/2010/main" val="112244765"/>
+        <p14:creationId xmlns:p14="http://schemas.microsoft.com/office/powerpoint/2010/main" val="3996999348"/>
       </p:ext>
     </p:extLst>
   </p:cSld>
@@ -35775,7 +35479,7 @@
 </p:sld>
 </file>
 
-<file path=ppt/slides/slide6.xml><?xml version="1.0" encoding="utf-8"?>
+<file path=ppt/slides/slide7.xml><?xml version="1.0" encoding="utf-8"?>
 <p:sld xmlns:a="http://schemas.openxmlformats.org/drawingml/2006/main" xmlns:r="http://schemas.openxmlformats.org/officeDocument/2006/relationships" xmlns:p="http://schemas.openxmlformats.org/presentationml/2006/main">
   <p:cSld>
     <p:bg>
@@ -35788,13 +35492,7 @@
     </p:bg>
     <p:spTree>
       <p:nvGrpSpPr>
-        <p:cNvPr id="1" name="">
-          <a:extLst>
-            <a:ext uri="{FF2B5EF4-FFF2-40B4-BE49-F238E27FC236}">
-              <a16:creationId xmlns:a16="http://schemas.microsoft.com/office/drawing/2014/main" id="{BF8BBA2B-BE91-C2EE-1FE0-C361162FF36D}"/>
-            </a:ext>
-          </a:extLst>
-        </p:cNvPr>
+        <p:cNvPr id="1" name=""/>
         <p:cNvGrpSpPr/>
         <p:nvPr/>
       </p:nvGrpSpPr>
@@ -35808,10 +35506,10 @@
       </p:grpSpPr>
       <p:sp useBgFill="1">
         <p:nvSpPr>
-          <p:cNvPr id="98" name="Rectangle 100">
+          <p:cNvPr id="113" name="Rectangle 112">
             <a:extLst>
               <a:ext uri="{FF2B5EF4-FFF2-40B4-BE49-F238E27FC236}">
-                <a16:creationId xmlns:a16="http://schemas.microsoft.com/office/drawing/2014/main" id="{A923AE64-B99D-0BAC-49DF-519E23056EAE}"/>
+                <a16:creationId xmlns:a16="http://schemas.microsoft.com/office/drawing/2014/main" id="{100EDD19-6802-4EC3-95CE-CFFAB042CFD6}"/>
               </a:ext>
               <a:ext uri="{C183D7F6-B498-43B3-948B-1728B52AA6E4}">
                 <adec:decorative xmlns:adec="http://schemas.microsoft.com/office/drawing/2017/decorative" val="1"/>
@@ -35871,7 +35569,7 @@
           <p:cNvPr id="2" name="Titolo 1">
             <a:extLst>
               <a:ext uri="{FF2B5EF4-FFF2-40B4-BE49-F238E27FC236}">
-                <a16:creationId xmlns:a16="http://schemas.microsoft.com/office/drawing/2014/main" id="{5C0732DC-408E-D606-584F-25FC553B9A11}"/>
+                <a16:creationId xmlns:a16="http://schemas.microsoft.com/office/drawing/2014/main" id="{75031FE9-9059-4FE8-B4AC-9771F23A1B89}"/>
               </a:ext>
             </a:extLst>
           </p:cNvPr>
@@ -35895,32 +35593,34 @@
           <a:lstStyle/>
           <a:p>
             <a:r>
-              <a:rPr kumimoji="0" lang="it-IT" sz="5400" b="1" i="0" u="none" strike="noStrike" kern="1200" cap="none" spc="0" normalizeH="0" baseline="0" noProof="0" dirty="0">
-                <a:ln>
-                  <a:noFill/>
-                </a:ln>
-                <a:solidFill>
-                  <a:prstClr val="black"/>
-                </a:solidFill>
-                <a:effectLst/>
-                <a:uLnTx/>
-                <a:uFillTx/>
-                <a:latin typeface="Calibri Light" panose="020F0302020204030204"/>
+              <a:rPr lang="en-US" sz="5400" b="1" kern="1200" dirty="0">
+                <a:latin typeface="+mj-lt"/>
                 <a:ea typeface="+mj-ea"/>
                 <a:cs typeface="+mj-cs"/>
               </a:rPr>
-              <a:t>Paradigma di Programmazione: Tools</a:t>
-            </a:r>
-            <a:endParaRPr lang="en-US" sz="5400" b="1" dirty="0"/>
+              <a:t>Software Life </a:t>
+            </a:r>
+            <a:r>
+              <a:rPr lang="en-US" sz="5400" b="1" dirty="0"/>
+              <a:t>C</a:t>
+            </a:r>
+            <a:r>
+              <a:rPr lang="en-US" sz="5400" b="1" kern="1200" dirty="0">
+                <a:latin typeface="+mj-lt"/>
+                <a:ea typeface="+mj-ea"/>
+                <a:cs typeface="+mj-cs"/>
+              </a:rPr>
+              <a:t>ycle</a:t>
+            </a:r>
           </a:p>
         </p:txBody>
       </p:sp>
       <p:sp>
         <p:nvSpPr>
-          <p:cNvPr id="100" name="sketch line">
+          <p:cNvPr id="115" name="sketch line">
             <a:extLst>
               <a:ext uri="{FF2B5EF4-FFF2-40B4-BE49-F238E27FC236}">
-                <a16:creationId xmlns:a16="http://schemas.microsoft.com/office/drawing/2014/main" id="{E142B649-A08B-3709-5F51-868064DCC2A1}"/>
+                <a16:creationId xmlns:a16="http://schemas.microsoft.com/office/drawing/2014/main" id="{DB17E863-922E-4C26-BD64-E8FD41D28661}"/>
               </a:ext>
               <a:ext uri="{C183D7F6-B498-43B3-948B-1728B52AA6E4}">
                 <adec:decorative xmlns:adec="http://schemas.microsoft.com/office/drawing/2017/decorative" val="1"/>
@@ -36558,7 +36258,7 @@
           <p:cNvPr id="82" name="Segnaposto numero diapositiva 81">
             <a:extLst>
               <a:ext uri="{FF2B5EF4-FFF2-40B4-BE49-F238E27FC236}">
-                <a16:creationId xmlns:a16="http://schemas.microsoft.com/office/drawing/2014/main" id="{98F240AB-B85A-819A-7032-59F09154561A}"/>
+                <a16:creationId xmlns:a16="http://schemas.microsoft.com/office/drawing/2014/main" id="{CE36A058-BEC2-4BC5-A467-F2EB2A365051}"/>
               </a:ext>
             </a:extLst>
           </p:cNvPr>
@@ -36571,8 +36271,8 @@
         </p:nvSpPr>
         <p:spPr>
           <a:xfrm>
-            <a:off x="8610600" y="6140374"/>
-            <a:ext cx="2743200" cy="581101"/>
+            <a:off x="8610600" y="6248400"/>
+            <a:ext cx="2743200" cy="473075"/>
           </a:xfrm>
         </p:spPr>
         <p:txBody>
@@ -36587,24 +36287,55 @@
               </a:spcAft>
             </a:pPr>
             <a:fld id="{B5CEABB6-07DC-46E8-9B57-56EC44A396E5}" type="slidenum">
-              <a:rPr lang="en-US" sz="1800" b="1" smtClean="0"/>
+              <a:rPr lang="en-US" sz="1800" b="1"/>
               <a:pPr>
                 <a:spcAft>
                   <a:spcPts val="600"/>
                 </a:spcAft>
               </a:pPr>
-              <a:t>6</a:t>
+              <a:t>7</a:t>
             </a:fld>
             <a:endParaRPr lang="en-US" sz="1800" b="1" dirty="0"/>
           </a:p>
         </p:txBody>
       </p:sp>
+      <p:pic>
+        <p:nvPicPr>
+          <p:cNvPr id="3" name="Segnaposto contenuto 2">
+            <a:extLst>
+              <a:ext uri="{FF2B5EF4-FFF2-40B4-BE49-F238E27FC236}">
+                <a16:creationId xmlns:a16="http://schemas.microsoft.com/office/drawing/2014/main" id="{00439959-3544-4100-55BB-F64ED0400005}"/>
+              </a:ext>
+            </a:extLst>
+          </p:cNvPr>
+          <p:cNvPicPr>
+            <a:picLocks noGrp="1" noChangeAspect="1"/>
+          </p:cNvPicPr>
+          <p:nvPr>
+            <p:ph idx="1"/>
+          </p:nvPr>
+        </p:nvPicPr>
+        <p:blipFill rotWithShape="1">
+          <a:blip r:embed="rId3"/>
+          <a:srcRect t="-1" b="18914"/>
+          <a:stretch/>
+        </p:blipFill>
+        <p:spPr>
+          <a:xfrm>
+            <a:off x="1436909" y="1851427"/>
+            <a:ext cx="8895673" cy="4392000"/>
+          </a:xfrm>
+          <a:prstGeom prst="rect">
+            <a:avLst/>
+          </a:prstGeom>
+        </p:spPr>
+      </p:pic>
       <p:sp>
         <p:nvSpPr>
-          <p:cNvPr id="11" name="CasellaDiTesto 10">
+          <p:cNvPr id="4" name="CasellaDiTesto 3">
             <a:extLst>
               <a:ext uri="{FF2B5EF4-FFF2-40B4-BE49-F238E27FC236}">
-                <a16:creationId xmlns:a16="http://schemas.microsoft.com/office/drawing/2014/main" id="{AAAC9B74-463D-3112-DFEE-C3D0560A5363}"/>
+                <a16:creationId xmlns:a16="http://schemas.microsoft.com/office/drawing/2014/main" id="{B88BF4B9-E07C-741C-1A38-C0055344970A}"/>
               </a:ext>
             </a:extLst>
           </p:cNvPr>
@@ -36613,8 +36344,8 @@
         </p:nvSpPr>
         <p:spPr>
           <a:xfrm>
-            <a:off x="669036" y="1871147"/>
-            <a:ext cx="10684764" cy="2585323"/>
+            <a:off x="1343609" y="2472612"/>
+            <a:ext cx="3498980" cy="369332"/>
           </a:xfrm>
           <a:prstGeom prst="rect">
             <a:avLst/>
@@ -36622,54 +36353,31 @@
           <a:noFill/>
         </p:spPr>
         <p:txBody>
-          <a:bodyPr wrap="square" rtlCol="0">
+          <a:bodyPr wrap="square" rtlCol="0" anchor="ctr">
             <a:spAutoFit/>
           </a:bodyPr>
           <a:lstStyle/>
           <a:p>
-            <a:pPr marL="285750" indent="-285750">
-              <a:buFont typeface="Arial" panose="020B0604020202020204" pitchFamily="34" charset="0"/>
-              <a:buChar char="•"/>
-            </a:pPr>
-            <a:r>
-              <a:rPr lang="it-IT" b="1" dirty="0" err="1"/>
-              <a:t>Structure</a:t>
-            </a:r>
-            <a:r>
-              <a:rPr lang="it-IT" b="1" dirty="0"/>
-              <a:t> 101</a:t>
-            </a:r>
-            <a:r>
-              <a:rPr lang="it-IT" dirty="0"/>
-              <a:t>, tool di analisi della struttura e le dipendenze di un progetto/programma, attraverso il quale si può visualizzare le relazioni tra moduli e classi, la complessità e la struttura ciclica dell’intero sistema. L’utilizzo di questo tool ha permesso di definire relazioni tra le classi del codice, al fine di semplificare la definizione dei diversi metodi interessati. Questo strumento è stato utile agli sviluppatori per comprendere meglio la complessità del codice e per identificare problemi di design o dipendenze indesiderate</a:t>
-            </a:r>
-            <a:r>
-              <a:rPr lang="it-IT" b="1" dirty="0"/>
-              <a:t>.</a:t>
-            </a:r>
-          </a:p>
-          <a:p>
-            <a:endParaRPr lang="it-IT" b="1" dirty="0"/>
-          </a:p>
-          <a:p>
-            <a:endParaRPr lang="it-IT" b="1" dirty="0"/>
-          </a:p>
-          <a:p>
-            <a:endParaRPr lang="it-IT" b="1" dirty="0"/>
-          </a:p>
-          <a:p>
-            <a:pPr marL="285750" indent="-285750">
-              <a:buFont typeface="Wingdings" panose="05000000000000000000" pitchFamily="2" charset="2"/>
-              <a:buChar char="Ø"/>
-            </a:pPr>
-            <a:endParaRPr lang="it-IT" i="1" dirty="0"/>
+            <a:pPr algn="ctr"/>
+            <a:r>
+              <a:rPr lang="it-IT" dirty="0">
+                <a:effectLst>
+                  <a:outerShdw blurRad="38100" dist="38100" dir="2700000" algn="tl">
+                    <a:srgbClr val="000000">
+                      <a:alpha val="43137"/>
+                    </a:srgbClr>
+                  </a:outerShdw>
+                </a:effectLst>
+              </a:rPr>
+              <a:t>METODO AGILE: SCRUM LIFE CYCLE</a:t>
+            </a:r>
           </a:p>
         </p:txBody>
       </p:sp>
     </p:spTree>
     <p:extLst>
       <p:ext uri="{BB962C8B-B14F-4D97-AF65-F5344CB8AC3E}">
-        <p14:creationId xmlns:p14="http://schemas.microsoft.com/office/powerpoint/2010/main" val="243116288"/>
+        <p14:creationId xmlns:p14="http://schemas.microsoft.com/office/powerpoint/2010/main" val="930824607"/>
       </p:ext>
     </p:extLst>
   </p:cSld>
@@ -36679,7 +36387,7 @@
 </p:sld>
 </file>
 
-<file path=ppt/slides/slide7.xml><?xml version="1.0" encoding="utf-8"?>
+<file path=ppt/slides/slide8.xml><?xml version="1.0" encoding="utf-8"?>
 <p:sld xmlns:a="http://schemas.openxmlformats.org/drawingml/2006/main" xmlns:r="http://schemas.openxmlformats.org/officeDocument/2006/relationships" xmlns:p="http://schemas.openxmlformats.org/presentationml/2006/main">
   <p:cSld>
     <p:bg>
@@ -36706,7 +36414,7 @@
       </p:grpSpPr>
       <p:sp useBgFill="1">
         <p:nvSpPr>
-          <p:cNvPr id="87" name="Rectangle 86">
+          <p:cNvPr id="113" name="Rectangle 112">
             <a:extLst>
               <a:ext uri="{FF2B5EF4-FFF2-40B4-BE49-F238E27FC236}">
                 <a16:creationId xmlns:a16="http://schemas.microsoft.com/office/drawing/2014/main" id="{100EDD19-6802-4EC3-95CE-CFFAB042CFD6}"/>
@@ -36787,22 +36495,37 @@
           </a:xfrm>
         </p:spPr>
         <p:txBody>
-          <a:bodyPr rtlCol="0">
+          <a:bodyPr vert="horz" lIns="91440" tIns="45720" rIns="91440" bIns="45720" rtlCol="0">
             <a:normAutofit/>
           </a:bodyPr>
           <a:lstStyle/>
           <a:p>
-            <a:pPr rtl="0"/>
-            <a:r>
-              <a:rPr lang="it-IT" sz="5400" b="1" dirty="0"/>
-              <a:t>Software Configuration Management</a:t>
+            <a:r>
+              <a:rPr lang="en-US" sz="5400" b="1" kern="1200" dirty="0">
+                <a:latin typeface="+mj-lt"/>
+                <a:ea typeface="+mj-ea"/>
+                <a:cs typeface="+mj-cs"/>
+              </a:rPr>
+              <a:t>Software Life </a:t>
+            </a:r>
+            <a:r>
+              <a:rPr lang="en-US" sz="5400" b="1" dirty="0"/>
+              <a:t>C</a:t>
+            </a:r>
+            <a:r>
+              <a:rPr lang="en-US" sz="5400" b="1" kern="1200" dirty="0">
+                <a:latin typeface="+mj-lt"/>
+                <a:ea typeface="+mj-ea"/>
+                <a:cs typeface="+mj-cs"/>
+              </a:rPr>
+              <a:t>ycle</a:t>
             </a:r>
           </a:p>
         </p:txBody>
       </p:sp>
       <p:sp>
         <p:nvSpPr>
-          <p:cNvPr id="89" name="sketch line">
+          <p:cNvPr id="115" name="sketch line">
             <a:extLst>
               <a:ext uri="{FF2B5EF4-FFF2-40B4-BE49-F238E27FC236}">
                 <a16:creationId xmlns:a16="http://schemas.microsoft.com/office/drawing/2014/main" id="{DB17E863-922E-4C26-BD64-E8FD41D28661}"/>
@@ -37440,10 +37163,56 @@
       </p:sp>
       <p:sp>
         <p:nvSpPr>
-          <p:cNvPr id="4" name="Content Placeholder 3">
+          <p:cNvPr id="82" name="Segnaposto numero diapositiva 81">
             <a:extLst>
               <a:ext uri="{FF2B5EF4-FFF2-40B4-BE49-F238E27FC236}">
-                <a16:creationId xmlns:a16="http://schemas.microsoft.com/office/drawing/2014/main" id="{747F007E-FE0A-2A87-17AB-DD88FD1E8115}"/>
+                <a16:creationId xmlns:a16="http://schemas.microsoft.com/office/drawing/2014/main" id="{CE36A058-BEC2-4BC5-A467-F2EB2A365051}"/>
+              </a:ext>
+            </a:extLst>
+          </p:cNvPr>
+          <p:cNvSpPr>
+            <a:spLocks noGrp="1"/>
+          </p:cNvSpPr>
+          <p:nvPr>
+            <p:ph type="sldNum" sz="quarter" idx="12"/>
+          </p:nvPr>
+        </p:nvSpPr>
+        <p:spPr>
+          <a:xfrm>
+            <a:off x="11597950" y="6531428"/>
+            <a:ext cx="513183" cy="326571"/>
+          </a:xfrm>
+        </p:spPr>
+        <p:txBody>
+          <a:bodyPr vert="horz" lIns="91440" tIns="45720" rIns="91440" bIns="45720" rtlCol="0">
+            <a:normAutofit fontScale="92500" lnSpcReduction="10000"/>
+          </a:bodyPr>
+          <a:lstStyle/>
+          <a:p>
+            <a:pPr>
+              <a:spcAft>
+                <a:spcPts val="600"/>
+              </a:spcAft>
+            </a:pPr>
+            <a:fld id="{B5CEABB6-07DC-46E8-9B57-56EC44A396E5}" type="slidenum">
+              <a:rPr lang="en-US" sz="1800" b="1"/>
+              <a:pPr>
+                <a:spcAft>
+                  <a:spcPts val="600"/>
+                </a:spcAft>
+              </a:pPr>
+              <a:t>8</a:t>
+            </a:fld>
+            <a:endParaRPr lang="en-US" sz="1800" b="1" dirty="0"/>
+          </a:p>
+        </p:txBody>
+      </p:sp>
+      <p:sp>
+        <p:nvSpPr>
+          <p:cNvPr id="5" name="Segnaposto contenuto 4">
+            <a:extLst>
+              <a:ext uri="{FF2B5EF4-FFF2-40B4-BE49-F238E27FC236}">
+                <a16:creationId xmlns:a16="http://schemas.microsoft.com/office/drawing/2014/main" id="{4C2922B9-05A6-2851-4268-32FCA9934BC2}"/>
               </a:ext>
             </a:extLst>
           </p:cNvPr>
@@ -37456,13 +37225,13 @@
         </p:nvSpPr>
         <p:spPr>
           <a:xfrm>
-            <a:off x="838200" y="1810140"/>
-            <a:ext cx="10515600" cy="4682736"/>
+            <a:off x="669035" y="1708976"/>
+            <a:ext cx="11442099" cy="5149024"/>
           </a:xfrm>
         </p:spPr>
         <p:txBody>
           <a:bodyPr>
-            <a:normAutofit fontScale="92500" lnSpcReduction="20000"/>
+            <a:noAutofit/>
           </a:bodyPr>
           <a:lstStyle/>
           <a:p>
@@ -37470,150 +37239,104 @@
               <a:buNone/>
             </a:pPr>
             <a:r>
-              <a:rPr lang="it-IT" sz="2000" dirty="0"/>
-              <a:t>Per il software configuration management è stato utilizzato GitHub come programma principale:</a:t>
+              <a:rPr lang="it-IT" sz="1800" dirty="0"/>
+              <a:t>Il ruolo di </a:t>
+            </a:r>
+            <a:r>
+              <a:rPr lang="it-IT" sz="1800" b="1" dirty="0"/>
+              <a:t>Scrum Master </a:t>
+            </a:r>
+            <a:r>
+              <a:rPr lang="it-IT" sz="1800" dirty="0"/>
+              <a:t>non appartiene ad un singolo membro del gruppo, ma viene condiviso tra tutti i collaboratori: in base alla sezione/parte del progetto su cui si sta lavorando, è stato scelto un membro come scrum master </a:t>
+            </a:r>
+            <a:r>
+              <a:rPr lang="it-IT" sz="1800" b="1" dirty="0"/>
+              <a:t>temporaneo</a:t>
+            </a:r>
+            <a:r>
+              <a:rPr lang="it-IT" sz="1800" dirty="0"/>
+              <a:t>; se gli altri membri vogliono apportare una modifica in quella parte del progetto, dovranno fare riferimento a lui, per capire se tale modifica è necessaria o meno (lo scrum master ha sempre l’ultima parola). Sebbene il ruolo di scrum master venga designato anticipatamente, i tre collaboratori devono sempre confrontarsi per le nuove modifiche e dare tutti il proprio consenso: sarà compito dello scrum master verificare se tali cambiamenti mantengono la qualità del software alta. Inoltre, lo scrum master deve mantenere alta la motivazione/concentrazione del gruppo, per portare a compimento le singole parti ed eliminare ostacoli che rallentano il lavoro.</a:t>
             </a:r>
           </a:p>
           <a:p>
             <a:pPr marL="0" indent="0">
               <a:buNone/>
             </a:pPr>
-            <a:endParaRPr lang="it-IT" sz="2000" dirty="0"/>
+            <a:endParaRPr lang="it-IT" sz="1800" dirty="0"/>
           </a:p>
           <a:p>
             <a:pPr marL="0" indent="0">
               <a:buNone/>
             </a:pPr>
             <a:r>
-              <a:rPr lang="it-IT" sz="2000" b="1" dirty="0"/>
-              <a:t>BRANCH </a:t>
-            </a:r>
-            <a:r>
-              <a:rPr lang="it-IT" sz="2000" dirty="0"/>
-              <a:t>La creazione di branch diversi ottimizza il lavoro di squadra e permette di evitare eventuali  incomprensioni: ogni membro crea uno o più branch per lavorare sulle sue componenti, in modo tale da non confondere gli altri collaboratori, qualora si lavorasse in più persone su uno stesso aspetto (i branch sono, tuttavia, aperti a tutti i membri, per favorire il confronto). Il «ramo principale» Main è il branch di default, dove verrano trasferiti i file e il codice finale per la consegna del progetto.</a:t>
+              <a:rPr lang="it-IT" sz="1800" dirty="0"/>
+              <a:t>Ogni settimana i membri si incontrano per effettuare un </a:t>
+            </a:r>
+            <a:r>
+              <a:rPr lang="it-IT" sz="1800" b="1" dirty="0"/>
+              <a:t>weekly scrum</a:t>
+            </a:r>
+            <a:r>
+              <a:rPr lang="it-IT" sz="1800" dirty="0"/>
+              <a:t>: viene eseguito un resoconto sull’andamento del progetto nella settimana passata, vengono corretti errori e si cerca di trovare una soluzione comune a problemi di comprensione/dubbi di uno o più membri. Ogni </a:t>
+            </a:r>
+            <a:r>
+              <a:rPr lang="it-IT" sz="1800" b="1" dirty="0"/>
+              <a:t>sprint </a:t>
+            </a:r>
+            <a:r>
+              <a:rPr lang="it-IT" sz="1800" dirty="0"/>
+              <a:t>ha la</a:t>
+            </a:r>
+            <a:r>
+              <a:rPr lang="it-IT" sz="1800" b="1" dirty="0"/>
+              <a:t> </a:t>
+            </a:r>
+            <a:r>
+              <a:rPr lang="it-IT" sz="1800" dirty="0"/>
+              <a:t>durata di una settimana, entro la quale viene effettuato il weekly scrum; prima di procedere con lo sprint vero e proprio, è necessario stilare una lista di desideri/richieste, i quali devono essere portati a compimento entro la settimana corrente (</a:t>
+            </a:r>
+            <a:r>
+              <a:rPr lang="it-IT" sz="1800" b="1" dirty="0"/>
+              <a:t>sprint backlog</a:t>
+            </a:r>
+            <a:r>
+              <a:rPr lang="it-IT" sz="1800" dirty="0"/>
+              <a:t>). Il </a:t>
+            </a:r>
+            <a:r>
+              <a:rPr lang="it-IT" sz="1800" b="1" dirty="0"/>
+              <a:t>product owner</a:t>
+            </a:r>
+            <a:r>
+              <a:rPr lang="it-IT" sz="1800" dirty="0"/>
+              <a:t>, oltre a fare da tramite tra il gruppo di lavoro e i «clienti» (ospedale), deve definire una lista di priorità (</a:t>
+            </a:r>
+            <a:r>
+              <a:rPr lang="it-IT" sz="1800" b="1" dirty="0"/>
+              <a:t>product backlog</a:t>
+            </a:r>
+            <a:r>
+              <a:rPr lang="it-IT" sz="1800" dirty="0"/>
+              <a:t>): da essa si ricavano le voci degli sprint backlog; quindi, l’obiettivo è andare a concludere tutti i punti presenti nell’elenco attraverso la sequenza di sprint.</a:t>
             </a:r>
           </a:p>
           <a:p>
             <a:pPr marL="0" indent="0">
               <a:buNone/>
             </a:pPr>
-            <a:endParaRPr lang="it-IT" sz="2000" b="1" dirty="0"/>
-          </a:p>
-          <a:p>
-            <a:pPr marL="0" indent="0">
-              <a:buNone/>
-            </a:pPr>
-            <a:r>
-              <a:rPr lang="it-IT" sz="2000" b="1" dirty="0"/>
-              <a:t>ISSUE </a:t>
-            </a:r>
-            <a:r>
-              <a:rPr lang="it-IT" sz="2000" dirty="0"/>
-              <a:t>Per valutazione del progetto/project plan, risolvere bug o rispondere a determinati requisiti, sono state attivate issue corrispondenti. Le singole issue vengono affidate ad uno o più i membri del team e devono essere portate a compimento (risolvendo il problema indicato), prima di essere chiuse (indicate come «completate»). Le issue favoriscono la comunicazione tra i membri del team.</a:t>
-            </a:r>
-          </a:p>
-          <a:p>
-            <a:pPr marL="0" indent="0">
-              <a:buNone/>
-            </a:pPr>
-            <a:endParaRPr lang="it-IT" sz="2000" dirty="0"/>
-          </a:p>
-          <a:p>
-            <a:pPr marL="0" indent="0">
-              <a:buNone/>
-            </a:pPr>
-            <a:r>
-              <a:rPr lang="it-IT" sz="2000" b="1" dirty="0"/>
-              <a:t>PULL REQUEST </a:t>
-            </a:r>
-            <a:r>
-              <a:rPr lang="it-IT" sz="2000" dirty="0"/>
-              <a:t>Per</a:t>
-            </a:r>
-            <a:r>
-              <a:rPr lang="it-IT" sz="2000" b="1" dirty="0"/>
-              <a:t> </a:t>
-            </a:r>
-            <a:r>
-              <a:rPr lang="it-IT" sz="2000" dirty="0"/>
-              <a:t>modifiche importanti o azioni di merge («unione di materiale da un branch ad un altro»), sono state attivate apposite pull request, le quali devono essere discusse tra tutti i membri del team e lo SCRUM Master, indicato per l’area di lavoro a cui la request fa riferimento, ha il compito di </a:t>
-            </a:r>
-            <a:r>
-              <a:rPr lang="it-IT" sz="2000"/>
-              <a:t>approvarla e portarla </a:t>
-            </a:r>
-            <a:r>
-              <a:rPr lang="it-IT" sz="2000" dirty="0"/>
-              <a:t>a compimento. Possono essere richieste delle </a:t>
-            </a:r>
-            <a:r>
-              <a:rPr lang="it-IT" sz="2000" i="1" dirty="0"/>
-              <a:t>Review</a:t>
-            </a:r>
-            <a:r>
-              <a:rPr lang="it-IT" sz="2000" dirty="0"/>
-              <a:t>, per consentire ai membri di esaminare e discutere le modifiche proposte, che verranno poi unite nel ramo principale del repository. </a:t>
-            </a:r>
-            <a:endParaRPr lang="it-IT" sz="2200" b="1" dirty="0"/>
-          </a:p>
-          <a:p>
-            <a:pPr marL="0" indent="0">
-              <a:buNone/>
-            </a:pPr>
-            <a:endParaRPr lang="it-IT" sz="2200" b="1" dirty="0"/>
-          </a:p>
-        </p:txBody>
-      </p:sp>
-      <p:sp>
-        <p:nvSpPr>
-          <p:cNvPr id="82" name="Segnaposto numero diapositiva 81">
-            <a:extLst>
-              <a:ext uri="{FF2B5EF4-FFF2-40B4-BE49-F238E27FC236}">
-                <a16:creationId xmlns:a16="http://schemas.microsoft.com/office/drawing/2014/main" id="{CE36A058-BEC2-4BC5-A467-F2EB2A365051}"/>
-              </a:ext>
-            </a:extLst>
-          </p:cNvPr>
-          <p:cNvSpPr>
-            <a:spLocks noGrp="1"/>
-          </p:cNvSpPr>
-          <p:nvPr>
-            <p:ph type="sldNum" sz="quarter" idx="12"/>
-          </p:nvPr>
-        </p:nvSpPr>
-        <p:spPr>
-          <a:xfrm>
-            <a:off x="8610600" y="6201972"/>
-            <a:ext cx="2743200" cy="473465"/>
-          </a:xfrm>
-        </p:spPr>
-        <p:txBody>
-          <a:bodyPr rtlCol="0">
-            <a:normAutofit/>
-          </a:bodyPr>
-          <a:lstStyle/>
-          <a:p>
-            <a:pPr rtl="0">
-              <a:spcAft>
-                <a:spcPts val="600"/>
-              </a:spcAft>
-            </a:pPr>
-            <a:fld id="{B5CEABB6-07DC-46E8-9B57-56EC44A396E5}" type="slidenum">
-              <a:rPr lang="it-IT" sz="1800" b="1" smtClean="0"/>
-              <a:pPr rtl="0">
-                <a:spcAft>
-                  <a:spcPts val="600"/>
-                </a:spcAft>
-              </a:pPr>
-              <a:t>7</a:t>
-            </a:fld>
-            <a:endParaRPr lang="it-IT" sz="1800" b="1" dirty="0"/>
+            <a:r>
+              <a:rPr lang="it-IT" sz="1800" dirty="0"/>
+              <a:t>La comunicazione, diretta e non, è molto importante: i membri del gruppo devono sempre essere aggiornati su nuove modifiche o richieste, e ciò avviene grazie ad app di messagistica o issue su GitHub.</a:t>
+            </a:r>
           </a:p>
         </p:txBody>
       </p:sp>
     </p:spTree>
     <p:extLst>
       <p:ext uri="{BB962C8B-B14F-4D97-AF65-F5344CB8AC3E}">
-        <p14:creationId xmlns:p14="http://schemas.microsoft.com/office/powerpoint/2010/main" val="3996999348"/>
+        <p14:creationId xmlns:p14="http://schemas.microsoft.com/office/powerpoint/2010/main" val="762597572"/>
       </p:ext>
     </p:extLst>
   </p:cSld>
@@ -37623,7 +37346,7 @@
 </p:sld>
 </file>
 
-<file path=ppt/slides/slide8.xml><?xml version="1.0" encoding="utf-8"?>
+<file path=ppt/slides/slide9.xml><?xml version="1.0" encoding="utf-8"?>
 <p:sld xmlns:a="http://schemas.openxmlformats.org/drawingml/2006/main" xmlns:r="http://schemas.openxmlformats.org/officeDocument/2006/relationships" xmlns:p="http://schemas.openxmlformats.org/presentationml/2006/main">
   <p:cSld>
     <p:bg>
@@ -37742,19 +37465,7 @@
                 <a:ea typeface="+mj-ea"/>
                 <a:cs typeface="+mj-cs"/>
               </a:rPr>
-              <a:t>Software Life </a:t>
-            </a:r>
-            <a:r>
-              <a:rPr lang="en-US" sz="5400" b="1" dirty="0"/>
-              <a:t>C</a:t>
-            </a:r>
-            <a:r>
-              <a:rPr lang="en-US" sz="5400" b="1" kern="1200" dirty="0">
-                <a:latin typeface="+mj-lt"/>
-                <a:ea typeface="+mj-ea"/>
-                <a:cs typeface="+mj-cs"/>
-              </a:rPr>
-              <a:t>ycle</a:t>
+              <a:t>Qualità del Software</a:t>
             </a:r>
           </a:p>
         </p:txBody>
@@ -38415,921 +38126,13 @@
         </p:nvSpPr>
         <p:spPr>
           <a:xfrm>
-            <a:off x="8610600" y="6248400"/>
-            <a:ext cx="2743200" cy="473075"/>
+            <a:off x="11522963" y="6338130"/>
+            <a:ext cx="521301" cy="473075"/>
           </a:xfrm>
         </p:spPr>
         <p:txBody>
           <a:bodyPr vert="horz" lIns="91440" tIns="45720" rIns="91440" bIns="45720" rtlCol="0">
             <a:normAutofit/>
-          </a:bodyPr>
-          <a:lstStyle/>
-          <a:p>
-            <a:pPr>
-              <a:spcAft>
-                <a:spcPts val="600"/>
-              </a:spcAft>
-            </a:pPr>
-            <a:fld id="{B5CEABB6-07DC-46E8-9B57-56EC44A396E5}" type="slidenum">
-              <a:rPr lang="en-US" sz="1800" b="1"/>
-              <a:pPr>
-                <a:spcAft>
-                  <a:spcPts val="600"/>
-                </a:spcAft>
-              </a:pPr>
-              <a:t>8</a:t>
-            </a:fld>
-            <a:endParaRPr lang="en-US" sz="1800" b="1" dirty="0"/>
-          </a:p>
-        </p:txBody>
-      </p:sp>
-      <p:pic>
-        <p:nvPicPr>
-          <p:cNvPr id="3" name="Segnaposto contenuto 2">
-            <a:extLst>
-              <a:ext uri="{FF2B5EF4-FFF2-40B4-BE49-F238E27FC236}">
-                <a16:creationId xmlns:a16="http://schemas.microsoft.com/office/drawing/2014/main" id="{00439959-3544-4100-55BB-F64ED0400005}"/>
-              </a:ext>
-            </a:extLst>
-          </p:cNvPr>
-          <p:cNvPicPr>
-            <a:picLocks noGrp="1" noChangeAspect="1"/>
-          </p:cNvPicPr>
-          <p:nvPr>
-            <p:ph idx="1"/>
-          </p:nvPr>
-        </p:nvPicPr>
-        <p:blipFill rotWithShape="1">
-          <a:blip r:embed="rId3"/>
-          <a:srcRect t="-1" b="18914"/>
-          <a:stretch/>
-        </p:blipFill>
-        <p:spPr>
-          <a:xfrm>
-            <a:off x="1436909" y="1851427"/>
-            <a:ext cx="8895673" cy="4392000"/>
-          </a:xfrm>
-          <a:prstGeom prst="rect">
-            <a:avLst/>
-          </a:prstGeom>
-        </p:spPr>
-      </p:pic>
-      <p:sp>
-        <p:nvSpPr>
-          <p:cNvPr id="4" name="CasellaDiTesto 3">
-            <a:extLst>
-              <a:ext uri="{FF2B5EF4-FFF2-40B4-BE49-F238E27FC236}">
-                <a16:creationId xmlns:a16="http://schemas.microsoft.com/office/drawing/2014/main" id="{B88BF4B9-E07C-741C-1A38-C0055344970A}"/>
-              </a:ext>
-            </a:extLst>
-          </p:cNvPr>
-          <p:cNvSpPr txBox="1"/>
-          <p:nvPr/>
-        </p:nvSpPr>
-        <p:spPr>
-          <a:xfrm>
-            <a:off x="1343609" y="2472612"/>
-            <a:ext cx="3498980" cy="369332"/>
-          </a:xfrm>
-          <a:prstGeom prst="rect">
-            <a:avLst/>
-          </a:prstGeom>
-          <a:noFill/>
-        </p:spPr>
-        <p:txBody>
-          <a:bodyPr wrap="square" rtlCol="0" anchor="ctr">
-            <a:spAutoFit/>
-          </a:bodyPr>
-          <a:lstStyle/>
-          <a:p>
-            <a:pPr algn="ctr"/>
-            <a:r>
-              <a:rPr lang="it-IT" dirty="0">
-                <a:effectLst>
-                  <a:outerShdw blurRad="38100" dist="38100" dir="2700000" algn="tl">
-                    <a:srgbClr val="000000">
-                      <a:alpha val="43137"/>
-                    </a:srgbClr>
-                  </a:outerShdw>
-                </a:effectLst>
-              </a:rPr>
-              <a:t>METODO AGILE: SCRUM LIFE CYCLE</a:t>
-            </a:r>
-          </a:p>
-        </p:txBody>
-      </p:sp>
-    </p:spTree>
-    <p:extLst>
-      <p:ext uri="{BB962C8B-B14F-4D97-AF65-F5344CB8AC3E}">
-        <p14:creationId xmlns:p14="http://schemas.microsoft.com/office/powerpoint/2010/main" val="930824607"/>
-      </p:ext>
-    </p:extLst>
-  </p:cSld>
-  <p:clrMapOvr>
-    <a:masterClrMapping/>
-  </p:clrMapOvr>
-</p:sld>
-</file>
-
-<file path=ppt/slides/slide9.xml><?xml version="1.0" encoding="utf-8"?>
-<p:sld xmlns:a="http://schemas.openxmlformats.org/drawingml/2006/main" xmlns:r="http://schemas.openxmlformats.org/officeDocument/2006/relationships" xmlns:p="http://schemas.openxmlformats.org/presentationml/2006/main">
-  <p:cSld>
-    <p:bg>
-      <p:bgPr>
-        <a:solidFill>
-          <a:schemeClr val="bg1"/>
-        </a:solidFill>
-        <a:effectLst/>
-      </p:bgPr>
-    </p:bg>
-    <p:spTree>
-      <p:nvGrpSpPr>
-        <p:cNvPr id="1" name=""/>
-        <p:cNvGrpSpPr/>
-        <p:nvPr/>
-      </p:nvGrpSpPr>
-      <p:grpSpPr>
-        <a:xfrm>
-          <a:off x="0" y="0"/>
-          <a:ext cx="0" cy="0"/>
-          <a:chOff x="0" y="0"/>
-          <a:chExt cx="0" cy="0"/>
-        </a:xfrm>
-      </p:grpSpPr>
-      <p:sp useBgFill="1">
-        <p:nvSpPr>
-          <p:cNvPr id="113" name="Rectangle 112">
-            <a:extLst>
-              <a:ext uri="{FF2B5EF4-FFF2-40B4-BE49-F238E27FC236}">
-                <a16:creationId xmlns:a16="http://schemas.microsoft.com/office/drawing/2014/main" id="{100EDD19-6802-4EC3-95CE-CFFAB042CFD6}"/>
-              </a:ext>
-              <a:ext uri="{C183D7F6-B498-43B3-948B-1728B52AA6E4}">
-                <adec:decorative xmlns:adec="http://schemas.microsoft.com/office/drawing/2017/decorative" val="1"/>
-              </a:ext>
-            </a:extLst>
-          </p:cNvPr>
-          <p:cNvSpPr>
-            <a:spLocks noGrp="1" noRot="1" noChangeAspect="1" noMove="1" noResize="1" noEditPoints="1" noAdjustHandles="1" noChangeArrowheads="1" noChangeShapeType="1" noTextEdit="1"/>
-          </p:cNvSpPr>
-          <p:nvPr>
-            <p:extLst>
-              <p:ext uri="{386F3935-93C4-4BCD-93E2-E3B085C9AB24}">
-                <p16:designElem xmlns:p16="http://schemas.microsoft.com/office/powerpoint/2015/main" val="1"/>
-              </p:ext>
-            </p:extLst>
-          </p:nvPr>
-        </p:nvSpPr>
-        <p:spPr>
-          <a:xfrm>
-            <a:off x="0" y="0"/>
-            <a:ext cx="12188952" cy="6858000"/>
-          </a:xfrm>
-          <a:prstGeom prst="rect">
-            <a:avLst/>
-          </a:prstGeom>
-          <a:ln>
-            <a:noFill/>
-          </a:ln>
-        </p:spPr>
-        <p:style>
-          <a:lnRef idx="2">
-            <a:schemeClr val="accent1">
-              <a:shade val="50000"/>
-            </a:schemeClr>
-          </a:lnRef>
-          <a:fillRef idx="1">
-            <a:schemeClr val="accent1"/>
-          </a:fillRef>
-          <a:effectRef idx="0">
-            <a:schemeClr val="accent1"/>
-          </a:effectRef>
-          <a:fontRef idx="minor">
-            <a:schemeClr val="lt1"/>
-          </a:fontRef>
-        </p:style>
-        <p:txBody>
-          <a:bodyPr rtlCol="0" anchor="ctr"/>
-          <a:lstStyle/>
-          <a:p>
-            <a:pPr algn="ctr"/>
-            <a:endParaRPr lang="en-US" dirty="0"/>
-          </a:p>
-        </p:txBody>
-      </p:sp>
-      <p:sp>
-        <p:nvSpPr>
-          <p:cNvPr id="2" name="Titolo 1">
-            <a:extLst>
-              <a:ext uri="{FF2B5EF4-FFF2-40B4-BE49-F238E27FC236}">
-                <a16:creationId xmlns:a16="http://schemas.microsoft.com/office/drawing/2014/main" id="{75031FE9-9059-4FE8-B4AC-9771F23A1B89}"/>
-              </a:ext>
-            </a:extLst>
-          </p:cNvPr>
-          <p:cNvSpPr>
-            <a:spLocks noGrp="1"/>
-          </p:cNvSpPr>
-          <p:nvPr>
-            <p:ph type="title"/>
-          </p:nvPr>
-        </p:nvSpPr>
-        <p:spPr>
-          <a:xfrm>
-            <a:off x="838200" y="365125"/>
-            <a:ext cx="10515600" cy="1325563"/>
-          </a:xfrm>
-        </p:spPr>
-        <p:txBody>
-          <a:bodyPr vert="horz" lIns="91440" tIns="45720" rIns="91440" bIns="45720" rtlCol="0">
-            <a:normAutofit/>
-          </a:bodyPr>
-          <a:lstStyle/>
-          <a:p>
-            <a:r>
-              <a:rPr lang="en-US" sz="5400" b="1" kern="1200" dirty="0">
-                <a:latin typeface="+mj-lt"/>
-                <a:ea typeface="+mj-ea"/>
-                <a:cs typeface="+mj-cs"/>
-              </a:rPr>
-              <a:t>Software Life </a:t>
-            </a:r>
-            <a:r>
-              <a:rPr lang="en-US" sz="5400" b="1" dirty="0"/>
-              <a:t>C</a:t>
-            </a:r>
-            <a:r>
-              <a:rPr lang="en-US" sz="5400" b="1" kern="1200" dirty="0">
-                <a:latin typeface="+mj-lt"/>
-                <a:ea typeface="+mj-ea"/>
-                <a:cs typeface="+mj-cs"/>
-              </a:rPr>
-              <a:t>ycle</a:t>
-            </a:r>
-          </a:p>
-        </p:txBody>
-      </p:sp>
-      <p:sp>
-        <p:nvSpPr>
-          <p:cNvPr id="115" name="sketch line">
-            <a:extLst>
-              <a:ext uri="{FF2B5EF4-FFF2-40B4-BE49-F238E27FC236}">
-                <a16:creationId xmlns:a16="http://schemas.microsoft.com/office/drawing/2014/main" id="{DB17E863-922E-4C26-BD64-E8FD41D28661}"/>
-              </a:ext>
-              <a:ext uri="{C183D7F6-B498-43B3-948B-1728B52AA6E4}">
-                <adec:decorative xmlns:adec="http://schemas.microsoft.com/office/drawing/2017/decorative" val="1"/>
-              </a:ext>
-            </a:extLst>
-          </p:cNvPr>
-          <p:cNvSpPr>
-            <a:spLocks noGrp="1" noRot="1" noChangeAspect="1" noMove="1" noResize="1" noEditPoints="1" noAdjustHandles="1" noChangeArrowheads="1" noChangeShapeType="1" noTextEdit="1"/>
-          </p:cNvSpPr>
-          <p:nvPr>
-            <p:extLst>
-              <p:ext uri="{386F3935-93C4-4BCD-93E2-E3B085C9AB24}">
-                <p16:designElem xmlns:p16="http://schemas.microsoft.com/office/powerpoint/2015/main" val="1"/>
-              </p:ext>
-            </p:extLst>
-          </p:nvPr>
-        </p:nvSpPr>
-        <p:spPr>
-          <a:xfrm>
-            <a:off x="669036" y="1677373"/>
-            <a:ext cx="10853928" cy="18288"/>
-          </a:xfrm>
-          <a:custGeom>
-            <a:avLst/>
-            <a:gdLst>
-              <a:gd name="connsiteX0" fmla="*/ 0 w 10853928"/>
-              <a:gd name="connsiteY0" fmla="*/ 0 h 18288"/>
-              <a:gd name="connsiteX1" fmla="*/ 461292 w 10853928"/>
-              <a:gd name="connsiteY1" fmla="*/ 0 h 18288"/>
-              <a:gd name="connsiteX2" fmla="*/ 1139662 w 10853928"/>
-              <a:gd name="connsiteY2" fmla="*/ 0 h 18288"/>
-              <a:gd name="connsiteX3" fmla="*/ 1926572 w 10853928"/>
-              <a:gd name="connsiteY3" fmla="*/ 0 h 18288"/>
-              <a:gd name="connsiteX4" fmla="*/ 2279325 w 10853928"/>
-              <a:gd name="connsiteY4" fmla="*/ 0 h 18288"/>
-              <a:gd name="connsiteX5" fmla="*/ 2632078 w 10853928"/>
-              <a:gd name="connsiteY5" fmla="*/ 0 h 18288"/>
-              <a:gd name="connsiteX6" fmla="*/ 3527527 w 10853928"/>
-              <a:gd name="connsiteY6" fmla="*/ 0 h 18288"/>
-              <a:gd name="connsiteX7" fmla="*/ 4205897 w 10853928"/>
-              <a:gd name="connsiteY7" fmla="*/ 0 h 18288"/>
-              <a:gd name="connsiteX8" fmla="*/ 4558650 w 10853928"/>
-              <a:gd name="connsiteY8" fmla="*/ 0 h 18288"/>
-              <a:gd name="connsiteX9" fmla="*/ 5237020 w 10853928"/>
-              <a:gd name="connsiteY9" fmla="*/ 0 h 18288"/>
-              <a:gd name="connsiteX10" fmla="*/ 6132469 w 10853928"/>
-              <a:gd name="connsiteY10" fmla="*/ 0 h 18288"/>
-              <a:gd name="connsiteX11" fmla="*/ 6702301 w 10853928"/>
-              <a:gd name="connsiteY11" fmla="*/ 0 h 18288"/>
-              <a:gd name="connsiteX12" fmla="*/ 7272132 w 10853928"/>
-              <a:gd name="connsiteY12" fmla="*/ 0 h 18288"/>
-              <a:gd name="connsiteX13" fmla="*/ 7950502 w 10853928"/>
-              <a:gd name="connsiteY13" fmla="*/ 0 h 18288"/>
-              <a:gd name="connsiteX14" fmla="*/ 8737412 w 10853928"/>
-              <a:gd name="connsiteY14" fmla="*/ 0 h 18288"/>
-              <a:gd name="connsiteX15" fmla="*/ 9524322 w 10853928"/>
-              <a:gd name="connsiteY15" fmla="*/ 0 h 18288"/>
-              <a:gd name="connsiteX16" fmla="*/ 10853928 w 10853928"/>
-              <a:gd name="connsiteY16" fmla="*/ 0 h 18288"/>
-              <a:gd name="connsiteX17" fmla="*/ 10853928 w 10853928"/>
-              <a:gd name="connsiteY17" fmla="*/ 18288 h 18288"/>
-              <a:gd name="connsiteX18" fmla="*/ 10392636 w 10853928"/>
-              <a:gd name="connsiteY18" fmla="*/ 18288 h 18288"/>
-              <a:gd name="connsiteX19" fmla="*/ 9497187 w 10853928"/>
-              <a:gd name="connsiteY19" fmla="*/ 18288 h 18288"/>
-              <a:gd name="connsiteX20" fmla="*/ 8818817 w 10853928"/>
-              <a:gd name="connsiteY20" fmla="*/ 18288 h 18288"/>
-              <a:gd name="connsiteX21" fmla="*/ 8466064 w 10853928"/>
-              <a:gd name="connsiteY21" fmla="*/ 18288 h 18288"/>
-              <a:gd name="connsiteX22" fmla="*/ 7787693 w 10853928"/>
-              <a:gd name="connsiteY22" fmla="*/ 18288 h 18288"/>
-              <a:gd name="connsiteX23" fmla="*/ 7217862 w 10853928"/>
-              <a:gd name="connsiteY23" fmla="*/ 18288 h 18288"/>
-              <a:gd name="connsiteX24" fmla="*/ 6648031 w 10853928"/>
-              <a:gd name="connsiteY24" fmla="*/ 18288 h 18288"/>
-              <a:gd name="connsiteX25" fmla="*/ 6078200 w 10853928"/>
-              <a:gd name="connsiteY25" fmla="*/ 18288 h 18288"/>
-              <a:gd name="connsiteX26" fmla="*/ 5508368 w 10853928"/>
-              <a:gd name="connsiteY26" fmla="*/ 18288 h 18288"/>
-              <a:gd name="connsiteX27" fmla="*/ 4721459 w 10853928"/>
-              <a:gd name="connsiteY27" fmla="*/ 18288 h 18288"/>
-              <a:gd name="connsiteX28" fmla="*/ 4043088 w 10853928"/>
-              <a:gd name="connsiteY28" fmla="*/ 18288 h 18288"/>
-              <a:gd name="connsiteX29" fmla="*/ 3690336 w 10853928"/>
-              <a:gd name="connsiteY29" fmla="*/ 18288 h 18288"/>
-              <a:gd name="connsiteX30" fmla="*/ 3120504 w 10853928"/>
-              <a:gd name="connsiteY30" fmla="*/ 18288 h 18288"/>
-              <a:gd name="connsiteX31" fmla="*/ 2333595 w 10853928"/>
-              <a:gd name="connsiteY31" fmla="*/ 18288 h 18288"/>
-              <a:gd name="connsiteX32" fmla="*/ 1872303 w 10853928"/>
-              <a:gd name="connsiteY32" fmla="*/ 18288 h 18288"/>
-              <a:gd name="connsiteX33" fmla="*/ 976854 w 10853928"/>
-              <a:gd name="connsiteY33" fmla="*/ 18288 h 18288"/>
-              <a:gd name="connsiteX34" fmla="*/ 0 w 10853928"/>
-              <a:gd name="connsiteY34" fmla="*/ 18288 h 18288"/>
-              <a:gd name="connsiteX35" fmla="*/ 0 w 10853928"/>
-              <a:gd name="connsiteY35" fmla="*/ 0 h 18288"/>
-            </a:gdLst>
-            <a:ahLst/>
-            <a:cxnLst>
-              <a:cxn ang="0">
-                <a:pos x="connsiteX0" y="connsiteY0"/>
-              </a:cxn>
-              <a:cxn ang="0">
-                <a:pos x="connsiteX1" y="connsiteY1"/>
-              </a:cxn>
-              <a:cxn ang="0">
-                <a:pos x="connsiteX2" y="connsiteY2"/>
-              </a:cxn>
-              <a:cxn ang="0">
-                <a:pos x="connsiteX3" y="connsiteY3"/>
-              </a:cxn>
-              <a:cxn ang="0">
-                <a:pos x="connsiteX4" y="connsiteY4"/>
-              </a:cxn>
-              <a:cxn ang="0">
-                <a:pos x="connsiteX5" y="connsiteY5"/>
-              </a:cxn>
-              <a:cxn ang="0">
-                <a:pos x="connsiteX6" y="connsiteY6"/>
-              </a:cxn>
-              <a:cxn ang="0">
-                <a:pos x="connsiteX7" y="connsiteY7"/>
-              </a:cxn>
-              <a:cxn ang="0">
-                <a:pos x="connsiteX8" y="connsiteY8"/>
-              </a:cxn>
-              <a:cxn ang="0">
-                <a:pos x="connsiteX9" y="connsiteY9"/>
-              </a:cxn>
-              <a:cxn ang="0">
-                <a:pos x="connsiteX10" y="connsiteY10"/>
-              </a:cxn>
-              <a:cxn ang="0">
-                <a:pos x="connsiteX11" y="connsiteY11"/>
-              </a:cxn>
-              <a:cxn ang="0">
-                <a:pos x="connsiteX12" y="connsiteY12"/>
-              </a:cxn>
-              <a:cxn ang="0">
-                <a:pos x="connsiteX13" y="connsiteY13"/>
-              </a:cxn>
-              <a:cxn ang="0">
-                <a:pos x="connsiteX14" y="connsiteY14"/>
-              </a:cxn>
-              <a:cxn ang="0">
-                <a:pos x="connsiteX15" y="connsiteY15"/>
-              </a:cxn>
-              <a:cxn ang="0">
-                <a:pos x="connsiteX16" y="connsiteY16"/>
-              </a:cxn>
-              <a:cxn ang="0">
-                <a:pos x="connsiteX17" y="connsiteY17"/>
-              </a:cxn>
-              <a:cxn ang="0">
-                <a:pos x="connsiteX18" y="connsiteY18"/>
-              </a:cxn>
-              <a:cxn ang="0">
-                <a:pos x="connsiteX19" y="connsiteY19"/>
-              </a:cxn>
-              <a:cxn ang="0">
-                <a:pos x="connsiteX20" y="connsiteY20"/>
-              </a:cxn>
-              <a:cxn ang="0">
-                <a:pos x="connsiteX21" y="connsiteY21"/>
-              </a:cxn>
-              <a:cxn ang="0">
-                <a:pos x="connsiteX22" y="connsiteY22"/>
-              </a:cxn>
-              <a:cxn ang="0">
-                <a:pos x="connsiteX23" y="connsiteY23"/>
-              </a:cxn>
-              <a:cxn ang="0">
-                <a:pos x="connsiteX24" y="connsiteY24"/>
-              </a:cxn>
-              <a:cxn ang="0">
-                <a:pos x="connsiteX25" y="connsiteY25"/>
-              </a:cxn>
-              <a:cxn ang="0">
-                <a:pos x="connsiteX26" y="connsiteY26"/>
-              </a:cxn>
-              <a:cxn ang="0">
-                <a:pos x="connsiteX27" y="connsiteY27"/>
-              </a:cxn>
-              <a:cxn ang="0">
-                <a:pos x="connsiteX28" y="connsiteY28"/>
-              </a:cxn>
-              <a:cxn ang="0">
-                <a:pos x="connsiteX29" y="connsiteY29"/>
-              </a:cxn>
-              <a:cxn ang="0">
-                <a:pos x="connsiteX30" y="connsiteY30"/>
-              </a:cxn>
-              <a:cxn ang="0">
-                <a:pos x="connsiteX31" y="connsiteY31"/>
-              </a:cxn>
-              <a:cxn ang="0">
-                <a:pos x="connsiteX32" y="connsiteY32"/>
-              </a:cxn>
-              <a:cxn ang="0">
-                <a:pos x="connsiteX33" y="connsiteY33"/>
-              </a:cxn>
-              <a:cxn ang="0">
-                <a:pos x="connsiteX34" y="connsiteY34"/>
-              </a:cxn>
-              <a:cxn ang="0">
-                <a:pos x="connsiteX35" y="connsiteY35"/>
-              </a:cxn>
-            </a:cxnLst>
-            <a:rect l="l" t="t" r="r" b="b"/>
-            <a:pathLst>
-              <a:path w="10853928" h="18288" fill="none" extrusionOk="0">
-                <a:moveTo>
-                  <a:pt x="0" y="0"/>
-                </a:moveTo>
-                <a:cubicBezTo>
-                  <a:pt x="146993" y="-19076"/>
-                  <a:pt x="347684" y="-4790"/>
-                  <a:pt x="461292" y="0"/>
-                </a:cubicBezTo>
-                <a:cubicBezTo>
-                  <a:pt x="574900" y="4790"/>
-                  <a:pt x="808367" y="19821"/>
-                  <a:pt x="1139662" y="0"/>
-                </a:cubicBezTo>
-                <a:cubicBezTo>
-                  <a:pt x="1470957" y="-19821"/>
-                  <a:pt x="1627405" y="5721"/>
-                  <a:pt x="1926572" y="0"/>
-                </a:cubicBezTo>
-                <a:cubicBezTo>
-                  <a:pt x="2225739" y="-5721"/>
-                  <a:pt x="2137730" y="-3235"/>
-                  <a:pt x="2279325" y="0"/>
-                </a:cubicBezTo>
-                <a:cubicBezTo>
-                  <a:pt x="2420920" y="3235"/>
-                  <a:pt x="2456518" y="9685"/>
-                  <a:pt x="2632078" y="0"/>
-                </a:cubicBezTo>
-                <a:cubicBezTo>
-                  <a:pt x="2807638" y="-9685"/>
-                  <a:pt x="3211516" y="-43007"/>
-                  <a:pt x="3527527" y="0"/>
-                </a:cubicBezTo>
-                <a:cubicBezTo>
-                  <a:pt x="3843538" y="43007"/>
-                  <a:pt x="4058833" y="22042"/>
-                  <a:pt x="4205897" y="0"/>
-                </a:cubicBezTo>
-                <a:cubicBezTo>
-                  <a:pt x="4352961" y="-22042"/>
-                  <a:pt x="4474805" y="-11846"/>
-                  <a:pt x="4558650" y="0"/>
-                </a:cubicBezTo>
-                <a:cubicBezTo>
-                  <a:pt x="4642495" y="11846"/>
-                  <a:pt x="5041928" y="-6069"/>
-                  <a:pt x="5237020" y="0"/>
-                </a:cubicBezTo>
-                <a:cubicBezTo>
-                  <a:pt x="5432112" y="6069"/>
-                  <a:pt x="5943266" y="-17479"/>
-                  <a:pt x="6132469" y="0"/>
-                </a:cubicBezTo>
-                <a:cubicBezTo>
-                  <a:pt x="6321672" y="17479"/>
-                  <a:pt x="6483872" y="26234"/>
-                  <a:pt x="6702301" y="0"/>
-                </a:cubicBezTo>
-                <a:cubicBezTo>
-                  <a:pt x="6920730" y="-26234"/>
-                  <a:pt x="6991194" y="-15156"/>
-                  <a:pt x="7272132" y="0"/>
-                </a:cubicBezTo>
-                <a:cubicBezTo>
-                  <a:pt x="7553070" y="15156"/>
-                  <a:pt x="7684444" y="-32961"/>
-                  <a:pt x="7950502" y="0"/>
-                </a:cubicBezTo>
-                <a:cubicBezTo>
-                  <a:pt x="8216560" y="32961"/>
-                  <a:pt x="8493290" y="-10491"/>
-                  <a:pt x="8737412" y="0"/>
-                </a:cubicBezTo>
-                <a:cubicBezTo>
-                  <a:pt x="8981534" y="10491"/>
-                  <a:pt x="9191586" y="-13899"/>
-                  <a:pt x="9524322" y="0"/>
-                </a:cubicBezTo>
-                <a:cubicBezTo>
-                  <a:pt x="9857058" y="13899"/>
-                  <a:pt x="10297509" y="7485"/>
-                  <a:pt x="10853928" y="0"/>
-                </a:cubicBezTo>
-                <a:cubicBezTo>
-                  <a:pt x="10854574" y="4451"/>
-                  <a:pt x="10854418" y="9226"/>
-                  <a:pt x="10853928" y="18288"/>
-                </a:cubicBezTo>
-                <a:cubicBezTo>
-                  <a:pt x="10691638" y="28522"/>
-                  <a:pt x="10574319" y="29578"/>
-                  <a:pt x="10392636" y="18288"/>
-                </a:cubicBezTo>
-                <a:cubicBezTo>
-                  <a:pt x="10210953" y="6998"/>
-                  <a:pt x="9836277" y="-16742"/>
-                  <a:pt x="9497187" y="18288"/>
-                </a:cubicBezTo>
-                <a:cubicBezTo>
-                  <a:pt x="9158097" y="53318"/>
-                  <a:pt x="9119479" y="30714"/>
-                  <a:pt x="8818817" y="18288"/>
-                </a:cubicBezTo>
-                <a:cubicBezTo>
-                  <a:pt x="8518155" y="5863"/>
-                  <a:pt x="8640037" y="6483"/>
-                  <a:pt x="8466064" y="18288"/>
-                </a:cubicBezTo>
-                <a:cubicBezTo>
-                  <a:pt x="8292091" y="30093"/>
-                  <a:pt x="7997656" y="18914"/>
-                  <a:pt x="7787693" y="18288"/>
-                </a:cubicBezTo>
-                <a:cubicBezTo>
-                  <a:pt x="7577730" y="17662"/>
-                  <a:pt x="7412468" y="21416"/>
-                  <a:pt x="7217862" y="18288"/>
-                </a:cubicBezTo>
-                <a:cubicBezTo>
-                  <a:pt x="7023256" y="15160"/>
-                  <a:pt x="6898018" y="14824"/>
-                  <a:pt x="6648031" y="18288"/>
-                </a:cubicBezTo>
-                <a:cubicBezTo>
-                  <a:pt x="6398044" y="21752"/>
-                  <a:pt x="6254402" y="38625"/>
-                  <a:pt x="6078200" y="18288"/>
-                </a:cubicBezTo>
-                <a:cubicBezTo>
-                  <a:pt x="5901998" y="-2049"/>
-                  <a:pt x="5622886" y="3213"/>
-                  <a:pt x="5508368" y="18288"/>
-                </a:cubicBezTo>
-                <a:cubicBezTo>
-                  <a:pt x="5393850" y="33363"/>
-                  <a:pt x="5036260" y="26830"/>
-                  <a:pt x="4721459" y="18288"/>
-                </a:cubicBezTo>
-                <a:cubicBezTo>
-                  <a:pt x="4406658" y="9746"/>
-                  <a:pt x="4239221" y="41551"/>
-                  <a:pt x="4043088" y="18288"/>
-                </a:cubicBezTo>
-                <a:cubicBezTo>
-                  <a:pt x="3846955" y="-4975"/>
-                  <a:pt x="3818802" y="34658"/>
-                  <a:pt x="3690336" y="18288"/>
-                </a:cubicBezTo>
-                <a:cubicBezTo>
-                  <a:pt x="3561870" y="1918"/>
-                  <a:pt x="3265491" y="42194"/>
-                  <a:pt x="3120504" y="18288"/>
-                </a:cubicBezTo>
-                <a:cubicBezTo>
-                  <a:pt x="2975517" y="-5618"/>
-                  <a:pt x="2720254" y="36673"/>
-                  <a:pt x="2333595" y="18288"/>
-                </a:cubicBezTo>
-                <a:cubicBezTo>
-                  <a:pt x="1946936" y="-97"/>
-                  <a:pt x="2097241" y="5776"/>
-                  <a:pt x="1872303" y="18288"/>
-                </a:cubicBezTo>
-                <a:cubicBezTo>
-                  <a:pt x="1647365" y="30800"/>
-                  <a:pt x="1282708" y="45380"/>
-                  <a:pt x="976854" y="18288"/>
-                </a:cubicBezTo>
-                <a:cubicBezTo>
-                  <a:pt x="671000" y="-8804"/>
-                  <a:pt x="408401" y="-12775"/>
-                  <a:pt x="0" y="18288"/>
-                </a:cubicBezTo>
-                <a:cubicBezTo>
-                  <a:pt x="-213" y="9468"/>
-                  <a:pt x="187" y="4459"/>
-                  <a:pt x="0" y="0"/>
-                </a:cubicBezTo>
-                <a:close/>
-              </a:path>
-              <a:path w="10853928" h="18288" stroke="0" extrusionOk="0">
-                <a:moveTo>
-                  <a:pt x="0" y="0"/>
-                </a:moveTo>
-                <a:cubicBezTo>
-                  <a:pt x="267322" y="15284"/>
-                  <a:pt x="415388" y="-21048"/>
-                  <a:pt x="569831" y="0"/>
-                </a:cubicBezTo>
-                <a:cubicBezTo>
-                  <a:pt x="724274" y="21048"/>
-                  <a:pt x="769333" y="-2353"/>
-                  <a:pt x="922584" y="0"/>
-                </a:cubicBezTo>
-                <a:cubicBezTo>
-                  <a:pt x="1075835" y="2353"/>
-                  <a:pt x="1399490" y="-145"/>
-                  <a:pt x="1818033" y="0"/>
-                </a:cubicBezTo>
-                <a:cubicBezTo>
-                  <a:pt x="2236576" y="145"/>
-                  <a:pt x="2145330" y="5482"/>
-                  <a:pt x="2387864" y="0"/>
-                </a:cubicBezTo>
-                <a:cubicBezTo>
-                  <a:pt x="2630398" y="-5482"/>
-                  <a:pt x="2793207" y="18487"/>
-                  <a:pt x="2957695" y="0"/>
-                </a:cubicBezTo>
-                <a:cubicBezTo>
-                  <a:pt x="3122183" y="-18487"/>
-                  <a:pt x="3579141" y="19003"/>
-                  <a:pt x="3853144" y="0"/>
-                </a:cubicBezTo>
-                <a:cubicBezTo>
-                  <a:pt x="4127147" y="-19003"/>
-                  <a:pt x="4209857" y="12211"/>
-                  <a:pt x="4314436" y="0"/>
-                </a:cubicBezTo>
-                <a:cubicBezTo>
-                  <a:pt x="4419015" y="-12211"/>
-                  <a:pt x="4762459" y="-17220"/>
-                  <a:pt x="5209885" y="0"/>
-                </a:cubicBezTo>
-                <a:cubicBezTo>
-                  <a:pt x="5657311" y="17220"/>
-                  <a:pt x="5692663" y="-3290"/>
-                  <a:pt x="6105335" y="0"/>
-                </a:cubicBezTo>
-                <a:cubicBezTo>
-                  <a:pt x="6518007" y="3290"/>
-                  <a:pt x="6455516" y="-5124"/>
-                  <a:pt x="6783705" y="0"/>
-                </a:cubicBezTo>
-                <a:cubicBezTo>
-                  <a:pt x="7111894" y="5124"/>
-                  <a:pt x="7441941" y="-17829"/>
-                  <a:pt x="7679154" y="0"/>
-                </a:cubicBezTo>
-                <a:cubicBezTo>
-                  <a:pt x="7916367" y="17829"/>
-                  <a:pt x="8102967" y="-24363"/>
-                  <a:pt x="8248985" y="0"/>
-                </a:cubicBezTo>
-                <a:cubicBezTo>
-                  <a:pt x="8395003" y="24363"/>
-                  <a:pt x="8552393" y="25505"/>
-                  <a:pt x="8818817" y="0"/>
-                </a:cubicBezTo>
-                <a:cubicBezTo>
-                  <a:pt x="9085241" y="-25505"/>
-                  <a:pt x="9411308" y="38000"/>
-                  <a:pt x="9605726" y="0"/>
-                </a:cubicBezTo>
-                <a:cubicBezTo>
-                  <a:pt x="9800144" y="-38000"/>
-                  <a:pt x="10006468" y="-25741"/>
-                  <a:pt x="10175558" y="0"/>
-                </a:cubicBezTo>
-                <a:cubicBezTo>
-                  <a:pt x="10344648" y="25741"/>
-                  <a:pt x="10696282" y="695"/>
-                  <a:pt x="10853928" y="0"/>
-                </a:cubicBezTo>
-                <a:cubicBezTo>
-                  <a:pt x="10853521" y="8690"/>
-                  <a:pt x="10853774" y="14141"/>
-                  <a:pt x="10853928" y="18288"/>
-                </a:cubicBezTo>
-                <a:cubicBezTo>
-                  <a:pt x="10608124" y="24255"/>
-                  <a:pt x="10343415" y="22307"/>
-                  <a:pt x="10067018" y="18288"/>
-                </a:cubicBezTo>
-                <a:cubicBezTo>
-                  <a:pt x="9790621" y="14270"/>
-                  <a:pt x="9843266" y="3564"/>
-                  <a:pt x="9714266" y="18288"/>
-                </a:cubicBezTo>
-                <a:cubicBezTo>
-                  <a:pt x="9585266" y="33012"/>
-                  <a:pt x="9379484" y="1875"/>
-                  <a:pt x="9252974" y="18288"/>
-                </a:cubicBezTo>
-                <a:cubicBezTo>
-                  <a:pt x="9126464" y="34701"/>
-                  <a:pt x="8580678" y="-4904"/>
-                  <a:pt x="8357525" y="18288"/>
-                </a:cubicBezTo>
-                <a:cubicBezTo>
-                  <a:pt x="8134372" y="41480"/>
-                  <a:pt x="7903199" y="26458"/>
-                  <a:pt x="7679154" y="18288"/>
-                </a:cubicBezTo>
-                <a:cubicBezTo>
-                  <a:pt x="7455109" y="10118"/>
-                  <a:pt x="7435944" y="27109"/>
-                  <a:pt x="7217862" y="18288"/>
-                </a:cubicBezTo>
-                <a:cubicBezTo>
-                  <a:pt x="6999780" y="9467"/>
-                  <a:pt x="6680409" y="18985"/>
-                  <a:pt x="6539492" y="18288"/>
-                </a:cubicBezTo>
-                <a:cubicBezTo>
-                  <a:pt x="6398575" y="17592"/>
-                  <a:pt x="6312077" y="33018"/>
-                  <a:pt x="6186739" y="18288"/>
-                </a:cubicBezTo>
-                <a:cubicBezTo>
-                  <a:pt x="6061401" y="3558"/>
-                  <a:pt x="5947033" y="12075"/>
-                  <a:pt x="5833986" y="18288"/>
-                </a:cubicBezTo>
-                <a:cubicBezTo>
-                  <a:pt x="5720939" y="24501"/>
-                  <a:pt x="5482226" y="8586"/>
-                  <a:pt x="5155616" y="18288"/>
-                </a:cubicBezTo>
-                <a:cubicBezTo>
-                  <a:pt x="4829006" y="27991"/>
-                  <a:pt x="4841274" y="29316"/>
-                  <a:pt x="4694324" y="18288"/>
-                </a:cubicBezTo>
-                <a:cubicBezTo>
-                  <a:pt x="4547374" y="7260"/>
-                  <a:pt x="4077675" y="7013"/>
-                  <a:pt x="3907414" y="18288"/>
-                </a:cubicBezTo>
-                <a:cubicBezTo>
-                  <a:pt x="3737153" y="29564"/>
-                  <a:pt x="3538393" y="21630"/>
-                  <a:pt x="3446122" y="18288"/>
-                </a:cubicBezTo>
-                <a:cubicBezTo>
-                  <a:pt x="3353851" y="14946"/>
-                  <a:pt x="2990320" y="-8091"/>
-                  <a:pt x="2659212" y="18288"/>
-                </a:cubicBezTo>
-                <a:cubicBezTo>
-                  <a:pt x="2328104" y="44667"/>
-                  <a:pt x="2427653" y="9607"/>
-                  <a:pt x="2306460" y="18288"/>
-                </a:cubicBezTo>
-                <a:cubicBezTo>
-                  <a:pt x="2185267" y="26969"/>
-                  <a:pt x="1719763" y="3717"/>
-                  <a:pt x="1519550" y="18288"/>
-                </a:cubicBezTo>
-                <a:cubicBezTo>
-                  <a:pt x="1319337" y="32860"/>
-                  <a:pt x="1167371" y="17040"/>
-                  <a:pt x="1058258" y="18288"/>
-                </a:cubicBezTo>
-                <a:cubicBezTo>
-                  <a:pt x="949145" y="19536"/>
-                  <a:pt x="780234" y="31447"/>
-                  <a:pt x="705505" y="18288"/>
-                </a:cubicBezTo>
-                <a:cubicBezTo>
-                  <a:pt x="630776" y="5129"/>
-                  <a:pt x="215796" y="30056"/>
-                  <a:pt x="0" y="18288"/>
-                </a:cubicBezTo>
-                <a:cubicBezTo>
-                  <a:pt x="-53" y="11301"/>
-                  <a:pt x="-649" y="7756"/>
-                  <a:pt x="0" y="0"/>
-                </a:cubicBezTo>
-                <a:close/>
-              </a:path>
-            </a:pathLst>
-          </a:custGeom>
-          <a:solidFill>
-            <a:schemeClr val="accent2"/>
-          </a:solidFill>
-          <a:ln w="41275" cap="rnd">
-            <a:solidFill>
-              <a:schemeClr val="accent2"/>
-            </a:solidFill>
-            <a:round/>
-            <a:extLst>
-              <a:ext uri="{C807C97D-BFC1-408E-A445-0C87EB9F89A2}">
-                <ask:lineSketchStyleProps xmlns:ask="http://schemas.microsoft.com/office/drawing/2018/sketchyshapes" sd="1219033472">
-                  <a:prstGeom prst="rect">
-                    <a:avLst/>
-                  </a:prstGeom>
-                  <ask:type>
-                    <ask:lineSketchFreehand/>
-                  </ask:type>
-                </ask:lineSketchStyleProps>
-              </a:ext>
-            </a:extLst>
-          </a:ln>
-        </p:spPr>
-        <p:style>
-          <a:lnRef idx="2">
-            <a:schemeClr val="accent1">
-              <a:shade val="50000"/>
-            </a:schemeClr>
-          </a:lnRef>
-          <a:fillRef idx="1">
-            <a:schemeClr val="accent1"/>
-          </a:fillRef>
-          <a:effectRef idx="0">
-            <a:schemeClr val="accent1"/>
-          </a:effectRef>
-          <a:fontRef idx="minor">
-            <a:schemeClr val="lt1"/>
-          </a:fontRef>
-        </p:style>
-        <p:txBody>
-          <a:bodyPr rtlCol="0" anchor="ctr"/>
-          <a:lstStyle/>
-          <a:p>
-            <a:pPr algn="ctr"/>
-            <a:endParaRPr lang="en-US" dirty="0"/>
-          </a:p>
-        </p:txBody>
-      </p:sp>
-      <p:sp>
-        <p:nvSpPr>
-          <p:cNvPr id="82" name="Segnaposto numero diapositiva 81">
-            <a:extLst>
-              <a:ext uri="{FF2B5EF4-FFF2-40B4-BE49-F238E27FC236}">
-                <a16:creationId xmlns:a16="http://schemas.microsoft.com/office/drawing/2014/main" id="{CE36A058-BEC2-4BC5-A467-F2EB2A365051}"/>
-              </a:ext>
-            </a:extLst>
-          </p:cNvPr>
-          <p:cNvSpPr>
-            <a:spLocks noGrp="1"/>
-          </p:cNvSpPr>
-          <p:nvPr>
-            <p:ph type="sldNum" sz="quarter" idx="12"/>
-          </p:nvPr>
-        </p:nvSpPr>
-        <p:spPr>
-          <a:xfrm>
-            <a:off x="11597950" y="6531428"/>
-            <a:ext cx="513183" cy="326571"/>
-          </a:xfrm>
-        </p:spPr>
-        <p:txBody>
-          <a:bodyPr vert="horz" lIns="91440" tIns="45720" rIns="91440" bIns="45720" rtlCol="0">
-            <a:normAutofit fontScale="92500" lnSpcReduction="10000"/>
           </a:bodyPr>
           <a:lstStyle/>
           <a:p>
@@ -39351,128 +38154,269 @@
           </a:p>
         </p:txBody>
       </p:sp>
+      <p:graphicFrame>
+        <p:nvGraphicFramePr>
+          <p:cNvPr id="6" name="Segnaposto contenuto 5">
+            <a:extLst>
+              <a:ext uri="{FF2B5EF4-FFF2-40B4-BE49-F238E27FC236}">
+                <a16:creationId xmlns:a16="http://schemas.microsoft.com/office/drawing/2014/main" id="{D4C19112-8E86-20DC-4B1E-612DCB806B9E}"/>
+              </a:ext>
+            </a:extLst>
+          </p:cNvPr>
+          <p:cNvGraphicFramePr>
+            <a:graphicFrameLocks noGrp="1"/>
+          </p:cNvGraphicFramePr>
+          <p:nvPr>
+            <p:ph idx="1"/>
+            <p:extLst>
+              <p:ext uri="{D42A27DB-BD31-4B8C-83A1-F6EECF244321}">
+                <p14:modId xmlns:p14="http://schemas.microsoft.com/office/powerpoint/2010/main" val="1643355825"/>
+              </p:ext>
+            </p:extLst>
+          </p:nvPr>
+        </p:nvGraphicFramePr>
+        <p:xfrm>
+          <a:off x="648820" y="1772816"/>
+          <a:ext cx="10515597" cy="1935480"/>
+        </p:xfrm>
+        <a:graphic>
+          <a:graphicData uri="http://schemas.openxmlformats.org/drawingml/2006/table">
+            <a:tbl>
+              <a:tblPr firstRow="1" bandRow="1">
+                <a:tableStyleId>{21E4AEA4-8DFA-4A89-87EB-49C32662AFE0}</a:tableStyleId>
+              </a:tblPr>
+              <a:tblGrid>
+                <a:gridCol w="3505199">
+                  <a:extLst>
+                    <a:ext uri="{9D8B030D-6E8A-4147-A177-3AD203B41FA5}">
+                      <a16:colId xmlns:a16="http://schemas.microsoft.com/office/drawing/2014/main" val="2118300434"/>
+                    </a:ext>
+                  </a:extLst>
+                </a:gridCol>
+                <a:gridCol w="3505199">
+                  <a:extLst>
+                    <a:ext uri="{9D8B030D-6E8A-4147-A177-3AD203B41FA5}">
+                      <a16:colId xmlns:a16="http://schemas.microsoft.com/office/drawing/2014/main" val="3583236644"/>
+                    </a:ext>
+                  </a:extLst>
+                </a:gridCol>
+                <a:gridCol w="3505199">
+                  <a:extLst>
+                    <a:ext uri="{9D8B030D-6E8A-4147-A177-3AD203B41FA5}">
+                      <a16:colId xmlns:a16="http://schemas.microsoft.com/office/drawing/2014/main" val="383665298"/>
+                    </a:ext>
+                  </a:extLst>
+                </a:gridCol>
+              </a:tblGrid>
+              <a:tr h="246517">
+                <a:tc>
+                  <a:txBody>
+                    <a:bodyPr/>
+                    <a:lstStyle/>
+                    <a:p>
+                      <a:r>
+                        <a:rPr lang="it-IT" sz="2000" dirty="0"/>
+                        <a:t>Funzionamento del Prodotto</a:t>
+                      </a:r>
+                    </a:p>
+                  </a:txBody>
+                  <a:tcPr/>
+                </a:tc>
+                <a:tc>
+                  <a:txBody>
+                    <a:bodyPr/>
+                    <a:lstStyle/>
+                    <a:p>
+                      <a:r>
+                        <a:rPr lang="it-IT" sz="2000" dirty="0"/>
+                        <a:t>Revisione del Prodotto</a:t>
+                      </a:r>
+                    </a:p>
+                  </a:txBody>
+                  <a:tcPr/>
+                </a:tc>
+                <a:tc>
+                  <a:txBody>
+                    <a:bodyPr/>
+                    <a:lstStyle/>
+                    <a:p>
+                      <a:r>
+                        <a:rPr lang="it-IT" sz="2000" dirty="0"/>
+                        <a:t>Transizione del Prodotto</a:t>
+                      </a:r>
+                    </a:p>
+                  </a:txBody>
+                  <a:tcPr/>
+                </a:tc>
+                <a:extLst>
+                  <a:ext uri="{0D108BD9-81ED-4DB2-BD59-A6C34878D82A}">
+                    <a16:rowId xmlns:a16="http://schemas.microsoft.com/office/drawing/2014/main" val="861850672"/>
+                  </a:ext>
+                </a:extLst>
+              </a:tr>
+              <a:tr h="965316">
+                <a:tc>
+                  <a:txBody>
+                    <a:bodyPr/>
+                    <a:lstStyle/>
+                    <a:p>
+                      <a:pPr marL="342900" indent="-342900">
+                        <a:buFont typeface="Arial" panose="020B0604020202020204" pitchFamily="34" charset="0"/>
+                        <a:buChar char="•"/>
+                      </a:pPr>
+                      <a:r>
+                        <a:rPr lang="it-IT" sz="1900" dirty="0"/>
+                        <a:t>Usabilità</a:t>
+                      </a:r>
+                    </a:p>
+                    <a:p>
+                      <a:pPr marL="342900" indent="-342900">
+                        <a:buFont typeface="Arial" panose="020B0604020202020204" pitchFamily="34" charset="0"/>
+                        <a:buChar char="•"/>
+                      </a:pPr>
+                      <a:r>
+                        <a:rPr lang="it-IT" sz="1900" dirty="0"/>
+                        <a:t>Correttezza</a:t>
+                      </a:r>
+                    </a:p>
+                    <a:p>
+                      <a:pPr marL="342900" indent="-342900">
+                        <a:buFont typeface="Arial" panose="020B0604020202020204" pitchFamily="34" charset="0"/>
+                        <a:buChar char="•"/>
+                      </a:pPr>
+                      <a:r>
+                        <a:rPr lang="it-IT" sz="1900" dirty="0"/>
+                        <a:t>Integrità</a:t>
+                      </a:r>
+                    </a:p>
+                    <a:p>
+                      <a:pPr marL="342900" indent="-342900">
+                        <a:buFont typeface="Arial" panose="020B0604020202020204" pitchFamily="34" charset="0"/>
+                        <a:buChar char="•"/>
+                      </a:pPr>
+                      <a:r>
+                        <a:rPr lang="it-IT" sz="1900" dirty="0"/>
+                        <a:t>Affidabilità</a:t>
+                      </a:r>
+                    </a:p>
+                    <a:p>
+                      <a:pPr marL="342900" indent="-342900">
+                        <a:buFont typeface="Arial" panose="020B0604020202020204" pitchFamily="34" charset="0"/>
+                        <a:buChar char="•"/>
+                      </a:pPr>
+                      <a:endParaRPr lang="it-IT" sz="1900" dirty="0"/>
+                    </a:p>
+                  </a:txBody>
+                  <a:tcPr/>
+                </a:tc>
+                <a:tc>
+                  <a:txBody>
+                    <a:bodyPr/>
+                    <a:lstStyle/>
+                    <a:p>
+                      <a:pPr marL="342900" indent="-342900">
+                        <a:buFont typeface="Arial" panose="020B0604020202020204" pitchFamily="34" charset="0"/>
+                        <a:buChar char="•"/>
+                      </a:pPr>
+                      <a:r>
+                        <a:rPr lang="it-IT" sz="1900" dirty="0"/>
+                        <a:t>Manutenibilità</a:t>
+                      </a:r>
+                    </a:p>
+                    <a:p>
+                      <a:pPr marL="342900" indent="-342900">
+                        <a:buFont typeface="Arial" panose="020B0604020202020204" pitchFamily="34" charset="0"/>
+                        <a:buChar char="•"/>
+                      </a:pPr>
+                      <a:r>
+                        <a:rPr lang="it-IT" sz="1900" dirty="0"/>
+                        <a:t>Testabilità</a:t>
+                      </a:r>
+                    </a:p>
+                  </a:txBody>
+                  <a:tcPr/>
+                </a:tc>
+                <a:tc>
+                  <a:txBody>
+                    <a:bodyPr/>
+                    <a:lstStyle/>
+                    <a:p>
+                      <a:pPr marL="342900" indent="-342900">
+                        <a:buFont typeface="Arial" panose="020B0604020202020204" pitchFamily="34" charset="0"/>
+                        <a:buChar char="•"/>
+                      </a:pPr>
+                      <a:r>
+                        <a:rPr lang="it-IT" sz="1900" dirty="0"/>
+                        <a:t>Riutilizzabilità</a:t>
+                      </a:r>
+                    </a:p>
+                  </a:txBody>
+                  <a:tcPr/>
+                </a:tc>
+                <a:extLst>
+                  <a:ext uri="{0D108BD9-81ED-4DB2-BD59-A6C34878D82A}">
+                    <a16:rowId xmlns:a16="http://schemas.microsoft.com/office/drawing/2014/main" val="3972584351"/>
+                  </a:ext>
+                </a:extLst>
+              </a:tr>
+            </a:tbl>
+          </a:graphicData>
+        </a:graphic>
+      </p:graphicFrame>
       <p:sp>
         <p:nvSpPr>
-          <p:cNvPr id="5" name="Segnaposto contenuto 4">
+          <p:cNvPr id="3" name="CasellaDiTesto 2">
             <a:extLst>
               <a:ext uri="{FF2B5EF4-FFF2-40B4-BE49-F238E27FC236}">
-                <a16:creationId xmlns:a16="http://schemas.microsoft.com/office/drawing/2014/main" id="{4C2922B9-05A6-2851-4268-32FCA9934BC2}"/>
+                <a16:creationId xmlns:a16="http://schemas.microsoft.com/office/drawing/2014/main" id="{C091BD2F-CDA6-C472-7A74-9AFC99D67D26}"/>
               </a:ext>
             </a:extLst>
           </p:cNvPr>
-          <p:cNvSpPr>
-            <a:spLocks noGrp="1"/>
-          </p:cNvSpPr>
-          <p:nvPr>
-            <p:ph idx="1"/>
-          </p:nvPr>
+          <p:cNvSpPr txBox="1"/>
+          <p:nvPr/>
         </p:nvSpPr>
         <p:spPr>
           <a:xfrm>
-            <a:off x="669035" y="1708976"/>
-            <a:ext cx="11442099" cy="5149024"/>
+            <a:off x="669037" y="3627201"/>
+            <a:ext cx="10495380" cy="3308598"/>
           </a:xfrm>
+          <a:prstGeom prst="rect">
+            <a:avLst/>
+          </a:prstGeom>
+          <a:noFill/>
         </p:spPr>
         <p:txBody>
-          <a:bodyPr>
-            <a:noAutofit/>
+          <a:bodyPr wrap="square" rtlCol="0">
+            <a:spAutoFit/>
           </a:bodyPr>
           <a:lstStyle/>
           <a:p>
-            <a:pPr marL="0" indent="0">
-              <a:buNone/>
-            </a:pPr>
-            <a:r>
-              <a:rPr lang="it-IT" sz="1800" dirty="0"/>
-              <a:t>Il ruolo di </a:t>
-            </a:r>
-            <a:r>
-              <a:rPr lang="it-IT" sz="1800" b="1" dirty="0"/>
-              <a:t>Scrum Master </a:t>
-            </a:r>
-            <a:r>
-              <a:rPr lang="it-IT" sz="1800" dirty="0"/>
-              <a:t>non appartiene ad un singolo membro del gruppo, ma viene condiviso tra tutti i collaboratori: in base alla sezione/parte del progetto su cui si sta lavorando, è stato scelto un membro come scrum master </a:t>
-            </a:r>
-            <a:r>
-              <a:rPr lang="it-IT" sz="1800" b="1" dirty="0"/>
-              <a:t>temporaneo</a:t>
-            </a:r>
-            <a:r>
-              <a:rPr lang="it-IT" sz="1800" dirty="0"/>
-              <a:t>; se gli altri membri vogliono apportare una modifica in quella parte del progetto, dovranno fare riferimento a lui, per capire se tale modifica è necessaria o meno (lo scrum master ha sempre l’ultima parola). Sebbene il ruolo di scrum master venga designato anticipatamente, i tre collaboratori devono sempre confrontarsi per le nuove modifiche e dare tutti il proprio consenso: sarà compito dello scrum master verificare se tali cambiamenti mantengono la qualità del software alta. Inoltre, lo scrum master deve mantenere alta la motivazione/concentrazione del gruppo, per portare a compimento le singole parti ed eliminare ostacoli che rallentano il lavoro.</a:t>
-            </a:r>
-          </a:p>
-          <a:p>
-            <a:pPr marL="0" indent="0">
-              <a:buNone/>
-            </a:pPr>
-            <a:endParaRPr lang="it-IT" sz="1800" dirty="0"/>
-          </a:p>
-          <a:p>
-            <a:pPr marL="0" indent="0">
-              <a:buNone/>
-            </a:pPr>
-            <a:r>
-              <a:rPr lang="it-IT" sz="1800" dirty="0"/>
-              <a:t>Ogni settimana i membri si incontrano per effettuare un </a:t>
-            </a:r>
-            <a:r>
-              <a:rPr lang="it-IT" sz="1800" b="1" dirty="0"/>
-              <a:t>weekly scrum</a:t>
-            </a:r>
-            <a:r>
-              <a:rPr lang="it-IT" sz="1800" dirty="0"/>
-              <a:t>: viene eseguito un resoconto sull’andamento del progetto nella settimana passata, vengono corretti errori e si cerca di trovare una soluzione comune a problemi di comprensione/dubbi di uno o più membri. Ogni </a:t>
-            </a:r>
-            <a:r>
-              <a:rPr lang="it-IT" sz="1800" b="1" dirty="0"/>
-              <a:t>sprint </a:t>
-            </a:r>
-            <a:r>
-              <a:rPr lang="it-IT" sz="1800" dirty="0"/>
-              <a:t>ha la</a:t>
-            </a:r>
-            <a:r>
-              <a:rPr lang="it-IT" sz="1800" b="1" dirty="0"/>
-              <a:t> </a:t>
-            </a:r>
-            <a:r>
-              <a:rPr lang="it-IT" sz="1800" dirty="0"/>
-              <a:t>durata di una settimana, entro la quale viene effettuato il weekly scrum; prima di procedere con lo sprint vero e proprio, è necessario stilare una lista di desideri/richieste, i quali devono essere portati a compimento entro la settimana corrente (</a:t>
-            </a:r>
-            <a:r>
-              <a:rPr lang="it-IT" sz="1800" b="1" dirty="0"/>
-              <a:t>sprint backlog</a:t>
-            </a:r>
-            <a:r>
-              <a:rPr lang="it-IT" sz="1800" dirty="0"/>
-              <a:t>). Il </a:t>
-            </a:r>
-            <a:r>
-              <a:rPr lang="it-IT" sz="1800" b="1" dirty="0"/>
-              <a:t>product owner</a:t>
-            </a:r>
-            <a:r>
-              <a:rPr lang="it-IT" sz="1800" dirty="0"/>
-              <a:t>, oltre a fare da tramite tra il gruppo di lavoro e i «clienti» (ospedale), deve definire una lista di priorità (</a:t>
-            </a:r>
-            <a:r>
-              <a:rPr lang="it-IT" sz="1800" b="1" dirty="0"/>
-              <a:t>product backlog</a:t>
-            </a:r>
-            <a:r>
-              <a:rPr lang="it-IT" sz="1800" dirty="0"/>
-              <a:t>): da essa si ricavano le voci degli sprint backlog; quindi, l’obiettivo è andare a concludere tutti i punti presenti nell’elenco attraverso la sequenza di sprint.</a:t>
-            </a:r>
-          </a:p>
-          <a:p>
-            <a:pPr marL="0" indent="0">
-              <a:buNone/>
-            </a:pPr>
-            <a:r>
-              <a:rPr lang="it-IT" sz="1800" dirty="0"/>
-              <a:t>La comunicazione, diretta e non, è molto importante: i membri del gruppo devono sempre essere aggiornati su nuove modifiche o richieste, e ciò avviene grazie ad app di messagistica o issue su GitHub.</a:t>
+            <a:r>
+              <a:rPr lang="it-IT" sz="1900" dirty="0"/>
+              <a:t>La qualità del software è definita come «il grado in cui il sistema soddisfa le esigenze/aspettative del cliente». I criteri di qualità possono essere misurati soggettivamente o oggettivamente, al fine di ottenere una misura complessiva dell’intero grado di qualità del software, e possono essere interni o esterni (rispettivamente, se rispondono alle esigenze degli sviluppatori o dell’utente finale, l’ospedale). </a:t>
+            </a:r>
+          </a:p>
+          <a:p>
+            <a:r>
+              <a:rPr lang="it-IT" sz="1900" dirty="0"/>
+              <a:t>Il team si è impegnato a rispondere ai requisiti di qualità tassonomici di McCall: nella tabella sopra sono riportati i principali requisiti che il team si è impegnato a soddisfare, per rendere forte il progetto.</a:t>
+            </a:r>
+          </a:p>
+          <a:p>
+            <a:endParaRPr lang="it-IT" sz="1900" dirty="0"/>
+          </a:p>
+          <a:p>
+            <a:r>
+              <a:rPr lang="it-IT" sz="1900" dirty="0"/>
+              <a:t>L’attenzione è rivolta in particolare al funzionamento e revisione del prodotto: l’obiettivo è permettere al programma di funzionare in modo corretto, rispondendo ai requisiti designati dal team. Anche se il progetto non sarà commercializzabile completamente a fine lavoro, il team ha implementato il codice perché parte di </a:t>
+            </a:r>
+            <a:r>
+              <a:rPr lang="it-IT" sz="1900"/>
+              <a:t>esso o tutto </a:t>
+            </a:r>
+            <a:r>
+              <a:rPr lang="it-IT" sz="1900" dirty="0"/>
+              <a:t>possa essere riutilizzabile in futuro.</a:t>
             </a:r>
           </a:p>
         </p:txBody>
@@ -39480,7 +38424,7 @@
     </p:spTree>
     <p:extLst>
       <p:ext uri="{BB962C8B-B14F-4D97-AF65-F5344CB8AC3E}">
-        <p14:creationId xmlns:p14="http://schemas.microsoft.com/office/powerpoint/2010/main" val="762597572"/>
+        <p14:creationId xmlns:p14="http://schemas.microsoft.com/office/powerpoint/2010/main" val="1634375711"/>
       </p:ext>
     </p:extLst>
   </p:cSld>
@@ -40376,15 +39320,6 @@
 </file>
 
 <file path=customXml/item1.xml><?xml version="1.0" encoding="utf-8"?>
-<?mso-contentType ?>
-<FormTemplates xmlns="http://schemas.microsoft.com/sharepoint/v3/contenttype/forms">
-  <Display>DocumentLibraryForm</Display>
-  <Edit>DocumentLibraryForm</Edit>
-  <New>DocumentLibraryForm</New>
-</FormTemplates>
-</file>
-
-<file path=customXml/item2.xml><?xml version="1.0" encoding="utf-8"?>
 <ct:contentTypeSchema xmlns:ct="http://schemas.microsoft.com/office/2006/metadata/contentType" xmlns:ma="http://schemas.microsoft.com/office/2006/metadata/properties/metaAttributes" ct:_="" ma:_="" ma:contentTypeName="Documento" ma:contentTypeID="0x0101007CE6213B20D2F945B0D1473923EE410F" ma:contentTypeVersion="7" ma:contentTypeDescription="Creare un nuovo documento." ma:contentTypeScope="" ma:versionID="dc8ac43e96b461727accd63cf925a5cf">
   <xsd:schema xmlns:xsd="http://www.w3.org/2001/XMLSchema" xmlns:xs="http://www.w3.org/2001/XMLSchema" xmlns:p="http://schemas.microsoft.com/office/2006/metadata/properties" xmlns:ns2="243f3390-b919-40e8-8195-3613e8527352" targetNamespace="http://schemas.microsoft.com/office/2006/metadata/properties" ma:root="true" ma:fieldsID="1987007e621e1b24d40e437f012b913d" ns2:_="">
     <xsd:import namespace="243f3390-b919-40e8-8195-3613e8527352"/>
@@ -40546,6 +39481,15 @@
 </ct:contentTypeSchema>
 </file>
 
+<file path=customXml/item2.xml><?xml version="1.0" encoding="utf-8"?>
+<?mso-contentType ?>
+<FormTemplates xmlns="http://schemas.microsoft.com/sharepoint/v3/contenttype/forms">
+  <Display>DocumentLibraryForm</Display>
+  <Edit>DocumentLibraryForm</Edit>
+  <New>DocumentLibraryForm</New>
+</FormTemplates>
+</file>
+
 <file path=customXml/item3.xml><?xml version="1.0" encoding="utf-8"?>
 <p:properties xmlns:p="http://schemas.microsoft.com/office/2006/metadata/properties" xmlns:xsi="http://www.w3.org/2001/XMLSchema-instance" xmlns:pc="http://schemas.microsoft.com/office/infopath/2007/PartnerControls">
   <documentManagement/>
@@ -40553,14 +39497,6 @@
 </file>
 
 <file path=customXml/itemProps1.xml><?xml version="1.0" encoding="utf-8"?>
-<ds:datastoreItem xmlns:ds="http://schemas.openxmlformats.org/officeDocument/2006/customXml" ds:itemID="{42BC90D6-94CF-42F7-AAC4-9CF6824C54D5}">
-  <ds:schemaRefs>
-    <ds:schemaRef ds:uri="http://schemas.microsoft.com/sharepoint/v3/contenttype/forms"/>
-  </ds:schemaRefs>
-</ds:datastoreItem>
-</file>
-
-<file path=customXml/itemProps2.xml><?xml version="1.0" encoding="utf-8"?>
 <ds:datastoreItem xmlns:ds="http://schemas.openxmlformats.org/officeDocument/2006/customXml" ds:itemID="{1A503E23-9696-4358-8F00-F7F66AC755EB}">
   <ds:schemaRefs>
     <ds:schemaRef ds:uri="http://schemas.microsoft.com/office/2006/metadata/contentType"/>
@@ -40574,6 +39510,14 @@
     <ds:schemaRef ds:uri="http://purl.org/dc/elements/1.1/"/>
     <ds:schemaRef ds:uri="http://purl.org/dc/terms/"/>
     <ds:schemaRef ds:uri="http://schemas.microsoft.com/internal/obd"/>
+  </ds:schemaRefs>
+</ds:datastoreItem>
+</file>
+
+<file path=customXml/itemProps2.xml><?xml version="1.0" encoding="utf-8"?>
+<ds:datastoreItem xmlns:ds="http://schemas.openxmlformats.org/officeDocument/2006/customXml" ds:itemID="{42BC90D6-94CF-42F7-AAC4-9CF6824C54D5}">
+  <ds:schemaRefs>
+    <ds:schemaRef ds:uri="http://schemas.microsoft.com/sharepoint/v3/contenttype/forms"/>
   </ds:schemaRefs>
 </ds:datastoreItem>
 </file>

--- a/Presentazione/Presentazione_Progetto.pptx
+++ b/Presentazione/Presentazione_Progetto.pptx
@@ -170,7 +170,7 @@
 <file path=ppt/revisionInfo.xml><?xml version="1.0" encoding="utf-8"?>
 <p1510:revInfo xmlns:a="http://schemas.openxmlformats.org/drawingml/2006/main" xmlns:r="http://schemas.openxmlformats.org/officeDocument/2006/relationships" xmlns:p1510="http://schemas.microsoft.com/office/powerpoint/2015/10/main">
   <p1510:revLst>
-    <p1510:client id="{E6DC4EAA-0AC7-4D8A-9ABA-9B4C09DD8308}" v="556" dt="2024-03-22T19:57:27.590"/>
+    <p1510:client id="{E6DC4EAA-0AC7-4D8A-9ABA-9B4C09DD8308}" v="579" dt="2024-03-23T10:39:10.438"/>
   </p1510:revLst>
 </p1510:revInfo>
 </file>
@@ -180,7 +180,7 @@
   <pc:docChgLst>
     <pc:chgData name="Matteo MANGILI" userId="89c7df381375e6aa" providerId="LiveId" clId="{E6DC4EAA-0AC7-4D8A-9ABA-9B4C09DD8308}"/>
     <pc:docChg chg="undo custSel addSld delSld modSld sldOrd">
-      <pc:chgData name="Matteo MANGILI" userId="89c7df381375e6aa" providerId="LiveId" clId="{E6DC4EAA-0AC7-4D8A-9ABA-9B4C09DD8308}" dt="2024-03-22T20:11:20.492" v="19280" actId="27636"/>
+      <pc:chgData name="Matteo MANGILI" userId="89c7df381375e6aa" providerId="LiveId" clId="{E6DC4EAA-0AC7-4D8A-9ABA-9B4C09DD8308}" dt="2024-03-23T10:42:00.368" v="19715" actId="20577"/>
       <pc:docMkLst>
         <pc:docMk/>
       </pc:docMkLst>
@@ -353,13 +353,13 @@
         </pc:spChg>
       </pc:sldChg>
       <pc:sldChg chg="addSp delSp modSp mod">
-        <pc:chgData name="Matteo MANGILI" userId="89c7df381375e6aa" providerId="LiveId" clId="{E6DC4EAA-0AC7-4D8A-9ABA-9B4C09DD8308}" dt="2024-03-22T20:05:33.783" v="19276" actId="20577"/>
+        <pc:chgData name="Matteo MANGILI" userId="89c7df381375e6aa" providerId="LiveId" clId="{E6DC4EAA-0AC7-4D8A-9ABA-9B4C09DD8308}" dt="2024-03-23T10:31:13.035" v="19415" actId="27636"/>
         <pc:sldMkLst>
           <pc:docMk/>
           <pc:sldMk cId="3568766427" sldId="306"/>
         </pc:sldMkLst>
         <pc:spChg chg="add del mod">
-          <ac:chgData name="Matteo MANGILI" userId="89c7df381375e6aa" providerId="LiveId" clId="{E6DC4EAA-0AC7-4D8A-9ABA-9B4C09DD8308}" dt="2024-03-21T12:19:01.108" v="15564" actId="20577"/>
+          <ac:chgData name="Matteo MANGILI" userId="89c7df381375e6aa" providerId="LiveId" clId="{E6DC4EAA-0AC7-4D8A-9ABA-9B4C09DD8308}" dt="2024-03-23T10:31:13.035" v="19415" actId="27636"/>
           <ac:spMkLst>
             <pc:docMk/>
             <pc:sldMk cId="3568766427" sldId="306"/>
@@ -400,13 +400,13 @@
         </pc:picChg>
       </pc:sldChg>
       <pc:sldChg chg="modSp mod">
-        <pc:chgData name="Matteo MANGILI" userId="89c7df381375e6aa" providerId="LiveId" clId="{E6DC4EAA-0AC7-4D8A-9ABA-9B4C09DD8308}" dt="2024-03-22T20:04:52.385" v="19263" actId="27636"/>
+        <pc:chgData name="Matteo MANGILI" userId="89c7df381375e6aa" providerId="LiveId" clId="{E6DC4EAA-0AC7-4D8A-9ABA-9B4C09DD8308}" dt="2024-03-23T10:42:00.368" v="19715" actId="20577"/>
         <pc:sldMkLst>
           <pc:docMk/>
           <pc:sldMk cId="42136755" sldId="307"/>
         </pc:sldMkLst>
         <pc:spChg chg="mod">
-          <ac:chgData name="Matteo MANGILI" userId="89c7df381375e6aa" providerId="LiveId" clId="{E6DC4EAA-0AC7-4D8A-9ABA-9B4C09DD8308}" dt="2024-03-22T20:04:52.385" v="19263" actId="27636"/>
+          <ac:chgData name="Matteo MANGILI" userId="89c7df381375e6aa" providerId="LiveId" clId="{E6DC4EAA-0AC7-4D8A-9ABA-9B4C09DD8308}" dt="2024-03-23T10:42:00.368" v="19715" actId="20577"/>
           <ac:spMkLst>
             <pc:docMk/>
             <pc:sldMk cId="42136755" sldId="307"/>
@@ -438,13 +438,13 @@
         </pc:spChg>
       </pc:sldChg>
       <pc:sldChg chg="modSp mod">
-        <pc:chgData name="Matteo MANGILI" userId="89c7df381375e6aa" providerId="LiveId" clId="{E6DC4EAA-0AC7-4D8A-9ABA-9B4C09DD8308}" dt="2024-03-19T21:50:46.762" v="11750" actId="20577"/>
+        <pc:chgData name="Matteo MANGILI" userId="89c7df381375e6aa" providerId="LiveId" clId="{E6DC4EAA-0AC7-4D8A-9ABA-9B4C09DD8308}" dt="2024-03-23T10:33:39.475" v="19475" actId="20577"/>
         <pc:sldMkLst>
           <pc:docMk/>
           <pc:sldMk cId="2214790197" sldId="310"/>
         </pc:sldMkLst>
         <pc:spChg chg="mod">
-          <ac:chgData name="Matteo MANGILI" userId="89c7df381375e6aa" providerId="LiveId" clId="{E6DC4EAA-0AC7-4D8A-9ABA-9B4C09DD8308}" dt="2024-03-19T21:50:46.762" v="11750" actId="20577"/>
+          <ac:chgData name="Matteo MANGILI" userId="89c7df381375e6aa" providerId="LiveId" clId="{E6DC4EAA-0AC7-4D8A-9ABA-9B4C09DD8308}" dt="2024-03-23T10:33:39.475" v="19475" actId="20577"/>
           <ac:spMkLst>
             <pc:docMk/>
             <pc:sldMk cId="2214790197" sldId="310"/>
@@ -649,13 +649,13 @@
         </pc:picChg>
       </pc:sldChg>
       <pc:sldChg chg="modSp mod">
-        <pc:chgData name="Matteo MANGILI" userId="89c7df381375e6aa" providerId="LiveId" clId="{E6DC4EAA-0AC7-4D8A-9ABA-9B4C09DD8308}" dt="2024-03-21T21:34:01.430" v="16533" actId="20577"/>
+        <pc:chgData name="Matteo MANGILI" userId="89c7df381375e6aa" providerId="LiveId" clId="{E6DC4EAA-0AC7-4D8A-9ABA-9B4C09DD8308}" dt="2024-03-23T10:22:12.872" v="19413" actId="20577"/>
         <pc:sldMkLst>
           <pc:docMk/>
           <pc:sldMk cId="1634375711" sldId="317"/>
         </pc:sldMkLst>
         <pc:spChg chg="mod">
-          <ac:chgData name="Matteo MANGILI" userId="89c7df381375e6aa" providerId="LiveId" clId="{E6DC4EAA-0AC7-4D8A-9ABA-9B4C09DD8308}" dt="2024-03-21T21:34:01.430" v="16533" actId="20577"/>
+          <ac:chgData name="Matteo MANGILI" userId="89c7df381375e6aa" providerId="LiveId" clId="{E6DC4EAA-0AC7-4D8A-9ABA-9B4C09DD8308}" dt="2024-03-23T10:22:12.872" v="19413" actId="20577"/>
           <ac:spMkLst>
             <pc:docMk/>
             <pc:sldMk cId="1634375711" sldId="317"/>
@@ -858,7 +858,7 @@
         </pc:picChg>
       </pc:sldChg>
       <pc:sldChg chg="modSp add mod">
-        <pc:chgData name="Matteo MANGILI" userId="89c7df381375e6aa" providerId="LiveId" clId="{E6DC4EAA-0AC7-4D8A-9ABA-9B4C09DD8308}" dt="2024-03-19T21:54:06.791" v="11777" actId="20577"/>
+        <pc:chgData name="Matteo MANGILI" userId="89c7df381375e6aa" providerId="LiveId" clId="{E6DC4EAA-0AC7-4D8A-9ABA-9B4C09DD8308}" dt="2024-03-23T10:39:15.263" v="19700" actId="20577"/>
         <pc:sldMkLst>
           <pc:docMk/>
           <pc:sldMk cId="2689722702" sldId="324"/>
@@ -872,7 +872,7 @@
           </ac:spMkLst>
         </pc:spChg>
         <pc:spChg chg="mod">
-          <ac:chgData name="Matteo MANGILI" userId="89c7df381375e6aa" providerId="LiveId" clId="{E6DC4EAA-0AC7-4D8A-9ABA-9B4C09DD8308}" dt="2024-03-19T21:54:06.791" v="11777" actId="20577"/>
+          <ac:chgData name="Matteo MANGILI" userId="89c7df381375e6aa" providerId="LiveId" clId="{E6DC4EAA-0AC7-4D8A-9ABA-9B4C09DD8308}" dt="2024-03-23T10:39:15.263" v="19700" actId="20577"/>
           <ac:spMkLst>
             <pc:docMk/>
             <pc:sldMk cId="2689722702" sldId="324"/>
@@ -1728,7 +1728,7 @@
             <a:pPr rtl="0"/>
             <a:fld id="{DBC54730-5EBA-4920-A6C4-7F8458A7F940}" type="datetime1">
               <a:rPr lang="it-IT" smtClean="0"/>
-              <a:t>22/03/2024</a:t>
+              <a:t>23/03/2024</a:t>
             </a:fld>
             <a:endParaRPr lang="it-IT" dirty="0"/>
           </a:p>
@@ -1910,7 +1910,7 @@
             <a:fld id="{85EC1C34-318D-43A8-83F5-3AC8647FE75E}" type="datetime1">
               <a:rPr lang="it-IT" smtClean="0"/>
               <a:pPr/>
-              <a:t>22/03/2024</a:t>
+              <a:t>23/03/2024</a:t>
             </a:fld>
             <a:endParaRPr lang="it-IT" dirty="0"/>
           </a:p>
@@ -24255,7 +24255,7 @@
             </a:r>
             <a:r>
               <a:rPr lang="en-US" sz="1900" dirty="0"/>
-              <a:t> slide, </a:t>
+              <a:t> slide </a:t>
             </a:r>
             <a:r>
               <a:rPr lang="en-US" sz="1900" dirty="0" err="1"/>
@@ -24303,7 +24303,7 @@
             </a:r>
             <a:r>
               <a:rPr lang="en-US" sz="1900" dirty="0"/>
-              <a:t> della repository </a:t>
+              <a:t> del repository </a:t>
             </a:r>
             <a:r>
               <a:rPr lang="en-US" sz="1900" dirty="0" err="1"/>
@@ -24335,11 +24335,11 @@
             </a:r>
             <a:r>
               <a:rPr lang="en-US" sz="1900" dirty="0"/>
-              <a:t> </a:t>
+              <a:t> che </a:t>
             </a:r>
             <a:r>
               <a:rPr lang="en-US" sz="1900" dirty="0" err="1"/>
-              <a:t>che</a:t>
+              <a:t>descrivono</a:t>
             </a:r>
             <a:r>
               <a:rPr lang="en-US" sz="1900" dirty="0"/>
@@ -24347,19 +24347,11 @@
             </a:r>
             <a:r>
               <a:rPr lang="en-US" sz="1900" dirty="0" err="1"/>
-              <a:t>descrivono</a:t>
-            </a:r>
-            <a:r>
-              <a:rPr lang="en-US" sz="1900" dirty="0"/>
-              <a:t> </a:t>
-            </a:r>
-            <a:r>
-              <a:rPr lang="en-US" sz="1900" dirty="0" err="1"/>
               <a:t>l’inero</a:t>
             </a:r>
             <a:r>
-              <a:rPr lang="en-US" sz="1900" dirty="0"/>
-              <a:t> Sistema </a:t>
+              <a:rPr lang="en-US" sz="1900"/>
+              <a:t> sistema </a:t>
             </a:r>
             <a:r>
               <a:rPr lang="en-US" sz="1900" dirty="0" err="1"/>
@@ -29028,7 +29020,7 @@
         </p:spPr>
         <p:txBody>
           <a:bodyPr>
-            <a:normAutofit lnSpcReduction="10000"/>
+            <a:normAutofit/>
           </a:bodyPr>
           <a:lstStyle/>
           <a:p>
@@ -29036,7 +29028,7 @@
               <a:buNone/>
             </a:pPr>
             <a:r>
-              <a:rPr lang="en-US" sz="2200" dirty="0"/>
+              <a:rPr lang="en-US" sz="2000" dirty="0"/>
               <a:t>Per accedere alla pagina personale di Sistema, bisogna inanzitutto inserire le credenziali (matricola e password) corrette.</a:t>
             </a:r>
           </a:p>
@@ -29045,103 +29037,79 @@
               <a:buNone/>
             </a:pPr>
             <a:r>
-              <a:rPr lang="en-US" sz="2200" dirty="0"/>
+              <a:rPr lang="en-US" sz="2000" dirty="0"/>
               <a:t>Una volta eseguito l’accesso, l’utente può registrare nuovi pazienti, </a:t>
             </a:r>
             <a:r>
-              <a:rPr lang="en-US" sz="2200" dirty="0" err="1"/>
+              <a:rPr lang="en-US" sz="2000" dirty="0" err="1"/>
               <a:t>generare</a:t>
             </a:r>
             <a:r>
-              <a:rPr lang="en-US" sz="2200" dirty="0"/>
+              <a:rPr lang="en-US" sz="2000" dirty="0"/>
               <a:t> </a:t>
             </a:r>
             <a:r>
-              <a:rPr lang="en-US" sz="2200" dirty="0" err="1"/>
+              <a:rPr lang="en-US" sz="2000" dirty="0" err="1"/>
               <a:t>nuove</a:t>
             </a:r>
             <a:r>
-              <a:rPr lang="en-US" sz="2200" dirty="0"/>
+              <a:rPr lang="en-US" sz="2000" dirty="0"/>
               <a:t> </a:t>
             </a:r>
             <a:r>
-              <a:rPr lang="en-US" sz="2200" dirty="0" err="1"/>
+              <a:rPr lang="en-US" sz="2000" dirty="0" err="1"/>
               <a:t>operazioni</a:t>
             </a:r>
             <a:r>
-              <a:rPr lang="en-US" sz="2200" dirty="0"/>
+              <a:rPr lang="en-US" sz="2000" dirty="0"/>
               <a:t> (</a:t>
             </a:r>
             <a:r>
-              <a:rPr lang="en-US" sz="2200" dirty="0" err="1"/>
+              <a:rPr lang="en-US" sz="2000" dirty="0" err="1"/>
               <a:t>partendo</a:t>
             </a:r>
             <a:r>
-              <a:rPr lang="en-US" sz="2200" dirty="0"/>
+              <a:rPr lang="en-US" sz="2000" dirty="0"/>
               <a:t> </a:t>
             </a:r>
             <a:r>
-              <a:rPr lang="en-US" sz="2200" dirty="0" err="1"/>
+              <a:rPr lang="en-US" sz="2000" dirty="0" err="1"/>
               <a:t>dalle</a:t>
             </a:r>
             <a:r>
-              <a:rPr lang="en-US" sz="2200" dirty="0"/>
+              <a:rPr lang="en-US" sz="2000" dirty="0"/>
+              <a:t> anagrafiche create) e compilare i relativi verbali medici, </a:t>
+            </a:r>
+            <a:r>
+              <a:rPr lang="en-US" sz="2000" dirty="0" err="1"/>
+              <a:t>sulla</a:t>
+            </a:r>
+            <a:r>
+              <a:rPr lang="en-US" sz="2000" dirty="0"/>
+              <a:t> base </a:t>
+            </a:r>
+            <a:r>
+              <a:rPr lang="en-US" sz="2000" dirty="0" err="1"/>
+              <a:t>delle</a:t>
+            </a:r>
+            <a:r>
+              <a:rPr lang="en-US" sz="2000" dirty="0"/>
               <a:t> </a:t>
             </a:r>
             <a:r>
-              <a:rPr lang="en-US" sz="2200" dirty="0" err="1"/>
-              <a:t>anagrafiche</a:t>
-            </a:r>
-            <a:r>
-              <a:rPr lang="en-US" sz="2200" dirty="0"/>
-              <a:t> create) e compilare i relativi </a:t>
-            </a:r>
-            <a:r>
-              <a:rPr lang="en-US" sz="2200" dirty="0" err="1"/>
-              <a:t>verbali</a:t>
-            </a:r>
-            <a:r>
-              <a:rPr lang="en-US" sz="2200" dirty="0"/>
+              <a:rPr lang="en-US" sz="2000" dirty="0" err="1"/>
+              <a:t>singole</a:t>
+            </a:r>
+            <a:r>
+              <a:rPr lang="en-US" sz="2000" dirty="0"/>
               <a:t> </a:t>
             </a:r>
             <a:r>
-              <a:rPr lang="en-US" sz="2200" dirty="0" err="1"/>
-              <a:t>medici</a:t>
-            </a:r>
-            <a:r>
-              <a:rPr lang="en-US" sz="2200" dirty="0"/>
-              <a:t>, </a:t>
-            </a:r>
-            <a:r>
-              <a:rPr lang="en-US" sz="2200" dirty="0" err="1"/>
-              <a:t>sulla</a:t>
-            </a:r>
-            <a:r>
-              <a:rPr lang="en-US" sz="2200" dirty="0"/>
-              <a:t> base </a:t>
-            </a:r>
-            <a:r>
-              <a:rPr lang="en-US" sz="2200" dirty="0" err="1"/>
-              <a:t>delle</a:t>
-            </a:r>
-            <a:r>
-              <a:rPr lang="en-US" sz="2200" dirty="0"/>
-              <a:t> </a:t>
-            </a:r>
-            <a:r>
-              <a:rPr lang="en-US" sz="2200" dirty="0" err="1"/>
-              <a:t>singole</a:t>
-            </a:r>
-            <a:r>
-              <a:rPr lang="en-US" sz="2200" dirty="0"/>
-              <a:t> </a:t>
-            </a:r>
-            <a:r>
-              <a:rPr lang="en-US" sz="2200" dirty="0" err="1"/>
+              <a:rPr lang="en-US" sz="2000" dirty="0" err="1"/>
               <a:t>operazioni</a:t>
             </a:r>
             <a:r>
-              <a:rPr lang="en-US" sz="2200" dirty="0"/>
+              <a:rPr lang="en-US" sz="2000" dirty="0"/>
               <a:t>.</a:t>
             </a:r>
           </a:p>
@@ -29150,7 +29118,7 @@
               <a:buNone/>
             </a:pPr>
             <a:r>
-              <a:rPr lang="en-US" sz="2200" dirty="0"/>
+              <a:rPr lang="en-US" sz="2000" dirty="0"/>
               <a:t>Eliminando la pagina anagrafica di un certo paziente, si cancellano, di conseguenza, le liste operatorie che lo coinvolgono; allo stesso modo, cancellando una lista operatoria si eliminano i verbali medici associati a quella lista.</a:t>
             </a:r>
           </a:p>
@@ -30039,7 +30007,15 @@
             </a:pPr>
             <a:r>
               <a:rPr lang="en-US" sz="2000" dirty="0"/>
-              <a:t>Nell’effettuare un testing al nostro Progetto, abbiamo optato per un test di tipo </a:t>
+              <a:t>Nell’effettuare un testing al nostro </a:t>
+            </a:r>
+            <a:r>
+              <a:rPr lang="en-US" sz="2000" dirty="0" err="1"/>
+              <a:t>progetto</a:t>
+            </a:r>
+            <a:r>
+              <a:rPr lang="en-US" sz="2000" dirty="0"/>
+              <a:t>, abbiamo optato per un test di tipo </a:t>
             </a:r>
             <a:r>
               <a:rPr lang="en-US" sz="2000" b="1" dirty="0"/>
@@ -30137,15 +30113,7 @@
             </a:r>
             <a:r>
               <a:rPr lang="en-US" sz="2000" dirty="0"/>
-              <a:t>, abbiamo potuto definire diversi casi di test a seconda della funzionalità che si va ad implementare. I test fanno riferimento al DataService, ove sono contenute le </a:t>
-            </a:r>
-            <a:r>
-              <a:rPr lang="en-US" sz="2000" dirty="0" err="1"/>
-              <a:t>operazioni</a:t>
-            </a:r>
-            <a:r>
-              <a:rPr lang="en-US" sz="2000" dirty="0"/>
-              <a:t> possibili accedendo alla pagina personale:</a:t>
+              <a:t>, abbiamo potuto definire diversi casi di test a seconda della funzionalità che si va ad implementare. I test fanno riferimento al DataService, ove sono contenute le funzioni possibili al medico, accedendo alla pagina personale:</a:t>
             </a:r>
           </a:p>
           <a:p>
@@ -30183,7 +30151,7 @@
             </a:r>
             <a:r>
               <a:rPr lang="en-US" sz="2000" dirty="0"/>
-              <a:t>, test per l’accesso al Sistema con credenziali corrette;</a:t>
+              <a:t>, test che verifica l’accesso al sistema con credenziali corrette;</a:t>
             </a:r>
           </a:p>
           <a:p>
@@ -31058,7 +31026,7 @@
         </p:spPr>
         <p:txBody>
           <a:bodyPr>
-            <a:normAutofit/>
+            <a:normAutofit fontScale="92500" lnSpcReduction="10000"/>
           </a:bodyPr>
           <a:lstStyle/>
           <a:p>
@@ -31309,7 +31277,39 @@
                 <a:ea typeface="+mn-ea"/>
                 <a:cs typeface="+mn-cs"/>
               </a:rPr>
-              <a:t>Inserito un codice operazione non archiviato/insesistente, il test verifica che non esiste Nessun verbale medico associato;</a:t>
+              <a:t>Inserito un codice operazione non archiviato/insesistente, il test verifica che non esiste </a:t>
+            </a:r>
+            <a:r>
+              <a:rPr kumimoji="0" lang="en-US" sz="1900" b="0" u="none" strike="noStrike" kern="1200" cap="none" spc="0" normalizeH="0" baseline="0" noProof="0" dirty="0" err="1">
+                <a:ln>
+                  <a:noFill/>
+                </a:ln>
+                <a:solidFill>
+                  <a:prstClr val="black"/>
+                </a:solidFill>
+                <a:uLnTx/>
+                <a:uFillTx/>
+                <a:latin typeface="Calibri" panose="020F0502020204030204"/>
+                <a:ea typeface="+mn-ea"/>
+                <a:cs typeface="+mn-cs"/>
+              </a:rPr>
+              <a:t>alcun</a:t>
+            </a:r>
+            <a:r>
+              <a:rPr kumimoji="0" lang="en-US" sz="1900" b="0" u="none" strike="noStrike" kern="1200" cap="none" spc="0" normalizeH="0" baseline="0" noProof="0" dirty="0">
+                <a:ln>
+                  <a:noFill/>
+                </a:ln>
+                <a:solidFill>
+                  <a:prstClr val="black"/>
+                </a:solidFill>
+                <a:uLnTx/>
+                <a:uFillTx/>
+                <a:latin typeface="Calibri" panose="020F0502020204030204"/>
+                <a:ea typeface="+mn-ea"/>
+                <a:cs typeface="+mn-cs"/>
+              </a:rPr>
+              <a:t> verbale medico associato;</a:t>
             </a:r>
           </a:p>
           <a:p>
@@ -31478,7 +31478,57 @@
               </a:rPr>
               <a:t>, test che simula il salvataggio di un’operazione ma che fallisce, per l’inserimento erratto della matricola del medico;</a:t>
             </a:r>
-            <a:endParaRPr lang="en-US" sz="2000" i="1" dirty="0"/>
+          </a:p>
+          <a:p>
+            <a:pPr marL="457200" marR="0" lvl="1" indent="0" algn="l" defTabSz="914400" rtl="0" eaLnBrk="1" fontAlgn="auto" latinLnBrk="0" hangingPunct="1">
+              <a:lnSpc>
+                <a:spcPct val="90000"/>
+              </a:lnSpc>
+              <a:spcBef>
+                <a:spcPts val="500"/>
+              </a:spcBef>
+              <a:spcAft>
+                <a:spcPts val="0"/>
+              </a:spcAft>
+              <a:buClrTx/>
+              <a:buSzTx/>
+              <a:buNone/>
+              <a:tabLst/>
+              <a:defRPr/>
+            </a:pPr>
+            <a:endParaRPr lang="en-US" sz="2000" dirty="0">
+              <a:solidFill>
+                <a:prstClr val="black"/>
+              </a:solidFill>
+              <a:latin typeface="Calibri" panose="020F0502020204030204"/>
+            </a:endParaRPr>
+          </a:p>
+          <a:p>
+            <a:pPr marL="457200" marR="0" lvl="1" indent="0" algn="l" defTabSz="914400" rtl="0" eaLnBrk="1" fontAlgn="auto" latinLnBrk="0" hangingPunct="1">
+              <a:lnSpc>
+                <a:spcPct val="90000"/>
+              </a:lnSpc>
+              <a:spcBef>
+                <a:spcPts val="500"/>
+              </a:spcBef>
+              <a:spcAft>
+                <a:spcPts val="0"/>
+              </a:spcAft>
+              <a:buClrTx/>
+              <a:buSzTx/>
+              <a:buNone/>
+              <a:tabLst/>
+              <a:defRPr/>
+            </a:pPr>
+            <a:r>
+              <a:rPr lang="en-US" sz="1900" dirty="0">
+                <a:solidFill>
+                  <a:prstClr val="black"/>
+                </a:solidFill>
+                <a:latin typeface="Calibri" panose="020F0502020204030204"/>
+              </a:rPr>
+              <a:t>N.B. Queste tipologie di test possono essere applicate, adattandole al contesto, anche nel caso di salvataggio di pagine anagrafiche e verbali medici.</a:t>
+            </a:r>
           </a:p>
         </p:txBody>
       </p:sp>
@@ -38377,8 +38427,8 @@
         </p:nvSpPr>
         <p:spPr>
           <a:xfrm>
-            <a:off x="669037" y="3627201"/>
-            <a:ext cx="10495380" cy="3308598"/>
+            <a:off x="569167" y="4021121"/>
+            <a:ext cx="11066106" cy="2431435"/>
           </a:xfrm>
           <a:prstGeom prst="rect">
             <a:avLst/>
@@ -38393,30 +38443,16 @@
           <a:p>
             <a:r>
               <a:rPr lang="it-IT" sz="1900" dirty="0"/>
-              <a:t>La qualità del software è definita come «il grado in cui il sistema soddisfa le esigenze/aspettative del cliente». I criteri di qualità possono essere misurati soggettivamente o oggettivamente, al fine di ottenere una misura complessiva dell’intero grado di qualità del software, e possono essere interni o esterni (rispettivamente, se rispondono alle esigenze degli sviluppatori o dell’utente finale, l’ospedale). </a:t>
-            </a:r>
+              <a:t>Il team si è impegnato a rispondere ai requisiti di qualità tassonomici di McCall: nella tabella sopra sono riportati i principali requisiti che il team si è impegnato a soddisfare, per rendere forte il progetto e aumentarne il livello di qualità finale.</a:t>
+            </a:r>
+          </a:p>
+          <a:p>
+            <a:endParaRPr lang="it-IT" sz="1900" dirty="0"/>
           </a:p>
           <a:p>
             <a:r>
               <a:rPr lang="it-IT" sz="1900" dirty="0"/>
-              <a:t>Il team si è impegnato a rispondere ai requisiti di qualità tassonomici di McCall: nella tabella sopra sono riportati i principali requisiti che il team si è impegnato a soddisfare, per rendere forte il progetto.</a:t>
-            </a:r>
-          </a:p>
-          <a:p>
-            <a:endParaRPr lang="it-IT" sz="1900" dirty="0"/>
-          </a:p>
-          <a:p>
-            <a:r>
-              <a:rPr lang="it-IT" sz="1900" dirty="0"/>
-              <a:t>L’attenzione è rivolta in particolare al funzionamento e revisione del prodotto: l’obiettivo è permettere al programma di funzionare in modo corretto, rispondendo ai requisiti designati dal team. Anche se il progetto non sarà commercializzabile completamente a fine lavoro, il team ha implementato il codice perché parte di </a:t>
-            </a:r>
-            <a:r>
-              <a:rPr lang="it-IT" sz="1900"/>
-              <a:t>esso o tutto </a:t>
-            </a:r>
-            <a:r>
-              <a:rPr lang="it-IT" sz="1900" dirty="0"/>
-              <a:t>possa essere riutilizzabile in futuro.</a:t>
+              <a:t>L’attenzione è rivolta in particolare al funzionamento e revisione del prodotto: l’obiettivo è permettere al programma di funzionare in modo corretto, rispondendo ai requisiti designati dal team e a quelli dell’utente (medico o sistema dell’ospedale). Anche se il progetto non sarà commercializzabile completamente a fine lavoro, il team ha implementato il codice perché parte di esso o tutto possa essere riutilizzabile in futuro.</a:t>
             </a:r>
           </a:p>
         </p:txBody>
@@ -39320,6 +39356,15 @@
 </file>
 
 <file path=customXml/item1.xml><?xml version="1.0" encoding="utf-8"?>
+<?mso-contentType ?>
+<FormTemplates xmlns="http://schemas.microsoft.com/sharepoint/v3/contenttype/forms">
+  <Display>DocumentLibraryForm</Display>
+  <Edit>DocumentLibraryForm</Edit>
+  <New>DocumentLibraryForm</New>
+</FormTemplates>
+</file>
+
+<file path=customXml/item2.xml><?xml version="1.0" encoding="utf-8"?>
 <ct:contentTypeSchema xmlns:ct="http://schemas.microsoft.com/office/2006/metadata/contentType" xmlns:ma="http://schemas.microsoft.com/office/2006/metadata/properties/metaAttributes" ct:_="" ma:_="" ma:contentTypeName="Documento" ma:contentTypeID="0x0101007CE6213B20D2F945B0D1473923EE410F" ma:contentTypeVersion="7" ma:contentTypeDescription="Creare un nuovo documento." ma:contentTypeScope="" ma:versionID="dc8ac43e96b461727accd63cf925a5cf">
   <xsd:schema xmlns:xsd="http://www.w3.org/2001/XMLSchema" xmlns:xs="http://www.w3.org/2001/XMLSchema" xmlns:p="http://schemas.microsoft.com/office/2006/metadata/properties" xmlns:ns2="243f3390-b919-40e8-8195-3613e8527352" targetNamespace="http://schemas.microsoft.com/office/2006/metadata/properties" ma:root="true" ma:fieldsID="1987007e621e1b24d40e437f012b913d" ns2:_="">
     <xsd:import namespace="243f3390-b919-40e8-8195-3613e8527352"/>
@@ -39481,15 +39526,6 @@
 </ct:contentTypeSchema>
 </file>
 
-<file path=customXml/item2.xml><?xml version="1.0" encoding="utf-8"?>
-<?mso-contentType ?>
-<FormTemplates xmlns="http://schemas.microsoft.com/sharepoint/v3/contenttype/forms">
-  <Display>DocumentLibraryForm</Display>
-  <Edit>DocumentLibraryForm</Edit>
-  <New>DocumentLibraryForm</New>
-</FormTemplates>
-</file>
-
 <file path=customXml/item3.xml><?xml version="1.0" encoding="utf-8"?>
 <p:properties xmlns:p="http://schemas.microsoft.com/office/2006/metadata/properties" xmlns:xsi="http://www.w3.org/2001/XMLSchema-instance" xmlns:pc="http://schemas.microsoft.com/office/infopath/2007/PartnerControls">
   <documentManagement/>
@@ -39497,6 +39533,14 @@
 </file>
 
 <file path=customXml/itemProps1.xml><?xml version="1.0" encoding="utf-8"?>
+<ds:datastoreItem xmlns:ds="http://schemas.openxmlformats.org/officeDocument/2006/customXml" ds:itemID="{42BC90D6-94CF-42F7-AAC4-9CF6824C54D5}">
+  <ds:schemaRefs>
+    <ds:schemaRef ds:uri="http://schemas.microsoft.com/sharepoint/v3/contenttype/forms"/>
+  </ds:schemaRefs>
+</ds:datastoreItem>
+</file>
+
+<file path=customXml/itemProps2.xml><?xml version="1.0" encoding="utf-8"?>
 <ds:datastoreItem xmlns:ds="http://schemas.openxmlformats.org/officeDocument/2006/customXml" ds:itemID="{1A503E23-9696-4358-8F00-F7F66AC755EB}">
   <ds:schemaRefs>
     <ds:schemaRef ds:uri="http://schemas.microsoft.com/office/2006/metadata/contentType"/>
@@ -39510,14 +39554,6 @@
     <ds:schemaRef ds:uri="http://purl.org/dc/elements/1.1/"/>
     <ds:schemaRef ds:uri="http://purl.org/dc/terms/"/>
     <ds:schemaRef ds:uri="http://schemas.microsoft.com/internal/obd"/>
-  </ds:schemaRefs>
-</ds:datastoreItem>
-</file>
-
-<file path=customXml/itemProps2.xml><?xml version="1.0" encoding="utf-8"?>
-<ds:datastoreItem xmlns:ds="http://schemas.openxmlformats.org/officeDocument/2006/customXml" ds:itemID="{42BC90D6-94CF-42F7-AAC4-9CF6824C54D5}">
-  <ds:schemaRefs>
-    <ds:schemaRef ds:uri="http://schemas.microsoft.com/sharepoint/v3/contenttype/forms"/>
   </ds:schemaRefs>
 </ds:datastoreItem>
 </file>

--- a/Presentazione/Presentazione_Progetto.pptx
+++ b/Presentazione/Presentazione_Progetto.pptx
@@ -170,7 +170,7 @@
 <file path=ppt/revisionInfo.xml><?xml version="1.0" encoding="utf-8"?>
 <p1510:revInfo xmlns:a="http://schemas.openxmlformats.org/drawingml/2006/main" xmlns:r="http://schemas.openxmlformats.org/officeDocument/2006/relationships" xmlns:p1510="http://schemas.microsoft.com/office/powerpoint/2015/10/main">
   <p1510:revLst>
-    <p1510:client id="{E6DC4EAA-0AC7-4D8A-9ABA-9B4C09DD8308}" v="579" dt="2024-03-23T10:39:10.438"/>
+    <p1510:client id="{E6DC4EAA-0AC7-4D8A-9ABA-9B4C09DD8308}" v="653" dt="2024-03-23T18:33:34.711"/>
   </p1510:revLst>
 </p1510:revInfo>
 </file>
@@ -180,7 +180,7 @@
   <pc:docChgLst>
     <pc:chgData name="Matteo MANGILI" userId="89c7df381375e6aa" providerId="LiveId" clId="{E6DC4EAA-0AC7-4D8A-9ABA-9B4C09DD8308}"/>
     <pc:docChg chg="undo custSel addSld delSld modSld sldOrd">
-      <pc:chgData name="Matteo MANGILI" userId="89c7df381375e6aa" providerId="LiveId" clId="{E6DC4EAA-0AC7-4D8A-9ABA-9B4C09DD8308}" dt="2024-03-23T10:42:00.368" v="19715" actId="20577"/>
+      <pc:chgData name="Matteo MANGILI" userId="89c7df381375e6aa" providerId="LiveId" clId="{E6DC4EAA-0AC7-4D8A-9ABA-9B4C09DD8308}" dt="2024-03-23T18:34:38.529" v="21169" actId="20577"/>
       <pc:docMkLst>
         <pc:docMk/>
       </pc:docMkLst>
@@ -216,13 +216,13 @@
         </pc:picChg>
       </pc:sldChg>
       <pc:sldChg chg="modSp mod">
-        <pc:chgData name="Matteo MANGILI" userId="89c7df381375e6aa" providerId="LiveId" clId="{E6DC4EAA-0AC7-4D8A-9ABA-9B4C09DD8308}" dt="2024-03-21T08:57:54.677" v="13609" actId="20577"/>
+        <pc:chgData name="Matteo MANGILI" userId="89c7df381375e6aa" providerId="LiveId" clId="{E6DC4EAA-0AC7-4D8A-9ABA-9B4C09DD8308}" dt="2024-03-23T17:34:22.516" v="20447" actId="20577"/>
         <pc:sldMkLst>
           <pc:docMk/>
           <pc:sldMk cId="3250768115" sldId="296"/>
         </pc:sldMkLst>
         <pc:spChg chg="mod">
-          <ac:chgData name="Matteo MANGILI" userId="89c7df381375e6aa" providerId="LiveId" clId="{E6DC4EAA-0AC7-4D8A-9ABA-9B4C09DD8308}" dt="2024-03-21T08:57:54.677" v="13609" actId="20577"/>
+          <ac:chgData name="Matteo MANGILI" userId="89c7df381375e6aa" providerId="LiveId" clId="{E6DC4EAA-0AC7-4D8A-9ABA-9B4C09DD8308}" dt="2024-03-23T17:34:22.516" v="20447" actId="20577"/>
           <ac:spMkLst>
             <pc:docMk/>
             <pc:sldMk cId="3250768115" sldId="296"/>
@@ -239,13 +239,13 @@
         </pc:picChg>
       </pc:sldChg>
       <pc:sldChg chg="modSp mod">
-        <pc:chgData name="Matteo MANGILI" userId="89c7df381375e6aa" providerId="LiveId" clId="{E6DC4EAA-0AC7-4D8A-9ABA-9B4C09DD8308}" dt="2024-03-21T08:58:26.500" v="13613" actId="20577"/>
+        <pc:chgData name="Matteo MANGILI" userId="89c7df381375e6aa" providerId="LiveId" clId="{E6DC4EAA-0AC7-4D8A-9ABA-9B4C09DD8308}" dt="2024-03-23T17:34:58.835" v="20451" actId="20577"/>
         <pc:sldMkLst>
           <pc:docMk/>
           <pc:sldMk cId="1249612630" sldId="297"/>
         </pc:sldMkLst>
         <pc:spChg chg="mod">
-          <ac:chgData name="Matteo MANGILI" userId="89c7df381375e6aa" providerId="LiveId" clId="{E6DC4EAA-0AC7-4D8A-9ABA-9B4C09DD8308}" dt="2024-03-21T08:58:26.500" v="13613" actId="20577"/>
+          <ac:chgData name="Matteo MANGILI" userId="89c7df381375e6aa" providerId="LiveId" clId="{E6DC4EAA-0AC7-4D8A-9ABA-9B4C09DD8308}" dt="2024-03-23T17:34:58.835" v="20451" actId="20577"/>
           <ac:spMkLst>
             <pc:docMk/>
             <pc:sldMk cId="1249612630" sldId="297"/>
@@ -262,13 +262,13 @@
         </pc:spChg>
       </pc:sldChg>
       <pc:sldChg chg="modSp mod">
-        <pc:chgData name="Matteo MANGILI" userId="89c7df381375e6aa" providerId="LiveId" clId="{E6DC4EAA-0AC7-4D8A-9ABA-9B4C09DD8308}" dt="2024-03-22T19:04:43.825" v="18530" actId="20577"/>
+        <pc:chgData name="Matteo MANGILI" userId="89c7df381375e6aa" providerId="LiveId" clId="{E6DC4EAA-0AC7-4D8A-9ABA-9B4C09DD8308}" dt="2024-03-23T17:42:24.029" v="20517" actId="20577"/>
         <pc:sldMkLst>
           <pc:docMk/>
           <pc:sldMk cId="3996999348" sldId="298"/>
         </pc:sldMkLst>
         <pc:spChg chg="mod">
-          <ac:chgData name="Matteo MANGILI" userId="89c7df381375e6aa" providerId="LiveId" clId="{E6DC4EAA-0AC7-4D8A-9ABA-9B4C09DD8308}" dt="2024-03-22T19:04:43.825" v="18530" actId="20577"/>
+          <ac:chgData name="Matteo MANGILI" userId="89c7df381375e6aa" providerId="LiveId" clId="{E6DC4EAA-0AC7-4D8A-9ABA-9B4C09DD8308}" dt="2024-03-23T17:42:24.029" v="20517" actId="20577"/>
           <ac:spMkLst>
             <pc:docMk/>
             <pc:sldMk cId="3996999348" sldId="298"/>
@@ -338,13 +338,13 @@
         </pc:spChg>
       </pc:sldChg>
       <pc:sldChg chg="modSp mod">
-        <pc:chgData name="Matteo MANGILI" userId="89c7df381375e6aa" providerId="LiveId" clId="{E6DC4EAA-0AC7-4D8A-9ABA-9B4C09DD8308}" dt="2024-03-22T10:24:26.500" v="17023" actId="20577"/>
+        <pc:chgData name="Matteo MANGILI" userId="89c7df381375e6aa" providerId="LiveId" clId="{E6DC4EAA-0AC7-4D8A-9ABA-9B4C09DD8308}" dt="2024-03-23T18:28:54.639" v="21157" actId="20577"/>
         <pc:sldMkLst>
           <pc:docMk/>
           <pc:sldMk cId="2728347993" sldId="304"/>
         </pc:sldMkLst>
         <pc:spChg chg="mod">
-          <ac:chgData name="Matteo MANGILI" userId="89c7df381375e6aa" providerId="LiveId" clId="{E6DC4EAA-0AC7-4D8A-9ABA-9B4C09DD8308}" dt="2024-03-22T10:24:26.500" v="17023" actId="20577"/>
+          <ac:chgData name="Matteo MANGILI" userId="89c7df381375e6aa" providerId="LiveId" clId="{E6DC4EAA-0AC7-4D8A-9ABA-9B4C09DD8308}" dt="2024-03-23T18:28:54.639" v="21157" actId="20577"/>
           <ac:spMkLst>
             <pc:docMk/>
             <pc:sldMk cId="2728347993" sldId="304"/>
@@ -353,13 +353,13 @@
         </pc:spChg>
       </pc:sldChg>
       <pc:sldChg chg="addSp delSp modSp mod">
-        <pc:chgData name="Matteo MANGILI" userId="89c7df381375e6aa" providerId="LiveId" clId="{E6DC4EAA-0AC7-4D8A-9ABA-9B4C09DD8308}" dt="2024-03-23T10:31:13.035" v="19415" actId="27636"/>
+        <pc:chgData name="Matteo MANGILI" userId="89c7df381375e6aa" providerId="LiveId" clId="{E6DC4EAA-0AC7-4D8A-9ABA-9B4C09DD8308}" dt="2024-03-23T18:33:56.264" v="21166" actId="20577"/>
         <pc:sldMkLst>
           <pc:docMk/>
           <pc:sldMk cId="3568766427" sldId="306"/>
         </pc:sldMkLst>
         <pc:spChg chg="add del mod">
-          <ac:chgData name="Matteo MANGILI" userId="89c7df381375e6aa" providerId="LiveId" clId="{E6DC4EAA-0AC7-4D8A-9ABA-9B4C09DD8308}" dt="2024-03-23T10:31:13.035" v="19415" actId="27636"/>
+          <ac:chgData name="Matteo MANGILI" userId="89c7df381375e6aa" providerId="LiveId" clId="{E6DC4EAA-0AC7-4D8A-9ABA-9B4C09DD8308}" dt="2024-03-23T18:33:56.264" v="21166" actId="20577"/>
           <ac:spMkLst>
             <pc:docMk/>
             <pc:sldMk cId="3568766427" sldId="306"/>
@@ -423,13 +423,13 @@
         </pc:spChg>
       </pc:sldChg>
       <pc:sldChg chg="modSp mod">
-        <pc:chgData name="Matteo MANGILI" userId="89c7df381375e6aa" providerId="LiveId" clId="{E6DC4EAA-0AC7-4D8A-9ABA-9B4C09DD8308}" dt="2024-03-22T20:11:20.492" v="19280" actId="27636"/>
+        <pc:chgData name="Matteo MANGILI" userId="89c7df381375e6aa" providerId="LiveId" clId="{E6DC4EAA-0AC7-4D8A-9ABA-9B4C09DD8308}" dt="2024-03-23T17:58:16.838" v="21155" actId="20577"/>
         <pc:sldMkLst>
           <pc:docMk/>
           <pc:sldMk cId="1581940243" sldId="309"/>
         </pc:sldMkLst>
         <pc:spChg chg="mod">
-          <ac:chgData name="Matteo MANGILI" userId="89c7df381375e6aa" providerId="LiveId" clId="{E6DC4EAA-0AC7-4D8A-9ABA-9B4C09DD8308}" dt="2024-03-22T20:11:20.492" v="19280" actId="27636"/>
+          <ac:chgData name="Matteo MANGILI" userId="89c7df381375e6aa" providerId="LiveId" clId="{E6DC4EAA-0AC7-4D8A-9ABA-9B4C09DD8308}" dt="2024-03-23T17:58:16.838" v="21155" actId="20577"/>
           <ac:spMkLst>
             <pc:docMk/>
             <pc:sldMk cId="1581940243" sldId="309"/>
@@ -438,17 +438,48 @@
         </pc:spChg>
       </pc:sldChg>
       <pc:sldChg chg="modSp mod">
-        <pc:chgData name="Matteo MANGILI" userId="89c7df381375e6aa" providerId="LiveId" clId="{E6DC4EAA-0AC7-4D8A-9ABA-9B4C09DD8308}" dt="2024-03-23T10:33:39.475" v="19475" actId="20577"/>
+        <pc:chgData name="Matteo MANGILI" userId="89c7df381375e6aa" providerId="LiveId" clId="{E6DC4EAA-0AC7-4D8A-9ABA-9B4C09DD8308}" dt="2024-03-23T16:53:59.449" v="20172" actId="14100"/>
         <pc:sldMkLst>
           <pc:docMk/>
           <pc:sldMk cId="2214790197" sldId="310"/>
         </pc:sldMkLst>
         <pc:spChg chg="mod">
-          <ac:chgData name="Matteo MANGILI" userId="89c7df381375e6aa" providerId="LiveId" clId="{E6DC4EAA-0AC7-4D8A-9ABA-9B4C09DD8308}" dt="2024-03-23T10:33:39.475" v="19475" actId="20577"/>
+          <ac:chgData name="Matteo MANGILI" userId="89c7df381375e6aa" providerId="LiveId" clId="{E6DC4EAA-0AC7-4D8A-9ABA-9B4C09DD8308}" dt="2024-03-23T16:53:59.449" v="20172" actId="14100"/>
           <ac:spMkLst>
             <pc:docMk/>
             <pc:sldMk cId="2214790197" sldId="310"/>
             <ac:spMk id="4" creationId="{E45B50AB-E09E-377A-4B46-AFA47F523EAB}"/>
+          </ac:spMkLst>
+        </pc:spChg>
+      </pc:sldChg>
+      <pc:sldChg chg="modSp mod">
+        <pc:chgData name="Matteo MANGILI" userId="89c7df381375e6aa" providerId="LiveId" clId="{E6DC4EAA-0AC7-4D8A-9ABA-9B4C09DD8308}" dt="2024-03-23T17:35:30.648" v="20457"/>
+        <pc:sldMkLst>
+          <pc:docMk/>
+          <pc:sldMk cId="4188911557" sldId="312"/>
+        </pc:sldMkLst>
+        <pc:spChg chg="mod">
+          <ac:chgData name="Matteo MANGILI" userId="89c7df381375e6aa" providerId="LiveId" clId="{E6DC4EAA-0AC7-4D8A-9ABA-9B4C09DD8308}" dt="2024-03-23T17:35:16.142" v="20453"/>
+          <ac:spMkLst>
+            <pc:docMk/>
+            <pc:sldMk cId="4188911557" sldId="312"/>
+            <ac:spMk id="5" creationId="{94653B8F-ADAC-D01C-5C88-2E369E0B3234}"/>
+          </ac:spMkLst>
+        </pc:spChg>
+        <pc:spChg chg="mod">
+          <ac:chgData name="Matteo MANGILI" userId="89c7df381375e6aa" providerId="LiveId" clId="{E6DC4EAA-0AC7-4D8A-9ABA-9B4C09DD8308}" dt="2024-03-23T17:35:23.017" v="20454"/>
+          <ac:spMkLst>
+            <pc:docMk/>
+            <pc:sldMk cId="4188911557" sldId="312"/>
+            <ac:spMk id="8" creationId="{364845DF-E527-AE8E-132D-4C86AC60FCAB}"/>
+          </ac:spMkLst>
+        </pc:spChg>
+        <pc:spChg chg="mod">
+          <ac:chgData name="Matteo MANGILI" userId="89c7df381375e6aa" providerId="LiveId" clId="{E6DC4EAA-0AC7-4D8A-9ABA-9B4C09DD8308}" dt="2024-03-23T17:35:30.648" v="20457"/>
+          <ac:spMkLst>
+            <pc:docMk/>
+            <pc:sldMk cId="4188911557" sldId="312"/>
+            <ac:spMk id="9" creationId="{DAA31704-DD1F-62C0-B9AA-B224EB28798B}"/>
           </ac:spMkLst>
         </pc:spChg>
       </pc:sldChg>
@@ -649,13 +680,13 @@
         </pc:picChg>
       </pc:sldChg>
       <pc:sldChg chg="modSp mod">
-        <pc:chgData name="Matteo MANGILI" userId="89c7df381375e6aa" providerId="LiveId" clId="{E6DC4EAA-0AC7-4D8A-9ABA-9B4C09DD8308}" dt="2024-03-23T10:22:12.872" v="19413" actId="20577"/>
+        <pc:chgData name="Matteo MANGILI" userId="89c7df381375e6aa" providerId="LiveId" clId="{E6DC4EAA-0AC7-4D8A-9ABA-9B4C09DD8308}" dt="2024-03-23T17:54:23.111" v="21128" actId="20577"/>
         <pc:sldMkLst>
           <pc:docMk/>
           <pc:sldMk cId="1634375711" sldId="317"/>
         </pc:sldMkLst>
         <pc:spChg chg="mod">
-          <ac:chgData name="Matteo MANGILI" userId="89c7df381375e6aa" providerId="LiveId" clId="{E6DC4EAA-0AC7-4D8A-9ABA-9B4C09DD8308}" dt="2024-03-23T10:22:12.872" v="19413" actId="20577"/>
+          <ac:chgData name="Matteo MANGILI" userId="89c7df381375e6aa" providerId="LiveId" clId="{E6DC4EAA-0AC7-4D8A-9ABA-9B4C09DD8308}" dt="2024-03-23T17:54:23.111" v="21128" actId="20577"/>
           <ac:spMkLst>
             <pc:docMk/>
             <pc:sldMk cId="1634375711" sldId="317"/>
@@ -680,13 +711,13 @@
         </pc:graphicFrameChg>
       </pc:sldChg>
       <pc:sldChg chg="modSp mod">
-        <pc:chgData name="Matteo MANGILI" userId="89c7df381375e6aa" providerId="LiveId" clId="{E6DC4EAA-0AC7-4D8A-9ABA-9B4C09DD8308}" dt="2024-03-22T20:04:10.543" v="19254" actId="20577"/>
+        <pc:chgData name="Matteo MANGILI" userId="89c7df381375e6aa" providerId="LiveId" clId="{E6DC4EAA-0AC7-4D8A-9ABA-9B4C09DD8308}" dt="2024-03-23T17:37:33.280" v="20479" actId="20577"/>
         <pc:sldMkLst>
           <pc:docMk/>
           <pc:sldMk cId="112244765" sldId="318"/>
         </pc:sldMkLst>
         <pc:spChg chg="mod">
-          <ac:chgData name="Matteo MANGILI" userId="89c7df381375e6aa" providerId="LiveId" clId="{E6DC4EAA-0AC7-4D8A-9ABA-9B4C09DD8308}" dt="2024-03-22T20:04:10.543" v="19254" actId="20577"/>
+          <ac:chgData name="Matteo MANGILI" userId="89c7df381375e6aa" providerId="LiveId" clId="{E6DC4EAA-0AC7-4D8A-9ABA-9B4C09DD8308}" dt="2024-03-23T17:37:33.280" v="20479" actId="20577"/>
           <ac:spMkLst>
             <pc:docMk/>
             <pc:sldMk cId="112244765" sldId="318"/>
@@ -703,13 +734,13 @@
         </pc:spChg>
       </pc:sldChg>
       <pc:sldChg chg="modSp mod">
-        <pc:chgData name="Matteo MANGILI" userId="89c7df381375e6aa" providerId="LiveId" clId="{E6DC4EAA-0AC7-4D8A-9ABA-9B4C09DD8308}" dt="2024-03-19T20:43:42.003" v="9928" actId="27636"/>
+        <pc:chgData name="Matteo MANGILI" userId="89c7df381375e6aa" providerId="LiveId" clId="{E6DC4EAA-0AC7-4D8A-9ABA-9B4C09DD8308}" dt="2024-03-23T17:49:50.427" v="20922" actId="20577"/>
         <pc:sldMkLst>
           <pc:docMk/>
           <pc:sldMk cId="762597572" sldId="319"/>
         </pc:sldMkLst>
         <pc:spChg chg="mod">
-          <ac:chgData name="Matteo MANGILI" userId="89c7df381375e6aa" providerId="LiveId" clId="{E6DC4EAA-0AC7-4D8A-9ABA-9B4C09DD8308}" dt="2024-03-19T20:43:24.785" v="9925" actId="255"/>
+          <ac:chgData name="Matteo MANGILI" userId="89c7df381375e6aa" providerId="LiveId" clId="{E6DC4EAA-0AC7-4D8A-9ABA-9B4C09DD8308}" dt="2024-03-23T17:49:50.427" v="20922" actId="20577"/>
           <ac:spMkLst>
             <pc:docMk/>
             <pc:sldMk cId="762597572" sldId="319"/>
@@ -858,7 +889,7 @@
         </pc:picChg>
       </pc:sldChg>
       <pc:sldChg chg="modSp add mod">
-        <pc:chgData name="Matteo MANGILI" userId="89c7df381375e6aa" providerId="LiveId" clId="{E6DC4EAA-0AC7-4D8A-9ABA-9B4C09DD8308}" dt="2024-03-23T10:39:15.263" v="19700" actId="20577"/>
+        <pc:chgData name="Matteo MANGILI" userId="89c7df381375e6aa" providerId="LiveId" clId="{E6DC4EAA-0AC7-4D8A-9ABA-9B4C09DD8308}" dt="2024-03-23T18:34:38.529" v="21169" actId="20577"/>
         <pc:sldMkLst>
           <pc:docMk/>
           <pc:sldMk cId="2689722702" sldId="324"/>
@@ -872,7 +903,7 @@
           </ac:spMkLst>
         </pc:spChg>
         <pc:spChg chg="mod">
-          <ac:chgData name="Matteo MANGILI" userId="89c7df381375e6aa" providerId="LiveId" clId="{E6DC4EAA-0AC7-4D8A-9ABA-9B4C09DD8308}" dt="2024-03-23T10:39:15.263" v="19700" actId="20577"/>
+          <ac:chgData name="Matteo MANGILI" userId="89c7df381375e6aa" providerId="LiveId" clId="{E6DC4EAA-0AC7-4D8A-9ABA-9B4C09DD8308}" dt="2024-03-23T18:34:38.529" v="21169" actId="20577"/>
           <ac:spMkLst>
             <pc:docMk/>
             <pc:sldMk cId="2689722702" sldId="324"/>
@@ -15970,13 +16001,13 @@
               <a:rPr lang="en-US" sz="3300" dirty="0">
                 <a:cs typeface="Calibri"/>
               </a:rPr>
-              <a:t>)</a:t>
+              <a:t>).</a:t>
             </a:r>
             <a:r>
               <a:rPr lang="en-US" sz="3300" b="1" dirty="0">
                 <a:cs typeface="Calibri"/>
               </a:rPr>
-              <a:t>. </a:t>
+              <a:t> </a:t>
             </a:r>
           </a:p>
           <a:p>
@@ -15987,7 +16018,7 @@
               <a:rPr lang="en-US" sz="3300" dirty="0">
                 <a:cs typeface="Calibri"/>
               </a:rPr>
-              <a:t>Una volta descritto il problema e l’obiettivo del progetto (</a:t>
+              <a:t>Una volta descritto il problema e definito l’obiettivo del progetto (</a:t>
             </a:r>
             <a:r>
               <a:rPr lang="en-US" sz="3300" b="1" i="1" dirty="0">
@@ -15999,31 +16030,25 @@
               <a:rPr lang="en-US" sz="3300" dirty="0">
                 <a:cs typeface="Calibri"/>
               </a:rPr>
-              <a:t>)</a:t>
+              <a:t>), i requisiti devono essere valutati per la loro importanza e ruolo rispetto alla natura del progetto (</a:t>
+            </a:r>
+            <a:r>
+              <a:rPr lang="en-US" sz="3300" b="1" i="1" dirty="0" err="1">
+                <a:cs typeface="Calibri"/>
+              </a:rPr>
+              <a:t>Verifica</a:t>
+            </a:r>
+            <a:r>
+              <a:rPr lang="en-US" sz="3300" dirty="0">
+                <a:cs typeface="Calibri"/>
+              </a:rPr>
+              <a:t>,</a:t>
             </a:r>
             <a:r>
               <a:rPr lang="en-US" sz="3300" b="1" dirty="0">
                 <a:cs typeface="Calibri"/>
               </a:rPr>
-              <a:t>,</a:t>
-            </a:r>
-            <a:r>
-              <a:rPr lang="en-US" sz="3300" dirty="0">
-                <a:cs typeface="Calibri"/>
-              </a:rPr>
-              <a:t> i requisiti devono essere valutati per la loro importanza e ruolo rispetto alla natura del progetto (</a:t>
-            </a:r>
-            <a:r>
-              <a:rPr lang="en-US" sz="3300" b="1" i="1" dirty="0">
-                <a:cs typeface="Calibri"/>
-              </a:rPr>
-              <a:t>Verifica</a:t>
-            </a:r>
-            <a:r>
-              <a:rPr lang="en-US" sz="3300" b="1" dirty="0">
-                <a:cs typeface="Calibri"/>
-              </a:rPr>
-              <a:t>, </a:t>
+              <a:t> </a:t>
             </a:r>
             <a:r>
               <a:rPr lang="en-US" sz="3300" dirty="0">
@@ -16032,16 +16057,22 @@
               <a:t>i requisiti soddisfano le esigenze del Sistema, </a:t>
             </a:r>
             <a:r>
-              <a:rPr lang="en-US" sz="3300" b="1" i="1" dirty="0">
+              <a:rPr lang="en-US" sz="3300" b="1" i="1" dirty="0" err="1">
                 <a:cs typeface="Calibri"/>
               </a:rPr>
               <a:t>Validazione</a:t>
             </a:r>
             <a:r>
+              <a:rPr lang="en-US" sz="3300" dirty="0">
+                <a:cs typeface="Calibri"/>
+              </a:rPr>
+              <a:t>,</a:t>
+            </a:r>
+            <a:r>
               <a:rPr lang="en-US" sz="3300" i="1" dirty="0">
                 <a:cs typeface="Calibri"/>
               </a:rPr>
-              <a:t>, </a:t>
+              <a:t> </a:t>
             </a:r>
             <a:r>
               <a:rPr lang="en-US" sz="3300" dirty="0">
@@ -16076,13 +16107,7 @@
               <a:rPr lang="en-US" sz="3300" b="1" i="1" dirty="0">
                 <a:cs typeface="Calibri"/>
               </a:rPr>
-              <a:t>Negoziazione dei </a:t>
-            </a:r>
-            <a:r>
-              <a:rPr lang="en-US" sz="3300" b="1" i="1" dirty="0" err="1">
-                <a:cs typeface="Calibri"/>
-              </a:rPr>
-              <a:t>requisiti</a:t>
+              <a:t>Negoziazione dei requisiti</a:t>
             </a:r>
             <a:r>
               <a:rPr lang="en-US" sz="3300" dirty="0">
@@ -16131,7 +16156,7 @@
               <a:rPr lang="en-US" sz="3300" dirty="0">
                 <a:cs typeface="Calibri"/>
               </a:rPr>
-              <a:t>Il Sistema non deve interfacciarsi con altri ambienti (hardware o software);</a:t>
+              <a:t>Il sistema non deve interfacciarsi con altri ambienti (hardware o software);</a:t>
             </a:r>
           </a:p>
           <a:p>
@@ -16166,7 +16191,7 @@
               <a:rPr lang="en-US" sz="3300" dirty="0">
                 <a:cs typeface="Calibri"/>
               </a:rPr>
-              <a:t>Sicurezza del Sistema (credenziali di accesso e struttura interna);</a:t>
+              <a:t>Sicurezza del sistema (credenziali di accesso e struttura interna);</a:t>
             </a:r>
           </a:p>
           <a:p>
@@ -16174,7 +16199,7 @@
               <a:rPr lang="en-US" sz="3300" dirty="0">
                 <a:cs typeface="Calibri"/>
               </a:rPr>
-              <a:t>Qualità del Software;</a:t>
+              <a:t>Qualità del software;</a:t>
             </a:r>
           </a:p>
           <a:p>
@@ -21181,7 +21206,7 @@
             </a:pPr>
             <a:r>
               <a:rPr lang="en-US" sz="1800" dirty="0"/>
-              <a:t>Per implementare il Progetto abbiamo dovuto specificare diversi punti da soddisfare per la riuscita del software</a:t>
+              <a:t>Per implementare il progetto abbiamo dovuto specificare diversi punti da soddisfare per la riuscita del software</a:t>
             </a:r>
           </a:p>
           <a:p>
@@ -24108,15 +24133,7 @@
             </a:pPr>
             <a:r>
               <a:rPr lang="en-US" sz="1900" dirty="0"/>
-              <a:t>Per </a:t>
-            </a:r>
-            <a:r>
-              <a:rPr lang="en-US" sz="1900" dirty="0" err="1"/>
-              <a:t>modellare</a:t>
-            </a:r>
-            <a:r>
-              <a:rPr lang="en-US" sz="1900" dirty="0"/>
-              <a:t> il contesto del problema, </a:t>
+              <a:t>Per modellare il contesto del problema, </a:t>
             </a:r>
             <a:r>
               <a:rPr lang="en-US" sz="1900" dirty="0" err="1"/>
@@ -24230,15 +24247,7 @@
             </a:r>
             <a:r>
               <a:rPr lang="en-US" sz="1900" dirty="0"/>
-              <a:t> </a:t>
-            </a:r>
-            <a:r>
-              <a:rPr lang="en-US" sz="1900" dirty="0" err="1"/>
-              <a:t>delle</a:t>
-            </a:r>
-            <a:r>
-              <a:rPr lang="en-US" sz="1900" dirty="0"/>
-              <a:t> Attività (ACTIVITY DIAGRAM) </a:t>
+              <a:t> delle Attività (ACTIVITY DIAGRAM) </a:t>
             </a:r>
           </a:p>
           <a:p>
@@ -24311,11 +24320,11 @@
             </a:r>
             <a:r>
               <a:rPr lang="en-US" sz="1900" dirty="0"/>
-              <a:t> </a:t>
+              <a:t> presenti </a:t>
             </a:r>
             <a:r>
               <a:rPr lang="en-US" sz="1900" dirty="0" err="1"/>
-              <a:t>presenti</a:t>
+              <a:t>altri</a:t>
             </a:r>
             <a:r>
               <a:rPr lang="en-US" sz="1900" dirty="0"/>
@@ -24323,7 +24332,15 @@
             </a:r>
             <a:r>
               <a:rPr lang="en-US" sz="1900" dirty="0" err="1"/>
-              <a:t>altri</a:t>
+              <a:t>diagrammi</a:t>
+            </a:r>
+            <a:r>
+              <a:rPr lang="en-US" sz="1900" dirty="0"/>
+              <a:t> che </a:t>
+            </a:r>
+            <a:r>
+              <a:rPr lang="en-US" sz="1900" dirty="0" err="1"/>
+              <a:t>descrivono</a:t>
             </a:r>
             <a:r>
               <a:rPr lang="en-US" sz="1900" dirty="0"/>
@@ -24331,26 +24348,10 @@
             </a:r>
             <a:r>
               <a:rPr lang="en-US" sz="1900" dirty="0" err="1"/>
-              <a:t>diagrammi</a:t>
+              <a:t>l’inero</a:t>
             </a:r>
             <a:r>
               <a:rPr lang="en-US" sz="1900" dirty="0"/>
-              <a:t> che </a:t>
-            </a:r>
-            <a:r>
-              <a:rPr lang="en-US" sz="1900" dirty="0" err="1"/>
-              <a:t>descrivono</a:t>
-            </a:r>
-            <a:r>
-              <a:rPr lang="en-US" sz="1900" dirty="0"/>
-              <a:t> </a:t>
-            </a:r>
-            <a:r>
-              <a:rPr lang="en-US" sz="1900" dirty="0" err="1"/>
-              <a:t>l’inero</a:t>
-            </a:r>
-            <a:r>
-              <a:rPr lang="en-US" sz="1900"/>
               <a:t> sistema </a:t>
             </a:r>
             <a:r>
@@ -26188,7 +26189,7 @@
         <p:spPr>
           <a:xfrm>
             <a:off x="382556" y="1726711"/>
-            <a:ext cx="7324530" cy="5065975"/>
+            <a:ext cx="7629112" cy="5065975"/>
           </a:xfrm>
         </p:spPr>
         <p:txBody>
@@ -26202,7 +26203,7 @@
             </a:pPr>
             <a:r>
               <a:rPr lang="en-US" sz="2000" dirty="0"/>
-              <a:t>L’obiettivo principale del progetto è creare un software per la gestione di un ospedale e, in particolare, per tenere traccia del paziente e dei suoi “movimenti” rispetto al Sistema generale. Per la creazione del sistema, è necessario tenere conto di diversi fattori:</a:t>
+              <a:t>L’obiettivo principale del progetto è creare un software per la gestione di un ospedale, in particolare per tenere traccia del paziente e dei suoi “movimenti” rispetto al sistema generale. Per la creazione del sistema, è necessario tenere conto di diversi fattori:</a:t>
             </a:r>
           </a:p>
           <a:p>
@@ -26220,7 +26221,7 @@
             </a:r>
             <a:r>
               <a:rPr lang="en-US" sz="2000" dirty="0"/>
-              <a:t>contenente l’anagrafica, la diagnosi, l’anamnesi (pregressa e prossima), il tipo di terapia che deve seguire e gli esami da effettuare prima di sottoporsi all’intervento.</a:t>
+              <a:t>contenente l’anagrafica, la diagnosi, l’anamnesi (pregressa e prossima), il tipo di terapia che il paziente deve seguire e gli esami da effettuare prima di sottoporsi all’intervento.</a:t>
             </a:r>
           </a:p>
           <a:p>
@@ -26234,23 +26235,7 @@
             </a:r>
             <a:r>
               <a:rPr lang="en-US" sz="2000" dirty="0"/>
-              <a:t>, liste di attesa per le persone che </a:t>
-            </a:r>
-            <a:r>
-              <a:rPr lang="en-US" sz="2000" dirty="0" err="1"/>
-              <a:t>devono</a:t>
-            </a:r>
-            <a:r>
-              <a:rPr lang="en-US" sz="2000" dirty="0"/>
-              <a:t> </a:t>
-            </a:r>
-            <a:r>
-              <a:rPr lang="en-US" sz="2000" dirty="0" err="1"/>
-              <a:t>affrontare</a:t>
-            </a:r>
-            <a:r>
-              <a:rPr lang="en-US" sz="2000" dirty="0"/>
-              <a:t> esami pre-intervento (definiti dalla cabina di regia). </a:t>
+              <a:t>, liste di attesa per le persone che devono affrontare esami pre-intervento (definiti dalla cabina di regia). </a:t>
             </a:r>
             <a:endParaRPr lang="en-US" sz="2000" b="1" i="1" dirty="0"/>
           </a:p>
@@ -26269,15 +26254,7 @@
             </a:r>
             <a:r>
               <a:rPr lang="en-US" sz="2000" dirty="0"/>
-              <a:t>contenenti le informazioni (blocco operatorio, numero sala, presenza anestesia…) dell’intervento associato al </a:t>
-            </a:r>
-            <a:r>
-              <a:rPr lang="en-US" sz="2000" dirty="0" err="1"/>
-              <a:t>relativo</a:t>
-            </a:r>
-            <a:r>
-              <a:rPr lang="en-US" sz="2000" dirty="0"/>
-              <a:t> paziente.</a:t>
+              <a:t>contenenti le informazioni (blocco operatorio, numero sala, presenza anestesia…) dell’intervento associato al relativo paziente.</a:t>
             </a:r>
           </a:p>
           <a:p>
@@ -26291,7 +26268,15 @@
             </a:r>
             <a:r>
               <a:rPr lang="en-US" sz="2000" dirty="0"/>
-              <a:t>, dove sono riportate le modalità dell’operazione, gli orari delle varie fasi dell’intervento e i nomi dell’equipe medica che ha operato sull’intervento (le capacità di compilazione cambiano in base al personale medico).</a:t>
+              <a:t>, dove sono riportate le modalità dell’operazione, gli orari delle varie fasi dell’intervento e i nomi dell’equipe medica che ha operato (le capacità di compilazione </a:t>
+            </a:r>
+            <a:r>
+              <a:rPr lang="en-US" sz="2000" dirty="0" err="1"/>
+              <a:t>variano</a:t>
+            </a:r>
+            <a:r>
+              <a:rPr lang="en-US" sz="2000" dirty="0"/>
+              <a:t> in base al personale medico).</a:t>
             </a:r>
           </a:p>
         </p:txBody>
@@ -29020,7 +29005,7 @@
         </p:spPr>
         <p:txBody>
           <a:bodyPr>
-            <a:normAutofit/>
+            <a:normAutofit fontScale="92500" lnSpcReduction="10000"/>
           </a:bodyPr>
           <a:lstStyle/>
           <a:p>
@@ -29029,7 +29014,7 @@
             </a:pPr>
             <a:r>
               <a:rPr lang="en-US" sz="2000" dirty="0"/>
-              <a:t>Per accedere alla pagina personale di Sistema, bisogna inanzitutto inserire le credenziali (matricola e password) corrette.</a:t>
+              <a:t>Per accedere alla pagina personale del sistema, bisogna inanzitutto inserire le credenziali (matricola e password) corrette.</a:t>
             </a:r>
           </a:p>
           <a:p>
@@ -29038,79 +29023,7 @@
             </a:pPr>
             <a:r>
               <a:rPr lang="en-US" sz="2000" dirty="0"/>
-              <a:t>Una volta eseguito l’accesso, l’utente può registrare nuovi pazienti, </a:t>
-            </a:r>
-            <a:r>
-              <a:rPr lang="en-US" sz="2000" dirty="0" err="1"/>
-              <a:t>generare</a:t>
-            </a:r>
-            <a:r>
-              <a:rPr lang="en-US" sz="2000" dirty="0"/>
-              <a:t> </a:t>
-            </a:r>
-            <a:r>
-              <a:rPr lang="en-US" sz="2000" dirty="0" err="1"/>
-              <a:t>nuove</a:t>
-            </a:r>
-            <a:r>
-              <a:rPr lang="en-US" sz="2000" dirty="0"/>
-              <a:t> </a:t>
-            </a:r>
-            <a:r>
-              <a:rPr lang="en-US" sz="2000" dirty="0" err="1"/>
-              <a:t>operazioni</a:t>
-            </a:r>
-            <a:r>
-              <a:rPr lang="en-US" sz="2000" dirty="0"/>
-              <a:t> (</a:t>
-            </a:r>
-            <a:r>
-              <a:rPr lang="en-US" sz="2000" dirty="0" err="1"/>
-              <a:t>partendo</a:t>
-            </a:r>
-            <a:r>
-              <a:rPr lang="en-US" sz="2000" dirty="0"/>
-              <a:t> </a:t>
-            </a:r>
-            <a:r>
-              <a:rPr lang="en-US" sz="2000" dirty="0" err="1"/>
-              <a:t>dalle</a:t>
-            </a:r>
-            <a:r>
-              <a:rPr lang="en-US" sz="2000" dirty="0"/>
-              <a:t> anagrafiche create) e compilare i relativi verbali medici, </a:t>
-            </a:r>
-            <a:r>
-              <a:rPr lang="en-US" sz="2000" dirty="0" err="1"/>
-              <a:t>sulla</a:t>
-            </a:r>
-            <a:r>
-              <a:rPr lang="en-US" sz="2000" dirty="0"/>
-              <a:t> base </a:t>
-            </a:r>
-            <a:r>
-              <a:rPr lang="en-US" sz="2000" dirty="0" err="1"/>
-              <a:t>delle</a:t>
-            </a:r>
-            <a:r>
-              <a:rPr lang="en-US" sz="2000" dirty="0"/>
-              <a:t> </a:t>
-            </a:r>
-            <a:r>
-              <a:rPr lang="en-US" sz="2000" dirty="0" err="1"/>
-              <a:t>singole</a:t>
-            </a:r>
-            <a:r>
-              <a:rPr lang="en-US" sz="2000" dirty="0"/>
-              <a:t> </a:t>
-            </a:r>
-            <a:r>
-              <a:rPr lang="en-US" sz="2000" dirty="0" err="1"/>
-              <a:t>operazioni</a:t>
-            </a:r>
-            <a:r>
-              <a:rPr lang="en-US" sz="2000" dirty="0"/>
-              <a:t>.</a:t>
+              <a:t>Una volta eseguito l’accesso, l’utente può registrare nuovi pazienti, generare nuove operazioni (partendo dalle anagrafiche create) e compilare i relativi verbali medici, sulla base delle singole operazioni.</a:t>
             </a:r>
           </a:p>
           <a:p>
@@ -29119,7 +29032,24 @@
             </a:pPr>
             <a:r>
               <a:rPr lang="en-US" sz="2000" dirty="0"/>
-              <a:t>Eliminando la pagina anagrafica di un certo paziente, si cancellano, di conseguenza, le liste operatorie che lo coinvolgono; allo stesso modo, cancellando una lista operatoria si eliminano i verbali medici associati a quella lista.</a:t>
+              <a:t>Le modifiche/eliminazioni di pagine anagrafiche/operazioni possono essere effettuate solo da chi le ha compilate, e, al momento dell’atto, non devono essere presenti operazioni/verbali associate/</a:t>
+            </a:r>
+            <a:r>
+              <a:rPr lang="en-US" sz="2000" dirty="0" err="1"/>
+              <a:t>i</a:t>
+            </a:r>
+            <a:r>
+              <a:rPr lang="en-US" sz="2000" dirty="0"/>
+              <a:t>.</a:t>
+            </a:r>
+          </a:p>
+          <a:p>
+            <a:pPr marL="0" indent="0">
+              <a:buNone/>
+            </a:pPr>
+            <a:r>
+              <a:rPr lang="en-US" sz="2000" dirty="0"/>
+              <a:t>Un verbale medici può essere modificato/eliminato solo dal primo operatore, ma non deve essere passato più di un giorno dalla sua creazione; l’eliminazione di un verbale non comporta la cancellazione dell’operazione associata.</a:t>
             </a:r>
           </a:p>
         </p:txBody>
@@ -30007,15 +29937,7 @@
             </a:pPr>
             <a:r>
               <a:rPr lang="en-US" sz="2000" dirty="0"/>
-              <a:t>Nell’effettuare un testing al nostro </a:t>
-            </a:r>
-            <a:r>
-              <a:rPr lang="en-US" sz="2000" dirty="0" err="1"/>
-              <a:t>progetto</a:t>
-            </a:r>
-            <a:r>
-              <a:rPr lang="en-US" sz="2000" dirty="0"/>
-              <a:t>, abbiamo optato per un test di tipo </a:t>
+              <a:t>Nell’effettuare un testing al nostro progetto, abbiamo optato per un test di tipo </a:t>
             </a:r>
             <a:r>
               <a:rPr lang="en-US" sz="2000" b="1" dirty="0"/>
@@ -31021,12 +30943,12 @@
         <p:spPr>
           <a:xfrm>
             <a:off x="838200" y="1708977"/>
-            <a:ext cx="10515600" cy="4783897"/>
+            <a:ext cx="10515600" cy="5130735"/>
           </a:xfrm>
         </p:spPr>
         <p:txBody>
           <a:bodyPr>
-            <a:normAutofit fontScale="92500" lnSpcReduction="10000"/>
+            <a:normAutofit fontScale="92500" lnSpcReduction="20000"/>
           </a:bodyPr>
           <a:lstStyle/>
           <a:p>
@@ -31277,10 +31199,10 @@
                 <a:ea typeface="+mn-ea"/>
                 <a:cs typeface="+mn-cs"/>
               </a:rPr>
-              <a:t>Inserito un codice operazione non archiviato/insesistente, il test verifica che non esiste </a:t>
-            </a:r>
-            <a:r>
-              <a:rPr kumimoji="0" lang="en-US" sz="1900" b="0" u="none" strike="noStrike" kern="1200" cap="none" spc="0" normalizeH="0" baseline="0" noProof="0" dirty="0" err="1">
+              <a:t>Inserito un codice operazione non archiviato/insesistente, il test verifica che non </a:t>
+            </a:r>
+            <a:r>
+              <a:rPr kumimoji="0" lang="en-US" sz="1900" b="0" u="none" strike="noStrike" kern="1200" cap="none" spc="0" normalizeH="0" baseline="0" noProof="0">
                 <a:ln>
                   <a:noFill/>
                 </a:ln>
@@ -31293,7 +31215,7 @@
                 <a:ea typeface="+mn-ea"/>
                 <a:cs typeface="+mn-cs"/>
               </a:rPr>
-              <a:t>alcun</a:t>
+              <a:t>esiste un verbale </a:t>
             </a:r>
             <a:r>
               <a:rPr kumimoji="0" lang="en-US" sz="1900" b="0" u="none" strike="noStrike" kern="1200" cap="none" spc="0" normalizeH="0" baseline="0" noProof="0" dirty="0">
@@ -31309,7 +31231,7 @@
                 <a:ea typeface="+mn-ea"/>
                 <a:cs typeface="+mn-cs"/>
               </a:rPr>
-              <a:t> verbale medico associato;</a:t>
+              <a:t>medico associato;</a:t>
             </a:r>
           </a:p>
           <a:p>
@@ -31477,6 +31399,69 @@
                 <a:latin typeface="Calibri" panose="020F0502020204030204"/>
               </a:rPr>
               <a:t>, test che simula il salvataggio di un’operazione ma che fallisce, per l’inserimento erratto della matricola del medico;</a:t>
+            </a:r>
+          </a:p>
+          <a:p>
+            <a:pPr marR="0" lvl="1" algn="l" defTabSz="914400" rtl="0" eaLnBrk="1" fontAlgn="auto" latinLnBrk="0" hangingPunct="1">
+              <a:lnSpc>
+                <a:spcPct val="90000"/>
+              </a:lnSpc>
+              <a:spcBef>
+                <a:spcPts val="500"/>
+              </a:spcBef>
+              <a:spcAft>
+                <a:spcPts val="0"/>
+              </a:spcAft>
+              <a:buClrTx/>
+              <a:buSzTx/>
+              <a:buFont typeface="Wingdings" panose="05000000000000000000" pitchFamily="2" charset="2"/>
+              <a:buChar char="v"/>
+              <a:tabLst/>
+              <a:defRPr/>
+            </a:pPr>
+            <a:r>
+              <a:rPr lang="en-US" sz="2000" dirty="0">
+                <a:solidFill>
+                  <a:prstClr val="black"/>
+                </a:solidFill>
+                <a:effectLst>
+                  <a:outerShdw blurRad="38100" dist="38100" dir="2700000" algn="tl">
+                    <a:srgbClr val="000000">
+                      <a:alpha val="43137"/>
+                    </a:srgbClr>
+                  </a:outerShdw>
+                </a:effectLst>
+                <a:latin typeface="Calibri" panose="020F0502020204030204"/>
+              </a:rPr>
+              <a:t>Eliminazione Operazione Inesistente</a:t>
+            </a:r>
+          </a:p>
+          <a:p>
+            <a:pPr marR="0" lvl="1" algn="l" defTabSz="914400" rtl="0" eaLnBrk="1" fontAlgn="auto" latinLnBrk="0" hangingPunct="1">
+              <a:lnSpc>
+                <a:spcPct val="90000"/>
+              </a:lnSpc>
+              <a:spcBef>
+                <a:spcPts val="500"/>
+              </a:spcBef>
+              <a:spcAft>
+                <a:spcPts val="0"/>
+              </a:spcAft>
+              <a:buClrTx/>
+              <a:buSzTx/>
+              <a:buFont typeface="Wingdings" panose="05000000000000000000" pitchFamily="2" charset="2"/>
+              <a:buChar char="Ø"/>
+              <a:tabLst/>
+              <a:defRPr/>
+            </a:pPr>
+            <a:r>
+              <a:rPr lang="en-US" sz="1900" dirty="0">
+                <a:solidFill>
+                  <a:prstClr val="black"/>
+                </a:solidFill>
+                <a:latin typeface="Calibri" panose="020F0502020204030204"/>
+              </a:rPr>
+              <a:t>Il test riconosce il fallimento nell’eliminare un’operazione, il cui codice identificativo non esiste.</a:t>
             </a:r>
           </a:p>
           <a:p>
@@ -32382,15 +32367,7 @@
             </a:pPr>
             <a:r>
               <a:rPr lang="en-US" sz="2200" dirty="0"/>
-              <a:t>Le principali difficolà, incontrate durante la stesura del Progetto, </a:t>
-            </a:r>
-            <a:r>
-              <a:rPr lang="en-US" sz="2200" dirty="0" err="1"/>
-              <a:t>riguardano</a:t>
-            </a:r>
-            <a:r>
-              <a:rPr lang="en-US" sz="2200" dirty="0"/>
-              <a:t>:</a:t>
+              <a:t>Le principali difficoltà, incontrate durante la stesura del progetto, riguardano:</a:t>
             </a:r>
           </a:p>
           <a:p>
@@ -32411,15 +32388,7 @@
           <a:p>
             <a:r>
               <a:rPr lang="en-US" sz="2200" dirty="0"/>
-              <a:t>Ottenere un programma software che risponda a tutti i requisiti (del sistema e </a:t>
-            </a:r>
-            <a:r>
-              <a:rPr lang="en-US" sz="2200" dirty="0" err="1"/>
-              <a:t>dell’utente</a:t>
-            </a:r>
-            <a:r>
-              <a:rPr lang="en-US" sz="2200" dirty="0"/>
-              <a:t>).</a:t>
+              <a:t>Ottenere un programma software che risponda a tutti i requisiti (del sistema e dell’utente).</a:t>
             </a:r>
           </a:p>
           <a:p>
@@ -32437,7 +32406,7 @@
           <a:p>
             <a:r>
               <a:rPr lang="en-US" sz="2200" dirty="0"/>
-              <a:t>Possibilità di non consegnare in tempo il Progetto, causa ritardo nella realizzazione delle singole parti del programma.</a:t>
+              <a:t>Possibilità di non consegnare in tempo il progetto, causa ritardo nella realizzazione delle singole parti del programma.</a:t>
             </a:r>
           </a:p>
           <a:p>
@@ -33443,7 +33412,7 @@
         </p:nvSpPr>
         <p:spPr>
           <a:xfrm>
-            <a:off x="1595534" y="4811295"/>
+            <a:off x="1502228" y="4811295"/>
             <a:ext cx="1073021" cy="369332"/>
           </a:xfrm>
           <a:prstGeom prst="rect">
@@ -33458,7 +33427,15 @@
           <a:lstStyle/>
           <a:p>
             <a:r>
-              <a:rPr lang="it-IT" dirty="0"/>
+              <a:rPr lang="it-IT" dirty="0">
+                <a:effectLst>
+                  <a:outerShdw blurRad="38100" dist="38100" dir="2700000" algn="tl">
+                    <a:srgbClr val="000000">
+                      <a:alpha val="43137"/>
+                    </a:srgbClr>
+                  </a:outerShdw>
+                </a:effectLst>
+              </a:rPr>
               <a:t>StarUML</a:t>
             </a:r>
           </a:p>
@@ -33493,7 +33470,15 @@
           <a:lstStyle/>
           <a:p>
             <a:r>
-              <a:rPr lang="it-IT" dirty="0"/>
+              <a:rPr lang="it-IT" dirty="0">
+                <a:effectLst>
+                  <a:outerShdw blurRad="38100" dist="38100" dir="2700000" algn="tl">
+                    <a:srgbClr val="000000">
+                      <a:alpha val="43137"/>
+                    </a:srgbClr>
+                  </a:outerShdw>
+                </a:effectLst>
+              </a:rPr>
               <a:t>Eclipse IDE</a:t>
             </a:r>
           </a:p>
@@ -33528,7 +33513,15 @@
           <a:lstStyle/>
           <a:p>
             <a:r>
-              <a:rPr lang="it-IT" dirty="0"/>
+              <a:rPr lang="it-IT" dirty="0">
+                <a:effectLst>
+                  <a:outerShdw blurRad="38100" dist="38100" dir="2700000" algn="tl">
+                    <a:srgbClr val="000000">
+                      <a:alpha val="43137"/>
+                    </a:srgbClr>
+                  </a:outerShdw>
+                </a:effectLst>
+              </a:rPr>
               <a:t>GitHub</a:t>
             </a:r>
           </a:p>
@@ -34380,7 +34373,7 @@
         <p:spPr>
           <a:xfrm>
             <a:off x="0" y="1884037"/>
-            <a:ext cx="12188952" cy="5093702"/>
+            <a:ext cx="11812555" cy="5093702"/>
           </a:xfrm>
           <a:prstGeom prst="rect">
             <a:avLst/>
@@ -34407,7 +34400,7 @@
             </a:r>
             <a:r>
               <a:rPr lang="it-IT" dirty="0"/>
-              <a:t> come strumento prescelto al coordinamento tra i membri del team: le sue caratteristiche di utilizzo consentono di tenere traccia di tutti le modifiche apportate (si sfruttano </a:t>
+              <a:t> come strumento prescelto al coordinamento tra i membri del team: le sue caratteristiche di utilizzo consentono di tenere traccia di tutte le modifiche apportate (si sfruttano </a:t>
             </a:r>
             <a:r>
               <a:rPr lang="it-IT" i="1" dirty="0"/>
@@ -34470,7 +34463,7 @@
             </a:r>
             <a:r>
               <a:rPr lang="it-IT" dirty="0"/>
-              <a:t>, per la costruzione di un’interfaccia grafica che risponda ai requisiti del problema, ma che sia, al tempo stesso, di facile utilizzo e comprensibile agli utenti (principalmente medici).</a:t>
+              <a:t>, per la costruzione di un’interfaccia grafica che risponda ai requisiti del problema, ma che sia, al tempo stesso, di facile utilizzo e comprensibile a tutti gli utenti (principalmente medici).</a:t>
             </a:r>
           </a:p>
           <a:p>
@@ -34535,7 +34528,7 @@
             </a:r>
             <a:r>
               <a:rPr lang="it-IT" dirty="0"/>
-              <a:t>, tool di analisi della struttura e le dipendenze di un progetto/programma, attraverso il quale si può visualizzare le relazioni tra moduli e classi </a:t>
+              <a:t>, tool di analisi della struttura e le dipendenze di un progetto/programma, attraverso cui si può visualizzare le relazioni tra moduli e classi </a:t>
             </a:r>
             <a:r>
               <a:rPr lang="it-IT" i="1" dirty="0"/>
@@ -35368,7 +35361,7 @@
         </p:spPr>
         <p:txBody>
           <a:bodyPr>
-            <a:normAutofit fontScale="92500" lnSpcReduction="20000"/>
+            <a:normAutofit fontScale="70000" lnSpcReduction="20000"/>
           </a:bodyPr>
           <a:lstStyle/>
           <a:p>
@@ -35376,7 +35369,7 @@
               <a:buNone/>
             </a:pPr>
             <a:r>
-              <a:rPr lang="it-IT" sz="2000" dirty="0"/>
+              <a:rPr lang="it-IT" sz="2500" dirty="0"/>
               <a:t>Per il software configuration management è stato utilizzato GitHub come programma principale:</a:t>
             </a:r>
           </a:p>
@@ -35384,37 +35377,37 @@
             <a:pPr marL="0" indent="0">
               <a:buNone/>
             </a:pPr>
-            <a:endParaRPr lang="it-IT" sz="2000" dirty="0"/>
+            <a:endParaRPr lang="it-IT" sz="2500" dirty="0"/>
           </a:p>
           <a:p>
             <a:pPr marL="0" indent="0">
               <a:buNone/>
             </a:pPr>
             <a:r>
-              <a:rPr lang="it-IT" sz="2000" b="1" dirty="0"/>
+              <a:rPr lang="it-IT" sz="2500" b="1" dirty="0"/>
               <a:t>BRANCH </a:t>
             </a:r>
             <a:r>
-              <a:rPr lang="it-IT" sz="2000" dirty="0"/>
-              <a:t>La creazione di branch diversi ottimizza il lavoro di squadra e permette di evitare eventuali  incomprensioni: ogni membro crea uno o più branch per lavorare sulle sue componenti, in modo tale da non confondere gli altri collaboratori, qualora si lavorasse in più persone su uno stesso aspetto (i branch sono, tuttavia, aperti a tutti i membri, per favorire il confronto). Il «ramo principale» Main è il branch di default, dove verrano trasferiti i file e il codice finale per la consegna del progetto.</a:t>
+              <a:rPr lang="it-IT" sz="2500" dirty="0"/>
+              <a:t>La creazione di branch diversi ottimizza il lavoro di squadra e permette di evitare eventuali  incomprensioni: ogni membro crea uno o più branch per lavorare sulle sue componenti, in modo tale da non confondere gli altri collaboratori, qualora si lavorasse in più persone su uno stesso aspetto (i branch sono, tuttavia, aperti a tutti i membri del gruppo, per favorire confronto e correzione). Il «ramo principale» Main è il branch di default, dove verrano trasferiti i file e il codice finale per la consegna del progetto.</a:t>
             </a:r>
           </a:p>
           <a:p>
             <a:pPr marL="0" indent="0">
               <a:buNone/>
             </a:pPr>
-            <a:endParaRPr lang="it-IT" sz="2000" b="1" dirty="0"/>
+            <a:endParaRPr lang="it-IT" sz="2500" b="1" dirty="0"/>
           </a:p>
           <a:p>
             <a:pPr marL="0" indent="0">
               <a:buNone/>
             </a:pPr>
             <a:r>
-              <a:rPr lang="it-IT" sz="2000" b="1" dirty="0"/>
+              <a:rPr lang="it-IT" sz="2500" b="1" dirty="0"/>
               <a:t>ISSUE </a:t>
             </a:r>
             <a:r>
-              <a:rPr lang="it-IT" sz="2000" dirty="0"/>
+              <a:rPr lang="it-IT" sz="2500" dirty="0"/>
               <a:t>Per valutazione del progetto/project plan, risolvere bug o rispondere a determinati requisiti, sono state attivate issue corrispondenti. Le singole issue vengono affidate ad uno o più i membri del team e devono essere portate a compimento (risolvendo il problema indicato), prima di essere chiuse (indicate come «completate»). Le issue favoriscono la comunicazione tra i membri del team.</a:t>
             </a:r>
           </a:p>
@@ -35422,45 +35415,37 @@
             <a:pPr marL="0" indent="0">
               <a:buNone/>
             </a:pPr>
-            <a:endParaRPr lang="it-IT" sz="2000" dirty="0"/>
+            <a:endParaRPr lang="it-IT" sz="2500" dirty="0"/>
           </a:p>
           <a:p>
             <a:pPr marL="0" indent="0">
               <a:buNone/>
             </a:pPr>
             <a:r>
-              <a:rPr lang="it-IT" sz="2000" b="1" dirty="0"/>
+              <a:rPr lang="it-IT" sz="2500" b="1" dirty="0"/>
               <a:t>PULL REQUEST </a:t>
             </a:r>
             <a:r>
-              <a:rPr lang="it-IT" sz="2000" dirty="0"/>
+              <a:rPr lang="it-IT" sz="2500" dirty="0"/>
               <a:t>Per</a:t>
             </a:r>
             <a:r>
-              <a:rPr lang="it-IT" sz="2000" b="1" dirty="0"/>
+              <a:rPr lang="it-IT" sz="2500" b="1" dirty="0"/>
               <a:t> </a:t>
             </a:r>
             <a:r>
-              <a:rPr lang="it-IT" sz="2000" dirty="0"/>
-              <a:t>modifiche importanti o azioni di merge («unione di materiale da un branch ad un altro»), sono state attivate apposite pull request, le quali devono essere discusse tra tutti i membri del team e lo SCRUM Master, indicato per l’area di lavoro a cui la request fa riferimento, ha il compito di </a:t>
-            </a:r>
-            <a:r>
-              <a:rPr lang="it-IT" sz="2000"/>
-              <a:t>approvarla e portarla </a:t>
-            </a:r>
-            <a:r>
-              <a:rPr lang="it-IT" sz="2000" dirty="0"/>
-              <a:t>a compimento. Possono essere richieste delle </a:t>
-            </a:r>
-            <a:r>
-              <a:rPr lang="it-IT" sz="2000" i="1" dirty="0"/>
+              <a:rPr lang="it-IT" sz="2500" dirty="0"/>
+              <a:t>modifiche importanti o azioni di merge (unione di materiale da un branch ad un altro), sono state attivate apposite pull request, le quali devono essere discusse tra tutti i membri del team e lo SCRUM Master, indicato per l’area di lavoro a cui la request fa riferimento, ha il compito di approvarla e portarla a compimento. Possono essere richieste delle </a:t>
+            </a:r>
+            <a:r>
+              <a:rPr lang="it-IT" sz="2500" i="1" dirty="0"/>
               <a:t>Review</a:t>
             </a:r>
             <a:r>
-              <a:rPr lang="it-IT" sz="2000" dirty="0"/>
+              <a:rPr lang="it-IT" sz="2500" dirty="0"/>
               <a:t>, per consentire ai membri di esaminare e discutere le modifiche proposte, che verranno poi unite nel ramo principale del repository. </a:t>
             </a:r>
-            <a:endParaRPr lang="it-IT" sz="2200" b="1" dirty="0"/>
+            <a:endParaRPr lang="it-IT" sz="2500" b="1" dirty="0"/>
           </a:p>
           <a:p>
             <a:pPr marL="0" indent="0">
@@ -37306,14 +37291,29 @@
             </a:r>
             <a:r>
               <a:rPr lang="it-IT" sz="1800" dirty="0"/>
-              <a:t>; se gli altri membri vogliono apportare una modifica in quella parte del progetto, dovranno fare riferimento a lui, per capire se tale modifica è necessaria o meno (lo scrum master ha sempre l’ultima parola). Sebbene il ruolo di scrum master venga designato anticipatamente, i tre collaboratori devono sempre confrontarsi per le nuove modifiche e dare tutti il proprio consenso: sarà compito dello scrum master verificare se tali cambiamenti mantengono la qualità del software alta. Inoltre, lo scrum master deve mantenere alta la motivazione/concentrazione del gruppo, per portare a compimento le singole parti ed eliminare ostacoli che rallentano il lavoro.</a:t>
+              <a:t>; se gli altri membri vogliono apportare una modifica in quella parte del progetto, dovranno fare riferimento a lui, per capire se tale modifica è necessaria o meno (lo scrum master ha sempre l’ultima parola. Lo scrum master deve mantenere alta la motivazione/concentrazione del gruppo, per portare a compimento le singole parti ed eliminare ostacoli che rallentano il lavoro.</a:t>
             </a:r>
           </a:p>
           <a:p>
             <a:pPr marL="0" indent="0">
               <a:buNone/>
             </a:pPr>
-            <a:endParaRPr lang="it-IT" sz="1800" dirty="0"/>
+            <a:r>
+              <a:rPr lang="it-IT" sz="1800" dirty="0"/>
+              <a:t>Data la mancanza di specializzazione dei membri, si usufruisce spesso della tecnica </a:t>
+            </a:r>
+            <a:r>
+              <a:rPr lang="it-IT" sz="1800" b="1" dirty="0" err="1"/>
+              <a:t>pair</a:t>
+            </a:r>
+            <a:r>
+              <a:rPr lang="it-IT" sz="1800" b="1" dirty="0"/>
+              <a:t> programming</a:t>
+            </a:r>
+            <a:r>
+              <a:rPr lang="it-IT" sz="1800" dirty="0"/>
+              <a:t>: un membro lavora sulle modifiche, mentre un altro revisiona l’operato e interviene per correggere errori; questo approccio favorisce l’apprendimento dei compiti e il lavoro di squadra.</a:t>
+            </a:r>
           </a:p>
           <a:p>
             <a:pPr marL="0" indent="0">
@@ -38427,8 +38427,8 @@
         </p:nvSpPr>
         <p:spPr>
           <a:xfrm>
-            <a:off x="569167" y="4021121"/>
-            <a:ext cx="11066106" cy="2431435"/>
+            <a:off x="410547" y="3708296"/>
+            <a:ext cx="11224726" cy="3016210"/>
           </a:xfrm>
           <a:prstGeom prst="rect">
             <a:avLst/>
@@ -38443,7 +38443,7 @@
           <a:p>
             <a:r>
               <a:rPr lang="it-IT" sz="1900" dirty="0"/>
-              <a:t>Il team si è impegnato a rispondere ai requisiti di qualità tassonomici di McCall: nella tabella sopra sono riportati i principali requisiti che il team si è impegnato a soddisfare, per rendere forte il progetto e aumentarne il livello di qualità finale.</a:t>
+              <a:t>Il team si è impegnato a rispondere ai requisiti di qualità tassonomici di McCall: nella tabella soprastante sono riportati i principali requisiti che il team si è impegnato a soddisfare, per rendere forte il progetto e aumentarne il livello di qualità finale.</a:t>
             </a:r>
           </a:p>
           <a:p>
@@ -38452,7 +38452,29 @@
           <a:p>
             <a:r>
               <a:rPr lang="it-IT" sz="1900" dirty="0"/>
-              <a:t>L’attenzione è rivolta in particolare al funzionamento e revisione del prodotto: l’obiettivo è permettere al programma di funzionare in modo corretto, rispondendo ai requisiti designati dal team e a quelli dell’utente (medico o sistema dell’ospedale). Anche se il progetto non sarà commercializzabile completamente a fine lavoro, il team ha implementato il codice perché parte di esso o tutto possa essere riutilizzabile in futuro.</a:t>
+              <a:t>L’attenzione è rivolta in particolare al </a:t>
+            </a:r>
+            <a:r>
+              <a:rPr lang="it-IT" sz="1900" i="1" dirty="0"/>
+              <a:t>funzionamento</a:t>
+            </a:r>
+            <a:r>
+              <a:rPr lang="it-IT" sz="1900" dirty="0"/>
+              <a:t> e </a:t>
+            </a:r>
+            <a:r>
+              <a:rPr lang="it-IT" sz="1900" i="1" dirty="0"/>
+              <a:t>revisione</a:t>
+            </a:r>
+            <a:r>
+              <a:rPr lang="it-IT" sz="1900" dirty="0"/>
+              <a:t> del prodotto: l’obiettivo è permettere al programma di funzionare in modo corretto, rispondendo ai requisiti designati dal team e a quelli dell’utente (medico o sistema dell’ospedale). Il codice è organizzato in maniera semplice ed è stato sottoposto a dovuti casi di test,  per verificare l’affidabilità delle singole funzioni.</a:t>
+            </a:r>
+          </a:p>
+          <a:p>
+            <a:r>
+              <a:rPr lang="it-IT" sz="1900" dirty="0"/>
+              <a:t>Anche se il progetto non sarà commercializzabile completamente a fine lavoro, il team ha implementato il codice perché parte di esso o tutto possa essere riutilizzabile in futuro.</a:t>
             </a:r>
           </a:p>
         </p:txBody>
@@ -39356,15 +39378,6 @@
 </file>
 
 <file path=customXml/item1.xml><?xml version="1.0" encoding="utf-8"?>
-<?mso-contentType ?>
-<FormTemplates xmlns="http://schemas.microsoft.com/sharepoint/v3/contenttype/forms">
-  <Display>DocumentLibraryForm</Display>
-  <Edit>DocumentLibraryForm</Edit>
-  <New>DocumentLibraryForm</New>
-</FormTemplates>
-</file>
-
-<file path=customXml/item2.xml><?xml version="1.0" encoding="utf-8"?>
 <ct:contentTypeSchema xmlns:ct="http://schemas.microsoft.com/office/2006/metadata/contentType" xmlns:ma="http://schemas.microsoft.com/office/2006/metadata/properties/metaAttributes" ct:_="" ma:_="" ma:contentTypeName="Documento" ma:contentTypeID="0x0101007CE6213B20D2F945B0D1473923EE410F" ma:contentTypeVersion="7" ma:contentTypeDescription="Creare un nuovo documento." ma:contentTypeScope="" ma:versionID="dc8ac43e96b461727accd63cf925a5cf">
   <xsd:schema xmlns:xsd="http://www.w3.org/2001/XMLSchema" xmlns:xs="http://www.w3.org/2001/XMLSchema" xmlns:p="http://schemas.microsoft.com/office/2006/metadata/properties" xmlns:ns2="243f3390-b919-40e8-8195-3613e8527352" targetNamespace="http://schemas.microsoft.com/office/2006/metadata/properties" ma:root="true" ma:fieldsID="1987007e621e1b24d40e437f012b913d" ns2:_="">
     <xsd:import namespace="243f3390-b919-40e8-8195-3613e8527352"/>
@@ -39526,6 +39539,15 @@
 </ct:contentTypeSchema>
 </file>
 
+<file path=customXml/item2.xml><?xml version="1.0" encoding="utf-8"?>
+<?mso-contentType ?>
+<FormTemplates xmlns="http://schemas.microsoft.com/sharepoint/v3/contenttype/forms">
+  <Display>DocumentLibraryForm</Display>
+  <Edit>DocumentLibraryForm</Edit>
+  <New>DocumentLibraryForm</New>
+</FormTemplates>
+</file>
+
 <file path=customXml/item3.xml><?xml version="1.0" encoding="utf-8"?>
 <p:properties xmlns:p="http://schemas.microsoft.com/office/2006/metadata/properties" xmlns:xsi="http://www.w3.org/2001/XMLSchema-instance" xmlns:pc="http://schemas.microsoft.com/office/infopath/2007/PartnerControls">
   <documentManagement/>
@@ -39533,14 +39555,6 @@
 </file>
 
 <file path=customXml/itemProps1.xml><?xml version="1.0" encoding="utf-8"?>
-<ds:datastoreItem xmlns:ds="http://schemas.openxmlformats.org/officeDocument/2006/customXml" ds:itemID="{42BC90D6-94CF-42F7-AAC4-9CF6824C54D5}">
-  <ds:schemaRefs>
-    <ds:schemaRef ds:uri="http://schemas.microsoft.com/sharepoint/v3/contenttype/forms"/>
-  </ds:schemaRefs>
-</ds:datastoreItem>
-</file>
-
-<file path=customXml/itemProps2.xml><?xml version="1.0" encoding="utf-8"?>
 <ds:datastoreItem xmlns:ds="http://schemas.openxmlformats.org/officeDocument/2006/customXml" ds:itemID="{1A503E23-9696-4358-8F00-F7F66AC755EB}">
   <ds:schemaRefs>
     <ds:schemaRef ds:uri="http://schemas.microsoft.com/office/2006/metadata/contentType"/>
@@ -39554,6 +39568,14 @@
     <ds:schemaRef ds:uri="http://purl.org/dc/elements/1.1/"/>
     <ds:schemaRef ds:uri="http://purl.org/dc/terms/"/>
     <ds:schemaRef ds:uri="http://schemas.microsoft.com/internal/obd"/>
+  </ds:schemaRefs>
+</ds:datastoreItem>
+</file>
+
+<file path=customXml/itemProps2.xml><?xml version="1.0" encoding="utf-8"?>
+<ds:datastoreItem xmlns:ds="http://schemas.openxmlformats.org/officeDocument/2006/customXml" ds:itemID="{42BC90D6-94CF-42F7-AAC4-9CF6824C54D5}">
+  <ds:schemaRefs>
+    <ds:schemaRef ds:uri="http://schemas.microsoft.com/sharepoint/v3/contenttype/forms"/>
   </ds:schemaRefs>
 </ds:datastoreItem>
 </file>

--- a/Presentazione/Presentazione_Progetto.pptx
+++ b/Presentazione/Presentazione_Progetto.pptx
@@ -170,7 +170,7 @@
 <file path=ppt/revisionInfo.xml><?xml version="1.0" encoding="utf-8"?>
 <p1510:revInfo xmlns:a="http://schemas.openxmlformats.org/drawingml/2006/main" xmlns:r="http://schemas.openxmlformats.org/officeDocument/2006/relationships" xmlns:p1510="http://schemas.microsoft.com/office/powerpoint/2015/10/main">
   <p1510:revLst>
-    <p1510:client id="{E6DC4EAA-0AC7-4D8A-9ABA-9B4C09DD8308}" v="653" dt="2024-03-23T18:33:34.711"/>
+    <p1510:client id="{E6DC4EAA-0AC7-4D8A-9ABA-9B4C09DD8308}" v="685" dt="2024-03-24T16:07:52.748"/>
   </p1510:revLst>
 </p1510:revInfo>
 </file>
@@ -180,7 +180,7 @@
   <pc:docChgLst>
     <pc:chgData name="Matteo MANGILI" userId="89c7df381375e6aa" providerId="LiveId" clId="{E6DC4EAA-0AC7-4D8A-9ABA-9B4C09DD8308}"/>
     <pc:docChg chg="undo custSel addSld delSld modSld sldOrd">
-      <pc:chgData name="Matteo MANGILI" userId="89c7df381375e6aa" providerId="LiveId" clId="{E6DC4EAA-0AC7-4D8A-9ABA-9B4C09DD8308}" dt="2024-03-23T18:34:38.529" v="21169" actId="20577"/>
+      <pc:chgData name="Matteo MANGILI" userId="89c7df381375e6aa" providerId="LiveId" clId="{E6DC4EAA-0AC7-4D8A-9ABA-9B4C09DD8308}" dt="2024-03-24T16:07:43.401" v="21658"/>
       <pc:docMkLst>
         <pc:docMk/>
       </pc:docMkLst>
@@ -400,13 +400,13 @@
         </pc:picChg>
       </pc:sldChg>
       <pc:sldChg chg="modSp mod">
-        <pc:chgData name="Matteo MANGILI" userId="89c7df381375e6aa" providerId="LiveId" clId="{E6DC4EAA-0AC7-4D8A-9ABA-9B4C09DD8308}" dt="2024-03-23T10:42:00.368" v="19715" actId="20577"/>
+        <pc:chgData name="Matteo MANGILI" userId="89c7df381375e6aa" providerId="LiveId" clId="{E6DC4EAA-0AC7-4D8A-9ABA-9B4C09DD8308}" dt="2024-03-24T15:42:57.083" v="21299" actId="20577"/>
         <pc:sldMkLst>
           <pc:docMk/>
           <pc:sldMk cId="42136755" sldId="307"/>
         </pc:sldMkLst>
         <pc:spChg chg="mod">
-          <ac:chgData name="Matteo MANGILI" userId="89c7df381375e6aa" providerId="LiveId" clId="{E6DC4EAA-0AC7-4D8A-9ABA-9B4C09DD8308}" dt="2024-03-23T10:42:00.368" v="19715" actId="20577"/>
+          <ac:chgData name="Matteo MANGILI" userId="89c7df381375e6aa" providerId="LiveId" clId="{E6DC4EAA-0AC7-4D8A-9ABA-9B4C09DD8308}" dt="2024-03-24T15:42:57.083" v="21299" actId="20577"/>
           <ac:spMkLst>
             <pc:docMk/>
             <pc:sldMk cId="42136755" sldId="307"/>
@@ -507,7 +507,7 @@
         </pc:graphicFrameChg>
       </pc:sldChg>
       <pc:sldChg chg="addSp delSp modSp mod">
-        <pc:chgData name="Matteo MANGILI" userId="89c7df381375e6aa" providerId="LiveId" clId="{E6DC4EAA-0AC7-4D8A-9ABA-9B4C09DD8308}" dt="2024-03-22T20:05:02.970" v="19267" actId="20577"/>
+        <pc:chgData name="Matteo MANGILI" userId="89c7df381375e6aa" providerId="LiveId" clId="{E6DC4EAA-0AC7-4D8A-9ABA-9B4C09DD8308}" dt="2024-03-24T16:05:29.431" v="21657" actId="21"/>
         <pc:sldMkLst>
           <pc:docMk/>
           <pc:sldMk cId="2994462458" sldId="314"/>
@@ -520,6 +520,14 @@
             <ac:spMk id="4" creationId="{1382BF33-D4C3-1609-FA12-EC09BEED9465}"/>
           </ac:spMkLst>
         </pc:spChg>
+        <pc:spChg chg="add del mod">
+          <ac:chgData name="Matteo MANGILI" userId="89c7df381375e6aa" providerId="LiveId" clId="{E6DC4EAA-0AC7-4D8A-9ABA-9B4C09DD8308}" dt="2024-03-24T15:44:58.865" v="21302" actId="22"/>
+          <ac:spMkLst>
+            <pc:docMk/>
+            <pc:sldMk cId="2994462458" sldId="314"/>
+            <ac:spMk id="5" creationId="{E1E9DC15-ADB4-4A0D-DB2D-F0DFC6CFFB33}"/>
+          </ac:spMkLst>
+        </pc:spChg>
         <pc:spChg chg="mod">
           <ac:chgData name="Matteo MANGILI" userId="89c7df381375e6aa" providerId="LiveId" clId="{E6DC4EAA-0AC7-4D8A-9ABA-9B4C09DD8308}" dt="2024-03-22T20:05:02.970" v="19267" actId="20577"/>
           <ac:spMkLst>
@@ -528,16 +536,24 @@
             <ac:spMk id="6" creationId="{07D5F90B-A703-3979-44A8-9125B7AA3463}"/>
           </ac:spMkLst>
         </pc:spChg>
-        <pc:picChg chg="add mod">
-          <ac:chgData name="Matteo MANGILI" userId="89c7df381375e6aa" providerId="LiveId" clId="{E6DC4EAA-0AC7-4D8A-9ABA-9B4C09DD8308}" dt="2024-02-25T17:40:12.090" v="3460" actId="1076"/>
+        <pc:spChg chg="add del mod">
+          <ac:chgData name="Matteo MANGILI" userId="89c7df381375e6aa" providerId="LiveId" clId="{E6DC4EAA-0AC7-4D8A-9ABA-9B4C09DD8308}" dt="2024-03-24T15:45:46.768" v="21321" actId="22"/>
+          <ac:spMkLst>
+            <pc:docMk/>
+            <pc:sldMk cId="2994462458" sldId="314"/>
+            <ac:spMk id="15" creationId="{88688EAE-88AA-149A-DCFE-5DF1338565E4}"/>
+          </ac:spMkLst>
+        </pc:spChg>
+        <pc:picChg chg="add del mod">
+          <ac:chgData name="Matteo MANGILI" userId="89c7df381375e6aa" providerId="LiveId" clId="{E6DC4EAA-0AC7-4D8A-9ABA-9B4C09DD8308}" dt="2024-03-24T15:43:54.039" v="21301" actId="21"/>
           <ac:picMkLst>
             <pc:docMk/>
             <pc:sldMk cId="2994462458" sldId="314"/>
             <ac:picMk id="4" creationId="{FBBF433F-AF38-288E-6DBA-F555A48DC93B}"/>
           </ac:picMkLst>
         </pc:picChg>
-        <pc:picChg chg="add mod ord">
-          <ac:chgData name="Matteo MANGILI" userId="89c7df381375e6aa" providerId="LiveId" clId="{E6DC4EAA-0AC7-4D8A-9ABA-9B4C09DD8308}" dt="2024-02-19T21:08:45.634" v="20" actId="1076"/>
+        <pc:picChg chg="add del mod ord">
+          <ac:chgData name="Matteo MANGILI" userId="89c7df381375e6aa" providerId="LiveId" clId="{E6DC4EAA-0AC7-4D8A-9ABA-9B4C09DD8308}" dt="2024-03-24T15:43:48.318" v="21300" actId="21"/>
           <ac:picMkLst>
             <pc:docMk/>
             <pc:sldMk cId="2994462458" sldId="314"/>
@@ -552,12 +568,36 @@
             <ac:picMk id="9" creationId="{D632F88F-B7F1-FCF1-6B5E-D9317E32DE52}"/>
           </ac:picMkLst>
         </pc:picChg>
+        <pc:picChg chg="add del mod ord">
+          <ac:chgData name="Matteo MANGILI" userId="89c7df381375e6aa" providerId="LiveId" clId="{E6DC4EAA-0AC7-4D8A-9ABA-9B4C09DD8308}" dt="2024-03-24T15:45:09.472" v="21320" actId="21"/>
+          <ac:picMkLst>
+            <pc:docMk/>
+            <pc:sldMk cId="2994462458" sldId="314"/>
+            <ac:picMk id="12" creationId="{9F9BFEF1-1132-3AC3-5EC8-88C1D6A79675}"/>
+          </ac:picMkLst>
+        </pc:picChg>
         <pc:picChg chg="del">
           <ac:chgData name="Matteo MANGILI" userId="89c7df381375e6aa" providerId="LiveId" clId="{E6DC4EAA-0AC7-4D8A-9ABA-9B4C09DD8308}" dt="2024-02-25T17:39:33.595" v="3458" actId="21"/>
           <ac:picMkLst>
             <pc:docMk/>
             <pc:sldMk cId="2994462458" sldId="314"/>
             <ac:picMk id="15" creationId="{38829EC7-B73C-44B8-D4CD-DEEE234C82B3}"/>
+          </ac:picMkLst>
+        </pc:picChg>
+        <pc:picChg chg="add mod ord">
+          <ac:chgData name="Matteo MANGILI" userId="89c7df381375e6aa" providerId="LiveId" clId="{E6DC4EAA-0AC7-4D8A-9ABA-9B4C09DD8308}" dt="2024-03-24T15:45:49.525" v="21322" actId="1076"/>
+          <ac:picMkLst>
+            <pc:docMk/>
+            <pc:sldMk cId="2994462458" sldId="314"/>
+            <ac:picMk id="17" creationId="{89B8CD20-ECD7-E08D-CD03-AD4F66345EDE}"/>
+          </ac:picMkLst>
+        </pc:picChg>
+        <pc:picChg chg="add del mod">
+          <ac:chgData name="Matteo MANGILI" userId="89c7df381375e6aa" providerId="LiveId" clId="{E6DC4EAA-0AC7-4D8A-9ABA-9B4C09DD8308}" dt="2024-03-24T16:05:29.431" v="21657" actId="21"/>
+          <ac:picMkLst>
+            <pc:docMk/>
+            <pc:sldMk cId="2994462458" sldId="314"/>
+            <ac:picMk id="19" creationId="{2FF8575E-3BDB-2512-D61B-4D831C43975F}"/>
           </ac:picMkLst>
         </pc:picChg>
       </pc:sldChg>
@@ -625,11 +665,19 @@
         </pc:picChg>
       </pc:sldChg>
       <pc:sldChg chg="addSp delSp modSp mod">
-        <pc:chgData name="Matteo MANGILI" userId="89c7df381375e6aa" providerId="LiveId" clId="{E6DC4EAA-0AC7-4D8A-9ABA-9B4C09DD8308}" dt="2024-03-22T20:05:25.487" v="19274" actId="20577"/>
+        <pc:chgData name="Matteo MANGILI" userId="89c7df381375e6aa" providerId="LiveId" clId="{E6DC4EAA-0AC7-4D8A-9ABA-9B4C09DD8308}" dt="2024-03-24T15:55:52.138" v="21655" actId="1076"/>
         <pc:sldMkLst>
           <pc:docMk/>
           <pc:sldMk cId="1841377636" sldId="316"/>
         </pc:sldMkLst>
+        <pc:spChg chg="add del mod">
+          <ac:chgData name="Matteo MANGILI" userId="89c7df381375e6aa" providerId="LiveId" clId="{E6DC4EAA-0AC7-4D8A-9ABA-9B4C09DD8308}" dt="2024-03-24T15:52:15.874" v="21431" actId="22"/>
+          <ac:spMkLst>
+            <pc:docMk/>
+            <pc:sldMk cId="1841377636" sldId="316"/>
+            <ac:spMk id="4" creationId="{AC89E899-5DC4-0860-810E-DD7E1F948226}"/>
+          </ac:spMkLst>
+        </pc:spChg>
         <pc:spChg chg="add del mod">
           <ac:chgData name="Matteo MANGILI" userId="89c7df381375e6aa" providerId="LiveId" clId="{E6DC4EAA-0AC7-4D8A-9ABA-9B4C09DD8308}" dt="2024-02-25T17:58:34.049" v="3551" actId="22"/>
           <ac:spMkLst>
@@ -639,11 +687,27 @@
           </ac:spMkLst>
         </pc:spChg>
         <pc:spChg chg="mod">
-          <ac:chgData name="Matteo MANGILI" userId="89c7df381375e6aa" providerId="LiveId" clId="{E6DC4EAA-0AC7-4D8A-9ABA-9B4C09DD8308}" dt="2024-03-22T20:05:25.487" v="19274" actId="20577"/>
+          <ac:chgData name="Matteo MANGILI" userId="89c7df381375e6aa" providerId="LiveId" clId="{E6DC4EAA-0AC7-4D8A-9ABA-9B4C09DD8308}" dt="2024-03-24T15:55:43.123" v="21654" actId="14100"/>
           <ac:spMkLst>
             <pc:docMk/>
             <pc:sldMk cId="1841377636" sldId="316"/>
             <ac:spMk id="6" creationId="{07D5F90B-A703-3979-44A8-9125B7AA3463}"/>
+          </ac:spMkLst>
+        </pc:spChg>
+        <pc:spChg chg="mod">
+          <ac:chgData name="Matteo MANGILI" userId="89c7df381375e6aa" providerId="LiveId" clId="{E6DC4EAA-0AC7-4D8A-9ABA-9B4C09DD8308}" dt="2024-03-24T15:55:52.138" v="21655" actId="1076"/>
+          <ac:spMkLst>
+            <pc:docMk/>
+            <pc:sldMk cId="1841377636" sldId="316"/>
+            <ac:spMk id="10" creationId="{6A436C8B-00CB-47DF-CE0F-3E6AF627C2BC}"/>
+          </ac:spMkLst>
+        </pc:spChg>
+        <pc:spChg chg="add mod">
+          <ac:chgData name="Matteo MANGILI" userId="89c7df381375e6aa" providerId="LiveId" clId="{E6DC4EAA-0AC7-4D8A-9ABA-9B4C09DD8308}" dt="2024-03-24T15:55:36.768" v="21652" actId="1076"/>
+          <ac:spMkLst>
+            <pc:docMk/>
+            <pc:sldMk cId="1841377636" sldId="316"/>
+            <ac:spMk id="12" creationId="{644FE233-EFC1-962E-8609-0FE402B29BE7}"/>
           </ac:spMkLst>
         </pc:spChg>
         <pc:spChg chg="add del mod">
@@ -662,6 +726,14 @@
             <ac:picMk id="4" creationId="{64E682A3-C286-B7AC-4CF1-DE3330AAF832}"/>
           </ac:picMkLst>
         </pc:picChg>
+        <pc:picChg chg="add mod ord modCrop">
+          <ac:chgData name="Matteo MANGILI" userId="89c7df381375e6aa" providerId="LiveId" clId="{E6DC4EAA-0AC7-4D8A-9ABA-9B4C09DD8308}" dt="2024-03-24T15:52:32.194" v="21450" actId="732"/>
+          <ac:picMkLst>
+            <pc:docMk/>
+            <pc:sldMk cId="1841377636" sldId="316"/>
+            <ac:picMk id="7" creationId="{1A0D1A38-5080-694D-F58A-09AB8E8A3D61}"/>
+          </ac:picMkLst>
+        </pc:picChg>
         <pc:picChg chg="add del mod ord">
           <ac:chgData name="Matteo MANGILI" userId="89c7df381375e6aa" providerId="LiveId" clId="{E6DC4EAA-0AC7-4D8A-9ABA-9B4C09DD8308}" dt="2024-02-25T17:58:47.051" v="3581" actId="21"/>
           <ac:picMkLst>
@@ -670,8 +742,16 @@
             <ac:picMk id="8" creationId="{5B6410A3-8AD2-C16C-DFA9-BABF18DEF8C4}"/>
           </ac:picMkLst>
         </pc:picChg>
-        <pc:picChg chg="add mod ord">
-          <ac:chgData name="Matteo MANGILI" userId="89c7df381375e6aa" providerId="LiveId" clId="{E6DC4EAA-0AC7-4D8A-9ABA-9B4C09DD8308}" dt="2024-02-25T17:59:57.820" v="3582" actId="22"/>
+        <pc:picChg chg="add mod">
+          <ac:chgData name="Matteo MANGILI" userId="89c7df381375e6aa" providerId="LiveId" clId="{E6DC4EAA-0AC7-4D8A-9ABA-9B4C09DD8308}" dt="2024-03-24T15:54:33.655" v="21572" actId="1076"/>
+          <ac:picMkLst>
+            <pc:docMk/>
+            <pc:sldMk cId="1841377636" sldId="316"/>
+            <ac:picMk id="9" creationId="{5CE368B0-9E60-17DD-6145-86B84728E041}"/>
+          </ac:picMkLst>
+        </pc:picChg>
+        <pc:picChg chg="add del mod ord">
+          <ac:chgData name="Matteo MANGILI" userId="89c7df381375e6aa" providerId="LiveId" clId="{E6DC4EAA-0AC7-4D8A-9ABA-9B4C09DD8308}" dt="2024-03-24T15:50:30.258" v="21429" actId="21"/>
           <ac:picMkLst>
             <pc:docMk/>
             <pc:sldMk cId="1841377636" sldId="316"/>
@@ -818,7 +898,7 @@
         </pc:spChg>
       </pc:sldChg>
       <pc:sldChg chg="addSp delSp modSp add mod ord">
-        <pc:chgData name="Matteo MANGILI" userId="89c7df381375e6aa" providerId="LiveId" clId="{E6DC4EAA-0AC7-4D8A-9ABA-9B4C09DD8308}" dt="2024-03-22T20:05:17.091" v="19272" actId="20577"/>
+        <pc:chgData name="Matteo MANGILI" userId="89c7df381375e6aa" providerId="LiveId" clId="{E6DC4EAA-0AC7-4D8A-9ABA-9B4C09DD8308}" dt="2024-03-24T16:07:43.401" v="21658"/>
         <pc:sldMkLst>
           <pc:docMk/>
           <pc:sldMk cId="242682486" sldId="323"/>
@@ -837,6 +917,14 @@
             <pc:docMk/>
             <pc:sldMk cId="242682486" sldId="323"/>
             <ac:spMk id="3" creationId="{E9830DC9-A0C4-CCB4-C7A4-402F8E0073FD}"/>
+          </ac:spMkLst>
+        </pc:spChg>
+        <pc:spChg chg="add del mod">
+          <ac:chgData name="Matteo MANGILI" userId="89c7df381375e6aa" providerId="LiveId" clId="{E6DC4EAA-0AC7-4D8A-9ABA-9B4C09DD8308}" dt="2024-03-24T15:48:48.695" v="21371" actId="22"/>
+          <ac:spMkLst>
+            <pc:docMk/>
+            <pc:sldMk cId="242682486" sldId="323"/>
+            <ac:spMk id="4" creationId="{36261BB4-8267-106D-7780-E9C834941EDC}"/>
           </ac:spMkLst>
         </pc:spChg>
         <pc:spChg chg="mod">
@@ -863,8 +951,8 @@
             <ac:spMk id="14" creationId="{00721506-FFB9-2318-F45B-FE7F7EEAD4F5}"/>
           </ac:spMkLst>
         </pc:spChg>
-        <pc:picChg chg="add mod ord modCrop">
-          <ac:chgData name="Matteo MANGILI" userId="89c7df381375e6aa" providerId="LiveId" clId="{E6DC4EAA-0AC7-4D8A-9ABA-9B4C09DD8308}" dt="2024-02-21T11:02:49.679" v="266" actId="732"/>
+        <pc:picChg chg="add del mod ord modCrop">
+          <ac:chgData name="Matteo MANGILI" userId="89c7df381375e6aa" providerId="LiveId" clId="{E6DC4EAA-0AC7-4D8A-9ABA-9B4C09DD8308}" dt="2024-03-24T15:47:11.292" v="21366" actId="21"/>
           <ac:picMkLst>
             <pc:docMk/>
             <pc:sldMk cId="242682486" sldId="323"/>
@@ -879,17 +967,41 @@
             <ac:picMk id="9" creationId="{F8D2AD4D-2009-2581-60F3-BB7E8BBEA720}"/>
           </ac:picMkLst>
         </pc:picChg>
-        <pc:picChg chg="add mod modCrop">
-          <ac:chgData name="Matteo MANGILI" userId="89c7df381375e6aa" providerId="LiveId" clId="{E6DC4EAA-0AC7-4D8A-9ABA-9B4C09DD8308}" dt="2024-02-21T11:02:56.102" v="267" actId="1076"/>
+        <pc:picChg chg="add mod ord">
+          <ac:chgData name="Matteo MANGILI" userId="89c7df381375e6aa" providerId="LiveId" clId="{E6DC4EAA-0AC7-4D8A-9ABA-9B4C09DD8308}" dt="2024-03-24T15:48:52.277" v="21372" actId="1076"/>
+          <ac:picMkLst>
+            <pc:docMk/>
+            <pc:sldMk cId="242682486" sldId="323"/>
+            <ac:picMk id="9" creationId="{FA3C2107-D236-5D73-6BB2-B559E0E563B8}"/>
+          </ac:picMkLst>
+        </pc:picChg>
+        <pc:picChg chg="add del mod modCrop">
+          <ac:chgData name="Matteo MANGILI" userId="89c7df381375e6aa" providerId="LiveId" clId="{E6DC4EAA-0AC7-4D8A-9ABA-9B4C09DD8308}" dt="2024-03-24T15:47:24.880" v="21368" actId="21"/>
           <ac:picMkLst>
             <pc:docMk/>
             <pc:sldMk cId="242682486" sldId="323"/>
             <ac:picMk id="12" creationId="{E45DDE6C-A26D-719F-E8B6-2D723FFBF1EF}"/>
           </ac:picMkLst>
         </pc:picChg>
+        <pc:picChg chg="add mod">
+          <ac:chgData name="Matteo MANGILI" userId="89c7df381375e6aa" providerId="LiveId" clId="{E6DC4EAA-0AC7-4D8A-9ABA-9B4C09DD8308}" dt="2024-03-24T15:50:15.132" v="21428" actId="1076"/>
+          <ac:picMkLst>
+            <pc:docMk/>
+            <pc:sldMk cId="242682486" sldId="323"/>
+            <ac:picMk id="15" creationId="{02F7DBEE-EEFF-795E-2389-C73E997DE8BF}"/>
+          </ac:picMkLst>
+        </pc:picChg>
+        <pc:picChg chg="add">
+          <ac:chgData name="Matteo MANGILI" userId="89c7df381375e6aa" providerId="LiveId" clId="{E6DC4EAA-0AC7-4D8A-9ABA-9B4C09DD8308}" dt="2024-03-24T16:07:43.401" v="21658"/>
+          <ac:picMkLst>
+            <pc:docMk/>
+            <pc:sldMk cId="242682486" sldId="323"/>
+            <ac:picMk id="16" creationId="{57B43E20-DC00-3E25-257D-09163A3FECD8}"/>
+          </ac:picMkLst>
+        </pc:picChg>
       </pc:sldChg>
       <pc:sldChg chg="modSp add mod">
-        <pc:chgData name="Matteo MANGILI" userId="89c7df381375e6aa" providerId="LiveId" clId="{E6DC4EAA-0AC7-4D8A-9ABA-9B4C09DD8308}" dt="2024-03-23T18:34:38.529" v="21169" actId="20577"/>
+        <pc:chgData name="Matteo MANGILI" userId="89c7df381375e6aa" providerId="LiveId" clId="{E6DC4EAA-0AC7-4D8A-9ABA-9B4C09DD8308}" dt="2024-03-24T15:42:25.881" v="21298" actId="20577"/>
         <pc:sldMkLst>
           <pc:docMk/>
           <pc:sldMk cId="2689722702" sldId="324"/>
@@ -903,7 +1015,7 @@
           </ac:spMkLst>
         </pc:spChg>
         <pc:spChg chg="mod">
-          <ac:chgData name="Matteo MANGILI" userId="89c7df381375e6aa" providerId="LiveId" clId="{E6DC4EAA-0AC7-4D8A-9ABA-9B4C09DD8308}" dt="2024-03-23T18:34:38.529" v="21169" actId="20577"/>
+          <ac:chgData name="Matteo MANGILI" userId="89c7df381375e6aa" providerId="LiveId" clId="{E6DC4EAA-0AC7-4D8A-9ABA-9B4C09DD8308}" dt="2024-03-24T15:42:25.881" v="21298" actId="20577"/>
           <ac:spMkLst>
             <pc:docMk/>
             <pc:sldMk cId="2689722702" sldId="324"/>
@@ -1759,7 +1871,7 @@
             <a:pPr rtl="0"/>
             <a:fld id="{DBC54730-5EBA-4920-A6C4-7F8458A7F940}" type="datetime1">
               <a:rPr lang="it-IT" smtClean="0"/>
-              <a:t>23/03/2024</a:t>
+              <a:t>24/03/2024</a:t>
             </a:fld>
             <a:endParaRPr lang="it-IT" dirty="0"/>
           </a:p>
@@ -1941,7 +2053,7 @@
             <a:fld id="{85EC1C34-318D-43A8-83F5-3AC8647FE75E}" type="datetime1">
               <a:rPr lang="it-IT" smtClean="0"/>
               <a:pPr/>
-              <a:t>23/03/2024</a:t>
+              <a:t>24/03/2024</a:t>
             </a:fld>
             <a:endParaRPr lang="it-IT" dirty="0"/>
           </a:p>
@@ -15989,7 +16101,19 @@
               <a:rPr lang="en-US" sz="3300" dirty="0">
                 <a:cs typeface="Calibri"/>
               </a:rPr>
-              <a:t>Le informazioni generali per lavorare al sistema le abbiamo ricavate da un’intervista, effettuata dal responsabile Cattaneo, verso un’infermiera dell’Ospedale Papa Giovanni XXIII di Bergamo (BG) (</a:t>
+              <a:t>Le informazioni generali per lavorare al sistema le abbiamo ricavate da un’intervista, effettuata dal responsabile Cattaneo, verso un’infermiera </a:t>
+            </a:r>
+            <a:r>
+              <a:rPr lang="en-US" sz="3300" dirty="0" err="1">
+                <a:cs typeface="Calibri"/>
+              </a:rPr>
+              <a:t>dell’Ospedale</a:t>
+            </a:r>
+            <a:r>
+              <a:rPr lang="en-US" sz="3300" dirty="0">
+                <a:cs typeface="Calibri"/>
+              </a:rPr>
+              <a:t> Papa Giovanni XXIII di Bergamo (BG) (</a:t>
             </a:r>
             <a:r>
               <a:rPr lang="en-US" sz="3300" b="1" i="1" dirty="0">
@@ -20333,7 +20457,15 @@
             </a:pPr>
             <a:r>
               <a:rPr lang="en-US" sz="2000" dirty="0"/>
-              <a:t>Tale pattern riutilizza frammenti di codice, minimizzando i costi d’uso.</a:t>
+              <a:t>Tale pattern riutilizza frammenti di codice, minimizzando i costi </a:t>
+            </a:r>
+            <a:r>
+              <a:rPr lang="en-US" sz="2000" dirty="0" err="1"/>
+              <a:t>d’uso</a:t>
+            </a:r>
+            <a:r>
+              <a:rPr lang="en-US" sz="2000" dirty="0"/>
+              <a:t>.</a:t>
             </a:r>
           </a:p>
           <a:p>
@@ -24133,65 +24265,13 @@
             </a:pPr>
             <a:r>
               <a:rPr lang="en-US" sz="1900" dirty="0"/>
-              <a:t>Per modellare il contesto del problema, </a:t>
-            </a:r>
-            <a:r>
-              <a:rPr lang="en-US" sz="1900" dirty="0" err="1"/>
-              <a:t>sono</a:t>
-            </a:r>
+              <a:t>Per modellare il contesto del problema, sono stati strutturati diversi diagrammi UML:</a:t>
+            </a:r>
+          </a:p>
+          <a:p>
             <a:r>
               <a:rPr lang="en-US" sz="1900" dirty="0"/>
-              <a:t> </a:t>
-            </a:r>
-            <a:r>
-              <a:rPr lang="en-US" sz="1900" dirty="0" err="1"/>
-              <a:t>stati</a:t>
-            </a:r>
-            <a:r>
-              <a:rPr lang="en-US" sz="1900" dirty="0"/>
-              <a:t> </a:t>
-            </a:r>
-            <a:r>
-              <a:rPr lang="en-US" sz="1900" dirty="0" err="1"/>
-              <a:t>strutturati</a:t>
-            </a:r>
-            <a:r>
-              <a:rPr lang="en-US" sz="1900" dirty="0"/>
-              <a:t> </a:t>
-            </a:r>
-            <a:r>
-              <a:rPr lang="en-US" sz="1900" dirty="0" err="1"/>
-              <a:t>diversi</a:t>
-            </a:r>
-            <a:r>
-              <a:rPr lang="en-US" sz="1900" dirty="0"/>
-              <a:t> </a:t>
-            </a:r>
-            <a:r>
-              <a:rPr lang="en-US" sz="1900" dirty="0" err="1"/>
-              <a:t>diagrammi</a:t>
-            </a:r>
-            <a:r>
-              <a:rPr lang="en-US" sz="1900" dirty="0"/>
-              <a:t> UML:</a:t>
-            </a:r>
-          </a:p>
-          <a:p>
-            <a:r>
-              <a:rPr lang="en-US" sz="1900" dirty="0" err="1"/>
-              <a:t>Diagramma</a:t>
-            </a:r>
-            <a:r>
-              <a:rPr lang="en-US" sz="1900" dirty="0"/>
-              <a:t> dei Casi </a:t>
-            </a:r>
-            <a:r>
-              <a:rPr lang="en-US" sz="1900" dirty="0" err="1"/>
-              <a:t>d’Uso</a:t>
-            </a:r>
-            <a:r>
-              <a:rPr lang="en-US" sz="1900" dirty="0"/>
-              <a:t> (USE CASE DIAGRAM)</a:t>
+              <a:t>Diagramma dei Casi d’Uso (USE CASE DIAGRAM)</a:t>
             </a:r>
           </a:p>
           <a:p>
@@ -24226,12 +24306,8 @@
           </a:p>
           <a:p>
             <a:r>
-              <a:rPr lang="en-US" sz="1900" dirty="0" err="1"/>
-              <a:t>Diagramma</a:t>
-            </a:r>
-            <a:r>
               <a:rPr lang="en-US" sz="1900" dirty="0"/>
-              <a:t> di Sequenza (SEQUENCE DIAGRAM)</a:t>
+              <a:t>Diagramma di Sequenza (SEQUENCE DIAGRAM)</a:t>
             </a:r>
           </a:p>
           <a:p>
@@ -24242,12 +24318,8 @@
           </a:p>
           <a:p>
             <a:r>
-              <a:rPr lang="en-US" sz="1900" dirty="0" err="1"/>
-              <a:t>Diagramma</a:t>
-            </a:r>
-            <a:r>
               <a:rPr lang="en-US" sz="1900" dirty="0"/>
-              <a:t> delle Attività (ACTIVITY DIAGRAM) </a:t>
+              <a:t>Diagramma delle Attività (ACTIVITY DIAGRAM) </a:t>
             </a:r>
           </a:p>
           <a:p>
@@ -24256,111 +24328,7 @@
             </a:pPr>
             <a:r>
               <a:rPr lang="en-US" sz="1900" dirty="0"/>
-              <a:t>Nelle </a:t>
-            </a:r>
-            <a:r>
-              <a:rPr lang="en-US" sz="1900" dirty="0" err="1"/>
-              <a:t>prossime</a:t>
-            </a:r>
-            <a:r>
-              <a:rPr lang="en-US" sz="1900" dirty="0"/>
-              <a:t> slide </a:t>
-            </a:r>
-            <a:r>
-              <a:rPr lang="en-US" sz="1900" dirty="0" err="1"/>
-              <a:t>sono</a:t>
-            </a:r>
-            <a:r>
-              <a:rPr lang="en-US" sz="1900" dirty="0"/>
-              <a:t> </a:t>
-            </a:r>
-            <a:r>
-              <a:rPr lang="en-US" sz="1900" dirty="0" err="1"/>
-              <a:t>mostrati</a:t>
-            </a:r>
-            <a:r>
-              <a:rPr lang="en-US" sz="1900" dirty="0"/>
-              <a:t> </a:t>
-            </a:r>
-            <a:r>
-              <a:rPr lang="en-US" sz="1900" dirty="0" err="1"/>
-              <a:t>i</a:t>
-            </a:r>
-            <a:r>
-              <a:rPr lang="en-US" sz="1900" dirty="0"/>
-              <a:t> </a:t>
-            </a:r>
-            <a:r>
-              <a:rPr lang="en-US" sz="1900" dirty="0" err="1"/>
-              <a:t>diagrammi</a:t>
-            </a:r>
-            <a:r>
-              <a:rPr lang="en-US" sz="1900" dirty="0"/>
-              <a:t> rispetto alle </a:t>
-            </a:r>
-            <a:r>
-              <a:rPr lang="en-US" sz="1900" dirty="0" err="1"/>
-              <a:t>attività</a:t>
-            </a:r>
-            <a:r>
-              <a:rPr lang="en-US" sz="1900" dirty="0"/>
-              <a:t> del medico, ma </a:t>
-            </a:r>
-            <a:r>
-              <a:rPr lang="en-US" sz="1900" dirty="0" err="1"/>
-              <a:t>all’interno</a:t>
-            </a:r>
-            <a:r>
-              <a:rPr lang="en-US" sz="1900" dirty="0"/>
-              <a:t> del repository </a:t>
-            </a:r>
-            <a:r>
-              <a:rPr lang="en-US" sz="1900" dirty="0" err="1"/>
-              <a:t>sono</a:t>
-            </a:r>
-            <a:r>
-              <a:rPr lang="en-US" sz="1900" dirty="0"/>
-              <a:t> presenti </a:t>
-            </a:r>
-            <a:r>
-              <a:rPr lang="en-US" sz="1900" dirty="0" err="1"/>
-              <a:t>altri</a:t>
-            </a:r>
-            <a:r>
-              <a:rPr lang="en-US" sz="1900" dirty="0"/>
-              <a:t> </a:t>
-            </a:r>
-            <a:r>
-              <a:rPr lang="en-US" sz="1900" dirty="0" err="1"/>
-              <a:t>diagrammi</a:t>
-            </a:r>
-            <a:r>
-              <a:rPr lang="en-US" sz="1900" dirty="0"/>
-              <a:t> che </a:t>
-            </a:r>
-            <a:r>
-              <a:rPr lang="en-US" sz="1900" dirty="0" err="1"/>
-              <a:t>descrivono</a:t>
-            </a:r>
-            <a:r>
-              <a:rPr lang="en-US" sz="1900" dirty="0"/>
-              <a:t> </a:t>
-            </a:r>
-            <a:r>
-              <a:rPr lang="en-US" sz="1900" dirty="0" err="1"/>
-              <a:t>l’inero</a:t>
-            </a:r>
-            <a:r>
-              <a:rPr lang="en-US" sz="1900" dirty="0"/>
-              <a:t> sistema </a:t>
-            </a:r>
-            <a:r>
-              <a:rPr lang="en-US" sz="1900" dirty="0" err="1"/>
-              <a:t>dell’ospedale</a:t>
-            </a:r>
-            <a:r>
-              <a:rPr lang="en-US" sz="1900" dirty="0"/>
-              <a:t>.</a:t>
+              <a:t>Nelle prossime slide sono mostrati i diagrammi rispetto alle attività del medico, ma all’interno del repository sono presenti altri diagrammi che descrivono l’intero sistema dell’ospedale.</a:t>
             </a:r>
           </a:p>
         </p:txBody>
@@ -25317,10 +25285,10 @@
       </p:sp>
       <p:pic>
         <p:nvPicPr>
-          <p:cNvPr id="8" name="Segnaposto contenuto 7">
+          <p:cNvPr id="17" name="Segnaposto contenuto 16">
             <a:extLst>
               <a:ext uri="{FF2B5EF4-FFF2-40B4-BE49-F238E27FC236}">
-                <a16:creationId xmlns:a16="http://schemas.microsoft.com/office/drawing/2014/main" id="{DA974598-9005-7A60-6B66-EEBC98623935}"/>
+                <a16:creationId xmlns:a16="http://schemas.microsoft.com/office/drawing/2014/main" id="{89B8CD20-ECD7-E08D-CD03-AD4F66345EDE}"/>
               </a:ext>
             </a:extLst>
           </p:cNvPr>
@@ -25339,17 +25307,17 @@
         </p:blipFill>
         <p:spPr>
           <a:xfrm>
-            <a:off x="232926" y="1839912"/>
-            <a:ext cx="4896139" cy="4351338"/>
+            <a:off x="770456" y="1816270"/>
+            <a:ext cx="3839739" cy="4351338"/>
           </a:xfrm>
         </p:spPr>
       </p:pic>
       <p:pic>
         <p:nvPicPr>
-          <p:cNvPr id="4" name="Immagine 3">
+          <p:cNvPr id="19" name="Immagine 18">
             <a:extLst>
               <a:ext uri="{FF2B5EF4-FFF2-40B4-BE49-F238E27FC236}">
-                <a16:creationId xmlns:a16="http://schemas.microsoft.com/office/drawing/2014/main" id="{FBBF433F-AF38-288E-6DBA-F555A48DC93B}"/>
+                <a16:creationId xmlns:a16="http://schemas.microsoft.com/office/drawing/2014/main" id="{2FF8575E-3BDB-2512-D61B-4D831C43975F}"/>
               </a:ext>
             </a:extLst>
           </p:cNvPr>
@@ -25366,8 +25334,8 @@
         </p:blipFill>
         <p:spPr>
           <a:xfrm>
-            <a:off x="5200354" y="2349372"/>
-            <a:ext cx="6820491" cy="3558848"/>
+            <a:off x="5380651" y="1844403"/>
+            <a:ext cx="5917498" cy="4140000"/>
           </a:xfrm>
           <a:prstGeom prst="rect">
             <a:avLst/>
@@ -27144,34 +27112,6 @@
           </a:p>
         </p:txBody>
       </p:sp>
-      <p:pic>
-        <p:nvPicPr>
-          <p:cNvPr id="5" name="Segnaposto contenuto 4">
-            <a:extLst>
-              <a:ext uri="{FF2B5EF4-FFF2-40B4-BE49-F238E27FC236}">
-                <a16:creationId xmlns:a16="http://schemas.microsoft.com/office/drawing/2014/main" id="{2579056C-1632-EA34-7609-B5BA82181028}"/>
-              </a:ext>
-            </a:extLst>
-          </p:cNvPr>
-          <p:cNvPicPr>
-            <a:picLocks noGrp="1" noChangeAspect="1"/>
-          </p:cNvPicPr>
-          <p:nvPr>
-            <p:ph idx="1"/>
-          </p:nvPr>
-        </p:nvPicPr>
-        <p:blipFill rotWithShape="1">
-          <a:blip r:embed="rId2"/>
-          <a:srcRect r="14305"/>
-          <a:stretch/>
-        </p:blipFill>
-        <p:spPr>
-          <a:xfrm>
-            <a:off x="460660" y="2167032"/>
-            <a:ext cx="5408295" cy="3708000"/>
-          </a:xfrm>
-        </p:spPr>
-      </p:pic>
       <p:sp>
         <p:nvSpPr>
           <p:cNvPr id="6" name="Slide Number Placeholder 5">
@@ -27255,35 +27195,6 @@
           </a:p>
         </p:txBody>
       </p:sp>
-      <p:pic>
-        <p:nvPicPr>
-          <p:cNvPr id="12" name="Immagine 11">
-            <a:extLst>
-              <a:ext uri="{FF2B5EF4-FFF2-40B4-BE49-F238E27FC236}">
-                <a16:creationId xmlns:a16="http://schemas.microsoft.com/office/drawing/2014/main" id="{E45DDE6C-A26D-719F-E8B6-2D723FFBF1EF}"/>
-              </a:ext>
-            </a:extLst>
-          </p:cNvPr>
-          <p:cNvPicPr>
-            <a:picLocks noChangeAspect="1"/>
-          </p:cNvPicPr>
-          <p:nvPr/>
-        </p:nvPicPr>
-        <p:blipFill rotWithShape="1">
-          <a:blip r:embed="rId3"/>
-          <a:srcRect t="-1" r="10206" b="4837"/>
-          <a:stretch/>
-        </p:blipFill>
-        <p:spPr>
-          <a:xfrm>
-            <a:off x="6176150" y="2055813"/>
-            <a:ext cx="5177650" cy="3636000"/>
-          </a:xfrm>
-          <a:prstGeom prst="rect">
-            <a:avLst/>
-          </a:prstGeom>
-        </p:spPr>
-      </p:pic>
       <p:sp>
         <p:nvSpPr>
           <p:cNvPr id="14" name="CasellaDiTesto 13">
@@ -27319,6 +27230,65 @@
           </a:p>
         </p:txBody>
       </p:sp>
+      <p:pic>
+        <p:nvPicPr>
+          <p:cNvPr id="9" name="Segnaposto contenuto 8">
+            <a:extLst>
+              <a:ext uri="{FF2B5EF4-FFF2-40B4-BE49-F238E27FC236}">
+                <a16:creationId xmlns:a16="http://schemas.microsoft.com/office/drawing/2014/main" id="{FA3C2107-D236-5D73-6BB2-B559E0E563B8}"/>
+              </a:ext>
+            </a:extLst>
+          </p:cNvPr>
+          <p:cNvPicPr>
+            <a:picLocks noGrp="1" noChangeAspect="1"/>
+          </p:cNvPicPr>
+          <p:nvPr>
+            <p:ph idx="1"/>
+          </p:nvPr>
+        </p:nvPicPr>
+        <p:blipFill>
+          <a:blip r:embed="rId2"/>
+          <a:stretch>
+            <a:fillRect/>
+          </a:stretch>
+        </p:blipFill>
+        <p:spPr>
+          <a:xfrm>
+            <a:off x="769157" y="1778972"/>
+            <a:ext cx="4982454" cy="3968750"/>
+          </a:xfrm>
+        </p:spPr>
+      </p:pic>
+      <p:pic>
+        <p:nvPicPr>
+          <p:cNvPr id="15" name="Immagine 14">
+            <a:extLst>
+              <a:ext uri="{FF2B5EF4-FFF2-40B4-BE49-F238E27FC236}">
+                <a16:creationId xmlns:a16="http://schemas.microsoft.com/office/drawing/2014/main" id="{02F7DBEE-EEFF-795E-2389-C73E997DE8BF}"/>
+              </a:ext>
+            </a:extLst>
+          </p:cNvPr>
+          <p:cNvPicPr>
+            <a:picLocks noChangeAspect="1"/>
+          </p:cNvPicPr>
+          <p:nvPr/>
+        </p:nvPicPr>
+        <p:blipFill>
+          <a:blip r:embed="rId3"/>
+          <a:stretch>
+            <a:fillRect/>
+          </a:stretch>
+        </p:blipFill>
+        <p:spPr>
+          <a:xfrm>
+            <a:off x="6571052" y="1811302"/>
+            <a:ext cx="4448400" cy="4140000"/>
+          </a:xfrm>
+          <a:prstGeom prst="rect">
+            <a:avLst/>
+          </a:prstGeom>
+        </p:spPr>
+      </p:pic>
     </p:spTree>
     <p:extLst>
       <p:ext uri="{BB962C8B-B14F-4D97-AF65-F5344CB8AC3E}">
@@ -28109,8 +28079,8 @@
         </p:nvSpPr>
         <p:spPr>
           <a:xfrm>
-            <a:off x="8610600" y="6191250"/>
-            <a:ext cx="2743200" cy="530225"/>
+            <a:off x="11262020" y="6191250"/>
+            <a:ext cx="774470" cy="530225"/>
           </a:xfrm>
         </p:spPr>
         <p:txBody>
@@ -28160,8 +28130,8 @@
         </p:nvSpPr>
         <p:spPr>
           <a:xfrm>
-            <a:off x="4979467" y="6332815"/>
-            <a:ext cx="2230017" cy="369332"/>
+            <a:off x="927470" y="5974293"/>
+            <a:ext cx="2810041" cy="646331"/>
           </a:xfrm>
           <a:prstGeom prst="rect">
             <a:avLst/>
@@ -28176,17 +28146,17 @@
           <a:p>
             <a:r>
               <a:rPr lang="it-IT" dirty="0"/>
-              <a:t>ACTIVITY DIAGRAM</a:t>
+              <a:t>ACTIVITY DIAGRAM: Gestione Pagina Anagrafica</a:t>
             </a:r>
           </a:p>
         </p:txBody>
       </p:sp>
       <p:pic>
         <p:nvPicPr>
-          <p:cNvPr id="15" name="Segnaposto contenuto 14">
+          <p:cNvPr id="7" name="Segnaposto contenuto 6">
             <a:extLst>
               <a:ext uri="{FF2B5EF4-FFF2-40B4-BE49-F238E27FC236}">
-                <a16:creationId xmlns:a16="http://schemas.microsoft.com/office/drawing/2014/main" id="{07B11D30-AEBE-76A2-6929-70D4FF1B76BF}"/>
+                <a16:creationId xmlns:a16="http://schemas.microsoft.com/office/drawing/2014/main" id="{1A0D1A38-5080-694D-F58A-09AB8E8A3D61}"/>
               </a:ext>
             </a:extLst>
           </p:cNvPr>
@@ -28197,19 +28167,89 @@
             <p:ph idx="1"/>
           </p:nvPr>
         </p:nvPicPr>
+        <p:blipFill rotWithShape="1">
+          <a:blip r:embed="rId2"/>
+          <a:srcRect r="3691"/>
+          <a:stretch/>
+        </p:blipFill>
+        <p:spPr>
+          <a:xfrm>
+            <a:off x="95372" y="1956918"/>
+            <a:ext cx="6538694" cy="3780000"/>
+          </a:xfrm>
+        </p:spPr>
+      </p:pic>
+      <p:pic>
+        <p:nvPicPr>
+          <p:cNvPr id="9" name="Immagine 8">
+            <a:extLst>
+              <a:ext uri="{FF2B5EF4-FFF2-40B4-BE49-F238E27FC236}">
+                <a16:creationId xmlns:a16="http://schemas.microsoft.com/office/drawing/2014/main" id="{5CE368B0-9E60-17DD-6145-86B84728E041}"/>
+              </a:ext>
+            </a:extLst>
+          </p:cNvPr>
+          <p:cNvPicPr>
+            <a:picLocks noChangeAspect="1"/>
+          </p:cNvPicPr>
+          <p:nvPr/>
+        </p:nvPicPr>
         <p:blipFill>
-          <a:blip r:embed="rId2"/>
+          <a:blip r:embed="rId3"/>
           <a:stretch>
             <a:fillRect/>
           </a:stretch>
         </p:blipFill>
         <p:spPr>
           <a:xfrm>
-            <a:off x="2316152" y="2122801"/>
-            <a:ext cx="7559695" cy="3756986"/>
+            <a:off x="6812478" y="1776918"/>
+            <a:ext cx="5043480" cy="3960000"/>
           </a:xfrm>
+          <a:prstGeom prst="rect">
+            <a:avLst/>
+          </a:prstGeom>
         </p:spPr>
       </p:pic>
+      <p:sp>
+        <p:nvSpPr>
+          <p:cNvPr id="12" name="CasellaDiTesto 11">
+            <a:extLst>
+              <a:ext uri="{FF2B5EF4-FFF2-40B4-BE49-F238E27FC236}">
+                <a16:creationId xmlns:a16="http://schemas.microsoft.com/office/drawing/2014/main" id="{644FE233-EFC1-962E-8609-0FE402B29BE7}"/>
+              </a:ext>
+            </a:extLst>
+          </p:cNvPr>
+          <p:cNvSpPr txBox="1"/>
+          <p:nvPr/>
+        </p:nvSpPr>
+        <p:spPr>
+          <a:xfrm>
+            <a:off x="7475023" y="5906194"/>
+            <a:ext cx="3718390" cy="646331"/>
+          </a:xfrm>
+          <a:prstGeom prst="rect">
+            <a:avLst/>
+          </a:prstGeom>
+          <a:noFill/>
+        </p:spPr>
+        <p:txBody>
+          <a:bodyPr wrap="none" rtlCol="0">
+            <a:spAutoFit/>
+          </a:bodyPr>
+          <a:lstStyle/>
+          <a:p>
+            <a:r>
+              <a:rPr lang="it-IT" dirty="0"/>
+              <a:t>ACTIVITY DIAGRAM:</a:t>
+            </a:r>
+          </a:p>
+          <a:p>
+            <a:r>
+              <a:rPr lang="it-IT" dirty="0"/>
+              <a:t>Gestione Creazione Pagina Anagrafica</a:t>
+            </a:r>
+          </a:p>
+        </p:txBody>
+      </p:sp>
     </p:spTree>
     <p:extLst>
       <p:ext uri="{BB962C8B-B14F-4D97-AF65-F5344CB8AC3E}">
@@ -29032,15 +29072,7 @@
             </a:pPr>
             <a:r>
               <a:rPr lang="en-US" sz="2000" dirty="0"/>
-              <a:t>Le modifiche/eliminazioni di pagine anagrafiche/operazioni possono essere effettuate solo da chi le ha compilate, e, al momento dell’atto, non devono essere presenti operazioni/verbali associate/</a:t>
-            </a:r>
-            <a:r>
-              <a:rPr lang="en-US" sz="2000" dirty="0" err="1"/>
-              <a:t>i</a:t>
-            </a:r>
-            <a:r>
-              <a:rPr lang="en-US" sz="2000" dirty="0"/>
-              <a:t>.</a:t>
+              <a:t>Le modifiche/eliminazioni di pagine anagrafiche/operazioni possono essere effettuate solo da chi le ha compilate, e, al momento dell’atto, non devono essere presenti operazioni/verbali associate/i.</a:t>
             </a:r>
           </a:p>
           <a:p>
@@ -31202,7 +31234,7 @@
               <a:t>Inserito un codice operazione non archiviato/insesistente, il test verifica che non </a:t>
             </a:r>
             <a:r>
-              <a:rPr kumimoji="0" lang="en-US" sz="1900" b="0" u="none" strike="noStrike" kern="1200" cap="none" spc="0" normalizeH="0" baseline="0" noProof="0">
+              <a:rPr kumimoji="0" lang="en-US" sz="1900" b="0" u="none" strike="noStrike" kern="1200" cap="none" spc="0" normalizeH="0" baseline="0" noProof="0" dirty="0" err="1">
                 <a:ln>
                   <a:noFill/>
                 </a:ln>
@@ -31215,7 +31247,7 @@
                 <a:ea typeface="+mn-ea"/>
                 <a:cs typeface="+mn-cs"/>
               </a:rPr>
-              <a:t>esiste un verbale </a:t>
+              <a:t>esiste</a:t>
             </a:r>
             <a:r>
               <a:rPr kumimoji="0" lang="en-US" sz="1900" b="0" u="none" strike="noStrike" kern="1200" cap="none" spc="0" normalizeH="0" baseline="0" noProof="0" dirty="0">
@@ -31231,7 +31263,7 @@
                 <a:ea typeface="+mn-ea"/>
                 <a:cs typeface="+mn-cs"/>
               </a:rPr>
-              <a:t>medico associato;</a:t>
+              <a:t> un verbale medico associato;</a:t>
             </a:r>
           </a:p>
           <a:p>
@@ -31461,7 +31493,7 @@
                 </a:solidFill>
                 <a:latin typeface="Calibri" panose="020F0502020204030204"/>
               </a:rPr>
-              <a:t>Il test riconosce il fallimento nell’eliminare un’operazione, il cui codice identificativo non esiste.</a:t>
+              <a:t>Il test riconosce il fallimento nel cercare un’operazione che è stata appena eliminata (l’eliminazione è andata a buon fine);</a:t>
             </a:r>
           </a:p>
           <a:p>
@@ -39378,6 +39410,15 @@
 </file>
 
 <file path=customXml/item1.xml><?xml version="1.0" encoding="utf-8"?>
+<?mso-contentType ?>
+<FormTemplates xmlns="http://schemas.microsoft.com/sharepoint/v3/contenttype/forms">
+  <Display>DocumentLibraryForm</Display>
+  <Edit>DocumentLibraryForm</Edit>
+  <New>DocumentLibraryForm</New>
+</FormTemplates>
+</file>
+
+<file path=customXml/item2.xml><?xml version="1.0" encoding="utf-8"?>
 <ct:contentTypeSchema xmlns:ct="http://schemas.microsoft.com/office/2006/metadata/contentType" xmlns:ma="http://schemas.microsoft.com/office/2006/metadata/properties/metaAttributes" ct:_="" ma:_="" ma:contentTypeName="Documento" ma:contentTypeID="0x0101007CE6213B20D2F945B0D1473923EE410F" ma:contentTypeVersion="7" ma:contentTypeDescription="Creare un nuovo documento." ma:contentTypeScope="" ma:versionID="dc8ac43e96b461727accd63cf925a5cf">
   <xsd:schema xmlns:xsd="http://www.w3.org/2001/XMLSchema" xmlns:xs="http://www.w3.org/2001/XMLSchema" xmlns:p="http://schemas.microsoft.com/office/2006/metadata/properties" xmlns:ns2="243f3390-b919-40e8-8195-3613e8527352" targetNamespace="http://schemas.microsoft.com/office/2006/metadata/properties" ma:root="true" ma:fieldsID="1987007e621e1b24d40e437f012b913d" ns2:_="">
     <xsd:import namespace="243f3390-b919-40e8-8195-3613e8527352"/>
@@ -39539,15 +39580,6 @@
 </ct:contentTypeSchema>
 </file>
 
-<file path=customXml/item2.xml><?xml version="1.0" encoding="utf-8"?>
-<?mso-contentType ?>
-<FormTemplates xmlns="http://schemas.microsoft.com/sharepoint/v3/contenttype/forms">
-  <Display>DocumentLibraryForm</Display>
-  <Edit>DocumentLibraryForm</Edit>
-  <New>DocumentLibraryForm</New>
-</FormTemplates>
-</file>
-
 <file path=customXml/item3.xml><?xml version="1.0" encoding="utf-8"?>
 <p:properties xmlns:p="http://schemas.microsoft.com/office/2006/metadata/properties" xmlns:xsi="http://www.w3.org/2001/XMLSchema-instance" xmlns:pc="http://schemas.microsoft.com/office/infopath/2007/PartnerControls">
   <documentManagement/>
@@ -39555,6 +39587,14 @@
 </file>
 
 <file path=customXml/itemProps1.xml><?xml version="1.0" encoding="utf-8"?>
+<ds:datastoreItem xmlns:ds="http://schemas.openxmlformats.org/officeDocument/2006/customXml" ds:itemID="{42BC90D6-94CF-42F7-AAC4-9CF6824C54D5}">
+  <ds:schemaRefs>
+    <ds:schemaRef ds:uri="http://schemas.microsoft.com/sharepoint/v3/contenttype/forms"/>
+  </ds:schemaRefs>
+</ds:datastoreItem>
+</file>
+
+<file path=customXml/itemProps2.xml><?xml version="1.0" encoding="utf-8"?>
 <ds:datastoreItem xmlns:ds="http://schemas.openxmlformats.org/officeDocument/2006/customXml" ds:itemID="{1A503E23-9696-4358-8F00-F7F66AC755EB}">
   <ds:schemaRefs>
     <ds:schemaRef ds:uri="http://schemas.microsoft.com/office/2006/metadata/contentType"/>
@@ -39568,14 +39608,6 @@
     <ds:schemaRef ds:uri="http://purl.org/dc/elements/1.1/"/>
     <ds:schemaRef ds:uri="http://purl.org/dc/terms/"/>
     <ds:schemaRef ds:uri="http://schemas.microsoft.com/internal/obd"/>
-  </ds:schemaRefs>
-</ds:datastoreItem>
-</file>
-
-<file path=customXml/itemProps2.xml><?xml version="1.0" encoding="utf-8"?>
-<ds:datastoreItem xmlns:ds="http://schemas.openxmlformats.org/officeDocument/2006/customXml" ds:itemID="{42BC90D6-94CF-42F7-AAC4-9CF6824C54D5}">
-  <ds:schemaRefs>
-    <ds:schemaRef ds:uri="http://schemas.microsoft.com/sharepoint/v3/contenttype/forms"/>
   </ds:schemaRefs>
 </ds:datastoreItem>
 </file>

--- a/Presentazione/Presentazione_Progetto.pptx
+++ b/Presentazione/Presentazione_Progetto.pptx
@@ -180,7 +180,7 @@
   <pc:docChgLst>
     <pc:chgData name="Matteo MANGILI" userId="89c7df381375e6aa" providerId="LiveId" clId="{E6DC4EAA-0AC7-4D8A-9ABA-9B4C09DD8308}"/>
     <pc:docChg chg="undo custSel addSld delSld modSld sldOrd">
-      <pc:chgData name="Matteo MANGILI" userId="89c7df381375e6aa" providerId="LiveId" clId="{E6DC4EAA-0AC7-4D8A-9ABA-9B4C09DD8308}" dt="2024-03-24T16:07:43.401" v="21658"/>
+      <pc:chgData name="Matteo MANGILI" userId="89c7df381375e6aa" providerId="LiveId" clId="{E6DC4EAA-0AC7-4D8A-9ABA-9B4C09DD8308}" dt="2024-03-24T17:17:59.050" v="21659" actId="20577"/>
       <pc:docMkLst>
         <pc:docMk/>
       </pc:docMkLst>
@@ -814,13 +814,13 @@
         </pc:spChg>
       </pc:sldChg>
       <pc:sldChg chg="modSp mod">
-        <pc:chgData name="Matteo MANGILI" userId="89c7df381375e6aa" providerId="LiveId" clId="{E6DC4EAA-0AC7-4D8A-9ABA-9B4C09DD8308}" dt="2024-03-23T17:49:50.427" v="20922" actId="20577"/>
+        <pc:chgData name="Matteo MANGILI" userId="89c7df381375e6aa" providerId="LiveId" clId="{E6DC4EAA-0AC7-4D8A-9ABA-9B4C09DD8308}" dt="2024-03-24T17:17:59.050" v="21659" actId="20577"/>
         <pc:sldMkLst>
           <pc:docMk/>
           <pc:sldMk cId="762597572" sldId="319"/>
         </pc:sldMkLst>
         <pc:spChg chg="mod">
-          <ac:chgData name="Matteo MANGILI" userId="89c7df381375e6aa" providerId="LiveId" clId="{E6DC4EAA-0AC7-4D8A-9ABA-9B4C09DD8308}" dt="2024-03-23T17:49:50.427" v="20922" actId="20577"/>
+          <ac:chgData name="Matteo MANGILI" userId="89c7df381375e6aa" providerId="LiveId" clId="{E6DC4EAA-0AC7-4D8A-9ABA-9B4C09DD8308}" dt="2024-03-24T17:17:59.050" v="21659" actId="20577"/>
           <ac:spMkLst>
             <pc:docMk/>
             <pc:sldMk cId="762597572" sldId="319"/>
@@ -37323,7 +37323,15 @@
             </a:r>
             <a:r>
               <a:rPr lang="it-IT" sz="1800" dirty="0"/>
-              <a:t>; se gli altri membri vogliono apportare una modifica in quella parte del progetto, dovranno fare riferimento a lui, per capire se tale modifica è necessaria o meno (lo scrum master ha sempre l’ultima parola. Lo scrum master deve mantenere alta la motivazione/concentrazione del gruppo, per portare a compimento le singole parti ed eliminare ostacoli che rallentano il lavoro.</a:t>
+              <a:t>; se gli altri membri vogliono apportare una modifica in quella parte del progetto, dovranno fare riferimento a lui, per capire se tale modifica è necessaria o meno (lo scrum master ha sempre </a:t>
+            </a:r>
+            <a:r>
+              <a:rPr lang="it-IT" sz="1800"/>
+              <a:t>l’ultima parola). </a:t>
+            </a:r>
+            <a:r>
+              <a:rPr lang="it-IT" sz="1800" dirty="0"/>
+              <a:t>Lo scrum master deve mantenere alta la motivazione/concentrazione del gruppo, per portare a compimento le singole parti ed eliminare ostacoli che rallentano il lavoro.</a:t>
             </a:r>
           </a:p>
           <a:p>
@@ -39410,15 +39418,6 @@
 </file>
 
 <file path=customXml/item1.xml><?xml version="1.0" encoding="utf-8"?>
-<?mso-contentType ?>
-<FormTemplates xmlns="http://schemas.microsoft.com/sharepoint/v3/contenttype/forms">
-  <Display>DocumentLibraryForm</Display>
-  <Edit>DocumentLibraryForm</Edit>
-  <New>DocumentLibraryForm</New>
-</FormTemplates>
-</file>
-
-<file path=customXml/item2.xml><?xml version="1.0" encoding="utf-8"?>
 <ct:contentTypeSchema xmlns:ct="http://schemas.microsoft.com/office/2006/metadata/contentType" xmlns:ma="http://schemas.microsoft.com/office/2006/metadata/properties/metaAttributes" ct:_="" ma:_="" ma:contentTypeName="Documento" ma:contentTypeID="0x0101007CE6213B20D2F945B0D1473923EE410F" ma:contentTypeVersion="7" ma:contentTypeDescription="Creare un nuovo documento." ma:contentTypeScope="" ma:versionID="dc8ac43e96b461727accd63cf925a5cf">
   <xsd:schema xmlns:xsd="http://www.w3.org/2001/XMLSchema" xmlns:xs="http://www.w3.org/2001/XMLSchema" xmlns:p="http://schemas.microsoft.com/office/2006/metadata/properties" xmlns:ns2="243f3390-b919-40e8-8195-3613e8527352" targetNamespace="http://schemas.microsoft.com/office/2006/metadata/properties" ma:root="true" ma:fieldsID="1987007e621e1b24d40e437f012b913d" ns2:_="">
     <xsd:import namespace="243f3390-b919-40e8-8195-3613e8527352"/>
@@ -39580,6 +39579,15 @@
 </ct:contentTypeSchema>
 </file>
 
+<file path=customXml/item2.xml><?xml version="1.0" encoding="utf-8"?>
+<?mso-contentType ?>
+<FormTemplates xmlns="http://schemas.microsoft.com/sharepoint/v3/contenttype/forms">
+  <Display>DocumentLibraryForm</Display>
+  <Edit>DocumentLibraryForm</Edit>
+  <New>DocumentLibraryForm</New>
+</FormTemplates>
+</file>
+
 <file path=customXml/item3.xml><?xml version="1.0" encoding="utf-8"?>
 <p:properties xmlns:p="http://schemas.microsoft.com/office/2006/metadata/properties" xmlns:xsi="http://www.w3.org/2001/XMLSchema-instance" xmlns:pc="http://schemas.microsoft.com/office/infopath/2007/PartnerControls">
   <documentManagement/>
@@ -39587,14 +39595,6 @@
 </file>
 
 <file path=customXml/itemProps1.xml><?xml version="1.0" encoding="utf-8"?>
-<ds:datastoreItem xmlns:ds="http://schemas.openxmlformats.org/officeDocument/2006/customXml" ds:itemID="{42BC90D6-94CF-42F7-AAC4-9CF6824C54D5}">
-  <ds:schemaRefs>
-    <ds:schemaRef ds:uri="http://schemas.microsoft.com/sharepoint/v3/contenttype/forms"/>
-  </ds:schemaRefs>
-</ds:datastoreItem>
-</file>
-
-<file path=customXml/itemProps2.xml><?xml version="1.0" encoding="utf-8"?>
 <ds:datastoreItem xmlns:ds="http://schemas.openxmlformats.org/officeDocument/2006/customXml" ds:itemID="{1A503E23-9696-4358-8F00-F7F66AC755EB}">
   <ds:schemaRefs>
     <ds:schemaRef ds:uri="http://schemas.microsoft.com/office/2006/metadata/contentType"/>
@@ -39608,6 +39608,14 @@
     <ds:schemaRef ds:uri="http://purl.org/dc/elements/1.1/"/>
     <ds:schemaRef ds:uri="http://purl.org/dc/terms/"/>
     <ds:schemaRef ds:uri="http://schemas.microsoft.com/internal/obd"/>
+  </ds:schemaRefs>
+</ds:datastoreItem>
+</file>
+
+<file path=customXml/itemProps2.xml><?xml version="1.0" encoding="utf-8"?>
+<ds:datastoreItem xmlns:ds="http://schemas.openxmlformats.org/officeDocument/2006/customXml" ds:itemID="{42BC90D6-94CF-42F7-AAC4-9CF6824C54D5}">
+  <ds:schemaRefs>
+    <ds:schemaRef ds:uri="http://schemas.microsoft.com/sharepoint/v3/contenttype/forms"/>
   </ds:schemaRefs>
 </ds:datastoreItem>
 </file>

--- a/Presentazione/Presentazione_Progetto.pptx
+++ b/Presentazione/Presentazione_Progetto.pptx
@@ -180,7 +180,7 @@
   <pc:docChgLst>
     <pc:chgData name="Matteo MANGILI" userId="89c7df381375e6aa" providerId="LiveId" clId="{E6DC4EAA-0AC7-4D8A-9ABA-9B4C09DD8308}"/>
     <pc:docChg chg="undo custSel addSld delSld modSld sldOrd">
-      <pc:chgData name="Matteo MANGILI" userId="89c7df381375e6aa" providerId="LiveId" clId="{E6DC4EAA-0AC7-4D8A-9ABA-9B4C09DD8308}" dt="2024-03-24T17:17:59.050" v="21659" actId="20577"/>
+      <pc:chgData name="Matteo MANGILI" userId="89c7df381375e6aa" providerId="LiveId" clId="{E6DC4EAA-0AC7-4D8A-9ABA-9B4C09DD8308}" dt="2024-03-24T20:27:35.151" v="21660" actId="20577"/>
       <pc:docMkLst>
         <pc:docMk/>
       </pc:docMkLst>
@@ -760,13 +760,13 @@
         </pc:picChg>
       </pc:sldChg>
       <pc:sldChg chg="modSp mod">
-        <pc:chgData name="Matteo MANGILI" userId="89c7df381375e6aa" providerId="LiveId" clId="{E6DC4EAA-0AC7-4D8A-9ABA-9B4C09DD8308}" dt="2024-03-23T17:54:23.111" v="21128" actId="20577"/>
+        <pc:chgData name="Matteo MANGILI" userId="89c7df381375e6aa" providerId="LiveId" clId="{E6DC4EAA-0AC7-4D8A-9ABA-9B4C09DD8308}" dt="2024-03-24T20:27:35.151" v="21660" actId="20577"/>
         <pc:sldMkLst>
           <pc:docMk/>
           <pc:sldMk cId="1634375711" sldId="317"/>
         </pc:sldMkLst>
         <pc:spChg chg="mod">
-          <ac:chgData name="Matteo MANGILI" userId="89c7df381375e6aa" providerId="LiveId" clId="{E6DC4EAA-0AC7-4D8A-9ABA-9B4C09DD8308}" dt="2024-03-23T17:54:23.111" v="21128" actId="20577"/>
+          <ac:chgData name="Matteo MANGILI" userId="89c7df381375e6aa" providerId="LiveId" clId="{E6DC4EAA-0AC7-4D8A-9ABA-9B4C09DD8308}" dt="2024-03-24T20:27:35.151" v="21660" actId="20577"/>
           <ac:spMkLst>
             <pc:docMk/>
             <pc:sldMk cId="1634375711" sldId="317"/>
@@ -38508,7 +38508,7 @@
             </a:r>
             <a:r>
               <a:rPr lang="it-IT" sz="1900" dirty="0"/>
-              <a:t> del prodotto: l’obiettivo è permettere al programma di funzionare in modo corretto, rispondendo ai requisiti designati dal team e a quelli dell’utente (medico o sistema dell’ospedale). Il codice è organizzato in maniera semplice ed è stato sottoposto a dovuti casi di test,  per verificare l’affidabilità delle singole funzioni.</a:t>
+              <a:t> del prodotto: l’obiettivo è permettere al programma di funzionare in modo corretto, rispondendo ai requisiti designati dal team e a quelli dell’utente (medico o sistema dell’ospedale). Il codice è organizzato in maniera semplice ed è stato sottoposto a dovuti casi di test, per verificare l’affidabilità delle singole funzioni.</a:t>
             </a:r>
           </a:p>
           <a:p>
@@ -39418,6 +39418,15 @@
 </file>
 
 <file path=customXml/item1.xml><?xml version="1.0" encoding="utf-8"?>
+<?mso-contentType ?>
+<FormTemplates xmlns="http://schemas.microsoft.com/sharepoint/v3/contenttype/forms">
+  <Display>DocumentLibraryForm</Display>
+  <Edit>DocumentLibraryForm</Edit>
+  <New>DocumentLibraryForm</New>
+</FormTemplates>
+</file>
+
+<file path=customXml/item2.xml><?xml version="1.0" encoding="utf-8"?>
 <ct:contentTypeSchema xmlns:ct="http://schemas.microsoft.com/office/2006/metadata/contentType" xmlns:ma="http://schemas.microsoft.com/office/2006/metadata/properties/metaAttributes" ct:_="" ma:_="" ma:contentTypeName="Documento" ma:contentTypeID="0x0101007CE6213B20D2F945B0D1473923EE410F" ma:contentTypeVersion="7" ma:contentTypeDescription="Creare un nuovo documento." ma:contentTypeScope="" ma:versionID="dc8ac43e96b461727accd63cf925a5cf">
   <xsd:schema xmlns:xsd="http://www.w3.org/2001/XMLSchema" xmlns:xs="http://www.w3.org/2001/XMLSchema" xmlns:p="http://schemas.microsoft.com/office/2006/metadata/properties" xmlns:ns2="243f3390-b919-40e8-8195-3613e8527352" targetNamespace="http://schemas.microsoft.com/office/2006/metadata/properties" ma:root="true" ma:fieldsID="1987007e621e1b24d40e437f012b913d" ns2:_="">
     <xsd:import namespace="243f3390-b919-40e8-8195-3613e8527352"/>
@@ -39579,15 +39588,6 @@
 </ct:contentTypeSchema>
 </file>
 
-<file path=customXml/item2.xml><?xml version="1.0" encoding="utf-8"?>
-<?mso-contentType ?>
-<FormTemplates xmlns="http://schemas.microsoft.com/sharepoint/v3/contenttype/forms">
-  <Display>DocumentLibraryForm</Display>
-  <Edit>DocumentLibraryForm</Edit>
-  <New>DocumentLibraryForm</New>
-</FormTemplates>
-</file>
-
 <file path=customXml/item3.xml><?xml version="1.0" encoding="utf-8"?>
 <p:properties xmlns:p="http://schemas.microsoft.com/office/2006/metadata/properties" xmlns:xsi="http://www.w3.org/2001/XMLSchema-instance" xmlns:pc="http://schemas.microsoft.com/office/infopath/2007/PartnerControls">
   <documentManagement/>
@@ -39595,6 +39595,14 @@
 </file>
 
 <file path=customXml/itemProps1.xml><?xml version="1.0" encoding="utf-8"?>
+<ds:datastoreItem xmlns:ds="http://schemas.openxmlformats.org/officeDocument/2006/customXml" ds:itemID="{42BC90D6-94CF-42F7-AAC4-9CF6824C54D5}">
+  <ds:schemaRefs>
+    <ds:schemaRef ds:uri="http://schemas.microsoft.com/sharepoint/v3/contenttype/forms"/>
+  </ds:schemaRefs>
+</ds:datastoreItem>
+</file>
+
+<file path=customXml/itemProps2.xml><?xml version="1.0" encoding="utf-8"?>
 <ds:datastoreItem xmlns:ds="http://schemas.openxmlformats.org/officeDocument/2006/customXml" ds:itemID="{1A503E23-9696-4358-8F00-F7F66AC755EB}">
   <ds:schemaRefs>
     <ds:schemaRef ds:uri="http://schemas.microsoft.com/office/2006/metadata/contentType"/>
@@ -39608,14 +39616,6 @@
     <ds:schemaRef ds:uri="http://purl.org/dc/elements/1.1/"/>
     <ds:schemaRef ds:uri="http://purl.org/dc/terms/"/>
     <ds:schemaRef ds:uri="http://schemas.microsoft.com/internal/obd"/>
-  </ds:schemaRefs>
-</ds:datastoreItem>
-</file>
-
-<file path=customXml/itemProps2.xml><?xml version="1.0" encoding="utf-8"?>
-<ds:datastoreItem xmlns:ds="http://schemas.openxmlformats.org/officeDocument/2006/customXml" ds:itemID="{42BC90D6-94CF-42F7-AAC4-9CF6824C54D5}">
-  <ds:schemaRefs>
-    <ds:schemaRef ds:uri="http://schemas.microsoft.com/sharepoint/v3/contenttype/forms"/>
   </ds:schemaRefs>
 </ds:datastoreItem>
 </file>

--- a/Presentazione/Presentazione_Progetto.pptx
+++ b/Presentazione/Presentazione_Progetto.pptx
@@ -180,7 +180,7 @@
   <pc:docChgLst>
     <pc:chgData name="Matteo MANGILI" userId="89c7df381375e6aa" providerId="LiveId" clId="{E6DC4EAA-0AC7-4D8A-9ABA-9B4C09DD8308}"/>
     <pc:docChg chg="undo custSel addSld delSld modSld sldOrd">
-      <pc:chgData name="Matteo MANGILI" userId="89c7df381375e6aa" providerId="LiveId" clId="{E6DC4EAA-0AC7-4D8A-9ABA-9B4C09DD8308}" dt="2024-03-24T20:27:35.151" v="21660" actId="20577"/>
+      <pc:chgData name="Matteo MANGILI" userId="89c7df381375e6aa" providerId="LiveId" clId="{E6DC4EAA-0AC7-4D8A-9ABA-9B4C09DD8308}" dt="2024-03-25T07:27:44.678" v="21928" actId="20577"/>
       <pc:docMkLst>
         <pc:docMk/>
       </pc:docMkLst>
@@ -1001,7 +1001,7 @@
         </pc:picChg>
       </pc:sldChg>
       <pc:sldChg chg="modSp add mod">
-        <pc:chgData name="Matteo MANGILI" userId="89c7df381375e6aa" providerId="LiveId" clId="{E6DC4EAA-0AC7-4D8A-9ABA-9B4C09DD8308}" dt="2024-03-24T15:42:25.881" v="21298" actId="20577"/>
+        <pc:chgData name="Matteo MANGILI" userId="89c7df381375e6aa" providerId="LiveId" clId="{E6DC4EAA-0AC7-4D8A-9ABA-9B4C09DD8308}" dt="2024-03-25T07:27:44.678" v="21928" actId="20577"/>
         <pc:sldMkLst>
           <pc:docMk/>
           <pc:sldMk cId="2689722702" sldId="324"/>
@@ -1015,7 +1015,7 @@
           </ac:spMkLst>
         </pc:spChg>
         <pc:spChg chg="mod">
-          <ac:chgData name="Matteo MANGILI" userId="89c7df381375e6aa" providerId="LiveId" clId="{E6DC4EAA-0AC7-4D8A-9ABA-9B4C09DD8308}" dt="2024-03-24T15:42:25.881" v="21298" actId="20577"/>
+          <ac:chgData name="Matteo MANGILI" userId="89c7df381375e6aa" providerId="LiveId" clId="{E6DC4EAA-0AC7-4D8A-9ABA-9B4C09DD8308}" dt="2024-03-25T07:27:44.678" v="21928" actId="20577"/>
           <ac:spMkLst>
             <pc:docMk/>
             <pc:sldMk cId="2689722702" sldId="324"/>
@@ -1871,7 +1871,7 @@
             <a:pPr rtl="0"/>
             <a:fld id="{DBC54730-5EBA-4920-A6C4-7F8458A7F940}" type="datetime1">
               <a:rPr lang="it-IT" smtClean="0"/>
-              <a:t>24/03/2024</a:t>
+              <a:t>25/03/2024</a:t>
             </a:fld>
             <a:endParaRPr lang="it-IT" dirty="0"/>
           </a:p>
@@ -2053,7 +2053,7 @@
             <a:fld id="{85EC1C34-318D-43A8-83F5-3AC8647FE75E}" type="datetime1">
               <a:rPr lang="it-IT" smtClean="0"/>
               <a:pPr/>
-              <a:t>24/03/2024</a:t>
+              <a:t>25/03/2024</a:t>
             </a:fld>
             <a:endParaRPr lang="it-IT" dirty="0"/>
           </a:p>
@@ -31327,6 +3132